--- a/발표자료/업데이트/LJHPPT.pptx
+++ b/발표자료/업데이트/LJHPPT.pptx
@@ -108,7 +108,7 @@
   </p:defaultTextStyle>
   <p:extLst>
     <p:ext uri="{EFAFB233-063F-42B5-8137-9DF3F51BA10A}">
-      <p15:sldGuideLst xmlns:p15="http://schemas.microsoft.com/office/powerpoint/2012/main" xmlns="">
+      <p15:sldGuideLst xmlns="" xmlns:p15="http://schemas.microsoft.com/office/powerpoint/2012/main">
         <p15:guide id="1" orient="horz" pos="2160" userDrawn="1">
           <p15:clr>
             <a:srgbClr val="A4A3A4"/>
@@ -147,7 +147,7 @@
           <p:cNvPr id="2" name="제목 1">
             <a:extLst>
               <a:ext uri="{FF2B5EF4-FFF2-40B4-BE49-F238E27FC236}">
-                <a16:creationId xmlns:a16="http://schemas.microsoft.com/office/drawing/2014/main" xmlns="" id="{544428E6-48F8-48FF-A4B7-7E67A9EE0B77}"/>
+                <a16:creationId xmlns="" xmlns:a16="http://schemas.microsoft.com/office/drawing/2014/main" id="{544428E6-48F8-48FF-A4B7-7E67A9EE0B77}"/>
               </a:ext>
             </a:extLst>
           </p:cNvPr>
@@ -184,7 +184,7 @@
           <p:cNvPr id="3" name="부제목 2">
             <a:extLst>
               <a:ext uri="{FF2B5EF4-FFF2-40B4-BE49-F238E27FC236}">
-                <a16:creationId xmlns:a16="http://schemas.microsoft.com/office/drawing/2014/main" xmlns="" id="{FBA2431C-BDF3-4534-AED0-115F103A462A}"/>
+                <a16:creationId xmlns="" xmlns:a16="http://schemas.microsoft.com/office/drawing/2014/main" id="{FBA2431C-BDF3-4534-AED0-115F103A462A}"/>
               </a:ext>
             </a:extLst>
           </p:cNvPr>
@@ -254,7 +254,7 @@
           <p:cNvPr id="4" name="날짜 개체 틀 3">
             <a:extLst>
               <a:ext uri="{FF2B5EF4-FFF2-40B4-BE49-F238E27FC236}">
-                <a16:creationId xmlns:a16="http://schemas.microsoft.com/office/drawing/2014/main" xmlns="" id="{420173CB-01B9-4295-A804-D7D5973D6277}"/>
+                <a16:creationId xmlns="" xmlns:a16="http://schemas.microsoft.com/office/drawing/2014/main" id="{420173CB-01B9-4295-A804-D7D5973D6277}"/>
               </a:ext>
             </a:extLst>
           </p:cNvPr>
@@ -272,7 +272,7 @@
           <a:p>
             <a:fld id="{246E467A-4026-4A8D-97BF-715EF7FA6491}" type="datetimeFigureOut">
               <a:rPr lang="ko-KR" altLang="en-US" smtClean="0"/>
-              <a:t>2023-02-15</a:t>
+              <a:t>2023-02-22</a:t>
             </a:fld>
             <a:endParaRPr lang="ko-KR" altLang="en-US"/>
           </a:p>
@@ -283,7 +283,7 @@
           <p:cNvPr id="5" name="바닥글 개체 틀 4">
             <a:extLst>
               <a:ext uri="{FF2B5EF4-FFF2-40B4-BE49-F238E27FC236}">
-                <a16:creationId xmlns:a16="http://schemas.microsoft.com/office/drawing/2014/main" xmlns="" id="{E1C5FE16-77A0-484E-AEFD-FF537292ECD0}"/>
+                <a16:creationId xmlns="" xmlns:a16="http://schemas.microsoft.com/office/drawing/2014/main" id="{E1C5FE16-77A0-484E-AEFD-FF537292ECD0}"/>
               </a:ext>
             </a:extLst>
           </p:cNvPr>
@@ -308,7 +308,7 @@
           <p:cNvPr id="6" name="슬라이드 번호 개체 틀 5">
             <a:extLst>
               <a:ext uri="{FF2B5EF4-FFF2-40B4-BE49-F238E27FC236}">
-                <a16:creationId xmlns:a16="http://schemas.microsoft.com/office/drawing/2014/main" xmlns="" id="{69F3DF25-2E65-49D3-8F6F-64AA11097B17}"/>
+                <a16:creationId xmlns="" xmlns:a16="http://schemas.microsoft.com/office/drawing/2014/main" id="{69F3DF25-2E65-49D3-8F6F-64AA11097B17}"/>
               </a:ext>
             </a:extLst>
           </p:cNvPr>
@@ -367,7 +367,7 @@
           <p:cNvPr id="2" name="제목 1">
             <a:extLst>
               <a:ext uri="{FF2B5EF4-FFF2-40B4-BE49-F238E27FC236}">
-                <a16:creationId xmlns:a16="http://schemas.microsoft.com/office/drawing/2014/main" xmlns="" id="{0E520652-E714-4A15-826F-1B53C7092B68}"/>
+                <a16:creationId xmlns="" xmlns:a16="http://schemas.microsoft.com/office/drawing/2014/main" id="{0E520652-E714-4A15-826F-1B53C7092B68}"/>
               </a:ext>
             </a:extLst>
           </p:cNvPr>
@@ -395,7 +395,7 @@
           <p:cNvPr id="3" name="세로 텍스트 개체 틀 2">
             <a:extLst>
               <a:ext uri="{FF2B5EF4-FFF2-40B4-BE49-F238E27FC236}">
-                <a16:creationId xmlns:a16="http://schemas.microsoft.com/office/drawing/2014/main" xmlns="" id="{1C14771D-DE0A-400C-8C59-8670E31F7094}"/>
+                <a16:creationId xmlns="" xmlns:a16="http://schemas.microsoft.com/office/drawing/2014/main" id="{1C14771D-DE0A-400C-8C59-8670E31F7094}"/>
               </a:ext>
             </a:extLst>
           </p:cNvPr>
@@ -452,7 +452,7 @@
           <p:cNvPr id="4" name="날짜 개체 틀 3">
             <a:extLst>
               <a:ext uri="{FF2B5EF4-FFF2-40B4-BE49-F238E27FC236}">
-                <a16:creationId xmlns:a16="http://schemas.microsoft.com/office/drawing/2014/main" xmlns="" id="{5CBEACB7-48C9-4FB8-8D34-7F4C63932697}"/>
+                <a16:creationId xmlns="" xmlns:a16="http://schemas.microsoft.com/office/drawing/2014/main" id="{5CBEACB7-48C9-4FB8-8D34-7F4C63932697}"/>
               </a:ext>
             </a:extLst>
           </p:cNvPr>
@@ -470,7 +470,7 @@
           <a:p>
             <a:fld id="{246E467A-4026-4A8D-97BF-715EF7FA6491}" type="datetimeFigureOut">
               <a:rPr lang="ko-KR" altLang="en-US" smtClean="0"/>
-              <a:t>2023-02-15</a:t>
+              <a:t>2023-02-22</a:t>
             </a:fld>
             <a:endParaRPr lang="ko-KR" altLang="en-US"/>
           </a:p>
@@ -481,7 +481,7 @@
           <p:cNvPr id="5" name="바닥글 개체 틀 4">
             <a:extLst>
               <a:ext uri="{FF2B5EF4-FFF2-40B4-BE49-F238E27FC236}">
-                <a16:creationId xmlns:a16="http://schemas.microsoft.com/office/drawing/2014/main" xmlns="" id="{5BD31818-B6CD-47B0-9353-395CC53986D6}"/>
+                <a16:creationId xmlns="" xmlns:a16="http://schemas.microsoft.com/office/drawing/2014/main" id="{5BD31818-B6CD-47B0-9353-395CC53986D6}"/>
               </a:ext>
             </a:extLst>
           </p:cNvPr>
@@ -506,7 +506,7 @@
           <p:cNvPr id="6" name="슬라이드 번호 개체 틀 5">
             <a:extLst>
               <a:ext uri="{FF2B5EF4-FFF2-40B4-BE49-F238E27FC236}">
-                <a16:creationId xmlns:a16="http://schemas.microsoft.com/office/drawing/2014/main" xmlns="" id="{BD008922-CAE3-4884-AE59-2BC74144C74C}"/>
+                <a16:creationId xmlns="" xmlns:a16="http://schemas.microsoft.com/office/drawing/2014/main" id="{BD008922-CAE3-4884-AE59-2BC74144C74C}"/>
               </a:ext>
             </a:extLst>
           </p:cNvPr>
@@ -565,7 +565,7 @@
           <p:cNvPr id="2" name="세로 제목 1">
             <a:extLst>
               <a:ext uri="{FF2B5EF4-FFF2-40B4-BE49-F238E27FC236}">
-                <a16:creationId xmlns:a16="http://schemas.microsoft.com/office/drawing/2014/main" xmlns="" id="{A3371B8A-69A6-43D4-8783-6456E33508F7}"/>
+                <a16:creationId xmlns="" xmlns:a16="http://schemas.microsoft.com/office/drawing/2014/main" id="{A3371B8A-69A6-43D4-8783-6456E33508F7}"/>
               </a:ext>
             </a:extLst>
           </p:cNvPr>
@@ -598,7 +598,7 @@
           <p:cNvPr id="3" name="세로 텍스트 개체 틀 2">
             <a:extLst>
               <a:ext uri="{FF2B5EF4-FFF2-40B4-BE49-F238E27FC236}">
-                <a16:creationId xmlns:a16="http://schemas.microsoft.com/office/drawing/2014/main" xmlns="" id="{049DA1AA-3028-44E4-B5B0-C19BF61DC48A}"/>
+                <a16:creationId xmlns="" xmlns:a16="http://schemas.microsoft.com/office/drawing/2014/main" id="{049DA1AA-3028-44E4-B5B0-C19BF61DC48A}"/>
               </a:ext>
             </a:extLst>
           </p:cNvPr>
@@ -660,7 +660,7 @@
           <p:cNvPr id="4" name="날짜 개체 틀 3">
             <a:extLst>
               <a:ext uri="{FF2B5EF4-FFF2-40B4-BE49-F238E27FC236}">
-                <a16:creationId xmlns:a16="http://schemas.microsoft.com/office/drawing/2014/main" xmlns="" id="{ED2BCD8D-3E10-4F33-BC43-EACB05C0B415}"/>
+                <a16:creationId xmlns="" xmlns:a16="http://schemas.microsoft.com/office/drawing/2014/main" id="{ED2BCD8D-3E10-4F33-BC43-EACB05C0B415}"/>
               </a:ext>
             </a:extLst>
           </p:cNvPr>
@@ -678,7 +678,7 @@
           <a:p>
             <a:fld id="{246E467A-4026-4A8D-97BF-715EF7FA6491}" type="datetimeFigureOut">
               <a:rPr lang="ko-KR" altLang="en-US" smtClean="0"/>
-              <a:t>2023-02-15</a:t>
+              <a:t>2023-02-22</a:t>
             </a:fld>
             <a:endParaRPr lang="ko-KR" altLang="en-US"/>
           </a:p>
@@ -689,7 +689,7 @@
           <p:cNvPr id="5" name="바닥글 개체 틀 4">
             <a:extLst>
               <a:ext uri="{FF2B5EF4-FFF2-40B4-BE49-F238E27FC236}">
-                <a16:creationId xmlns:a16="http://schemas.microsoft.com/office/drawing/2014/main" xmlns="" id="{33E365BE-78DE-4079-B7F3-706874E92415}"/>
+                <a16:creationId xmlns="" xmlns:a16="http://schemas.microsoft.com/office/drawing/2014/main" id="{33E365BE-78DE-4079-B7F3-706874E92415}"/>
               </a:ext>
             </a:extLst>
           </p:cNvPr>
@@ -714,7 +714,7 @@
           <p:cNvPr id="6" name="슬라이드 번호 개체 틀 5">
             <a:extLst>
               <a:ext uri="{FF2B5EF4-FFF2-40B4-BE49-F238E27FC236}">
-                <a16:creationId xmlns:a16="http://schemas.microsoft.com/office/drawing/2014/main" xmlns="" id="{6F0D9E52-1AFA-4482-A474-91FF4C5C683A}"/>
+                <a16:creationId xmlns="" xmlns:a16="http://schemas.microsoft.com/office/drawing/2014/main" id="{6F0D9E52-1AFA-4482-A474-91FF4C5C683A}"/>
               </a:ext>
             </a:extLst>
           </p:cNvPr>
@@ -773,7 +773,7 @@
           <p:cNvPr id="2" name="제목 1">
             <a:extLst>
               <a:ext uri="{FF2B5EF4-FFF2-40B4-BE49-F238E27FC236}">
-                <a16:creationId xmlns:a16="http://schemas.microsoft.com/office/drawing/2014/main" xmlns="" id="{60DBF82B-6C4A-4F6E-A362-B2BF3BDC30D7}"/>
+                <a16:creationId xmlns="" xmlns:a16="http://schemas.microsoft.com/office/drawing/2014/main" id="{60DBF82B-6C4A-4F6E-A362-B2BF3BDC30D7}"/>
               </a:ext>
             </a:extLst>
           </p:cNvPr>
@@ -801,7 +801,7 @@
           <p:cNvPr id="3" name="내용 개체 틀 2">
             <a:extLst>
               <a:ext uri="{FF2B5EF4-FFF2-40B4-BE49-F238E27FC236}">
-                <a16:creationId xmlns:a16="http://schemas.microsoft.com/office/drawing/2014/main" xmlns="" id="{BDE6E910-43A6-49D6-A1B5-99E3B0C27E2D}"/>
+                <a16:creationId xmlns="" xmlns:a16="http://schemas.microsoft.com/office/drawing/2014/main" id="{BDE6E910-43A6-49D6-A1B5-99E3B0C27E2D}"/>
               </a:ext>
             </a:extLst>
           </p:cNvPr>
@@ -858,7 +858,7 @@
           <p:cNvPr id="4" name="날짜 개체 틀 3">
             <a:extLst>
               <a:ext uri="{FF2B5EF4-FFF2-40B4-BE49-F238E27FC236}">
-                <a16:creationId xmlns:a16="http://schemas.microsoft.com/office/drawing/2014/main" xmlns="" id="{2F0DB3AC-66C4-4244-9CE9-54D71AA59C90}"/>
+                <a16:creationId xmlns="" xmlns:a16="http://schemas.microsoft.com/office/drawing/2014/main" id="{2F0DB3AC-66C4-4244-9CE9-54D71AA59C90}"/>
               </a:ext>
             </a:extLst>
           </p:cNvPr>
@@ -876,7 +876,7 @@
           <a:p>
             <a:fld id="{246E467A-4026-4A8D-97BF-715EF7FA6491}" type="datetimeFigureOut">
               <a:rPr lang="ko-KR" altLang="en-US" smtClean="0"/>
-              <a:t>2023-02-15</a:t>
+              <a:t>2023-02-22</a:t>
             </a:fld>
             <a:endParaRPr lang="ko-KR" altLang="en-US"/>
           </a:p>
@@ -887,7 +887,7 @@
           <p:cNvPr id="5" name="바닥글 개체 틀 4">
             <a:extLst>
               <a:ext uri="{FF2B5EF4-FFF2-40B4-BE49-F238E27FC236}">
-                <a16:creationId xmlns:a16="http://schemas.microsoft.com/office/drawing/2014/main" xmlns="" id="{3992C886-882E-440B-806C-B06DE5089026}"/>
+                <a16:creationId xmlns="" xmlns:a16="http://schemas.microsoft.com/office/drawing/2014/main" id="{3992C886-882E-440B-806C-B06DE5089026}"/>
               </a:ext>
             </a:extLst>
           </p:cNvPr>
@@ -912,7 +912,7 @@
           <p:cNvPr id="6" name="슬라이드 번호 개체 틀 5">
             <a:extLst>
               <a:ext uri="{FF2B5EF4-FFF2-40B4-BE49-F238E27FC236}">
-                <a16:creationId xmlns:a16="http://schemas.microsoft.com/office/drawing/2014/main" xmlns="" id="{9A9323D2-1426-48F9-A93B-729E72E2B2BB}"/>
+                <a16:creationId xmlns="" xmlns:a16="http://schemas.microsoft.com/office/drawing/2014/main" id="{9A9323D2-1426-48F9-A93B-729E72E2B2BB}"/>
               </a:ext>
             </a:extLst>
           </p:cNvPr>
@@ -971,7 +971,7 @@
           <p:cNvPr id="2" name="제목 1">
             <a:extLst>
               <a:ext uri="{FF2B5EF4-FFF2-40B4-BE49-F238E27FC236}">
-                <a16:creationId xmlns:a16="http://schemas.microsoft.com/office/drawing/2014/main" xmlns="" id="{7153C500-C8D9-4EBC-AC73-9F7D65F03E32}"/>
+                <a16:creationId xmlns="" xmlns:a16="http://schemas.microsoft.com/office/drawing/2014/main" id="{7153C500-C8D9-4EBC-AC73-9F7D65F03E32}"/>
               </a:ext>
             </a:extLst>
           </p:cNvPr>
@@ -1008,7 +1008,7 @@
           <p:cNvPr id="3" name="텍스트 개체 틀 2">
             <a:extLst>
               <a:ext uri="{FF2B5EF4-FFF2-40B4-BE49-F238E27FC236}">
-                <a16:creationId xmlns:a16="http://schemas.microsoft.com/office/drawing/2014/main" xmlns="" id="{4E56CD17-259A-42E8-B64F-04C51B7C1C5F}"/>
+                <a16:creationId xmlns="" xmlns:a16="http://schemas.microsoft.com/office/drawing/2014/main" id="{4E56CD17-259A-42E8-B64F-04C51B7C1C5F}"/>
               </a:ext>
             </a:extLst>
           </p:cNvPr>
@@ -1133,7 +1133,7 @@
           <p:cNvPr id="4" name="날짜 개체 틀 3">
             <a:extLst>
               <a:ext uri="{FF2B5EF4-FFF2-40B4-BE49-F238E27FC236}">
-                <a16:creationId xmlns:a16="http://schemas.microsoft.com/office/drawing/2014/main" xmlns="" id="{CE976CE5-8C59-42A2-A597-465DEAC8E5A7}"/>
+                <a16:creationId xmlns="" xmlns:a16="http://schemas.microsoft.com/office/drawing/2014/main" id="{CE976CE5-8C59-42A2-A597-465DEAC8E5A7}"/>
               </a:ext>
             </a:extLst>
           </p:cNvPr>
@@ -1151,7 +1151,7 @@
           <a:p>
             <a:fld id="{246E467A-4026-4A8D-97BF-715EF7FA6491}" type="datetimeFigureOut">
               <a:rPr lang="ko-KR" altLang="en-US" smtClean="0"/>
-              <a:t>2023-02-15</a:t>
+              <a:t>2023-02-22</a:t>
             </a:fld>
             <a:endParaRPr lang="ko-KR" altLang="en-US"/>
           </a:p>
@@ -1162,7 +1162,7 @@
           <p:cNvPr id="5" name="바닥글 개체 틀 4">
             <a:extLst>
               <a:ext uri="{FF2B5EF4-FFF2-40B4-BE49-F238E27FC236}">
-                <a16:creationId xmlns:a16="http://schemas.microsoft.com/office/drawing/2014/main" xmlns="" id="{742312C6-1DCE-41BC-B5FA-FCFF5BE3B9E6}"/>
+                <a16:creationId xmlns="" xmlns:a16="http://schemas.microsoft.com/office/drawing/2014/main" id="{742312C6-1DCE-41BC-B5FA-FCFF5BE3B9E6}"/>
               </a:ext>
             </a:extLst>
           </p:cNvPr>
@@ -1187,7 +1187,7 @@
           <p:cNvPr id="6" name="슬라이드 번호 개체 틀 5">
             <a:extLst>
               <a:ext uri="{FF2B5EF4-FFF2-40B4-BE49-F238E27FC236}">
-                <a16:creationId xmlns:a16="http://schemas.microsoft.com/office/drawing/2014/main" xmlns="" id="{664339A5-69DC-4256-84CA-F160D48ED02B}"/>
+                <a16:creationId xmlns="" xmlns:a16="http://schemas.microsoft.com/office/drawing/2014/main" id="{664339A5-69DC-4256-84CA-F160D48ED02B}"/>
               </a:ext>
             </a:extLst>
           </p:cNvPr>
@@ -1246,7 +1246,7 @@
           <p:cNvPr id="2" name="제목 1">
             <a:extLst>
               <a:ext uri="{FF2B5EF4-FFF2-40B4-BE49-F238E27FC236}">
-                <a16:creationId xmlns:a16="http://schemas.microsoft.com/office/drawing/2014/main" xmlns="" id="{BCF37A4D-E01E-45A7-B166-73EE7826C0E7}"/>
+                <a16:creationId xmlns="" xmlns:a16="http://schemas.microsoft.com/office/drawing/2014/main" id="{BCF37A4D-E01E-45A7-B166-73EE7826C0E7}"/>
               </a:ext>
             </a:extLst>
           </p:cNvPr>
@@ -1274,7 +1274,7 @@
           <p:cNvPr id="3" name="내용 개체 틀 2">
             <a:extLst>
               <a:ext uri="{FF2B5EF4-FFF2-40B4-BE49-F238E27FC236}">
-                <a16:creationId xmlns:a16="http://schemas.microsoft.com/office/drawing/2014/main" xmlns="" id="{A70D6757-7DA6-452C-9903-7536978F1556}"/>
+                <a16:creationId xmlns="" xmlns:a16="http://schemas.microsoft.com/office/drawing/2014/main" id="{A70D6757-7DA6-452C-9903-7536978F1556}"/>
               </a:ext>
             </a:extLst>
           </p:cNvPr>
@@ -1336,7 +1336,7 @@
           <p:cNvPr id="4" name="내용 개체 틀 3">
             <a:extLst>
               <a:ext uri="{FF2B5EF4-FFF2-40B4-BE49-F238E27FC236}">
-                <a16:creationId xmlns:a16="http://schemas.microsoft.com/office/drawing/2014/main" xmlns="" id="{23DCC3C8-286B-4184-8752-32BC3B116B8E}"/>
+                <a16:creationId xmlns="" xmlns:a16="http://schemas.microsoft.com/office/drawing/2014/main" id="{23DCC3C8-286B-4184-8752-32BC3B116B8E}"/>
               </a:ext>
             </a:extLst>
           </p:cNvPr>
@@ -1398,7 +1398,7 @@
           <p:cNvPr id="5" name="날짜 개체 틀 4">
             <a:extLst>
               <a:ext uri="{FF2B5EF4-FFF2-40B4-BE49-F238E27FC236}">
-                <a16:creationId xmlns:a16="http://schemas.microsoft.com/office/drawing/2014/main" xmlns="" id="{7ECA751A-C45B-42C8-893F-826B22E76CF6}"/>
+                <a16:creationId xmlns="" xmlns:a16="http://schemas.microsoft.com/office/drawing/2014/main" id="{7ECA751A-C45B-42C8-893F-826B22E76CF6}"/>
               </a:ext>
             </a:extLst>
           </p:cNvPr>
@@ -1416,7 +1416,7 @@
           <a:p>
             <a:fld id="{246E467A-4026-4A8D-97BF-715EF7FA6491}" type="datetimeFigureOut">
               <a:rPr lang="ko-KR" altLang="en-US" smtClean="0"/>
-              <a:t>2023-02-15</a:t>
+              <a:t>2023-02-22</a:t>
             </a:fld>
             <a:endParaRPr lang="ko-KR" altLang="en-US"/>
           </a:p>
@@ -1427,7 +1427,7 @@
           <p:cNvPr id="6" name="바닥글 개체 틀 5">
             <a:extLst>
               <a:ext uri="{FF2B5EF4-FFF2-40B4-BE49-F238E27FC236}">
-                <a16:creationId xmlns:a16="http://schemas.microsoft.com/office/drawing/2014/main" xmlns="" id="{9F77210C-0EDE-42F3-A19F-12B3884B4393}"/>
+                <a16:creationId xmlns="" xmlns:a16="http://schemas.microsoft.com/office/drawing/2014/main" id="{9F77210C-0EDE-42F3-A19F-12B3884B4393}"/>
               </a:ext>
             </a:extLst>
           </p:cNvPr>
@@ -1452,7 +1452,7 @@
           <p:cNvPr id="7" name="슬라이드 번호 개체 틀 6">
             <a:extLst>
               <a:ext uri="{FF2B5EF4-FFF2-40B4-BE49-F238E27FC236}">
-                <a16:creationId xmlns:a16="http://schemas.microsoft.com/office/drawing/2014/main" xmlns="" id="{3215D590-E2D2-480C-AF73-67D855C553CB}"/>
+                <a16:creationId xmlns="" xmlns:a16="http://schemas.microsoft.com/office/drawing/2014/main" id="{3215D590-E2D2-480C-AF73-67D855C553CB}"/>
               </a:ext>
             </a:extLst>
           </p:cNvPr>
@@ -1511,7 +1511,7 @@
           <p:cNvPr id="2" name="제목 1">
             <a:extLst>
               <a:ext uri="{FF2B5EF4-FFF2-40B4-BE49-F238E27FC236}">
-                <a16:creationId xmlns:a16="http://schemas.microsoft.com/office/drawing/2014/main" xmlns="" id="{E1E3AF97-024B-4EF1-B5B6-2E362F07CDB3}"/>
+                <a16:creationId xmlns="" xmlns:a16="http://schemas.microsoft.com/office/drawing/2014/main" id="{E1E3AF97-024B-4EF1-B5B6-2E362F07CDB3}"/>
               </a:ext>
             </a:extLst>
           </p:cNvPr>
@@ -1544,7 +1544,7 @@
           <p:cNvPr id="3" name="텍스트 개체 틀 2">
             <a:extLst>
               <a:ext uri="{FF2B5EF4-FFF2-40B4-BE49-F238E27FC236}">
-                <a16:creationId xmlns:a16="http://schemas.microsoft.com/office/drawing/2014/main" xmlns="" id="{2B41334B-2AA0-4E32-9445-B691EAB2831F}"/>
+                <a16:creationId xmlns="" xmlns:a16="http://schemas.microsoft.com/office/drawing/2014/main" id="{2B41334B-2AA0-4E32-9445-B691EAB2831F}"/>
               </a:ext>
             </a:extLst>
           </p:cNvPr>
@@ -1615,7 +1615,7 @@
           <p:cNvPr id="4" name="내용 개체 틀 3">
             <a:extLst>
               <a:ext uri="{FF2B5EF4-FFF2-40B4-BE49-F238E27FC236}">
-                <a16:creationId xmlns:a16="http://schemas.microsoft.com/office/drawing/2014/main" xmlns="" id="{BDB62D6F-224F-4433-9752-11A255D323D4}"/>
+                <a16:creationId xmlns="" xmlns:a16="http://schemas.microsoft.com/office/drawing/2014/main" id="{BDB62D6F-224F-4433-9752-11A255D323D4}"/>
               </a:ext>
             </a:extLst>
           </p:cNvPr>
@@ -1677,7 +1677,7 @@
           <p:cNvPr id="5" name="텍스트 개체 틀 4">
             <a:extLst>
               <a:ext uri="{FF2B5EF4-FFF2-40B4-BE49-F238E27FC236}">
-                <a16:creationId xmlns:a16="http://schemas.microsoft.com/office/drawing/2014/main" xmlns="" id="{DD04EE0E-6C7E-4160-86AA-136E97F9FD62}"/>
+                <a16:creationId xmlns="" xmlns:a16="http://schemas.microsoft.com/office/drawing/2014/main" id="{DD04EE0E-6C7E-4160-86AA-136E97F9FD62}"/>
               </a:ext>
             </a:extLst>
           </p:cNvPr>
@@ -1748,7 +1748,7 @@
           <p:cNvPr id="6" name="내용 개체 틀 5">
             <a:extLst>
               <a:ext uri="{FF2B5EF4-FFF2-40B4-BE49-F238E27FC236}">
-                <a16:creationId xmlns:a16="http://schemas.microsoft.com/office/drawing/2014/main" xmlns="" id="{1B390FB9-7573-4784-A2A4-EDF1B3C59FF4}"/>
+                <a16:creationId xmlns="" xmlns:a16="http://schemas.microsoft.com/office/drawing/2014/main" id="{1B390FB9-7573-4784-A2A4-EDF1B3C59FF4}"/>
               </a:ext>
             </a:extLst>
           </p:cNvPr>
@@ -1810,7 +1810,7 @@
           <p:cNvPr id="7" name="날짜 개체 틀 6">
             <a:extLst>
               <a:ext uri="{FF2B5EF4-FFF2-40B4-BE49-F238E27FC236}">
-                <a16:creationId xmlns:a16="http://schemas.microsoft.com/office/drawing/2014/main" xmlns="" id="{F464B30B-9C6A-4C96-8DB5-BCE9A09F77BB}"/>
+                <a16:creationId xmlns="" xmlns:a16="http://schemas.microsoft.com/office/drawing/2014/main" id="{F464B30B-9C6A-4C96-8DB5-BCE9A09F77BB}"/>
               </a:ext>
             </a:extLst>
           </p:cNvPr>
@@ -1828,7 +1828,7 @@
           <a:p>
             <a:fld id="{246E467A-4026-4A8D-97BF-715EF7FA6491}" type="datetimeFigureOut">
               <a:rPr lang="ko-KR" altLang="en-US" smtClean="0"/>
-              <a:t>2023-02-15</a:t>
+              <a:t>2023-02-22</a:t>
             </a:fld>
             <a:endParaRPr lang="ko-KR" altLang="en-US"/>
           </a:p>
@@ -1839,7 +1839,7 @@
           <p:cNvPr id="8" name="바닥글 개체 틀 7">
             <a:extLst>
               <a:ext uri="{FF2B5EF4-FFF2-40B4-BE49-F238E27FC236}">
-                <a16:creationId xmlns:a16="http://schemas.microsoft.com/office/drawing/2014/main" xmlns="" id="{16A11AC4-2315-46FE-81A4-FE4B843497D9}"/>
+                <a16:creationId xmlns="" xmlns:a16="http://schemas.microsoft.com/office/drawing/2014/main" id="{16A11AC4-2315-46FE-81A4-FE4B843497D9}"/>
               </a:ext>
             </a:extLst>
           </p:cNvPr>
@@ -1864,7 +1864,7 @@
           <p:cNvPr id="9" name="슬라이드 번호 개체 틀 8">
             <a:extLst>
               <a:ext uri="{FF2B5EF4-FFF2-40B4-BE49-F238E27FC236}">
-                <a16:creationId xmlns:a16="http://schemas.microsoft.com/office/drawing/2014/main" xmlns="" id="{DC2D39CB-CB92-40B8-9B0C-3FBBBDF9DDF4}"/>
+                <a16:creationId xmlns="" xmlns:a16="http://schemas.microsoft.com/office/drawing/2014/main" id="{DC2D39CB-CB92-40B8-9B0C-3FBBBDF9DDF4}"/>
               </a:ext>
             </a:extLst>
           </p:cNvPr>
@@ -1923,7 +1923,7 @@
           <p:cNvPr id="2" name="제목 1">
             <a:extLst>
               <a:ext uri="{FF2B5EF4-FFF2-40B4-BE49-F238E27FC236}">
-                <a16:creationId xmlns:a16="http://schemas.microsoft.com/office/drawing/2014/main" xmlns="" id="{90E32E25-F5B3-41EE-BD3B-6965721B8BFA}"/>
+                <a16:creationId xmlns="" xmlns:a16="http://schemas.microsoft.com/office/drawing/2014/main" id="{90E32E25-F5B3-41EE-BD3B-6965721B8BFA}"/>
               </a:ext>
             </a:extLst>
           </p:cNvPr>
@@ -1951,7 +1951,7 @@
           <p:cNvPr id="3" name="날짜 개체 틀 2">
             <a:extLst>
               <a:ext uri="{FF2B5EF4-FFF2-40B4-BE49-F238E27FC236}">
-                <a16:creationId xmlns:a16="http://schemas.microsoft.com/office/drawing/2014/main" xmlns="" id="{0CFE1863-7C02-424B-AF80-CDB396716C6B}"/>
+                <a16:creationId xmlns="" xmlns:a16="http://schemas.microsoft.com/office/drawing/2014/main" id="{0CFE1863-7C02-424B-AF80-CDB396716C6B}"/>
               </a:ext>
             </a:extLst>
           </p:cNvPr>
@@ -1969,7 +1969,7 @@
           <a:p>
             <a:fld id="{246E467A-4026-4A8D-97BF-715EF7FA6491}" type="datetimeFigureOut">
               <a:rPr lang="ko-KR" altLang="en-US" smtClean="0"/>
-              <a:t>2023-02-15</a:t>
+              <a:t>2023-02-22</a:t>
             </a:fld>
             <a:endParaRPr lang="ko-KR" altLang="en-US"/>
           </a:p>
@@ -1980,7 +1980,7 @@
           <p:cNvPr id="4" name="바닥글 개체 틀 3">
             <a:extLst>
               <a:ext uri="{FF2B5EF4-FFF2-40B4-BE49-F238E27FC236}">
-                <a16:creationId xmlns:a16="http://schemas.microsoft.com/office/drawing/2014/main" xmlns="" id="{2F99FB34-90A4-44A0-9CF8-F0BC0FE4AB26}"/>
+                <a16:creationId xmlns="" xmlns:a16="http://schemas.microsoft.com/office/drawing/2014/main" id="{2F99FB34-90A4-44A0-9CF8-F0BC0FE4AB26}"/>
               </a:ext>
             </a:extLst>
           </p:cNvPr>
@@ -2005,7 +2005,7 @@
           <p:cNvPr id="5" name="슬라이드 번호 개체 틀 4">
             <a:extLst>
               <a:ext uri="{FF2B5EF4-FFF2-40B4-BE49-F238E27FC236}">
-                <a16:creationId xmlns:a16="http://schemas.microsoft.com/office/drawing/2014/main" xmlns="" id="{56375702-4955-406C-919C-D35A1B84B474}"/>
+                <a16:creationId xmlns="" xmlns:a16="http://schemas.microsoft.com/office/drawing/2014/main" id="{56375702-4955-406C-919C-D35A1B84B474}"/>
               </a:ext>
             </a:extLst>
           </p:cNvPr>
@@ -2064,7 +2064,7 @@
           <p:cNvPr id="2" name="날짜 개체 틀 1">
             <a:extLst>
               <a:ext uri="{FF2B5EF4-FFF2-40B4-BE49-F238E27FC236}">
-                <a16:creationId xmlns:a16="http://schemas.microsoft.com/office/drawing/2014/main" xmlns="" id="{D76E1BA2-3103-4DB2-AAEB-ED1BAE4527B3}"/>
+                <a16:creationId xmlns="" xmlns:a16="http://schemas.microsoft.com/office/drawing/2014/main" id="{D76E1BA2-3103-4DB2-AAEB-ED1BAE4527B3}"/>
               </a:ext>
             </a:extLst>
           </p:cNvPr>
@@ -2082,7 +2082,7 @@
           <a:p>
             <a:fld id="{246E467A-4026-4A8D-97BF-715EF7FA6491}" type="datetimeFigureOut">
               <a:rPr lang="ko-KR" altLang="en-US" smtClean="0"/>
-              <a:t>2023-02-15</a:t>
+              <a:t>2023-02-22</a:t>
             </a:fld>
             <a:endParaRPr lang="ko-KR" altLang="en-US"/>
           </a:p>
@@ -2093,7 +2093,7 @@
           <p:cNvPr id="3" name="바닥글 개체 틀 2">
             <a:extLst>
               <a:ext uri="{FF2B5EF4-FFF2-40B4-BE49-F238E27FC236}">
-                <a16:creationId xmlns:a16="http://schemas.microsoft.com/office/drawing/2014/main" xmlns="" id="{505D5A54-85CA-45E5-9801-A3F15EEFCC94}"/>
+                <a16:creationId xmlns="" xmlns:a16="http://schemas.microsoft.com/office/drawing/2014/main" id="{505D5A54-85CA-45E5-9801-A3F15EEFCC94}"/>
               </a:ext>
             </a:extLst>
           </p:cNvPr>
@@ -2118,7 +2118,7 @@
           <p:cNvPr id="4" name="슬라이드 번호 개체 틀 3">
             <a:extLst>
               <a:ext uri="{FF2B5EF4-FFF2-40B4-BE49-F238E27FC236}">
-                <a16:creationId xmlns:a16="http://schemas.microsoft.com/office/drawing/2014/main" xmlns="" id="{A812AF2F-D0EC-4C7E-8979-4C17E3F4B44D}"/>
+                <a16:creationId xmlns="" xmlns:a16="http://schemas.microsoft.com/office/drawing/2014/main" id="{A812AF2F-D0EC-4C7E-8979-4C17E3F4B44D}"/>
               </a:ext>
             </a:extLst>
           </p:cNvPr>
@@ -2177,7 +2177,7 @@
           <p:cNvPr id="2" name="제목 1">
             <a:extLst>
               <a:ext uri="{FF2B5EF4-FFF2-40B4-BE49-F238E27FC236}">
-                <a16:creationId xmlns:a16="http://schemas.microsoft.com/office/drawing/2014/main" xmlns="" id="{8C03A167-5C7C-4CD2-A3E4-B6F94583214B}"/>
+                <a16:creationId xmlns="" xmlns:a16="http://schemas.microsoft.com/office/drawing/2014/main" id="{8C03A167-5C7C-4CD2-A3E4-B6F94583214B}"/>
               </a:ext>
             </a:extLst>
           </p:cNvPr>
@@ -2214,7 +2214,7 @@
           <p:cNvPr id="3" name="내용 개체 틀 2">
             <a:extLst>
               <a:ext uri="{FF2B5EF4-FFF2-40B4-BE49-F238E27FC236}">
-                <a16:creationId xmlns:a16="http://schemas.microsoft.com/office/drawing/2014/main" xmlns="" id="{5421CEB6-C525-4AEB-BB3E-B13156901366}"/>
+                <a16:creationId xmlns="" xmlns:a16="http://schemas.microsoft.com/office/drawing/2014/main" id="{5421CEB6-C525-4AEB-BB3E-B13156901366}"/>
               </a:ext>
             </a:extLst>
           </p:cNvPr>
@@ -2304,7 +2304,7 @@
           <p:cNvPr id="4" name="텍스트 개체 틀 3">
             <a:extLst>
               <a:ext uri="{FF2B5EF4-FFF2-40B4-BE49-F238E27FC236}">
-                <a16:creationId xmlns:a16="http://schemas.microsoft.com/office/drawing/2014/main" xmlns="" id="{69296C9A-4472-4D30-BFAE-60CB397B5014}"/>
+                <a16:creationId xmlns="" xmlns:a16="http://schemas.microsoft.com/office/drawing/2014/main" id="{69296C9A-4472-4D30-BFAE-60CB397B5014}"/>
               </a:ext>
             </a:extLst>
           </p:cNvPr>
@@ -2375,7 +2375,7 @@
           <p:cNvPr id="5" name="날짜 개체 틀 4">
             <a:extLst>
               <a:ext uri="{FF2B5EF4-FFF2-40B4-BE49-F238E27FC236}">
-                <a16:creationId xmlns:a16="http://schemas.microsoft.com/office/drawing/2014/main" xmlns="" id="{F44E3F16-D603-4838-BA1C-0C9EEDE4AC92}"/>
+                <a16:creationId xmlns="" xmlns:a16="http://schemas.microsoft.com/office/drawing/2014/main" id="{F44E3F16-D603-4838-BA1C-0C9EEDE4AC92}"/>
               </a:ext>
             </a:extLst>
           </p:cNvPr>
@@ -2393,7 +2393,7 @@
           <a:p>
             <a:fld id="{246E467A-4026-4A8D-97BF-715EF7FA6491}" type="datetimeFigureOut">
               <a:rPr lang="ko-KR" altLang="en-US" smtClean="0"/>
-              <a:t>2023-02-15</a:t>
+              <a:t>2023-02-22</a:t>
             </a:fld>
             <a:endParaRPr lang="ko-KR" altLang="en-US"/>
           </a:p>
@@ -2404,7 +2404,7 @@
           <p:cNvPr id="6" name="바닥글 개체 틀 5">
             <a:extLst>
               <a:ext uri="{FF2B5EF4-FFF2-40B4-BE49-F238E27FC236}">
-                <a16:creationId xmlns:a16="http://schemas.microsoft.com/office/drawing/2014/main" xmlns="" id="{F48873C6-9D3A-4C62-9D46-88E6BAABCBA4}"/>
+                <a16:creationId xmlns="" xmlns:a16="http://schemas.microsoft.com/office/drawing/2014/main" id="{F48873C6-9D3A-4C62-9D46-88E6BAABCBA4}"/>
               </a:ext>
             </a:extLst>
           </p:cNvPr>
@@ -2429,7 +2429,7 @@
           <p:cNvPr id="7" name="슬라이드 번호 개체 틀 6">
             <a:extLst>
               <a:ext uri="{FF2B5EF4-FFF2-40B4-BE49-F238E27FC236}">
-                <a16:creationId xmlns:a16="http://schemas.microsoft.com/office/drawing/2014/main" xmlns="" id="{79A9C646-865F-49F4-8BDD-FB9A4DECA8F3}"/>
+                <a16:creationId xmlns="" xmlns:a16="http://schemas.microsoft.com/office/drawing/2014/main" id="{79A9C646-865F-49F4-8BDD-FB9A4DECA8F3}"/>
               </a:ext>
             </a:extLst>
           </p:cNvPr>
@@ -2488,7 +2488,7 @@
           <p:cNvPr id="2" name="제목 1">
             <a:extLst>
               <a:ext uri="{FF2B5EF4-FFF2-40B4-BE49-F238E27FC236}">
-                <a16:creationId xmlns:a16="http://schemas.microsoft.com/office/drawing/2014/main" xmlns="" id="{E5F258A6-5AAD-4F1F-976F-EDB5FF7254F0}"/>
+                <a16:creationId xmlns="" xmlns:a16="http://schemas.microsoft.com/office/drawing/2014/main" id="{E5F258A6-5AAD-4F1F-976F-EDB5FF7254F0}"/>
               </a:ext>
             </a:extLst>
           </p:cNvPr>
@@ -2525,7 +2525,7 @@
           <p:cNvPr id="3" name="그림 개체 틀 2">
             <a:extLst>
               <a:ext uri="{FF2B5EF4-FFF2-40B4-BE49-F238E27FC236}">
-                <a16:creationId xmlns:a16="http://schemas.microsoft.com/office/drawing/2014/main" xmlns="" id="{D2F4441E-0165-42AA-88F8-E53C4BAAC1DE}"/>
+                <a16:creationId xmlns="" xmlns:a16="http://schemas.microsoft.com/office/drawing/2014/main" id="{D2F4441E-0165-42AA-88F8-E53C4BAAC1DE}"/>
               </a:ext>
             </a:extLst>
           </p:cNvPr>
@@ -2592,7 +2592,7 @@
           <p:cNvPr id="4" name="텍스트 개체 틀 3">
             <a:extLst>
               <a:ext uri="{FF2B5EF4-FFF2-40B4-BE49-F238E27FC236}">
-                <a16:creationId xmlns:a16="http://schemas.microsoft.com/office/drawing/2014/main" xmlns="" id="{5AFCA1E8-0D3C-4590-82E2-D018D6E61D0F}"/>
+                <a16:creationId xmlns="" xmlns:a16="http://schemas.microsoft.com/office/drawing/2014/main" id="{5AFCA1E8-0D3C-4590-82E2-D018D6E61D0F}"/>
               </a:ext>
             </a:extLst>
           </p:cNvPr>
@@ -2663,7 +2663,7 @@
           <p:cNvPr id="5" name="날짜 개체 틀 4">
             <a:extLst>
               <a:ext uri="{FF2B5EF4-FFF2-40B4-BE49-F238E27FC236}">
-                <a16:creationId xmlns:a16="http://schemas.microsoft.com/office/drawing/2014/main" xmlns="" id="{0A674557-7FD9-416C-A8B5-FA6C4B5558AE}"/>
+                <a16:creationId xmlns="" xmlns:a16="http://schemas.microsoft.com/office/drawing/2014/main" id="{0A674557-7FD9-416C-A8B5-FA6C4B5558AE}"/>
               </a:ext>
             </a:extLst>
           </p:cNvPr>
@@ -2681,7 +2681,7 @@
           <a:p>
             <a:fld id="{246E467A-4026-4A8D-97BF-715EF7FA6491}" type="datetimeFigureOut">
               <a:rPr lang="ko-KR" altLang="en-US" smtClean="0"/>
-              <a:t>2023-02-15</a:t>
+              <a:t>2023-02-22</a:t>
             </a:fld>
             <a:endParaRPr lang="ko-KR" altLang="en-US"/>
           </a:p>
@@ -2692,7 +2692,7 @@
           <p:cNvPr id="6" name="바닥글 개체 틀 5">
             <a:extLst>
               <a:ext uri="{FF2B5EF4-FFF2-40B4-BE49-F238E27FC236}">
-                <a16:creationId xmlns:a16="http://schemas.microsoft.com/office/drawing/2014/main" xmlns="" id="{9C4A215C-B55F-4988-B45B-7667E8C7CAF6}"/>
+                <a16:creationId xmlns="" xmlns:a16="http://schemas.microsoft.com/office/drawing/2014/main" id="{9C4A215C-B55F-4988-B45B-7667E8C7CAF6}"/>
               </a:ext>
             </a:extLst>
           </p:cNvPr>
@@ -2717,7 +2717,7 @@
           <p:cNvPr id="7" name="슬라이드 번호 개체 틀 6">
             <a:extLst>
               <a:ext uri="{FF2B5EF4-FFF2-40B4-BE49-F238E27FC236}">
-                <a16:creationId xmlns:a16="http://schemas.microsoft.com/office/drawing/2014/main" xmlns="" id="{82FF3B86-5A48-411F-8090-830140A677FA}"/>
+                <a16:creationId xmlns="" xmlns:a16="http://schemas.microsoft.com/office/drawing/2014/main" id="{82FF3B86-5A48-411F-8090-830140A677FA}"/>
               </a:ext>
             </a:extLst>
           </p:cNvPr>
@@ -2781,7 +2781,7 @@
           <p:cNvPr id="2" name="제목 개체 틀 1">
             <a:extLst>
               <a:ext uri="{FF2B5EF4-FFF2-40B4-BE49-F238E27FC236}">
-                <a16:creationId xmlns:a16="http://schemas.microsoft.com/office/drawing/2014/main" xmlns="" id="{B9DF84FF-C412-430B-963A-695AABF70E5D}"/>
+                <a16:creationId xmlns="" xmlns:a16="http://schemas.microsoft.com/office/drawing/2014/main" id="{B9DF84FF-C412-430B-963A-695AABF70E5D}"/>
               </a:ext>
             </a:extLst>
           </p:cNvPr>
@@ -2819,7 +2819,7 @@
           <p:cNvPr id="3" name="텍스트 개체 틀 2">
             <a:extLst>
               <a:ext uri="{FF2B5EF4-FFF2-40B4-BE49-F238E27FC236}">
-                <a16:creationId xmlns:a16="http://schemas.microsoft.com/office/drawing/2014/main" xmlns="" id="{45EE7982-A999-4B0A-85F1-A0D5C55038DC}"/>
+                <a16:creationId xmlns="" xmlns:a16="http://schemas.microsoft.com/office/drawing/2014/main" id="{45EE7982-A999-4B0A-85F1-A0D5C55038DC}"/>
               </a:ext>
             </a:extLst>
           </p:cNvPr>
@@ -2886,7 +2886,7 @@
           <p:cNvPr id="4" name="날짜 개체 틀 3">
             <a:extLst>
               <a:ext uri="{FF2B5EF4-FFF2-40B4-BE49-F238E27FC236}">
-                <a16:creationId xmlns:a16="http://schemas.microsoft.com/office/drawing/2014/main" xmlns="" id="{3F48EB6A-F091-464F-A783-1AE546A56948}"/>
+                <a16:creationId xmlns="" xmlns:a16="http://schemas.microsoft.com/office/drawing/2014/main" id="{3F48EB6A-F091-464F-A783-1AE546A56948}"/>
               </a:ext>
             </a:extLst>
           </p:cNvPr>
@@ -2922,7 +2922,7 @@
           <a:p>
             <a:fld id="{246E467A-4026-4A8D-97BF-715EF7FA6491}" type="datetimeFigureOut">
               <a:rPr lang="ko-KR" altLang="en-US" smtClean="0"/>
-              <a:t>2023-02-15</a:t>
+              <a:t>2023-02-22</a:t>
             </a:fld>
             <a:endParaRPr lang="ko-KR" altLang="en-US"/>
           </a:p>
@@ -2933,7 +2933,7 @@
           <p:cNvPr id="5" name="바닥글 개체 틀 4">
             <a:extLst>
               <a:ext uri="{FF2B5EF4-FFF2-40B4-BE49-F238E27FC236}">
-                <a16:creationId xmlns:a16="http://schemas.microsoft.com/office/drawing/2014/main" xmlns="" id="{9531D2C7-63D5-4319-952D-A6F8404F460B}"/>
+                <a16:creationId xmlns="" xmlns:a16="http://schemas.microsoft.com/office/drawing/2014/main" id="{9531D2C7-63D5-4319-952D-A6F8404F460B}"/>
               </a:ext>
             </a:extLst>
           </p:cNvPr>
@@ -2976,7 +2976,7 @@
           <p:cNvPr id="6" name="슬라이드 번호 개체 틀 5">
             <a:extLst>
               <a:ext uri="{FF2B5EF4-FFF2-40B4-BE49-F238E27FC236}">
-                <a16:creationId xmlns:a16="http://schemas.microsoft.com/office/drawing/2014/main" xmlns="" id="{7739517A-02D4-4037-9427-974339FE7C30}"/>
+                <a16:creationId xmlns="" xmlns:a16="http://schemas.microsoft.com/office/drawing/2014/main" id="{7739517A-02D4-4037-9427-974339FE7C30}"/>
               </a:ext>
             </a:extLst>
           </p:cNvPr>
@@ -3352,7 +3352,7 @@
           <p:cNvPr id="2" name="TextBox 1">
             <a:extLst>
               <a:ext uri="{FF2B5EF4-FFF2-40B4-BE49-F238E27FC236}">
-                <a16:creationId xmlns:a16="http://schemas.microsoft.com/office/drawing/2014/main" xmlns="" id="{C70C938C-F8B1-4FFF-8F74-6ED0A876B136}"/>
+                <a16:creationId xmlns="" xmlns:a16="http://schemas.microsoft.com/office/drawing/2014/main" id="{C70C938C-F8B1-4FFF-8F74-6ED0A876B136}"/>
               </a:ext>
             </a:extLst>
           </p:cNvPr>
@@ -3393,7 +3393,7 @@
           <p:cNvPr id="3" name="TextBox 2">
             <a:extLst>
               <a:ext uri="{FF2B5EF4-FFF2-40B4-BE49-F238E27FC236}">
-                <a16:creationId xmlns:a16="http://schemas.microsoft.com/office/drawing/2014/main" xmlns="" id="{CC61FC92-B1C1-4C46-ABEF-2B6B78AA5915}"/>
+                <a16:creationId xmlns="" xmlns:a16="http://schemas.microsoft.com/office/drawing/2014/main" id="{CC61FC92-B1C1-4C46-ABEF-2B6B78AA5915}"/>
               </a:ext>
             </a:extLst>
           </p:cNvPr>
@@ -3434,7 +3434,7 @@
           <p:cNvPr id="8" name="그림 7" descr="사람, 서있는, 남자, 착용이(가) 표시된 사진&#10;&#10;자동 생성된 설명">
             <a:extLst>
               <a:ext uri="{FF2B5EF4-FFF2-40B4-BE49-F238E27FC236}">
-                <a16:creationId xmlns:a16="http://schemas.microsoft.com/office/drawing/2014/main" xmlns="" id="{398D98B8-2DFA-8476-B48A-2240354A960C}"/>
+                <a16:creationId xmlns="" xmlns:a16="http://schemas.microsoft.com/office/drawing/2014/main" id="{398D98B8-2DFA-8476-B48A-2240354A960C}"/>
               </a:ext>
             </a:extLst>
           </p:cNvPr>
@@ -3470,7 +3470,7 @@
           <p:cNvPr id="10" name="그림 9" descr="사람이(가) 표시된 사진&#10;&#10;자동 생성된 설명">
             <a:extLst>
               <a:ext uri="{FF2B5EF4-FFF2-40B4-BE49-F238E27FC236}">
-                <a16:creationId xmlns:a16="http://schemas.microsoft.com/office/drawing/2014/main" xmlns="" id="{0BE051E3-CAB7-BCFC-0441-E2FD03007A8D}"/>
+                <a16:creationId xmlns="" xmlns:a16="http://schemas.microsoft.com/office/drawing/2014/main" id="{0BE051E3-CAB7-BCFC-0441-E2FD03007A8D}"/>
               </a:ext>
             </a:extLst>
           </p:cNvPr>
@@ -3506,7 +3506,7 @@
           <p:cNvPr id="12" name="그림 11" descr="사람, 남자, 착용, 서있는이(가) 표시된 사진&#10;&#10;자동 생성된 설명">
             <a:extLst>
               <a:ext uri="{FF2B5EF4-FFF2-40B4-BE49-F238E27FC236}">
-                <a16:creationId xmlns:a16="http://schemas.microsoft.com/office/drawing/2014/main" xmlns="" id="{E9B0AD0F-14A6-F8C1-AEF5-1B01B5CEF846}"/>
+                <a16:creationId xmlns="" xmlns:a16="http://schemas.microsoft.com/office/drawing/2014/main" id="{E9B0AD0F-14A6-F8C1-AEF5-1B01B5CEF846}"/>
               </a:ext>
             </a:extLst>
           </p:cNvPr>
@@ -3584,7 +3584,7 @@
           <p:cNvPr id="3" name="직선 연결선 2">
             <a:extLst>
               <a:ext uri="{FF2B5EF4-FFF2-40B4-BE49-F238E27FC236}">
-                <a16:creationId xmlns:a16="http://schemas.microsoft.com/office/drawing/2014/main" xmlns="" id="{30B7886A-E2C2-47A8-A271-1FD08F52EED0}"/>
+                <a16:creationId xmlns="" xmlns:a16="http://schemas.microsoft.com/office/drawing/2014/main" id="{30B7886A-E2C2-47A8-A271-1FD08F52EED0}"/>
               </a:ext>
             </a:extLst>
           </p:cNvPr>
@@ -3627,7 +3627,7 @@
           <p:cNvPr id="18" name="직선 연결선 17">
             <a:extLst>
               <a:ext uri="{FF2B5EF4-FFF2-40B4-BE49-F238E27FC236}">
-                <a16:creationId xmlns:a16="http://schemas.microsoft.com/office/drawing/2014/main" xmlns="" id="{7911BDFD-7E29-44F7-9ED7-E8F36B51436C}"/>
+                <a16:creationId xmlns="" xmlns:a16="http://schemas.microsoft.com/office/drawing/2014/main" id="{7911BDFD-7E29-44F7-9ED7-E8F36B51436C}"/>
               </a:ext>
             </a:extLst>
           </p:cNvPr>
@@ -3666,8 +3666,8 @@
         </p:nvSpPr>
         <p:spPr>
           <a:xfrm>
-            <a:off x="1329591" y="4611077"/>
-            <a:ext cx="9667631" cy="1477328"/>
+            <a:off x="1329591" y="5540976"/>
+            <a:ext cx="9667631" cy="1015663"/>
           </a:xfrm>
           <a:prstGeom prst="rect">
             <a:avLst/>
@@ -3682,124 +3682,56 @@
           <a:p>
             <a:pPr algn="ctr"/>
             <a:r>
-              <a:rPr lang="ko-KR" altLang="en-US" dirty="0" err="1" smtClean="0"/>
-              <a:t>컨투어</a:t>
-            </a:r>
-            <a:r>
-              <a:rPr lang="en-US" altLang="ko-KR" dirty="0" smtClean="0"/>
-              <a:t>(</a:t>
-            </a:r>
-            <a:r>
-              <a:rPr lang="ko-KR" altLang="en-US" dirty="0" smtClean="0"/>
-              <a:t>등고선</a:t>
-            </a:r>
-            <a:r>
-              <a:rPr lang="en-US" altLang="ko-KR" dirty="0" smtClean="0"/>
-              <a:t>)</a:t>
-            </a:r>
-            <a:r>
-              <a:rPr lang="ko-KR" altLang="en-US" dirty="0" smtClean="0"/>
-              <a:t> 방식 학습</a:t>
-            </a:r>
-            <a:endParaRPr lang="en-US" altLang="ko-KR" dirty="0" smtClean="0"/>
+              <a:rPr lang="ko-KR" altLang="en-US" sz="2000" dirty="0" err="1" smtClean="0"/>
+              <a:t>컨투어방식을</a:t>
+            </a:r>
+            <a:r>
+              <a:rPr lang="ko-KR" altLang="en-US" sz="2000" dirty="0" smtClean="0"/>
+              <a:t> 통해서 테스트 데이터를 만드는 것의 효율성 문제점 발견</a:t>
+            </a:r>
+            <a:endParaRPr lang="en-US" altLang="ko-KR" sz="2000" dirty="0" smtClean="0"/>
           </a:p>
           <a:p>
             <a:pPr algn="ctr"/>
             <a:r>
-              <a:rPr lang="ko-KR" altLang="en-US" dirty="0" smtClean="0"/>
-              <a:t>연두색 내부가 옷 내부 이미지</a:t>
-            </a:r>
-            <a:endParaRPr lang="en-US" altLang="ko-KR" dirty="0"/>
+              <a:rPr lang="en-US" altLang="ko-KR" sz="2000" dirty="0" smtClean="0"/>
+              <a:t>Cycle GAN</a:t>
+            </a:r>
+            <a:r>
+              <a:rPr lang="ko-KR" altLang="en-US" sz="2000" dirty="0" smtClean="0"/>
+              <a:t>을 통해서 테스트 데이터 제작으로 변경</a:t>
+            </a:r>
+            <a:endParaRPr lang="en-US" altLang="ko-KR" sz="2000" dirty="0" smtClean="0"/>
           </a:p>
           <a:p>
             <a:pPr algn="ctr"/>
-            <a:endParaRPr lang="en-US" altLang="ko-KR" dirty="0"/>
-          </a:p>
-          <a:p>
-            <a:pPr algn="ctr"/>
-            <a:r>
-              <a:rPr lang="ko-KR" altLang="en-US" dirty="0" err="1" smtClean="0"/>
-              <a:t>데이터셋을</a:t>
-            </a:r>
-            <a:r>
-              <a:rPr lang="ko-KR" altLang="en-US" dirty="0" smtClean="0"/>
-              <a:t> 만들기 위해 옷의 </a:t>
-            </a:r>
-            <a:r>
-              <a:rPr lang="en-US" altLang="ko-KR" dirty="0" err="1" smtClean="0"/>
-              <a:t>openCV</a:t>
-            </a:r>
-            <a:r>
-              <a:rPr lang="ko-KR" altLang="en-US" dirty="0" smtClean="0"/>
-              <a:t>의 이미지 </a:t>
-            </a:r>
-            <a:r>
-              <a:rPr lang="ko-KR" altLang="en-US" dirty="0" err="1" smtClean="0"/>
-              <a:t>컨투어</a:t>
-            </a:r>
-            <a:r>
-              <a:rPr lang="en-US" altLang="ko-KR" dirty="0" smtClean="0"/>
-              <a:t>(</a:t>
-            </a:r>
-            <a:r>
-              <a:rPr lang="ko-KR" altLang="en-US" dirty="0" smtClean="0"/>
-              <a:t>등고선</a:t>
-            </a:r>
-            <a:r>
-              <a:rPr lang="en-US" altLang="ko-KR" dirty="0" smtClean="0"/>
-              <a:t>)</a:t>
-            </a:r>
-            <a:r>
-              <a:rPr lang="ko-KR" altLang="en-US" dirty="0" smtClean="0"/>
-              <a:t>를 통해서 옷의 배경 이미지</a:t>
-            </a:r>
-            <a:r>
-              <a:rPr lang="en-US" altLang="ko-KR" dirty="0" smtClean="0"/>
-              <a:t>(</a:t>
-            </a:r>
-            <a:r>
-              <a:rPr lang="ko-KR" altLang="en-US" dirty="0" smtClean="0"/>
-              <a:t>옷의 원단 모습</a:t>
-            </a:r>
-            <a:r>
-              <a:rPr lang="en-US" altLang="ko-KR" dirty="0" smtClean="0"/>
-              <a:t>)</a:t>
-            </a:r>
-            <a:r>
-              <a:rPr lang="ko-KR" altLang="en-US" dirty="0" smtClean="0"/>
-              <a:t>와 옷 내부 이미지</a:t>
-            </a:r>
-            <a:r>
-              <a:rPr lang="en-US" altLang="ko-KR" dirty="0" smtClean="0"/>
-              <a:t>(</a:t>
-            </a:r>
-            <a:r>
-              <a:rPr lang="ko-KR" altLang="en-US" dirty="0" err="1" smtClean="0"/>
-              <a:t>레터링</a:t>
-            </a:r>
-            <a:r>
-              <a:rPr lang="en-US" altLang="ko-KR" dirty="0" smtClean="0"/>
-              <a:t>,</a:t>
-            </a:r>
-            <a:r>
-              <a:rPr lang="ko-KR" altLang="en-US" dirty="0" smtClean="0"/>
-              <a:t>이미지</a:t>
-            </a:r>
-            <a:r>
-              <a:rPr lang="en-US" altLang="ko-KR" dirty="0" smtClean="0"/>
-              <a:t>)</a:t>
-            </a:r>
-            <a:r>
-              <a:rPr lang="ko-KR" altLang="en-US" dirty="0" smtClean="0"/>
-              <a:t>의 이미지를 구분해서 분류</a:t>
-            </a:r>
-            <a:endParaRPr lang="en-US" altLang="ko-KR" dirty="0" smtClean="0"/>
+            <a:r>
+              <a:rPr lang="en-US" altLang="ko-KR" sz="2000" dirty="0" smtClean="0"/>
+              <a:t>Google </a:t>
+            </a:r>
+            <a:r>
+              <a:rPr lang="en-US" altLang="ko-KR" sz="2000" dirty="0" err="1" smtClean="0"/>
+              <a:t>Colab</a:t>
+            </a:r>
+            <a:r>
+              <a:rPr lang="en-US" altLang="ko-KR" sz="2000" dirty="0" smtClean="0"/>
+              <a:t> Cycle </a:t>
+            </a:r>
+            <a:r>
+              <a:rPr lang="en-US" altLang="ko-KR" sz="2000" dirty="0" err="1" smtClean="0"/>
+              <a:t>Gan</a:t>
+            </a:r>
+            <a:r>
+              <a:rPr lang="ko-KR" altLang="en-US" sz="2000" dirty="0" smtClean="0"/>
+              <a:t>학습</a:t>
+            </a:r>
+            <a:endParaRPr lang="en-US" altLang="ko-KR" sz="2000" dirty="0" smtClean="0"/>
           </a:p>
         </p:txBody>
       </p:sp>
       <p:pic>
         <p:nvPicPr>
-          <p:cNvPr id="5" name="Picture 2" descr="C:\Users\user\Desktop\434.GIF"/>
+          <p:cNvPr id="1026" name="Picture 2" descr="C:\Users\user\Desktop\1.1.GIF"/>
           <p:cNvPicPr>
             <a:picLocks noChangeAspect="1" noChangeArrowheads="1"/>
           </p:cNvPicPr>
@@ -3820,8 +3752,8 @@
         </p:blipFill>
         <p:spPr bwMode="auto">
           <a:xfrm>
-            <a:off x="4390782" y="692274"/>
-            <a:ext cx="3067050" cy="3524250"/>
+            <a:off x="1509092" y="325465"/>
+            <a:ext cx="9820167" cy="4809640"/>
           </a:xfrm>
           <a:prstGeom prst="rect">
             <a:avLst/>
@@ -3885,7 +3817,7 @@
           <p:cNvPr id="3" name="직선 연결선 2">
             <a:extLst>
               <a:ext uri="{FF2B5EF4-FFF2-40B4-BE49-F238E27FC236}">
-                <a16:creationId xmlns:a16="http://schemas.microsoft.com/office/drawing/2014/main" xmlns="" id="{30B7886A-E2C2-47A8-A271-1FD08F52EED0}"/>
+                <a16:creationId xmlns="" xmlns:a16="http://schemas.microsoft.com/office/drawing/2014/main" id="{30B7886A-E2C2-47A8-A271-1FD08F52EED0}"/>
               </a:ext>
             </a:extLst>
           </p:cNvPr>
@@ -3928,7 +3860,7 @@
           <p:cNvPr id="18" name="직선 연결선 17">
             <a:extLst>
               <a:ext uri="{FF2B5EF4-FFF2-40B4-BE49-F238E27FC236}">
-                <a16:creationId xmlns:a16="http://schemas.microsoft.com/office/drawing/2014/main" xmlns="" id="{7911BDFD-7E29-44F7-9ED7-E8F36B51436C}"/>
+                <a16:creationId xmlns="" xmlns:a16="http://schemas.microsoft.com/office/drawing/2014/main" id="{7911BDFD-7E29-44F7-9ED7-E8F36B51436C}"/>
               </a:ext>
             </a:extLst>
           </p:cNvPr>
@@ -4212,7 +4144,7 @@
   <a:extraClrSchemeLst/>
   <a:extLst>
     <a:ext uri="{05A4C25C-085E-4340-85A3-A5531E510DB2}">
-      <thm15:themeFamily xmlns:thm15="http://schemas.microsoft.com/office/thememl/2012/main" xmlns="" name="Office Theme" id="{62F939B6-93AF-4DB8-9C6B-D6C7DFDC589F}" vid="{4A3C46E8-61CC-4603-A589-7422A47A8E4A}"/>
+      <thm15:themeFamily xmlns="" xmlns:thm15="http://schemas.microsoft.com/office/thememl/2012/main" name="Office Theme" id="{62F939B6-93AF-4DB8-9C6B-D6C7DFDC589F}" vid="{4A3C46E8-61CC-4603-A589-7422A47A8E4A}"/>
     </a:ext>
   </a:extLst>
 </a:theme>

--- a/발표자료/업데이트/LJHPPT.pptx
+++ b/발표자료/업데이트/LJHPPT.pptx
@@ -108,7 +108,7 @@
   </p:defaultTextStyle>
   <p:extLst>
     <p:ext uri="{EFAFB233-063F-42B5-8137-9DF3F51BA10A}">
-      <p15:sldGuideLst xmlns="" xmlns:p15="http://schemas.microsoft.com/office/powerpoint/2012/main">
+      <p15:sldGuideLst xmlns:p15="http://schemas.microsoft.com/office/powerpoint/2012/main" xmlns="">
         <p15:guide id="1" orient="horz" pos="2160" userDrawn="1">
           <p15:clr>
             <a:srgbClr val="A4A3A4"/>
@@ -147,7 +147,7 @@
           <p:cNvPr id="2" name="제목 1">
             <a:extLst>
               <a:ext uri="{FF2B5EF4-FFF2-40B4-BE49-F238E27FC236}">
-                <a16:creationId xmlns="" xmlns:a16="http://schemas.microsoft.com/office/drawing/2014/main" id="{544428E6-48F8-48FF-A4B7-7E67A9EE0B77}"/>
+                <a16:creationId xmlns:a16="http://schemas.microsoft.com/office/drawing/2014/main" xmlns="" id="{544428E6-48F8-48FF-A4B7-7E67A9EE0B77}"/>
               </a:ext>
             </a:extLst>
           </p:cNvPr>
@@ -184,7 +184,7 @@
           <p:cNvPr id="3" name="부제목 2">
             <a:extLst>
               <a:ext uri="{FF2B5EF4-FFF2-40B4-BE49-F238E27FC236}">
-                <a16:creationId xmlns="" xmlns:a16="http://schemas.microsoft.com/office/drawing/2014/main" id="{FBA2431C-BDF3-4534-AED0-115F103A462A}"/>
+                <a16:creationId xmlns:a16="http://schemas.microsoft.com/office/drawing/2014/main" xmlns="" id="{FBA2431C-BDF3-4534-AED0-115F103A462A}"/>
               </a:ext>
             </a:extLst>
           </p:cNvPr>
@@ -254,7 +254,7 @@
           <p:cNvPr id="4" name="날짜 개체 틀 3">
             <a:extLst>
               <a:ext uri="{FF2B5EF4-FFF2-40B4-BE49-F238E27FC236}">
-                <a16:creationId xmlns="" xmlns:a16="http://schemas.microsoft.com/office/drawing/2014/main" id="{420173CB-01B9-4295-A804-D7D5973D6277}"/>
+                <a16:creationId xmlns:a16="http://schemas.microsoft.com/office/drawing/2014/main" xmlns="" id="{420173CB-01B9-4295-A804-D7D5973D6277}"/>
               </a:ext>
             </a:extLst>
           </p:cNvPr>
@@ -272,7 +272,7 @@
           <a:p>
             <a:fld id="{246E467A-4026-4A8D-97BF-715EF7FA6491}" type="datetimeFigureOut">
               <a:rPr lang="ko-KR" altLang="en-US" smtClean="0"/>
-              <a:t>2023-02-22</a:t>
+              <a:t>2023-03-16</a:t>
             </a:fld>
             <a:endParaRPr lang="ko-KR" altLang="en-US"/>
           </a:p>
@@ -283,7 +283,7 @@
           <p:cNvPr id="5" name="바닥글 개체 틀 4">
             <a:extLst>
               <a:ext uri="{FF2B5EF4-FFF2-40B4-BE49-F238E27FC236}">
-                <a16:creationId xmlns="" xmlns:a16="http://schemas.microsoft.com/office/drawing/2014/main" id="{E1C5FE16-77A0-484E-AEFD-FF537292ECD0}"/>
+                <a16:creationId xmlns:a16="http://schemas.microsoft.com/office/drawing/2014/main" xmlns="" id="{E1C5FE16-77A0-484E-AEFD-FF537292ECD0}"/>
               </a:ext>
             </a:extLst>
           </p:cNvPr>
@@ -308,7 +308,7 @@
           <p:cNvPr id="6" name="슬라이드 번호 개체 틀 5">
             <a:extLst>
               <a:ext uri="{FF2B5EF4-FFF2-40B4-BE49-F238E27FC236}">
-                <a16:creationId xmlns="" xmlns:a16="http://schemas.microsoft.com/office/drawing/2014/main" id="{69F3DF25-2E65-49D3-8F6F-64AA11097B17}"/>
+                <a16:creationId xmlns:a16="http://schemas.microsoft.com/office/drawing/2014/main" xmlns="" id="{69F3DF25-2E65-49D3-8F6F-64AA11097B17}"/>
               </a:ext>
             </a:extLst>
           </p:cNvPr>
@@ -367,7 +367,7 @@
           <p:cNvPr id="2" name="제목 1">
             <a:extLst>
               <a:ext uri="{FF2B5EF4-FFF2-40B4-BE49-F238E27FC236}">
-                <a16:creationId xmlns="" xmlns:a16="http://schemas.microsoft.com/office/drawing/2014/main" id="{0E520652-E714-4A15-826F-1B53C7092B68}"/>
+                <a16:creationId xmlns:a16="http://schemas.microsoft.com/office/drawing/2014/main" xmlns="" id="{0E520652-E714-4A15-826F-1B53C7092B68}"/>
               </a:ext>
             </a:extLst>
           </p:cNvPr>
@@ -395,7 +395,7 @@
           <p:cNvPr id="3" name="세로 텍스트 개체 틀 2">
             <a:extLst>
               <a:ext uri="{FF2B5EF4-FFF2-40B4-BE49-F238E27FC236}">
-                <a16:creationId xmlns="" xmlns:a16="http://schemas.microsoft.com/office/drawing/2014/main" id="{1C14771D-DE0A-400C-8C59-8670E31F7094}"/>
+                <a16:creationId xmlns:a16="http://schemas.microsoft.com/office/drawing/2014/main" xmlns="" id="{1C14771D-DE0A-400C-8C59-8670E31F7094}"/>
               </a:ext>
             </a:extLst>
           </p:cNvPr>
@@ -452,7 +452,7 @@
           <p:cNvPr id="4" name="날짜 개체 틀 3">
             <a:extLst>
               <a:ext uri="{FF2B5EF4-FFF2-40B4-BE49-F238E27FC236}">
-                <a16:creationId xmlns="" xmlns:a16="http://schemas.microsoft.com/office/drawing/2014/main" id="{5CBEACB7-48C9-4FB8-8D34-7F4C63932697}"/>
+                <a16:creationId xmlns:a16="http://schemas.microsoft.com/office/drawing/2014/main" xmlns="" id="{5CBEACB7-48C9-4FB8-8D34-7F4C63932697}"/>
               </a:ext>
             </a:extLst>
           </p:cNvPr>
@@ -470,7 +470,7 @@
           <a:p>
             <a:fld id="{246E467A-4026-4A8D-97BF-715EF7FA6491}" type="datetimeFigureOut">
               <a:rPr lang="ko-KR" altLang="en-US" smtClean="0"/>
-              <a:t>2023-02-22</a:t>
+              <a:t>2023-03-16</a:t>
             </a:fld>
             <a:endParaRPr lang="ko-KR" altLang="en-US"/>
           </a:p>
@@ -481,7 +481,7 @@
           <p:cNvPr id="5" name="바닥글 개체 틀 4">
             <a:extLst>
               <a:ext uri="{FF2B5EF4-FFF2-40B4-BE49-F238E27FC236}">
-                <a16:creationId xmlns="" xmlns:a16="http://schemas.microsoft.com/office/drawing/2014/main" id="{5BD31818-B6CD-47B0-9353-395CC53986D6}"/>
+                <a16:creationId xmlns:a16="http://schemas.microsoft.com/office/drawing/2014/main" xmlns="" id="{5BD31818-B6CD-47B0-9353-395CC53986D6}"/>
               </a:ext>
             </a:extLst>
           </p:cNvPr>
@@ -506,7 +506,7 @@
           <p:cNvPr id="6" name="슬라이드 번호 개체 틀 5">
             <a:extLst>
               <a:ext uri="{FF2B5EF4-FFF2-40B4-BE49-F238E27FC236}">
-                <a16:creationId xmlns="" xmlns:a16="http://schemas.microsoft.com/office/drawing/2014/main" id="{BD008922-CAE3-4884-AE59-2BC74144C74C}"/>
+                <a16:creationId xmlns:a16="http://schemas.microsoft.com/office/drawing/2014/main" xmlns="" id="{BD008922-CAE3-4884-AE59-2BC74144C74C}"/>
               </a:ext>
             </a:extLst>
           </p:cNvPr>
@@ -565,7 +565,7 @@
           <p:cNvPr id="2" name="세로 제목 1">
             <a:extLst>
               <a:ext uri="{FF2B5EF4-FFF2-40B4-BE49-F238E27FC236}">
-                <a16:creationId xmlns="" xmlns:a16="http://schemas.microsoft.com/office/drawing/2014/main" id="{A3371B8A-69A6-43D4-8783-6456E33508F7}"/>
+                <a16:creationId xmlns:a16="http://schemas.microsoft.com/office/drawing/2014/main" xmlns="" id="{A3371B8A-69A6-43D4-8783-6456E33508F7}"/>
               </a:ext>
             </a:extLst>
           </p:cNvPr>
@@ -598,7 +598,7 @@
           <p:cNvPr id="3" name="세로 텍스트 개체 틀 2">
             <a:extLst>
               <a:ext uri="{FF2B5EF4-FFF2-40B4-BE49-F238E27FC236}">
-                <a16:creationId xmlns="" xmlns:a16="http://schemas.microsoft.com/office/drawing/2014/main" id="{049DA1AA-3028-44E4-B5B0-C19BF61DC48A}"/>
+                <a16:creationId xmlns:a16="http://schemas.microsoft.com/office/drawing/2014/main" xmlns="" id="{049DA1AA-3028-44E4-B5B0-C19BF61DC48A}"/>
               </a:ext>
             </a:extLst>
           </p:cNvPr>
@@ -660,7 +660,7 @@
           <p:cNvPr id="4" name="날짜 개체 틀 3">
             <a:extLst>
               <a:ext uri="{FF2B5EF4-FFF2-40B4-BE49-F238E27FC236}">
-                <a16:creationId xmlns="" xmlns:a16="http://schemas.microsoft.com/office/drawing/2014/main" id="{ED2BCD8D-3E10-4F33-BC43-EACB05C0B415}"/>
+                <a16:creationId xmlns:a16="http://schemas.microsoft.com/office/drawing/2014/main" xmlns="" id="{ED2BCD8D-3E10-4F33-BC43-EACB05C0B415}"/>
               </a:ext>
             </a:extLst>
           </p:cNvPr>
@@ -678,7 +678,7 @@
           <a:p>
             <a:fld id="{246E467A-4026-4A8D-97BF-715EF7FA6491}" type="datetimeFigureOut">
               <a:rPr lang="ko-KR" altLang="en-US" smtClean="0"/>
-              <a:t>2023-02-22</a:t>
+              <a:t>2023-03-16</a:t>
             </a:fld>
             <a:endParaRPr lang="ko-KR" altLang="en-US"/>
           </a:p>
@@ -689,7 +689,7 @@
           <p:cNvPr id="5" name="바닥글 개체 틀 4">
             <a:extLst>
               <a:ext uri="{FF2B5EF4-FFF2-40B4-BE49-F238E27FC236}">
-                <a16:creationId xmlns="" xmlns:a16="http://schemas.microsoft.com/office/drawing/2014/main" id="{33E365BE-78DE-4079-B7F3-706874E92415}"/>
+                <a16:creationId xmlns:a16="http://schemas.microsoft.com/office/drawing/2014/main" xmlns="" id="{33E365BE-78DE-4079-B7F3-706874E92415}"/>
               </a:ext>
             </a:extLst>
           </p:cNvPr>
@@ -714,7 +714,7 @@
           <p:cNvPr id="6" name="슬라이드 번호 개체 틀 5">
             <a:extLst>
               <a:ext uri="{FF2B5EF4-FFF2-40B4-BE49-F238E27FC236}">
-                <a16:creationId xmlns="" xmlns:a16="http://schemas.microsoft.com/office/drawing/2014/main" id="{6F0D9E52-1AFA-4482-A474-91FF4C5C683A}"/>
+                <a16:creationId xmlns:a16="http://schemas.microsoft.com/office/drawing/2014/main" xmlns="" id="{6F0D9E52-1AFA-4482-A474-91FF4C5C683A}"/>
               </a:ext>
             </a:extLst>
           </p:cNvPr>
@@ -773,7 +773,7 @@
           <p:cNvPr id="2" name="제목 1">
             <a:extLst>
               <a:ext uri="{FF2B5EF4-FFF2-40B4-BE49-F238E27FC236}">
-                <a16:creationId xmlns="" xmlns:a16="http://schemas.microsoft.com/office/drawing/2014/main" id="{60DBF82B-6C4A-4F6E-A362-B2BF3BDC30D7}"/>
+                <a16:creationId xmlns:a16="http://schemas.microsoft.com/office/drawing/2014/main" xmlns="" id="{60DBF82B-6C4A-4F6E-A362-B2BF3BDC30D7}"/>
               </a:ext>
             </a:extLst>
           </p:cNvPr>
@@ -801,7 +801,7 @@
           <p:cNvPr id="3" name="내용 개체 틀 2">
             <a:extLst>
               <a:ext uri="{FF2B5EF4-FFF2-40B4-BE49-F238E27FC236}">
-                <a16:creationId xmlns="" xmlns:a16="http://schemas.microsoft.com/office/drawing/2014/main" id="{BDE6E910-43A6-49D6-A1B5-99E3B0C27E2D}"/>
+                <a16:creationId xmlns:a16="http://schemas.microsoft.com/office/drawing/2014/main" xmlns="" id="{BDE6E910-43A6-49D6-A1B5-99E3B0C27E2D}"/>
               </a:ext>
             </a:extLst>
           </p:cNvPr>
@@ -858,7 +858,7 @@
           <p:cNvPr id="4" name="날짜 개체 틀 3">
             <a:extLst>
               <a:ext uri="{FF2B5EF4-FFF2-40B4-BE49-F238E27FC236}">
-                <a16:creationId xmlns="" xmlns:a16="http://schemas.microsoft.com/office/drawing/2014/main" id="{2F0DB3AC-66C4-4244-9CE9-54D71AA59C90}"/>
+                <a16:creationId xmlns:a16="http://schemas.microsoft.com/office/drawing/2014/main" xmlns="" id="{2F0DB3AC-66C4-4244-9CE9-54D71AA59C90}"/>
               </a:ext>
             </a:extLst>
           </p:cNvPr>
@@ -876,7 +876,7 @@
           <a:p>
             <a:fld id="{246E467A-4026-4A8D-97BF-715EF7FA6491}" type="datetimeFigureOut">
               <a:rPr lang="ko-KR" altLang="en-US" smtClean="0"/>
-              <a:t>2023-02-22</a:t>
+              <a:t>2023-03-16</a:t>
             </a:fld>
             <a:endParaRPr lang="ko-KR" altLang="en-US"/>
           </a:p>
@@ -887,7 +887,7 @@
           <p:cNvPr id="5" name="바닥글 개체 틀 4">
             <a:extLst>
               <a:ext uri="{FF2B5EF4-FFF2-40B4-BE49-F238E27FC236}">
-                <a16:creationId xmlns="" xmlns:a16="http://schemas.microsoft.com/office/drawing/2014/main" id="{3992C886-882E-440B-806C-B06DE5089026}"/>
+                <a16:creationId xmlns:a16="http://schemas.microsoft.com/office/drawing/2014/main" xmlns="" id="{3992C886-882E-440B-806C-B06DE5089026}"/>
               </a:ext>
             </a:extLst>
           </p:cNvPr>
@@ -912,7 +912,7 @@
           <p:cNvPr id="6" name="슬라이드 번호 개체 틀 5">
             <a:extLst>
               <a:ext uri="{FF2B5EF4-FFF2-40B4-BE49-F238E27FC236}">
-                <a16:creationId xmlns="" xmlns:a16="http://schemas.microsoft.com/office/drawing/2014/main" id="{9A9323D2-1426-48F9-A93B-729E72E2B2BB}"/>
+                <a16:creationId xmlns:a16="http://schemas.microsoft.com/office/drawing/2014/main" xmlns="" id="{9A9323D2-1426-48F9-A93B-729E72E2B2BB}"/>
               </a:ext>
             </a:extLst>
           </p:cNvPr>
@@ -971,7 +971,7 @@
           <p:cNvPr id="2" name="제목 1">
             <a:extLst>
               <a:ext uri="{FF2B5EF4-FFF2-40B4-BE49-F238E27FC236}">
-                <a16:creationId xmlns="" xmlns:a16="http://schemas.microsoft.com/office/drawing/2014/main" id="{7153C500-C8D9-4EBC-AC73-9F7D65F03E32}"/>
+                <a16:creationId xmlns:a16="http://schemas.microsoft.com/office/drawing/2014/main" xmlns="" id="{7153C500-C8D9-4EBC-AC73-9F7D65F03E32}"/>
               </a:ext>
             </a:extLst>
           </p:cNvPr>
@@ -1008,7 +1008,7 @@
           <p:cNvPr id="3" name="텍스트 개체 틀 2">
             <a:extLst>
               <a:ext uri="{FF2B5EF4-FFF2-40B4-BE49-F238E27FC236}">
-                <a16:creationId xmlns="" xmlns:a16="http://schemas.microsoft.com/office/drawing/2014/main" id="{4E56CD17-259A-42E8-B64F-04C51B7C1C5F}"/>
+                <a16:creationId xmlns:a16="http://schemas.microsoft.com/office/drawing/2014/main" xmlns="" id="{4E56CD17-259A-42E8-B64F-04C51B7C1C5F}"/>
               </a:ext>
             </a:extLst>
           </p:cNvPr>
@@ -1133,7 +1133,7 @@
           <p:cNvPr id="4" name="날짜 개체 틀 3">
             <a:extLst>
               <a:ext uri="{FF2B5EF4-FFF2-40B4-BE49-F238E27FC236}">
-                <a16:creationId xmlns="" xmlns:a16="http://schemas.microsoft.com/office/drawing/2014/main" id="{CE976CE5-8C59-42A2-A597-465DEAC8E5A7}"/>
+                <a16:creationId xmlns:a16="http://schemas.microsoft.com/office/drawing/2014/main" xmlns="" id="{CE976CE5-8C59-42A2-A597-465DEAC8E5A7}"/>
               </a:ext>
             </a:extLst>
           </p:cNvPr>
@@ -1151,7 +1151,7 @@
           <a:p>
             <a:fld id="{246E467A-4026-4A8D-97BF-715EF7FA6491}" type="datetimeFigureOut">
               <a:rPr lang="ko-KR" altLang="en-US" smtClean="0"/>
-              <a:t>2023-02-22</a:t>
+              <a:t>2023-03-16</a:t>
             </a:fld>
             <a:endParaRPr lang="ko-KR" altLang="en-US"/>
           </a:p>
@@ -1162,7 +1162,7 @@
           <p:cNvPr id="5" name="바닥글 개체 틀 4">
             <a:extLst>
               <a:ext uri="{FF2B5EF4-FFF2-40B4-BE49-F238E27FC236}">
-                <a16:creationId xmlns="" xmlns:a16="http://schemas.microsoft.com/office/drawing/2014/main" id="{742312C6-1DCE-41BC-B5FA-FCFF5BE3B9E6}"/>
+                <a16:creationId xmlns:a16="http://schemas.microsoft.com/office/drawing/2014/main" xmlns="" id="{742312C6-1DCE-41BC-B5FA-FCFF5BE3B9E6}"/>
               </a:ext>
             </a:extLst>
           </p:cNvPr>
@@ -1187,7 +1187,7 @@
           <p:cNvPr id="6" name="슬라이드 번호 개체 틀 5">
             <a:extLst>
               <a:ext uri="{FF2B5EF4-FFF2-40B4-BE49-F238E27FC236}">
-                <a16:creationId xmlns="" xmlns:a16="http://schemas.microsoft.com/office/drawing/2014/main" id="{664339A5-69DC-4256-84CA-F160D48ED02B}"/>
+                <a16:creationId xmlns:a16="http://schemas.microsoft.com/office/drawing/2014/main" xmlns="" id="{664339A5-69DC-4256-84CA-F160D48ED02B}"/>
               </a:ext>
             </a:extLst>
           </p:cNvPr>
@@ -1246,7 +1246,7 @@
           <p:cNvPr id="2" name="제목 1">
             <a:extLst>
               <a:ext uri="{FF2B5EF4-FFF2-40B4-BE49-F238E27FC236}">
-                <a16:creationId xmlns="" xmlns:a16="http://schemas.microsoft.com/office/drawing/2014/main" id="{BCF37A4D-E01E-45A7-B166-73EE7826C0E7}"/>
+                <a16:creationId xmlns:a16="http://schemas.microsoft.com/office/drawing/2014/main" xmlns="" id="{BCF37A4D-E01E-45A7-B166-73EE7826C0E7}"/>
               </a:ext>
             </a:extLst>
           </p:cNvPr>
@@ -1274,7 +1274,7 @@
           <p:cNvPr id="3" name="내용 개체 틀 2">
             <a:extLst>
               <a:ext uri="{FF2B5EF4-FFF2-40B4-BE49-F238E27FC236}">
-                <a16:creationId xmlns="" xmlns:a16="http://schemas.microsoft.com/office/drawing/2014/main" id="{A70D6757-7DA6-452C-9903-7536978F1556}"/>
+                <a16:creationId xmlns:a16="http://schemas.microsoft.com/office/drawing/2014/main" xmlns="" id="{A70D6757-7DA6-452C-9903-7536978F1556}"/>
               </a:ext>
             </a:extLst>
           </p:cNvPr>
@@ -1336,7 +1336,7 @@
           <p:cNvPr id="4" name="내용 개체 틀 3">
             <a:extLst>
               <a:ext uri="{FF2B5EF4-FFF2-40B4-BE49-F238E27FC236}">
-                <a16:creationId xmlns="" xmlns:a16="http://schemas.microsoft.com/office/drawing/2014/main" id="{23DCC3C8-286B-4184-8752-32BC3B116B8E}"/>
+                <a16:creationId xmlns:a16="http://schemas.microsoft.com/office/drawing/2014/main" xmlns="" id="{23DCC3C8-286B-4184-8752-32BC3B116B8E}"/>
               </a:ext>
             </a:extLst>
           </p:cNvPr>
@@ -1398,7 +1398,7 @@
           <p:cNvPr id="5" name="날짜 개체 틀 4">
             <a:extLst>
               <a:ext uri="{FF2B5EF4-FFF2-40B4-BE49-F238E27FC236}">
-                <a16:creationId xmlns="" xmlns:a16="http://schemas.microsoft.com/office/drawing/2014/main" id="{7ECA751A-C45B-42C8-893F-826B22E76CF6}"/>
+                <a16:creationId xmlns:a16="http://schemas.microsoft.com/office/drawing/2014/main" xmlns="" id="{7ECA751A-C45B-42C8-893F-826B22E76CF6}"/>
               </a:ext>
             </a:extLst>
           </p:cNvPr>
@@ -1416,7 +1416,7 @@
           <a:p>
             <a:fld id="{246E467A-4026-4A8D-97BF-715EF7FA6491}" type="datetimeFigureOut">
               <a:rPr lang="ko-KR" altLang="en-US" smtClean="0"/>
-              <a:t>2023-02-22</a:t>
+              <a:t>2023-03-16</a:t>
             </a:fld>
             <a:endParaRPr lang="ko-KR" altLang="en-US"/>
           </a:p>
@@ -1427,7 +1427,7 @@
           <p:cNvPr id="6" name="바닥글 개체 틀 5">
             <a:extLst>
               <a:ext uri="{FF2B5EF4-FFF2-40B4-BE49-F238E27FC236}">
-                <a16:creationId xmlns="" xmlns:a16="http://schemas.microsoft.com/office/drawing/2014/main" id="{9F77210C-0EDE-42F3-A19F-12B3884B4393}"/>
+                <a16:creationId xmlns:a16="http://schemas.microsoft.com/office/drawing/2014/main" xmlns="" id="{9F77210C-0EDE-42F3-A19F-12B3884B4393}"/>
               </a:ext>
             </a:extLst>
           </p:cNvPr>
@@ -1452,7 +1452,7 @@
           <p:cNvPr id="7" name="슬라이드 번호 개체 틀 6">
             <a:extLst>
               <a:ext uri="{FF2B5EF4-FFF2-40B4-BE49-F238E27FC236}">
-                <a16:creationId xmlns="" xmlns:a16="http://schemas.microsoft.com/office/drawing/2014/main" id="{3215D590-E2D2-480C-AF73-67D855C553CB}"/>
+                <a16:creationId xmlns:a16="http://schemas.microsoft.com/office/drawing/2014/main" xmlns="" id="{3215D590-E2D2-480C-AF73-67D855C553CB}"/>
               </a:ext>
             </a:extLst>
           </p:cNvPr>
@@ -1511,7 +1511,7 @@
           <p:cNvPr id="2" name="제목 1">
             <a:extLst>
               <a:ext uri="{FF2B5EF4-FFF2-40B4-BE49-F238E27FC236}">
-                <a16:creationId xmlns="" xmlns:a16="http://schemas.microsoft.com/office/drawing/2014/main" id="{E1E3AF97-024B-4EF1-B5B6-2E362F07CDB3}"/>
+                <a16:creationId xmlns:a16="http://schemas.microsoft.com/office/drawing/2014/main" xmlns="" id="{E1E3AF97-024B-4EF1-B5B6-2E362F07CDB3}"/>
               </a:ext>
             </a:extLst>
           </p:cNvPr>
@@ -1544,7 +1544,7 @@
           <p:cNvPr id="3" name="텍스트 개체 틀 2">
             <a:extLst>
               <a:ext uri="{FF2B5EF4-FFF2-40B4-BE49-F238E27FC236}">
-                <a16:creationId xmlns="" xmlns:a16="http://schemas.microsoft.com/office/drawing/2014/main" id="{2B41334B-2AA0-4E32-9445-B691EAB2831F}"/>
+                <a16:creationId xmlns:a16="http://schemas.microsoft.com/office/drawing/2014/main" xmlns="" id="{2B41334B-2AA0-4E32-9445-B691EAB2831F}"/>
               </a:ext>
             </a:extLst>
           </p:cNvPr>
@@ -1615,7 +1615,7 @@
           <p:cNvPr id="4" name="내용 개체 틀 3">
             <a:extLst>
               <a:ext uri="{FF2B5EF4-FFF2-40B4-BE49-F238E27FC236}">
-                <a16:creationId xmlns="" xmlns:a16="http://schemas.microsoft.com/office/drawing/2014/main" id="{BDB62D6F-224F-4433-9752-11A255D323D4}"/>
+                <a16:creationId xmlns:a16="http://schemas.microsoft.com/office/drawing/2014/main" xmlns="" id="{BDB62D6F-224F-4433-9752-11A255D323D4}"/>
               </a:ext>
             </a:extLst>
           </p:cNvPr>
@@ -1677,7 +1677,7 @@
           <p:cNvPr id="5" name="텍스트 개체 틀 4">
             <a:extLst>
               <a:ext uri="{FF2B5EF4-FFF2-40B4-BE49-F238E27FC236}">
-                <a16:creationId xmlns="" xmlns:a16="http://schemas.microsoft.com/office/drawing/2014/main" id="{DD04EE0E-6C7E-4160-86AA-136E97F9FD62}"/>
+                <a16:creationId xmlns:a16="http://schemas.microsoft.com/office/drawing/2014/main" xmlns="" id="{DD04EE0E-6C7E-4160-86AA-136E97F9FD62}"/>
               </a:ext>
             </a:extLst>
           </p:cNvPr>
@@ -1748,7 +1748,7 @@
           <p:cNvPr id="6" name="내용 개체 틀 5">
             <a:extLst>
               <a:ext uri="{FF2B5EF4-FFF2-40B4-BE49-F238E27FC236}">
-                <a16:creationId xmlns="" xmlns:a16="http://schemas.microsoft.com/office/drawing/2014/main" id="{1B390FB9-7573-4784-A2A4-EDF1B3C59FF4}"/>
+                <a16:creationId xmlns:a16="http://schemas.microsoft.com/office/drawing/2014/main" xmlns="" id="{1B390FB9-7573-4784-A2A4-EDF1B3C59FF4}"/>
               </a:ext>
             </a:extLst>
           </p:cNvPr>
@@ -1810,7 +1810,7 @@
           <p:cNvPr id="7" name="날짜 개체 틀 6">
             <a:extLst>
               <a:ext uri="{FF2B5EF4-FFF2-40B4-BE49-F238E27FC236}">
-                <a16:creationId xmlns="" xmlns:a16="http://schemas.microsoft.com/office/drawing/2014/main" id="{F464B30B-9C6A-4C96-8DB5-BCE9A09F77BB}"/>
+                <a16:creationId xmlns:a16="http://schemas.microsoft.com/office/drawing/2014/main" xmlns="" id="{F464B30B-9C6A-4C96-8DB5-BCE9A09F77BB}"/>
               </a:ext>
             </a:extLst>
           </p:cNvPr>
@@ -1828,7 +1828,7 @@
           <a:p>
             <a:fld id="{246E467A-4026-4A8D-97BF-715EF7FA6491}" type="datetimeFigureOut">
               <a:rPr lang="ko-KR" altLang="en-US" smtClean="0"/>
-              <a:t>2023-02-22</a:t>
+              <a:t>2023-03-16</a:t>
             </a:fld>
             <a:endParaRPr lang="ko-KR" altLang="en-US"/>
           </a:p>
@@ -1839,7 +1839,7 @@
           <p:cNvPr id="8" name="바닥글 개체 틀 7">
             <a:extLst>
               <a:ext uri="{FF2B5EF4-FFF2-40B4-BE49-F238E27FC236}">
-                <a16:creationId xmlns="" xmlns:a16="http://schemas.microsoft.com/office/drawing/2014/main" id="{16A11AC4-2315-46FE-81A4-FE4B843497D9}"/>
+                <a16:creationId xmlns:a16="http://schemas.microsoft.com/office/drawing/2014/main" xmlns="" id="{16A11AC4-2315-46FE-81A4-FE4B843497D9}"/>
               </a:ext>
             </a:extLst>
           </p:cNvPr>
@@ -1864,7 +1864,7 @@
           <p:cNvPr id="9" name="슬라이드 번호 개체 틀 8">
             <a:extLst>
               <a:ext uri="{FF2B5EF4-FFF2-40B4-BE49-F238E27FC236}">
-                <a16:creationId xmlns="" xmlns:a16="http://schemas.microsoft.com/office/drawing/2014/main" id="{DC2D39CB-CB92-40B8-9B0C-3FBBBDF9DDF4}"/>
+                <a16:creationId xmlns:a16="http://schemas.microsoft.com/office/drawing/2014/main" xmlns="" id="{DC2D39CB-CB92-40B8-9B0C-3FBBBDF9DDF4}"/>
               </a:ext>
             </a:extLst>
           </p:cNvPr>
@@ -1923,7 +1923,7 @@
           <p:cNvPr id="2" name="제목 1">
             <a:extLst>
               <a:ext uri="{FF2B5EF4-FFF2-40B4-BE49-F238E27FC236}">
-                <a16:creationId xmlns="" xmlns:a16="http://schemas.microsoft.com/office/drawing/2014/main" id="{90E32E25-F5B3-41EE-BD3B-6965721B8BFA}"/>
+                <a16:creationId xmlns:a16="http://schemas.microsoft.com/office/drawing/2014/main" xmlns="" id="{90E32E25-F5B3-41EE-BD3B-6965721B8BFA}"/>
               </a:ext>
             </a:extLst>
           </p:cNvPr>
@@ -1951,7 +1951,7 @@
           <p:cNvPr id="3" name="날짜 개체 틀 2">
             <a:extLst>
               <a:ext uri="{FF2B5EF4-FFF2-40B4-BE49-F238E27FC236}">
-                <a16:creationId xmlns="" xmlns:a16="http://schemas.microsoft.com/office/drawing/2014/main" id="{0CFE1863-7C02-424B-AF80-CDB396716C6B}"/>
+                <a16:creationId xmlns:a16="http://schemas.microsoft.com/office/drawing/2014/main" xmlns="" id="{0CFE1863-7C02-424B-AF80-CDB396716C6B}"/>
               </a:ext>
             </a:extLst>
           </p:cNvPr>
@@ -1969,7 +1969,7 @@
           <a:p>
             <a:fld id="{246E467A-4026-4A8D-97BF-715EF7FA6491}" type="datetimeFigureOut">
               <a:rPr lang="ko-KR" altLang="en-US" smtClean="0"/>
-              <a:t>2023-02-22</a:t>
+              <a:t>2023-03-16</a:t>
             </a:fld>
             <a:endParaRPr lang="ko-KR" altLang="en-US"/>
           </a:p>
@@ -1980,7 +1980,7 @@
           <p:cNvPr id="4" name="바닥글 개체 틀 3">
             <a:extLst>
               <a:ext uri="{FF2B5EF4-FFF2-40B4-BE49-F238E27FC236}">
-                <a16:creationId xmlns="" xmlns:a16="http://schemas.microsoft.com/office/drawing/2014/main" id="{2F99FB34-90A4-44A0-9CF8-F0BC0FE4AB26}"/>
+                <a16:creationId xmlns:a16="http://schemas.microsoft.com/office/drawing/2014/main" xmlns="" id="{2F99FB34-90A4-44A0-9CF8-F0BC0FE4AB26}"/>
               </a:ext>
             </a:extLst>
           </p:cNvPr>
@@ -2005,7 +2005,7 @@
           <p:cNvPr id="5" name="슬라이드 번호 개체 틀 4">
             <a:extLst>
               <a:ext uri="{FF2B5EF4-FFF2-40B4-BE49-F238E27FC236}">
-                <a16:creationId xmlns="" xmlns:a16="http://schemas.microsoft.com/office/drawing/2014/main" id="{56375702-4955-406C-919C-D35A1B84B474}"/>
+                <a16:creationId xmlns:a16="http://schemas.microsoft.com/office/drawing/2014/main" xmlns="" id="{56375702-4955-406C-919C-D35A1B84B474}"/>
               </a:ext>
             </a:extLst>
           </p:cNvPr>
@@ -2064,7 +2064,7 @@
           <p:cNvPr id="2" name="날짜 개체 틀 1">
             <a:extLst>
               <a:ext uri="{FF2B5EF4-FFF2-40B4-BE49-F238E27FC236}">
-                <a16:creationId xmlns="" xmlns:a16="http://schemas.microsoft.com/office/drawing/2014/main" id="{D76E1BA2-3103-4DB2-AAEB-ED1BAE4527B3}"/>
+                <a16:creationId xmlns:a16="http://schemas.microsoft.com/office/drawing/2014/main" xmlns="" id="{D76E1BA2-3103-4DB2-AAEB-ED1BAE4527B3}"/>
               </a:ext>
             </a:extLst>
           </p:cNvPr>
@@ -2082,7 +2082,7 @@
           <a:p>
             <a:fld id="{246E467A-4026-4A8D-97BF-715EF7FA6491}" type="datetimeFigureOut">
               <a:rPr lang="ko-KR" altLang="en-US" smtClean="0"/>
-              <a:t>2023-02-22</a:t>
+              <a:t>2023-03-16</a:t>
             </a:fld>
             <a:endParaRPr lang="ko-KR" altLang="en-US"/>
           </a:p>
@@ -2093,7 +2093,7 @@
           <p:cNvPr id="3" name="바닥글 개체 틀 2">
             <a:extLst>
               <a:ext uri="{FF2B5EF4-FFF2-40B4-BE49-F238E27FC236}">
-                <a16:creationId xmlns="" xmlns:a16="http://schemas.microsoft.com/office/drawing/2014/main" id="{505D5A54-85CA-45E5-9801-A3F15EEFCC94}"/>
+                <a16:creationId xmlns:a16="http://schemas.microsoft.com/office/drawing/2014/main" xmlns="" id="{505D5A54-85CA-45E5-9801-A3F15EEFCC94}"/>
               </a:ext>
             </a:extLst>
           </p:cNvPr>
@@ -2118,7 +2118,7 @@
           <p:cNvPr id="4" name="슬라이드 번호 개체 틀 3">
             <a:extLst>
               <a:ext uri="{FF2B5EF4-FFF2-40B4-BE49-F238E27FC236}">
-                <a16:creationId xmlns="" xmlns:a16="http://schemas.microsoft.com/office/drawing/2014/main" id="{A812AF2F-D0EC-4C7E-8979-4C17E3F4B44D}"/>
+                <a16:creationId xmlns:a16="http://schemas.microsoft.com/office/drawing/2014/main" xmlns="" id="{A812AF2F-D0EC-4C7E-8979-4C17E3F4B44D}"/>
               </a:ext>
             </a:extLst>
           </p:cNvPr>
@@ -2177,7 +2177,7 @@
           <p:cNvPr id="2" name="제목 1">
             <a:extLst>
               <a:ext uri="{FF2B5EF4-FFF2-40B4-BE49-F238E27FC236}">
-                <a16:creationId xmlns="" xmlns:a16="http://schemas.microsoft.com/office/drawing/2014/main" id="{8C03A167-5C7C-4CD2-A3E4-B6F94583214B}"/>
+                <a16:creationId xmlns:a16="http://schemas.microsoft.com/office/drawing/2014/main" xmlns="" id="{8C03A167-5C7C-4CD2-A3E4-B6F94583214B}"/>
               </a:ext>
             </a:extLst>
           </p:cNvPr>
@@ -2214,7 +2214,7 @@
           <p:cNvPr id="3" name="내용 개체 틀 2">
             <a:extLst>
               <a:ext uri="{FF2B5EF4-FFF2-40B4-BE49-F238E27FC236}">
-                <a16:creationId xmlns="" xmlns:a16="http://schemas.microsoft.com/office/drawing/2014/main" id="{5421CEB6-C525-4AEB-BB3E-B13156901366}"/>
+                <a16:creationId xmlns:a16="http://schemas.microsoft.com/office/drawing/2014/main" xmlns="" id="{5421CEB6-C525-4AEB-BB3E-B13156901366}"/>
               </a:ext>
             </a:extLst>
           </p:cNvPr>
@@ -2304,7 +2304,7 @@
           <p:cNvPr id="4" name="텍스트 개체 틀 3">
             <a:extLst>
               <a:ext uri="{FF2B5EF4-FFF2-40B4-BE49-F238E27FC236}">
-                <a16:creationId xmlns="" xmlns:a16="http://schemas.microsoft.com/office/drawing/2014/main" id="{69296C9A-4472-4D30-BFAE-60CB397B5014}"/>
+                <a16:creationId xmlns:a16="http://schemas.microsoft.com/office/drawing/2014/main" xmlns="" id="{69296C9A-4472-4D30-BFAE-60CB397B5014}"/>
               </a:ext>
             </a:extLst>
           </p:cNvPr>
@@ -2375,7 +2375,7 @@
           <p:cNvPr id="5" name="날짜 개체 틀 4">
             <a:extLst>
               <a:ext uri="{FF2B5EF4-FFF2-40B4-BE49-F238E27FC236}">
-                <a16:creationId xmlns="" xmlns:a16="http://schemas.microsoft.com/office/drawing/2014/main" id="{F44E3F16-D603-4838-BA1C-0C9EEDE4AC92}"/>
+                <a16:creationId xmlns:a16="http://schemas.microsoft.com/office/drawing/2014/main" xmlns="" id="{F44E3F16-D603-4838-BA1C-0C9EEDE4AC92}"/>
               </a:ext>
             </a:extLst>
           </p:cNvPr>
@@ -2393,7 +2393,7 @@
           <a:p>
             <a:fld id="{246E467A-4026-4A8D-97BF-715EF7FA6491}" type="datetimeFigureOut">
               <a:rPr lang="ko-KR" altLang="en-US" smtClean="0"/>
-              <a:t>2023-02-22</a:t>
+              <a:t>2023-03-16</a:t>
             </a:fld>
             <a:endParaRPr lang="ko-KR" altLang="en-US"/>
           </a:p>
@@ -2404,7 +2404,7 @@
           <p:cNvPr id="6" name="바닥글 개체 틀 5">
             <a:extLst>
               <a:ext uri="{FF2B5EF4-FFF2-40B4-BE49-F238E27FC236}">
-                <a16:creationId xmlns="" xmlns:a16="http://schemas.microsoft.com/office/drawing/2014/main" id="{F48873C6-9D3A-4C62-9D46-88E6BAABCBA4}"/>
+                <a16:creationId xmlns:a16="http://schemas.microsoft.com/office/drawing/2014/main" xmlns="" id="{F48873C6-9D3A-4C62-9D46-88E6BAABCBA4}"/>
               </a:ext>
             </a:extLst>
           </p:cNvPr>
@@ -2429,7 +2429,7 @@
           <p:cNvPr id="7" name="슬라이드 번호 개체 틀 6">
             <a:extLst>
               <a:ext uri="{FF2B5EF4-FFF2-40B4-BE49-F238E27FC236}">
-                <a16:creationId xmlns="" xmlns:a16="http://schemas.microsoft.com/office/drawing/2014/main" id="{79A9C646-865F-49F4-8BDD-FB9A4DECA8F3}"/>
+                <a16:creationId xmlns:a16="http://schemas.microsoft.com/office/drawing/2014/main" xmlns="" id="{79A9C646-865F-49F4-8BDD-FB9A4DECA8F3}"/>
               </a:ext>
             </a:extLst>
           </p:cNvPr>
@@ -2488,7 +2488,7 @@
           <p:cNvPr id="2" name="제목 1">
             <a:extLst>
               <a:ext uri="{FF2B5EF4-FFF2-40B4-BE49-F238E27FC236}">
-                <a16:creationId xmlns="" xmlns:a16="http://schemas.microsoft.com/office/drawing/2014/main" id="{E5F258A6-5AAD-4F1F-976F-EDB5FF7254F0}"/>
+                <a16:creationId xmlns:a16="http://schemas.microsoft.com/office/drawing/2014/main" xmlns="" id="{E5F258A6-5AAD-4F1F-976F-EDB5FF7254F0}"/>
               </a:ext>
             </a:extLst>
           </p:cNvPr>
@@ -2525,7 +2525,7 @@
           <p:cNvPr id="3" name="그림 개체 틀 2">
             <a:extLst>
               <a:ext uri="{FF2B5EF4-FFF2-40B4-BE49-F238E27FC236}">
-                <a16:creationId xmlns="" xmlns:a16="http://schemas.microsoft.com/office/drawing/2014/main" id="{D2F4441E-0165-42AA-88F8-E53C4BAAC1DE}"/>
+                <a16:creationId xmlns:a16="http://schemas.microsoft.com/office/drawing/2014/main" xmlns="" id="{D2F4441E-0165-42AA-88F8-E53C4BAAC1DE}"/>
               </a:ext>
             </a:extLst>
           </p:cNvPr>
@@ -2592,7 +2592,7 @@
           <p:cNvPr id="4" name="텍스트 개체 틀 3">
             <a:extLst>
               <a:ext uri="{FF2B5EF4-FFF2-40B4-BE49-F238E27FC236}">
-                <a16:creationId xmlns="" xmlns:a16="http://schemas.microsoft.com/office/drawing/2014/main" id="{5AFCA1E8-0D3C-4590-82E2-D018D6E61D0F}"/>
+                <a16:creationId xmlns:a16="http://schemas.microsoft.com/office/drawing/2014/main" xmlns="" id="{5AFCA1E8-0D3C-4590-82E2-D018D6E61D0F}"/>
               </a:ext>
             </a:extLst>
           </p:cNvPr>
@@ -2663,7 +2663,7 @@
           <p:cNvPr id="5" name="날짜 개체 틀 4">
             <a:extLst>
               <a:ext uri="{FF2B5EF4-FFF2-40B4-BE49-F238E27FC236}">
-                <a16:creationId xmlns="" xmlns:a16="http://schemas.microsoft.com/office/drawing/2014/main" id="{0A674557-7FD9-416C-A8B5-FA6C4B5558AE}"/>
+                <a16:creationId xmlns:a16="http://schemas.microsoft.com/office/drawing/2014/main" xmlns="" id="{0A674557-7FD9-416C-A8B5-FA6C4B5558AE}"/>
               </a:ext>
             </a:extLst>
           </p:cNvPr>
@@ -2681,7 +2681,7 @@
           <a:p>
             <a:fld id="{246E467A-4026-4A8D-97BF-715EF7FA6491}" type="datetimeFigureOut">
               <a:rPr lang="ko-KR" altLang="en-US" smtClean="0"/>
-              <a:t>2023-02-22</a:t>
+              <a:t>2023-03-16</a:t>
             </a:fld>
             <a:endParaRPr lang="ko-KR" altLang="en-US"/>
           </a:p>
@@ -2692,7 +2692,7 @@
           <p:cNvPr id="6" name="바닥글 개체 틀 5">
             <a:extLst>
               <a:ext uri="{FF2B5EF4-FFF2-40B4-BE49-F238E27FC236}">
-                <a16:creationId xmlns="" xmlns:a16="http://schemas.microsoft.com/office/drawing/2014/main" id="{9C4A215C-B55F-4988-B45B-7667E8C7CAF6}"/>
+                <a16:creationId xmlns:a16="http://schemas.microsoft.com/office/drawing/2014/main" xmlns="" id="{9C4A215C-B55F-4988-B45B-7667E8C7CAF6}"/>
               </a:ext>
             </a:extLst>
           </p:cNvPr>
@@ -2717,7 +2717,7 @@
           <p:cNvPr id="7" name="슬라이드 번호 개체 틀 6">
             <a:extLst>
               <a:ext uri="{FF2B5EF4-FFF2-40B4-BE49-F238E27FC236}">
-                <a16:creationId xmlns="" xmlns:a16="http://schemas.microsoft.com/office/drawing/2014/main" id="{82FF3B86-5A48-411F-8090-830140A677FA}"/>
+                <a16:creationId xmlns:a16="http://schemas.microsoft.com/office/drawing/2014/main" xmlns="" id="{82FF3B86-5A48-411F-8090-830140A677FA}"/>
               </a:ext>
             </a:extLst>
           </p:cNvPr>
@@ -2781,7 +2781,7 @@
           <p:cNvPr id="2" name="제목 개체 틀 1">
             <a:extLst>
               <a:ext uri="{FF2B5EF4-FFF2-40B4-BE49-F238E27FC236}">
-                <a16:creationId xmlns="" xmlns:a16="http://schemas.microsoft.com/office/drawing/2014/main" id="{B9DF84FF-C412-430B-963A-695AABF70E5D}"/>
+                <a16:creationId xmlns:a16="http://schemas.microsoft.com/office/drawing/2014/main" xmlns="" id="{B9DF84FF-C412-430B-963A-695AABF70E5D}"/>
               </a:ext>
             </a:extLst>
           </p:cNvPr>
@@ -2819,7 +2819,7 @@
           <p:cNvPr id="3" name="텍스트 개체 틀 2">
             <a:extLst>
               <a:ext uri="{FF2B5EF4-FFF2-40B4-BE49-F238E27FC236}">
-                <a16:creationId xmlns="" xmlns:a16="http://schemas.microsoft.com/office/drawing/2014/main" id="{45EE7982-A999-4B0A-85F1-A0D5C55038DC}"/>
+                <a16:creationId xmlns:a16="http://schemas.microsoft.com/office/drawing/2014/main" xmlns="" id="{45EE7982-A999-4B0A-85F1-A0D5C55038DC}"/>
               </a:ext>
             </a:extLst>
           </p:cNvPr>
@@ -2886,7 +2886,7 @@
           <p:cNvPr id="4" name="날짜 개체 틀 3">
             <a:extLst>
               <a:ext uri="{FF2B5EF4-FFF2-40B4-BE49-F238E27FC236}">
-                <a16:creationId xmlns="" xmlns:a16="http://schemas.microsoft.com/office/drawing/2014/main" id="{3F48EB6A-F091-464F-A783-1AE546A56948}"/>
+                <a16:creationId xmlns:a16="http://schemas.microsoft.com/office/drawing/2014/main" xmlns="" id="{3F48EB6A-F091-464F-A783-1AE546A56948}"/>
               </a:ext>
             </a:extLst>
           </p:cNvPr>
@@ -2922,7 +2922,7 @@
           <a:p>
             <a:fld id="{246E467A-4026-4A8D-97BF-715EF7FA6491}" type="datetimeFigureOut">
               <a:rPr lang="ko-KR" altLang="en-US" smtClean="0"/>
-              <a:t>2023-02-22</a:t>
+              <a:t>2023-03-16</a:t>
             </a:fld>
             <a:endParaRPr lang="ko-KR" altLang="en-US"/>
           </a:p>
@@ -2933,7 +2933,7 @@
           <p:cNvPr id="5" name="바닥글 개체 틀 4">
             <a:extLst>
               <a:ext uri="{FF2B5EF4-FFF2-40B4-BE49-F238E27FC236}">
-                <a16:creationId xmlns="" xmlns:a16="http://schemas.microsoft.com/office/drawing/2014/main" id="{9531D2C7-63D5-4319-952D-A6F8404F460B}"/>
+                <a16:creationId xmlns:a16="http://schemas.microsoft.com/office/drawing/2014/main" xmlns="" id="{9531D2C7-63D5-4319-952D-A6F8404F460B}"/>
               </a:ext>
             </a:extLst>
           </p:cNvPr>
@@ -2976,7 +2976,7 @@
           <p:cNvPr id="6" name="슬라이드 번호 개체 틀 5">
             <a:extLst>
               <a:ext uri="{FF2B5EF4-FFF2-40B4-BE49-F238E27FC236}">
-                <a16:creationId xmlns="" xmlns:a16="http://schemas.microsoft.com/office/drawing/2014/main" id="{7739517A-02D4-4037-9427-974339FE7C30}"/>
+                <a16:creationId xmlns:a16="http://schemas.microsoft.com/office/drawing/2014/main" xmlns="" id="{7739517A-02D4-4037-9427-974339FE7C30}"/>
               </a:ext>
             </a:extLst>
           </p:cNvPr>
@@ -3352,7 +3352,7 @@
           <p:cNvPr id="2" name="TextBox 1">
             <a:extLst>
               <a:ext uri="{FF2B5EF4-FFF2-40B4-BE49-F238E27FC236}">
-                <a16:creationId xmlns="" xmlns:a16="http://schemas.microsoft.com/office/drawing/2014/main" id="{C70C938C-F8B1-4FFF-8F74-6ED0A876B136}"/>
+                <a16:creationId xmlns:a16="http://schemas.microsoft.com/office/drawing/2014/main" xmlns="" id="{C70C938C-F8B1-4FFF-8F74-6ED0A876B136}"/>
               </a:ext>
             </a:extLst>
           </p:cNvPr>
@@ -3393,7 +3393,7 @@
           <p:cNvPr id="3" name="TextBox 2">
             <a:extLst>
               <a:ext uri="{FF2B5EF4-FFF2-40B4-BE49-F238E27FC236}">
-                <a16:creationId xmlns="" xmlns:a16="http://schemas.microsoft.com/office/drawing/2014/main" id="{CC61FC92-B1C1-4C46-ABEF-2B6B78AA5915}"/>
+                <a16:creationId xmlns:a16="http://schemas.microsoft.com/office/drawing/2014/main" xmlns="" id="{CC61FC92-B1C1-4C46-ABEF-2B6B78AA5915}"/>
               </a:ext>
             </a:extLst>
           </p:cNvPr>
@@ -3434,7 +3434,7 @@
           <p:cNvPr id="8" name="그림 7" descr="사람, 서있는, 남자, 착용이(가) 표시된 사진&#10;&#10;자동 생성된 설명">
             <a:extLst>
               <a:ext uri="{FF2B5EF4-FFF2-40B4-BE49-F238E27FC236}">
-                <a16:creationId xmlns="" xmlns:a16="http://schemas.microsoft.com/office/drawing/2014/main" id="{398D98B8-2DFA-8476-B48A-2240354A960C}"/>
+                <a16:creationId xmlns:a16="http://schemas.microsoft.com/office/drawing/2014/main" xmlns="" id="{398D98B8-2DFA-8476-B48A-2240354A960C}"/>
               </a:ext>
             </a:extLst>
           </p:cNvPr>
@@ -3470,7 +3470,7 @@
           <p:cNvPr id="10" name="그림 9" descr="사람이(가) 표시된 사진&#10;&#10;자동 생성된 설명">
             <a:extLst>
               <a:ext uri="{FF2B5EF4-FFF2-40B4-BE49-F238E27FC236}">
-                <a16:creationId xmlns="" xmlns:a16="http://schemas.microsoft.com/office/drawing/2014/main" id="{0BE051E3-CAB7-BCFC-0441-E2FD03007A8D}"/>
+                <a16:creationId xmlns:a16="http://schemas.microsoft.com/office/drawing/2014/main" xmlns="" id="{0BE051E3-CAB7-BCFC-0441-E2FD03007A8D}"/>
               </a:ext>
             </a:extLst>
           </p:cNvPr>
@@ -3506,7 +3506,7 @@
           <p:cNvPr id="12" name="그림 11" descr="사람, 남자, 착용, 서있는이(가) 표시된 사진&#10;&#10;자동 생성된 설명">
             <a:extLst>
               <a:ext uri="{FF2B5EF4-FFF2-40B4-BE49-F238E27FC236}">
-                <a16:creationId xmlns="" xmlns:a16="http://schemas.microsoft.com/office/drawing/2014/main" id="{E9B0AD0F-14A6-F8C1-AEF5-1B01B5CEF846}"/>
+                <a16:creationId xmlns:a16="http://schemas.microsoft.com/office/drawing/2014/main" xmlns="" id="{E9B0AD0F-14A6-F8C1-AEF5-1B01B5CEF846}"/>
               </a:ext>
             </a:extLst>
           </p:cNvPr>
@@ -3584,7 +3584,7 @@
           <p:cNvPr id="3" name="직선 연결선 2">
             <a:extLst>
               <a:ext uri="{FF2B5EF4-FFF2-40B4-BE49-F238E27FC236}">
-                <a16:creationId xmlns="" xmlns:a16="http://schemas.microsoft.com/office/drawing/2014/main" id="{30B7886A-E2C2-47A8-A271-1FD08F52EED0}"/>
+                <a16:creationId xmlns:a16="http://schemas.microsoft.com/office/drawing/2014/main" xmlns="" id="{30B7886A-E2C2-47A8-A271-1FD08F52EED0}"/>
               </a:ext>
             </a:extLst>
           </p:cNvPr>
@@ -3627,7 +3627,7 @@
           <p:cNvPr id="18" name="직선 연결선 17">
             <a:extLst>
               <a:ext uri="{FF2B5EF4-FFF2-40B4-BE49-F238E27FC236}">
-                <a16:creationId xmlns="" xmlns:a16="http://schemas.microsoft.com/office/drawing/2014/main" id="{7911BDFD-7E29-44F7-9ED7-E8F36B51436C}"/>
+                <a16:creationId xmlns:a16="http://schemas.microsoft.com/office/drawing/2014/main" xmlns="" id="{7911BDFD-7E29-44F7-9ED7-E8F36B51436C}"/>
               </a:ext>
             </a:extLst>
           </p:cNvPr>
@@ -3658,80 +3658,9 @@
           </a:fontRef>
         </p:style>
       </p:cxnSp>
-      <p:sp>
-        <p:nvSpPr>
-          <p:cNvPr id="4" name="TextBox 3"/>
-          <p:cNvSpPr txBox="1"/>
-          <p:nvPr/>
-        </p:nvSpPr>
-        <p:spPr>
-          <a:xfrm>
-            <a:off x="1329591" y="5540976"/>
-            <a:ext cx="9667631" cy="1015663"/>
-          </a:xfrm>
-          <a:prstGeom prst="rect">
-            <a:avLst/>
-          </a:prstGeom>
-          <a:noFill/>
-        </p:spPr>
-        <p:txBody>
-          <a:bodyPr wrap="square" rtlCol="0">
-            <a:spAutoFit/>
-          </a:bodyPr>
-          <a:lstStyle/>
-          <a:p>
-            <a:pPr algn="ctr"/>
-            <a:r>
-              <a:rPr lang="ko-KR" altLang="en-US" sz="2000" dirty="0" err="1" smtClean="0"/>
-              <a:t>컨투어방식을</a:t>
-            </a:r>
-            <a:r>
-              <a:rPr lang="ko-KR" altLang="en-US" sz="2000" dirty="0" smtClean="0"/>
-              <a:t> 통해서 테스트 데이터를 만드는 것의 효율성 문제점 발견</a:t>
-            </a:r>
-            <a:endParaRPr lang="en-US" altLang="ko-KR" sz="2000" dirty="0" smtClean="0"/>
-          </a:p>
-          <a:p>
-            <a:pPr algn="ctr"/>
-            <a:r>
-              <a:rPr lang="en-US" altLang="ko-KR" sz="2000" dirty="0" smtClean="0"/>
-              <a:t>Cycle GAN</a:t>
-            </a:r>
-            <a:r>
-              <a:rPr lang="ko-KR" altLang="en-US" sz="2000" dirty="0" smtClean="0"/>
-              <a:t>을 통해서 테스트 데이터 제작으로 변경</a:t>
-            </a:r>
-            <a:endParaRPr lang="en-US" altLang="ko-KR" sz="2000" dirty="0" smtClean="0"/>
-          </a:p>
-          <a:p>
-            <a:pPr algn="ctr"/>
-            <a:r>
-              <a:rPr lang="en-US" altLang="ko-KR" sz="2000" dirty="0" smtClean="0"/>
-              <a:t>Google </a:t>
-            </a:r>
-            <a:r>
-              <a:rPr lang="en-US" altLang="ko-KR" sz="2000" dirty="0" err="1" smtClean="0"/>
-              <a:t>Colab</a:t>
-            </a:r>
-            <a:r>
-              <a:rPr lang="en-US" altLang="ko-KR" sz="2000" dirty="0" smtClean="0"/>
-              <a:t> Cycle </a:t>
-            </a:r>
-            <a:r>
-              <a:rPr lang="en-US" altLang="ko-KR" sz="2000" dirty="0" err="1" smtClean="0"/>
-              <a:t>Gan</a:t>
-            </a:r>
-            <a:r>
-              <a:rPr lang="ko-KR" altLang="en-US" sz="2000" dirty="0" smtClean="0"/>
-              <a:t>학습</a:t>
-            </a:r>
-            <a:endParaRPr lang="en-US" altLang="ko-KR" sz="2000" dirty="0" smtClean="0"/>
-          </a:p>
-        </p:txBody>
-      </p:sp>
       <p:pic>
         <p:nvPicPr>
-          <p:cNvPr id="1026" name="Picture 2" descr="C:\Users\user\Desktop\1.1.GIF"/>
+          <p:cNvPr id="2" name="Picture 2" descr="C:\Users\user\Desktop\1.1.GIF"/>
           <p:cNvPicPr>
             <a:picLocks noChangeAspect="1" noChangeArrowheads="1"/>
           </p:cNvPicPr>
@@ -3752,8 +3681,8 @@
         </p:blipFill>
         <p:spPr bwMode="auto">
           <a:xfrm>
-            <a:off x="1509092" y="325465"/>
-            <a:ext cx="9820167" cy="4809640"/>
+            <a:off x="910989" y="773037"/>
+            <a:ext cx="11069201" cy="5074990"/>
           </a:xfrm>
           <a:prstGeom prst="rect">
             <a:avLst/>
@@ -3770,6 +3699,52 @@
           </a:extLst>
         </p:spPr>
       </p:pic>
+      <p:sp>
+        <p:nvSpPr>
+          <p:cNvPr id="5" name="TextBox 4"/>
+          <p:cNvSpPr txBox="1"/>
+          <p:nvPr/>
+        </p:nvSpPr>
+        <p:spPr>
+          <a:xfrm>
+            <a:off x="1409236" y="5872664"/>
+            <a:ext cx="9917723" cy="369332"/>
+          </a:xfrm>
+          <a:prstGeom prst="rect">
+            <a:avLst/>
+          </a:prstGeom>
+          <a:noFill/>
+        </p:spPr>
+        <p:txBody>
+          <a:bodyPr wrap="square" rtlCol="0">
+            <a:spAutoFit/>
+          </a:bodyPr>
+          <a:lstStyle/>
+          <a:p>
+            <a:r>
+              <a:rPr lang="ko-KR" altLang="en-US" dirty="0" smtClean="0"/>
+              <a:t>원하는 결과물의 조건과 모델의 적합성을 </a:t>
+            </a:r>
+            <a:r>
+              <a:rPr lang="en-US" altLang="ko-KR" dirty="0" smtClean="0"/>
+              <a:t>Pix2Pix</a:t>
+            </a:r>
+            <a:r>
+              <a:rPr lang="ko-KR" altLang="en-US" dirty="0" smtClean="0"/>
+              <a:t>모델로 </a:t>
+            </a:r>
+            <a:r>
+              <a:rPr lang="en-US" altLang="ko-KR" dirty="0" err="1" smtClean="0"/>
+              <a:t>Colab</a:t>
+            </a:r>
+            <a:r>
+              <a:rPr lang="ko-KR" altLang="en-US" dirty="0" smtClean="0"/>
+              <a:t>으로 코드 작성</a:t>
+            </a:r>
+            <a:endParaRPr lang="ko-KR" altLang="en-US" dirty="0"/>
+          </a:p>
+        </p:txBody>
+      </p:sp>
     </p:spTree>
     <p:extLst>
       <p:ext uri="{BB962C8B-B14F-4D97-AF65-F5344CB8AC3E}">
@@ -3792,6 +3767,13 @@
       </p:transition>
     </mc:Fallback>
   </mc:AlternateContent>
+  <p:timing>
+    <p:tnLst>
+      <p:par>
+        <p:cTn id="1" dur="indefinite" restart="never" nodeType="tmRoot"/>
+      </p:par>
+    </p:tnLst>
+  </p:timing>
 </p:sld>
 </file>
 
@@ -3817,7 +3799,7 @@
           <p:cNvPr id="3" name="직선 연결선 2">
             <a:extLst>
               <a:ext uri="{FF2B5EF4-FFF2-40B4-BE49-F238E27FC236}">
-                <a16:creationId xmlns="" xmlns:a16="http://schemas.microsoft.com/office/drawing/2014/main" id="{30B7886A-E2C2-47A8-A271-1FD08F52EED0}"/>
+                <a16:creationId xmlns:a16="http://schemas.microsoft.com/office/drawing/2014/main" xmlns="" id="{30B7886A-E2C2-47A8-A271-1FD08F52EED0}"/>
               </a:ext>
             </a:extLst>
           </p:cNvPr>
@@ -3860,7 +3842,7 @@
           <p:cNvPr id="18" name="직선 연결선 17">
             <a:extLst>
               <a:ext uri="{FF2B5EF4-FFF2-40B4-BE49-F238E27FC236}">
-                <a16:creationId xmlns="" xmlns:a16="http://schemas.microsoft.com/office/drawing/2014/main" id="{7911BDFD-7E29-44F7-9ED7-E8F36B51436C}"/>
+                <a16:creationId xmlns:a16="http://schemas.microsoft.com/office/drawing/2014/main" xmlns="" id="{7911BDFD-7E29-44F7-9ED7-E8F36B51436C}"/>
               </a:ext>
             </a:extLst>
           </p:cNvPr>
@@ -4144,7 +4126,7 @@
   <a:extraClrSchemeLst/>
   <a:extLst>
     <a:ext uri="{05A4C25C-085E-4340-85A3-A5531E510DB2}">
-      <thm15:themeFamily xmlns="" xmlns:thm15="http://schemas.microsoft.com/office/thememl/2012/main" name="Office Theme" id="{62F939B6-93AF-4DB8-9C6B-D6C7DFDC589F}" vid="{4A3C46E8-61CC-4603-A589-7422A47A8E4A}"/>
+      <thm15:themeFamily xmlns:thm15="http://schemas.microsoft.com/office/thememl/2012/main" xmlns="" name="Office Theme" id="{62F939B6-93AF-4DB8-9C6B-D6C7DFDC589F}" vid="{4A3C46E8-61CC-4603-A589-7422A47A8E4A}"/>
     </a:ext>
   </a:extLst>
 </a:theme>

--- a/발표자료/업데이트/LJHPPT.pptx
+++ b/발표자료/업데이트/LJHPPT.pptx
@@ -108,7 +108,7 @@
   </p:defaultTextStyle>
   <p:extLst>
     <p:ext uri="{EFAFB233-063F-42B5-8137-9DF3F51BA10A}">
-      <p15:sldGuideLst xmlns:p15="http://schemas.microsoft.com/office/powerpoint/2012/main" xmlns="">
+      <p15:sldGuideLst xmlns="" xmlns:p15="http://schemas.microsoft.com/office/powerpoint/2012/main">
         <p15:guide id="1" orient="horz" pos="2160" userDrawn="1">
           <p15:clr>
             <a:srgbClr val="A4A3A4"/>
@@ -147,7 +147,7 @@
           <p:cNvPr id="2" name="제목 1">
             <a:extLst>
               <a:ext uri="{FF2B5EF4-FFF2-40B4-BE49-F238E27FC236}">
-                <a16:creationId xmlns:a16="http://schemas.microsoft.com/office/drawing/2014/main" xmlns="" id="{544428E6-48F8-48FF-A4B7-7E67A9EE0B77}"/>
+                <a16:creationId xmlns="" xmlns:a16="http://schemas.microsoft.com/office/drawing/2014/main" id="{544428E6-48F8-48FF-A4B7-7E67A9EE0B77}"/>
               </a:ext>
             </a:extLst>
           </p:cNvPr>
@@ -184,7 +184,7 @@
           <p:cNvPr id="3" name="부제목 2">
             <a:extLst>
               <a:ext uri="{FF2B5EF4-FFF2-40B4-BE49-F238E27FC236}">
-                <a16:creationId xmlns:a16="http://schemas.microsoft.com/office/drawing/2014/main" xmlns="" id="{FBA2431C-BDF3-4534-AED0-115F103A462A}"/>
+                <a16:creationId xmlns="" xmlns:a16="http://schemas.microsoft.com/office/drawing/2014/main" id="{FBA2431C-BDF3-4534-AED0-115F103A462A}"/>
               </a:ext>
             </a:extLst>
           </p:cNvPr>
@@ -254,7 +254,7 @@
           <p:cNvPr id="4" name="날짜 개체 틀 3">
             <a:extLst>
               <a:ext uri="{FF2B5EF4-FFF2-40B4-BE49-F238E27FC236}">
-                <a16:creationId xmlns:a16="http://schemas.microsoft.com/office/drawing/2014/main" xmlns="" id="{420173CB-01B9-4295-A804-D7D5973D6277}"/>
+                <a16:creationId xmlns="" xmlns:a16="http://schemas.microsoft.com/office/drawing/2014/main" id="{420173CB-01B9-4295-A804-D7D5973D6277}"/>
               </a:ext>
             </a:extLst>
           </p:cNvPr>
@@ -272,7 +272,7 @@
           <a:p>
             <a:fld id="{246E467A-4026-4A8D-97BF-715EF7FA6491}" type="datetimeFigureOut">
               <a:rPr lang="ko-KR" altLang="en-US" smtClean="0"/>
-              <a:t>2023-03-16</a:t>
+              <a:t>2023-03-30</a:t>
             </a:fld>
             <a:endParaRPr lang="ko-KR" altLang="en-US"/>
           </a:p>
@@ -283,7 +283,7 @@
           <p:cNvPr id="5" name="바닥글 개체 틀 4">
             <a:extLst>
               <a:ext uri="{FF2B5EF4-FFF2-40B4-BE49-F238E27FC236}">
-                <a16:creationId xmlns:a16="http://schemas.microsoft.com/office/drawing/2014/main" xmlns="" id="{E1C5FE16-77A0-484E-AEFD-FF537292ECD0}"/>
+                <a16:creationId xmlns="" xmlns:a16="http://schemas.microsoft.com/office/drawing/2014/main" id="{E1C5FE16-77A0-484E-AEFD-FF537292ECD0}"/>
               </a:ext>
             </a:extLst>
           </p:cNvPr>
@@ -308,7 +308,7 @@
           <p:cNvPr id="6" name="슬라이드 번호 개체 틀 5">
             <a:extLst>
               <a:ext uri="{FF2B5EF4-FFF2-40B4-BE49-F238E27FC236}">
-                <a16:creationId xmlns:a16="http://schemas.microsoft.com/office/drawing/2014/main" xmlns="" id="{69F3DF25-2E65-49D3-8F6F-64AA11097B17}"/>
+                <a16:creationId xmlns="" xmlns:a16="http://schemas.microsoft.com/office/drawing/2014/main" id="{69F3DF25-2E65-49D3-8F6F-64AA11097B17}"/>
               </a:ext>
             </a:extLst>
           </p:cNvPr>
@@ -367,7 +367,7 @@
           <p:cNvPr id="2" name="제목 1">
             <a:extLst>
               <a:ext uri="{FF2B5EF4-FFF2-40B4-BE49-F238E27FC236}">
-                <a16:creationId xmlns:a16="http://schemas.microsoft.com/office/drawing/2014/main" xmlns="" id="{0E520652-E714-4A15-826F-1B53C7092B68}"/>
+                <a16:creationId xmlns="" xmlns:a16="http://schemas.microsoft.com/office/drawing/2014/main" id="{0E520652-E714-4A15-826F-1B53C7092B68}"/>
               </a:ext>
             </a:extLst>
           </p:cNvPr>
@@ -395,7 +395,7 @@
           <p:cNvPr id="3" name="세로 텍스트 개체 틀 2">
             <a:extLst>
               <a:ext uri="{FF2B5EF4-FFF2-40B4-BE49-F238E27FC236}">
-                <a16:creationId xmlns:a16="http://schemas.microsoft.com/office/drawing/2014/main" xmlns="" id="{1C14771D-DE0A-400C-8C59-8670E31F7094}"/>
+                <a16:creationId xmlns="" xmlns:a16="http://schemas.microsoft.com/office/drawing/2014/main" id="{1C14771D-DE0A-400C-8C59-8670E31F7094}"/>
               </a:ext>
             </a:extLst>
           </p:cNvPr>
@@ -452,7 +452,7 @@
           <p:cNvPr id="4" name="날짜 개체 틀 3">
             <a:extLst>
               <a:ext uri="{FF2B5EF4-FFF2-40B4-BE49-F238E27FC236}">
-                <a16:creationId xmlns:a16="http://schemas.microsoft.com/office/drawing/2014/main" xmlns="" id="{5CBEACB7-48C9-4FB8-8D34-7F4C63932697}"/>
+                <a16:creationId xmlns="" xmlns:a16="http://schemas.microsoft.com/office/drawing/2014/main" id="{5CBEACB7-48C9-4FB8-8D34-7F4C63932697}"/>
               </a:ext>
             </a:extLst>
           </p:cNvPr>
@@ -470,7 +470,7 @@
           <a:p>
             <a:fld id="{246E467A-4026-4A8D-97BF-715EF7FA6491}" type="datetimeFigureOut">
               <a:rPr lang="ko-KR" altLang="en-US" smtClean="0"/>
-              <a:t>2023-03-16</a:t>
+              <a:t>2023-03-30</a:t>
             </a:fld>
             <a:endParaRPr lang="ko-KR" altLang="en-US"/>
           </a:p>
@@ -481,7 +481,7 @@
           <p:cNvPr id="5" name="바닥글 개체 틀 4">
             <a:extLst>
               <a:ext uri="{FF2B5EF4-FFF2-40B4-BE49-F238E27FC236}">
-                <a16:creationId xmlns:a16="http://schemas.microsoft.com/office/drawing/2014/main" xmlns="" id="{5BD31818-B6CD-47B0-9353-395CC53986D6}"/>
+                <a16:creationId xmlns="" xmlns:a16="http://schemas.microsoft.com/office/drawing/2014/main" id="{5BD31818-B6CD-47B0-9353-395CC53986D6}"/>
               </a:ext>
             </a:extLst>
           </p:cNvPr>
@@ -506,7 +506,7 @@
           <p:cNvPr id="6" name="슬라이드 번호 개체 틀 5">
             <a:extLst>
               <a:ext uri="{FF2B5EF4-FFF2-40B4-BE49-F238E27FC236}">
-                <a16:creationId xmlns:a16="http://schemas.microsoft.com/office/drawing/2014/main" xmlns="" id="{BD008922-CAE3-4884-AE59-2BC74144C74C}"/>
+                <a16:creationId xmlns="" xmlns:a16="http://schemas.microsoft.com/office/drawing/2014/main" id="{BD008922-CAE3-4884-AE59-2BC74144C74C}"/>
               </a:ext>
             </a:extLst>
           </p:cNvPr>
@@ -565,7 +565,7 @@
           <p:cNvPr id="2" name="세로 제목 1">
             <a:extLst>
               <a:ext uri="{FF2B5EF4-FFF2-40B4-BE49-F238E27FC236}">
-                <a16:creationId xmlns:a16="http://schemas.microsoft.com/office/drawing/2014/main" xmlns="" id="{A3371B8A-69A6-43D4-8783-6456E33508F7}"/>
+                <a16:creationId xmlns="" xmlns:a16="http://schemas.microsoft.com/office/drawing/2014/main" id="{A3371B8A-69A6-43D4-8783-6456E33508F7}"/>
               </a:ext>
             </a:extLst>
           </p:cNvPr>
@@ -598,7 +598,7 @@
           <p:cNvPr id="3" name="세로 텍스트 개체 틀 2">
             <a:extLst>
               <a:ext uri="{FF2B5EF4-FFF2-40B4-BE49-F238E27FC236}">
-                <a16:creationId xmlns:a16="http://schemas.microsoft.com/office/drawing/2014/main" xmlns="" id="{049DA1AA-3028-44E4-B5B0-C19BF61DC48A}"/>
+                <a16:creationId xmlns="" xmlns:a16="http://schemas.microsoft.com/office/drawing/2014/main" id="{049DA1AA-3028-44E4-B5B0-C19BF61DC48A}"/>
               </a:ext>
             </a:extLst>
           </p:cNvPr>
@@ -660,7 +660,7 @@
           <p:cNvPr id="4" name="날짜 개체 틀 3">
             <a:extLst>
               <a:ext uri="{FF2B5EF4-FFF2-40B4-BE49-F238E27FC236}">
-                <a16:creationId xmlns:a16="http://schemas.microsoft.com/office/drawing/2014/main" xmlns="" id="{ED2BCD8D-3E10-4F33-BC43-EACB05C0B415}"/>
+                <a16:creationId xmlns="" xmlns:a16="http://schemas.microsoft.com/office/drawing/2014/main" id="{ED2BCD8D-3E10-4F33-BC43-EACB05C0B415}"/>
               </a:ext>
             </a:extLst>
           </p:cNvPr>
@@ -678,7 +678,7 @@
           <a:p>
             <a:fld id="{246E467A-4026-4A8D-97BF-715EF7FA6491}" type="datetimeFigureOut">
               <a:rPr lang="ko-KR" altLang="en-US" smtClean="0"/>
-              <a:t>2023-03-16</a:t>
+              <a:t>2023-03-30</a:t>
             </a:fld>
             <a:endParaRPr lang="ko-KR" altLang="en-US"/>
           </a:p>
@@ -689,7 +689,7 @@
           <p:cNvPr id="5" name="바닥글 개체 틀 4">
             <a:extLst>
               <a:ext uri="{FF2B5EF4-FFF2-40B4-BE49-F238E27FC236}">
-                <a16:creationId xmlns:a16="http://schemas.microsoft.com/office/drawing/2014/main" xmlns="" id="{33E365BE-78DE-4079-B7F3-706874E92415}"/>
+                <a16:creationId xmlns="" xmlns:a16="http://schemas.microsoft.com/office/drawing/2014/main" id="{33E365BE-78DE-4079-B7F3-706874E92415}"/>
               </a:ext>
             </a:extLst>
           </p:cNvPr>
@@ -714,7 +714,7 @@
           <p:cNvPr id="6" name="슬라이드 번호 개체 틀 5">
             <a:extLst>
               <a:ext uri="{FF2B5EF4-FFF2-40B4-BE49-F238E27FC236}">
-                <a16:creationId xmlns:a16="http://schemas.microsoft.com/office/drawing/2014/main" xmlns="" id="{6F0D9E52-1AFA-4482-A474-91FF4C5C683A}"/>
+                <a16:creationId xmlns="" xmlns:a16="http://schemas.microsoft.com/office/drawing/2014/main" id="{6F0D9E52-1AFA-4482-A474-91FF4C5C683A}"/>
               </a:ext>
             </a:extLst>
           </p:cNvPr>
@@ -773,7 +773,7 @@
           <p:cNvPr id="2" name="제목 1">
             <a:extLst>
               <a:ext uri="{FF2B5EF4-FFF2-40B4-BE49-F238E27FC236}">
-                <a16:creationId xmlns:a16="http://schemas.microsoft.com/office/drawing/2014/main" xmlns="" id="{60DBF82B-6C4A-4F6E-A362-B2BF3BDC30D7}"/>
+                <a16:creationId xmlns="" xmlns:a16="http://schemas.microsoft.com/office/drawing/2014/main" id="{60DBF82B-6C4A-4F6E-A362-B2BF3BDC30D7}"/>
               </a:ext>
             </a:extLst>
           </p:cNvPr>
@@ -801,7 +801,7 @@
           <p:cNvPr id="3" name="내용 개체 틀 2">
             <a:extLst>
               <a:ext uri="{FF2B5EF4-FFF2-40B4-BE49-F238E27FC236}">
-                <a16:creationId xmlns:a16="http://schemas.microsoft.com/office/drawing/2014/main" xmlns="" id="{BDE6E910-43A6-49D6-A1B5-99E3B0C27E2D}"/>
+                <a16:creationId xmlns="" xmlns:a16="http://schemas.microsoft.com/office/drawing/2014/main" id="{BDE6E910-43A6-49D6-A1B5-99E3B0C27E2D}"/>
               </a:ext>
             </a:extLst>
           </p:cNvPr>
@@ -858,7 +858,7 @@
           <p:cNvPr id="4" name="날짜 개체 틀 3">
             <a:extLst>
               <a:ext uri="{FF2B5EF4-FFF2-40B4-BE49-F238E27FC236}">
-                <a16:creationId xmlns:a16="http://schemas.microsoft.com/office/drawing/2014/main" xmlns="" id="{2F0DB3AC-66C4-4244-9CE9-54D71AA59C90}"/>
+                <a16:creationId xmlns="" xmlns:a16="http://schemas.microsoft.com/office/drawing/2014/main" id="{2F0DB3AC-66C4-4244-9CE9-54D71AA59C90}"/>
               </a:ext>
             </a:extLst>
           </p:cNvPr>
@@ -876,7 +876,7 @@
           <a:p>
             <a:fld id="{246E467A-4026-4A8D-97BF-715EF7FA6491}" type="datetimeFigureOut">
               <a:rPr lang="ko-KR" altLang="en-US" smtClean="0"/>
-              <a:t>2023-03-16</a:t>
+              <a:t>2023-03-30</a:t>
             </a:fld>
             <a:endParaRPr lang="ko-KR" altLang="en-US"/>
           </a:p>
@@ -887,7 +887,7 @@
           <p:cNvPr id="5" name="바닥글 개체 틀 4">
             <a:extLst>
               <a:ext uri="{FF2B5EF4-FFF2-40B4-BE49-F238E27FC236}">
-                <a16:creationId xmlns:a16="http://schemas.microsoft.com/office/drawing/2014/main" xmlns="" id="{3992C886-882E-440B-806C-B06DE5089026}"/>
+                <a16:creationId xmlns="" xmlns:a16="http://schemas.microsoft.com/office/drawing/2014/main" id="{3992C886-882E-440B-806C-B06DE5089026}"/>
               </a:ext>
             </a:extLst>
           </p:cNvPr>
@@ -912,7 +912,7 @@
           <p:cNvPr id="6" name="슬라이드 번호 개체 틀 5">
             <a:extLst>
               <a:ext uri="{FF2B5EF4-FFF2-40B4-BE49-F238E27FC236}">
-                <a16:creationId xmlns:a16="http://schemas.microsoft.com/office/drawing/2014/main" xmlns="" id="{9A9323D2-1426-48F9-A93B-729E72E2B2BB}"/>
+                <a16:creationId xmlns="" xmlns:a16="http://schemas.microsoft.com/office/drawing/2014/main" id="{9A9323D2-1426-48F9-A93B-729E72E2B2BB}"/>
               </a:ext>
             </a:extLst>
           </p:cNvPr>
@@ -971,7 +971,7 @@
           <p:cNvPr id="2" name="제목 1">
             <a:extLst>
               <a:ext uri="{FF2B5EF4-FFF2-40B4-BE49-F238E27FC236}">
-                <a16:creationId xmlns:a16="http://schemas.microsoft.com/office/drawing/2014/main" xmlns="" id="{7153C500-C8D9-4EBC-AC73-9F7D65F03E32}"/>
+                <a16:creationId xmlns="" xmlns:a16="http://schemas.microsoft.com/office/drawing/2014/main" id="{7153C500-C8D9-4EBC-AC73-9F7D65F03E32}"/>
               </a:ext>
             </a:extLst>
           </p:cNvPr>
@@ -1008,7 +1008,7 @@
           <p:cNvPr id="3" name="텍스트 개체 틀 2">
             <a:extLst>
               <a:ext uri="{FF2B5EF4-FFF2-40B4-BE49-F238E27FC236}">
-                <a16:creationId xmlns:a16="http://schemas.microsoft.com/office/drawing/2014/main" xmlns="" id="{4E56CD17-259A-42E8-B64F-04C51B7C1C5F}"/>
+                <a16:creationId xmlns="" xmlns:a16="http://schemas.microsoft.com/office/drawing/2014/main" id="{4E56CD17-259A-42E8-B64F-04C51B7C1C5F}"/>
               </a:ext>
             </a:extLst>
           </p:cNvPr>
@@ -1133,7 +1133,7 @@
           <p:cNvPr id="4" name="날짜 개체 틀 3">
             <a:extLst>
               <a:ext uri="{FF2B5EF4-FFF2-40B4-BE49-F238E27FC236}">
-                <a16:creationId xmlns:a16="http://schemas.microsoft.com/office/drawing/2014/main" xmlns="" id="{CE976CE5-8C59-42A2-A597-465DEAC8E5A7}"/>
+                <a16:creationId xmlns="" xmlns:a16="http://schemas.microsoft.com/office/drawing/2014/main" id="{CE976CE5-8C59-42A2-A597-465DEAC8E5A7}"/>
               </a:ext>
             </a:extLst>
           </p:cNvPr>
@@ -1151,7 +1151,7 @@
           <a:p>
             <a:fld id="{246E467A-4026-4A8D-97BF-715EF7FA6491}" type="datetimeFigureOut">
               <a:rPr lang="ko-KR" altLang="en-US" smtClean="0"/>
-              <a:t>2023-03-16</a:t>
+              <a:t>2023-03-30</a:t>
             </a:fld>
             <a:endParaRPr lang="ko-KR" altLang="en-US"/>
           </a:p>
@@ -1162,7 +1162,7 @@
           <p:cNvPr id="5" name="바닥글 개체 틀 4">
             <a:extLst>
               <a:ext uri="{FF2B5EF4-FFF2-40B4-BE49-F238E27FC236}">
-                <a16:creationId xmlns:a16="http://schemas.microsoft.com/office/drawing/2014/main" xmlns="" id="{742312C6-1DCE-41BC-B5FA-FCFF5BE3B9E6}"/>
+                <a16:creationId xmlns="" xmlns:a16="http://schemas.microsoft.com/office/drawing/2014/main" id="{742312C6-1DCE-41BC-B5FA-FCFF5BE3B9E6}"/>
               </a:ext>
             </a:extLst>
           </p:cNvPr>
@@ -1187,7 +1187,7 @@
           <p:cNvPr id="6" name="슬라이드 번호 개체 틀 5">
             <a:extLst>
               <a:ext uri="{FF2B5EF4-FFF2-40B4-BE49-F238E27FC236}">
-                <a16:creationId xmlns:a16="http://schemas.microsoft.com/office/drawing/2014/main" xmlns="" id="{664339A5-69DC-4256-84CA-F160D48ED02B}"/>
+                <a16:creationId xmlns="" xmlns:a16="http://schemas.microsoft.com/office/drawing/2014/main" id="{664339A5-69DC-4256-84CA-F160D48ED02B}"/>
               </a:ext>
             </a:extLst>
           </p:cNvPr>
@@ -1246,7 +1246,7 @@
           <p:cNvPr id="2" name="제목 1">
             <a:extLst>
               <a:ext uri="{FF2B5EF4-FFF2-40B4-BE49-F238E27FC236}">
-                <a16:creationId xmlns:a16="http://schemas.microsoft.com/office/drawing/2014/main" xmlns="" id="{BCF37A4D-E01E-45A7-B166-73EE7826C0E7}"/>
+                <a16:creationId xmlns="" xmlns:a16="http://schemas.microsoft.com/office/drawing/2014/main" id="{BCF37A4D-E01E-45A7-B166-73EE7826C0E7}"/>
               </a:ext>
             </a:extLst>
           </p:cNvPr>
@@ -1274,7 +1274,7 @@
           <p:cNvPr id="3" name="내용 개체 틀 2">
             <a:extLst>
               <a:ext uri="{FF2B5EF4-FFF2-40B4-BE49-F238E27FC236}">
-                <a16:creationId xmlns:a16="http://schemas.microsoft.com/office/drawing/2014/main" xmlns="" id="{A70D6757-7DA6-452C-9903-7536978F1556}"/>
+                <a16:creationId xmlns="" xmlns:a16="http://schemas.microsoft.com/office/drawing/2014/main" id="{A70D6757-7DA6-452C-9903-7536978F1556}"/>
               </a:ext>
             </a:extLst>
           </p:cNvPr>
@@ -1336,7 +1336,7 @@
           <p:cNvPr id="4" name="내용 개체 틀 3">
             <a:extLst>
               <a:ext uri="{FF2B5EF4-FFF2-40B4-BE49-F238E27FC236}">
-                <a16:creationId xmlns:a16="http://schemas.microsoft.com/office/drawing/2014/main" xmlns="" id="{23DCC3C8-286B-4184-8752-32BC3B116B8E}"/>
+                <a16:creationId xmlns="" xmlns:a16="http://schemas.microsoft.com/office/drawing/2014/main" id="{23DCC3C8-286B-4184-8752-32BC3B116B8E}"/>
               </a:ext>
             </a:extLst>
           </p:cNvPr>
@@ -1398,7 +1398,7 @@
           <p:cNvPr id="5" name="날짜 개체 틀 4">
             <a:extLst>
               <a:ext uri="{FF2B5EF4-FFF2-40B4-BE49-F238E27FC236}">
-                <a16:creationId xmlns:a16="http://schemas.microsoft.com/office/drawing/2014/main" xmlns="" id="{7ECA751A-C45B-42C8-893F-826B22E76CF6}"/>
+                <a16:creationId xmlns="" xmlns:a16="http://schemas.microsoft.com/office/drawing/2014/main" id="{7ECA751A-C45B-42C8-893F-826B22E76CF6}"/>
               </a:ext>
             </a:extLst>
           </p:cNvPr>
@@ -1416,7 +1416,7 @@
           <a:p>
             <a:fld id="{246E467A-4026-4A8D-97BF-715EF7FA6491}" type="datetimeFigureOut">
               <a:rPr lang="ko-KR" altLang="en-US" smtClean="0"/>
-              <a:t>2023-03-16</a:t>
+              <a:t>2023-03-30</a:t>
             </a:fld>
             <a:endParaRPr lang="ko-KR" altLang="en-US"/>
           </a:p>
@@ -1427,7 +1427,7 @@
           <p:cNvPr id="6" name="바닥글 개체 틀 5">
             <a:extLst>
               <a:ext uri="{FF2B5EF4-FFF2-40B4-BE49-F238E27FC236}">
-                <a16:creationId xmlns:a16="http://schemas.microsoft.com/office/drawing/2014/main" xmlns="" id="{9F77210C-0EDE-42F3-A19F-12B3884B4393}"/>
+                <a16:creationId xmlns="" xmlns:a16="http://schemas.microsoft.com/office/drawing/2014/main" id="{9F77210C-0EDE-42F3-A19F-12B3884B4393}"/>
               </a:ext>
             </a:extLst>
           </p:cNvPr>
@@ -1452,7 +1452,7 @@
           <p:cNvPr id="7" name="슬라이드 번호 개체 틀 6">
             <a:extLst>
               <a:ext uri="{FF2B5EF4-FFF2-40B4-BE49-F238E27FC236}">
-                <a16:creationId xmlns:a16="http://schemas.microsoft.com/office/drawing/2014/main" xmlns="" id="{3215D590-E2D2-480C-AF73-67D855C553CB}"/>
+                <a16:creationId xmlns="" xmlns:a16="http://schemas.microsoft.com/office/drawing/2014/main" id="{3215D590-E2D2-480C-AF73-67D855C553CB}"/>
               </a:ext>
             </a:extLst>
           </p:cNvPr>
@@ -1511,7 +1511,7 @@
           <p:cNvPr id="2" name="제목 1">
             <a:extLst>
               <a:ext uri="{FF2B5EF4-FFF2-40B4-BE49-F238E27FC236}">
-                <a16:creationId xmlns:a16="http://schemas.microsoft.com/office/drawing/2014/main" xmlns="" id="{E1E3AF97-024B-4EF1-B5B6-2E362F07CDB3}"/>
+                <a16:creationId xmlns="" xmlns:a16="http://schemas.microsoft.com/office/drawing/2014/main" id="{E1E3AF97-024B-4EF1-B5B6-2E362F07CDB3}"/>
               </a:ext>
             </a:extLst>
           </p:cNvPr>
@@ -1544,7 +1544,7 @@
           <p:cNvPr id="3" name="텍스트 개체 틀 2">
             <a:extLst>
               <a:ext uri="{FF2B5EF4-FFF2-40B4-BE49-F238E27FC236}">
-                <a16:creationId xmlns:a16="http://schemas.microsoft.com/office/drawing/2014/main" xmlns="" id="{2B41334B-2AA0-4E32-9445-B691EAB2831F}"/>
+                <a16:creationId xmlns="" xmlns:a16="http://schemas.microsoft.com/office/drawing/2014/main" id="{2B41334B-2AA0-4E32-9445-B691EAB2831F}"/>
               </a:ext>
             </a:extLst>
           </p:cNvPr>
@@ -1615,7 +1615,7 @@
           <p:cNvPr id="4" name="내용 개체 틀 3">
             <a:extLst>
               <a:ext uri="{FF2B5EF4-FFF2-40B4-BE49-F238E27FC236}">
-                <a16:creationId xmlns:a16="http://schemas.microsoft.com/office/drawing/2014/main" xmlns="" id="{BDB62D6F-224F-4433-9752-11A255D323D4}"/>
+                <a16:creationId xmlns="" xmlns:a16="http://schemas.microsoft.com/office/drawing/2014/main" id="{BDB62D6F-224F-4433-9752-11A255D323D4}"/>
               </a:ext>
             </a:extLst>
           </p:cNvPr>
@@ -1677,7 +1677,7 @@
           <p:cNvPr id="5" name="텍스트 개체 틀 4">
             <a:extLst>
               <a:ext uri="{FF2B5EF4-FFF2-40B4-BE49-F238E27FC236}">
-                <a16:creationId xmlns:a16="http://schemas.microsoft.com/office/drawing/2014/main" xmlns="" id="{DD04EE0E-6C7E-4160-86AA-136E97F9FD62}"/>
+                <a16:creationId xmlns="" xmlns:a16="http://schemas.microsoft.com/office/drawing/2014/main" id="{DD04EE0E-6C7E-4160-86AA-136E97F9FD62}"/>
               </a:ext>
             </a:extLst>
           </p:cNvPr>
@@ -1748,7 +1748,7 @@
           <p:cNvPr id="6" name="내용 개체 틀 5">
             <a:extLst>
               <a:ext uri="{FF2B5EF4-FFF2-40B4-BE49-F238E27FC236}">
-                <a16:creationId xmlns:a16="http://schemas.microsoft.com/office/drawing/2014/main" xmlns="" id="{1B390FB9-7573-4784-A2A4-EDF1B3C59FF4}"/>
+                <a16:creationId xmlns="" xmlns:a16="http://schemas.microsoft.com/office/drawing/2014/main" id="{1B390FB9-7573-4784-A2A4-EDF1B3C59FF4}"/>
               </a:ext>
             </a:extLst>
           </p:cNvPr>
@@ -1810,7 +1810,7 @@
           <p:cNvPr id="7" name="날짜 개체 틀 6">
             <a:extLst>
               <a:ext uri="{FF2B5EF4-FFF2-40B4-BE49-F238E27FC236}">
-                <a16:creationId xmlns:a16="http://schemas.microsoft.com/office/drawing/2014/main" xmlns="" id="{F464B30B-9C6A-4C96-8DB5-BCE9A09F77BB}"/>
+                <a16:creationId xmlns="" xmlns:a16="http://schemas.microsoft.com/office/drawing/2014/main" id="{F464B30B-9C6A-4C96-8DB5-BCE9A09F77BB}"/>
               </a:ext>
             </a:extLst>
           </p:cNvPr>
@@ -1828,7 +1828,7 @@
           <a:p>
             <a:fld id="{246E467A-4026-4A8D-97BF-715EF7FA6491}" type="datetimeFigureOut">
               <a:rPr lang="ko-KR" altLang="en-US" smtClean="0"/>
-              <a:t>2023-03-16</a:t>
+              <a:t>2023-03-30</a:t>
             </a:fld>
             <a:endParaRPr lang="ko-KR" altLang="en-US"/>
           </a:p>
@@ -1839,7 +1839,7 @@
           <p:cNvPr id="8" name="바닥글 개체 틀 7">
             <a:extLst>
               <a:ext uri="{FF2B5EF4-FFF2-40B4-BE49-F238E27FC236}">
-                <a16:creationId xmlns:a16="http://schemas.microsoft.com/office/drawing/2014/main" xmlns="" id="{16A11AC4-2315-46FE-81A4-FE4B843497D9}"/>
+                <a16:creationId xmlns="" xmlns:a16="http://schemas.microsoft.com/office/drawing/2014/main" id="{16A11AC4-2315-46FE-81A4-FE4B843497D9}"/>
               </a:ext>
             </a:extLst>
           </p:cNvPr>
@@ -1864,7 +1864,7 @@
           <p:cNvPr id="9" name="슬라이드 번호 개체 틀 8">
             <a:extLst>
               <a:ext uri="{FF2B5EF4-FFF2-40B4-BE49-F238E27FC236}">
-                <a16:creationId xmlns:a16="http://schemas.microsoft.com/office/drawing/2014/main" xmlns="" id="{DC2D39CB-CB92-40B8-9B0C-3FBBBDF9DDF4}"/>
+                <a16:creationId xmlns="" xmlns:a16="http://schemas.microsoft.com/office/drawing/2014/main" id="{DC2D39CB-CB92-40B8-9B0C-3FBBBDF9DDF4}"/>
               </a:ext>
             </a:extLst>
           </p:cNvPr>
@@ -1923,7 +1923,7 @@
           <p:cNvPr id="2" name="제목 1">
             <a:extLst>
               <a:ext uri="{FF2B5EF4-FFF2-40B4-BE49-F238E27FC236}">
-                <a16:creationId xmlns:a16="http://schemas.microsoft.com/office/drawing/2014/main" xmlns="" id="{90E32E25-F5B3-41EE-BD3B-6965721B8BFA}"/>
+                <a16:creationId xmlns="" xmlns:a16="http://schemas.microsoft.com/office/drawing/2014/main" id="{90E32E25-F5B3-41EE-BD3B-6965721B8BFA}"/>
               </a:ext>
             </a:extLst>
           </p:cNvPr>
@@ -1951,7 +1951,7 @@
           <p:cNvPr id="3" name="날짜 개체 틀 2">
             <a:extLst>
               <a:ext uri="{FF2B5EF4-FFF2-40B4-BE49-F238E27FC236}">
-                <a16:creationId xmlns:a16="http://schemas.microsoft.com/office/drawing/2014/main" xmlns="" id="{0CFE1863-7C02-424B-AF80-CDB396716C6B}"/>
+                <a16:creationId xmlns="" xmlns:a16="http://schemas.microsoft.com/office/drawing/2014/main" id="{0CFE1863-7C02-424B-AF80-CDB396716C6B}"/>
               </a:ext>
             </a:extLst>
           </p:cNvPr>
@@ -1969,7 +1969,7 @@
           <a:p>
             <a:fld id="{246E467A-4026-4A8D-97BF-715EF7FA6491}" type="datetimeFigureOut">
               <a:rPr lang="ko-KR" altLang="en-US" smtClean="0"/>
-              <a:t>2023-03-16</a:t>
+              <a:t>2023-03-30</a:t>
             </a:fld>
             <a:endParaRPr lang="ko-KR" altLang="en-US"/>
           </a:p>
@@ -1980,7 +1980,7 @@
           <p:cNvPr id="4" name="바닥글 개체 틀 3">
             <a:extLst>
               <a:ext uri="{FF2B5EF4-FFF2-40B4-BE49-F238E27FC236}">
-                <a16:creationId xmlns:a16="http://schemas.microsoft.com/office/drawing/2014/main" xmlns="" id="{2F99FB34-90A4-44A0-9CF8-F0BC0FE4AB26}"/>
+                <a16:creationId xmlns="" xmlns:a16="http://schemas.microsoft.com/office/drawing/2014/main" id="{2F99FB34-90A4-44A0-9CF8-F0BC0FE4AB26}"/>
               </a:ext>
             </a:extLst>
           </p:cNvPr>
@@ -2005,7 +2005,7 @@
           <p:cNvPr id="5" name="슬라이드 번호 개체 틀 4">
             <a:extLst>
               <a:ext uri="{FF2B5EF4-FFF2-40B4-BE49-F238E27FC236}">
-                <a16:creationId xmlns:a16="http://schemas.microsoft.com/office/drawing/2014/main" xmlns="" id="{56375702-4955-406C-919C-D35A1B84B474}"/>
+                <a16:creationId xmlns="" xmlns:a16="http://schemas.microsoft.com/office/drawing/2014/main" id="{56375702-4955-406C-919C-D35A1B84B474}"/>
               </a:ext>
             </a:extLst>
           </p:cNvPr>
@@ -2064,7 +2064,7 @@
           <p:cNvPr id="2" name="날짜 개체 틀 1">
             <a:extLst>
               <a:ext uri="{FF2B5EF4-FFF2-40B4-BE49-F238E27FC236}">
-                <a16:creationId xmlns:a16="http://schemas.microsoft.com/office/drawing/2014/main" xmlns="" id="{D76E1BA2-3103-4DB2-AAEB-ED1BAE4527B3}"/>
+                <a16:creationId xmlns="" xmlns:a16="http://schemas.microsoft.com/office/drawing/2014/main" id="{D76E1BA2-3103-4DB2-AAEB-ED1BAE4527B3}"/>
               </a:ext>
             </a:extLst>
           </p:cNvPr>
@@ -2082,7 +2082,7 @@
           <a:p>
             <a:fld id="{246E467A-4026-4A8D-97BF-715EF7FA6491}" type="datetimeFigureOut">
               <a:rPr lang="ko-KR" altLang="en-US" smtClean="0"/>
-              <a:t>2023-03-16</a:t>
+              <a:t>2023-03-30</a:t>
             </a:fld>
             <a:endParaRPr lang="ko-KR" altLang="en-US"/>
           </a:p>
@@ -2093,7 +2093,7 @@
           <p:cNvPr id="3" name="바닥글 개체 틀 2">
             <a:extLst>
               <a:ext uri="{FF2B5EF4-FFF2-40B4-BE49-F238E27FC236}">
-                <a16:creationId xmlns:a16="http://schemas.microsoft.com/office/drawing/2014/main" xmlns="" id="{505D5A54-85CA-45E5-9801-A3F15EEFCC94}"/>
+                <a16:creationId xmlns="" xmlns:a16="http://schemas.microsoft.com/office/drawing/2014/main" id="{505D5A54-85CA-45E5-9801-A3F15EEFCC94}"/>
               </a:ext>
             </a:extLst>
           </p:cNvPr>
@@ -2118,7 +2118,7 @@
           <p:cNvPr id="4" name="슬라이드 번호 개체 틀 3">
             <a:extLst>
               <a:ext uri="{FF2B5EF4-FFF2-40B4-BE49-F238E27FC236}">
-                <a16:creationId xmlns:a16="http://schemas.microsoft.com/office/drawing/2014/main" xmlns="" id="{A812AF2F-D0EC-4C7E-8979-4C17E3F4B44D}"/>
+                <a16:creationId xmlns="" xmlns:a16="http://schemas.microsoft.com/office/drawing/2014/main" id="{A812AF2F-D0EC-4C7E-8979-4C17E3F4B44D}"/>
               </a:ext>
             </a:extLst>
           </p:cNvPr>
@@ -2177,7 +2177,7 @@
           <p:cNvPr id="2" name="제목 1">
             <a:extLst>
               <a:ext uri="{FF2B5EF4-FFF2-40B4-BE49-F238E27FC236}">
-                <a16:creationId xmlns:a16="http://schemas.microsoft.com/office/drawing/2014/main" xmlns="" id="{8C03A167-5C7C-4CD2-A3E4-B6F94583214B}"/>
+                <a16:creationId xmlns="" xmlns:a16="http://schemas.microsoft.com/office/drawing/2014/main" id="{8C03A167-5C7C-4CD2-A3E4-B6F94583214B}"/>
               </a:ext>
             </a:extLst>
           </p:cNvPr>
@@ -2214,7 +2214,7 @@
           <p:cNvPr id="3" name="내용 개체 틀 2">
             <a:extLst>
               <a:ext uri="{FF2B5EF4-FFF2-40B4-BE49-F238E27FC236}">
-                <a16:creationId xmlns:a16="http://schemas.microsoft.com/office/drawing/2014/main" xmlns="" id="{5421CEB6-C525-4AEB-BB3E-B13156901366}"/>
+                <a16:creationId xmlns="" xmlns:a16="http://schemas.microsoft.com/office/drawing/2014/main" id="{5421CEB6-C525-4AEB-BB3E-B13156901366}"/>
               </a:ext>
             </a:extLst>
           </p:cNvPr>
@@ -2304,7 +2304,7 @@
           <p:cNvPr id="4" name="텍스트 개체 틀 3">
             <a:extLst>
               <a:ext uri="{FF2B5EF4-FFF2-40B4-BE49-F238E27FC236}">
-                <a16:creationId xmlns:a16="http://schemas.microsoft.com/office/drawing/2014/main" xmlns="" id="{69296C9A-4472-4D30-BFAE-60CB397B5014}"/>
+                <a16:creationId xmlns="" xmlns:a16="http://schemas.microsoft.com/office/drawing/2014/main" id="{69296C9A-4472-4D30-BFAE-60CB397B5014}"/>
               </a:ext>
             </a:extLst>
           </p:cNvPr>
@@ -2375,7 +2375,7 @@
           <p:cNvPr id="5" name="날짜 개체 틀 4">
             <a:extLst>
               <a:ext uri="{FF2B5EF4-FFF2-40B4-BE49-F238E27FC236}">
-                <a16:creationId xmlns:a16="http://schemas.microsoft.com/office/drawing/2014/main" xmlns="" id="{F44E3F16-D603-4838-BA1C-0C9EEDE4AC92}"/>
+                <a16:creationId xmlns="" xmlns:a16="http://schemas.microsoft.com/office/drawing/2014/main" id="{F44E3F16-D603-4838-BA1C-0C9EEDE4AC92}"/>
               </a:ext>
             </a:extLst>
           </p:cNvPr>
@@ -2393,7 +2393,7 @@
           <a:p>
             <a:fld id="{246E467A-4026-4A8D-97BF-715EF7FA6491}" type="datetimeFigureOut">
               <a:rPr lang="ko-KR" altLang="en-US" smtClean="0"/>
-              <a:t>2023-03-16</a:t>
+              <a:t>2023-03-30</a:t>
             </a:fld>
             <a:endParaRPr lang="ko-KR" altLang="en-US"/>
           </a:p>
@@ -2404,7 +2404,7 @@
           <p:cNvPr id="6" name="바닥글 개체 틀 5">
             <a:extLst>
               <a:ext uri="{FF2B5EF4-FFF2-40B4-BE49-F238E27FC236}">
-                <a16:creationId xmlns:a16="http://schemas.microsoft.com/office/drawing/2014/main" xmlns="" id="{F48873C6-9D3A-4C62-9D46-88E6BAABCBA4}"/>
+                <a16:creationId xmlns="" xmlns:a16="http://schemas.microsoft.com/office/drawing/2014/main" id="{F48873C6-9D3A-4C62-9D46-88E6BAABCBA4}"/>
               </a:ext>
             </a:extLst>
           </p:cNvPr>
@@ -2429,7 +2429,7 @@
           <p:cNvPr id="7" name="슬라이드 번호 개체 틀 6">
             <a:extLst>
               <a:ext uri="{FF2B5EF4-FFF2-40B4-BE49-F238E27FC236}">
-                <a16:creationId xmlns:a16="http://schemas.microsoft.com/office/drawing/2014/main" xmlns="" id="{79A9C646-865F-49F4-8BDD-FB9A4DECA8F3}"/>
+                <a16:creationId xmlns="" xmlns:a16="http://schemas.microsoft.com/office/drawing/2014/main" id="{79A9C646-865F-49F4-8BDD-FB9A4DECA8F3}"/>
               </a:ext>
             </a:extLst>
           </p:cNvPr>
@@ -2488,7 +2488,7 @@
           <p:cNvPr id="2" name="제목 1">
             <a:extLst>
               <a:ext uri="{FF2B5EF4-FFF2-40B4-BE49-F238E27FC236}">
-                <a16:creationId xmlns:a16="http://schemas.microsoft.com/office/drawing/2014/main" xmlns="" id="{E5F258A6-5AAD-4F1F-976F-EDB5FF7254F0}"/>
+                <a16:creationId xmlns="" xmlns:a16="http://schemas.microsoft.com/office/drawing/2014/main" id="{E5F258A6-5AAD-4F1F-976F-EDB5FF7254F0}"/>
               </a:ext>
             </a:extLst>
           </p:cNvPr>
@@ -2525,7 +2525,7 @@
           <p:cNvPr id="3" name="그림 개체 틀 2">
             <a:extLst>
               <a:ext uri="{FF2B5EF4-FFF2-40B4-BE49-F238E27FC236}">
-                <a16:creationId xmlns:a16="http://schemas.microsoft.com/office/drawing/2014/main" xmlns="" id="{D2F4441E-0165-42AA-88F8-E53C4BAAC1DE}"/>
+                <a16:creationId xmlns="" xmlns:a16="http://schemas.microsoft.com/office/drawing/2014/main" id="{D2F4441E-0165-42AA-88F8-E53C4BAAC1DE}"/>
               </a:ext>
             </a:extLst>
           </p:cNvPr>
@@ -2592,7 +2592,7 @@
           <p:cNvPr id="4" name="텍스트 개체 틀 3">
             <a:extLst>
               <a:ext uri="{FF2B5EF4-FFF2-40B4-BE49-F238E27FC236}">
-                <a16:creationId xmlns:a16="http://schemas.microsoft.com/office/drawing/2014/main" xmlns="" id="{5AFCA1E8-0D3C-4590-82E2-D018D6E61D0F}"/>
+                <a16:creationId xmlns="" xmlns:a16="http://schemas.microsoft.com/office/drawing/2014/main" id="{5AFCA1E8-0D3C-4590-82E2-D018D6E61D0F}"/>
               </a:ext>
             </a:extLst>
           </p:cNvPr>
@@ -2663,7 +2663,7 @@
           <p:cNvPr id="5" name="날짜 개체 틀 4">
             <a:extLst>
               <a:ext uri="{FF2B5EF4-FFF2-40B4-BE49-F238E27FC236}">
-                <a16:creationId xmlns:a16="http://schemas.microsoft.com/office/drawing/2014/main" xmlns="" id="{0A674557-7FD9-416C-A8B5-FA6C4B5558AE}"/>
+                <a16:creationId xmlns="" xmlns:a16="http://schemas.microsoft.com/office/drawing/2014/main" id="{0A674557-7FD9-416C-A8B5-FA6C4B5558AE}"/>
               </a:ext>
             </a:extLst>
           </p:cNvPr>
@@ -2681,7 +2681,7 @@
           <a:p>
             <a:fld id="{246E467A-4026-4A8D-97BF-715EF7FA6491}" type="datetimeFigureOut">
               <a:rPr lang="ko-KR" altLang="en-US" smtClean="0"/>
-              <a:t>2023-03-16</a:t>
+              <a:t>2023-03-30</a:t>
             </a:fld>
             <a:endParaRPr lang="ko-KR" altLang="en-US"/>
           </a:p>
@@ -2692,7 +2692,7 @@
           <p:cNvPr id="6" name="바닥글 개체 틀 5">
             <a:extLst>
               <a:ext uri="{FF2B5EF4-FFF2-40B4-BE49-F238E27FC236}">
-                <a16:creationId xmlns:a16="http://schemas.microsoft.com/office/drawing/2014/main" xmlns="" id="{9C4A215C-B55F-4988-B45B-7667E8C7CAF6}"/>
+                <a16:creationId xmlns="" xmlns:a16="http://schemas.microsoft.com/office/drawing/2014/main" id="{9C4A215C-B55F-4988-B45B-7667E8C7CAF6}"/>
               </a:ext>
             </a:extLst>
           </p:cNvPr>
@@ -2717,7 +2717,7 @@
           <p:cNvPr id="7" name="슬라이드 번호 개체 틀 6">
             <a:extLst>
               <a:ext uri="{FF2B5EF4-FFF2-40B4-BE49-F238E27FC236}">
-                <a16:creationId xmlns:a16="http://schemas.microsoft.com/office/drawing/2014/main" xmlns="" id="{82FF3B86-5A48-411F-8090-830140A677FA}"/>
+                <a16:creationId xmlns="" xmlns:a16="http://schemas.microsoft.com/office/drawing/2014/main" id="{82FF3B86-5A48-411F-8090-830140A677FA}"/>
               </a:ext>
             </a:extLst>
           </p:cNvPr>
@@ -2781,7 +2781,7 @@
           <p:cNvPr id="2" name="제목 개체 틀 1">
             <a:extLst>
               <a:ext uri="{FF2B5EF4-FFF2-40B4-BE49-F238E27FC236}">
-                <a16:creationId xmlns:a16="http://schemas.microsoft.com/office/drawing/2014/main" xmlns="" id="{B9DF84FF-C412-430B-963A-695AABF70E5D}"/>
+                <a16:creationId xmlns="" xmlns:a16="http://schemas.microsoft.com/office/drawing/2014/main" id="{B9DF84FF-C412-430B-963A-695AABF70E5D}"/>
               </a:ext>
             </a:extLst>
           </p:cNvPr>
@@ -2819,7 +2819,7 @@
           <p:cNvPr id="3" name="텍스트 개체 틀 2">
             <a:extLst>
               <a:ext uri="{FF2B5EF4-FFF2-40B4-BE49-F238E27FC236}">
-                <a16:creationId xmlns:a16="http://schemas.microsoft.com/office/drawing/2014/main" xmlns="" id="{45EE7982-A999-4B0A-85F1-A0D5C55038DC}"/>
+                <a16:creationId xmlns="" xmlns:a16="http://schemas.microsoft.com/office/drawing/2014/main" id="{45EE7982-A999-4B0A-85F1-A0D5C55038DC}"/>
               </a:ext>
             </a:extLst>
           </p:cNvPr>
@@ -2886,7 +2886,7 @@
           <p:cNvPr id="4" name="날짜 개체 틀 3">
             <a:extLst>
               <a:ext uri="{FF2B5EF4-FFF2-40B4-BE49-F238E27FC236}">
-                <a16:creationId xmlns:a16="http://schemas.microsoft.com/office/drawing/2014/main" xmlns="" id="{3F48EB6A-F091-464F-A783-1AE546A56948}"/>
+                <a16:creationId xmlns="" xmlns:a16="http://schemas.microsoft.com/office/drawing/2014/main" id="{3F48EB6A-F091-464F-A783-1AE546A56948}"/>
               </a:ext>
             </a:extLst>
           </p:cNvPr>
@@ -2922,7 +2922,7 @@
           <a:p>
             <a:fld id="{246E467A-4026-4A8D-97BF-715EF7FA6491}" type="datetimeFigureOut">
               <a:rPr lang="ko-KR" altLang="en-US" smtClean="0"/>
-              <a:t>2023-03-16</a:t>
+              <a:t>2023-03-30</a:t>
             </a:fld>
             <a:endParaRPr lang="ko-KR" altLang="en-US"/>
           </a:p>
@@ -2933,7 +2933,7 @@
           <p:cNvPr id="5" name="바닥글 개체 틀 4">
             <a:extLst>
               <a:ext uri="{FF2B5EF4-FFF2-40B4-BE49-F238E27FC236}">
-                <a16:creationId xmlns:a16="http://schemas.microsoft.com/office/drawing/2014/main" xmlns="" id="{9531D2C7-63D5-4319-952D-A6F8404F460B}"/>
+                <a16:creationId xmlns="" xmlns:a16="http://schemas.microsoft.com/office/drawing/2014/main" id="{9531D2C7-63D5-4319-952D-A6F8404F460B}"/>
               </a:ext>
             </a:extLst>
           </p:cNvPr>
@@ -2976,7 +2976,7 @@
           <p:cNvPr id="6" name="슬라이드 번호 개체 틀 5">
             <a:extLst>
               <a:ext uri="{FF2B5EF4-FFF2-40B4-BE49-F238E27FC236}">
-                <a16:creationId xmlns:a16="http://schemas.microsoft.com/office/drawing/2014/main" xmlns="" id="{7739517A-02D4-4037-9427-974339FE7C30}"/>
+                <a16:creationId xmlns="" xmlns:a16="http://schemas.microsoft.com/office/drawing/2014/main" id="{7739517A-02D4-4037-9427-974339FE7C30}"/>
               </a:ext>
             </a:extLst>
           </p:cNvPr>
@@ -3352,7 +3352,7 @@
           <p:cNvPr id="2" name="TextBox 1">
             <a:extLst>
               <a:ext uri="{FF2B5EF4-FFF2-40B4-BE49-F238E27FC236}">
-                <a16:creationId xmlns:a16="http://schemas.microsoft.com/office/drawing/2014/main" xmlns="" id="{C70C938C-F8B1-4FFF-8F74-6ED0A876B136}"/>
+                <a16:creationId xmlns="" xmlns:a16="http://schemas.microsoft.com/office/drawing/2014/main" id="{C70C938C-F8B1-4FFF-8F74-6ED0A876B136}"/>
               </a:ext>
             </a:extLst>
           </p:cNvPr>
@@ -3393,7 +3393,7 @@
           <p:cNvPr id="3" name="TextBox 2">
             <a:extLst>
               <a:ext uri="{FF2B5EF4-FFF2-40B4-BE49-F238E27FC236}">
-                <a16:creationId xmlns:a16="http://schemas.microsoft.com/office/drawing/2014/main" xmlns="" id="{CC61FC92-B1C1-4C46-ABEF-2B6B78AA5915}"/>
+                <a16:creationId xmlns="" xmlns:a16="http://schemas.microsoft.com/office/drawing/2014/main" id="{CC61FC92-B1C1-4C46-ABEF-2B6B78AA5915}"/>
               </a:ext>
             </a:extLst>
           </p:cNvPr>
@@ -3434,7 +3434,7 @@
           <p:cNvPr id="8" name="그림 7" descr="사람, 서있는, 남자, 착용이(가) 표시된 사진&#10;&#10;자동 생성된 설명">
             <a:extLst>
               <a:ext uri="{FF2B5EF4-FFF2-40B4-BE49-F238E27FC236}">
-                <a16:creationId xmlns:a16="http://schemas.microsoft.com/office/drawing/2014/main" xmlns="" id="{398D98B8-2DFA-8476-B48A-2240354A960C}"/>
+                <a16:creationId xmlns="" xmlns:a16="http://schemas.microsoft.com/office/drawing/2014/main" id="{398D98B8-2DFA-8476-B48A-2240354A960C}"/>
               </a:ext>
             </a:extLst>
           </p:cNvPr>
@@ -3470,7 +3470,7 @@
           <p:cNvPr id="10" name="그림 9" descr="사람이(가) 표시된 사진&#10;&#10;자동 생성된 설명">
             <a:extLst>
               <a:ext uri="{FF2B5EF4-FFF2-40B4-BE49-F238E27FC236}">
-                <a16:creationId xmlns:a16="http://schemas.microsoft.com/office/drawing/2014/main" xmlns="" id="{0BE051E3-CAB7-BCFC-0441-E2FD03007A8D}"/>
+                <a16:creationId xmlns="" xmlns:a16="http://schemas.microsoft.com/office/drawing/2014/main" id="{0BE051E3-CAB7-BCFC-0441-E2FD03007A8D}"/>
               </a:ext>
             </a:extLst>
           </p:cNvPr>
@@ -3506,7 +3506,7 @@
           <p:cNvPr id="12" name="그림 11" descr="사람, 남자, 착용, 서있는이(가) 표시된 사진&#10;&#10;자동 생성된 설명">
             <a:extLst>
               <a:ext uri="{FF2B5EF4-FFF2-40B4-BE49-F238E27FC236}">
-                <a16:creationId xmlns:a16="http://schemas.microsoft.com/office/drawing/2014/main" xmlns="" id="{E9B0AD0F-14A6-F8C1-AEF5-1B01B5CEF846}"/>
+                <a16:creationId xmlns="" xmlns:a16="http://schemas.microsoft.com/office/drawing/2014/main" id="{E9B0AD0F-14A6-F8C1-AEF5-1B01B5CEF846}"/>
               </a:ext>
             </a:extLst>
           </p:cNvPr>
@@ -3584,7 +3584,7 @@
           <p:cNvPr id="3" name="직선 연결선 2">
             <a:extLst>
               <a:ext uri="{FF2B5EF4-FFF2-40B4-BE49-F238E27FC236}">
-                <a16:creationId xmlns:a16="http://schemas.microsoft.com/office/drawing/2014/main" xmlns="" id="{30B7886A-E2C2-47A8-A271-1FD08F52EED0}"/>
+                <a16:creationId xmlns="" xmlns:a16="http://schemas.microsoft.com/office/drawing/2014/main" id="{30B7886A-E2C2-47A8-A271-1FD08F52EED0}"/>
               </a:ext>
             </a:extLst>
           </p:cNvPr>
@@ -3627,7 +3627,7 @@
           <p:cNvPr id="18" name="직선 연결선 17">
             <a:extLst>
               <a:ext uri="{FF2B5EF4-FFF2-40B4-BE49-F238E27FC236}">
-                <a16:creationId xmlns:a16="http://schemas.microsoft.com/office/drawing/2014/main" xmlns="" id="{7911BDFD-7E29-44F7-9ED7-E8F36B51436C}"/>
+                <a16:creationId xmlns="" xmlns:a16="http://schemas.microsoft.com/office/drawing/2014/main" id="{7911BDFD-7E29-44F7-9ED7-E8F36B51436C}"/>
               </a:ext>
             </a:extLst>
           </p:cNvPr>
@@ -3658,16 +3658,62 @@
           </a:fontRef>
         </p:style>
       </p:cxnSp>
+      <p:sp>
+        <p:nvSpPr>
+          <p:cNvPr id="5" name="TextBox 4"/>
+          <p:cNvSpPr txBox="1"/>
+          <p:nvPr/>
+        </p:nvSpPr>
+        <p:spPr>
+          <a:xfrm>
+            <a:off x="1409236" y="5872664"/>
+            <a:ext cx="9917723" cy="369332"/>
+          </a:xfrm>
+          <a:prstGeom prst="rect">
+            <a:avLst/>
+          </a:prstGeom>
+          <a:noFill/>
+        </p:spPr>
+        <p:txBody>
+          <a:bodyPr wrap="square" rtlCol="0">
+            <a:spAutoFit/>
+          </a:bodyPr>
+          <a:lstStyle/>
+          <a:p>
+            <a:r>
+              <a:rPr lang="ko-KR" altLang="en-US" dirty="0" smtClean="0"/>
+              <a:t>이미지 데이터를 </a:t>
+            </a:r>
+            <a:r>
+              <a:rPr lang="ko-KR" altLang="en-US" dirty="0" err="1" smtClean="0"/>
+              <a:t>텍스쳐화</a:t>
+            </a:r>
+            <a:r>
+              <a:rPr lang="ko-KR" altLang="en-US" dirty="0" smtClean="0"/>
+              <a:t> 하기 위한 트레이</a:t>
+            </a:r>
+            <a:r>
+              <a:rPr lang="ko-KR" altLang="en-US" dirty="0"/>
+              <a:t>닝</a:t>
+            </a:r>
+            <a:r>
+              <a:rPr lang="ko-KR" altLang="en-US" dirty="0" smtClean="0"/>
+              <a:t> 데이터 제작</a:t>
+            </a:r>
+            <a:endParaRPr lang="ko-KR" altLang="en-US" dirty="0"/>
+          </a:p>
+        </p:txBody>
+      </p:sp>
       <p:pic>
         <p:nvPicPr>
-          <p:cNvPr id="2" name="Picture 2" descr="C:\Users\user\Desktop\1.1.GIF"/>
+          <p:cNvPr id="1027" name="Picture 3" descr="C:\Users\user\Desktop\trainingdata\반팔\538280_5_220.png"/>
           <p:cNvPicPr>
             <a:picLocks noChangeAspect="1" noChangeArrowheads="1"/>
           </p:cNvPicPr>
           <p:nvPr/>
         </p:nvPicPr>
         <p:blipFill>
-          <a:blip r:embed="rId2">
+          <a:blip r:embed="rId2" cstate="screen">
             <a:extLst>
               <a:ext uri="{28A0092B-C50C-407E-A947-70E740481C1C}">
                 <a14:useLocalDpi xmlns:a14="http://schemas.microsoft.com/office/drawing/2010/main" val="0"/>
@@ -3681,8 +3727,8 @@
         </p:blipFill>
         <p:spPr bwMode="auto">
           <a:xfrm>
-            <a:off x="910989" y="773037"/>
-            <a:ext cx="11069201" cy="5074990"/>
+            <a:off x="2492825" y="490296"/>
+            <a:ext cx="2507348" cy="2507348"/>
           </a:xfrm>
           <a:prstGeom prst="rect">
             <a:avLst/>
@@ -3699,47 +3745,360 @@
           </a:extLst>
         </p:spPr>
       </p:pic>
-      <p:sp>
-        <p:nvSpPr>
-          <p:cNvPr id="5" name="TextBox 4"/>
-          <p:cNvSpPr txBox="1"/>
+      <p:pic>
+        <p:nvPicPr>
+          <p:cNvPr id="1028" name="Picture 4" descr="C:\Users\user\Desktop\trainingdata\반팔\330099_1_220.png"/>
+          <p:cNvPicPr>
+            <a:picLocks noChangeAspect="1" noChangeArrowheads="1"/>
+          </p:cNvPicPr>
           <p:nvPr/>
-        </p:nvSpPr>
-        <p:spPr>
+        </p:nvPicPr>
+        <p:blipFill>
+          <a:blip r:embed="rId3" cstate="screen">
+            <a:extLst>
+              <a:ext uri="{28A0092B-C50C-407E-A947-70E740481C1C}">
+                <a14:useLocalDpi xmlns:a14="http://schemas.microsoft.com/office/drawing/2010/main" val="0"/>
+              </a:ext>
+            </a:extLst>
+          </a:blip>
+          <a:srcRect/>
+          <a:stretch>
+            <a:fillRect/>
+          </a:stretch>
+        </p:blipFill>
+        <p:spPr bwMode="auto">
           <a:xfrm>
-            <a:off x="1409236" y="5872664"/>
-            <a:ext cx="9917723" cy="369332"/>
+            <a:off x="2843388" y="3871790"/>
+            <a:ext cx="1795077" cy="1795077"/>
           </a:xfrm>
           <a:prstGeom prst="rect">
             <a:avLst/>
           </a:prstGeom>
           <a:noFill/>
+          <a:extLst>
+            <a:ext uri="{909E8E84-426E-40DD-AFC4-6F175D3DCCD1}">
+              <a14:hiddenFill xmlns:a14="http://schemas.microsoft.com/office/drawing/2010/main">
+                <a:solidFill>
+                  <a:srgbClr val="FFFFFF"/>
+                </a:solidFill>
+              </a14:hiddenFill>
+            </a:ext>
+          </a:extLst>
         </p:spPr>
-        <p:txBody>
-          <a:bodyPr wrap="square" rtlCol="0">
-            <a:spAutoFit/>
-          </a:bodyPr>
-          <a:lstStyle/>
-          <a:p>
+      </p:pic>
+      <p:pic>
+        <p:nvPicPr>
+          <p:cNvPr id="1029" name="Picture 5" descr="C:\Users\user\Desktop\Project_AvatarS\Resource\AIInputIMG\반팔\330099_1_220.jpg"/>
+          <p:cNvPicPr>
+            <a:picLocks noChangeAspect="1" noChangeArrowheads="1"/>
+          </p:cNvPicPr>
+          <p:nvPr/>
+        </p:nvPicPr>
+        <p:blipFill>
+          <a:blip r:embed="rId4">
+            <a:extLst>
+              <a:ext uri="{28A0092B-C50C-407E-A947-70E740481C1C}">
+                <a14:useLocalDpi xmlns:a14="http://schemas.microsoft.com/office/drawing/2010/main" val="0"/>
+              </a:ext>
+            </a:extLst>
+          </a:blip>
+          <a:srcRect/>
+          <a:stretch>
+            <a:fillRect/>
+          </a:stretch>
+        </p:blipFill>
+        <p:spPr bwMode="auto">
+          <a:xfrm>
+            <a:off x="610911" y="3620411"/>
+            <a:ext cx="1795698" cy="2154837"/>
+          </a:xfrm>
+          <a:prstGeom prst="rect">
+            <a:avLst/>
+          </a:prstGeom>
+          <a:noFill/>
+          <a:extLst>
+            <a:ext uri="{909E8E84-426E-40DD-AFC4-6F175D3DCCD1}">
+              <a14:hiddenFill xmlns:a14="http://schemas.microsoft.com/office/drawing/2010/main">
+                <a:solidFill>
+                  <a:srgbClr val="FFFFFF"/>
+                </a:solidFill>
+              </a14:hiddenFill>
+            </a:ext>
+          </a:extLst>
+        </p:spPr>
+      </p:pic>
+      <p:sp>
+        <p:nvSpPr>
+          <p:cNvPr id="4" name="오른쪽 화살표 3"/>
+          <p:cNvSpPr/>
+          <p:nvPr/>
+        </p:nvSpPr>
+        <p:spPr>
+          <a:xfrm>
+            <a:off x="2406609" y="4586254"/>
+            <a:ext cx="362317" cy="366150"/>
+          </a:xfrm>
+          <a:prstGeom prst="rightArrow">
+            <a:avLst/>
+          </a:prstGeom>
+          <a:solidFill>
+            <a:schemeClr val="accent4"/>
+          </a:solidFill>
+          <a:ln>
+            <a:noFill/>
+          </a:ln>
+        </p:spPr>
+        <p:style>
+          <a:lnRef idx="2">
+            <a:schemeClr val="accent1">
+              <a:shade val="50000"/>
+            </a:schemeClr>
+          </a:lnRef>
+          <a:fillRef idx="1">
+            <a:schemeClr val="accent1"/>
+          </a:fillRef>
+          <a:effectRef idx="0">
+            <a:schemeClr val="accent1"/>
+          </a:effectRef>
+          <a:fontRef idx="minor">
+            <a:schemeClr val="lt1"/>
+          </a:fontRef>
+        </p:style>
+        <p:txBody>
+          <a:bodyPr rtlCol="0" anchor="ctr"/>
+          <a:lstStyle/>
+          <a:p>
+            <a:pPr algn="ctr"/>
+            <a:endParaRPr lang="ko-KR" altLang="en-US"/>
+          </a:p>
+        </p:txBody>
+      </p:sp>
+      <p:pic>
+        <p:nvPicPr>
+          <p:cNvPr id="1031" name="Picture 7" descr="C:\Users\user\Desktop\1.4.JPG"/>
+          <p:cNvPicPr>
+            <a:picLocks noChangeAspect="1" noChangeArrowheads="1"/>
+          </p:cNvPicPr>
+          <p:nvPr/>
+        </p:nvPicPr>
+        <p:blipFill>
+          <a:blip r:embed="rId5" cstate="screen">
+            <a:extLst>
+              <a:ext uri="{28A0092B-C50C-407E-A947-70E740481C1C}">
+                <a14:useLocalDpi xmlns:a14="http://schemas.microsoft.com/office/drawing/2010/main" val="0"/>
+              </a:ext>
+            </a:extLst>
+          </a:blip>
+          <a:srcRect/>
+          <a:stretch>
+            <a:fillRect/>
+          </a:stretch>
+        </p:blipFill>
+        <p:spPr bwMode="auto">
+          <a:xfrm>
+            <a:off x="5537199" y="739469"/>
+            <a:ext cx="4798585" cy="2009002"/>
+          </a:xfrm>
+          <a:prstGeom prst="rect">
+            <a:avLst/>
+          </a:prstGeom>
+          <a:noFill/>
+          <a:extLst>
+            <a:ext uri="{909E8E84-426E-40DD-AFC4-6F175D3DCCD1}">
+              <a14:hiddenFill xmlns:a14="http://schemas.microsoft.com/office/drawing/2010/main">
+                <a:solidFill>
+                  <a:srgbClr val="FFFFFF"/>
+                </a:solidFill>
+              </a14:hiddenFill>
+            </a:ext>
+          </a:extLst>
+        </p:spPr>
+      </p:pic>
+      <p:pic>
+        <p:nvPicPr>
+          <p:cNvPr id="1032" name="Picture 8" descr="C:\Users\user\Desktop\1.5.JPG"/>
+          <p:cNvPicPr>
+            <a:picLocks noChangeAspect="1" noChangeArrowheads="1"/>
+          </p:cNvPicPr>
+          <p:nvPr/>
+        </p:nvPicPr>
+        <p:blipFill>
+          <a:blip r:embed="rId6" cstate="screen">
+            <a:extLst>
+              <a:ext uri="{28A0092B-C50C-407E-A947-70E740481C1C}">
+                <a14:useLocalDpi xmlns:a14="http://schemas.microsoft.com/office/drawing/2010/main" val="0"/>
+              </a:ext>
+            </a:extLst>
+          </a:blip>
+          <a:srcRect/>
+          <a:stretch>
+            <a:fillRect/>
+          </a:stretch>
+        </p:blipFill>
+        <p:spPr bwMode="auto">
+          <a:xfrm>
+            <a:off x="5537199" y="2748471"/>
+            <a:ext cx="4953527" cy="2305605"/>
+          </a:xfrm>
+          <a:prstGeom prst="rect">
+            <a:avLst/>
+          </a:prstGeom>
+          <a:noFill/>
+          <a:extLst>
+            <a:ext uri="{909E8E84-426E-40DD-AFC4-6F175D3DCCD1}">
+              <a14:hiddenFill xmlns:a14="http://schemas.microsoft.com/office/drawing/2010/main">
+                <a:solidFill>
+                  <a:srgbClr val="FFFFFF"/>
+                </a:solidFill>
+              </a14:hiddenFill>
+            </a:ext>
+          </a:extLst>
+        </p:spPr>
+      </p:pic>
+      <p:pic>
+        <p:nvPicPr>
+          <p:cNvPr id="1034" name="Picture 10" descr="C:\Users\user\Desktop\Project_AvatarS\Resource\AIInputIMG\반팔\1021715_16758342039397_220.jpg"/>
+          <p:cNvPicPr>
+            <a:picLocks noChangeAspect="1" noChangeArrowheads="1"/>
+          </p:cNvPicPr>
+          <p:nvPr/>
+        </p:nvPicPr>
+        <p:blipFill>
+          <a:blip r:embed="rId7">
+            <a:extLst>
+              <a:ext uri="{28A0092B-C50C-407E-A947-70E740481C1C}">
+                <a14:useLocalDpi xmlns:a14="http://schemas.microsoft.com/office/drawing/2010/main" val="0"/>
+              </a:ext>
+            </a:extLst>
+          </a:blip>
+          <a:srcRect/>
+          <a:stretch>
+            <a:fillRect/>
+          </a:stretch>
+        </p:blipFill>
+        <p:spPr bwMode="auto">
+          <a:xfrm>
+            <a:off x="311109" y="682319"/>
+            <a:ext cx="2095500" cy="2514600"/>
+          </a:xfrm>
+          <a:prstGeom prst="rect">
+            <a:avLst/>
+          </a:prstGeom>
+          <a:noFill/>
+          <a:extLst>
+            <a:ext uri="{909E8E84-426E-40DD-AFC4-6F175D3DCCD1}">
+              <a14:hiddenFill xmlns:a14="http://schemas.microsoft.com/office/drawing/2010/main">
+                <a:solidFill>
+                  <a:srgbClr val="FFFFFF"/>
+                </a:solidFill>
+              </a14:hiddenFill>
+            </a:ext>
+          </a:extLst>
+        </p:spPr>
+      </p:pic>
+      <p:sp>
+        <p:nvSpPr>
+          <p:cNvPr id="6" name="직사각형 5"/>
+          <p:cNvSpPr/>
+          <p:nvPr/>
+        </p:nvSpPr>
+        <p:spPr>
+          <a:xfrm>
+            <a:off x="311109" y="2914650"/>
+            <a:ext cx="1851475" cy="457200"/>
+          </a:xfrm>
+          <a:prstGeom prst="rect">
+            <a:avLst/>
+          </a:prstGeom>
+          <a:solidFill>
+            <a:schemeClr val="accent4"/>
+          </a:solidFill>
+          <a:ln>
+            <a:noFill/>
+          </a:ln>
+        </p:spPr>
+        <p:style>
+          <a:lnRef idx="2">
+            <a:schemeClr val="accent1">
+              <a:shade val="50000"/>
+            </a:schemeClr>
+          </a:lnRef>
+          <a:fillRef idx="1">
+            <a:schemeClr val="accent1"/>
+          </a:fillRef>
+          <a:effectRef idx="0">
+            <a:schemeClr val="accent1"/>
+          </a:effectRef>
+          <a:fontRef idx="minor">
+            <a:schemeClr val="lt1"/>
+          </a:fontRef>
+        </p:style>
+        <p:txBody>
+          <a:bodyPr rtlCol="0" anchor="ctr"/>
+          <a:lstStyle/>
+          <a:p>
+            <a:pPr algn="ctr"/>
             <a:r>
               <a:rPr lang="ko-KR" altLang="en-US" dirty="0" smtClean="0"/>
-              <a:t>원하는 결과물의 조건과 모델의 적합성을 </a:t>
-            </a:r>
-            <a:r>
-              <a:rPr lang="en-US" altLang="ko-KR" dirty="0" smtClean="0"/>
-              <a:t>Pix2Pix</a:t>
-            </a:r>
+              <a:t>인풋 이미지</a:t>
+            </a:r>
+            <a:endParaRPr lang="ko-KR" altLang="en-US" dirty="0"/>
+          </a:p>
+        </p:txBody>
+      </p:sp>
+      <p:sp>
+        <p:nvSpPr>
+          <p:cNvPr id="17" name="직사각형 16"/>
+          <p:cNvSpPr/>
+          <p:nvPr/>
+        </p:nvSpPr>
+        <p:spPr>
+          <a:xfrm>
+            <a:off x="2820761" y="2914650"/>
+            <a:ext cx="1851475" cy="457200"/>
+          </a:xfrm>
+          <a:prstGeom prst="rect">
+            <a:avLst/>
+          </a:prstGeom>
+          <a:solidFill>
+            <a:schemeClr val="accent4"/>
+          </a:solidFill>
+          <a:ln>
+            <a:noFill/>
+          </a:ln>
+        </p:spPr>
+        <p:style>
+          <a:lnRef idx="2">
+            <a:schemeClr val="accent1">
+              <a:shade val="50000"/>
+            </a:schemeClr>
+          </a:lnRef>
+          <a:fillRef idx="1">
+            <a:schemeClr val="accent1"/>
+          </a:fillRef>
+          <a:effectRef idx="0">
+            <a:schemeClr val="accent1"/>
+          </a:effectRef>
+          <a:fontRef idx="minor">
+            <a:schemeClr val="lt1"/>
+          </a:fontRef>
+        </p:style>
+        <p:txBody>
+          <a:bodyPr rtlCol="0" anchor="ctr"/>
+          <a:lstStyle/>
+          <a:p>
+            <a:pPr algn="ctr"/>
             <a:r>
               <a:rPr lang="ko-KR" altLang="en-US" dirty="0" smtClean="0"/>
-              <a:t>모델로 </a:t>
-            </a:r>
-            <a:r>
-              <a:rPr lang="en-US" altLang="ko-KR" dirty="0" err="1" smtClean="0"/>
-              <a:t>Colab</a:t>
+              <a:t>아웃</a:t>
+            </a:r>
+            <a:r>
+              <a:rPr lang="ko-KR" altLang="en-US" dirty="0"/>
+              <a:t>풋</a:t>
             </a:r>
             <a:r>
               <a:rPr lang="ko-KR" altLang="en-US" dirty="0" smtClean="0"/>
-              <a:t>으로 코드 작성</a:t>
+              <a:t> 이미지</a:t>
             </a:r>
             <a:endParaRPr lang="ko-KR" altLang="en-US" dirty="0"/>
           </a:p>
@@ -3799,7 +4158,7 @@
           <p:cNvPr id="3" name="직선 연결선 2">
             <a:extLst>
               <a:ext uri="{FF2B5EF4-FFF2-40B4-BE49-F238E27FC236}">
-                <a16:creationId xmlns:a16="http://schemas.microsoft.com/office/drawing/2014/main" xmlns="" id="{30B7886A-E2C2-47A8-A271-1FD08F52EED0}"/>
+                <a16:creationId xmlns="" xmlns:a16="http://schemas.microsoft.com/office/drawing/2014/main" id="{30B7886A-E2C2-47A8-A271-1FD08F52EED0}"/>
               </a:ext>
             </a:extLst>
           </p:cNvPr>
@@ -3842,7 +4201,7 @@
           <p:cNvPr id="18" name="직선 연결선 17">
             <a:extLst>
               <a:ext uri="{FF2B5EF4-FFF2-40B4-BE49-F238E27FC236}">
-                <a16:creationId xmlns:a16="http://schemas.microsoft.com/office/drawing/2014/main" xmlns="" id="{7911BDFD-7E29-44F7-9ED7-E8F36B51436C}"/>
+                <a16:creationId xmlns="" xmlns:a16="http://schemas.microsoft.com/office/drawing/2014/main" id="{7911BDFD-7E29-44F7-9ED7-E8F36B51436C}"/>
               </a:ext>
             </a:extLst>
           </p:cNvPr>
@@ -4126,7 +4485,7 @@
   <a:extraClrSchemeLst/>
   <a:extLst>
     <a:ext uri="{05A4C25C-085E-4340-85A3-A5531E510DB2}">
-      <thm15:themeFamily xmlns:thm15="http://schemas.microsoft.com/office/thememl/2012/main" xmlns="" name="Office Theme" id="{62F939B6-93AF-4DB8-9C6B-D6C7DFDC589F}" vid="{4A3C46E8-61CC-4603-A589-7422A47A8E4A}"/>
+      <thm15:themeFamily xmlns="" xmlns:thm15="http://schemas.microsoft.com/office/thememl/2012/main" name="Office Theme" id="{62F939B6-93AF-4DB8-9C6B-D6C7DFDC589F}" vid="{4A3C46E8-61CC-4603-A589-7422A47A8E4A}"/>
     </a:ext>
   </a:extLst>
 </a:theme>

--- a/발표자료/업데이트/LJHPPT.pptx
+++ b/발표자료/업데이트/LJHPPT.pptx
@@ -108,7 +108,7 @@
   </p:defaultTextStyle>
   <p:extLst>
     <p:ext uri="{EFAFB233-063F-42B5-8137-9DF3F51BA10A}">
-      <p15:sldGuideLst xmlns="" xmlns:p15="http://schemas.microsoft.com/office/powerpoint/2012/main">
+      <p15:sldGuideLst xmlns:p15="http://schemas.microsoft.com/office/powerpoint/2012/main" xmlns="">
         <p15:guide id="1" orient="horz" pos="2160" userDrawn="1">
           <p15:clr>
             <a:srgbClr val="A4A3A4"/>
@@ -147,7 +147,7 @@
           <p:cNvPr id="2" name="제목 1">
             <a:extLst>
               <a:ext uri="{FF2B5EF4-FFF2-40B4-BE49-F238E27FC236}">
-                <a16:creationId xmlns="" xmlns:a16="http://schemas.microsoft.com/office/drawing/2014/main" id="{544428E6-48F8-48FF-A4B7-7E67A9EE0B77}"/>
+                <a16:creationId xmlns:a16="http://schemas.microsoft.com/office/drawing/2014/main" xmlns="" id="{544428E6-48F8-48FF-A4B7-7E67A9EE0B77}"/>
               </a:ext>
             </a:extLst>
           </p:cNvPr>
@@ -184,7 +184,7 @@
           <p:cNvPr id="3" name="부제목 2">
             <a:extLst>
               <a:ext uri="{FF2B5EF4-FFF2-40B4-BE49-F238E27FC236}">
-                <a16:creationId xmlns="" xmlns:a16="http://schemas.microsoft.com/office/drawing/2014/main" id="{FBA2431C-BDF3-4534-AED0-115F103A462A}"/>
+                <a16:creationId xmlns:a16="http://schemas.microsoft.com/office/drawing/2014/main" xmlns="" id="{FBA2431C-BDF3-4534-AED0-115F103A462A}"/>
               </a:ext>
             </a:extLst>
           </p:cNvPr>
@@ -254,7 +254,7 @@
           <p:cNvPr id="4" name="날짜 개체 틀 3">
             <a:extLst>
               <a:ext uri="{FF2B5EF4-FFF2-40B4-BE49-F238E27FC236}">
-                <a16:creationId xmlns="" xmlns:a16="http://schemas.microsoft.com/office/drawing/2014/main" id="{420173CB-01B9-4295-A804-D7D5973D6277}"/>
+                <a16:creationId xmlns:a16="http://schemas.microsoft.com/office/drawing/2014/main" xmlns="" id="{420173CB-01B9-4295-A804-D7D5973D6277}"/>
               </a:ext>
             </a:extLst>
           </p:cNvPr>
@@ -272,7 +272,7 @@
           <a:p>
             <a:fld id="{246E467A-4026-4A8D-97BF-715EF7FA6491}" type="datetimeFigureOut">
               <a:rPr lang="ko-KR" altLang="en-US" smtClean="0"/>
-              <a:t>2023-03-30</a:t>
+              <a:t>2023-04-06</a:t>
             </a:fld>
             <a:endParaRPr lang="ko-KR" altLang="en-US"/>
           </a:p>
@@ -283,7 +283,7 @@
           <p:cNvPr id="5" name="바닥글 개체 틀 4">
             <a:extLst>
               <a:ext uri="{FF2B5EF4-FFF2-40B4-BE49-F238E27FC236}">
-                <a16:creationId xmlns="" xmlns:a16="http://schemas.microsoft.com/office/drawing/2014/main" id="{E1C5FE16-77A0-484E-AEFD-FF537292ECD0}"/>
+                <a16:creationId xmlns:a16="http://schemas.microsoft.com/office/drawing/2014/main" xmlns="" id="{E1C5FE16-77A0-484E-AEFD-FF537292ECD0}"/>
               </a:ext>
             </a:extLst>
           </p:cNvPr>
@@ -308,7 +308,7 @@
           <p:cNvPr id="6" name="슬라이드 번호 개체 틀 5">
             <a:extLst>
               <a:ext uri="{FF2B5EF4-FFF2-40B4-BE49-F238E27FC236}">
-                <a16:creationId xmlns="" xmlns:a16="http://schemas.microsoft.com/office/drawing/2014/main" id="{69F3DF25-2E65-49D3-8F6F-64AA11097B17}"/>
+                <a16:creationId xmlns:a16="http://schemas.microsoft.com/office/drawing/2014/main" xmlns="" id="{69F3DF25-2E65-49D3-8F6F-64AA11097B17}"/>
               </a:ext>
             </a:extLst>
           </p:cNvPr>
@@ -367,7 +367,7 @@
           <p:cNvPr id="2" name="제목 1">
             <a:extLst>
               <a:ext uri="{FF2B5EF4-FFF2-40B4-BE49-F238E27FC236}">
-                <a16:creationId xmlns="" xmlns:a16="http://schemas.microsoft.com/office/drawing/2014/main" id="{0E520652-E714-4A15-826F-1B53C7092B68}"/>
+                <a16:creationId xmlns:a16="http://schemas.microsoft.com/office/drawing/2014/main" xmlns="" id="{0E520652-E714-4A15-826F-1B53C7092B68}"/>
               </a:ext>
             </a:extLst>
           </p:cNvPr>
@@ -395,7 +395,7 @@
           <p:cNvPr id="3" name="세로 텍스트 개체 틀 2">
             <a:extLst>
               <a:ext uri="{FF2B5EF4-FFF2-40B4-BE49-F238E27FC236}">
-                <a16:creationId xmlns="" xmlns:a16="http://schemas.microsoft.com/office/drawing/2014/main" id="{1C14771D-DE0A-400C-8C59-8670E31F7094}"/>
+                <a16:creationId xmlns:a16="http://schemas.microsoft.com/office/drawing/2014/main" xmlns="" id="{1C14771D-DE0A-400C-8C59-8670E31F7094}"/>
               </a:ext>
             </a:extLst>
           </p:cNvPr>
@@ -452,7 +452,7 @@
           <p:cNvPr id="4" name="날짜 개체 틀 3">
             <a:extLst>
               <a:ext uri="{FF2B5EF4-FFF2-40B4-BE49-F238E27FC236}">
-                <a16:creationId xmlns="" xmlns:a16="http://schemas.microsoft.com/office/drawing/2014/main" id="{5CBEACB7-48C9-4FB8-8D34-7F4C63932697}"/>
+                <a16:creationId xmlns:a16="http://schemas.microsoft.com/office/drawing/2014/main" xmlns="" id="{5CBEACB7-48C9-4FB8-8D34-7F4C63932697}"/>
               </a:ext>
             </a:extLst>
           </p:cNvPr>
@@ -470,7 +470,7 @@
           <a:p>
             <a:fld id="{246E467A-4026-4A8D-97BF-715EF7FA6491}" type="datetimeFigureOut">
               <a:rPr lang="ko-KR" altLang="en-US" smtClean="0"/>
-              <a:t>2023-03-30</a:t>
+              <a:t>2023-04-06</a:t>
             </a:fld>
             <a:endParaRPr lang="ko-KR" altLang="en-US"/>
           </a:p>
@@ -481,7 +481,7 @@
           <p:cNvPr id="5" name="바닥글 개체 틀 4">
             <a:extLst>
               <a:ext uri="{FF2B5EF4-FFF2-40B4-BE49-F238E27FC236}">
-                <a16:creationId xmlns="" xmlns:a16="http://schemas.microsoft.com/office/drawing/2014/main" id="{5BD31818-B6CD-47B0-9353-395CC53986D6}"/>
+                <a16:creationId xmlns:a16="http://schemas.microsoft.com/office/drawing/2014/main" xmlns="" id="{5BD31818-B6CD-47B0-9353-395CC53986D6}"/>
               </a:ext>
             </a:extLst>
           </p:cNvPr>
@@ -506,7 +506,7 @@
           <p:cNvPr id="6" name="슬라이드 번호 개체 틀 5">
             <a:extLst>
               <a:ext uri="{FF2B5EF4-FFF2-40B4-BE49-F238E27FC236}">
-                <a16:creationId xmlns="" xmlns:a16="http://schemas.microsoft.com/office/drawing/2014/main" id="{BD008922-CAE3-4884-AE59-2BC74144C74C}"/>
+                <a16:creationId xmlns:a16="http://schemas.microsoft.com/office/drawing/2014/main" xmlns="" id="{BD008922-CAE3-4884-AE59-2BC74144C74C}"/>
               </a:ext>
             </a:extLst>
           </p:cNvPr>
@@ -565,7 +565,7 @@
           <p:cNvPr id="2" name="세로 제목 1">
             <a:extLst>
               <a:ext uri="{FF2B5EF4-FFF2-40B4-BE49-F238E27FC236}">
-                <a16:creationId xmlns="" xmlns:a16="http://schemas.microsoft.com/office/drawing/2014/main" id="{A3371B8A-69A6-43D4-8783-6456E33508F7}"/>
+                <a16:creationId xmlns:a16="http://schemas.microsoft.com/office/drawing/2014/main" xmlns="" id="{A3371B8A-69A6-43D4-8783-6456E33508F7}"/>
               </a:ext>
             </a:extLst>
           </p:cNvPr>
@@ -598,7 +598,7 @@
           <p:cNvPr id="3" name="세로 텍스트 개체 틀 2">
             <a:extLst>
               <a:ext uri="{FF2B5EF4-FFF2-40B4-BE49-F238E27FC236}">
-                <a16:creationId xmlns="" xmlns:a16="http://schemas.microsoft.com/office/drawing/2014/main" id="{049DA1AA-3028-44E4-B5B0-C19BF61DC48A}"/>
+                <a16:creationId xmlns:a16="http://schemas.microsoft.com/office/drawing/2014/main" xmlns="" id="{049DA1AA-3028-44E4-B5B0-C19BF61DC48A}"/>
               </a:ext>
             </a:extLst>
           </p:cNvPr>
@@ -660,7 +660,7 @@
           <p:cNvPr id="4" name="날짜 개체 틀 3">
             <a:extLst>
               <a:ext uri="{FF2B5EF4-FFF2-40B4-BE49-F238E27FC236}">
-                <a16:creationId xmlns="" xmlns:a16="http://schemas.microsoft.com/office/drawing/2014/main" id="{ED2BCD8D-3E10-4F33-BC43-EACB05C0B415}"/>
+                <a16:creationId xmlns:a16="http://schemas.microsoft.com/office/drawing/2014/main" xmlns="" id="{ED2BCD8D-3E10-4F33-BC43-EACB05C0B415}"/>
               </a:ext>
             </a:extLst>
           </p:cNvPr>
@@ -678,7 +678,7 @@
           <a:p>
             <a:fld id="{246E467A-4026-4A8D-97BF-715EF7FA6491}" type="datetimeFigureOut">
               <a:rPr lang="ko-KR" altLang="en-US" smtClean="0"/>
-              <a:t>2023-03-30</a:t>
+              <a:t>2023-04-06</a:t>
             </a:fld>
             <a:endParaRPr lang="ko-KR" altLang="en-US"/>
           </a:p>
@@ -689,7 +689,7 @@
           <p:cNvPr id="5" name="바닥글 개체 틀 4">
             <a:extLst>
               <a:ext uri="{FF2B5EF4-FFF2-40B4-BE49-F238E27FC236}">
-                <a16:creationId xmlns="" xmlns:a16="http://schemas.microsoft.com/office/drawing/2014/main" id="{33E365BE-78DE-4079-B7F3-706874E92415}"/>
+                <a16:creationId xmlns:a16="http://schemas.microsoft.com/office/drawing/2014/main" xmlns="" id="{33E365BE-78DE-4079-B7F3-706874E92415}"/>
               </a:ext>
             </a:extLst>
           </p:cNvPr>
@@ -714,7 +714,7 @@
           <p:cNvPr id="6" name="슬라이드 번호 개체 틀 5">
             <a:extLst>
               <a:ext uri="{FF2B5EF4-FFF2-40B4-BE49-F238E27FC236}">
-                <a16:creationId xmlns="" xmlns:a16="http://schemas.microsoft.com/office/drawing/2014/main" id="{6F0D9E52-1AFA-4482-A474-91FF4C5C683A}"/>
+                <a16:creationId xmlns:a16="http://schemas.microsoft.com/office/drawing/2014/main" xmlns="" id="{6F0D9E52-1AFA-4482-A474-91FF4C5C683A}"/>
               </a:ext>
             </a:extLst>
           </p:cNvPr>
@@ -773,7 +773,7 @@
           <p:cNvPr id="2" name="제목 1">
             <a:extLst>
               <a:ext uri="{FF2B5EF4-FFF2-40B4-BE49-F238E27FC236}">
-                <a16:creationId xmlns="" xmlns:a16="http://schemas.microsoft.com/office/drawing/2014/main" id="{60DBF82B-6C4A-4F6E-A362-B2BF3BDC30D7}"/>
+                <a16:creationId xmlns:a16="http://schemas.microsoft.com/office/drawing/2014/main" xmlns="" id="{60DBF82B-6C4A-4F6E-A362-B2BF3BDC30D7}"/>
               </a:ext>
             </a:extLst>
           </p:cNvPr>
@@ -801,7 +801,7 @@
           <p:cNvPr id="3" name="내용 개체 틀 2">
             <a:extLst>
               <a:ext uri="{FF2B5EF4-FFF2-40B4-BE49-F238E27FC236}">
-                <a16:creationId xmlns="" xmlns:a16="http://schemas.microsoft.com/office/drawing/2014/main" id="{BDE6E910-43A6-49D6-A1B5-99E3B0C27E2D}"/>
+                <a16:creationId xmlns:a16="http://schemas.microsoft.com/office/drawing/2014/main" xmlns="" id="{BDE6E910-43A6-49D6-A1B5-99E3B0C27E2D}"/>
               </a:ext>
             </a:extLst>
           </p:cNvPr>
@@ -858,7 +858,7 @@
           <p:cNvPr id="4" name="날짜 개체 틀 3">
             <a:extLst>
               <a:ext uri="{FF2B5EF4-FFF2-40B4-BE49-F238E27FC236}">
-                <a16:creationId xmlns="" xmlns:a16="http://schemas.microsoft.com/office/drawing/2014/main" id="{2F0DB3AC-66C4-4244-9CE9-54D71AA59C90}"/>
+                <a16:creationId xmlns:a16="http://schemas.microsoft.com/office/drawing/2014/main" xmlns="" id="{2F0DB3AC-66C4-4244-9CE9-54D71AA59C90}"/>
               </a:ext>
             </a:extLst>
           </p:cNvPr>
@@ -876,7 +876,7 @@
           <a:p>
             <a:fld id="{246E467A-4026-4A8D-97BF-715EF7FA6491}" type="datetimeFigureOut">
               <a:rPr lang="ko-KR" altLang="en-US" smtClean="0"/>
-              <a:t>2023-03-30</a:t>
+              <a:t>2023-04-06</a:t>
             </a:fld>
             <a:endParaRPr lang="ko-KR" altLang="en-US"/>
           </a:p>
@@ -887,7 +887,7 @@
           <p:cNvPr id="5" name="바닥글 개체 틀 4">
             <a:extLst>
               <a:ext uri="{FF2B5EF4-FFF2-40B4-BE49-F238E27FC236}">
-                <a16:creationId xmlns="" xmlns:a16="http://schemas.microsoft.com/office/drawing/2014/main" id="{3992C886-882E-440B-806C-B06DE5089026}"/>
+                <a16:creationId xmlns:a16="http://schemas.microsoft.com/office/drawing/2014/main" xmlns="" id="{3992C886-882E-440B-806C-B06DE5089026}"/>
               </a:ext>
             </a:extLst>
           </p:cNvPr>
@@ -912,7 +912,7 @@
           <p:cNvPr id="6" name="슬라이드 번호 개체 틀 5">
             <a:extLst>
               <a:ext uri="{FF2B5EF4-FFF2-40B4-BE49-F238E27FC236}">
-                <a16:creationId xmlns="" xmlns:a16="http://schemas.microsoft.com/office/drawing/2014/main" id="{9A9323D2-1426-48F9-A93B-729E72E2B2BB}"/>
+                <a16:creationId xmlns:a16="http://schemas.microsoft.com/office/drawing/2014/main" xmlns="" id="{9A9323D2-1426-48F9-A93B-729E72E2B2BB}"/>
               </a:ext>
             </a:extLst>
           </p:cNvPr>
@@ -971,7 +971,7 @@
           <p:cNvPr id="2" name="제목 1">
             <a:extLst>
               <a:ext uri="{FF2B5EF4-FFF2-40B4-BE49-F238E27FC236}">
-                <a16:creationId xmlns="" xmlns:a16="http://schemas.microsoft.com/office/drawing/2014/main" id="{7153C500-C8D9-4EBC-AC73-9F7D65F03E32}"/>
+                <a16:creationId xmlns:a16="http://schemas.microsoft.com/office/drawing/2014/main" xmlns="" id="{7153C500-C8D9-4EBC-AC73-9F7D65F03E32}"/>
               </a:ext>
             </a:extLst>
           </p:cNvPr>
@@ -1008,7 +1008,7 @@
           <p:cNvPr id="3" name="텍스트 개체 틀 2">
             <a:extLst>
               <a:ext uri="{FF2B5EF4-FFF2-40B4-BE49-F238E27FC236}">
-                <a16:creationId xmlns="" xmlns:a16="http://schemas.microsoft.com/office/drawing/2014/main" id="{4E56CD17-259A-42E8-B64F-04C51B7C1C5F}"/>
+                <a16:creationId xmlns:a16="http://schemas.microsoft.com/office/drawing/2014/main" xmlns="" id="{4E56CD17-259A-42E8-B64F-04C51B7C1C5F}"/>
               </a:ext>
             </a:extLst>
           </p:cNvPr>
@@ -1133,7 +1133,7 @@
           <p:cNvPr id="4" name="날짜 개체 틀 3">
             <a:extLst>
               <a:ext uri="{FF2B5EF4-FFF2-40B4-BE49-F238E27FC236}">
-                <a16:creationId xmlns="" xmlns:a16="http://schemas.microsoft.com/office/drawing/2014/main" id="{CE976CE5-8C59-42A2-A597-465DEAC8E5A7}"/>
+                <a16:creationId xmlns:a16="http://schemas.microsoft.com/office/drawing/2014/main" xmlns="" id="{CE976CE5-8C59-42A2-A597-465DEAC8E5A7}"/>
               </a:ext>
             </a:extLst>
           </p:cNvPr>
@@ -1151,7 +1151,7 @@
           <a:p>
             <a:fld id="{246E467A-4026-4A8D-97BF-715EF7FA6491}" type="datetimeFigureOut">
               <a:rPr lang="ko-KR" altLang="en-US" smtClean="0"/>
-              <a:t>2023-03-30</a:t>
+              <a:t>2023-04-06</a:t>
             </a:fld>
             <a:endParaRPr lang="ko-KR" altLang="en-US"/>
           </a:p>
@@ -1162,7 +1162,7 @@
           <p:cNvPr id="5" name="바닥글 개체 틀 4">
             <a:extLst>
               <a:ext uri="{FF2B5EF4-FFF2-40B4-BE49-F238E27FC236}">
-                <a16:creationId xmlns="" xmlns:a16="http://schemas.microsoft.com/office/drawing/2014/main" id="{742312C6-1DCE-41BC-B5FA-FCFF5BE3B9E6}"/>
+                <a16:creationId xmlns:a16="http://schemas.microsoft.com/office/drawing/2014/main" xmlns="" id="{742312C6-1DCE-41BC-B5FA-FCFF5BE3B9E6}"/>
               </a:ext>
             </a:extLst>
           </p:cNvPr>
@@ -1187,7 +1187,7 @@
           <p:cNvPr id="6" name="슬라이드 번호 개체 틀 5">
             <a:extLst>
               <a:ext uri="{FF2B5EF4-FFF2-40B4-BE49-F238E27FC236}">
-                <a16:creationId xmlns="" xmlns:a16="http://schemas.microsoft.com/office/drawing/2014/main" id="{664339A5-69DC-4256-84CA-F160D48ED02B}"/>
+                <a16:creationId xmlns:a16="http://schemas.microsoft.com/office/drawing/2014/main" xmlns="" id="{664339A5-69DC-4256-84CA-F160D48ED02B}"/>
               </a:ext>
             </a:extLst>
           </p:cNvPr>
@@ -1246,7 +1246,7 @@
           <p:cNvPr id="2" name="제목 1">
             <a:extLst>
               <a:ext uri="{FF2B5EF4-FFF2-40B4-BE49-F238E27FC236}">
-                <a16:creationId xmlns="" xmlns:a16="http://schemas.microsoft.com/office/drawing/2014/main" id="{BCF37A4D-E01E-45A7-B166-73EE7826C0E7}"/>
+                <a16:creationId xmlns:a16="http://schemas.microsoft.com/office/drawing/2014/main" xmlns="" id="{BCF37A4D-E01E-45A7-B166-73EE7826C0E7}"/>
               </a:ext>
             </a:extLst>
           </p:cNvPr>
@@ -1274,7 +1274,7 @@
           <p:cNvPr id="3" name="내용 개체 틀 2">
             <a:extLst>
               <a:ext uri="{FF2B5EF4-FFF2-40B4-BE49-F238E27FC236}">
-                <a16:creationId xmlns="" xmlns:a16="http://schemas.microsoft.com/office/drawing/2014/main" id="{A70D6757-7DA6-452C-9903-7536978F1556}"/>
+                <a16:creationId xmlns:a16="http://schemas.microsoft.com/office/drawing/2014/main" xmlns="" id="{A70D6757-7DA6-452C-9903-7536978F1556}"/>
               </a:ext>
             </a:extLst>
           </p:cNvPr>
@@ -1336,7 +1336,7 @@
           <p:cNvPr id="4" name="내용 개체 틀 3">
             <a:extLst>
               <a:ext uri="{FF2B5EF4-FFF2-40B4-BE49-F238E27FC236}">
-                <a16:creationId xmlns="" xmlns:a16="http://schemas.microsoft.com/office/drawing/2014/main" id="{23DCC3C8-286B-4184-8752-32BC3B116B8E}"/>
+                <a16:creationId xmlns:a16="http://schemas.microsoft.com/office/drawing/2014/main" xmlns="" id="{23DCC3C8-286B-4184-8752-32BC3B116B8E}"/>
               </a:ext>
             </a:extLst>
           </p:cNvPr>
@@ -1398,7 +1398,7 @@
           <p:cNvPr id="5" name="날짜 개체 틀 4">
             <a:extLst>
               <a:ext uri="{FF2B5EF4-FFF2-40B4-BE49-F238E27FC236}">
-                <a16:creationId xmlns="" xmlns:a16="http://schemas.microsoft.com/office/drawing/2014/main" id="{7ECA751A-C45B-42C8-893F-826B22E76CF6}"/>
+                <a16:creationId xmlns:a16="http://schemas.microsoft.com/office/drawing/2014/main" xmlns="" id="{7ECA751A-C45B-42C8-893F-826B22E76CF6}"/>
               </a:ext>
             </a:extLst>
           </p:cNvPr>
@@ -1416,7 +1416,7 @@
           <a:p>
             <a:fld id="{246E467A-4026-4A8D-97BF-715EF7FA6491}" type="datetimeFigureOut">
               <a:rPr lang="ko-KR" altLang="en-US" smtClean="0"/>
-              <a:t>2023-03-30</a:t>
+              <a:t>2023-04-06</a:t>
             </a:fld>
             <a:endParaRPr lang="ko-KR" altLang="en-US"/>
           </a:p>
@@ -1427,7 +1427,7 @@
           <p:cNvPr id="6" name="바닥글 개체 틀 5">
             <a:extLst>
               <a:ext uri="{FF2B5EF4-FFF2-40B4-BE49-F238E27FC236}">
-                <a16:creationId xmlns="" xmlns:a16="http://schemas.microsoft.com/office/drawing/2014/main" id="{9F77210C-0EDE-42F3-A19F-12B3884B4393}"/>
+                <a16:creationId xmlns:a16="http://schemas.microsoft.com/office/drawing/2014/main" xmlns="" id="{9F77210C-0EDE-42F3-A19F-12B3884B4393}"/>
               </a:ext>
             </a:extLst>
           </p:cNvPr>
@@ -1452,7 +1452,7 @@
           <p:cNvPr id="7" name="슬라이드 번호 개체 틀 6">
             <a:extLst>
               <a:ext uri="{FF2B5EF4-FFF2-40B4-BE49-F238E27FC236}">
-                <a16:creationId xmlns="" xmlns:a16="http://schemas.microsoft.com/office/drawing/2014/main" id="{3215D590-E2D2-480C-AF73-67D855C553CB}"/>
+                <a16:creationId xmlns:a16="http://schemas.microsoft.com/office/drawing/2014/main" xmlns="" id="{3215D590-E2D2-480C-AF73-67D855C553CB}"/>
               </a:ext>
             </a:extLst>
           </p:cNvPr>
@@ -1511,7 +1511,7 @@
           <p:cNvPr id="2" name="제목 1">
             <a:extLst>
               <a:ext uri="{FF2B5EF4-FFF2-40B4-BE49-F238E27FC236}">
-                <a16:creationId xmlns="" xmlns:a16="http://schemas.microsoft.com/office/drawing/2014/main" id="{E1E3AF97-024B-4EF1-B5B6-2E362F07CDB3}"/>
+                <a16:creationId xmlns:a16="http://schemas.microsoft.com/office/drawing/2014/main" xmlns="" id="{E1E3AF97-024B-4EF1-B5B6-2E362F07CDB3}"/>
               </a:ext>
             </a:extLst>
           </p:cNvPr>
@@ -1544,7 +1544,7 @@
           <p:cNvPr id="3" name="텍스트 개체 틀 2">
             <a:extLst>
               <a:ext uri="{FF2B5EF4-FFF2-40B4-BE49-F238E27FC236}">
-                <a16:creationId xmlns="" xmlns:a16="http://schemas.microsoft.com/office/drawing/2014/main" id="{2B41334B-2AA0-4E32-9445-B691EAB2831F}"/>
+                <a16:creationId xmlns:a16="http://schemas.microsoft.com/office/drawing/2014/main" xmlns="" id="{2B41334B-2AA0-4E32-9445-B691EAB2831F}"/>
               </a:ext>
             </a:extLst>
           </p:cNvPr>
@@ -1615,7 +1615,7 @@
           <p:cNvPr id="4" name="내용 개체 틀 3">
             <a:extLst>
               <a:ext uri="{FF2B5EF4-FFF2-40B4-BE49-F238E27FC236}">
-                <a16:creationId xmlns="" xmlns:a16="http://schemas.microsoft.com/office/drawing/2014/main" id="{BDB62D6F-224F-4433-9752-11A255D323D4}"/>
+                <a16:creationId xmlns:a16="http://schemas.microsoft.com/office/drawing/2014/main" xmlns="" id="{BDB62D6F-224F-4433-9752-11A255D323D4}"/>
               </a:ext>
             </a:extLst>
           </p:cNvPr>
@@ -1677,7 +1677,7 @@
           <p:cNvPr id="5" name="텍스트 개체 틀 4">
             <a:extLst>
               <a:ext uri="{FF2B5EF4-FFF2-40B4-BE49-F238E27FC236}">
-                <a16:creationId xmlns="" xmlns:a16="http://schemas.microsoft.com/office/drawing/2014/main" id="{DD04EE0E-6C7E-4160-86AA-136E97F9FD62}"/>
+                <a16:creationId xmlns:a16="http://schemas.microsoft.com/office/drawing/2014/main" xmlns="" id="{DD04EE0E-6C7E-4160-86AA-136E97F9FD62}"/>
               </a:ext>
             </a:extLst>
           </p:cNvPr>
@@ -1748,7 +1748,7 @@
           <p:cNvPr id="6" name="내용 개체 틀 5">
             <a:extLst>
               <a:ext uri="{FF2B5EF4-FFF2-40B4-BE49-F238E27FC236}">
-                <a16:creationId xmlns="" xmlns:a16="http://schemas.microsoft.com/office/drawing/2014/main" id="{1B390FB9-7573-4784-A2A4-EDF1B3C59FF4}"/>
+                <a16:creationId xmlns:a16="http://schemas.microsoft.com/office/drawing/2014/main" xmlns="" id="{1B390FB9-7573-4784-A2A4-EDF1B3C59FF4}"/>
               </a:ext>
             </a:extLst>
           </p:cNvPr>
@@ -1810,7 +1810,7 @@
           <p:cNvPr id="7" name="날짜 개체 틀 6">
             <a:extLst>
               <a:ext uri="{FF2B5EF4-FFF2-40B4-BE49-F238E27FC236}">
-                <a16:creationId xmlns="" xmlns:a16="http://schemas.microsoft.com/office/drawing/2014/main" id="{F464B30B-9C6A-4C96-8DB5-BCE9A09F77BB}"/>
+                <a16:creationId xmlns:a16="http://schemas.microsoft.com/office/drawing/2014/main" xmlns="" id="{F464B30B-9C6A-4C96-8DB5-BCE9A09F77BB}"/>
               </a:ext>
             </a:extLst>
           </p:cNvPr>
@@ -1828,7 +1828,7 @@
           <a:p>
             <a:fld id="{246E467A-4026-4A8D-97BF-715EF7FA6491}" type="datetimeFigureOut">
               <a:rPr lang="ko-KR" altLang="en-US" smtClean="0"/>
-              <a:t>2023-03-30</a:t>
+              <a:t>2023-04-06</a:t>
             </a:fld>
             <a:endParaRPr lang="ko-KR" altLang="en-US"/>
           </a:p>
@@ -1839,7 +1839,7 @@
           <p:cNvPr id="8" name="바닥글 개체 틀 7">
             <a:extLst>
               <a:ext uri="{FF2B5EF4-FFF2-40B4-BE49-F238E27FC236}">
-                <a16:creationId xmlns="" xmlns:a16="http://schemas.microsoft.com/office/drawing/2014/main" id="{16A11AC4-2315-46FE-81A4-FE4B843497D9}"/>
+                <a16:creationId xmlns:a16="http://schemas.microsoft.com/office/drawing/2014/main" xmlns="" id="{16A11AC4-2315-46FE-81A4-FE4B843497D9}"/>
               </a:ext>
             </a:extLst>
           </p:cNvPr>
@@ -1864,7 +1864,7 @@
           <p:cNvPr id="9" name="슬라이드 번호 개체 틀 8">
             <a:extLst>
               <a:ext uri="{FF2B5EF4-FFF2-40B4-BE49-F238E27FC236}">
-                <a16:creationId xmlns="" xmlns:a16="http://schemas.microsoft.com/office/drawing/2014/main" id="{DC2D39CB-CB92-40B8-9B0C-3FBBBDF9DDF4}"/>
+                <a16:creationId xmlns:a16="http://schemas.microsoft.com/office/drawing/2014/main" xmlns="" id="{DC2D39CB-CB92-40B8-9B0C-3FBBBDF9DDF4}"/>
               </a:ext>
             </a:extLst>
           </p:cNvPr>
@@ -1923,7 +1923,7 @@
           <p:cNvPr id="2" name="제목 1">
             <a:extLst>
               <a:ext uri="{FF2B5EF4-FFF2-40B4-BE49-F238E27FC236}">
-                <a16:creationId xmlns="" xmlns:a16="http://schemas.microsoft.com/office/drawing/2014/main" id="{90E32E25-F5B3-41EE-BD3B-6965721B8BFA}"/>
+                <a16:creationId xmlns:a16="http://schemas.microsoft.com/office/drawing/2014/main" xmlns="" id="{90E32E25-F5B3-41EE-BD3B-6965721B8BFA}"/>
               </a:ext>
             </a:extLst>
           </p:cNvPr>
@@ -1951,7 +1951,7 @@
           <p:cNvPr id="3" name="날짜 개체 틀 2">
             <a:extLst>
               <a:ext uri="{FF2B5EF4-FFF2-40B4-BE49-F238E27FC236}">
-                <a16:creationId xmlns="" xmlns:a16="http://schemas.microsoft.com/office/drawing/2014/main" id="{0CFE1863-7C02-424B-AF80-CDB396716C6B}"/>
+                <a16:creationId xmlns:a16="http://schemas.microsoft.com/office/drawing/2014/main" xmlns="" id="{0CFE1863-7C02-424B-AF80-CDB396716C6B}"/>
               </a:ext>
             </a:extLst>
           </p:cNvPr>
@@ -1969,7 +1969,7 @@
           <a:p>
             <a:fld id="{246E467A-4026-4A8D-97BF-715EF7FA6491}" type="datetimeFigureOut">
               <a:rPr lang="ko-KR" altLang="en-US" smtClean="0"/>
-              <a:t>2023-03-30</a:t>
+              <a:t>2023-04-06</a:t>
             </a:fld>
             <a:endParaRPr lang="ko-KR" altLang="en-US"/>
           </a:p>
@@ -1980,7 +1980,7 @@
           <p:cNvPr id="4" name="바닥글 개체 틀 3">
             <a:extLst>
               <a:ext uri="{FF2B5EF4-FFF2-40B4-BE49-F238E27FC236}">
-                <a16:creationId xmlns="" xmlns:a16="http://schemas.microsoft.com/office/drawing/2014/main" id="{2F99FB34-90A4-44A0-9CF8-F0BC0FE4AB26}"/>
+                <a16:creationId xmlns:a16="http://schemas.microsoft.com/office/drawing/2014/main" xmlns="" id="{2F99FB34-90A4-44A0-9CF8-F0BC0FE4AB26}"/>
               </a:ext>
             </a:extLst>
           </p:cNvPr>
@@ -2005,7 +2005,7 @@
           <p:cNvPr id="5" name="슬라이드 번호 개체 틀 4">
             <a:extLst>
               <a:ext uri="{FF2B5EF4-FFF2-40B4-BE49-F238E27FC236}">
-                <a16:creationId xmlns="" xmlns:a16="http://schemas.microsoft.com/office/drawing/2014/main" id="{56375702-4955-406C-919C-D35A1B84B474}"/>
+                <a16:creationId xmlns:a16="http://schemas.microsoft.com/office/drawing/2014/main" xmlns="" id="{56375702-4955-406C-919C-D35A1B84B474}"/>
               </a:ext>
             </a:extLst>
           </p:cNvPr>
@@ -2064,7 +2064,7 @@
           <p:cNvPr id="2" name="날짜 개체 틀 1">
             <a:extLst>
               <a:ext uri="{FF2B5EF4-FFF2-40B4-BE49-F238E27FC236}">
-                <a16:creationId xmlns="" xmlns:a16="http://schemas.microsoft.com/office/drawing/2014/main" id="{D76E1BA2-3103-4DB2-AAEB-ED1BAE4527B3}"/>
+                <a16:creationId xmlns:a16="http://schemas.microsoft.com/office/drawing/2014/main" xmlns="" id="{D76E1BA2-3103-4DB2-AAEB-ED1BAE4527B3}"/>
               </a:ext>
             </a:extLst>
           </p:cNvPr>
@@ -2082,7 +2082,7 @@
           <a:p>
             <a:fld id="{246E467A-4026-4A8D-97BF-715EF7FA6491}" type="datetimeFigureOut">
               <a:rPr lang="ko-KR" altLang="en-US" smtClean="0"/>
-              <a:t>2023-03-30</a:t>
+              <a:t>2023-04-06</a:t>
             </a:fld>
             <a:endParaRPr lang="ko-KR" altLang="en-US"/>
           </a:p>
@@ -2093,7 +2093,7 @@
           <p:cNvPr id="3" name="바닥글 개체 틀 2">
             <a:extLst>
               <a:ext uri="{FF2B5EF4-FFF2-40B4-BE49-F238E27FC236}">
-                <a16:creationId xmlns="" xmlns:a16="http://schemas.microsoft.com/office/drawing/2014/main" id="{505D5A54-85CA-45E5-9801-A3F15EEFCC94}"/>
+                <a16:creationId xmlns:a16="http://schemas.microsoft.com/office/drawing/2014/main" xmlns="" id="{505D5A54-85CA-45E5-9801-A3F15EEFCC94}"/>
               </a:ext>
             </a:extLst>
           </p:cNvPr>
@@ -2118,7 +2118,7 @@
           <p:cNvPr id="4" name="슬라이드 번호 개체 틀 3">
             <a:extLst>
               <a:ext uri="{FF2B5EF4-FFF2-40B4-BE49-F238E27FC236}">
-                <a16:creationId xmlns="" xmlns:a16="http://schemas.microsoft.com/office/drawing/2014/main" id="{A812AF2F-D0EC-4C7E-8979-4C17E3F4B44D}"/>
+                <a16:creationId xmlns:a16="http://schemas.microsoft.com/office/drawing/2014/main" xmlns="" id="{A812AF2F-D0EC-4C7E-8979-4C17E3F4B44D}"/>
               </a:ext>
             </a:extLst>
           </p:cNvPr>
@@ -2177,7 +2177,7 @@
           <p:cNvPr id="2" name="제목 1">
             <a:extLst>
               <a:ext uri="{FF2B5EF4-FFF2-40B4-BE49-F238E27FC236}">
-                <a16:creationId xmlns="" xmlns:a16="http://schemas.microsoft.com/office/drawing/2014/main" id="{8C03A167-5C7C-4CD2-A3E4-B6F94583214B}"/>
+                <a16:creationId xmlns:a16="http://schemas.microsoft.com/office/drawing/2014/main" xmlns="" id="{8C03A167-5C7C-4CD2-A3E4-B6F94583214B}"/>
               </a:ext>
             </a:extLst>
           </p:cNvPr>
@@ -2214,7 +2214,7 @@
           <p:cNvPr id="3" name="내용 개체 틀 2">
             <a:extLst>
               <a:ext uri="{FF2B5EF4-FFF2-40B4-BE49-F238E27FC236}">
-                <a16:creationId xmlns="" xmlns:a16="http://schemas.microsoft.com/office/drawing/2014/main" id="{5421CEB6-C525-4AEB-BB3E-B13156901366}"/>
+                <a16:creationId xmlns:a16="http://schemas.microsoft.com/office/drawing/2014/main" xmlns="" id="{5421CEB6-C525-4AEB-BB3E-B13156901366}"/>
               </a:ext>
             </a:extLst>
           </p:cNvPr>
@@ -2304,7 +2304,7 @@
           <p:cNvPr id="4" name="텍스트 개체 틀 3">
             <a:extLst>
               <a:ext uri="{FF2B5EF4-FFF2-40B4-BE49-F238E27FC236}">
-                <a16:creationId xmlns="" xmlns:a16="http://schemas.microsoft.com/office/drawing/2014/main" id="{69296C9A-4472-4D30-BFAE-60CB397B5014}"/>
+                <a16:creationId xmlns:a16="http://schemas.microsoft.com/office/drawing/2014/main" xmlns="" id="{69296C9A-4472-4D30-BFAE-60CB397B5014}"/>
               </a:ext>
             </a:extLst>
           </p:cNvPr>
@@ -2375,7 +2375,7 @@
           <p:cNvPr id="5" name="날짜 개체 틀 4">
             <a:extLst>
               <a:ext uri="{FF2B5EF4-FFF2-40B4-BE49-F238E27FC236}">
-                <a16:creationId xmlns="" xmlns:a16="http://schemas.microsoft.com/office/drawing/2014/main" id="{F44E3F16-D603-4838-BA1C-0C9EEDE4AC92}"/>
+                <a16:creationId xmlns:a16="http://schemas.microsoft.com/office/drawing/2014/main" xmlns="" id="{F44E3F16-D603-4838-BA1C-0C9EEDE4AC92}"/>
               </a:ext>
             </a:extLst>
           </p:cNvPr>
@@ -2393,7 +2393,7 @@
           <a:p>
             <a:fld id="{246E467A-4026-4A8D-97BF-715EF7FA6491}" type="datetimeFigureOut">
               <a:rPr lang="ko-KR" altLang="en-US" smtClean="0"/>
-              <a:t>2023-03-30</a:t>
+              <a:t>2023-04-06</a:t>
             </a:fld>
             <a:endParaRPr lang="ko-KR" altLang="en-US"/>
           </a:p>
@@ -2404,7 +2404,7 @@
           <p:cNvPr id="6" name="바닥글 개체 틀 5">
             <a:extLst>
               <a:ext uri="{FF2B5EF4-FFF2-40B4-BE49-F238E27FC236}">
-                <a16:creationId xmlns="" xmlns:a16="http://schemas.microsoft.com/office/drawing/2014/main" id="{F48873C6-9D3A-4C62-9D46-88E6BAABCBA4}"/>
+                <a16:creationId xmlns:a16="http://schemas.microsoft.com/office/drawing/2014/main" xmlns="" id="{F48873C6-9D3A-4C62-9D46-88E6BAABCBA4}"/>
               </a:ext>
             </a:extLst>
           </p:cNvPr>
@@ -2429,7 +2429,7 @@
           <p:cNvPr id="7" name="슬라이드 번호 개체 틀 6">
             <a:extLst>
               <a:ext uri="{FF2B5EF4-FFF2-40B4-BE49-F238E27FC236}">
-                <a16:creationId xmlns="" xmlns:a16="http://schemas.microsoft.com/office/drawing/2014/main" id="{79A9C646-865F-49F4-8BDD-FB9A4DECA8F3}"/>
+                <a16:creationId xmlns:a16="http://schemas.microsoft.com/office/drawing/2014/main" xmlns="" id="{79A9C646-865F-49F4-8BDD-FB9A4DECA8F3}"/>
               </a:ext>
             </a:extLst>
           </p:cNvPr>
@@ -2488,7 +2488,7 @@
           <p:cNvPr id="2" name="제목 1">
             <a:extLst>
               <a:ext uri="{FF2B5EF4-FFF2-40B4-BE49-F238E27FC236}">
-                <a16:creationId xmlns="" xmlns:a16="http://schemas.microsoft.com/office/drawing/2014/main" id="{E5F258A6-5AAD-4F1F-976F-EDB5FF7254F0}"/>
+                <a16:creationId xmlns:a16="http://schemas.microsoft.com/office/drawing/2014/main" xmlns="" id="{E5F258A6-5AAD-4F1F-976F-EDB5FF7254F0}"/>
               </a:ext>
             </a:extLst>
           </p:cNvPr>
@@ -2525,7 +2525,7 @@
           <p:cNvPr id="3" name="그림 개체 틀 2">
             <a:extLst>
               <a:ext uri="{FF2B5EF4-FFF2-40B4-BE49-F238E27FC236}">
-                <a16:creationId xmlns="" xmlns:a16="http://schemas.microsoft.com/office/drawing/2014/main" id="{D2F4441E-0165-42AA-88F8-E53C4BAAC1DE}"/>
+                <a16:creationId xmlns:a16="http://schemas.microsoft.com/office/drawing/2014/main" xmlns="" id="{D2F4441E-0165-42AA-88F8-E53C4BAAC1DE}"/>
               </a:ext>
             </a:extLst>
           </p:cNvPr>
@@ -2592,7 +2592,7 @@
           <p:cNvPr id="4" name="텍스트 개체 틀 3">
             <a:extLst>
               <a:ext uri="{FF2B5EF4-FFF2-40B4-BE49-F238E27FC236}">
-                <a16:creationId xmlns="" xmlns:a16="http://schemas.microsoft.com/office/drawing/2014/main" id="{5AFCA1E8-0D3C-4590-82E2-D018D6E61D0F}"/>
+                <a16:creationId xmlns:a16="http://schemas.microsoft.com/office/drawing/2014/main" xmlns="" id="{5AFCA1E8-0D3C-4590-82E2-D018D6E61D0F}"/>
               </a:ext>
             </a:extLst>
           </p:cNvPr>
@@ -2663,7 +2663,7 @@
           <p:cNvPr id="5" name="날짜 개체 틀 4">
             <a:extLst>
               <a:ext uri="{FF2B5EF4-FFF2-40B4-BE49-F238E27FC236}">
-                <a16:creationId xmlns="" xmlns:a16="http://schemas.microsoft.com/office/drawing/2014/main" id="{0A674557-7FD9-416C-A8B5-FA6C4B5558AE}"/>
+                <a16:creationId xmlns:a16="http://schemas.microsoft.com/office/drawing/2014/main" xmlns="" id="{0A674557-7FD9-416C-A8B5-FA6C4B5558AE}"/>
               </a:ext>
             </a:extLst>
           </p:cNvPr>
@@ -2681,7 +2681,7 @@
           <a:p>
             <a:fld id="{246E467A-4026-4A8D-97BF-715EF7FA6491}" type="datetimeFigureOut">
               <a:rPr lang="ko-KR" altLang="en-US" smtClean="0"/>
-              <a:t>2023-03-30</a:t>
+              <a:t>2023-04-06</a:t>
             </a:fld>
             <a:endParaRPr lang="ko-KR" altLang="en-US"/>
           </a:p>
@@ -2692,7 +2692,7 @@
           <p:cNvPr id="6" name="바닥글 개체 틀 5">
             <a:extLst>
               <a:ext uri="{FF2B5EF4-FFF2-40B4-BE49-F238E27FC236}">
-                <a16:creationId xmlns="" xmlns:a16="http://schemas.microsoft.com/office/drawing/2014/main" id="{9C4A215C-B55F-4988-B45B-7667E8C7CAF6}"/>
+                <a16:creationId xmlns:a16="http://schemas.microsoft.com/office/drawing/2014/main" xmlns="" id="{9C4A215C-B55F-4988-B45B-7667E8C7CAF6}"/>
               </a:ext>
             </a:extLst>
           </p:cNvPr>
@@ -2717,7 +2717,7 @@
           <p:cNvPr id="7" name="슬라이드 번호 개체 틀 6">
             <a:extLst>
               <a:ext uri="{FF2B5EF4-FFF2-40B4-BE49-F238E27FC236}">
-                <a16:creationId xmlns="" xmlns:a16="http://schemas.microsoft.com/office/drawing/2014/main" id="{82FF3B86-5A48-411F-8090-830140A677FA}"/>
+                <a16:creationId xmlns:a16="http://schemas.microsoft.com/office/drawing/2014/main" xmlns="" id="{82FF3B86-5A48-411F-8090-830140A677FA}"/>
               </a:ext>
             </a:extLst>
           </p:cNvPr>
@@ -2781,7 +2781,7 @@
           <p:cNvPr id="2" name="제목 개체 틀 1">
             <a:extLst>
               <a:ext uri="{FF2B5EF4-FFF2-40B4-BE49-F238E27FC236}">
-                <a16:creationId xmlns="" xmlns:a16="http://schemas.microsoft.com/office/drawing/2014/main" id="{B9DF84FF-C412-430B-963A-695AABF70E5D}"/>
+                <a16:creationId xmlns:a16="http://schemas.microsoft.com/office/drawing/2014/main" xmlns="" id="{B9DF84FF-C412-430B-963A-695AABF70E5D}"/>
               </a:ext>
             </a:extLst>
           </p:cNvPr>
@@ -2819,7 +2819,7 @@
           <p:cNvPr id="3" name="텍스트 개체 틀 2">
             <a:extLst>
               <a:ext uri="{FF2B5EF4-FFF2-40B4-BE49-F238E27FC236}">
-                <a16:creationId xmlns="" xmlns:a16="http://schemas.microsoft.com/office/drawing/2014/main" id="{45EE7982-A999-4B0A-85F1-A0D5C55038DC}"/>
+                <a16:creationId xmlns:a16="http://schemas.microsoft.com/office/drawing/2014/main" xmlns="" id="{45EE7982-A999-4B0A-85F1-A0D5C55038DC}"/>
               </a:ext>
             </a:extLst>
           </p:cNvPr>
@@ -2886,7 +2886,7 @@
           <p:cNvPr id="4" name="날짜 개체 틀 3">
             <a:extLst>
               <a:ext uri="{FF2B5EF4-FFF2-40B4-BE49-F238E27FC236}">
-                <a16:creationId xmlns="" xmlns:a16="http://schemas.microsoft.com/office/drawing/2014/main" id="{3F48EB6A-F091-464F-A783-1AE546A56948}"/>
+                <a16:creationId xmlns:a16="http://schemas.microsoft.com/office/drawing/2014/main" xmlns="" id="{3F48EB6A-F091-464F-A783-1AE546A56948}"/>
               </a:ext>
             </a:extLst>
           </p:cNvPr>
@@ -2922,7 +2922,7 @@
           <a:p>
             <a:fld id="{246E467A-4026-4A8D-97BF-715EF7FA6491}" type="datetimeFigureOut">
               <a:rPr lang="ko-KR" altLang="en-US" smtClean="0"/>
-              <a:t>2023-03-30</a:t>
+              <a:t>2023-04-06</a:t>
             </a:fld>
             <a:endParaRPr lang="ko-KR" altLang="en-US"/>
           </a:p>
@@ -2933,7 +2933,7 @@
           <p:cNvPr id="5" name="바닥글 개체 틀 4">
             <a:extLst>
               <a:ext uri="{FF2B5EF4-FFF2-40B4-BE49-F238E27FC236}">
-                <a16:creationId xmlns="" xmlns:a16="http://schemas.microsoft.com/office/drawing/2014/main" id="{9531D2C7-63D5-4319-952D-A6F8404F460B}"/>
+                <a16:creationId xmlns:a16="http://schemas.microsoft.com/office/drawing/2014/main" xmlns="" id="{9531D2C7-63D5-4319-952D-A6F8404F460B}"/>
               </a:ext>
             </a:extLst>
           </p:cNvPr>
@@ -2976,7 +2976,7 @@
           <p:cNvPr id="6" name="슬라이드 번호 개체 틀 5">
             <a:extLst>
               <a:ext uri="{FF2B5EF4-FFF2-40B4-BE49-F238E27FC236}">
-                <a16:creationId xmlns="" xmlns:a16="http://schemas.microsoft.com/office/drawing/2014/main" id="{7739517A-02D4-4037-9427-974339FE7C30}"/>
+                <a16:creationId xmlns:a16="http://schemas.microsoft.com/office/drawing/2014/main" xmlns="" id="{7739517A-02D4-4037-9427-974339FE7C30}"/>
               </a:ext>
             </a:extLst>
           </p:cNvPr>
@@ -3352,7 +3352,7 @@
           <p:cNvPr id="2" name="TextBox 1">
             <a:extLst>
               <a:ext uri="{FF2B5EF4-FFF2-40B4-BE49-F238E27FC236}">
-                <a16:creationId xmlns="" xmlns:a16="http://schemas.microsoft.com/office/drawing/2014/main" id="{C70C938C-F8B1-4FFF-8F74-6ED0A876B136}"/>
+                <a16:creationId xmlns:a16="http://schemas.microsoft.com/office/drawing/2014/main" xmlns="" id="{C70C938C-F8B1-4FFF-8F74-6ED0A876B136}"/>
               </a:ext>
             </a:extLst>
           </p:cNvPr>
@@ -3393,7 +3393,7 @@
           <p:cNvPr id="3" name="TextBox 2">
             <a:extLst>
               <a:ext uri="{FF2B5EF4-FFF2-40B4-BE49-F238E27FC236}">
-                <a16:creationId xmlns="" xmlns:a16="http://schemas.microsoft.com/office/drawing/2014/main" id="{CC61FC92-B1C1-4C46-ABEF-2B6B78AA5915}"/>
+                <a16:creationId xmlns:a16="http://schemas.microsoft.com/office/drawing/2014/main" xmlns="" id="{CC61FC92-B1C1-4C46-ABEF-2B6B78AA5915}"/>
               </a:ext>
             </a:extLst>
           </p:cNvPr>
@@ -3434,7 +3434,7 @@
           <p:cNvPr id="8" name="그림 7" descr="사람, 서있는, 남자, 착용이(가) 표시된 사진&#10;&#10;자동 생성된 설명">
             <a:extLst>
               <a:ext uri="{FF2B5EF4-FFF2-40B4-BE49-F238E27FC236}">
-                <a16:creationId xmlns="" xmlns:a16="http://schemas.microsoft.com/office/drawing/2014/main" id="{398D98B8-2DFA-8476-B48A-2240354A960C}"/>
+                <a16:creationId xmlns:a16="http://schemas.microsoft.com/office/drawing/2014/main" xmlns="" id="{398D98B8-2DFA-8476-B48A-2240354A960C}"/>
               </a:ext>
             </a:extLst>
           </p:cNvPr>
@@ -3470,7 +3470,7 @@
           <p:cNvPr id="10" name="그림 9" descr="사람이(가) 표시된 사진&#10;&#10;자동 생성된 설명">
             <a:extLst>
               <a:ext uri="{FF2B5EF4-FFF2-40B4-BE49-F238E27FC236}">
-                <a16:creationId xmlns="" xmlns:a16="http://schemas.microsoft.com/office/drawing/2014/main" id="{0BE051E3-CAB7-BCFC-0441-E2FD03007A8D}"/>
+                <a16:creationId xmlns:a16="http://schemas.microsoft.com/office/drawing/2014/main" xmlns="" id="{0BE051E3-CAB7-BCFC-0441-E2FD03007A8D}"/>
               </a:ext>
             </a:extLst>
           </p:cNvPr>
@@ -3506,7 +3506,7 @@
           <p:cNvPr id="12" name="그림 11" descr="사람, 남자, 착용, 서있는이(가) 표시된 사진&#10;&#10;자동 생성된 설명">
             <a:extLst>
               <a:ext uri="{FF2B5EF4-FFF2-40B4-BE49-F238E27FC236}">
-                <a16:creationId xmlns="" xmlns:a16="http://schemas.microsoft.com/office/drawing/2014/main" id="{E9B0AD0F-14A6-F8C1-AEF5-1B01B5CEF846}"/>
+                <a16:creationId xmlns:a16="http://schemas.microsoft.com/office/drawing/2014/main" xmlns="" id="{E9B0AD0F-14A6-F8C1-AEF5-1B01B5CEF846}"/>
               </a:ext>
             </a:extLst>
           </p:cNvPr>
@@ -3584,7 +3584,7 @@
           <p:cNvPr id="3" name="직선 연결선 2">
             <a:extLst>
               <a:ext uri="{FF2B5EF4-FFF2-40B4-BE49-F238E27FC236}">
-                <a16:creationId xmlns="" xmlns:a16="http://schemas.microsoft.com/office/drawing/2014/main" id="{30B7886A-E2C2-47A8-A271-1FD08F52EED0}"/>
+                <a16:creationId xmlns:a16="http://schemas.microsoft.com/office/drawing/2014/main" xmlns="" id="{30B7886A-E2C2-47A8-A271-1FD08F52EED0}"/>
               </a:ext>
             </a:extLst>
           </p:cNvPr>
@@ -3627,7 +3627,7 @@
           <p:cNvPr id="18" name="직선 연결선 17">
             <a:extLst>
               <a:ext uri="{FF2B5EF4-FFF2-40B4-BE49-F238E27FC236}">
-                <a16:creationId xmlns="" xmlns:a16="http://schemas.microsoft.com/office/drawing/2014/main" id="{7911BDFD-7E29-44F7-9ED7-E8F36B51436C}"/>
+                <a16:creationId xmlns:a16="http://schemas.microsoft.com/office/drawing/2014/main" xmlns="" id="{7911BDFD-7E29-44F7-9ED7-E8F36B51436C}"/>
               </a:ext>
             </a:extLst>
           </p:cNvPr>
@@ -3704,141 +3704,18 @@
           </a:p>
         </p:txBody>
       </p:sp>
-      <p:pic>
-        <p:nvPicPr>
-          <p:cNvPr id="1027" name="Picture 3" descr="C:\Users\user\Desktop\trainingdata\반팔\538280_5_220.png"/>
-          <p:cNvPicPr>
-            <a:picLocks noChangeAspect="1" noChangeArrowheads="1"/>
-          </p:cNvPicPr>
-          <p:nvPr/>
-        </p:nvPicPr>
-        <p:blipFill>
-          <a:blip r:embed="rId2" cstate="screen">
-            <a:extLst>
-              <a:ext uri="{28A0092B-C50C-407E-A947-70E740481C1C}">
-                <a14:useLocalDpi xmlns:a14="http://schemas.microsoft.com/office/drawing/2010/main" val="0"/>
-              </a:ext>
-            </a:extLst>
-          </a:blip>
-          <a:srcRect/>
-          <a:stretch>
-            <a:fillRect/>
-          </a:stretch>
-        </p:blipFill>
-        <p:spPr bwMode="auto">
-          <a:xfrm>
-            <a:off x="2492825" y="490296"/>
-            <a:ext cx="2507348" cy="2507348"/>
-          </a:xfrm>
-          <a:prstGeom prst="rect">
-            <a:avLst/>
-          </a:prstGeom>
-          <a:noFill/>
-          <a:extLst>
-            <a:ext uri="{909E8E84-426E-40DD-AFC4-6F175D3DCCD1}">
-              <a14:hiddenFill xmlns:a14="http://schemas.microsoft.com/office/drawing/2010/main">
-                <a:solidFill>
-                  <a:srgbClr val="FFFFFF"/>
-                </a:solidFill>
-              </a14:hiddenFill>
-            </a:ext>
-          </a:extLst>
-        </p:spPr>
-      </p:pic>
-      <p:pic>
-        <p:nvPicPr>
-          <p:cNvPr id="1028" name="Picture 4" descr="C:\Users\user\Desktop\trainingdata\반팔\330099_1_220.png"/>
-          <p:cNvPicPr>
-            <a:picLocks noChangeAspect="1" noChangeArrowheads="1"/>
-          </p:cNvPicPr>
-          <p:nvPr/>
-        </p:nvPicPr>
-        <p:blipFill>
-          <a:blip r:embed="rId3" cstate="screen">
-            <a:extLst>
-              <a:ext uri="{28A0092B-C50C-407E-A947-70E740481C1C}">
-                <a14:useLocalDpi xmlns:a14="http://schemas.microsoft.com/office/drawing/2010/main" val="0"/>
-              </a:ext>
-            </a:extLst>
-          </a:blip>
-          <a:srcRect/>
-          <a:stretch>
-            <a:fillRect/>
-          </a:stretch>
-        </p:blipFill>
-        <p:spPr bwMode="auto">
-          <a:xfrm>
-            <a:off x="2843388" y="3871790"/>
-            <a:ext cx="1795077" cy="1795077"/>
-          </a:xfrm>
-          <a:prstGeom prst="rect">
-            <a:avLst/>
-          </a:prstGeom>
-          <a:noFill/>
-          <a:extLst>
-            <a:ext uri="{909E8E84-426E-40DD-AFC4-6F175D3DCCD1}">
-              <a14:hiddenFill xmlns:a14="http://schemas.microsoft.com/office/drawing/2010/main">
-                <a:solidFill>
-                  <a:srgbClr val="FFFFFF"/>
-                </a:solidFill>
-              </a14:hiddenFill>
-            </a:ext>
-          </a:extLst>
-        </p:spPr>
-      </p:pic>
-      <p:pic>
-        <p:nvPicPr>
-          <p:cNvPr id="1029" name="Picture 5" descr="C:\Users\user\Desktop\Project_AvatarS\Resource\AIInputIMG\반팔\330099_1_220.jpg"/>
-          <p:cNvPicPr>
-            <a:picLocks noChangeAspect="1" noChangeArrowheads="1"/>
-          </p:cNvPicPr>
-          <p:nvPr/>
-        </p:nvPicPr>
-        <p:blipFill>
-          <a:blip r:embed="rId4">
-            <a:extLst>
-              <a:ext uri="{28A0092B-C50C-407E-A947-70E740481C1C}">
-                <a14:useLocalDpi xmlns:a14="http://schemas.microsoft.com/office/drawing/2010/main" val="0"/>
-              </a:ext>
-            </a:extLst>
-          </a:blip>
-          <a:srcRect/>
-          <a:stretch>
-            <a:fillRect/>
-          </a:stretch>
-        </p:blipFill>
-        <p:spPr bwMode="auto">
-          <a:xfrm>
-            <a:off x="610911" y="3620411"/>
-            <a:ext cx="1795698" cy="2154837"/>
-          </a:xfrm>
-          <a:prstGeom prst="rect">
-            <a:avLst/>
-          </a:prstGeom>
-          <a:noFill/>
-          <a:extLst>
-            <a:ext uri="{909E8E84-426E-40DD-AFC4-6F175D3DCCD1}">
-              <a14:hiddenFill xmlns:a14="http://schemas.microsoft.com/office/drawing/2010/main">
-                <a:solidFill>
-                  <a:srgbClr val="FFFFFF"/>
-                </a:solidFill>
-              </a14:hiddenFill>
-            </a:ext>
-          </a:extLst>
-        </p:spPr>
-      </p:pic>
-      <p:sp>
-        <p:nvSpPr>
-          <p:cNvPr id="4" name="오른쪽 화살표 3"/>
+      <p:sp>
+        <p:nvSpPr>
+          <p:cNvPr id="2" name="모서리가 둥근 직사각형 1"/>
           <p:cNvSpPr/>
           <p:nvPr/>
         </p:nvSpPr>
         <p:spPr>
           <a:xfrm>
-            <a:off x="2406609" y="4586254"/>
-            <a:ext cx="362317" cy="366150"/>
+            <a:off x="76200" y="1056216"/>
+            <a:ext cx="5588000" cy="3941233"/>
           </a:xfrm>
-          <a:prstGeom prst="rightArrow">
+          <a:prstGeom prst="roundRect">
             <a:avLst/>
           </a:prstGeom>
           <a:solidFill>
@@ -3875,14 +3752,14 @@
       </p:sp>
       <p:pic>
         <p:nvPicPr>
-          <p:cNvPr id="1031" name="Picture 7" descr="C:\Users\user\Desktop\1.4.JPG"/>
+          <p:cNvPr id="2050" name="Picture 2" descr="C:\Users\user\Desktop\trainingdata\반팔\340497_6_220.png"/>
           <p:cNvPicPr>
             <a:picLocks noChangeAspect="1" noChangeArrowheads="1"/>
           </p:cNvPicPr>
           <p:nvPr/>
         </p:nvPicPr>
         <p:blipFill>
-          <a:blip r:embed="rId5" cstate="screen">
+          <a:blip r:embed="rId2" cstate="screen">
             <a:extLst>
               <a:ext uri="{28A0092B-C50C-407E-A947-70E740481C1C}">
                 <a14:useLocalDpi xmlns:a14="http://schemas.microsoft.com/office/drawing/2010/main" val="0"/>
@@ -3896,8 +3773,8 @@
         </p:blipFill>
         <p:spPr bwMode="auto">
           <a:xfrm>
-            <a:off x="5537199" y="739469"/>
-            <a:ext cx="4798585" cy="2009002"/>
+            <a:off x="741097" y="1056216"/>
+            <a:ext cx="3958697" cy="3958698"/>
           </a:xfrm>
           <a:prstGeom prst="rect">
             <a:avLst/>
@@ -3914,100 +3791,18 @@
           </a:extLst>
         </p:spPr>
       </p:pic>
-      <p:pic>
-        <p:nvPicPr>
-          <p:cNvPr id="1032" name="Picture 8" descr="C:\Users\user\Desktop\1.5.JPG"/>
-          <p:cNvPicPr>
-            <a:picLocks noChangeAspect="1" noChangeArrowheads="1"/>
-          </p:cNvPicPr>
-          <p:nvPr/>
-        </p:nvPicPr>
-        <p:blipFill>
-          <a:blip r:embed="rId6" cstate="screen">
-            <a:extLst>
-              <a:ext uri="{28A0092B-C50C-407E-A947-70E740481C1C}">
-                <a14:useLocalDpi xmlns:a14="http://schemas.microsoft.com/office/drawing/2010/main" val="0"/>
-              </a:ext>
-            </a:extLst>
-          </a:blip>
-          <a:srcRect/>
-          <a:stretch>
-            <a:fillRect/>
-          </a:stretch>
-        </p:blipFill>
-        <p:spPr bwMode="auto">
-          <a:xfrm>
-            <a:off x="5537199" y="2748471"/>
-            <a:ext cx="4953527" cy="2305605"/>
-          </a:xfrm>
-          <a:prstGeom prst="rect">
-            <a:avLst/>
-          </a:prstGeom>
-          <a:noFill/>
-          <a:extLst>
-            <a:ext uri="{909E8E84-426E-40DD-AFC4-6F175D3DCCD1}">
-              <a14:hiddenFill xmlns:a14="http://schemas.microsoft.com/office/drawing/2010/main">
-                <a:solidFill>
-                  <a:srgbClr val="FFFFFF"/>
-                </a:solidFill>
-              </a14:hiddenFill>
-            </a:ext>
-          </a:extLst>
-        </p:spPr>
-      </p:pic>
-      <p:pic>
-        <p:nvPicPr>
-          <p:cNvPr id="1034" name="Picture 10" descr="C:\Users\user\Desktop\Project_AvatarS\Resource\AIInputIMG\반팔\1021715_16758342039397_220.jpg"/>
-          <p:cNvPicPr>
-            <a:picLocks noChangeAspect="1" noChangeArrowheads="1"/>
-          </p:cNvPicPr>
-          <p:nvPr/>
-        </p:nvPicPr>
-        <p:blipFill>
-          <a:blip r:embed="rId7">
-            <a:extLst>
-              <a:ext uri="{28A0092B-C50C-407E-A947-70E740481C1C}">
-                <a14:useLocalDpi xmlns:a14="http://schemas.microsoft.com/office/drawing/2010/main" val="0"/>
-              </a:ext>
-            </a:extLst>
-          </a:blip>
-          <a:srcRect/>
-          <a:stretch>
-            <a:fillRect/>
-          </a:stretch>
-        </p:blipFill>
-        <p:spPr bwMode="auto">
-          <a:xfrm>
-            <a:off x="311109" y="682319"/>
-            <a:ext cx="2095500" cy="2514600"/>
-          </a:xfrm>
-          <a:prstGeom prst="rect">
-            <a:avLst/>
-          </a:prstGeom>
-          <a:noFill/>
-          <a:extLst>
-            <a:ext uri="{909E8E84-426E-40DD-AFC4-6F175D3DCCD1}">
-              <a14:hiddenFill xmlns:a14="http://schemas.microsoft.com/office/drawing/2010/main">
-                <a:solidFill>
-                  <a:srgbClr val="FFFFFF"/>
-                </a:solidFill>
-              </a14:hiddenFill>
-            </a:ext>
-          </a:extLst>
-        </p:spPr>
-      </p:pic>
-      <p:sp>
-        <p:nvSpPr>
-          <p:cNvPr id="6" name="직사각형 5"/>
+      <p:sp>
+        <p:nvSpPr>
+          <p:cNvPr id="16" name="모서리가 둥근 직사각형 15"/>
           <p:cNvSpPr/>
           <p:nvPr/>
         </p:nvSpPr>
         <p:spPr>
           <a:xfrm>
-            <a:off x="311109" y="2914650"/>
-            <a:ext cx="1851475" cy="457200"/>
+            <a:off x="6517217" y="980015"/>
+            <a:ext cx="5588000" cy="3941233"/>
           </a:xfrm>
-          <a:prstGeom prst="rect">
+          <a:prstGeom prst="roundRect">
             <a:avLst/>
           </a:prstGeom>
           <a:solidFill>
@@ -4038,72 +3833,51 @@
           <a:lstStyle/>
           <a:p>
             <a:pPr algn="ctr"/>
-            <a:r>
-              <a:rPr lang="ko-KR" altLang="en-US" dirty="0" smtClean="0"/>
-              <a:t>인풋 이미지</a:t>
-            </a:r>
-            <a:endParaRPr lang="ko-KR" altLang="en-US" dirty="0"/>
-          </a:p>
-        </p:txBody>
-      </p:sp>
-      <p:sp>
-        <p:nvSpPr>
-          <p:cNvPr id="17" name="직사각형 16"/>
-          <p:cNvSpPr/>
+            <a:endParaRPr lang="ko-KR" altLang="en-US"/>
+          </a:p>
+        </p:txBody>
+      </p:sp>
+      <p:pic>
+        <p:nvPicPr>
+          <p:cNvPr id="2051" name="Picture 3" descr="C:\Users\user\Desktop\trainingdata\반팔\검은티.png"/>
+          <p:cNvPicPr>
+            <a:picLocks noChangeAspect="1" noChangeArrowheads="1"/>
+          </p:cNvPicPr>
           <p:nvPr/>
-        </p:nvSpPr>
-        <p:spPr>
+        </p:nvPicPr>
+        <p:blipFill>
+          <a:blip r:embed="rId3" cstate="screen">
+            <a:extLst>
+              <a:ext uri="{28A0092B-C50C-407E-A947-70E740481C1C}">
+                <a14:useLocalDpi xmlns:a14="http://schemas.microsoft.com/office/drawing/2010/main" val="0"/>
+              </a:ext>
+            </a:extLst>
+          </a:blip>
+          <a:srcRect/>
+          <a:stretch>
+            <a:fillRect/>
+          </a:stretch>
+        </p:blipFill>
+        <p:spPr bwMode="auto">
           <a:xfrm>
-            <a:off x="2820761" y="2914650"/>
-            <a:ext cx="1851475" cy="457200"/>
+            <a:off x="7151902" y="1325999"/>
+            <a:ext cx="4318629" cy="3401666"/>
           </a:xfrm>
           <a:prstGeom prst="rect">
             <a:avLst/>
           </a:prstGeom>
-          <a:solidFill>
-            <a:schemeClr val="accent4"/>
-          </a:solidFill>
-          <a:ln>
-            <a:noFill/>
-          </a:ln>
+          <a:noFill/>
+          <a:extLst>
+            <a:ext uri="{909E8E84-426E-40DD-AFC4-6F175D3DCCD1}">
+              <a14:hiddenFill xmlns:a14="http://schemas.microsoft.com/office/drawing/2010/main">
+                <a:solidFill>
+                  <a:srgbClr val="FFFFFF"/>
+                </a:solidFill>
+              </a14:hiddenFill>
+            </a:ext>
+          </a:extLst>
         </p:spPr>
-        <p:style>
-          <a:lnRef idx="2">
-            <a:schemeClr val="accent1">
-              <a:shade val="50000"/>
-            </a:schemeClr>
-          </a:lnRef>
-          <a:fillRef idx="1">
-            <a:schemeClr val="accent1"/>
-          </a:fillRef>
-          <a:effectRef idx="0">
-            <a:schemeClr val="accent1"/>
-          </a:effectRef>
-          <a:fontRef idx="minor">
-            <a:schemeClr val="lt1"/>
-          </a:fontRef>
-        </p:style>
-        <p:txBody>
-          <a:bodyPr rtlCol="0" anchor="ctr"/>
-          <a:lstStyle/>
-          <a:p>
-            <a:pPr algn="ctr"/>
-            <a:r>
-              <a:rPr lang="ko-KR" altLang="en-US" dirty="0" smtClean="0"/>
-              <a:t>아웃</a:t>
-            </a:r>
-            <a:r>
-              <a:rPr lang="ko-KR" altLang="en-US" dirty="0"/>
-              <a:t>풋</a:t>
-            </a:r>
-            <a:r>
-              <a:rPr lang="ko-KR" altLang="en-US" dirty="0" smtClean="0"/>
-              <a:t> 이미지</a:t>
-            </a:r>
-            <a:endParaRPr lang="ko-KR" altLang="en-US" dirty="0"/>
-          </a:p>
-        </p:txBody>
-      </p:sp>
+      </p:pic>
     </p:spTree>
     <p:extLst>
       <p:ext uri="{BB962C8B-B14F-4D97-AF65-F5344CB8AC3E}">
@@ -4158,7 +3932,7 @@
           <p:cNvPr id="3" name="직선 연결선 2">
             <a:extLst>
               <a:ext uri="{FF2B5EF4-FFF2-40B4-BE49-F238E27FC236}">
-                <a16:creationId xmlns="" xmlns:a16="http://schemas.microsoft.com/office/drawing/2014/main" id="{30B7886A-E2C2-47A8-A271-1FD08F52EED0}"/>
+                <a16:creationId xmlns:a16="http://schemas.microsoft.com/office/drawing/2014/main" xmlns="" id="{30B7886A-E2C2-47A8-A271-1FD08F52EED0}"/>
               </a:ext>
             </a:extLst>
           </p:cNvPr>
@@ -4201,7 +3975,7 @@
           <p:cNvPr id="18" name="직선 연결선 17">
             <a:extLst>
               <a:ext uri="{FF2B5EF4-FFF2-40B4-BE49-F238E27FC236}">
-                <a16:creationId xmlns="" xmlns:a16="http://schemas.microsoft.com/office/drawing/2014/main" id="{7911BDFD-7E29-44F7-9ED7-E8F36B51436C}"/>
+                <a16:creationId xmlns:a16="http://schemas.microsoft.com/office/drawing/2014/main" xmlns="" id="{7911BDFD-7E29-44F7-9ED7-E8F36B51436C}"/>
               </a:ext>
             </a:extLst>
           </p:cNvPr>
@@ -4232,6 +4006,93 @@
           </a:fontRef>
         </p:style>
       </p:cxnSp>
+      <p:pic>
+        <p:nvPicPr>
+          <p:cNvPr id="1026" name="Picture 2" descr="C:\Users\user\Desktop\결과1.JPG"/>
+          <p:cNvPicPr>
+            <a:picLocks noChangeAspect="1" noChangeArrowheads="1"/>
+          </p:cNvPicPr>
+          <p:nvPr/>
+        </p:nvPicPr>
+        <p:blipFill>
+          <a:blip r:embed="rId2" cstate="screen">
+            <a:extLst>
+              <a:ext uri="{28A0092B-C50C-407E-A947-70E740481C1C}">
+                <a14:useLocalDpi xmlns:a14="http://schemas.microsoft.com/office/drawing/2010/main" val="0"/>
+              </a:ext>
+            </a:extLst>
+          </a:blip>
+          <a:srcRect/>
+          <a:stretch>
+            <a:fillRect/>
+          </a:stretch>
+        </p:blipFill>
+        <p:spPr bwMode="auto">
+          <a:xfrm>
+            <a:off x="660399" y="772377"/>
+            <a:ext cx="10803467" cy="4968295"/>
+          </a:xfrm>
+          <a:prstGeom prst="rect">
+            <a:avLst/>
+          </a:prstGeom>
+          <a:noFill/>
+          <a:extLst>
+            <a:ext uri="{909E8E84-426E-40DD-AFC4-6F175D3DCCD1}">
+              <a14:hiddenFill xmlns:a14="http://schemas.microsoft.com/office/drawing/2010/main">
+                <a:solidFill>
+                  <a:srgbClr val="FFFFFF"/>
+                </a:solidFill>
+              </a14:hiddenFill>
+            </a:ext>
+          </a:extLst>
+        </p:spPr>
+      </p:pic>
+      <p:sp>
+        <p:nvSpPr>
+          <p:cNvPr id="5" name="TextBox 4"/>
+          <p:cNvSpPr txBox="1"/>
+          <p:nvPr/>
+        </p:nvSpPr>
+        <p:spPr>
+          <a:xfrm>
+            <a:off x="1409236" y="5872664"/>
+            <a:ext cx="9917723" cy="369332"/>
+          </a:xfrm>
+          <a:prstGeom prst="rect">
+            <a:avLst/>
+          </a:prstGeom>
+          <a:noFill/>
+        </p:spPr>
+        <p:txBody>
+          <a:bodyPr wrap="square" rtlCol="0">
+            <a:spAutoFit/>
+          </a:bodyPr>
+          <a:lstStyle/>
+          <a:p>
+            <a:r>
+              <a:rPr lang="en-US" altLang="ko-KR" dirty="0" smtClean="0"/>
+              <a:t>U2net_cloth_seg </a:t>
+            </a:r>
+            <a:r>
+              <a:rPr lang="ko-KR" altLang="en-US" dirty="0" smtClean="0"/>
+              <a:t>사용 및 </a:t>
+            </a:r>
+            <a:r>
+              <a:rPr lang="en-US" altLang="ko-KR" dirty="0" err="1" smtClean="0"/>
+              <a:t>rembg</a:t>
+            </a:r>
+            <a:r>
+              <a:rPr lang="en-US" altLang="ko-KR" dirty="0" smtClean="0"/>
+              <a:t> </a:t>
+            </a:r>
+            <a:r>
+              <a:rPr lang="ko-KR" altLang="en-US" dirty="0" smtClean="0"/>
+              <a:t>최적화</a:t>
+            </a:r>
+            <a:endParaRPr lang="ko-KR" altLang="en-US" dirty="0"/>
+          </a:p>
+        </p:txBody>
+      </p:sp>
     </p:spTree>
     <p:extLst>
       <p:ext uri="{BB962C8B-B14F-4D97-AF65-F5344CB8AC3E}">
@@ -4485,7 +4346,7 @@
   <a:extraClrSchemeLst/>
   <a:extLst>
     <a:ext uri="{05A4C25C-085E-4340-85A3-A5531E510DB2}">
-      <thm15:themeFamily xmlns="" xmlns:thm15="http://schemas.microsoft.com/office/thememl/2012/main" name="Office Theme" id="{62F939B6-93AF-4DB8-9C6B-D6C7DFDC589F}" vid="{4A3C46E8-61CC-4603-A589-7422A47A8E4A}"/>
+      <thm15:themeFamily xmlns:thm15="http://schemas.microsoft.com/office/thememl/2012/main" xmlns="" name="Office Theme" id="{62F939B6-93AF-4DB8-9C6B-D6C7DFDC589F}" vid="{4A3C46E8-61CC-4603-A589-7422A47A8E4A}"/>
     </a:ext>
   </a:extLst>
 </a:theme>

--- a/발표자료/업데이트/LJHPPT.pptx
+++ b/발표자료/업데이트/LJHPPT.pptx
@@ -108,7 +108,7 @@
   </p:defaultTextStyle>
   <p:extLst>
     <p:ext uri="{EFAFB233-063F-42B5-8137-9DF3F51BA10A}">
-      <p15:sldGuideLst xmlns:p15="http://schemas.microsoft.com/office/powerpoint/2012/main" xmlns="">
+      <p15:sldGuideLst xmlns="" xmlns:p15="http://schemas.microsoft.com/office/powerpoint/2012/main">
         <p15:guide id="1" orient="horz" pos="2160" userDrawn="1">
           <p15:clr>
             <a:srgbClr val="A4A3A4"/>
@@ -147,7 +147,7 @@
           <p:cNvPr id="2" name="제목 1">
             <a:extLst>
               <a:ext uri="{FF2B5EF4-FFF2-40B4-BE49-F238E27FC236}">
-                <a16:creationId xmlns:a16="http://schemas.microsoft.com/office/drawing/2014/main" xmlns="" id="{544428E6-48F8-48FF-A4B7-7E67A9EE0B77}"/>
+                <a16:creationId xmlns="" xmlns:a16="http://schemas.microsoft.com/office/drawing/2014/main" id="{544428E6-48F8-48FF-A4B7-7E67A9EE0B77}"/>
               </a:ext>
             </a:extLst>
           </p:cNvPr>
@@ -184,7 +184,7 @@
           <p:cNvPr id="3" name="부제목 2">
             <a:extLst>
               <a:ext uri="{FF2B5EF4-FFF2-40B4-BE49-F238E27FC236}">
-                <a16:creationId xmlns:a16="http://schemas.microsoft.com/office/drawing/2014/main" xmlns="" id="{FBA2431C-BDF3-4534-AED0-115F103A462A}"/>
+                <a16:creationId xmlns="" xmlns:a16="http://schemas.microsoft.com/office/drawing/2014/main" id="{FBA2431C-BDF3-4534-AED0-115F103A462A}"/>
               </a:ext>
             </a:extLst>
           </p:cNvPr>
@@ -254,7 +254,7 @@
           <p:cNvPr id="4" name="날짜 개체 틀 3">
             <a:extLst>
               <a:ext uri="{FF2B5EF4-FFF2-40B4-BE49-F238E27FC236}">
-                <a16:creationId xmlns:a16="http://schemas.microsoft.com/office/drawing/2014/main" xmlns="" id="{420173CB-01B9-4295-A804-D7D5973D6277}"/>
+                <a16:creationId xmlns="" xmlns:a16="http://schemas.microsoft.com/office/drawing/2014/main" id="{420173CB-01B9-4295-A804-D7D5973D6277}"/>
               </a:ext>
             </a:extLst>
           </p:cNvPr>
@@ -272,7 +272,7 @@
           <a:p>
             <a:fld id="{246E467A-4026-4A8D-97BF-715EF7FA6491}" type="datetimeFigureOut">
               <a:rPr lang="ko-KR" altLang="en-US" smtClean="0"/>
-              <a:t>2023-04-06</a:t>
+              <a:t>2023-05-18</a:t>
             </a:fld>
             <a:endParaRPr lang="ko-KR" altLang="en-US"/>
           </a:p>
@@ -283,7 +283,7 @@
           <p:cNvPr id="5" name="바닥글 개체 틀 4">
             <a:extLst>
               <a:ext uri="{FF2B5EF4-FFF2-40B4-BE49-F238E27FC236}">
-                <a16:creationId xmlns:a16="http://schemas.microsoft.com/office/drawing/2014/main" xmlns="" id="{E1C5FE16-77A0-484E-AEFD-FF537292ECD0}"/>
+                <a16:creationId xmlns="" xmlns:a16="http://schemas.microsoft.com/office/drawing/2014/main" id="{E1C5FE16-77A0-484E-AEFD-FF537292ECD0}"/>
               </a:ext>
             </a:extLst>
           </p:cNvPr>
@@ -308,7 +308,7 @@
           <p:cNvPr id="6" name="슬라이드 번호 개체 틀 5">
             <a:extLst>
               <a:ext uri="{FF2B5EF4-FFF2-40B4-BE49-F238E27FC236}">
-                <a16:creationId xmlns:a16="http://schemas.microsoft.com/office/drawing/2014/main" xmlns="" id="{69F3DF25-2E65-49D3-8F6F-64AA11097B17}"/>
+                <a16:creationId xmlns="" xmlns:a16="http://schemas.microsoft.com/office/drawing/2014/main" id="{69F3DF25-2E65-49D3-8F6F-64AA11097B17}"/>
               </a:ext>
             </a:extLst>
           </p:cNvPr>
@@ -367,7 +367,7 @@
           <p:cNvPr id="2" name="제목 1">
             <a:extLst>
               <a:ext uri="{FF2B5EF4-FFF2-40B4-BE49-F238E27FC236}">
-                <a16:creationId xmlns:a16="http://schemas.microsoft.com/office/drawing/2014/main" xmlns="" id="{0E520652-E714-4A15-826F-1B53C7092B68}"/>
+                <a16:creationId xmlns="" xmlns:a16="http://schemas.microsoft.com/office/drawing/2014/main" id="{0E520652-E714-4A15-826F-1B53C7092B68}"/>
               </a:ext>
             </a:extLst>
           </p:cNvPr>
@@ -395,7 +395,7 @@
           <p:cNvPr id="3" name="세로 텍스트 개체 틀 2">
             <a:extLst>
               <a:ext uri="{FF2B5EF4-FFF2-40B4-BE49-F238E27FC236}">
-                <a16:creationId xmlns:a16="http://schemas.microsoft.com/office/drawing/2014/main" xmlns="" id="{1C14771D-DE0A-400C-8C59-8670E31F7094}"/>
+                <a16:creationId xmlns="" xmlns:a16="http://schemas.microsoft.com/office/drawing/2014/main" id="{1C14771D-DE0A-400C-8C59-8670E31F7094}"/>
               </a:ext>
             </a:extLst>
           </p:cNvPr>
@@ -452,7 +452,7 @@
           <p:cNvPr id="4" name="날짜 개체 틀 3">
             <a:extLst>
               <a:ext uri="{FF2B5EF4-FFF2-40B4-BE49-F238E27FC236}">
-                <a16:creationId xmlns:a16="http://schemas.microsoft.com/office/drawing/2014/main" xmlns="" id="{5CBEACB7-48C9-4FB8-8D34-7F4C63932697}"/>
+                <a16:creationId xmlns="" xmlns:a16="http://schemas.microsoft.com/office/drawing/2014/main" id="{5CBEACB7-48C9-4FB8-8D34-7F4C63932697}"/>
               </a:ext>
             </a:extLst>
           </p:cNvPr>
@@ -470,7 +470,7 @@
           <a:p>
             <a:fld id="{246E467A-4026-4A8D-97BF-715EF7FA6491}" type="datetimeFigureOut">
               <a:rPr lang="ko-KR" altLang="en-US" smtClean="0"/>
-              <a:t>2023-04-06</a:t>
+              <a:t>2023-05-18</a:t>
             </a:fld>
             <a:endParaRPr lang="ko-KR" altLang="en-US"/>
           </a:p>
@@ -481,7 +481,7 @@
           <p:cNvPr id="5" name="바닥글 개체 틀 4">
             <a:extLst>
               <a:ext uri="{FF2B5EF4-FFF2-40B4-BE49-F238E27FC236}">
-                <a16:creationId xmlns:a16="http://schemas.microsoft.com/office/drawing/2014/main" xmlns="" id="{5BD31818-B6CD-47B0-9353-395CC53986D6}"/>
+                <a16:creationId xmlns="" xmlns:a16="http://schemas.microsoft.com/office/drawing/2014/main" id="{5BD31818-B6CD-47B0-9353-395CC53986D6}"/>
               </a:ext>
             </a:extLst>
           </p:cNvPr>
@@ -506,7 +506,7 @@
           <p:cNvPr id="6" name="슬라이드 번호 개체 틀 5">
             <a:extLst>
               <a:ext uri="{FF2B5EF4-FFF2-40B4-BE49-F238E27FC236}">
-                <a16:creationId xmlns:a16="http://schemas.microsoft.com/office/drawing/2014/main" xmlns="" id="{BD008922-CAE3-4884-AE59-2BC74144C74C}"/>
+                <a16:creationId xmlns="" xmlns:a16="http://schemas.microsoft.com/office/drawing/2014/main" id="{BD008922-CAE3-4884-AE59-2BC74144C74C}"/>
               </a:ext>
             </a:extLst>
           </p:cNvPr>
@@ -565,7 +565,7 @@
           <p:cNvPr id="2" name="세로 제목 1">
             <a:extLst>
               <a:ext uri="{FF2B5EF4-FFF2-40B4-BE49-F238E27FC236}">
-                <a16:creationId xmlns:a16="http://schemas.microsoft.com/office/drawing/2014/main" xmlns="" id="{A3371B8A-69A6-43D4-8783-6456E33508F7}"/>
+                <a16:creationId xmlns="" xmlns:a16="http://schemas.microsoft.com/office/drawing/2014/main" id="{A3371B8A-69A6-43D4-8783-6456E33508F7}"/>
               </a:ext>
             </a:extLst>
           </p:cNvPr>
@@ -598,7 +598,7 @@
           <p:cNvPr id="3" name="세로 텍스트 개체 틀 2">
             <a:extLst>
               <a:ext uri="{FF2B5EF4-FFF2-40B4-BE49-F238E27FC236}">
-                <a16:creationId xmlns:a16="http://schemas.microsoft.com/office/drawing/2014/main" xmlns="" id="{049DA1AA-3028-44E4-B5B0-C19BF61DC48A}"/>
+                <a16:creationId xmlns="" xmlns:a16="http://schemas.microsoft.com/office/drawing/2014/main" id="{049DA1AA-3028-44E4-B5B0-C19BF61DC48A}"/>
               </a:ext>
             </a:extLst>
           </p:cNvPr>
@@ -660,7 +660,7 @@
           <p:cNvPr id="4" name="날짜 개체 틀 3">
             <a:extLst>
               <a:ext uri="{FF2B5EF4-FFF2-40B4-BE49-F238E27FC236}">
-                <a16:creationId xmlns:a16="http://schemas.microsoft.com/office/drawing/2014/main" xmlns="" id="{ED2BCD8D-3E10-4F33-BC43-EACB05C0B415}"/>
+                <a16:creationId xmlns="" xmlns:a16="http://schemas.microsoft.com/office/drawing/2014/main" id="{ED2BCD8D-3E10-4F33-BC43-EACB05C0B415}"/>
               </a:ext>
             </a:extLst>
           </p:cNvPr>
@@ -678,7 +678,7 @@
           <a:p>
             <a:fld id="{246E467A-4026-4A8D-97BF-715EF7FA6491}" type="datetimeFigureOut">
               <a:rPr lang="ko-KR" altLang="en-US" smtClean="0"/>
-              <a:t>2023-04-06</a:t>
+              <a:t>2023-05-18</a:t>
             </a:fld>
             <a:endParaRPr lang="ko-KR" altLang="en-US"/>
           </a:p>
@@ -689,7 +689,7 @@
           <p:cNvPr id="5" name="바닥글 개체 틀 4">
             <a:extLst>
               <a:ext uri="{FF2B5EF4-FFF2-40B4-BE49-F238E27FC236}">
-                <a16:creationId xmlns:a16="http://schemas.microsoft.com/office/drawing/2014/main" xmlns="" id="{33E365BE-78DE-4079-B7F3-706874E92415}"/>
+                <a16:creationId xmlns="" xmlns:a16="http://schemas.microsoft.com/office/drawing/2014/main" id="{33E365BE-78DE-4079-B7F3-706874E92415}"/>
               </a:ext>
             </a:extLst>
           </p:cNvPr>
@@ -714,7 +714,7 @@
           <p:cNvPr id="6" name="슬라이드 번호 개체 틀 5">
             <a:extLst>
               <a:ext uri="{FF2B5EF4-FFF2-40B4-BE49-F238E27FC236}">
-                <a16:creationId xmlns:a16="http://schemas.microsoft.com/office/drawing/2014/main" xmlns="" id="{6F0D9E52-1AFA-4482-A474-91FF4C5C683A}"/>
+                <a16:creationId xmlns="" xmlns:a16="http://schemas.microsoft.com/office/drawing/2014/main" id="{6F0D9E52-1AFA-4482-A474-91FF4C5C683A}"/>
               </a:ext>
             </a:extLst>
           </p:cNvPr>
@@ -773,7 +773,7 @@
           <p:cNvPr id="2" name="제목 1">
             <a:extLst>
               <a:ext uri="{FF2B5EF4-FFF2-40B4-BE49-F238E27FC236}">
-                <a16:creationId xmlns:a16="http://schemas.microsoft.com/office/drawing/2014/main" xmlns="" id="{60DBF82B-6C4A-4F6E-A362-B2BF3BDC30D7}"/>
+                <a16:creationId xmlns="" xmlns:a16="http://schemas.microsoft.com/office/drawing/2014/main" id="{60DBF82B-6C4A-4F6E-A362-B2BF3BDC30D7}"/>
               </a:ext>
             </a:extLst>
           </p:cNvPr>
@@ -801,7 +801,7 @@
           <p:cNvPr id="3" name="내용 개체 틀 2">
             <a:extLst>
               <a:ext uri="{FF2B5EF4-FFF2-40B4-BE49-F238E27FC236}">
-                <a16:creationId xmlns:a16="http://schemas.microsoft.com/office/drawing/2014/main" xmlns="" id="{BDE6E910-43A6-49D6-A1B5-99E3B0C27E2D}"/>
+                <a16:creationId xmlns="" xmlns:a16="http://schemas.microsoft.com/office/drawing/2014/main" id="{BDE6E910-43A6-49D6-A1B5-99E3B0C27E2D}"/>
               </a:ext>
             </a:extLst>
           </p:cNvPr>
@@ -858,7 +858,7 @@
           <p:cNvPr id="4" name="날짜 개체 틀 3">
             <a:extLst>
               <a:ext uri="{FF2B5EF4-FFF2-40B4-BE49-F238E27FC236}">
-                <a16:creationId xmlns:a16="http://schemas.microsoft.com/office/drawing/2014/main" xmlns="" id="{2F0DB3AC-66C4-4244-9CE9-54D71AA59C90}"/>
+                <a16:creationId xmlns="" xmlns:a16="http://schemas.microsoft.com/office/drawing/2014/main" id="{2F0DB3AC-66C4-4244-9CE9-54D71AA59C90}"/>
               </a:ext>
             </a:extLst>
           </p:cNvPr>
@@ -876,7 +876,7 @@
           <a:p>
             <a:fld id="{246E467A-4026-4A8D-97BF-715EF7FA6491}" type="datetimeFigureOut">
               <a:rPr lang="ko-KR" altLang="en-US" smtClean="0"/>
-              <a:t>2023-04-06</a:t>
+              <a:t>2023-05-18</a:t>
             </a:fld>
             <a:endParaRPr lang="ko-KR" altLang="en-US"/>
           </a:p>
@@ -887,7 +887,7 @@
           <p:cNvPr id="5" name="바닥글 개체 틀 4">
             <a:extLst>
               <a:ext uri="{FF2B5EF4-FFF2-40B4-BE49-F238E27FC236}">
-                <a16:creationId xmlns:a16="http://schemas.microsoft.com/office/drawing/2014/main" xmlns="" id="{3992C886-882E-440B-806C-B06DE5089026}"/>
+                <a16:creationId xmlns="" xmlns:a16="http://schemas.microsoft.com/office/drawing/2014/main" id="{3992C886-882E-440B-806C-B06DE5089026}"/>
               </a:ext>
             </a:extLst>
           </p:cNvPr>
@@ -912,7 +912,7 @@
           <p:cNvPr id="6" name="슬라이드 번호 개체 틀 5">
             <a:extLst>
               <a:ext uri="{FF2B5EF4-FFF2-40B4-BE49-F238E27FC236}">
-                <a16:creationId xmlns:a16="http://schemas.microsoft.com/office/drawing/2014/main" xmlns="" id="{9A9323D2-1426-48F9-A93B-729E72E2B2BB}"/>
+                <a16:creationId xmlns="" xmlns:a16="http://schemas.microsoft.com/office/drawing/2014/main" id="{9A9323D2-1426-48F9-A93B-729E72E2B2BB}"/>
               </a:ext>
             </a:extLst>
           </p:cNvPr>
@@ -971,7 +971,7 @@
           <p:cNvPr id="2" name="제목 1">
             <a:extLst>
               <a:ext uri="{FF2B5EF4-FFF2-40B4-BE49-F238E27FC236}">
-                <a16:creationId xmlns:a16="http://schemas.microsoft.com/office/drawing/2014/main" xmlns="" id="{7153C500-C8D9-4EBC-AC73-9F7D65F03E32}"/>
+                <a16:creationId xmlns="" xmlns:a16="http://schemas.microsoft.com/office/drawing/2014/main" id="{7153C500-C8D9-4EBC-AC73-9F7D65F03E32}"/>
               </a:ext>
             </a:extLst>
           </p:cNvPr>
@@ -1008,7 +1008,7 @@
           <p:cNvPr id="3" name="텍스트 개체 틀 2">
             <a:extLst>
               <a:ext uri="{FF2B5EF4-FFF2-40B4-BE49-F238E27FC236}">
-                <a16:creationId xmlns:a16="http://schemas.microsoft.com/office/drawing/2014/main" xmlns="" id="{4E56CD17-259A-42E8-B64F-04C51B7C1C5F}"/>
+                <a16:creationId xmlns="" xmlns:a16="http://schemas.microsoft.com/office/drawing/2014/main" id="{4E56CD17-259A-42E8-B64F-04C51B7C1C5F}"/>
               </a:ext>
             </a:extLst>
           </p:cNvPr>
@@ -1133,7 +1133,7 @@
           <p:cNvPr id="4" name="날짜 개체 틀 3">
             <a:extLst>
               <a:ext uri="{FF2B5EF4-FFF2-40B4-BE49-F238E27FC236}">
-                <a16:creationId xmlns:a16="http://schemas.microsoft.com/office/drawing/2014/main" xmlns="" id="{CE976CE5-8C59-42A2-A597-465DEAC8E5A7}"/>
+                <a16:creationId xmlns="" xmlns:a16="http://schemas.microsoft.com/office/drawing/2014/main" id="{CE976CE5-8C59-42A2-A597-465DEAC8E5A7}"/>
               </a:ext>
             </a:extLst>
           </p:cNvPr>
@@ -1151,7 +1151,7 @@
           <a:p>
             <a:fld id="{246E467A-4026-4A8D-97BF-715EF7FA6491}" type="datetimeFigureOut">
               <a:rPr lang="ko-KR" altLang="en-US" smtClean="0"/>
-              <a:t>2023-04-06</a:t>
+              <a:t>2023-05-18</a:t>
             </a:fld>
             <a:endParaRPr lang="ko-KR" altLang="en-US"/>
           </a:p>
@@ -1162,7 +1162,7 @@
           <p:cNvPr id="5" name="바닥글 개체 틀 4">
             <a:extLst>
               <a:ext uri="{FF2B5EF4-FFF2-40B4-BE49-F238E27FC236}">
-                <a16:creationId xmlns:a16="http://schemas.microsoft.com/office/drawing/2014/main" xmlns="" id="{742312C6-1DCE-41BC-B5FA-FCFF5BE3B9E6}"/>
+                <a16:creationId xmlns="" xmlns:a16="http://schemas.microsoft.com/office/drawing/2014/main" id="{742312C6-1DCE-41BC-B5FA-FCFF5BE3B9E6}"/>
               </a:ext>
             </a:extLst>
           </p:cNvPr>
@@ -1187,7 +1187,7 @@
           <p:cNvPr id="6" name="슬라이드 번호 개체 틀 5">
             <a:extLst>
               <a:ext uri="{FF2B5EF4-FFF2-40B4-BE49-F238E27FC236}">
-                <a16:creationId xmlns:a16="http://schemas.microsoft.com/office/drawing/2014/main" xmlns="" id="{664339A5-69DC-4256-84CA-F160D48ED02B}"/>
+                <a16:creationId xmlns="" xmlns:a16="http://schemas.microsoft.com/office/drawing/2014/main" id="{664339A5-69DC-4256-84CA-F160D48ED02B}"/>
               </a:ext>
             </a:extLst>
           </p:cNvPr>
@@ -1246,7 +1246,7 @@
           <p:cNvPr id="2" name="제목 1">
             <a:extLst>
               <a:ext uri="{FF2B5EF4-FFF2-40B4-BE49-F238E27FC236}">
-                <a16:creationId xmlns:a16="http://schemas.microsoft.com/office/drawing/2014/main" xmlns="" id="{BCF37A4D-E01E-45A7-B166-73EE7826C0E7}"/>
+                <a16:creationId xmlns="" xmlns:a16="http://schemas.microsoft.com/office/drawing/2014/main" id="{BCF37A4D-E01E-45A7-B166-73EE7826C0E7}"/>
               </a:ext>
             </a:extLst>
           </p:cNvPr>
@@ -1274,7 +1274,7 @@
           <p:cNvPr id="3" name="내용 개체 틀 2">
             <a:extLst>
               <a:ext uri="{FF2B5EF4-FFF2-40B4-BE49-F238E27FC236}">
-                <a16:creationId xmlns:a16="http://schemas.microsoft.com/office/drawing/2014/main" xmlns="" id="{A70D6757-7DA6-452C-9903-7536978F1556}"/>
+                <a16:creationId xmlns="" xmlns:a16="http://schemas.microsoft.com/office/drawing/2014/main" id="{A70D6757-7DA6-452C-9903-7536978F1556}"/>
               </a:ext>
             </a:extLst>
           </p:cNvPr>
@@ -1336,7 +1336,7 @@
           <p:cNvPr id="4" name="내용 개체 틀 3">
             <a:extLst>
               <a:ext uri="{FF2B5EF4-FFF2-40B4-BE49-F238E27FC236}">
-                <a16:creationId xmlns:a16="http://schemas.microsoft.com/office/drawing/2014/main" xmlns="" id="{23DCC3C8-286B-4184-8752-32BC3B116B8E}"/>
+                <a16:creationId xmlns="" xmlns:a16="http://schemas.microsoft.com/office/drawing/2014/main" id="{23DCC3C8-286B-4184-8752-32BC3B116B8E}"/>
               </a:ext>
             </a:extLst>
           </p:cNvPr>
@@ -1398,7 +1398,7 @@
           <p:cNvPr id="5" name="날짜 개체 틀 4">
             <a:extLst>
               <a:ext uri="{FF2B5EF4-FFF2-40B4-BE49-F238E27FC236}">
-                <a16:creationId xmlns:a16="http://schemas.microsoft.com/office/drawing/2014/main" xmlns="" id="{7ECA751A-C45B-42C8-893F-826B22E76CF6}"/>
+                <a16:creationId xmlns="" xmlns:a16="http://schemas.microsoft.com/office/drawing/2014/main" id="{7ECA751A-C45B-42C8-893F-826B22E76CF6}"/>
               </a:ext>
             </a:extLst>
           </p:cNvPr>
@@ -1416,7 +1416,7 @@
           <a:p>
             <a:fld id="{246E467A-4026-4A8D-97BF-715EF7FA6491}" type="datetimeFigureOut">
               <a:rPr lang="ko-KR" altLang="en-US" smtClean="0"/>
-              <a:t>2023-04-06</a:t>
+              <a:t>2023-05-18</a:t>
             </a:fld>
             <a:endParaRPr lang="ko-KR" altLang="en-US"/>
           </a:p>
@@ -1427,7 +1427,7 @@
           <p:cNvPr id="6" name="바닥글 개체 틀 5">
             <a:extLst>
               <a:ext uri="{FF2B5EF4-FFF2-40B4-BE49-F238E27FC236}">
-                <a16:creationId xmlns:a16="http://schemas.microsoft.com/office/drawing/2014/main" xmlns="" id="{9F77210C-0EDE-42F3-A19F-12B3884B4393}"/>
+                <a16:creationId xmlns="" xmlns:a16="http://schemas.microsoft.com/office/drawing/2014/main" id="{9F77210C-0EDE-42F3-A19F-12B3884B4393}"/>
               </a:ext>
             </a:extLst>
           </p:cNvPr>
@@ -1452,7 +1452,7 @@
           <p:cNvPr id="7" name="슬라이드 번호 개체 틀 6">
             <a:extLst>
               <a:ext uri="{FF2B5EF4-FFF2-40B4-BE49-F238E27FC236}">
-                <a16:creationId xmlns:a16="http://schemas.microsoft.com/office/drawing/2014/main" xmlns="" id="{3215D590-E2D2-480C-AF73-67D855C553CB}"/>
+                <a16:creationId xmlns="" xmlns:a16="http://schemas.microsoft.com/office/drawing/2014/main" id="{3215D590-E2D2-480C-AF73-67D855C553CB}"/>
               </a:ext>
             </a:extLst>
           </p:cNvPr>
@@ -1511,7 +1511,7 @@
           <p:cNvPr id="2" name="제목 1">
             <a:extLst>
               <a:ext uri="{FF2B5EF4-FFF2-40B4-BE49-F238E27FC236}">
-                <a16:creationId xmlns:a16="http://schemas.microsoft.com/office/drawing/2014/main" xmlns="" id="{E1E3AF97-024B-4EF1-B5B6-2E362F07CDB3}"/>
+                <a16:creationId xmlns="" xmlns:a16="http://schemas.microsoft.com/office/drawing/2014/main" id="{E1E3AF97-024B-4EF1-B5B6-2E362F07CDB3}"/>
               </a:ext>
             </a:extLst>
           </p:cNvPr>
@@ -1544,7 +1544,7 @@
           <p:cNvPr id="3" name="텍스트 개체 틀 2">
             <a:extLst>
               <a:ext uri="{FF2B5EF4-FFF2-40B4-BE49-F238E27FC236}">
-                <a16:creationId xmlns:a16="http://schemas.microsoft.com/office/drawing/2014/main" xmlns="" id="{2B41334B-2AA0-4E32-9445-B691EAB2831F}"/>
+                <a16:creationId xmlns="" xmlns:a16="http://schemas.microsoft.com/office/drawing/2014/main" id="{2B41334B-2AA0-4E32-9445-B691EAB2831F}"/>
               </a:ext>
             </a:extLst>
           </p:cNvPr>
@@ -1615,7 +1615,7 @@
           <p:cNvPr id="4" name="내용 개체 틀 3">
             <a:extLst>
               <a:ext uri="{FF2B5EF4-FFF2-40B4-BE49-F238E27FC236}">
-                <a16:creationId xmlns:a16="http://schemas.microsoft.com/office/drawing/2014/main" xmlns="" id="{BDB62D6F-224F-4433-9752-11A255D323D4}"/>
+                <a16:creationId xmlns="" xmlns:a16="http://schemas.microsoft.com/office/drawing/2014/main" id="{BDB62D6F-224F-4433-9752-11A255D323D4}"/>
               </a:ext>
             </a:extLst>
           </p:cNvPr>
@@ -1677,7 +1677,7 @@
           <p:cNvPr id="5" name="텍스트 개체 틀 4">
             <a:extLst>
               <a:ext uri="{FF2B5EF4-FFF2-40B4-BE49-F238E27FC236}">
-                <a16:creationId xmlns:a16="http://schemas.microsoft.com/office/drawing/2014/main" xmlns="" id="{DD04EE0E-6C7E-4160-86AA-136E97F9FD62}"/>
+                <a16:creationId xmlns="" xmlns:a16="http://schemas.microsoft.com/office/drawing/2014/main" id="{DD04EE0E-6C7E-4160-86AA-136E97F9FD62}"/>
               </a:ext>
             </a:extLst>
           </p:cNvPr>
@@ -1748,7 +1748,7 @@
           <p:cNvPr id="6" name="내용 개체 틀 5">
             <a:extLst>
               <a:ext uri="{FF2B5EF4-FFF2-40B4-BE49-F238E27FC236}">
-                <a16:creationId xmlns:a16="http://schemas.microsoft.com/office/drawing/2014/main" xmlns="" id="{1B390FB9-7573-4784-A2A4-EDF1B3C59FF4}"/>
+                <a16:creationId xmlns="" xmlns:a16="http://schemas.microsoft.com/office/drawing/2014/main" id="{1B390FB9-7573-4784-A2A4-EDF1B3C59FF4}"/>
               </a:ext>
             </a:extLst>
           </p:cNvPr>
@@ -1810,7 +1810,7 @@
           <p:cNvPr id="7" name="날짜 개체 틀 6">
             <a:extLst>
               <a:ext uri="{FF2B5EF4-FFF2-40B4-BE49-F238E27FC236}">
-                <a16:creationId xmlns:a16="http://schemas.microsoft.com/office/drawing/2014/main" xmlns="" id="{F464B30B-9C6A-4C96-8DB5-BCE9A09F77BB}"/>
+                <a16:creationId xmlns="" xmlns:a16="http://schemas.microsoft.com/office/drawing/2014/main" id="{F464B30B-9C6A-4C96-8DB5-BCE9A09F77BB}"/>
               </a:ext>
             </a:extLst>
           </p:cNvPr>
@@ -1828,7 +1828,7 @@
           <a:p>
             <a:fld id="{246E467A-4026-4A8D-97BF-715EF7FA6491}" type="datetimeFigureOut">
               <a:rPr lang="ko-KR" altLang="en-US" smtClean="0"/>
-              <a:t>2023-04-06</a:t>
+              <a:t>2023-05-18</a:t>
             </a:fld>
             <a:endParaRPr lang="ko-KR" altLang="en-US"/>
           </a:p>
@@ -1839,7 +1839,7 @@
           <p:cNvPr id="8" name="바닥글 개체 틀 7">
             <a:extLst>
               <a:ext uri="{FF2B5EF4-FFF2-40B4-BE49-F238E27FC236}">
-                <a16:creationId xmlns:a16="http://schemas.microsoft.com/office/drawing/2014/main" xmlns="" id="{16A11AC4-2315-46FE-81A4-FE4B843497D9}"/>
+                <a16:creationId xmlns="" xmlns:a16="http://schemas.microsoft.com/office/drawing/2014/main" id="{16A11AC4-2315-46FE-81A4-FE4B843497D9}"/>
               </a:ext>
             </a:extLst>
           </p:cNvPr>
@@ -1864,7 +1864,7 @@
           <p:cNvPr id="9" name="슬라이드 번호 개체 틀 8">
             <a:extLst>
               <a:ext uri="{FF2B5EF4-FFF2-40B4-BE49-F238E27FC236}">
-                <a16:creationId xmlns:a16="http://schemas.microsoft.com/office/drawing/2014/main" xmlns="" id="{DC2D39CB-CB92-40B8-9B0C-3FBBBDF9DDF4}"/>
+                <a16:creationId xmlns="" xmlns:a16="http://schemas.microsoft.com/office/drawing/2014/main" id="{DC2D39CB-CB92-40B8-9B0C-3FBBBDF9DDF4}"/>
               </a:ext>
             </a:extLst>
           </p:cNvPr>
@@ -1923,7 +1923,7 @@
           <p:cNvPr id="2" name="제목 1">
             <a:extLst>
               <a:ext uri="{FF2B5EF4-FFF2-40B4-BE49-F238E27FC236}">
-                <a16:creationId xmlns:a16="http://schemas.microsoft.com/office/drawing/2014/main" xmlns="" id="{90E32E25-F5B3-41EE-BD3B-6965721B8BFA}"/>
+                <a16:creationId xmlns="" xmlns:a16="http://schemas.microsoft.com/office/drawing/2014/main" id="{90E32E25-F5B3-41EE-BD3B-6965721B8BFA}"/>
               </a:ext>
             </a:extLst>
           </p:cNvPr>
@@ -1951,7 +1951,7 @@
           <p:cNvPr id="3" name="날짜 개체 틀 2">
             <a:extLst>
               <a:ext uri="{FF2B5EF4-FFF2-40B4-BE49-F238E27FC236}">
-                <a16:creationId xmlns:a16="http://schemas.microsoft.com/office/drawing/2014/main" xmlns="" id="{0CFE1863-7C02-424B-AF80-CDB396716C6B}"/>
+                <a16:creationId xmlns="" xmlns:a16="http://schemas.microsoft.com/office/drawing/2014/main" id="{0CFE1863-7C02-424B-AF80-CDB396716C6B}"/>
               </a:ext>
             </a:extLst>
           </p:cNvPr>
@@ -1969,7 +1969,7 @@
           <a:p>
             <a:fld id="{246E467A-4026-4A8D-97BF-715EF7FA6491}" type="datetimeFigureOut">
               <a:rPr lang="ko-KR" altLang="en-US" smtClean="0"/>
-              <a:t>2023-04-06</a:t>
+              <a:t>2023-05-18</a:t>
             </a:fld>
             <a:endParaRPr lang="ko-KR" altLang="en-US"/>
           </a:p>
@@ -1980,7 +1980,7 @@
           <p:cNvPr id="4" name="바닥글 개체 틀 3">
             <a:extLst>
               <a:ext uri="{FF2B5EF4-FFF2-40B4-BE49-F238E27FC236}">
-                <a16:creationId xmlns:a16="http://schemas.microsoft.com/office/drawing/2014/main" xmlns="" id="{2F99FB34-90A4-44A0-9CF8-F0BC0FE4AB26}"/>
+                <a16:creationId xmlns="" xmlns:a16="http://schemas.microsoft.com/office/drawing/2014/main" id="{2F99FB34-90A4-44A0-9CF8-F0BC0FE4AB26}"/>
               </a:ext>
             </a:extLst>
           </p:cNvPr>
@@ -2005,7 +2005,7 @@
           <p:cNvPr id="5" name="슬라이드 번호 개체 틀 4">
             <a:extLst>
               <a:ext uri="{FF2B5EF4-FFF2-40B4-BE49-F238E27FC236}">
-                <a16:creationId xmlns:a16="http://schemas.microsoft.com/office/drawing/2014/main" xmlns="" id="{56375702-4955-406C-919C-D35A1B84B474}"/>
+                <a16:creationId xmlns="" xmlns:a16="http://schemas.microsoft.com/office/drawing/2014/main" id="{56375702-4955-406C-919C-D35A1B84B474}"/>
               </a:ext>
             </a:extLst>
           </p:cNvPr>
@@ -2064,7 +2064,7 @@
           <p:cNvPr id="2" name="날짜 개체 틀 1">
             <a:extLst>
               <a:ext uri="{FF2B5EF4-FFF2-40B4-BE49-F238E27FC236}">
-                <a16:creationId xmlns:a16="http://schemas.microsoft.com/office/drawing/2014/main" xmlns="" id="{D76E1BA2-3103-4DB2-AAEB-ED1BAE4527B3}"/>
+                <a16:creationId xmlns="" xmlns:a16="http://schemas.microsoft.com/office/drawing/2014/main" id="{D76E1BA2-3103-4DB2-AAEB-ED1BAE4527B3}"/>
               </a:ext>
             </a:extLst>
           </p:cNvPr>
@@ -2082,7 +2082,7 @@
           <a:p>
             <a:fld id="{246E467A-4026-4A8D-97BF-715EF7FA6491}" type="datetimeFigureOut">
               <a:rPr lang="ko-KR" altLang="en-US" smtClean="0"/>
-              <a:t>2023-04-06</a:t>
+              <a:t>2023-05-18</a:t>
             </a:fld>
             <a:endParaRPr lang="ko-KR" altLang="en-US"/>
           </a:p>
@@ -2093,7 +2093,7 @@
           <p:cNvPr id="3" name="바닥글 개체 틀 2">
             <a:extLst>
               <a:ext uri="{FF2B5EF4-FFF2-40B4-BE49-F238E27FC236}">
-                <a16:creationId xmlns:a16="http://schemas.microsoft.com/office/drawing/2014/main" xmlns="" id="{505D5A54-85CA-45E5-9801-A3F15EEFCC94}"/>
+                <a16:creationId xmlns="" xmlns:a16="http://schemas.microsoft.com/office/drawing/2014/main" id="{505D5A54-85CA-45E5-9801-A3F15EEFCC94}"/>
               </a:ext>
             </a:extLst>
           </p:cNvPr>
@@ -2118,7 +2118,7 @@
           <p:cNvPr id="4" name="슬라이드 번호 개체 틀 3">
             <a:extLst>
               <a:ext uri="{FF2B5EF4-FFF2-40B4-BE49-F238E27FC236}">
-                <a16:creationId xmlns:a16="http://schemas.microsoft.com/office/drawing/2014/main" xmlns="" id="{A812AF2F-D0EC-4C7E-8979-4C17E3F4B44D}"/>
+                <a16:creationId xmlns="" xmlns:a16="http://schemas.microsoft.com/office/drawing/2014/main" id="{A812AF2F-D0EC-4C7E-8979-4C17E3F4B44D}"/>
               </a:ext>
             </a:extLst>
           </p:cNvPr>
@@ -2177,7 +2177,7 @@
           <p:cNvPr id="2" name="제목 1">
             <a:extLst>
               <a:ext uri="{FF2B5EF4-FFF2-40B4-BE49-F238E27FC236}">
-                <a16:creationId xmlns:a16="http://schemas.microsoft.com/office/drawing/2014/main" xmlns="" id="{8C03A167-5C7C-4CD2-A3E4-B6F94583214B}"/>
+                <a16:creationId xmlns="" xmlns:a16="http://schemas.microsoft.com/office/drawing/2014/main" id="{8C03A167-5C7C-4CD2-A3E4-B6F94583214B}"/>
               </a:ext>
             </a:extLst>
           </p:cNvPr>
@@ -2214,7 +2214,7 @@
           <p:cNvPr id="3" name="내용 개체 틀 2">
             <a:extLst>
               <a:ext uri="{FF2B5EF4-FFF2-40B4-BE49-F238E27FC236}">
-                <a16:creationId xmlns:a16="http://schemas.microsoft.com/office/drawing/2014/main" xmlns="" id="{5421CEB6-C525-4AEB-BB3E-B13156901366}"/>
+                <a16:creationId xmlns="" xmlns:a16="http://schemas.microsoft.com/office/drawing/2014/main" id="{5421CEB6-C525-4AEB-BB3E-B13156901366}"/>
               </a:ext>
             </a:extLst>
           </p:cNvPr>
@@ -2304,7 +2304,7 @@
           <p:cNvPr id="4" name="텍스트 개체 틀 3">
             <a:extLst>
               <a:ext uri="{FF2B5EF4-FFF2-40B4-BE49-F238E27FC236}">
-                <a16:creationId xmlns:a16="http://schemas.microsoft.com/office/drawing/2014/main" xmlns="" id="{69296C9A-4472-4D30-BFAE-60CB397B5014}"/>
+                <a16:creationId xmlns="" xmlns:a16="http://schemas.microsoft.com/office/drawing/2014/main" id="{69296C9A-4472-4D30-BFAE-60CB397B5014}"/>
               </a:ext>
             </a:extLst>
           </p:cNvPr>
@@ -2375,7 +2375,7 @@
           <p:cNvPr id="5" name="날짜 개체 틀 4">
             <a:extLst>
               <a:ext uri="{FF2B5EF4-FFF2-40B4-BE49-F238E27FC236}">
-                <a16:creationId xmlns:a16="http://schemas.microsoft.com/office/drawing/2014/main" xmlns="" id="{F44E3F16-D603-4838-BA1C-0C9EEDE4AC92}"/>
+                <a16:creationId xmlns="" xmlns:a16="http://schemas.microsoft.com/office/drawing/2014/main" id="{F44E3F16-D603-4838-BA1C-0C9EEDE4AC92}"/>
               </a:ext>
             </a:extLst>
           </p:cNvPr>
@@ -2393,7 +2393,7 @@
           <a:p>
             <a:fld id="{246E467A-4026-4A8D-97BF-715EF7FA6491}" type="datetimeFigureOut">
               <a:rPr lang="ko-KR" altLang="en-US" smtClean="0"/>
-              <a:t>2023-04-06</a:t>
+              <a:t>2023-05-18</a:t>
             </a:fld>
             <a:endParaRPr lang="ko-KR" altLang="en-US"/>
           </a:p>
@@ -2404,7 +2404,7 @@
           <p:cNvPr id="6" name="바닥글 개체 틀 5">
             <a:extLst>
               <a:ext uri="{FF2B5EF4-FFF2-40B4-BE49-F238E27FC236}">
-                <a16:creationId xmlns:a16="http://schemas.microsoft.com/office/drawing/2014/main" xmlns="" id="{F48873C6-9D3A-4C62-9D46-88E6BAABCBA4}"/>
+                <a16:creationId xmlns="" xmlns:a16="http://schemas.microsoft.com/office/drawing/2014/main" id="{F48873C6-9D3A-4C62-9D46-88E6BAABCBA4}"/>
               </a:ext>
             </a:extLst>
           </p:cNvPr>
@@ -2429,7 +2429,7 @@
           <p:cNvPr id="7" name="슬라이드 번호 개체 틀 6">
             <a:extLst>
               <a:ext uri="{FF2B5EF4-FFF2-40B4-BE49-F238E27FC236}">
-                <a16:creationId xmlns:a16="http://schemas.microsoft.com/office/drawing/2014/main" xmlns="" id="{79A9C646-865F-49F4-8BDD-FB9A4DECA8F3}"/>
+                <a16:creationId xmlns="" xmlns:a16="http://schemas.microsoft.com/office/drawing/2014/main" id="{79A9C646-865F-49F4-8BDD-FB9A4DECA8F3}"/>
               </a:ext>
             </a:extLst>
           </p:cNvPr>
@@ -2488,7 +2488,7 @@
           <p:cNvPr id="2" name="제목 1">
             <a:extLst>
               <a:ext uri="{FF2B5EF4-FFF2-40B4-BE49-F238E27FC236}">
-                <a16:creationId xmlns:a16="http://schemas.microsoft.com/office/drawing/2014/main" xmlns="" id="{E5F258A6-5AAD-4F1F-976F-EDB5FF7254F0}"/>
+                <a16:creationId xmlns="" xmlns:a16="http://schemas.microsoft.com/office/drawing/2014/main" id="{E5F258A6-5AAD-4F1F-976F-EDB5FF7254F0}"/>
               </a:ext>
             </a:extLst>
           </p:cNvPr>
@@ -2525,7 +2525,7 @@
           <p:cNvPr id="3" name="그림 개체 틀 2">
             <a:extLst>
               <a:ext uri="{FF2B5EF4-FFF2-40B4-BE49-F238E27FC236}">
-                <a16:creationId xmlns:a16="http://schemas.microsoft.com/office/drawing/2014/main" xmlns="" id="{D2F4441E-0165-42AA-88F8-E53C4BAAC1DE}"/>
+                <a16:creationId xmlns="" xmlns:a16="http://schemas.microsoft.com/office/drawing/2014/main" id="{D2F4441E-0165-42AA-88F8-E53C4BAAC1DE}"/>
               </a:ext>
             </a:extLst>
           </p:cNvPr>
@@ -2592,7 +2592,7 @@
           <p:cNvPr id="4" name="텍스트 개체 틀 3">
             <a:extLst>
               <a:ext uri="{FF2B5EF4-FFF2-40B4-BE49-F238E27FC236}">
-                <a16:creationId xmlns:a16="http://schemas.microsoft.com/office/drawing/2014/main" xmlns="" id="{5AFCA1E8-0D3C-4590-82E2-D018D6E61D0F}"/>
+                <a16:creationId xmlns="" xmlns:a16="http://schemas.microsoft.com/office/drawing/2014/main" id="{5AFCA1E8-0D3C-4590-82E2-D018D6E61D0F}"/>
               </a:ext>
             </a:extLst>
           </p:cNvPr>
@@ -2663,7 +2663,7 @@
           <p:cNvPr id="5" name="날짜 개체 틀 4">
             <a:extLst>
               <a:ext uri="{FF2B5EF4-FFF2-40B4-BE49-F238E27FC236}">
-                <a16:creationId xmlns:a16="http://schemas.microsoft.com/office/drawing/2014/main" xmlns="" id="{0A674557-7FD9-416C-A8B5-FA6C4B5558AE}"/>
+                <a16:creationId xmlns="" xmlns:a16="http://schemas.microsoft.com/office/drawing/2014/main" id="{0A674557-7FD9-416C-A8B5-FA6C4B5558AE}"/>
               </a:ext>
             </a:extLst>
           </p:cNvPr>
@@ -2681,7 +2681,7 @@
           <a:p>
             <a:fld id="{246E467A-4026-4A8D-97BF-715EF7FA6491}" type="datetimeFigureOut">
               <a:rPr lang="ko-KR" altLang="en-US" smtClean="0"/>
-              <a:t>2023-04-06</a:t>
+              <a:t>2023-05-18</a:t>
             </a:fld>
             <a:endParaRPr lang="ko-KR" altLang="en-US"/>
           </a:p>
@@ -2692,7 +2692,7 @@
           <p:cNvPr id="6" name="바닥글 개체 틀 5">
             <a:extLst>
               <a:ext uri="{FF2B5EF4-FFF2-40B4-BE49-F238E27FC236}">
-                <a16:creationId xmlns:a16="http://schemas.microsoft.com/office/drawing/2014/main" xmlns="" id="{9C4A215C-B55F-4988-B45B-7667E8C7CAF6}"/>
+                <a16:creationId xmlns="" xmlns:a16="http://schemas.microsoft.com/office/drawing/2014/main" id="{9C4A215C-B55F-4988-B45B-7667E8C7CAF6}"/>
               </a:ext>
             </a:extLst>
           </p:cNvPr>
@@ -2717,7 +2717,7 @@
           <p:cNvPr id="7" name="슬라이드 번호 개체 틀 6">
             <a:extLst>
               <a:ext uri="{FF2B5EF4-FFF2-40B4-BE49-F238E27FC236}">
-                <a16:creationId xmlns:a16="http://schemas.microsoft.com/office/drawing/2014/main" xmlns="" id="{82FF3B86-5A48-411F-8090-830140A677FA}"/>
+                <a16:creationId xmlns="" xmlns:a16="http://schemas.microsoft.com/office/drawing/2014/main" id="{82FF3B86-5A48-411F-8090-830140A677FA}"/>
               </a:ext>
             </a:extLst>
           </p:cNvPr>
@@ -2781,7 +2781,7 @@
           <p:cNvPr id="2" name="제목 개체 틀 1">
             <a:extLst>
               <a:ext uri="{FF2B5EF4-FFF2-40B4-BE49-F238E27FC236}">
-                <a16:creationId xmlns:a16="http://schemas.microsoft.com/office/drawing/2014/main" xmlns="" id="{B9DF84FF-C412-430B-963A-695AABF70E5D}"/>
+                <a16:creationId xmlns="" xmlns:a16="http://schemas.microsoft.com/office/drawing/2014/main" id="{B9DF84FF-C412-430B-963A-695AABF70E5D}"/>
               </a:ext>
             </a:extLst>
           </p:cNvPr>
@@ -2819,7 +2819,7 @@
           <p:cNvPr id="3" name="텍스트 개체 틀 2">
             <a:extLst>
               <a:ext uri="{FF2B5EF4-FFF2-40B4-BE49-F238E27FC236}">
-                <a16:creationId xmlns:a16="http://schemas.microsoft.com/office/drawing/2014/main" xmlns="" id="{45EE7982-A999-4B0A-85F1-A0D5C55038DC}"/>
+                <a16:creationId xmlns="" xmlns:a16="http://schemas.microsoft.com/office/drawing/2014/main" id="{45EE7982-A999-4B0A-85F1-A0D5C55038DC}"/>
               </a:ext>
             </a:extLst>
           </p:cNvPr>
@@ -2886,7 +2886,7 @@
           <p:cNvPr id="4" name="날짜 개체 틀 3">
             <a:extLst>
               <a:ext uri="{FF2B5EF4-FFF2-40B4-BE49-F238E27FC236}">
-                <a16:creationId xmlns:a16="http://schemas.microsoft.com/office/drawing/2014/main" xmlns="" id="{3F48EB6A-F091-464F-A783-1AE546A56948}"/>
+                <a16:creationId xmlns="" xmlns:a16="http://schemas.microsoft.com/office/drawing/2014/main" id="{3F48EB6A-F091-464F-A783-1AE546A56948}"/>
               </a:ext>
             </a:extLst>
           </p:cNvPr>
@@ -2922,7 +2922,7 @@
           <a:p>
             <a:fld id="{246E467A-4026-4A8D-97BF-715EF7FA6491}" type="datetimeFigureOut">
               <a:rPr lang="ko-KR" altLang="en-US" smtClean="0"/>
-              <a:t>2023-04-06</a:t>
+              <a:t>2023-05-18</a:t>
             </a:fld>
             <a:endParaRPr lang="ko-KR" altLang="en-US"/>
           </a:p>
@@ -2933,7 +2933,7 @@
           <p:cNvPr id="5" name="바닥글 개체 틀 4">
             <a:extLst>
               <a:ext uri="{FF2B5EF4-FFF2-40B4-BE49-F238E27FC236}">
-                <a16:creationId xmlns:a16="http://schemas.microsoft.com/office/drawing/2014/main" xmlns="" id="{9531D2C7-63D5-4319-952D-A6F8404F460B}"/>
+                <a16:creationId xmlns="" xmlns:a16="http://schemas.microsoft.com/office/drawing/2014/main" id="{9531D2C7-63D5-4319-952D-A6F8404F460B}"/>
               </a:ext>
             </a:extLst>
           </p:cNvPr>
@@ -2976,7 +2976,7 @@
           <p:cNvPr id="6" name="슬라이드 번호 개체 틀 5">
             <a:extLst>
               <a:ext uri="{FF2B5EF4-FFF2-40B4-BE49-F238E27FC236}">
-                <a16:creationId xmlns:a16="http://schemas.microsoft.com/office/drawing/2014/main" xmlns="" id="{7739517A-02D4-4037-9427-974339FE7C30}"/>
+                <a16:creationId xmlns="" xmlns:a16="http://schemas.microsoft.com/office/drawing/2014/main" id="{7739517A-02D4-4037-9427-974339FE7C30}"/>
               </a:ext>
             </a:extLst>
           </p:cNvPr>
@@ -3352,7 +3352,7 @@
           <p:cNvPr id="2" name="TextBox 1">
             <a:extLst>
               <a:ext uri="{FF2B5EF4-FFF2-40B4-BE49-F238E27FC236}">
-                <a16:creationId xmlns:a16="http://schemas.microsoft.com/office/drawing/2014/main" xmlns="" id="{C70C938C-F8B1-4FFF-8F74-6ED0A876B136}"/>
+                <a16:creationId xmlns="" xmlns:a16="http://schemas.microsoft.com/office/drawing/2014/main" id="{C70C938C-F8B1-4FFF-8F74-6ED0A876B136}"/>
               </a:ext>
             </a:extLst>
           </p:cNvPr>
@@ -3393,7 +3393,7 @@
           <p:cNvPr id="3" name="TextBox 2">
             <a:extLst>
               <a:ext uri="{FF2B5EF4-FFF2-40B4-BE49-F238E27FC236}">
-                <a16:creationId xmlns:a16="http://schemas.microsoft.com/office/drawing/2014/main" xmlns="" id="{CC61FC92-B1C1-4C46-ABEF-2B6B78AA5915}"/>
+                <a16:creationId xmlns="" xmlns:a16="http://schemas.microsoft.com/office/drawing/2014/main" id="{CC61FC92-B1C1-4C46-ABEF-2B6B78AA5915}"/>
               </a:ext>
             </a:extLst>
           </p:cNvPr>
@@ -3434,7 +3434,7 @@
           <p:cNvPr id="8" name="그림 7" descr="사람, 서있는, 남자, 착용이(가) 표시된 사진&#10;&#10;자동 생성된 설명">
             <a:extLst>
               <a:ext uri="{FF2B5EF4-FFF2-40B4-BE49-F238E27FC236}">
-                <a16:creationId xmlns:a16="http://schemas.microsoft.com/office/drawing/2014/main" xmlns="" id="{398D98B8-2DFA-8476-B48A-2240354A960C}"/>
+                <a16:creationId xmlns="" xmlns:a16="http://schemas.microsoft.com/office/drawing/2014/main" id="{398D98B8-2DFA-8476-B48A-2240354A960C}"/>
               </a:ext>
             </a:extLst>
           </p:cNvPr>
@@ -3470,7 +3470,7 @@
           <p:cNvPr id="10" name="그림 9" descr="사람이(가) 표시된 사진&#10;&#10;자동 생성된 설명">
             <a:extLst>
               <a:ext uri="{FF2B5EF4-FFF2-40B4-BE49-F238E27FC236}">
-                <a16:creationId xmlns:a16="http://schemas.microsoft.com/office/drawing/2014/main" xmlns="" id="{0BE051E3-CAB7-BCFC-0441-E2FD03007A8D}"/>
+                <a16:creationId xmlns="" xmlns:a16="http://schemas.microsoft.com/office/drawing/2014/main" id="{0BE051E3-CAB7-BCFC-0441-E2FD03007A8D}"/>
               </a:ext>
             </a:extLst>
           </p:cNvPr>
@@ -3506,7 +3506,7 @@
           <p:cNvPr id="12" name="그림 11" descr="사람, 남자, 착용, 서있는이(가) 표시된 사진&#10;&#10;자동 생성된 설명">
             <a:extLst>
               <a:ext uri="{FF2B5EF4-FFF2-40B4-BE49-F238E27FC236}">
-                <a16:creationId xmlns:a16="http://schemas.microsoft.com/office/drawing/2014/main" xmlns="" id="{E9B0AD0F-14A6-F8C1-AEF5-1B01B5CEF846}"/>
+                <a16:creationId xmlns="" xmlns:a16="http://schemas.microsoft.com/office/drawing/2014/main" id="{E9B0AD0F-14A6-F8C1-AEF5-1B01B5CEF846}"/>
               </a:ext>
             </a:extLst>
           </p:cNvPr>
@@ -3584,7 +3584,7 @@
           <p:cNvPr id="3" name="직선 연결선 2">
             <a:extLst>
               <a:ext uri="{FF2B5EF4-FFF2-40B4-BE49-F238E27FC236}">
-                <a16:creationId xmlns:a16="http://schemas.microsoft.com/office/drawing/2014/main" xmlns="" id="{30B7886A-E2C2-47A8-A271-1FD08F52EED0}"/>
+                <a16:creationId xmlns="" xmlns:a16="http://schemas.microsoft.com/office/drawing/2014/main" id="{30B7886A-E2C2-47A8-A271-1FD08F52EED0}"/>
               </a:ext>
             </a:extLst>
           </p:cNvPr>
@@ -3627,7 +3627,7 @@
           <p:cNvPr id="18" name="직선 연결선 17">
             <a:extLst>
               <a:ext uri="{FF2B5EF4-FFF2-40B4-BE49-F238E27FC236}">
-                <a16:creationId xmlns:a16="http://schemas.microsoft.com/office/drawing/2014/main" xmlns="" id="{7911BDFD-7E29-44F7-9ED7-E8F36B51436C}"/>
+                <a16:creationId xmlns="" xmlns:a16="http://schemas.microsoft.com/office/drawing/2014/main" id="{7911BDFD-7E29-44F7-9ED7-E8F36B51436C}"/>
               </a:ext>
             </a:extLst>
           </p:cNvPr>
@@ -3666,8 +3666,8 @@
         </p:nvSpPr>
         <p:spPr>
           <a:xfrm>
-            <a:off x="1409236" y="5872664"/>
-            <a:ext cx="9917723" cy="369332"/>
+            <a:off x="1409235" y="5237397"/>
+            <a:ext cx="9917723" cy="923330"/>
           </a:xfrm>
           <a:prstGeom prst="rect">
             <a:avLst/>
@@ -3681,78 +3681,46 @@
           <a:lstStyle/>
           <a:p>
             <a:r>
+              <a:rPr lang="ko-KR" altLang="en-US" dirty="0" err="1" smtClean="0"/>
+              <a:t>지터링</a:t>
+            </a:r>
+            <a:r>
               <a:rPr lang="ko-KR" altLang="en-US" dirty="0" smtClean="0"/>
-              <a:t>이미지 데이터를 </a:t>
+              <a:t> 제거 아웃풋 데이터가 고정된 우리 데이터 셋을 변형하지 않도록 </a:t>
             </a:r>
             <a:r>
               <a:rPr lang="ko-KR" altLang="en-US" dirty="0" err="1" smtClean="0"/>
-              <a:t>텍스쳐화</a:t>
+              <a:t>지터링</a:t>
             </a:r>
             <a:r>
               <a:rPr lang="ko-KR" altLang="en-US" dirty="0" smtClean="0"/>
-              <a:t> 하기 위한 트레이</a:t>
-            </a:r>
-            <a:r>
-              <a:rPr lang="ko-KR" altLang="en-US" dirty="0"/>
-              <a:t>닝</a:t>
-            </a:r>
+              <a:t> 제거</a:t>
+            </a:r>
+            <a:endParaRPr lang="en-US" altLang="ko-KR" dirty="0" smtClean="0"/>
+          </a:p>
+          <a:p>
+            <a:endParaRPr lang="en-US" altLang="ko-KR" dirty="0" smtClean="0"/>
+          </a:p>
+          <a:p>
             <a:r>
               <a:rPr lang="ko-KR" altLang="en-US" dirty="0" smtClean="0"/>
-              <a:t> 데이터 제작</a:t>
-            </a:r>
-            <a:endParaRPr lang="ko-KR" altLang="en-US" dirty="0"/>
-          </a:p>
-        </p:txBody>
-      </p:sp>
-      <p:sp>
-        <p:nvSpPr>
-          <p:cNvPr id="2" name="모서리가 둥근 직사각형 1"/>
-          <p:cNvSpPr/>
-          <p:nvPr/>
-        </p:nvSpPr>
-        <p:spPr>
-          <a:xfrm>
-            <a:off x="76200" y="1056216"/>
-            <a:ext cx="5588000" cy="3941233"/>
-          </a:xfrm>
-          <a:prstGeom prst="roundRect">
-            <a:avLst/>
-          </a:prstGeom>
-          <a:solidFill>
-            <a:schemeClr val="accent4"/>
-          </a:solidFill>
-          <a:ln>
-            <a:noFill/>
-          </a:ln>
-        </p:spPr>
-        <p:style>
-          <a:lnRef idx="2">
-            <a:schemeClr val="accent1">
-              <a:shade val="50000"/>
-            </a:schemeClr>
-          </a:lnRef>
-          <a:fillRef idx="1">
-            <a:schemeClr val="accent1"/>
-          </a:fillRef>
-          <a:effectRef idx="0">
-            <a:schemeClr val="accent1"/>
-          </a:effectRef>
-          <a:fontRef idx="minor">
-            <a:schemeClr val="lt1"/>
-          </a:fontRef>
-        </p:style>
-        <p:txBody>
-          <a:bodyPr rtlCol="0" anchor="ctr"/>
-          <a:lstStyle/>
-          <a:p>
-            <a:pPr algn="ctr"/>
-            <a:endParaRPr lang="ko-KR" altLang="en-US"/>
+              <a:t>결과 </a:t>
+            </a:r>
+            <a:r>
+              <a:rPr lang="en-US" altLang="ko-KR" dirty="0" smtClean="0"/>
+              <a:t>=&gt; </a:t>
+            </a:r>
+            <a:r>
+              <a:rPr lang="ko-KR" altLang="en-US" dirty="0" smtClean="0"/>
+              <a:t>아웃풋 이미지 양식을 반영하게 됨</a:t>
+            </a:r>
+            <a:endParaRPr lang="en-US" altLang="ko-KR" dirty="0" smtClean="0"/>
           </a:p>
         </p:txBody>
       </p:sp>
       <p:pic>
         <p:nvPicPr>
-          <p:cNvPr id="2050" name="Picture 2" descr="C:\Users\user\Desktop\trainingdata\반팔\340497_6_220.png"/>
+          <p:cNvPr id="1026" name="Picture 2" descr="C:\Users\user\Desktop\111.jpg"/>
           <p:cNvPicPr>
             <a:picLocks noChangeAspect="1" noChangeArrowheads="1"/>
           </p:cNvPicPr>
@@ -3773,95 +3741,8 @@
         </p:blipFill>
         <p:spPr bwMode="auto">
           <a:xfrm>
-            <a:off x="741097" y="1056216"/>
-            <a:ext cx="3958697" cy="3958698"/>
-          </a:xfrm>
-          <a:prstGeom prst="rect">
-            <a:avLst/>
-          </a:prstGeom>
-          <a:noFill/>
-          <a:extLst>
-            <a:ext uri="{909E8E84-426E-40DD-AFC4-6F175D3DCCD1}">
-              <a14:hiddenFill xmlns:a14="http://schemas.microsoft.com/office/drawing/2010/main">
-                <a:solidFill>
-                  <a:srgbClr val="FFFFFF"/>
-                </a:solidFill>
-              </a14:hiddenFill>
-            </a:ext>
-          </a:extLst>
-        </p:spPr>
-      </p:pic>
-      <p:sp>
-        <p:nvSpPr>
-          <p:cNvPr id="16" name="모서리가 둥근 직사각형 15"/>
-          <p:cNvSpPr/>
-          <p:nvPr/>
-        </p:nvSpPr>
-        <p:spPr>
-          <a:xfrm>
-            <a:off x="6517217" y="980015"/>
-            <a:ext cx="5588000" cy="3941233"/>
-          </a:xfrm>
-          <a:prstGeom prst="roundRect">
-            <a:avLst/>
-          </a:prstGeom>
-          <a:solidFill>
-            <a:schemeClr val="accent4"/>
-          </a:solidFill>
-          <a:ln>
-            <a:noFill/>
-          </a:ln>
-        </p:spPr>
-        <p:style>
-          <a:lnRef idx="2">
-            <a:schemeClr val="accent1">
-              <a:shade val="50000"/>
-            </a:schemeClr>
-          </a:lnRef>
-          <a:fillRef idx="1">
-            <a:schemeClr val="accent1"/>
-          </a:fillRef>
-          <a:effectRef idx="0">
-            <a:schemeClr val="accent1"/>
-          </a:effectRef>
-          <a:fontRef idx="minor">
-            <a:schemeClr val="lt1"/>
-          </a:fontRef>
-        </p:style>
-        <p:txBody>
-          <a:bodyPr rtlCol="0" anchor="ctr"/>
-          <a:lstStyle/>
-          <a:p>
-            <a:pPr algn="ctr"/>
-            <a:endParaRPr lang="ko-KR" altLang="en-US"/>
-          </a:p>
-        </p:txBody>
-      </p:sp>
-      <p:pic>
-        <p:nvPicPr>
-          <p:cNvPr id="2051" name="Picture 3" descr="C:\Users\user\Desktop\trainingdata\반팔\검은티.png"/>
-          <p:cNvPicPr>
-            <a:picLocks noChangeAspect="1" noChangeArrowheads="1"/>
-          </p:cNvPicPr>
-          <p:nvPr/>
-        </p:nvPicPr>
-        <p:blipFill>
-          <a:blip r:embed="rId3" cstate="screen">
-            <a:extLst>
-              <a:ext uri="{28A0092B-C50C-407E-A947-70E740481C1C}">
-                <a14:useLocalDpi xmlns:a14="http://schemas.microsoft.com/office/drawing/2010/main" val="0"/>
-              </a:ext>
-            </a:extLst>
-          </a:blip>
-          <a:srcRect/>
-          <a:stretch>
-            <a:fillRect/>
-          </a:stretch>
-        </p:blipFill>
-        <p:spPr bwMode="auto">
-          <a:xfrm>
-            <a:off x="7151902" y="1325999"/>
-            <a:ext cx="4318629" cy="3401666"/>
+            <a:off x="365760" y="679355"/>
+            <a:ext cx="10634252" cy="4211415"/>
           </a:xfrm>
           <a:prstGeom prst="rect">
             <a:avLst/>
@@ -3932,7 +3813,7 @@
           <p:cNvPr id="3" name="직선 연결선 2">
             <a:extLst>
               <a:ext uri="{FF2B5EF4-FFF2-40B4-BE49-F238E27FC236}">
-                <a16:creationId xmlns:a16="http://schemas.microsoft.com/office/drawing/2014/main" xmlns="" id="{30B7886A-E2C2-47A8-A271-1FD08F52EED0}"/>
+                <a16:creationId xmlns="" xmlns:a16="http://schemas.microsoft.com/office/drawing/2014/main" id="{30B7886A-E2C2-47A8-A271-1FD08F52EED0}"/>
               </a:ext>
             </a:extLst>
           </p:cNvPr>
@@ -3975,7 +3856,7 @@
           <p:cNvPr id="18" name="직선 연결선 17">
             <a:extLst>
               <a:ext uri="{FF2B5EF4-FFF2-40B4-BE49-F238E27FC236}">
-                <a16:creationId xmlns:a16="http://schemas.microsoft.com/office/drawing/2014/main" xmlns="" id="{7911BDFD-7E29-44F7-9ED7-E8F36B51436C}"/>
+                <a16:creationId xmlns="" xmlns:a16="http://schemas.microsoft.com/office/drawing/2014/main" id="{7911BDFD-7E29-44F7-9ED7-E8F36B51436C}"/>
               </a:ext>
             </a:extLst>
           </p:cNvPr>
@@ -4008,7 +3889,7 @@
       </p:cxnSp>
       <p:pic>
         <p:nvPicPr>
-          <p:cNvPr id="1026" name="Picture 2" descr="C:\Users\user\Desktop\결과1.JPG"/>
+          <p:cNvPr id="1028" name="Picture 4" descr="C:\Users\user\Desktop\1.2.JPG"/>
           <p:cNvPicPr>
             <a:picLocks noChangeAspect="1" noChangeArrowheads="1"/>
           </p:cNvPicPr>
@@ -4029,8 +3910,8 @@
         </p:blipFill>
         <p:spPr bwMode="auto">
           <a:xfrm>
-            <a:off x="660399" y="772377"/>
-            <a:ext cx="10803467" cy="4968295"/>
+            <a:off x="500512" y="715983"/>
+            <a:ext cx="11319311" cy="3923394"/>
           </a:xfrm>
           <a:prstGeom prst="rect">
             <a:avLst/>
@@ -4049,14 +3930,14 @@
       </p:pic>
       <p:sp>
         <p:nvSpPr>
-          <p:cNvPr id="5" name="TextBox 4"/>
+          <p:cNvPr id="7" name="TextBox 6"/>
           <p:cNvSpPr txBox="1"/>
           <p:nvPr/>
         </p:nvSpPr>
         <p:spPr>
           <a:xfrm>
-            <a:off x="1409236" y="5872664"/>
-            <a:ext cx="9917723" cy="369332"/>
+            <a:off x="1409235" y="5237397"/>
+            <a:ext cx="9917723" cy="923330"/>
           </a:xfrm>
           <a:prstGeom prst="rect">
             <a:avLst/>
@@ -4070,26 +3951,40 @@
           <a:lstStyle/>
           <a:p>
             <a:r>
+              <a:rPr lang="ko-KR" altLang="en-US" dirty="0" smtClean="0"/>
+              <a:t>다양한 인풋을 받을 수 있다는 점에서 인풋 </a:t>
+            </a:r>
+            <a:r>
+              <a:rPr lang="ko-KR" altLang="en-US" dirty="0" err="1" smtClean="0"/>
+              <a:t>지터링만</a:t>
+            </a:r>
+            <a:r>
+              <a:rPr lang="ko-KR" altLang="en-US" dirty="0" smtClean="0"/>
+              <a:t> </a:t>
+            </a:r>
+            <a:r>
+              <a:rPr lang="ko-KR" altLang="en-US" dirty="0" err="1" smtClean="0"/>
+              <a:t>재구현</a:t>
+            </a:r>
+            <a:r>
+              <a:rPr lang="ko-KR" altLang="en-US" dirty="0" smtClean="0"/>
+              <a:t> </a:t>
+            </a:r>
+            <a:endParaRPr lang="en-US" altLang="ko-KR" dirty="0" smtClean="0"/>
+          </a:p>
+          <a:p>
+            <a:endParaRPr lang="en-US" altLang="ko-KR" dirty="0" smtClean="0"/>
+          </a:p>
+          <a:p>
+            <a:r>
               <a:rPr lang="en-US" altLang="ko-KR" dirty="0" smtClean="0"/>
-              <a:t>U2net_cloth_seg </a:t>
+              <a:t>=&gt; </a:t>
             </a:r>
             <a:r>
               <a:rPr lang="ko-KR" altLang="en-US" dirty="0" smtClean="0"/>
-              <a:t>사용 및 </a:t>
-            </a:r>
-            <a:r>
-              <a:rPr lang="en-US" altLang="ko-KR" dirty="0" err="1" smtClean="0"/>
-              <a:t>rembg</a:t>
-            </a:r>
-            <a:r>
-              <a:rPr lang="en-US" altLang="ko-KR" dirty="0" smtClean="0"/>
-              <a:t> </a:t>
-            </a:r>
-            <a:r>
-              <a:rPr lang="ko-KR" altLang="en-US" dirty="0" smtClean="0"/>
-              <a:t>최적화</a:t>
-            </a:r>
-            <a:endParaRPr lang="ko-KR" altLang="en-US" dirty="0"/>
+              <a:t>데이터의 증강 효과</a:t>
+            </a:r>
+            <a:endParaRPr lang="en-US" altLang="ko-KR" dirty="0" smtClean="0"/>
           </a:p>
         </p:txBody>
       </p:sp>
@@ -4346,7 +4241,7 @@
   <a:extraClrSchemeLst/>
   <a:extLst>
     <a:ext uri="{05A4C25C-085E-4340-85A3-A5531E510DB2}">
-      <thm15:themeFamily xmlns:thm15="http://schemas.microsoft.com/office/thememl/2012/main" xmlns="" name="Office Theme" id="{62F939B6-93AF-4DB8-9C6B-D6C7DFDC589F}" vid="{4A3C46E8-61CC-4603-A589-7422A47A8E4A}"/>
+      <thm15:themeFamily xmlns="" xmlns:thm15="http://schemas.microsoft.com/office/thememl/2012/main" name="Office Theme" id="{62F939B6-93AF-4DB8-9C6B-D6C7DFDC589F}" vid="{4A3C46E8-61CC-4603-A589-7422A47A8E4A}"/>
     </a:ext>
   </a:extLst>
 </a:theme>

--- a/발표자료/업데이트/LJHPPT.pptx
+++ b/발표자료/업데이트/LJHPPT.pptx
@@ -108,7 +108,7 @@
   </p:defaultTextStyle>
   <p:extLst>
     <p:ext uri="{EFAFB233-063F-42B5-8137-9DF3F51BA10A}">
-      <p15:sldGuideLst xmlns="" xmlns:p15="http://schemas.microsoft.com/office/powerpoint/2012/main">
+      <p15:sldGuideLst xmlns:p15="http://schemas.microsoft.com/office/powerpoint/2012/main" xmlns="">
         <p15:guide id="1" orient="horz" pos="2160" userDrawn="1">
           <p15:clr>
             <a:srgbClr val="A4A3A4"/>
@@ -147,7 +147,7 @@
           <p:cNvPr id="2" name="제목 1">
             <a:extLst>
               <a:ext uri="{FF2B5EF4-FFF2-40B4-BE49-F238E27FC236}">
-                <a16:creationId xmlns="" xmlns:a16="http://schemas.microsoft.com/office/drawing/2014/main" id="{544428E6-48F8-48FF-A4B7-7E67A9EE0B77}"/>
+                <a16:creationId xmlns:a16="http://schemas.microsoft.com/office/drawing/2014/main" xmlns="" id="{544428E6-48F8-48FF-A4B7-7E67A9EE0B77}"/>
               </a:ext>
             </a:extLst>
           </p:cNvPr>
@@ -184,7 +184,7 @@
           <p:cNvPr id="3" name="부제목 2">
             <a:extLst>
               <a:ext uri="{FF2B5EF4-FFF2-40B4-BE49-F238E27FC236}">
-                <a16:creationId xmlns="" xmlns:a16="http://schemas.microsoft.com/office/drawing/2014/main" id="{FBA2431C-BDF3-4534-AED0-115F103A462A}"/>
+                <a16:creationId xmlns:a16="http://schemas.microsoft.com/office/drawing/2014/main" xmlns="" id="{FBA2431C-BDF3-4534-AED0-115F103A462A}"/>
               </a:ext>
             </a:extLst>
           </p:cNvPr>
@@ -254,7 +254,7 @@
           <p:cNvPr id="4" name="날짜 개체 틀 3">
             <a:extLst>
               <a:ext uri="{FF2B5EF4-FFF2-40B4-BE49-F238E27FC236}">
-                <a16:creationId xmlns="" xmlns:a16="http://schemas.microsoft.com/office/drawing/2014/main" id="{420173CB-01B9-4295-A804-D7D5973D6277}"/>
+                <a16:creationId xmlns:a16="http://schemas.microsoft.com/office/drawing/2014/main" xmlns="" id="{420173CB-01B9-4295-A804-D7D5973D6277}"/>
               </a:ext>
             </a:extLst>
           </p:cNvPr>
@@ -272,7 +272,7 @@
           <a:p>
             <a:fld id="{246E467A-4026-4A8D-97BF-715EF7FA6491}" type="datetimeFigureOut">
               <a:rPr lang="ko-KR" altLang="en-US" smtClean="0"/>
-              <a:t>2023-05-18</a:t>
+              <a:t>2023-05-25</a:t>
             </a:fld>
             <a:endParaRPr lang="ko-KR" altLang="en-US"/>
           </a:p>
@@ -283,7 +283,7 @@
           <p:cNvPr id="5" name="바닥글 개체 틀 4">
             <a:extLst>
               <a:ext uri="{FF2B5EF4-FFF2-40B4-BE49-F238E27FC236}">
-                <a16:creationId xmlns="" xmlns:a16="http://schemas.microsoft.com/office/drawing/2014/main" id="{E1C5FE16-77A0-484E-AEFD-FF537292ECD0}"/>
+                <a16:creationId xmlns:a16="http://schemas.microsoft.com/office/drawing/2014/main" xmlns="" id="{E1C5FE16-77A0-484E-AEFD-FF537292ECD0}"/>
               </a:ext>
             </a:extLst>
           </p:cNvPr>
@@ -308,7 +308,7 @@
           <p:cNvPr id="6" name="슬라이드 번호 개체 틀 5">
             <a:extLst>
               <a:ext uri="{FF2B5EF4-FFF2-40B4-BE49-F238E27FC236}">
-                <a16:creationId xmlns="" xmlns:a16="http://schemas.microsoft.com/office/drawing/2014/main" id="{69F3DF25-2E65-49D3-8F6F-64AA11097B17}"/>
+                <a16:creationId xmlns:a16="http://schemas.microsoft.com/office/drawing/2014/main" xmlns="" id="{69F3DF25-2E65-49D3-8F6F-64AA11097B17}"/>
               </a:ext>
             </a:extLst>
           </p:cNvPr>
@@ -367,7 +367,7 @@
           <p:cNvPr id="2" name="제목 1">
             <a:extLst>
               <a:ext uri="{FF2B5EF4-FFF2-40B4-BE49-F238E27FC236}">
-                <a16:creationId xmlns="" xmlns:a16="http://schemas.microsoft.com/office/drawing/2014/main" id="{0E520652-E714-4A15-826F-1B53C7092B68}"/>
+                <a16:creationId xmlns:a16="http://schemas.microsoft.com/office/drawing/2014/main" xmlns="" id="{0E520652-E714-4A15-826F-1B53C7092B68}"/>
               </a:ext>
             </a:extLst>
           </p:cNvPr>
@@ -395,7 +395,7 @@
           <p:cNvPr id="3" name="세로 텍스트 개체 틀 2">
             <a:extLst>
               <a:ext uri="{FF2B5EF4-FFF2-40B4-BE49-F238E27FC236}">
-                <a16:creationId xmlns="" xmlns:a16="http://schemas.microsoft.com/office/drawing/2014/main" id="{1C14771D-DE0A-400C-8C59-8670E31F7094}"/>
+                <a16:creationId xmlns:a16="http://schemas.microsoft.com/office/drawing/2014/main" xmlns="" id="{1C14771D-DE0A-400C-8C59-8670E31F7094}"/>
               </a:ext>
             </a:extLst>
           </p:cNvPr>
@@ -452,7 +452,7 @@
           <p:cNvPr id="4" name="날짜 개체 틀 3">
             <a:extLst>
               <a:ext uri="{FF2B5EF4-FFF2-40B4-BE49-F238E27FC236}">
-                <a16:creationId xmlns="" xmlns:a16="http://schemas.microsoft.com/office/drawing/2014/main" id="{5CBEACB7-48C9-4FB8-8D34-7F4C63932697}"/>
+                <a16:creationId xmlns:a16="http://schemas.microsoft.com/office/drawing/2014/main" xmlns="" id="{5CBEACB7-48C9-4FB8-8D34-7F4C63932697}"/>
               </a:ext>
             </a:extLst>
           </p:cNvPr>
@@ -470,7 +470,7 @@
           <a:p>
             <a:fld id="{246E467A-4026-4A8D-97BF-715EF7FA6491}" type="datetimeFigureOut">
               <a:rPr lang="ko-KR" altLang="en-US" smtClean="0"/>
-              <a:t>2023-05-18</a:t>
+              <a:t>2023-05-25</a:t>
             </a:fld>
             <a:endParaRPr lang="ko-KR" altLang="en-US"/>
           </a:p>
@@ -481,7 +481,7 @@
           <p:cNvPr id="5" name="바닥글 개체 틀 4">
             <a:extLst>
               <a:ext uri="{FF2B5EF4-FFF2-40B4-BE49-F238E27FC236}">
-                <a16:creationId xmlns="" xmlns:a16="http://schemas.microsoft.com/office/drawing/2014/main" id="{5BD31818-B6CD-47B0-9353-395CC53986D6}"/>
+                <a16:creationId xmlns:a16="http://schemas.microsoft.com/office/drawing/2014/main" xmlns="" id="{5BD31818-B6CD-47B0-9353-395CC53986D6}"/>
               </a:ext>
             </a:extLst>
           </p:cNvPr>
@@ -506,7 +506,7 @@
           <p:cNvPr id="6" name="슬라이드 번호 개체 틀 5">
             <a:extLst>
               <a:ext uri="{FF2B5EF4-FFF2-40B4-BE49-F238E27FC236}">
-                <a16:creationId xmlns="" xmlns:a16="http://schemas.microsoft.com/office/drawing/2014/main" id="{BD008922-CAE3-4884-AE59-2BC74144C74C}"/>
+                <a16:creationId xmlns:a16="http://schemas.microsoft.com/office/drawing/2014/main" xmlns="" id="{BD008922-CAE3-4884-AE59-2BC74144C74C}"/>
               </a:ext>
             </a:extLst>
           </p:cNvPr>
@@ -565,7 +565,7 @@
           <p:cNvPr id="2" name="세로 제목 1">
             <a:extLst>
               <a:ext uri="{FF2B5EF4-FFF2-40B4-BE49-F238E27FC236}">
-                <a16:creationId xmlns="" xmlns:a16="http://schemas.microsoft.com/office/drawing/2014/main" id="{A3371B8A-69A6-43D4-8783-6456E33508F7}"/>
+                <a16:creationId xmlns:a16="http://schemas.microsoft.com/office/drawing/2014/main" xmlns="" id="{A3371B8A-69A6-43D4-8783-6456E33508F7}"/>
               </a:ext>
             </a:extLst>
           </p:cNvPr>
@@ -598,7 +598,7 @@
           <p:cNvPr id="3" name="세로 텍스트 개체 틀 2">
             <a:extLst>
               <a:ext uri="{FF2B5EF4-FFF2-40B4-BE49-F238E27FC236}">
-                <a16:creationId xmlns="" xmlns:a16="http://schemas.microsoft.com/office/drawing/2014/main" id="{049DA1AA-3028-44E4-B5B0-C19BF61DC48A}"/>
+                <a16:creationId xmlns:a16="http://schemas.microsoft.com/office/drawing/2014/main" xmlns="" id="{049DA1AA-3028-44E4-B5B0-C19BF61DC48A}"/>
               </a:ext>
             </a:extLst>
           </p:cNvPr>
@@ -660,7 +660,7 @@
           <p:cNvPr id="4" name="날짜 개체 틀 3">
             <a:extLst>
               <a:ext uri="{FF2B5EF4-FFF2-40B4-BE49-F238E27FC236}">
-                <a16:creationId xmlns="" xmlns:a16="http://schemas.microsoft.com/office/drawing/2014/main" id="{ED2BCD8D-3E10-4F33-BC43-EACB05C0B415}"/>
+                <a16:creationId xmlns:a16="http://schemas.microsoft.com/office/drawing/2014/main" xmlns="" id="{ED2BCD8D-3E10-4F33-BC43-EACB05C0B415}"/>
               </a:ext>
             </a:extLst>
           </p:cNvPr>
@@ -678,7 +678,7 @@
           <a:p>
             <a:fld id="{246E467A-4026-4A8D-97BF-715EF7FA6491}" type="datetimeFigureOut">
               <a:rPr lang="ko-KR" altLang="en-US" smtClean="0"/>
-              <a:t>2023-05-18</a:t>
+              <a:t>2023-05-25</a:t>
             </a:fld>
             <a:endParaRPr lang="ko-KR" altLang="en-US"/>
           </a:p>
@@ -689,7 +689,7 @@
           <p:cNvPr id="5" name="바닥글 개체 틀 4">
             <a:extLst>
               <a:ext uri="{FF2B5EF4-FFF2-40B4-BE49-F238E27FC236}">
-                <a16:creationId xmlns="" xmlns:a16="http://schemas.microsoft.com/office/drawing/2014/main" id="{33E365BE-78DE-4079-B7F3-706874E92415}"/>
+                <a16:creationId xmlns:a16="http://schemas.microsoft.com/office/drawing/2014/main" xmlns="" id="{33E365BE-78DE-4079-B7F3-706874E92415}"/>
               </a:ext>
             </a:extLst>
           </p:cNvPr>
@@ -714,7 +714,7 @@
           <p:cNvPr id="6" name="슬라이드 번호 개체 틀 5">
             <a:extLst>
               <a:ext uri="{FF2B5EF4-FFF2-40B4-BE49-F238E27FC236}">
-                <a16:creationId xmlns="" xmlns:a16="http://schemas.microsoft.com/office/drawing/2014/main" id="{6F0D9E52-1AFA-4482-A474-91FF4C5C683A}"/>
+                <a16:creationId xmlns:a16="http://schemas.microsoft.com/office/drawing/2014/main" xmlns="" id="{6F0D9E52-1AFA-4482-A474-91FF4C5C683A}"/>
               </a:ext>
             </a:extLst>
           </p:cNvPr>
@@ -773,7 +773,7 @@
           <p:cNvPr id="2" name="제목 1">
             <a:extLst>
               <a:ext uri="{FF2B5EF4-FFF2-40B4-BE49-F238E27FC236}">
-                <a16:creationId xmlns="" xmlns:a16="http://schemas.microsoft.com/office/drawing/2014/main" id="{60DBF82B-6C4A-4F6E-A362-B2BF3BDC30D7}"/>
+                <a16:creationId xmlns:a16="http://schemas.microsoft.com/office/drawing/2014/main" xmlns="" id="{60DBF82B-6C4A-4F6E-A362-B2BF3BDC30D7}"/>
               </a:ext>
             </a:extLst>
           </p:cNvPr>
@@ -801,7 +801,7 @@
           <p:cNvPr id="3" name="내용 개체 틀 2">
             <a:extLst>
               <a:ext uri="{FF2B5EF4-FFF2-40B4-BE49-F238E27FC236}">
-                <a16:creationId xmlns="" xmlns:a16="http://schemas.microsoft.com/office/drawing/2014/main" id="{BDE6E910-43A6-49D6-A1B5-99E3B0C27E2D}"/>
+                <a16:creationId xmlns:a16="http://schemas.microsoft.com/office/drawing/2014/main" xmlns="" id="{BDE6E910-43A6-49D6-A1B5-99E3B0C27E2D}"/>
               </a:ext>
             </a:extLst>
           </p:cNvPr>
@@ -858,7 +858,7 @@
           <p:cNvPr id="4" name="날짜 개체 틀 3">
             <a:extLst>
               <a:ext uri="{FF2B5EF4-FFF2-40B4-BE49-F238E27FC236}">
-                <a16:creationId xmlns="" xmlns:a16="http://schemas.microsoft.com/office/drawing/2014/main" id="{2F0DB3AC-66C4-4244-9CE9-54D71AA59C90}"/>
+                <a16:creationId xmlns:a16="http://schemas.microsoft.com/office/drawing/2014/main" xmlns="" id="{2F0DB3AC-66C4-4244-9CE9-54D71AA59C90}"/>
               </a:ext>
             </a:extLst>
           </p:cNvPr>
@@ -876,7 +876,7 @@
           <a:p>
             <a:fld id="{246E467A-4026-4A8D-97BF-715EF7FA6491}" type="datetimeFigureOut">
               <a:rPr lang="ko-KR" altLang="en-US" smtClean="0"/>
-              <a:t>2023-05-18</a:t>
+              <a:t>2023-05-25</a:t>
             </a:fld>
             <a:endParaRPr lang="ko-KR" altLang="en-US"/>
           </a:p>
@@ -887,7 +887,7 @@
           <p:cNvPr id="5" name="바닥글 개체 틀 4">
             <a:extLst>
               <a:ext uri="{FF2B5EF4-FFF2-40B4-BE49-F238E27FC236}">
-                <a16:creationId xmlns="" xmlns:a16="http://schemas.microsoft.com/office/drawing/2014/main" id="{3992C886-882E-440B-806C-B06DE5089026}"/>
+                <a16:creationId xmlns:a16="http://schemas.microsoft.com/office/drawing/2014/main" xmlns="" id="{3992C886-882E-440B-806C-B06DE5089026}"/>
               </a:ext>
             </a:extLst>
           </p:cNvPr>
@@ -912,7 +912,7 @@
           <p:cNvPr id="6" name="슬라이드 번호 개체 틀 5">
             <a:extLst>
               <a:ext uri="{FF2B5EF4-FFF2-40B4-BE49-F238E27FC236}">
-                <a16:creationId xmlns="" xmlns:a16="http://schemas.microsoft.com/office/drawing/2014/main" id="{9A9323D2-1426-48F9-A93B-729E72E2B2BB}"/>
+                <a16:creationId xmlns:a16="http://schemas.microsoft.com/office/drawing/2014/main" xmlns="" id="{9A9323D2-1426-48F9-A93B-729E72E2B2BB}"/>
               </a:ext>
             </a:extLst>
           </p:cNvPr>
@@ -971,7 +971,7 @@
           <p:cNvPr id="2" name="제목 1">
             <a:extLst>
               <a:ext uri="{FF2B5EF4-FFF2-40B4-BE49-F238E27FC236}">
-                <a16:creationId xmlns="" xmlns:a16="http://schemas.microsoft.com/office/drawing/2014/main" id="{7153C500-C8D9-4EBC-AC73-9F7D65F03E32}"/>
+                <a16:creationId xmlns:a16="http://schemas.microsoft.com/office/drawing/2014/main" xmlns="" id="{7153C500-C8D9-4EBC-AC73-9F7D65F03E32}"/>
               </a:ext>
             </a:extLst>
           </p:cNvPr>
@@ -1008,7 +1008,7 @@
           <p:cNvPr id="3" name="텍스트 개체 틀 2">
             <a:extLst>
               <a:ext uri="{FF2B5EF4-FFF2-40B4-BE49-F238E27FC236}">
-                <a16:creationId xmlns="" xmlns:a16="http://schemas.microsoft.com/office/drawing/2014/main" id="{4E56CD17-259A-42E8-B64F-04C51B7C1C5F}"/>
+                <a16:creationId xmlns:a16="http://schemas.microsoft.com/office/drawing/2014/main" xmlns="" id="{4E56CD17-259A-42E8-B64F-04C51B7C1C5F}"/>
               </a:ext>
             </a:extLst>
           </p:cNvPr>
@@ -1133,7 +1133,7 @@
           <p:cNvPr id="4" name="날짜 개체 틀 3">
             <a:extLst>
               <a:ext uri="{FF2B5EF4-FFF2-40B4-BE49-F238E27FC236}">
-                <a16:creationId xmlns="" xmlns:a16="http://schemas.microsoft.com/office/drawing/2014/main" id="{CE976CE5-8C59-42A2-A597-465DEAC8E5A7}"/>
+                <a16:creationId xmlns:a16="http://schemas.microsoft.com/office/drawing/2014/main" xmlns="" id="{CE976CE5-8C59-42A2-A597-465DEAC8E5A7}"/>
               </a:ext>
             </a:extLst>
           </p:cNvPr>
@@ -1151,7 +1151,7 @@
           <a:p>
             <a:fld id="{246E467A-4026-4A8D-97BF-715EF7FA6491}" type="datetimeFigureOut">
               <a:rPr lang="ko-KR" altLang="en-US" smtClean="0"/>
-              <a:t>2023-05-18</a:t>
+              <a:t>2023-05-25</a:t>
             </a:fld>
             <a:endParaRPr lang="ko-KR" altLang="en-US"/>
           </a:p>
@@ -1162,7 +1162,7 @@
           <p:cNvPr id="5" name="바닥글 개체 틀 4">
             <a:extLst>
               <a:ext uri="{FF2B5EF4-FFF2-40B4-BE49-F238E27FC236}">
-                <a16:creationId xmlns="" xmlns:a16="http://schemas.microsoft.com/office/drawing/2014/main" id="{742312C6-1DCE-41BC-B5FA-FCFF5BE3B9E6}"/>
+                <a16:creationId xmlns:a16="http://schemas.microsoft.com/office/drawing/2014/main" xmlns="" id="{742312C6-1DCE-41BC-B5FA-FCFF5BE3B9E6}"/>
               </a:ext>
             </a:extLst>
           </p:cNvPr>
@@ -1187,7 +1187,7 @@
           <p:cNvPr id="6" name="슬라이드 번호 개체 틀 5">
             <a:extLst>
               <a:ext uri="{FF2B5EF4-FFF2-40B4-BE49-F238E27FC236}">
-                <a16:creationId xmlns="" xmlns:a16="http://schemas.microsoft.com/office/drawing/2014/main" id="{664339A5-69DC-4256-84CA-F160D48ED02B}"/>
+                <a16:creationId xmlns:a16="http://schemas.microsoft.com/office/drawing/2014/main" xmlns="" id="{664339A5-69DC-4256-84CA-F160D48ED02B}"/>
               </a:ext>
             </a:extLst>
           </p:cNvPr>
@@ -1246,7 +1246,7 @@
           <p:cNvPr id="2" name="제목 1">
             <a:extLst>
               <a:ext uri="{FF2B5EF4-FFF2-40B4-BE49-F238E27FC236}">
-                <a16:creationId xmlns="" xmlns:a16="http://schemas.microsoft.com/office/drawing/2014/main" id="{BCF37A4D-E01E-45A7-B166-73EE7826C0E7}"/>
+                <a16:creationId xmlns:a16="http://schemas.microsoft.com/office/drawing/2014/main" xmlns="" id="{BCF37A4D-E01E-45A7-B166-73EE7826C0E7}"/>
               </a:ext>
             </a:extLst>
           </p:cNvPr>
@@ -1274,7 +1274,7 @@
           <p:cNvPr id="3" name="내용 개체 틀 2">
             <a:extLst>
               <a:ext uri="{FF2B5EF4-FFF2-40B4-BE49-F238E27FC236}">
-                <a16:creationId xmlns="" xmlns:a16="http://schemas.microsoft.com/office/drawing/2014/main" id="{A70D6757-7DA6-452C-9903-7536978F1556}"/>
+                <a16:creationId xmlns:a16="http://schemas.microsoft.com/office/drawing/2014/main" xmlns="" id="{A70D6757-7DA6-452C-9903-7536978F1556}"/>
               </a:ext>
             </a:extLst>
           </p:cNvPr>
@@ -1336,7 +1336,7 @@
           <p:cNvPr id="4" name="내용 개체 틀 3">
             <a:extLst>
               <a:ext uri="{FF2B5EF4-FFF2-40B4-BE49-F238E27FC236}">
-                <a16:creationId xmlns="" xmlns:a16="http://schemas.microsoft.com/office/drawing/2014/main" id="{23DCC3C8-286B-4184-8752-32BC3B116B8E}"/>
+                <a16:creationId xmlns:a16="http://schemas.microsoft.com/office/drawing/2014/main" xmlns="" id="{23DCC3C8-286B-4184-8752-32BC3B116B8E}"/>
               </a:ext>
             </a:extLst>
           </p:cNvPr>
@@ -1398,7 +1398,7 @@
           <p:cNvPr id="5" name="날짜 개체 틀 4">
             <a:extLst>
               <a:ext uri="{FF2B5EF4-FFF2-40B4-BE49-F238E27FC236}">
-                <a16:creationId xmlns="" xmlns:a16="http://schemas.microsoft.com/office/drawing/2014/main" id="{7ECA751A-C45B-42C8-893F-826B22E76CF6}"/>
+                <a16:creationId xmlns:a16="http://schemas.microsoft.com/office/drawing/2014/main" xmlns="" id="{7ECA751A-C45B-42C8-893F-826B22E76CF6}"/>
               </a:ext>
             </a:extLst>
           </p:cNvPr>
@@ -1416,7 +1416,7 @@
           <a:p>
             <a:fld id="{246E467A-4026-4A8D-97BF-715EF7FA6491}" type="datetimeFigureOut">
               <a:rPr lang="ko-KR" altLang="en-US" smtClean="0"/>
-              <a:t>2023-05-18</a:t>
+              <a:t>2023-05-25</a:t>
             </a:fld>
             <a:endParaRPr lang="ko-KR" altLang="en-US"/>
           </a:p>
@@ -1427,7 +1427,7 @@
           <p:cNvPr id="6" name="바닥글 개체 틀 5">
             <a:extLst>
               <a:ext uri="{FF2B5EF4-FFF2-40B4-BE49-F238E27FC236}">
-                <a16:creationId xmlns="" xmlns:a16="http://schemas.microsoft.com/office/drawing/2014/main" id="{9F77210C-0EDE-42F3-A19F-12B3884B4393}"/>
+                <a16:creationId xmlns:a16="http://schemas.microsoft.com/office/drawing/2014/main" xmlns="" id="{9F77210C-0EDE-42F3-A19F-12B3884B4393}"/>
               </a:ext>
             </a:extLst>
           </p:cNvPr>
@@ -1452,7 +1452,7 @@
           <p:cNvPr id="7" name="슬라이드 번호 개체 틀 6">
             <a:extLst>
               <a:ext uri="{FF2B5EF4-FFF2-40B4-BE49-F238E27FC236}">
-                <a16:creationId xmlns="" xmlns:a16="http://schemas.microsoft.com/office/drawing/2014/main" id="{3215D590-E2D2-480C-AF73-67D855C553CB}"/>
+                <a16:creationId xmlns:a16="http://schemas.microsoft.com/office/drawing/2014/main" xmlns="" id="{3215D590-E2D2-480C-AF73-67D855C553CB}"/>
               </a:ext>
             </a:extLst>
           </p:cNvPr>
@@ -1511,7 +1511,7 @@
           <p:cNvPr id="2" name="제목 1">
             <a:extLst>
               <a:ext uri="{FF2B5EF4-FFF2-40B4-BE49-F238E27FC236}">
-                <a16:creationId xmlns="" xmlns:a16="http://schemas.microsoft.com/office/drawing/2014/main" id="{E1E3AF97-024B-4EF1-B5B6-2E362F07CDB3}"/>
+                <a16:creationId xmlns:a16="http://schemas.microsoft.com/office/drawing/2014/main" xmlns="" id="{E1E3AF97-024B-4EF1-B5B6-2E362F07CDB3}"/>
               </a:ext>
             </a:extLst>
           </p:cNvPr>
@@ -1544,7 +1544,7 @@
           <p:cNvPr id="3" name="텍스트 개체 틀 2">
             <a:extLst>
               <a:ext uri="{FF2B5EF4-FFF2-40B4-BE49-F238E27FC236}">
-                <a16:creationId xmlns="" xmlns:a16="http://schemas.microsoft.com/office/drawing/2014/main" id="{2B41334B-2AA0-4E32-9445-B691EAB2831F}"/>
+                <a16:creationId xmlns:a16="http://schemas.microsoft.com/office/drawing/2014/main" xmlns="" id="{2B41334B-2AA0-4E32-9445-B691EAB2831F}"/>
               </a:ext>
             </a:extLst>
           </p:cNvPr>
@@ -1615,7 +1615,7 @@
           <p:cNvPr id="4" name="내용 개체 틀 3">
             <a:extLst>
               <a:ext uri="{FF2B5EF4-FFF2-40B4-BE49-F238E27FC236}">
-                <a16:creationId xmlns="" xmlns:a16="http://schemas.microsoft.com/office/drawing/2014/main" id="{BDB62D6F-224F-4433-9752-11A255D323D4}"/>
+                <a16:creationId xmlns:a16="http://schemas.microsoft.com/office/drawing/2014/main" xmlns="" id="{BDB62D6F-224F-4433-9752-11A255D323D4}"/>
               </a:ext>
             </a:extLst>
           </p:cNvPr>
@@ -1677,7 +1677,7 @@
           <p:cNvPr id="5" name="텍스트 개체 틀 4">
             <a:extLst>
               <a:ext uri="{FF2B5EF4-FFF2-40B4-BE49-F238E27FC236}">
-                <a16:creationId xmlns="" xmlns:a16="http://schemas.microsoft.com/office/drawing/2014/main" id="{DD04EE0E-6C7E-4160-86AA-136E97F9FD62}"/>
+                <a16:creationId xmlns:a16="http://schemas.microsoft.com/office/drawing/2014/main" xmlns="" id="{DD04EE0E-6C7E-4160-86AA-136E97F9FD62}"/>
               </a:ext>
             </a:extLst>
           </p:cNvPr>
@@ -1748,7 +1748,7 @@
           <p:cNvPr id="6" name="내용 개체 틀 5">
             <a:extLst>
               <a:ext uri="{FF2B5EF4-FFF2-40B4-BE49-F238E27FC236}">
-                <a16:creationId xmlns="" xmlns:a16="http://schemas.microsoft.com/office/drawing/2014/main" id="{1B390FB9-7573-4784-A2A4-EDF1B3C59FF4}"/>
+                <a16:creationId xmlns:a16="http://schemas.microsoft.com/office/drawing/2014/main" xmlns="" id="{1B390FB9-7573-4784-A2A4-EDF1B3C59FF4}"/>
               </a:ext>
             </a:extLst>
           </p:cNvPr>
@@ -1810,7 +1810,7 @@
           <p:cNvPr id="7" name="날짜 개체 틀 6">
             <a:extLst>
               <a:ext uri="{FF2B5EF4-FFF2-40B4-BE49-F238E27FC236}">
-                <a16:creationId xmlns="" xmlns:a16="http://schemas.microsoft.com/office/drawing/2014/main" id="{F464B30B-9C6A-4C96-8DB5-BCE9A09F77BB}"/>
+                <a16:creationId xmlns:a16="http://schemas.microsoft.com/office/drawing/2014/main" xmlns="" id="{F464B30B-9C6A-4C96-8DB5-BCE9A09F77BB}"/>
               </a:ext>
             </a:extLst>
           </p:cNvPr>
@@ -1828,7 +1828,7 @@
           <a:p>
             <a:fld id="{246E467A-4026-4A8D-97BF-715EF7FA6491}" type="datetimeFigureOut">
               <a:rPr lang="ko-KR" altLang="en-US" smtClean="0"/>
-              <a:t>2023-05-18</a:t>
+              <a:t>2023-05-25</a:t>
             </a:fld>
             <a:endParaRPr lang="ko-KR" altLang="en-US"/>
           </a:p>
@@ -1839,7 +1839,7 @@
           <p:cNvPr id="8" name="바닥글 개체 틀 7">
             <a:extLst>
               <a:ext uri="{FF2B5EF4-FFF2-40B4-BE49-F238E27FC236}">
-                <a16:creationId xmlns="" xmlns:a16="http://schemas.microsoft.com/office/drawing/2014/main" id="{16A11AC4-2315-46FE-81A4-FE4B843497D9}"/>
+                <a16:creationId xmlns:a16="http://schemas.microsoft.com/office/drawing/2014/main" xmlns="" id="{16A11AC4-2315-46FE-81A4-FE4B843497D9}"/>
               </a:ext>
             </a:extLst>
           </p:cNvPr>
@@ -1864,7 +1864,7 @@
           <p:cNvPr id="9" name="슬라이드 번호 개체 틀 8">
             <a:extLst>
               <a:ext uri="{FF2B5EF4-FFF2-40B4-BE49-F238E27FC236}">
-                <a16:creationId xmlns="" xmlns:a16="http://schemas.microsoft.com/office/drawing/2014/main" id="{DC2D39CB-CB92-40B8-9B0C-3FBBBDF9DDF4}"/>
+                <a16:creationId xmlns:a16="http://schemas.microsoft.com/office/drawing/2014/main" xmlns="" id="{DC2D39CB-CB92-40B8-9B0C-3FBBBDF9DDF4}"/>
               </a:ext>
             </a:extLst>
           </p:cNvPr>
@@ -1923,7 +1923,7 @@
           <p:cNvPr id="2" name="제목 1">
             <a:extLst>
               <a:ext uri="{FF2B5EF4-FFF2-40B4-BE49-F238E27FC236}">
-                <a16:creationId xmlns="" xmlns:a16="http://schemas.microsoft.com/office/drawing/2014/main" id="{90E32E25-F5B3-41EE-BD3B-6965721B8BFA}"/>
+                <a16:creationId xmlns:a16="http://schemas.microsoft.com/office/drawing/2014/main" xmlns="" id="{90E32E25-F5B3-41EE-BD3B-6965721B8BFA}"/>
               </a:ext>
             </a:extLst>
           </p:cNvPr>
@@ -1951,7 +1951,7 @@
           <p:cNvPr id="3" name="날짜 개체 틀 2">
             <a:extLst>
               <a:ext uri="{FF2B5EF4-FFF2-40B4-BE49-F238E27FC236}">
-                <a16:creationId xmlns="" xmlns:a16="http://schemas.microsoft.com/office/drawing/2014/main" id="{0CFE1863-7C02-424B-AF80-CDB396716C6B}"/>
+                <a16:creationId xmlns:a16="http://schemas.microsoft.com/office/drawing/2014/main" xmlns="" id="{0CFE1863-7C02-424B-AF80-CDB396716C6B}"/>
               </a:ext>
             </a:extLst>
           </p:cNvPr>
@@ -1969,7 +1969,7 @@
           <a:p>
             <a:fld id="{246E467A-4026-4A8D-97BF-715EF7FA6491}" type="datetimeFigureOut">
               <a:rPr lang="ko-KR" altLang="en-US" smtClean="0"/>
-              <a:t>2023-05-18</a:t>
+              <a:t>2023-05-25</a:t>
             </a:fld>
             <a:endParaRPr lang="ko-KR" altLang="en-US"/>
           </a:p>
@@ -1980,7 +1980,7 @@
           <p:cNvPr id="4" name="바닥글 개체 틀 3">
             <a:extLst>
               <a:ext uri="{FF2B5EF4-FFF2-40B4-BE49-F238E27FC236}">
-                <a16:creationId xmlns="" xmlns:a16="http://schemas.microsoft.com/office/drawing/2014/main" id="{2F99FB34-90A4-44A0-9CF8-F0BC0FE4AB26}"/>
+                <a16:creationId xmlns:a16="http://schemas.microsoft.com/office/drawing/2014/main" xmlns="" id="{2F99FB34-90A4-44A0-9CF8-F0BC0FE4AB26}"/>
               </a:ext>
             </a:extLst>
           </p:cNvPr>
@@ -2005,7 +2005,7 @@
           <p:cNvPr id="5" name="슬라이드 번호 개체 틀 4">
             <a:extLst>
               <a:ext uri="{FF2B5EF4-FFF2-40B4-BE49-F238E27FC236}">
-                <a16:creationId xmlns="" xmlns:a16="http://schemas.microsoft.com/office/drawing/2014/main" id="{56375702-4955-406C-919C-D35A1B84B474}"/>
+                <a16:creationId xmlns:a16="http://schemas.microsoft.com/office/drawing/2014/main" xmlns="" id="{56375702-4955-406C-919C-D35A1B84B474}"/>
               </a:ext>
             </a:extLst>
           </p:cNvPr>
@@ -2064,7 +2064,7 @@
           <p:cNvPr id="2" name="날짜 개체 틀 1">
             <a:extLst>
               <a:ext uri="{FF2B5EF4-FFF2-40B4-BE49-F238E27FC236}">
-                <a16:creationId xmlns="" xmlns:a16="http://schemas.microsoft.com/office/drawing/2014/main" id="{D76E1BA2-3103-4DB2-AAEB-ED1BAE4527B3}"/>
+                <a16:creationId xmlns:a16="http://schemas.microsoft.com/office/drawing/2014/main" xmlns="" id="{D76E1BA2-3103-4DB2-AAEB-ED1BAE4527B3}"/>
               </a:ext>
             </a:extLst>
           </p:cNvPr>
@@ -2082,7 +2082,7 @@
           <a:p>
             <a:fld id="{246E467A-4026-4A8D-97BF-715EF7FA6491}" type="datetimeFigureOut">
               <a:rPr lang="ko-KR" altLang="en-US" smtClean="0"/>
-              <a:t>2023-05-18</a:t>
+              <a:t>2023-05-25</a:t>
             </a:fld>
             <a:endParaRPr lang="ko-KR" altLang="en-US"/>
           </a:p>
@@ -2093,7 +2093,7 @@
           <p:cNvPr id="3" name="바닥글 개체 틀 2">
             <a:extLst>
               <a:ext uri="{FF2B5EF4-FFF2-40B4-BE49-F238E27FC236}">
-                <a16:creationId xmlns="" xmlns:a16="http://schemas.microsoft.com/office/drawing/2014/main" id="{505D5A54-85CA-45E5-9801-A3F15EEFCC94}"/>
+                <a16:creationId xmlns:a16="http://schemas.microsoft.com/office/drawing/2014/main" xmlns="" id="{505D5A54-85CA-45E5-9801-A3F15EEFCC94}"/>
               </a:ext>
             </a:extLst>
           </p:cNvPr>
@@ -2118,7 +2118,7 @@
           <p:cNvPr id="4" name="슬라이드 번호 개체 틀 3">
             <a:extLst>
               <a:ext uri="{FF2B5EF4-FFF2-40B4-BE49-F238E27FC236}">
-                <a16:creationId xmlns="" xmlns:a16="http://schemas.microsoft.com/office/drawing/2014/main" id="{A812AF2F-D0EC-4C7E-8979-4C17E3F4B44D}"/>
+                <a16:creationId xmlns:a16="http://schemas.microsoft.com/office/drawing/2014/main" xmlns="" id="{A812AF2F-D0EC-4C7E-8979-4C17E3F4B44D}"/>
               </a:ext>
             </a:extLst>
           </p:cNvPr>
@@ -2177,7 +2177,7 @@
           <p:cNvPr id="2" name="제목 1">
             <a:extLst>
               <a:ext uri="{FF2B5EF4-FFF2-40B4-BE49-F238E27FC236}">
-                <a16:creationId xmlns="" xmlns:a16="http://schemas.microsoft.com/office/drawing/2014/main" id="{8C03A167-5C7C-4CD2-A3E4-B6F94583214B}"/>
+                <a16:creationId xmlns:a16="http://schemas.microsoft.com/office/drawing/2014/main" xmlns="" id="{8C03A167-5C7C-4CD2-A3E4-B6F94583214B}"/>
               </a:ext>
             </a:extLst>
           </p:cNvPr>
@@ -2214,7 +2214,7 @@
           <p:cNvPr id="3" name="내용 개체 틀 2">
             <a:extLst>
               <a:ext uri="{FF2B5EF4-FFF2-40B4-BE49-F238E27FC236}">
-                <a16:creationId xmlns="" xmlns:a16="http://schemas.microsoft.com/office/drawing/2014/main" id="{5421CEB6-C525-4AEB-BB3E-B13156901366}"/>
+                <a16:creationId xmlns:a16="http://schemas.microsoft.com/office/drawing/2014/main" xmlns="" id="{5421CEB6-C525-4AEB-BB3E-B13156901366}"/>
               </a:ext>
             </a:extLst>
           </p:cNvPr>
@@ -2304,7 +2304,7 @@
           <p:cNvPr id="4" name="텍스트 개체 틀 3">
             <a:extLst>
               <a:ext uri="{FF2B5EF4-FFF2-40B4-BE49-F238E27FC236}">
-                <a16:creationId xmlns="" xmlns:a16="http://schemas.microsoft.com/office/drawing/2014/main" id="{69296C9A-4472-4D30-BFAE-60CB397B5014}"/>
+                <a16:creationId xmlns:a16="http://schemas.microsoft.com/office/drawing/2014/main" xmlns="" id="{69296C9A-4472-4D30-BFAE-60CB397B5014}"/>
               </a:ext>
             </a:extLst>
           </p:cNvPr>
@@ -2375,7 +2375,7 @@
           <p:cNvPr id="5" name="날짜 개체 틀 4">
             <a:extLst>
               <a:ext uri="{FF2B5EF4-FFF2-40B4-BE49-F238E27FC236}">
-                <a16:creationId xmlns="" xmlns:a16="http://schemas.microsoft.com/office/drawing/2014/main" id="{F44E3F16-D603-4838-BA1C-0C9EEDE4AC92}"/>
+                <a16:creationId xmlns:a16="http://schemas.microsoft.com/office/drawing/2014/main" xmlns="" id="{F44E3F16-D603-4838-BA1C-0C9EEDE4AC92}"/>
               </a:ext>
             </a:extLst>
           </p:cNvPr>
@@ -2393,7 +2393,7 @@
           <a:p>
             <a:fld id="{246E467A-4026-4A8D-97BF-715EF7FA6491}" type="datetimeFigureOut">
               <a:rPr lang="ko-KR" altLang="en-US" smtClean="0"/>
-              <a:t>2023-05-18</a:t>
+              <a:t>2023-05-25</a:t>
             </a:fld>
             <a:endParaRPr lang="ko-KR" altLang="en-US"/>
           </a:p>
@@ -2404,7 +2404,7 @@
           <p:cNvPr id="6" name="바닥글 개체 틀 5">
             <a:extLst>
               <a:ext uri="{FF2B5EF4-FFF2-40B4-BE49-F238E27FC236}">
-                <a16:creationId xmlns="" xmlns:a16="http://schemas.microsoft.com/office/drawing/2014/main" id="{F48873C6-9D3A-4C62-9D46-88E6BAABCBA4}"/>
+                <a16:creationId xmlns:a16="http://schemas.microsoft.com/office/drawing/2014/main" xmlns="" id="{F48873C6-9D3A-4C62-9D46-88E6BAABCBA4}"/>
               </a:ext>
             </a:extLst>
           </p:cNvPr>
@@ -2429,7 +2429,7 @@
           <p:cNvPr id="7" name="슬라이드 번호 개체 틀 6">
             <a:extLst>
               <a:ext uri="{FF2B5EF4-FFF2-40B4-BE49-F238E27FC236}">
-                <a16:creationId xmlns="" xmlns:a16="http://schemas.microsoft.com/office/drawing/2014/main" id="{79A9C646-865F-49F4-8BDD-FB9A4DECA8F3}"/>
+                <a16:creationId xmlns:a16="http://schemas.microsoft.com/office/drawing/2014/main" xmlns="" id="{79A9C646-865F-49F4-8BDD-FB9A4DECA8F3}"/>
               </a:ext>
             </a:extLst>
           </p:cNvPr>
@@ -2488,7 +2488,7 @@
           <p:cNvPr id="2" name="제목 1">
             <a:extLst>
               <a:ext uri="{FF2B5EF4-FFF2-40B4-BE49-F238E27FC236}">
-                <a16:creationId xmlns="" xmlns:a16="http://schemas.microsoft.com/office/drawing/2014/main" id="{E5F258A6-5AAD-4F1F-976F-EDB5FF7254F0}"/>
+                <a16:creationId xmlns:a16="http://schemas.microsoft.com/office/drawing/2014/main" xmlns="" id="{E5F258A6-5AAD-4F1F-976F-EDB5FF7254F0}"/>
               </a:ext>
             </a:extLst>
           </p:cNvPr>
@@ -2525,7 +2525,7 @@
           <p:cNvPr id="3" name="그림 개체 틀 2">
             <a:extLst>
               <a:ext uri="{FF2B5EF4-FFF2-40B4-BE49-F238E27FC236}">
-                <a16:creationId xmlns="" xmlns:a16="http://schemas.microsoft.com/office/drawing/2014/main" id="{D2F4441E-0165-42AA-88F8-E53C4BAAC1DE}"/>
+                <a16:creationId xmlns:a16="http://schemas.microsoft.com/office/drawing/2014/main" xmlns="" id="{D2F4441E-0165-42AA-88F8-E53C4BAAC1DE}"/>
               </a:ext>
             </a:extLst>
           </p:cNvPr>
@@ -2592,7 +2592,7 @@
           <p:cNvPr id="4" name="텍스트 개체 틀 3">
             <a:extLst>
               <a:ext uri="{FF2B5EF4-FFF2-40B4-BE49-F238E27FC236}">
-                <a16:creationId xmlns="" xmlns:a16="http://schemas.microsoft.com/office/drawing/2014/main" id="{5AFCA1E8-0D3C-4590-82E2-D018D6E61D0F}"/>
+                <a16:creationId xmlns:a16="http://schemas.microsoft.com/office/drawing/2014/main" xmlns="" id="{5AFCA1E8-0D3C-4590-82E2-D018D6E61D0F}"/>
               </a:ext>
             </a:extLst>
           </p:cNvPr>
@@ -2663,7 +2663,7 @@
           <p:cNvPr id="5" name="날짜 개체 틀 4">
             <a:extLst>
               <a:ext uri="{FF2B5EF4-FFF2-40B4-BE49-F238E27FC236}">
-                <a16:creationId xmlns="" xmlns:a16="http://schemas.microsoft.com/office/drawing/2014/main" id="{0A674557-7FD9-416C-A8B5-FA6C4B5558AE}"/>
+                <a16:creationId xmlns:a16="http://schemas.microsoft.com/office/drawing/2014/main" xmlns="" id="{0A674557-7FD9-416C-A8B5-FA6C4B5558AE}"/>
               </a:ext>
             </a:extLst>
           </p:cNvPr>
@@ -2681,7 +2681,7 @@
           <a:p>
             <a:fld id="{246E467A-4026-4A8D-97BF-715EF7FA6491}" type="datetimeFigureOut">
               <a:rPr lang="ko-KR" altLang="en-US" smtClean="0"/>
-              <a:t>2023-05-18</a:t>
+              <a:t>2023-05-25</a:t>
             </a:fld>
             <a:endParaRPr lang="ko-KR" altLang="en-US"/>
           </a:p>
@@ -2692,7 +2692,7 @@
           <p:cNvPr id="6" name="바닥글 개체 틀 5">
             <a:extLst>
               <a:ext uri="{FF2B5EF4-FFF2-40B4-BE49-F238E27FC236}">
-                <a16:creationId xmlns="" xmlns:a16="http://schemas.microsoft.com/office/drawing/2014/main" id="{9C4A215C-B55F-4988-B45B-7667E8C7CAF6}"/>
+                <a16:creationId xmlns:a16="http://schemas.microsoft.com/office/drawing/2014/main" xmlns="" id="{9C4A215C-B55F-4988-B45B-7667E8C7CAF6}"/>
               </a:ext>
             </a:extLst>
           </p:cNvPr>
@@ -2717,7 +2717,7 @@
           <p:cNvPr id="7" name="슬라이드 번호 개체 틀 6">
             <a:extLst>
               <a:ext uri="{FF2B5EF4-FFF2-40B4-BE49-F238E27FC236}">
-                <a16:creationId xmlns="" xmlns:a16="http://schemas.microsoft.com/office/drawing/2014/main" id="{82FF3B86-5A48-411F-8090-830140A677FA}"/>
+                <a16:creationId xmlns:a16="http://schemas.microsoft.com/office/drawing/2014/main" xmlns="" id="{82FF3B86-5A48-411F-8090-830140A677FA}"/>
               </a:ext>
             </a:extLst>
           </p:cNvPr>
@@ -2781,7 +2781,7 @@
           <p:cNvPr id="2" name="제목 개체 틀 1">
             <a:extLst>
               <a:ext uri="{FF2B5EF4-FFF2-40B4-BE49-F238E27FC236}">
-                <a16:creationId xmlns="" xmlns:a16="http://schemas.microsoft.com/office/drawing/2014/main" id="{B9DF84FF-C412-430B-963A-695AABF70E5D}"/>
+                <a16:creationId xmlns:a16="http://schemas.microsoft.com/office/drawing/2014/main" xmlns="" id="{B9DF84FF-C412-430B-963A-695AABF70E5D}"/>
               </a:ext>
             </a:extLst>
           </p:cNvPr>
@@ -2819,7 +2819,7 @@
           <p:cNvPr id="3" name="텍스트 개체 틀 2">
             <a:extLst>
               <a:ext uri="{FF2B5EF4-FFF2-40B4-BE49-F238E27FC236}">
-                <a16:creationId xmlns="" xmlns:a16="http://schemas.microsoft.com/office/drawing/2014/main" id="{45EE7982-A999-4B0A-85F1-A0D5C55038DC}"/>
+                <a16:creationId xmlns:a16="http://schemas.microsoft.com/office/drawing/2014/main" xmlns="" id="{45EE7982-A999-4B0A-85F1-A0D5C55038DC}"/>
               </a:ext>
             </a:extLst>
           </p:cNvPr>
@@ -2886,7 +2886,7 @@
           <p:cNvPr id="4" name="날짜 개체 틀 3">
             <a:extLst>
               <a:ext uri="{FF2B5EF4-FFF2-40B4-BE49-F238E27FC236}">
-                <a16:creationId xmlns="" xmlns:a16="http://schemas.microsoft.com/office/drawing/2014/main" id="{3F48EB6A-F091-464F-A783-1AE546A56948}"/>
+                <a16:creationId xmlns:a16="http://schemas.microsoft.com/office/drawing/2014/main" xmlns="" id="{3F48EB6A-F091-464F-A783-1AE546A56948}"/>
               </a:ext>
             </a:extLst>
           </p:cNvPr>
@@ -2922,7 +2922,7 @@
           <a:p>
             <a:fld id="{246E467A-4026-4A8D-97BF-715EF7FA6491}" type="datetimeFigureOut">
               <a:rPr lang="ko-KR" altLang="en-US" smtClean="0"/>
-              <a:t>2023-05-18</a:t>
+              <a:t>2023-05-25</a:t>
             </a:fld>
             <a:endParaRPr lang="ko-KR" altLang="en-US"/>
           </a:p>
@@ -2933,7 +2933,7 @@
           <p:cNvPr id="5" name="바닥글 개체 틀 4">
             <a:extLst>
               <a:ext uri="{FF2B5EF4-FFF2-40B4-BE49-F238E27FC236}">
-                <a16:creationId xmlns="" xmlns:a16="http://schemas.microsoft.com/office/drawing/2014/main" id="{9531D2C7-63D5-4319-952D-A6F8404F460B}"/>
+                <a16:creationId xmlns:a16="http://schemas.microsoft.com/office/drawing/2014/main" xmlns="" id="{9531D2C7-63D5-4319-952D-A6F8404F460B}"/>
               </a:ext>
             </a:extLst>
           </p:cNvPr>
@@ -2976,7 +2976,7 @@
           <p:cNvPr id="6" name="슬라이드 번호 개체 틀 5">
             <a:extLst>
               <a:ext uri="{FF2B5EF4-FFF2-40B4-BE49-F238E27FC236}">
-                <a16:creationId xmlns="" xmlns:a16="http://schemas.microsoft.com/office/drawing/2014/main" id="{7739517A-02D4-4037-9427-974339FE7C30}"/>
+                <a16:creationId xmlns:a16="http://schemas.microsoft.com/office/drawing/2014/main" xmlns="" id="{7739517A-02D4-4037-9427-974339FE7C30}"/>
               </a:ext>
             </a:extLst>
           </p:cNvPr>
@@ -3352,7 +3352,7 @@
           <p:cNvPr id="2" name="TextBox 1">
             <a:extLst>
               <a:ext uri="{FF2B5EF4-FFF2-40B4-BE49-F238E27FC236}">
-                <a16:creationId xmlns="" xmlns:a16="http://schemas.microsoft.com/office/drawing/2014/main" id="{C70C938C-F8B1-4FFF-8F74-6ED0A876B136}"/>
+                <a16:creationId xmlns:a16="http://schemas.microsoft.com/office/drawing/2014/main" xmlns="" id="{C70C938C-F8B1-4FFF-8F74-6ED0A876B136}"/>
               </a:ext>
             </a:extLst>
           </p:cNvPr>
@@ -3393,7 +3393,7 @@
           <p:cNvPr id="3" name="TextBox 2">
             <a:extLst>
               <a:ext uri="{FF2B5EF4-FFF2-40B4-BE49-F238E27FC236}">
-                <a16:creationId xmlns="" xmlns:a16="http://schemas.microsoft.com/office/drawing/2014/main" id="{CC61FC92-B1C1-4C46-ABEF-2B6B78AA5915}"/>
+                <a16:creationId xmlns:a16="http://schemas.microsoft.com/office/drawing/2014/main" xmlns="" id="{CC61FC92-B1C1-4C46-ABEF-2B6B78AA5915}"/>
               </a:ext>
             </a:extLst>
           </p:cNvPr>
@@ -3434,7 +3434,7 @@
           <p:cNvPr id="8" name="그림 7" descr="사람, 서있는, 남자, 착용이(가) 표시된 사진&#10;&#10;자동 생성된 설명">
             <a:extLst>
               <a:ext uri="{FF2B5EF4-FFF2-40B4-BE49-F238E27FC236}">
-                <a16:creationId xmlns="" xmlns:a16="http://schemas.microsoft.com/office/drawing/2014/main" id="{398D98B8-2DFA-8476-B48A-2240354A960C}"/>
+                <a16:creationId xmlns:a16="http://schemas.microsoft.com/office/drawing/2014/main" xmlns="" id="{398D98B8-2DFA-8476-B48A-2240354A960C}"/>
               </a:ext>
             </a:extLst>
           </p:cNvPr>
@@ -3470,7 +3470,7 @@
           <p:cNvPr id="10" name="그림 9" descr="사람이(가) 표시된 사진&#10;&#10;자동 생성된 설명">
             <a:extLst>
               <a:ext uri="{FF2B5EF4-FFF2-40B4-BE49-F238E27FC236}">
-                <a16:creationId xmlns="" xmlns:a16="http://schemas.microsoft.com/office/drawing/2014/main" id="{0BE051E3-CAB7-BCFC-0441-E2FD03007A8D}"/>
+                <a16:creationId xmlns:a16="http://schemas.microsoft.com/office/drawing/2014/main" xmlns="" id="{0BE051E3-CAB7-BCFC-0441-E2FD03007A8D}"/>
               </a:ext>
             </a:extLst>
           </p:cNvPr>
@@ -3506,7 +3506,7 @@
           <p:cNvPr id="12" name="그림 11" descr="사람, 남자, 착용, 서있는이(가) 표시된 사진&#10;&#10;자동 생성된 설명">
             <a:extLst>
               <a:ext uri="{FF2B5EF4-FFF2-40B4-BE49-F238E27FC236}">
-                <a16:creationId xmlns="" xmlns:a16="http://schemas.microsoft.com/office/drawing/2014/main" id="{E9B0AD0F-14A6-F8C1-AEF5-1B01B5CEF846}"/>
+                <a16:creationId xmlns:a16="http://schemas.microsoft.com/office/drawing/2014/main" xmlns="" id="{E9B0AD0F-14A6-F8C1-AEF5-1B01B5CEF846}"/>
               </a:ext>
             </a:extLst>
           </p:cNvPr>
@@ -3584,7 +3584,7 @@
           <p:cNvPr id="3" name="직선 연결선 2">
             <a:extLst>
               <a:ext uri="{FF2B5EF4-FFF2-40B4-BE49-F238E27FC236}">
-                <a16:creationId xmlns="" xmlns:a16="http://schemas.microsoft.com/office/drawing/2014/main" id="{30B7886A-E2C2-47A8-A271-1FD08F52EED0}"/>
+                <a16:creationId xmlns:a16="http://schemas.microsoft.com/office/drawing/2014/main" xmlns="" id="{30B7886A-E2C2-47A8-A271-1FD08F52EED0}"/>
               </a:ext>
             </a:extLst>
           </p:cNvPr>
@@ -3627,7 +3627,7 @@
           <p:cNvPr id="18" name="직선 연결선 17">
             <a:extLst>
               <a:ext uri="{FF2B5EF4-FFF2-40B4-BE49-F238E27FC236}">
-                <a16:creationId xmlns="" xmlns:a16="http://schemas.microsoft.com/office/drawing/2014/main" id="{7911BDFD-7E29-44F7-9ED7-E8F36B51436C}"/>
+                <a16:creationId xmlns:a16="http://schemas.microsoft.com/office/drawing/2014/main" xmlns="" id="{7911BDFD-7E29-44F7-9ED7-E8F36B51436C}"/>
               </a:ext>
             </a:extLst>
           </p:cNvPr>
@@ -3666,8 +3666,8 @@
         </p:nvSpPr>
         <p:spPr>
           <a:xfrm>
-            <a:off x="1409235" y="5237397"/>
-            <a:ext cx="9917723" cy="923330"/>
+            <a:off x="1409234" y="5652352"/>
+            <a:ext cx="9917723" cy="646331"/>
           </a:xfrm>
           <a:prstGeom prst="rect">
             <a:avLst/>
@@ -3682,37 +3682,77 @@
           <a:p>
             <a:r>
               <a:rPr lang="ko-KR" altLang="en-US" dirty="0" err="1" smtClean="0"/>
-              <a:t>지터링</a:t>
+              <a:t>로보플로우</a:t>
+            </a:r>
+            <a:r>
+              <a:rPr lang="ko-KR" altLang="en-US" dirty="0"/>
+              <a:t> </a:t>
             </a:r>
             <a:r>
               <a:rPr lang="ko-KR" altLang="en-US" dirty="0" smtClean="0"/>
-              <a:t> 제거 아웃풋 데이터가 고정된 우리 데이터 셋을 변형하지 않도록 </a:t>
-            </a:r>
+              <a:t>가 </a:t>
+            </a:r>
+            <a:r>
+              <a:rPr lang="en-US" altLang="ko-KR" dirty="0" err="1" smtClean="0"/>
+              <a:t>png</a:t>
+            </a:r>
+            <a:r>
+              <a:rPr lang="ko-KR" altLang="en-US" dirty="0" smtClean="0"/>
+              <a:t>를 지원하지 않아</a:t>
+            </a:r>
+            <a:r>
+              <a:rPr lang="en-US" altLang="ko-KR" dirty="0" smtClean="0"/>
+              <a:t>.</a:t>
+            </a:r>
+          </a:p>
+          <a:p>
             <a:r>
               <a:rPr lang="ko-KR" altLang="en-US" dirty="0" err="1" smtClean="0"/>
-              <a:t>지터링</a:t>
+              <a:t>파이썬으로</a:t>
             </a:r>
             <a:r>
               <a:rPr lang="ko-KR" altLang="en-US" dirty="0" smtClean="0"/>
-              <a:t> 제거</a:t>
-            </a:r>
-            <a:endParaRPr lang="en-US" altLang="ko-KR" dirty="0" smtClean="0"/>
-          </a:p>
-          <a:p>
-            <a:endParaRPr lang="en-US" altLang="ko-KR" dirty="0" smtClean="0"/>
-          </a:p>
-          <a:p>
+              <a:t>  구현</a:t>
+            </a:r>
+            <a:r>
+              <a:rPr lang="en-US" altLang="ko-KR" dirty="0"/>
+              <a:t>,</a:t>
+            </a:r>
+            <a:r>
+              <a:rPr lang="en-US" altLang="ko-KR" dirty="0" smtClean="0"/>
+              <a:t> </a:t>
+            </a:r>
             <a:r>
               <a:rPr lang="ko-KR" altLang="en-US" dirty="0" smtClean="0"/>
-              <a:t>결과 </a:t>
+              <a:t>필요에 의해 증폭 구현</a:t>
+            </a:r>
+            <a:r>
+              <a:rPr lang="en-US" altLang="ko-KR" dirty="0"/>
+              <a:t> </a:t>
+            </a:r>
+            <a:r>
+              <a:rPr lang="ko-KR" altLang="en-US" dirty="0" smtClean="0"/>
+              <a:t>색상 조절</a:t>
             </a:r>
             <a:r>
               <a:rPr lang="en-US" altLang="ko-KR" dirty="0" smtClean="0"/>
-              <a:t>=&gt; </a:t>
+              <a:t>,</a:t>
             </a:r>
             <a:r>
               <a:rPr lang="ko-KR" altLang="en-US" dirty="0" smtClean="0"/>
-              <a:t>아웃풋 이미지 양식을 반영하게 됨</a:t>
+              <a:t>  </a:t>
+            </a:r>
+            <a:r>
+              <a:rPr lang="ko-KR" altLang="en-US" dirty="0" err="1" smtClean="0"/>
+              <a:t>노이즈</a:t>
+            </a:r>
+            <a:r>
+              <a:rPr lang="en-US" altLang="ko-KR" dirty="0" smtClean="0"/>
+              <a:t>,  </a:t>
+            </a:r>
+            <a:r>
+              <a:rPr lang="ko-KR" altLang="en-US" dirty="0" smtClean="0"/>
+              <a:t>회전 등의 증폭 사용 </a:t>
             </a:r>
             <a:endParaRPr lang="en-US" altLang="ko-KR" dirty="0" smtClean="0"/>
           </a:p>
@@ -3720,14 +3760,14 @@
       </p:sp>
       <p:pic>
         <p:nvPicPr>
-          <p:cNvPr id="1026" name="Picture 2" descr="C:\Users\user\Desktop\111.jpg"/>
+          <p:cNvPr id="2" name="Picture 2" descr="C:\Users\user\Desktop\1.1223.JPG"/>
           <p:cNvPicPr>
             <a:picLocks noChangeAspect="1" noChangeArrowheads="1"/>
           </p:cNvPicPr>
           <p:nvPr/>
         </p:nvPicPr>
         <p:blipFill>
-          <a:blip r:embed="rId2" cstate="screen">
+          <a:blip r:embed="rId2">
             <a:extLst>
               <a:ext uri="{28A0092B-C50C-407E-A947-70E740481C1C}">
                 <a14:useLocalDpi xmlns:a14="http://schemas.microsoft.com/office/drawing/2010/main" val="0"/>
@@ -3741,8 +3781,8 @@
         </p:blipFill>
         <p:spPr bwMode="auto">
           <a:xfrm>
-            <a:off x="365760" y="679355"/>
-            <a:ext cx="10634252" cy="4211415"/>
+            <a:off x="1259322" y="823912"/>
+            <a:ext cx="9135961" cy="4625239"/>
           </a:xfrm>
           <a:prstGeom prst="rect">
             <a:avLst/>
@@ -3813,7 +3853,7 @@
           <p:cNvPr id="3" name="직선 연결선 2">
             <a:extLst>
               <a:ext uri="{FF2B5EF4-FFF2-40B4-BE49-F238E27FC236}">
-                <a16:creationId xmlns="" xmlns:a16="http://schemas.microsoft.com/office/drawing/2014/main" id="{30B7886A-E2C2-47A8-A271-1FD08F52EED0}"/>
+                <a16:creationId xmlns:a16="http://schemas.microsoft.com/office/drawing/2014/main" xmlns="" id="{30B7886A-E2C2-47A8-A271-1FD08F52EED0}"/>
               </a:ext>
             </a:extLst>
           </p:cNvPr>
@@ -3856,7 +3896,7 @@
           <p:cNvPr id="18" name="직선 연결선 17">
             <a:extLst>
               <a:ext uri="{FF2B5EF4-FFF2-40B4-BE49-F238E27FC236}">
-                <a16:creationId xmlns="" xmlns:a16="http://schemas.microsoft.com/office/drawing/2014/main" id="{7911BDFD-7E29-44F7-9ED7-E8F36B51436C}"/>
+                <a16:creationId xmlns:a16="http://schemas.microsoft.com/office/drawing/2014/main" xmlns="" id="{7911BDFD-7E29-44F7-9ED7-E8F36B51436C}"/>
               </a:ext>
             </a:extLst>
           </p:cNvPr>
@@ -3887,15 +3927,131 @@
           </a:fontRef>
         </p:style>
       </p:cxnSp>
+      <p:sp>
+        <p:nvSpPr>
+          <p:cNvPr id="7" name="TextBox 6"/>
+          <p:cNvSpPr txBox="1"/>
+          <p:nvPr/>
+        </p:nvSpPr>
+        <p:spPr>
+          <a:xfrm>
+            <a:off x="1104411" y="5297533"/>
+            <a:ext cx="9917723" cy="923330"/>
+          </a:xfrm>
+          <a:prstGeom prst="rect">
+            <a:avLst/>
+          </a:prstGeom>
+          <a:noFill/>
+        </p:spPr>
+        <p:txBody>
+          <a:bodyPr wrap="square" rtlCol="0">
+            <a:spAutoFit/>
+          </a:bodyPr>
+          <a:lstStyle/>
+          <a:p>
+            <a:r>
+              <a:rPr lang="ko-KR" altLang="en-US" dirty="0" err="1" smtClean="0"/>
+              <a:t>하이퍼</a:t>
+            </a:r>
+            <a:r>
+              <a:rPr lang="ko-KR" altLang="en-US" dirty="0" smtClean="0"/>
+              <a:t> </a:t>
+            </a:r>
+            <a:r>
+              <a:rPr lang="ko-KR" altLang="en-US" dirty="0" err="1" smtClean="0"/>
+              <a:t>파라미터</a:t>
+            </a:r>
+            <a:r>
+              <a:rPr lang="ko-KR" altLang="en-US" dirty="0" smtClean="0"/>
+              <a:t> 변경 </a:t>
+            </a:r>
+            <a:endParaRPr lang="en-US" altLang="ko-KR" dirty="0" smtClean="0"/>
+          </a:p>
+          <a:p>
+            <a:r>
+              <a:rPr lang="ko-KR" altLang="en-US" dirty="0" smtClean="0"/>
+              <a:t>샘플링 </a:t>
+            </a:r>
+            <a:r>
+              <a:rPr lang="ko-KR" altLang="en-US" dirty="0" err="1" smtClean="0"/>
+              <a:t>드롭아웃</a:t>
+            </a:r>
+            <a:r>
+              <a:rPr lang="ko-KR" altLang="en-US" dirty="0" smtClean="0"/>
+              <a:t> 위치 및 수치 변경</a:t>
+            </a:r>
+            <a:r>
+              <a:rPr lang="en-US" altLang="ko-KR" dirty="0" smtClean="0"/>
+              <a:t>, </a:t>
+            </a:r>
+            <a:r>
+              <a:rPr lang="en-US" altLang="ko-KR" dirty="0" err="1" smtClean="0"/>
+              <a:t>apply_batchnorm</a:t>
+            </a:r>
+            <a:r>
+              <a:rPr lang="en-US" altLang="ko-KR" dirty="0"/>
+              <a:t> </a:t>
+            </a:r>
+            <a:r>
+              <a:rPr lang="ko-KR" altLang="en-US" dirty="0" smtClean="0"/>
+              <a:t>추가 등의 테스트 시행 </a:t>
+            </a:r>
+            <a:endParaRPr lang="en-US" altLang="ko-KR" dirty="0" smtClean="0"/>
+          </a:p>
+          <a:p>
+            <a:r>
+              <a:rPr lang="en-US" altLang="ko-KR" dirty="0" smtClean="0"/>
+              <a:t> L1 </a:t>
+            </a:r>
+            <a:r>
+              <a:rPr lang="ko-KR" altLang="en-US" dirty="0" err="1" smtClean="0"/>
+              <a:t>로스에서</a:t>
+            </a:r>
+            <a:r>
+              <a:rPr lang="ko-KR" altLang="en-US" dirty="0" smtClean="0"/>
+              <a:t> </a:t>
+            </a:r>
+            <a:r>
+              <a:rPr lang="en-US" altLang="ko-KR" dirty="0" smtClean="0"/>
+              <a:t>L2 </a:t>
+            </a:r>
+            <a:r>
+              <a:rPr lang="ko-KR" altLang="en-US" dirty="0" err="1" smtClean="0"/>
+              <a:t>로스로</a:t>
+            </a:r>
+            <a:r>
+              <a:rPr lang="ko-KR" altLang="en-US" dirty="0" smtClean="0"/>
+              <a:t> 변경으로 부드럽게 변경</a:t>
+            </a:r>
+            <a:r>
+              <a:rPr lang="en-US" altLang="ko-KR" dirty="0"/>
+              <a:t> </a:t>
+            </a:r>
+            <a:r>
+              <a:rPr lang="ko-KR" altLang="en-US" dirty="0" smtClean="0"/>
+              <a:t>및</a:t>
+            </a:r>
+            <a:r>
+              <a:rPr lang="en-US" altLang="ko-KR" dirty="0" smtClean="0"/>
+              <a:t>, </a:t>
+            </a:r>
+            <a:r>
+              <a:rPr lang="ko-KR" altLang="en-US" dirty="0" smtClean="0"/>
+              <a:t>람다 값 변경 테스트  </a:t>
+            </a:r>
+            <a:endParaRPr lang="en-US" altLang="ko-KR" dirty="0" smtClean="0"/>
+          </a:p>
+        </p:txBody>
+      </p:sp>
       <p:pic>
         <p:nvPicPr>
-          <p:cNvPr id="1028" name="Picture 4" descr="C:\Users\user\Desktop\1.2.JPG"/>
+          <p:cNvPr id="2050" name="Picture 2" descr="C:\Users\user\Desktop\1.122.JPG"/>
           <p:cNvPicPr>
             <a:picLocks noChangeAspect="1" noChangeArrowheads="1"/>
           </p:cNvPicPr>
           <p:nvPr/>
         </p:nvPicPr>
-        <p:blipFill>
+        <p:blipFill rotWithShape="1">
           <a:blip r:embed="rId2" cstate="screen">
             <a:extLst>
               <a:ext uri="{28A0092B-C50C-407E-A947-70E740481C1C}">
@@ -3903,15 +4059,13 @@
               </a:ext>
             </a:extLst>
           </a:blip>
-          <a:srcRect/>
-          <a:stretch>
-            <a:fillRect/>
-          </a:stretch>
+          <a:srcRect l="-1580"/>
+          <a:stretch/>
         </p:blipFill>
         <p:spPr bwMode="auto">
           <a:xfrm>
-            <a:off x="500512" y="715983"/>
-            <a:ext cx="11319311" cy="3923394"/>
+            <a:off x="554948" y="679718"/>
+            <a:ext cx="11016645" cy="4275236"/>
           </a:xfrm>
           <a:prstGeom prst="rect">
             <a:avLst/>
@@ -3928,66 +4082,6 @@
           </a:extLst>
         </p:spPr>
       </p:pic>
-      <p:sp>
-        <p:nvSpPr>
-          <p:cNvPr id="7" name="TextBox 6"/>
-          <p:cNvSpPr txBox="1"/>
-          <p:nvPr/>
-        </p:nvSpPr>
-        <p:spPr>
-          <a:xfrm>
-            <a:off x="1409235" y="5237397"/>
-            <a:ext cx="9917723" cy="923330"/>
-          </a:xfrm>
-          <a:prstGeom prst="rect">
-            <a:avLst/>
-          </a:prstGeom>
-          <a:noFill/>
-        </p:spPr>
-        <p:txBody>
-          <a:bodyPr wrap="square" rtlCol="0">
-            <a:spAutoFit/>
-          </a:bodyPr>
-          <a:lstStyle/>
-          <a:p>
-            <a:r>
-              <a:rPr lang="ko-KR" altLang="en-US" dirty="0" smtClean="0"/>
-              <a:t>다양한 인풋을 받을 수 있다는 점에서 인풋 </a:t>
-            </a:r>
-            <a:r>
-              <a:rPr lang="ko-KR" altLang="en-US" dirty="0" err="1" smtClean="0"/>
-              <a:t>지터링만</a:t>
-            </a:r>
-            <a:r>
-              <a:rPr lang="ko-KR" altLang="en-US" dirty="0" smtClean="0"/>
-              <a:t> </a:t>
-            </a:r>
-            <a:r>
-              <a:rPr lang="ko-KR" altLang="en-US" dirty="0" err="1" smtClean="0"/>
-              <a:t>재구현</a:t>
-            </a:r>
-            <a:r>
-              <a:rPr lang="ko-KR" altLang="en-US" dirty="0" smtClean="0"/>
-              <a:t> </a:t>
-            </a:r>
-            <a:endParaRPr lang="en-US" altLang="ko-KR" dirty="0" smtClean="0"/>
-          </a:p>
-          <a:p>
-            <a:endParaRPr lang="en-US" altLang="ko-KR" dirty="0" smtClean="0"/>
-          </a:p>
-          <a:p>
-            <a:r>
-              <a:rPr lang="en-US" altLang="ko-KR" dirty="0" smtClean="0"/>
-              <a:t>=&gt; </a:t>
-            </a:r>
-            <a:r>
-              <a:rPr lang="ko-KR" altLang="en-US" dirty="0" smtClean="0"/>
-              <a:t>데이터의 증강 효과</a:t>
-            </a:r>
-            <a:endParaRPr lang="en-US" altLang="ko-KR" dirty="0" smtClean="0"/>
-          </a:p>
-        </p:txBody>
-      </p:sp>
     </p:spTree>
     <p:extLst>
       <p:ext uri="{BB962C8B-B14F-4D97-AF65-F5344CB8AC3E}">
@@ -4241,7 +4335,7 @@
   <a:extraClrSchemeLst/>
   <a:extLst>
     <a:ext uri="{05A4C25C-085E-4340-85A3-A5531E510DB2}">
-      <thm15:themeFamily xmlns="" xmlns:thm15="http://schemas.microsoft.com/office/thememl/2012/main" name="Office Theme" id="{62F939B6-93AF-4DB8-9C6B-D6C7DFDC589F}" vid="{4A3C46E8-61CC-4603-A589-7422A47A8E4A}"/>
+      <thm15:themeFamily xmlns:thm15="http://schemas.microsoft.com/office/thememl/2012/main" xmlns="" name="Office Theme" id="{62F939B6-93AF-4DB8-9C6B-D6C7DFDC589F}" vid="{4A3C46E8-61CC-4603-A589-7422A47A8E4A}"/>
     </a:ext>
   </a:extLst>
 </a:theme>

--- a/발표자료/업데이트/LJHPPT.pptx
+++ b/발표자료/업데이트/LJHPPT.pptx
@@ -108,7 +108,7 @@
   </p:defaultTextStyle>
   <p:extLst>
     <p:ext uri="{EFAFB233-063F-42B5-8137-9DF3F51BA10A}">
-      <p15:sldGuideLst xmlns="" xmlns:p15="http://schemas.microsoft.com/office/powerpoint/2012/main">
+      <p15:sldGuideLst xmlns:p15="http://schemas.microsoft.com/office/powerpoint/2012/main">
         <p15:guide id="1" orient="horz" pos="2160" userDrawn="1">
           <p15:clr>
             <a:srgbClr val="A4A3A4"/>
@@ -147,7 +147,7 @@
           <p:cNvPr id="2" name="제목 1">
             <a:extLst>
               <a:ext uri="{FF2B5EF4-FFF2-40B4-BE49-F238E27FC236}">
-                <a16:creationId xmlns="" xmlns:a16="http://schemas.microsoft.com/office/drawing/2014/main" id="{544428E6-48F8-48FF-A4B7-7E67A9EE0B77}"/>
+                <a16:creationId xmlns:a16="http://schemas.microsoft.com/office/drawing/2014/main" id="{544428E6-48F8-48FF-A4B7-7E67A9EE0B77}"/>
               </a:ext>
             </a:extLst>
           </p:cNvPr>
@@ -184,7 +184,7 @@
           <p:cNvPr id="3" name="부제목 2">
             <a:extLst>
               <a:ext uri="{FF2B5EF4-FFF2-40B4-BE49-F238E27FC236}">
-                <a16:creationId xmlns="" xmlns:a16="http://schemas.microsoft.com/office/drawing/2014/main" id="{FBA2431C-BDF3-4534-AED0-115F103A462A}"/>
+                <a16:creationId xmlns:a16="http://schemas.microsoft.com/office/drawing/2014/main" id="{FBA2431C-BDF3-4534-AED0-115F103A462A}"/>
               </a:ext>
             </a:extLst>
           </p:cNvPr>
@@ -254,7 +254,7 @@
           <p:cNvPr id="4" name="날짜 개체 틀 3">
             <a:extLst>
               <a:ext uri="{FF2B5EF4-FFF2-40B4-BE49-F238E27FC236}">
-                <a16:creationId xmlns="" xmlns:a16="http://schemas.microsoft.com/office/drawing/2014/main" id="{420173CB-01B9-4295-A804-D7D5973D6277}"/>
+                <a16:creationId xmlns:a16="http://schemas.microsoft.com/office/drawing/2014/main" id="{420173CB-01B9-4295-A804-D7D5973D6277}"/>
               </a:ext>
             </a:extLst>
           </p:cNvPr>
@@ -272,7 +272,7 @@
           <a:p>
             <a:fld id="{246E467A-4026-4A8D-97BF-715EF7FA6491}" type="datetimeFigureOut">
               <a:rPr lang="ko-KR" altLang="en-US" smtClean="0"/>
-              <a:t>2023-05-18</a:t>
+              <a:t>2023. 5. 25.</a:t>
             </a:fld>
             <a:endParaRPr lang="ko-KR" altLang="en-US"/>
           </a:p>
@@ -283,7 +283,7 @@
           <p:cNvPr id="5" name="바닥글 개체 틀 4">
             <a:extLst>
               <a:ext uri="{FF2B5EF4-FFF2-40B4-BE49-F238E27FC236}">
-                <a16:creationId xmlns="" xmlns:a16="http://schemas.microsoft.com/office/drawing/2014/main" id="{E1C5FE16-77A0-484E-AEFD-FF537292ECD0}"/>
+                <a16:creationId xmlns:a16="http://schemas.microsoft.com/office/drawing/2014/main" id="{E1C5FE16-77A0-484E-AEFD-FF537292ECD0}"/>
               </a:ext>
             </a:extLst>
           </p:cNvPr>
@@ -308,7 +308,7 @@
           <p:cNvPr id="6" name="슬라이드 번호 개체 틀 5">
             <a:extLst>
               <a:ext uri="{FF2B5EF4-FFF2-40B4-BE49-F238E27FC236}">
-                <a16:creationId xmlns="" xmlns:a16="http://schemas.microsoft.com/office/drawing/2014/main" id="{69F3DF25-2E65-49D3-8F6F-64AA11097B17}"/>
+                <a16:creationId xmlns:a16="http://schemas.microsoft.com/office/drawing/2014/main" id="{69F3DF25-2E65-49D3-8F6F-64AA11097B17}"/>
               </a:ext>
             </a:extLst>
           </p:cNvPr>
@@ -367,7 +367,7 @@
           <p:cNvPr id="2" name="제목 1">
             <a:extLst>
               <a:ext uri="{FF2B5EF4-FFF2-40B4-BE49-F238E27FC236}">
-                <a16:creationId xmlns="" xmlns:a16="http://schemas.microsoft.com/office/drawing/2014/main" id="{0E520652-E714-4A15-826F-1B53C7092B68}"/>
+                <a16:creationId xmlns:a16="http://schemas.microsoft.com/office/drawing/2014/main" id="{0E520652-E714-4A15-826F-1B53C7092B68}"/>
               </a:ext>
             </a:extLst>
           </p:cNvPr>
@@ -395,7 +395,7 @@
           <p:cNvPr id="3" name="세로 텍스트 개체 틀 2">
             <a:extLst>
               <a:ext uri="{FF2B5EF4-FFF2-40B4-BE49-F238E27FC236}">
-                <a16:creationId xmlns="" xmlns:a16="http://schemas.microsoft.com/office/drawing/2014/main" id="{1C14771D-DE0A-400C-8C59-8670E31F7094}"/>
+                <a16:creationId xmlns:a16="http://schemas.microsoft.com/office/drawing/2014/main" id="{1C14771D-DE0A-400C-8C59-8670E31F7094}"/>
               </a:ext>
             </a:extLst>
           </p:cNvPr>
@@ -452,7 +452,7 @@
           <p:cNvPr id="4" name="날짜 개체 틀 3">
             <a:extLst>
               <a:ext uri="{FF2B5EF4-FFF2-40B4-BE49-F238E27FC236}">
-                <a16:creationId xmlns="" xmlns:a16="http://schemas.microsoft.com/office/drawing/2014/main" id="{5CBEACB7-48C9-4FB8-8D34-7F4C63932697}"/>
+                <a16:creationId xmlns:a16="http://schemas.microsoft.com/office/drawing/2014/main" id="{5CBEACB7-48C9-4FB8-8D34-7F4C63932697}"/>
               </a:ext>
             </a:extLst>
           </p:cNvPr>
@@ -470,7 +470,7 @@
           <a:p>
             <a:fld id="{246E467A-4026-4A8D-97BF-715EF7FA6491}" type="datetimeFigureOut">
               <a:rPr lang="ko-KR" altLang="en-US" smtClean="0"/>
-              <a:t>2023-05-18</a:t>
+              <a:t>2023. 5. 25.</a:t>
             </a:fld>
             <a:endParaRPr lang="ko-KR" altLang="en-US"/>
           </a:p>
@@ -481,7 +481,7 @@
           <p:cNvPr id="5" name="바닥글 개체 틀 4">
             <a:extLst>
               <a:ext uri="{FF2B5EF4-FFF2-40B4-BE49-F238E27FC236}">
-                <a16:creationId xmlns="" xmlns:a16="http://schemas.microsoft.com/office/drawing/2014/main" id="{5BD31818-B6CD-47B0-9353-395CC53986D6}"/>
+                <a16:creationId xmlns:a16="http://schemas.microsoft.com/office/drawing/2014/main" id="{5BD31818-B6CD-47B0-9353-395CC53986D6}"/>
               </a:ext>
             </a:extLst>
           </p:cNvPr>
@@ -506,7 +506,7 @@
           <p:cNvPr id="6" name="슬라이드 번호 개체 틀 5">
             <a:extLst>
               <a:ext uri="{FF2B5EF4-FFF2-40B4-BE49-F238E27FC236}">
-                <a16:creationId xmlns="" xmlns:a16="http://schemas.microsoft.com/office/drawing/2014/main" id="{BD008922-CAE3-4884-AE59-2BC74144C74C}"/>
+                <a16:creationId xmlns:a16="http://schemas.microsoft.com/office/drawing/2014/main" id="{BD008922-CAE3-4884-AE59-2BC74144C74C}"/>
               </a:ext>
             </a:extLst>
           </p:cNvPr>
@@ -565,7 +565,7 @@
           <p:cNvPr id="2" name="세로 제목 1">
             <a:extLst>
               <a:ext uri="{FF2B5EF4-FFF2-40B4-BE49-F238E27FC236}">
-                <a16:creationId xmlns="" xmlns:a16="http://schemas.microsoft.com/office/drawing/2014/main" id="{A3371B8A-69A6-43D4-8783-6456E33508F7}"/>
+                <a16:creationId xmlns:a16="http://schemas.microsoft.com/office/drawing/2014/main" id="{A3371B8A-69A6-43D4-8783-6456E33508F7}"/>
               </a:ext>
             </a:extLst>
           </p:cNvPr>
@@ -598,7 +598,7 @@
           <p:cNvPr id="3" name="세로 텍스트 개체 틀 2">
             <a:extLst>
               <a:ext uri="{FF2B5EF4-FFF2-40B4-BE49-F238E27FC236}">
-                <a16:creationId xmlns="" xmlns:a16="http://schemas.microsoft.com/office/drawing/2014/main" id="{049DA1AA-3028-44E4-B5B0-C19BF61DC48A}"/>
+                <a16:creationId xmlns:a16="http://schemas.microsoft.com/office/drawing/2014/main" id="{049DA1AA-3028-44E4-B5B0-C19BF61DC48A}"/>
               </a:ext>
             </a:extLst>
           </p:cNvPr>
@@ -660,7 +660,7 @@
           <p:cNvPr id="4" name="날짜 개체 틀 3">
             <a:extLst>
               <a:ext uri="{FF2B5EF4-FFF2-40B4-BE49-F238E27FC236}">
-                <a16:creationId xmlns="" xmlns:a16="http://schemas.microsoft.com/office/drawing/2014/main" id="{ED2BCD8D-3E10-4F33-BC43-EACB05C0B415}"/>
+                <a16:creationId xmlns:a16="http://schemas.microsoft.com/office/drawing/2014/main" id="{ED2BCD8D-3E10-4F33-BC43-EACB05C0B415}"/>
               </a:ext>
             </a:extLst>
           </p:cNvPr>
@@ -678,7 +678,7 @@
           <a:p>
             <a:fld id="{246E467A-4026-4A8D-97BF-715EF7FA6491}" type="datetimeFigureOut">
               <a:rPr lang="ko-KR" altLang="en-US" smtClean="0"/>
-              <a:t>2023-05-18</a:t>
+              <a:t>2023. 5. 25.</a:t>
             </a:fld>
             <a:endParaRPr lang="ko-KR" altLang="en-US"/>
           </a:p>
@@ -689,7 +689,7 @@
           <p:cNvPr id="5" name="바닥글 개체 틀 4">
             <a:extLst>
               <a:ext uri="{FF2B5EF4-FFF2-40B4-BE49-F238E27FC236}">
-                <a16:creationId xmlns="" xmlns:a16="http://schemas.microsoft.com/office/drawing/2014/main" id="{33E365BE-78DE-4079-B7F3-706874E92415}"/>
+                <a16:creationId xmlns:a16="http://schemas.microsoft.com/office/drawing/2014/main" id="{33E365BE-78DE-4079-B7F3-706874E92415}"/>
               </a:ext>
             </a:extLst>
           </p:cNvPr>
@@ -714,7 +714,7 @@
           <p:cNvPr id="6" name="슬라이드 번호 개체 틀 5">
             <a:extLst>
               <a:ext uri="{FF2B5EF4-FFF2-40B4-BE49-F238E27FC236}">
-                <a16:creationId xmlns="" xmlns:a16="http://schemas.microsoft.com/office/drawing/2014/main" id="{6F0D9E52-1AFA-4482-A474-91FF4C5C683A}"/>
+                <a16:creationId xmlns:a16="http://schemas.microsoft.com/office/drawing/2014/main" id="{6F0D9E52-1AFA-4482-A474-91FF4C5C683A}"/>
               </a:ext>
             </a:extLst>
           </p:cNvPr>
@@ -773,7 +773,7 @@
           <p:cNvPr id="2" name="제목 1">
             <a:extLst>
               <a:ext uri="{FF2B5EF4-FFF2-40B4-BE49-F238E27FC236}">
-                <a16:creationId xmlns="" xmlns:a16="http://schemas.microsoft.com/office/drawing/2014/main" id="{60DBF82B-6C4A-4F6E-A362-B2BF3BDC30D7}"/>
+                <a16:creationId xmlns:a16="http://schemas.microsoft.com/office/drawing/2014/main" id="{60DBF82B-6C4A-4F6E-A362-B2BF3BDC30D7}"/>
               </a:ext>
             </a:extLst>
           </p:cNvPr>
@@ -801,7 +801,7 @@
           <p:cNvPr id="3" name="내용 개체 틀 2">
             <a:extLst>
               <a:ext uri="{FF2B5EF4-FFF2-40B4-BE49-F238E27FC236}">
-                <a16:creationId xmlns="" xmlns:a16="http://schemas.microsoft.com/office/drawing/2014/main" id="{BDE6E910-43A6-49D6-A1B5-99E3B0C27E2D}"/>
+                <a16:creationId xmlns:a16="http://schemas.microsoft.com/office/drawing/2014/main" id="{BDE6E910-43A6-49D6-A1B5-99E3B0C27E2D}"/>
               </a:ext>
             </a:extLst>
           </p:cNvPr>
@@ -858,7 +858,7 @@
           <p:cNvPr id="4" name="날짜 개체 틀 3">
             <a:extLst>
               <a:ext uri="{FF2B5EF4-FFF2-40B4-BE49-F238E27FC236}">
-                <a16:creationId xmlns="" xmlns:a16="http://schemas.microsoft.com/office/drawing/2014/main" id="{2F0DB3AC-66C4-4244-9CE9-54D71AA59C90}"/>
+                <a16:creationId xmlns:a16="http://schemas.microsoft.com/office/drawing/2014/main" id="{2F0DB3AC-66C4-4244-9CE9-54D71AA59C90}"/>
               </a:ext>
             </a:extLst>
           </p:cNvPr>
@@ -876,7 +876,7 @@
           <a:p>
             <a:fld id="{246E467A-4026-4A8D-97BF-715EF7FA6491}" type="datetimeFigureOut">
               <a:rPr lang="ko-KR" altLang="en-US" smtClean="0"/>
-              <a:t>2023-05-18</a:t>
+              <a:t>2023. 5. 25.</a:t>
             </a:fld>
             <a:endParaRPr lang="ko-KR" altLang="en-US"/>
           </a:p>
@@ -887,7 +887,7 @@
           <p:cNvPr id="5" name="바닥글 개체 틀 4">
             <a:extLst>
               <a:ext uri="{FF2B5EF4-FFF2-40B4-BE49-F238E27FC236}">
-                <a16:creationId xmlns="" xmlns:a16="http://schemas.microsoft.com/office/drawing/2014/main" id="{3992C886-882E-440B-806C-B06DE5089026}"/>
+                <a16:creationId xmlns:a16="http://schemas.microsoft.com/office/drawing/2014/main" id="{3992C886-882E-440B-806C-B06DE5089026}"/>
               </a:ext>
             </a:extLst>
           </p:cNvPr>
@@ -912,7 +912,7 @@
           <p:cNvPr id="6" name="슬라이드 번호 개체 틀 5">
             <a:extLst>
               <a:ext uri="{FF2B5EF4-FFF2-40B4-BE49-F238E27FC236}">
-                <a16:creationId xmlns="" xmlns:a16="http://schemas.microsoft.com/office/drawing/2014/main" id="{9A9323D2-1426-48F9-A93B-729E72E2B2BB}"/>
+                <a16:creationId xmlns:a16="http://schemas.microsoft.com/office/drawing/2014/main" id="{9A9323D2-1426-48F9-A93B-729E72E2B2BB}"/>
               </a:ext>
             </a:extLst>
           </p:cNvPr>
@@ -971,7 +971,7 @@
           <p:cNvPr id="2" name="제목 1">
             <a:extLst>
               <a:ext uri="{FF2B5EF4-FFF2-40B4-BE49-F238E27FC236}">
-                <a16:creationId xmlns="" xmlns:a16="http://schemas.microsoft.com/office/drawing/2014/main" id="{7153C500-C8D9-4EBC-AC73-9F7D65F03E32}"/>
+                <a16:creationId xmlns:a16="http://schemas.microsoft.com/office/drawing/2014/main" id="{7153C500-C8D9-4EBC-AC73-9F7D65F03E32}"/>
               </a:ext>
             </a:extLst>
           </p:cNvPr>
@@ -1008,7 +1008,7 @@
           <p:cNvPr id="3" name="텍스트 개체 틀 2">
             <a:extLst>
               <a:ext uri="{FF2B5EF4-FFF2-40B4-BE49-F238E27FC236}">
-                <a16:creationId xmlns="" xmlns:a16="http://schemas.microsoft.com/office/drawing/2014/main" id="{4E56CD17-259A-42E8-B64F-04C51B7C1C5F}"/>
+                <a16:creationId xmlns:a16="http://schemas.microsoft.com/office/drawing/2014/main" id="{4E56CD17-259A-42E8-B64F-04C51B7C1C5F}"/>
               </a:ext>
             </a:extLst>
           </p:cNvPr>
@@ -1133,7 +1133,7 @@
           <p:cNvPr id="4" name="날짜 개체 틀 3">
             <a:extLst>
               <a:ext uri="{FF2B5EF4-FFF2-40B4-BE49-F238E27FC236}">
-                <a16:creationId xmlns="" xmlns:a16="http://schemas.microsoft.com/office/drawing/2014/main" id="{CE976CE5-8C59-42A2-A597-465DEAC8E5A7}"/>
+                <a16:creationId xmlns:a16="http://schemas.microsoft.com/office/drawing/2014/main" id="{CE976CE5-8C59-42A2-A597-465DEAC8E5A7}"/>
               </a:ext>
             </a:extLst>
           </p:cNvPr>
@@ -1151,7 +1151,7 @@
           <a:p>
             <a:fld id="{246E467A-4026-4A8D-97BF-715EF7FA6491}" type="datetimeFigureOut">
               <a:rPr lang="ko-KR" altLang="en-US" smtClean="0"/>
-              <a:t>2023-05-18</a:t>
+              <a:t>2023. 5. 25.</a:t>
             </a:fld>
             <a:endParaRPr lang="ko-KR" altLang="en-US"/>
           </a:p>
@@ -1162,7 +1162,7 @@
           <p:cNvPr id="5" name="바닥글 개체 틀 4">
             <a:extLst>
               <a:ext uri="{FF2B5EF4-FFF2-40B4-BE49-F238E27FC236}">
-                <a16:creationId xmlns="" xmlns:a16="http://schemas.microsoft.com/office/drawing/2014/main" id="{742312C6-1DCE-41BC-B5FA-FCFF5BE3B9E6}"/>
+                <a16:creationId xmlns:a16="http://schemas.microsoft.com/office/drawing/2014/main" id="{742312C6-1DCE-41BC-B5FA-FCFF5BE3B9E6}"/>
               </a:ext>
             </a:extLst>
           </p:cNvPr>
@@ -1187,7 +1187,7 @@
           <p:cNvPr id="6" name="슬라이드 번호 개체 틀 5">
             <a:extLst>
               <a:ext uri="{FF2B5EF4-FFF2-40B4-BE49-F238E27FC236}">
-                <a16:creationId xmlns="" xmlns:a16="http://schemas.microsoft.com/office/drawing/2014/main" id="{664339A5-69DC-4256-84CA-F160D48ED02B}"/>
+                <a16:creationId xmlns:a16="http://schemas.microsoft.com/office/drawing/2014/main" id="{664339A5-69DC-4256-84CA-F160D48ED02B}"/>
               </a:ext>
             </a:extLst>
           </p:cNvPr>
@@ -1246,7 +1246,7 @@
           <p:cNvPr id="2" name="제목 1">
             <a:extLst>
               <a:ext uri="{FF2B5EF4-FFF2-40B4-BE49-F238E27FC236}">
-                <a16:creationId xmlns="" xmlns:a16="http://schemas.microsoft.com/office/drawing/2014/main" id="{BCF37A4D-E01E-45A7-B166-73EE7826C0E7}"/>
+                <a16:creationId xmlns:a16="http://schemas.microsoft.com/office/drawing/2014/main" id="{BCF37A4D-E01E-45A7-B166-73EE7826C0E7}"/>
               </a:ext>
             </a:extLst>
           </p:cNvPr>
@@ -1274,7 +1274,7 @@
           <p:cNvPr id="3" name="내용 개체 틀 2">
             <a:extLst>
               <a:ext uri="{FF2B5EF4-FFF2-40B4-BE49-F238E27FC236}">
-                <a16:creationId xmlns="" xmlns:a16="http://schemas.microsoft.com/office/drawing/2014/main" id="{A70D6757-7DA6-452C-9903-7536978F1556}"/>
+                <a16:creationId xmlns:a16="http://schemas.microsoft.com/office/drawing/2014/main" id="{A70D6757-7DA6-452C-9903-7536978F1556}"/>
               </a:ext>
             </a:extLst>
           </p:cNvPr>
@@ -1336,7 +1336,7 @@
           <p:cNvPr id="4" name="내용 개체 틀 3">
             <a:extLst>
               <a:ext uri="{FF2B5EF4-FFF2-40B4-BE49-F238E27FC236}">
-                <a16:creationId xmlns="" xmlns:a16="http://schemas.microsoft.com/office/drawing/2014/main" id="{23DCC3C8-286B-4184-8752-32BC3B116B8E}"/>
+                <a16:creationId xmlns:a16="http://schemas.microsoft.com/office/drawing/2014/main" id="{23DCC3C8-286B-4184-8752-32BC3B116B8E}"/>
               </a:ext>
             </a:extLst>
           </p:cNvPr>
@@ -1398,7 +1398,7 @@
           <p:cNvPr id="5" name="날짜 개체 틀 4">
             <a:extLst>
               <a:ext uri="{FF2B5EF4-FFF2-40B4-BE49-F238E27FC236}">
-                <a16:creationId xmlns="" xmlns:a16="http://schemas.microsoft.com/office/drawing/2014/main" id="{7ECA751A-C45B-42C8-893F-826B22E76CF6}"/>
+                <a16:creationId xmlns:a16="http://schemas.microsoft.com/office/drawing/2014/main" id="{7ECA751A-C45B-42C8-893F-826B22E76CF6}"/>
               </a:ext>
             </a:extLst>
           </p:cNvPr>
@@ -1416,7 +1416,7 @@
           <a:p>
             <a:fld id="{246E467A-4026-4A8D-97BF-715EF7FA6491}" type="datetimeFigureOut">
               <a:rPr lang="ko-KR" altLang="en-US" smtClean="0"/>
-              <a:t>2023-05-18</a:t>
+              <a:t>2023. 5. 25.</a:t>
             </a:fld>
             <a:endParaRPr lang="ko-KR" altLang="en-US"/>
           </a:p>
@@ -1427,7 +1427,7 @@
           <p:cNvPr id="6" name="바닥글 개체 틀 5">
             <a:extLst>
               <a:ext uri="{FF2B5EF4-FFF2-40B4-BE49-F238E27FC236}">
-                <a16:creationId xmlns="" xmlns:a16="http://schemas.microsoft.com/office/drawing/2014/main" id="{9F77210C-0EDE-42F3-A19F-12B3884B4393}"/>
+                <a16:creationId xmlns:a16="http://schemas.microsoft.com/office/drawing/2014/main" id="{9F77210C-0EDE-42F3-A19F-12B3884B4393}"/>
               </a:ext>
             </a:extLst>
           </p:cNvPr>
@@ -1452,7 +1452,7 @@
           <p:cNvPr id="7" name="슬라이드 번호 개체 틀 6">
             <a:extLst>
               <a:ext uri="{FF2B5EF4-FFF2-40B4-BE49-F238E27FC236}">
-                <a16:creationId xmlns="" xmlns:a16="http://schemas.microsoft.com/office/drawing/2014/main" id="{3215D590-E2D2-480C-AF73-67D855C553CB}"/>
+                <a16:creationId xmlns:a16="http://schemas.microsoft.com/office/drawing/2014/main" id="{3215D590-E2D2-480C-AF73-67D855C553CB}"/>
               </a:ext>
             </a:extLst>
           </p:cNvPr>
@@ -1511,7 +1511,7 @@
           <p:cNvPr id="2" name="제목 1">
             <a:extLst>
               <a:ext uri="{FF2B5EF4-FFF2-40B4-BE49-F238E27FC236}">
-                <a16:creationId xmlns="" xmlns:a16="http://schemas.microsoft.com/office/drawing/2014/main" id="{E1E3AF97-024B-4EF1-B5B6-2E362F07CDB3}"/>
+                <a16:creationId xmlns:a16="http://schemas.microsoft.com/office/drawing/2014/main" id="{E1E3AF97-024B-4EF1-B5B6-2E362F07CDB3}"/>
               </a:ext>
             </a:extLst>
           </p:cNvPr>
@@ -1544,7 +1544,7 @@
           <p:cNvPr id="3" name="텍스트 개체 틀 2">
             <a:extLst>
               <a:ext uri="{FF2B5EF4-FFF2-40B4-BE49-F238E27FC236}">
-                <a16:creationId xmlns="" xmlns:a16="http://schemas.microsoft.com/office/drawing/2014/main" id="{2B41334B-2AA0-4E32-9445-B691EAB2831F}"/>
+                <a16:creationId xmlns:a16="http://schemas.microsoft.com/office/drawing/2014/main" id="{2B41334B-2AA0-4E32-9445-B691EAB2831F}"/>
               </a:ext>
             </a:extLst>
           </p:cNvPr>
@@ -1615,7 +1615,7 @@
           <p:cNvPr id="4" name="내용 개체 틀 3">
             <a:extLst>
               <a:ext uri="{FF2B5EF4-FFF2-40B4-BE49-F238E27FC236}">
-                <a16:creationId xmlns="" xmlns:a16="http://schemas.microsoft.com/office/drawing/2014/main" id="{BDB62D6F-224F-4433-9752-11A255D323D4}"/>
+                <a16:creationId xmlns:a16="http://schemas.microsoft.com/office/drawing/2014/main" id="{BDB62D6F-224F-4433-9752-11A255D323D4}"/>
               </a:ext>
             </a:extLst>
           </p:cNvPr>
@@ -1677,7 +1677,7 @@
           <p:cNvPr id="5" name="텍스트 개체 틀 4">
             <a:extLst>
               <a:ext uri="{FF2B5EF4-FFF2-40B4-BE49-F238E27FC236}">
-                <a16:creationId xmlns="" xmlns:a16="http://schemas.microsoft.com/office/drawing/2014/main" id="{DD04EE0E-6C7E-4160-86AA-136E97F9FD62}"/>
+                <a16:creationId xmlns:a16="http://schemas.microsoft.com/office/drawing/2014/main" id="{DD04EE0E-6C7E-4160-86AA-136E97F9FD62}"/>
               </a:ext>
             </a:extLst>
           </p:cNvPr>
@@ -1748,7 +1748,7 @@
           <p:cNvPr id="6" name="내용 개체 틀 5">
             <a:extLst>
               <a:ext uri="{FF2B5EF4-FFF2-40B4-BE49-F238E27FC236}">
-                <a16:creationId xmlns="" xmlns:a16="http://schemas.microsoft.com/office/drawing/2014/main" id="{1B390FB9-7573-4784-A2A4-EDF1B3C59FF4}"/>
+                <a16:creationId xmlns:a16="http://schemas.microsoft.com/office/drawing/2014/main" id="{1B390FB9-7573-4784-A2A4-EDF1B3C59FF4}"/>
               </a:ext>
             </a:extLst>
           </p:cNvPr>
@@ -1810,7 +1810,7 @@
           <p:cNvPr id="7" name="날짜 개체 틀 6">
             <a:extLst>
               <a:ext uri="{FF2B5EF4-FFF2-40B4-BE49-F238E27FC236}">
-                <a16:creationId xmlns="" xmlns:a16="http://schemas.microsoft.com/office/drawing/2014/main" id="{F464B30B-9C6A-4C96-8DB5-BCE9A09F77BB}"/>
+                <a16:creationId xmlns:a16="http://schemas.microsoft.com/office/drawing/2014/main" id="{F464B30B-9C6A-4C96-8DB5-BCE9A09F77BB}"/>
               </a:ext>
             </a:extLst>
           </p:cNvPr>
@@ -1828,7 +1828,7 @@
           <a:p>
             <a:fld id="{246E467A-4026-4A8D-97BF-715EF7FA6491}" type="datetimeFigureOut">
               <a:rPr lang="ko-KR" altLang="en-US" smtClean="0"/>
-              <a:t>2023-05-18</a:t>
+              <a:t>2023. 5. 25.</a:t>
             </a:fld>
             <a:endParaRPr lang="ko-KR" altLang="en-US"/>
           </a:p>
@@ -1839,7 +1839,7 @@
           <p:cNvPr id="8" name="바닥글 개체 틀 7">
             <a:extLst>
               <a:ext uri="{FF2B5EF4-FFF2-40B4-BE49-F238E27FC236}">
-                <a16:creationId xmlns="" xmlns:a16="http://schemas.microsoft.com/office/drawing/2014/main" id="{16A11AC4-2315-46FE-81A4-FE4B843497D9}"/>
+                <a16:creationId xmlns:a16="http://schemas.microsoft.com/office/drawing/2014/main" id="{16A11AC4-2315-46FE-81A4-FE4B843497D9}"/>
               </a:ext>
             </a:extLst>
           </p:cNvPr>
@@ -1864,7 +1864,7 @@
           <p:cNvPr id="9" name="슬라이드 번호 개체 틀 8">
             <a:extLst>
               <a:ext uri="{FF2B5EF4-FFF2-40B4-BE49-F238E27FC236}">
-                <a16:creationId xmlns="" xmlns:a16="http://schemas.microsoft.com/office/drawing/2014/main" id="{DC2D39CB-CB92-40B8-9B0C-3FBBBDF9DDF4}"/>
+                <a16:creationId xmlns:a16="http://schemas.microsoft.com/office/drawing/2014/main" id="{DC2D39CB-CB92-40B8-9B0C-3FBBBDF9DDF4}"/>
               </a:ext>
             </a:extLst>
           </p:cNvPr>
@@ -1923,7 +1923,7 @@
           <p:cNvPr id="2" name="제목 1">
             <a:extLst>
               <a:ext uri="{FF2B5EF4-FFF2-40B4-BE49-F238E27FC236}">
-                <a16:creationId xmlns="" xmlns:a16="http://schemas.microsoft.com/office/drawing/2014/main" id="{90E32E25-F5B3-41EE-BD3B-6965721B8BFA}"/>
+                <a16:creationId xmlns:a16="http://schemas.microsoft.com/office/drawing/2014/main" id="{90E32E25-F5B3-41EE-BD3B-6965721B8BFA}"/>
               </a:ext>
             </a:extLst>
           </p:cNvPr>
@@ -1951,7 +1951,7 @@
           <p:cNvPr id="3" name="날짜 개체 틀 2">
             <a:extLst>
               <a:ext uri="{FF2B5EF4-FFF2-40B4-BE49-F238E27FC236}">
-                <a16:creationId xmlns="" xmlns:a16="http://schemas.microsoft.com/office/drawing/2014/main" id="{0CFE1863-7C02-424B-AF80-CDB396716C6B}"/>
+                <a16:creationId xmlns:a16="http://schemas.microsoft.com/office/drawing/2014/main" id="{0CFE1863-7C02-424B-AF80-CDB396716C6B}"/>
               </a:ext>
             </a:extLst>
           </p:cNvPr>
@@ -1969,7 +1969,7 @@
           <a:p>
             <a:fld id="{246E467A-4026-4A8D-97BF-715EF7FA6491}" type="datetimeFigureOut">
               <a:rPr lang="ko-KR" altLang="en-US" smtClean="0"/>
-              <a:t>2023-05-18</a:t>
+              <a:t>2023. 5. 25.</a:t>
             </a:fld>
             <a:endParaRPr lang="ko-KR" altLang="en-US"/>
           </a:p>
@@ -1980,7 +1980,7 @@
           <p:cNvPr id="4" name="바닥글 개체 틀 3">
             <a:extLst>
               <a:ext uri="{FF2B5EF4-FFF2-40B4-BE49-F238E27FC236}">
-                <a16:creationId xmlns="" xmlns:a16="http://schemas.microsoft.com/office/drawing/2014/main" id="{2F99FB34-90A4-44A0-9CF8-F0BC0FE4AB26}"/>
+                <a16:creationId xmlns:a16="http://schemas.microsoft.com/office/drawing/2014/main" id="{2F99FB34-90A4-44A0-9CF8-F0BC0FE4AB26}"/>
               </a:ext>
             </a:extLst>
           </p:cNvPr>
@@ -2005,7 +2005,7 @@
           <p:cNvPr id="5" name="슬라이드 번호 개체 틀 4">
             <a:extLst>
               <a:ext uri="{FF2B5EF4-FFF2-40B4-BE49-F238E27FC236}">
-                <a16:creationId xmlns="" xmlns:a16="http://schemas.microsoft.com/office/drawing/2014/main" id="{56375702-4955-406C-919C-D35A1B84B474}"/>
+                <a16:creationId xmlns:a16="http://schemas.microsoft.com/office/drawing/2014/main" id="{56375702-4955-406C-919C-D35A1B84B474}"/>
               </a:ext>
             </a:extLst>
           </p:cNvPr>
@@ -2064,7 +2064,7 @@
           <p:cNvPr id="2" name="날짜 개체 틀 1">
             <a:extLst>
               <a:ext uri="{FF2B5EF4-FFF2-40B4-BE49-F238E27FC236}">
-                <a16:creationId xmlns="" xmlns:a16="http://schemas.microsoft.com/office/drawing/2014/main" id="{D76E1BA2-3103-4DB2-AAEB-ED1BAE4527B3}"/>
+                <a16:creationId xmlns:a16="http://schemas.microsoft.com/office/drawing/2014/main" id="{D76E1BA2-3103-4DB2-AAEB-ED1BAE4527B3}"/>
               </a:ext>
             </a:extLst>
           </p:cNvPr>
@@ -2082,7 +2082,7 @@
           <a:p>
             <a:fld id="{246E467A-4026-4A8D-97BF-715EF7FA6491}" type="datetimeFigureOut">
               <a:rPr lang="ko-KR" altLang="en-US" smtClean="0"/>
-              <a:t>2023-05-18</a:t>
+              <a:t>2023. 5. 25.</a:t>
             </a:fld>
             <a:endParaRPr lang="ko-KR" altLang="en-US"/>
           </a:p>
@@ -2093,7 +2093,7 @@
           <p:cNvPr id="3" name="바닥글 개체 틀 2">
             <a:extLst>
               <a:ext uri="{FF2B5EF4-FFF2-40B4-BE49-F238E27FC236}">
-                <a16:creationId xmlns="" xmlns:a16="http://schemas.microsoft.com/office/drawing/2014/main" id="{505D5A54-85CA-45E5-9801-A3F15EEFCC94}"/>
+                <a16:creationId xmlns:a16="http://schemas.microsoft.com/office/drawing/2014/main" id="{505D5A54-85CA-45E5-9801-A3F15EEFCC94}"/>
               </a:ext>
             </a:extLst>
           </p:cNvPr>
@@ -2118,7 +2118,7 @@
           <p:cNvPr id="4" name="슬라이드 번호 개체 틀 3">
             <a:extLst>
               <a:ext uri="{FF2B5EF4-FFF2-40B4-BE49-F238E27FC236}">
-                <a16:creationId xmlns="" xmlns:a16="http://schemas.microsoft.com/office/drawing/2014/main" id="{A812AF2F-D0EC-4C7E-8979-4C17E3F4B44D}"/>
+                <a16:creationId xmlns:a16="http://schemas.microsoft.com/office/drawing/2014/main" id="{A812AF2F-D0EC-4C7E-8979-4C17E3F4B44D}"/>
               </a:ext>
             </a:extLst>
           </p:cNvPr>
@@ -2177,7 +2177,7 @@
           <p:cNvPr id="2" name="제목 1">
             <a:extLst>
               <a:ext uri="{FF2B5EF4-FFF2-40B4-BE49-F238E27FC236}">
-                <a16:creationId xmlns="" xmlns:a16="http://schemas.microsoft.com/office/drawing/2014/main" id="{8C03A167-5C7C-4CD2-A3E4-B6F94583214B}"/>
+                <a16:creationId xmlns:a16="http://schemas.microsoft.com/office/drawing/2014/main" id="{8C03A167-5C7C-4CD2-A3E4-B6F94583214B}"/>
               </a:ext>
             </a:extLst>
           </p:cNvPr>
@@ -2214,7 +2214,7 @@
           <p:cNvPr id="3" name="내용 개체 틀 2">
             <a:extLst>
               <a:ext uri="{FF2B5EF4-FFF2-40B4-BE49-F238E27FC236}">
-                <a16:creationId xmlns="" xmlns:a16="http://schemas.microsoft.com/office/drawing/2014/main" id="{5421CEB6-C525-4AEB-BB3E-B13156901366}"/>
+                <a16:creationId xmlns:a16="http://schemas.microsoft.com/office/drawing/2014/main" id="{5421CEB6-C525-4AEB-BB3E-B13156901366}"/>
               </a:ext>
             </a:extLst>
           </p:cNvPr>
@@ -2304,7 +2304,7 @@
           <p:cNvPr id="4" name="텍스트 개체 틀 3">
             <a:extLst>
               <a:ext uri="{FF2B5EF4-FFF2-40B4-BE49-F238E27FC236}">
-                <a16:creationId xmlns="" xmlns:a16="http://schemas.microsoft.com/office/drawing/2014/main" id="{69296C9A-4472-4D30-BFAE-60CB397B5014}"/>
+                <a16:creationId xmlns:a16="http://schemas.microsoft.com/office/drawing/2014/main" id="{69296C9A-4472-4D30-BFAE-60CB397B5014}"/>
               </a:ext>
             </a:extLst>
           </p:cNvPr>
@@ -2375,7 +2375,7 @@
           <p:cNvPr id="5" name="날짜 개체 틀 4">
             <a:extLst>
               <a:ext uri="{FF2B5EF4-FFF2-40B4-BE49-F238E27FC236}">
-                <a16:creationId xmlns="" xmlns:a16="http://schemas.microsoft.com/office/drawing/2014/main" id="{F44E3F16-D603-4838-BA1C-0C9EEDE4AC92}"/>
+                <a16:creationId xmlns:a16="http://schemas.microsoft.com/office/drawing/2014/main" id="{F44E3F16-D603-4838-BA1C-0C9EEDE4AC92}"/>
               </a:ext>
             </a:extLst>
           </p:cNvPr>
@@ -2393,7 +2393,7 @@
           <a:p>
             <a:fld id="{246E467A-4026-4A8D-97BF-715EF7FA6491}" type="datetimeFigureOut">
               <a:rPr lang="ko-KR" altLang="en-US" smtClean="0"/>
-              <a:t>2023-05-18</a:t>
+              <a:t>2023. 5. 25.</a:t>
             </a:fld>
             <a:endParaRPr lang="ko-KR" altLang="en-US"/>
           </a:p>
@@ -2404,7 +2404,7 @@
           <p:cNvPr id="6" name="바닥글 개체 틀 5">
             <a:extLst>
               <a:ext uri="{FF2B5EF4-FFF2-40B4-BE49-F238E27FC236}">
-                <a16:creationId xmlns="" xmlns:a16="http://schemas.microsoft.com/office/drawing/2014/main" id="{F48873C6-9D3A-4C62-9D46-88E6BAABCBA4}"/>
+                <a16:creationId xmlns:a16="http://schemas.microsoft.com/office/drawing/2014/main" id="{F48873C6-9D3A-4C62-9D46-88E6BAABCBA4}"/>
               </a:ext>
             </a:extLst>
           </p:cNvPr>
@@ -2429,7 +2429,7 @@
           <p:cNvPr id="7" name="슬라이드 번호 개체 틀 6">
             <a:extLst>
               <a:ext uri="{FF2B5EF4-FFF2-40B4-BE49-F238E27FC236}">
-                <a16:creationId xmlns="" xmlns:a16="http://schemas.microsoft.com/office/drawing/2014/main" id="{79A9C646-865F-49F4-8BDD-FB9A4DECA8F3}"/>
+                <a16:creationId xmlns:a16="http://schemas.microsoft.com/office/drawing/2014/main" id="{79A9C646-865F-49F4-8BDD-FB9A4DECA8F3}"/>
               </a:ext>
             </a:extLst>
           </p:cNvPr>
@@ -2488,7 +2488,7 @@
           <p:cNvPr id="2" name="제목 1">
             <a:extLst>
               <a:ext uri="{FF2B5EF4-FFF2-40B4-BE49-F238E27FC236}">
-                <a16:creationId xmlns="" xmlns:a16="http://schemas.microsoft.com/office/drawing/2014/main" id="{E5F258A6-5AAD-4F1F-976F-EDB5FF7254F0}"/>
+                <a16:creationId xmlns:a16="http://schemas.microsoft.com/office/drawing/2014/main" id="{E5F258A6-5AAD-4F1F-976F-EDB5FF7254F0}"/>
               </a:ext>
             </a:extLst>
           </p:cNvPr>
@@ -2525,7 +2525,7 @@
           <p:cNvPr id="3" name="그림 개체 틀 2">
             <a:extLst>
               <a:ext uri="{FF2B5EF4-FFF2-40B4-BE49-F238E27FC236}">
-                <a16:creationId xmlns="" xmlns:a16="http://schemas.microsoft.com/office/drawing/2014/main" id="{D2F4441E-0165-42AA-88F8-E53C4BAAC1DE}"/>
+                <a16:creationId xmlns:a16="http://schemas.microsoft.com/office/drawing/2014/main" id="{D2F4441E-0165-42AA-88F8-E53C4BAAC1DE}"/>
               </a:ext>
             </a:extLst>
           </p:cNvPr>
@@ -2592,7 +2592,7 @@
           <p:cNvPr id="4" name="텍스트 개체 틀 3">
             <a:extLst>
               <a:ext uri="{FF2B5EF4-FFF2-40B4-BE49-F238E27FC236}">
-                <a16:creationId xmlns="" xmlns:a16="http://schemas.microsoft.com/office/drawing/2014/main" id="{5AFCA1E8-0D3C-4590-82E2-D018D6E61D0F}"/>
+                <a16:creationId xmlns:a16="http://schemas.microsoft.com/office/drawing/2014/main" id="{5AFCA1E8-0D3C-4590-82E2-D018D6E61D0F}"/>
               </a:ext>
             </a:extLst>
           </p:cNvPr>
@@ -2663,7 +2663,7 @@
           <p:cNvPr id="5" name="날짜 개체 틀 4">
             <a:extLst>
               <a:ext uri="{FF2B5EF4-FFF2-40B4-BE49-F238E27FC236}">
-                <a16:creationId xmlns="" xmlns:a16="http://schemas.microsoft.com/office/drawing/2014/main" id="{0A674557-7FD9-416C-A8B5-FA6C4B5558AE}"/>
+                <a16:creationId xmlns:a16="http://schemas.microsoft.com/office/drawing/2014/main" id="{0A674557-7FD9-416C-A8B5-FA6C4B5558AE}"/>
               </a:ext>
             </a:extLst>
           </p:cNvPr>
@@ -2681,7 +2681,7 @@
           <a:p>
             <a:fld id="{246E467A-4026-4A8D-97BF-715EF7FA6491}" type="datetimeFigureOut">
               <a:rPr lang="ko-KR" altLang="en-US" smtClean="0"/>
-              <a:t>2023-05-18</a:t>
+              <a:t>2023. 5. 25.</a:t>
             </a:fld>
             <a:endParaRPr lang="ko-KR" altLang="en-US"/>
           </a:p>
@@ -2692,7 +2692,7 @@
           <p:cNvPr id="6" name="바닥글 개체 틀 5">
             <a:extLst>
               <a:ext uri="{FF2B5EF4-FFF2-40B4-BE49-F238E27FC236}">
-                <a16:creationId xmlns="" xmlns:a16="http://schemas.microsoft.com/office/drawing/2014/main" id="{9C4A215C-B55F-4988-B45B-7667E8C7CAF6}"/>
+                <a16:creationId xmlns:a16="http://schemas.microsoft.com/office/drawing/2014/main" id="{9C4A215C-B55F-4988-B45B-7667E8C7CAF6}"/>
               </a:ext>
             </a:extLst>
           </p:cNvPr>
@@ -2717,7 +2717,7 @@
           <p:cNvPr id="7" name="슬라이드 번호 개체 틀 6">
             <a:extLst>
               <a:ext uri="{FF2B5EF4-FFF2-40B4-BE49-F238E27FC236}">
-                <a16:creationId xmlns="" xmlns:a16="http://schemas.microsoft.com/office/drawing/2014/main" id="{82FF3B86-5A48-411F-8090-830140A677FA}"/>
+                <a16:creationId xmlns:a16="http://schemas.microsoft.com/office/drawing/2014/main" id="{82FF3B86-5A48-411F-8090-830140A677FA}"/>
               </a:ext>
             </a:extLst>
           </p:cNvPr>
@@ -2781,7 +2781,7 @@
           <p:cNvPr id="2" name="제목 개체 틀 1">
             <a:extLst>
               <a:ext uri="{FF2B5EF4-FFF2-40B4-BE49-F238E27FC236}">
-                <a16:creationId xmlns="" xmlns:a16="http://schemas.microsoft.com/office/drawing/2014/main" id="{B9DF84FF-C412-430B-963A-695AABF70E5D}"/>
+                <a16:creationId xmlns:a16="http://schemas.microsoft.com/office/drawing/2014/main" id="{B9DF84FF-C412-430B-963A-695AABF70E5D}"/>
               </a:ext>
             </a:extLst>
           </p:cNvPr>
@@ -2819,7 +2819,7 @@
           <p:cNvPr id="3" name="텍스트 개체 틀 2">
             <a:extLst>
               <a:ext uri="{FF2B5EF4-FFF2-40B4-BE49-F238E27FC236}">
-                <a16:creationId xmlns="" xmlns:a16="http://schemas.microsoft.com/office/drawing/2014/main" id="{45EE7982-A999-4B0A-85F1-A0D5C55038DC}"/>
+                <a16:creationId xmlns:a16="http://schemas.microsoft.com/office/drawing/2014/main" id="{45EE7982-A999-4B0A-85F1-A0D5C55038DC}"/>
               </a:ext>
             </a:extLst>
           </p:cNvPr>
@@ -2886,7 +2886,7 @@
           <p:cNvPr id="4" name="날짜 개체 틀 3">
             <a:extLst>
               <a:ext uri="{FF2B5EF4-FFF2-40B4-BE49-F238E27FC236}">
-                <a16:creationId xmlns="" xmlns:a16="http://schemas.microsoft.com/office/drawing/2014/main" id="{3F48EB6A-F091-464F-A783-1AE546A56948}"/>
+                <a16:creationId xmlns:a16="http://schemas.microsoft.com/office/drawing/2014/main" id="{3F48EB6A-F091-464F-A783-1AE546A56948}"/>
               </a:ext>
             </a:extLst>
           </p:cNvPr>
@@ -2922,7 +2922,7 @@
           <a:p>
             <a:fld id="{246E467A-4026-4A8D-97BF-715EF7FA6491}" type="datetimeFigureOut">
               <a:rPr lang="ko-KR" altLang="en-US" smtClean="0"/>
-              <a:t>2023-05-18</a:t>
+              <a:t>2023. 5. 25.</a:t>
             </a:fld>
             <a:endParaRPr lang="ko-KR" altLang="en-US"/>
           </a:p>
@@ -2933,7 +2933,7 @@
           <p:cNvPr id="5" name="바닥글 개체 틀 4">
             <a:extLst>
               <a:ext uri="{FF2B5EF4-FFF2-40B4-BE49-F238E27FC236}">
-                <a16:creationId xmlns="" xmlns:a16="http://schemas.microsoft.com/office/drawing/2014/main" id="{9531D2C7-63D5-4319-952D-A6F8404F460B}"/>
+                <a16:creationId xmlns:a16="http://schemas.microsoft.com/office/drawing/2014/main" id="{9531D2C7-63D5-4319-952D-A6F8404F460B}"/>
               </a:ext>
             </a:extLst>
           </p:cNvPr>
@@ -2976,7 +2976,7 @@
           <p:cNvPr id="6" name="슬라이드 번호 개체 틀 5">
             <a:extLst>
               <a:ext uri="{FF2B5EF4-FFF2-40B4-BE49-F238E27FC236}">
-                <a16:creationId xmlns="" xmlns:a16="http://schemas.microsoft.com/office/drawing/2014/main" id="{7739517A-02D4-4037-9427-974339FE7C30}"/>
+                <a16:creationId xmlns:a16="http://schemas.microsoft.com/office/drawing/2014/main" id="{7739517A-02D4-4037-9427-974339FE7C30}"/>
               </a:ext>
             </a:extLst>
           </p:cNvPr>
@@ -3352,7 +3352,7 @@
           <p:cNvPr id="2" name="TextBox 1">
             <a:extLst>
               <a:ext uri="{FF2B5EF4-FFF2-40B4-BE49-F238E27FC236}">
-                <a16:creationId xmlns="" xmlns:a16="http://schemas.microsoft.com/office/drawing/2014/main" id="{C70C938C-F8B1-4FFF-8F74-6ED0A876B136}"/>
+                <a16:creationId xmlns:a16="http://schemas.microsoft.com/office/drawing/2014/main" id="{C70C938C-F8B1-4FFF-8F74-6ED0A876B136}"/>
               </a:ext>
             </a:extLst>
           </p:cNvPr>
@@ -3393,7 +3393,7 @@
           <p:cNvPr id="3" name="TextBox 2">
             <a:extLst>
               <a:ext uri="{FF2B5EF4-FFF2-40B4-BE49-F238E27FC236}">
-                <a16:creationId xmlns="" xmlns:a16="http://schemas.microsoft.com/office/drawing/2014/main" id="{CC61FC92-B1C1-4C46-ABEF-2B6B78AA5915}"/>
+                <a16:creationId xmlns:a16="http://schemas.microsoft.com/office/drawing/2014/main" id="{CC61FC92-B1C1-4C46-ABEF-2B6B78AA5915}"/>
               </a:ext>
             </a:extLst>
           </p:cNvPr>
@@ -3434,7 +3434,7 @@
           <p:cNvPr id="8" name="그림 7" descr="사람, 서있는, 남자, 착용이(가) 표시된 사진&#10;&#10;자동 생성된 설명">
             <a:extLst>
               <a:ext uri="{FF2B5EF4-FFF2-40B4-BE49-F238E27FC236}">
-                <a16:creationId xmlns="" xmlns:a16="http://schemas.microsoft.com/office/drawing/2014/main" id="{398D98B8-2DFA-8476-B48A-2240354A960C}"/>
+                <a16:creationId xmlns:a16="http://schemas.microsoft.com/office/drawing/2014/main" id="{398D98B8-2DFA-8476-B48A-2240354A960C}"/>
               </a:ext>
             </a:extLst>
           </p:cNvPr>
@@ -3470,7 +3470,7 @@
           <p:cNvPr id="10" name="그림 9" descr="사람이(가) 표시된 사진&#10;&#10;자동 생성된 설명">
             <a:extLst>
               <a:ext uri="{FF2B5EF4-FFF2-40B4-BE49-F238E27FC236}">
-                <a16:creationId xmlns="" xmlns:a16="http://schemas.microsoft.com/office/drawing/2014/main" id="{0BE051E3-CAB7-BCFC-0441-E2FD03007A8D}"/>
+                <a16:creationId xmlns:a16="http://schemas.microsoft.com/office/drawing/2014/main" id="{0BE051E3-CAB7-BCFC-0441-E2FD03007A8D}"/>
               </a:ext>
             </a:extLst>
           </p:cNvPr>
@@ -3506,7 +3506,7 @@
           <p:cNvPr id="12" name="그림 11" descr="사람, 남자, 착용, 서있는이(가) 표시된 사진&#10;&#10;자동 생성된 설명">
             <a:extLst>
               <a:ext uri="{FF2B5EF4-FFF2-40B4-BE49-F238E27FC236}">
-                <a16:creationId xmlns="" xmlns:a16="http://schemas.microsoft.com/office/drawing/2014/main" id="{E9B0AD0F-14A6-F8C1-AEF5-1B01B5CEF846}"/>
+                <a16:creationId xmlns:a16="http://schemas.microsoft.com/office/drawing/2014/main" id="{E9B0AD0F-14A6-F8C1-AEF5-1B01B5CEF846}"/>
               </a:ext>
             </a:extLst>
           </p:cNvPr>
@@ -3584,7 +3584,7 @@
           <p:cNvPr id="3" name="직선 연결선 2">
             <a:extLst>
               <a:ext uri="{FF2B5EF4-FFF2-40B4-BE49-F238E27FC236}">
-                <a16:creationId xmlns="" xmlns:a16="http://schemas.microsoft.com/office/drawing/2014/main" id="{30B7886A-E2C2-47A8-A271-1FD08F52EED0}"/>
+                <a16:creationId xmlns:a16="http://schemas.microsoft.com/office/drawing/2014/main" id="{30B7886A-E2C2-47A8-A271-1FD08F52EED0}"/>
               </a:ext>
             </a:extLst>
           </p:cNvPr>
@@ -3627,7 +3627,7 @@
           <p:cNvPr id="18" name="직선 연결선 17">
             <a:extLst>
               <a:ext uri="{FF2B5EF4-FFF2-40B4-BE49-F238E27FC236}">
-                <a16:creationId xmlns="" xmlns:a16="http://schemas.microsoft.com/office/drawing/2014/main" id="{7911BDFD-7E29-44F7-9ED7-E8F36B51436C}"/>
+                <a16:creationId xmlns:a16="http://schemas.microsoft.com/office/drawing/2014/main" id="{7911BDFD-7E29-44F7-9ED7-E8F36B51436C}"/>
               </a:ext>
             </a:extLst>
           </p:cNvPr>
@@ -3666,8 +3666,8 @@
         </p:nvSpPr>
         <p:spPr>
           <a:xfrm>
-            <a:off x="1409235" y="5237397"/>
-            <a:ext cx="9917723" cy="923330"/>
+            <a:off x="469641" y="5519553"/>
+            <a:ext cx="11252718" cy="830997"/>
           </a:xfrm>
           <a:prstGeom prst="rect">
             <a:avLst/>
@@ -3681,53 +3681,89 @@
           <a:lstStyle/>
           <a:p>
             <a:r>
-              <a:rPr lang="ko-KR" altLang="en-US" dirty="0" err="1" smtClean="0"/>
-              <a:t>지터링</a:t>
-            </a:r>
-            <a:r>
-              <a:rPr lang="ko-KR" altLang="en-US" dirty="0" smtClean="0"/>
-              <a:t> 제거 아웃풋 데이터가 고정된 우리 데이터 셋을 변형하지 않도록 </a:t>
-            </a:r>
-            <a:r>
-              <a:rPr lang="ko-KR" altLang="en-US" dirty="0" err="1" smtClean="0"/>
-              <a:t>지터링</a:t>
-            </a:r>
-            <a:r>
-              <a:rPr lang="ko-KR" altLang="en-US" dirty="0" smtClean="0"/>
-              <a:t> 제거</a:t>
-            </a:r>
-            <a:endParaRPr lang="en-US" altLang="ko-KR" dirty="0" smtClean="0"/>
-          </a:p>
-          <a:p>
-            <a:endParaRPr lang="en-US" altLang="ko-KR" dirty="0" smtClean="0"/>
-          </a:p>
-          <a:p>
-            <a:r>
-              <a:rPr lang="ko-KR" altLang="en-US" dirty="0" smtClean="0"/>
-              <a:t>결과 </a:t>
-            </a:r>
-            <a:r>
-              <a:rPr lang="en-US" altLang="ko-KR" dirty="0" smtClean="0"/>
-              <a:t>=&gt; </a:t>
-            </a:r>
-            <a:r>
-              <a:rPr lang="ko-KR" altLang="en-US" dirty="0" smtClean="0"/>
-              <a:t>아웃풋 이미지 양식을 반영하게 됨</a:t>
-            </a:r>
-            <a:endParaRPr lang="en-US" altLang="ko-KR" dirty="0" smtClean="0"/>
+              <a:rPr lang="ko-KR" altLang="en-US" sz="2400" b="1" dirty="0" err="1"/>
+              <a:t>로보플로우</a:t>
+            </a:r>
+            <a:r>
+              <a:rPr lang="ko-KR" altLang="en-US" sz="2400" dirty="0" err="1"/>
+              <a:t>가</a:t>
+            </a:r>
+            <a:r>
+              <a:rPr lang="ko-KR" altLang="en-US" sz="2400" dirty="0"/>
+              <a:t> 필요한 포맷의 </a:t>
+            </a:r>
+            <a:r>
+              <a:rPr lang="en-US" altLang="ko-KR" sz="2400" dirty="0" err="1"/>
+              <a:t>png</a:t>
+            </a:r>
+            <a:r>
+              <a:rPr lang="ko-KR" altLang="en-US" sz="2400" dirty="0"/>
+              <a:t> 파일을 지원하지 않아</a:t>
+            </a:r>
+            <a:r>
+              <a:rPr lang="en-US" altLang="ko-KR" sz="2400" dirty="0"/>
+              <a:t>.</a:t>
+            </a:r>
+          </a:p>
+          <a:p>
+            <a:r>
+              <a:rPr lang="ko-KR" altLang="en-US" sz="2400" dirty="0" err="1"/>
+              <a:t>파이썬으로</a:t>
+            </a:r>
+            <a:r>
+              <a:rPr lang="ko-KR" altLang="en-US" sz="2400" dirty="0"/>
+              <a:t>  구현</a:t>
+            </a:r>
+            <a:r>
+              <a:rPr lang="en-US" altLang="ko-KR" sz="2400" dirty="0"/>
+              <a:t>, </a:t>
+            </a:r>
+            <a:r>
+              <a:rPr lang="ko-KR" altLang="en-US" sz="2400" dirty="0"/>
+              <a:t>필요에 의해 증폭 구현</a:t>
+            </a:r>
+            <a:r>
+              <a:rPr lang="en-US" altLang="ko-KR" sz="2400" dirty="0"/>
+              <a:t> </a:t>
+            </a:r>
+            <a:r>
+              <a:rPr lang="ko-KR" altLang="en-US" sz="2400" dirty="0"/>
+              <a:t>색상 조절</a:t>
+            </a:r>
+            <a:r>
+              <a:rPr lang="en-US" altLang="ko-KR" sz="2400" dirty="0"/>
+              <a:t>,</a:t>
+            </a:r>
+            <a:r>
+              <a:rPr lang="ko-KR" altLang="en-US" sz="2400" dirty="0"/>
+              <a:t>  </a:t>
+            </a:r>
+            <a:r>
+              <a:rPr lang="ko-KR" altLang="en-US" sz="2400" dirty="0" err="1"/>
+              <a:t>노이즈</a:t>
+            </a:r>
+            <a:r>
+              <a:rPr lang="en-US" altLang="ko-KR" sz="2400" dirty="0"/>
+              <a:t>,  </a:t>
+            </a:r>
+            <a:r>
+              <a:rPr lang="ko-KR" altLang="en-US" sz="2400" dirty="0"/>
+              <a:t>회전 등의 증폭 사용 </a:t>
+            </a:r>
+            <a:endParaRPr lang="en-US" altLang="ko-KR" sz="2400" dirty="0"/>
           </a:p>
         </p:txBody>
       </p:sp>
       <p:pic>
         <p:nvPicPr>
-          <p:cNvPr id="1026" name="Picture 2" descr="C:\Users\user\Desktop\111.jpg"/>
+          <p:cNvPr id="2" name="Picture 2" descr="C:\Users\user\Desktop\1.1223.JPG"/>
           <p:cNvPicPr>
             <a:picLocks noChangeAspect="1" noChangeArrowheads="1"/>
           </p:cNvPicPr>
           <p:nvPr/>
         </p:nvPicPr>
         <p:blipFill>
-          <a:blip r:embed="rId2" cstate="screen">
+          <a:blip r:embed="rId2">
             <a:extLst>
               <a:ext uri="{28A0092B-C50C-407E-A947-70E740481C1C}">
                 <a14:useLocalDpi xmlns:a14="http://schemas.microsoft.com/office/drawing/2010/main" val="0"/>
@@ -3741,8 +3777,8 @@
         </p:blipFill>
         <p:spPr bwMode="auto">
           <a:xfrm>
-            <a:off x="365760" y="679355"/>
-            <a:ext cx="10634252" cy="4211415"/>
+            <a:off x="40693" y="917218"/>
+            <a:ext cx="6961023" cy="3524139"/>
           </a:xfrm>
           <a:prstGeom prst="rect">
             <a:avLst/>
@@ -3757,6 +3793,66 @@
               </a14:hiddenFill>
             </a:ext>
           </a:extLst>
+        </p:spPr>
+      </p:pic>
+      <p:pic>
+        <p:nvPicPr>
+          <p:cNvPr id="6" name="그림 5">
+            <a:extLst>
+              <a:ext uri="{FF2B5EF4-FFF2-40B4-BE49-F238E27FC236}">
+                <a16:creationId xmlns:a16="http://schemas.microsoft.com/office/drawing/2014/main" id="{5587E1D8-AF37-137D-A031-0BD7B0C6DEAF}"/>
+              </a:ext>
+            </a:extLst>
+          </p:cNvPr>
+          <p:cNvPicPr>
+            <a:picLocks noChangeAspect="1"/>
+          </p:cNvPicPr>
+          <p:nvPr/>
+        </p:nvPicPr>
+        <p:blipFill>
+          <a:blip r:embed="rId3"/>
+          <a:stretch>
+            <a:fillRect/>
+          </a:stretch>
+        </p:blipFill>
+        <p:spPr>
+          <a:xfrm>
+            <a:off x="7020377" y="507450"/>
+            <a:ext cx="5158403" cy="2488620"/>
+          </a:xfrm>
+          <a:prstGeom prst="rect">
+            <a:avLst/>
+          </a:prstGeom>
+        </p:spPr>
+      </p:pic>
+      <p:pic>
+        <p:nvPicPr>
+          <p:cNvPr id="7" name="그림 6">
+            <a:extLst>
+              <a:ext uri="{FF2B5EF4-FFF2-40B4-BE49-F238E27FC236}">
+                <a16:creationId xmlns:a16="http://schemas.microsoft.com/office/drawing/2014/main" id="{79EA8AB6-B520-2209-6579-92023B184A2E}"/>
+              </a:ext>
+            </a:extLst>
+          </p:cNvPr>
+          <p:cNvPicPr>
+            <a:picLocks noChangeAspect="1"/>
+          </p:cNvPicPr>
+          <p:nvPr/>
+        </p:nvPicPr>
+        <p:blipFill>
+          <a:blip r:embed="rId4"/>
+          <a:stretch>
+            <a:fillRect/>
+          </a:stretch>
+        </p:blipFill>
+        <p:spPr>
+          <a:xfrm>
+            <a:off x="7020377" y="3202132"/>
+            <a:ext cx="5158404" cy="1618173"/>
+          </a:xfrm>
+          <a:prstGeom prst="rect">
+            <a:avLst/>
+          </a:prstGeom>
         </p:spPr>
       </p:pic>
     </p:spTree>
@@ -3781,13 +3877,6 @@
       </p:transition>
     </mc:Fallback>
   </mc:AlternateContent>
-  <p:timing>
-    <p:tnLst>
-      <p:par>
-        <p:cTn id="1" dur="indefinite" restart="never" nodeType="tmRoot"/>
-      </p:par>
-    </p:tnLst>
-  </p:timing>
 </p:sld>
 </file>
 
@@ -3813,7 +3902,7 @@
           <p:cNvPr id="3" name="직선 연결선 2">
             <a:extLst>
               <a:ext uri="{FF2B5EF4-FFF2-40B4-BE49-F238E27FC236}">
-                <a16:creationId xmlns="" xmlns:a16="http://schemas.microsoft.com/office/drawing/2014/main" id="{30B7886A-E2C2-47A8-A271-1FD08F52EED0}"/>
+                <a16:creationId xmlns:a16="http://schemas.microsoft.com/office/drawing/2014/main" id="{30B7886A-E2C2-47A8-A271-1FD08F52EED0}"/>
               </a:ext>
             </a:extLst>
           </p:cNvPr>
@@ -3856,7 +3945,7 @@
           <p:cNvPr id="18" name="직선 연결선 17">
             <a:extLst>
               <a:ext uri="{FF2B5EF4-FFF2-40B4-BE49-F238E27FC236}">
-                <a16:creationId xmlns="" xmlns:a16="http://schemas.microsoft.com/office/drawing/2014/main" id="{7911BDFD-7E29-44F7-9ED7-E8F36B51436C}"/>
+                <a16:creationId xmlns:a16="http://schemas.microsoft.com/office/drawing/2014/main" id="{7911BDFD-7E29-44F7-9ED7-E8F36B51436C}"/>
               </a:ext>
             </a:extLst>
           </p:cNvPr>
@@ -3887,15 +3976,131 @@
           </a:fontRef>
         </p:style>
       </p:cxnSp>
+      <p:sp>
+        <p:nvSpPr>
+          <p:cNvPr id="7" name="TextBox 6"/>
+          <p:cNvSpPr txBox="1"/>
+          <p:nvPr/>
+        </p:nvSpPr>
+        <p:spPr>
+          <a:xfrm>
+            <a:off x="1104411" y="5297533"/>
+            <a:ext cx="9917723" cy="923330"/>
+          </a:xfrm>
+          <a:prstGeom prst="rect">
+            <a:avLst/>
+          </a:prstGeom>
+          <a:noFill/>
+        </p:spPr>
+        <p:txBody>
+          <a:bodyPr wrap="square" rtlCol="0">
+            <a:spAutoFit/>
+          </a:bodyPr>
+          <a:lstStyle/>
+          <a:p>
+            <a:r>
+              <a:rPr lang="ko-KR" altLang="en-US" dirty="0" err="1"/>
+              <a:t>하이퍼</a:t>
+            </a:r>
+            <a:r>
+              <a:rPr lang="ko-KR" altLang="en-US" dirty="0"/>
+              <a:t> </a:t>
+            </a:r>
+            <a:r>
+              <a:rPr lang="ko-KR" altLang="en-US" dirty="0" err="1"/>
+              <a:t>파라미터</a:t>
+            </a:r>
+            <a:r>
+              <a:rPr lang="ko-KR" altLang="en-US" dirty="0"/>
+              <a:t> 변경 </a:t>
+            </a:r>
+            <a:endParaRPr lang="en-US" altLang="ko-KR" dirty="0"/>
+          </a:p>
+          <a:p>
+            <a:r>
+              <a:rPr lang="ko-KR" altLang="en-US" dirty="0"/>
+              <a:t>샘플링 </a:t>
+            </a:r>
+            <a:r>
+              <a:rPr lang="ko-KR" altLang="en-US" dirty="0" err="1"/>
+              <a:t>드롭아웃</a:t>
+            </a:r>
+            <a:r>
+              <a:rPr lang="ko-KR" altLang="en-US" dirty="0"/>
+              <a:t> 위치 및 수치 변경</a:t>
+            </a:r>
+            <a:r>
+              <a:rPr lang="en-US" altLang="ko-KR" dirty="0"/>
+              <a:t>, </a:t>
+            </a:r>
+            <a:r>
+              <a:rPr lang="en-US" altLang="ko-KR" dirty="0" err="1"/>
+              <a:t>apply_batchnorm</a:t>
+            </a:r>
+            <a:r>
+              <a:rPr lang="en-US" altLang="ko-KR" dirty="0"/>
+              <a:t> </a:t>
+            </a:r>
+            <a:r>
+              <a:rPr lang="ko-KR" altLang="en-US" dirty="0"/>
+              <a:t>추가 등의 테스트 시행 </a:t>
+            </a:r>
+            <a:endParaRPr lang="en-US" altLang="ko-KR" dirty="0"/>
+          </a:p>
+          <a:p>
+            <a:r>
+              <a:rPr lang="en-US" altLang="ko-KR" dirty="0"/>
+              <a:t> L1 </a:t>
+            </a:r>
+            <a:r>
+              <a:rPr lang="ko-KR" altLang="en-US" dirty="0" err="1"/>
+              <a:t>로스에서</a:t>
+            </a:r>
+            <a:r>
+              <a:rPr lang="ko-KR" altLang="en-US" dirty="0"/>
+              <a:t> </a:t>
+            </a:r>
+            <a:r>
+              <a:rPr lang="en-US" altLang="ko-KR" dirty="0"/>
+              <a:t>L2 </a:t>
+            </a:r>
+            <a:r>
+              <a:rPr lang="ko-KR" altLang="en-US" dirty="0" err="1"/>
+              <a:t>로스로</a:t>
+            </a:r>
+            <a:r>
+              <a:rPr lang="ko-KR" altLang="en-US" dirty="0"/>
+              <a:t> 변경으로 부드럽게 변경</a:t>
+            </a:r>
+            <a:r>
+              <a:rPr lang="en-US" altLang="ko-KR" dirty="0"/>
+              <a:t> </a:t>
+            </a:r>
+            <a:r>
+              <a:rPr lang="ko-KR" altLang="en-US" dirty="0"/>
+              <a:t>및</a:t>
+            </a:r>
+            <a:r>
+              <a:rPr lang="en-US" altLang="ko-KR" dirty="0"/>
+              <a:t>, </a:t>
+            </a:r>
+            <a:r>
+              <a:rPr lang="ko-KR" altLang="en-US" dirty="0"/>
+              <a:t>람다 값 변경 테스트  </a:t>
+            </a:r>
+            <a:endParaRPr lang="en-US" altLang="ko-KR" dirty="0"/>
+          </a:p>
+        </p:txBody>
+      </p:sp>
       <p:pic>
         <p:nvPicPr>
-          <p:cNvPr id="1028" name="Picture 4" descr="C:\Users\user\Desktop\1.2.JPG"/>
+          <p:cNvPr id="2050" name="Picture 2" descr="C:\Users\user\Desktop\1.122.JPG"/>
           <p:cNvPicPr>
             <a:picLocks noChangeAspect="1" noChangeArrowheads="1"/>
           </p:cNvPicPr>
           <p:nvPr/>
         </p:nvPicPr>
-        <p:blipFill>
+        <p:blipFill rotWithShape="1">
           <a:blip r:embed="rId2" cstate="screen">
             <a:extLst>
               <a:ext uri="{28A0092B-C50C-407E-A947-70E740481C1C}">
@@ -3903,15 +4108,13 @@
               </a:ext>
             </a:extLst>
           </a:blip>
-          <a:srcRect/>
-          <a:stretch>
-            <a:fillRect/>
-          </a:stretch>
+          <a:srcRect l="-1580"/>
+          <a:stretch/>
         </p:blipFill>
         <p:spPr bwMode="auto">
           <a:xfrm>
-            <a:off x="500512" y="715983"/>
-            <a:ext cx="11319311" cy="3923394"/>
+            <a:off x="554948" y="679718"/>
+            <a:ext cx="11016645" cy="4275236"/>
           </a:xfrm>
           <a:prstGeom prst="rect">
             <a:avLst/>
@@ -3928,66 +4131,6 @@
           </a:extLst>
         </p:spPr>
       </p:pic>
-      <p:sp>
-        <p:nvSpPr>
-          <p:cNvPr id="7" name="TextBox 6"/>
-          <p:cNvSpPr txBox="1"/>
-          <p:nvPr/>
-        </p:nvSpPr>
-        <p:spPr>
-          <a:xfrm>
-            <a:off x="1409235" y="5237397"/>
-            <a:ext cx="9917723" cy="923330"/>
-          </a:xfrm>
-          <a:prstGeom prst="rect">
-            <a:avLst/>
-          </a:prstGeom>
-          <a:noFill/>
-        </p:spPr>
-        <p:txBody>
-          <a:bodyPr wrap="square" rtlCol="0">
-            <a:spAutoFit/>
-          </a:bodyPr>
-          <a:lstStyle/>
-          <a:p>
-            <a:r>
-              <a:rPr lang="ko-KR" altLang="en-US" dirty="0" smtClean="0"/>
-              <a:t>다양한 인풋을 받을 수 있다는 점에서 인풋 </a:t>
-            </a:r>
-            <a:r>
-              <a:rPr lang="ko-KR" altLang="en-US" dirty="0" err="1" smtClean="0"/>
-              <a:t>지터링만</a:t>
-            </a:r>
-            <a:r>
-              <a:rPr lang="ko-KR" altLang="en-US" dirty="0" smtClean="0"/>
-              <a:t> </a:t>
-            </a:r>
-            <a:r>
-              <a:rPr lang="ko-KR" altLang="en-US" dirty="0" err="1" smtClean="0"/>
-              <a:t>재구현</a:t>
-            </a:r>
-            <a:r>
-              <a:rPr lang="ko-KR" altLang="en-US" dirty="0" smtClean="0"/>
-              <a:t> </a:t>
-            </a:r>
-            <a:endParaRPr lang="en-US" altLang="ko-KR" dirty="0" smtClean="0"/>
-          </a:p>
-          <a:p>
-            <a:endParaRPr lang="en-US" altLang="ko-KR" dirty="0" smtClean="0"/>
-          </a:p>
-          <a:p>
-            <a:r>
-              <a:rPr lang="en-US" altLang="ko-KR" dirty="0" smtClean="0"/>
-              <a:t>=&gt; </a:t>
-            </a:r>
-            <a:r>
-              <a:rPr lang="ko-KR" altLang="en-US" dirty="0" smtClean="0"/>
-              <a:t>데이터의 증강 효과</a:t>
-            </a:r>
-            <a:endParaRPr lang="en-US" altLang="ko-KR" dirty="0" smtClean="0"/>
-          </a:p>
-        </p:txBody>
-      </p:sp>
     </p:spTree>
     <p:extLst>
       <p:ext uri="{BB962C8B-B14F-4D97-AF65-F5344CB8AC3E}">
@@ -4241,7 +4384,7 @@
   <a:extraClrSchemeLst/>
   <a:extLst>
     <a:ext uri="{05A4C25C-085E-4340-85A3-A5531E510DB2}">
-      <thm15:themeFamily xmlns="" xmlns:thm15="http://schemas.microsoft.com/office/thememl/2012/main" name="Office Theme" id="{62F939B6-93AF-4DB8-9C6B-D6C7DFDC589F}" vid="{4A3C46E8-61CC-4603-A589-7422A47A8E4A}"/>
+      <thm15:themeFamily xmlns:thm15="http://schemas.microsoft.com/office/thememl/2012/main" name="Office Theme" id="{62F939B6-93AF-4DB8-9C6B-D6C7DFDC589F}" vid="{4A3C46E8-61CC-4603-A589-7422A47A8E4A}"/>
     </a:ext>
   </a:extLst>
 </a:theme>

--- a/발표자료/업데이트/LJHPPT.pptx
+++ b/발표자료/업데이트/LJHPPT.pptx
@@ -7,7 +7,6 @@
   <p:sldIdLst>
     <p:sldId id="256" r:id="rId2"/>
     <p:sldId id="274" r:id="rId3"/>
-    <p:sldId id="269" r:id="rId4"/>
   </p:sldIdLst>
   <p:sldSz cx="12192000" cy="6858000"/>
   <p:notesSz cx="6858000" cy="9144000"/>
@@ -108,7 +107,7 @@
   </p:defaultTextStyle>
   <p:extLst>
     <p:ext uri="{EFAFB233-063F-42B5-8137-9DF3F51BA10A}">
-      <p15:sldGuideLst xmlns:p15="http://schemas.microsoft.com/office/powerpoint/2012/main">
+      <p15:sldGuideLst xmlns:p15="http://schemas.microsoft.com/office/powerpoint/2012/main" xmlns="">
         <p15:guide id="1" orient="horz" pos="2160" userDrawn="1">
           <p15:clr>
             <a:srgbClr val="A4A3A4"/>
@@ -147,7 +146,7 @@
           <p:cNvPr id="2" name="제목 1">
             <a:extLst>
               <a:ext uri="{FF2B5EF4-FFF2-40B4-BE49-F238E27FC236}">
-                <a16:creationId xmlns:a16="http://schemas.microsoft.com/office/drawing/2014/main" id="{544428E6-48F8-48FF-A4B7-7E67A9EE0B77}"/>
+                <a16:creationId xmlns:a16="http://schemas.microsoft.com/office/drawing/2014/main" xmlns="" id="{544428E6-48F8-48FF-A4B7-7E67A9EE0B77}"/>
               </a:ext>
             </a:extLst>
           </p:cNvPr>
@@ -184,7 +183,7 @@
           <p:cNvPr id="3" name="부제목 2">
             <a:extLst>
               <a:ext uri="{FF2B5EF4-FFF2-40B4-BE49-F238E27FC236}">
-                <a16:creationId xmlns:a16="http://schemas.microsoft.com/office/drawing/2014/main" id="{FBA2431C-BDF3-4534-AED0-115F103A462A}"/>
+                <a16:creationId xmlns:a16="http://schemas.microsoft.com/office/drawing/2014/main" xmlns="" id="{FBA2431C-BDF3-4534-AED0-115F103A462A}"/>
               </a:ext>
             </a:extLst>
           </p:cNvPr>
@@ -254,7 +253,7 @@
           <p:cNvPr id="4" name="날짜 개체 틀 3">
             <a:extLst>
               <a:ext uri="{FF2B5EF4-FFF2-40B4-BE49-F238E27FC236}">
-                <a16:creationId xmlns:a16="http://schemas.microsoft.com/office/drawing/2014/main" id="{420173CB-01B9-4295-A804-D7D5973D6277}"/>
+                <a16:creationId xmlns:a16="http://schemas.microsoft.com/office/drawing/2014/main" xmlns="" id="{420173CB-01B9-4295-A804-D7D5973D6277}"/>
               </a:ext>
             </a:extLst>
           </p:cNvPr>
@@ -272,7 +271,7 @@
           <a:p>
             <a:fld id="{246E467A-4026-4A8D-97BF-715EF7FA6491}" type="datetimeFigureOut">
               <a:rPr lang="ko-KR" altLang="en-US" smtClean="0"/>
-              <a:t>2023. 5. 25.</a:t>
+              <a:t>2023-06-22</a:t>
             </a:fld>
             <a:endParaRPr lang="ko-KR" altLang="en-US"/>
           </a:p>
@@ -283,7 +282,7 @@
           <p:cNvPr id="5" name="바닥글 개체 틀 4">
             <a:extLst>
               <a:ext uri="{FF2B5EF4-FFF2-40B4-BE49-F238E27FC236}">
-                <a16:creationId xmlns:a16="http://schemas.microsoft.com/office/drawing/2014/main" id="{E1C5FE16-77A0-484E-AEFD-FF537292ECD0}"/>
+                <a16:creationId xmlns:a16="http://schemas.microsoft.com/office/drawing/2014/main" xmlns="" id="{E1C5FE16-77A0-484E-AEFD-FF537292ECD0}"/>
               </a:ext>
             </a:extLst>
           </p:cNvPr>
@@ -308,7 +307,7 @@
           <p:cNvPr id="6" name="슬라이드 번호 개체 틀 5">
             <a:extLst>
               <a:ext uri="{FF2B5EF4-FFF2-40B4-BE49-F238E27FC236}">
-                <a16:creationId xmlns:a16="http://schemas.microsoft.com/office/drawing/2014/main" id="{69F3DF25-2E65-49D3-8F6F-64AA11097B17}"/>
+                <a16:creationId xmlns:a16="http://schemas.microsoft.com/office/drawing/2014/main" xmlns="" id="{69F3DF25-2E65-49D3-8F6F-64AA11097B17}"/>
               </a:ext>
             </a:extLst>
           </p:cNvPr>
@@ -367,7 +366,7 @@
           <p:cNvPr id="2" name="제목 1">
             <a:extLst>
               <a:ext uri="{FF2B5EF4-FFF2-40B4-BE49-F238E27FC236}">
-                <a16:creationId xmlns:a16="http://schemas.microsoft.com/office/drawing/2014/main" id="{0E520652-E714-4A15-826F-1B53C7092B68}"/>
+                <a16:creationId xmlns:a16="http://schemas.microsoft.com/office/drawing/2014/main" xmlns="" id="{0E520652-E714-4A15-826F-1B53C7092B68}"/>
               </a:ext>
             </a:extLst>
           </p:cNvPr>
@@ -395,7 +394,7 @@
           <p:cNvPr id="3" name="세로 텍스트 개체 틀 2">
             <a:extLst>
               <a:ext uri="{FF2B5EF4-FFF2-40B4-BE49-F238E27FC236}">
-                <a16:creationId xmlns:a16="http://schemas.microsoft.com/office/drawing/2014/main" id="{1C14771D-DE0A-400C-8C59-8670E31F7094}"/>
+                <a16:creationId xmlns:a16="http://schemas.microsoft.com/office/drawing/2014/main" xmlns="" id="{1C14771D-DE0A-400C-8C59-8670E31F7094}"/>
               </a:ext>
             </a:extLst>
           </p:cNvPr>
@@ -452,7 +451,7 @@
           <p:cNvPr id="4" name="날짜 개체 틀 3">
             <a:extLst>
               <a:ext uri="{FF2B5EF4-FFF2-40B4-BE49-F238E27FC236}">
-                <a16:creationId xmlns:a16="http://schemas.microsoft.com/office/drawing/2014/main" id="{5CBEACB7-48C9-4FB8-8D34-7F4C63932697}"/>
+                <a16:creationId xmlns:a16="http://schemas.microsoft.com/office/drawing/2014/main" xmlns="" id="{5CBEACB7-48C9-4FB8-8D34-7F4C63932697}"/>
               </a:ext>
             </a:extLst>
           </p:cNvPr>
@@ -470,7 +469,7 @@
           <a:p>
             <a:fld id="{246E467A-4026-4A8D-97BF-715EF7FA6491}" type="datetimeFigureOut">
               <a:rPr lang="ko-KR" altLang="en-US" smtClean="0"/>
-              <a:t>2023. 5. 25.</a:t>
+              <a:t>2023-06-22</a:t>
             </a:fld>
             <a:endParaRPr lang="ko-KR" altLang="en-US"/>
           </a:p>
@@ -481,7 +480,7 @@
           <p:cNvPr id="5" name="바닥글 개체 틀 4">
             <a:extLst>
               <a:ext uri="{FF2B5EF4-FFF2-40B4-BE49-F238E27FC236}">
-                <a16:creationId xmlns:a16="http://schemas.microsoft.com/office/drawing/2014/main" id="{5BD31818-B6CD-47B0-9353-395CC53986D6}"/>
+                <a16:creationId xmlns:a16="http://schemas.microsoft.com/office/drawing/2014/main" xmlns="" id="{5BD31818-B6CD-47B0-9353-395CC53986D6}"/>
               </a:ext>
             </a:extLst>
           </p:cNvPr>
@@ -506,7 +505,7 @@
           <p:cNvPr id="6" name="슬라이드 번호 개체 틀 5">
             <a:extLst>
               <a:ext uri="{FF2B5EF4-FFF2-40B4-BE49-F238E27FC236}">
-                <a16:creationId xmlns:a16="http://schemas.microsoft.com/office/drawing/2014/main" id="{BD008922-CAE3-4884-AE59-2BC74144C74C}"/>
+                <a16:creationId xmlns:a16="http://schemas.microsoft.com/office/drawing/2014/main" xmlns="" id="{BD008922-CAE3-4884-AE59-2BC74144C74C}"/>
               </a:ext>
             </a:extLst>
           </p:cNvPr>
@@ -565,7 +564,7 @@
           <p:cNvPr id="2" name="세로 제목 1">
             <a:extLst>
               <a:ext uri="{FF2B5EF4-FFF2-40B4-BE49-F238E27FC236}">
-                <a16:creationId xmlns:a16="http://schemas.microsoft.com/office/drawing/2014/main" id="{A3371B8A-69A6-43D4-8783-6456E33508F7}"/>
+                <a16:creationId xmlns:a16="http://schemas.microsoft.com/office/drawing/2014/main" xmlns="" id="{A3371B8A-69A6-43D4-8783-6456E33508F7}"/>
               </a:ext>
             </a:extLst>
           </p:cNvPr>
@@ -598,7 +597,7 @@
           <p:cNvPr id="3" name="세로 텍스트 개체 틀 2">
             <a:extLst>
               <a:ext uri="{FF2B5EF4-FFF2-40B4-BE49-F238E27FC236}">
-                <a16:creationId xmlns:a16="http://schemas.microsoft.com/office/drawing/2014/main" id="{049DA1AA-3028-44E4-B5B0-C19BF61DC48A}"/>
+                <a16:creationId xmlns:a16="http://schemas.microsoft.com/office/drawing/2014/main" xmlns="" id="{049DA1AA-3028-44E4-B5B0-C19BF61DC48A}"/>
               </a:ext>
             </a:extLst>
           </p:cNvPr>
@@ -660,7 +659,7 @@
           <p:cNvPr id="4" name="날짜 개체 틀 3">
             <a:extLst>
               <a:ext uri="{FF2B5EF4-FFF2-40B4-BE49-F238E27FC236}">
-                <a16:creationId xmlns:a16="http://schemas.microsoft.com/office/drawing/2014/main" id="{ED2BCD8D-3E10-4F33-BC43-EACB05C0B415}"/>
+                <a16:creationId xmlns:a16="http://schemas.microsoft.com/office/drawing/2014/main" xmlns="" id="{ED2BCD8D-3E10-4F33-BC43-EACB05C0B415}"/>
               </a:ext>
             </a:extLst>
           </p:cNvPr>
@@ -678,7 +677,7 @@
           <a:p>
             <a:fld id="{246E467A-4026-4A8D-97BF-715EF7FA6491}" type="datetimeFigureOut">
               <a:rPr lang="ko-KR" altLang="en-US" smtClean="0"/>
-              <a:t>2023. 5. 25.</a:t>
+              <a:t>2023-06-22</a:t>
             </a:fld>
             <a:endParaRPr lang="ko-KR" altLang="en-US"/>
           </a:p>
@@ -689,7 +688,7 @@
           <p:cNvPr id="5" name="바닥글 개체 틀 4">
             <a:extLst>
               <a:ext uri="{FF2B5EF4-FFF2-40B4-BE49-F238E27FC236}">
-                <a16:creationId xmlns:a16="http://schemas.microsoft.com/office/drawing/2014/main" id="{33E365BE-78DE-4079-B7F3-706874E92415}"/>
+                <a16:creationId xmlns:a16="http://schemas.microsoft.com/office/drawing/2014/main" xmlns="" id="{33E365BE-78DE-4079-B7F3-706874E92415}"/>
               </a:ext>
             </a:extLst>
           </p:cNvPr>
@@ -714,7 +713,7 @@
           <p:cNvPr id="6" name="슬라이드 번호 개체 틀 5">
             <a:extLst>
               <a:ext uri="{FF2B5EF4-FFF2-40B4-BE49-F238E27FC236}">
-                <a16:creationId xmlns:a16="http://schemas.microsoft.com/office/drawing/2014/main" id="{6F0D9E52-1AFA-4482-A474-91FF4C5C683A}"/>
+                <a16:creationId xmlns:a16="http://schemas.microsoft.com/office/drawing/2014/main" xmlns="" id="{6F0D9E52-1AFA-4482-A474-91FF4C5C683A}"/>
               </a:ext>
             </a:extLst>
           </p:cNvPr>
@@ -773,7 +772,7 @@
           <p:cNvPr id="2" name="제목 1">
             <a:extLst>
               <a:ext uri="{FF2B5EF4-FFF2-40B4-BE49-F238E27FC236}">
-                <a16:creationId xmlns:a16="http://schemas.microsoft.com/office/drawing/2014/main" id="{60DBF82B-6C4A-4F6E-A362-B2BF3BDC30D7}"/>
+                <a16:creationId xmlns:a16="http://schemas.microsoft.com/office/drawing/2014/main" xmlns="" id="{60DBF82B-6C4A-4F6E-A362-B2BF3BDC30D7}"/>
               </a:ext>
             </a:extLst>
           </p:cNvPr>
@@ -801,7 +800,7 @@
           <p:cNvPr id="3" name="내용 개체 틀 2">
             <a:extLst>
               <a:ext uri="{FF2B5EF4-FFF2-40B4-BE49-F238E27FC236}">
-                <a16:creationId xmlns:a16="http://schemas.microsoft.com/office/drawing/2014/main" id="{BDE6E910-43A6-49D6-A1B5-99E3B0C27E2D}"/>
+                <a16:creationId xmlns:a16="http://schemas.microsoft.com/office/drawing/2014/main" xmlns="" id="{BDE6E910-43A6-49D6-A1B5-99E3B0C27E2D}"/>
               </a:ext>
             </a:extLst>
           </p:cNvPr>
@@ -858,7 +857,7 @@
           <p:cNvPr id="4" name="날짜 개체 틀 3">
             <a:extLst>
               <a:ext uri="{FF2B5EF4-FFF2-40B4-BE49-F238E27FC236}">
-                <a16:creationId xmlns:a16="http://schemas.microsoft.com/office/drawing/2014/main" id="{2F0DB3AC-66C4-4244-9CE9-54D71AA59C90}"/>
+                <a16:creationId xmlns:a16="http://schemas.microsoft.com/office/drawing/2014/main" xmlns="" id="{2F0DB3AC-66C4-4244-9CE9-54D71AA59C90}"/>
               </a:ext>
             </a:extLst>
           </p:cNvPr>
@@ -876,7 +875,7 @@
           <a:p>
             <a:fld id="{246E467A-4026-4A8D-97BF-715EF7FA6491}" type="datetimeFigureOut">
               <a:rPr lang="ko-KR" altLang="en-US" smtClean="0"/>
-              <a:t>2023. 5. 25.</a:t>
+              <a:t>2023-06-22</a:t>
             </a:fld>
             <a:endParaRPr lang="ko-KR" altLang="en-US"/>
           </a:p>
@@ -887,7 +886,7 @@
           <p:cNvPr id="5" name="바닥글 개체 틀 4">
             <a:extLst>
               <a:ext uri="{FF2B5EF4-FFF2-40B4-BE49-F238E27FC236}">
-                <a16:creationId xmlns:a16="http://schemas.microsoft.com/office/drawing/2014/main" id="{3992C886-882E-440B-806C-B06DE5089026}"/>
+                <a16:creationId xmlns:a16="http://schemas.microsoft.com/office/drawing/2014/main" xmlns="" id="{3992C886-882E-440B-806C-B06DE5089026}"/>
               </a:ext>
             </a:extLst>
           </p:cNvPr>
@@ -912,7 +911,7 @@
           <p:cNvPr id="6" name="슬라이드 번호 개체 틀 5">
             <a:extLst>
               <a:ext uri="{FF2B5EF4-FFF2-40B4-BE49-F238E27FC236}">
-                <a16:creationId xmlns:a16="http://schemas.microsoft.com/office/drawing/2014/main" id="{9A9323D2-1426-48F9-A93B-729E72E2B2BB}"/>
+                <a16:creationId xmlns:a16="http://schemas.microsoft.com/office/drawing/2014/main" xmlns="" id="{9A9323D2-1426-48F9-A93B-729E72E2B2BB}"/>
               </a:ext>
             </a:extLst>
           </p:cNvPr>
@@ -971,7 +970,7 @@
           <p:cNvPr id="2" name="제목 1">
             <a:extLst>
               <a:ext uri="{FF2B5EF4-FFF2-40B4-BE49-F238E27FC236}">
-                <a16:creationId xmlns:a16="http://schemas.microsoft.com/office/drawing/2014/main" id="{7153C500-C8D9-4EBC-AC73-9F7D65F03E32}"/>
+                <a16:creationId xmlns:a16="http://schemas.microsoft.com/office/drawing/2014/main" xmlns="" id="{7153C500-C8D9-4EBC-AC73-9F7D65F03E32}"/>
               </a:ext>
             </a:extLst>
           </p:cNvPr>
@@ -1008,7 +1007,7 @@
           <p:cNvPr id="3" name="텍스트 개체 틀 2">
             <a:extLst>
               <a:ext uri="{FF2B5EF4-FFF2-40B4-BE49-F238E27FC236}">
-                <a16:creationId xmlns:a16="http://schemas.microsoft.com/office/drawing/2014/main" id="{4E56CD17-259A-42E8-B64F-04C51B7C1C5F}"/>
+                <a16:creationId xmlns:a16="http://schemas.microsoft.com/office/drawing/2014/main" xmlns="" id="{4E56CD17-259A-42E8-B64F-04C51B7C1C5F}"/>
               </a:ext>
             </a:extLst>
           </p:cNvPr>
@@ -1133,7 +1132,7 @@
           <p:cNvPr id="4" name="날짜 개체 틀 3">
             <a:extLst>
               <a:ext uri="{FF2B5EF4-FFF2-40B4-BE49-F238E27FC236}">
-                <a16:creationId xmlns:a16="http://schemas.microsoft.com/office/drawing/2014/main" id="{CE976CE5-8C59-42A2-A597-465DEAC8E5A7}"/>
+                <a16:creationId xmlns:a16="http://schemas.microsoft.com/office/drawing/2014/main" xmlns="" id="{CE976CE5-8C59-42A2-A597-465DEAC8E5A7}"/>
               </a:ext>
             </a:extLst>
           </p:cNvPr>
@@ -1151,7 +1150,7 @@
           <a:p>
             <a:fld id="{246E467A-4026-4A8D-97BF-715EF7FA6491}" type="datetimeFigureOut">
               <a:rPr lang="ko-KR" altLang="en-US" smtClean="0"/>
-              <a:t>2023. 5. 25.</a:t>
+              <a:t>2023-06-22</a:t>
             </a:fld>
             <a:endParaRPr lang="ko-KR" altLang="en-US"/>
           </a:p>
@@ -1162,7 +1161,7 @@
           <p:cNvPr id="5" name="바닥글 개체 틀 4">
             <a:extLst>
               <a:ext uri="{FF2B5EF4-FFF2-40B4-BE49-F238E27FC236}">
-                <a16:creationId xmlns:a16="http://schemas.microsoft.com/office/drawing/2014/main" id="{742312C6-1DCE-41BC-B5FA-FCFF5BE3B9E6}"/>
+                <a16:creationId xmlns:a16="http://schemas.microsoft.com/office/drawing/2014/main" xmlns="" id="{742312C6-1DCE-41BC-B5FA-FCFF5BE3B9E6}"/>
               </a:ext>
             </a:extLst>
           </p:cNvPr>
@@ -1187,7 +1186,7 @@
           <p:cNvPr id="6" name="슬라이드 번호 개체 틀 5">
             <a:extLst>
               <a:ext uri="{FF2B5EF4-FFF2-40B4-BE49-F238E27FC236}">
-                <a16:creationId xmlns:a16="http://schemas.microsoft.com/office/drawing/2014/main" id="{664339A5-69DC-4256-84CA-F160D48ED02B}"/>
+                <a16:creationId xmlns:a16="http://schemas.microsoft.com/office/drawing/2014/main" xmlns="" id="{664339A5-69DC-4256-84CA-F160D48ED02B}"/>
               </a:ext>
             </a:extLst>
           </p:cNvPr>
@@ -1246,7 +1245,7 @@
           <p:cNvPr id="2" name="제목 1">
             <a:extLst>
               <a:ext uri="{FF2B5EF4-FFF2-40B4-BE49-F238E27FC236}">
-                <a16:creationId xmlns:a16="http://schemas.microsoft.com/office/drawing/2014/main" id="{BCF37A4D-E01E-45A7-B166-73EE7826C0E7}"/>
+                <a16:creationId xmlns:a16="http://schemas.microsoft.com/office/drawing/2014/main" xmlns="" id="{BCF37A4D-E01E-45A7-B166-73EE7826C0E7}"/>
               </a:ext>
             </a:extLst>
           </p:cNvPr>
@@ -1274,7 +1273,7 @@
           <p:cNvPr id="3" name="내용 개체 틀 2">
             <a:extLst>
               <a:ext uri="{FF2B5EF4-FFF2-40B4-BE49-F238E27FC236}">
-                <a16:creationId xmlns:a16="http://schemas.microsoft.com/office/drawing/2014/main" id="{A70D6757-7DA6-452C-9903-7536978F1556}"/>
+                <a16:creationId xmlns:a16="http://schemas.microsoft.com/office/drawing/2014/main" xmlns="" id="{A70D6757-7DA6-452C-9903-7536978F1556}"/>
               </a:ext>
             </a:extLst>
           </p:cNvPr>
@@ -1336,7 +1335,7 @@
           <p:cNvPr id="4" name="내용 개체 틀 3">
             <a:extLst>
               <a:ext uri="{FF2B5EF4-FFF2-40B4-BE49-F238E27FC236}">
-                <a16:creationId xmlns:a16="http://schemas.microsoft.com/office/drawing/2014/main" id="{23DCC3C8-286B-4184-8752-32BC3B116B8E}"/>
+                <a16:creationId xmlns:a16="http://schemas.microsoft.com/office/drawing/2014/main" xmlns="" id="{23DCC3C8-286B-4184-8752-32BC3B116B8E}"/>
               </a:ext>
             </a:extLst>
           </p:cNvPr>
@@ -1398,7 +1397,7 @@
           <p:cNvPr id="5" name="날짜 개체 틀 4">
             <a:extLst>
               <a:ext uri="{FF2B5EF4-FFF2-40B4-BE49-F238E27FC236}">
-                <a16:creationId xmlns:a16="http://schemas.microsoft.com/office/drawing/2014/main" id="{7ECA751A-C45B-42C8-893F-826B22E76CF6}"/>
+                <a16:creationId xmlns:a16="http://schemas.microsoft.com/office/drawing/2014/main" xmlns="" id="{7ECA751A-C45B-42C8-893F-826B22E76CF6}"/>
               </a:ext>
             </a:extLst>
           </p:cNvPr>
@@ -1416,7 +1415,7 @@
           <a:p>
             <a:fld id="{246E467A-4026-4A8D-97BF-715EF7FA6491}" type="datetimeFigureOut">
               <a:rPr lang="ko-KR" altLang="en-US" smtClean="0"/>
-              <a:t>2023. 5. 25.</a:t>
+              <a:t>2023-06-22</a:t>
             </a:fld>
             <a:endParaRPr lang="ko-KR" altLang="en-US"/>
           </a:p>
@@ -1427,7 +1426,7 @@
           <p:cNvPr id="6" name="바닥글 개체 틀 5">
             <a:extLst>
               <a:ext uri="{FF2B5EF4-FFF2-40B4-BE49-F238E27FC236}">
-                <a16:creationId xmlns:a16="http://schemas.microsoft.com/office/drawing/2014/main" id="{9F77210C-0EDE-42F3-A19F-12B3884B4393}"/>
+                <a16:creationId xmlns:a16="http://schemas.microsoft.com/office/drawing/2014/main" xmlns="" id="{9F77210C-0EDE-42F3-A19F-12B3884B4393}"/>
               </a:ext>
             </a:extLst>
           </p:cNvPr>
@@ -1452,7 +1451,7 @@
           <p:cNvPr id="7" name="슬라이드 번호 개체 틀 6">
             <a:extLst>
               <a:ext uri="{FF2B5EF4-FFF2-40B4-BE49-F238E27FC236}">
-                <a16:creationId xmlns:a16="http://schemas.microsoft.com/office/drawing/2014/main" id="{3215D590-E2D2-480C-AF73-67D855C553CB}"/>
+                <a16:creationId xmlns:a16="http://schemas.microsoft.com/office/drawing/2014/main" xmlns="" id="{3215D590-E2D2-480C-AF73-67D855C553CB}"/>
               </a:ext>
             </a:extLst>
           </p:cNvPr>
@@ -1511,7 +1510,7 @@
           <p:cNvPr id="2" name="제목 1">
             <a:extLst>
               <a:ext uri="{FF2B5EF4-FFF2-40B4-BE49-F238E27FC236}">
-                <a16:creationId xmlns:a16="http://schemas.microsoft.com/office/drawing/2014/main" id="{E1E3AF97-024B-4EF1-B5B6-2E362F07CDB3}"/>
+                <a16:creationId xmlns:a16="http://schemas.microsoft.com/office/drawing/2014/main" xmlns="" id="{E1E3AF97-024B-4EF1-B5B6-2E362F07CDB3}"/>
               </a:ext>
             </a:extLst>
           </p:cNvPr>
@@ -1544,7 +1543,7 @@
           <p:cNvPr id="3" name="텍스트 개체 틀 2">
             <a:extLst>
               <a:ext uri="{FF2B5EF4-FFF2-40B4-BE49-F238E27FC236}">
-                <a16:creationId xmlns:a16="http://schemas.microsoft.com/office/drawing/2014/main" id="{2B41334B-2AA0-4E32-9445-B691EAB2831F}"/>
+                <a16:creationId xmlns:a16="http://schemas.microsoft.com/office/drawing/2014/main" xmlns="" id="{2B41334B-2AA0-4E32-9445-B691EAB2831F}"/>
               </a:ext>
             </a:extLst>
           </p:cNvPr>
@@ -1615,7 +1614,7 @@
           <p:cNvPr id="4" name="내용 개체 틀 3">
             <a:extLst>
               <a:ext uri="{FF2B5EF4-FFF2-40B4-BE49-F238E27FC236}">
-                <a16:creationId xmlns:a16="http://schemas.microsoft.com/office/drawing/2014/main" id="{BDB62D6F-224F-4433-9752-11A255D323D4}"/>
+                <a16:creationId xmlns:a16="http://schemas.microsoft.com/office/drawing/2014/main" xmlns="" id="{BDB62D6F-224F-4433-9752-11A255D323D4}"/>
               </a:ext>
             </a:extLst>
           </p:cNvPr>
@@ -1677,7 +1676,7 @@
           <p:cNvPr id="5" name="텍스트 개체 틀 4">
             <a:extLst>
               <a:ext uri="{FF2B5EF4-FFF2-40B4-BE49-F238E27FC236}">
-                <a16:creationId xmlns:a16="http://schemas.microsoft.com/office/drawing/2014/main" id="{DD04EE0E-6C7E-4160-86AA-136E97F9FD62}"/>
+                <a16:creationId xmlns:a16="http://schemas.microsoft.com/office/drawing/2014/main" xmlns="" id="{DD04EE0E-6C7E-4160-86AA-136E97F9FD62}"/>
               </a:ext>
             </a:extLst>
           </p:cNvPr>
@@ -1748,7 +1747,7 @@
           <p:cNvPr id="6" name="내용 개체 틀 5">
             <a:extLst>
               <a:ext uri="{FF2B5EF4-FFF2-40B4-BE49-F238E27FC236}">
-                <a16:creationId xmlns:a16="http://schemas.microsoft.com/office/drawing/2014/main" id="{1B390FB9-7573-4784-A2A4-EDF1B3C59FF4}"/>
+                <a16:creationId xmlns:a16="http://schemas.microsoft.com/office/drawing/2014/main" xmlns="" id="{1B390FB9-7573-4784-A2A4-EDF1B3C59FF4}"/>
               </a:ext>
             </a:extLst>
           </p:cNvPr>
@@ -1810,7 +1809,7 @@
           <p:cNvPr id="7" name="날짜 개체 틀 6">
             <a:extLst>
               <a:ext uri="{FF2B5EF4-FFF2-40B4-BE49-F238E27FC236}">
-                <a16:creationId xmlns:a16="http://schemas.microsoft.com/office/drawing/2014/main" id="{F464B30B-9C6A-4C96-8DB5-BCE9A09F77BB}"/>
+                <a16:creationId xmlns:a16="http://schemas.microsoft.com/office/drawing/2014/main" xmlns="" id="{F464B30B-9C6A-4C96-8DB5-BCE9A09F77BB}"/>
               </a:ext>
             </a:extLst>
           </p:cNvPr>
@@ -1828,7 +1827,7 @@
           <a:p>
             <a:fld id="{246E467A-4026-4A8D-97BF-715EF7FA6491}" type="datetimeFigureOut">
               <a:rPr lang="ko-KR" altLang="en-US" smtClean="0"/>
-              <a:t>2023. 5. 25.</a:t>
+              <a:t>2023-06-22</a:t>
             </a:fld>
             <a:endParaRPr lang="ko-KR" altLang="en-US"/>
           </a:p>
@@ -1839,7 +1838,7 @@
           <p:cNvPr id="8" name="바닥글 개체 틀 7">
             <a:extLst>
               <a:ext uri="{FF2B5EF4-FFF2-40B4-BE49-F238E27FC236}">
-                <a16:creationId xmlns:a16="http://schemas.microsoft.com/office/drawing/2014/main" id="{16A11AC4-2315-46FE-81A4-FE4B843497D9}"/>
+                <a16:creationId xmlns:a16="http://schemas.microsoft.com/office/drawing/2014/main" xmlns="" id="{16A11AC4-2315-46FE-81A4-FE4B843497D9}"/>
               </a:ext>
             </a:extLst>
           </p:cNvPr>
@@ -1864,7 +1863,7 @@
           <p:cNvPr id="9" name="슬라이드 번호 개체 틀 8">
             <a:extLst>
               <a:ext uri="{FF2B5EF4-FFF2-40B4-BE49-F238E27FC236}">
-                <a16:creationId xmlns:a16="http://schemas.microsoft.com/office/drawing/2014/main" id="{DC2D39CB-CB92-40B8-9B0C-3FBBBDF9DDF4}"/>
+                <a16:creationId xmlns:a16="http://schemas.microsoft.com/office/drawing/2014/main" xmlns="" id="{DC2D39CB-CB92-40B8-9B0C-3FBBBDF9DDF4}"/>
               </a:ext>
             </a:extLst>
           </p:cNvPr>
@@ -1923,7 +1922,7 @@
           <p:cNvPr id="2" name="제목 1">
             <a:extLst>
               <a:ext uri="{FF2B5EF4-FFF2-40B4-BE49-F238E27FC236}">
-                <a16:creationId xmlns:a16="http://schemas.microsoft.com/office/drawing/2014/main" id="{90E32E25-F5B3-41EE-BD3B-6965721B8BFA}"/>
+                <a16:creationId xmlns:a16="http://schemas.microsoft.com/office/drawing/2014/main" xmlns="" id="{90E32E25-F5B3-41EE-BD3B-6965721B8BFA}"/>
               </a:ext>
             </a:extLst>
           </p:cNvPr>
@@ -1951,7 +1950,7 @@
           <p:cNvPr id="3" name="날짜 개체 틀 2">
             <a:extLst>
               <a:ext uri="{FF2B5EF4-FFF2-40B4-BE49-F238E27FC236}">
-                <a16:creationId xmlns:a16="http://schemas.microsoft.com/office/drawing/2014/main" id="{0CFE1863-7C02-424B-AF80-CDB396716C6B}"/>
+                <a16:creationId xmlns:a16="http://schemas.microsoft.com/office/drawing/2014/main" xmlns="" id="{0CFE1863-7C02-424B-AF80-CDB396716C6B}"/>
               </a:ext>
             </a:extLst>
           </p:cNvPr>
@@ -1969,7 +1968,7 @@
           <a:p>
             <a:fld id="{246E467A-4026-4A8D-97BF-715EF7FA6491}" type="datetimeFigureOut">
               <a:rPr lang="ko-KR" altLang="en-US" smtClean="0"/>
-              <a:t>2023. 5. 25.</a:t>
+              <a:t>2023-06-22</a:t>
             </a:fld>
             <a:endParaRPr lang="ko-KR" altLang="en-US"/>
           </a:p>
@@ -1980,7 +1979,7 @@
           <p:cNvPr id="4" name="바닥글 개체 틀 3">
             <a:extLst>
               <a:ext uri="{FF2B5EF4-FFF2-40B4-BE49-F238E27FC236}">
-                <a16:creationId xmlns:a16="http://schemas.microsoft.com/office/drawing/2014/main" id="{2F99FB34-90A4-44A0-9CF8-F0BC0FE4AB26}"/>
+                <a16:creationId xmlns:a16="http://schemas.microsoft.com/office/drawing/2014/main" xmlns="" id="{2F99FB34-90A4-44A0-9CF8-F0BC0FE4AB26}"/>
               </a:ext>
             </a:extLst>
           </p:cNvPr>
@@ -2005,7 +2004,7 @@
           <p:cNvPr id="5" name="슬라이드 번호 개체 틀 4">
             <a:extLst>
               <a:ext uri="{FF2B5EF4-FFF2-40B4-BE49-F238E27FC236}">
-                <a16:creationId xmlns:a16="http://schemas.microsoft.com/office/drawing/2014/main" id="{56375702-4955-406C-919C-D35A1B84B474}"/>
+                <a16:creationId xmlns:a16="http://schemas.microsoft.com/office/drawing/2014/main" xmlns="" id="{56375702-4955-406C-919C-D35A1B84B474}"/>
               </a:ext>
             </a:extLst>
           </p:cNvPr>
@@ -2064,7 +2063,7 @@
           <p:cNvPr id="2" name="날짜 개체 틀 1">
             <a:extLst>
               <a:ext uri="{FF2B5EF4-FFF2-40B4-BE49-F238E27FC236}">
-                <a16:creationId xmlns:a16="http://schemas.microsoft.com/office/drawing/2014/main" id="{D76E1BA2-3103-4DB2-AAEB-ED1BAE4527B3}"/>
+                <a16:creationId xmlns:a16="http://schemas.microsoft.com/office/drawing/2014/main" xmlns="" id="{D76E1BA2-3103-4DB2-AAEB-ED1BAE4527B3}"/>
               </a:ext>
             </a:extLst>
           </p:cNvPr>
@@ -2082,7 +2081,7 @@
           <a:p>
             <a:fld id="{246E467A-4026-4A8D-97BF-715EF7FA6491}" type="datetimeFigureOut">
               <a:rPr lang="ko-KR" altLang="en-US" smtClean="0"/>
-              <a:t>2023. 5. 25.</a:t>
+              <a:t>2023-06-22</a:t>
             </a:fld>
             <a:endParaRPr lang="ko-KR" altLang="en-US"/>
           </a:p>
@@ -2093,7 +2092,7 @@
           <p:cNvPr id="3" name="바닥글 개체 틀 2">
             <a:extLst>
               <a:ext uri="{FF2B5EF4-FFF2-40B4-BE49-F238E27FC236}">
-                <a16:creationId xmlns:a16="http://schemas.microsoft.com/office/drawing/2014/main" id="{505D5A54-85CA-45E5-9801-A3F15EEFCC94}"/>
+                <a16:creationId xmlns:a16="http://schemas.microsoft.com/office/drawing/2014/main" xmlns="" id="{505D5A54-85CA-45E5-9801-A3F15EEFCC94}"/>
               </a:ext>
             </a:extLst>
           </p:cNvPr>
@@ -2118,7 +2117,7 @@
           <p:cNvPr id="4" name="슬라이드 번호 개체 틀 3">
             <a:extLst>
               <a:ext uri="{FF2B5EF4-FFF2-40B4-BE49-F238E27FC236}">
-                <a16:creationId xmlns:a16="http://schemas.microsoft.com/office/drawing/2014/main" id="{A812AF2F-D0EC-4C7E-8979-4C17E3F4B44D}"/>
+                <a16:creationId xmlns:a16="http://schemas.microsoft.com/office/drawing/2014/main" xmlns="" id="{A812AF2F-D0EC-4C7E-8979-4C17E3F4B44D}"/>
               </a:ext>
             </a:extLst>
           </p:cNvPr>
@@ -2177,7 +2176,7 @@
           <p:cNvPr id="2" name="제목 1">
             <a:extLst>
               <a:ext uri="{FF2B5EF4-FFF2-40B4-BE49-F238E27FC236}">
-                <a16:creationId xmlns:a16="http://schemas.microsoft.com/office/drawing/2014/main" id="{8C03A167-5C7C-4CD2-A3E4-B6F94583214B}"/>
+                <a16:creationId xmlns:a16="http://schemas.microsoft.com/office/drawing/2014/main" xmlns="" id="{8C03A167-5C7C-4CD2-A3E4-B6F94583214B}"/>
               </a:ext>
             </a:extLst>
           </p:cNvPr>
@@ -2214,7 +2213,7 @@
           <p:cNvPr id="3" name="내용 개체 틀 2">
             <a:extLst>
               <a:ext uri="{FF2B5EF4-FFF2-40B4-BE49-F238E27FC236}">
-                <a16:creationId xmlns:a16="http://schemas.microsoft.com/office/drawing/2014/main" id="{5421CEB6-C525-4AEB-BB3E-B13156901366}"/>
+                <a16:creationId xmlns:a16="http://schemas.microsoft.com/office/drawing/2014/main" xmlns="" id="{5421CEB6-C525-4AEB-BB3E-B13156901366}"/>
               </a:ext>
             </a:extLst>
           </p:cNvPr>
@@ -2304,7 +2303,7 @@
           <p:cNvPr id="4" name="텍스트 개체 틀 3">
             <a:extLst>
               <a:ext uri="{FF2B5EF4-FFF2-40B4-BE49-F238E27FC236}">
-                <a16:creationId xmlns:a16="http://schemas.microsoft.com/office/drawing/2014/main" id="{69296C9A-4472-4D30-BFAE-60CB397B5014}"/>
+                <a16:creationId xmlns:a16="http://schemas.microsoft.com/office/drawing/2014/main" xmlns="" id="{69296C9A-4472-4D30-BFAE-60CB397B5014}"/>
               </a:ext>
             </a:extLst>
           </p:cNvPr>
@@ -2375,7 +2374,7 @@
           <p:cNvPr id="5" name="날짜 개체 틀 4">
             <a:extLst>
               <a:ext uri="{FF2B5EF4-FFF2-40B4-BE49-F238E27FC236}">
-                <a16:creationId xmlns:a16="http://schemas.microsoft.com/office/drawing/2014/main" id="{F44E3F16-D603-4838-BA1C-0C9EEDE4AC92}"/>
+                <a16:creationId xmlns:a16="http://schemas.microsoft.com/office/drawing/2014/main" xmlns="" id="{F44E3F16-D603-4838-BA1C-0C9EEDE4AC92}"/>
               </a:ext>
             </a:extLst>
           </p:cNvPr>
@@ -2393,7 +2392,7 @@
           <a:p>
             <a:fld id="{246E467A-4026-4A8D-97BF-715EF7FA6491}" type="datetimeFigureOut">
               <a:rPr lang="ko-KR" altLang="en-US" smtClean="0"/>
-              <a:t>2023. 5. 25.</a:t>
+              <a:t>2023-06-22</a:t>
             </a:fld>
             <a:endParaRPr lang="ko-KR" altLang="en-US"/>
           </a:p>
@@ -2404,7 +2403,7 @@
           <p:cNvPr id="6" name="바닥글 개체 틀 5">
             <a:extLst>
               <a:ext uri="{FF2B5EF4-FFF2-40B4-BE49-F238E27FC236}">
-                <a16:creationId xmlns:a16="http://schemas.microsoft.com/office/drawing/2014/main" id="{F48873C6-9D3A-4C62-9D46-88E6BAABCBA4}"/>
+                <a16:creationId xmlns:a16="http://schemas.microsoft.com/office/drawing/2014/main" xmlns="" id="{F48873C6-9D3A-4C62-9D46-88E6BAABCBA4}"/>
               </a:ext>
             </a:extLst>
           </p:cNvPr>
@@ -2429,7 +2428,7 @@
           <p:cNvPr id="7" name="슬라이드 번호 개체 틀 6">
             <a:extLst>
               <a:ext uri="{FF2B5EF4-FFF2-40B4-BE49-F238E27FC236}">
-                <a16:creationId xmlns:a16="http://schemas.microsoft.com/office/drawing/2014/main" id="{79A9C646-865F-49F4-8BDD-FB9A4DECA8F3}"/>
+                <a16:creationId xmlns:a16="http://schemas.microsoft.com/office/drawing/2014/main" xmlns="" id="{79A9C646-865F-49F4-8BDD-FB9A4DECA8F3}"/>
               </a:ext>
             </a:extLst>
           </p:cNvPr>
@@ -2488,7 +2487,7 @@
           <p:cNvPr id="2" name="제목 1">
             <a:extLst>
               <a:ext uri="{FF2B5EF4-FFF2-40B4-BE49-F238E27FC236}">
-                <a16:creationId xmlns:a16="http://schemas.microsoft.com/office/drawing/2014/main" id="{E5F258A6-5AAD-4F1F-976F-EDB5FF7254F0}"/>
+                <a16:creationId xmlns:a16="http://schemas.microsoft.com/office/drawing/2014/main" xmlns="" id="{E5F258A6-5AAD-4F1F-976F-EDB5FF7254F0}"/>
               </a:ext>
             </a:extLst>
           </p:cNvPr>
@@ -2525,7 +2524,7 @@
           <p:cNvPr id="3" name="그림 개체 틀 2">
             <a:extLst>
               <a:ext uri="{FF2B5EF4-FFF2-40B4-BE49-F238E27FC236}">
-                <a16:creationId xmlns:a16="http://schemas.microsoft.com/office/drawing/2014/main" id="{D2F4441E-0165-42AA-88F8-E53C4BAAC1DE}"/>
+                <a16:creationId xmlns:a16="http://schemas.microsoft.com/office/drawing/2014/main" xmlns="" id="{D2F4441E-0165-42AA-88F8-E53C4BAAC1DE}"/>
               </a:ext>
             </a:extLst>
           </p:cNvPr>
@@ -2592,7 +2591,7 @@
           <p:cNvPr id="4" name="텍스트 개체 틀 3">
             <a:extLst>
               <a:ext uri="{FF2B5EF4-FFF2-40B4-BE49-F238E27FC236}">
-                <a16:creationId xmlns:a16="http://schemas.microsoft.com/office/drawing/2014/main" id="{5AFCA1E8-0D3C-4590-82E2-D018D6E61D0F}"/>
+                <a16:creationId xmlns:a16="http://schemas.microsoft.com/office/drawing/2014/main" xmlns="" id="{5AFCA1E8-0D3C-4590-82E2-D018D6E61D0F}"/>
               </a:ext>
             </a:extLst>
           </p:cNvPr>
@@ -2663,7 +2662,7 @@
           <p:cNvPr id="5" name="날짜 개체 틀 4">
             <a:extLst>
               <a:ext uri="{FF2B5EF4-FFF2-40B4-BE49-F238E27FC236}">
-                <a16:creationId xmlns:a16="http://schemas.microsoft.com/office/drawing/2014/main" id="{0A674557-7FD9-416C-A8B5-FA6C4B5558AE}"/>
+                <a16:creationId xmlns:a16="http://schemas.microsoft.com/office/drawing/2014/main" xmlns="" id="{0A674557-7FD9-416C-A8B5-FA6C4B5558AE}"/>
               </a:ext>
             </a:extLst>
           </p:cNvPr>
@@ -2681,7 +2680,7 @@
           <a:p>
             <a:fld id="{246E467A-4026-4A8D-97BF-715EF7FA6491}" type="datetimeFigureOut">
               <a:rPr lang="ko-KR" altLang="en-US" smtClean="0"/>
-              <a:t>2023. 5. 25.</a:t>
+              <a:t>2023-06-22</a:t>
             </a:fld>
             <a:endParaRPr lang="ko-KR" altLang="en-US"/>
           </a:p>
@@ -2692,7 +2691,7 @@
           <p:cNvPr id="6" name="바닥글 개체 틀 5">
             <a:extLst>
               <a:ext uri="{FF2B5EF4-FFF2-40B4-BE49-F238E27FC236}">
-                <a16:creationId xmlns:a16="http://schemas.microsoft.com/office/drawing/2014/main" id="{9C4A215C-B55F-4988-B45B-7667E8C7CAF6}"/>
+                <a16:creationId xmlns:a16="http://schemas.microsoft.com/office/drawing/2014/main" xmlns="" id="{9C4A215C-B55F-4988-B45B-7667E8C7CAF6}"/>
               </a:ext>
             </a:extLst>
           </p:cNvPr>
@@ -2717,7 +2716,7 @@
           <p:cNvPr id="7" name="슬라이드 번호 개체 틀 6">
             <a:extLst>
               <a:ext uri="{FF2B5EF4-FFF2-40B4-BE49-F238E27FC236}">
-                <a16:creationId xmlns:a16="http://schemas.microsoft.com/office/drawing/2014/main" id="{82FF3B86-5A48-411F-8090-830140A677FA}"/>
+                <a16:creationId xmlns:a16="http://schemas.microsoft.com/office/drawing/2014/main" xmlns="" id="{82FF3B86-5A48-411F-8090-830140A677FA}"/>
               </a:ext>
             </a:extLst>
           </p:cNvPr>
@@ -2781,7 +2780,7 @@
           <p:cNvPr id="2" name="제목 개체 틀 1">
             <a:extLst>
               <a:ext uri="{FF2B5EF4-FFF2-40B4-BE49-F238E27FC236}">
-                <a16:creationId xmlns:a16="http://schemas.microsoft.com/office/drawing/2014/main" id="{B9DF84FF-C412-430B-963A-695AABF70E5D}"/>
+                <a16:creationId xmlns:a16="http://schemas.microsoft.com/office/drawing/2014/main" xmlns="" id="{B9DF84FF-C412-430B-963A-695AABF70E5D}"/>
               </a:ext>
             </a:extLst>
           </p:cNvPr>
@@ -2819,7 +2818,7 @@
           <p:cNvPr id="3" name="텍스트 개체 틀 2">
             <a:extLst>
               <a:ext uri="{FF2B5EF4-FFF2-40B4-BE49-F238E27FC236}">
-                <a16:creationId xmlns:a16="http://schemas.microsoft.com/office/drawing/2014/main" id="{45EE7982-A999-4B0A-85F1-A0D5C55038DC}"/>
+                <a16:creationId xmlns:a16="http://schemas.microsoft.com/office/drawing/2014/main" xmlns="" id="{45EE7982-A999-4B0A-85F1-A0D5C55038DC}"/>
               </a:ext>
             </a:extLst>
           </p:cNvPr>
@@ -2886,7 +2885,7 @@
           <p:cNvPr id="4" name="날짜 개체 틀 3">
             <a:extLst>
               <a:ext uri="{FF2B5EF4-FFF2-40B4-BE49-F238E27FC236}">
-                <a16:creationId xmlns:a16="http://schemas.microsoft.com/office/drawing/2014/main" id="{3F48EB6A-F091-464F-A783-1AE546A56948}"/>
+                <a16:creationId xmlns:a16="http://schemas.microsoft.com/office/drawing/2014/main" xmlns="" id="{3F48EB6A-F091-464F-A783-1AE546A56948}"/>
               </a:ext>
             </a:extLst>
           </p:cNvPr>
@@ -2922,7 +2921,7 @@
           <a:p>
             <a:fld id="{246E467A-4026-4A8D-97BF-715EF7FA6491}" type="datetimeFigureOut">
               <a:rPr lang="ko-KR" altLang="en-US" smtClean="0"/>
-              <a:t>2023. 5. 25.</a:t>
+              <a:t>2023-06-22</a:t>
             </a:fld>
             <a:endParaRPr lang="ko-KR" altLang="en-US"/>
           </a:p>
@@ -2933,7 +2932,7 @@
           <p:cNvPr id="5" name="바닥글 개체 틀 4">
             <a:extLst>
               <a:ext uri="{FF2B5EF4-FFF2-40B4-BE49-F238E27FC236}">
-                <a16:creationId xmlns:a16="http://schemas.microsoft.com/office/drawing/2014/main" id="{9531D2C7-63D5-4319-952D-A6F8404F460B}"/>
+                <a16:creationId xmlns:a16="http://schemas.microsoft.com/office/drawing/2014/main" xmlns="" id="{9531D2C7-63D5-4319-952D-A6F8404F460B}"/>
               </a:ext>
             </a:extLst>
           </p:cNvPr>
@@ -2976,7 +2975,7 @@
           <p:cNvPr id="6" name="슬라이드 번호 개체 틀 5">
             <a:extLst>
               <a:ext uri="{FF2B5EF4-FFF2-40B4-BE49-F238E27FC236}">
-                <a16:creationId xmlns:a16="http://schemas.microsoft.com/office/drawing/2014/main" id="{7739517A-02D4-4037-9427-974339FE7C30}"/>
+                <a16:creationId xmlns:a16="http://schemas.microsoft.com/office/drawing/2014/main" xmlns="" id="{7739517A-02D4-4037-9427-974339FE7C30}"/>
               </a:ext>
             </a:extLst>
           </p:cNvPr>
@@ -3352,7 +3351,7 @@
           <p:cNvPr id="2" name="TextBox 1">
             <a:extLst>
               <a:ext uri="{FF2B5EF4-FFF2-40B4-BE49-F238E27FC236}">
-                <a16:creationId xmlns:a16="http://schemas.microsoft.com/office/drawing/2014/main" id="{C70C938C-F8B1-4FFF-8F74-6ED0A876B136}"/>
+                <a16:creationId xmlns:a16="http://schemas.microsoft.com/office/drawing/2014/main" xmlns="" id="{C70C938C-F8B1-4FFF-8F74-6ED0A876B136}"/>
               </a:ext>
             </a:extLst>
           </p:cNvPr>
@@ -3393,7 +3392,7 @@
           <p:cNvPr id="3" name="TextBox 2">
             <a:extLst>
               <a:ext uri="{FF2B5EF4-FFF2-40B4-BE49-F238E27FC236}">
-                <a16:creationId xmlns:a16="http://schemas.microsoft.com/office/drawing/2014/main" id="{CC61FC92-B1C1-4C46-ABEF-2B6B78AA5915}"/>
+                <a16:creationId xmlns:a16="http://schemas.microsoft.com/office/drawing/2014/main" xmlns="" id="{CC61FC92-B1C1-4C46-ABEF-2B6B78AA5915}"/>
               </a:ext>
             </a:extLst>
           </p:cNvPr>
@@ -3434,7 +3433,7 @@
           <p:cNvPr id="8" name="그림 7" descr="사람, 서있는, 남자, 착용이(가) 표시된 사진&#10;&#10;자동 생성된 설명">
             <a:extLst>
               <a:ext uri="{FF2B5EF4-FFF2-40B4-BE49-F238E27FC236}">
-                <a16:creationId xmlns:a16="http://schemas.microsoft.com/office/drawing/2014/main" id="{398D98B8-2DFA-8476-B48A-2240354A960C}"/>
+                <a16:creationId xmlns:a16="http://schemas.microsoft.com/office/drawing/2014/main" xmlns="" id="{398D98B8-2DFA-8476-B48A-2240354A960C}"/>
               </a:ext>
             </a:extLst>
           </p:cNvPr>
@@ -3470,7 +3469,7 @@
           <p:cNvPr id="10" name="그림 9" descr="사람이(가) 표시된 사진&#10;&#10;자동 생성된 설명">
             <a:extLst>
               <a:ext uri="{FF2B5EF4-FFF2-40B4-BE49-F238E27FC236}">
-                <a16:creationId xmlns:a16="http://schemas.microsoft.com/office/drawing/2014/main" id="{0BE051E3-CAB7-BCFC-0441-E2FD03007A8D}"/>
+                <a16:creationId xmlns:a16="http://schemas.microsoft.com/office/drawing/2014/main" xmlns="" id="{0BE051E3-CAB7-BCFC-0441-E2FD03007A8D}"/>
               </a:ext>
             </a:extLst>
           </p:cNvPr>
@@ -3506,7 +3505,7 @@
           <p:cNvPr id="12" name="그림 11" descr="사람, 남자, 착용, 서있는이(가) 표시된 사진&#10;&#10;자동 생성된 설명">
             <a:extLst>
               <a:ext uri="{FF2B5EF4-FFF2-40B4-BE49-F238E27FC236}">
-                <a16:creationId xmlns:a16="http://schemas.microsoft.com/office/drawing/2014/main" id="{E9B0AD0F-14A6-F8C1-AEF5-1B01B5CEF846}"/>
+                <a16:creationId xmlns:a16="http://schemas.microsoft.com/office/drawing/2014/main" xmlns="" id="{E9B0AD0F-14A6-F8C1-AEF5-1B01B5CEF846}"/>
               </a:ext>
             </a:extLst>
           </p:cNvPr>
@@ -3584,7 +3583,7 @@
           <p:cNvPr id="3" name="직선 연결선 2">
             <a:extLst>
               <a:ext uri="{FF2B5EF4-FFF2-40B4-BE49-F238E27FC236}">
-                <a16:creationId xmlns:a16="http://schemas.microsoft.com/office/drawing/2014/main" id="{30B7886A-E2C2-47A8-A271-1FD08F52EED0}"/>
+                <a16:creationId xmlns:a16="http://schemas.microsoft.com/office/drawing/2014/main" xmlns="" id="{30B7886A-E2C2-47A8-A271-1FD08F52EED0}"/>
               </a:ext>
             </a:extLst>
           </p:cNvPr>
@@ -3627,7 +3626,7 @@
           <p:cNvPr id="18" name="직선 연결선 17">
             <a:extLst>
               <a:ext uri="{FF2B5EF4-FFF2-40B4-BE49-F238E27FC236}">
-                <a16:creationId xmlns:a16="http://schemas.microsoft.com/office/drawing/2014/main" id="{7911BDFD-7E29-44F7-9ED7-E8F36B51436C}"/>
+                <a16:creationId xmlns:a16="http://schemas.microsoft.com/office/drawing/2014/main" xmlns="" id="{7911BDFD-7E29-44F7-9ED7-E8F36B51436C}"/>
               </a:ext>
             </a:extLst>
           </p:cNvPr>
@@ -3658,105 +3657,9 @@
           </a:fontRef>
         </p:style>
       </p:cxnSp>
-      <p:sp>
-        <p:nvSpPr>
-          <p:cNvPr id="5" name="TextBox 4"/>
-          <p:cNvSpPr txBox="1"/>
-          <p:nvPr/>
-        </p:nvSpPr>
-        <p:spPr>
-          <a:xfrm>
-            <a:off x="469641" y="5519553"/>
-            <a:ext cx="11252718" cy="830997"/>
-          </a:xfrm>
-          <a:prstGeom prst="rect">
-            <a:avLst/>
-          </a:prstGeom>
-          <a:noFill/>
-        </p:spPr>
-        <p:txBody>
-          <a:bodyPr wrap="square" rtlCol="0">
-            <a:spAutoFit/>
-          </a:bodyPr>
-          <a:lstStyle/>
-          <a:p>
-            <a:r>
-              <a:rPr lang="ko-KR" altLang="en-US" sz="2400" b="1" dirty="0" err="1"/>
-              <a:t>로보플로우</a:t>
-            </a:r>
-            <a:r>
-              <a:rPr lang="ko-KR" altLang="en-US" sz="2400" dirty="0" err="1"/>
-              <a:t>가</a:t>
-            </a:r>
-            <a:r>
-              <a:rPr lang="ko-KR" altLang="en-US" sz="2400" dirty="0"/>
-              <a:t> 필요한 포맷의 </a:t>
-            </a:r>
-            <a:r>
-              <a:rPr lang="en-US" altLang="ko-KR" sz="2400" dirty="0" err="1"/>
-              <a:t>png</a:t>
-            </a:r>
-            <a:r>
-              <a:rPr lang="ko-KR" altLang="en-US" sz="2400" dirty="0"/>
-              <a:t> 파일을 지원하지 않아</a:t>
-            </a:r>
-            <a:r>
-              <a:rPr lang="en-US" altLang="ko-KR" sz="2400" dirty="0"/>
-              <a:t>.</a:t>
-            </a:r>
-          </a:p>
-          <a:p>
-            <a:r>
-              <a:rPr lang="ko-KR" altLang="en-US" sz="2400" dirty="0" err="1"/>
-              <a:t>파이썬으로</a:t>
-            </a:r>
-            <a:r>
-              <a:rPr lang="ko-KR" altLang="en-US" sz="2400" dirty="0"/>
-              <a:t>  구현</a:t>
-            </a:r>
-            <a:r>
-              <a:rPr lang="en-US" altLang="ko-KR" sz="2400" dirty="0"/>
-              <a:t>, </a:t>
-            </a:r>
-            <a:r>
-              <a:rPr lang="ko-KR" altLang="en-US" sz="2400" dirty="0"/>
-              <a:t>필요에 의해 증폭 구현</a:t>
-            </a:r>
-            <a:r>
-              <a:rPr lang="en-US" altLang="ko-KR" sz="2400" dirty="0"/>
-              <a:t> </a:t>
-            </a:r>
-            <a:r>
-              <a:rPr lang="ko-KR" altLang="en-US" sz="2400" dirty="0"/>
-              <a:t>색상 조절</a:t>
-            </a:r>
-            <a:r>
-              <a:rPr lang="en-US" altLang="ko-KR" sz="2400" dirty="0"/>
-              <a:t>,</a:t>
-            </a:r>
-            <a:r>
-              <a:rPr lang="ko-KR" altLang="en-US" sz="2400" dirty="0"/>
-              <a:t>  </a:t>
-            </a:r>
-            <a:r>
-              <a:rPr lang="ko-KR" altLang="en-US" sz="2400" dirty="0" err="1"/>
-              <a:t>노이즈</a:t>
-            </a:r>
-            <a:r>
-              <a:rPr lang="en-US" altLang="ko-KR" sz="2400" dirty="0"/>
-              <a:t>,  </a:t>
-            </a:r>
-            <a:r>
-              <a:rPr lang="ko-KR" altLang="en-US" sz="2400" dirty="0"/>
-              <a:t>회전 등의 증폭 사용 </a:t>
-            </a:r>
-            <a:endParaRPr lang="en-US" altLang="ko-KR" sz="2400" dirty="0"/>
-          </a:p>
-        </p:txBody>
-      </p:sp>
       <p:pic>
         <p:nvPicPr>
-          <p:cNvPr id="2" name="Picture 2" descr="C:\Users\user\Desktop\1.1223.JPG"/>
+          <p:cNvPr id="1026" name="Picture 2" descr="C:\Users\user\Desktop\1.2.JPG"/>
           <p:cNvPicPr>
             <a:picLocks noChangeAspect="1" noChangeArrowheads="1"/>
           </p:cNvPicPr>
@@ -3777,8 +3680,8 @@
         </p:blipFill>
         <p:spPr bwMode="auto">
           <a:xfrm>
-            <a:off x="40693" y="917218"/>
-            <a:ext cx="6961023" cy="3524139"/>
+            <a:off x="469641" y="478942"/>
+            <a:ext cx="11169650" cy="5271444"/>
           </a:xfrm>
           <a:prstGeom prst="rect">
             <a:avLst/>
@@ -3795,197 +3698,16 @@
           </a:extLst>
         </p:spPr>
       </p:pic>
-      <p:pic>
-        <p:nvPicPr>
-          <p:cNvPr id="6" name="그림 5">
-            <a:extLst>
-              <a:ext uri="{FF2B5EF4-FFF2-40B4-BE49-F238E27FC236}">
-                <a16:creationId xmlns:a16="http://schemas.microsoft.com/office/drawing/2014/main" id="{5587E1D8-AF37-137D-A031-0BD7B0C6DEAF}"/>
-              </a:ext>
-            </a:extLst>
-          </p:cNvPr>
-          <p:cNvPicPr>
-            <a:picLocks noChangeAspect="1"/>
-          </p:cNvPicPr>
+      <p:sp>
+        <p:nvSpPr>
+          <p:cNvPr id="4" name="TextBox 3"/>
+          <p:cNvSpPr txBox="1"/>
           <p:nvPr/>
-        </p:nvPicPr>
-        <p:blipFill>
-          <a:blip r:embed="rId3"/>
-          <a:stretch>
-            <a:fillRect/>
-          </a:stretch>
-        </p:blipFill>
+        </p:nvSpPr>
         <p:spPr>
           <a:xfrm>
-            <a:off x="7020377" y="507450"/>
-            <a:ext cx="5158403" cy="2488620"/>
-          </a:xfrm>
-          <a:prstGeom prst="rect">
-            <a:avLst/>
-          </a:prstGeom>
-        </p:spPr>
-      </p:pic>
-      <p:pic>
-        <p:nvPicPr>
-          <p:cNvPr id="7" name="그림 6">
-            <a:extLst>
-              <a:ext uri="{FF2B5EF4-FFF2-40B4-BE49-F238E27FC236}">
-                <a16:creationId xmlns:a16="http://schemas.microsoft.com/office/drawing/2014/main" id="{79EA8AB6-B520-2209-6579-92023B184A2E}"/>
-              </a:ext>
-            </a:extLst>
-          </p:cNvPr>
-          <p:cNvPicPr>
-            <a:picLocks noChangeAspect="1"/>
-          </p:cNvPicPr>
-          <p:nvPr/>
-        </p:nvPicPr>
-        <p:blipFill>
-          <a:blip r:embed="rId4"/>
-          <a:stretch>
-            <a:fillRect/>
-          </a:stretch>
-        </p:blipFill>
-        <p:spPr>
-          <a:xfrm>
-            <a:off x="7020377" y="3202132"/>
-            <a:ext cx="5158404" cy="1618173"/>
-          </a:xfrm>
-          <a:prstGeom prst="rect">
-            <a:avLst/>
-          </a:prstGeom>
-        </p:spPr>
-      </p:pic>
-    </p:spTree>
-    <p:extLst>
-      <p:ext uri="{BB962C8B-B14F-4D97-AF65-F5344CB8AC3E}">
-        <p14:creationId xmlns:p14="http://schemas.microsoft.com/office/powerpoint/2010/main" val="1487310101"/>
-      </p:ext>
-    </p:extLst>
-  </p:cSld>
-  <p:clrMapOvr>
-    <a:masterClrMapping/>
-  </p:clrMapOvr>
-  <mc:AlternateContent xmlns:mc="http://schemas.openxmlformats.org/markup-compatibility/2006" xmlns:p14="http://schemas.microsoft.com/office/powerpoint/2010/main">
-    <mc:Choice Requires="p14">
-      <p:transition spd="med" p14:dur="700">
-        <p:fade/>
-      </p:transition>
-    </mc:Choice>
-    <mc:Fallback xmlns="">
-      <p:transition spd="med">
-        <p:fade/>
-      </p:transition>
-    </mc:Fallback>
-  </mc:AlternateContent>
-</p:sld>
-</file>
-
-<file path=ppt/slides/slide3.xml><?xml version="1.0" encoding="utf-8"?>
-<p:sld xmlns:a="http://schemas.openxmlformats.org/drawingml/2006/main" xmlns:r="http://schemas.openxmlformats.org/officeDocument/2006/relationships" xmlns:p="http://schemas.openxmlformats.org/presentationml/2006/main">
-  <p:cSld>
-    <p:spTree>
-      <p:nvGrpSpPr>
-        <p:cNvPr id="1" name=""/>
-        <p:cNvGrpSpPr/>
-        <p:nvPr/>
-      </p:nvGrpSpPr>
-      <p:grpSpPr>
-        <a:xfrm>
-          <a:off x="0" y="0"/>
-          <a:ext cx="0" cy="0"/>
-          <a:chOff x="0" y="0"/>
-          <a:chExt cx="0" cy="0"/>
-        </a:xfrm>
-      </p:grpSpPr>
-      <p:cxnSp>
-        <p:nvCxnSpPr>
-          <p:cNvPr id="3" name="직선 연결선 2">
-            <a:extLst>
-              <a:ext uri="{FF2B5EF4-FFF2-40B4-BE49-F238E27FC236}">
-                <a16:creationId xmlns:a16="http://schemas.microsoft.com/office/drawing/2014/main" id="{30B7886A-E2C2-47A8-A271-1FD08F52EED0}"/>
-              </a:ext>
-            </a:extLst>
-          </p:cNvPr>
-          <p:cNvCxnSpPr>
-            <a:cxnSpLocks/>
-          </p:cNvCxnSpPr>
-          <p:nvPr/>
-        </p:nvCxnSpPr>
-        <p:spPr>
-          <a:xfrm>
-            <a:off x="152400" y="190500"/>
-            <a:ext cx="1435100" cy="0"/>
-          </a:xfrm>
-          <a:prstGeom prst="line">
-            <a:avLst/>
-          </a:prstGeom>
-          <a:ln w="76200">
-            <a:solidFill>
-              <a:schemeClr val="accent4"/>
-            </a:solidFill>
-          </a:ln>
-        </p:spPr>
-        <p:style>
-          <a:lnRef idx="1">
-            <a:schemeClr val="accent1"/>
-          </a:lnRef>
-          <a:fillRef idx="0">
-            <a:schemeClr val="accent1"/>
-          </a:fillRef>
-          <a:effectRef idx="0">
-            <a:schemeClr val="accent1"/>
-          </a:effectRef>
-          <a:fontRef idx="minor">
-            <a:schemeClr val="tx1"/>
-          </a:fontRef>
-        </p:style>
-      </p:cxnSp>
-      <p:cxnSp>
-        <p:nvCxnSpPr>
-          <p:cNvPr id="18" name="직선 연결선 17">
-            <a:extLst>
-              <a:ext uri="{FF2B5EF4-FFF2-40B4-BE49-F238E27FC236}">
-                <a16:creationId xmlns:a16="http://schemas.microsoft.com/office/drawing/2014/main" id="{7911BDFD-7E29-44F7-9ED7-E8F36B51436C}"/>
-              </a:ext>
-            </a:extLst>
-          </p:cNvPr>
-          <p:cNvCxnSpPr/>
-          <p:nvPr/>
-        </p:nvCxnSpPr>
-        <p:spPr>
-          <a:xfrm>
-            <a:off x="1587500" y="190500"/>
-            <a:ext cx="10604500" cy="0"/>
-          </a:xfrm>
-          <a:prstGeom prst="line">
-            <a:avLst/>
-          </a:prstGeom>
-        </p:spPr>
-        <p:style>
-          <a:lnRef idx="1">
-            <a:schemeClr val="accent1"/>
-          </a:lnRef>
-          <a:fillRef idx="0">
-            <a:schemeClr val="accent1"/>
-          </a:fillRef>
-          <a:effectRef idx="0">
-            <a:schemeClr val="accent1"/>
-          </a:effectRef>
-          <a:fontRef idx="minor">
-            <a:schemeClr val="tx1"/>
-          </a:fontRef>
-        </p:style>
-      </p:cxnSp>
-      <p:sp>
-        <p:nvSpPr>
-          <p:cNvPr id="7" name="TextBox 6"/>
-          <p:cNvSpPr txBox="1"/>
-          <p:nvPr/>
-        </p:nvSpPr>
-        <p:spPr>
-          <a:xfrm>
-            <a:off x="1104411" y="5297533"/>
-            <a:ext cx="9917723" cy="923330"/>
+            <a:off x="687754" y="5877169"/>
+            <a:ext cx="10855569" cy="646331"/>
           </a:xfrm>
           <a:prstGeom prst="rect">
             <a:avLst/>
@@ -3999,142 +3721,59 @@
           <a:lstStyle/>
           <a:p>
             <a:r>
-              <a:rPr lang="ko-KR" altLang="en-US" dirty="0" err="1"/>
-              <a:t>하이퍼</a:t>
+              <a:rPr lang="ko-KR" altLang="en-US" dirty="0" smtClean="0"/>
+              <a:t> 우리의 목적과 유사</a:t>
             </a:r>
             <a:r>
               <a:rPr lang="ko-KR" altLang="en-US" dirty="0"/>
-              <a:t> </a:t>
-            </a:r>
-            <a:r>
-              <a:rPr lang="ko-KR" altLang="en-US" dirty="0" err="1"/>
-              <a:t>파라미터</a:t>
-            </a:r>
-            <a:r>
-              <a:rPr lang="ko-KR" altLang="en-US" dirty="0"/>
-              <a:t> 변경 </a:t>
-            </a:r>
-            <a:endParaRPr lang="en-US" altLang="ko-KR" dirty="0"/>
-          </a:p>
-          <a:p>
-            <a:r>
-              <a:rPr lang="ko-KR" altLang="en-US" dirty="0"/>
-              <a:t>샘플링 </a:t>
-            </a:r>
-            <a:r>
-              <a:rPr lang="ko-KR" altLang="en-US" dirty="0" err="1"/>
-              <a:t>드롭아웃</a:t>
-            </a:r>
-            <a:r>
-              <a:rPr lang="ko-KR" altLang="en-US" dirty="0"/>
-              <a:t> 위치 및 수치 변경</a:t>
-            </a:r>
-            <a:r>
-              <a:rPr lang="en-US" altLang="ko-KR" dirty="0"/>
-              <a:t>, </a:t>
-            </a:r>
-            <a:r>
-              <a:rPr lang="en-US" altLang="ko-KR" dirty="0" err="1"/>
-              <a:t>apply_batchnorm</a:t>
-            </a:r>
-            <a:r>
-              <a:rPr lang="en-US" altLang="ko-KR" dirty="0"/>
-              <a:t> </a:t>
-            </a:r>
-            <a:r>
-              <a:rPr lang="ko-KR" altLang="en-US" dirty="0"/>
-              <a:t>추가 등의 테스트 시행 </a:t>
-            </a:r>
-            <a:endParaRPr lang="en-US" altLang="ko-KR" dirty="0"/>
-          </a:p>
-          <a:p>
-            <a:r>
-              <a:rPr lang="en-US" altLang="ko-KR" dirty="0"/>
-              <a:t> L1 </a:t>
-            </a:r>
-            <a:r>
-              <a:rPr lang="ko-KR" altLang="en-US" dirty="0" err="1"/>
-              <a:t>로스에서</a:t>
-            </a:r>
-            <a:r>
-              <a:rPr lang="ko-KR" altLang="en-US" dirty="0"/>
-              <a:t> </a:t>
-            </a:r>
-            <a:r>
-              <a:rPr lang="en-US" altLang="ko-KR" dirty="0"/>
-              <a:t>L2 </a:t>
-            </a:r>
-            <a:r>
-              <a:rPr lang="ko-KR" altLang="en-US" dirty="0" err="1"/>
-              <a:t>로스로</a:t>
-            </a:r>
-            <a:r>
-              <a:rPr lang="ko-KR" altLang="en-US" dirty="0"/>
-              <a:t> 변경으로 부드럽게 변경</a:t>
-            </a:r>
-            <a:r>
-              <a:rPr lang="en-US" altLang="ko-KR" dirty="0"/>
-              <a:t> </a:t>
-            </a:r>
-            <a:r>
-              <a:rPr lang="ko-KR" altLang="en-US" dirty="0"/>
-              <a:t>및</a:t>
-            </a:r>
-            <a:r>
-              <a:rPr lang="en-US" altLang="ko-KR" dirty="0"/>
-              <a:t>, </a:t>
-            </a:r>
-            <a:r>
-              <a:rPr lang="ko-KR" altLang="en-US" dirty="0"/>
-              <a:t>람다 값 변경 테스트  </a:t>
-            </a:r>
-            <a:endParaRPr lang="en-US" altLang="ko-KR" dirty="0"/>
-          </a:p>
-        </p:txBody>
-      </p:sp>
-      <p:pic>
-        <p:nvPicPr>
-          <p:cNvPr id="2050" name="Picture 2" descr="C:\Users\user\Desktop\1.122.JPG"/>
-          <p:cNvPicPr>
-            <a:picLocks noChangeAspect="1" noChangeArrowheads="1"/>
-          </p:cNvPicPr>
-          <p:nvPr/>
-        </p:nvPicPr>
-        <p:blipFill rotWithShape="1">
-          <a:blip r:embed="rId2" cstate="screen">
-            <a:extLst>
-              <a:ext uri="{28A0092B-C50C-407E-A947-70E740481C1C}">
-                <a14:useLocalDpi xmlns:a14="http://schemas.microsoft.com/office/drawing/2010/main" val="0"/>
-              </a:ext>
-            </a:extLst>
-          </a:blip>
-          <a:srcRect l="-1580"/>
-          <a:stretch/>
-        </p:blipFill>
-        <p:spPr bwMode="auto">
-          <a:xfrm>
-            <a:off x="554948" y="679718"/>
-            <a:ext cx="11016645" cy="4275236"/>
-          </a:xfrm>
-          <a:prstGeom prst="rect">
-            <a:avLst/>
-          </a:prstGeom>
-          <a:noFill/>
-          <a:extLst>
-            <a:ext uri="{909E8E84-426E-40DD-AFC4-6F175D3DCCD1}">
-              <a14:hiddenFill xmlns:a14="http://schemas.microsoft.com/office/drawing/2010/main">
-                <a:solidFill>
-                  <a:srgbClr val="FFFFFF"/>
-                </a:solidFill>
-              </a14:hiddenFill>
-            </a:ext>
-          </a:extLst>
-        </p:spPr>
-      </p:pic>
+              <a:t>한</a:t>
+            </a:r>
+            <a:r>
+              <a:rPr lang="ko-KR" altLang="en-US" dirty="0" smtClean="0"/>
+              <a:t> 인공지능 </a:t>
+            </a:r>
+            <a:r>
+              <a:rPr lang="en-US" altLang="ko-KR" dirty="0" smtClean="0"/>
+              <a:t>CVPR </a:t>
+            </a:r>
+            <a:r>
+              <a:rPr lang="ko-KR" altLang="en-US" dirty="0" smtClean="0"/>
+              <a:t>을 사용</a:t>
+            </a:r>
+            <a:r>
+              <a:rPr lang="en-US" altLang="ko-KR" dirty="0" smtClean="0"/>
+              <a:t>,</a:t>
+            </a:r>
+          </a:p>
+          <a:p>
+            <a:r>
+              <a:rPr lang="ko-KR" altLang="en-US" dirty="0" smtClean="0"/>
+              <a:t>환경 설정 및 </a:t>
+            </a:r>
+            <a:r>
+              <a:rPr lang="ko-KR" altLang="en-US" dirty="0" err="1" smtClean="0"/>
+              <a:t>테스팅</a:t>
+            </a:r>
+            <a:r>
+              <a:rPr lang="en-US" altLang="ko-KR" dirty="0" smtClean="0"/>
+              <a:t>,  </a:t>
+            </a:r>
+            <a:r>
+              <a:rPr lang="ko-KR" altLang="en-US" dirty="0" smtClean="0"/>
+              <a:t>과정을 진행함</a:t>
+            </a:r>
+            <a:r>
+              <a:rPr lang="en-US" altLang="ko-KR" dirty="0" smtClean="0"/>
+              <a:t>.</a:t>
+            </a:r>
+            <a:endParaRPr lang="ko-KR" altLang="en-US" dirty="0"/>
+          </a:p>
+        </p:txBody>
+      </p:sp>
     </p:spTree>
     <p:extLst>
       <p:ext uri="{BB962C8B-B14F-4D97-AF65-F5344CB8AC3E}">
-        <p14:creationId xmlns:p14="http://schemas.microsoft.com/office/powerpoint/2010/main" val="3816055464"/>
+        <p14:creationId xmlns:p14="http://schemas.microsoft.com/office/powerpoint/2010/main" val="1487310101"/>
       </p:ext>
     </p:extLst>
   </p:cSld>
@@ -4384,7 +4023,7 @@
   <a:extraClrSchemeLst/>
   <a:extLst>
     <a:ext uri="{05A4C25C-085E-4340-85A3-A5531E510DB2}">
-      <thm15:themeFamily xmlns:thm15="http://schemas.microsoft.com/office/thememl/2012/main" name="Office Theme" id="{62F939B6-93AF-4DB8-9C6B-D6C7DFDC589F}" vid="{4A3C46E8-61CC-4603-A589-7422A47A8E4A}"/>
+      <thm15:themeFamily xmlns:thm15="http://schemas.microsoft.com/office/thememl/2012/main" xmlns="" name="Office Theme" id="{62F939B6-93AF-4DB8-9C6B-D6C7DFDC589F}" vid="{4A3C46E8-61CC-4603-A589-7422A47A8E4A}"/>
     </a:ext>
   </a:extLst>
 </a:theme>

--- a/발표자료/업데이트/LJHPPT.pptx
+++ b/발표자료/업데이트/LJHPPT.pptx
@@ -6,7 +6,8 @@
   </p:sldMasterIdLst>
   <p:sldIdLst>
     <p:sldId id="256" r:id="rId2"/>
-    <p:sldId id="274" r:id="rId3"/>
+    <p:sldId id="275" r:id="rId3"/>
+    <p:sldId id="274" r:id="rId4"/>
   </p:sldIdLst>
   <p:sldSz cx="12192000" cy="6858000"/>
   <p:notesSz cx="6858000" cy="9144000"/>
@@ -3657,6 +3658,397 @@
           </a:fontRef>
         </p:style>
       </p:cxnSp>
+      <p:sp>
+        <p:nvSpPr>
+          <p:cNvPr id="4" name="TextBox 3"/>
+          <p:cNvSpPr txBox="1"/>
+          <p:nvPr/>
+        </p:nvSpPr>
+        <p:spPr>
+          <a:xfrm>
+            <a:off x="687754" y="5877169"/>
+            <a:ext cx="10855569" cy="646331"/>
+          </a:xfrm>
+          <a:prstGeom prst="rect">
+            <a:avLst/>
+          </a:prstGeom>
+          <a:noFill/>
+        </p:spPr>
+        <p:txBody>
+          <a:bodyPr wrap="square" rtlCol="0">
+            <a:spAutoFit/>
+          </a:bodyPr>
+          <a:lstStyle/>
+          <a:p>
+            <a:r>
+              <a:rPr lang="ko-KR" altLang="en-US" dirty="0"/>
+              <a:t>다양한 인공지능 </a:t>
+            </a:r>
+            <a:r>
+              <a:rPr lang="en-US" altLang="ko-KR" dirty="0" smtClean="0"/>
+              <a:t>stylegan1</a:t>
+            </a:r>
+            <a:r>
+              <a:rPr lang="en-US" altLang="ko-KR" dirty="0"/>
+              <a:t>, 2,3, ACGPN, </a:t>
+            </a:r>
+            <a:r>
+              <a:rPr lang="en-US" altLang="ko-KR" dirty="0" err="1" smtClean="0"/>
+              <a:t>cp</a:t>
+            </a:r>
+            <a:r>
+              <a:rPr lang="en-US" altLang="ko-KR" dirty="0" smtClean="0"/>
+              <a:t>-</a:t>
+            </a:r>
+            <a:r>
+              <a:rPr lang="en-US" altLang="ko-KR" dirty="0" err="1" smtClean="0"/>
+              <a:t>vton</a:t>
+            </a:r>
+            <a:r>
+              <a:rPr lang="en-US" altLang="ko-KR" dirty="0" smtClean="0"/>
+              <a:t>-plus,</a:t>
+            </a:r>
+            <a:r>
+              <a:rPr lang="en-US" altLang="ko-KR" dirty="0"/>
+              <a:t> </a:t>
+            </a:r>
+            <a:r>
+              <a:rPr lang="en-US" altLang="ko-KR" dirty="0" err="1" smtClean="0"/>
+              <a:t>gc</a:t>
+            </a:r>
+            <a:r>
+              <a:rPr lang="en-US" altLang="ko-KR" dirty="0" smtClean="0"/>
+              <a:t> </a:t>
+            </a:r>
+            <a:r>
+              <a:rPr lang="en-US" altLang="ko-KR" dirty="0" err="1" smtClean="0"/>
+              <a:t>gan,DGP</a:t>
+            </a:r>
+            <a:r>
+              <a:rPr lang="en-US" altLang="ko-KR" dirty="0" smtClean="0"/>
+              <a:t>  </a:t>
+            </a:r>
+            <a:r>
+              <a:rPr lang="ko-KR" altLang="en-US" dirty="0" smtClean="0"/>
+              <a:t>과 같은</a:t>
+            </a:r>
+            <a:r>
+              <a:rPr lang="en-US" altLang="ko-KR" dirty="0" smtClean="0"/>
+              <a:t>, </a:t>
+            </a:r>
+            <a:r>
+              <a:rPr lang="ko-KR" altLang="en-US" dirty="0" smtClean="0"/>
+              <a:t>가상 의류 </a:t>
+            </a:r>
+            <a:r>
+              <a:rPr lang="ko-KR" altLang="en-US" dirty="0" err="1" smtClean="0"/>
+              <a:t>피팅에</a:t>
+            </a:r>
+            <a:r>
+              <a:rPr lang="en-US" altLang="ko-KR" dirty="0" smtClean="0"/>
+              <a:t> </a:t>
+            </a:r>
+            <a:r>
+              <a:rPr lang="ko-KR" altLang="en-US" dirty="0" smtClean="0"/>
+              <a:t>적합한 인공지능 </a:t>
+            </a:r>
+            <a:r>
+              <a:rPr lang="ko-KR" altLang="en-US" dirty="0"/>
+              <a:t>모델을 </a:t>
+            </a:r>
+            <a:r>
+              <a:rPr lang="ko-KR" altLang="en-US" dirty="0" smtClean="0"/>
+              <a:t>검색</a:t>
+            </a:r>
+            <a:endParaRPr lang="ko-KR" altLang="en-US" dirty="0"/>
+          </a:p>
+        </p:txBody>
+      </p:sp>
+      <p:pic>
+        <p:nvPicPr>
+          <p:cNvPr id="1027" name="Picture 3" descr="C:\Users\user\Desktop\4..JPG"/>
+          <p:cNvPicPr>
+            <a:picLocks noChangeAspect="1" noChangeArrowheads="1"/>
+          </p:cNvPicPr>
+          <p:nvPr/>
+        </p:nvPicPr>
+        <p:blipFill>
+          <a:blip r:embed="rId2" cstate="screen">
+            <a:extLst>
+              <a:ext uri="{28A0092B-C50C-407E-A947-70E740481C1C}">
+                <a14:useLocalDpi xmlns:a14="http://schemas.microsoft.com/office/drawing/2010/main" val="0"/>
+              </a:ext>
+            </a:extLst>
+          </a:blip>
+          <a:srcRect/>
+          <a:stretch>
+            <a:fillRect/>
+          </a:stretch>
+        </p:blipFill>
+        <p:spPr bwMode="auto">
+          <a:xfrm>
+            <a:off x="687754" y="577867"/>
+            <a:ext cx="5861004" cy="3125869"/>
+          </a:xfrm>
+          <a:prstGeom prst="rect">
+            <a:avLst/>
+          </a:prstGeom>
+          <a:noFill/>
+          <a:extLst>
+            <a:ext uri="{909E8E84-426E-40DD-AFC4-6F175D3DCCD1}">
+              <a14:hiddenFill xmlns:a14="http://schemas.microsoft.com/office/drawing/2010/main">
+                <a:solidFill>
+                  <a:srgbClr val="FFFFFF"/>
+                </a:solidFill>
+              </a14:hiddenFill>
+            </a:ext>
+          </a:extLst>
+        </p:spPr>
+      </p:pic>
+      <p:pic>
+        <p:nvPicPr>
+          <p:cNvPr id="1028" name="Picture 4" descr="C:\Users\user\Desktop\3.JPG"/>
+          <p:cNvPicPr>
+            <a:picLocks noChangeAspect="1" noChangeArrowheads="1"/>
+          </p:cNvPicPr>
+          <p:nvPr/>
+        </p:nvPicPr>
+        <p:blipFill>
+          <a:blip r:embed="rId3" cstate="screen">
+            <a:extLst>
+              <a:ext uri="{28A0092B-C50C-407E-A947-70E740481C1C}">
+                <a14:useLocalDpi xmlns:a14="http://schemas.microsoft.com/office/drawing/2010/main" val="0"/>
+              </a:ext>
+            </a:extLst>
+          </a:blip>
+          <a:srcRect/>
+          <a:stretch>
+            <a:fillRect/>
+          </a:stretch>
+        </p:blipFill>
+        <p:spPr bwMode="auto">
+          <a:xfrm>
+            <a:off x="1502961" y="2284320"/>
+            <a:ext cx="5610109" cy="3415979"/>
+          </a:xfrm>
+          <a:prstGeom prst="rect">
+            <a:avLst/>
+          </a:prstGeom>
+          <a:noFill/>
+          <a:extLst>
+            <a:ext uri="{909E8E84-426E-40DD-AFC4-6F175D3DCCD1}">
+              <a14:hiddenFill xmlns:a14="http://schemas.microsoft.com/office/drawing/2010/main">
+                <a:solidFill>
+                  <a:srgbClr val="FFFFFF"/>
+                </a:solidFill>
+              </a14:hiddenFill>
+            </a:ext>
+          </a:extLst>
+        </p:spPr>
+      </p:pic>
+      <p:pic>
+        <p:nvPicPr>
+          <p:cNvPr id="2" name="Picture 2" descr="C:\Users\user\Desktop\1.1.JPG"/>
+          <p:cNvPicPr>
+            <a:picLocks noChangeAspect="1" noChangeArrowheads="1"/>
+          </p:cNvPicPr>
+          <p:nvPr/>
+        </p:nvPicPr>
+        <p:blipFill>
+          <a:blip r:embed="rId4" cstate="screen">
+            <a:extLst>
+              <a:ext uri="{28A0092B-C50C-407E-A947-70E740481C1C}">
+                <a14:useLocalDpi xmlns:a14="http://schemas.microsoft.com/office/drawing/2010/main" val="0"/>
+              </a:ext>
+            </a:extLst>
+          </a:blip>
+          <a:srcRect/>
+          <a:stretch>
+            <a:fillRect/>
+          </a:stretch>
+        </p:blipFill>
+        <p:spPr bwMode="auto">
+          <a:xfrm>
+            <a:off x="4948712" y="190500"/>
+            <a:ext cx="6219922" cy="4187640"/>
+          </a:xfrm>
+          <a:prstGeom prst="rect">
+            <a:avLst/>
+          </a:prstGeom>
+          <a:noFill/>
+          <a:extLst>
+            <a:ext uri="{909E8E84-426E-40DD-AFC4-6F175D3DCCD1}">
+              <a14:hiddenFill xmlns:a14="http://schemas.microsoft.com/office/drawing/2010/main">
+                <a:solidFill>
+                  <a:srgbClr val="FFFFFF"/>
+                </a:solidFill>
+              </a14:hiddenFill>
+            </a:ext>
+          </a:extLst>
+        </p:spPr>
+      </p:pic>
+      <p:pic>
+        <p:nvPicPr>
+          <p:cNvPr id="1029" name="Picture 5" descr="C:\Users\user\Desktop\4.0.JPG"/>
+          <p:cNvPicPr>
+            <a:picLocks noChangeAspect="1" noChangeArrowheads="1"/>
+          </p:cNvPicPr>
+          <p:nvPr/>
+        </p:nvPicPr>
+        <p:blipFill>
+          <a:blip r:embed="rId5" cstate="screen">
+            <a:extLst>
+              <a:ext uri="{28A0092B-C50C-407E-A947-70E740481C1C}">
+                <a14:useLocalDpi xmlns:a14="http://schemas.microsoft.com/office/drawing/2010/main" val="0"/>
+              </a:ext>
+            </a:extLst>
+          </a:blip>
+          <a:srcRect/>
+          <a:stretch>
+            <a:fillRect/>
+          </a:stretch>
+        </p:blipFill>
+        <p:spPr bwMode="auto">
+          <a:xfrm>
+            <a:off x="6314173" y="3366173"/>
+            <a:ext cx="4513998" cy="2334126"/>
+          </a:xfrm>
+          <a:prstGeom prst="rect">
+            <a:avLst/>
+          </a:prstGeom>
+          <a:noFill/>
+          <a:extLst>
+            <a:ext uri="{909E8E84-426E-40DD-AFC4-6F175D3DCCD1}">
+              <a14:hiddenFill xmlns:a14="http://schemas.microsoft.com/office/drawing/2010/main">
+                <a:solidFill>
+                  <a:srgbClr val="FFFFFF"/>
+                </a:solidFill>
+              </a14:hiddenFill>
+            </a:ext>
+          </a:extLst>
+        </p:spPr>
+      </p:pic>
+    </p:spTree>
+    <p:extLst>
+      <p:ext uri="{BB962C8B-B14F-4D97-AF65-F5344CB8AC3E}">
+        <p14:creationId xmlns:p14="http://schemas.microsoft.com/office/powerpoint/2010/main" val="2416042653"/>
+      </p:ext>
+    </p:extLst>
+  </p:cSld>
+  <p:clrMapOvr>
+    <a:masterClrMapping/>
+  </p:clrMapOvr>
+  <mc:AlternateContent xmlns:mc="http://schemas.openxmlformats.org/markup-compatibility/2006" xmlns:p14="http://schemas.microsoft.com/office/powerpoint/2010/main">
+    <mc:Choice Requires="p14">
+      <p:transition spd="med" p14:dur="700">
+        <p:fade/>
+      </p:transition>
+    </mc:Choice>
+    <mc:Fallback xmlns="">
+      <p:transition spd="med">
+        <p:fade/>
+      </p:transition>
+    </mc:Fallback>
+  </mc:AlternateContent>
+</p:sld>
+</file>
+
+<file path=ppt/slides/slide3.xml><?xml version="1.0" encoding="utf-8"?>
+<p:sld xmlns:a="http://schemas.openxmlformats.org/drawingml/2006/main" xmlns:r="http://schemas.openxmlformats.org/officeDocument/2006/relationships" xmlns:p="http://schemas.openxmlformats.org/presentationml/2006/main">
+  <p:cSld>
+    <p:spTree>
+      <p:nvGrpSpPr>
+        <p:cNvPr id="1" name=""/>
+        <p:cNvGrpSpPr/>
+        <p:nvPr/>
+      </p:nvGrpSpPr>
+      <p:grpSpPr>
+        <a:xfrm>
+          <a:off x="0" y="0"/>
+          <a:ext cx="0" cy="0"/>
+          <a:chOff x="0" y="0"/>
+          <a:chExt cx="0" cy="0"/>
+        </a:xfrm>
+      </p:grpSpPr>
+      <p:cxnSp>
+        <p:nvCxnSpPr>
+          <p:cNvPr id="3" name="직선 연결선 2">
+            <a:extLst>
+              <a:ext uri="{FF2B5EF4-FFF2-40B4-BE49-F238E27FC236}">
+                <a16:creationId xmlns:a16="http://schemas.microsoft.com/office/drawing/2014/main" xmlns="" id="{30B7886A-E2C2-47A8-A271-1FD08F52EED0}"/>
+              </a:ext>
+            </a:extLst>
+          </p:cNvPr>
+          <p:cNvCxnSpPr>
+            <a:cxnSpLocks/>
+          </p:cNvCxnSpPr>
+          <p:nvPr/>
+        </p:nvCxnSpPr>
+        <p:spPr>
+          <a:xfrm>
+            <a:off x="152400" y="190500"/>
+            <a:ext cx="1435100" cy="0"/>
+          </a:xfrm>
+          <a:prstGeom prst="line">
+            <a:avLst/>
+          </a:prstGeom>
+          <a:ln w="76200">
+            <a:solidFill>
+              <a:schemeClr val="accent4"/>
+            </a:solidFill>
+          </a:ln>
+        </p:spPr>
+        <p:style>
+          <a:lnRef idx="1">
+            <a:schemeClr val="accent1"/>
+          </a:lnRef>
+          <a:fillRef idx="0">
+            <a:schemeClr val="accent1"/>
+          </a:fillRef>
+          <a:effectRef idx="0">
+            <a:schemeClr val="accent1"/>
+          </a:effectRef>
+          <a:fontRef idx="minor">
+            <a:schemeClr val="tx1"/>
+          </a:fontRef>
+        </p:style>
+      </p:cxnSp>
+      <p:cxnSp>
+        <p:nvCxnSpPr>
+          <p:cNvPr id="18" name="직선 연결선 17">
+            <a:extLst>
+              <a:ext uri="{FF2B5EF4-FFF2-40B4-BE49-F238E27FC236}">
+                <a16:creationId xmlns:a16="http://schemas.microsoft.com/office/drawing/2014/main" xmlns="" id="{7911BDFD-7E29-44F7-9ED7-E8F36B51436C}"/>
+              </a:ext>
+            </a:extLst>
+          </p:cNvPr>
+          <p:cNvCxnSpPr/>
+          <p:nvPr/>
+        </p:nvCxnSpPr>
+        <p:spPr>
+          <a:xfrm>
+            <a:off x="1587500" y="190500"/>
+            <a:ext cx="10604500" cy="0"/>
+          </a:xfrm>
+          <a:prstGeom prst="line">
+            <a:avLst/>
+          </a:prstGeom>
+        </p:spPr>
+        <p:style>
+          <a:lnRef idx="1">
+            <a:schemeClr val="accent1"/>
+          </a:lnRef>
+          <a:fillRef idx="0">
+            <a:schemeClr val="accent1"/>
+          </a:fillRef>
+          <a:effectRef idx="0">
+            <a:schemeClr val="accent1"/>
+          </a:effectRef>
+          <a:fontRef idx="minor">
+            <a:schemeClr val="tx1"/>
+          </a:fontRef>
+        </p:style>
+      </p:cxnSp>
       <p:pic>
         <p:nvPicPr>
           <p:cNvPr id="1026" name="Picture 2" descr="C:\Users\user\Desktop\1.2.JPG"/>
@@ -3721,49 +4113,53 @@
           <a:lstStyle/>
           <a:p>
             <a:r>
+              <a:rPr lang="ko-KR" altLang="en-US" dirty="0"/>
+              <a:t> 우리의 목적인 </a:t>
+            </a:r>
+            <a:r>
               <a:rPr lang="ko-KR" altLang="en-US" dirty="0" smtClean="0"/>
-              <a:t> 우리의 목적과 유사</a:t>
+              <a:t>가상 </a:t>
+            </a:r>
+            <a:r>
+              <a:rPr lang="ko-KR" altLang="en-US" dirty="0" err="1" smtClean="0"/>
+              <a:t>피팅과</a:t>
+            </a:r>
+            <a:r>
+              <a:rPr lang="ko-KR" altLang="en-US" dirty="0" smtClean="0"/>
+              <a:t> </a:t>
             </a:r>
             <a:r>
               <a:rPr lang="ko-KR" altLang="en-US" dirty="0"/>
-              <a:t>한</a:t>
-            </a:r>
-            <a:r>
-              <a:rPr lang="ko-KR" altLang="en-US" dirty="0" smtClean="0"/>
-              <a:t> 인공지능 </a:t>
-            </a:r>
-            <a:r>
-              <a:rPr lang="en-US" altLang="ko-KR" dirty="0" smtClean="0"/>
-              <a:t>CVPR </a:t>
-            </a:r>
-            <a:r>
-              <a:rPr lang="ko-KR" altLang="en-US" dirty="0" smtClean="0"/>
+              <a:t>유사한 인공지능 </a:t>
+            </a:r>
+            <a:r>
+              <a:rPr lang="en-US" altLang="ko-KR" dirty="0"/>
+              <a:t>PF-AFN </a:t>
+            </a:r>
+            <a:r>
+              <a:rPr lang="ko-KR" altLang="en-US" dirty="0"/>
               <a:t>을 사용</a:t>
             </a:r>
             <a:r>
-              <a:rPr lang="en-US" altLang="ko-KR" dirty="0" smtClean="0"/>
+              <a:rPr lang="en-US" altLang="ko-KR" dirty="0"/>
               <a:t>,</a:t>
             </a:r>
           </a:p>
           <a:p>
             <a:r>
-              <a:rPr lang="ko-KR" altLang="en-US" dirty="0" smtClean="0"/>
-              <a:t>환경 설정 및 </a:t>
-            </a:r>
-            <a:r>
-              <a:rPr lang="ko-KR" altLang="en-US" dirty="0" err="1" smtClean="0"/>
+              <a:rPr lang="ko-KR" altLang="en-US" dirty="0"/>
+              <a:t>가상 환경 설정 및 </a:t>
+            </a:r>
+            <a:r>
+              <a:rPr lang="ko-KR" altLang="en-US" dirty="0" err="1"/>
               <a:t>테스팅</a:t>
             </a:r>
             <a:r>
-              <a:rPr lang="en-US" altLang="ko-KR" dirty="0" smtClean="0"/>
-              <a:t>,  </a:t>
-            </a:r>
-            <a:r>
-              <a:rPr lang="ko-KR" altLang="en-US" dirty="0" smtClean="0"/>
-              <a:t>과정을 진행함</a:t>
-            </a:r>
-            <a:r>
-              <a:rPr lang="en-US" altLang="ko-KR" dirty="0" smtClean="0"/>
+              <a:rPr lang="ko-KR" altLang="en-US" dirty="0"/>
+              <a:t> 과정을 진행함</a:t>
+            </a:r>
+            <a:r>
+              <a:rPr lang="en-US" altLang="ko-KR" dirty="0"/>
               <a:t>.</a:t>
             </a:r>
             <a:endParaRPr lang="ko-KR" altLang="en-US" dirty="0"/>

--- a/발표자료/업데이트/LJHPPT.pptx
+++ b/발표자료/업데이트/LJHPPT.pptx
@@ -272,7 +272,7 @@
           <a:p>
             <a:fld id="{246E467A-4026-4A8D-97BF-715EF7FA6491}" type="datetimeFigureOut">
               <a:rPr lang="ko-KR" altLang="en-US" smtClean="0"/>
-              <a:t>2023-06-22</a:t>
+              <a:t>2023-06-27</a:t>
             </a:fld>
             <a:endParaRPr lang="ko-KR" altLang="en-US"/>
           </a:p>
@@ -470,7 +470,7 @@
           <a:p>
             <a:fld id="{246E467A-4026-4A8D-97BF-715EF7FA6491}" type="datetimeFigureOut">
               <a:rPr lang="ko-KR" altLang="en-US" smtClean="0"/>
-              <a:t>2023-06-22</a:t>
+              <a:t>2023-06-27</a:t>
             </a:fld>
             <a:endParaRPr lang="ko-KR" altLang="en-US"/>
           </a:p>
@@ -678,7 +678,7 @@
           <a:p>
             <a:fld id="{246E467A-4026-4A8D-97BF-715EF7FA6491}" type="datetimeFigureOut">
               <a:rPr lang="ko-KR" altLang="en-US" smtClean="0"/>
-              <a:t>2023-06-22</a:t>
+              <a:t>2023-06-27</a:t>
             </a:fld>
             <a:endParaRPr lang="ko-KR" altLang="en-US"/>
           </a:p>
@@ -876,7 +876,7 @@
           <a:p>
             <a:fld id="{246E467A-4026-4A8D-97BF-715EF7FA6491}" type="datetimeFigureOut">
               <a:rPr lang="ko-KR" altLang="en-US" smtClean="0"/>
-              <a:t>2023-06-22</a:t>
+              <a:t>2023-06-27</a:t>
             </a:fld>
             <a:endParaRPr lang="ko-KR" altLang="en-US"/>
           </a:p>
@@ -1151,7 +1151,7 @@
           <a:p>
             <a:fld id="{246E467A-4026-4A8D-97BF-715EF7FA6491}" type="datetimeFigureOut">
               <a:rPr lang="ko-KR" altLang="en-US" smtClean="0"/>
-              <a:t>2023-06-22</a:t>
+              <a:t>2023-06-27</a:t>
             </a:fld>
             <a:endParaRPr lang="ko-KR" altLang="en-US"/>
           </a:p>
@@ -1416,7 +1416,7 @@
           <a:p>
             <a:fld id="{246E467A-4026-4A8D-97BF-715EF7FA6491}" type="datetimeFigureOut">
               <a:rPr lang="ko-KR" altLang="en-US" smtClean="0"/>
-              <a:t>2023-06-22</a:t>
+              <a:t>2023-06-27</a:t>
             </a:fld>
             <a:endParaRPr lang="ko-KR" altLang="en-US"/>
           </a:p>
@@ -1828,7 +1828,7 @@
           <a:p>
             <a:fld id="{246E467A-4026-4A8D-97BF-715EF7FA6491}" type="datetimeFigureOut">
               <a:rPr lang="ko-KR" altLang="en-US" smtClean="0"/>
-              <a:t>2023-06-22</a:t>
+              <a:t>2023-06-27</a:t>
             </a:fld>
             <a:endParaRPr lang="ko-KR" altLang="en-US"/>
           </a:p>
@@ -1969,7 +1969,7 @@
           <a:p>
             <a:fld id="{246E467A-4026-4A8D-97BF-715EF7FA6491}" type="datetimeFigureOut">
               <a:rPr lang="ko-KR" altLang="en-US" smtClean="0"/>
-              <a:t>2023-06-22</a:t>
+              <a:t>2023-06-27</a:t>
             </a:fld>
             <a:endParaRPr lang="ko-KR" altLang="en-US"/>
           </a:p>
@@ -2082,7 +2082,7 @@
           <a:p>
             <a:fld id="{246E467A-4026-4A8D-97BF-715EF7FA6491}" type="datetimeFigureOut">
               <a:rPr lang="ko-KR" altLang="en-US" smtClean="0"/>
-              <a:t>2023-06-22</a:t>
+              <a:t>2023-06-27</a:t>
             </a:fld>
             <a:endParaRPr lang="ko-KR" altLang="en-US"/>
           </a:p>
@@ -2393,7 +2393,7 @@
           <a:p>
             <a:fld id="{246E467A-4026-4A8D-97BF-715EF7FA6491}" type="datetimeFigureOut">
               <a:rPr lang="ko-KR" altLang="en-US" smtClean="0"/>
-              <a:t>2023-06-22</a:t>
+              <a:t>2023-06-27</a:t>
             </a:fld>
             <a:endParaRPr lang="ko-KR" altLang="en-US"/>
           </a:p>
@@ -2681,7 +2681,7 @@
           <a:p>
             <a:fld id="{246E467A-4026-4A8D-97BF-715EF7FA6491}" type="datetimeFigureOut">
               <a:rPr lang="ko-KR" altLang="en-US" smtClean="0"/>
-              <a:t>2023-06-22</a:t>
+              <a:t>2023-06-27</a:t>
             </a:fld>
             <a:endParaRPr lang="ko-KR" altLang="en-US"/>
           </a:p>
@@ -2922,7 +2922,7 @@
           <a:p>
             <a:fld id="{246E467A-4026-4A8D-97BF-715EF7FA6491}" type="datetimeFigureOut">
               <a:rPr lang="ko-KR" altLang="en-US" smtClean="0"/>
-              <a:t>2023-06-22</a:t>
+              <a:t>2023-06-27</a:t>
             </a:fld>
             <a:endParaRPr lang="ko-KR" altLang="en-US"/>
           </a:p>
@@ -3402,7 +3402,7 @@
         </p:nvSpPr>
         <p:spPr>
           <a:xfrm>
-            <a:off x="595135" y="76200"/>
+            <a:off x="595133" y="72852"/>
             <a:ext cx="11001730" cy="4508927"/>
           </a:xfrm>
           <a:prstGeom prst="rect">
@@ -3682,83 +3682,61 @@
           <a:p>
             <a:r>
               <a:rPr lang="ko-KR" altLang="en-US" dirty="0"/>
-              <a:t>다양한 인공지능 </a:t>
+              <a:t> 우리의 목적인 가상 </a:t>
+            </a:r>
+            <a:r>
+              <a:rPr lang="ko-KR" altLang="en-US" dirty="0" err="1"/>
+              <a:t>피팅과</a:t>
+            </a:r>
+            <a:r>
+              <a:rPr lang="ko-KR" altLang="en-US" dirty="0"/>
+              <a:t> 유사한 인공지능 </a:t>
+            </a:r>
+            <a:r>
+              <a:rPr lang="en-US" altLang="ko-KR" dirty="0"/>
+              <a:t>PF-AFN </a:t>
+            </a:r>
+            <a:r>
+              <a:rPr lang="ko-KR" altLang="en-US" dirty="0"/>
+              <a:t>을 사용</a:t>
+            </a:r>
+            <a:r>
+              <a:rPr lang="en-US" altLang="ko-KR" dirty="0"/>
+              <a:t>,</a:t>
+            </a:r>
+          </a:p>
+          <a:p>
+            <a:r>
+              <a:rPr lang="ko-KR" altLang="en-US" dirty="0"/>
+              <a:t>가상 환경 설정 및 </a:t>
+            </a:r>
+            <a:r>
+              <a:rPr lang="ko-KR" altLang="en-US" dirty="0" err="1"/>
+              <a:t>테스팅</a:t>
+            </a:r>
+            <a:r>
+              <a:rPr lang="ko-KR" altLang="en-US" dirty="0"/>
+              <a:t> 과정을 </a:t>
+            </a:r>
+            <a:r>
+              <a:rPr lang="ko-KR" altLang="en-US" dirty="0" smtClean="0"/>
+              <a:t>진행함</a:t>
             </a:r>
             <a:r>
               <a:rPr lang="en-US" altLang="ko-KR" dirty="0" smtClean="0"/>
-              <a:t>stylegan1</a:t>
-            </a:r>
-            <a:r>
-              <a:rPr lang="en-US" altLang="ko-KR" dirty="0"/>
-              <a:t>, 2,3, ACGPN, </a:t>
-            </a:r>
-            <a:r>
-              <a:rPr lang="en-US" altLang="ko-KR" dirty="0" err="1" smtClean="0"/>
-              <a:t>cp</a:t>
-            </a:r>
-            <a:r>
-              <a:rPr lang="en-US" altLang="ko-KR" dirty="0" smtClean="0"/>
-              <a:t>-</a:t>
-            </a:r>
-            <a:r>
-              <a:rPr lang="en-US" altLang="ko-KR" dirty="0" err="1" smtClean="0"/>
-              <a:t>vton</a:t>
-            </a:r>
-            <a:r>
-              <a:rPr lang="en-US" altLang="ko-KR" dirty="0" smtClean="0"/>
-              <a:t>-plus,</a:t>
-            </a:r>
-            <a:r>
-              <a:rPr lang="en-US" altLang="ko-KR" dirty="0"/>
-              <a:t> </a:t>
-            </a:r>
-            <a:r>
-              <a:rPr lang="en-US" altLang="ko-KR" dirty="0" err="1" smtClean="0"/>
-              <a:t>gc</a:t>
+              <a:t>. </a:t>
+            </a:r>
+            <a:r>
+              <a:rPr lang="ko-KR" altLang="en-US" dirty="0" smtClean="0"/>
+              <a:t>위와</a:t>
             </a:r>
             <a:r>
               <a:rPr lang="en-US" altLang="ko-KR" dirty="0" smtClean="0"/>
               <a:t> </a:t>
             </a:r>
             <a:r>
-              <a:rPr lang="en-US" altLang="ko-KR" dirty="0" err="1" smtClean="0"/>
-              <a:t>gan,DGP</a:t>
-            </a:r>
-            <a:r>
-              <a:rPr lang="en-US" altLang="ko-KR" dirty="0" smtClean="0"/>
-              <a:t>  </a:t>
-            </a:r>
-            <a:r>
               <a:rPr lang="ko-KR" altLang="en-US" dirty="0" smtClean="0"/>
-              <a:t>과 같은</a:t>
-            </a:r>
-            <a:r>
-              <a:rPr lang="en-US" altLang="ko-KR" dirty="0" smtClean="0"/>
-              <a:t>, </a:t>
-            </a:r>
-            <a:r>
-              <a:rPr lang="ko-KR" altLang="en-US" dirty="0" smtClean="0"/>
-              <a:t>가상 의류 </a:t>
-            </a:r>
-            <a:r>
-              <a:rPr lang="ko-KR" altLang="en-US" dirty="0" err="1" smtClean="0"/>
-              <a:t>피팅에</a:t>
-            </a:r>
-            <a:r>
-              <a:rPr lang="en-US" altLang="ko-KR" dirty="0" smtClean="0"/>
-              <a:t> </a:t>
-            </a:r>
-            <a:r>
-              <a:rPr lang="ko-KR" altLang="en-US" dirty="0" smtClean="0"/>
-              <a:t>적합한 인공지능 </a:t>
-            </a:r>
-            <a:r>
-              <a:rPr lang="ko-KR" altLang="en-US" dirty="0"/>
-              <a:t>모델을 </a:t>
-            </a:r>
-            <a:r>
-              <a:rPr lang="ko-KR" altLang="en-US" dirty="0" smtClean="0"/>
-              <a:t>검색</a:t>
+              <a:t>같은 결과</a:t>
             </a:r>
             <a:endParaRPr lang="ko-KR" altLang="en-US" dirty="0"/>
           </a:p>
@@ -3766,14 +3744,14 @@
       </p:sp>
       <p:pic>
         <p:nvPicPr>
-          <p:cNvPr id="1027" name="Picture 3" descr="C:\Users\user\Desktop\4..JPG"/>
+          <p:cNvPr id="1026" name="Picture 2" descr="C:\Users\user\Desktop\PFAFN\PFAFN_test\results\demo\PFAFN\0.jpg"/>
           <p:cNvPicPr>
             <a:picLocks noChangeAspect="1" noChangeArrowheads="1"/>
           </p:cNvPicPr>
           <p:nvPr/>
         </p:nvPicPr>
         <p:blipFill>
-          <a:blip r:embed="rId2" cstate="screen">
+          <a:blip r:embed="rId2">
             <a:extLst>
               <a:ext uri="{28A0092B-C50C-407E-A947-70E740481C1C}">
                 <a14:useLocalDpi xmlns:a14="http://schemas.microsoft.com/office/drawing/2010/main" val="0"/>
@@ -3787,8 +3765,8 @@
         </p:blipFill>
         <p:spPr bwMode="auto">
           <a:xfrm>
-            <a:off x="687754" y="577867"/>
-            <a:ext cx="5861004" cy="3125869"/>
+            <a:off x="687754" y="2992804"/>
+            <a:ext cx="5486400" cy="2438400"/>
           </a:xfrm>
           <a:prstGeom prst="rect">
             <a:avLst/>
@@ -3807,14 +3785,14 @@
       </p:pic>
       <p:pic>
         <p:nvPicPr>
-          <p:cNvPr id="1028" name="Picture 4" descr="C:\Users\user\Desktop\3.JPG"/>
+          <p:cNvPr id="5" name="Picture 3" descr="C:\Users\user\Desktop\PFAFN\PFAFN_test\results\demo\PFAFN\3.jpg"/>
           <p:cNvPicPr>
             <a:picLocks noChangeAspect="1" noChangeArrowheads="1"/>
           </p:cNvPicPr>
           <p:nvPr/>
         </p:nvPicPr>
         <p:blipFill>
-          <a:blip r:embed="rId3" cstate="screen">
+          <a:blip r:embed="rId3">
             <a:extLst>
               <a:ext uri="{28A0092B-C50C-407E-A947-70E740481C1C}">
                 <a14:useLocalDpi xmlns:a14="http://schemas.microsoft.com/office/drawing/2010/main" val="0"/>
@@ -3828,8 +3806,8 @@
         </p:blipFill>
         <p:spPr bwMode="auto">
           <a:xfrm>
-            <a:off x="1502961" y="2284320"/>
-            <a:ext cx="5610109" cy="3415979"/>
+            <a:off x="6362700" y="3114920"/>
+            <a:ext cx="5486400" cy="2438400"/>
           </a:xfrm>
           <a:prstGeom prst="rect">
             <a:avLst/>
@@ -3848,14 +3826,14 @@
       </p:pic>
       <p:pic>
         <p:nvPicPr>
-          <p:cNvPr id="2" name="Picture 2" descr="C:\Users\user\Desktop\1.1.JPG"/>
+          <p:cNvPr id="7" name="Picture 5" descr="C:\Users\user\Desktop\PFAFN\PFAFN_test\results\demo\PFAFN\5.jpg"/>
           <p:cNvPicPr>
             <a:picLocks noChangeAspect="1" noChangeArrowheads="1"/>
           </p:cNvPicPr>
           <p:nvPr/>
         </p:nvPicPr>
         <p:blipFill>
-          <a:blip r:embed="rId4" cstate="screen">
+          <a:blip r:embed="rId4">
             <a:extLst>
               <a:ext uri="{28A0092B-C50C-407E-A947-70E740481C1C}">
                 <a14:useLocalDpi xmlns:a14="http://schemas.microsoft.com/office/drawing/2010/main" val="0"/>
@@ -3869,8 +3847,8 @@
         </p:blipFill>
         <p:spPr bwMode="auto">
           <a:xfrm>
-            <a:off x="4948712" y="190500"/>
-            <a:ext cx="6219922" cy="4187640"/>
+            <a:off x="563686" y="554404"/>
+            <a:ext cx="5486400" cy="2438400"/>
           </a:xfrm>
           <a:prstGeom prst="rect">
             <a:avLst/>
@@ -3889,14 +3867,14 @@
       </p:pic>
       <p:pic>
         <p:nvPicPr>
-          <p:cNvPr id="1029" name="Picture 5" descr="C:\Users\user\Desktop\4.0.JPG"/>
+          <p:cNvPr id="1030" name="Picture 6" descr="C:\Users\user\Desktop\PFAFN\PFAFN_test\results\demo\PFAFN\4.jpg"/>
           <p:cNvPicPr>
             <a:picLocks noChangeAspect="1" noChangeArrowheads="1"/>
           </p:cNvPicPr>
           <p:nvPr/>
         </p:nvPicPr>
         <p:blipFill>
-          <a:blip r:embed="rId5" cstate="screen">
+          <a:blip r:embed="rId5">
             <a:extLst>
               <a:ext uri="{28A0092B-C50C-407E-A947-70E740481C1C}">
                 <a14:useLocalDpi xmlns:a14="http://schemas.microsoft.com/office/drawing/2010/main" val="0"/>
@@ -3910,8 +3888,8 @@
         </p:blipFill>
         <p:spPr bwMode="auto">
           <a:xfrm>
-            <a:off x="6314173" y="3366173"/>
-            <a:ext cx="4513998" cy="2334126"/>
+            <a:off x="6128239" y="554404"/>
+            <a:ext cx="5486400" cy="2438400"/>
           </a:xfrm>
           <a:prstGeom prst="rect">
             <a:avLst/>
@@ -4049,9 +4027,70 @@
           </a:fontRef>
         </p:style>
       </p:cxnSp>
+      <p:sp>
+        <p:nvSpPr>
+          <p:cNvPr id="4" name="TextBox 3"/>
+          <p:cNvSpPr txBox="1"/>
+          <p:nvPr/>
+        </p:nvSpPr>
+        <p:spPr>
+          <a:xfrm>
+            <a:off x="687754" y="5767754"/>
+            <a:ext cx="10855569" cy="646331"/>
+          </a:xfrm>
+          <a:prstGeom prst="rect">
+            <a:avLst/>
+          </a:prstGeom>
+          <a:noFill/>
+        </p:spPr>
+        <p:txBody>
+          <a:bodyPr wrap="square" rtlCol="0">
+            <a:spAutoFit/>
+          </a:bodyPr>
+          <a:lstStyle/>
+          <a:p>
+            <a:r>
+              <a:rPr lang="ko-KR" altLang="en-US" dirty="0" smtClean="0"/>
+              <a:t> 데이터 </a:t>
+            </a:r>
+            <a:r>
+              <a:rPr lang="ko-KR" altLang="en-US" dirty="0" smtClean="0"/>
+              <a:t>양식이 약간만 변형되어도</a:t>
+            </a:r>
+            <a:r>
+              <a:rPr lang="en-US" altLang="ko-KR" dirty="0" smtClean="0"/>
+              <a:t>,   </a:t>
+            </a:r>
+            <a:r>
+              <a:rPr lang="ko-KR" altLang="en-US" dirty="0" err="1" smtClean="0"/>
+              <a:t>퀄리티가</a:t>
+            </a:r>
+            <a:r>
+              <a:rPr lang="ko-KR" altLang="en-US" dirty="0" smtClean="0"/>
+              <a:t> 떨어지는 등의 문제 </a:t>
+            </a:r>
+            <a:r>
+              <a:rPr lang="ko-KR" altLang="en-US" dirty="0" smtClean="0"/>
+              <a:t>발생</a:t>
+            </a:r>
+            <a:endParaRPr lang="en-US" altLang="ko-KR" dirty="0"/>
+          </a:p>
+          <a:p>
+            <a:r>
+              <a:rPr lang="ko-KR" altLang="en-US" dirty="0" smtClean="0"/>
+              <a:t>방식에 대한 현재 </a:t>
+            </a:r>
+            <a:r>
+              <a:rPr lang="ko-KR" altLang="en-US" dirty="0"/>
+              <a:t>회의 중 </a:t>
+            </a:r>
+            <a:endParaRPr lang="en-US" altLang="ko-KR" dirty="0" smtClean="0"/>
+          </a:p>
+        </p:txBody>
+      </p:sp>
       <p:pic>
         <p:nvPicPr>
-          <p:cNvPr id="1026" name="Picture 2" descr="C:\Users\user\Desktop\1.2.JPG"/>
+          <p:cNvPr id="2050" name="Picture 2" descr="C:\Users\user\Desktop\PFAFN\PFAFN_test\results\demo\PFAFN\1.jpg"/>
           <p:cNvPicPr>
             <a:picLocks noChangeAspect="1" noChangeArrowheads="1"/>
           </p:cNvPicPr>
@@ -4072,8 +4111,8 @@
         </p:blipFill>
         <p:spPr bwMode="auto">
           <a:xfrm>
-            <a:off x="469641" y="478942"/>
-            <a:ext cx="11169650" cy="5271444"/>
+            <a:off x="316523" y="1903412"/>
+            <a:ext cx="5486400" cy="2438400"/>
           </a:xfrm>
           <a:prstGeom prst="rect">
             <a:avLst/>
@@ -4090,82 +4129,47 @@
           </a:extLst>
         </p:spPr>
       </p:pic>
-      <p:sp>
-        <p:nvSpPr>
-          <p:cNvPr id="4" name="TextBox 3"/>
-          <p:cNvSpPr txBox="1"/>
+      <p:pic>
+        <p:nvPicPr>
+          <p:cNvPr id="2051" name="Picture 3" descr="C:\Users\user\Desktop\PFAFN\PFAFN_test\results\demo\PFAFN\2.jpg"/>
+          <p:cNvPicPr>
+            <a:picLocks noChangeAspect="1" noChangeArrowheads="1"/>
+          </p:cNvPicPr>
           <p:nvPr/>
-        </p:nvSpPr>
-        <p:spPr>
+        </p:nvPicPr>
+        <p:blipFill>
+          <a:blip r:embed="rId3">
+            <a:extLst>
+              <a:ext uri="{28A0092B-C50C-407E-A947-70E740481C1C}">
+                <a14:useLocalDpi xmlns:a14="http://schemas.microsoft.com/office/drawing/2010/main" val="0"/>
+              </a:ext>
+            </a:extLst>
+          </a:blip>
+          <a:srcRect/>
+          <a:stretch>
+            <a:fillRect/>
+          </a:stretch>
+        </p:blipFill>
+        <p:spPr bwMode="auto">
           <a:xfrm>
-            <a:off x="687754" y="5877169"/>
-            <a:ext cx="10855569" cy="646331"/>
+            <a:off x="6115538" y="2411412"/>
+            <a:ext cx="5486400" cy="2438400"/>
           </a:xfrm>
           <a:prstGeom prst="rect">
             <a:avLst/>
           </a:prstGeom>
           <a:noFill/>
+          <a:extLst>
+            <a:ext uri="{909E8E84-426E-40DD-AFC4-6F175D3DCCD1}">
+              <a14:hiddenFill xmlns:a14="http://schemas.microsoft.com/office/drawing/2010/main">
+                <a:solidFill>
+                  <a:srgbClr val="FFFFFF"/>
+                </a:solidFill>
+              </a14:hiddenFill>
+            </a:ext>
+          </a:extLst>
         </p:spPr>
-        <p:txBody>
-          <a:bodyPr wrap="square" rtlCol="0">
-            <a:spAutoFit/>
-          </a:bodyPr>
-          <a:lstStyle/>
-          <a:p>
-            <a:r>
-              <a:rPr lang="ko-KR" altLang="en-US" dirty="0"/>
-              <a:t> 우리의 목적인 </a:t>
-            </a:r>
-            <a:r>
-              <a:rPr lang="ko-KR" altLang="en-US" dirty="0" smtClean="0"/>
-              <a:t>가상 </a:t>
-            </a:r>
-            <a:r>
-              <a:rPr lang="ko-KR" altLang="en-US" dirty="0" err="1" smtClean="0"/>
-              <a:t>피팅과</a:t>
-            </a:r>
-            <a:r>
-              <a:rPr lang="ko-KR" altLang="en-US" dirty="0" smtClean="0"/>
-              <a:t> </a:t>
-            </a:r>
-            <a:r>
-              <a:rPr lang="ko-KR" altLang="en-US" dirty="0"/>
-              <a:t>유사한 인공지능 </a:t>
-            </a:r>
-            <a:r>
-              <a:rPr lang="en-US" altLang="ko-KR" dirty="0"/>
-              <a:t>PF-AFN </a:t>
-            </a:r>
-            <a:r>
-              <a:rPr lang="ko-KR" altLang="en-US" dirty="0"/>
-              <a:t>을 사용</a:t>
-            </a:r>
-            <a:r>
-              <a:rPr lang="en-US" altLang="ko-KR" dirty="0"/>
-              <a:t>,</a:t>
-            </a:r>
-          </a:p>
-          <a:p>
-            <a:r>
-              <a:rPr lang="ko-KR" altLang="en-US" dirty="0"/>
-              <a:t>가상 환경 설정 및 </a:t>
-            </a:r>
-            <a:r>
-              <a:rPr lang="ko-KR" altLang="en-US" dirty="0" err="1"/>
-              <a:t>테스팅</a:t>
-            </a:r>
-            <a:r>
-              <a:rPr lang="ko-KR" altLang="en-US" dirty="0"/>
-              <a:t> 과정을 진행함</a:t>
-            </a:r>
-            <a:r>
-              <a:rPr lang="en-US" altLang="ko-KR" dirty="0"/>
-              <a:t>.</a:t>
-            </a:r>
-            <a:endParaRPr lang="ko-KR" altLang="en-US" dirty="0"/>
-          </a:p>
-        </p:txBody>
-      </p:sp>
+      </p:pic>
     </p:spTree>
     <p:extLst>
       <p:ext uri="{BB962C8B-B14F-4D97-AF65-F5344CB8AC3E}">

--- a/발표자료/업데이트/LJHPPT.pptx
+++ b/발표자료/업데이트/LJHPPT.pptx
@@ -8,6 +8,8 @@
     <p:sldId id="256" r:id="rId2"/>
     <p:sldId id="275" r:id="rId3"/>
     <p:sldId id="274" r:id="rId4"/>
+    <p:sldId id="276" r:id="rId5"/>
+    <p:sldId id="277" r:id="rId6"/>
   </p:sldIdLst>
   <p:sldSz cx="12192000" cy="6858000"/>
   <p:notesSz cx="6858000" cy="9144000"/>
@@ -108,7 +110,7 @@
   </p:defaultTextStyle>
   <p:extLst>
     <p:ext uri="{EFAFB233-063F-42B5-8137-9DF3F51BA10A}">
-      <p15:sldGuideLst xmlns:p15="http://schemas.microsoft.com/office/powerpoint/2012/main" xmlns="">
+      <p15:sldGuideLst xmlns="" xmlns:p15="http://schemas.microsoft.com/office/powerpoint/2012/main">
         <p15:guide id="1" orient="horz" pos="2160" userDrawn="1">
           <p15:clr>
             <a:srgbClr val="A4A3A4"/>
@@ -147,7 +149,7 @@
           <p:cNvPr id="2" name="제목 1">
             <a:extLst>
               <a:ext uri="{FF2B5EF4-FFF2-40B4-BE49-F238E27FC236}">
-                <a16:creationId xmlns:a16="http://schemas.microsoft.com/office/drawing/2014/main" xmlns="" id="{544428E6-48F8-48FF-A4B7-7E67A9EE0B77}"/>
+                <a16:creationId xmlns="" xmlns:a16="http://schemas.microsoft.com/office/drawing/2014/main" id="{544428E6-48F8-48FF-A4B7-7E67A9EE0B77}"/>
               </a:ext>
             </a:extLst>
           </p:cNvPr>
@@ -184,7 +186,7 @@
           <p:cNvPr id="3" name="부제목 2">
             <a:extLst>
               <a:ext uri="{FF2B5EF4-FFF2-40B4-BE49-F238E27FC236}">
-                <a16:creationId xmlns:a16="http://schemas.microsoft.com/office/drawing/2014/main" xmlns="" id="{FBA2431C-BDF3-4534-AED0-115F103A462A}"/>
+                <a16:creationId xmlns="" xmlns:a16="http://schemas.microsoft.com/office/drawing/2014/main" id="{FBA2431C-BDF3-4534-AED0-115F103A462A}"/>
               </a:ext>
             </a:extLst>
           </p:cNvPr>
@@ -254,7 +256,7 @@
           <p:cNvPr id="4" name="날짜 개체 틀 3">
             <a:extLst>
               <a:ext uri="{FF2B5EF4-FFF2-40B4-BE49-F238E27FC236}">
-                <a16:creationId xmlns:a16="http://schemas.microsoft.com/office/drawing/2014/main" xmlns="" id="{420173CB-01B9-4295-A804-D7D5973D6277}"/>
+                <a16:creationId xmlns="" xmlns:a16="http://schemas.microsoft.com/office/drawing/2014/main" id="{420173CB-01B9-4295-A804-D7D5973D6277}"/>
               </a:ext>
             </a:extLst>
           </p:cNvPr>
@@ -272,7 +274,7 @@
           <a:p>
             <a:fld id="{246E467A-4026-4A8D-97BF-715EF7FA6491}" type="datetimeFigureOut">
               <a:rPr lang="ko-KR" altLang="en-US" smtClean="0"/>
-              <a:t>2023-06-27</a:t>
+              <a:t>2023-07-13</a:t>
             </a:fld>
             <a:endParaRPr lang="ko-KR" altLang="en-US"/>
           </a:p>
@@ -283,7 +285,7 @@
           <p:cNvPr id="5" name="바닥글 개체 틀 4">
             <a:extLst>
               <a:ext uri="{FF2B5EF4-FFF2-40B4-BE49-F238E27FC236}">
-                <a16:creationId xmlns:a16="http://schemas.microsoft.com/office/drawing/2014/main" xmlns="" id="{E1C5FE16-77A0-484E-AEFD-FF537292ECD0}"/>
+                <a16:creationId xmlns="" xmlns:a16="http://schemas.microsoft.com/office/drawing/2014/main" id="{E1C5FE16-77A0-484E-AEFD-FF537292ECD0}"/>
               </a:ext>
             </a:extLst>
           </p:cNvPr>
@@ -308,7 +310,7 @@
           <p:cNvPr id="6" name="슬라이드 번호 개체 틀 5">
             <a:extLst>
               <a:ext uri="{FF2B5EF4-FFF2-40B4-BE49-F238E27FC236}">
-                <a16:creationId xmlns:a16="http://schemas.microsoft.com/office/drawing/2014/main" xmlns="" id="{69F3DF25-2E65-49D3-8F6F-64AA11097B17}"/>
+                <a16:creationId xmlns="" xmlns:a16="http://schemas.microsoft.com/office/drawing/2014/main" id="{69F3DF25-2E65-49D3-8F6F-64AA11097B17}"/>
               </a:ext>
             </a:extLst>
           </p:cNvPr>
@@ -367,7 +369,7 @@
           <p:cNvPr id="2" name="제목 1">
             <a:extLst>
               <a:ext uri="{FF2B5EF4-FFF2-40B4-BE49-F238E27FC236}">
-                <a16:creationId xmlns:a16="http://schemas.microsoft.com/office/drawing/2014/main" xmlns="" id="{0E520652-E714-4A15-826F-1B53C7092B68}"/>
+                <a16:creationId xmlns="" xmlns:a16="http://schemas.microsoft.com/office/drawing/2014/main" id="{0E520652-E714-4A15-826F-1B53C7092B68}"/>
               </a:ext>
             </a:extLst>
           </p:cNvPr>
@@ -395,7 +397,7 @@
           <p:cNvPr id="3" name="세로 텍스트 개체 틀 2">
             <a:extLst>
               <a:ext uri="{FF2B5EF4-FFF2-40B4-BE49-F238E27FC236}">
-                <a16:creationId xmlns:a16="http://schemas.microsoft.com/office/drawing/2014/main" xmlns="" id="{1C14771D-DE0A-400C-8C59-8670E31F7094}"/>
+                <a16:creationId xmlns="" xmlns:a16="http://schemas.microsoft.com/office/drawing/2014/main" id="{1C14771D-DE0A-400C-8C59-8670E31F7094}"/>
               </a:ext>
             </a:extLst>
           </p:cNvPr>
@@ -452,7 +454,7 @@
           <p:cNvPr id="4" name="날짜 개체 틀 3">
             <a:extLst>
               <a:ext uri="{FF2B5EF4-FFF2-40B4-BE49-F238E27FC236}">
-                <a16:creationId xmlns:a16="http://schemas.microsoft.com/office/drawing/2014/main" xmlns="" id="{5CBEACB7-48C9-4FB8-8D34-7F4C63932697}"/>
+                <a16:creationId xmlns="" xmlns:a16="http://schemas.microsoft.com/office/drawing/2014/main" id="{5CBEACB7-48C9-4FB8-8D34-7F4C63932697}"/>
               </a:ext>
             </a:extLst>
           </p:cNvPr>
@@ -470,7 +472,7 @@
           <a:p>
             <a:fld id="{246E467A-4026-4A8D-97BF-715EF7FA6491}" type="datetimeFigureOut">
               <a:rPr lang="ko-KR" altLang="en-US" smtClean="0"/>
-              <a:t>2023-06-27</a:t>
+              <a:t>2023-07-13</a:t>
             </a:fld>
             <a:endParaRPr lang="ko-KR" altLang="en-US"/>
           </a:p>
@@ -481,7 +483,7 @@
           <p:cNvPr id="5" name="바닥글 개체 틀 4">
             <a:extLst>
               <a:ext uri="{FF2B5EF4-FFF2-40B4-BE49-F238E27FC236}">
-                <a16:creationId xmlns:a16="http://schemas.microsoft.com/office/drawing/2014/main" xmlns="" id="{5BD31818-B6CD-47B0-9353-395CC53986D6}"/>
+                <a16:creationId xmlns="" xmlns:a16="http://schemas.microsoft.com/office/drawing/2014/main" id="{5BD31818-B6CD-47B0-9353-395CC53986D6}"/>
               </a:ext>
             </a:extLst>
           </p:cNvPr>
@@ -506,7 +508,7 @@
           <p:cNvPr id="6" name="슬라이드 번호 개체 틀 5">
             <a:extLst>
               <a:ext uri="{FF2B5EF4-FFF2-40B4-BE49-F238E27FC236}">
-                <a16:creationId xmlns:a16="http://schemas.microsoft.com/office/drawing/2014/main" xmlns="" id="{BD008922-CAE3-4884-AE59-2BC74144C74C}"/>
+                <a16:creationId xmlns="" xmlns:a16="http://schemas.microsoft.com/office/drawing/2014/main" id="{BD008922-CAE3-4884-AE59-2BC74144C74C}"/>
               </a:ext>
             </a:extLst>
           </p:cNvPr>
@@ -565,7 +567,7 @@
           <p:cNvPr id="2" name="세로 제목 1">
             <a:extLst>
               <a:ext uri="{FF2B5EF4-FFF2-40B4-BE49-F238E27FC236}">
-                <a16:creationId xmlns:a16="http://schemas.microsoft.com/office/drawing/2014/main" xmlns="" id="{A3371B8A-69A6-43D4-8783-6456E33508F7}"/>
+                <a16:creationId xmlns="" xmlns:a16="http://schemas.microsoft.com/office/drawing/2014/main" id="{A3371B8A-69A6-43D4-8783-6456E33508F7}"/>
               </a:ext>
             </a:extLst>
           </p:cNvPr>
@@ -598,7 +600,7 @@
           <p:cNvPr id="3" name="세로 텍스트 개체 틀 2">
             <a:extLst>
               <a:ext uri="{FF2B5EF4-FFF2-40B4-BE49-F238E27FC236}">
-                <a16:creationId xmlns:a16="http://schemas.microsoft.com/office/drawing/2014/main" xmlns="" id="{049DA1AA-3028-44E4-B5B0-C19BF61DC48A}"/>
+                <a16:creationId xmlns="" xmlns:a16="http://schemas.microsoft.com/office/drawing/2014/main" id="{049DA1AA-3028-44E4-B5B0-C19BF61DC48A}"/>
               </a:ext>
             </a:extLst>
           </p:cNvPr>
@@ -660,7 +662,7 @@
           <p:cNvPr id="4" name="날짜 개체 틀 3">
             <a:extLst>
               <a:ext uri="{FF2B5EF4-FFF2-40B4-BE49-F238E27FC236}">
-                <a16:creationId xmlns:a16="http://schemas.microsoft.com/office/drawing/2014/main" xmlns="" id="{ED2BCD8D-3E10-4F33-BC43-EACB05C0B415}"/>
+                <a16:creationId xmlns="" xmlns:a16="http://schemas.microsoft.com/office/drawing/2014/main" id="{ED2BCD8D-3E10-4F33-BC43-EACB05C0B415}"/>
               </a:ext>
             </a:extLst>
           </p:cNvPr>
@@ -678,7 +680,7 @@
           <a:p>
             <a:fld id="{246E467A-4026-4A8D-97BF-715EF7FA6491}" type="datetimeFigureOut">
               <a:rPr lang="ko-KR" altLang="en-US" smtClean="0"/>
-              <a:t>2023-06-27</a:t>
+              <a:t>2023-07-13</a:t>
             </a:fld>
             <a:endParaRPr lang="ko-KR" altLang="en-US"/>
           </a:p>
@@ -689,7 +691,7 @@
           <p:cNvPr id="5" name="바닥글 개체 틀 4">
             <a:extLst>
               <a:ext uri="{FF2B5EF4-FFF2-40B4-BE49-F238E27FC236}">
-                <a16:creationId xmlns:a16="http://schemas.microsoft.com/office/drawing/2014/main" xmlns="" id="{33E365BE-78DE-4079-B7F3-706874E92415}"/>
+                <a16:creationId xmlns="" xmlns:a16="http://schemas.microsoft.com/office/drawing/2014/main" id="{33E365BE-78DE-4079-B7F3-706874E92415}"/>
               </a:ext>
             </a:extLst>
           </p:cNvPr>
@@ -714,7 +716,7 @@
           <p:cNvPr id="6" name="슬라이드 번호 개체 틀 5">
             <a:extLst>
               <a:ext uri="{FF2B5EF4-FFF2-40B4-BE49-F238E27FC236}">
-                <a16:creationId xmlns:a16="http://schemas.microsoft.com/office/drawing/2014/main" xmlns="" id="{6F0D9E52-1AFA-4482-A474-91FF4C5C683A}"/>
+                <a16:creationId xmlns="" xmlns:a16="http://schemas.microsoft.com/office/drawing/2014/main" id="{6F0D9E52-1AFA-4482-A474-91FF4C5C683A}"/>
               </a:ext>
             </a:extLst>
           </p:cNvPr>
@@ -773,7 +775,7 @@
           <p:cNvPr id="2" name="제목 1">
             <a:extLst>
               <a:ext uri="{FF2B5EF4-FFF2-40B4-BE49-F238E27FC236}">
-                <a16:creationId xmlns:a16="http://schemas.microsoft.com/office/drawing/2014/main" xmlns="" id="{60DBF82B-6C4A-4F6E-A362-B2BF3BDC30D7}"/>
+                <a16:creationId xmlns="" xmlns:a16="http://schemas.microsoft.com/office/drawing/2014/main" id="{60DBF82B-6C4A-4F6E-A362-B2BF3BDC30D7}"/>
               </a:ext>
             </a:extLst>
           </p:cNvPr>
@@ -801,7 +803,7 @@
           <p:cNvPr id="3" name="내용 개체 틀 2">
             <a:extLst>
               <a:ext uri="{FF2B5EF4-FFF2-40B4-BE49-F238E27FC236}">
-                <a16:creationId xmlns:a16="http://schemas.microsoft.com/office/drawing/2014/main" xmlns="" id="{BDE6E910-43A6-49D6-A1B5-99E3B0C27E2D}"/>
+                <a16:creationId xmlns="" xmlns:a16="http://schemas.microsoft.com/office/drawing/2014/main" id="{BDE6E910-43A6-49D6-A1B5-99E3B0C27E2D}"/>
               </a:ext>
             </a:extLst>
           </p:cNvPr>
@@ -858,7 +860,7 @@
           <p:cNvPr id="4" name="날짜 개체 틀 3">
             <a:extLst>
               <a:ext uri="{FF2B5EF4-FFF2-40B4-BE49-F238E27FC236}">
-                <a16:creationId xmlns:a16="http://schemas.microsoft.com/office/drawing/2014/main" xmlns="" id="{2F0DB3AC-66C4-4244-9CE9-54D71AA59C90}"/>
+                <a16:creationId xmlns="" xmlns:a16="http://schemas.microsoft.com/office/drawing/2014/main" id="{2F0DB3AC-66C4-4244-9CE9-54D71AA59C90}"/>
               </a:ext>
             </a:extLst>
           </p:cNvPr>
@@ -876,7 +878,7 @@
           <a:p>
             <a:fld id="{246E467A-4026-4A8D-97BF-715EF7FA6491}" type="datetimeFigureOut">
               <a:rPr lang="ko-KR" altLang="en-US" smtClean="0"/>
-              <a:t>2023-06-27</a:t>
+              <a:t>2023-07-13</a:t>
             </a:fld>
             <a:endParaRPr lang="ko-KR" altLang="en-US"/>
           </a:p>
@@ -887,7 +889,7 @@
           <p:cNvPr id="5" name="바닥글 개체 틀 4">
             <a:extLst>
               <a:ext uri="{FF2B5EF4-FFF2-40B4-BE49-F238E27FC236}">
-                <a16:creationId xmlns:a16="http://schemas.microsoft.com/office/drawing/2014/main" xmlns="" id="{3992C886-882E-440B-806C-B06DE5089026}"/>
+                <a16:creationId xmlns="" xmlns:a16="http://schemas.microsoft.com/office/drawing/2014/main" id="{3992C886-882E-440B-806C-B06DE5089026}"/>
               </a:ext>
             </a:extLst>
           </p:cNvPr>
@@ -912,7 +914,7 @@
           <p:cNvPr id="6" name="슬라이드 번호 개체 틀 5">
             <a:extLst>
               <a:ext uri="{FF2B5EF4-FFF2-40B4-BE49-F238E27FC236}">
-                <a16:creationId xmlns:a16="http://schemas.microsoft.com/office/drawing/2014/main" xmlns="" id="{9A9323D2-1426-48F9-A93B-729E72E2B2BB}"/>
+                <a16:creationId xmlns="" xmlns:a16="http://schemas.microsoft.com/office/drawing/2014/main" id="{9A9323D2-1426-48F9-A93B-729E72E2B2BB}"/>
               </a:ext>
             </a:extLst>
           </p:cNvPr>
@@ -971,7 +973,7 @@
           <p:cNvPr id="2" name="제목 1">
             <a:extLst>
               <a:ext uri="{FF2B5EF4-FFF2-40B4-BE49-F238E27FC236}">
-                <a16:creationId xmlns:a16="http://schemas.microsoft.com/office/drawing/2014/main" xmlns="" id="{7153C500-C8D9-4EBC-AC73-9F7D65F03E32}"/>
+                <a16:creationId xmlns="" xmlns:a16="http://schemas.microsoft.com/office/drawing/2014/main" id="{7153C500-C8D9-4EBC-AC73-9F7D65F03E32}"/>
               </a:ext>
             </a:extLst>
           </p:cNvPr>
@@ -1008,7 +1010,7 @@
           <p:cNvPr id="3" name="텍스트 개체 틀 2">
             <a:extLst>
               <a:ext uri="{FF2B5EF4-FFF2-40B4-BE49-F238E27FC236}">
-                <a16:creationId xmlns:a16="http://schemas.microsoft.com/office/drawing/2014/main" xmlns="" id="{4E56CD17-259A-42E8-B64F-04C51B7C1C5F}"/>
+                <a16:creationId xmlns="" xmlns:a16="http://schemas.microsoft.com/office/drawing/2014/main" id="{4E56CD17-259A-42E8-B64F-04C51B7C1C5F}"/>
               </a:ext>
             </a:extLst>
           </p:cNvPr>
@@ -1133,7 +1135,7 @@
           <p:cNvPr id="4" name="날짜 개체 틀 3">
             <a:extLst>
               <a:ext uri="{FF2B5EF4-FFF2-40B4-BE49-F238E27FC236}">
-                <a16:creationId xmlns:a16="http://schemas.microsoft.com/office/drawing/2014/main" xmlns="" id="{CE976CE5-8C59-42A2-A597-465DEAC8E5A7}"/>
+                <a16:creationId xmlns="" xmlns:a16="http://schemas.microsoft.com/office/drawing/2014/main" id="{CE976CE5-8C59-42A2-A597-465DEAC8E5A7}"/>
               </a:ext>
             </a:extLst>
           </p:cNvPr>
@@ -1151,7 +1153,7 @@
           <a:p>
             <a:fld id="{246E467A-4026-4A8D-97BF-715EF7FA6491}" type="datetimeFigureOut">
               <a:rPr lang="ko-KR" altLang="en-US" smtClean="0"/>
-              <a:t>2023-06-27</a:t>
+              <a:t>2023-07-13</a:t>
             </a:fld>
             <a:endParaRPr lang="ko-KR" altLang="en-US"/>
           </a:p>
@@ -1162,7 +1164,7 @@
           <p:cNvPr id="5" name="바닥글 개체 틀 4">
             <a:extLst>
               <a:ext uri="{FF2B5EF4-FFF2-40B4-BE49-F238E27FC236}">
-                <a16:creationId xmlns:a16="http://schemas.microsoft.com/office/drawing/2014/main" xmlns="" id="{742312C6-1DCE-41BC-B5FA-FCFF5BE3B9E6}"/>
+                <a16:creationId xmlns="" xmlns:a16="http://schemas.microsoft.com/office/drawing/2014/main" id="{742312C6-1DCE-41BC-B5FA-FCFF5BE3B9E6}"/>
               </a:ext>
             </a:extLst>
           </p:cNvPr>
@@ -1187,7 +1189,7 @@
           <p:cNvPr id="6" name="슬라이드 번호 개체 틀 5">
             <a:extLst>
               <a:ext uri="{FF2B5EF4-FFF2-40B4-BE49-F238E27FC236}">
-                <a16:creationId xmlns:a16="http://schemas.microsoft.com/office/drawing/2014/main" xmlns="" id="{664339A5-69DC-4256-84CA-F160D48ED02B}"/>
+                <a16:creationId xmlns="" xmlns:a16="http://schemas.microsoft.com/office/drawing/2014/main" id="{664339A5-69DC-4256-84CA-F160D48ED02B}"/>
               </a:ext>
             </a:extLst>
           </p:cNvPr>
@@ -1246,7 +1248,7 @@
           <p:cNvPr id="2" name="제목 1">
             <a:extLst>
               <a:ext uri="{FF2B5EF4-FFF2-40B4-BE49-F238E27FC236}">
-                <a16:creationId xmlns:a16="http://schemas.microsoft.com/office/drawing/2014/main" xmlns="" id="{BCF37A4D-E01E-45A7-B166-73EE7826C0E7}"/>
+                <a16:creationId xmlns="" xmlns:a16="http://schemas.microsoft.com/office/drawing/2014/main" id="{BCF37A4D-E01E-45A7-B166-73EE7826C0E7}"/>
               </a:ext>
             </a:extLst>
           </p:cNvPr>
@@ -1274,7 +1276,7 @@
           <p:cNvPr id="3" name="내용 개체 틀 2">
             <a:extLst>
               <a:ext uri="{FF2B5EF4-FFF2-40B4-BE49-F238E27FC236}">
-                <a16:creationId xmlns:a16="http://schemas.microsoft.com/office/drawing/2014/main" xmlns="" id="{A70D6757-7DA6-452C-9903-7536978F1556}"/>
+                <a16:creationId xmlns="" xmlns:a16="http://schemas.microsoft.com/office/drawing/2014/main" id="{A70D6757-7DA6-452C-9903-7536978F1556}"/>
               </a:ext>
             </a:extLst>
           </p:cNvPr>
@@ -1336,7 +1338,7 @@
           <p:cNvPr id="4" name="내용 개체 틀 3">
             <a:extLst>
               <a:ext uri="{FF2B5EF4-FFF2-40B4-BE49-F238E27FC236}">
-                <a16:creationId xmlns:a16="http://schemas.microsoft.com/office/drawing/2014/main" xmlns="" id="{23DCC3C8-286B-4184-8752-32BC3B116B8E}"/>
+                <a16:creationId xmlns="" xmlns:a16="http://schemas.microsoft.com/office/drawing/2014/main" id="{23DCC3C8-286B-4184-8752-32BC3B116B8E}"/>
               </a:ext>
             </a:extLst>
           </p:cNvPr>
@@ -1398,7 +1400,7 @@
           <p:cNvPr id="5" name="날짜 개체 틀 4">
             <a:extLst>
               <a:ext uri="{FF2B5EF4-FFF2-40B4-BE49-F238E27FC236}">
-                <a16:creationId xmlns:a16="http://schemas.microsoft.com/office/drawing/2014/main" xmlns="" id="{7ECA751A-C45B-42C8-893F-826B22E76CF6}"/>
+                <a16:creationId xmlns="" xmlns:a16="http://schemas.microsoft.com/office/drawing/2014/main" id="{7ECA751A-C45B-42C8-893F-826B22E76CF6}"/>
               </a:ext>
             </a:extLst>
           </p:cNvPr>
@@ -1416,7 +1418,7 @@
           <a:p>
             <a:fld id="{246E467A-4026-4A8D-97BF-715EF7FA6491}" type="datetimeFigureOut">
               <a:rPr lang="ko-KR" altLang="en-US" smtClean="0"/>
-              <a:t>2023-06-27</a:t>
+              <a:t>2023-07-13</a:t>
             </a:fld>
             <a:endParaRPr lang="ko-KR" altLang="en-US"/>
           </a:p>
@@ -1427,7 +1429,7 @@
           <p:cNvPr id="6" name="바닥글 개체 틀 5">
             <a:extLst>
               <a:ext uri="{FF2B5EF4-FFF2-40B4-BE49-F238E27FC236}">
-                <a16:creationId xmlns:a16="http://schemas.microsoft.com/office/drawing/2014/main" xmlns="" id="{9F77210C-0EDE-42F3-A19F-12B3884B4393}"/>
+                <a16:creationId xmlns="" xmlns:a16="http://schemas.microsoft.com/office/drawing/2014/main" id="{9F77210C-0EDE-42F3-A19F-12B3884B4393}"/>
               </a:ext>
             </a:extLst>
           </p:cNvPr>
@@ -1452,7 +1454,7 @@
           <p:cNvPr id="7" name="슬라이드 번호 개체 틀 6">
             <a:extLst>
               <a:ext uri="{FF2B5EF4-FFF2-40B4-BE49-F238E27FC236}">
-                <a16:creationId xmlns:a16="http://schemas.microsoft.com/office/drawing/2014/main" xmlns="" id="{3215D590-E2D2-480C-AF73-67D855C553CB}"/>
+                <a16:creationId xmlns="" xmlns:a16="http://schemas.microsoft.com/office/drawing/2014/main" id="{3215D590-E2D2-480C-AF73-67D855C553CB}"/>
               </a:ext>
             </a:extLst>
           </p:cNvPr>
@@ -1511,7 +1513,7 @@
           <p:cNvPr id="2" name="제목 1">
             <a:extLst>
               <a:ext uri="{FF2B5EF4-FFF2-40B4-BE49-F238E27FC236}">
-                <a16:creationId xmlns:a16="http://schemas.microsoft.com/office/drawing/2014/main" xmlns="" id="{E1E3AF97-024B-4EF1-B5B6-2E362F07CDB3}"/>
+                <a16:creationId xmlns="" xmlns:a16="http://schemas.microsoft.com/office/drawing/2014/main" id="{E1E3AF97-024B-4EF1-B5B6-2E362F07CDB3}"/>
               </a:ext>
             </a:extLst>
           </p:cNvPr>
@@ -1544,7 +1546,7 @@
           <p:cNvPr id="3" name="텍스트 개체 틀 2">
             <a:extLst>
               <a:ext uri="{FF2B5EF4-FFF2-40B4-BE49-F238E27FC236}">
-                <a16:creationId xmlns:a16="http://schemas.microsoft.com/office/drawing/2014/main" xmlns="" id="{2B41334B-2AA0-4E32-9445-B691EAB2831F}"/>
+                <a16:creationId xmlns="" xmlns:a16="http://schemas.microsoft.com/office/drawing/2014/main" id="{2B41334B-2AA0-4E32-9445-B691EAB2831F}"/>
               </a:ext>
             </a:extLst>
           </p:cNvPr>
@@ -1615,7 +1617,7 @@
           <p:cNvPr id="4" name="내용 개체 틀 3">
             <a:extLst>
               <a:ext uri="{FF2B5EF4-FFF2-40B4-BE49-F238E27FC236}">
-                <a16:creationId xmlns:a16="http://schemas.microsoft.com/office/drawing/2014/main" xmlns="" id="{BDB62D6F-224F-4433-9752-11A255D323D4}"/>
+                <a16:creationId xmlns="" xmlns:a16="http://schemas.microsoft.com/office/drawing/2014/main" id="{BDB62D6F-224F-4433-9752-11A255D323D4}"/>
               </a:ext>
             </a:extLst>
           </p:cNvPr>
@@ -1677,7 +1679,7 @@
           <p:cNvPr id="5" name="텍스트 개체 틀 4">
             <a:extLst>
               <a:ext uri="{FF2B5EF4-FFF2-40B4-BE49-F238E27FC236}">
-                <a16:creationId xmlns:a16="http://schemas.microsoft.com/office/drawing/2014/main" xmlns="" id="{DD04EE0E-6C7E-4160-86AA-136E97F9FD62}"/>
+                <a16:creationId xmlns="" xmlns:a16="http://schemas.microsoft.com/office/drawing/2014/main" id="{DD04EE0E-6C7E-4160-86AA-136E97F9FD62}"/>
               </a:ext>
             </a:extLst>
           </p:cNvPr>
@@ -1748,7 +1750,7 @@
           <p:cNvPr id="6" name="내용 개체 틀 5">
             <a:extLst>
               <a:ext uri="{FF2B5EF4-FFF2-40B4-BE49-F238E27FC236}">
-                <a16:creationId xmlns:a16="http://schemas.microsoft.com/office/drawing/2014/main" xmlns="" id="{1B390FB9-7573-4784-A2A4-EDF1B3C59FF4}"/>
+                <a16:creationId xmlns="" xmlns:a16="http://schemas.microsoft.com/office/drawing/2014/main" id="{1B390FB9-7573-4784-A2A4-EDF1B3C59FF4}"/>
               </a:ext>
             </a:extLst>
           </p:cNvPr>
@@ -1810,7 +1812,7 @@
           <p:cNvPr id="7" name="날짜 개체 틀 6">
             <a:extLst>
               <a:ext uri="{FF2B5EF4-FFF2-40B4-BE49-F238E27FC236}">
-                <a16:creationId xmlns:a16="http://schemas.microsoft.com/office/drawing/2014/main" xmlns="" id="{F464B30B-9C6A-4C96-8DB5-BCE9A09F77BB}"/>
+                <a16:creationId xmlns="" xmlns:a16="http://schemas.microsoft.com/office/drawing/2014/main" id="{F464B30B-9C6A-4C96-8DB5-BCE9A09F77BB}"/>
               </a:ext>
             </a:extLst>
           </p:cNvPr>
@@ -1828,7 +1830,7 @@
           <a:p>
             <a:fld id="{246E467A-4026-4A8D-97BF-715EF7FA6491}" type="datetimeFigureOut">
               <a:rPr lang="ko-KR" altLang="en-US" smtClean="0"/>
-              <a:t>2023-06-27</a:t>
+              <a:t>2023-07-13</a:t>
             </a:fld>
             <a:endParaRPr lang="ko-KR" altLang="en-US"/>
           </a:p>
@@ -1839,7 +1841,7 @@
           <p:cNvPr id="8" name="바닥글 개체 틀 7">
             <a:extLst>
               <a:ext uri="{FF2B5EF4-FFF2-40B4-BE49-F238E27FC236}">
-                <a16:creationId xmlns:a16="http://schemas.microsoft.com/office/drawing/2014/main" xmlns="" id="{16A11AC4-2315-46FE-81A4-FE4B843497D9}"/>
+                <a16:creationId xmlns="" xmlns:a16="http://schemas.microsoft.com/office/drawing/2014/main" id="{16A11AC4-2315-46FE-81A4-FE4B843497D9}"/>
               </a:ext>
             </a:extLst>
           </p:cNvPr>
@@ -1864,7 +1866,7 @@
           <p:cNvPr id="9" name="슬라이드 번호 개체 틀 8">
             <a:extLst>
               <a:ext uri="{FF2B5EF4-FFF2-40B4-BE49-F238E27FC236}">
-                <a16:creationId xmlns:a16="http://schemas.microsoft.com/office/drawing/2014/main" xmlns="" id="{DC2D39CB-CB92-40B8-9B0C-3FBBBDF9DDF4}"/>
+                <a16:creationId xmlns="" xmlns:a16="http://schemas.microsoft.com/office/drawing/2014/main" id="{DC2D39CB-CB92-40B8-9B0C-3FBBBDF9DDF4}"/>
               </a:ext>
             </a:extLst>
           </p:cNvPr>
@@ -1923,7 +1925,7 @@
           <p:cNvPr id="2" name="제목 1">
             <a:extLst>
               <a:ext uri="{FF2B5EF4-FFF2-40B4-BE49-F238E27FC236}">
-                <a16:creationId xmlns:a16="http://schemas.microsoft.com/office/drawing/2014/main" xmlns="" id="{90E32E25-F5B3-41EE-BD3B-6965721B8BFA}"/>
+                <a16:creationId xmlns="" xmlns:a16="http://schemas.microsoft.com/office/drawing/2014/main" id="{90E32E25-F5B3-41EE-BD3B-6965721B8BFA}"/>
               </a:ext>
             </a:extLst>
           </p:cNvPr>
@@ -1951,7 +1953,7 @@
           <p:cNvPr id="3" name="날짜 개체 틀 2">
             <a:extLst>
               <a:ext uri="{FF2B5EF4-FFF2-40B4-BE49-F238E27FC236}">
-                <a16:creationId xmlns:a16="http://schemas.microsoft.com/office/drawing/2014/main" xmlns="" id="{0CFE1863-7C02-424B-AF80-CDB396716C6B}"/>
+                <a16:creationId xmlns="" xmlns:a16="http://schemas.microsoft.com/office/drawing/2014/main" id="{0CFE1863-7C02-424B-AF80-CDB396716C6B}"/>
               </a:ext>
             </a:extLst>
           </p:cNvPr>
@@ -1969,7 +1971,7 @@
           <a:p>
             <a:fld id="{246E467A-4026-4A8D-97BF-715EF7FA6491}" type="datetimeFigureOut">
               <a:rPr lang="ko-KR" altLang="en-US" smtClean="0"/>
-              <a:t>2023-06-27</a:t>
+              <a:t>2023-07-13</a:t>
             </a:fld>
             <a:endParaRPr lang="ko-KR" altLang="en-US"/>
           </a:p>
@@ -1980,7 +1982,7 @@
           <p:cNvPr id="4" name="바닥글 개체 틀 3">
             <a:extLst>
               <a:ext uri="{FF2B5EF4-FFF2-40B4-BE49-F238E27FC236}">
-                <a16:creationId xmlns:a16="http://schemas.microsoft.com/office/drawing/2014/main" xmlns="" id="{2F99FB34-90A4-44A0-9CF8-F0BC0FE4AB26}"/>
+                <a16:creationId xmlns="" xmlns:a16="http://schemas.microsoft.com/office/drawing/2014/main" id="{2F99FB34-90A4-44A0-9CF8-F0BC0FE4AB26}"/>
               </a:ext>
             </a:extLst>
           </p:cNvPr>
@@ -2005,7 +2007,7 @@
           <p:cNvPr id="5" name="슬라이드 번호 개체 틀 4">
             <a:extLst>
               <a:ext uri="{FF2B5EF4-FFF2-40B4-BE49-F238E27FC236}">
-                <a16:creationId xmlns:a16="http://schemas.microsoft.com/office/drawing/2014/main" xmlns="" id="{56375702-4955-406C-919C-D35A1B84B474}"/>
+                <a16:creationId xmlns="" xmlns:a16="http://schemas.microsoft.com/office/drawing/2014/main" id="{56375702-4955-406C-919C-D35A1B84B474}"/>
               </a:ext>
             </a:extLst>
           </p:cNvPr>
@@ -2064,7 +2066,7 @@
           <p:cNvPr id="2" name="날짜 개체 틀 1">
             <a:extLst>
               <a:ext uri="{FF2B5EF4-FFF2-40B4-BE49-F238E27FC236}">
-                <a16:creationId xmlns:a16="http://schemas.microsoft.com/office/drawing/2014/main" xmlns="" id="{D76E1BA2-3103-4DB2-AAEB-ED1BAE4527B3}"/>
+                <a16:creationId xmlns="" xmlns:a16="http://schemas.microsoft.com/office/drawing/2014/main" id="{D76E1BA2-3103-4DB2-AAEB-ED1BAE4527B3}"/>
               </a:ext>
             </a:extLst>
           </p:cNvPr>
@@ -2082,7 +2084,7 @@
           <a:p>
             <a:fld id="{246E467A-4026-4A8D-97BF-715EF7FA6491}" type="datetimeFigureOut">
               <a:rPr lang="ko-KR" altLang="en-US" smtClean="0"/>
-              <a:t>2023-06-27</a:t>
+              <a:t>2023-07-13</a:t>
             </a:fld>
             <a:endParaRPr lang="ko-KR" altLang="en-US"/>
           </a:p>
@@ -2093,7 +2095,7 @@
           <p:cNvPr id="3" name="바닥글 개체 틀 2">
             <a:extLst>
               <a:ext uri="{FF2B5EF4-FFF2-40B4-BE49-F238E27FC236}">
-                <a16:creationId xmlns:a16="http://schemas.microsoft.com/office/drawing/2014/main" xmlns="" id="{505D5A54-85CA-45E5-9801-A3F15EEFCC94}"/>
+                <a16:creationId xmlns="" xmlns:a16="http://schemas.microsoft.com/office/drawing/2014/main" id="{505D5A54-85CA-45E5-9801-A3F15EEFCC94}"/>
               </a:ext>
             </a:extLst>
           </p:cNvPr>
@@ -2118,7 +2120,7 @@
           <p:cNvPr id="4" name="슬라이드 번호 개체 틀 3">
             <a:extLst>
               <a:ext uri="{FF2B5EF4-FFF2-40B4-BE49-F238E27FC236}">
-                <a16:creationId xmlns:a16="http://schemas.microsoft.com/office/drawing/2014/main" xmlns="" id="{A812AF2F-D0EC-4C7E-8979-4C17E3F4B44D}"/>
+                <a16:creationId xmlns="" xmlns:a16="http://schemas.microsoft.com/office/drawing/2014/main" id="{A812AF2F-D0EC-4C7E-8979-4C17E3F4B44D}"/>
               </a:ext>
             </a:extLst>
           </p:cNvPr>
@@ -2177,7 +2179,7 @@
           <p:cNvPr id="2" name="제목 1">
             <a:extLst>
               <a:ext uri="{FF2B5EF4-FFF2-40B4-BE49-F238E27FC236}">
-                <a16:creationId xmlns:a16="http://schemas.microsoft.com/office/drawing/2014/main" xmlns="" id="{8C03A167-5C7C-4CD2-A3E4-B6F94583214B}"/>
+                <a16:creationId xmlns="" xmlns:a16="http://schemas.microsoft.com/office/drawing/2014/main" id="{8C03A167-5C7C-4CD2-A3E4-B6F94583214B}"/>
               </a:ext>
             </a:extLst>
           </p:cNvPr>
@@ -2214,7 +2216,7 @@
           <p:cNvPr id="3" name="내용 개체 틀 2">
             <a:extLst>
               <a:ext uri="{FF2B5EF4-FFF2-40B4-BE49-F238E27FC236}">
-                <a16:creationId xmlns:a16="http://schemas.microsoft.com/office/drawing/2014/main" xmlns="" id="{5421CEB6-C525-4AEB-BB3E-B13156901366}"/>
+                <a16:creationId xmlns="" xmlns:a16="http://schemas.microsoft.com/office/drawing/2014/main" id="{5421CEB6-C525-4AEB-BB3E-B13156901366}"/>
               </a:ext>
             </a:extLst>
           </p:cNvPr>
@@ -2304,7 +2306,7 @@
           <p:cNvPr id="4" name="텍스트 개체 틀 3">
             <a:extLst>
               <a:ext uri="{FF2B5EF4-FFF2-40B4-BE49-F238E27FC236}">
-                <a16:creationId xmlns:a16="http://schemas.microsoft.com/office/drawing/2014/main" xmlns="" id="{69296C9A-4472-4D30-BFAE-60CB397B5014}"/>
+                <a16:creationId xmlns="" xmlns:a16="http://schemas.microsoft.com/office/drawing/2014/main" id="{69296C9A-4472-4D30-BFAE-60CB397B5014}"/>
               </a:ext>
             </a:extLst>
           </p:cNvPr>
@@ -2375,7 +2377,7 @@
           <p:cNvPr id="5" name="날짜 개체 틀 4">
             <a:extLst>
               <a:ext uri="{FF2B5EF4-FFF2-40B4-BE49-F238E27FC236}">
-                <a16:creationId xmlns:a16="http://schemas.microsoft.com/office/drawing/2014/main" xmlns="" id="{F44E3F16-D603-4838-BA1C-0C9EEDE4AC92}"/>
+                <a16:creationId xmlns="" xmlns:a16="http://schemas.microsoft.com/office/drawing/2014/main" id="{F44E3F16-D603-4838-BA1C-0C9EEDE4AC92}"/>
               </a:ext>
             </a:extLst>
           </p:cNvPr>
@@ -2393,7 +2395,7 @@
           <a:p>
             <a:fld id="{246E467A-4026-4A8D-97BF-715EF7FA6491}" type="datetimeFigureOut">
               <a:rPr lang="ko-KR" altLang="en-US" smtClean="0"/>
-              <a:t>2023-06-27</a:t>
+              <a:t>2023-07-13</a:t>
             </a:fld>
             <a:endParaRPr lang="ko-KR" altLang="en-US"/>
           </a:p>
@@ -2404,7 +2406,7 @@
           <p:cNvPr id="6" name="바닥글 개체 틀 5">
             <a:extLst>
               <a:ext uri="{FF2B5EF4-FFF2-40B4-BE49-F238E27FC236}">
-                <a16:creationId xmlns:a16="http://schemas.microsoft.com/office/drawing/2014/main" xmlns="" id="{F48873C6-9D3A-4C62-9D46-88E6BAABCBA4}"/>
+                <a16:creationId xmlns="" xmlns:a16="http://schemas.microsoft.com/office/drawing/2014/main" id="{F48873C6-9D3A-4C62-9D46-88E6BAABCBA4}"/>
               </a:ext>
             </a:extLst>
           </p:cNvPr>
@@ -2429,7 +2431,7 @@
           <p:cNvPr id="7" name="슬라이드 번호 개체 틀 6">
             <a:extLst>
               <a:ext uri="{FF2B5EF4-FFF2-40B4-BE49-F238E27FC236}">
-                <a16:creationId xmlns:a16="http://schemas.microsoft.com/office/drawing/2014/main" xmlns="" id="{79A9C646-865F-49F4-8BDD-FB9A4DECA8F3}"/>
+                <a16:creationId xmlns="" xmlns:a16="http://schemas.microsoft.com/office/drawing/2014/main" id="{79A9C646-865F-49F4-8BDD-FB9A4DECA8F3}"/>
               </a:ext>
             </a:extLst>
           </p:cNvPr>
@@ -2488,7 +2490,7 @@
           <p:cNvPr id="2" name="제목 1">
             <a:extLst>
               <a:ext uri="{FF2B5EF4-FFF2-40B4-BE49-F238E27FC236}">
-                <a16:creationId xmlns:a16="http://schemas.microsoft.com/office/drawing/2014/main" xmlns="" id="{E5F258A6-5AAD-4F1F-976F-EDB5FF7254F0}"/>
+                <a16:creationId xmlns="" xmlns:a16="http://schemas.microsoft.com/office/drawing/2014/main" id="{E5F258A6-5AAD-4F1F-976F-EDB5FF7254F0}"/>
               </a:ext>
             </a:extLst>
           </p:cNvPr>
@@ -2525,7 +2527,7 @@
           <p:cNvPr id="3" name="그림 개체 틀 2">
             <a:extLst>
               <a:ext uri="{FF2B5EF4-FFF2-40B4-BE49-F238E27FC236}">
-                <a16:creationId xmlns:a16="http://schemas.microsoft.com/office/drawing/2014/main" xmlns="" id="{D2F4441E-0165-42AA-88F8-E53C4BAAC1DE}"/>
+                <a16:creationId xmlns="" xmlns:a16="http://schemas.microsoft.com/office/drawing/2014/main" id="{D2F4441E-0165-42AA-88F8-E53C4BAAC1DE}"/>
               </a:ext>
             </a:extLst>
           </p:cNvPr>
@@ -2592,7 +2594,7 @@
           <p:cNvPr id="4" name="텍스트 개체 틀 3">
             <a:extLst>
               <a:ext uri="{FF2B5EF4-FFF2-40B4-BE49-F238E27FC236}">
-                <a16:creationId xmlns:a16="http://schemas.microsoft.com/office/drawing/2014/main" xmlns="" id="{5AFCA1E8-0D3C-4590-82E2-D018D6E61D0F}"/>
+                <a16:creationId xmlns="" xmlns:a16="http://schemas.microsoft.com/office/drawing/2014/main" id="{5AFCA1E8-0D3C-4590-82E2-D018D6E61D0F}"/>
               </a:ext>
             </a:extLst>
           </p:cNvPr>
@@ -2663,7 +2665,7 @@
           <p:cNvPr id="5" name="날짜 개체 틀 4">
             <a:extLst>
               <a:ext uri="{FF2B5EF4-FFF2-40B4-BE49-F238E27FC236}">
-                <a16:creationId xmlns:a16="http://schemas.microsoft.com/office/drawing/2014/main" xmlns="" id="{0A674557-7FD9-416C-A8B5-FA6C4B5558AE}"/>
+                <a16:creationId xmlns="" xmlns:a16="http://schemas.microsoft.com/office/drawing/2014/main" id="{0A674557-7FD9-416C-A8B5-FA6C4B5558AE}"/>
               </a:ext>
             </a:extLst>
           </p:cNvPr>
@@ -2681,7 +2683,7 @@
           <a:p>
             <a:fld id="{246E467A-4026-4A8D-97BF-715EF7FA6491}" type="datetimeFigureOut">
               <a:rPr lang="ko-KR" altLang="en-US" smtClean="0"/>
-              <a:t>2023-06-27</a:t>
+              <a:t>2023-07-13</a:t>
             </a:fld>
             <a:endParaRPr lang="ko-KR" altLang="en-US"/>
           </a:p>
@@ -2692,7 +2694,7 @@
           <p:cNvPr id="6" name="바닥글 개체 틀 5">
             <a:extLst>
               <a:ext uri="{FF2B5EF4-FFF2-40B4-BE49-F238E27FC236}">
-                <a16:creationId xmlns:a16="http://schemas.microsoft.com/office/drawing/2014/main" xmlns="" id="{9C4A215C-B55F-4988-B45B-7667E8C7CAF6}"/>
+                <a16:creationId xmlns="" xmlns:a16="http://schemas.microsoft.com/office/drawing/2014/main" id="{9C4A215C-B55F-4988-B45B-7667E8C7CAF6}"/>
               </a:ext>
             </a:extLst>
           </p:cNvPr>
@@ -2717,7 +2719,7 @@
           <p:cNvPr id="7" name="슬라이드 번호 개체 틀 6">
             <a:extLst>
               <a:ext uri="{FF2B5EF4-FFF2-40B4-BE49-F238E27FC236}">
-                <a16:creationId xmlns:a16="http://schemas.microsoft.com/office/drawing/2014/main" xmlns="" id="{82FF3B86-5A48-411F-8090-830140A677FA}"/>
+                <a16:creationId xmlns="" xmlns:a16="http://schemas.microsoft.com/office/drawing/2014/main" id="{82FF3B86-5A48-411F-8090-830140A677FA}"/>
               </a:ext>
             </a:extLst>
           </p:cNvPr>
@@ -2781,7 +2783,7 @@
           <p:cNvPr id="2" name="제목 개체 틀 1">
             <a:extLst>
               <a:ext uri="{FF2B5EF4-FFF2-40B4-BE49-F238E27FC236}">
-                <a16:creationId xmlns:a16="http://schemas.microsoft.com/office/drawing/2014/main" xmlns="" id="{B9DF84FF-C412-430B-963A-695AABF70E5D}"/>
+                <a16:creationId xmlns="" xmlns:a16="http://schemas.microsoft.com/office/drawing/2014/main" id="{B9DF84FF-C412-430B-963A-695AABF70E5D}"/>
               </a:ext>
             </a:extLst>
           </p:cNvPr>
@@ -2819,7 +2821,7 @@
           <p:cNvPr id="3" name="텍스트 개체 틀 2">
             <a:extLst>
               <a:ext uri="{FF2B5EF4-FFF2-40B4-BE49-F238E27FC236}">
-                <a16:creationId xmlns:a16="http://schemas.microsoft.com/office/drawing/2014/main" xmlns="" id="{45EE7982-A999-4B0A-85F1-A0D5C55038DC}"/>
+                <a16:creationId xmlns="" xmlns:a16="http://schemas.microsoft.com/office/drawing/2014/main" id="{45EE7982-A999-4B0A-85F1-A0D5C55038DC}"/>
               </a:ext>
             </a:extLst>
           </p:cNvPr>
@@ -2886,7 +2888,7 @@
           <p:cNvPr id="4" name="날짜 개체 틀 3">
             <a:extLst>
               <a:ext uri="{FF2B5EF4-FFF2-40B4-BE49-F238E27FC236}">
-                <a16:creationId xmlns:a16="http://schemas.microsoft.com/office/drawing/2014/main" xmlns="" id="{3F48EB6A-F091-464F-A783-1AE546A56948}"/>
+                <a16:creationId xmlns="" xmlns:a16="http://schemas.microsoft.com/office/drawing/2014/main" id="{3F48EB6A-F091-464F-A783-1AE546A56948}"/>
               </a:ext>
             </a:extLst>
           </p:cNvPr>
@@ -2922,7 +2924,7 @@
           <a:p>
             <a:fld id="{246E467A-4026-4A8D-97BF-715EF7FA6491}" type="datetimeFigureOut">
               <a:rPr lang="ko-KR" altLang="en-US" smtClean="0"/>
-              <a:t>2023-06-27</a:t>
+              <a:t>2023-07-13</a:t>
             </a:fld>
             <a:endParaRPr lang="ko-KR" altLang="en-US"/>
           </a:p>
@@ -2933,7 +2935,7 @@
           <p:cNvPr id="5" name="바닥글 개체 틀 4">
             <a:extLst>
               <a:ext uri="{FF2B5EF4-FFF2-40B4-BE49-F238E27FC236}">
-                <a16:creationId xmlns:a16="http://schemas.microsoft.com/office/drawing/2014/main" xmlns="" id="{9531D2C7-63D5-4319-952D-A6F8404F460B}"/>
+                <a16:creationId xmlns="" xmlns:a16="http://schemas.microsoft.com/office/drawing/2014/main" id="{9531D2C7-63D5-4319-952D-A6F8404F460B}"/>
               </a:ext>
             </a:extLst>
           </p:cNvPr>
@@ -2976,7 +2978,7 @@
           <p:cNvPr id="6" name="슬라이드 번호 개체 틀 5">
             <a:extLst>
               <a:ext uri="{FF2B5EF4-FFF2-40B4-BE49-F238E27FC236}">
-                <a16:creationId xmlns:a16="http://schemas.microsoft.com/office/drawing/2014/main" xmlns="" id="{7739517A-02D4-4037-9427-974339FE7C30}"/>
+                <a16:creationId xmlns="" xmlns:a16="http://schemas.microsoft.com/office/drawing/2014/main" id="{7739517A-02D4-4037-9427-974339FE7C30}"/>
               </a:ext>
             </a:extLst>
           </p:cNvPr>
@@ -3352,7 +3354,7 @@
           <p:cNvPr id="2" name="TextBox 1">
             <a:extLst>
               <a:ext uri="{FF2B5EF4-FFF2-40B4-BE49-F238E27FC236}">
-                <a16:creationId xmlns:a16="http://schemas.microsoft.com/office/drawing/2014/main" xmlns="" id="{C70C938C-F8B1-4FFF-8F74-6ED0A876B136}"/>
+                <a16:creationId xmlns="" xmlns:a16="http://schemas.microsoft.com/office/drawing/2014/main" id="{C70C938C-F8B1-4FFF-8F74-6ED0A876B136}"/>
               </a:ext>
             </a:extLst>
           </p:cNvPr>
@@ -3393,7 +3395,7 @@
           <p:cNvPr id="3" name="TextBox 2">
             <a:extLst>
               <a:ext uri="{FF2B5EF4-FFF2-40B4-BE49-F238E27FC236}">
-                <a16:creationId xmlns:a16="http://schemas.microsoft.com/office/drawing/2014/main" xmlns="" id="{CC61FC92-B1C1-4C46-ABEF-2B6B78AA5915}"/>
+                <a16:creationId xmlns="" xmlns:a16="http://schemas.microsoft.com/office/drawing/2014/main" id="{CC61FC92-B1C1-4C46-ABEF-2B6B78AA5915}"/>
               </a:ext>
             </a:extLst>
           </p:cNvPr>
@@ -3434,7 +3436,7 @@
           <p:cNvPr id="8" name="그림 7" descr="사람, 서있는, 남자, 착용이(가) 표시된 사진&#10;&#10;자동 생성된 설명">
             <a:extLst>
               <a:ext uri="{FF2B5EF4-FFF2-40B4-BE49-F238E27FC236}">
-                <a16:creationId xmlns:a16="http://schemas.microsoft.com/office/drawing/2014/main" xmlns="" id="{398D98B8-2DFA-8476-B48A-2240354A960C}"/>
+                <a16:creationId xmlns="" xmlns:a16="http://schemas.microsoft.com/office/drawing/2014/main" id="{398D98B8-2DFA-8476-B48A-2240354A960C}"/>
               </a:ext>
             </a:extLst>
           </p:cNvPr>
@@ -3470,7 +3472,7 @@
           <p:cNvPr id="10" name="그림 9" descr="사람이(가) 표시된 사진&#10;&#10;자동 생성된 설명">
             <a:extLst>
               <a:ext uri="{FF2B5EF4-FFF2-40B4-BE49-F238E27FC236}">
-                <a16:creationId xmlns:a16="http://schemas.microsoft.com/office/drawing/2014/main" xmlns="" id="{0BE051E3-CAB7-BCFC-0441-E2FD03007A8D}"/>
+                <a16:creationId xmlns="" xmlns:a16="http://schemas.microsoft.com/office/drawing/2014/main" id="{0BE051E3-CAB7-BCFC-0441-E2FD03007A8D}"/>
               </a:ext>
             </a:extLst>
           </p:cNvPr>
@@ -3506,7 +3508,7 @@
           <p:cNvPr id="12" name="그림 11" descr="사람, 남자, 착용, 서있는이(가) 표시된 사진&#10;&#10;자동 생성된 설명">
             <a:extLst>
               <a:ext uri="{FF2B5EF4-FFF2-40B4-BE49-F238E27FC236}">
-                <a16:creationId xmlns:a16="http://schemas.microsoft.com/office/drawing/2014/main" xmlns="" id="{E9B0AD0F-14A6-F8C1-AEF5-1B01B5CEF846}"/>
+                <a16:creationId xmlns="" xmlns:a16="http://schemas.microsoft.com/office/drawing/2014/main" id="{E9B0AD0F-14A6-F8C1-AEF5-1B01B5CEF846}"/>
               </a:ext>
             </a:extLst>
           </p:cNvPr>
@@ -3584,7 +3586,7 @@
           <p:cNvPr id="3" name="직선 연결선 2">
             <a:extLst>
               <a:ext uri="{FF2B5EF4-FFF2-40B4-BE49-F238E27FC236}">
-                <a16:creationId xmlns:a16="http://schemas.microsoft.com/office/drawing/2014/main" xmlns="" id="{30B7886A-E2C2-47A8-A271-1FD08F52EED0}"/>
+                <a16:creationId xmlns="" xmlns:a16="http://schemas.microsoft.com/office/drawing/2014/main" id="{30B7886A-E2C2-47A8-A271-1FD08F52EED0}"/>
               </a:ext>
             </a:extLst>
           </p:cNvPr>
@@ -3627,7 +3629,7 @@
           <p:cNvPr id="18" name="직선 연결선 17">
             <a:extLst>
               <a:ext uri="{FF2B5EF4-FFF2-40B4-BE49-F238E27FC236}">
-                <a16:creationId xmlns:a16="http://schemas.microsoft.com/office/drawing/2014/main" xmlns="" id="{7911BDFD-7E29-44F7-9ED7-E8F36B51436C}"/>
+                <a16:creationId xmlns="" xmlns:a16="http://schemas.microsoft.com/office/drawing/2014/main" id="{7911BDFD-7E29-44F7-9ED7-E8F36B51436C}"/>
               </a:ext>
             </a:extLst>
           </p:cNvPr>
@@ -3666,8 +3668,8 @@
         </p:nvSpPr>
         <p:spPr>
           <a:xfrm>
-            <a:off x="687754" y="5877169"/>
-            <a:ext cx="10855569" cy="646331"/>
+            <a:off x="687753" y="5338103"/>
+            <a:ext cx="10855569" cy="1200329"/>
           </a:xfrm>
           <a:prstGeom prst="rect">
             <a:avLst/>
@@ -3681,77 +3683,108 @@
           <a:lstStyle/>
           <a:p>
             <a:r>
-              <a:rPr lang="ko-KR" altLang="en-US" dirty="0"/>
-              <a:t> 우리의 목적인 가상 </a:t>
-            </a:r>
-            <a:r>
-              <a:rPr lang="ko-KR" altLang="en-US" dirty="0" err="1"/>
-              <a:t>피팅과</a:t>
-            </a:r>
-            <a:r>
-              <a:rPr lang="ko-KR" altLang="en-US" dirty="0"/>
-              <a:t> 유사한 인공지능 </a:t>
+              <a:rPr lang="ko-KR" altLang="en-US" dirty="0" smtClean="0"/>
+              <a:t>가상 의류 착용인 </a:t>
+            </a:r>
+            <a:r>
+              <a:rPr lang="en-US" altLang="ko-KR" dirty="0" smtClean="0"/>
+              <a:t>VITON HD</a:t>
+            </a:r>
+            <a:r>
+              <a:rPr lang="ko-KR" altLang="en-US" dirty="0" smtClean="0"/>
+              <a:t>를 사용하기 위해 필요한 </a:t>
+            </a:r>
+            <a:r>
+              <a:rPr lang="en-US" altLang="ko-KR" dirty="0" smtClean="0"/>
+              <a:t>2</a:t>
+            </a:r>
+            <a:r>
+              <a:rPr lang="ko-KR" altLang="en-US" dirty="0" smtClean="0"/>
+              <a:t>가지</a:t>
+            </a:r>
+            <a:endParaRPr lang="en-US" altLang="ko-KR" dirty="0" smtClean="0"/>
+          </a:p>
+          <a:p>
+            <a:pPr marL="285750" indent="-285750">
+              <a:buFontTx/>
+              <a:buChar char="-"/>
+            </a:pPr>
+            <a:r>
+              <a:rPr lang="ko-KR" altLang="en-US" dirty="0" smtClean="0"/>
+              <a:t>관절 포인트 이미지</a:t>
+            </a:r>
+            <a:r>
+              <a:rPr lang="en-US" altLang="ko-KR" dirty="0" smtClean="0"/>
+              <a:t>, </a:t>
             </a:r>
             <a:r>
               <a:rPr lang="en-US" altLang="ko-KR" dirty="0"/>
-              <a:t>PF-AFN </a:t>
-            </a:r>
-            <a:r>
-              <a:rPr lang="ko-KR" altLang="en-US" dirty="0"/>
-              <a:t>을 사용</a:t>
+              <a:t>JSON</a:t>
+            </a:r>
+            <a:endParaRPr lang="en-US" altLang="ko-KR" dirty="0" smtClean="0"/>
+          </a:p>
+          <a:p>
+            <a:pPr marL="285750" indent="-285750">
+              <a:buFontTx/>
+              <a:buChar char="-"/>
+            </a:pPr>
+            <a:r>
+              <a:rPr lang="ko-KR" altLang="en-US" dirty="0" smtClean="0"/>
+              <a:t>인체 분류</a:t>
             </a:r>
             <a:r>
               <a:rPr lang="en-US" altLang="ko-KR" dirty="0"/>
-              <a:t>,</a:t>
-            </a:r>
-          </a:p>
-          <a:p>
-            <a:r>
-              <a:rPr lang="ko-KR" altLang="en-US" dirty="0"/>
-              <a:t>가상 환경 설정 및 </a:t>
-            </a:r>
-            <a:r>
-              <a:rPr lang="ko-KR" altLang="en-US" dirty="0" err="1"/>
-              <a:t>테스팅</a:t>
-            </a:r>
-            <a:r>
-              <a:rPr lang="ko-KR" altLang="en-US" dirty="0"/>
-              <a:t> 과정을 </a:t>
+              <a:t>(</a:t>
+            </a:r>
+            <a:r>
+              <a:rPr lang="ko-KR" altLang="en-US" dirty="0" err="1" smtClean="0"/>
+              <a:t>세그멘테이션</a:t>
+            </a:r>
+            <a:r>
+              <a:rPr lang="en-US" altLang="ko-KR" dirty="0" smtClean="0"/>
+              <a:t>) </a:t>
             </a:r>
             <a:r>
               <a:rPr lang="ko-KR" altLang="en-US" dirty="0" smtClean="0"/>
-              <a:t>진행함</a:t>
+              <a:t>이미지</a:t>
+            </a:r>
+            <a:endParaRPr lang="en-US" altLang="ko-KR" dirty="0" smtClean="0"/>
+          </a:p>
+          <a:p>
+            <a:r>
+              <a:rPr lang="ko-KR" altLang="en-US" dirty="0" smtClean="0"/>
+              <a:t> </a:t>
             </a:r>
             <a:r>
               <a:rPr lang="en-US" altLang="ko-KR" dirty="0" smtClean="0"/>
-              <a:t>. </a:t>
+              <a:t>Open pose</a:t>
             </a:r>
             <a:r>
               <a:rPr lang="ko-KR" altLang="en-US" dirty="0" smtClean="0"/>
-              <a:t>위와</a:t>
-            </a:r>
-            <a:r>
-              <a:rPr lang="en-US" altLang="ko-KR" dirty="0" smtClean="0"/>
-              <a:t> </a:t>
+              <a:t>를 통해서 관절 포인트의 결과를 이미지 및 </a:t>
+            </a:r>
+            <a:r>
+              <a:rPr lang="en-US" altLang="ko-KR" dirty="0" err="1" smtClean="0"/>
+              <a:t>json</a:t>
             </a:r>
             <a:r>
               <a:rPr lang="ko-KR" altLang="en-US" dirty="0" smtClean="0"/>
-              <a:t>같은 결과</a:t>
-            </a:r>
-            <a:endParaRPr lang="ko-KR" altLang="en-US" dirty="0"/>
+              <a:t>으로  도출</a:t>
+            </a:r>
+            <a:endParaRPr lang="en-US" altLang="ko-KR" dirty="0"/>
           </a:p>
         </p:txBody>
       </p:sp>
       <p:pic>
         <p:nvPicPr>
-          <p:cNvPr id="1026" name="Picture 2" descr="C:\Users\user\Desktop\PFAFN\PFAFN_test\results\demo\PFAFN\0.jpg"/>
+          <p:cNvPr id="1031" name="Picture 7" descr="C:\Users\user\Desktop\새 폴더\KakaoTalk_20230712_201233883.png"/>
           <p:cNvPicPr>
             <a:picLocks noChangeAspect="1" noChangeArrowheads="1"/>
           </p:cNvPicPr>
           <p:nvPr/>
         </p:nvPicPr>
         <p:blipFill>
-          <a:blip r:embed="rId2">
+          <a:blip r:embed="rId2" cstate="screen">
             <a:extLst>
               <a:ext uri="{28A0092B-C50C-407E-A947-70E740481C1C}">
                 <a14:useLocalDpi xmlns:a14="http://schemas.microsoft.com/office/drawing/2010/main" val="0"/>
@@ -3765,8 +3798,8 @@
         </p:blipFill>
         <p:spPr bwMode="auto">
           <a:xfrm>
-            <a:off x="687754" y="2992804"/>
-            <a:ext cx="5486400" cy="2438400"/>
+            <a:off x="4409899" y="1238652"/>
+            <a:ext cx="2905188" cy="3873584"/>
           </a:xfrm>
           <a:prstGeom prst="rect">
             <a:avLst/>
@@ -3785,14 +3818,14 @@
       </p:pic>
       <p:pic>
         <p:nvPicPr>
-          <p:cNvPr id="5" name="Picture 3" descr="C:\Users\user\Desktop\PFAFN\PFAFN_test\results\demo\PFAFN\3.jpg"/>
+          <p:cNvPr id="1032" name="Picture 8" descr="C:\Users\user\Desktop\새 폴더\KakaoTalk_20230712_201233883_02.png"/>
           <p:cNvPicPr>
             <a:picLocks noChangeAspect="1" noChangeArrowheads="1"/>
           </p:cNvPicPr>
           <p:nvPr/>
         </p:nvPicPr>
         <p:blipFill>
-          <a:blip r:embed="rId3">
+          <a:blip r:embed="rId3" cstate="screen">
             <a:extLst>
               <a:ext uri="{28A0092B-C50C-407E-A947-70E740481C1C}">
                 <a14:useLocalDpi xmlns:a14="http://schemas.microsoft.com/office/drawing/2010/main" val="0"/>
@@ -3806,8 +3839,8 @@
         </p:blipFill>
         <p:spPr bwMode="auto">
           <a:xfrm>
-            <a:off x="6362700" y="3114920"/>
-            <a:ext cx="5486400" cy="2438400"/>
+            <a:off x="7640520" y="1238652"/>
+            <a:ext cx="2905188" cy="3873584"/>
           </a:xfrm>
           <a:prstGeom prst="rect">
             <a:avLst/>
@@ -3826,14 +3859,14 @@
       </p:pic>
       <p:pic>
         <p:nvPicPr>
-          <p:cNvPr id="7" name="Picture 5" descr="C:\Users\user\Desktop\PFAFN\PFAFN_test\results\demo\PFAFN\5.jpg"/>
+          <p:cNvPr id="1034" name="Picture 10" descr="C:\Users\user\Desktop\새 폴더\KakaoTalk_20230712_201233883_04.png"/>
           <p:cNvPicPr>
             <a:picLocks noChangeAspect="1" noChangeArrowheads="1"/>
           </p:cNvPicPr>
           <p:nvPr/>
         </p:nvPicPr>
         <p:blipFill>
-          <a:blip r:embed="rId4">
+          <a:blip r:embed="rId4" cstate="screen">
             <a:extLst>
               <a:ext uri="{28A0092B-C50C-407E-A947-70E740481C1C}">
                 <a14:useLocalDpi xmlns:a14="http://schemas.microsoft.com/office/drawing/2010/main" val="0"/>
@@ -3847,49 +3880,8 @@
         </p:blipFill>
         <p:spPr bwMode="auto">
           <a:xfrm>
-            <a:off x="563686" y="554404"/>
-            <a:ext cx="5486400" cy="2438400"/>
-          </a:xfrm>
-          <a:prstGeom prst="rect">
-            <a:avLst/>
-          </a:prstGeom>
-          <a:noFill/>
-          <a:extLst>
-            <a:ext uri="{909E8E84-426E-40DD-AFC4-6F175D3DCCD1}">
-              <a14:hiddenFill xmlns:a14="http://schemas.microsoft.com/office/drawing/2010/main">
-                <a:solidFill>
-                  <a:srgbClr val="FFFFFF"/>
-                </a:solidFill>
-              </a14:hiddenFill>
-            </a:ext>
-          </a:extLst>
-        </p:spPr>
-      </p:pic>
-      <p:pic>
-        <p:nvPicPr>
-          <p:cNvPr id="1030" name="Picture 6" descr="C:\Users\user\Desktop\PFAFN\PFAFN_test\results\demo\PFAFN\4.jpg"/>
-          <p:cNvPicPr>
-            <a:picLocks noChangeAspect="1" noChangeArrowheads="1"/>
-          </p:cNvPicPr>
-          <p:nvPr/>
-        </p:nvPicPr>
-        <p:blipFill>
-          <a:blip r:embed="rId5">
-            <a:extLst>
-              <a:ext uri="{28A0092B-C50C-407E-A947-70E740481C1C}">
-                <a14:useLocalDpi xmlns:a14="http://schemas.microsoft.com/office/drawing/2010/main" val="0"/>
-              </a:ext>
-            </a:extLst>
-          </a:blip>
-          <a:srcRect/>
-          <a:stretch>
-            <a:fillRect/>
-          </a:stretch>
-        </p:blipFill>
-        <p:spPr bwMode="auto">
-          <a:xfrm>
-            <a:off x="6128239" y="554404"/>
-            <a:ext cx="5486400" cy="2438400"/>
+            <a:off x="1215953" y="1238652"/>
+            <a:ext cx="2905188" cy="3873584"/>
           </a:xfrm>
           <a:prstGeom prst="rect">
             <a:avLst/>
@@ -3953,7 +3945,7 @@
           <p:cNvPr id="3" name="직선 연결선 2">
             <a:extLst>
               <a:ext uri="{FF2B5EF4-FFF2-40B4-BE49-F238E27FC236}">
-                <a16:creationId xmlns:a16="http://schemas.microsoft.com/office/drawing/2014/main" xmlns="" id="{30B7886A-E2C2-47A8-A271-1FD08F52EED0}"/>
+                <a16:creationId xmlns="" xmlns:a16="http://schemas.microsoft.com/office/drawing/2014/main" id="{30B7886A-E2C2-47A8-A271-1FD08F52EED0}"/>
               </a:ext>
             </a:extLst>
           </p:cNvPr>
@@ -3996,7 +3988,7 @@
           <p:cNvPr id="18" name="직선 연결선 17">
             <a:extLst>
               <a:ext uri="{FF2B5EF4-FFF2-40B4-BE49-F238E27FC236}">
-                <a16:creationId xmlns:a16="http://schemas.microsoft.com/office/drawing/2014/main" xmlns="" id="{7911BDFD-7E29-44F7-9ED7-E8F36B51436C}"/>
+                <a16:creationId xmlns="" xmlns:a16="http://schemas.microsoft.com/office/drawing/2014/main" id="{7911BDFD-7E29-44F7-9ED7-E8F36B51436C}"/>
               </a:ext>
             </a:extLst>
           </p:cNvPr>
@@ -4035,7 +4027,7 @@
         </p:nvSpPr>
         <p:spPr>
           <a:xfrm>
-            <a:off x="687754" y="5767754"/>
+            <a:off x="687753" y="5647788"/>
             <a:ext cx="10855569" cy="646331"/>
           </a:xfrm>
           <a:prstGeom prst="rect">
@@ -4050,39 +4042,55 @@
           <a:lstStyle/>
           <a:p>
             <a:r>
+              <a:rPr lang="en-US" altLang="ko-KR" dirty="0" smtClean="0"/>
+              <a:t> </a:t>
+            </a:r>
+            <a:r>
               <a:rPr lang="ko-KR" altLang="en-US" dirty="0" smtClean="0"/>
-              <a:t> 데이터 </a:t>
+              <a:t>인체 분류</a:t>
+            </a:r>
+            <a:r>
+              <a:rPr lang="en-US" altLang="ko-KR" dirty="0" smtClean="0"/>
+              <a:t>(</a:t>
+            </a:r>
+            <a:r>
+              <a:rPr lang="ko-KR" altLang="en-US" dirty="0" err="1" smtClean="0"/>
+              <a:t>세그멘테이션</a:t>
+            </a:r>
+            <a:r>
+              <a:rPr lang="en-US" altLang="ko-KR" dirty="0" smtClean="0"/>
+              <a:t>)</a:t>
             </a:r>
             <a:r>
               <a:rPr lang="ko-KR" altLang="en-US" dirty="0" smtClean="0"/>
-              <a:t>양식이 약간만 변형되어도</a:t>
+              <a:t>을 위한 </a:t>
             </a:r>
             <a:r>
               <a:rPr lang="en-US" altLang="ko-KR" dirty="0" smtClean="0"/>
-              <a:t>,   </a:t>
-            </a:r>
-            <a:r>
-              <a:rPr lang="ko-KR" altLang="en-US" dirty="0" err="1" smtClean="0"/>
-              <a:t>퀄리티가</a:t>
+              <a:t>GRAPHONOMY</a:t>
             </a:r>
             <a:r>
               <a:rPr lang="ko-KR" altLang="en-US" dirty="0" smtClean="0"/>
-              <a:t> 떨어지는 등의 문제 </a:t>
+              <a:t>및 </a:t>
+            </a:r>
+            <a:r>
+              <a:rPr lang="en-US" altLang="ko-KR" dirty="0" smtClean="0"/>
+              <a:t>CIHP-</a:t>
+            </a:r>
+            <a:r>
+              <a:rPr lang="en-US" altLang="ko-KR" dirty="0" err="1" smtClean="0"/>
+              <a:t>pgn</a:t>
             </a:r>
             <a:r>
               <a:rPr lang="ko-KR" altLang="en-US" dirty="0" smtClean="0"/>
-              <a:t>발생</a:t>
-            </a:r>
-            <a:endParaRPr lang="en-US" altLang="ko-KR" dirty="0"/>
+              <a:t>사용 </a:t>
+            </a:r>
+            <a:endParaRPr lang="en-US" altLang="ko-KR" dirty="0" smtClean="0"/>
           </a:p>
           <a:p>
             <a:r>
               <a:rPr lang="ko-KR" altLang="en-US" dirty="0" smtClean="0"/>
-              <a:t>방식에 대한 현재 </a:t>
-            </a:r>
-            <a:r>
-              <a:rPr lang="ko-KR" altLang="en-US" dirty="0"/>
-              <a:t>회의 중 </a:t>
+              <a:t> </a:t>
             </a:r>
             <a:endParaRPr lang="en-US" altLang="ko-KR" dirty="0" smtClean="0"/>
           </a:p>
@@ -4090,14 +4098,14 @@
       </p:sp>
       <p:pic>
         <p:nvPicPr>
-          <p:cNvPr id="2050" name="Picture 2" descr="C:\Users\user\Desktop\PFAFN\PFAFN_test\results\demo\PFAFN\1.jpg"/>
+          <p:cNvPr id="2" name="Picture 2" descr="C:\Users\user\Desktop\새 폴더\KakaoTalk_20230712_201244611.png"/>
           <p:cNvPicPr>
             <a:picLocks noChangeAspect="1" noChangeArrowheads="1"/>
           </p:cNvPicPr>
           <p:nvPr/>
         </p:nvPicPr>
         <p:blipFill>
-          <a:blip r:embed="rId2">
+          <a:blip r:embed="rId2" cstate="screen">
             <a:extLst>
               <a:ext uri="{28A0092B-C50C-407E-A947-70E740481C1C}">
                 <a14:useLocalDpi xmlns:a14="http://schemas.microsoft.com/office/drawing/2010/main" val="0"/>
@@ -4111,8 +4119,8 @@
         </p:blipFill>
         <p:spPr bwMode="auto">
           <a:xfrm>
-            <a:off x="316523" y="1903412"/>
-            <a:ext cx="5486400" cy="2438400"/>
+            <a:off x="869950" y="1276602"/>
+            <a:ext cx="2892028" cy="3856038"/>
           </a:xfrm>
           <a:prstGeom prst="rect">
             <a:avLst/>
@@ -4131,14 +4139,14 @@
       </p:pic>
       <p:pic>
         <p:nvPicPr>
-          <p:cNvPr id="2051" name="Picture 3" descr="C:\Users\user\Desktop\PFAFN\PFAFN_test\results\demo\PFAFN\2.jpg"/>
+          <p:cNvPr id="5" name="Picture 3" descr="C:\Users\user\Desktop\새 폴더\KakaoTalk_20230712_201244611_01.png"/>
           <p:cNvPicPr>
             <a:picLocks noChangeAspect="1" noChangeArrowheads="1"/>
           </p:cNvPicPr>
           <p:nvPr/>
         </p:nvPicPr>
         <p:blipFill>
-          <a:blip r:embed="rId3">
+          <a:blip r:embed="rId3" cstate="screen">
             <a:extLst>
               <a:ext uri="{28A0092B-C50C-407E-A947-70E740481C1C}">
                 <a14:useLocalDpi xmlns:a14="http://schemas.microsoft.com/office/drawing/2010/main" val="0"/>
@@ -4152,8 +4160,8 @@
         </p:blipFill>
         <p:spPr bwMode="auto">
           <a:xfrm>
-            <a:off x="6115538" y="2411412"/>
-            <a:ext cx="5486400" cy="2438400"/>
+            <a:off x="3188574" y="1276601"/>
+            <a:ext cx="2892028" cy="3856037"/>
           </a:xfrm>
           <a:prstGeom prst="rect">
             <a:avLst/>
@@ -4170,10 +4178,848 @@
           </a:extLst>
         </p:spPr>
       </p:pic>
+      <p:pic>
+        <p:nvPicPr>
+          <p:cNvPr id="2052" name="Picture 4" descr="C:\Users\user\Desktop\새 폴더\KakaoTalk_20230712_201244611_02.png"/>
+          <p:cNvPicPr>
+            <a:picLocks noChangeAspect="1" noChangeArrowheads="1"/>
+          </p:cNvPicPr>
+          <p:nvPr/>
+        </p:nvPicPr>
+        <p:blipFill>
+          <a:blip r:embed="rId4" cstate="screen">
+            <a:extLst>
+              <a:ext uri="{28A0092B-C50C-407E-A947-70E740481C1C}">
+                <a14:useLocalDpi xmlns:a14="http://schemas.microsoft.com/office/drawing/2010/main" val="0"/>
+              </a:ext>
+            </a:extLst>
+          </a:blip>
+          <a:srcRect/>
+          <a:stretch>
+            <a:fillRect/>
+          </a:stretch>
+        </p:blipFill>
+        <p:spPr bwMode="auto">
+          <a:xfrm>
+            <a:off x="5932743" y="1266825"/>
+            <a:ext cx="2892028" cy="3856038"/>
+          </a:xfrm>
+          <a:prstGeom prst="rect">
+            <a:avLst/>
+          </a:prstGeom>
+          <a:noFill/>
+          <a:extLst>
+            <a:ext uri="{909E8E84-426E-40DD-AFC4-6F175D3DCCD1}">
+              <a14:hiddenFill xmlns:a14="http://schemas.microsoft.com/office/drawing/2010/main">
+                <a:solidFill>
+                  <a:srgbClr val="FFFFFF"/>
+                </a:solidFill>
+              </a14:hiddenFill>
+            </a:ext>
+          </a:extLst>
+        </p:spPr>
+      </p:pic>
+      <p:pic>
+        <p:nvPicPr>
+          <p:cNvPr id="2053" name="Picture 5" descr="C:\Users\user\Desktop\새 폴더\KakaoTalk_20230712_201244611_03.png"/>
+          <p:cNvPicPr>
+            <a:picLocks noChangeAspect="1" noChangeArrowheads="1"/>
+          </p:cNvPicPr>
+          <p:nvPr/>
+        </p:nvPicPr>
+        <p:blipFill>
+          <a:blip r:embed="rId5" cstate="screen">
+            <a:extLst>
+              <a:ext uri="{28A0092B-C50C-407E-A947-70E740481C1C}">
+                <a14:useLocalDpi xmlns:a14="http://schemas.microsoft.com/office/drawing/2010/main" val="0"/>
+              </a:ext>
+            </a:extLst>
+          </a:blip>
+          <a:srcRect/>
+          <a:stretch>
+            <a:fillRect/>
+          </a:stretch>
+        </p:blipFill>
+        <p:spPr bwMode="auto">
+          <a:xfrm>
+            <a:off x="8504237" y="1266825"/>
+            <a:ext cx="2892028" cy="3856038"/>
+          </a:xfrm>
+          <a:prstGeom prst="rect">
+            <a:avLst/>
+          </a:prstGeom>
+          <a:noFill/>
+          <a:extLst>
+            <a:ext uri="{909E8E84-426E-40DD-AFC4-6F175D3DCCD1}">
+              <a14:hiddenFill xmlns:a14="http://schemas.microsoft.com/office/drawing/2010/main">
+                <a:solidFill>
+                  <a:srgbClr val="FFFFFF"/>
+                </a:solidFill>
+              </a14:hiddenFill>
+            </a:ext>
+          </a:extLst>
+        </p:spPr>
+      </p:pic>
     </p:spTree>
     <p:extLst>
       <p:ext uri="{BB962C8B-B14F-4D97-AF65-F5344CB8AC3E}">
         <p14:creationId xmlns:p14="http://schemas.microsoft.com/office/powerpoint/2010/main" val="1487310101"/>
+      </p:ext>
+    </p:extLst>
+  </p:cSld>
+  <p:clrMapOvr>
+    <a:masterClrMapping/>
+  </p:clrMapOvr>
+  <mc:AlternateContent xmlns:mc="http://schemas.openxmlformats.org/markup-compatibility/2006" xmlns:p14="http://schemas.microsoft.com/office/powerpoint/2010/main">
+    <mc:Choice Requires="p14">
+      <p:transition spd="med" p14:dur="700">
+        <p:fade/>
+      </p:transition>
+    </mc:Choice>
+    <mc:Fallback xmlns="">
+      <p:transition spd="med">
+        <p:fade/>
+      </p:transition>
+    </mc:Fallback>
+  </mc:AlternateContent>
+</p:sld>
+</file>
+
+<file path=ppt/slides/slide4.xml><?xml version="1.0" encoding="utf-8"?>
+<p:sld xmlns:a="http://schemas.openxmlformats.org/drawingml/2006/main" xmlns:r="http://schemas.openxmlformats.org/officeDocument/2006/relationships" xmlns:p="http://schemas.openxmlformats.org/presentationml/2006/main">
+  <p:cSld>
+    <p:spTree>
+      <p:nvGrpSpPr>
+        <p:cNvPr id="1" name=""/>
+        <p:cNvGrpSpPr/>
+        <p:nvPr/>
+      </p:nvGrpSpPr>
+      <p:grpSpPr>
+        <a:xfrm>
+          <a:off x="0" y="0"/>
+          <a:ext cx="0" cy="0"/>
+          <a:chOff x="0" y="0"/>
+          <a:chExt cx="0" cy="0"/>
+        </a:xfrm>
+      </p:grpSpPr>
+      <p:cxnSp>
+        <p:nvCxnSpPr>
+          <p:cNvPr id="3" name="직선 연결선 2">
+            <a:extLst>
+              <a:ext uri="{FF2B5EF4-FFF2-40B4-BE49-F238E27FC236}">
+                <a16:creationId xmlns="" xmlns:a16="http://schemas.microsoft.com/office/drawing/2014/main" id="{30B7886A-E2C2-47A8-A271-1FD08F52EED0}"/>
+              </a:ext>
+            </a:extLst>
+          </p:cNvPr>
+          <p:cNvCxnSpPr>
+            <a:cxnSpLocks/>
+          </p:cNvCxnSpPr>
+          <p:nvPr/>
+        </p:nvCxnSpPr>
+        <p:spPr>
+          <a:xfrm>
+            <a:off x="152400" y="190500"/>
+            <a:ext cx="1435100" cy="0"/>
+          </a:xfrm>
+          <a:prstGeom prst="line">
+            <a:avLst/>
+          </a:prstGeom>
+          <a:ln w="76200">
+            <a:solidFill>
+              <a:schemeClr val="accent4"/>
+            </a:solidFill>
+          </a:ln>
+        </p:spPr>
+        <p:style>
+          <a:lnRef idx="1">
+            <a:schemeClr val="accent1"/>
+          </a:lnRef>
+          <a:fillRef idx="0">
+            <a:schemeClr val="accent1"/>
+          </a:fillRef>
+          <a:effectRef idx="0">
+            <a:schemeClr val="accent1"/>
+          </a:effectRef>
+          <a:fontRef idx="minor">
+            <a:schemeClr val="tx1"/>
+          </a:fontRef>
+        </p:style>
+      </p:cxnSp>
+      <p:cxnSp>
+        <p:nvCxnSpPr>
+          <p:cNvPr id="18" name="직선 연결선 17">
+            <a:extLst>
+              <a:ext uri="{FF2B5EF4-FFF2-40B4-BE49-F238E27FC236}">
+                <a16:creationId xmlns="" xmlns:a16="http://schemas.microsoft.com/office/drawing/2014/main" id="{7911BDFD-7E29-44F7-9ED7-E8F36B51436C}"/>
+              </a:ext>
+            </a:extLst>
+          </p:cNvPr>
+          <p:cNvCxnSpPr/>
+          <p:nvPr/>
+        </p:nvCxnSpPr>
+        <p:spPr>
+          <a:xfrm>
+            <a:off x="1587500" y="190500"/>
+            <a:ext cx="10604500" cy="0"/>
+          </a:xfrm>
+          <a:prstGeom prst="line">
+            <a:avLst/>
+          </a:prstGeom>
+        </p:spPr>
+        <p:style>
+          <a:lnRef idx="1">
+            <a:schemeClr val="accent1"/>
+          </a:lnRef>
+          <a:fillRef idx="0">
+            <a:schemeClr val="accent1"/>
+          </a:fillRef>
+          <a:effectRef idx="0">
+            <a:schemeClr val="accent1"/>
+          </a:effectRef>
+          <a:fontRef idx="minor">
+            <a:schemeClr val="tx1"/>
+          </a:fontRef>
+        </p:style>
+      </p:cxnSp>
+      <p:sp>
+        <p:nvSpPr>
+          <p:cNvPr id="4" name="TextBox 3"/>
+          <p:cNvSpPr txBox="1"/>
+          <p:nvPr/>
+        </p:nvSpPr>
+        <p:spPr>
+          <a:xfrm>
+            <a:off x="687753" y="5295510"/>
+            <a:ext cx="10855569" cy="646331"/>
+          </a:xfrm>
+          <a:prstGeom prst="rect">
+            <a:avLst/>
+          </a:prstGeom>
+          <a:noFill/>
+        </p:spPr>
+        <p:txBody>
+          <a:bodyPr wrap="square" rtlCol="0">
+            <a:spAutoFit/>
+          </a:bodyPr>
+          <a:lstStyle/>
+          <a:p>
+            <a:r>
+              <a:rPr lang="ko-KR" altLang="en-US" dirty="0" smtClean="0"/>
+              <a:t> 필요 데이터를 취합하여</a:t>
+            </a:r>
+            <a:r>
+              <a:rPr lang="en-US" altLang="ko-KR" dirty="0"/>
+              <a:t> </a:t>
+            </a:r>
+            <a:r>
+              <a:rPr lang="ko-KR" altLang="en-US" dirty="0" smtClean="0"/>
+              <a:t>작동을 시킨 결과로 에러가 나는 부분도 있지만</a:t>
+            </a:r>
+            <a:r>
+              <a:rPr lang="en-US" altLang="ko-KR" dirty="0" smtClean="0"/>
+              <a:t>,</a:t>
+            </a:r>
+          </a:p>
+          <a:p>
+            <a:r>
+              <a:rPr lang="ko-KR" altLang="en-US" dirty="0" smtClean="0"/>
+              <a:t>다른 인공지능에 비해 비교적 자연스럽게 결과가 나오게 된다</a:t>
+            </a:r>
+            <a:r>
+              <a:rPr lang="en-US" altLang="ko-KR" dirty="0" smtClean="0"/>
+              <a:t>.</a:t>
+            </a:r>
+            <a:endParaRPr lang="en-US" altLang="ko-KR" dirty="0" smtClean="0"/>
+          </a:p>
+        </p:txBody>
+      </p:sp>
+      <p:pic>
+        <p:nvPicPr>
+          <p:cNvPr id="3074" name="Picture 2" descr="C:\Users\user\Desktop\새 폴더\KakaoTalk_20230712_201638101_04.jpg"/>
+          <p:cNvPicPr>
+            <a:picLocks noChangeAspect="1" noChangeArrowheads="1"/>
+          </p:cNvPicPr>
+          <p:nvPr/>
+        </p:nvPicPr>
+        <p:blipFill>
+          <a:blip r:embed="rId2" cstate="screen">
+            <a:extLst>
+              <a:ext uri="{28A0092B-C50C-407E-A947-70E740481C1C}">
+                <a14:useLocalDpi xmlns:a14="http://schemas.microsoft.com/office/drawing/2010/main" val="0"/>
+              </a:ext>
+            </a:extLst>
+          </a:blip>
+          <a:srcRect/>
+          <a:stretch>
+            <a:fillRect/>
+          </a:stretch>
+        </p:blipFill>
+        <p:spPr bwMode="auto">
+          <a:xfrm>
+            <a:off x="6115537" y="958320"/>
+            <a:ext cx="2521804" cy="3361266"/>
+          </a:xfrm>
+          <a:prstGeom prst="rect">
+            <a:avLst/>
+          </a:prstGeom>
+          <a:noFill/>
+          <a:extLst>
+            <a:ext uri="{909E8E84-426E-40DD-AFC4-6F175D3DCCD1}">
+              <a14:hiddenFill xmlns:a14="http://schemas.microsoft.com/office/drawing/2010/main">
+                <a:solidFill>
+                  <a:srgbClr val="FFFFFF"/>
+                </a:solidFill>
+              </a14:hiddenFill>
+            </a:ext>
+          </a:extLst>
+        </p:spPr>
+      </p:pic>
+      <p:pic>
+        <p:nvPicPr>
+          <p:cNvPr id="3075" name="Picture 3" descr="C:\Users\user\Desktop\새 폴더\KakaoTalk_20230712_201638101.jpg"/>
+          <p:cNvPicPr>
+            <a:picLocks noChangeAspect="1" noChangeArrowheads="1"/>
+          </p:cNvPicPr>
+          <p:nvPr/>
+        </p:nvPicPr>
+        <p:blipFill>
+          <a:blip r:embed="rId3" cstate="screen">
+            <a:extLst>
+              <a:ext uri="{28A0092B-C50C-407E-A947-70E740481C1C}">
+                <a14:useLocalDpi xmlns:a14="http://schemas.microsoft.com/office/drawing/2010/main" val="0"/>
+              </a:ext>
+            </a:extLst>
+          </a:blip>
+          <a:srcRect/>
+          <a:stretch>
+            <a:fillRect/>
+          </a:stretch>
+        </p:blipFill>
+        <p:spPr bwMode="auto">
+          <a:xfrm>
+            <a:off x="558799" y="958320"/>
+            <a:ext cx="2520949" cy="3361266"/>
+          </a:xfrm>
+          <a:prstGeom prst="rect">
+            <a:avLst/>
+          </a:prstGeom>
+          <a:noFill/>
+          <a:extLst>
+            <a:ext uri="{909E8E84-426E-40DD-AFC4-6F175D3DCCD1}">
+              <a14:hiddenFill xmlns:a14="http://schemas.microsoft.com/office/drawing/2010/main">
+                <a:solidFill>
+                  <a:srgbClr val="FFFFFF"/>
+                </a:solidFill>
+              </a14:hiddenFill>
+            </a:ext>
+          </a:extLst>
+        </p:spPr>
+      </p:pic>
+      <p:pic>
+        <p:nvPicPr>
+          <p:cNvPr id="3077" name="Picture 5" descr="C:\Users\user\Desktop\새 폴더\KakaoTalk_20230712_201219220_06.jpg"/>
+          <p:cNvPicPr>
+            <a:picLocks noChangeAspect="1" noChangeArrowheads="1"/>
+          </p:cNvPicPr>
+          <p:nvPr/>
+        </p:nvPicPr>
+        <p:blipFill>
+          <a:blip r:embed="rId4" cstate="screen">
+            <a:extLst>
+              <a:ext uri="{28A0092B-C50C-407E-A947-70E740481C1C}">
+                <a14:useLocalDpi xmlns:a14="http://schemas.microsoft.com/office/drawing/2010/main" val="0"/>
+              </a:ext>
+            </a:extLst>
+          </a:blip>
+          <a:srcRect/>
+          <a:stretch>
+            <a:fillRect/>
+          </a:stretch>
+        </p:blipFill>
+        <p:spPr bwMode="auto">
+          <a:xfrm>
+            <a:off x="9054122" y="958320"/>
+            <a:ext cx="2520950" cy="3361266"/>
+          </a:xfrm>
+          <a:prstGeom prst="rect">
+            <a:avLst/>
+          </a:prstGeom>
+          <a:noFill/>
+          <a:extLst>
+            <a:ext uri="{909E8E84-426E-40DD-AFC4-6F175D3DCCD1}">
+              <a14:hiddenFill xmlns:a14="http://schemas.microsoft.com/office/drawing/2010/main">
+                <a:solidFill>
+                  <a:srgbClr val="FFFFFF"/>
+                </a:solidFill>
+              </a14:hiddenFill>
+            </a:ext>
+          </a:extLst>
+        </p:spPr>
+      </p:pic>
+      <p:pic>
+        <p:nvPicPr>
+          <p:cNvPr id="3078" name="Picture 6" descr="C:\Users\user\Desktop\새 폴더\KakaoTalk_20230712_201219220_07.jpg"/>
+          <p:cNvPicPr>
+            <a:picLocks noChangeAspect="1" noChangeArrowheads="1"/>
+          </p:cNvPicPr>
+          <p:nvPr/>
+        </p:nvPicPr>
+        <p:blipFill>
+          <a:blip r:embed="rId5" cstate="screen">
+            <a:extLst>
+              <a:ext uri="{28A0092B-C50C-407E-A947-70E740481C1C}">
+                <a14:useLocalDpi xmlns:a14="http://schemas.microsoft.com/office/drawing/2010/main" val="0"/>
+              </a:ext>
+            </a:extLst>
+          </a:blip>
+          <a:srcRect/>
+          <a:stretch>
+            <a:fillRect/>
+          </a:stretch>
+        </p:blipFill>
+        <p:spPr bwMode="auto">
+          <a:xfrm>
+            <a:off x="3263900" y="958320"/>
+            <a:ext cx="2520950" cy="3361266"/>
+          </a:xfrm>
+          <a:prstGeom prst="rect">
+            <a:avLst/>
+          </a:prstGeom>
+          <a:noFill/>
+          <a:extLst>
+            <a:ext uri="{909E8E84-426E-40DD-AFC4-6F175D3DCCD1}">
+              <a14:hiddenFill xmlns:a14="http://schemas.microsoft.com/office/drawing/2010/main">
+                <a:solidFill>
+                  <a:srgbClr val="FFFFFF"/>
+                </a:solidFill>
+              </a14:hiddenFill>
+            </a:ext>
+          </a:extLst>
+        </p:spPr>
+      </p:pic>
+      <p:sp>
+        <p:nvSpPr>
+          <p:cNvPr id="6" name="직사각형 5"/>
+          <p:cNvSpPr/>
+          <p:nvPr/>
+        </p:nvSpPr>
+        <p:spPr>
+          <a:xfrm>
+            <a:off x="649814" y="4351867"/>
+            <a:ext cx="4986867" cy="508000"/>
+          </a:xfrm>
+          <a:prstGeom prst="rect">
+            <a:avLst/>
+          </a:prstGeom>
+          <a:solidFill>
+            <a:schemeClr val="accent4"/>
+          </a:solidFill>
+          <a:ln>
+            <a:noFill/>
+          </a:ln>
+        </p:spPr>
+        <p:style>
+          <a:lnRef idx="2">
+            <a:schemeClr val="accent1">
+              <a:shade val="50000"/>
+            </a:schemeClr>
+          </a:lnRef>
+          <a:fillRef idx="1">
+            <a:schemeClr val="accent1"/>
+          </a:fillRef>
+          <a:effectRef idx="0">
+            <a:schemeClr val="accent1"/>
+          </a:effectRef>
+          <a:fontRef idx="minor">
+            <a:schemeClr val="lt1"/>
+          </a:fontRef>
+        </p:style>
+        <p:txBody>
+          <a:bodyPr rtlCol="0" anchor="ctr"/>
+          <a:lstStyle/>
+          <a:p>
+            <a:pPr algn="ctr"/>
+            <a:r>
+              <a:rPr lang="ko-KR" altLang="en-US" dirty="0" smtClean="0"/>
+              <a:t>가방 인식 에러 </a:t>
+            </a:r>
+            <a:endParaRPr lang="ko-KR" altLang="en-US" dirty="0"/>
+          </a:p>
+        </p:txBody>
+      </p:sp>
+      <p:sp>
+        <p:nvSpPr>
+          <p:cNvPr id="15" name="직사각형 14"/>
+          <p:cNvSpPr/>
+          <p:nvPr/>
+        </p:nvSpPr>
+        <p:spPr>
+          <a:xfrm>
+            <a:off x="6381747" y="4351867"/>
+            <a:ext cx="4986867" cy="508000"/>
+          </a:xfrm>
+          <a:prstGeom prst="rect">
+            <a:avLst/>
+          </a:prstGeom>
+          <a:solidFill>
+            <a:schemeClr val="accent4"/>
+          </a:solidFill>
+          <a:ln>
+            <a:noFill/>
+          </a:ln>
+        </p:spPr>
+        <p:style>
+          <a:lnRef idx="2">
+            <a:schemeClr val="accent1">
+              <a:shade val="50000"/>
+            </a:schemeClr>
+          </a:lnRef>
+          <a:fillRef idx="1">
+            <a:schemeClr val="accent1"/>
+          </a:fillRef>
+          <a:effectRef idx="0">
+            <a:schemeClr val="accent1"/>
+          </a:effectRef>
+          <a:fontRef idx="minor">
+            <a:schemeClr val="lt1"/>
+          </a:fontRef>
+        </p:style>
+        <p:txBody>
+          <a:bodyPr rtlCol="0" anchor="ctr"/>
+          <a:lstStyle/>
+          <a:p>
+            <a:pPr algn="ctr"/>
+            <a:r>
+              <a:rPr lang="ko-KR" altLang="en-US" dirty="0" smtClean="0"/>
+              <a:t>머리카락 인식 에러</a:t>
+            </a:r>
+            <a:endParaRPr lang="ko-KR" altLang="en-US" dirty="0"/>
+          </a:p>
+        </p:txBody>
+      </p:sp>
+    </p:spTree>
+    <p:extLst>
+      <p:ext uri="{BB962C8B-B14F-4D97-AF65-F5344CB8AC3E}">
+        <p14:creationId xmlns:p14="http://schemas.microsoft.com/office/powerpoint/2010/main" val="1755371862"/>
+      </p:ext>
+    </p:extLst>
+  </p:cSld>
+  <p:clrMapOvr>
+    <a:masterClrMapping/>
+  </p:clrMapOvr>
+  <mc:AlternateContent xmlns:mc="http://schemas.openxmlformats.org/markup-compatibility/2006" xmlns:p14="http://schemas.microsoft.com/office/powerpoint/2010/main">
+    <mc:Choice Requires="p14">
+      <p:transition spd="med" p14:dur="700">
+        <p:fade/>
+      </p:transition>
+    </mc:Choice>
+    <mc:Fallback xmlns="">
+      <p:transition spd="med">
+        <p:fade/>
+      </p:transition>
+    </mc:Fallback>
+  </mc:AlternateContent>
+</p:sld>
+</file>
+
+<file path=ppt/slides/slide5.xml><?xml version="1.0" encoding="utf-8"?>
+<p:sld xmlns:a="http://schemas.openxmlformats.org/drawingml/2006/main" xmlns:r="http://schemas.openxmlformats.org/officeDocument/2006/relationships" xmlns:p="http://schemas.openxmlformats.org/presentationml/2006/main">
+  <p:cSld>
+    <p:spTree>
+      <p:nvGrpSpPr>
+        <p:cNvPr id="1" name=""/>
+        <p:cNvGrpSpPr/>
+        <p:nvPr/>
+      </p:nvGrpSpPr>
+      <p:grpSpPr>
+        <a:xfrm>
+          <a:off x="0" y="0"/>
+          <a:ext cx="0" cy="0"/>
+          <a:chOff x="0" y="0"/>
+          <a:chExt cx="0" cy="0"/>
+        </a:xfrm>
+      </p:grpSpPr>
+      <p:cxnSp>
+        <p:nvCxnSpPr>
+          <p:cNvPr id="3" name="직선 연결선 2">
+            <a:extLst>
+              <a:ext uri="{FF2B5EF4-FFF2-40B4-BE49-F238E27FC236}">
+                <a16:creationId xmlns="" xmlns:a16="http://schemas.microsoft.com/office/drawing/2014/main" id="{30B7886A-E2C2-47A8-A271-1FD08F52EED0}"/>
+              </a:ext>
+            </a:extLst>
+          </p:cNvPr>
+          <p:cNvCxnSpPr>
+            <a:cxnSpLocks/>
+          </p:cNvCxnSpPr>
+          <p:nvPr/>
+        </p:nvCxnSpPr>
+        <p:spPr>
+          <a:xfrm>
+            <a:off x="152400" y="190500"/>
+            <a:ext cx="1435100" cy="0"/>
+          </a:xfrm>
+          <a:prstGeom prst="line">
+            <a:avLst/>
+          </a:prstGeom>
+          <a:ln w="76200">
+            <a:solidFill>
+              <a:schemeClr val="accent4"/>
+            </a:solidFill>
+          </a:ln>
+        </p:spPr>
+        <p:style>
+          <a:lnRef idx="1">
+            <a:schemeClr val="accent1"/>
+          </a:lnRef>
+          <a:fillRef idx="0">
+            <a:schemeClr val="accent1"/>
+          </a:fillRef>
+          <a:effectRef idx="0">
+            <a:schemeClr val="accent1"/>
+          </a:effectRef>
+          <a:fontRef idx="minor">
+            <a:schemeClr val="tx1"/>
+          </a:fontRef>
+        </p:style>
+      </p:cxnSp>
+      <p:cxnSp>
+        <p:nvCxnSpPr>
+          <p:cNvPr id="18" name="직선 연결선 17">
+            <a:extLst>
+              <a:ext uri="{FF2B5EF4-FFF2-40B4-BE49-F238E27FC236}">
+                <a16:creationId xmlns="" xmlns:a16="http://schemas.microsoft.com/office/drawing/2014/main" id="{7911BDFD-7E29-44F7-9ED7-E8F36B51436C}"/>
+              </a:ext>
+            </a:extLst>
+          </p:cNvPr>
+          <p:cNvCxnSpPr/>
+          <p:nvPr/>
+        </p:nvCxnSpPr>
+        <p:spPr>
+          <a:xfrm>
+            <a:off x="1587500" y="190500"/>
+            <a:ext cx="10604500" cy="0"/>
+          </a:xfrm>
+          <a:prstGeom prst="line">
+            <a:avLst/>
+          </a:prstGeom>
+        </p:spPr>
+        <p:style>
+          <a:lnRef idx="1">
+            <a:schemeClr val="accent1"/>
+          </a:lnRef>
+          <a:fillRef idx="0">
+            <a:schemeClr val="accent1"/>
+          </a:fillRef>
+          <a:effectRef idx="0">
+            <a:schemeClr val="accent1"/>
+          </a:effectRef>
+          <a:fontRef idx="minor">
+            <a:schemeClr val="tx1"/>
+          </a:fontRef>
+        </p:style>
+      </p:cxnSp>
+      <p:sp>
+        <p:nvSpPr>
+          <p:cNvPr id="4" name="TextBox 3"/>
+          <p:cNvSpPr txBox="1"/>
+          <p:nvPr/>
+        </p:nvSpPr>
+        <p:spPr>
+          <a:xfrm>
+            <a:off x="687753" y="5647788"/>
+            <a:ext cx="10855569" cy="369332"/>
+          </a:xfrm>
+          <a:prstGeom prst="rect">
+            <a:avLst/>
+          </a:prstGeom>
+          <a:noFill/>
+        </p:spPr>
+        <p:txBody>
+          <a:bodyPr wrap="square" rtlCol="0">
+            <a:spAutoFit/>
+          </a:bodyPr>
+          <a:lstStyle/>
+          <a:p>
+            <a:r>
+              <a:rPr lang="ko-KR" altLang="en-US" dirty="0" smtClean="0"/>
+              <a:t>다양한 의상을 선택하여 입는 것 또한 가능하였다</a:t>
+            </a:r>
+            <a:r>
+              <a:rPr lang="en-US" altLang="ko-KR" dirty="0" smtClean="0"/>
+              <a:t>. </a:t>
+            </a:r>
+            <a:endParaRPr lang="en-US" altLang="ko-KR" dirty="0" smtClean="0"/>
+          </a:p>
+        </p:txBody>
+      </p:sp>
+      <p:pic>
+        <p:nvPicPr>
+          <p:cNvPr id="4098" name="Picture 2" descr="C:\Users\user\Desktop\새 폴더\KakaoTalk_20230712_201219220_04.jpg"/>
+          <p:cNvPicPr>
+            <a:picLocks noChangeAspect="1" noChangeArrowheads="1"/>
+          </p:cNvPicPr>
+          <p:nvPr/>
+        </p:nvPicPr>
+        <p:blipFill>
+          <a:blip r:embed="rId2" cstate="screen">
+            <a:extLst>
+              <a:ext uri="{28A0092B-C50C-407E-A947-70E740481C1C}">
+                <a14:useLocalDpi xmlns:a14="http://schemas.microsoft.com/office/drawing/2010/main" val="0"/>
+              </a:ext>
+            </a:extLst>
+          </a:blip>
+          <a:srcRect/>
+          <a:stretch>
+            <a:fillRect/>
+          </a:stretch>
+        </p:blipFill>
+        <p:spPr bwMode="auto">
+          <a:xfrm>
+            <a:off x="2840697" y="1048683"/>
+            <a:ext cx="2993815" cy="3991754"/>
+          </a:xfrm>
+          <a:prstGeom prst="rect">
+            <a:avLst/>
+          </a:prstGeom>
+          <a:noFill/>
+          <a:extLst>
+            <a:ext uri="{909E8E84-426E-40DD-AFC4-6F175D3DCCD1}">
+              <a14:hiddenFill xmlns:a14="http://schemas.microsoft.com/office/drawing/2010/main">
+                <a:solidFill>
+                  <a:srgbClr val="FFFFFF"/>
+                </a:solidFill>
+              </a14:hiddenFill>
+            </a:ext>
+          </a:extLst>
+        </p:spPr>
+      </p:pic>
+      <p:pic>
+        <p:nvPicPr>
+          <p:cNvPr id="4100" name="Picture 4" descr="C:\Users\user\Desktop\새 폴더\KakaoTalk_20230712_201219220_02.jpg"/>
+          <p:cNvPicPr>
+            <a:picLocks noChangeAspect="1" noChangeArrowheads="1"/>
+          </p:cNvPicPr>
+          <p:nvPr/>
+        </p:nvPicPr>
+        <p:blipFill>
+          <a:blip r:embed="rId3" cstate="screen">
+            <a:extLst>
+              <a:ext uri="{28A0092B-C50C-407E-A947-70E740481C1C}">
+                <a14:useLocalDpi xmlns:a14="http://schemas.microsoft.com/office/drawing/2010/main" val="0"/>
+              </a:ext>
+            </a:extLst>
+          </a:blip>
+          <a:srcRect/>
+          <a:stretch>
+            <a:fillRect/>
+          </a:stretch>
+        </p:blipFill>
+        <p:spPr bwMode="auto">
+          <a:xfrm>
+            <a:off x="7740940" y="1048683"/>
+            <a:ext cx="2993815" cy="3991754"/>
+          </a:xfrm>
+          <a:prstGeom prst="rect">
+            <a:avLst/>
+          </a:prstGeom>
+          <a:noFill/>
+          <a:extLst>
+            <a:ext uri="{909E8E84-426E-40DD-AFC4-6F175D3DCCD1}">
+              <a14:hiddenFill xmlns:a14="http://schemas.microsoft.com/office/drawing/2010/main">
+                <a:solidFill>
+                  <a:srgbClr val="FFFFFF"/>
+                </a:solidFill>
+              </a14:hiddenFill>
+            </a:ext>
+          </a:extLst>
+        </p:spPr>
+      </p:pic>
+      <p:pic>
+        <p:nvPicPr>
+          <p:cNvPr id="4101" name="Picture 5" descr="C:\Users\user\Desktop\새 폴더\KakaoTalk_20230712_201219220_03.jpg"/>
+          <p:cNvPicPr>
+            <a:picLocks noChangeAspect="1" noChangeArrowheads="1"/>
+          </p:cNvPicPr>
+          <p:nvPr/>
+        </p:nvPicPr>
+        <p:blipFill>
+          <a:blip r:embed="rId4" cstate="screen">
+            <a:extLst>
+              <a:ext uri="{28A0092B-C50C-407E-A947-70E740481C1C}">
+                <a14:useLocalDpi xmlns:a14="http://schemas.microsoft.com/office/drawing/2010/main" val="0"/>
+              </a:ext>
+            </a:extLst>
+          </a:blip>
+          <a:srcRect/>
+          <a:stretch>
+            <a:fillRect/>
+          </a:stretch>
+        </p:blipFill>
+        <p:spPr bwMode="auto">
+          <a:xfrm>
+            <a:off x="5395803" y="1048683"/>
+            <a:ext cx="2993815" cy="3991754"/>
+          </a:xfrm>
+          <a:prstGeom prst="rect">
+            <a:avLst/>
+          </a:prstGeom>
+          <a:noFill/>
+          <a:extLst>
+            <a:ext uri="{909E8E84-426E-40DD-AFC4-6F175D3DCCD1}">
+              <a14:hiddenFill xmlns:a14="http://schemas.microsoft.com/office/drawing/2010/main">
+                <a:solidFill>
+                  <a:srgbClr val="FFFFFF"/>
+                </a:solidFill>
+              </a14:hiddenFill>
+            </a:ext>
+          </a:extLst>
+        </p:spPr>
+      </p:pic>
+      <p:pic>
+        <p:nvPicPr>
+          <p:cNvPr id="3076" name="Picture 4" descr="C:\Users\user\Desktop\새 폴더\KakaoTalk_20230712_201638101_02 (1).jpg"/>
+          <p:cNvPicPr>
+            <a:picLocks noChangeAspect="1" noChangeArrowheads="1"/>
+          </p:cNvPicPr>
+          <p:nvPr/>
+        </p:nvPicPr>
+        <p:blipFill>
+          <a:blip r:embed="rId5" cstate="screen">
+            <a:extLst>
+              <a:ext uri="{28A0092B-C50C-407E-A947-70E740481C1C}">
+                <a14:useLocalDpi xmlns:a14="http://schemas.microsoft.com/office/drawing/2010/main" val="0"/>
+              </a:ext>
+            </a:extLst>
+          </a:blip>
+          <a:srcRect/>
+          <a:stretch>
+            <a:fillRect/>
+          </a:stretch>
+        </p:blipFill>
+        <p:spPr bwMode="auto">
+          <a:xfrm>
+            <a:off x="272070" y="958320"/>
+            <a:ext cx="3129361" cy="4172480"/>
+          </a:xfrm>
+          <a:prstGeom prst="rect">
+            <a:avLst/>
+          </a:prstGeom>
+          <a:noFill/>
+          <a:extLst>
+            <a:ext uri="{909E8E84-426E-40DD-AFC4-6F175D3DCCD1}">
+              <a14:hiddenFill xmlns:a14="http://schemas.microsoft.com/office/drawing/2010/main">
+                <a:solidFill>
+                  <a:srgbClr val="FFFFFF"/>
+                </a:solidFill>
+              </a14:hiddenFill>
+            </a:ext>
+          </a:extLst>
+        </p:spPr>
+      </p:pic>
+    </p:spTree>
+    <p:extLst>
+      <p:ext uri="{BB962C8B-B14F-4D97-AF65-F5344CB8AC3E}">
+        <p14:creationId xmlns:p14="http://schemas.microsoft.com/office/powerpoint/2010/main" val="1314569497"/>
       </p:ext>
     </p:extLst>
   </p:cSld>
@@ -4423,7 +5269,7 @@
   <a:extraClrSchemeLst/>
   <a:extLst>
     <a:ext uri="{05A4C25C-085E-4340-85A3-A5531E510DB2}">
-      <thm15:themeFamily xmlns:thm15="http://schemas.microsoft.com/office/thememl/2012/main" xmlns="" name="Office Theme" id="{62F939B6-93AF-4DB8-9C6B-D6C7DFDC589F}" vid="{4A3C46E8-61CC-4603-A589-7422A47A8E4A}"/>
+      <thm15:themeFamily xmlns="" xmlns:thm15="http://schemas.microsoft.com/office/thememl/2012/main" name="Office Theme" id="{62F939B6-93AF-4DB8-9C6B-D6C7DFDC589F}" vid="{4A3C46E8-61CC-4603-A589-7422A47A8E4A}"/>
     </a:ext>
   </a:extLst>
 </a:theme>

--- a/발표자료/업데이트/LJHPPT.pptx
+++ b/발표자료/업데이트/LJHPPT.pptx
@@ -7,9 +7,7 @@
   <p:sldIdLst>
     <p:sldId id="256" r:id="rId2"/>
     <p:sldId id="275" r:id="rId3"/>
-    <p:sldId id="274" r:id="rId4"/>
-    <p:sldId id="276" r:id="rId5"/>
-    <p:sldId id="277" r:id="rId6"/>
+    <p:sldId id="278" r:id="rId4"/>
   </p:sldIdLst>
   <p:sldSz cx="12192000" cy="6858000"/>
   <p:notesSz cx="6858000" cy="9144000"/>
@@ -110,7 +108,7 @@
   </p:defaultTextStyle>
   <p:extLst>
     <p:ext uri="{EFAFB233-063F-42B5-8137-9DF3F51BA10A}">
-      <p15:sldGuideLst xmlns="" xmlns:p15="http://schemas.microsoft.com/office/powerpoint/2012/main">
+      <p15:sldGuideLst xmlns:p15="http://schemas.microsoft.com/office/powerpoint/2012/main" xmlns="">
         <p15:guide id="1" orient="horz" pos="2160" userDrawn="1">
           <p15:clr>
             <a:srgbClr val="A4A3A4"/>
@@ -149,7 +147,7 @@
           <p:cNvPr id="2" name="제목 1">
             <a:extLst>
               <a:ext uri="{FF2B5EF4-FFF2-40B4-BE49-F238E27FC236}">
-                <a16:creationId xmlns="" xmlns:a16="http://schemas.microsoft.com/office/drawing/2014/main" id="{544428E6-48F8-48FF-A4B7-7E67A9EE0B77}"/>
+                <a16:creationId xmlns:a16="http://schemas.microsoft.com/office/drawing/2014/main" xmlns="" id="{544428E6-48F8-48FF-A4B7-7E67A9EE0B77}"/>
               </a:ext>
             </a:extLst>
           </p:cNvPr>
@@ -186,7 +184,7 @@
           <p:cNvPr id="3" name="부제목 2">
             <a:extLst>
               <a:ext uri="{FF2B5EF4-FFF2-40B4-BE49-F238E27FC236}">
-                <a16:creationId xmlns="" xmlns:a16="http://schemas.microsoft.com/office/drawing/2014/main" id="{FBA2431C-BDF3-4534-AED0-115F103A462A}"/>
+                <a16:creationId xmlns:a16="http://schemas.microsoft.com/office/drawing/2014/main" xmlns="" id="{FBA2431C-BDF3-4534-AED0-115F103A462A}"/>
               </a:ext>
             </a:extLst>
           </p:cNvPr>
@@ -256,7 +254,7 @@
           <p:cNvPr id="4" name="날짜 개체 틀 3">
             <a:extLst>
               <a:ext uri="{FF2B5EF4-FFF2-40B4-BE49-F238E27FC236}">
-                <a16:creationId xmlns="" xmlns:a16="http://schemas.microsoft.com/office/drawing/2014/main" id="{420173CB-01B9-4295-A804-D7D5973D6277}"/>
+                <a16:creationId xmlns:a16="http://schemas.microsoft.com/office/drawing/2014/main" xmlns="" id="{420173CB-01B9-4295-A804-D7D5973D6277}"/>
               </a:ext>
             </a:extLst>
           </p:cNvPr>
@@ -274,7 +272,7 @@
           <a:p>
             <a:fld id="{246E467A-4026-4A8D-97BF-715EF7FA6491}" type="datetimeFigureOut">
               <a:rPr lang="ko-KR" altLang="en-US" smtClean="0"/>
-              <a:t>2023-07-13</a:t>
+              <a:t>2023-08-03</a:t>
             </a:fld>
             <a:endParaRPr lang="ko-KR" altLang="en-US"/>
           </a:p>
@@ -285,7 +283,7 @@
           <p:cNvPr id="5" name="바닥글 개체 틀 4">
             <a:extLst>
               <a:ext uri="{FF2B5EF4-FFF2-40B4-BE49-F238E27FC236}">
-                <a16:creationId xmlns="" xmlns:a16="http://schemas.microsoft.com/office/drawing/2014/main" id="{E1C5FE16-77A0-484E-AEFD-FF537292ECD0}"/>
+                <a16:creationId xmlns:a16="http://schemas.microsoft.com/office/drawing/2014/main" xmlns="" id="{E1C5FE16-77A0-484E-AEFD-FF537292ECD0}"/>
               </a:ext>
             </a:extLst>
           </p:cNvPr>
@@ -310,7 +308,7 @@
           <p:cNvPr id="6" name="슬라이드 번호 개체 틀 5">
             <a:extLst>
               <a:ext uri="{FF2B5EF4-FFF2-40B4-BE49-F238E27FC236}">
-                <a16:creationId xmlns="" xmlns:a16="http://schemas.microsoft.com/office/drawing/2014/main" id="{69F3DF25-2E65-49D3-8F6F-64AA11097B17}"/>
+                <a16:creationId xmlns:a16="http://schemas.microsoft.com/office/drawing/2014/main" xmlns="" id="{69F3DF25-2E65-49D3-8F6F-64AA11097B17}"/>
               </a:ext>
             </a:extLst>
           </p:cNvPr>
@@ -369,7 +367,7 @@
           <p:cNvPr id="2" name="제목 1">
             <a:extLst>
               <a:ext uri="{FF2B5EF4-FFF2-40B4-BE49-F238E27FC236}">
-                <a16:creationId xmlns="" xmlns:a16="http://schemas.microsoft.com/office/drawing/2014/main" id="{0E520652-E714-4A15-826F-1B53C7092B68}"/>
+                <a16:creationId xmlns:a16="http://schemas.microsoft.com/office/drawing/2014/main" xmlns="" id="{0E520652-E714-4A15-826F-1B53C7092B68}"/>
               </a:ext>
             </a:extLst>
           </p:cNvPr>
@@ -397,7 +395,7 @@
           <p:cNvPr id="3" name="세로 텍스트 개체 틀 2">
             <a:extLst>
               <a:ext uri="{FF2B5EF4-FFF2-40B4-BE49-F238E27FC236}">
-                <a16:creationId xmlns="" xmlns:a16="http://schemas.microsoft.com/office/drawing/2014/main" id="{1C14771D-DE0A-400C-8C59-8670E31F7094}"/>
+                <a16:creationId xmlns:a16="http://schemas.microsoft.com/office/drawing/2014/main" xmlns="" id="{1C14771D-DE0A-400C-8C59-8670E31F7094}"/>
               </a:ext>
             </a:extLst>
           </p:cNvPr>
@@ -454,7 +452,7 @@
           <p:cNvPr id="4" name="날짜 개체 틀 3">
             <a:extLst>
               <a:ext uri="{FF2B5EF4-FFF2-40B4-BE49-F238E27FC236}">
-                <a16:creationId xmlns="" xmlns:a16="http://schemas.microsoft.com/office/drawing/2014/main" id="{5CBEACB7-48C9-4FB8-8D34-7F4C63932697}"/>
+                <a16:creationId xmlns:a16="http://schemas.microsoft.com/office/drawing/2014/main" xmlns="" id="{5CBEACB7-48C9-4FB8-8D34-7F4C63932697}"/>
               </a:ext>
             </a:extLst>
           </p:cNvPr>
@@ -472,7 +470,7 @@
           <a:p>
             <a:fld id="{246E467A-4026-4A8D-97BF-715EF7FA6491}" type="datetimeFigureOut">
               <a:rPr lang="ko-KR" altLang="en-US" smtClean="0"/>
-              <a:t>2023-07-13</a:t>
+              <a:t>2023-08-03</a:t>
             </a:fld>
             <a:endParaRPr lang="ko-KR" altLang="en-US"/>
           </a:p>
@@ -483,7 +481,7 @@
           <p:cNvPr id="5" name="바닥글 개체 틀 4">
             <a:extLst>
               <a:ext uri="{FF2B5EF4-FFF2-40B4-BE49-F238E27FC236}">
-                <a16:creationId xmlns="" xmlns:a16="http://schemas.microsoft.com/office/drawing/2014/main" id="{5BD31818-B6CD-47B0-9353-395CC53986D6}"/>
+                <a16:creationId xmlns:a16="http://schemas.microsoft.com/office/drawing/2014/main" xmlns="" id="{5BD31818-B6CD-47B0-9353-395CC53986D6}"/>
               </a:ext>
             </a:extLst>
           </p:cNvPr>
@@ -508,7 +506,7 @@
           <p:cNvPr id="6" name="슬라이드 번호 개체 틀 5">
             <a:extLst>
               <a:ext uri="{FF2B5EF4-FFF2-40B4-BE49-F238E27FC236}">
-                <a16:creationId xmlns="" xmlns:a16="http://schemas.microsoft.com/office/drawing/2014/main" id="{BD008922-CAE3-4884-AE59-2BC74144C74C}"/>
+                <a16:creationId xmlns:a16="http://schemas.microsoft.com/office/drawing/2014/main" xmlns="" id="{BD008922-CAE3-4884-AE59-2BC74144C74C}"/>
               </a:ext>
             </a:extLst>
           </p:cNvPr>
@@ -567,7 +565,7 @@
           <p:cNvPr id="2" name="세로 제목 1">
             <a:extLst>
               <a:ext uri="{FF2B5EF4-FFF2-40B4-BE49-F238E27FC236}">
-                <a16:creationId xmlns="" xmlns:a16="http://schemas.microsoft.com/office/drawing/2014/main" id="{A3371B8A-69A6-43D4-8783-6456E33508F7}"/>
+                <a16:creationId xmlns:a16="http://schemas.microsoft.com/office/drawing/2014/main" xmlns="" id="{A3371B8A-69A6-43D4-8783-6456E33508F7}"/>
               </a:ext>
             </a:extLst>
           </p:cNvPr>
@@ -600,7 +598,7 @@
           <p:cNvPr id="3" name="세로 텍스트 개체 틀 2">
             <a:extLst>
               <a:ext uri="{FF2B5EF4-FFF2-40B4-BE49-F238E27FC236}">
-                <a16:creationId xmlns="" xmlns:a16="http://schemas.microsoft.com/office/drawing/2014/main" id="{049DA1AA-3028-44E4-B5B0-C19BF61DC48A}"/>
+                <a16:creationId xmlns:a16="http://schemas.microsoft.com/office/drawing/2014/main" xmlns="" id="{049DA1AA-3028-44E4-B5B0-C19BF61DC48A}"/>
               </a:ext>
             </a:extLst>
           </p:cNvPr>
@@ -662,7 +660,7 @@
           <p:cNvPr id="4" name="날짜 개체 틀 3">
             <a:extLst>
               <a:ext uri="{FF2B5EF4-FFF2-40B4-BE49-F238E27FC236}">
-                <a16:creationId xmlns="" xmlns:a16="http://schemas.microsoft.com/office/drawing/2014/main" id="{ED2BCD8D-3E10-4F33-BC43-EACB05C0B415}"/>
+                <a16:creationId xmlns:a16="http://schemas.microsoft.com/office/drawing/2014/main" xmlns="" id="{ED2BCD8D-3E10-4F33-BC43-EACB05C0B415}"/>
               </a:ext>
             </a:extLst>
           </p:cNvPr>
@@ -680,7 +678,7 @@
           <a:p>
             <a:fld id="{246E467A-4026-4A8D-97BF-715EF7FA6491}" type="datetimeFigureOut">
               <a:rPr lang="ko-KR" altLang="en-US" smtClean="0"/>
-              <a:t>2023-07-13</a:t>
+              <a:t>2023-08-03</a:t>
             </a:fld>
             <a:endParaRPr lang="ko-KR" altLang="en-US"/>
           </a:p>
@@ -691,7 +689,7 @@
           <p:cNvPr id="5" name="바닥글 개체 틀 4">
             <a:extLst>
               <a:ext uri="{FF2B5EF4-FFF2-40B4-BE49-F238E27FC236}">
-                <a16:creationId xmlns="" xmlns:a16="http://schemas.microsoft.com/office/drawing/2014/main" id="{33E365BE-78DE-4079-B7F3-706874E92415}"/>
+                <a16:creationId xmlns:a16="http://schemas.microsoft.com/office/drawing/2014/main" xmlns="" id="{33E365BE-78DE-4079-B7F3-706874E92415}"/>
               </a:ext>
             </a:extLst>
           </p:cNvPr>
@@ -716,7 +714,7 @@
           <p:cNvPr id="6" name="슬라이드 번호 개체 틀 5">
             <a:extLst>
               <a:ext uri="{FF2B5EF4-FFF2-40B4-BE49-F238E27FC236}">
-                <a16:creationId xmlns="" xmlns:a16="http://schemas.microsoft.com/office/drawing/2014/main" id="{6F0D9E52-1AFA-4482-A474-91FF4C5C683A}"/>
+                <a16:creationId xmlns:a16="http://schemas.microsoft.com/office/drawing/2014/main" xmlns="" id="{6F0D9E52-1AFA-4482-A474-91FF4C5C683A}"/>
               </a:ext>
             </a:extLst>
           </p:cNvPr>
@@ -775,7 +773,7 @@
           <p:cNvPr id="2" name="제목 1">
             <a:extLst>
               <a:ext uri="{FF2B5EF4-FFF2-40B4-BE49-F238E27FC236}">
-                <a16:creationId xmlns="" xmlns:a16="http://schemas.microsoft.com/office/drawing/2014/main" id="{60DBF82B-6C4A-4F6E-A362-B2BF3BDC30D7}"/>
+                <a16:creationId xmlns:a16="http://schemas.microsoft.com/office/drawing/2014/main" xmlns="" id="{60DBF82B-6C4A-4F6E-A362-B2BF3BDC30D7}"/>
               </a:ext>
             </a:extLst>
           </p:cNvPr>
@@ -803,7 +801,7 @@
           <p:cNvPr id="3" name="내용 개체 틀 2">
             <a:extLst>
               <a:ext uri="{FF2B5EF4-FFF2-40B4-BE49-F238E27FC236}">
-                <a16:creationId xmlns="" xmlns:a16="http://schemas.microsoft.com/office/drawing/2014/main" id="{BDE6E910-43A6-49D6-A1B5-99E3B0C27E2D}"/>
+                <a16:creationId xmlns:a16="http://schemas.microsoft.com/office/drawing/2014/main" xmlns="" id="{BDE6E910-43A6-49D6-A1B5-99E3B0C27E2D}"/>
               </a:ext>
             </a:extLst>
           </p:cNvPr>
@@ -860,7 +858,7 @@
           <p:cNvPr id="4" name="날짜 개체 틀 3">
             <a:extLst>
               <a:ext uri="{FF2B5EF4-FFF2-40B4-BE49-F238E27FC236}">
-                <a16:creationId xmlns="" xmlns:a16="http://schemas.microsoft.com/office/drawing/2014/main" id="{2F0DB3AC-66C4-4244-9CE9-54D71AA59C90}"/>
+                <a16:creationId xmlns:a16="http://schemas.microsoft.com/office/drawing/2014/main" xmlns="" id="{2F0DB3AC-66C4-4244-9CE9-54D71AA59C90}"/>
               </a:ext>
             </a:extLst>
           </p:cNvPr>
@@ -878,7 +876,7 @@
           <a:p>
             <a:fld id="{246E467A-4026-4A8D-97BF-715EF7FA6491}" type="datetimeFigureOut">
               <a:rPr lang="ko-KR" altLang="en-US" smtClean="0"/>
-              <a:t>2023-07-13</a:t>
+              <a:t>2023-08-03</a:t>
             </a:fld>
             <a:endParaRPr lang="ko-KR" altLang="en-US"/>
           </a:p>
@@ -889,7 +887,7 @@
           <p:cNvPr id="5" name="바닥글 개체 틀 4">
             <a:extLst>
               <a:ext uri="{FF2B5EF4-FFF2-40B4-BE49-F238E27FC236}">
-                <a16:creationId xmlns="" xmlns:a16="http://schemas.microsoft.com/office/drawing/2014/main" id="{3992C886-882E-440B-806C-B06DE5089026}"/>
+                <a16:creationId xmlns:a16="http://schemas.microsoft.com/office/drawing/2014/main" xmlns="" id="{3992C886-882E-440B-806C-B06DE5089026}"/>
               </a:ext>
             </a:extLst>
           </p:cNvPr>
@@ -914,7 +912,7 @@
           <p:cNvPr id="6" name="슬라이드 번호 개체 틀 5">
             <a:extLst>
               <a:ext uri="{FF2B5EF4-FFF2-40B4-BE49-F238E27FC236}">
-                <a16:creationId xmlns="" xmlns:a16="http://schemas.microsoft.com/office/drawing/2014/main" id="{9A9323D2-1426-48F9-A93B-729E72E2B2BB}"/>
+                <a16:creationId xmlns:a16="http://schemas.microsoft.com/office/drawing/2014/main" xmlns="" id="{9A9323D2-1426-48F9-A93B-729E72E2B2BB}"/>
               </a:ext>
             </a:extLst>
           </p:cNvPr>
@@ -973,7 +971,7 @@
           <p:cNvPr id="2" name="제목 1">
             <a:extLst>
               <a:ext uri="{FF2B5EF4-FFF2-40B4-BE49-F238E27FC236}">
-                <a16:creationId xmlns="" xmlns:a16="http://schemas.microsoft.com/office/drawing/2014/main" id="{7153C500-C8D9-4EBC-AC73-9F7D65F03E32}"/>
+                <a16:creationId xmlns:a16="http://schemas.microsoft.com/office/drawing/2014/main" xmlns="" id="{7153C500-C8D9-4EBC-AC73-9F7D65F03E32}"/>
               </a:ext>
             </a:extLst>
           </p:cNvPr>
@@ -1010,7 +1008,7 @@
           <p:cNvPr id="3" name="텍스트 개체 틀 2">
             <a:extLst>
               <a:ext uri="{FF2B5EF4-FFF2-40B4-BE49-F238E27FC236}">
-                <a16:creationId xmlns="" xmlns:a16="http://schemas.microsoft.com/office/drawing/2014/main" id="{4E56CD17-259A-42E8-B64F-04C51B7C1C5F}"/>
+                <a16:creationId xmlns:a16="http://schemas.microsoft.com/office/drawing/2014/main" xmlns="" id="{4E56CD17-259A-42E8-B64F-04C51B7C1C5F}"/>
               </a:ext>
             </a:extLst>
           </p:cNvPr>
@@ -1135,7 +1133,7 @@
           <p:cNvPr id="4" name="날짜 개체 틀 3">
             <a:extLst>
               <a:ext uri="{FF2B5EF4-FFF2-40B4-BE49-F238E27FC236}">
-                <a16:creationId xmlns="" xmlns:a16="http://schemas.microsoft.com/office/drawing/2014/main" id="{CE976CE5-8C59-42A2-A597-465DEAC8E5A7}"/>
+                <a16:creationId xmlns:a16="http://schemas.microsoft.com/office/drawing/2014/main" xmlns="" id="{CE976CE5-8C59-42A2-A597-465DEAC8E5A7}"/>
               </a:ext>
             </a:extLst>
           </p:cNvPr>
@@ -1153,7 +1151,7 @@
           <a:p>
             <a:fld id="{246E467A-4026-4A8D-97BF-715EF7FA6491}" type="datetimeFigureOut">
               <a:rPr lang="ko-KR" altLang="en-US" smtClean="0"/>
-              <a:t>2023-07-13</a:t>
+              <a:t>2023-08-03</a:t>
             </a:fld>
             <a:endParaRPr lang="ko-KR" altLang="en-US"/>
           </a:p>
@@ -1164,7 +1162,7 @@
           <p:cNvPr id="5" name="바닥글 개체 틀 4">
             <a:extLst>
               <a:ext uri="{FF2B5EF4-FFF2-40B4-BE49-F238E27FC236}">
-                <a16:creationId xmlns="" xmlns:a16="http://schemas.microsoft.com/office/drawing/2014/main" id="{742312C6-1DCE-41BC-B5FA-FCFF5BE3B9E6}"/>
+                <a16:creationId xmlns:a16="http://schemas.microsoft.com/office/drawing/2014/main" xmlns="" id="{742312C6-1DCE-41BC-B5FA-FCFF5BE3B9E6}"/>
               </a:ext>
             </a:extLst>
           </p:cNvPr>
@@ -1189,7 +1187,7 @@
           <p:cNvPr id="6" name="슬라이드 번호 개체 틀 5">
             <a:extLst>
               <a:ext uri="{FF2B5EF4-FFF2-40B4-BE49-F238E27FC236}">
-                <a16:creationId xmlns="" xmlns:a16="http://schemas.microsoft.com/office/drawing/2014/main" id="{664339A5-69DC-4256-84CA-F160D48ED02B}"/>
+                <a16:creationId xmlns:a16="http://schemas.microsoft.com/office/drawing/2014/main" xmlns="" id="{664339A5-69DC-4256-84CA-F160D48ED02B}"/>
               </a:ext>
             </a:extLst>
           </p:cNvPr>
@@ -1248,7 +1246,7 @@
           <p:cNvPr id="2" name="제목 1">
             <a:extLst>
               <a:ext uri="{FF2B5EF4-FFF2-40B4-BE49-F238E27FC236}">
-                <a16:creationId xmlns="" xmlns:a16="http://schemas.microsoft.com/office/drawing/2014/main" id="{BCF37A4D-E01E-45A7-B166-73EE7826C0E7}"/>
+                <a16:creationId xmlns:a16="http://schemas.microsoft.com/office/drawing/2014/main" xmlns="" id="{BCF37A4D-E01E-45A7-B166-73EE7826C0E7}"/>
               </a:ext>
             </a:extLst>
           </p:cNvPr>
@@ -1276,7 +1274,7 @@
           <p:cNvPr id="3" name="내용 개체 틀 2">
             <a:extLst>
               <a:ext uri="{FF2B5EF4-FFF2-40B4-BE49-F238E27FC236}">
-                <a16:creationId xmlns="" xmlns:a16="http://schemas.microsoft.com/office/drawing/2014/main" id="{A70D6757-7DA6-452C-9903-7536978F1556}"/>
+                <a16:creationId xmlns:a16="http://schemas.microsoft.com/office/drawing/2014/main" xmlns="" id="{A70D6757-7DA6-452C-9903-7536978F1556}"/>
               </a:ext>
             </a:extLst>
           </p:cNvPr>
@@ -1338,7 +1336,7 @@
           <p:cNvPr id="4" name="내용 개체 틀 3">
             <a:extLst>
               <a:ext uri="{FF2B5EF4-FFF2-40B4-BE49-F238E27FC236}">
-                <a16:creationId xmlns="" xmlns:a16="http://schemas.microsoft.com/office/drawing/2014/main" id="{23DCC3C8-286B-4184-8752-32BC3B116B8E}"/>
+                <a16:creationId xmlns:a16="http://schemas.microsoft.com/office/drawing/2014/main" xmlns="" id="{23DCC3C8-286B-4184-8752-32BC3B116B8E}"/>
               </a:ext>
             </a:extLst>
           </p:cNvPr>
@@ -1400,7 +1398,7 @@
           <p:cNvPr id="5" name="날짜 개체 틀 4">
             <a:extLst>
               <a:ext uri="{FF2B5EF4-FFF2-40B4-BE49-F238E27FC236}">
-                <a16:creationId xmlns="" xmlns:a16="http://schemas.microsoft.com/office/drawing/2014/main" id="{7ECA751A-C45B-42C8-893F-826B22E76CF6}"/>
+                <a16:creationId xmlns:a16="http://schemas.microsoft.com/office/drawing/2014/main" xmlns="" id="{7ECA751A-C45B-42C8-893F-826B22E76CF6}"/>
               </a:ext>
             </a:extLst>
           </p:cNvPr>
@@ -1418,7 +1416,7 @@
           <a:p>
             <a:fld id="{246E467A-4026-4A8D-97BF-715EF7FA6491}" type="datetimeFigureOut">
               <a:rPr lang="ko-KR" altLang="en-US" smtClean="0"/>
-              <a:t>2023-07-13</a:t>
+              <a:t>2023-08-03</a:t>
             </a:fld>
             <a:endParaRPr lang="ko-KR" altLang="en-US"/>
           </a:p>
@@ -1429,7 +1427,7 @@
           <p:cNvPr id="6" name="바닥글 개체 틀 5">
             <a:extLst>
               <a:ext uri="{FF2B5EF4-FFF2-40B4-BE49-F238E27FC236}">
-                <a16:creationId xmlns="" xmlns:a16="http://schemas.microsoft.com/office/drawing/2014/main" id="{9F77210C-0EDE-42F3-A19F-12B3884B4393}"/>
+                <a16:creationId xmlns:a16="http://schemas.microsoft.com/office/drawing/2014/main" xmlns="" id="{9F77210C-0EDE-42F3-A19F-12B3884B4393}"/>
               </a:ext>
             </a:extLst>
           </p:cNvPr>
@@ -1454,7 +1452,7 @@
           <p:cNvPr id="7" name="슬라이드 번호 개체 틀 6">
             <a:extLst>
               <a:ext uri="{FF2B5EF4-FFF2-40B4-BE49-F238E27FC236}">
-                <a16:creationId xmlns="" xmlns:a16="http://schemas.microsoft.com/office/drawing/2014/main" id="{3215D590-E2D2-480C-AF73-67D855C553CB}"/>
+                <a16:creationId xmlns:a16="http://schemas.microsoft.com/office/drawing/2014/main" xmlns="" id="{3215D590-E2D2-480C-AF73-67D855C553CB}"/>
               </a:ext>
             </a:extLst>
           </p:cNvPr>
@@ -1513,7 +1511,7 @@
           <p:cNvPr id="2" name="제목 1">
             <a:extLst>
               <a:ext uri="{FF2B5EF4-FFF2-40B4-BE49-F238E27FC236}">
-                <a16:creationId xmlns="" xmlns:a16="http://schemas.microsoft.com/office/drawing/2014/main" id="{E1E3AF97-024B-4EF1-B5B6-2E362F07CDB3}"/>
+                <a16:creationId xmlns:a16="http://schemas.microsoft.com/office/drawing/2014/main" xmlns="" id="{E1E3AF97-024B-4EF1-B5B6-2E362F07CDB3}"/>
               </a:ext>
             </a:extLst>
           </p:cNvPr>
@@ -1546,7 +1544,7 @@
           <p:cNvPr id="3" name="텍스트 개체 틀 2">
             <a:extLst>
               <a:ext uri="{FF2B5EF4-FFF2-40B4-BE49-F238E27FC236}">
-                <a16:creationId xmlns="" xmlns:a16="http://schemas.microsoft.com/office/drawing/2014/main" id="{2B41334B-2AA0-4E32-9445-B691EAB2831F}"/>
+                <a16:creationId xmlns:a16="http://schemas.microsoft.com/office/drawing/2014/main" xmlns="" id="{2B41334B-2AA0-4E32-9445-B691EAB2831F}"/>
               </a:ext>
             </a:extLst>
           </p:cNvPr>
@@ -1617,7 +1615,7 @@
           <p:cNvPr id="4" name="내용 개체 틀 3">
             <a:extLst>
               <a:ext uri="{FF2B5EF4-FFF2-40B4-BE49-F238E27FC236}">
-                <a16:creationId xmlns="" xmlns:a16="http://schemas.microsoft.com/office/drawing/2014/main" id="{BDB62D6F-224F-4433-9752-11A255D323D4}"/>
+                <a16:creationId xmlns:a16="http://schemas.microsoft.com/office/drawing/2014/main" xmlns="" id="{BDB62D6F-224F-4433-9752-11A255D323D4}"/>
               </a:ext>
             </a:extLst>
           </p:cNvPr>
@@ -1679,7 +1677,7 @@
           <p:cNvPr id="5" name="텍스트 개체 틀 4">
             <a:extLst>
               <a:ext uri="{FF2B5EF4-FFF2-40B4-BE49-F238E27FC236}">
-                <a16:creationId xmlns="" xmlns:a16="http://schemas.microsoft.com/office/drawing/2014/main" id="{DD04EE0E-6C7E-4160-86AA-136E97F9FD62}"/>
+                <a16:creationId xmlns:a16="http://schemas.microsoft.com/office/drawing/2014/main" xmlns="" id="{DD04EE0E-6C7E-4160-86AA-136E97F9FD62}"/>
               </a:ext>
             </a:extLst>
           </p:cNvPr>
@@ -1750,7 +1748,7 @@
           <p:cNvPr id="6" name="내용 개체 틀 5">
             <a:extLst>
               <a:ext uri="{FF2B5EF4-FFF2-40B4-BE49-F238E27FC236}">
-                <a16:creationId xmlns="" xmlns:a16="http://schemas.microsoft.com/office/drawing/2014/main" id="{1B390FB9-7573-4784-A2A4-EDF1B3C59FF4}"/>
+                <a16:creationId xmlns:a16="http://schemas.microsoft.com/office/drawing/2014/main" xmlns="" id="{1B390FB9-7573-4784-A2A4-EDF1B3C59FF4}"/>
               </a:ext>
             </a:extLst>
           </p:cNvPr>
@@ -1812,7 +1810,7 @@
           <p:cNvPr id="7" name="날짜 개체 틀 6">
             <a:extLst>
               <a:ext uri="{FF2B5EF4-FFF2-40B4-BE49-F238E27FC236}">
-                <a16:creationId xmlns="" xmlns:a16="http://schemas.microsoft.com/office/drawing/2014/main" id="{F464B30B-9C6A-4C96-8DB5-BCE9A09F77BB}"/>
+                <a16:creationId xmlns:a16="http://schemas.microsoft.com/office/drawing/2014/main" xmlns="" id="{F464B30B-9C6A-4C96-8DB5-BCE9A09F77BB}"/>
               </a:ext>
             </a:extLst>
           </p:cNvPr>
@@ -1830,7 +1828,7 @@
           <a:p>
             <a:fld id="{246E467A-4026-4A8D-97BF-715EF7FA6491}" type="datetimeFigureOut">
               <a:rPr lang="ko-KR" altLang="en-US" smtClean="0"/>
-              <a:t>2023-07-13</a:t>
+              <a:t>2023-08-03</a:t>
             </a:fld>
             <a:endParaRPr lang="ko-KR" altLang="en-US"/>
           </a:p>
@@ -1841,7 +1839,7 @@
           <p:cNvPr id="8" name="바닥글 개체 틀 7">
             <a:extLst>
               <a:ext uri="{FF2B5EF4-FFF2-40B4-BE49-F238E27FC236}">
-                <a16:creationId xmlns="" xmlns:a16="http://schemas.microsoft.com/office/drawing/2014/main" id="{16A11AC4-2315-46FE-81A4-FE4B843497D9}"/>
+                <a16:creationId xmlns:a16="http://schemas.microsoft.com/office/drawing/2014/main" xmlns="" id="{16A11AC4-2315-46FE-81A4-FE4B843497D9}"/>
               </a:ext>
             </a:extLst>
           </p:cNvPr>
@@ -1866,7 +1864,7 @@
           <p:cNvPr id="9" name="슬라이드 번호 개체 틀 8">
             <a:extLst>
               <a:ext uri="{FF2B5EF4-FFF2-40B4-BE49-F238E27FC236}">
-                <a16:creationId xmlns="" xmlns:a16="http://schemas.microsoft.com/office/drawing/2014/main" id="{DC2D39CB-CB92-40B8-9B0C-3FBBBDF9DDF4}"/>
+                <a16:creationId xmlns:a16="http://schemas.microsoft.com/office/drawing/2014/main" xmlns="" id="{DC2D39CB-CB92-40B8-9B0C-3FBBBDF9DDF4}"/>
               </a:ext>
             </a:extLst>
           </p:cNvPr>
@@ -1925,7 +1923,7 @@
           <p:cNvPr id="2" name="제목 1">
             <a:extLst>
               <a:ext uri="{FF2B5EF4-FFF2-40B4-BE49-F238E27FC236}">
-                <a16:creationId xmlns="" xmlns:a16="http://schemas.microsoft.com/office/drawing/2014/main" id="{90E32E25-F5B3-41EE-BD3B-6965721B8BFA}"/>
+                <a16:creationId xmlns:a16="http://schemas.microsoft.com/office/drawing/2014/main" xmlns="" id="{90E32E25-F5B3-41EE-BD3B-6965721B8BFA}"/>
               </a:ext>
             </a:extLst>
           </p:cNvPr>
@@ -1953,7 +1951,7 @@
           <p:cNvPr id="3" name="날짜 개체 틀 2">
             <a:extLst>
               <a:ext uri="{FF2B5EF4-FFF2-40B4-BE49-F238E27FC236}">
-                <a16:creationId xmlns="" xmlns:a16="http://schemas.microsoft.com/office/drawing/2014/main" id="{0CFE1863-7C02-424B-AF80-CDB396716C6B}"/>
+                <a16:creationId xmlns:a16="http://schemas.microsoft.com/office/drawing/2014/main" xmlns="" id="{0CFE1863-7C02-424B-AF80-CDB396716C6B}"/>
               </a:ext>
             </a:extLst>
           </p:cNvPr>
@@ -1971,7 +1969,7 @@
           <a:p>
             <a:fld id="{246E467A-4026-4A8D-97BF-715EF7FA6491}" type="datetimeFigureOut">
               <a:rPr lang="ko-KR" altLang="en-US" smtClean="0"/>
-              <a:t>2023-07-13</a:t>
+              <a:t>2023-08-03</a:t>
             </a:fld>
             <a:endParaRPr lang="ko-KR" altLang="en-US"/>
           </a:p>
@@ -1982,7 +1980,7 @@
           <p:cNvPr id="4" name="바닥글 개체 틀 3">
             <a:extLst>
               <a:ext uri="{FF2B5EF4-FFF2-40B4-BE49-F238E27FC236}">
-                <a16:creationId xmlns="" xmlns:a16="http://schemas.microsoft.com/office/drawing/2014/main" id="{2F99FB34-90A4-44A0-9CF8-F0BC0FE4AB26}"/>
+                <a16:creationId xmlns:a16="http://schemas.microsoft.com/office/drawing/2014/main" xmlns="" id="{2F99FB34-90A4-44A0-9CF8-F0BC0FE4AB26}"/>
               </a:ext>
             </a:extLst>
           </p:cNvPr>
@@ -2007,7 +2005,7 @@
           <p:cNvPr id="5" name="슬라이드 번호 개체 틀 4">
             <a:extLst>
               <a:ext uri="{FF2B5EF4-FFF2-40B4-BE49-F238E27FC236}">
-                <a16:creationId xmlns="" xmlns:a16="http://schemas.microsoft.com/office/drawing/2014/main" id="{56375702-4955-406C-919C-D35A1B84B474}"/>
+                <a16:creationId xmlns:a16="http://schemas.microsoft.com/office/drawing/2014/main" xmlns="" id="{56375702-4955-406C-919C-D35A1B84B474}"/>
               </a:ext>
             </a:extLst>
           </p:cNvPr>
@@ -2066,7 +2064,7 @@
           <p:cNvPr id="2" name="날짜 개체 틀 1">
             <a:extLst>
               <a:ext uri="{FF2B5EF4-FFF2-40B4-BE49-F238E27FC236}">
-                <a16:creationId xmlns="" xmlns:a16="http://schemas.microsoft.com/office/drawing/2014/main" id="{D76E1BA2-3103-4DB2-AAEB-ED1BAE4527B3}"/>
+                <a16:creationId xmlns:a16="http://schemas.microsoft.com/office/drawing/2014/main" xmlns="" id="{D76E1BA2-3103-4DB2-AAEB-ED1BAE4527B3}"/>
               </a:ext>
             </a:extLst>
           </p:cNvPr>
@@ -2084,7 +2082,7 @@
           <a:p>
             <a:fld id="{246E467A-4026-4A8D-97BF-715EF7FA6491}" type="datetimeFigureOut">
               <a:rPr lang="ko-KR" altLang="en-US" smtClean="0"/>
-              <a:t>2023-07-13</a:t>
+              <a:t>2023-08-03</a:t>
             </a:fld>
             <a:endParaRPr lang="ko-KR" altLang="en-US"/>
           </a:p>
@@ -2095,7 +2093,7 @@
           <p:cNvPr id="3" name="바닥글 개체 틀 2">
             <a:extLst>
               <a:ext uri="{FF2B5EF4-FFF2-40B4-BE49-F238E27FC236}">
-                <a16:creationId xmlns="" xmlns:a16="http://schemas.microsoft.com/office/drawing/2014/main" id="{505D5A54-85CA-45E5-9801-A3F15EEFCC94}"/>
+                <a16:creationId xmlns:a16="http://schemas.microsoft.com/office/drawing/2014/main" xmlns="" id="{505D5A54-85CA-45E5-9801-A3F15EEFCC94}"/>
               </a:ext>
             </a:extLst>
           </p:cNvPr>
@@ -2120,7 +2118,7 @@
           <p:cNvPr id="4" name="슬라이드 번호 개체 틀 3">
             <a:extLst>
               <a:ext uri="{FF2B5EF4-FFF2-40B4-BE49-F238E27FC236}">
-                <a16:creationId xmlns="" xmlns:a16="http://schemas.microsoft.com/office/drawing/2014/main" id="{A812AF2F-D0EC-4C7E-8979-4C17E3F4B44D}"/>
+                <a16:creationId xmlns:a16="http://schemas.microsoft.com/office/drawing/2014/main" xmlns="" id="{A812AF2F-D0EC-4C7E-8979-4C17E3F4B44D}"/>
               </a:ext>
             </a:extLst>
           </p:cNvPr>
@@ -2179,7 +2177,7 @@
           <p:cNvPr id="2" name="제목 1">
             <a:extLst>
               <a:ext uri="{FF2B5EF4-FFF2-40B4-BE49-F238E27FC236}">
-                <a16:creationId xmlns="" xmlns:a16="http://schemas.microsoft.com/office/drawing/2014/main" id="{8C03A167-5C7C-4CD2-A3E4-B6F94583214B}"/>
+                <a16:creationId xmlns:a16="http://schemas.microsoft.com/office/drawing/2014/main" xmlns="" id="{8C03A167-5C7C-4CD2-A3E4-B6F94583214B}"/>
               </a:ext>
             </a:extLst>
           </p:cNvPr>
@@ -2216,7 +2214,7 @@
           <p:cNvPr id="3" name="내용 개체 틀 2">
             <a:extLst>
               <a:ext uri="{FF2B5EF4-FFF2-40B4-BE49-F238E27FC236}">
-                <a16:creationId xmlns="" xmlns:a16="http://schemas.microsoft.com/office/drawing/2014/main" id="{5421CEB6-C525-4AEB-BB3E-B13156901366}"/>
+                <a16:creationId xmlns:a16="http://schemas.microsoft.com/office/drawing/2014/main" xmlns="" id="{5421CEB6-C525-4AEB-BB3E-B13156901366}"/>
               </a:ext>
             </a:extLst>
           </p:cNvPr>
@@ -2306,7 +2304,7 @@
           <p:cNvPr id="4" name="텍스트 개체 틀 3">
             <a:extLst>
               <a:ext uri="{FF2B5EF4-FFF2-40B4-BE49-F238E27FC236}">
-                <a16:creationId xmlns="" xmlns:a16="http://schemas.microsoft.com/office/drawing/2014/main" id="{69296C9A-4472-4D30-BFAE-60CB397B5014}"/>
+                <a16:creationId xmlns:a16="http://schemas.microsoft.com/office/drawing/2014/main" xmlns="" id="{69296C9A-4472-4D30-BFAE-60CB397B5014}"/>
               </a:ext>
             </a:extLst>
           </p:cNvPr>
@@ -2377,7 +2375,7 @@
           <p:cNvPr id="5" name="날짜 개체 틀 4">
             <a:extLst>
               <a:ext uri="{FF2B5EF4-FFF2-40B4-BE49-F238E27FC236}">
-                <a16:creationId xmlns="" xmlns:a16="http://schemas.microsoft.com/office/drawing/2014/main" id="{F44E3F16-D603-4838-BA1C-0C9EEDE4AC92}"/>
+                <a16:creationId xmlns:a16="http://schemas.microsoft.com/office/drawing/2014/main" xmlns="" id="{F44E3F16-D603-4838-BA1C-0C9EEDE4AC92}"/>
               </a:ext>
             </a:extLst>
           </p:cNvPr>
@@ -2395,7 +2393,7 @@
           <a:p>
             <a:fld id="{246E467A-4026-4A8D-97BF-715EF7FA6491}" type="datetimeFigureOut">
               <a:rPr lang="ko-KR" altLang="en-US" smtClean="0"/>
-              <a:t>2023-07-13</a:t>
+              <a:t>2023-08-03</a:t>
             </a:fld>
             <a:endParaRPr lang="ko-KR" altLang="en-US"/>
           </a:p>
@@ -2406,7 +2404,7 @@
           <p:cNvPr id="6" name="바닥글 개체 틀 5">
             <a:extLst>
               <a:ext uri="{FF2B5EF4-FFF2-40B4-BE49-F238E27FC236}">
-                <a16:creationId xmlns="" xmlns:a16="http://schemas.microsoft.com/office/drawing/2014/main" id="{F48873C6-9D3A-4C62-9D46-88E6BAABCBA4}"/>
+                <a16:creationId xmlns:a16="http://schemas.microsoft.com/office/drawing/2014/main" xmlns="" id="{F48873C6-9D3A-4C62-9D46-88E6BAABCBA4}"/>
               </a:ext>
             </a:extLst>
           </p:cNvPr>
@@ -2431,7 +2429,7 @@
           <p:cNvPr id="7" name="슬라이드 번호 개체 틀 6">
             <a:extLst>
               <a:ext uri="{FF2B5EF4-FFF2-40B4-BE49-F238E27FC236}">
-                <a16:creationId xmlns="" xmlns:a16="http://schemas.microsoft.com/office/drawing/2014/main" id="{79A9C646-865F-49F4-8BDD-FB9A4DECA8F3}"/>
+                <a16:creationId xmlns:a16="http://schemas.microsoft.com/office/drawing/2014/main" xmlns="" id="{79A9C646-865F-49F4-8BDD-FB9A4DECA8F3}"/>
               </a:ext>
             </a:extLst>
           </p:cNvPr>
@@ -2490,7 +2488,7 @@
           <p:cNvPr id="2" name="제목 1">
             <a:extLst>
               <a:ext uri="{FF2B5EF4-FFF2-40B4-BE49-F238E27FC236}">
-                <a16:creationId xmlns="" xmlns:a16="http://schemas.microsoft.com/office/drawing/2014/main" id="{E5F258A6-5AAD-4F1F-976F-EDB5FF7254F0}"/>
+                <a16:creationId xmlns:a16="http://schemas.microsoft.com/office/drawing/2014/main" xmlns="" id="{E5F258A6-5AAD-4F1F-976F-EDB5FF7254F0}"/>
               </a:ext>
             </a:extLst>
           </p:cNvPr>
@@ -2527,7 +2525,7 @@
           <p:cNvPr id="3" name="그림 개체 틀 2">
             <a:extLst>
               <a:ext uri="{FF2B5EF4-FFF2-40B4-BE49-F238E27FC236}">
-                <a16:creationId xmlns="" xmlns:a16="http://schemas.microsoft.com/office/drawing/2014/main" id="{D2F4441E-0165-42AA-88F8-E53C4BAAC1DE}"/>
+                <a16:creationId xmlns:a16="http://schemas.microsoft.com/office/drawing/2014/main" xmlns="" id="{D2F4441E-0165-42AA-88F8-E53C4BAAC1DE}"/>
               </a:ext>
             </a:extLst>
           </p:cNvPr>
@@ -2594,7 +2592,7 @@
           <p:cNvPr id="4" name="텍스트 개체 틀 3">
             <a:extLst>
               <a:ext uri="{FF2B5EF4-FFF2-40B4-BE49-F238E27FC236}">
-                <a16:creationId xmlns="" xmlns:a16="http://schemas.microsoft.com/office/drawing/2014/main" id="{5AFCA1E8-0D3C-4590-82E2-D018D6E61D0F}"/>
+                <a16:creationId xmlns:a16="http://schemas.microsoft.com/office/drawing/2014/main" xmlns="" id="{5AFCA1E8-0D3C-4590-82E2-D018D6E61D0F}"/>
               </a:ext>
             </a:extLst>
           </p:cNvPr>
@@ -2665,7 +2663,7 @@
           <p:cNvPr id="5" name="날짜 개체 틀 4">
             <a:extLst>
               <a:ext uri="{FF2B5EF4-FFF2-40B4-BE49-F238E27FC236}">
-                <a16:creationId xmlns="" xmlns:a16="http://schemas.microsoft.com/office/drawing/2014/main" id="{0A674557-7FD9-416C-A8B5-FA6C4B5558AE}"/>
+                <a16:creationId xmlns:a16="http://schemas.microsoft.com/office/drawing/2014/main" xmlns="" id="{0A674557-7FD9-416C-A8B5-FA6C4B5558AE}"/>
               </a:ext>
             </a:extLst>
           </p:cNvPr>
@@ -2683,7 +2681,7 @@
           <a:p>
             <a:fld id="{246E467A-4026-4A8D-97BF-715EF7FA6491}" type="datetimeFigureOut">
               <a:rPr lang="ko-KR" altLang="en-US" smtClean="0"/>
-              <a:t>2023-07-13</a:t>
+              <a:t>2023-08-03</a:t>
             </a:fld>
             <a:endParaRPr lang="ko-KR" altLang="en-US"/>
           </a:p>
@@ -2694,7 +2692,7 @@
           <p:cNvPr id="6" name="바닥글 개체 틀 5">
             <a:extLst>
               <a:ext uri="{FF2B5EF4-FFF2-40B4-BE49-F238E27FC236}">
-                <a16:creationId xmlns="" xmlns:a16="http://schemas.microsoft.com/office/drawing/2014/main" id="{9C4A215C-B55F-4988-B45B-7667E8C7CAF6}"/>
+                <a16:creationId xmlns:a16="http://schemas.microsoft.com/office/drawing/2014/main" xmlns="" id="{9C4A215C-B55F-4988-B45B-7667E8C7CAF6}"/>
               </a:ext>
             </a:extLst>
           </p:cNvPr>
@@ -2719,7 +2717,7 @@
           <p:cNvPr id="7" name="슬라이드 번호 개체 틀 6">
             <a:extLst>
               <a:ext uri="{FF2B5EF4-FFF2-40B4-BE49-F238E27FC236}">
-                <a16:creationId xmlns="" xmlns:a16="http://schemas.microsoft.com/office/drawing/2014/main" id="{82FF3B86-5A48-411F-8090-830140A677FA}"/>
+                <a16:creationId xmlns:a16="http://schemas.microsoft.com/office/drawing/2014/main" xmlns="" id="{82FF3B86-5A48-411F-8090-830140A677FA}"/>
               </a:ext>
             </a:extLst>
           </p:cNvPr>
@@ -2783,7 +2781,7 @@
           <p:cNvPr id="2" name="제목 개체 틀 1">
             <a:extLst>
               <a:ext uri="{FF2B5EF4-FFF2-40B4-BE49-F238E27FC236}">
-                <a16:creationId xmlns="" xmlns:a16="http://schemas.microsoft.com/office/drawing/2014/main" id="{B9DF84FF-C412-430B-963A-695AABF70E5D}"/>
+                <a16:creationId xmlns:a16="http://schemas.microsoft.com/office/drawing/2014/main" xmlns="" id="{B9DF84FF-C412-430B-963A-695AABF70E5D}"/>
               </a:ext>
             </a:extLst>
           </p:cNvPr>
@@ -2821,7 +2819,7 @@
           <p:cNvPr id="3" name="텍스트 개체 틀 2">
             <a:extLst>
               <a:ext uri="{FF2B5EF4-FFF2-40B4-BE49-F238E27FC236}">
-                <a16:creationId xmlns="" xmlns:a16="http://schemas.microsoft.com/office/drawing/2014/main" id="{45EE7982-A999-4B0A-85F1-A0D5C55038DC}"/>
+                <a16:creationId xmlns:a16="http://schemas.microsoft.com/office/drawing/2014/main" xmlns="" id="{45EE7982-A999-4B0A-85F1-A0D5C55038DC}"/>
               </a:ext>
             </a:extLst>
           </p:cNvPr>
@@ -2888,7 +2886,7 @@
           <p:cNvPr id="4" name="날짜 개체 틀 3">
             <a:extLst>
               <a:ext uri="{FF2B5EF4-FFF2-40B4-BE49-F238E27FC236}">
-                <a16:creationId xmlns="" xmlns:a16="http://schemas.microsoft.com/office/drawing/2014/main" id="{3F48EB6A-F091-464F-A783-1AE546A56948}"/>
+                <a16:creationId xmlns:a16="http://schemas.microsoft.com/office/drawing/2014/main" xmlns="" id="{3F48EB6A-F091-464F-A783-1AE546A56948}"/>
               </a:ext>
             </a:extLst>
           </p:cNvPr>
@@ -2924,7 +2922,7 @@
           <a:p>
             <a:fld id="{246E467A-4026-4A8D-97BF-715EF7FA6491}" type="datetimeFigureOut">
               <a:rPr lang="ko-KR" altLang="en-US" smtClean="0"/>
-              <a:t>2023-07-13</a:t>
+              <a:t>2023-08-03</a:t>
             </a:fld>
             <a:endParaRPr lang="ko-KR" altLang="en-US"/>
           </a:p>
@@ -2935,7 +2933,7 @@
           <p:cNvPr id="5" name="바닥글 개체 틀 4">
             <a:extLst>
               <a:ext uri="{FF2B5EF4-FFF2-40B4-BE49-F238E27FC236}">
-                <a16:creationId xmlns="" xmlns:a16="http://schemas.microsoft.com/office/drawing/2014/main" id="{9531D2C7-63D5-4319-952D-A6F8404F460B}"/>
+                <a16:creationId xmlns:a16="http://schemas.microsoft.com/office/drawing/2014/main" xmlns="" id="{9531D2C7-63D5-4319-952D-A6F8404F460B}"/>
               </a:ext>
             </a:extLst>
           </p:cNvPr>
@@ -2978,7 +2976,7 @@
           <p:cNvPr id="6" name="슬라이드 번호 개체 틀 5">
             <a:extLst>
               <a:ext uri="{FF2B5EF4-FFF2-40B4-BE49-F238E27FC236}">
-                <a16:creationId xmlns="" xmlns:a16="http://schemas.microsoft.com/office/drawing/2014/main" id="{7739517A-02D4-4037-9427-974339FE7C30}"/>
+                <a16:creationId xmlns:a16="http://schemas.microsoft.com/office/drawing/2014/main" xmlns="" id="{7739517A-02D4-4037-9427-974339FE7C30}"/>
               </a:ext>
             </a:extLst>
           </p:cNvPr>
@@ -3354,7 +3352,7 @@
           <p:cNvPr id="2" name="TextBox 1">
             <a:extLst>
               <a:ext uri="{FF2B5EF4-FFF2-40B4-BE49-F238E27FC236}">
-                <a16:creationId xmlns="" xmlns:a16="http://schemas.microsoft.com/office/drawing/2014/main" id="{C70C938C-F8B1-4FFF-8F74-6ED0A876B136}"/>
+                <a16:creationId xmlns:a16="http://schemas.microsoft.com/office/drawing/2014/main" xmlns="" id="{C70C938C-F8B1-4FFF-8F74-6ED0A876B136}"/>
               </a:ext>
             </a:extLst>
           </p:cNvPr>
@@ -3395,7 +3393,7 @@
           <p:cNvPr id="3" name="TextBox 2">
             <a:extLst>
               <a:ext uri="{FF2B5EF4-FFF2-40B4-BE49-F238E27FC236}">
-                <a16:creationId xmlns="" xmlns:a16="http://schemas.microsoft.com/office/drawing/2014/main" id="{CC61FC92-B1C1-4C46-ABEF-2B6B78AA5915}"/>
+                <a16:creationId xmlns:a16="http://schemas.microsoft.com/office/drawing/2014/main" xmlns="" id="{CC61FC92-B1C1-4C46-ABEF-2B6B78AA5915}"/>
               </a:ext>
             </a:extLst>
           </p:cNvPr>
@@ -3436,7 +3434,7 @@
           <p:cNvPr id="8" name="그림 7" descr="사람, 서있는, 남자, 착용이(가) 표시된 사진&#10;&#10;자동 생성된 설명">
             <a:extLst>
               <a:ext uri="{FF2B5EF4-FFF2-40B4-BE49-F238E27FC236}">
-                <a16:creationId xmlns="" xmlns:a16="http://schemas.microsoft.com/office/drawing/2014/main" id="{398D98B8-2DFA-8476-B48A-2240354A960C}"/>
+                <a16:creationId xmlns:a16="http://schemas.microsoft.com/office/drawing/2014/main" xmlns="" id="{398D98B8-2DFA-8476-B48A-2240354A960C}"/>
               </a:ext>
             </a:extLst>
           </p:cNvPr>
@@ -3472,7 +3470,7 @@
           <p:cNvPr id="10" name="그림 9" descr="사람이(가) 표시된 사진&#10;&#10;자동 생성된 설명">
             <a:extLst>
               <a:ext uri="{FF2B5EF4-FFF2-40B4-BE49-F238E27FC236}">
-                <a16:creationId xmlns="" xmlns:a16="http://schemas.microsoft.com/office/drawing/2014/main" id="{0BE051E3-CAB7-BCFC-0441-E2FD03007A8D}"/>
+                <a16:creationId xmlns:a16="http://schemas.microsoft.com/office/drawing/2014/main" xmlns="" id="{0BE051E3-CAB7-BCFC-0441-E2FD03007A8D}"/>
               </a:ext>
             </a:extLst>
           </p:cNvPr>
@@ -3508,7 +3506,7 @@
           <p:cNvPr id="12" name="그림 11" descr="사람, 남자, 착용, 서있는이(가) 표시된 사진&#10;&#10;자동 생성된 설명">
             <a:extLst>
               <a:ext uri="{FF2B5EF4-FFF2-40B4-BE49-F238E27FC236}">
-                <a16:creationId xmlns="" xmlns:a16="http://schemas.microsoft.com/office/drawing/2014/main" id="{E9B0AD0F-14A6-F8C1-AEF5-1B01B5CEF846}"/>
+                <a16:creationId xmlns:a16="http://schemas.microsoft.com/office/drawing/2014/main" xmlns="" id="{E9B0AD0F-14A6-F8C1-AEF5-1B01B5CEF846}"/>
               </a:ext>
             </a:extLst>
           </p:cNvPr>
@@ -3586,7 +3584,7 @@
           <p:cNvPr id="3" name="직선 연결선 2">
             <a:extLst>
               <a:ext uri="{FF2B5EF4-FFF2-40B4-BE49-F238E27FC236}">
-                <a16:creationId xmlns="" xmlns:a16="http://schemas.microsoft.com/office/drawing/2014/main" id="{30B7886A-E2C2-47A8-A271-1FD08F52EED0}"/>
+                <a16:creationId xmlns:a16="http://schemas.microsoft.com/office/drawing/2014/main" xmlns="" id="{30B7886A-E2C2-47A8-A271-1FD08F52EED0}"/>
               </a:ext>
             </a:extLst>
           </p:cNvPr>
@@ -3629,7 +3627,7 @@
           <p:cNvPr id="18" name="직선 연결선 17">
             <a:extLst>
               <a:ext uri="{FF2B5EF4-FFF2-40B4-BE49-F238E27FC236}">
-                <a16:creationId xmlns="" xmlns:a16="http://schemas.microsoft.com/office/drawing/2014/main" id="{7911BDFD-7E29-44F7-9ED7-E8F36B51436C}"/>
+                <a16:creationId xmlns:a16="http://schemas.microsoft.com/office/drawing/2014/main" xmlns="" id="{7911BDFD-7E29-44F7-9ED7-E8F36B51436C}"/>
               </a:ext>
             </a:extLst>
           </p:cNvPr>
@@ -3660,124 +3658,9 @@
           </a:fontRef>
         </p:style>
       </p:cxnSp>
-      <p:sp>
-        <p:nvSpPr>
-          <p:cNvPr id="4" name="TextBox 3"/>
-          <p:cNvSpPr txBox="1"/>
-          <p:nvPr/>
-        </p:nvSpPr>
-        <p:spPr>
-          <a:xfrm>
-            <a:off x="687753" y="5338103"/>
-            <a:ext cx="10855569" cy="1200329"/>
-          </a:xfrm>
-          <a:prstGeom prst="rect">
-            <a:avLst/>
-          </a:prstGeom>
-          <a:noFill/>
-        </p:spPr>
-        <p:txBody>
-          <a:bodyPr wrap="square" rtlCol="0">
-            <a:spAutoFit/>
-          </a:bodyPr>
-          <a:lstStyle/>
-          <a:p>
-            <a:r>
-              <a:rPr lang="ko-KR" altLang="en-US" dirty="0" smtClean="0"/>
-              <a:t>가상 의류 착용인 </a:t>
-            </a:r>
-            <a:r>
-              <a:rPr lang="en-US" altLang="ko-KR" dirty="0" smtClean="0"/>
-              <a:t>VITON HD</a:t>
-            </a:r>
-            <a:r>
-              <a:rPr lang="ko-KR" altLang="en-US" dirty="0" smtClean="0"/>
-              <a:t>를 사용하기 위해 필요한 </a:t>
-            </a:r>
-            <a:r>
-              <a:rPr lang="en-US" altLang="ko-KR" dirty="0" smtClean="0"/>
-              <a:t>2</a:t>
-            </a:r>
-            <a:r>
-              <a:rPr lang="ko-KR" altLang="en-US" dirty="0" smtClean="0"/>
-              <a:t>가지</a:t>
-            </a:r>
-            <a:endParaRPr lang="en-US" altLang="ko-KR" dirty="0" smtClean="0"/>
-          </a:p>
-          <a:p>
-            <a:pPr marL="285750" indent="-285750">
-              <a:buFontTx/>
-              <a:buChar char="-"/>
-            </a:pPr>
-            <a:r>
-              <a:rPr lang="ko-KR" altLang="en-US" dirty="0" smtClean="0"/>
-              <a:t>관절 포인트 이미지</a:t>
-            </a:r>
-            <a:r>
-              <a:rPr lang="en-US" altLang="ko-KR" dirty="0" smtClean="0"/>
-              <a:t>, </a:t>
-            </a:r>
-            <a:r>
-              <a:rPr lang="en-US" altLang="ko-KR" dirty="0"/>
-              <a:t>JSON</a:t>
-            </a:r>
-            <a:endParaRPr lang="en-US" altLang="ko-KR" dirty="0" smtClean="0"/>
-          </a:p>
-          <a:p>
-            <a:pPr marL="285750" indent="-285750">
-              <a:buFontTx/>
-              <a:buChar char="-"/>
-            </a:pPr>
-            <a:r>
-              <a:rPr lang="ko-KR" altLang="en-US" dirty="0" smtClean="0"/>
-              <a:t>인체 분류</a:t>
-            </a:r>
-            <a:r>
-              <a:rPr lang="en-US" altLang="ko-KR" dirty="0"/>
-              <a:t>(</a:t>
-            </a:r>
-            <a:r>
-              <a:rPr lang="ko-KR" altLang="en-US" dirty="0" err="1" smtClean="0"/>
-              <a:t>세그멘테이션</a:t>
-            </a:r>
-            <a:r>
-              <a:rPr lang="en-US" altLang="ko-KR" dirty="0" smtClean="0"/>
-              <a:t>) </a:t>
-            </a:r>
-            <a:r>
-              <a:rPr lang="ko-KR" altLang="en-US" dirty="0" smtClean="0"/>
-              <a:t>이미지</a:t>
-            </a:r>
-            <a:endParaRPr lang="en-US" altLang="ko-KR" dirty="0" smtClean="0"/>
-          </a:p>
-          <a:p>
-            <a:r>
-              <a:rPr lang="ko-KR" altLang="en-US" dirty="0" smtClean="0"/>
-              <a:t> </a:t>
-            </a:r>
-            <a:r>
-              <a:rPr lang="en-US" altLang="ko-KR" dirty="0" smtClean="0"/>
-              <a:t>Open pose</a:t>
-            </a:r>
-            <a:r>
-              <a:rPr lang="ko-KR" altLang="en-US" dirty="0" smtClean="0"/>
-              <a:t>를 통해서 관절 포인트의 결과를 이미지 및 </a:t>
-            </a:r>
-            <a:r>
-              <a:rPr lang="en-US" altLang="ko-KR" dirty="0" err="1" smtClean="0"/>
-              <a:t>json</a:t>
-            </a:r>
-            <a:r>
-              <a:rPr lang="ko-KR" altLang="en-US" dirty="0" smtClean="0"/>
-              <a:t>으로  도출</a:t>
-            </a:r>
-            <a:endParaRPr lang="en-US" altLang="ko-KR" dirty="0"/>
-          </a:p>
-        </p:txBody>
-      </p:sp>
       <p:pic>
         <p:nvPicPr>
-          <p:cNvPr id="1031" name="Picture 7" descr="C:\Users\user\Desktop\새 폴더\KakaoTalk_20230712_201233883.png"/>
+          <p:cNvPr id="1026" name="Picture 2" descr="C:\Users\user\Desktop\KakaoTalk_20230803_003046021.jpg"/>
           <p:cNvPicPr>
             <a:picLocks noChangeAspect="1" noChangeArrowheads="1"/>
           </p:cNvPicPr>
@@ -3798,8 +3681,8 @@
         </p:blipFill>
         <p:spPr bwMode="auto">
           <a:xfrm>
-            <a:off x="4409899" y="1238652"/>
-            <a:ext cx="2905188" cy="3873584"/>
+            <a:off x="568201" y="1586837"/>
+            <a:ext cx="2206625" cy="2655628"/>
           </a:xfrm>
           <a:prstGeom prst="rect">
             <a:avLst/>
@@ -3816,9 +3699,109 @@
           </a:extLst>
         </p:spPr>
       </p:pic>
+      <p:sp>
+        <p:nvSpPr>
+          <p:cNvPr id="2" name="직사각형 1"/>
+          <p:cNvSpPr/>
+          <p:nvPr/>
+        </p:nvSpPr>
+        <p:spPr>
+          <a:xfrm>
+            <a:off x="677312" y="904875"/>
+            <a:ext cx="1975701" cy="425450"/>
+          </a:xfrm>
+          <a:prstGeom prst="rect">
+            <a:avLst/>
+          </a:prstGeom>
+          <a:solidFill>
+            <a:schemeClr val="accent4"/>
+          </a:solidFill>
+          <a:ln>
+            <a:noFill/>
+          </a:ln>
+        </p:spPr>
+        <p:style>
+          <a:lnRef idx="2">
+            <a:schemeClr val="accent1">
+              <a:shade val="50000"/>
+            </a:schemeClr>
+          </a:lnRef>
+          <a:fillRef idx="1">
+            <a:schemeClr val="accent1"/>
+          </a:fillRef>
+          <a:effectRef idx="0">
+            <a:schemeClr val="accent1"/>
+          </a:effectRef>
+          <a:fontRef idx="minor">
+            <a:schemeClr val="lt1"/>
+          </a:fontRef>
+        </p:style>
+        <p:txBody>
+          <a:bodyPr rtlCol="0" anchor="ctr"/>
+          <a:lstStyle/>
+          <a:p>
+            <a:pPr algn="ctr"/>
+            <a:r>
+              <a:rPr lang="ko-KR" altLang="en-US" dirty="0" smtClean="0"/>
+              <a:t>모델 이미지</a:t>
+            </a:r>
+            <a:endParaRPr lang="ko-KR" altLang="en-US" dirty="0"/>
+          </a:p>
+        </p:txBody>
+      </p:sp>
+      <p:sp>
+        <p:nvSpPr>
+          <p:cNvPr id="5" name="직사각형 4"/>
+          <p:cNvSpPr/>
+          <p:nvPr/>
+        </p:nvSpPr>
+        <p:spPr>
+          <a:xfrm>
+            <a:off x="444500" y="317500"/>
+            <a:ext cx="2101850" cy="374650"/>
+          </a:xfrm>
+          <a:prstGeom prst="rect">
+            <a:avLst/>
+          </a:prstGeom>
+          <a:solidFill>
+            <a:schemeClr val="accent4"/>
+          </a:solidFill>
+          <a:ln>
+            <a:noFill/>
+          </a:ln>
+        </p:spPr>
+        <p:style>
+          <a:lnRef idx="2">
+            <a:schemeClr val="accent1">
+              <a:shade val="50000"/>
+            </a:schemeClr>
+          </a:lnRef>
+          <a:fillRef idx="1">
+            <a:schemeClr val="accent1"/>
+          </a:fillRef>
+          <a:effectRef idx="0">
+            <a:schemeClr val="accent1"/>
+          </a:effectRef>
+          <a:fontRef idx="minor">
+            <a:schemeClr val="lt1"/>
+          </a:fontRef>
+        </p:style>
+        <p:txBody>
+          <a:bodyPr rtlCol="0" anchor="ctr"/>
+          <a:lstStyle/>
+          <a:p>
+            <a:pPr algn="ctr"/>
+            <a:r>
+              <a:rPr lang="ko-KR" altLang="en-US" dirty="0" smtClean="0"/>
+              <a:t>인공지능</a:t>
+            </a:r>
+            <a:endParaRPr lang="ko-KR" altLang="en-US" dirty="0"/>
+          </a:p>
+        </p:txBody>
+      </p:sp>
       <p:pic>
         <p:nvPicPr>
-          <p:cNvPr id="1032" name="Picture 8" descr="C:\Users\user\Desktop\새 폴더\KakaoTalk_20230712_201233883_02.png"/>
+          <p:cNvPr id="1027" name="Picture 3" descr="C:\Users\user\Desktop\KakaoTalk_20230803_003103966.png"/>
           <p:cNvPicPr>
             <a:picLocks noChangeAspect="1" noChangeArrowheads="1"/>
           </p:cNvPicPr>
@@ -3839,8 +3822,8 @@
         </p:blipFill>
         <p:spPr bwMode="auto">
           <a:xfrm>
-            <a:off x="7640520" y="1238652"/>
-            <a:ext cx="2905188" cy="3873584"/>
+            <a:off x="4167125" y="3503741"/>
+            <a:ext cx="1323975" cy="1765300"/>
           </a:xfrm>
           <a:prstGeom prst="rect">
             <a:avLst/>
@@ -3859,7 +3842,7 @@
       </p:pic>
       <p:pic>
         <p:nvPicPr>
-          <p:cNvPr id="1034" name="Picture 10" descr="C:\Users\user\Desktop\새 폴더\KakaoTalk_20230712_201233883_04.png"/>
+          <p:cNvPr id="1028" name="Picture 4" descr="C:\Users\user\Desktop\KakaoTalk_20230803_003111019.png"/>
           <p:cNvPicPr>
             <a:picLocks noChangeAspect="1" noChangeArrowheads="1"/>
           </p:cNvPicPr>
@@ -3880,8 +3863,8 @@
         </p:blipFill>
         <p:spPr bwMode="auto">
           <a:xfrm>
-            <a:off x="1215953" y="1238652"/>
-            <a:ext cx="2905188" cy="3873584"/>
+            <a:off x="4167125" y="765694"/>
+            <a:ext cx="1323975" cy="1765300"/>
           </a:xfrm>
           <a:prstGeom prst="rect">
             <a:avLst/>
@@ -3898,6 +3881,1068 @@
           </a:extLst>
         </p:spPr>
       </p:pic>
+      <p:sp>
+        <p:nvSpPr>
+          <p:cNvPr id="14" name="직사각형 13"/>
+          <p:cNvSpPr/>
+          <p:nvPr/>
+        </p:nvSpPr>
+        <p:spPr>
+          <a:xfrm>
+            <a:off x="3828499" y="290772"/>
+            <a:ext cx="2001226" cy="425450"/>
+          </a:xfrm>
+          <a:prstGeom prst="rect">
+            <a:avLst/>
+          </a:prstGeom>
+          <a:solidFill>
+            <a:schemeClr val="accent4"/>
+          </a:solidFill>
+          <a:ln>
+            <a:noFill/>
+          </a:ln>
+        </p:spPr>
+        <p:style>
+          <a:lnRef idx="2">
+            <a:schemeClr val="accent1">
+              <a:shade val="50000"/>
+            </a:schemeClr>
+          </a:lnRef>
+          <a:fillRef idx="1">
+            <a:schemeClr val="accent1"/>
+          </a:fillRef>
+          <a:effectRef idx="0">
+            <a:schemeClr val="accent1"/>
+          </a:effectRef>
+          <a:fontRef idx="minor">
+            <a:schemeClr val="lt1"/>
+          </a:fontRef>
+        </p:style>
+        <p:txBody>
+          <a:bodyPr rtlCol="0" anchor="ctr"/>
+          <a:lstStyle/>
+          <a:p>
+            <a:pPr algn="ctr"/>
+            <a:r>
+              <a:rPr lang="en-US" altLang="ko-KR" dirty="0" err="1" smtClean="0"/>
+              <a:t>Openpose</a:t>
+            </a:r>
+            <a:endParaRPr lang="ko-KR" altLang="en-US" dirty="0"/>
+          </a:p>
+        </p:txBody>
+      </p:sp>
+      <p:sp>
+        <p:nvSpPr>
+          <p:cNvPr id="15" name="직사각형 14"/>
+          <p:cNvSpPr/>
+          <p:nvPr/>
+        </p:nvSpPr>
+        <p:spPr>
+          <a:xfrm>
+            <a:off x="3828499" y="3043366"/>
+            <a:ext cx="2001226" cy="425450"/>
+          </a:xfrm>
+          <a:prstGeom prst="rect">
+            <a:avLst/>
+          </a:prstGeom>
+          <a:solidFill>
+            <a:schemeClr val="accent4"/>
+          </a:solidFill>
+          <a:ln>
+            <a:noFill/>
+          </a:ln>
+        </p:spPr>
+        <p:style>
+          <a:lnRef idx="2">
+            <a:schemeClr val="accent1">
+              <a:shade val="50000"/>
+            </a:schemeClr>
+          </a:lnRef>
+          <a:fillRef idx="1">
+            <a:schemeClr val="accent1"/>
+          </a:fillRef>
+          <a:effectRef idx="0">
+            <a:schemeClr val="accent1"/>
+          </a:effectRef>
+          <a:fontRef idx="minor">
+            <a:schemeClr val="lt1"/>
+          </a:fontRef>
+        </p:style>
+        <p:txBody>
+          <a:bodyPr rtlCol="0" anchor="ctr"/>
+          <a:lstStyle/>
+          <a:p>
+            <a:pPr algn="ctr"/>
+            <a:r>
+              <a:rPr lang="en-US" altLang="ko-KR" dirty="0" err="1" smtClean="0"/>
+              <a:t>Graphonomy</a:t>
+            </a:r>
+            <a:endParaRPr lang="ko-KR" altLang="en-US" dirty="0"/>
+          </a:p>
+        </p:txBody>
+      </p:sp>
+      <p:cxnSp>
+        <p:nvCxnSpPr>
+          <p:cNvPr id="8" name="직선 화살표 연결선 7"/>
+          <p:cNvCxnSpPr>
+            <a:stCxn id="1026" idx="3"/>
+            <a:endCxn id="1028" idx="1"/>
+          </p:cNvCxnSpPr>
+          <p:nvPr/>
+        </p:nvCxnSpPr>
+        <p:spPr>
+          <a:xfrm flipV="1">
+            <a:off x="2774826" y="1648344"/>
+            <a:ext cx="1392299" cy="1266307"/>
+          </a:xfrm>
+          <a:prstGeom prst="straightConnector1">
+            <a:avLst/>
+          </a:prstGeom>
+          <a:ln w="38100">
+            <a:tailEnd type="arrow"/>
+          </a:ln>
+        </p:spPr>
+        <p:style>
+          <a:lnRef idx="1">
+            <a:schemeClr val="accent1"/>
+          </a:lnRef>
+          <a:fillRef idx="0">
+            <a:schemeClr val="accent1"/>
+          </a:fillRef>
+          <a:effectRef idx="0">
+            <a:schemeClr val="accent1"/>
+          </a:effectRef>
+          <a:fontRef idx="minor">
+            <a:schemeClr val="tx1"/>
+          </a:fontRef>
+        </p:style>
+      </p:cxnSp>
+      <p:cxnSp>
+        <p:nvCxnSpPr>
+          <p:cNvPr id="20" name="직선 화살표 연결선 19"/>
+          <p:cNvCxnSpPr>
+            <a:stCxn id="1026" idx="3"/>
+            <a:endCxn id="1027" idx="1"/>
+          </p:cNvCxnSpPr>
+          <p:nvPr/>
+        </p:nvCxnSpPr>
+        <p:spPr>
+          <a:xfrm>
+            <a:off x="2774826" y="2914651"/>
+            <a:ext cx="1392299" cy="1471740"/>
+          </a:xfrm>
+          <a:prstGeom prst="straightConnector1">
+            <a:avLst/>
+          </a:prstGeom>
+          <a:ln w="38100">
+            <a:tailEnd type="arrow"/>
+          </a:ln>
+        </p:spPr>
+        <p:style>
+          <a:lnRef idx="1">
+            <a:schemeClr val="accent1"/>
+          </a:lnRef>
+          <a:fillRef idx="0">
+            <a:schemeClr val="accent1"/>
+          </a:fillRef>
+          <a:effectRef idx="0">
+            <a:schemeClr val="accent1"/>
+          </a:effectRef>
+          <a:fontRef idx="minor">
+            <a:schemeClr val="tx1"/>
+          </a:fontRef>
+        </p:style>
+      </p:cxnSp>
+      <p:cxnSp>
+        <p:nvCxnSpPr>
+          <p:cNvPr id="29" name="직선 화살표 연결선 28"/>
+          <p:cNvCxnSpPr>
+            <a:stCxn id="1026" idx="3"/>
+          </p:cNvCxnSpPr>
+          <p:nvPr/>
+        </p:nvCxnSpPr>
+        <p:spPr>
+          <a:xfrm>
+            <a:off x="2774826" y="2914651"/>
+            <a:ext cx="4057774" cy="38099"/>
+          </a:xfrm>
+          <a:prstGeom prst="straightConnector1">
+            <a:avLst/>
+          </a:prstGeom>
+          <a:ln w="38100">
+            <a:tailEnd type="arrow"/>
+          </a:ln>
+        </p:spPr>
+        <p:style>
+          <a:lnRef idx="1">
+            <a:schemeClr val="accent1"/>
+          </a:lnRef>
+          <a:fillRef idx="0">
+            <a:schemeClr val="accent1"/>
+          </a:fillRef>
+          <a:effectRef idx="0">
+            <a:schemeClr val="accent1"/>
+          </a:effectRef>
+          <a:fontRef idx="minor">
+            <a:schemeClr val="tx1"/>
+          </a:fontRef>
+        </p:style>
+      </p:cxnSp>
+      <p:pic>
+        <p:nvPicPr>
+          <p:cNvPr id="1029" name="Picture 5" descr="C:\Users\user\Desktop\KakaoTalk_20230803_002949870_01.jpg"/>
+          <p:cNvPicPr>
+            <a:picLocks noChangeAspect="1" noChangeArrowheads="1"/>
+          </p:cNvPicPr>
+          <p:nvPr/>
+        </p:nvPicPr>
+        <p:blipFill>
+          <a:blip r:embed="rId5" cstate="screen">
+            <a:extLst>
+              <a:ext uri="{28A0092B-C50C-407E-A947-70E740481C1C}">
+                <a14:useLocalDpi xmlns:a14="http://schemas.microsoft.com/office/drawing/2010/main" val="0"/>
+              </a:ext>
+            </a:extLst>
+          </a:blip>
+          <a:srcRect/>
+          <a:stretch>
+            <a:fillRect/>
+          </a:stretch>
+        </p:blipFill>
+        <p:spPr bwMode="auto">
+          <a:xfrm>
+            <a:off x="8314148" y="3384014"/>
+            <a:ext cx="1036135" cy="1381513"/>
+          </a:xfrm>
+          <a:prstGeom prst="rect">
+            <a:avLst/>
+          </a:prstGeom>
+          <a:noFill/>
+          <a:extLst>
+            <a:ext uri="{909E8E84-426E-40DD-AFC4-6F175D3DCCD1}">
+              <a14:hiddenFill xmlns:a14="http://schemas.microsoft.com/office/drawing/2010/main">
+                <a:solidFill>
+                  <a:srgbClr val="FFFFFF"/>
+                </a:solidFill>
+              </a14:hiddenFill>
+            </a:ext>
+          </a:extLst>
+        </p:spPr>
+      </p:pic>
+      <p:cxnSp>
+        <p:nvCxnSpPr>
+          <p:cNvPr id="35" name="직선 화살표 연결선 34"/>
+          <p:cNvCxnSpPr>
+            <a:stCxn id="1028" idx="3"/>
+          </p:cNvCxnSpPr>
+          <p:nvPr/>
+        </p:nvCxnSpPr>
+        <p:spPr>
+          <a:xfrm>
+            <a:off x="5491100" y="1648344"/>
+            <a:ext cx="1392300" cy="1333110"/>
+          </a:xfrm>
+          <a:prstGeom prst="straightConnector1">
+            <a:avLst/>
+          </a:prstGeom>
+          <a:ln w="38100">
+            <a:tailEnd type="arrow"/>
+          </a:ln>
+        </p:spPr>
+        <p:style>
+          <a:lnRef idx="1">
+            <a:schemeClr val="accent1"/>
+          </a:lnRef>
+          <a:fillRef idx="0">
+            <a:schemeClr val="accent1"/>
+          </a:fillRef>
+          <a:effectRef idx="0">
+            <a:schemeClr val="accent1"/>
+          </a:effectRef>
+          <a:fontRef idx="minor">
+            <a:schemeClr val="tx1"/>
+          </a:fontRef>
+        </p:style>
+      </p:cxnSp>
+      <p:cxnSp>
+        <p:nvCxnSpPr>
+          <p:cNvPr id="38" name="직선 화살표 연결선 37"/>
+          <p:cNvCxnSpPr>
+            <a:stCxn id="1027" idx="3"/>
+          </p:cNvCxnSpPr>
+          <p:nvPr/>
+        </p:nvCxnSpPr>
+        <p:spPr>
+          <a:xfrm flipV="1">
+            <a:off x="5491100" y="2914651"/>
+            <a:ext cx="1392300" cy="1471740"/>
+          </a:xfrm>
+          <a:prstGeom prst="straightConnector1">
+            <a:avLst/>
+          </a:prstGeom>
+          <a:ln w="38100">
+            <a:tailEnd type="arrow"/>
+          </a:ln>
+        </p:spPr>
+        <p:style>
+          <a:lnRef idx="1">
+            <a:schemeClr val="accent1"/>
+          </a:lnRef>
+          <a:fillRef idx="0">
+            <a:schemeClr val="accent1"/>
+          </a:fillRef>
+          <a:effectRef idx="0">
+            <a:schemeClr val="accent1"/>
+          </a:effectRef>
+          <a:fontRef idx="minor">
+            <a:schemeClr val="tx1"/>
+          </a:fontRef>
+        </p:style>
+      </p:cxnSp>
+      <p:pic>
+        <p:nvPicPr>
+          <p:cNvPr id="1030" name="Picture 6" descr="C:\Users\user\Desktop\KakaoTalk_20230803_002841465.jpg"/>
+          <p:cNvPicPr>
+            <a:picLocks noChangeAspect="1" noChangeArrowheads="1"/>
+          </p:cNvPicPr>
+          <p:nvPr/>
+        </p:nvPicPr>
+        <p:blipFill>
+          <a:blip r:embed="rId6" cstate="screen">
+            <a:extLst>
+              <a:ext uri="{28A0092B-C50C-407E-A947-70E740481C1C}">
+                <a14:useLocalDpi xmlns:a14="http://schemas.microsoft.com/office/drawing/2010/main" val="0"/>
+              </a:ext>
+            </a:extLst>
+          </a:blip>
+          <a:srcRect/>
+          <a:stretch>
+            <a:fillRect/>
+          </a:stretch>
+        </p:blipFill>
+        <p:spPr bwMode="auto">
+          <a:xfrm>
+            <a:off x="6966861" y="1392839"/>
+            <a:ext cx="1250349" cy="1667132"/>
+          </a:xfrm>
+          <a:prstGeom prst="rect">
+            <a:avLst/>
+          </a:prstGeom>
+          <a:noFill/>
+          <a:extLst>
+            <a:ext uri="{909E8E84-426E-40DD-AFC4-6F175D3DCCD1}">
+              <a14:hiddenFill xmlns:a14="http://schemas.microsoft.com/office/drawing/2010/main">
+                <a:solidFill>
+                  <a:srgbClr val="FFFFFF"/>
+                </a:solidFill>
+              </a14:hiddenFill>
+            </a:ext>
+          </a:extLst>
+        </p:spPr>
+      </p:pic>
+      <p:pic>
+        <p:nvPicPr>
+          <p:cNvPr id="32" name="Picture 7" descr="C:\Users\user\Desktop\KakaoTalk_20230803_002841465_01.jpg"/>
+          <p:cNvPicPr>
+            <a:picLocks noChangeAspect="1" noChangeArrowheads="1"/>
+          </p:cNvPicPr>
+          <p:nvPr/>
+        </p:nvPicPr>
+        <p:blipFill>
+          <a:blip r:embed="rId7" cstate="screen">
+            <a:extLst>
+              <a:ext uri="{28A0092B-C50C-407E-A947-70E740481C1C}">
+                <a14:useLocalDpi xmlns:a14="http://schemas.microsoft.com/office/drawing/2010/main" val="0"/>
+              </a:ext>
+            </a:extLst>
+          </a:blip>
+          <a:srcRect/>
+          <a:stretch>
+            <a:fillRect/>
+          </a:stretch>
+        </p:blipFill>
+        <p:spPr bwMode="auto">
+          <a:xfrm>
+            <a:off x="8217211" y="1406397"/>
+            <a:ext cx="1230012" cy="1640016"/>
+          </a:xfrm>
+          <a:prstGeom prst="rect">
+            <a:avLst/>
+          </a:prstGeom>
+          <a:noFill/>
+          <a:extLst>
+            <a:ext uri="{909E8E84-426E-40DD-AFC4-6F175D3DCCD1}">
+              <a14:hiddenFill xmlns:a14="http://schemas.microsoft.com/office/drawing/2010/main">
+                <a:solidFill>
+                  <a:srgbClr val="FFFFFF"/>
+                </a:solidFill>
+              </a14:hiddenFill>
+            </a:ext>
+          </a:extLst>
+        </p:spPr>
+      </p:pic>
+      <p:pic>
+        <p:nvPicPr>
+          <p:cNvPr id="33" name="Picture 8" descr="C:\Users\user\Desktop\KakaoTalk_20230729_234537101.jpg"/>
+          <p:cNvPicPr>
+            <a:picLocks noChangeAspect="1" noChangeArrowheads="1"/>
+          </p:cNvPicPr>
+          <p:nvPr/>
+        </p:nvPicPr>
+        <p:blipFill>
+          <a:blip r:embed="rId8" cstate="screen">
+            <a:extLst>
+              <a:ext uri="{28A0092B-C50C-407E-A947-70E740481C1C}">
+                <a14:useLocalDpi xmlns:a14="http://schemas.microsoft.com/office/drawing/2010/main" val="0"/>
+              </a:ext>
+            </a:extLst>
+          </a:blip>
+          <a:srcRect/>
+          <a:stretch>
+            <a:fillRect/>
+          </a:stretch>
+        </p:blipFill>
+        <p:spPr bwMode="auto">
+          <a:xfrm>
+            <a:off x="9447223" y="1406397"/>
+            <a:ext cx="1225550" cy="1634066"/>
+          </a:xfrm>
+          <a:prstGeom prst="rect">
+            <a:avLst/>
+          </a:prstGeom>
+          <a:noFill/>
+          <a:extLst>
+            <a:ext uri="{909E8E84-426E-40DD-AFC4-6F175D3DCCD1}">
+              <a14:hiddenFill xmlns:a14="http://schemas.microsoft.com/office/drawing/2010/main">
+                <a:solidFill>
+                  <a:srgbClr val="FFFFFF"/>
+                </a:solidFill>
+              </a14:hiddenFill>
+            </a:ext>
+          </a:extLst>
+        </p:spPr>
+      </p:pic>
+      <p:sp>
+        <p:nvSpPr>
+          <p:cNvPr id="44" name="직사각형 43"/>
+          <p:cNvSpPr/>
+          <p:nvPr/>
+        </p:nvSpPr>
+        <p:spPr>
+          <a:xfrm>
+            <a:off x="7445997" y="692150"/>
+            <a:ext cx="2001226" cy="425450"/>
+          </a:xfrm>
+          <a:prstGeom prst="rect">
+            <a:avLst/>
+          </a:prstGeom>
+          <a:solidFill>
+            <a:schemeClr val="accent4"/>
+          </a:solidFill>
+          <a:ln>
+            <a:noFill/>
+          </a:ln>
+        </p:spPr>
+        <p:style>
+          <a:lnRef idx="2">
+            <a:schemeClr val="accent1">
+              <a:shade val="50000"/>
+            </a:schemeClr>
+          </a:lnRef>
+          <a:fillRef idx="1">
+            <a:schemeClr val="accent1"/>
+          </a:fillRef>
+          <a:effectRef idx="0">
+            <a:schemeClr val="accent1"/>
+          </a:effectRef>
+          <a:fontRef idx="minor">
+            <a:schemeClr val="lt1"/>
+          </a:fontRef>
+        </p:style>
+        <p:txBody>
+          <a:bodyPr rtlCol="0" anchor="ctr"/>
+          <a:lstStyle/>
+          <a:p>
+            <a:pPr algn="ctr"/>
+            <a:r>
+              <a:rPr lang="en-US" altLang="ko-KR" dirty="0" smtClean="0"/>
+              <a:t>VITON - HD</a:t>
+            </a:r>
+            <a:endParaRPr lang="ko-KR" altLang="en-US" dirty="0"/>
+          </a:p>
+        </p:txBody>
+      </p:sp>
+      <p:pic>
+        <p:nvPicPr>
+          <p:cNvPr id="1033" name="Picture 9" descr="C:\Users\user\Desktop\KakaoTalk_20230729_234537101_01.jpg"/>
+          <p:cNvPicPr>
+            <a:picLocks noChangeAspect="1" noChangeArrowheads="1"/>
+          </p:cNvPicPr>
+          <p:nvPr/>
+        </p:nvPicPr>
+        <p:blipFill>
+          <a:blip r:embed="rId9" cstate="screen">
+            <a:extLst>
+              <a:ext uri="{28A0092B-C50C-407E-A947-70E740481C1C}">
+                <a14:useLocalDpi xmlns:a14="http://schemas.microsoft.com/office/drawing/2010/main" val="0"/>
+              </a:ext>
+            </a:extLst>
+          </a:blip>
+          <a:srcRect/>
+          <a:stretch>
+            <a:fillRect/>
+          </a:stretch>
+        </p:blipFill>
+        <p:spPr bwMode="auto">
+          <a:xfrm>
+            <a:off x="10672773" y="1421601"/>
+            <a:ext cx="1214427" cy="1619236"/>
+          </a:xfrm>
+          <a:prstGeom prst="rect">
+            <a:avLst/>
+          </a:prstGeom>
+          <a:noFill/>
+          <a:extLst>
+            <a:ext uri="{909E8E84-426E-40DD-AFC4-6F175D3DCCD1}">
+              <a14:hiddenFill xmlns:a14="http://schemas.microsoft.com/office/drawing/2010/main">
+                <a:solidFill>
+                  <a:srgbClr val="FFFFFF"/>
+                </a:solidFill>
+              </a14:hiddenFill>
+            </a:ext>
+          </a:extLst>
+        </p:spPr>
+      </p:pic>
+      <p:cxnSp>
+        <p:nvCxnSpPr>
+          <p:cNvPr id="46" name="직선 화살표 연결선 45"/>
+          <p:cNvCxnSpPr>
+            <a:stCxn id="1029" idx="0"/>
+            <a:endCxn id="32" idx="2"/>
+          </p:cNvCxnSpPr>
+          <p:nvPr/>
+        </p:nvCxnSpPr>
+        <p:spPr>
+          <a:xfrm flipV="1">
+            <a:off x="8832216" y="3046413"/>
+            <a:ext cx="1" cy="337601"/>
+          </a:xfrm>
+          <a:prstGeom prst="straightConnector1">
+            <a:avLst/>
+          </a:prstGeom>
+          <a:ln w="38100">
+            <a:tailEnd type="arrow"/>
+          </a:ln>
+        </p:spPr>
+        <p:style>
+          <a:lnRef idx="1">
+            <a:schemeClr val="accent1"/>
+          </a:lnRef>
+          <a:fillRef idx="0">
+            <a:schemeClr val="accent1"/>
+          </a:fillRef>
+          <a:effectRef idx="0">
+            <a:schemeClr val="accent1"/>
+          </a:effectRef>
+          <a:fontRef idx="minor">
+            <a:schemeClr val="tx1"/>
+          </a:fontRef>
+        </p:style>
+      </p:cxnSp>
+      <p:pic>
+        <p:nvPicPr>
+          <p:cNvPr id="40" name="Picture 10" descr="C:\Users\user\Desktop\KakaoTalk_20230803_002949870_02 (1).jpg"/>
+          <p:cNvPicPr>
+            <a:picLocks noChangeAspect="1" noChangeArrowheads="1"/>
+          </p:cNvPicPr>
+          <p:nvPr/>
+        </p:nvPicPr>
+        <p:blipFill>
+          <a:blip r:embed="rId10" cstate="screen">
+            <a:extLst>
+              <a:ext uri="{28A0092B-C50C-407E-A947-70E740481C1C}">
+                <a14:useLocalDpi xmlns:a14="http://schemas.microsoft.com/office/drawing/2010/main" val="0"/>
+              </a:ext>
+            </a:extLst>
+          </a:blip>
+          <a:srcRect/>
+          <a:stretch>
+            <a:fillRect/>
+          </a:stretch>
+        </p:blipFill>
+        <p:spPr bwMode="auto">
+          <a:xfrm>
+            <a:off x="10761918" y="3388434"/>
+            <a:ext cx="1036135" cy="1381513"/>
+          </a:xfrm>
+          <a:prstGeom prst="rect">
+            <a:avLst/>
+          </a:prstGeom>
+          <a:noFill/>
+          <a:extLst>
+            <a:ext uri="{909E8E84-426E-40DD-AFC4-6F175D3DCCD1}">
+              <a14:hiddenFill xmlns:a14="http://schemas.microsoft.com/office/drawing/2010/main">
+                <a:solidFill>
+                  <a:srgbClr val="FFFFFF"/>
+                </a:solidFill>
+              </a14:hiddenFill>
+            </a:ext>
+          </a:extLst>
+        </p:spPr>
+      </p:pic>
+      <p:cxnSp>
+        <p:nvCxnSpPr>
+          <p:cNvPr id="52" name="직선 화살표 연결선 51"/>
+          <p:cNvCxnSpPr>
+            <a:stCxn id="40" idx="0"/>
+            <a:endCxn id="1033" idx="2"/>
+          </p:cNvCxnSpPr>
+          <p:nvPr/>
+        </p:nvCxnSpPr>
+        <p:spPr>
+          <a:xfrm flipV="1">
+            <a:off x="11279986" y="3040837"/>
+            <a:ext cx="1" cy="347597"/>
+          </a:xfrm>
+          <a:prstGeom prst="straightConnector1">
+            <a:avLst/>
+          </a:prstGeom>
+          <a:ln w="38100">
+            <a:tailEnd type="arrow"/>
+          </a:ln>
+        </p:spPr>
+        <p:style>
+          <a:lnRef idx="1">
+            <a:schemeClr val="accent1"/>
+          </a:lnRef>
+          <a:fillRef idx="0">
+            <a:schemeClr val="accent1"/>
+          </a:fillRef>
+          <a:effectRef idx="0">
+            <a:schemeClr val="accent1"/>
+          </a:effectRef>
+          <a:fontRef idx="minor">
+            <a:schemeClr val="tx1"/>
+          </a:fontRef>
+        </p:style>
+      </p:cxnSp>
+      <p:pic>
+        <p:nvPicPr>
+          <p:cNvPr id="1035" name="Picture 11" descr="C:\Users\user\Desktop\1232.jpg"/>
+          <p:cNvPicPr>
+            <a:picLocks noChangeAspect="1" noChangeArrowheads="1"/>
+          </p:cNvPicPr>
+          <p:nvPr/>
+        </p:nvPicPr>
+        <p:blipFill>
+          <a:blip r:embed="rId11" cstate="screen">
+            <a:extLst>
+              <a:ext uri="{28A0092B-C50C-407E-A947-70E740481C1C}">
+                <a14:useLocalDpi xmlns:a14="http://schemas.microsoft.com/office/drawing/2010/main" val="0"/>
+              </a:ext>
+            </a:extLst>
+          </a:blip>
+          <a:srcRect/>
+          <a:stretch>
+            <a:fillRect/>
+          </a:stretch>
+        </p:blipFill>
+        <p:spPr bwMode="auto">
+          <a:xfrm>
+            <a:off x="9543079" y="3388434"/>
+            <a:ext cx="1033837" cy="1378449"/>
+          </a:xfrm>
+          <a:prstGeom prst="rect">
+            <a:avLst/>
+          </a:prstGeom>
+          <a:noFill/>
+          <a:extLst>
+            <a:ext uri="{909E8E84-426E-40DD-AFC4-6F175D3DCCD1}">
+              <a14:hiddenFill xmlns:a14="http://schemas.microsoft.com/office/drawing/2010/main">
+                <a:solidFill>
+                  <a:srgbClr val="FFFFFF"/>
+                </a:solidFill>
+              </a14:hiddenFill>
+            </a:ext>
+          </a:extLst>
+        </p:spPr>
+      </p:pic>
+      <p:cxnSp>
+        <p:nvCxnSpPr>
+          <p:cNvPr id="58" name="직선 화살표 연결선 57"/>
+          <p:cNvCxnSpPr/>
+          <p:nvPr/>
+        </p:nvCxnSpPr>
+        <p:spPr>
+          <a:xfrm flipV="1">
+            <a:off x="10059208" y="3036417"/>
+            <a:ext cx="1" cy="347597"/>
+          </a:xfrm>
+          <a:prstGeom prst="straightConnector1">
+            <a:avLst/>
+          </a:prstGeom>
+          <a:ln w="38100">
+            <a:tailEnd type="arrow"/>
+          </a:ln>
+        </p:spPr>
+        <p:style>
+          <a:lnRef idx="1">
+            <a:schemeClr val="accent1"/>
+          </a:lnRef>
+          <a:fillRef idx="0">
+            <a:schemeClr val="accent1"/>
+          </a:fillRef>
+          <a:effectRef idx="0">
+            <a:schemeClr val="accent1"/>
+          </a:effectRef>
+          <a:fontRef idx="minor">
+            <a:schemeClr val="tx1"/>
+          </a:fontRef>
+        </p:style>
+      </p:cxnSp>
+      <p:pic>
+        <p:nvPicPr>
+          <p:cNvPr id="1036" name="Picture 12" descr="C:\Users\user\Desktop\KakaoTalk_20230803_004353866.jpg"/>
+          <p:cNvPicPr>
+            <a:picLocks noChangeAspect="1" noChangeArrowheads="1"/>
+          </p:cNvPicPr>
+          <p:nvPr/>
+        </p:nvPicPr>
+        <p:blipFill>
+          <a:blip r:embed="rId12" cstate="screen">
+            <a:extLst>
+              <a:ext uri="{28A0092B-C50C-407E-A947-70E740481C1C}">
+                <a14:useLocalDpi xmlns:a14="http://schemas.microsoft.com/office/drawing/2010/main" val="0"/>
+              </a:ext>
+            </a:extLst>
+          </a:blip>
+          <a:srcRect/>
+          <a:stretch>
+            <a:fillRect/>
+          </a:stretch>
+        </p:blipFill>
+        <p:spPr bwMode="auto">
+          <a:xfrm>
+            <a:off x="7057957" y="3367086"/>
+            <a:ext cx="1068156" cy="1424208"/>
+          </a:xfrm>
+          <a:prstGeom prst="rect">
+            <a:avLst/>
+          </a:prstGeom>
+          <a:noFill/>
+          <a:extLst>
+            <a:ext uri="{909E8E84-426E-40DD-AFC4-6F175D3DCCD1}">
+              <a14:hiddenFill xmlns:a14="http://schemas.microsoft.com/office/drawing/2010/main">
+                <a:solidFill>
+                  <a:srgbClr val="FFFFFF"/>
+                </a:solidFill>
+              </a14:hiddenFill>
+            </a:ext>
+          </a:extLst>
+        </p:spPr>
+      </p:pic>
+      <p:cxnSp>
+        <p:nvCxnSpPr>
+          <p:cNvPr id="60" name="직선 화살표 연결선 59"/>
+          <p:cNvCxnSpPr>
+            <a:stCxn id="1036" idx="0"/>
+            <a:endCxn id="1030" idx="2"/>
+          </p:cNvCxnSpPr>
+          <p:nvPr/>
+        </p:nvCxnSpPr>
+        <p:spPr>
+          <a:xfrm flipV="1">
+            <a:off x="7592035" y="3059971"/>
+            <a:ext cx="1" cy="307115"/>
+          </a:xfrm>
+          <a:prstGeom prst="straightConnector1">
+            <a:avLst/>
+          </a:prstGeom>
+          <a:ln w="38100">
+            <a:tailEnd type="arrow"/>
+          </a:ln>
+        </p:spPr>
+        <p:style>
+          <a:lnRef idx="1">
+            <a:schemeClr val="accent1"/>
+          </a:lnRef>
+          <a:fillRef idx="0">
+            <a:schemeClr val="accent1"/>
+          </a:fillRef>
+          <a:effectRef idx="0">
+            <a:schemeClr val="accent1"/>
+          </a:effectRef>
+          <a:fontRef idx="minor">
+            <a:schemeClr val="tx1"/>
+          </a:fontRef>
+        </p:style>
+      </p:cxnSp>
+      <p:sp>
+        <p:nvSpPr>
+          <p:cNvPr id="68" name="TextBox 67"/>
+          <p:cNvSpPr txBox="1"/>
+          <p:nvPr/>
+        </p:nvSpPr>
+        <p:spPr>
+          <a:xfrm>
+            <a:off x="759465" y="5676342"/>
+            <a:ext cx="10855569" cy="646331"/>
+          </a:xfrm>
+          <a:prstGeom prst="rect">
+            <a:avLst/>
+          </a:prstGeom>
+          <a:noFill/>
+        </p:spPr>
+        <p:txBody>
+          <a:bodyPr wrap="square" rtlCol="0">
+            <a:spAutoFit/>
+          </a:bodyPr>
+          <a:lstStyle/>
+          <a:p>
+            <a:r>
+              <a:rPr lang="ko-KR" altLang="en-US" dirty="0"/>
+              <a:t> </a:t>
+            </a:r>
+            <a:r>
+              <a:rPr lang="ko-KR" altLang="en-US" dirty="0" smtClean="0"/>
+              <a:t>원본 </a:t>
+            </a:r>
+            <a:r>
+              <a:rPr lang="ko-KR" altLang="en-US" dirty="0"/>
+              <a:t>모델 </a:t>
+            </a:r>
+            <a:r>
+              <a:rPr lang="ko-KR" altLang="en-US" dirty="0" smtClean="0"/>
+              <a:t>이미지에서 </a:t>
+            </a:r>
+            <a:r>
+              <a:rPr lang="en-US" altLang="ko-KR" dirty="0" err="1" smtClean="0"/>
+              <a:t>Openpose</a:t>
+            </a:r>
+            <a:r>
+              <a:rPr lang="ko-KR" altLang="en-US" dirty="0" smtClean="0"/>
+              <a:t>와 </a:t>
+            </a:r>
+            <a:r>
+              <a:rPr lang="en-US" altLang="ko-KR" dirty="0" err="1" smtClean="0"/>
+              <a:t>Graphonomy</a:t>
+            </a:r>
+            <a:r>
+              <a:rPr lang="ko-KR" altLang="en-US" dirty="0" smtClean="0"/>
+              <a:t>를 통해서 모델 신체 정보를 모은 후</a:t>
+            </a:r>
+            <a:r>
+              <a:rPr lang="en-US" altLang="ko-KR" dirty="0" smtClean="0"/>
+              <a:t>,</a:t>
+            </a:r>
+          </a:p>
+          <a:p>
+            <a:r>
+              <a:rPr lang="ko-KR" altLang="en-US" dirty="0" smtClean="0"/>
+              <a:t> 의류 이미지를 통해 </a:t>
+            </a:r>
+            <a:r>
+              <a:rPr lang="en-US" altLang="ko-KR" dirty="0" smtClean="0"/>
+              <a:t>VITON HD</a:t>
+            </a:r>
+            <a:r>
+              <a:rPr lang="ko-KR" altLang="en-US" dirty="0" smtClean="0"/>
+              <a:t>의 </a:t>
+            </a:r>
+            <a:r>
+              <a:rPr lang="en-US" altLang="ko-KR" dirty="0" smtClean="0"/>
+              <a:t>Output</a:t>
+            </a:r>
+            <a:r>
+              <a:rPr lang="ko-KR" altLang="en-US" dirty="0" smtClean="0"/>
+              <a:t> 이미지를 </a:t>
+            </a:r>
+            <a:r>
+              <a:rPr lang="en-US" altLang="ko-KR" dirty="0"/>
+              <a:t>generate </a:t>
+            </a:r>
+            <a:r>
+              <a:rPr lang="ko-KR" altLang="en-US" dirty="0" smtClean="0"/>
+              <a:t>하</a:t>
+            </a:r>
+            <a:r>
+              <a:rPr lang="ko-KR" altLang="en-US" dirty="0"/>
+              <a:t>는</a:t>
+            </a:r>
+            <a:r>
+              <a:rPr lang="ko-KR" altLang="en-US" dirty="0" smtClean="0"/>
+              <a:t> </a:t>
+            </a:r>
+            <a:r>
+              <a:rPr lang="ko-KR" altLang="en-US" dirty="0" smtClean="0"/>
+              <a:t>과정</a:t>
+            </a:r>
+            <a:r>
+              <a:rPr lang="ko-KR" altLang="en-US" dirty="0" smtClean="0"/>
+              <a:t>을 거침</a:t>
+            </a:r>
+            <a:endParaRPr lang="en-US" altLang="ko-KR" dirty="0" smtClean="0"/>
+          </a:p>
+        </p:txBody>
+      </p:sp>
+      <p:sp>
+        <p:nvSpPr>
+          <p:cNvPr id="69" name="직사각형 68"/>
+          <p:cNvSpPr/>
+          <p:nvPr/>
+        </p:nvSpPr>
+        <p:spPr>
+          <a:xfrm>
+            <a:off x="8446610" y="4911725"/>
+            <a:ext cx="1975701" cy="425450"/>
+          </a:xfrm>
+          <a:prstGeom prst="rect">
+            <a:avLst/>
+          </a:prstGeom>
+          <a:solidFill>
+            <a:schemeClr val="accent4"/>
+          </a:solidFill>
+          <a:ln>
+            <a:noFill/>
+          </a:ln>
+        </p:spPr>
+        <p:style>
+          <a:lnRef idx="2">
+            <a:schemeClr val="accent1">
+              <a:shade val="50000"/>
+            </a:schemeClr>
+          </a:lnRef>
+          <a:fillRef idx="1">
+            <a:schemeClr val="accent1"/>
+          </a:fillRef>
+          <a:effectRef idx="0">
+            <a:schemeClr val="accent1"/>
+          </a:effectRef>
+          <a:fontRef idx="minor">
+            <a:schemeClr val="lt1"/>
+          </a:fontRef>
+        </p:style>
+        <p:txBody>
+          <a:bodyPr rtlCol="0" anchor="ctr"/>
+          <a:lstStyle/>
+          <a:p>
+            <a:pPr algn="ctr"/>
+            <a:r>
+              <a:rPr lang="ko-KR" altLang="en-US" dirty="0" smtClean="0"/>
+              <a:t>의류 이미지</a:t>
+            </a:r>
+            <a:endParaRPr lang="ko-KR" altLang="en-US" dirty="0"/>
+          </a:p>
+        </p:txBody>
+      </p:sp>
+      <p:sp>
+        <p:nvSpPr>
+          <p:cNvPr id="71" name="직사각형 70"/>
+          <p:cNvSpPr/>
+          <p:nvPr/>
+        </p:nvSpPr>
+        <p:spPr>
+          <a:xfrm>
+            <a:off x="4052719" y="2550283"/>
+            <a:ext cx="1552787" cy="302177"/>
+          </a:xfrm>
+          <a:prstGeom prst="rect">
+            <a:avLst/>
+          </a:prstGeom>
+          <a:solidFill>
+            <a:schemeClr val="accent4"/>
+          </a:solidFill>
+          <a:ln>
+            <a:noFill/>
+          </a:ln>
+        </p:spPr>
+        <p:style>
+          <a:lnRef idx="2">
+            <a:schemeClr val="accent1">
+              <a:shade val="50000"/>
+            </a:schemeClr>
+          </a:lnRef>
+          <a:fillRef idx="1">
+            <a:schemeClr val="accent1"/>
+          </a:fillRef>
+          <a:effectRef idx="0">
+            <a:schemeClr val="accent1"/>
+          </a:effectRef>
+          <a:fontRef idx="minor">
+            <a:schemeClr val="lt1"/>
+          </a:fontRef>
+        </p:style>
+        <p:txBody>
+          <a:bodyPr rtlCol="0" anchor="ctr"/>
+          <a:lstStyle/>
+          <a:p>
+            <a:pPr algn="ctr"/>
+            <a:r>
+              <a:rPr lang="en-US" altLang="ko-KR" dirty="0" smtClean="0"/>
+              <a:t>Image, </a:t>
+            </a:r>
+            <a:r>
+              <a:rPr lang="en-US" altLang="ko-KR" dirty="0" err="1" smtClean="0"/>
+              <a:t>json</a:t>
+            </a:r>
+            <a:endParaRPr lang="ko-KR" altLang="en-US" dirty="0"/>
+          </a:p>
+        </p:txBody>
+      </p:sp>
+      <p:sp>
+        <p:nvSpPr>
+          <p:cNvPr id="72" name="직사각형 71"/>
+          <p:cNvSpPr/>
+          <p:nvPr/>
+        </p:nvSpPr>
+        <p:spPr>
+          <a:xfrm>
+            <a:off x="4108326" y="5337175"/>
+            <a:ext cx="1410000" cy="302177"/>
+          </a:xfrm>
+          <a:prstGeom prst="rect">
+            <a:avLst/>
+          </a:prstGeom>
+          <a:solidFill>
+            <a:schemeClr val="accent4"/>
+          </a:solidFill>
+          <a:ln>
+            <a:noFill/>
+          </a:ln>
+        </p:spPr>
+        <p:style>
+          <a:lnRef idx="2">
+            <a:schemeClr val="accent1">
+              <a:shade val="50000"/>
+            </a:schemeClr>
+          </a:lnRef>
+          <a:fillRef idx="1">
+            <a:schemeClr val="accent1"/>
+          </a:fillRef>
+          <a:effectRef idx="0">
+            <a:schemeClr val="accent1"/>
+          </a:effectRef>
+          <a:fontRef idx="minor">
+            <a:schemeClr val="lt1"/>
+          </a:fontRef>
+        </p:style>
+        <p:txBody>
+          <a:bodyPr rtlCol="0" anchor="ctr"/>
+          <a:lstStyle/>
+          <a:p>
+            <a:pPr algn="ctr"/>
+            <a:r>
+              <a:rPr lang="en-US" altLang="ko-KR" dirty="0" smtClean="0"/>
+              <a:t>Gray </a:t>
+            </a:r>
+            <a:r>
+              <a:rPr lang="en-US" altLang="ko-KR" dirty="0" err="1" smtClean="0"/>
+              <a:t>img</a:t>
+            </a:r>
+            <a:endParaRPr lang="ko-KR" altLang="en-US" dirty="0"/>
+          </a:p>
+        </p:txBody>
+      </p:sp>
     </p:spTree>
     <p:extLst>
       <p:ext uri="{BB962C8B-B14F-4D97-AF65-F5344CB8AC3E}">
@@ -3945,7 +4990,7 @@
           <p:cNvPr id="3" name="직선 연결선 2">
             <a:extLst>
               <a:ext uri="{FF2B5EF4-FFF2-40B4-BE49-F238E27FC236}">
-                <a16:creationId xmlns="" xmlns:a16="http://schemas.microsoft.com/office/drawing/2014/main" id="{30B7886A-E2C2-47A8-A271-1FD08F52EED0}"/>
+                <a16:creationId xmlns:a16="http://schemas.microsoft.com/office/drawing/2014/main" xmlns="" id="{30B7886A-E2C2-47A8-A271-1FD08F52EED0}"/>
               </a:ext>
             </a:extLst>
           </p:cNvPr>
@@ -3988,7 +5033,7 @@
           <p:cNvPr id="18" name="직선 연결선 17">
             <a:extLst>
               <a:ext uri="{FF2B5EF4-FFF2-40B4-BE49-F238E27FC236}">
-                <a16:creationId xmlns="" xmlns:a16="http://schemas.microsoft.com/office/drawing/2014/main" id="{7911BDFD-7E29-44F7-9ED7-E8F36B51436C}"/>
+                <a16:creationId xmlns:a16="http://schemas.microsoft.com/office/drawing/2014/main" xmlns="" id="{7911BDFD-7E29-44F7-9ED7-E8F36B51436C}"/>
               </a:ext>
             </a:extLst>
           </p:cNvPr>
@@ -4019,86 +5064,9 @@
           </a:fontRef>
         </p:style>
       </p:cxnSp>
-      <p:sp>
-        <p:nvSpPr>
-          <p:cNvPr id="4" name="TextBox 3"/>
-          <p:cNvSpPr txBox="1"/>
-          <p:nvPr/>
-        </p:nvSpPr>
-        <p:spPr>
-          <a:xfrm>
-            <a:off x="687753" y="5647788"/>
-            <a:ext cx="10855569" cy="646331"/>
-          </a:xfrm>
-          <a:prstGeom prst="rect">
-            <a:avLst/>
-          </a:prstGeom>
-          <a:noFill/>
-        </p:spPr>
-        <p:txBody>
-          <a:bodyPr wrap="square" rtlCol="0">
-            <a:spAutoFit/>
-          </a:bodyPr>
-          <a:lstStyle/>
-          <a:p>
-            <a:r>
-              <a:rPr lang="en-US" altLang="ko-KR" dirty="0" smtClean="0"/>
-              <a:t> </a:t>
-            </a:r>
-            <a:r>
-              <a:rPr lang="ko-KR" altLang="en-US" dirty="0" smtClean="0"/>
-              <a:t>인체 분류</a:t>
-            </a:r>
-            <a:r>
-              <a:rPr lang="en-US" altLang="ko-KR" dirty="0" smtClean="0"/>
-              <a:t>(</a:t>
-            </a:r>
-            <a:r>
-              <a:rPr lang="ko-KR" altLang="en-US" dirty="0" err="1" smtClean="0"/>
-              <a:t>세그멘테이션</a:t>
-            </a:r>
-            <a:r>
-              <a:rPr lang="en-US" altLang="ko-KR" dirty="0" smtClean="0"/>
-              <a:t>)</a:t>
-            </a:r>
-            <a:r>
-              <a:rPr lang="ko-KR" altLang="en-US" dirty="0" smtClean="0"/>
-              <a:t>을 위한 </a:t>
-            </a:r>
-            <a:r>
-              <a:rPr lang="en-US" altLang="ko-KR" dirty="0" smtClean="0"/>
-              <a:t>GRAPHONOMY</a:t>
-            </a:r>
-            <a:r>
-              <a:rPr lang="ko-KR" altLang="en-US" dirty="0" smtClean="0"/>
-              <a:t>및 </a:t>
-            </a:r>
-            <a:r>
-              <a:rPr lang="en-US" altLang="ko-KR" dirty="0" smtClean="0"/>
-              <a:t>CIHP-</a:t>
-            </a:r>
-            <a:r>
-              <a:rPr lang="en-US" altLang="ko-KR" dirty="0" err="1" smtClean="0"/>
-              <a:t>pgn</a:t>
-            </a:r>
-            <a:r>
-              <a:rPr lang="ko-KR" altLang="en-US" dirty="0" smtClean="0"/>
-              <a:t>사용 </a:t>
-            </a:r>
-            <a:endParaRPr lang="en-US" altLang="ko-KR" dirty="0" smtClean="0"/>
-          </a:p>
-          <a:p>
-            <a:r>
-              <a:rPr lang="ko-KR" altLang="en-US" dirty="0" smtClean="0"/>
-              <a:t> </a:t>
-            </a:r>
-            <a:endParaRPr lang="en-US" altLang="ko-KR" dirty="0" smtClean="0"/>
-          </a:p>
-        </p:txBody>
-      </p:sp>
       <p:pic>
         <p:nvPicPr>
-          <p:cNvPr id="2" name="Picture 2" descr="C:\Users\user\Desktop\새 폴더\KakaoTalk_20230712_201244611.png"/>
+          <p:cNvPr id="1026" name="Picture 2" descr="C:\Users\user\Desktop\KakaoTalk_20230803_003046021.jpg"/>
           <p:cNvPicPr>
             <a:picLocks noChangeAspect="1" noChangeArrowheads="1"/>
           </p:cNvPicPr>
@@ -4119,8 +5087,8 @@
         </p:blipFill>
         <p:spPr bwMode="auto">
           <a:xfrm>
-            <a:off x="869950" y="1276602"/>
-            <a:ext cx="2892028" cy="3856038"/>
+            <a:off x="574107" y="1607946"/>
+            <a:ext cx="2249821" cy="2816121"/>
           </a:xfrm>
           <a:prstGeom prst="rect">
             <a:avLst/>
@@ -4137,9 +5105,109 @@
           </a:extLst>
         </p:spPr>
       </p:pic>
+      <p:sp>
+        <p:nvSpPr>
+          <p:cNvPr id="2" name="직사각형 1"/>
+          <p:cNvSpPr/>
+          <p:nvPr/>
+        </p:nvSpPr>
+        <p:spPr>
+          <a:xfrm>
+            <a:off x="1602049" y="940982"/>
+            <a:ext cx="2732016" cy="425450"/>
+          </a:xfrm>
+          <a:prstGeom prst="rect">
+            <a:avLst/>
+          </a:prstGeom>
+          <a:solidFill>
+            <a:schemeClr val="accent4"/>
+          </a:solidFill>
+          <a:ln>
+            <a:noFill/>
+          </a:ln>
+        </p:spPr>
+        <p:style>
+          <a:lnRef idx="2">
+            <a:schemeClr val="accent1">
+              <a:shade val="50000"/>
+            </a:schemeClr>
+          </a:lnRef>
+          <a:fillRef idx="1">
+            <a:schemeClr val="accent1"/>
+          </a:fillRef>
+          <a:effectRef idx="0">
+            <a:schemeClr val="accent1"/>
+          </a:effectRef>
+          <a:fontRef idx="minor">
+            <a:schemeClr val="lt1"/>
+          </a:fontRef>
+        </p:style>
+        <p:txBody>
+          <a:bodyPr rtlCol="0" anchor="ctr"/>
+          <a:lstStyle/>
+          <a:p>
+            <a:pPr algn="ctr"/>
+            <a:r>
+              <a:rPr lang="ko-KR" altLang="en-US" dirty="0" smtClean="0"/>
+              <a:t>서버</a:t>
+            </a:r>
+            <a:endParaRPr lang="ko-KR" altLang="en-US" dirty="0"/>
+          </a:p>
+        </p:txBody>
+      </p:sp>
+      <p:sp>
+        <p:nvSpPr>
+          <p:cNvPr id="5" name="직사각형 4"/>
+          <p:cNvSpPr/>
+          <p:nvPr/>
+        </p:nvSpPr>
+        <p:spPr>
+          <a:xfrm>
+            <a:off x="444500" y="317500"/>
+            <a:ext cx="2101850" cy="374650"/>
+          </a:xfrm>
+          <a:prstGeom prst="rect">
+            <a:avLst/>
+          </a:prstGeom>
+          <a:solidFill>
+            <a:schemeClr val="accent4"/>
+          </a:solidFill>
+          <a:ln>
+            <a:noFill/>
+          </a:ln>
+        </p:spPr>
+        <p:style>
+          <a:lnRef idx="2">
+            <a:schemeClr val="accent1">
+              <a:shade val="50000"/>
+            </a:schemeClr>
+          </a:lnRef>
+          <a:fillRef idx="1">
+            <a:schemeClr val="accent1"/>
+          </a:fillRef>
+          <a:effectRef idx="0">
+            <a:schemeClr val="accent1"/>
+          </a:effectRef>
+          <a:fontRef idx="minor">
+            <a:schemeClr val="lt1"/>
+          </a:fontRef>
+        </p:style>
+        <p:txBody>
+          <a:bodyPr rtlCol="0" anchor="ctr"/>
+          <a:lstStyle/>
+          <a:p>
+            <a:pPr algn="ctr"/>
+            <a:r>
+              <a:rPr lang="ko-KR" altLang="en-US" dirty="0" smtClean="0"/>
+              <a:t>인공지능</a:t>
+            </a:r>
+            <a:endParaRPr lang="ko-KR" altLang="en-US" dirty="0"/>
+          </a:p>
+        </p:txBody>
+      </p:sp>
       <p:pic>
         <p:nvPicPr>
-          <p:cNvPr id="5" name="Picture 3" descr="C:\Users\user\Desktop\새 폴더\KakaoTalk_20230712_201244611_01.png"/>
+          <p:cNvPr id="1029" name="Picture 5" descr="C:\Users\user\Desktop\KakaoTalk_20230803_002949870_01.jpg"/>
           <p:cNvPicPr>
             <a:picLocks noChangeAspect="1" noChangeArrowheads="1"/>
           </p:cNvPicPr>
@@ -4160,8 +5228,8 @@
         </p:blipFill>
         <p:spPr bwMode="auto">
           <a:xfrm>
-            <a:off x="3188574" y="1276601"/>
-            <a:ext cx="2892028" cy="3856037"/>
+            <a:off x="4523507" y="1609315"/>
+            <a:ext cx="1316904" cy="1409429"/>
           </a:xfrm>
           <a:prstGeom prst="rect">
             <a:avLst/>
@@ -4180,7 +5248,7 @@
       </p:pic>
       <p:pic>
         <p:nvPicPr>
-          <p:cNvPr id="2052" name="Picture 4" descr="C:\Users\user\Desktop\새 폴더\KakaoTalk_20230712_201244611_02.png"/>
+          <p:cNvPr id="1030" name="Picture 6" descr="C:\Users\user\Desktop\KakaoTalk_20230803_002841465.jpg"/>
           <p:cNvPicPr>
             <a:picLocks noChangeAspect="1" noChangeArrowheads="1"/>
           </p:cNvPicPr>
@@ -4201,8 +5269,8 @@
         </p:blipFill>
         <p:spPr bwMode="auto">
           <a:xfrm>
-            <a:off x="5932743" y="1266825"/>
-            <a:ext cx="2892028" cy="3856038"/>
+            <a:off x="9061751" y="1510682"/>
+            <a:ext cx="1250349" cy="1667132"/>
           </a:xfrm>
           <a:prstGeom prst="rect">
             <a:avLst/>
@@ -4221,7 +5289,7 @@
       </p:pic>
       <p:pic>
         <p:nvPicPr>
-          <p:cNvPr id="2053" name="Picture 5" descr="C:\Users\user\Desktop\새 폴더\KakaoTalk_20230712_201244611_03.png"/>
+          <p:cNvPr id="32" name="Picture 7" descr="C:\Users\user\Desktop\KakaoTalk_20230803_002841465_01.jpg"/>
           <p:cNvPicPr>
             <a:picLocks noChangeAspect="1" noChangeArrowheads="1"/>
           </p:cNvPicPr>
@@ -4242,8 +5310,8 @@
         </p:blipFill>
         <p:spPr bwMode="auto">
           <a:xfrm>
-            <a:off x="8504237" y="1266825"/>
-            <a:ext cx="2892028" cy="3856038"/>
+            <a:off x="10251965" y="1510682"/>
+            <a:ext cx="1230012" cy="1640016"/>
           </a:xfrm>
           <a:prstGeom prst="rect">
             <a:avLst/>
@@ -4260,189 +5328,16 @@
           </a:extLst>
         </p:spPr>
       </p:pic>
-    </p:spTree>
-    <p:extLst>
-      <p:ext uri="{BB962C8B-B14F-4D97-AF65-F5344CB8AC3E}">
-        <p14:creationId xmlns:p14="http://schemas.microsoft.com/office/powerpoint/2010/main" val="1487310101"/>
-      </p:ext>
-    </p:extLst>
-  </p:cSld>
-  <p:clrMapOvr>
-    <a:masterClrMapping/>
-  </p:clrMapOvr>
-  <mc:AlternateContent xmlns:mc="http://schemas.openxmlformats.org/markup-compatibility/2006" xmlns:p14="http://schemas.microsoft.com/office/powerpoint/2010/main">
-    <mc:Choice Requires="p14">
-      <p:transition spd="med" p14:dur="700">
-        <p:fade/>
-      </p:transition>
-    </mc:Choice>
-    <mc:Fallback xmlns="">
-      <p:transition spd="med">
-        <p:fade/>
-      </p:transition>
-    </mc:Fallback>
-  </mc:AlternateContent>
-</p:sld>
-</file>
-
-<file path=ppt/slides/slide4.xml><?xml version="1.0" encoding="utf-8"?>
-<p:sld xmlns:a="http://schemas.openxmlformats.org/drawingml/2006/main" xmlns:r="http://schemas.openxmlformats.org/officeDocument/2006/relationships" xmlns:p="http://schemas.openxmlformats.org/presentationml/2006/main">
-  <p:cSld>
-    <p:spTree>
-      <p:nvGrpSpPr>
-        <p:cNvPr id="1" name=""/>
-        <p:cNvGrpSpPr/>
-        <p:nvPr/>
-      </p:nvGrpSpPr>
-      <p:grpSpPr>
-        <a:xfrm>
-          <a:off x="0" y="0"/>
-          <a:ext cx="0" cy="0"/>
-          <a:chOff x="0" y="0"/>
-          <a:chExt cx="0" cy="0"/>
-        </a:xfrm>
-      </p:grpSpPr>
-      <p:cxnSp>
-        <p:nvCxnSpPr>
-          <p:cNvPr id="3" name="직선 연결선 2">
-            <a:extLst>
-              <a:ext uri="{FF2B5EF4-FFF2-40B4-BE49-F238E27FC236}">
-                <a16:creationId xmlns="" xmlns:a16="http://schemas.microsoft.com/office/drawing/2014/main" id="{30B7886A-E2C2-47A8-A271-1FD08F52EED0}"/>
-              </a:ext>
-            </a:extLst>
-          </p:cNvPr>
-          <p:cNvCxnSpPr>
-            <a:cxnSpLocks/>
-          </p:cNvCxnSpPr>
-          <p:nvPr/>
-        </p:nvCxnSpPr>
-        <p:spPr>
-          <a:xfrm>
-            <a:off x="152400" y="190500"/>
-            <a:ext cx="1435100" cy="0"/>
-          </a:xfrm>
-          <a:prstGeom prst="line">
-            <a:avLst/>
-          </a:prstGeom>
-          <a:ln w="76200">
-            <a:solidFill>
-              <a:schemeClr val="accent4"/>
-            </a:solidFill>
-          </a:ln>
-        </p:spPr>
-        <p:style>
-          <a:lnRef idx="1">
-            <a:schemeClr val="accent1"/>
-          </a:lnRef>
-          <a:fillRef idx="0">
-            <a:schemeClr val="accent1"/>
-          </a:fillRef>
-          <a:effectRef idx="0">
-            <a:schemeClr val="accent1"/>
-          </a:effectRef>
-          <a:fontRef idx="minor">
-            <a:schemeClr val="tx1"/>
-          </a:fontRef>
-        </p:style>
-      </p:cxnSp>
-      <p:cxnSp>
-        <p:nvCxnSpPr>
-          <p:cNvPr id="18" name="직선 연결선 17">
-            <a:extLst>
-              <a:ext uri="{FF2B5EF4-FFF2-40B4-BE49-F238E27FC236}">
-                <a16:creationId xmlns="" xmlns:a16="http://schemas.microsoft.com/office/drawing/2014/main" id="{7911BDFD-7E29-44F7-9ED7-E8F36B51436C}"/>
-              </a:ext>
-            </a:extLst>
-          </p:cNvPr>
-          <p:cNvCxnSpPr/>
-          <p:nvPr/>
-        </p:nvCxnSpPr>
-        <p:spPr>
-          <a:xfrm>
-            <a:off x="1587500" y="190500"/>
-            <a:ext cx="10604500" cy="0"/>
-          </a:xfrm>
-          <a:prstGeom prst="line">
-            <a:avLst/>
-          </a:prstGeom>
-        </p:spPr>
-        <p:style>
-          <a:lnRef idx="1">
-            <a:schemeClr val="accent1"/>
-          </a:lnRef>
-          <a:fillRef idx="0">
-            <a:schemeClr val="accent1"/>
-          </a:fillRef>
-          <a:effectRef idx="0">
-            <a:schemeClr val="accent1"/>
-          </a:effectRef>
-          <a:fontRef idx="minor">
-            <a:schemeClr val="tx1"/>
-          </a:fontRef>
-        </p:style>
-      </p:cxnSp>
-      <p:sp>
-        <p:nvSpPr>
-          <p:cNvPr id="4" name="TextBox 3"/>
-          <p:cNvSpPr txBox="1"/>
-          <p:nvPr/>
-        </p:nvSpPr>
-        <p:spPr>
-          <a:xfrm>
-            <a:off x="687753" y="5295510"/>
-            <a:ext cx="10855569" cy="646331"/>
-          </a:xfrm>
-          <a:prstGeom prst="rect">
-            <a:avLst/>
-          </a:prstGeom>
-          <a:noFill/>
-        </p:spPr>
-        <p:txBody>
-          <a:bodyPr wrap="square" rtlCol="0">
-            <a:spAutoFit/>
-          </a:bodyPr>
-          <a:lstStyle/>
-          <a:p>
-            <a:r>
-              <a:rPr lang="ko-KR" altLang="en-US" dirty="0" smtClean="0"/>
-              <a:t> 필요 데이터를 취합하여</a:t>
-            </a:r>
-            <a:r>
-              <a:rPr lang="en-US" altLang="ko-KR" dirty="0"/>
-              <a:t> </a:t>
-            </a:r>
-            <a:r>
-              <a:rPr lang="ko-KR" altLang="en-US" dirty="0" smtClean="0"/>
-              <a:t>작동을 시킨 결과로 에러가 나는 부분도 있지만</a:t>
-            </a:r>
-            <a:r>
-              <a:rPr lang="en-US" altLang="ko-KR" dirty="0" smtClean="0"/>
-              <a:t>,</a:t>
-            </a:r>
-          </a:p>
-          <a:p>
-            <a:r>
-              <a:rPr lang="ko-KR" altLang="en-US" dirty="0" smtClean="0"/>
-              <a:t>다른 인공지능에 비해 비교적 자연스럽게 결과가 나오게 된다</a:t>
-            </a:r>
-            <a:r>
-              <a:rPr lang="en-US" altLang="ko-KR" dirty="0" smtClean="0"/>
-              <a:t>.</a:t>
-            </a:r>
-            <a:endParaRPr lang="en-US" altLang="ko-KR" dirty="0" smtClean="0"/>
-          </a:p>
-        </p:txBody>
-      </p:sp>
       <p:pic>
         <p:nvPicPr>
-          <p:cNvPr id="3074" name="Picture 2" descr="C:\Users\user\Desktop\새 폴더\KakaoTalk_20230712_201638101_04.jpg"/>
+          <p:cNvPr id="33" name="Picture 8" descr="C:\Users\user\Desktop\KakaoTalk_20230729_234537101.jpg"/>
           <p:cNvPicPr>
             <a:picLocks noChangeAspect="1" noChangeArrowheads="1"/>
           </p:cNvPicPr>
           <p:nvPr/>
         </p:nvPicPr>
         <p:blipFill>
-          <a:blip r:embed="rId2" cstate="screen">
+          <a:blip r:embed="rId6" cstate="screen">
             <a:extLst>
               <a:ext uri="{28A0092B-C50C-407E-A947-70E740481C1C}">
                 <a14:useLocalDpi xmlns:a14="http://schemas.microsoft.com/office/drawing/2010/main" val="0"/>
@@ -4456,8 +5351,8 @@
         </p:blipFill>
         <p:spPr bwMode="auto">
           <a:xfrm>
-            <a:off x="6115537" y="958320"/>
-            <a:ext cx="2521804" cy="3361266"/>
+            <a:off x="9061751" y="3143283"/>
+            <a:ext cx="1225550" cy="1634066"/>
           </a:xfrm>
           <a:prstGeom prst="rect">
             <a:avLst/>
@@ -4474,16 +5369,70 @@
           </a:extLst>
         </p:spPr>
       </p:pic>
+      <p:sp>
+        <p:nvSpPr>
+          <p:cNvPr id="44" name="직사각형 43"/>
+          <p:cNvSpPr/>
+          <p:nvPr/>
+        </p:nvSpPr>
+        <p:spPr>
+          <a:xfrm>
+            <a:off x="9244544" y="907086"/>
+            <a:ext cx="2001226" cy="425450"/>
+          </a:xfrm>
+          <a:prstGeom prst="rect">
+            <a:avLst/>
+          </a:prstGeom>
+          <a:solidFill>
+            <a:schemeClr val="accent4"/>
+          </a:solidFill>
+          <a:ln>
+            <a:noFill/>
+          </a:ln>
+        </p:spPr>
+        <p:style>
+          <a:lnRef idx="2">
+            <a:schemeClr val="accent1">
+              <a:shade val="50000"/>
+            </a:schemeClr>
+          </a:lnRef>
+          <a:fillRef idx="1">
+            <a:schemeClr val="accent1"/>
+          </a:fillRef>
+          <a:effectRef idx="0">
+            <a:schemeClr val="accent1"/>
+          </a:effectRef>
+          <a:fontRef idx="minor">
+            <a:schemeClr val="lt1"/>
+          </a:fontRef>
+        </p:style>
+        <p:txBody>
+          <a:bodyPr rtlCol="0" anchor="ctr"/>
+          <a:lstStyle/>
+          <a:p>
+            <a:pPr algn="ctr"/>
+            <a:r>
+              <a:rPr lang="en-US" altLang="ko-KR" dirty="0" smtClean="0"/>
+              <a:t>VITON – HD </a:t>
+            </a:r>
+            <a:r>
+              <a:rPr lang="en-US" altLang="ko-KR" dirty="0" err="1" smtClean="0"/>
+              <a:t>api</a:t>
+            </a:r>
+            <a:endParaRPr lang="ko-KR" altLang="en-US" dirty="0"/>
+          </a:p>
+        </p:txBody>
+      </p:sp>
       <p:pic>
         <p:nvPicPr>
-          <p:cNvPr id="3075" name="Picture 3" descr="C:\Users\user\Desktop\새 폴더\KakaoTalk_20230712_201638101.jpg"/>
+          <p:cNvPr id="1033" name="Picture 9" descr="C:\Users\user\Desktop\KakaoTalk_20230729_234537101_01.jpg"/>
           <p:cNvPicPr>
             <a:picLocks noChangeAspect="1" noChangeArrowheads="1"/>
           </p:cNvPicPr>
           <p:nvPr/>
         </p:nvPicPr>
         <p:blipFill>
-          <a:blip r:embed="rId3" cstate="screen">
+          <a:blip r:embed="rId7" cstate="screen">
             <a:extLst>
               <a:ext uri="{28A0092B-C50C-407E-A947-70E740481C1C}">
                 <a14:useLocalDpi xmlns:a14="http://schemas.microsoft.com/office/drawing/2010/main" val="0"/>
@@ -4497,8 +5446,8 @@
         </p:blipFill>
         <p:spPr bwMode="auto">
           <a:xfrm>
-            <a:off x="558799" y="958320"/>
-            <a:ext cx="2520949" cy="3361266"/>
+            <a:off x="10267550" y="3150698"/>
+            <a:ext cx="1214427" cy="1619236"/>
           </a:xfrm>
           <a:prstGeom prst="rect">
             <a:avLst/>
@@ -4517,14 +5466,14 @@
       </p:pic>
       <p:pic>
         <p:nvPicPr>
-          <p:cNvPr id="3077" name="Picture 5" descr="C:\Users\user\Desktop\새 폴더\KakaoTalk_20230712_201219220_06.jpg"/>
+          <p:cNvPr id="40" name="Picture 10" descr="C:\Users\user\Desktop\KakaoTalk_20230803_002949870_02 (1).jpg"/>
           <p:cNvPicPr>
             <a:picLocks noChangeAspect="1" noChangeArrowheads="1"/>
           </p:cNvPicPr>
           <p:nvPr/>
         </p:nvPicPr>
         <p:blipFill>
-          <a:blip r:embed="rId4" cstate="screen">
+          <a:blip r:embed="rId8" cstate="screen">
             <a:extLst>
               <a:ext uri="{28A0092B-C50C-407E-A947-70E740481C1C}">
                 <a14:useLocalDpi xmlns:a14="http://schemas.microsoft.com/office/drawing/2010/main" val="0"/>
@@ -4538,8 +5487,8 @@
         </p:blipFill>
         <p:spPr bwMode="auto">
           <a:xfrm>
-            <a:off x="9054122" y="958320"/>
-            <a:ext cx="2520950" cy="3361266"/>
+            <a:off x="4524785" y="3016007"/>
+            <a:ext cx="1315626" cy="1408061"/>
           </a:xfrm>
           <a:prstGeom prst="rect">
             <a:avLst/>
@@ -4558,14 +5507,14 @@
       </p:pic>
       <p:pic>
         <p:nvPicPr>
-          <p:cNvPr id="3078" name="Picture 6" descr="C:\Users\user\Desktop\새 폴더\KakaoTalk_20230712_201219220_07.jpg"/>
+          <p:cNvPr id="1035" name="Picture 11" descr="C:\Users\user\Desktop\1232.jpg"/>
           <p:cNvPicPr>
             <a:picLocks noChangeAspect="1" noChangeArrowheads="1"/>
           </p:cNvPicPr>
           <p:nvPr/>
         </p:nvPicPr>
         <p:blipFill>
-          <a:blip r:embed="rId5" cstate="screen">
+          <a:blip r:embed="rId9" cstate="screen">
             <a:extLst>
               <a:ext uri="{28A0092B-C50C-407E-A947-70E740481C1C}">
                 <a14:useLocalDpi xmlns:a14="http://schemas.microsoft.com/office/drawing/2010/main" val="0"/>
@@ -4579,8 +5528,8 @@
         </p:blipFill>
         <p:spPr bwMode="auto">
           <a:xfrm>
-            <a:off x="3263900" y="958320"/>
-            <a:ext cx="2520950" cy="3361266"/>
+            <a:off x="3209161" y="3017375"/>
+            <a:ext cx="1314347" cy="1406693"/>
           </a:xfrm>
           <a:prstGeom prst="rect">
             <a:avLst/>
@@ -4597,271 +5546,16 @@
           </a:extLst>
         </p:spPr>
       </p:pic>
-      <p:sp>
-        <p:nvSpPr>
-          <p:cNvPr id="6" name="직사각형 5"/>
-          <p:cNvSpPr/>
-          <p:nvPr/>
-        </p:nvSpPr>
-        <p:spPr>
-          <a:xfrm>
-            <a:off x="649814" y="4351867"/>
-            <a:ext cx="4986867" cy="508000"/>
-          </a:xfrm>
-          <a:prstGeom prst="rect">
-            <a:avLst/>
-          </a:prstGeom>
-          <a:solidFill>
-            <a:schemeClr val="accent4"/>
-          </a:solidFill>
-          <a:ln>
-            <a:noFill/>
-          </a:ln>
-        </p:spPr>
-        <p:style>
-          <a:lnRef idx="2">
-            <a:schemeClr val="accent1">
-              <a:shade val="50000"/>
-            </a:schemeClr>
-          </a:lnRef>
-          <a:fillRef idx="1">
-            <a:schemeClr val="accent1"/>
-          </a:fillRef>
-          <a:effectRef idx="0">
-            <a:schemeClr val="accent1"/>
-          </a:effectRef>
-          <a:fontRef idx="minor">
-            <a:schemeClr val="lt1"/>
-          </a:fontRef>
-        </p:style>
-        <p:txBody>
-          <a:bodyPr rtlCol="0" anchor="ctr"/>
-          <a:lstStyle/>
-          <a:p>
-            <a:pPr algn="ctr"/>
-            <a:r>
-              <a:rPr lang="ko-KR" altLang="en-US" dirty="0" smtClean="0"/>
-              <a:t>가방 인식 에러 </a:t>
-            </a:r>
-            <a:endParaRPr lang="ko-KR" altLang="en-US" dirty="0"/>
-          </a:p>
-        </p:txBody>
-      </p:sp>
-      <p:sp>
-        <p:nvSpPr>
-          <p:cNvPr id="15" name="직사각형 14"/>
-          <p:cNvSpPr/>
-          <p:nvPr/>
-        </p:nvSpPr>
-        <p:spPr>
-          <a:xfrm>
-            <a:off x="6381747" y="4351867"/>
-            <a:ext cx="4986867" cy="508000"/>
-          </a:xfrm>
-          <a:prstGeom prst="rect">
-            <a:avLst/>
-          </a:prstGeom>
-          <a:solidFill>
-            <a:schemeClr val="accent4"/>
-          </a:solidFill>
-          <a:ln>
-            <a:noFill/>
-          </a:ln>
-        </p:spPr>
-        <p:style>
-          <a:lnRef idx="2">
-            <a:schemeClr val="accent1">
-              <a:shade val="50000"/>
-            </a:schemeClr>
-          </a:lnRef>
-          <a:fillRef idx="1">
-            <a:schemeClr val="accent1"/>
-          </a:fillRef>
-          <a:effectRef idx="0">
-            <a:schemeClr val="accent1"/>
-          </a:effectRef>
-          <a:fontRef idx="minor">
-            <a:schemeClr val="lt1"/>
-          </a:fontRef>
-        </p:style>
-        <p:txBody>
-          <a:bodyPr rtlCol="0" anchor="ctr"/>
-          <a:lstStyle/>
-          <a:p>
-            <a:pPr algn="ctr"/>
-            <a:r>
-              <a:rPr lang="ko-KR" altLang="en-US" dirty="0" smtClean="0"/>
-              <a:t>머리카락 인식 에러</a:t>
-            </a:r>
-            <a:endParaRPr lang="ko-KR" altLang="en-US" dirty="0"/>
-          </a:p>
-        </p:txBody>
-      </p:sp>
-    </p:spTree>
-    <p:extLst>
-      <p:ext uri="{BB962C8B-B14F-4D97-AF65-F5344CB8AC3E}">
-        <p14:creationId xmlns:p14="http://schemas.microsoft.com/office/powerpoint/2010/main" val="1755371862"/>
-      </p:ext>
-    </p:extLst>
-  </p:cSld>
-  <p:clrMapOvr>
-    <a:masterClrMapping/>
-  </p:clrMapOvr>
-  <mc:AlternateContent xmlns:mc="http://schemas.openxmlformats.org/markup-compatibility/2006" xmlns:p14="http://schemas.microsoft.com/office/powerpoint/2010/main">
-    <mc:Choice Requires="p14">
-      <p:transition spd="med" p14:dur="700">
-        <p:fade/>
-      </p:transition>
-    </mc:Choice>
-    <mc:Fallback xmlns="">
-      <p:transition spd="med">
-        <p:fade/>
-      </p:transition>
-    </mc:Fallback>
-  </mc:AlternateContent>
-</p:sld>
-</file>
-
-<file path=ppt/slides/slide5.xml><?xml version="1.0" encoding="utf-8"?>
-<p:sld xmlns:a="http://schemas.openxmlformats.org/drawingml/2006/main" xmlns:r="http://schemas.openxmlformats.org/officeDocument/2006/relationships" xmlns:p="http://schemas.openxmlformats.org/presentationml/2006/main">
-  <p:cSld>
-    <p:spTree>
-      <p:nvGrpSpPr>
-        <p:cNvPr id="1" name=""/>
-        <p:cNvGrpSpPr/>
-        <p:nvPr/>
-      </p:nvGrpSpPr>
-      <p:grpSpPr>
-        <a:xfrm>
-          <a:off x="0" y="0"/>
-          <a:ext cx="0" cy="0"/>
-          <a:chOff x="0" y="0"/>
-          <a:chExt cx="0" cy="0"/>
-        </a:xfrm>
-      </p:grpSpPr>
-      <p:cxnSp>
-        <p:nvCxnSpPr>
-          <p:cNvPr id="3" name="직선 연결선 2">
-            <a:extLst>
-              <a:ext uri="{FF2B5EF4-FFF2-40B4-BE49-F238E27FC236}">
-                <a16:creationId xmlns="" xmlns:a16="http://schemas.microsoft.com/office/drawing/2014/main" id="{30B7886A-E2C2-47A8-A271-1FD08F52EED0}"/>
-              </a:ext>
-            </a:extLst>
-          </p:cNvPr>
-          <p:cNvCxnSpPr>
-            <a:cxnSpLocks/>
-          </p:cNvCxnSpPr>
-          <p:nvPr/>
-        </p:nvCxnSpPr>
-        <p:spPr>
-          <a:xfrm>
-            <a:off x="152400" y="190500"/>
-            <a:ext cx="1435100" cy="0"/>
-          </a:xfrm>
-          <a:prstGeom prst="line">
-            <a:avLst/>
-          </a:prstGeom>
-          <a:ln w="76200">
-            <a:solidFill>
-              <a:schemeClr val="accent4"/>
-            </a:solidFill>
-          </a:ln>
-        </p:spPr>
-        <p:style>
-          <a:lnRef idx="1">
-            <a:schemeClr val="accent1"/>
-          </a:lnRef>
-          <a:fillRef idx="0">
-            <a:schemeClr val="accent1"/>
-          </a:fillRef>
-          <a:effectRef idx="0">
-            <a:schemeClr val="accent1"/>
-          </a:effectRef>
-          <a:fontRef idx="minor">
-            <a:schemeClr val="tx1"/>
-          </a:fontRef>
-        </p:style>
-      </p:cxnSp>
-      <p:cxnSp>
-        <p:nvCxnSpPr>
-          <p:cNvPr id="18" name="직선 연결선 17">
-            <a:extLst>
-              <a:ext uri="{FF2B5EF4-FFF2-40B4-BE49-F238E27FC236}">
-                <a16:creationId xmlns="" xmlns:a16="http://schemas.microsoft.com/office/drawing/2014/main" id="{7911BDFD-7E29-44F7-9ED7-E8F36B51436C}"/>
-              </a:ext>
-            </a:extLst>
-          </p:cNvPr>
-          <p:cNvCxnSpPr/>
-          <p:nvPr/>
-        </p:nvCxnSpPr>
-        <p:spPr>
-          <a:xfrm>
-            <a:off x="1587500" y="190500"/>
-            <a:ext cx="10604500" cy="0"/>
-          </a:xfrm>
-          <a:prstGeom prst="line">
-            <a:avLst/>
-          </a:prstGeom>
-        </p:spPr>
-        <p:style>
-          <a:lnRef idx="1">
-            <a:schemeClr val="accent1"/>
-          </a:lnRef>
-          <a:fillRef idx="0">
-            <a:schemeClr val="accent1"/>
-          </a:fillRef>
-          <a:effectRef idx="0">
-            <a:schemeClr val="accent1"/>
-          </a:effectRef>
-          <a:fontRef idx="minor">
-            <a:schemeClr val="tx1"/>
-          </a:fontRef>
-        </p:style>
-      </p:cxnSp>
-      <p:sp>
-        <p:nvSpPr>
-          <p:cNvPr id="4" name="TextBox 3"/>
-          <p:cNvSpPr txBox="1"/>
-          <p:nvPr/>
-        </p:nvSpPr>
-        <p:spPr>
-          <a:xfrm>
-            <a:off x="687753" y="5647788"/>
-            <a:ext cx="10855569" cy="369332"/>
-          </a:xfrm>
-          <a:prstGeom prst="rect">
-            <a:avLst/>
-          </a:prstGeom>
-          <a:noFill/>
-        </p:spPr>
-        <p:txBody>
-          <a:bodyPr wrap="square" rtlCol="0">
-            <a:spAutoFit/>
-          </a:bodyPr>
-          <a:lstStyle/>
-          <a:p>
-            <a:r>
-              <a:rPr lang="ko-KR" altLang="en-US" dirty="0" smtClean="0"/>
-              <a:t>다양한 의상을 선택하여 입는 것 또한 가능하였다</a:t>
-            </a:r>
-            <a:r>
-              <a:rPr lang="en-US" altLang="ko-KR" dirty="0" smtClean="0"/>
-              <a:t>. </a:t>
-            </a:r>
-            <a:endParaRPr lang="en-US" altLang="ko-KR" dirty="0" smtClean="0"/>
-          </a:p>
-        </p:txBody>
-      </p:sp>
       <p:pic>
         <p:nvPicPr>
-          <p:cNvPr id="4098" name="Picture 2" descr="C:\Users\user\Desktop\새 폴더\KakaoTalk_20230712_201219220_04.jpg"/>
+          <p:cNvPr id="1036" name="Picture 12" descr="C:\Users\user\Desktop\KakaoTalk_20230803_004353866.jpg"/>
           <p:cNvPicPr>
             <a:picLocks noChangeAspect="1" noChangeArrowheads="1"/>
           </p:cNvPicPr>
           <p:nvPr/>
         </p:nvPicPr>
         <p:blipFill>
-          <a:blip r:embed="rId2" cstate="screen">
+          <a:blip r:embed="rId10" cstate="screen">
             <a:extLst>
               <a:ext uri="{28A0092B-C50C-407E-A947-70E740481C1C}">
                 <a14:useLocalDpi xmlns:a14="http://schemas.microsoft.com/office/drawing/2010/main" val="0"/>
@@ -4875,8 +5569,8 @@
         </p:blipFill>
         <p:spPr bwMode="auto">
           <a:xfrm>
-            <a:off x="2840697" y="1048683"/>
-            <a:ext cx="2993815" cy="3991754"/>
+            <a:off x="3209161" y="1609315"/>
+            <a:ext cx="1315624" cy="1408060"/>
           </a:xfrm>
           <a:prstGeom prst="rect">
             <a:avLst/>
@@ -4893,133 +5587,319 @@
           </a:extLst>
         </p:spPr>
       </p:pic>
-      <p:pic>
-        <p:nvPicPr>
-          <p:cNvPr id="4100" name="Picture 4" descr="C:\Users\user\Desktop\새 폴더\KakaoTalk_20230712_201219220_02.jpg"/>
-          <p:cNvPicPr>
-            <a:picLocks noChangeAspect="1" noChangeArrowheads="1"/>
-          </p:cNvPicPr>
+      <p:sp>
+        <p:nvSpPr>
+          <p:cNvPr id="68" name="TextBox 67"/>
+          <p:cNvSpPr txBox="1"/>
           <p:nvPr/>
-        </p:nvPicPr>
-        <p:blipFill>
-          <a:blip r:embed="rId3" cstate="screen">
-            <a:extLst>
-              <a:ext uri="{28A0092B-C50C-407E-A947-70E740481C1C}">
-                <a14:useLocalDpi xmlns:a14="http://schemas.microsoft.com/office/drawing/2010/main" val="0"/>
-              </a:ext>
-            </a:extLst>
-          </a:blip>
-          <a:srcRect/>
-          <a:stretch>
-            <a:fillRect/>
-          </a:stretch>
-        </p:blipFill>
-        <p:spPr bwMode="auto">
-          <a:xfrm>
-            <a:off x="7740940" y="1048683"/>
-            <a:ext cx="2993815" cy="3991754"/>
+        </p:nvSpPr>
+        <p:spPr>
+          <a:xfrm>
+            <a:off x="856513" y="5583123"/>
+            <a:ext cx="10855569" cy="646331"/>
           </a:xfrm>
           <a:prstGeom prst="rect">
             <a:avLst/>
           </a:prstGeom>
           <a:noFill/>
-          <a:extLst>
-            <a:ext uri="{909E8E84-426E-40DD-AFC4-6F175D3DCCD1}">
-              <a14:hiddenFill xmlns:a14="http://schemas.microsoft.com/office/drawing/2010/main">
-                <a:solidFill>
-                  <a:srgbClr val="FFFFFF"/>
-                </a:solidFill>
-              </a14:hiddenFill>
-            </a:ext>
-          </a:extLst>
-        </p:spPr>
-      </p:pic>
-      <p:pic>
-        <p:nvPicPr>
-          <p:cNvPr id="4101" name="Picture 5" descr="C:\Users\user\Desktop\새 폴더\KakaoTalk_20230712_201219220_03.jpg"/>
-          <p:cNvPicPr>
-            <a:picLocks noChangeAspect="1" noChangeArrowheads="1"/>
-          </p:cNvPicPr>
+        </p:spPr>
+        <p:txBody>
+          <a:bodyPr wrap="square" rtlCol="0">
+            <a:spAutoFit/>
+          </a:bodyPr>
+          <a:lstStyle/>
+          <a:p>
+            <a:r>
+              <a:rPr lang="ko-KR" altLang="en-US" dirty="0" smtClean="0"/>
+              <a:t> 위와 같은 과정을 간소화하여</a:t>
+            </a:r>
+            <a:r>
+              <a:rPr lang="en-US" altLang="ko-KR" dirty="0" smtClean="0"/>
+              <a:t>,</a:t>
+            </a:r>
+            <a:r>
+              <a:rPr lang="ko-KR" altLang="en-US" dirty="0" smtClean="0"/>
+              <a:t> </a:t>
+            </a:r>
+            <a:r>
+              <a:rPr lang="ko-KR" altLang="en-US" dirty="0" smtClean="0"/>
+              <a:t>모델 </a:t>
+            </a:r>
+            <a:r>
+              <a:rPr lang="ko-KR" altLang="en-US" dirty="0" smtClean="0"/>
+              <a:t>이미지와 의상 이미지를 전송하면 서버에서</a:t>
+            </a:r>
+            <a:endParaRPr lang="en-US" altLang="ko-KR" dirty="0" smtClean="0"/>
+          </a:p>
+          <a:p>
+            <a:r>
+              <a:rPr lang="ko-KR" altLang="en-US" dirty="0" smtClean="0"/>
+              <a:t> </a:t>
+            </a:r>
+            <a:r>
+              <a:rPr lang="en-US" altLang="ko-KR" dirty="0" smtClean="0"/>
+              <a:t>generate</a:t>
+            </a:r>
+            <a:r>
+              <a:rPr lang="ko-KR" altLang="en-US" dirty="0" smtClean="0"/>
+              <a:t>된 이미지를 리턴 해주는 </a:t>
+            </a:r>
+            <a:r>
+              <a:rPr lang="en-US" altLang="ko-KR" dirty="0" err="1" smtClean="0"/>
+              <a:t>api</a:t>
+            </a:r>
+            <a:r>
+              <a:rPr lang="en-US" altLang="ko-KR" dirty="0" smtClean="0"/>
+              <a:t> </a:t>
+            </a:r>
+            <a:r>
+              <a:rPr lang="ko-KR" altLang="en-US" dirty="0" smtClean="0"/>
+              <a:t>제작 진행</a:t>
+            </a:r>
+            <a:endParaRPr lang="en-US" altLang="ko-KR" dirty="0" smtClean="0"/>
+          </a:p>
+        </p:txBody>
+      </p:sp>
+      <p:sp>
+        <p:nvSpPr>
+          <p:cNvPr id="69" name="직사각형 68"/>
+          <p:cNvSpPr/>
           <p:nvPr/>
-        </p:nvPicPr>
-        <p:blipFill>
-          <a:blip r:embed="rId4" cstate="screen">
-            <a:extLst>
-              <a:ext uri="{28A0092B-C50C-407E-A947-70E740481C1C}">
-                <a14:useLocalDpi xmlns:a14="http://schemas.microsoft.com/office/drawing/2010/main" val="0"/>
-              </a:ext>
-            </a:extLst>
-          </a:blip>
-          <a:srcRect/>
-          <a:stretch>
-            <a:fillRect/>
-          </a:stretch>
-        </p:blipFill>
-        <p:spPr bwMode="auto">
-          <a:xfrm>
-            <a:off x="5395803" y="1048683"/>
-            <a:ext cx="2993815" cy="3991754"/>
+        </p:nvSpPr>
+        <p:spPr>
+          <a:xfrm>
+            <a:off x="9279699" y="4838753"/>
+            <a:ext cx="1975701" cy="425450"/>
           </a:xfrm>
           <a:prstGeom prst="rect">
             <a:avLst/>
           </a:prstGeom>
-          <a:noFill/>
-          <a:extLst>
-            <a:ext uri="{909E8E84-426E-40DD-AFC4-6F175D3DCCD1}">
-              <a14:hiddenFill xmlns:a14="http://schemas.microsoft.com/office/drawing/2010/main">
-                <a:solidFill>
-                  <a:srgbClr val="FFFFFF"/>
-                </a:solidFill>
-              </a14:hiddenFill>
-            </a:ext>
-          </a:extLst>
-        </p:spPr>
-      </p:pic>
-      <p:pic>
-        <p:nvPicPr>
-          <p:cNvPr id="3076" name="Picture 4" descr="C:\Users\user\Desktop\새 폴더\KakaoTalk_20230712_201638101_02 (1).jpg"/>
-          <p:cNvPicPr>
-            <a:picLocks noChangeAspect="1" noChangeArrowheads="1"/>
-          </p:cNvPicPr>
+          <a:solidFill>
+            <a:schemeClr val="accent4"/>
+          </a:solidFill>
+          <a:ln>
+            <a:noFill/>
+          </a:ln>
+        </p:spPr>
+        <p:style>
+          <a:lnRef idx="2">
+            <a:schemeClr val="accent1">
+              <a:shade val="50000"/>
+            </a:schemeClr>
+          </a:lnRef>
+          <a:fillRef idx="1">
+            <a:schemeClr val="accent1"/>
+          </a:fillRef>
+          <a:effectRef idx="0">
+            <a:schemeClr val="accent1"/>
+          </a:effectRef>
+          <a:fontRef idx="minor">
+            <a:schemeClr val="lt1"/>
+          </a:fontRef>
+        </p:style>
+        <p:txBody>
+          <a:bodyPr rtlCol="0" anchor="ctr"/>
+          <a:lstStyle/>
+          <a:p>
+            <a:pPr algn="ctr"/>
+            <a:r>
+              <a:rPr lang="en-US" altLang="ko-KR" dirty="0" smtClean="0"/>
+              <a:t>Output Image</a:t>
+            </a:r>
+            <a:endParaRPr lang="ko-KR" altLang="en-US" dirty="0"/>
+          </a:p>
+        </p:txBody>
+      </p:sp>
+      <p:cxnSp>
+        <p:nvCxnSpPr>
+          <p:cNvPr id="34" name="직선 화살표 연결선 33"/>
+          <p:cNvCxnSpPr/>
           <p:nvPr/>
-        </p:nvPicPr>
-        <p:blipFill>
-          <a:blip r:embed="rId5" cstate="screen">
-            <a:extLst>
-              <a:ext uri="{28A0092B-C50C-407E-A947-70E740481C1C}">
-                <a14:useLocalDpi xmlns:a14="http://schemas.microsoft.com/office/drawing/2010/main" val="0"/>
-              </a:ext>
-            </a:extLst>
-          </a:blip>
-          <a:srcRect/>
-          <a:stretch>
-            <a:fillRect/>
-          </a:stretch>
-        </p:blipFill>
-        <p:spPr bwMode="auto">
-          <a:xfrm>
-            <a:off x="272070" y="958320"/>
-            <a:ext cx="3129361" cy="4172480"/>
+        </p:nvCxnSpPr>
+        <p:spPr>
+          <a:xfrm>
+            <a:off x="6029127" y="2784538"/>
+            <a:ext cx="2747540" cy="7679"/>
+          </a:xfrm>
+          <a:prstGeom prst="straightConnector1">
+            <a:avLst/>
+          </a:prstGeom>
+          <a:ln w="38100">
+            <a:tailEnd type="arrow"/>
+          </a:ln>
+        </p:spPr>
+        <p:style>
+          <a:lnRef idx="1">
+            <a:schemeClr val="accent1"/>
+          </a:lnRef>
+          <a:fillRef idx="0">
+            <a:schemeClr val="accent1"/>
+          </a:fillRef>
+          <a:effectRef idx="0">
+            <a:schemeClr val="accent1"/>
+          </a:effectRef>
+          <a:fontRef idx="minor">
+            <a:schemeClr val="tx1"/>
+          </a:fontRef>
+        </p:style>
+      </p:cxnSp>
+      <p:sp>
+        <p:nvSpPr>
+          <p:cNvPr id="50" name="직사각형 49"/>
+          <p:cNvSpPr/>
+          <p:nvPr/>
+        </p:nvSpPr>
+        <p:spPr>
+          <a:xfrm>
+            <a:off x="680738" y="4769934"/>
+            <a:ext cx="2036558" cy="425450"/>
           </a:xfrm>
           <a:prstGeom prst="rect">
             <a:avLst/>
           </a:prstGeom>
-          <a:noFill/>
-          <a:extLst>
-            <a:ext uri="{909E8E84-426E-40DD-AFC4-6F175D3DCCD1}">
-              <a14:hiddenFill xmlns:a14="http://schemas.microsoft.com/office/drawing/2010/main">
-                <a:solidFill>
-                  <a:srgbClr val="FFFFFF"/>
-                </a:solidFill>
-              </a14:hiddenFill>
-            </a:ext>
-          </a:extLst>
-        </p:spPr>
-      </p:pic>
+          <a:solidFill>
+            <a:schemeClr val="accent4"/>
+          </a:solidFill>
+          <a:ln>
+            <a:noFill/>
+          </a:ln>
+        </p:spPr>
+        <p:style>
+          <a:lnRef idx="2">
+            <a:schemeClr val="accent1">
+              <a:shade val="50000"/>
+            </a:schemeClr>
+          </a:lnRef>
+          <a:fillRef idx="1">
+            <a:schemeClr val="accent1"/>
+          </a:fillRef>
+          <a:effectRef idx="0">
+            <a:schemeClr val="accent1"/>
+          </a:effectRef>
+          <a:fontRef idx="minor">
+            <a:schemeClr val="lt1"/>
+          </a:fontRef>
+        </p:style>
+        <p:txBody>
+          <a:bodyPr rtlCol="0" anchor="ctr"/>
+          <a:lstStyle/>
+          <a:p>
+            <a:pPr algn="ctr"/>
+            <a:r>
+              <a:rPr lang="en-US" altLang="ko-KR" dirty="0"/>
+              <a:t>I</a:t>
+            </a:r>
+            <a:r>
+              <a:rPr lang="en-US" altLang="ko-KR" dirty="0" smtClean="0"/>
+              <a:t>nput </a:t>
+            </a:r>
+            <a:r>
+              <a:rPr lang="ko-KR" altLang="en-US" dirty="0" smtClean="0"/>
+              <a:t>의류 </a:t>
+            </a:r>
+            <a:r>
+              <a:rPr lang="en-US" altLang="ko-KR" dirty="0" smtClean="0"/>
+              <a:t>image</a:t>
+            </a:r>
+            <a:endParaRPr lang="ko-KR" altLang="en-US" dirty="0"/>
+          </a:p>
+        </p:txBody>
+      </p:sp>
+      <p:sp>
+        <p:nvSpPr>
+          <p:cNvPr id="54" name="직사각형 53"/>
+          <p:cNvSpPr/>
+          <p:nvPr/>
+        </p:nvSpPr>
+        <p:spPr>
+          <a:xfrm>
+            <a:off x="3445904" y="4769934"/>
+            <a:ext cx="2157762" cy="425450"/>
+          </a:xfrm>
+          <a:prstGeom prst="rect">
+            <a:avLst/>
+          </a:prstGeom>
+          <a:solidFill>
+            <a:schemeClr val="accent4"/>
+          </a:solidFill>
+          <a:ln>
+            <a:noFill/>
+          </a:ln>
+        </p:spPr>
+        <p:style>
+          <a:lnRef idx="2">
+            <a:schemeClr val="accent1">
+              <a:shade val="50000"/>
+            </a:schemeClr>
+          </a:lnRef>
+          <a:fillRef idx="1">
+            <a:schemeClr val="accent1"/>
+          </a:fillRef>
+          <a:effectRef idx="0">
+            <a:schemeClr val="accent1"/>
+          </a:effectRef>
+          <a:fontRef idx="minor">
+            <a:schemeClr val="lt1"/>
+          </a:fontRef>
+        </p:style>
+        <p:txBody>
+          <a:bodyPr rtlCol="0" anchor="ctr"/>
+          <a:lstStyle/>
+          <a:p>
+            <a:pPr algn="ctr"/>
+            <a:r>
+              <a:rPr lang="en-US" altLang="ko-KR" dirty="0" smtClean="0"/>
+              <a:t>Input </a:t>
+            </a:r>
+            <a:r>
+              <a:rPr lang="ko-KR" altLang="en-US" dirty="0" smtClean="0"/>
+              <a:t>의류 </a:t>
+            </a:r>
+            <a:r>
+              <a:rPr lang="en-US" altLang="ko-KR" dirty="0" smtClean="0"/>
+              <a:t>image</a:t>
+            </a:r>
+            <a:endParaRPr lang="ko-KR" altLang="en-US" dirty="0"/>
+          </a:p>
+        </p:txBody>
+      </p:sp>
+      <p:cxnSp>
+        <p:nvCxnSpPr>
+          <p:cNvPr id="55" name="직선 화살표 연결선 54"/>
+          <p:cNvCxnSpPr/>
+          <p:nvPr/>
+        </p:nvCxnSpPr>
+        <p:spPr>
+          <a:xfrm flipH="1">
+            <a:off x="6016427" y="3298888"/>
+            <a:ext cx="2745952" cy="8196"/>
+          </a:xfrm>
+          <a:prstGeom prst="straightConnector1">
+            <a:avLst/>
+          </a:prstGeom>
+          <a:ln w="38100">
+            <a:tailEnd type="arrow"/>
+          </a:ln>
+        </p:spPr>
+        <p:style>
+          <a:lnRef idx="1">
+            <a:schemeClr val="accent1"/>
+          </a:lnRef>
+          <a:fillRef idx="0">
+            <a:schemeClr val="accent1"/>
+          </a:fillRef>
+          <a:effectRef idx="0">
+            <a:schemeClr val="accent1"/>
+          </a:effectRef>
+          <a:fontRef idx="minor">
+            <a:schemeClr val="tx1"/>
+          </a:fontRef>
+        </p:style>
+      </p:cxnSp>
     </p:spTree>
     <p:extLst>
       <p:ext uri="{BB962C8B-B14F-4D97-AF65-F5344CB8AC3E}">
-        <p14:creationId xmlns:p14="http://schemas.microsoft.com/office/powerpoint/2010/main" val="1314569497"/>
+        <p14:creationId xmlns:p14="http://schemas.microsoft.com/office/powerpoint/2010/main" val="1302590047"/>
       </p:ext>
     </p:extLst>
   </p:cSld>
@@ -5269,7 +6149,7 @@
   <a:extraClrSchemeLst/>
   <a:extLst>
     <a:ext uri="{05A4C25C-085E-4340-85A3-A5531E510DB2}">
-      <thm15:themeFamily xmlns="" xmlns:thm15="http://schemas.microsoft.com/office/thememl/2012/main" name="Office Theme" id="{62F939B6-93AF-4DB8-9C6B-D6C7DFDC589F}" vid="{4A3C46E8-61CC-4603-A589-7422A47A8E4A}"/>
+      <thm15:themeFamily xmlns:thm15="http://schemas.microsoft.com/office/thememl/2012/main" xmlns="" name="Office Theme" id="{62F939B6-93AF-4DB8-9C6B-D6C7DFDC589F}" vid="{4A3C46E8-61CC-4603-A589-7422A47A8E4A}"/>
     </a:ext>
   </a:extLst>
 </a:theme>

--- a/발표자료/업데이트/LJHPPT.pptx
+++ b/발표자료/업데이트/LJHPPT.pptx
@@ -7,7 +7,9 @@
   <p:sldIdLst>
     <p:sldId id="256" r:id="rId2"/>
     <p:sldId id="275" r:id="rId3"/>
-    <p:sldId id="278" r:id="rId4"/>
+    <p:sldId id="279" r:id="rId4"/>
+    <p:sldId id="280" r:id="rId5"/>
+    <p:sldId id="278" r:id="rId6"/>
   </p:sldIdLst>
   <p:sldSz cx="12192000" cy="6858000"/>
   <p:notesSz cx="6858000" cy="9144000"/>
@@ -108,7 +110,7 @@
   </p:defaultTextStyle>
   <p:extLst>
     <p:ext uri="{EFAFB233-063F-42B5-8137-9DF3F51BA10A}">
-      <p15:sldGuideLst xmlns:p15="http://schemas.microsoft.com/office/powerpoint/2012/main" xmlns="">
+      <p15:sldGuideLst xmlns="" xmlns:p15="http://schemas.microsoft.com/office/powerpoint/2012/main">
         <p15:guide id="1" orient="horz" pos="2160" userDrawn="1">
           <p15:clr>
             <a:srgbClr val="A4A3A4"/>
@@ -147,7 +149,7 @@
           <p:cNvPr id="2" name="제목 1">
             <a:extLst>
               <a:ext uri="{FF2B5EF4-FFF2-40B4-BE49-F238E27FC236}">
-                <a16:creationId xmlns:a16="http://schemas.microsoft.com/office/drawing/2014/main" xmlns="" id="{544428E6-48F8-48FF-A4B7-7E67A9EE0B77}"/>
+                <a16:creationId xmlns="" xmlns:a16="http://schemas.microsoft.com/office/drawing/2014/main" id="{544428E6-48F8-48FF-A4B7-7E67A9EE0B77}"/>
               </a:ext>
             </a:extLst>
           </p:cNvPr>
@@ -184,7 +186,7 @@
           <p:cNvPr id="3" name="부제목 2">
             <a:extLst>
               <a:ext uri="{FF2B5EF4-FFF2-40B4-BE49-F238E27FC236}">
-                <a16:creationId xmlns:a16="http://schemas.microsoft.com/office/drawing/2014/main" xmlns="" id="{FBA2431C-BDF3-4534-AED0-115F103A462A}"/>
+                <a16:creationId xmlns="" xmlns:a16="http://schemas.microsoft.com/office/drawing/2014/main" id="{FBA2431C-BDF3-4534-AED0-115F103A462A}"/>
               </a:ext>
             </a:extLst>
           </p:cNvPr>
@@ -254,7 +256,7 @@
           <p:cNvPr id="4" name="날짜 개체 틀 3">
             <a:extLst>
               <a:ext uri="{FF2B5EF4-FFF2-40B4-BE49-F238E27FC236}">
-                <a16:creationId xmlns:a16="http://schemas.microsoft.com/office/drawing/2014/main" xmlns="" id="{420173CB-01B9-4295-A804-D7D5973D6277}"/>
+                <a16:creationId xmlns="" xmlns:a16="http://schemas.microsoft.com/office/drawing/2014/main" id="{420173CB-01B9-4295-A804-D7D5973D6277}"/>
               </a:ext>
             </a:extLst>
           </p:cNvPr>
@@ -272,7 +274,7 @@
           <a:p>
             <a:fld id="{246E467A-4026-4A8D-97BF-715EF7FA6491}" type="datetimeFigureOut">
               <a:rPr lang="ko-KR" altLang="en-US" smtClean="0"/>
-              <a:t>2023-08-03</a:t>
+              <a:t>2023-08-10</a:t>
             </a:fld>
             <a:endParaRPr lang="ko-KR" altLang="en-US"/>
           </a:p>
@@ -283,7 +285,7 @@
           <p:cNvPr id="5" name="바닥글 개체 틀 4">
             <a:extLst>
               <a:ext uri="{FF2B5EF4-FFF2-40B4-BE49-F238E27FC236}">
-                <a16:creationId xmlns:a16="http://schemas.microsoft.com/office/drawing/2014/main" xmlns="" id="{E1C5FE16-77A0-484E-AEFD-FF537292ECD0}"/>
+                <a16:creationId xmlns="" xmlns:a16="http://schemas.microsoft.com/office/drawing/2014/main" id="{E1C5FE16-77A0-484E-AEFD-FF537292ECD0}"/>
               </a:ext>
             </a:extLst>
           </p:cNvPr>
@@ -308,7 +310,7 @@
           <p:cNvPr id="6" name="슬라이드 번호 개체 틀 5">
             <a:extLst>
               <a:ext uri="{FF2B5EF4-FFF2-40B4-BE49-F238E27FC236}">
-                <a16:creationId xmlns:a16="http://schemas.microsoft.com/office/drawing/2014/main" xmlns="" id="{69F3DF25-2E65-49D3-8F6F-64AA11097B17}"/>
+                <a16:creationId xmlns="" xmlns:a16="http://schemas.microsoft.com/office/drawing/2014/main" id="{69F3DF25-2E65-49D3-8F6F-64AA11097B17}"/>
               </a:ext>
             </a:extLst>
           </p:cNvPr>
@@ -367,7 +369,7 @@
           <p:cNvPr id="2" name="제목 1">
             <a:extLst>
               <a:ext uri="{FF2B5EF4-FFF2-40B4-BE49-F238E27FC236}">
-                <a16:creationId xmlns:a16="http://schemas.microsoft.com/office/drawing/2014/main" xmlns="" id="{0E520652-E714-4A15-826F-1B53C7092B68}"/>
+                <a16:creationId xmlns="" xmlns:a16="http://schemas.microsoft.com/office/drawing/2014/main" id="{0E520652-E714-4A15-826F-1B53C7092B68}"/>
               </a:ext>
             </a:extLst>
           </p:cNvPr>
@@ -395,7 +397,7 @@
           <p:cNvPr id="3" name="세로 텍스트 개체 틀 2">
             <a:extLst>
               <a:ext uri="{FF2B5EF4-FFF2-40B4-BE49-F238E27FC236}">
-                <a16:creationId xmlns:a16="http://schemas.microsoft.com/office/drawing/2014/main" xmlns="" id="{1C14771D-DE0A-400C-8C59-8670E31F7094}"/>
+                <a16:creationId xmlns="" xmlns:a16="http://schemas.microsoft.com/office/drawing/2014/main" id="{1C14771D-DE0A-400C-8C59-8670E31F7094}"/>
               </a:ext>
             </a:extLst>
           </p:cNvPr>
@@ -452,7 +454,7 @@
           <p:cNvPr id="4" name="날짜 개체 틀 3">
             <a:extLst>
               <a:ext uri="{FF2B5EF4-FFF2-40B4-BE49-F238E27FC236}">
-                <a16:creationId xmlns:a16="http://schemas.microsoft.com/office/drawing/2014/main" xmlns="" id="{5CBEACB7-48C9-4FB8-8D34-7F4C63932697}"/>
+                <a16:creationId xmlns="" xmlns:a16="http://schemas.microsoft.com/office/drawing/2014/main" id="{5CBEACB7-48C9-4FB8-8D34-7F4C63932697}"/>
               </a:ext>
             </a:extLst>
           </p:cNvPr>
@@ -470,7 +472,7 @@
           <a:p>
             <a:fld id="{246E467A-4026-4A8D-97BF-715EF7FA6491}" type="datetimeFigureOut">
               <a:rPr lang="ko-KR" altLang="en-US" smtClean="0"/>
-              <a:t>2023-08-03</a:t>
+              <a:t>2023-08-10</a:t>
             </a:fld>
             <a:endParaRPr lang="ko-KR" altLang="en-US"/>
           </a:p>
@@ -481,7 +483,7 @@
           <p:cNvPr id="5" name="바닥글 개체 틀 4">
             <a:extLst>
               <a:ext uri="{FF2B5EF4-FFF2-40B4-BE49-F238E27FC236}">
-                <a16:creationId xmlns:a16="http://schemas.microsoft.com/office/drawing/2014/main" xmlns="" id="{5BD31818-B6CD-47B0-9353-395CC53986D6}"/>
+                <a16:creationId xmlns="" xmlns:a16="http://schemas.microsoft.com/office/drawing/2014/main" id="{5BD31818-B6CD-47B0-9353-395CC53986D6}"/>
               </a:ext>
             </a:extLst>
           </p:cNvPr>
@@ -506,7 +508,7 @@
           <p:cNvPr id="6" name="슬라이드 번호 개체 틀 5">
             <a:extLst>
               <a:ext uri="{FF2B5EF4-FFF2-40B4-BE49-F238E27FC236}">
-                <a16:creationId xmlns:a16="http://schemas.microsoft.com/office/drawing/2014/main" xmlns="" id="{BD008922-CAE3-4884-AE59-2BC74144C74C}"/>
+                <a16:creationId xmlns="" xmlns:a16="http://schemas.microsoft.com/office/drawing/2014/main" id="{BD008922-CAE3-4884-AE59-2BC74144C74C}"/>
               </a:ext>
             </a:extLst>
           </p:cNvPr>
@@ -565,7 +567,7 @@
           <p:cNvPr id="2" name="세로 제목 1">
             <a:extLst>
               <a:ext uri="{FF2B5EF4-FFF2-40B4-BE49-F238E27FC236}">
-                <a16:creationId xmlns:a16="http://schemas.microsoft.com/office/drawing/2014/main" xmlns="" id="{A3371B8A-69A6-43D4-8783-6456E33508F7}"/>
+                <a16:creationId xmlns="" xmlns:a16="http://schemas.microsoft.com/office/drawing/2014/main" id="{A3371B8A-69A6-43D4-8783-6456E33508F7}"/>
               </a:ext>
             </a:extLst>
           </p:cNvPr>
@@ -598,7 +600,7 @@
           <p:cNvPr id="3" name="세로 텍스트 개체 틀 2">
             <a:extLst>
               <a:ext uri="{FF2B5EF4-FFF2-40B4-BE49-F238E27FC236}">
-                <a16:creationId xmlns:a16="http://schemas.microsoft.com/office/drawing/2014/main" xmlns="" id="{049DA1AA-3028-44E4-B5B0-C19BF61DC48A}"/>
+                <a16:creationId xmlns="" xmlns:a16="http://schemas.microsoft.com/office/drawing/2014/main" id="{049DA1AA-3028-44E4-B5B0-C19BF61DC48A}"/>
               </a:ext>
             </a:extLst>
           </p:cNvPr>
@@ -660,7 +662,7 @@
           <p:cNvPr id="4" name="날짜 개체 틀 3">
             <a:extLst>
               <a:ext uri="{FF2B5EF4-FFF2-40B4-BE49-F238E27FC236}">
-                <a16:creationId xmlns:a16="http://schemas.microsoft.com/office/drawing/2014/main" xmlns="" id="{ED2BCD8D-3E10-4F33-BC43-EACB05C0B415}"/>
+                <a16:creationId xmlns="" xmlns:a16="http://schemas.microsoft.com/office/drawing/2014/main" id="{ED2BCD8D-3E10-4F33-BC43-EACB05C0B415}"/>
               </a:ext>
             </a:extLst>
           </p:cNvPr>
@@ -678,7 +680,7 @@
           <a:p>
             <a:fld id="{246E467A-4026-4A8D-97BF-715EF7FA6491}" type="datetimeFigureOut">
               <a:rPr lang="ko-KR" altLang="en-US" smtClean="0"/>
-              <a:t>2023-08-03</a:t>
+              <a:t>2023-08-10</a:t>
             </a:fld>
             <a:endParaRPr lang="ko-KR" altLang="en-US"/>
           </a:p>
@@ -689,7 +691,7 @@
           <p:cNvPr id="5" name="바닥글 개체 틀 4">
             <a:extLst>
               <a:ext uri="{FF2B5EF4-FFF2-40B4-BE49-F238E27FC236}">
-                <a16:creationId xmlns:a16="http://schemas.microsoft.com/office/drawing/2014/main" xmlns="" id="{33E365BE-78DE-4079-B7F3-706874E92415}"/>
+                <a16:creationId xmlns="" xmlns:a16="http://schemas.microsoft.com/office/drawing/2014/main" id="{33E365BE-78DE-4079-B7F3-706874E92415}"/>
               </a:ext>
             </a:extLst>
           </p:cNvPr>
@@ -714,7 +716,7 @@
           <p:cNvPr id="6" name="슬라이드 번호 개체 틀 5">
             <a:extLst>
               <a:ext uri="{FF2B5EF4-FFF2-40B4-BE49-F238E27FC236}">
-                <a16:creationId xmlns:a16="http://schemas.microsoft.com/office/drawing/2014/main" xmlns="" id="{6F0D9E52-1AFA-4482-A474-91FF4C5C683A}"/>
+                <a16:creationId xmlns="" xmlns:a16="http://schemas.microsoft.com/office/drawing/2014/main" id="{6F0D9E52-1AFA-4482-A474-91FF4C5C683A}"/>
               </a:ext>
             </a:extLst>
           </p:cNvPr>
@@ -773,7 +775,7 @@
           <p:cNvPr id="2" name="제목 1">
             <a:extLst>
               <a:ext uri="{FF2B5EF4-FFF2-40B4-BE49-F238E27FC236}">
-                <a16:creationId xmlns:a16="http://schemas.microsoft.com/office/drawing/2014/main" xmlns="" id="{60DBF82B-6C4A-4F6E-A362-B2BF3BDC30D7}"/>
+                <a16:creationId xmlns="" xmlns:a16="http://schemas.microsoft.com/office/drawing/2014/main" id="{60DBF82B-6C4A-4F6E-A362-B2BF3BDC30D7}"/>
               </a:ext>
             </a:extLst>
           </p:cNvPr>
@@ -801,7 +803,7 @@
           <p:cNvPr id="3" name="내용 개체 틀 2">
             <a:extLst>
               <a:ext uri="{FF2B5EF4-FFF2-40B4-BE49-F238E27FC236}">
-                <a16:creationId xmlns:a16="http://schemas.microsoft.com/office/drawing/2014/main" xmlns="" id="{BDE6E910-43A6-49D6-A1B5-99E3B0C27E2D}"/>
+                <a16:creationId xmlns="" xmlns:a16="http://schemas.microsoft.com/office/drawing/2014/main" id="{BDE6E910-43A6-49D6-A1B5-99E3B0C27E2D}"/>
               </a:ext>
             </a:extLst>
           </p:cNvPr>
@@ -858,7 +860,7 @@
           <p:cNvPr id="4" name="날짜 개체 틀 3">
             <a:extLst>
               <a:ext uri="{FF2B5EF4-FFF2-40B4-BE49-F238E27FC236}">
-                <a16:creationId xmlns:a16="http://schemas.microsoft.com/office/drawing/2014/main" xmlns="" id="{2F0DB3AC-66C4-4244-9CE9-54D71AA59C90}"/>
+                <a16:creationId xmlns="" xmlns:a16="http://schemas.microsoft.com/office/drawing/2014/main" id="{2F0DB3AC-66C4-4244-9CE9-54D71AA59C90}"/>
               </a:ext>
             </a:extLst>
           </p:cNvPr>
@@ -876,7 +878,7 @@
           <a:p>
             <a:fld id="{246E467A-4026-4A8D-97BF-715EF7FA6491}" type="datetimeFigureOut">
               <a:rPr lang="ko-KR" altLang="en-US" smtClean="0"/>
-              <a:t>2023-08-03</a:t>
+              <a:t>2023-08-10</a:t>
             </a:fld>
             <a:endParaRPr lang="ko-KR" altLang="en-US"/>
           </a:p>
@@ -887,7 +889,7 @@
           <p:cNvPr id="5" name="바닥글 개체 틀 4">
             <a:extLst>
               <a:ext uri="{FF2B5EF4-FFF2-40B4-BE49-F238E27FC236}">
-                <a16:creationId xmlns:a16="http://schemas.microsoft.com/office/drawing/2014/main" xmlns="" id="{3992C886-882E-440B-806C-B06DE5089026}"/>
+                <a16:creationId xmlns="" xmlns:a16="http://schemas.microsoft.com/office/drawing/2014/main" id="{3992C886-882E-440B-806C-B06DE5089026}"/>
               </a:ext>
             </a:extLst>
           </p:cNvPr>
@@ -912,7 +914,7 @@
           <p:cNvPr id="6" name="슬라이드 번호 개체 틀 5">
             <a:extLst>
               <a:ext uri="{FF2B5EF4-FFF2-40B4-BE49-F238E27FC236}">
-                <a16:creationId xmlns:a16="http://schemas.microsoft.com/office/drawing/2014/main" xmlns="" id="{9A9323D2-1426-48F9-A93B-729E72E2B2BB}"/>
+                <a16:creationId xmlns="" xmlns:a16="http://schemas.microsoft.com/office/drawing/2014/main" id="{9A9323D2-1426-48F9-A93B-729E72E2B2BB}"/>
               </a:ext>
             </a:extLst>
           </p:cNvPr>
@@ -971,7 +973,7 @@
           <p:cNvPr id="2" name="제목 1">
             <a:extLst>
               <a:ext uri="{FF2B5EF4-FFF2-40B4-BE49-F238E27FC236}">
-                <a16:creationId xmlns:a16="http://schemas.microsoft.com/office/drawing/2014/main" xmlns="" id="{7153C500-C8D9-4EBC-AC73-9F7D65F03E32}"/>
+                <a16:creationId xmlns="" xmlns:a16="http://schemas.microsoft.com/office/drawing/2014/main" id="{7153C500-C8D9-4EBC-AC73-9F7D65F03E32}"/>
               </a:ext>
             </a:extLst>
           </p:cNvPr>
@@ -1008,7 +1010,7 @@
           <p:cNvPr id="3" name="텍스트 개체 틀 2">
             <a:extLst>
               <a:ext uri="{FF2B5EF4-FFF2-40B4-BE49-F238E27FC236}">
-                <a16:creationId xmlns:a16="http://schemas.microsoft.com/office/drawing/2014/main" xmlns="" id="{4E56CD17-259A-42E8-B64F-04C51B7C1C5F}"/>
+                <a16:creationId xmlns="" xmlns:a16="http://schemas.microsoft.com/office/drawing/2014/main" id="{4E56CD17-259A-42E8-B64F-04C51B7C1C5F}"/>
               </a:ext>
             </a:extLst>
           </p:cNvPr>
@@ -1133,7 +1135,7 @@
           <p:cNvPr id="4" name="날짜 개체 틀 3">
             <a:extLst>
               <a:ext uri="{FF2B5EF4-FFF2-40B4-BE49-F238E27FC236}">
-                <a16:creationId xmlns:a16="http://schemas.microsoft.com/office/drawing/2014/main" xmlns="" id="{CE976CE5-8C59-42A2-A597-465DEAC8E5A7}"/>
+                <a16:creationId xmlns="" xmlns:a16="http://schemas.microsoft.com/office/drawing/2014/main" id="{CE976CE5-8C59-42A2-A597-465DEAC8E5A7}"/>
               </a:ext>
             </a:extLst>
           </p:cNvPr>
@@ -1151,7 +1153,7 @@
           <a:p>
             <a:fld id="{246E467A-4026-4A8D-97BF-715EF7FA6491}" type="datetimeFigureOut">
               <a:rPr lang="ko-KR" altLang="en-US" smtClean="0"/>
-              <a:t>2023-08-03</a:t>
+              <a:t>2023-08-10</a:t>
             </a:fld>
             <a:endParaRPr lang="ko-KR" altLang="en-US"/>
           </a:p>
@@ -1162,7 +1164,7 @@
           <p:cNvPr id="5" name="바닥글 개체 틀 4">
             <a:extLst>
               <a:ext uri="{FF2B5EF4-FFF2-40B4-BE49-F238E27FC236}">
-                <a16:creationId xmlns:a16="http://schemas.microsoft.com/office/drawing/2014/main" xmlns="" id="{742312C6-1DCE-41BC-B5FA-FCFF5BE3B9E6}"/>
+                <a16:creationId xmlns="" xmlns:a16="http://schemas.microsoft.com/office/drawing/2014/main" id="{742312C6-1DCE-41BC-B5FA-FCFF5BE3B9E6}"/>
               </a:ext>
             </a:extLst>
           </p:cNvPr>
@@ -1187,7 +1189,7 @@
           <p:cNvPr id="6" name="슬라이드 번호 개체 틀 5">
             <a:extLst>
               <a:ext uri="{FF2B5EF4-FFF2-40B4-BE49-F238E27FC236}">
-                <a16:creationId xmlns:a16="http://schemas.microsoft.com/office/drawing/2014/main" xmlns="" id="{664339A5-69DC-4256-84CA-F160D48ED02B}"/>
+                <a16:creationId xmlns="" xmlns:a16="http://schemas.microsoft.com/office/drawing/2014/main" id="{664339A5-69DC-4256-84CA-F160D48ED02B}"/>
               </a:ext>
             </a:extLst>
           </p:cNvPr>
@@ -1246,7 +1248,7 @@
           <p:cNvPr id="2" name="제목 1">
             <a:extLst>
               <a:ext uri="{FF2B5EF4-FFF2-40B4-BE49-F238E27FC236}">
-                <a16:creationId xmlns:a16="http://schemas.microsoft.com/office/drawing/2014/main" xmlns="" id="{BCF37A4D-E01E-45A7-B166-73EE7826C0E7}"/>
+                <a16:creationId xmlns="" xmlns:a16="http://schemas.microsoft.com/office/drawing/2014/main" id="{BCF37A4D-E01E-45A7-B166-73EE7826C0E7}"/>
               </a:ext>
             </a:extLst>
           </p:cNvPr>
@@ -1274,7 +1276,7 @@
           <p:cNvPr id="3" name="내용 개체 틀 2">
             <a:extLst>
               <a:ext uri="{FF2B5EF4-FFF2-40B4-BE49-F238E27FC236}">
-                <a16:creationId xmlns:a16="http://schemas.microsoft.com/office/drawing/2014/main" xmlns="" id="{A70D6757-7DA6-452C-9903-7536978F1556}"/>
+                <a16:creationId xmlns="" xmlns:a16="http://schemas.microsoft.com/office/drawing/2014/main" id="{A70D6757-7DA6-452C-9903-7536978F1556}"/>
               </a:ext>
             </a:extLst>
           </p:cNvPr>
@@ -1336,7 +1338,7 @@
           <p:cNvPr id="4" name="내용 개체 틀 3">
             <a:extLst>
               <a:ext uri="{FF2B5EF4-FFF2-40B4-BE49-F238E27FC236}">
-                <a16:creationId xmlns:a16="http://schemas.microsoft.com/office/drawing/2014/main" xmlns="" id="{23DCC3C8-286B-4184-8752-32BC3B116B8E}"/>
+                <a16:creationId xmlns="" xmlns:a16="http://schemas.microsoft.com/office/drawing/2014/main" id="{23DCC3C8-286B-4184-8752-32BC3B116B8E}"/>
               </a:ext>
             </a:extLst>
           </p:cNvPr>
@@ -1398,7 +1400,7 @@
           <p:cNvPr id="5" name="날짜 개체 틀 4">
             <a:extLst>
               <a:ext uri="{FF2B5EF4-FFF2-40B4-BE49-F238E27FC236}">
-                <a16:creationId xmlns:a16="http://schemas.microsoft.com/office/drawing/2014/main" xmlns="" id="{7ECA751A-C45B-42C8-893F-826B22E76CF6}"/>
+                <a16:creationId xmlns="" xmlns:a16="http://schemas.microsoft.com/office/drawing/2014/main" id="{7ECA751A-C45B-42C8-893F-826B22E76CF6}"/>
               </a:ext>
             </a:extLst>
           </p:cNvPr>
@@ -1416,7 +1418,7 @@
           <a:p>
             <a:fld id="{246E467A-4026-4A8D-97BF-715EF7FA6491}" type="datetimeFigureOut">
               <a:rPr lang="ko-KR" altLang="en-US" smtClean="0"/>
-              <a:t>2023-08-03</a:t>
+              <a:t>2023-08-10</a:t>
             </a:fld>
             <a:endParaRPr lang="ko-KR" altLang="en-US"/>
           </a:p>
@@ -1427,7 +1429,7 @@
           <p:cNvPr id="6" name="바닥글 개체 틀 5">
             <a:extLst>
               <a:ext uri="{FF2B5EF4-FFF2-40B4-BE49-F238E27FC236}">
-                <a16:creationId xmlns:a16="http://schemas.microsoft.com/office/drawing/2014/main" xmlns="" id="{9F77210C-0EDE-42F3-A19F-12B3884B4393}"/>
+                <a16:creationId xmlns="" xmlns:a16="http://schemas.microsoft.com/office/drawing/2014/main" id="{9F77210C-0EDE-42F3-A19F-12B3884B4393}"/>
               </a:ext>
             </a:extLst>
           </p:cNvPr>
@@ -1452,7 +1454,7 @@
           <p:cNvPr id="7" name="슬라이드 번호 개체 틀 6">
             <a:extLst>
               <a:ext uri="{FF2B5EF4-FFF2-40B4-BE49-F238E27FC236}">
-                <a16:creationId xmlns:a16="http://schemas.microsoft.com/office/drawing/2014/main" xmlns="" id="{3215D590-E2D2-480C-AF73-67D855C553CB}"/>
+                <a16:creationId xmlns="" xmlns:a16="http://schemas.microsoft.com/office/drawing/2014/main" id="{3215D590-E2D2-480C-AF73-67D855C553CB}"/>
               </a:ext>
             </a:extLst>
           </p:cNvPr>
@@ -1511,7 +1513,7 @@
           <p:cNvPr id="2" name="제목 1">
             <a:extLst>
               <a:ext uri="{FF2B5EF4-FFF2-40B4-BE49-F238E27FC236}">
-                <a16:creationId xmlns:a16="http://schemas.microsoft.com/office/drawing/2014/main" xmlns="" id="{E1E3AF97-024B-4EF1-B5B6-2E362F07CDB3}"/>
+                <a16:creationId xmlns="" xmlns:a16="http://schemas.microsoft.com/office/drawing/2014/main" id="{E1E3AF97-024B-4EF1-B5B6-2E362F07CDB3}"/>
               </a:ext>
             </a:extLst>
           </p:cNvPr>
@@ -1544,7 +1546,7 @@
           <p:cNvPr id="3" name="텍스트 개체 틀 2">
             <a:extLst>
               <a:ext uri="{FF2B5EF4-FFF2-40B4-BE49-F238E27FC236}">
-                <a16:creationId xmlns:a16="http://schemas.microsoft.com/office/drawing/2014/main" xmlns="" id="{2B41334B-2AA0-4E32-9445-B691EAB2831F}"/>
+                <a16:creationId xmlns="" xmlns:a16="http://schemas.microsoft.com/office/drawing/2014/main" id="{2B41334B-2AA0-4E32-9445-B691EAB2831F}"/>
               </a:ext>
             </a:extLst>
           </p:cNvPr>
@@ -1615,7 +1617,7 @@
           <p:cNvPr id="4" name="내용 개체 틀 3">
             <a:extLst>
               <a:ext uri="{FF2B5EF4-FFF2-40B4-BE49-F238E27FC236}">
-                <a16:creationId xmlns:a16="http://schemas.microsoft.com/office/drawing/2014/main" xmlns="" id="{BDB62D6F-224F-4433-9752-11A255D323D4}"/>
+                <a16:creationId xmlns="" xmlns:a16="http://schemas.microsoft.com/office/drawing/2014/main" id="{BDB62D6F-224F-4433-9752-11A255D323D4}"/>
               </a:ext>
             </a:extLst>
           </p:cNvPr>
@@ -1677,7 +1679,7 @@
           <p:cNvPr id="5" name="텍스트 개체 틀 4">
             <a:extLst>
               <a:ext uri="{FF2B5EF4-FFF2-40B4-BE49-F238E27FC236}">
-                <a16:creationId xmlns:a16="http://schemas.microsoft.com/office/drawing/2014/main" xmlns="" id="{DD04EE0E-6C7E-4160-86AA-136E97F9FD62}"/>
+                <a16:creationId xmlns="" xmlns:a16="http://schemas.microsoft.com/office/drawing/2014/main" id="{DD04EE0E-6C7E-4160-86AA-136E97F9FD62}"/>
               </a:ext>
             </a:extLst>
           </p:cNvPr>
@@ -1748,7 +1750,7 @@
           <p:cNvPr id="6" name="내용 개체 틀 5">
             <a:extLst>
               <a:ext uri="{FF2B5EF4-FFF2-40B4-BE49-F238E27FC236}">
-                <a16:creationId xmlns:a16="http://schemas.microsoft.com/office/drawing/2014/main" xmlns="" id="{1B390FB9-7573-4784-A2A4-EDF1B3C59FF4}"/>
+                <a16:creationId xmlns="" xmlns:a16="http://schemas.microsoft.com/office/drawing/2014/main" id="{1B390FB9-7573-4784-A2A4-EDF1B3C59FF4}"/>
               </a:ext>
             </a:extLst>
           </p:cNvPr>
@@ -1810,7 +1812,7 @@
           <p:cNvPr id="7" name="날짜 개체 틀 6">
             <a:extLst>
               <a:ext uri="{FF2B5EF4-FFF2-40B4-BE49-F238E27FC236}">
-                <a16:creationId xmlns:a16="http://schemas.microsoft.com/office/drawing/2014/main" xmlns="" id="{F464B30B-9C6A-4C96-8DB5-BCE9A09F77BB}"/>
+                <a16:creationId xmlns="" xmlns:a16="http://schemas.microsoft.com/office/drawing/2014/main" id="{F464B30B-9C6A-4C96-8DB5-BCE9A09F77BB}"/>
               </a:ext>
             </a:extLst>
           </p:cNvPr>
@@ -1828,7 +1830,7 @@
           <a:p>
             <a:fld id="{246E467A-4026-4A8D-97BF-715EF7FA6491}" type="datetimeFigureOut">
               <a:rPr lang="ko-KR" altLang="en-US" smtClean="0"/>
-              <a:t>2023-08-03</a:t>
+              <a:t>2023-08-10</a:t>
             </a:fld>
             <a:endParaRPr lang="ko-KR" altLang="en-US"/>
           </a:p>
@@ -1839,7 +1841,7 @@
           <p:cNvPr id="8" name="바닥글 개체 틀 7">
             <a:extLst>
               <a:ext uri="{FF2B5EF4-FFF2-40B4-BE49-F238E27FC236}">
-                <a16:creationId xmlns:a16="http://schemas.microsoft.com/office/drawing/2014/main" xmlns="" id="{16A11AC4-2315-46FE-81A4-FE4B843497D9}"/>
+                <a16:creationId xmlns="" xmlns:a16="http://schemas.microsoft.com/office/drawing/2014/main" id="{16A11AC4-2315-46FE-81A4-FE4B843497D9}"/>
               </a:ext>
             </a:extLst>
           </p:cNvPr>
@@ -1864,7 +1866,7 @@
           <p:cNvPr id="9" name="슬라이드 번호 개체 틀 8">
             <a:extLst>
               <a:ext uri="{FF2B5EF4-FFF2-40B4-BE49-F238E27FC236}">
-                <a16:creationId xmlns:a16="http://schemas.microsoft.com/office/drawing/2014/main" xmlns="" id="{DC2D39CB-CB92-40B8-9B0C-3FBBBDF9DDF4}"/>
+                <a16:creationId xmlns="" xmlns:a16="http://schemas.microsoft.com/office/drawing/2014/main" id="{DC2D39CB-CB92-40B8-9B0C-3FBBBDF9DDF4}"/>
               </a:ext>
             </a:extLst>
           </p:cNvPr>
@@ -1923,7 +1925,7 @@
           <p:cNvPr id="2" name="제목 1">
             <a:extLst>
               <a:ext uri="{FF2B5EF4-FFF2-40B4-BE49-F238E27FC236}">
-                <a16:creationId xmlns:a16="http://schemas.microsoft.com/office/drawing/2014/main" xmlns="" id="{90E32E25-F5B3-41EE-BD3B-6965721B8BFA}"/>
+                <a16:creationId xmlns="" xmlns:a16="http://schemas.microsoft.com/office/drawing/2014/main" id="{90E32E25-F5B3-41EE-BD3B-6965721B8BFA}"/>
               </a:ext>
             </a:extLst>
           </p:cNvPr>
@@ -1951,7 +1953,7 @@
           <p:cNvPr id="3" name="날짜 개체 틀 2">
             <a:extLst>
               <a:ext uri="{FF2B5EF4-FFF2-40B4-BE49-F238E27FC236}">
-                <a16:creationId xmlns:a16="http://schemas.microsoft.com/office/drawing/2014/main" xmlns="" id="{0CFE1863-7C02-424B-AF80-CDB396716C6B}"/>
+                <a16:creationId xmlns="" xmlns:a16="http://schemas.microsoft.com/office/drawing/2014/main" id="{0CFE1863-7C02-424B-AF80-CDB396716C6B}"/>
               </a:ext>
             </a:extLst>
           </p:cNvPr>
@@ -1969,7 +1971,7 @@
           <a:p>
             <a:fld id="{246E467A-4026-4A8D-97BF-715EF7FA6491}" type="datetimeFigureOut">
               <a:rPr lang="ko-KR" altLang="en-US" smtClean="0"/>
-              <a:t>2023-08-03</a:t>
+              <a:t>2023-08-10</a:t>
             </a:fld>
             <a:endParaRPr lang="ko-KR" altLang="en-US"/>
           </a:p>
@@ -1980,7 +1982,7 @@
           <p:cNvPr id="4" name="바닥글 개체 틀 3">
             <a:extLst>
               <a:ext uri="{FF2B5EF4-FFF2-40B4-BE49-F238E27FC236}">
-                <a16:creationId xmlns:a16="http://schemas.microsoft.com/office/drawing/2014/main" xmlns="" id="{2F99FB34-90A4-44A0-9CF8-F0BC0FE4AB26}"/>
+                <a16:creationId xmlns="" xmlns:a16="http://schemas.microsoft.com/office/drawing/2014/main" id="{2F99FB34-90A4-44A0-9CF8-F0BC0FE4AB26}"/>
               </a:ext>
             </a:extLst>
           </p:cNvPr>
@@ -2005,7 +2007,7 @@
           <p:cNvPr id="5" name="슬라이드 번호 개체 틀 4">
             <a:extLst>
               <a:ext uri="{FF2B5EF4-FFF2-40B4-BE49-F238E27FC236}">
-                <a16:creationId xmlns:a16="http://schemas.microsoft.com/office/drawing/2014/main" xmlns="" id="{56375702-4955-406C-919C-D35A1B84B474}"/>
+                <a16:creationId xmlns="" xmlns:a16="http://schemas.microsoft.com/office/drawing/2014/main" id="{56375702-4955-406C-919C-D35A1B84B474}"/>
               </a:ext>
             </a:extLst>
           </p:cNvPr>
@@ -2064,7 +2066,7 @@
           <p:cNvPr id="2" name="날짜 개체 틀 1">
             <a:extLst>
               <a:ext uri="{FF2B5EF4-FFF2-40B4-BE49-F238E27FC236}">
-                <a16:creationId xmlns:a16="http://schemas.microsoft.com/office/drawing/2014/main" xmlns="" id="{D76E1BA2-3103-4DB2-AAEB-ED1BAE4527B3}"/>
+                <a16:creationId xmlns="" xmlns:a16="http://schemas.microsoft.com/office/drawing/2014/main" id="{D76E1BA2-3103-4DB2-AAEB-ED1BAE4527B3}"/>
               </a:ext>
             </a:extLst>
           </p:cNvPr>
@@ -2082,7 +2084,7 @@
           <a:p>
             <a:fld id="{246E467A-4026-4A8D-97BF-715EF7FA6491}" type="datetimeFigureOut">
               <a:rPr lang="ko-KR" altLang="en-US" smtClean="0"/>
-              <a:t>2023-08-03</a:t>
+              <a:t>2023-08-10</a:t>
             </a:fld>
             <a:endParaRPr lang="ko-KR" altLang="en-US"/>
           </a:p>
@@ -2093,7 +2095,7 @@
           <p:cNvPr id="3" name="바닥글 개체 틀 2">
             <a:extLst>
               <a:ext uri="{FF2B5EF4-FFF2-40B4-BE49-F238E27FC236}">
-                <a16:creationId xmlns:a16="http://schemas.microsoft.com/office/drawing/2014/main" xmlns="" id="{505D5A54-85CA-45E5-9801-A3F15EEFCC94}"/>
+                <a16:creationId xmlns="" xmlns:a16="http://schemas.microsoft.com/office/drawing/2014/main" id="{505D5A54-85CA-45E5-9801-A3F15EEFCC94}"/>
               </a:ext>
             </a:extLst>
           </p:cNvPr>
@@ -2118,7 +2120,7 @@
           <p:cNvPr id="4" name="슬라이드 번호 개체 틀 3">
             <a:extLst>
               <a:ext uri="{FF2B5EF4-FFF2-40B4-BE49-F238E27FC236}">
-                <a16:creationId xmlns:a16="http://schemas.microsoft.com/office/drawing/2014/main" xmlns="" id="{A812AF2F-D0EC-4C7E-8979-4C17E3F4B44D}"/>
+                <a16:creationId xmlns="" xmlns:a16="http://schemas.microsoft.com/office/drawing/2014/main" id="{A812AF2F-D0EC-4C7E-8979-4C17E3F4B44D}"/>
               </a:ext>
             </a:extLst>
           </p:cNvPr>
@@ -2177,7 +2179,7 @@
           <p:cNvPr id="2" name="제목 1">
             <a:extLst>
               <a:ext uri="{FF2B5EF4-FFF2-40B4-BE49-F238E27FC236}">
-                <a16:creationId xmlns:a16="http://schemas.microsoft.com/office/drawing/2014/main" xmlns="" id="{8C03A167-5C7C-4CD2-A3E4-B6F94583214B}"/>
+                <a16:creationId xmlns="" xmlns:a16="http://schemas.microsoft.com/office/drawing/2014/main" id="{8C03A167-5C7C-4CD2-A3E4-B6F94583214B}"/>
               </a:ext>
             </a:extLst>
           </p:cNvPr>
@@ -2214,7 +2216,7 @@
           <p:cNvPr id="3" name="내용 개체 틀 2">
             <a:extLst>
               <a:ext uri="{FF2B5EF4-FFF2-40B4-BE49-F238E27FC236}">
-                <a16:creationId xmlns:a16="http://schemas.microsoft.com/office/drawing/2014/main" xmlns="" id="{5421CEB6-C525-4AEB-BB3E-B13156901366}"/>
+                <a16:creationId xmlns="" xmlns:a16="http://schemas.microsoft.com/office/drawing/2014/main" id="{5421CEB6-C525-4AEB-BB3E-B13156901366}"/>
               </a:ext>
             </a:extLst>
           </p:cNvPr>
@@ -2304,7 +2306,7 @@
           <p:cNvPr id="4" name="텍스트 개체 틀 3">
             <a:extLst>
               <a:ext uri="{FF2B5EF4-FFF2-40B4-BE49-F238E27FC236}">
-                <a16:creationId xmlns:a16="http://schemas.microsoft.com/office/drawing/2014/main" xmlns="" id="{69296C9A-4472-4D30-BFAE-60CB397B5014}"/>
+                <a16:creationId xmlns="" xmlns:a16="http://schemas.microsoft.com/office/drawing/2014/main" id="{69296C9A-4472-4D30-BFAE-60CB397B5014}"/>
               </a:ext>
             </a:extLst>
           </p:cNvPr>
@@ -2375,7 +2377,7 @@
           <p:cNvPr id="5" name="날짜 개체 틀 4">
             <a:extLst>
               <a:ext uri="{FF2B5EF4-FFF2-40B4-BE49-F238E27FC236}">
-                <a16:creationId xmlns:a16="http://schemas.microsoft.com/office/drawing/2014/main" xmlns="" id="{F44E3F16-D603-4838-BA1C-0C9EEDE4AC92}"/>
+                <a16:creationId xmlns="" xmlns:a16="http://schemas.microsoft.com/office/drawing/2014/main" id="{F44E3F16-D603-4838-BA1C-0C9EEDE4AC92}"/>
               </a:ext>
             </a:extLst>
           </p:cNvPr>
@@ -2393,7 +2395,7 @@
           <a:p>
             <a:fld id="{246E467A-4026-4A8D-97BF-715EF7FA6491}" type="datetimeFigureOut">
               <a:rPr lang="ko-KR" altLang="en-US" smtClean="0"/>
-              <a:t>2023-08-03</a:t>
+              <a:t>2023-08-10</a:t>
             </a:fld>
             <a:endParaRPr lang="ko-KR" altLang="en-US"/>
           </a:p>
@@ -2404,7 +2406,7 @@
           <p:cNvPr id="6" name="바닥글 개체 틀 5">
             <a:extLst>
               <a:ext uri="{FF2B5EF4-FFF2-40B4-BE49-F238E27FC236}">
-                <a16:creationId xmlns:a16="http://schemas.microsoft.com/office/drawing/2014/main" xmlns="" id="{F48873C6-9D3A-4C62-9D46-88E6BAABCBA4}"/>
+                <a16:creationId xmlns="" xmlns:a16="http://schemas.microsoft.com/office/drawing/2014/main" id="{F48873C6-9D3A-4C62-9D46-88E6BAABCBA4}"/>
               </a:ext>
             </a:extLst>
           </p:cNvPr>
@@ -2429,7 +2431,7 @@
           <p:cNvPr id="7" name="슬라이드 번호 개체 틀 6">
             <a:extLst>
               <a:ext uri="{FF2B5EF4-FFF2-40B4-BE49-F238E27FC236}">
-                <a16:creationId xmlns:a16="http://schemas.microsoft.com/office/drawing/2014/main" xmlns="" id="{79A9C646-865F-49F4-8BDD-FB9A4DECA8F3}"/>
+                <a16:creationId xmlns="" xmlns:a16="http://schemas.microsoft.com/office/drawing/2014/main" id="{79A9C646-865F-49F4-8BDD-FB9A4DECA8F3}"/>
               </a:ext>
             </a:extLst>
           </p:cNvPr>
@@ -2488,7 +2490,7 @@
           <p:cNvPr id="2" name="제목 1">
             <a:extLst>
               <a:ext uri="{FF2B5EF4-FFF2-40B4-BE49-F238E27FC236}">
-                <a16:creationId xmlns:a16="http://schemas.microsoft.com/office/drawing/2014/main" xmlns="" id="{E5F258A6-5AAD-4F1F-976F-EDB5FF7254F0}"/>
+                <a16:creationId xmlns="" xmlns:a16="http://schemas.microsoft.com/office/drawing/2014/main" id="{E5F258A6-5AAD-4F1F-976F-EDB5FF7254F0}"/>
               </a:ext>
             </a:extLst>
           </p:cNvPr>
@@ -2525,7 +2527,7 @@
           <p:cNvPr id="3" name="그림 개체 틀 2">
             <a:extLst>
               <a:ext uri="{FF2B5EF4-FFF2-40B4-BE49-F238E27FC236}">
-                <a16:creationId xmlns:a16="http://schemas.microsoft.com/office/drawing/2014/main" xmlns="" id="{D2F4441E-0165-42AA-88F8-E53C4BAAC1DE}"/>
+                <a16:creationId xmlns="" xmlns:a16="http://schemas.microsoft.com/office/drawing/2014/main" id="{D2F4441E-0165-42AA-88F8-E53C4BAAC1DE}"/>
               </a:ext>
             </a:extLst>
           </p:cNvPr>
@@ -2592,7 +2594,7 @@
           <p:cNvPr id="4" name="텍스트 개체 틀 3">
             <a:extLst>
               <a:ext uri="{FF2B5EF4-FFF2-40B4-BE49-F238E27FC236}">
-                <a16:creationId xmlns:a16="http://schemas.microsoft.com/office/drawing/2014/main" xmlns="" id="{5AFCA1E8-0D3C-4590-82E2-D018D6E61D0F}"/>
+                <a16:creationId xmlns="" xmlns:a16="http://schemas.microsoft.com/office/drawing/2014/main" id="{5AFCA1E8-0D3C-4590-82E2-D018D6E61D0F}"/>
               </a:ext>
             </a:extLst>
           </p:cNvPr>
@@ -2663,7 +2665,7 @@
           <p:cNvPr id="5" name="날짜 개체 틀 4">
             <a:extLst>
               <a:ext uri="{FF2B5EF4-FFF2-40B4-BE49-F238E27FC236}">
-                <a16:creationId xmlns:a16="http://schemas.microsoft.com/office/drawing/2014/main" xmlns="" id="{0A674557-7FD9-416C-A8B5-FA6C4B5558AE}"/>
+                <a16:creationId xmlns="" xmlns:a16="http://schemas.microsoft.com/office/drawing/2014/main" id="{0A674557-7FD9-416C-A8B5-FA6C4B5558AE}"/>
               </a:ext>
             </a:extLst>
           </p:cNvPr>
@@ -2681,7 +2683,7 @@
           <a:p>
             <a:fld id="{246E467A-4026-4A8D-97BF-715EF7FA6491}" type="datetimeFigureOut">
               <a:rPr lang="ko-KR" altLang="en-US" smtClean="0"/>
-              <a:t>2023-08-03</a:t>
+              <a:t>2023-08-10</a:t>
             </a:fld>
             <a:endParaRPr lang="ko-KR" altLang="en-US"/>
           </a:p>
@@ -2692,7 +2694,7 @@
           <p:cNvPr id="6" name="바닥글 개체 틀 5">
             <a:extLst>
               <a:ext uri="{FF2B5EF4-FFF2-40B4-BE49-F238E27FC236}">
-                <a16:creationId xmlns:a16="http://schemas.microsoft.com/office/drawing/2014/main" xmlns="" id="{9C4A215C-B55F-4988-B45B-7667E8C7CAF6}"/>
+                <a16:creationId xmlns="" xmlns:a16="http://schemas.microsoft.com/office/drawing/2014/main" id="{9C4A215C-B55F-4988-B45B-7667E8C7CAF6}"/>
               </a:ext>
             </a:extLst>
           </p:cNvPr>
@@ -2717,7 +2719,7 @@
           <p:cNvPr id="7" name="슬라이드 번호 개체 틀 6">
             <a:extLst>
               <a:ext uri="{FF2B5EF4-FFF2-40B4-BE49-F238E27FC236}">
-                <a16:creationId xmlns:a16="http://schemas.microsoft.com/office/drawing/2014/main" xmlns="" id="{82FF3B86-5A48-411F-8090-830140A677FA}"/>
+                <a16:creationId xmlns="" xmlns:a16="http://schemas.microsoft.com/office/drawing/2014/main" id="{82FF3B86-5A48-411F-8090-830140A677FA}"/>
               </a:ext>
             </a:extLst>
           </p:cNvPr>
@@ -2781,7 +2783,7 @@
           <p:cNvPr id="2" name="제목 개체 틀 1">
             <a:extLst>
               <a:ext uri="{FF2B5EF4-FFF2-40B4-BE49-F238E27FC236}">
-                <a16:creationId xmlns:a16="http://schemas.microsoft.com/office/drawing/2014/main" xmlns="" id="{B9DF84FF-C412-430B-963A-695AABF70E5D}"/>
+                <a16:creationId xmlns="" xmlns:a16="http://schemas.microsoft.com/office/drawing/2014/main" id="{B9DF84FF-C412-430B-963A-695AABF70E5D}"/>
               </a:ext>
             </a:extLst>
           </p:cNvPr>
@@ -2819,7 +2821,7 @@
           <p:cNvPr id="3" name="텍스트 개체 틀 2">
             <a:extLst>
               <a:ext uri="{FF2B5EF4-FFF2-40B4-BE49-F238E27FC236}">
-                <a16:creationId xmlns:a16="http://schemas.microsoft.com/office/drawing/2014/main" xmlns="" id="{45EE7982-A999-4B0A-85F1-A0D5C55038DC}"/>
+                <a16:creationId xmlns="" xmlns:a16="http://schemas.microsoft.com/office/drawing/2014/main" id="{45EE7982-A999-4B0A-85F1-A0D5C55038DC}"/>
               </a:ext>
             </a:extLst>
           </p:cNvPr>
@@ -2886,7 +2888,7 @@
           <p:cNvPr id="4" name="날짜 개체 틀 3">
             <a:extLst>
               <a:ext uri="{FF2B5EF4-FFF2-40B4-BE49-F238E27FC236}">
-                <a16:creationId xmlns:a16="http://schemas.microsoft.com/office/drawing/2014/main" xmlns="" id="{3F48EB6A-F091-464F-A783-1AE546A56948}"/>
+                <a16:creationId xmlns="" xmlns:a16="http://schemas.microsoft.com/office/drawing/2014/main" id="{3F48EB6A-F091-464F-A783-1AE546A56948}"/>
               </a:ext>
             </a:extLst>
           </p:cNvPr>
@@ -2922,7 +2924,7 @@
           <a:p>
             <a:fld id="{246E467A-4026-4A8D-97BF-715EF7FA6491}" type="datetimeFigureOut">
               <a:rPr lang="ko-KR" altLang="en-US" smtClean="0"/>
-              <a:t>2023-08-03</a:t>
+              <a:t>2023-08-10</a:t>
             </a:fld>
             <a:endParaRPr lang="ko-KR" altLang="en-US"/>
           </a:p>
@@ -2933,7 +2935,7 @@
           <p:cNvPr id="5" name="바닥글 개체 틀 4">
             <a:extLst>
               <a:ext uri="{FF2B5EF4-FFF2-40B4-BE49-F238E27FC236}">
-                <a16:creationId xmlns:a16="http://schemas.microsoft.com/office/drawing/2014/main" xmlns="" id="{9531D2C7-63D5-4319-952D-A6F8404F460B}"/>
+                <a16:creationId xmlns="" xmlns:a16="http://schemas.microsoft.com/office/drawing/2014/main" id="{9531D2C7-63D5-4319-952D-A6F8404F460B}"/>
               </a:ext>
             </a:extLst>
           </p:cNvPr>
@@ -2976,7 +2978,7 @@
           <p:cNvPr id="6" name="슬라이드 번호 개체 틀 5">
             <a:extLst>
               <a:ext uri="{FF2B5EF4-FFF2-40B4-BE49-F238E27FC236}">
-                <a16:creationId xmlns:a16="http://schemas.microsoft.com/office/drawing/2014/main" xmlns="" id="{7739517A-02D4-4037-9427-974339FE7C30}"/>
+                <a16:creationId xmlns="" xmlns:a16="http://schemas.microsoft.com/office/drawing/2014/main" id="{7739517A-02D4-4037-9427-974339FE7C30}"/>
               </a:ext>
             </a:extLst>
           </p:cNvPr>
@@ -3352,7 +3354,7 @@
           <p:cNvPr id="2" name="TextBox 1">
             <a:extLst>
               <a:ext uri="{FF2B5EF4-FFF2-40B4-BE49-F238E27FC236}">
-                <a16:creationId xmlns:a16="http://schemas.microsoft.com/office/drawing/2014/main" xmlns="" id="{C70C938C-F8B1-4FFF-8F74-6ED0A876B136}"/>
+                <a16:creationId xmlns="" xmlns:a16="http://schemas.microsoft.com/office/drawing/2014/main" id="{C70C938C-F8B1-4FFF-8F74-6ED0A876B136}"/>
               </a:ext>
             </a:extLst>
           </p:cNvPr>
@@ -3393,7 +3395,7 @@
           <p:cNvPr id="3" name="TextBox 2">
             <a:extLst>
               <a:ext uri="{FF2B5EF4-FFF2-40B4-BE49-F238E27FC236}">
-                <a16:creationId xmlns:a16="http://schemas.microsoft.com/office/drawing/2014/main" xmlns="" id="{CC61FC92-B1C1-4C46-ABEF-2B6B78AA5915}"/>
+                <a16:creationId xmlns="" xmlns:a16="http://schemas.microsoft.com/office/drawing/2014/main" id="{CC61FC92-B1C1-4C46-ABEF-2B6B78AA5915}"/>
               </a:ext>
             </a:extLst>
           </p:cNvPr>
@@ -3434,7 +3436,7 @@
           <p:cNvPr id="8" name="그림 7" descr="사람, 서있는, 남자, 착용이(가) 표시된 사진&#10;&#10;자동 생성된 설명">
             <a:extLst>
               <a:ext uri="{FF2B5EF4-FFF2-40B4-BE49-F238E27FC236}">
-                <a16:creationId xmlns:a16="http://schemas.microsoft.com/office/drawing/2014/main" xmlns="" id="{398D98B8-2DFA-8476-B48A-2240354A960C}"/>
+                <a16:creationId xmlns="" xmlns:a16="http://schemas.microsoft.com/office/drawing/2014/main" id="{398D98B8-2DFA-8476-B48A-2240354A960C}"/>
               </a:ext>
             </a:extLst>
           </p:cNvPr>
@@ -3470,7 +3472,7 @@
           <p:cNvPr id="10" name="그림 9" descr="사람이(가) 표시된 사진&#10;&#10;자동 생성된 설명">
             <a:extLst>
               <a:ext uri="{FF2B5EF4-FFF2-40B4-BE49-F238E27FC236}">
-                <a16:creationId xmlns:a16="http://schemas.microsoft.com/office/drawing/2014/main" xmlns="" id="{0BE051E3-CAB7-BCFC-0441-E2FD03007A8D}"/>
+                <a16:creationId xmlns="" xmlns:a16="http://schemas.microsoft.com/office/drawing/2014/main" id="{0BE051E3-CAB7-BCFC-0441-E2FD03007A8D}"/>
               </a:ext>
             </a:extLst>
           </p:cNvPr>
@@ -3506,7 +3508,7 @@
           <p:cNvPr id="12" name="그림 11" descr="사람, 남자, 착용, 서있는이(가) 표시된 사진&#10;&#10;자동 생성된 설명">
             <a:extLst>
               <a:ext uri="{FF2B5EF4-FFF2-40B4-BE49-F238E27FC236}">
-                <a16:creationId xmlns:a16="http://schemas.microsoft.com/office/drawing/2014/main" xmlns="" id="{E9B0AD0F-14A6-F8C1-AEF5-1B01B5CEF846}"/>
+                <a16:creationId xmlns="" xmlns:a16="http://schemas.microsoft.com/office/drawing/2014/main" id="{E9B0AD0F-14A6-F8C1-AEF5-1B01B5CEF846}"/>
               </a:ext>
             </a:extLst>
           </p:cNvPr>
@@ -3584,7 +3586,7 @@
           <p:cNvPr id="3" name="직선 연결선 2">
             <a:extLst>
               <a:ext uri="{FF2B5EF4-FFF2-40B4-BE49-F238E27FC236}">
-                <a16:creationId xmlns:a16="http://schemas.microsoft.com/office/drawing/2014/main" xmlns="" id="{30B7886A-E2C2-47A8-A271-1FD08F52EED0}"/>
+                <a16:creationId xmlns="" xmlns:a16="http://schemas.microsoft.com/office/drawing/2014/main" id="{30B7886A-E2C2-47A8-A271-1FD08F52EED0}"/>
               </a:ext>
             </a:extLst>
           </p:cNvPr>
@@ -3627,7 +3629,7 @@
           <p:cNvPr id="18" name="직선 연결선 17">
             <a:extLst>
               <a:ext uri="{FF2B5EF4-FFF2-40B4-BE49-F238E27FC236}">
-                <a16:creationId xmlns:a16="http://schemas.microsoft.com/office/drawing/2014/main" xmlns="" id="{7911BDFD-7E29-44F7-9ED7-E8F36B51436C}"/>
+                <a16:creationId xmlns="" xmlns:a16="http://schemas.microsoft.com/office/drawing/2014/main" id="{7911BDFD-7E29-44F7-9ED7-E8F36B51436C}"/>
               </a:ext>
             </a:extLst>
           </p:cNvPr>
@@ -3658,9 +3660,100 @@
           </a:fontRef>
         </p:style>
       </p:cxnSp>
+      <p:sp>
+        <p:nvSpPr>
+          <p:cNvPr id="5" name="직사각형 4"/>
+          <p:cNvSpPr/>
+          <p:nvPr/>
+        </p:nvSpPr>
+        <p:spPr>
+          <a:xfrm>
+            <a:off x="444500" y="317500"/>
+            <a:ext cx="2101850" cy="374650"/>
+          </a:xfrm>
+          <a:prstGeom prst="rect">
+            <a:avLst/>
+          </a:prstGeom>
+          <a:solidFill>
+            <a:schemeClr val="accent4"/>
+          </a:solidFill>
+          <a:ln>
+            <a:noFill/>
+          </a:ln>
+        </p:spPr>
+        <p:style>
+          <a:lnRef idx="2">
+            <a:schemeClr val="accent1">
+              <a:shade val="50000"/>
+            </a:schemeClr>
+          </a:lnRef>
+          <a:fillRef idx="1">
+            <a:schemeClr val="accent1"/>
+          </a:fillRef>
+          <a:effectRef idx="0">
+            <a:schemeClr val="accent1"/>
+          </a:effectRef>
+          <a:fontRef idx="minor">
+            <a:schemeClr val="lt1"/>
+          </a:fontRef>
+        </p:style>
+        <p:txBody>
+          <a:bodyPr rtlCol="0" anchor="ctr"/>
+          <a:lstStyle/>
+          <a:p>
+            <a:pPr algn="ctr"/>
+            <a:r>
+              <a:rPr lang="ko-KR" altLang="en-US" dirty="0" smtClean="0"/>
+              <a:t>인공지능</a:t>
+            </a:r>
+            <a:endParaRPr lang="ko-KR" altLang="en-US" dirty="0"/>
+          </a:p>
+        </p:txBody>
+      </p:sp>
+      <p:sp>
+        <p:nvSpPr>
+          <p:cNvPr id="68" name="TextBox 67"/>
+          <p:cNvSpPr txBox="1"/>
+          <p:nvPr/>
+        </p:nvSpPr>
+        <p:spPr>
+          <a:xfrm>
+            <a:off x="734056" y="5517592"/>
+            <a:ext cx="10855569" cy="707886"/>
+          </a:xfrm>
+          <a:prstGeom prst="rect">
+            <a:avLst/>
+          </a:prstGeom>
+          <a:noFill/>
+        </p:spPr>
+        <p:txBody>
+          <a:bodyPr wrap="square" rtlCol="0">
+            <a:spAutoFit/>
+          </a:bodyPr>
+          <a:lstStyle/>
+          <a:p>
+            <a:r>
+              <a:rPr lang="ko-KR" altLang="en-US" sz="2000" dirty="0" err="1" smtClean="0"/>
+              <a:t>웹상의</a:t>
+            </a:r>
+            <a:r>
+              <a:rPr lang="ko-KR" altLang="en-US" sz="2000" dirty="0" smtClean="0"/>
+              <a:t> 의류 이미지를 통해서 의류 이미지에서 마스크 이미지를 생성</a:t>
+            </a:r>
+            <a:endParaRPr lang="en-US" altLang="ko-KR" sz="2000" dirty="0" smtClean="0"/>
+          </a:p>
+          <a:p>
+            <a:r>
+              <a:rPr lang="ko-KR" altLang="en-US" sz="2000" dirty="0" smtClean="0"/>
+              <a:t>모델에 합성하여 결과</a:t>
+            </a:r>
+            <a:endParaRPr lang="en-US" altLang="ko-KR" sz="2000" dirty="0" smtClean="0"/>
+          </a:p>
+        </p:txBody>
+      </p:sp>
       <p:pic>
         <p:nvPicPr>
-          <p:cNvPr id="1026" name="Picture 2" descr="C:\Users\user\Desktop\KakaoTalk_20230803_003046021.jpg"/>
+          <p:cNvPr id="4" name="Picture 2" descr="C:\Users\user\Desktop\742.jpg"/>
           <p:cNvPicPr>
             <a:picLocks noChangeAspect="1" noChangeArrowheads="1"/>
           </p:cNvPicPr>
@@ -3681,8 +3774,8 @@
         </p:blipFill>
         <p:spPr bwMode="auto">
           <a:xfrm>
-            <a:off x="568201" y="1586837"/>
-            <a:ext cx="2206625" cy="2655628"/>
+            <a:off x="1003347" y="1155701"/>
+            <a:ext cx="1191189" cy="1588252"/>
           </a:xfrm>
           <a:prstGeom prst="rect">
             <a:avLst/>
@@ -3699,109 +3792,9 @@
           </a:extLst>
         </p:spPr>
       </p:pic>
-      <p:sp>
-        <p:nvSpPr>
-          <p:cNvPr id="2" name="직사각형 1"/>
-          <p:cNvSpPr/>
-          <p:nvPr/>
-        </p:nvSpPr>
-        <p:spPr>
-          <a:xfrm>
-            <a:off x="677312" y="904875"/>
-            <a:ext cx="1975701" cy="425450"/>
-          </a:xfrm>
-          <a:prstGeom prst="rect">
-            <a:avLst/>
-          </a:prstGeom>
-          <a:solidFill>
-            <a:schemeClr val="accent4"/>
-          </a:solidFill>
-          <a:ln>
-            <a:noFill/>
-          </a:ln>
-        </p:spPr>
-        <p:style>
-          <a:lnRef idx="2">
-            <a:schemeClr val="accent1">
-              <a:shade val="50000"/>
-            </a:schemeClr>
-          </a:lnRef>
-          <a:fillRef idx="1">
-            <a:schemeClr val="accent1"/>
-          </a:fillRef>
-          <a:effectRef idx="0">
-            <a:schemeClr val="accent1"/>
-          </a:effectRef>
-          <a:fontRef idx="minor">
-            <a:schemeClr val="lt1"/>
-          </a:fontRef>
-        </p:style>
-        <p:txBody>
-          <a:bodyPr rtlCol="0" anchor="ctr"/>
-          <a:lstStyle/>
-          <a:p>
-            <a:pPr algn="ctr"/>
-            <a:r>
-              <a:rPr lang="ko-KR" altLang="en-US" dirty="0" smtClean="0"/>
-              <a:t>모델 이미지</a:t>
-            </a:r>
-            <a:endParaRPr lang="ko-KR" altLang="en-US" dirty="0"/>
-          </a:p>
-        </p:txBody>
-      </p:sp>
-      <p:sp>
-        <p:nvSpPr>
-          <p:cNvPr id="5" name="직사각형 4"/>
-          <p:cNvSpPr/>
-          <p:nvPr/>
-        </p:nvSpPr>
-        <p:spPr>
-          <a:xfrm>
-            <a:off x="444500" y="317500"/>
-            <a:ext cx="2101850" cy="374650"/>
-          </a:xfrm>
-          <a:prstGeom prst="rect">
-            <a:avLst/>
-          </a:prstGeom>
-          <a:solidFill>
-            <a:schemeClr val="accent4"/>
-          </a:solidFill>
-          <a:ln>
-            <a:noFill/>
-          </a:ln>
-        </p:spPr>
-        <p:style>
-          <a:lnRef idx="2">
-            <a:schemeClr val="accent1">
-              <a:shade val="50000"/>
-            </a:schemeClr>
-          </a:lnRef>
-          <a:fillRef idx="1">
-            <a:schemeClr val="accent1"/>
-          </a:fillRef>
-          <a:effectRef idx="0">
-            <a:schemeClr val="accent1"/>
-          </a:effectRef>
-          <a:fontRef idx="minor">
-            <a:schemeClr val="lt1"/>
-          </a:fontRef>
-        </p:style>
-        <p:txBody>
-          <a:bodyPr rtlCol="0" anchor="ctr"/>
-          <a:lstStyle/>
-          <a:p>
-            <a:pPr algn="ctr"/>
-            <a:r>
-              <a:rPr lang="ko-KR" altLang="en-US" dirty="0" smtClean="0"/>
-              <a:t>인공지능</a:t>
-            </a:r>
-            <a:endParaRPr lang="ko-KR" altLang="en-US" dirty="0"/>
-          </a:p>
-        </p:txBody>
-      </p:sp>
       <p:pic>
         <p:nvPicPr>
-          <p:cNvPr id="1027" name="Picture 3" descr="C:\Users\user\Desktop\KakaoTalk_20230803_003103966.png"/>
+          <p:cNvPr id="6" name="Picture 3" descr="C:\Users\user\Desktop\KakaoTalk_20230810_012958228.jpg"/>
           <p:cNvPicPr>
             <a:picLocks noChangeAspect="1" noChangeArrowheads="1"/>
           </p:cNvPicPr>
@@ -3822,8 +3815,8 @@
         </p:blipFill>
         <p:spPr bwMode="auto">
           <a:xfrm>
-            <a:off x="4167125" y="3503741"/>
-            <a:ext cx="1323975" cy="1765300"/>
+            <a:off x="1003349" y="3280233"/>
+            <a:ext cx="1191189" cy="1588252"/>
           </a:xfrm>
           <a:prstGeom prst="rect">
             <a:avLst/>
@@ -3842,7 +3835,7 @@
       </p:pic>
       <p:pic>
         <p:nvPicPr>
-          <p:cNvPr id="1028" name="Picture 4" descr="C:\Users\user\Desktop\KakaoTalk_20230803_003111019.png"/>
+          <p:cNvPr id="7" name="Picture 4" descr="C:\Users\user\Desktop\KakaoTalk_20230810_013002187.jpg"/>
           <p:cNvPicPr>
             <a:picLocks noChangeAspect="1" noChangeArrowheads="1"/>
           </p:cNvPicPr>
@@ -3863,8 +3856,8 @@
         </p:blipFill>
         <p:spPr bwMode="auto">
           <a:xfrm>
-            <a:off x="4167125" y="765694"/>
-            <a:ext cx="1323975" cy="1765300"/>
+            <a:off x="3795422" y="3280232"/>
+            <a:ext cx="1191189" cy="1588253"/>
           </a:xfrm>
           <a:prstGeom prst="rect">
             <a:avLst/>
@@ -3881,216 +3874,9 @@
           </a:extLst>
         </p:spPr>
       </p:pic>
-      <p:sp>
-        <p:nvSpPr>
-          <p:cNvPr id="14" name="직사각형 13"/>
-          <p:cNvSpPr/>
-          <p:nvPr/>
-        </p:nvSpPr>
-        <p:spPr>
-          <a:xfrm>
-            <a:off x="3828499" y="290772"/>
-            <a:ext cx="2001226" cy="425450"/>
-          </a:xfrm>
-          <a:prstGeom prst="rect">
-            <a:avLst/>
-          </a:prstGeom>
-          <a:solidFill>
-            <a:schemeClr val="accent4"/>
-          </a:solidFill>
-          <a:ln>
-            <a:noFill/>
-          </a:ln>
-        </p:spPr>
-        <p:style>
-          <a:lnRef idx="2">
-            <a:schemeClr val="accent1">
-              <a:shade val="50000"/>
-            </a:schemeClr>
-          </a:lnRef>
-          <a:fillRef idx="1">
-            <a:schemeClr val="accent1"/>
-          </a:fillRef>
-          <a:effectRef idx="0">
-            <a:schemeClr val="accent1"/>
-          </a:effectRef>
-          <a:fontRef idx="minor">
-            <a:schemeClr val="lt1"/>
-          </a:fontRef>
-        </p:style>
-        <p:txBody>
-          <a:bodyPr rtlCol="0" anchor="ctr"/>
-          <a:lstStyle/>
-          <a:p>
-            <a:pPr algn="ctr"/>
-            <a:r>
-              <a:rPr lang="en-US" altLang="ko-KR" dirty="0" err="1" smtClean="0"/>
-              <a:t>Openpose</a:t>
-            </a:r>
-            <a:endParaRPr lang="ko-KR" altLang="en-US" dirty="0"/>
-          </a:p>
-        </p:txBody>
-      </p:sp>
-      <p:sp>
-        <p:nvSpPr>
-          <p:cNvPr id="15" name="직사각형 14"/>
-          <p:cNvSpPr/>
-          <p:nvPr/>
-        </p:nvSpPr>
-        <p:spPr>
-          <a:xfrm>
-            <a:off x="3828499" y="3043366"/>
-            <a:ext cx="2001226" cy="425450"/>
-          </a:xfrm>
-          <a:prstGeom prst="rect">
-            <a:avLst/>
-          </a:prstGeom>
-          <a:solidFill>
-            <a:schemeClr val="accent4"/>
-          </a:solidFill>
-          <a:ln>
-            <a:noFill/>
-          </a:ln>
-        </p:spPr>
-        <p:style>
-          <a:lnRef idx="2">
-            <a:schemeClr val="accent1">
-              <a:shade val="50000"/>
-            </a:schemeClr>
-          </a:lnRef>
-          <a:fillRef idx="1">
-            <a:schemeClr val="accent1"/>
-          </a:fillRef>
-          <a:effectRef idx="0">
-            <a:schemeClr val="accent1"/>
-          </a:effectRef>
-          <a:fontRef idx="minor">
-            <a:schemeClr val="lt1"/>
-          </a:fontRef>
-        </p:style>
-        <p:txBody>
-          <a:bodyPr rtlCol="0" anchor="ctr"/>
-          <a:lstStyle/>
-          <a:p>
-            <a:pPr algn="ctr"/>
-            <a:r>
-              <a:rPr lang="en-US" altLang="ko-KR" dirty="0" err="1" smtClean="0"/>
-              <a:t>Graphonomy</a:t>
-            </a:r>
-            <a:endParaRPr lang="ko-KR" altLang="en-US" dirty="0"/>
-          </a:p>
-        </p:txBody>
-      </p:sp>
-      <p:cxnSp>
-        <p:nvCxnSpPr>
-          <p:cNvPr id="8" name="직선 화살표 연결선 7"/>
-          <p:cNvCxnSpPr>
-            <a:stCxn id="1026" idx="3"/>
-            <a:endCxn id="1028" idx="1"/>
-          </p:cNvCxnSpPr>
-          <p:nvPr/>
-        </p:nvCxnSpPr>
-        <p:spPr>
-          <a:xfrm flipV="1">
-            <a:off x="2774826" y="1648344"/>
-            <a:ext cx="1392299" cy="1266307"/>
-          </a:xfrm>
-          <a:prstGeom prst="straightConnector1">
-            <a:avLst/>
-          </a:prstGeom>
-          <a:ln w="38100">
-            <a:tailEnd type="arrow"/>
-          </a:ln>
-        </p:spPr>
-        <p:style>
-          <a:lnRef idx="1">
-            <a:schemeClr val="accent1"/>
-          </a:lnRef>
-          <a:fillRef idx="0">
-            <a:schemeClr val="accent1"/>
-          </a:fillRef>
-          <a:effectRef idx="0">
-            <a:schemeClr val="accent1"/>
-          </a:effectRef>
-          <a:fontRef idx="minor">
-            <a:schemeClr val="tx1"/>
-          </a:fontRef>
-        </p:style>
-      </p:cxnSp>
-      <p:cxnSp>
-        <p:nvCxnSpPr>
-          <p:cNvPr id="20" name="직선 화살표 연결선 19"/>
-          <p:cNvCxnSpPr>
-            <a:stCxn id="1026" idx="3"/>
-            <a:endCxn id="1027" idx="1"/>
-          </p:cNvCxnSpPr>
-          <p:nvPr/>
-        </p:nvCxnSpPr>
-        <p:spPr>
-          <a:xfrm>
-            <a:off x="2774826" y="2914651"/>
-            <a:ext cx="1392299" cy="1471740"/>
-          </a:xfrm>
-          <a:prstGeom prst="straightConnector1">
-            <a:avLst/>
-          </a:prstGeom>
-          <a:ln w="38100">
-            <a:tailEnd type="arrow"/>
-          </a:ln>
-        </p:spPr>
-        <p:style>
-          <a:lnRef idx="1">
-            <a:schemeClr val="accent1"/>
-          </a:lnRef>
-          <a:fillRef idx="0">
-            <a:schemeClr val="accent1"/>
-          </a:fillRef>
-          <a:effectRef idx="0">
-            <a:schemeClr val="accent1"/>
-          </a:effectRef>
-          <a:fontRef idx="minor">
-            <a:schemeClr val="tx1"/>
-          </a:fontRef>
-        </p:style>
-      </p:cxnSp>
-      <p:cxnSp>
-        <p:nvCxnSpPr>
-          <p:cNvPr id="29" name="직선 화살표 연결선 28"/>
-          <p:cNvCxnSpPr>
-            <a:stCxn id="1026" idx="3"/>
-          </p:cNvCxnSpPr>
-          <p:nvPr/>
-        </p:nvCxnSpPr>
-        <p:spPr>
-          <a:xfrm>
-            <a:off x="2774826" y="2914651"/>
-            <a:ext cx="4057774" cy="38099"/>
-          </a:xfrm>
-          <a:prstGeom prst="straightConnector1">
-            <a:avLst/>
-          </a:prstGeom>
-          <a:ln w="38100">
-            <a:tailEnd type="arrow"/>
-          </a:ln>
-        </p:spPr>
-        <p:style>
-          <a:lnRef idx="1">
-            <a:schemeClr val="accent1"/>
-          </a:lnRef>
-          <a:fillRef idx="0">
-            <a:schemeClr val="accent1"/>
-          </a:fillRef>
-          <a:effectRef idx="0">
-            <a:schemeClr val="accent1"/>
-          </a:effectRef>
-          <a:fontRef idx="minor">
-            <a:schemeClr val="tx1"/>
-          </a:fontRef>
-        </p:style>
-      </p:cxnSp>
       <p:pic>
         <p:nvPicPr>
-          <p:cNvPr id="1029" name="Picture 5" descr="C:\Users\user\Desktop\KakaoTalk_20230803_002949870_01.jpg"/>
+          <p:cNvPr id="9" name="Picture 5" descr="C:\Users\user\Desktop\KakaoTalk_20230810_013002187_01.png"/>
           <p:cNvPicPr>
             <a:picLocks noChangeAspect="1" noChangeArrowheads="1"/>
           </p:cNvPicPr>
@@ -4111,8 +3897,8 @@
         </p:blipFill>
         <p:spPr bwMode="auto">
           <a:xfrm>
-            <a:off x="8314148" y="3384014"/>
-            <a:ext cx="1036135" cy="1381513"/>
+            <a:off x="3795421" y="1155701"/>
+            <a:ext cx="1191189" cy="1588252"/>
           </a:xfrm>
           <a:prstGeom prst="rect">
             <a:avLst/>
@@ -4129,79 +3915,405 @@
           </a:extLst>
         </p:spPr>
       </p:pic>
-      <p:cxnSp>
-        <p:nvCxnSpPr>
-          <p:cNvPr id="35" name="직선 화살표 연결선 34"/>
-          <p:cNvCxnSpPr>
-            <a:stCxn id="1028" idx="3"/>
-          </p:cNvCxnSpPr>
+      <p:sp>
+        <p:nvSpPr>
+          <p:cNvPr id="37" name="직사각형 36"/>
+          <p:cNvSpPr/>
           <p:nvPr/>
-        </p:nvCxnSpPr>
+        </p:nvSpPr>
         <p:spPr>
           <a:xfrm>
-            <a:off x="5491100" y="1648344"/>
-            <a:ext cx="1392300" cy="1333110"/>
-          </a:xfrm>
-          <a:prstGeom prst="straightConnector1">
-            <a:avLst/>
-          </a:prstGeom>
-          <a:ln w="38100">
-            <a:tailEnd type="arrow"/>
+            <a:off x="548018" y="2795515"/>
+            <a:ext cx="2101850" cy="374650"/>
+          </a:xfrm>
+          <a:prstGeom prst="rect">
+            <a:avLst/>
+          </a:prstGeom>
+          <a:solidFill>
+            <a:schemeClr val="accent4"/>
+          </a:solidFill>
+          <a:ln>
+            <a:noFill/>
           </a:ln>
         </p:spPr>
         <p:style>
-          <a:lnRef idx="1">
-            <a:schemeClr val="accent1"/>
+          <a:lnRef idx="2">
+            <a:schemeClr val="accent1">
+              <a:shade val="50000"/>
+            </a:schemeClr>
           </a:lnRef>
-          <a:fillRef idx="0">
+          <a:fillRef idx="1">
             <a:schemeClr val="accent1"/>
           </a:fillRef>
           <a:effectRef idx="0">
             <a:schemeClr val="accent1"/>
           </a:effectRef>
           <a:fontRef idx="minor">
-            <a:schemeClr val="tx1"/>
+            <a:schemeClr val="lt1"/>
           </a:fontRef>
         </p:style>
-      </p:cxnSp>
-      <p:cxnSp>
-        <p:nvCxnSpPr>
-          <p:cNvPr id="38" name="직선 화살표 연결선 37"/>
-          <p:cNvCxnSpPr>
-            <a:stCxn id="1027" idx="3"/>
-          </p:cNvCxnSpPr>
+        <p:txBody>
+          <a:bodyPr rtlCol="0" anchor="ctr"/>
+          <a:lstStyle/>
+          <a:p>
+            <a:pPr algn="ctr"/>
+            <a:r>
+              <a:rPr lang="ko-KR" altLang="en-US" dirty="0" smtClean="0"/>
+              <a:t>원본 이미지</a:t>
+            </a:r>
+            <a:endParaRPr lang="ko-KR" altLang="en-US" dirty="0"/>
+          </a:p>
+        </p:txBody>
+      </p:sp>
+      <p:sp>
+        <p:nvSpPr>
+          <p:cNvPr id="39" name="직사각형 38"/>
+          <p:cNvSpPr/>
           <p:nvPr/>
-        </p:nvCxnSpPr>
+        </p:nvSpPr>
         <p:spPr>
-          <a:xfrm flipV="1">
-            <a:off x="5491100" y="2914651"/>
-            <a:ext cx="1392300" cy="1471740"/>
-          </a:xfrm>
-          <a:prstGeom prst="straightConnector1">
-            <a:avLst/>
-          </a:prstGeom>
-          <a:ln w="38100">
-            <a:tailEnd type="arrow"/>
+          <a:xfrm>
+            <a:off x="3340091" y="2795515"/>
+            <a:ext cx="2101850" cy="374650"/>
+          </a:xfrm>
+          <a:prstGeom prst="rect">
+            <a:avLst/>
+          </a:prstGeom>
+          <a:solidFill>
+            <a:schemeClr val="accent4"/>
+          </a:solidFill>
+          <a:ln>
+            <a:noFill/>
           </a:ln>
         </p:spPr>
         <p:style>
-          <a:lnRef idx="1">
-            <a:schemeClr val="accent1"/>
+          <a:lnRef idx="2">
+            <a:schemeClr val="accent1">
+              <a:shade val="50000"/>
+            </a:schemeClr>
           </a:lnRef>
-          <a:fillRef idx="0">
+          <a:fillRef idx="1">
             <a:schemeClr val="accent1"/>
           </a:fillRef>
           <a:effectRef idx="0">
             <a:schemeClr val="accent1"/>
           </a:effectRef>
           <a:fontRef idx="minor">
-            <a:schemeClr val="tx1"/>
+            <a:schemeClr val="lt1"/>
           </a:fontRef>
         </p:style>
-      </p:cxnSp>
+        <p:txBody>
+          <a:bodyPr rtlCol="0" anchor="ctr"/>
+          <a:lstStyle/>
+          <a:p>
+            <a:pPr algn="ctr"/>
+            <a:r>
+              <a:rPr lang="ko-KR" altLang="en-US" dirty="0" smtClean="0"/>
+              <a:t>마스크 이미지</a:t>
+            </a:r>
+            <a:endParaRPr lang="ko-KR" altLang="en-US" dirty="0"/>
+          </a:p>
+        </p:txBody>
+      </p:sp>
+      <p:sp>
+        <p:nvSpPr>
+          <p:cNvPr id="41" name="직사각형 40"/>
+          <p:cNvSpPr/>
+          <p:nvPr/>
+        </p:nvSpPr>
+        <p:spPr>
+          <a:xfrm>
+            <a:off x="548017" y="4950282"/>
+            <a:ext cx="2101850" cy="374650"/>
+          </a:xfrm>
+          <a:prstGeom prst="rect">
+            <a:avLst/>
+          </a:prstGeom>
+          <a:solidFill>
+            <a:schemeClr val="accent4"/>
+          </a:solidFill>
+          <a:ln>
+            <a:noFill/>
+          </a:ln>
+        </p:spPr>
+        <p:style>
+          <a:lnRef idx="2">
+            <a:schemeClr val="accent1">
+              <a:shade val="50000"/>
+            </a:schemeClr>
+          </a:lnRef>
+          <a:fillRef idx="1">
+            <a:schemeClr val="accent1"/>
+          </a:fillRef>
+          <a:effectRef idx="0">
+            <a:schemeClr val="accent1"/>
+          </a:effectRef>
+          <a:fontRef idx="minor">
+            <a:schemeClr val="lt1"/>
+          </a:fontRef>
+        </p:style>
+        <p:txBody>
+          <a:bodyPr rtlCol="0" anchor="ctr"/>
+          <a:lstStyle/>
+          <a:p>
+            <a:pPr algn="ctr"/>
+            <a:r>
+              <a:rPr lang="ko-KR" altLang="en-US" dirty="0" smtClean="0"/>
+              <a:t>원본 이미지</a:t>
+            </a:r>
+            <a:endParaRPr lang="ko-KR" altLang="en-US" dirty="0"/>
+          </a:p>
+        </p:txBody>
+      </p:sp>
+      <p:sp>
+        <p:nvSpPr>
+          <p:cNvPr id="42" name="직사각형 41"/>
+          <p:cNvSpPr/>
+          <p:nvPr/>
+        </p:nvSpPr>
+        <p:spPr>
+          <a:xfrm>
+            <a:off x="3340090" y="4950282"/>
+            <a:ext cx="2101850" cy="374650"/>
+          </a:xfrm>
+          <a:prstGeom prst="rect">
+            <a:avLst/>
+          </a:prstGeom>
+          <a:solidFill>
+            <a:schemeClr val="accent4"/>
+          </a:solidFill>
+          <a:ln>
+            <a:noFill/>
+          </a:ln>
+        </p:spPr>
+        <p:style>
+          <a:lnRef idx="2">
+            <a:schemeClr val="accent1">
+              <a:shade val="50000"/>
+            </a:schemeClr>
+          </a:lnRef>
+          <a:fillRef idx="1">
+            <a:schemeClr val="accent1"/>
+          </a:fillRef>
+          <a:effectRef idx="0">
+            <a:schemeClr val="accent1"/>
+          </a:effectRef>
+          <a:fontRef idx="minor">
+            <a:schemeClr val="lt1"/>
+          </a:fontRef>
+        </p:style>
+        <p:txBody>
+          <a:bodyPr rtlCol="0" anchor="ctr"/>
+          <a:lstStyle/>
+          <a:p>
+            <a:pPr algn="ctr"/>
+            <a:r>
+              <a:rPr lang="ko-KR" altLang="en-US" dirty="0" smtClean="0"/>
+              <a:t>마스크 이미지</a:t>
+            </a:r>
+            <a:endParaRPr lang="ko-KR" altLang="en-US" dirty="0"/>
+          </a:p>
+        </p:txBody>
+      </p:sp>
+      <p:sp>
+        <p:nvSpPr>
+          <p:cNvPr id="11" name="덧셈 기호 10"/>
+          <p:cNvSpPr/>
+          <p:nvPr/>
+        </p:nvSpPr>
+        <p:spPr>
+          <a:xfrm>
+            <a:off x="2482850" y="1384677"/>
+            <a:ext cx="1130300" cy="1130300"/>
+          </a:xfrm>
+          <a:prstGeom prst="mathPlus">
+            <a:avLst/>
+          </a:prstGeom>
+          <a:solidFill>
+            <a:schemeClr val="accent4"/>
+          </a:solidFill>
+          <a:ln>
+            <a:noFill/>
+          </a:ln>
+        </p:spPr>
+        <p:style>
+          <a:lnRef idx="2">
+            <a:schemeClr val="accent1">
+              <a:shade val="50000"/>
+            </a:schemeClr>
+          </a:lnRef>
+          <a:fillRef idx="1">
+            <a:schemeClr val="accent1"/>
+          </a:fillRef>
+          <a:effectRef idx="0">
+            <a:schemeClr val="accent1"/>
+          </a:effectRef>
+          <a:fontRef idx="minor">
+            <a:schemeClr val="lt1"/>
+          </a:fontRef>
+        </p:style>
+        <p:txBody>
+          <a:bodyPr rtlCol="0" anchor="ctr"/>
+          <a:lstStyle/>
+          <a:p>
+            <a:pPr algn="ctr"/>
+            <a:endParaRPr lang="ko-KR" altLang="en-US"/>
+          </a:p>
+        </p:txBody>
+      </p:sp>
+      <p:sp>
+        <p:nvSpPr>
+          <p:cNvPr id="43" name="덧셈 기호 42"/>
+          <p:cNvSpPr/>
+          <p:nvPr/>
+        </p:nvSpPr>
+        <p:spPr>
+          <a:xfrm>
+            <a:off x="2482850" y="3509208"/>
+            <a:ext cx="1130300" cy="1130300"/>
+          </a:xfrm>
+          <a:prstGeom prst="mathPlus">
+            <a:avLst/>
+          </a:prstGeom>
+          <a:solidFill>
+            <a:schemeClr val="accent4"/>
+          </a:solidFill>
+          <a:ln>
+            <a:noFill/>
+          </a:ln>
+        </p:spPr>
+        <p:style>
+          <a:lnRef idx="2">
+            <a:schemeClr val="accent1">
+              <a:shade val="50000"/>
+            </a:schemeClr>
+          </a:lnRef>
+          <a:fillRef idx="1">
+            <a:schemeClr val="accent1"/>
+          </a:fillRef>
+          <a:effectRef idx="0">
+            <a:schemeClr val="accent1"/>
+          </a:effectRef>
+          <a:fontRef idx="minor">
+            <a:schemeClr val="lt1"/>
+          </a:fontRef>
+        </p:style>
+        <p:txBody>
+          <a:bodyPr rtlCol="0" anchor="ctr"/>
+          <a:lstStyle/>
+          <a:p>
+            <a:pPr algn="ctr"/>
+            <a:endParaRPr lang="ko-KR" altLang="en-US"/>
+          </a:p>
+        </p:txBody>
+      </p:sp>
+      <p:sp>
+        <p:nvSpPr>
+          <p:cNvPr id="45" name="오른쪽 화살표 44"/>
+          <p:cNvSpPr/>
+          <p:nvPr/>
+        </p:nvSpPr>
+        <p:spPr>
+          <a:xfrm>
+            <a:off x="5746750" y="2743952"/>
+            <a:ext cx="1612900" cy="590173"/>
+          </a:xfrm>
+          <a:prstGeom prst="rightArrow">
+            <a:avLst/>
+          </a:prstGeom>
+          <a:solidFill>
+            <a:schemeClr val="accent4"/>
+          </a:solidFill>
+          <a:ln>
+            <a:noFill/>
+          </a:ln>
+        </p:spPr>
+        <p:style>
+          <a:lnRef idx="2">
+            <a:schemeClr val="accent1">
+              <a:shade val="50000"/>
+            </a:schemeClr>
+          </a:lnRef>
+          <a:fillRef idx="1">
+            <a:schemeClr val="accent1"/>
+          </a:fillRef>
+          <a:effectRef idx="0">
+            <a:schemeClr val="accent1"/>
+          </a:effectRef>
+          <a:fontRef idx="minor">
+            <a:schemeClr val="lt1"/>
+          </a:fontRef>
+        </p:style>
+        <p:txBody>
+          <a:bodyPr rtlCol="0" anchor="ctr"/>
+          <a:lstStyle/>
+          <a:p>
+            <a:pPr algn="ctr"/>
+            <a:endParaRPr lang="ko-KR" altLang="en-US"/>
+          </a:p>
+        </p:txBody>
+      </p:sp>
+      <p:sp>
+        <p:nvSpPr>
+          <p:cNvPr id="47" name="직사각형 46"/>
+          <p:cNvSpPr/>
+          <p:nvPr/>
+        </p:nvSpPr>
+        <p:spPr>
+          <a:xfrm>
+            <a:off x="5454650" y="2002462"/>
+            <a:ext cx="2101850" cy="374650"/>
+          </a:xfrm>
+          <a:prstGeom prst="rect">
+            <a:avLst/>
+          </a:prstGeom>
+          <a:solidFill>
+            <a:schemeClr val="bg1"/>
+          </a:solidFill>
+          <a:ln>
+            <a:noFill/>
+          </a:ln>
+        </p:spPr>
+        <p:style>
+          <a:lnRef idx="2">
+            <a:schemeClr val="accent1">
+              <a:shade val="50000"/>
+            </a:schemeClr>
+          </a:lnRef>
+          <a:fillRef idx="1">
+            <a:schemeClr val="accent1"/>
+          </a:fillRef>
+          <a:effectRef idx="0">
+            <a:schemeClr val="accent1"/>
+          </a:effectRef>
+          <a:fontRef idx="minor">
+            <a:schemeClr val="lt1"/>
+          </a:fontRef>
+        </p:style>
+        <p:txBody>
+          <a:bodyPr rtlCol="0" anchor="ctr"/>
+          <a:lstStyle/>
+          <a:p>
+            <a:pPr algn="ctr"/>
+            <a:r>
+              <a:rPr lang="ko-KR" altLang="en-US" sz="2000" b="1" dirty="0" smtClean="0">
+                <a:solidFill>
+                  <a:schemeClr val="tx1"/>
+                </a:solidFill>
+              </a:rPr>
+              <a:t>모델과 합성</a:t>
+            </a:r>
+            <a:endParaRPr lang="ko-KR" altLang="en-US" sz="2000" b="1" dirty="0">
+              <a:solidFill>
+                <a:schemeClr val="tx1"/>
+              </a:solidFill>
+            </a:endParaRPr>
+          </a:p>
+        </p:txBody>
+      </p:sp>
       <p:pic>
         <p:nvPicPr>
-          <p:cNvPr id="1030" name="Picture 6" descr="C:\Users\user\Desktop\KakaoTalk_20230803_002841465.jpg"/>
+          <p:cNvPr id="12" name="Picture 6" descr="C:\Users\user\Desktop\KakaoTalk_20230810_013010491_02.jpg"/>
           <p:cNvPicPr>
             <a:picLocks noChangeAspect="1" noChangeArrowheads="1"/>
           </p:cNvPicPr>
@@ -4222,8 +4334,8 @@
         </p:blipFill>
         <p:spPr bwMode="auto">
           <a:xfrm>
-            <a:off x="6966861" y="1392839"/>
-            <a:ext cx="1250349" cy="1667132"/>
+            <a:off x="9549725" y="1758696"/>
+            <a:ext cx="2204249" cy="2938999"/>
           </a:xfrm>
           <a:prstGeom prst="rect">
             <a:avLst/>
@@ -4242,7 +4354,7 @@
       </p:pic>
       <p:pic>
         <p:nvPicPr>
-          <p:cNvPr id="32" name="Picture 7" descr="C:\Users\user\Desktop\KakaoTalk_20230803_002841465_01.jpg"/>
+          <p:cNvPr id="1031" name="Picture 7" descr="C:\Users\user\Desktop\KakaoTalk_20230810_013010491_01.jpg"/>
           <p:cNvPicPr>
             <a:picLocks noChangeAspect="1" noChangeArrowheads="1"/>
           </p:cNvPicPr>
@@ -4263,8 +4375,8 @@
         </p:blipFill>
         <p:spPr bwMode="auto">
           <a:xfrm>
-            <a:off x="8217211" y="1406397"/>
-            <a:ext cx="1230012" cy="1640016"/>
+            <a:off x="7731650" y="1754687"/>
+            <a:ext cx="2210264" cy="2947019"/>
           </a:xfrm>
           <a:prstGeom prst="rect">
             <a:avLst/>
@@ -4281,668 +4393,6 @@
           </a:extLst>
         </p:spPr>
       </p:pic>
-      <p:pic>
-        <p:nvPicPr>
-          <p:cNvPr id="33" name="Picture 8" descr="C:\Users\user\Desktop\KakaoTalk_20230729_234537101.jpg"/>
-          <p:cNvPicPr>
-            <a:picLocks noChangeAspect="1" noChangeArrowheads="1"/>
-          </p:cNvPicPr>
-          <p:nvPr/>
-        </p:nvPicPr>
-        <p:blipFill>
-          <a:blip r:embed="rId8" cstate="screen">
-            <a:extLst>
-              <a:ext uri="{28A0092B-C50C-407E-A947-70E740481C1C}">
-                <a14:useLocalDpi xmlns:a14="http://schemas.microsoft.com/office/drawing/2010/main" val="0"/>
-              </a:ext>
-            </a:extLst>
-          </a:blip>
-          <a:srcRect/>
-          <a:stretch>
-            <a:fillRect/>
-          </a:stretch>
-        </p:blipFill>
-        <p:spPr bwMode="auto">
-          <a:xfrm>
-            <a:off x="9447223" y="1406397"/>
-            <a:ext cx="1225550" cy="1634066"/>
-          </a:xfrm>
-          <a:prstGeom prst="rect">
-            <a:avLst/>
-          </a:prstGeom>
-          <a:noFill/>
-          <a:extLst>
-            <a:ext uri="{909E8E84-426E-40DD-AFC4-6F175D3DCCD1}">
-              <a14:hiddenFill xmlns:a14="http://schemas.microsoft.com/office/drawing/2010/main">
-                <a:solidFill>
-                  <a:srgbClr val="FFFFFF"/>
-                </a:solidFill>
-              </a14:hiddenFill>
-            </a:ext>
-          </a:extLst>
-        </p:spPr>
-      </p:pic>
-      <p:sp>
-        <p:nvSpPr>
-          <p:cNvPr id="44" name="직사각형 43"/>
-          <p:cNvSpPr/>
-          <p:nvPr/>
-        </p:nvSpPr>
-        <p:spPr>
-          <a:xfrm>
-            <a:off x="7445997" y="692150"/>
-            <a:ext cx="2001226" cy="425450"/>
-          </a:xfrm>
-          <a:prstGeom prst="rect">
-            <a:avLst/>
-          </a:prstGeom>
-          <a:solidFill>
-            <a:schemeClr val="accent4"/>
-          </a:solidFill>
-          <a:ln>
-            <a:noFill/>
-          </a:ln>
-        </p:spPr>
-        <p:style>
-          <a:lnRef idx="2">
-            <a:schemeClr val="accent1">
-              <a:shade val="50000"/>
-            </a:schemeClr>
-          </a:lnRef>
-          <a:fillRef idx="1">
-            <a:schemeClr val="accent1"/>
-          </a:fillRef>
-          <a:effectRef idx="0">
-            <a:schemeClr val="accent1"/>
-          </a:effectRef>
-          <a:fontRef idx="minor">
-            <a:schemeClr val="lt1"/>
-          </a:fontRef>
-        </p:style>
-        <p:txBody>
-          <a:bodyPr rtlCol="0" anchor="ctr"/>
-          <a:lstStyle/>
-          <a:p>
-            <a:pPr algn="ctr"/>
-            <a:r>
-              <a:rPr lang="en-US" altLang="ko-KR" dirty="0" smtClean="0"/>
-              <a:t>VITON - HD</a:t>
-            </a:r>
-            <a:endParaRPr lang="ko-KR" altLang="en-US" dirty="0"/>
-          </a:p>
-        </p:txBody>
-      </p:sp>
-      <p:pic>
-        <p:nvPicPr>
-          <p:cNvPr id="1033" name="Picture 9" descr="C:\Users\user\Desktop\KakaoTalk_20230729_234537101_01.jpg"/>
-          <p:cNvPicPr>
-            <a:picLocks noChangeAspect="1" noChangeArrowheads="1"/>
-          </p:cNvPicPr>
-          <p:nvPr/>
-        </p:nvPicPr>
-        <p:blipFill>
-          <a:blip r:embed="rId9" cstate="screen">
-            <a:extLst>
-              <a:ext uri="{28A0092B-C50C-407E-A947-70E740481C1C}">
-                <a14:useLocalDpi xmlns:a14="http://schemas.microsoft.com/office/drawing/2010/main" val="0"/>
-              </a:ext>
-            </a:extLst>
-          </a:blip>
-          <a:srcRect/>
-          <a:stretch>
-            <a:fillRect/>
-          </a:stretch>
-        </p:blipFill>
-        <p:spPr bwMode="auto">
-          <a:xfrm>
-            <a:off x="10672773" y="1421601"/>
-            <a:ext cx="1214427" cy="1619236"/>
-          </a:xfrm>
-          <a:prstGeom prst="rect">
-            <a:avLst/>
-          </a:prstGeom>
-          <a:noFill/>
-          <a:extLst>
-            <a:ext uri="{909E8E84-426E-40DD-AFC4-6F175D3DCCD1}">
-              <a14:hiddenFill xmlns:a14="http://schemas.microsoft.com/office/drawing/2010/main">
-                <a:solidFill>
-                  <a:srgbClr val="FFFFFF"/>
-                </a:solidFill>
-              </a14:hiddenFill>
-            </a:ext>
-          </a:extLst>
-        </p:spPr>
-      </p:pic>
-      <p:cxnSp>
-        <p:nvCxnSpPr>
-          <p:cNvPr id="46" name="직선 화살표 연결선 45"/>
-          <p:cNvCxnSpPr>
-            <a:stCxn id="1029" idx="0"/>
-            <a:endCxn id="32" idx="2"/>
-          </p:cNvCxnSpPr>
-          <p:nvPr/>
-        </p:nvCxnSpPr>
-        <p:spPr>
-          <a:xfrm flipV="1">
-            <a:off x="8832216" y="3046413"/>
-            <a:ext cx="1" cy="337601"/>
-          </a:xfrm>
-          <a:prstGeom prst="straightConnector1">
-            <a:avLst/>
-          </a:prstGeom>
-          <a:ln w="38100">
-            <a:tailEnd type="arrow"/>
-          </a:ln>
-        </p:spPr>
-        <p:style>
-          <a:lnRef idx="1">
-            <a:schemeClr val="accent1"/>
-          </a:lnRef>
-          <a:fillRef idx="0">
-            <a:schemeClr val="accent1"/>
-          </a:fillRef>
-          <a:effectRef idx="0">
-            <a:schemeClr val="accent1"/>
-          </a:effectRef>
-          <a:fontRef idx="minor">
-            <a:schemeClr val="tx1"/>
-          </a:fontRef>
-        </p:style>
-      </p:cxnSp>
-      <p:pic>
-        <p:nvPicPr>
-          <p:cNvPr id="40" name="Picture 10" descr="C:\Users\user\Desktop\KakaoTalk_20230803_002949870_02 (1).jpg"/>
-          <p:cNvPicPr>
-            <a:picLocks noChangeAspect="1" noChangeArrowheads="1"/>
-          </p:cNvPicPr>
-          <p:nvPr/>
-        </p:nvPicPr>
-        <p:blipFill>
-          <a:blip r:embed="rId10" cstate="screen">
-            <a:extLst>
-              <a:ext uri="{28A0092B-C50C-407E-A947-70E740481C1C}">
-                <a14:useLocalDpi xmlns:a14="http://schemas.microsoft.com/office/drawing/2010/main" val="0"/>
-              </a:ext>
-            </a:extLst>
-          </a:blip>
-          <a:srcRect/>
-          <a:stretch>
-            <a:fillRect/>
-          </a:stretch>
-        </p:blipFill>
-        <p:spPr bwMode="auto">
-          <a:xfrm>
-            <a:off x="10761918" y="3388434"/>
-            <a:ext cx="1036135" cy="1381513"/>
-          </a:xfrm>
-          <a:prstGeom prst="rect">
-            <a:avLst/>
-          </a:prstGeom>
-          <a:noFill/>
-          <a:extLst>
-            <a:ext uri="{909E8E84-426E-40DD-AFC4-6F175D3DCCD1}">
-              <a14:hiddenFill xmlns:a14="http://schemas.microsoft.com/office/drawing/2010/main">
-                <a:solidFill>
-                  <a:srgbClr val="FFFFFF"/>
-                </a:solidFill>
-              </a14:hiddenFill>
-            </a:ext>
-          </a:extLst>
-        </p:spPr>
-      </p:pic>
-      <p:cxnSp>
-        <p:nvCxnSpPr>
-          <p:cNvPr id="52" name="직선 화살표 연결선 51"/>
-          <p:cNvCxnSpPr>
-            <a:stCxn id="40" idx="0"/>
-            <a:endCxn id="1033" idx="2"/>
-          </p:cNvCxnSpPr>
-          <p:nvPr/>
-        </p:nvCxnSpPr>
-        <p:spPr>
-          <a:xfrm flipV="1">
-            <a:off x="11279986" y="3040837"/>
-            <a:ext cx="1" cy="347597"/>
-          </a:xfrm>
-          <a:prstGeom prst="straightConnector1">
-            <a:avLst/>
-          </a:prstGeom>
-          <a:ln w="38100">
-            <a:tailEnd type="arrow"/>
-          </a:ln>
-        </p:spPr>
-        <p:style>
-          <a:lnRef idx="1">
-            <a:schemeClr val="accent1"/>
-          </a:lnRef>
-          <a:fillRef idx="0">
-            <a:schemeClr val="accent1"/>
-          </a:fillRef>
-          <a:effectRef idx="0">
-            <a:schemeClr val="accent1"/>
-          </a:effectRef>
-          <a:fontRef idx="minor">
-            <a:schemeClr val="tx1"/>
-          </a:fontRef>
-        </p:style>
-      </p:cxnSp>
-      <p:pic>
-        <p:nvPicPr>
-          <p:cNvPr id="1035" name="Picture 11" descr="C:\Users\user\Desktop\1232.jpg"/>
-          <p:cNvPicPr>
-            <a:picLocks noChangeAspect="1" noChangeArrowheads="1"/>
-          </p:cNvPicPr>
-          <p:nvPr/>
-        </p:nvPicPr>
-        <p:blipFill>
-          <a:blip r:embed="rId11" cstate="screen">
-            <a:extLst>
-              <a:ext uri="{28A0092B-C50C-407E-A947-70E740481C1C}">
-                <a14:useLocalDpi xmlns:a14="http://schemas.microsoft.com/office/drawing/2010/main" val="0"/>
-              </a:ext>
-            </a:extLst>
-          </a:blip>
-          <a:srcRect/>
-          <a:stretch>
-            <a:fillRect/>
-          </a:stretch>
-        </p:blipFill>
-        <p:spPr bwMode="auto">
-          <a:xfrm>
-            <a:off x="9543079" y="3388434"/>
-            <a:ext cx="1033837" cy="1378449"/>
-          </a:xfrm>
-          <a:prstGeom prst="rect">
-            <a:avLst/>
-          </a:prstGeom>
-          <a:noFill/>
-          <a:extLst>
-            <a:ext uri="{909E8E84-426E-40DD-AFC4-6F175D3DCCD1}">
-              <a14:hiddenFill xmlns:a14="http://schemas.microsoft.com/office/drawing/2010/main">
-                <a:solidFill>
-                  <a:srgbClr val="FFFFFF"/>
-                </a:solidFill>
-              </a14:hiddenFill>
-            </a:ext>
-          </a:extLst>
-        </p:spPr>
-      </p:pic>
-      <p:cxnSp>
-        <p:nvCxnSpPr>
-          <p:cNvPr id="58" name="직선 화살표 연결선 57"/>
-          <p:cNvCxnSpPr/>
-          <p:nvPr/>
-        </p:nvCxnSpPr>
-        <p:spPr>
-          <a:xfrm flipV="1">
-            <a:off x="10059208" y="3036417"/>
-            <a:ext cx="1" cy="347597"/>
-          </a:xfrm>
-          <a:prstGeom prst="straightConnector1">
-            <a:avLst/>
-          </a:prstGeom>
-          <a:ln w="38100">
-            <a:tailEnd type="arrow"/>
-          </a:ln>
-        </p:spPr>
-        <p:style>
-          <a:lnRef idx="1">
-            <a:schemeClr val="accent1"/>
-          </a:lnRef>
-          <a:fillRef idx="0">
-            <a:schemeClr val="accent1"/>
-          </a:fillRef>
-          <a:effectRef idx="0">
-            <a:schemeClr val="accent1"/>
-          </a:effectRef>
-          <a:fontRef idx="minor">
-            <a:schemeClr val="tx1"/>
-          </a:fontRef>
-        </p:style>
-      </p:cxnSp>
-      <p:pic>
-        <p:nvPicPr>
-          <p:cNvPr id="1036" name="Picture 12" descr="C:\Users\user\Desktop\KakaoTalk_20230803_004353866.jpg"/>
-          <p:cNvPicPr>
-            <a:picLocks noChangeAspect="1" noChangeArrowheads="1"/>
-          </p:cNvPicPr>
-          <p:nvPr/>
-        </p:nvPicPr>
-        <p:blipFill>
-          <a:blip r:embed="rId12" cstate="screen">
-            <a:extLst>
-              <a:ext uri="{28A0092B-C50C-407E-A947-70E740481C1C}">
-                <a14:useLocalDpi xmlns:a14="http://schemas.microsoft.com/office/drawing/2010/main" val="0"/>
-              </a:ext>
-            </a:extLst>
-          </a:blip>
-          <a:srcRect/>
-          <a:stretch>
-            <a:fillRect/>
-          </a:stretch>
-        </p:blipFill>
-        <p:spPr bwMode="auto">
-          <a:xfrm>
-            <a:off x="7057957" y="3367086"/>
-            <a:ext cx="1068156" cy="1424208"/>
-          </a:xfrm>
-          <a:prstGeom prst="rect">
-            <a:avLst/>
-          </a:prstGeom>
-          <a:noFill/>
-          <a:extLst>
-            <a:ext uri="{909E8E84-426E-40DD-AFC4-6F175D3DCCD1}">
-              <a14:hiddenFill xmlns:a14="http://schemas.microsoft.com/office/drawing/2010/main">
-                <a:solidFill>
-                  <a:srgbClr val="FFFFFF"/>
-                </a:solidFill>
-              </a14:hiddenFill>
-            </a:ext>
-          </a:extLst>
-        </p:spPr>
-      </p:pic>
-      <p:cxnSp>
-        <p:nvCxnSpPr>
-          <p:cNvPr id="60" name="직선 화살표 연결선 59"/>
-          <p:cNvCxnSpPr>
-            <a:stCxn id="1036" idx="0"/>
-            <a:endCxn id="1030" idx="2"/>
-          </p:cNvCxnSpPr>
-          <p:nvPr/>
-        </p:nvCxnSpPr>
-        <p:spPr>
-          <a:xfrm flipV="1">
-            <a:off x="7592035" y="3059971"/>
-            <a:ext cx="1" cy="307115"/>
-          </a:xfrm>
-          <a:prstGeom prst="straightConnector1">
-            <a:avLst/>
-          </a:prstGeom>
-          <a:ln w="38100">
-            <a:tailEnd type="arrow"/>
-          </a:ln>
-        </p:spPr>
-        <p:style>
-          <a:lnRef idx="1">
-            <a:schemeClr val="accent1"/>
-          </a:lnRef>
-          <a:fillRef idx="0">
-            <a:schemeClr val="accent1"/>
-          </a:fillRef>
-          <a:effectRef idx="0">
-            <a:schemeClr val="accent1"/>
-          </a:effectRef>
-          <a:fontRef idx="minor">
-            <a:schemeClr val="tx1"/>
-          </a:fontRef>
-        </p:style>
-      </p:cxnSp>
-      <p:sp>
-        <p:nvSpPr>
-          <p:cNvPr id="68" name="TextBox 67"/>
-          <p:cNvSpPr txBox="1"/>
-          <p:nvPr/>
-        </p:nvSpPr>
-        <p:spPr>
-          <a:xfrm>
-            <a:off x="759465" y="5676342"/>
-            <a:ext cx="10855569" cy="646331"/>
-          </a:xfrm>
-          <a:prstGeom prst="rect">
-            <a:avLst/>
-          </a:prstGeom>
-          <a:noFill/>
-        </p:spPr>
-        <p:txBody>
-          <a:bodyPr wrap="square" rtlCol="0">
-            <a:spAutoFit/>
-          </a:bodyPr>
-          <a:lstStyle/>
-          <a:p>
-            <a:r>
-              <a:rPr lang="ko-KR" altLang="en-US" dirty="0"/>
-              <a:t> </a:t>
-            </a:r>
-            <a:r>
-              <a:rPr lang="ko-KR" altLang="en-US" dirty="0" smtClean="0"/>
-              <a:t>원본 </a:t>
-            </a:r>
-            <a:r>
-              <a:rPr lang="ko-KR" altLang="en-US" dirty="0"/>
-              <a:t>모델 </a:t>
-            </a:r>
-            <a:r>
-              <a:rPr lang="ko-KR" altLang="en-US" dirty="0" smtClean="0"/>
-              <a:t>이미지에서 </a:t>
-            </a:r>
-            <a:r>
-              <a:rPr lang="en-US" altLang="ko-KR" dirty="0" err="1" smtClean="0"/>
-              <a:t>Openpose</a:t>
-            </a:r>
-            <a:r>
-              <a:rPr lang="ko-KR" altLang="en-US" dirty="0" smtClean="0"/>
-              <a:t>와 </a:t>
-            </a:r>
-            <a:r>
-              <a:rPr lang="en-US" altLang="ko-KR" dirty="0" err="1" smtClean="0"/>
-              <a:t>Graphonomy</a:t>
-            </a:r>
-            <a:r>
-              <a:rPr lang="ko-KR" altLang="en-US" dirty="0" smtClean="0"/>
-              <a:t>를 통해서 모델 신체 정보를 모은 후</a:t>
-            </a:r>
-            <a:r>
-              <a:rPr lang="en-US" altLang="ko-KR" dirty="0" smtClean="0"/>
-              <a:t>,</a:t>
-            </a:r>
-          </a:p>
-          <a:p>
-            <a:r>
-              <a:rPr lang="ko-KR" altLang="en-US" dirty="0" smtClean="0"/>
-              <a:t> 의류 이미지를 통해 </a:t>
-            </a:r>
-            <a:r>
-              <a:rPr lang="en-US" altLang="ko-KR" dirty="0" smtClean="0"/>
-              <a:t>VITON HD</a:t>
-            </a:r>
-            <a:r>
-              <a:rPr lang="ko-KR" altLang="en-US" dirty="0" smtClean="0"/>
-              <a:t>의 </a:t>
-            </a:r>
-            <a:r>
-              <a:rPr lang="en-US" altLang="ko-KR" dirty="0" smtClean="0"/>
-              <a:t>Output</a:t>
-            </a:r>
-            <a:r>
-              <a:rPr lang="ko-KR" altLang="en-US" dirty="0" smtClean="0"/>
-              <a:t> 이미지를 </a:t>
-            </a:r>
-            <a:r>
-              <a:rPr lang="en-US" altLang="ko-KR" dirty="0"/>
-              <a:t>generate </a:t>
-            </a:r>
-            <a:r>
-              <a:rPr lang="ko-KR" altLang="en-US" dirty="0" smtClean="0"/>
-              <a:t>하</a:t>
-            </a:r>
-            <a:r>
-              <a:rPr lang="ko-KR" altLang="en-US" dirty="0"/>
-              <a:t>는</a:t>
-            </a:r>
-            <a:r>
-              <a:rPr lang="ko-KR" altLang="en-US" dirty="0" smtClean="0"/>
-              <a:t> </a:t>
-            </a:r>
-            <a:r>
-              <a:rPr lang="ko-KR" altLang="en-US" dirty="0" smtClean="0"/>
-              <a:t>과정</a:t>
-            </a:r>
-            <a:r>
-              <a:rPr lang="ko-KR" altLang="en-US" dirty="0" smtClean="0"/>
-              <a:t>을 거침</a:t>
-            </a:r>
-            <a:endParaRPr lang="en-US" altLang="ko-KR" dirty="0" smtClean="0"/>
-          </a:p>
-        </p:txBody>
-      </p:sp>
-      <p:sp>
-        <p:nvSpPr>
-          <p:cNvPr id="69" name="직사각형 68"/>
-          <p:cNvSpPr/>
-          <p:nvPr/>
-        </p:nvSpPr>
-        <p:spPr>
-          <a:xfrm>
-            <a:off x="8446610" y="4911725"/>
-            <a:ext cx="1975701" cy="425450"/>
-          </a:xfrm>
-          <a:prstGeom prst="rect">
-            <a:avLst/>
-          </a:prstGeom>
-          <a:solidFill>
-            <a:schemeClr val="accent4"/>
-          </a:solidFill>
-          <a:ln>
-            <a:noFill/>
-          </a:ln>
-        </p:spPr>
-        <p:style>
-          <a:lnRef idx="2">
-            <a:schemeClr val="accent1">
-              <a:shade val="50000"/>
-            </a:schemeClr>
-          </a:lnRef>
-          <a:fillRef idx="1">
-            <a:schemeClr val="accent1"/>
-          </a:fillRef>
-          <a:effectRef idx="0">
-            <a:schemeClr val="accent1"/>
-          </a:effectRef>
-          <a:fontRef idx="minor">
-            <a:schemeClr val="lt1"/>
-          </a:fontRef>
-        </p:style>
-        <p:txBody>
-          <a:bodyPr rtlCol="0" anchor="ctr"/>
-          <a:lstStyle/>
-          <a:p>
-            <a:pPr algn="ctr"/>
-            <a:r>
-              <a:rPr lang="ko-KR" altLang="en-US" dirty="0" smtClean="0"/>
-              <a:t>의류 이미지</a:t>
-            </a:r>
-            <a:endParaRPr lang="ko-KR" altLang="en-US" dirty="0"/>
-          </a:p>
-        </p:txBody>
-      </p:sp>
-      <p:sp>
-        <p:nvSpPr>
-          <p:cNvPr id="71" name="직사각형 70"/>
-          <p:cNvSpPr/>
-          <p:nvPr/>
-        </p:nvSpPr>
-        <p:spPr>
-          <a:xfrm>
-            <a:off x="4052719" y="2550283"/>
-            <a:ext cx="1552787" cy="302177"/>
-          </a:xfrm>
-          <a:prstGeom prst="rect">
-            <a:avLst/>
-          </a:prstGeom>
-          <a:solidFill>
-            <a:schemeClr val="accent4"/>
-          </a:solidFill>
-          <a:ln>
-            <a:noFill/>
-          </a:ln>
-        </p:spPr>
-        <p:style>
-          <a:lnRef idx="2">
-            <a:schemeClr val="accent1">
-              <a:shade val="50000"/>
-            </a:schemeClr>
-          </a:lnRef>
-          <a:fillRef idx="1">
-            <a:schemeClr val="accent1"/>
-          </a:fillRef>
-          <a:effectRef idx="0">
-            <a:schemeClr val="accent1"/>
-          </a:effectRef>
-          <a:fontRef idx="minor">
-            <a:schemeClr val="lt1"/>
-          </a:fontRef>
-        </p:style>
-        <p:txBody>
-          <a:bodyPr rtlCol="0" anchor="ctr"/>
-          <a:lstStyle/>
-          <a:p>
-            <a:pPr algn="ctr"/>
-            <a:r>
-              <a:rPr lang="en-US" altLang="ko-KR" dirty="0" smtClean="0"/>
-              <a:t>Image, </a:t>
-            </a:r>
-            <a:r>
-              <a:rPr lang="en-US" altLang="ko-KR" dirty="0" err="1" smtClean="0"/>
-              <a:t>json</a:t>
-            </a:r>
-            <a:endParaRPr lang="ko-KR" altLang="en-US" dirty="0"/>
-          </a:p>
-        </p:txBody>
-      </p:sp>
-      <p:sp>
-        <p:nvSpPr>
-          <p:cNvPr id="72" name="직사각형 71"/>
-          <p:cNvSpPr/>
-          <p:nvPr/>
-        </p:nvSpPr>
-        <p:spPr>
-          <a:xfrm>
-            <a:off x="4108326" y="5337175"/>
-            <a:ext cx="1410000" cy="302177"/>
-          </a:xfrm>
-          <a:prstGeom prst="rect">
-            <a:avLst/>
-          </a:prstGeom>
-          <a:solidFill>
-            <a:schemeClr val="accent4"/>
-          </a:solidFill>
-          <a:ln>
-            <a:noFill/>
-          </a:ln>
-        </p:spPr>
-        <p:style>
-          <a:lnRef idx="2">
-            <a:schemeClr val="accent1">
-              <a:shade val="50000"/>
-            </a:schemeClr>
-          </a:lnRef>
-          <a:fillRef idx="1">
-            <a:schemeClr val="accent1"/>
-          </a:fillRef>
-          <a:effectRef idx="0">
-            <a:schemeClr val="accent1"/>
-          </a:effectRef>
-          <a:fontRef idx="minor">
-            <a:schemeClr val="lt1"/>
-          </a:fontRef>
-        </p:style>
-        <p:txBody>
-          <a:bodyPr rtlCol="0" anchor="ctr"/>
-          <a:lstStyle/>
-          <a:p>
-            <a:pPr algn="ctr"/>
-            <a:r>
-              <a:rPr lang="en-US" altLang="ko-KR" dirty="0" smtClean="0"/>
-              <a:t>Gray </a:t>
-            </a:r>
-            <a:r>
-              <a:rPr lang="en-US" altLang="ko-KR" dirty="0" err="1" smtClean="0"/>
-              <a:t>img</a:t>
-            </a:r>
-            <a:endParaRPr lang="ko-KR" altLang="en-US" dirty="0"/>
-          </a:p>
-        </p:txBody>
-      </p:sp>
     </p:spTree>
     <p:extLst>
       <p:ext uri="{BB962C8B-B14F-4D97-AF65-F5344CB8AC3E}">
@@ -4990,7 +4440,7 @@
           <p:cNvPr id="3" name="직선 연결선 2">
             <a:extLst>
               <a:ext uri="{FF2B5EF4-FFF2-40B4-BE49-F238E27FC236}">
-                <a16:creationId xmlns:a16="http://schemas.microsoft.com/office/drawing/2014/main" xmlns="" id="{30B7886A-E2C2-47A8-A271-1FD08F52EED0}"/>
+                <a16:creationId xmlns="" xmlns:a16="http://schemas.microsoft.com/office/drawing/2014/main" id="{30B7886A-E2C2-47A8-A271-1FD08F52EED0}"/>
               </a:ext>
             </a:extLst>
           </p:cNvPr>
@@ -5033,7 +4483,1059 @@
           <p:cNvPr id="18" name="직선 연결선 17">
             <a:extLst>
               <a:ext uri="{FF2B5EF4-FFF2-40B4-BE49-F238E27FC236}">
-                <a16:creationId xmlns:a16="http://schemas.microsoft.com/office/drawing/2014/main" xmlns="" id="{7911BDFD-7E29-44F7-9ED7-E8F36B51436C}"/>
+                <a16:creationId xmlns="" xmlns:a16="http://schemas.microsoft.com/office/drawing/2014/main" id="{7911BDFD-7E29-44F7-9ED7-E8F36B51436C}"/>
+              </a:ext>
+            </a:extLst>
+          </p:cNvPr>
+          <p:cNvCxnSpPr/>
+          <p:nvPr/>
+        </p:nvCxnSpPr>
+        <p:spPr>
+          <a:xfrm>
+            <a:off x="1587500" y="190500"/>
+            <a:ext cx="10604500" cy="0"/>
+          </a:xfrm>
+          <a:prstGeom prst="line">
+            <a:avLst/>
+          </a:prstGeom>
+        </p:spPr>
+        <p:style>
+          <a:lnRef idx="1">
+            <a:schemeClr val="accent1"/>
+          </a:lnRef>
+          <a:fillRef idx="0">
+            <a:schemeClr val="accent1"/>
+          </a:fillRef>
+          <a:effectRef idx="0">
+            <a:schemeClr val="accent1"/>
+          </a:effectRef>
+          <a:fontRef idx="minor">
+            <a:schemeClr val="tx1"/>
+          </a:fontRef>
+        </p:style>
+      </p:cxnSp>
+      <p:sp>
+        <p:nvSpPr>
+          <p:cNvPr id="5" name="직사각형 4"/>
+          <p:cNvSpPr/>
+          <p:nvPr/>
+        </p:nvSpPr>
+        <p:spPr>
+          <a:xfrm>
+            <a:off x="444500" y="317500"/>
+            <a:ext cx="2101850" cy="374650"/>
+          </a:xfrm>
+          <a:prstGeom prst="rect">
+            <a:avLst/>
+          </a:prstGeom>
+          <a:solidFill>
+            <a:schemeClr val="accent4"/>
+          </a:solidFill>
+          <a:ln>
+            <a:noFill/>
+          </a:ln>
+        </p:spPr>
+        <p:style>
+          <a:lnRef idx="2">
+            <a:schemeClr val="accent1">
+              <a:shade val="50000"/>
+            </a:schemeClr>
+          </a:lnRef>
+          <a:fillRef idx="1">
+            <a:schemeClr val="accent1"/>
+          </a:fillRef>
+          <a:effectRef idx="0">
+            <a:schemeClr val="accent1"/>
+          </a:effectRef>
+          <a:fontRef idx="minor">
+            <a:schemeClr val="lt1"/>
+          </a:fontRef>
+        </p:style>
+        <p:txBody>
+          <a:bodyPr rtlCol="0" anchor="ctr"/>
+          <a:lstStyle/>
+          <a:p>
+            <a:pPr algn="ctr"/>
+            <a:r>
+              <a:rPr lang="ko-KR" altLang="en-US" dirty="0" smtClean="0"/>
+              <a:t>인공지능</a:t>
+            </a:r>
+            <a:endParaRPr lang="ko-KR" altLang="en-US" dirty="0"/>
+          </a:p>
+        </p:txBody>
+      </p:sp>
+      <p:sp>
+        <p:nvSpPr>
+          <p:cNvPr id="68" name="TextBox 67"/>
+          <p:cNvSpPr txBox="1"/>
+          <p:nvPr/>
+        </p:nvSpPr>
+        <p:spPr>
+          <a:xfrm>
+            <a:off x="759465" y="5676342"/>
+            <a:ext cx="10855569" cy="369332"/>
+          </a:xfrm>
+          <a:prstGeom prst="rect">
+            <a:avLst/>
+          </a:prstGeom>
+          <a:noFill/>
+        </p:spPr>
+        <p:txBody>
+          <a:bodyPr wrap="square" rtlCol="0">
+            <a:spAutoFit/>
+          </a:bodyPr>
+          <a:lstStyle/>
+          <a:p>
+            <a:r>
+              <a:rPr lang="ko-KR" altLang="en-US" dirty="0" smtClean="0"/>
+              <a:t>테스트 결과 어느 정도 </a:t>
+            </a:r>
+            <a:r>
+              <a:rPr lang="ko-KR" altLang="en-US" dirty="0" err="1" smtClean="0"/>
+              <a:t>퀄리티가</a:t>
+            </a:r>
+            <a:r>
+              <a:rPr lang="ko-KR" altLang="en-US" dirty="0" smtClean="0"/>
+              <a:t> 유지되는 모습</a:t>
+            </a:r>
+            <a:endParaRPr lang="en-US" altLang="ko-KR" dirty="0" smtClean="0"/>
+          </a:p>
+        </p:txBody>
+      </p:sp>
+      <p:pic>
+        <p:nvPicPr>
+          <p:cNvPr id="2057" name="Picture 9" descr="C:\Users\user\Desktop\KakaoTalk_20230810_013010491_02.jpg"/>
+          <p:cNvPicPr>
+            <a:picLocks noChangeAspect="1" noChangeArrowheads="1"/>
+          </p:cNvPicPr>
+          <p:nvPr/>
+        </p:nvPicPr>
+        <p:blipFill>
+          <a:blip r:embed="rId2" cstate="screen">
+            <a:extLst>
+              <a:ext uri="{28A0092B-C50C-407E-A947-70E740481C1C}">
+                <a14:useLocalDpi xmlns:a14="http://schemas.microsoft.com/office/drawing/2010/main" val="0"/>
+              </a:ext>
+            </a:extLst>
+          </a:blip>
+          <a:srcRect/>
+          <a:stretch>
+            <a:fillRect/>
+          </a:stretch>
+        </p:blipFill>
+        <p:spPr bwMode="auto">
+          <a:xfrm>
+            <a:off x="8862957" y="959152"/>
+            <a:ext cx="3138296" cy="4184395"/>
+          </a:xfrm>
+          <a:prstGeom prst="rect">
+            <a:avLst/>
+          </a:prstGeom>
+          <a:noFill/>
+          <a:extLst>
+            <a:ext uri="{909E8E84-426E-40DD-AFC4-6F175D3DCCD1}">
+              <a14:hiddenFill xmlns:a14="http://schemas.microsoft.com/office/drawing/2010/main">
+                <a:solidFill>
+                  <a:srgbClr val="FFFFFF"/>
+                </a:solidFill>
+              </a14:hiddenFill>
+            </a:ext>
+          </a:extLst>
+        </p:spPr>
+      </p:pic>
+      <p:pic>
+        <p:nvPicPr>
+          <p:cNvPr id="2060" name="Picture 12" descr="C:\Users\user\Desktop\456.jpg"/>
+          <p:cNvPicPr>
+            <a:picLocks noChangeAspect="1" noChangeArrowheads="1"/>
+          </p:cNvPicPr>
+          <p:nvPr/>
+        </p:nvPicPr>
+        <p:blipFill>
+          <a:blip r:embed="rId3" cstate="screen">
+            <a:extLst>
+              <a:ext uri="{28A0092B-C50C-407E-A947-70E740481C1C}">
+                <a14:useLocalDpi xmlns:a14="http://schemas.microsoft.com/office/drawing/2010/main" val="0"/>
+              </a:ext>
+            </a:extLst>
+          </a:blip>
+          <a:srcRect/>
+          <a:stretch>
+            <a:fillRect/>
+          </a:stretch>
+        </p:blipFill>
+        <p:spPr bwMode="auto">
+          <a:xfrm>
+            <a:off x="6302348" y="959157"/>
+            <a:ext cx="3138296" cy="4184395"/>
+          </a:xfrm>
+          <a:prstGeom prst="rect">
+            <a:avLst/>
+          </a:prstGeom>
+          <a:noFill/>
+          <a:extLst>
+            <a:ext uri="{909E8E84-426E-40DD-AFC4-6F175D3DCCD1}">
+              <a14:hiddenFill xmlns:a14="http://schemas.microsoft.com/office/drawing/2010/main">
+                <a:solidFill>
+                  <a:srgbClr val="FFFFFF"/>
+                </a:solidFill>
+              </a14:hiddenFill>
+            </a:ext>
+          </a:extLst>
+        </p:spPr>
+      </p:pic>
+      <p:pic>
+        <p:nvPicPr>
+          <p:cNvPr id="2058" name="Picture 10" descr="C:\Users\user\Desktop\KakaoTalk_20230810_013010491_01.jpg"/>
+          <p:cNvPicPr>
+            <a:picLocks noChangeAspect="1" noChangeArrowheads="1"/>
+          </p:cNvPicPr>
+          <p:nvPr/>
+        </p:nvPicPr>
+        <p:blipFill>
+          <a:blip r:embed="rId4" cstate="screen">
+            <a:extLst>
+              <a:ext uri="{28A0092B-C50C-407E-A947-70E740481C1C}">
+                <a14:useLocalDpi xmlns:a14="http://schemas.microsoft.com/office/drawing/2010/main" val="0"/>
+              </a:ext>
+            </a:extLst>
+          </a:blip>
+          <a:srcRect/>
+          <a:stretch>
+            <a:fillRect/>
+          </a:stretch>
+        </p:blipFill>
+        <p:spPr bwMode="auto">
+          <a:xfrm>
+            <a:off x="3393187" y="959157"/>
+            <a:ext cx="3138296" cy="4184395"/>
+          </a:xfrm>
+          <a:prstGeom prst="rect">
+            <a:avLst/>
+          </a:prstGeom>
+          <a:noFill/>
+          <a:extLst>
+            <a:ext uri="{909E8E84-426E-40DD-AFC4-6F175D3DCCD1}">
+              <a14:hiddenFill xmlns:a14="http://schemas.microsoft.com/office/drawing/2010/main">
+                <a:solidFill>
+                  <a:srgbClr val="FFFFFF"/>
+                </a:solidFill>
+              </a14:hiddenFill>
+            </a:ext>
+          </a:extLst>
+        </p:spPr>
+      </p:pic>
+      <p:pic>
+        <p:nvPicPr>
+          <p:cNvPr id="2059" name="Picture 11" descr="C:\Users\user\Desktop\123.jpg"/>
+          <p:cNvPicPr>
+            <a:picLocks noChangeAspect="1" noChangeArrowheads="1"/>
+          </p:cNvPicPr>
+          <p:nvPr/>
+        </p:nvPicPr>
+        <p:blipFill>
+          <a:blip r:embed="rId5" cstate="screen">
+            <a:extLst>
+              <a:ext uri="{28A0092B-C50C-407E-A947-70E740481C1C}">
+                <a14:useLocalDpi xmlns:a14="http://schemas.microsoft.com/office/drawing/2010/main" val="0"/>
+              </a:ext>
+            </a:extLst>
+          </a:blip>
+          <a:srcRect/>
+          <a:stretch>
+            <a:fillRect/>
+          </a:stretch>
+        </p:blipFill>
+        <p:spPr bwMode="auto">
+          <a:xfrm>
+            <a:off x="567960" y="959157"/>
+            <a:ext cx="3138296" cy="4184395"/>
+          </a:xfrm>
+          <a:prstGeom prst="rect">
+            <a:avLst/>
+          </a:prstGeom>
+          <a:noFill/>
+          <a:extLst>
+            <a:ext uri="{909E8E84-426E-40DD-AFC4-6F175D3DCCD1}">
+              <a14:hiddenFill xmlns:a14="http://schemas.microsoft.com/office/drawing/2010/main">
+                <a:solidFill>
+                  <a:srgbClr val="FFFFFF"/>
+                </a:solidFill>
+              </a14:hiddenFill>
+            </a:ext>
+          </a:extLst>
+        </p:spPr>
+      </p:pic>
+      <p:pic>
+        <p:nvPicPr>
+          <p:cNvPr id="2061" name="Picture 13" descr="C:\Users\user\Desktop\1234.jpg"/>
+          <p:cNvPicPr>
+            <a:picLocks noChangeAspect="1" noChangeArrowheads="1"/>
+          </p:cNvPicPr>
+          <p:nvPr/>
+        </p:nvPicPr>
+        <p:blipFill>
+          <a:blip r:embed="rId6" cstate="screen">
+            <a:extLst>
+              <a:ext uri="{28A0092B-C50C-407E-A947-70E740481C1C}">
+                <a14:useLocalDpi xmlns:a14="http://schemas.microsoft.com/office/drawing/2010/main" val="0"/>
+              </a:ext>
+            </a:extLst>
+          </a:blip>
+          <a:srcRect/>
+          <a:stretch>
+            <a:fillRect/>
+          </a:stretch>
+        </p:blipFill>
+        <p:spPr bwMode="auto">
+          <a:xfrm>
+            <a:off x="2717800" y="3660868"/>
+            <a:ext cx="988456" cy="1482684"/>
+          </a:xfrm>
+          <a:prstGeom prst="rect">
+            <a:avLst/>
+          </a:prstGeom>
+          <a:noFill/>
+          <a:extLst>
+            <a:ext uri="{909E8E84-426E-40DD-AFC4-6F175D3DCCD1}">
+              <a14:hiddenFill xmlns:a14="http://schemas.microsoft.com/office/drawing/2010/main">
+                <a:solidFill>
+                  <a:srgbClr val="FFFFFF"/>
+                </a:solidFill>
+              </a14:hiddenFill>
+            </a:ext>
+          </a:extLst>
+        </p:spPr>
+      </p:pic>
+      <p:pic>
+        <p:nvPicPr>
+          <p:cNvPr id="2062" name="Picture 14" descr="C:\Users\user\Desktop\742.jpg"/>
+          <p:cNvPicPr>
+            <a:picLocks noChangeAspect="1" noChangeArrowheads="1"/>
+          </p:cNvPicPr>
+          <p:nvPr/>
+        </p:nvPicPr>
+        <p:blipFill>
+          <a:blip r:embed="rId7" cstate="screen">
+            <a:extLst>
+              <a:ext uri="{28A0092B-C50C-407E-A947-70E740481C1C}">
+                <a14:useLocalDpi xmlns:a14="http://schemas.microsoft.com/office/drawing/2010/main" val="0"/>
+              </a:ext>
+            </a:extLst>
+          </a:blip>
+          <a:srcRect/>
+          <a:stretch>
+            <a:fillRect/>
+          </a:stretch>
+        </p:blipFill>
+        <p:spPr bwMode="auto">
+          <a:xfrm>
+            <a:off x="5353049" y="3572303"/>
+            <a:ext cx="1178433" cy="1571243"/>
+          </a:xfrm>
+          <a:prstGeom prst="rect">
+            <a:avLst/>
+          </a:prstGeom>
+          <a:noFill/>
+          <a:extLst>
+            <a:ext uri="{909E8E84-426E-40DD-AFC4-6F175D3DCCD1}">
+              <a14:hiddenFill xmlns:a14="http://schemas.microsoft.com/office/drawing/2010/main">
+                <a:solidFill>
+                  <a:srgbClr val="FFFFFF"/>
+                </a:solidFill>
+              </a14:hiddenFill>
+            </a:ext>
+          </a:extLst>
+        </p:spPr>
+      </p:pic>
+      <p:pic>
+        <p:nvPicPr>
+          <p:cNvPr id="2063" name="Picture 15" descr="C:\Users\user\Desktop\KakaoTalk_20230810_020719557_01.jpg"/>
+          <p:cNvPicPr>
+            <a:picLocks noChangeAspect="1" noChangeArrowheads="1"/>
+          </p:cNvPicPr>
+          <p:nvPr/>
+        </p:nvPicPr>
+        <p:blipFill>
+          <a:blip r:embed="rId8" cstate="screen">
+            <a:extLst>
+              <a:ext uri="{28A0092B-C50C-407E-A947-70E740481C1C}">
+                <a14:useLocalDpi xmlns:a14="http://schemas.microsoft.com/office/drawing/2010/main" val="0"/>
+              </a:ext>
+            </a:extLst>
+          </a:blip>
+          <a:srcRect/>
+          <a:stretch>
+            <a:fillRect/>
+          </a:stretch>
+        </p:blipFill>
+        <p:spPr bwMode="auto">
+          <a:xfrm>
+            <a:off x="8298710" y="3638893"/>
+            <a:ext cx="1128494" cy="1504659"/>
+          </a:xfrm>
+          <a:prstGeom prst="rect">
+            <a:avLst/>
+          </a:prstGeom>
+          <a:noFill/>
+          <a:extLst>
+            <a:ext uri="{909E8E84-426E-40DD-AFC4-6F175D3DCCD1}">
+              <a14:hiddenFill xmlns:a14="http://schemas.microsoft.com/office/drawing/2010/main">
+                <a:solidFill>
+                  <a:srgbClr val="FFFFFF"/>
+                </a:solidFill>
+              </a14:hiddenFill>
+            </a:ext>
+          </a:extLst>
+        </p:spPr>
+      </p:pic>
+      <p:pic>
+        <p:nvPicPr>
+          <p:cNvPr id="2064" name="Picture 16" descr="C:\Users\user\Desktop\KakaoTalk_20230810_012958228.jpg"/>
+          <p:cNvPicPr>
+            <a:picLocks noChangeAspect="1" noChangeArrowheads="1"/>
+          </p:cNvPicPr>
+          <p:nvPr/>
+        </p:nvPicPr>
+        <p:blipFill>
+          <a:blip r:embed="rId9" cstate="screen">
+            <a:extLst>
+              <a:ext uri="{28A0092B-C50C-407E-A947-70E740481C1C}">
+                <a14:useLocalDpi xmlns:a14="http://schemas.microsoft.com/office/drawing/2010/main" val="0"/>
+              </a:ext>
+            </a:extLst>
+          </a:blip>
+          <a:srcRect/>
+          <a:stretch>
+            <a:fillRect/>
+          </a:stretch>
+        </p:blipFill>
+        <p:spPr bwMode="auto">
+          <a:xfrm>
+            <a:off x="10972800" y="3791206"/>
+            <a:ext cx="1015628" cy="1354170"/>
+          </a:xfrm>
+          <a:prstGeom prst="rect">
+            <a:avLst/>
+          </a:prstGeom>
+          <a:noFill/>
+          <a:extLst>
+            <a:ext uri="{909E8E84-426E-40DD-AFC4-6F175D3DCCD1}">
+              <a14:hiddenFill xmlns:a14="http://schemas.microsoft.com/office/drawing/2010/main">
+                <a:solidFill>
+                  <a:srgbClr val="FFFFFF"/>
+                </a:solidFill>
+              </a14:hiddenFill>
+            </a:ext>
+          </a:extLst>
+        </p:spPr>
+      </p:pic>
+    </p:spTree>
+    <p:extLst>
+      <p:ext uri="{BB962C8B-B14F-4D97-AF65-F5344CB8AC3E}">
+        <p14:creationId xmlns:p14="http://schemas.microsoft.com/office/powerpoint/2010/main" val="2187918791"/>
+      </p:ext>
+    </p:extLst>
+  </p:cSld>
+  <p:clrMapOvr>
+    <a:masterClrMapping/>
+  </p:clrMapOvr>
+  <mc:AlternateContent xmlns:mc="http://schemas.openxmlformats.org/markup-compatibility/2006" xmlns:p14="http://schemas.microsoft.com/office/powerpoint/2010/main">
+    <mc:Choice Requires="p14">
+      <p:transition spd="med" p14:dur="700">
+        <p:fade/>
+      </p:transition>
+    </mc:Choice>
+    <mc:Fallback xmlns="">
+      <p:transition spd="med">
+        <p:fade/>
+      </p:transition>
+    </mc:Fallback>
+  </mc:AlternateContent>
+</p:sld>
+</file>
+
+<file path=ppt/slides/slide4.xml><?xml version="1.0" encoding="utf-8"?>
+<p:sld xmlns:a="http://schemas.openxmlformats.org/drawingml/2006/main" xmlns:r="http://schemas.openxmlformats.org/officeDocument/2006/relationships" xmlns:p="http://schemas.openxmlformats.org/presentationml/2006/main">
+  <p:cSld>
+    <p:spTree>
+      <p:nvGrpSpPr>
+        <p:cNvPr id="1" name=""/>
+        <p:cNvGrpSpPr/>
+        <p:nvPr/>
+      </p:nvGrpSpPr>
+      <p:grpSpPr>
+        <a:xfrm>
+          <a:off x="0" y="0"/>
+          <a:ext cx="0" cy="0"/>
+          <a:chOff x="0" y="0"/>
+          <a:chExt cx="0" cy="0"/>
+        </a:xfrm>
+      </p:grpSpPr>
+      <p:cxnSp>
+        <p:nvCxnSpPr>
+          <p:cNvPr id="3" name="직선 연결선 2">
+            <a:extLst>
+              <a:ext uri="{FF2B5EF4-FFF2-40B4-BE49-F238E27FC236}">
+                <a16:creationId xmlns="" xmlns:a16="http://schemas.microsoft.com/office/drawing/2014/main" id="{30B7886A-E2C2-47A8-A271-1FD08F52EED0}"/>
+              </a:ext>
+            </a:extLst>
+          </p:cNvPr>
+          <p:cNvCxnSpPr>
+            <a:cxnSpLocks/>
+          </p:cNvCxnSpPr>
+          <p:nvPr/>
+        </p:nvCxnSpPr>
+        <p:spPr>
+          <a:xfrm>
+            <a:off x="152400" y="190500"/>
+            <a:ext cx="1435100" cy="0"/>
+          </a:xfrm>
+          <a:prstGeom prst="line">
+            <a:avLst/>
+          </a:prstGeom>
+          <a:ln w="76200">
+            <a:solidFill>
+              <a:schemeClr val="accent4"/>
+            </a:solidFill>
+          </a:ln>
+        </p:spPr>
+        <p:style>
+          <a:lnRef idx="1">
+            <a:schemeClr val="accent1"/>
+          </a:lnRef>
+          <a:fillRef idx="0">
+            <a:schemeClr val="accent1"/>
+          </a:fillRef>
+          <a:effectRef idx="0">
+            <a:schemeClr val="accent1"/>
+          </a:effectRef>
+          <a:fontRef idx="minor">
+            <a:schemeClr val="tx1"/>
+          </a:fontRef>
+        </p:style>
+      </p:cxnSp>
+      <p:cxnSp>
+        <p:nvCxnSpPr>
+          <p:cNvPr id="18" name="직선 연결선 17">
+            <a:extLst>
+              <a:ext uri="{FF2B5EF4-FFF2-40B4-BE49-F238E27FC236}">
+                <a16:creationId xmlns="" xmlns:a16="http://schemas.microsoft.com/office/drawing/2014/main" id="{7911BDFD-7E29-44F7-9ED7-E8F36B51436C}"/>
+              </a:ext>
+            </a:extLst>
+          </p:cNvPr>
+          <p:cNvCxnSpPr/>
+          <p:nvPr/>
+        </p:nvCxnSpPr>
+        <p:spPr>
+          <a:xfrm>
+            <a:off x="1587500" y="190500"/>
+            <a:ext cx="10604500" cy="0"/>
+          </a:xfrm>
+          <a:prstGeom prst="line">
+            <a:avLst/>
+          </a:prstGeom>
+        </p:spPr>
+        <p:style>
+          <a:lnRef idx="1">
+            <a:schemeClr val="accent1"/>
+          </a:lnRef>
+          <a:fillRef idx="0">
+            <a:schemeClr val="accent1"/>
+          </a:fillRef>
+          <a:effectRef idx="0">
+            <a:schemeClr val="accent1"/>
+          </a:effectRef>
+          <a:fontRef idx="minor">
+            <a:schemeClr val="tx1"/>
+          </a:fontRef>
+        </p:style>
+      </p:cxnSp>
+      <p:sp>
+        <p:nvSpPr>
+          <p:cNvPr id="5" name="직사각형 4"/>
+          <p:cNvSpPr/>
+          <p:nvPr/>
+        </p:nvSpPr>
+        <p:spPr>
+          <a:xfrm>
+            <a:off x="444500" y="317500"/>
+            <a:ext cx="2101850" cy="374650"/>
+          </a:xfrm>
+          <a:prstGeom prst="rect">
+            <a:avLst/>
+          </a:prstGeom>
+          <a:solidFill>
+            <a:schemeClr val="accent4"/>
+          </a:solidFill>
+          <a:ln>
+            <a:noFill/>
+          </a:ln>
+        </p:spPr>
+        <p:style>
+          <a:lnRef idx="2">
+            <a:schemeClr val="accent1">
+              <a:shade val="50000"/>
+            </a:schemeClr>
+          </a:lnRef>
+          <a:fillRef idx="1">
+            <a:schemeClr val="accent1"/>
+          </a:fillRef>
+          <a:effectRef idx="0">
+            <a:schemeClr val="accent1"/>
+          </a:effectRef>
+          <a:fontRef idx="minor">
+            <a:schemeClr val="lt1"/>
+          </a:fontRef>
+        </p:style>
+        <p:txBody>
+          <a:bodyPr rtlCol="0" anchor="ctr"/>
+          <a:lstStyle/>
+          <a:p>
+            <a:pPr algn="ctr"/>
+            <a:r>
+              <a:rPr lang="ko-KR" altLang="en-US" dirty="0" smtClean="0"/>
+              <a:t>인공지능</a:t>
+            </a:r>
+            <a:endParaRPr lang="ko-KR" altLang="en-US" dirty="0"/>
+          </a:p>
+        </p:txBody>
+      </p:sp>
+      <p:sp>
+        <p:nvSpPr>
+          <p:cNvPr id="68" name="TextBox 67"/>
+          <p:cNvSpPr txBox="1"/>
+          <p:nvPr/>
+        </p:nvSpPr>
+        <p:spPr>
+          <a:xfrm>
+            <a:off x="759465" y="5676342"/>
+            <a:ext cx="10855569" cy="646331"/>
+          </a:xfrm>
+          <a:prstGeom prst="rect">
+            <a:avLst/>
+          </a:prstGeom>
+          <a:noFill/>
+        </p:spPr>
+        <p:txBody>
+          <a:bodyPr wrap="square" rtlCol="0">
+            <a:spAutoFit/>
+          </a:bodyPr>
+          <a:lstStyle/>
+          <a:p>
+            <a:r>
+              <a:rPr lang="ko-KR" altLang="en-US" dirty="0" smtClean="0"/>
+              <a:t>낮은 </a:t>
+            </a:r>
+            <a:r>
+              <a:rPr lang="ko-KR" altLang="en-US" dirty="0" err="1" smtClean="0"/>
+              <a:t>퀄리티의</a:t>
+            </a:r>
+            <a:r>
+              <a:rPr lang="ko-KR" altLang="en-US" dirty="0" smtClean="0"/>
+              <a:t> 결과물이 존재</a:t>
+            </a:r>
+            <a:r>
+              <a:rPr lang="en-US" altLang="ko-KR" dirty="0" smtClean="0"/>
+              <a:t>,</a:t>
+            </a:r>
+            <a:r>
+              <a:rPr lang="ko-KR" altLang="en-US" dirty="0" smtClean="0"/>
+              <a:t> 비슷한 옷의 결과물과 비교하여</a:t>
+            </a:r>
+            <a:r>
+              <a:rPr lang="en-US" altLang="ko-KR" dirty="0" smtClean="0"/>
+              <a:t>,</a:t>
+            </a:r>
+          </a:p>
+          <a:p>
+            <a:r>
+              <a:rPr lang="ko-KR" altLang="en-US" dirty="0" smtClean="0"/>
+              <a:t>낮은 </a:t>
+            </a:r>
+            <a:r>
+              <a:rPr lang="ko-KR" altLang="en-US" dirty="0" err="1" smtClean="0"/>
+              <a:t>퀄리티의</a:t>
+            </a:r>
+            <a:r>
+              <a:rPr lang="ko-KR" altLang="en-US" dirty="0" smtClean="0"/>
+              <a:t> 옷 이미지의 입력이 원인으로 유추</a:t>
+            </a:r>
+            <a:r>
+              <a:rPr lang="en-US" altLang="ko-KR" dirty="0" smtClean="0"/>
+              <a:t>, </a:t>
+            </a:r>
+            <a:r>
+              <a:rPr lang="ko-KR" altLang="en-US" dirty="0" smtClean="0"/>
+              <a:t>높은 </a:t>
+            </a:r>
+            <a:r>
+              <a:rPr lang="ko-KR" altLang="en-US" dirty="0" err="1" smtClean="0"/>
+              <a:t>퀄리티의</a:t>
+            </a:r>
+            <a:r>
+              <a:rPr lang="ko-KR" altLang="en-US" dirty="0" smtClean="0"/>
+              <a:t> 의상 이미지를 입력 받는 방향</a:t>
+            </a:r>
+            <a:endParaRPr lang="en-US" altLang="ko-KR" dirty="0" smtClean="0"/>
+          </a:p>
+        </p:txBody>
+      </p:sp>
+      <p:pic>
+        <p:nvPicPr>
+          <p:cNvPr id="3074" name="Picture 2" descr="C:\Users\user\Desktop\KakaoTalk_20230810_020719557.jpg"/>
+          <p:cNvPicPr>
+            <a:picLocks noChangeAspect="1" noChangeArrowheads="1"/>
+          </p:cNvPicPr>
+          <p:nvPr/>
+        </p:nvPicPr>
+        <p:blipFill>
+          <a:blip r:embed="rId2" cstate="screen">
+            <a:extLst>
+              <a:ext uri="{28A0092B-C50C-407E-A947-70E740481C1C}">
+                <a14:useLocalDpi xmlns:a14="http://schemas.microsoft.com/office/drawing/2010/main" val="0"/>
+              </a:ext>
+            </a:extLst>
+          </a:blip>
+          <a:srcRect/>
+          <a:stretch>
+            <a:fillRect/>
+          </a:stretch>
+        </p:blipFill>
+        <p:spPr bwMode="auto">
+          <a:xfrm>
+            <a:off x="3474934" y="1208542"/>
+            <a:ext cx="2923009" cy="3897345"/>
+          </a:xfrm>
+          <a:prstGeom prst="rect">
+            <a:avLst/>
+          </a:prstGeom>
+          <a:noFill/>
+          <a:extLst>
+            <a:ext uri="{909E8E84-426E-40DD-AFC4-6F175D3DCCD1}">
+              <a14:hiddenFill xmlns:a14="http://schemas.microsoft.com/office/drawing/2010/main">
+                <a:solidFill>
+                  <a:srgbClr val="FFFFFF"/>
+                </a:solidFill>
+              </a14:hiddenFill>
+            </a:ext>
+          </a:extLst>
+        </p:spPr>
+      </p:pic>
+      <p:pic>
+        <p:nvPicPr>
+          <p:cNvPr id="3075" name="Picture 3" descr="C:\Users\user\Desktop\KakaoTalk_20230810_020747878.jpg"/>
+          <p:cNvPicPr>
+            <a:picLocks noChangeAspect="1" noChangeArrowheads="1"/>
+          </p:cNvPicPr>
+          <p:nvPr/>
+        </p:nvPicPr>
+        <p:blipFill>
+          <a:blip r:embed="rId3" cstate="screen">
+            <a:extLst>
+              <a:ext uri="{28A0092B-C50C-407E-A947-70E740481C1C}">
+                <a14:useLocalDpi xmlns:a14="http://schemas.microsoft.com/office/drawing/2010/main" val="0"/>
+              </a:ext>
+            </a:extLst>
+          </a:blip>
+          <a:srcRect/>
+          <a:stretch>
+            <a:fillRect/>
+          </a:stretch>
+        </p:blipFill>
+        <p:spPr bwMode="auto">
+          <a:xfrm>
+            <a:off x="750535" y="1208542"/>
+            <a:ext cx="2923009" cy="3897345"/>
+          </a:xfrm>
+          <a:prstGeom prst="rect">
+            <a:avLst/>
+          </a:prstGeom>
+          <a:noFill/>
+          <a:extLst>
+            <a:ext uri="{909E8E84-426E-40DD-AFC4-6F175D3DCCD1}">
+              <a14:hiddenFill xmlns:a14="http://schemas.microsoft.com/office/drawing/2010/main">
+                <a:solidFill>
+                  <a:srgbClr val="FFFFFF"/>
+                </a:solidFill>
+              </a14:hiddenFill>
+            </a:ext>
+          </a:extLst>
+        </p:spPr>
+      </p:pic>
+      <p:pic>
+        <p:nvPicPr>
+          <p:cNvPr id="3076" name="Picture 4" descr="C:\Users\user\Desktop\KakaoTalk_20230810_020719557_01.jpg"/>
+          <p:cNvPicPr>
+            <a:picLocks noChangeAspect="1" noChangeArrowheads="1"/>
+          </p:cNvPicPr>
+          <p:nvPr/>
+        </p:nvPicPr>
+        <p:blipFill>
+          <a:blip r:embed="rId4" cstate="screen">
+            <a:extLst>
+              <a:ext uri="{28A0092B-C50C-407E-A947-70E740481C1C}">
+                <a14:useLocalDpi xmlns:a14="http://schemas.microsoft.com/office/drawing/2010/main" val="0"/>
+              </a:ext>
+            </a:extLst>
+          </a:blip>
+          <a:srcRect/>
+          <a:stretch>
+            <a:fillRect/>
+          </a:stretch>
+        </p:blipFill>
+        <p:spPr bwMode="auto">
+          <a:xfrm>
+            <a:off x="9270909" y="1208540"/>
+            <a:ext cx="2923009" cy="3897345"/>
+          </a:xfrm>
+          <a:prstGeom prst="rect">
+            <a:avLst/>
+          </a:prstGeom>
+          <a:noFill/>
+          <a:extLst>
+            <a:ext uri="{909E8E84-426E-40DD-AFC4-6F175D3DCCD1}">
+              <a14:hiddenFill xmlns:a14="http://schemas.microsoft.com/office/drawing/2010/main">
+                <a:solidFill>
+                  <a:srgbClr val="FFFFFF"/>
+                </a:solidFill>
+              </a14:hiddenFill>
+            </a:ext>
+          </a:extLst>
+        </p:spPr>
+      </p:pic>
+      <p:pic>
+        <p:nvPicPr>
+          <p:cNvPr id="3077" name="Picture 5" descr="C:\Users\user\Desktop\456.jpg"/>
+          <p:cNvPicPr>
+            <a:picLocks noChangeAspect="1" noChangeArrowheads="1"/>
+          </p:cNvPicPr>
+          <p:nvPr/>
+        </p:nvPicPr>
+        <p:blipFill>
+          <a:blip r:embed="rId5" cstate="screen">
+            <a:extLst>
+              <a:ext uri="{28A0092B-C50C-407E-A947-70E740481C1C}">
+                <a14:useLocalDpi xmlns:a14="http://schemas.microsoft.com/office/drawing/2010/main" val="0"/>
+              </a:ext>
+            </a:extLst>
+          </a:blip>
+          <a:srcRect/>
+          <a:stretch>
+            <a:fillRect/>
+          </a:stretch>
+        </p:blipFill>
+        <p:spPr bwMode="auto">
+          <a:xfrm>
+            <a:off x="6496715" y="1208542"/>
+            <a:ext cx="2923008" cy="3897343"/>
+          </a:xfrm>
+          <a:prstGeom prst="rect">
+            <a:avLst/>
+          </a:prstGeom>
+          <a:noFill/>
+          <a:extLst>
+            <a:ext uri="{909E8E84-426E-40DD-AFC4-6F175D3DCCD1}">
+              <a14:hiddenFill xmlns:a14="http://schemas.microsoft.com/office/drawing/2010/main">
+                <a:solidFill>
+                  <a:srgbClr val="FFFFFF"/>
+                </a:solidFill>
+              </a14:hiddenFill>
+            </a:ext>
+          </a:extLst>
+        </p:spPr>
+      </p:pic>
+      <p:sp>
+        <p:nvSpPr>
+          <p:cNvPr id="2" name="직사각형 1"/>
+          <p:cNvSpPr/>
+          <p:nvPr/>
+        </p:nvSpPr>
+        <p:spPr>
+          <a:xfrm>
+            <a:off x="2410649" y="5198651"/>
+            <a:ext cx="2525790" cy="364481"/>
+          </a:xfrm>
+          <a:prstGeom prst="rect">
+            <a:avLst/>
+          </a:prstGeom>
+          <a:solidFill>
+            <a:schemeClr val="accent4"/>
+          </a:solidFill>
+          <a:ln>
+            <a:noFill/>
+          </a:ln>
+        </p:spPr>
+        <p:style>
+          <a:lnRef idx="2">
+            <a:schemeClr val="accent1">
+              <a:shade val="50000"/>
+            </a:schemeClr>
+          </a:lnRef>
+          <a:fillRef idx="1">
+            <a:schemeClr val="accent1"/>
+          </a:fillRef>
+          <a:effectRef idx="0">
+            <a:schemeClr val="accent1"/>
+          </a:effectRef>
+          <a:fontRef idx="minor">
+            <a:schemeClr val="lt1"/>
+          </a:fontRef>
+        </p:style>
+        <p:txBody>
+          <a:bodyPr rtlCol="0" anchor="ctr"/>
+          <a:lstStyle/>
+          <a:p>
+            <a:pPr algn="ctr"/>
+            <a:r>
+              <a:rPr lang="ko-KR" altLang="en-US" dirty="0" smtClean="0"/>
+              <a:t>문제 발생 시</a:t>
+            </a:r>
+            <a:endParaRPr lang="ko-KR" altLang="en-US" dirty="0"/>
+          </a:p>
+        </p:txBody>
+      </p:sp>
+      <p:sp>
+        <p:nvSpPr>
+          <p:cNvPr id="14" name="직사각형 13"/>
+          <p:cNvSpPr/>
+          <p:nvPr/>
+        </p:nvSpPr>
+        <p:spPr>
+          <a:xfrm>
+            <a:off x="8156828" y="5198650"/>
+            <a:ext cx="2525790" cy="364481"/>
+          </a:xfrm>
+          <a:prstGeom prst="rect">
+            <a:avLst/>
+          </a:prstGeom>
+          <a:solidFill>
+            <a:schemeClr val="accent4"/>
+          </a:solidFill>
+          <a:ln>
+            <a:noFill/>
+          </a:ln>
+        </p:spPr>
+        <p:style>
+          <a:lnRef idx="2">
+            <a:schemeClr val="accent1">
+              <a:shade val="50000"/>
+            </a:schemeClr>
+          </a:lnRef>
+          <a:fillRef idx="1">
+            <a:schemeClr val="accent1"/>
+          </a:fillRef>
+          <a:effectRef idx="0">
+            <a:schemeClr val="accent1"/>
+          </a:effectRef>
+          <a:fontRef idx="minor">
+            <a:schemeClr val="lt1"/>
+          </a:fontRef>
+        </p:style>
+        <p:txBody>
+          <a:bodyPr rtlCol="0" anchor="ctr"/>
+          <a:lstStyle/>
+          <a:p>
+            <a:pPr algn="ctr"/>
+            <a:r>
+              <a:rPr lang="ko-KR" altLang="en-US" dirty="0" smtClean="0"/>
+              <a:t>비슷한 입력 이미지</a:t>
+            </a:r>
+            <a:endParaRPr lang="ko-KR" altLang="en-US" dirty="0"/>
+          </a:p>
+        </p:txBody>
+      </p:sp>
+    </p:spTree>
+    <p:extLst>
+      <p:ext uri="{BB962C8B-B14F-4D97-AF65-F5344CB8AC3E}">
+        <p14:creationId xmlns:p14="http://schemas.microsoft.com/office/powerpoint/2010/main" val="4076223642"/>
+      </p:ext>
+    </p:extLst>
+  </p:cSld>
+  <p:clrMapOvr>
+    <a:masterClrMapping/>
+  </p:clrMapOvr>
+  <mc:AlternateContent xmlns:mc="http://schemas.openxmlformats.org/markup-compatibility/2006" xmlns:p14="http://schemas.microsoft.com/office/powerpoint/2010/main">
+    <mc:Choice Requires="p14">
+      <p:transition spd="med" p14:dur="700">
+        <p:fade/>
+      </p:transition>
+    </mc:Choice>
+    <mc:Fallback xmlns="">
+      <p:transition spd="med">
+        <p:fade/>
+      </p:transition>
+    </mc:Fallback>
+  </mc:AlternateContent>
+</p:sld>
+</file>
+
+<file path=ppt/slides/slide5.xml><?xml version="1.0" encoding="utf-8"?>
+<p:sld xmlns:a="http://schemas.openxmlformats.org/drawingml/2006/main" xmlns:r="http://schemas.openxmlformats.org/officeDocument/2006/relationships" xmlns:p="http://schemas.openxmlformats.org/presentationml/2006/main">
+  <p:cSld>
+    <p:spTree>
+      <p:nvGrpSpPr>
+        <p:cNvPr id="1" name=""/>
+        <p:cNvGrpSpPr/>
+        <p:nvPr/>
+      </p:nvGrpSpPr>
+      <p:grpSpPr>
+        <a:xfrm>
+          <a:off x="0" y="0"/>
+          <a:ext cx="0" cy="0"/>
+          <a:chOff x="0" y="0"/>
+          <a:chExt cx="0" cy="0"/>
+        </a:xfrm>
+      </p:grpSpPr>
+      <p:cxnSp>
+        <p:nvCxnSpPr>
+          <p:cNvPr id="3" name="직선 연결선 2">
+            <a:extLst>
+              <a:ext uri="{FF2B5EF4-FFF2-40B4-BE49-F238E27FC236}">
+                <a16:creationId xmlns="" xmlns:a16="http://schemas.microsoft.com/office/drawing/2014/main" id="{30B7886A-E2C2-47A8-A271-1FD08F52EED0}"/>
+              </a:ext>
+            </a:extLst>
+          </p:cNvPr>
+          <p:cNvCxnSpPr>
+            <a:cxnSpLocks/>
+          </p:cNvCxnSpPr>
+          <p:nvPr/>
+        </p:nvCxnSpPr>
+        <p:spPr>
+          <a:xfrm>
+            <a:off x="152400" y="190500"/>
+            <a:ext cx="1435100" cy="0"/>
+          </a:xfrm>
+          <a:prstGeom prst="line">
+            <a:avLst/>
+          </a:prstGeom>
+          <a:ln w="76200">
+            <a:solidFill>
+              <a:schemeClr val="accent4"/>
+            </a:solidFill>
+          </a:ln>
+        </p:spPr>
+        <p:style>
+          <a:lnRef idx="1">
+            <a:schemeClr val="accent1"/>
+          </a:lnRef>
+          <a:fillRef idx="0">
+            <a:schemeClr val="accent1"/>
+          </a:fillRef>
+          <a:effectRef idx="0">
+            <a:schemeClr val="accent1"/>
+          </a:effectRef>
+          <a:fontRef idx="minor">
+            <a:schemeClr val="tx1"/>
+          </a:fontRef>
+        </p:style>
+      </p:cxnSp>
+      <p:cxnSp>
+        <p:nvCxnSpPr>
+          <p:cNvPr id="18" name="직선 연결선 17">
+            <a:extLst>
+              <a:ext uri="{FF2B5EF4-FFF2-40B4-BE49-F238E27FC236}">
+                <a16:creationId xmlns="" xmlns:a16="http://schemas.microsoft.com/office/drawing/2014/main" id="{7911BDFD-7E29-44F7-9ED7-E8F36B51436C}"/>
               </a:ext>
             </a:extLst>
           </p:cNvPr>
@@ -5205,9 +5707,320 @@
           </a:p>
         </p:txBody>
       </p:sp>
+      <p:sp>
+        <p:nvSpPr>
+          <p:cNvPr id="44" name="직사각형 43"/>
+          <p:cNvSpPr/>
+          <p:nvPr/>
+        </p:nvSpPr>
+        <p:spPr>
+          <a:xfrm>
+            <a:off x="9011956" y="892020"/>
+            <a:ext cx="2001226" cy="425450"/>
+          </a:xfrm>
+          <a:prstGeom prst="rect">
+            <a:avLst/>
+          </a:prstGeom>
+          <a:solidFill>
+            <a:schemeClr val="accent4"/>
+          </a:solidFill>
+          <a:ln>
+            <a:noFill/>
+          </a:ln>
+        </p:spPr>
+        <p:style>
+          <a:lnRef idx="2">
+            <a:schemeClr val="accent1">
+              <a:shade val="50000"/>
+            </a:schemeClr>
+          </a:lnRef>
+          <a:fillRef idx="1">
+            <a:schemeClr val="accent1"/>
+          </a:fillRef>
+          <a:effectRef idx="0">
+            <a:schemeClr val="accent1"/>
+          </a:effectRef>
+          <a:fontRef idx="minor">
+            <a:schemeClr val="lt1"/>
+          </a:fontRef>
+        </p:style>
+        <p:txBody>
+          <a:bodyPr rtlCol="0" anchor="ctr"/>
+          <a:lstStyle/>
+          <a:p>
+            <a:pPr algn="ctr"/>
+            <a:r>
+              <a:rPr lang="en-US" altLang="ko-KR" dirty="0" smtClean="0"/>
+              <a:t>VITON – HD </a:t>
+            </a:r>
+            <a:r>
+              <a:rPr lang="en-US" altLang="ko-KR" dirty="0" err="1" smtClean="0"/>
+              <a:t>api</a:t>
+            </a:r>
+            <a:endParaRPr lang="ko-KR" altLang="en-US" dirty="0"/>
+          </a:p>
+        </p:txBody>
+      </p:sp>
+      <p:sp>
+        <p:nvSpPr>
+          <p:cNvPr id="68" name="TextBox 67"/>
+          <p:cNvSpPr txBox="1"/>
+          <p:nvPr/>
+        </p:nvSpPr>
+        <p:spPr>
+          <a:xfrm>
+            <a:off x="854924" y="5595823"/>
+            <a:ext cx="10855569" cy="646331"/>
+          </a:xfrm>
+          <a:prstGeom prst="rect">
+            <a:avLst/>
+          </a:prstGeom>
+          <a:noFill/>
+        </p:spPr>
+        <p:txBody>
+          <a:bodyPr wrap="square" rtlCol="0">
+            <a:spAutoFit/>
+          </a:bodyPr>
+          <a:lstStyle/>
+          <a:p>
+            <a:r>
+              <a:rPr lang="ko-KR" altLang="en-US" dirty="0" smtClean="0"/>
+              <a:t>결과 인터넷 상에 임의의 옷과 임의의 모델로 작업이 가능함을</a:t>
+            </a:r>
+            <a:r>
+              <a:rPr lang="ko-KR" altLang="en-US" dirty="0" smtClean="0"/>
+              <a:t> 확인</a:t>
+            </a:r>
+            <a:endParaRPr lang="en-US" altLang="ko-KR" dirty="0" smtClean="0"/>
+          </a:p>
+          <a:p>
+            <a:r>
+              <a:rPr lang="ko-KR" altLang="en-US" dirty="0" smtClean="0"/>
+              <a:t>통합 작업 진행 중</a:t>
+            </a:r>
+            <a:endParaRPr lang="en-US" altLang="ko-KR" dirty="0" smtClean="0"/>
+          </a:p>
+        </p:txBody>
+      </p:sp>
+      <p:sp>
+        <p:nvSpPr>
+          <p:cNvPr id="69" name="직사각형 68"/>
+          <p:cNvSpPr/>
+          <p:nvPr/>
+        </p:nvSpPr>
+        <p:spPr>
+          <a:xfrm>
+            <a:off x="8993876" y="4769934"/>
+            <a:ext cx="1975701" cy="425450"/>
+          </a:xfrm>
+          <a:prstGeom prst="rect">
+            <a:avLst/>
+          </a:prstGeom>
+          <a:solidFill>
+            <a:schemeClr val="accent4"/>
+          </a:solidFill>
+          <a:ln>
+            <a:noFill/>
+          </a:ln>
+        </p:spPr>
+        <p:style>
+          <a:lnRef idx="2">
+            <a:schemeClr val="accent1">
+              <a:shade val="50000"/>
+            </a:schemeClr>
+          </a:lnRef>
+          <a:fillRef idx="1">
+            <a:schemeClr val="accent1"/>
+          </a:fillRef>
+          <a:effectRef idx="0">
+            <a:schemeClr val="accent1"/>
+          </a:effectRef>
+          <a:fontRef idx="minor">
+            <a:schemeClr val="lt1"/>
+          </a:fontRef>
+        </p:style>
+        <p:txBody>
+          <a:bodyPr rtlCol="0" anchor="ctr"/>
+          <a:lstStyle/>
+          <a:p>
+            <a:pPr algn="ctr"/>
+            <a:r>
+              <a:rPr lang="en-US" altLang="ko-KR" dirty="0" smtClean="0"/>
+              <a:t>Output Image</a:t>
+            </a:r>
+            <a:endParaRPr lang="ko-KR" altLang="en-US" dirty="0"/>
+          </a:p>
+        </p:txBody>
+      </p:sp>
+      <p:cxnSp>
+        <p:nvCxnSpPr>
+          <p:cNvPr id="34" name="직선 화살표 연결선 33"/>
+          <p:cNvCxnSpPr/>
+          <p:nvPr/>
+        </p:nvCxnSpPr>
+        <p:spPr>
+          <a:xfrm>
+            <a:off x="5883077" y="2777328"/>
+            <a:ext cx="2747540" cy="7679"/>
+          </a:xfrm>
+          <a:prstGeom prst="straightConnector1">
+            <a:avLst/>
+          </a:prstGeom>
+          <a:ln w="38100">
+            <a:tailEnd type="arrow"/>
+          </a:ln>
+        </p:spPr>
+        <p:style>
+          <a:lnRef idx="1">
+            <a:schemeClr val="accent1"/>
+          </a:lnRef>
+          <a:fillRef idx="0">
+            <a:schemeClr val="accent1"/>
+          </a:fillRef>
+          <a:effectRef idx="0">
+            <a:schemeClr val="accent1"/>
+          </a:effectRef>
+          <a:fontRef idx="minor">
+            <a:schemeClr val="tx1"/>
+          </a:fontRef>
+        </p:style>
+      </p:cxnSp>
+      <p:sp>
+        <p:nvSpPr>
+          <p:cNvPr id="50" name="직사각형 49"/>
+          <p:cNvSpPr/>
+          <p:nvPr/>
+        </p:nvSpPr>
+        <p:spPr>
+          <a:xfrm>
+            <a:off x="680738" y="4769934"/>
+            <a:ext cx="2036558" cy="425450"/>
+          </a:xfrm>
+          <a:prstGeom prst="rect">
+            <a:avLst/>
+          </a:prstGeom>
+          <a:solidFill>
+            <a:schemeClr val="accent4"/>
+          </a:solidFill>
+          <a:ln>
+            <a:noFill/>
+          </a:ln>
+        </p:spPr>
+        <p:style>
+          <a:lnRef idx="2">
+            <a:schemeClr val="accent1">
+              <a:shade val="50000"/>
+            </a:schemeClr>
+          </a:lnRef>
+          <a:fillRef idx="1">
+            <a:schemeClr val="accent1"/>
+          </a:fillRef>
+          <a:effectRef idx="0">
+            <a:schemeClr val="accent1"/>
+          </a:effectRef>
+          <a:fontRef idx="minor">
+            <a:schemeClr val="lt1"/>
+          </a:fontRef>
+        </p:style>
+        <p:txBody>
+          <a:bodyPr rtlCol="0" anchor="ctr"/>
+          <a:lstStyle/>
+          <a:p>
+            <a:pPr algn="ctr"/>
+            <a:r>
+              <a:rPr lang="ko-KR" altLang="en-US" dirty="0" smtClean="0"/>
+              <a:t>임의의 모델</a:t>
+            </a:r>
+            <a:endParaRPr lang="ko-KR" altLang="en-US" dirty="0"/>
+          </a:p>
+        </p:txBody>
+      </p:sp>
+      <p:sp>
+        <p:nvSpPr>
+          <p:cNvPr id="54" name="직사각형 53"/>
+          <p:cNvSpPr/>
+          <p:nvPr/>
+        </p:nvSpPr>
+        <p:spPr>
+          <a:xfrm>
+            <a:off x="3444626" y="4769934"/>
+            <a:ext cx="2157762" cy="425450"/>
+          </a:xfrm>
+          <a:prstGeom prst="rect">
+            <a:avLst/>
+          </a:prstGeom>
+          <a:solidFill>
+            <a:schemeClr val="accent4"/>
+          </a:solidFill>
+          <a:ln>
+            <a:noFill/>
+          </a:ln>
+        </p:spPr>
+        <p:style>
+          <a:lnRef idx="2">
+            <a:schemeClr val="accent1">
+              <a:shade val="50000"/>
+            </a:schemeClr>
+          </a:lnRef>
+          <a:fillRef idx="1">
+            <a:schemeClr val="accent1"/>
+          </a:fillRef>
+          <a:effectRef idx="0">
+            <a:schemeClr val="accent1"/>
+          </a:effectRef>
+          <a:fontRef idx="minor">
+            <a:schemeClr val="lt1"/>
+          </a:fontRef>
+        </p:style>
+        <p:txBody>
+          <a:bodyPr rtlCol="0" anchor="ctr"/>
+          <a:lstStyle/>
+          <a:p>
+            <a:pPr algn="ctr"/>
+            <a:r>
+              <a:rPr lang="ko-KR" altLang="en-US" dirty="0" smtClean="0"/>
+              <a:t>임의의 옷 이미지</a:t>
+            </a:r>
+            <a:endParaRPr lang="ko-KR" altLang="en-US" dirty="0"/>
+          </a:p>
+        </p:txBody>
+      </p:sp>
+      <p:cxnSp>
+        <p:nvCxnSpPr>
+          <p:cNvPr id="55" name="직선 화살표 연결선 54"/>
+          <p:cNvCxnSpPr/>
+          <p:nvPr/>
+        </p:nvCxnSpPr>
+        <p:spPr>
+          <a:xfrm flipH="1">
+            <a:off x="5870377" y="3291678"/>
+            <a:ext cx="2745952" cy="8196"/>
+          </a:xfrm>
+          <a:prstGeom prst="straightConnector1">
+            <a:avLst/>
+          </a:prstGeom>
+          <a:ln w="38100">
+            <a:tailEnd type="arrow"/>
+          </a:ln>
+        </p:spPr>
+        <p:style>
+          <a:lnRef idx="1">
+            <a:schemeClr val="accent1"/>
+          </a:lnRef>
+          <a:fillRef idx="0">
+            <a:schemeClr val="accent1"/>
+          </a:fillRef>
+          <a:effectRef idx="0">
+            <a:schemeClr val="accent1"/>
+          </a:effectRef>
+          <a:fontRef idx="minor">
+            <a:schemeClr val="tx1"/>
+          </a:fontRef>
+        </p:style>
+      </p:cxnSp>
       <p:pic>
         <p:nvPicPr>
-          <p:cNvPr id="1029" name="Picture 5" descr="C:\Users\user\Desktop\KakaoTalk_20230803_002949870_01.jpg"/>
+          <p:cNvPr id="22" name="Picture 9" descr="C:\Users\user\Desktop\KakaoTalk_20230810_013010491_02.jpg"/>
           <p:cNvPicPr>
             <a:picLocks noChangeAspect="1" noChangeArrowheads="1"/>
           </p:cNvPicPr>
@@ -5228,8 +6041,8 @@
         </p:blipFill>
         <p:spPr bwMode="auto">
           <a:xfrm>
-            <a:off x="4523507" y="1609315"/>
-            <a:ext cx="1316904" cy="1409429"/>
+            <a:off x="9981727" y="1464188"/>
+            <a:ext cx="1152564" cy="1536752"/>
           </a:xfrm>
           <a:prstGeom prst="rect">
             <a:avLst/>
@@ -5248,7 +6061,7 @@
       </p:pic>
       <p:pic>
         <p:nvPicPr>
-          <p:cNvPr id="1030" name="Picture 6" descr="C:\Users\user\Desktop\KakaoTalk_20230803_002841465.jpg"/>
+          <p:cNvPr id="23" name="Picture 12" descr="C:\Users\user\Desktop\456.jpg"/>
           <p:cNvPicPr>
             <a:picLocks noChangeAspect="1" noChangeArrowheads="1"/>
           </p:cNvPicPr>
@@ -5269,8 +6082,8 @@
         </p:blipFill>
         <p:spPr bwMode="auto">
           <a:xfrm>
-            <a:off x="9061751" y="1510682"/>
-            <a:ext cx="1250349" cy="1667132"/>
+            <a:off x="8829163" y="3000940"/>
+            <a:ext cx="1152564" cy="1536752"/>
           </a:xfrm>
           <a:prstGeom prst="rect">
             <a:avLst/>
@@ -5289,7 +6102,7 @@
       </p:pic>
       <p:pic>
         <p:nvPicPr>
-          <p:cNvPr id="32" name="Picture 7" descr="C:\Users\user\Desktop\KakaoTalk_20230803_002841465_01.jpg"/>
+          <p:cNvPr id="24" name="Picture 10" descr="C:\Users\user\Desktop\KakaoTalk_20230810_013010491_01.jpg"/>
           <p:cNvPicPr>
             <a:picLocks noChangeAspect="1" noChangeArrowheads="1"/>
           </p:cNvPicPr>
@@ -5310,8 +6123,8 @@
         </p:blipFill>
         <p:spPr bwMode="auto">
           <a:xfrm>
-            <a:off x="10251965" y="1510682"/>
-            <a:ext cx="1230012" cy="1640016"/>
+            <a:off x="9981727" y="3000940"/>
+            <a:ext cx="1152564" cy="1536752"/>
           </a:xfrm>
           <a:prstGeom prst="rect">
             <a:avLst/>
@@ -5330,7 +6143,7 @@
       </p:pic>
       <p:pic>
         <p:nvPicPr>
-          <p:cNvPr id="33" name="Picture 8" descr="C:\Users\user\Desktop\KakaoTalk_20230729_234537101.jpg"/>
+          <p:cNvPr id="25" name="Picture 11" descr="C:\Users\user\Desktop\123.jpg"/>
           <p:cNvPicPr>
             <a:picLocks noChangeAspect="1" noChangeArrowheads="1"/>
           </p:cNvPicPr>
@@ -5351,8 +6164,8 @@
         </p:blipFill>
         <p:spPr bwMode="auto">
           <a:xfrm>
-            <a:off x="9061751" y="3143283"/>
-            <a:ext cx="1225550" cy="1634066"/>
+            <a:off x="8829163" y="1464188"/>
+            <a:ext cx="1152564" cy="1536752"/>
           </a:xfrm>
           <a:prstGeom prst="rect">
             <a:avLst/>
@@ -5369,63 +6182,9 @@
           </a:extLst>
         </p:spPr>
       </p:pic>
-      <p:sp>
-        <p:nvSpPr>
-          <p:cNvPr id="44" name="직사각형 43"/>
-          <p:cNvSpPr/>
-          <p:nvPr/>
-        </p:nvSpPr>
-        <p:spPr>
-          <a:xfrm>
-            <a:off x="9244544" y="907086"/>
-            <a:ext cx="2001226" cy="425450"/>
-          </a:xfrm>
-          <a:prstGeom prst="rect">
-            <a:avLst/>
-          </a:prstGeom>
-          <a:solidFill>
-            <a:schemeClr val="accent4"/>
-          </a:solidFill>
-          <a:ln>
-            <a:noFill/>
-          </a:ln>
-        </p:spPr>
-        <p:style>
-          <a:lnRef idx="2">
-            <a:schemeClr val="accent1">
-              <a:shade val="50000"/>
-            </a:schemeClr>
-          </a:lnRef>
-          <a:fillRef idx="1">
-            <a:schemeClr val="accent1"/>
-          </a:fillRef>
-          <a:effectRef idx="0">
-            <a:schemeClr val="accent1"/>
-          </a:effectRef>
-          <a:fontRef idx="minor">
-            <a:schemeClr val="lt1"/>
-          </a:fontRef>
-        </p:style>
-        <p:txBody>
-          <a:bodyPr rtlCol="0" anchor="ctr"/>
-          <a:lstStyle/>
-          <a:p>
-            <a:pPr algn="ctr"/>
-            <a:r>
-              <a:rPr lang="en-US" altLang="ko-KR" dirty="0" smtClean="0"/>
-              <a:t>VITON – HD </a:t>
-            </a:r>
-            <a:r>
-              <a:rPr lang="en-US" altLang="ko-KR" dirty="0" err="1" smtClean="0"/>
-              <a:t>api</a:t>
-            </a:r>
-            <a:endParaRPr lang="ko-KR" altLang="en-US" dirty="0"/>
-          </a:p>
-        </p:txBody>
-      </p:sp>
       <p:pic>
         <p:nvPicPr>
-          <p:cNvPr id="1033" name="Picture 9" descr="C:\Users\user\Desktop\KakaoTalk_20230729_234537101_01.jpg"/>
+          <p:cNvPr id="26" name="Picture 13" descr="C:\Users\user\Desktop\1234.jpg"/>
           <p:cNvPicPr>
             <a:picLocks noChangeAspect="1" noChangeArrowheads="1"/>
           </p:cNvPicPr>
@@ -5446,8 +6205,8 @@
         </p:blipFill>
         <p:spPr bwMode="auto">
           <a:xfrm>
-            <a:off x="10267550" y="3150698"/>
-            <a:ext cx="1214427" cy="1619236"/>
+            <a:off x="3326891" y="1621950"/>
+            <a:ext cx="1208152" cy="1423127"/>
           </a:xfrm>
           <a:prstGeom prst="rect">
             <a:avLst/>
@@ -5466,7 +6225,7 @@
       </p:pic>
       <p:pic>
         <p:nvPicPr>
-          <p:cNvPr id="40" name="Picture 10" descr="C:\Users\user\Desktop\KakaoTalk_20230803_002949870_02 (1).jpg"/>
+          <p:cNvPr id="27" name="Picture 14" descr="C:\Users\user\Desktop\742.jpg"/>
           <p:cNvPicPr>
             <a:picLocks noChangeAspect="1" noChangeArrowheads="1"/>
           </p:cNvPicPr>
@@ -5487,8 +6246,8 @@
         </p:blipFill>
         <p:spPr bwMode="auto">
           <a:xfrm>
-            <a:off x="4524785" y="3016007"/>
-            <a:ext cx="1315626" cy="1408061"/>
+            <a:off x="4521834" y="3000940"/>
+            <a:ext cx="1165296" cy="1423126"/>
           </a:xfrm>
           <a:prstGeom prst="rect">
             <a:avLst/>
@@ -5507,7 +6266,7 @@
       </p:pic>
       <p:pic>
         <p:nvPicPr>
-          <p:cNvPr id="1035" name="Picture 11" descr="C:\Users\user\Desktop\1232.jpg"/>
+          <p:cNvPr id="28" name="Picture 15" descr="C:\Users\user\Desktop\KakaoTalk_20230810_020719557_01.jpg"/>
           <p:cNvPicPr>
             <a:picLocks noChangeAspect="1" noChangeArrowheads="1"/>
           </p:cNvPicPr>
@@ -5528,8 +6287,8 @@
         </p:blipFill>
         <p:spPr bwMode="auto">
           <a:xfrm>
-            <a:off x="3209161" y="3017375"/>
-            <a:ext cx="1314347" cy="1406693"/>
+            <a:off x="3326891" y="3000940"/>
+            <a:ext cx="1208152" cy="1423126"/>
           </a:xfrm>
           <a:prstGeom prst="rect">
             <a:avLst/>
@@ -5548,7 +6307,7 @@
       </p:pic>
       <p:pic>
         <p:nvPicPr>
-          <p:cNvPr id="1036" name="Picture 12" descr="C:\Users\user\Desktop\KakaoTalk_20230803_004353866.jpg"/>
+          <p:cNvPr id="29" name="Picture 16" descr="C:\Users\user\Desktop\KakaoTalk_20230810_012958228.jpg"/>
           <p:cNvPicPr>
             <a:picLocks noChangeAspect="1" noChangeArrowheads="1"/>
           </p:cNvPicPr>
@@ -5569,8 +6328,8 @@
         </p:blipFill>
         <p:spPr bwMode="auto">
           <a:xfrm>
-            <a:off x="3209161" y="1609315"/>
-            <a:ext cx="1315624" cy="1408060"/>
+            <a:off x="4521834" y="1621951"/>
+            <a:ext cx="1165296" cy="1378989"/>
           </a:xfrm>
           <a:prstGeom prst="rect">
             <a:avLst/>
@@ -5587,315 +6346,6 @@
           </a:extLst>
         </p:spPr>
       </p:pic>
-      <p:sp>
-        <p:nvSpPr>
-          <p:cNvPr id="68" name="TextBox 67"/>
-          <p:cNvSpPr txBox="1"/>
-          <p:nvPr/>
-        </p:nvSpPr>
-        <p:spPr>
-          <a:xfrm>
-            <a:off x="856513" y="5583123"/>
-            <a:ext cx="10855569" cy="646331"/>
-          </a:xfrm>
-          <a:prstGeom prst="rect">
-            <a:avLst/>
-          </a:prstGeom>
-          <a:noFill/>
-        </p:spPr>
-        <p:txBody>
-          <a:bodyPr wrap="square" rtlCol="0">
-            <a:spAutoFit/>
-          </a:bodyPr>
-          <a:lstStyle/>
-          <a:p>
-            <a:r>
-              <a:rPr lang="ko-KR" altLang="en-US" dirty="0" smtClean="0"/>
-              <a:t> 위와 같은 과정을 간소화하여</a:t>
-            </a:r>
-            <a:r>
-              <a:rPr lang="en-US" altLang="ko-KR" dirty="0" smtClean="0"/>
-              <a:t>,</a:t>
-            </a:r>
-            <a:r>
-              <a:rPr lang="ko-KR" altLang="en-US" dirty="0" smtClean="0"/>
-              <a:t> </a:t>
-            </a:r>
-            <a:r>
-              <a:rPr lang="ko-KR" altLang="en-US" dirty="0" smtClean="0"/>
-              <a:t>모델 </a:t>
-            </a:r>
-            <a:r>
-              <a:rPr lang="ko-KR" altLang="en-US" dirty="0" smtClean="0"/>
-              <a:t>이미지와 의상 이미지를 전송하면 서버에서</a:t>
-            </a:r>
-            <a:endParaRPr lang="en-US" altLang="ko-KR" dirty="0" smtClean="0"/>
-          </a:p>
-          <a:p>
-            <a:r>
-              <a:rPr lang="ko-KR" altLang="en-US" dirty="0" smtClean="0"/>
-              <a:t> </a:t>
-            </a:r>
-            <a:r>
-              <a:rPr lang="en-US" altLang="ko-KR" dirty="0" smtClean="0"/>
-              <a:t>generate</a:t>
-            </a:r>
-            <a:r>
-              <a:rPr lang="ko-KR" altLang="en-US" dirty="0" smtClean="0"/>
-              <a:t>된 이미지를 리턴 해주는 </a:t>
-            </a:r>
-            <a:r>
-              <a:rPr lang="en-US" altLang="ko-KR" dirty="0" err="1" smtClean="0"/>
-              <a:t>api</a:t>
-            </a:r>
-            <a:r>
-              <a:rPr lang="en-US" altLang="ko-KR" dirty="0" smtClean="0"/>
-              <a:t> </a:t>
-            </a:r>
-            <a:r>
-              <a:rPr lang="ko-KR" altLang="en-US" dirty="0" smtClean="0"/>
-              <a:t>제작 진행</a:t>
-            </a:r>
-            <a:endParaRPr lang="en-US" altLang="ko-KR" dirty="0" smtClean="0"/>
-          </a:p>
-        </p:txBody>
-      </p:sp>
-      <p:sp>
-        <p:nvSpPr>
-          <p:cNvPr id="69" name="직사각형 68"/>
-          <p:cNvSpPr/>
-          <p:nvPr/>
-        </p:nvSpPr>
-        <p:spPr>
-          <a:xfrm>
-            <a:off x="9279699" y="4838753"/>
-            <a:ext cx="1975701" cy="425450"/>
-          </a:xfrm>
-          <a:prstGeom prst="rect">
-            <a:avLst/>
-          </a:prstGeom>
-          <a:solidFill>
-            <a:schemeClr val="accent4"/>
-          </a:solidFill>
-          <a:ln>
-            <a:noFill/>
-          </a:ln>
-        </p:spPr>
-        <p:style>
-          <a:lnRef idx="2">
-            <a:schemeClr val="accent1">
-              <a:shade val="50000"/>
-            </a:schemeClr>
-          </a:lnRef>
-          <a:fillRef idx="1">
-            <a:schemeClr val="accent1"/>
-          </a:fillRef>
-          <a:effectRef idx="0">
-            <a:schemeClr val="accent1"/>
-          </a:effectRef>
-          <a:fontRef idx="minor">
-            <a:schemeClr val="lt1"/>
-          </a:fontRef>
-        </p:style>
-        <p:txBody>
-          <a:bodyPr rtlCol="0" anchor="ctr"/>
-          <a:lstStyle/>
-          <a:p>
-            <a:pPr algn="ctr"/>
-            <a:r>
-              <a:rPr lang="en-US" altLang="ko-KR" dirty="0" smtClean="0"/>
-              <a:t>Output Image</a:t>
-            </a:r>
-            <a:endParaRPr lang="ko-KR" altLang="en-US" dirty="0"/>
-          </a:p>
-        </p:txBody>
-      </p:sp>
-      <p:cxnSp>
-        <p:nvCxnSpPr>
-          <p:cNvPr id="34" name="직선 화살표 연결선 33"/>
-          <p:cNvCxnSpPr/>
-          <p:nvPr/>
-        </p:nvCxnSpPr>
-        <p:spPr>
-          <a:xfrm>
-            <a:off x="6029127" y="2784538"/>
-            <a:ext cx="2747540" cy="7679"/>
-          </a:xfrm>
-          <a:prstGeom prst="straightConnector1">
-            <a:avLst/>
-          </a:prstGeom>
-          <a:ln w="38100">
-            <a:tailEnd type="arrow"/>
-          </a:ln>
-        </p:spPr>
-        <p:style>
-          <a:lnRef idx="1">
-            <a:schemeClr val="accent1"/>
-          </a:lnRef>
-          <a:fillRef idx="0">
-            <a:schemeClr val="accent1"/>
-          </a:fillRef>
-          <a:effectRef idx="0">
-            <a:schemeClr val="accent1"/>
-          </a:effectRef>
-          <a:fontRef idx="minor">
-            <a:schemeClr val="tx1"/>
-          </a:fontRef>
-        </p:style>
-      </p:cxnSp>
-      <p:sp>
-        <p:nvSpPr>
-          <p:cNvPr id="50" name="직사각형 49"/>
-          <p:cNvSpPr/>
-          <p:nvPr/>
-        </p:nvSpPr>
-        <p:spPr>
-          <a:xfrm>
-            <a:off x="680738" y="4769934"/>
-            <a:ext cx="2036558" cy="425450"/>
-          </a:xfrm>
-          <a:prstGeom prst="rect">
-            <a:avLst/>
-          </a:prstGeom>
-          <a:solidFill>
-            <a:schemeClr val="accent4"/>
-          </a:solidFill>
-          <a:ln>
-            <a:noFill/>
-          </a:ln>
-        </p:spPr>
-        <p:style>
-          <a:lnRef idx="2">
-            <a:schemeClr val="accent1">
-              <a:shade val="50000"/>
-            </a:schemeClr>
-          </a:lnRef>
-          <a:fillRef idx="1">
-            <a:schemeClr val="accent1"/>
-          </a:fillRef>
-          <a:effectRef idx="0">
-            <a:schemeClr val="accent1"/>
-          </a:effectRef>
-          <a:fontRef idx="minor">
-            <a:schemeClr val="lt1"/>
-          </a:fontRef>
-        </p:style>
-        <p:txBody>
-          <a:bodyPr rtlCol="0" anchor="ctr"/>
-          <a:lstStyle/>
-          <a:p>
-            <a:pPr algn="ctr"/>
-            <a:r>
-              <a:rPr lang="en-US" altLang="ko-KR" dirty="0"/>
-              <a:t>I</a:t>
-            </a:r>
-            <a:r>
-              <a:rPr lang="en-US" altLang="ko-KR" dirty="0" smtClean="0"/>
-              <a:t>nput </a:t>
-            </a:r>
-            <a:r>
-              <a:rPr lang="ko-KR" altLang="en-US" dirty="0" smtClean="0"/>
-              <a:t>의류 </a:t>
-            </a:r>
-            <a:r>
-              <a:rPr lang="en-US" altLang="ko-KR" dirty="0" smtClean="0"/>
-              <a:t>image</a:t>
-            </a:r>
-            <a:endParaRPr lang="ko-KR" altLang="en-US" dirty="0"/>
-          </a:p>
-        </p:txBody>
-      </p:sp>
-      <p:sp>
-        <p:nvSpPr>
-          <p:cNvPr id="54" name="직사각형 53"/>
-          <p:cNvSpPr/>
-          <p:nvPr/>
-        </p:nvSpPr>
-        <p:spPr>
-          <a:xfrm>
-            <a:off x="3445904" y="4769934"/>
-            <a:ext cx="2157762" cy="425450"/>
-          </a:xfrm>
-          <a:prstGeom prst="rect">
-            <a:avLst/>
-          </a:prstGeom>
-          <a:solidFill>
-            <a:schemeClr val="accent4"/>
-          </a:solidFill>
-          <a:ln>
-            <a:noFill/>
-          </a:ln>
-        </p:spPr>
-        <p:style>
-          <a:lnRef idx="2">
-            <a:schemeClr val="accent1">
-              <a:shade val="50000"/>
-            </a:schemeClr>
-          </a:lnRef>
-          <a:fillRef idx="1">
-            <a:schemeClr val="accent1"/>
-          </a:fillRef>
-          <a:effectRef idx="0">
-            <a:schemeClr val="accent1"/>
-          </a:effectRef>
-          <a:fontRef idx="minor">
-            <a:schemeClr val="lt1"/>
-          </a:fontRef>
-        </p:style>
-        <p:txBody>
-          <a:bodyPr rtlCol="0" anchor="ctr"/>
-          <a:lstStyle/>
-          <a:p>
-            <a:pPr algn="ctr"/>
-            <a:r>
-              <a:rPr lang="en-US" altLang="ko-KR" dirty="0" smtClean="0"/>
-              <a:t>Input </a:t>
-            </a:r>
-            <a:r>
-              <a:rPr lang="ko-KR" altLang="en-US" dirty="0" smtClean="0"/>
-              <a:t>의류 </a:t>
-            </a:r>
-            <a:r>
-              <a:rPr lang="en-US" altLang="ko-KR" dirty="0" smtClean="0"/>
-              <a:t>image</a:t>
-            </a:r>
-            <a:endParaRPr lang="ko-KR" altLang="en-US" dirty="0"/>
-          </a:p>
-        </p:txBody>
-      </p:sp>
-      <p:cxnSp>
-        <p:nvCxnSpPr>
-          <p:cNvPr id="55" name="직선 화살표 연결선 54"/>
-          <p:cNvCxnSpPr/>
-          <p:nvPr/>
-        </p:nvCxnSpPr>
-        <p:spPr>
-          <a:xfrm flipH="1">
-            <a:off x="6016427" y="3298888"/>
-            <a:ext cx="2745952" cy="8196"/>
-          </a:xfrm>
-          <a:prstGeom prst="straightConnector1">
-            <a:avLst/>
-          </a:prstGeom>
-          <a:ln w="38100">
-            <a:tailEnd type="arrow"/>
-          </a:ln>
-        </p:spPr>
-        <p:style>
-          <a:lnRef idx="1">
-            <a:schemeClr val="accent1"/>
-          </a:lnRef>
-          <a:fillRef idx="0">
-            <a:schemeClr val="accent1"/>
-          </a:fillRef>
-          <a:effectRef idx="0">
-            <a:schemeClr val="accent1"/>
-          </a:effectRef>
-          <a:fontRef idx="minor">
-            <a:schemeClr val="tx1"/>
-          </a:fontRef>
-        </p:style>
-      </p:cxnSp>
     </p:spTree>
     <p:extLst>
       <p:ext uri="{BB962C8B-B14F-4D97-AF65-F5344CB8AC3E}">
@@ -6149,7 +6599,7 @@
   <a:extraClrSchemeLst/>
   <a:extLst>
     <a:ext uri="{05A4C25C-085E-4340-85A3-A5531E510DB2}">
-      <thm15:themeFamily xmlns:thm15="http://schemas.microsoft.com/office/thememl/2012/main" xmlns="" name="Office Theme" id="{62F939B6-93AF-4DB8-9C6B-D6C7DFDC589F}" vid="{4A3C46E8-61CC-4603-A589-7422A47A8E4A}"/>
+      <thm15:themeFamily xmlns="" xmlns:thm15="http://schemas.microsoft.com/office/thememl/2012/main" name="Office Theme" id="{62F939B6-93AF-4DB8-9C6B-D6C7DFDC589F}" vid="{4A3C46E8-61CC-4603-A589-7422A47A8E4A}"/>
     </a:ext>
   </a:extLst>
 </a:theme>

--- a/발표자료/업데이트/LJHPPT.pptx
+++ b/발표자료/업데이트/LJHPPT.pptx
@@ -7,9 +7,6 @@
   <p:sldIdLst>
     <p:sldId id="256" r:id="rId2"/>
     <p:sldId id="275" r:id="rId3"/>
-    <p:sldId id="279" r:id="rId4"/>
-    <p:sldId id="280" r:id="rId5"/>
-    <p:sldId id="278" r:id="rId6"/>
   </p:sldIdLst>
   <p:sldSz cx="12192000" cy="6858000"/>
   <p:notesSz cx="6858000" cy="9144000"/>
@@ -110,7 +107,7 @@
   </p:defaultTextStyle>
   <p:extLst>
     <p:ext uri="{EFAFB233-063F-42B5-8137-9DF3F51BA10A}">
-      <p15:sldGuideLst xmlns="" xmlns:p15="http://schemas.microsoft.com/office/powerpoint/2012/main">
+      <p15:sldGuideLst xmlns:p15="http://schemas.microsoft.com/office/powerpoint/2012/main" xmlns="">
         <p15:guide id="1" orient="horz" pos="2160" userDrawn="1">
           <p15:clr>
             <a:srgbClr val="A4A3A4"/>
@@ -149,7 +146,7 @@
           <p:cNvPr id="2" name="제목 1">
             <a:extLst>
               <a:ext uri="{FF2B5EF4-FFF2-40B4-BE49-F238E27FC236}">
-                <a16:creationId xmlns="" xmlns:a16="http://schemas.microsoft.com/office/drawing/2014/main" id="{544428E6-48F8-48FF-A4B7-7E67A9EE0B77}"/>
+                <a16:creationId xmlns:a16="http://schemas.microsoft.com/office/drawing/2014/main" xmlns="" id="{544428E6-48F8-48FF-A4B7-7E67A9EE0B77}"/>
               </a:ext>
             </a:extLst>
           </p:cNvPr>
@@ -186,7 +183,7 @@
           <p:cNvPr id="3" name="부제목 2">
             <a:extLst>
               <a:ext uri="{FF2B5EF4-FFF2-40B4-BE49-F238E27FC236}">
-                <a16:creationId xmlns="" xmlns:a16="http://schemas.microsoft.com/office/drawing/2014/main" id="{FBA2431C-BDF3-4534-AED0-115F103A462A}"/>
+                <a16:creationId xmlns:a16="http://schemas.microsoft.com/office/drawing/2014/main" xmlns="" id="{FBA2431C-BDF3-4534-AED0-115F103A462A}"/>
               </a:ext>
             </a:extLst>
           </p:cNvPr>
@@ -256,7 +253,7 @@
           <p:cNvPr id="4" name="날짜 개체 틀 3">
             <a:extLst>
               <a:ext uri="{FF2B5EF4-FFF2-40B4-BE49-F238E27FC236}">
-                <a16:creationId xmlns="" xmlns:a16="http://schemas.microsoft.com/office/drawing/2014/main" id="{420173CB-01B9-4295-A804-D7D5973D6277}"/>
+                <a16:creationId xmlns:a16="http://schemas.microsoft.com/office/drawing/2014/main" xmlns="" id="{420173CB-01B9-4295-A804-D7D5973D6277}"/>
               </a:ext>
             </a:extLst>
           </p:cNvPr>
@@ -274,7 +271,7 @@
           <a:p>
             <a:fld id="{246E467A-4026-4A8D-97BF-715EF7FA6491}" type="datetimeFigureOut">
               <a:rPr lang="ko-KR" altLang="en-US" smtClean="0"/>
-              <a:t>2023-08-10</a:t>
+              <a:t>2023-08-17</a:t>
             </a:fld>
             <a:endParaRPr lang="ko-KR" altLang="en-US"/>
           </a:p>
@@ -285,7 +282,7 @@
           <p:cNvPr id="5" name="바닥글 개체 틀 4">
             <a:extLst>
               <a:ext uri="{FF2B5EF4-FFF2-40B4-BE49-F238E27FC236}">
-                <a16:creationId xmlns="" xmlns:a16="http://schemas.microsoft.com/office/drawing/2014/main" id="{E1C5FE16-77A0-484E-AEFD-FF537292ECD0}"/>
+                <a16:creationId xmlns:a16="http://schemas.microsoft.com/office/drawing/2014/main" xmlns="" id="{E1C5FE16-77A0-484E-AEFD-FF537292ECD0}"/>
               </a:ext>
             </a:extLst>
           </p:cNvPr>
@@ -310,7 +307,7 @@
           <p:cNvPr id="6" name="슬라이드 번호 개체 틀 5">
             <a:extLst>
               <a:ext uri="{FF2B5EF4-FFF2-40B4-BE49-F238E27FC236}">
-                <a16:creationId xmlns="" xmlns:a16="http://schemas.microsoft.com/office/drawing/2014/main" id="{69F3DF25-2E65-49D3-8F6F-64AA11097B17}"/>
+                <a16:creationId xmlns:a16="http://schemas.microsoft.com/office/drawing/2014/main" xmlns="" id="{69F3DF25-2E65-49D3-8F6F-64AA11097B17}"/>
               </a:ext>
             </a:extLst>
           </p:cNvPr>
@@ -369,7 +366,7 @@
           <p:cNvPr id="2" name="제목 1">
             <a:extLst>
               <a:ext uri="{FF2B5EF4-FFF2-40B4-BE49-F238E27FC236}">
-                <a16:creationId xmlns="" xmlns:a16="http://schemas.microsoft.com/office/drawing/2014/main" id="{0E520652-E714-4A15-826F-1B53C7092B68}"/>
+                <a16:creationId xmlns:a16="http://schemas.microsoft.com/office/drawing/2014/main" xmlns="" id="{0E520652-E714-4A15-826F-1B53C7092B68}"/>
               </a:ext>
             </a:extLst>
           </p:cNvPr>
@@ -397,7 +394,7 @@
           <p:cNvPr id="3" name="세로 텍스트 개체 틀 2">
             <a:extLst>
               <a:ext uri="{FF2B5EF4-FFF2-40B4-BE49-F238E27FC236}">
-                <a16:creationId xmlns="" xmlns:a16="http://schemas.microsoft.com/office/drawing/2014/main" id="{1C14771D-DE0A-400C-8C59-8670E31F7094}"/>
+                <a16:creationId xmlns:a16="http://schemas.microsoft.com/office/drawing/2014/main" xmlns="" id="{1C14771D-DE0A-400C-8C59-8670E31F7094}"/>
               </a:ext>
             </a:extLst>
           </p:cNvPr>
@@ -454,7 +451,7 @@
           <p:cNvPr id="4" name="날짜 개체 틀 3">
             <a:extLst>
               <a:ext uri="{FF2B5EF4-FFF2-40B4-BE49-F238E27FC236}">
-                <a16:creationId xmlns="" xmlns:a16="http://schemas.microsoft.com/office/drawing/2014/main" id="{5CBEACB7-48C9-4FB8-8D34-7F4C63932697}"/>
+                <a16:creationId xmlns:a16="http://schemas.microsoft.com/office/drawing/2014/main" xmlns="" id="{5CBEACB7-48C9-4FB8-8D34-7F4C63932697}"/>
               </a:ext>
             </a:extLst>
           </p:cNvPr>
@@ -472,7 +469,7 @@
           <a:p>
             <a:fld id="{246E467A-4026-4A8D-97BF-715EF7FA6491}" type="datetimeFigureOut">
               <a:rPr lang="ko-KR" altLang="en-US" smtClean="0"/>
-              <a:t>2023-08-10</a:t>
+              <a:t>2023-08-17</a:t>
             </a:fld>
             <a:endParaRPr lang="ko-KR" altLang="en-US"/>
           </a:p>
@@ -483,7 +480,7 @@
           <p:cNvPr id="5" name="바닥글 개체 틀 4">
             <a:extLst>
               <a:ext uri="{FF2B5EF4-FFF2-40B4-BE49-F238E27FC236}">
-                <a16:creationId xmlns="" xmlns:a16="http://schemas.microsoft.com/office/drawing/2014/main" id="{5BD31818-B6CD-47B0-9353-395CC53986D6}"/>
+                <a16:creationId xmlns:a16="http://schemas.microsoft.com/office/drawing/2014/main" xmlns="" id="{5BD31818-B6CD-47B0-9353-395CC53986D6}"/>
               </a:ext>
             </a:extLst>
           </p:cNvPr>
@@ -508,7 +505,7 @@
           <p:cNvPr id="6" name="슬라이드 번호 개체 틀 5">
             <a:extLst>
               <a:ext uri="{FF2B5EF4-FFF2-40B4-BE49-F238E27FC236}">
-                <a16:creationId xmlns="" xmlns:a16="http://schemas.microsoft.com/office/drawing/2014/main" id="{BD008922-CAE3-4884-AE59-2BC74144C74C}"/>
+                <a16:creationId xmlns:a16="http://schemas.microsoft.com/office/drawing/2014/main" xmlns="" id="{BD008922-CAE3-4884-AE59-2BC74144C74C}"/>
               </a:ext>
             </a:extLst>
           </p:cNvPr>
@@ -567,7 +564,7 @@
           <p:cNvPr id="2" name="세로 제목 1">
             <a:extLst>
               <a:ext uri="{FF2B5EF4-FFF2-40B4-BE49-F238E27FC236}">
-                <a16:creationId xmlns="" xmlns:a16="http://schemas.microsoft.com/office/drawing/2014/main" id="{A3371B8A-69A6-43D4-8783-6456E33508F7}"/>
+                <a16:creationId xmlns:a16="http://schemas.microsoft.com/office/drawing/2014/main" xmlns="" id="{A3371B8A-69A6-43D4-8783-6456E33508F7}"/>
               </a:ext>
             </a:extLst>
           </p:cNvPr>
@@ -600,7 +597,7 @@
           <p:cNvPr id="3" name="세로 텍스트 개체 틀 2">
             <a:extLst>
               <a:ext uri="{FF2B5EF4-FFF2-40B4-BE49-F238E27FC236}">
-                <a16:creationId xmlns="" xmlns:a16="http://schemas.microsoft.com/office/drawing/2014/main" id="{049DA1AA-3028-44E4-B5B0-C19BF61DC48A}"/>
+                <a16:creationId xmlns:a16="http://schemas.microsoft.com/office/drawing/2014/main" xmlns="" id="{049DA1AA-3028-44E4-B5B0-C19BF61DC48A}"/>
               </a:ext>
             </a:extLst>
           </p:cNvPr>
@@ -662,7 +659,7 @@
           <p:cNvPr id="4" name="날짜 개체 틀 3">
             <a:extLst>
               <a:ext uri="{FF2B5EF4-FFF2-40B4-BE49-F238E27FC236}">
-                <a16:creationId xmlns="" xmlns:a16="http://schemas.microsoft.com/office/drawing/2014/main" id="{ED2BCD8D-3E10-4F33-BC43-EACB05C0B415}"/>
+                <a16:creationId xmlns:a16="http://schemas.microsoft.com/office/drawing/2014/main" xmlns="" id="{ED2BCD8D-3E10-4F33-BC43-EACB05C0B415}"/>
               </a:ext>
             </a:extLst>
           </p:cNvPr>
@@ -680,7 +677,7 @@
           <a:p>
             <a:fld id="{246E467A-4026-4A8D-97BF-715EF7FA6491}" type="datetimeFigureOut">
               <a:rPr lang="ko-KR" altLang="en-US" smtClean="0"/>
-              <a:t>2023-08-10</a:t>
+              <a:t>2023-08-17</a:t>
             </a:fld>
             <a:endParaRPr lang="ko-KR" altLang="en-US"/>
           </a:p>
@@ -691,7 +688,7 @@
           <p:cNvPr id="5" name="바닥글 개체 틀 4">
             <a:extLst>
               <a:ext uri="{FF2B5EF4-FFF2-40B4-BE49-F238E27FC236}">
-                <a16:creationId xmlns="" xmlns:a16="http://schemas.microsoft.com/office/drawing/2014/main" id="{33E365BE-78DE-4079-B7F3-706874E92415}"/>
+                <a16:creationId xmlns:a16="http://schemas.microsoft.com/office/drawing/2014/main" xmlns="" id="{33E365BE-78DE-4079-B7F3-706874E92415}"/>
               </a:ext>
             </a:extLst>
           </p:cNvPr>
@@ -716,7 +713,7 @@
           <p:cNvPr id="6" name="슬라이드 번호 개체 틀 5">
             <a:extLst>
               <a:ext uri="{FF2B5EF4-FFF2-40B4-BE49-F238E27FC236}">
-                <a16:creationId xmlns="" xmlns:a16="http://schemas.microsoft.com/office/drawing/2014/main" id="{6F0D9E52-1AFA-4482-A474-91FF4C5C683A}"/>
+                <a16:creationId xmlns:a16="http://schemas.microsoft.com/office/drawing/2014/main" xmlns="" id="{6F0D9E52-1AFA-4482-A474-91FF4C5C683A}"/>
               </a:ext>
             </a:extLst>
           </p:cNvPr>
@@ -775,7 +772,7 @@
           <p:cNvPr id="2" name="제목 1">
             <a:extLst>
               <a:ext uri="{FF2B5EF4-FFF2-40B4-BE49-F238E27FC236}">
-                <a16:creationId xmlns="" xmlns:a16="http://schemas.microsoft.com/office/drawing/2014/main" id="{60DBF82B-6C4A-4F6E-A362-B2BF3BDC30D7}"/>
+                <a16:creationId xmlns:a16="http://schemas.microsoft.com/office/drawing/2014/main" xmlns="" id="{60DBF82B-6C4A-4F6E-A362-B2BF3BDC30D7}"/>
               </a:ext>
             </a:extLst>
           </p:cNvPr>
@@ -803,7 +800,7 @@
           <p:cNvPr id="3" name="내용 개체 틀 2">
             <a:extLst>
               <a:ext uri="{FF2B5EF4-FFF2-40B4-BE49-F238E27FC236}">
-                <a16:creationId xmlns="" xmlns:a16="http://schemas.microsoft.com/office/drawing/2014/main" id="{BDE6E910-43A6-49D6-A1B5-99E3B0C27E2D}"/>
+                <a16:creationId xmlns:a16="http://schemas.microsoft.com/office/drawing/2014/main" xmlns="" id="{BDE6E910-43A6-49D6-A1B5-99E3B0C27E2D}"/>
               </a:ext>
             </a:extLst>
           </p:cNvPr>
@@ -860,7 +857,7 @@
           <p:cNvPr id="4" name="날짜 개체 틀 3">
             <a:extLst>
               <a:ext uri="{FF2B5EF4-FFF2-40B4-BE49-F238E27FC236}">
-                <a16:creationId xmlns="" xmlns:a16="http://schemas.microsoft.com/office/drawing/2014/main" id="{2F0DB3AC-66C4-4244-9CE9-54D71AA59C90}"/>
+                <a16:creationId xmlns:a16="http://schemas.microsoft.com/office/drawing/2014/main" xmlns="" id="{2F0DB3AC-66C4-4244-9CE9-54D71AA59C90}"/>
               </a:ext>
             </a:extLst>
           </p:cNvPr>
@@ -878,7 +875,7 @@
           <a:p>
             <a:fld id="{246E467A-4026-4A8D-97BF-715EF7FA6491}" type="datetimeFigureOut">
               <a:rPr lang="ko-KR" altLang="en-US" smtClean="0"/>
-              <a:t>2023-08-10</a:t>
+              <a:t>2023-08-17</a:t>
             </a:fld>
             <a:endParaRPr lang="ko-KR" altLang="en-US"/>
           </a:p>
@@ -889,7 +886,7 @@
           <p:cNvPr id="5" name="바닥글 개체 틀 4">
             <a:extLst>
               <a:ext uri="{FF2B5EF4-FFF2-40B4-BE49-F238E27FC236}">
-                <a16:creationId xmlns="" xmlns:a16="http://schemas.microsoft.com/office/drawing/2014/main" id="{3992C886-882E-440B-806C-B06DE5089026}"/>
+                <a16:creationId xmlns:a16="http://schemas.microsoft.com/office/drawing/2014/main" xmlns="" id="{3992C886-882E-440B-806C-B06DE5089026}"/>
               </a:ext>
             </a:extLst>
           </p:cNvPr>
@@ -914,7 +911,7 @@
           <p:cNvPr id="6" name="슬라이드 번호 개체 틀 5">
             <a:extLst>
               <a:ext uri="{FF2B5EF4-FFF2-40B4-BE49-F238E27FC236}">
-                <a16:creationId xmlns="" xmlns:a16="http://schemas.microsoft.com/office/drawing/2014/main" id="{9A9323D2-1426-48F9-A93B-729E72E2B2BB}"/>
+                <a16:creationId xmlns:a16="http://schemas.microsoft.com/office/drawing/2014/main" xmlns="" id="{9A9323D2-1426-48F9-A93B-729E72E2B2BB}"/>
               </a:ext>
             </a:extLst>
           </p:cNvPr>
@@ -973,7 +970,7 @@
           <p:cNvPr id="2" name="제목 1">
             <a:extLst>
               <a:ext uri="{FF2B5EF4-FFF2-40B4-BE49-F238E27FC236}">
-                <a16:creationId xmlns="" xmlns:a16="http://schemas.microsoft.com/office/drawing/2014/main" id="{7153C500-C8D9-4EBC-AC73-9F7D65F03E32}"/>
+                <a16:creationId xmlns:a16="http://schemas.microsoft.com/office/drawing/2014/main" xmlns="" id="{7153C500-C8D9-4EBC-AC73-9F7D65F03E32}"/>
               </a:ext>
             </a:extLst>
           </p:cNvPr>
@@ -1010,7 +1007,7 @@
           <p:cNvPr id="3" name="텍스트 개체 틀 2">
             <a:extLst>
               <a:ext uri="{FF2B5EF4-FFF2-40B4-BE49-F238E27FC236}">
-                <a16:creationId xmlns="" xmlns:a16="http://schemas.microsoft.com/office/drawing/2014/main" id="{4E56CD17-259A-42E8-B64F-04C51B7C1C5F}"/>
+                <a16:creationId xmlns:a16="http://schemas.microsoft.com/office/drawing/2014/main" xmlns="" id="{4E56CD17-259A-42E8-B64F-04C51B7C1C5F}"/>
               </a:ext>
             </a:extLst>
           </p:cNvPr>
@@ -1135,7 +1132,7 @@
           <p:cNvPr id="4" name="날짜 개체 틀 3">
             <a:extLst>
               <a:ext uri="{FF2B5EF4-FFF2-40B4-BE49-F238E27FC236}">
-                <a16:creationId xmlns="" xmlns:a16="http://schemas.microsoft.com/office/drawing/2014/main" id="{CE976CE5-8C59-42A2-A597-465DEAC8E5A7}"/>
+                <a16:creationId xmlns:a16="http://schemas.microsoft.com/office/drawing/2014/main" xmlns="" id="{CE976CE5-8C59-42A2-A597-465DEAC8E5A7}"/>
               </a:ext>
             </a:extLst>
           </p:cNvPr>
@@ -1153,7 +1150,7 @@
           <a:p>
             <a:fld id="{246E467A-4026-4A8D-97BF-715EF7FA6491}" type="datetimeFigureOut">
               <a:rPr lang="ko-KR" altLang="en-US" smtClean="0"/>
-              <a:t>2023-08-10</a:t>
+              <a:t>2023-08-17</a:t>
             </a:fld>
             <a:endParaRPr lang="ko-KR" altLang="en-US"/>
           </a:p>
@@ -1164,7 +1161,7 @@
           <p:cNvPr id="5" name="바닥글 개체 틀 4">
             <a:extLst>
               <a:ext uri="{FF2B5EF4-FFF2-40B4-BE49-F238E27FC236}">
-                <a16:creationId xmlns="" xmlns:a16="http://schemas.microsoft.com/office/drawing/2014/main" id="{742312C6-1DCE-41BC-B5FA-FCFF5BE3B9E6}"/>
+                <a16:creationId xmlns:a16="http://schemas.microsoft.com/office/drawing/2014/main" xmlns="" id="{742312C6-1DCE-41BC-B5FA-FCFF5BE3B9E6}"/>
               </a:ext>
             </a:extLst>
           </p:cNvPr>
@@ -1189,7 +1186,7 @@
           <p:cNvPr id="6" name="슬라이드 번호 개체 틀 5">
             <a:extLst>
               <a:ext uri="{FF2B5EF4-FFF2-40B4-BE49-F238E27FC236}">
-                <a16:creationId xmlns="" xmlns:a16="http://schemas.microsoft.com/office/drawing/2014/main" id="{664339A5-69DC-4256-84CA-F160D48ED02B}"/>
+                <a16:creationId xmlns:a16="http://schemas.microsoft.com/office/drawing/2014/main" xmlns="" id="{664339A5-69DC-4256-84CA-F160D48ED02B}"/>
               </a:ext>
             </a:extLst>
           </p:cNvPr>
@@ -1248,7 +1245,7 @@
           <p:cNvPr id="2" name="제목 1">
             <a:extLst>
               <a:ext uri="{FF2B5EF4-FFF2-40B4-BE49-F238E27FC236}">
-                <a16:creationId xmlns="" xmlns:a16="http://schemas.microsoft.com/office/drawing/2014/main" id="{BCF37A4D-E01E-45A7-B166-73EE7826C0E7}"/>
+                <a16:creationId xmlns:a16="http://schemas.microsoft.com/office/drawing/2014/main" xmlns="" id="{BCF37A4D-E01E-45A7-B166-73EE7826C0E7}"/>
               </a:ext>
             </a:extLst>
           </p:cNvPr>
@@ -1276,7 +1273,7 @@
           <p:cNvPr id="3" name="내용 개체 틀 2">
             <a:extLst>
               <a:ext uri="{FF2B5EF4-FFF2-40B4-BE49-F238E27FC236}">
-                <a16:creationId xmlns="" xmlns:a16="http://schemas.microsoft.com/office/drawing/2014/main" id="{A70D6757-7DA6-452C-9903-7536978F1556}"/>
+                <a16:creationId xmlns:a16="http://schemas.microsoft.com/office/drawing/2014/main" xmlns="" id="{A70D6757-7DA6-452C-9903-7536978F1556}"/>
               </a:ext>
             </a:extLst>
           </p:cNvPr>
@@ -1338,7 +1335,7 @@
           <p:cNvPr id="4" name="내용 개체 틀 3">
             <a:extLst>
               <a:ext uri="{FF2B5EF4-FFF2-40B4-BE49-F238E27FC236}">
-                <a16:creationId xmlns="" xmlns:a16="http://schemas.microsoft.com/office/drawing/2014/main" id="{23DCC3C8-286B-4184-8752-32BC3B116B8E}"/>
+                <a16:creationId xmlns:a16="http://schemas.microsoft.com/office/drawing/2014/main" xmlns="" id="{23DCC3C8-286B-4184-8752-32BC3B116B8E}"/>
               </a:ext>
             </a:extLst>
           </p:cNvPr>
@@ -1400,7 +1397,7 @@
           <p:cNvPr id="5" name="날짜 개체 틀 4">
             <a:extLst>
               <a:ext uri="{FF2B5EF4-FFF2-40B4-BE49-F238E27FC236}">
-                <a16:creationId xmlns="" xmlns:a16="http://schemas.microsoft.com/office/drawing/2014/main" id="{7ECA751A-C45B-42C8-893F-826B22E76CF6}"/>
+                <a16:creationId xmlns:a16="http://schemas.microsoft.com/office/drawing/2014/main" xmlns="" id="{7ECA751A-C45B-42C8-893F-826B22E76CF6}"/>
               </a:ext>
             </a:extLst>
           </p:cNvPr>
@@ -1418,7 +1415,7 @@
           <a:p>
             <a:fld id="{246E467A-4026-4A8D-97BF-715EF7FA6491}" type="datetimeFigureOut">
               <a:rPr lang="ko-KR" altLang="en-US" smtClean="0"/>
-              <a:t>2023-08-10</a:t>
+              <a:t>2023-08-17</a:t>
             </a:fld>
             <a:endParaRPr lang="ko-KR" altLang="en-US"/>
           </a:p>
@@ -1429,7 +1426,7 @@
           <p:cNvPr id="6" name="바닥글 개체 틀 5">
             <a:extLst>
               <a:ext uri="{FF2B5EF4-FFF2-40B4-BE49-F238E27FC236}">
-                <a16:creationId xmlns="" xmlns:a16="http://schemas.microsoft.com/office/drawing/2014/main" id="{9F77210C-0EDE-42F3-A19F-12B3884B4393}"/>
+                <a16:creationId xmlns:a16="http://schemas.microsoft.com/office/drawing/2014/main" xmlns="" id="{9F77210C-0EDE-42F3-A19F-12B3884B4393}"/>
               </a:ext>
             </a:extLst>
           </p:cNvPr>
@@ -1454,7 +1451,7 @@
           <p:cNvPr id="7" name="슬라이드 번호 개체 틀 6">
             <a:extLst>
               <a:ext uri="{FF2B5EF4-FFF2-40B4-BE49-F238E27FC236}">
-                <a16:creationId xmlns="" xmlns:a16="http://schemas.microsoft.com/office/drawing/2014/main" id="{3215D590-E2D2-480C-AF73-67D855C553CB}"/>
+                <a16:creationId xmlns:a16="http://schemas.microsoft.com/office/drawing/2014/main" xmlns="" id="{3215D590-E2D2-480C-AF73-67D855C553CB}"/>
               </a:ext>
             </a:extLst>
           </p:cNvPr>
@@ -1513,7 +1510,7 @@
           <p:cNvPr id="2" name="제목 1">
             <a:extLst>
               <a:ext uri="{FF2B5EF4-FFF2-40B4-BE49-F238E27FC236}">
-                <a16:creationId xmlns="" xmlns:a16="http://schemas.microsoft.com/office/drawing/2014/main" id="{E1E3AF97-024B-4EF1-B5B6-2E362F07CDB3}"/>
+                <a16:creationId xmlns:a16="http://schemas.microsoft.com/office/drawing/2014/main" xmlns="" id="{E1E3AF97-024B-4EF1-B5B6-2E362F07CDB3}"/>
               </a:ext>
             </a:extLst>
           </p:cNvPr>
@@ -1546,7 +1543,7 @@
           <p:cNvPr id="3" name="텍스트 개체 틀 2">
             <a:extLst>
               <a:ext uri="{FF2B5EF4-FFF2-40B4-BE49-F238E27FC236}">
-                <a16:creationId xmlns="" xmlns:a16="http://schemas.microsoft.com/office/drawing/2014/main" id="{2B41334B-2AA0-4E32-9445-B691EAB2831F}"/>
+                <a16:creationId xmlns:a16="http://schemas.microsoft.com/office/drawing/2014/main" xmlns="" id="{2B41334B-2AA0-4E32-9445-B691EAB2831F}"/>
               </a:ext>
             </a:extLst>
           </p:cNvPr>
@@ -1617,7 +1614,7 @@
           <p:cNvPr id="4" name="내용 개체 틀 3">
             <a:extLst>
               <a:ext uri="{FF2B5EF4-FFF2-40B4-BE49-F238E27FC236}">
-                <a16:creationId xmlns="" xmlns:a16="http://schemas.microsoft.com/office/drawing/2014/main" id="{BDB62D6F-224F-4433-9752-11A255D323D4}"/>
+                <a16:creationId xmlns:a16="http://schemas.microsoft.com/office/drawing/2014/main" xmlns="" id="{BDB62D6F-224F-4433-9752-11A255D323D4}"/>
               </a:ext>
             </a:extLst>
           </p:cNvPr>
@@ -1679,7 +1676,7 @@
           <p:cNvPr id="5" name="텍스트 개체 틀 4">
             <a:extLst>
               <a:ext uri="{FF2B5EF4-FFF2-40B4-BE49-F238E27FC236}">
-                <a16:creationId xmlns="" xmlns:a16="http://schemas.microsoft.com/office/drawing/2014/main" id="{DD04EE0E-6C7E-4160-86AA-136E97F9FD62}"/>
+                <a16:creationId xmlns:a16="http://schemas.microsoft.com/office/drawing/2014/main" xmlns="" id="{DD04EE0E-6C7E-4160-86AA-136E97F9FD62}"/>
               </a:ext>
             </a:extLst>
           </p:cNvPr>
@@ -1750,7 +1747,7 @@
           <p:cNvPr id="6" name="내용 개체 틀 5">
             <a:extLst>
               <a:ext uri="{FF2B5EF4-FFF2-40B4-BE49-F238E27FC236}">
-                <a16:creationId xmlns="" xmlns:a16="http://schemas.microsoft.com/office/drawing/2014/main" id="{1B390FB9-7573-4784-A2A4-EDF1B3C59FF4}"/>
+                <a16:creationId xmlns:a16="http://schemas.microsoft.com/office/drawing/2014/main" xmlns="" id="{1B390FB9-7573-4784-A2A4-EDF1B3C59FF4}"/>
               </a:ext>
             </a:extLst>
           </p:cNvPr>
@@ -1812,7 +1809,7 @@
           <p:cNvPr id="7" name="날짜 개체 틀 6">
             <a:extLst>
               <a:ext uri="{FF2B5EF4-FFF2-40B4-BE49-F238E27FC236}">
-                <a16:creationId xmlns="" xmlns:a16="http://schemas.microsoft.com/office/drawing/2014/main" id="{F464B30B-9C6A-4C96-8DB5-BCE9A09F77BB}"/>
+                <a16:creationId xmlns:a16="http://schemas.microsoft.com/office/drawing/2014/main" xmlns="" id="{F464B30B-9C6A-4C96-8DB5-BCE9A09F77BB}"/>
               </a:ext>
             </a:extLst>
           </p:cNvPr>
@@ -1830,7 +1827,7 @@
           <a:p>
             <a:fld id="{246E467A-4026-4A8D-97BF-715EF7FA6491}" type="datetimeFigureOut">
               <a:rPr lang="ko-KR" altLang="en-US" smtClean="0"/>
-              <a:t>2023-08-10</a:t>
+              <a:t>2023-08-17</a:t>
             </a:fld>
             <a:endParaRPr lang="ko-KR" altLang="en-US"/>
           </a:p>
@@ -1841,7 +1838,7 @@
           <p:cNvPr id="8" name="바닥글 개체 틀 7">
             <a:extLst>
               <a:ext uri="{FF2B5EF4-FFF2-40B4-BE49-F238E27FC236}">
-                <a16:creationId xmlns="" xmlns:a16="http://schemas.microsoft.com/office/drawing/2014/main" id="{16A11AC4-2315-46FE-81A4-FE4B843497D9}"/>
+                <a16:creationId xmlns:a16="http://schemas.microsoft.com/office/drawing/2014/main" xmlns="" id="{16A11AC4-2315-46FE-81A4-FE4B843497D9}"/>
               </a:ext>
             </a:extLst>
           </p:cNvPr>
@@ -1866,7 +1863,7 @@
           <p:cNvPr id="9" name="슬라이드 번호 개체 틀 8">
             <a:extLst>
               <a:ext uri="{FF2B5EF4-FFF2-40B4-BE49-F238E27FC236}">
-                <a16:creationId xmlns="" xmlns:a16="http://schemas.microsoft.com/office/drawing/2014/main" id="{DC2D39CB-CB92-40B8-9B0C-3FBBBDF9DDF4}"/>
+                <a16:creationId xmlns:a16="http://schemas.microsoft.com/office/drawing/2014/main" xmlns="" id="{DC2D39CB-CB92-40B8-9B0C-3FBBBDF9DDF4}"/>
               </a:ext>
             </a:extLst>
           </p:cNvPr>
@@ -1925,7 +1922,7 @@
           <p:cNvPr id="2" name="제목 1">
             <a:extLst>
               <a:ext uri="{FF2B5EF4-FFF2-40B4-BE49-F238E27FC236}">
-                <a16:creationId xmlns="" xmlns:a16="http://schemas.microsoft.com/office/drawing/2014/main" id="{90E32E25-F5B3-41EE-BD3B-6965721B8BFA}"/>
+                <a16:creationId xmlns:a16="http://schemas.microsoft.com/office/drawing/2014/main" xmlns="" id="{90E32E25-F5B3-41EE-BD3B-6965721B8BFA}"/>
               </a:ext>
             </a:extLst>
           </p:cNvPr>
@@ -1953,7 +1950,7 @@
           <p:cNvPr id="3" name="날짜 개체 틀 2">
             <a:extLst>
               <a:ext uri="{FF2B5EF4-FFF2-40B4-BE49-F238E27FC236}">
-                <a16:creationId xmlns="" xmlns:a16="http://schemas.microsoft.com/office/drawing/2014/main" id="{0CFE1863-7C02-424B-AF80-CDB396716C6B}"/>
+                <a16:creationId xmlns:a16="http://schemas.microsoft.com/office/drawing/2014/main" xmlns="" id="{0CFE1863-7C02-424B-AF80-CDB396716C6B}"/>
               </a:ext>
             </a:extLst>
           </p:cNvPr>
@@ -1971,7 +1968,7 @@
           <a:p>
             <a:fld id="{246E467A-4026-4A8D-97BF-715EF7FA6491}" type="datetimeFigureOut">
               <a:rPr lang="ko-KR" altLang="en-US" smtClean="0"/>
-              <a:t>2023-08-10</a:t>
+              <a:t>2023-08-17</a:t>
             </a:fld>
             <a:endParaRPr lang="ko-KR" altLang="en-US"/>
           </a:p>
@@ -1982,7 +1979,7 @@
           <p:cNvPr id="4" name="바닥글 개체 틀 3">
             <a:extLst>
               <a:ext uri="{FF2B5EF4-FFF2-40B4-BE49-F238E27FC236}">
-                <a16:creationId xmlns="" xmlns:a16="http://schemas.microsoft.com/office/drawing/2014/main" id="{2F99FB34-90A4-44A0-9CF8-F0BC0FE4AB26}"/>
+                <a16:creationId xmlns:a16="http://schemas.microsoft.com/office/drawing/2014/main" xmlns="" id="{2F99FB34-90A4-44A0-9CF8-F0BC0FE4AB26}"/>
               </a:ext>
             </a:extLst>
           </p:cNvPr>
@@ -2007,7 +2004,7 @@
           <p:cNvPr id="5" name="슬라이드 번호 개체 틀 4">
             <a:extLst>
               <a:ext uri="{FF2B5EF4-FFF2-40B4-BE49-F238E27FC236}">
-                <a16:creationId xmlns="" xmlns:a16="http://schemas.microsoft.com/office/drawing/2014/main" id="{56375702-4955-406C-919C-D35A1B84B474}"/>
+                <a16:creationId xmlns:a16="http://schemas.microsoft.com/office/drawing/2014/main" xmlns="" id="{56375702-4955-406C-919C-D35A1B84B474}"/>
               </a:ext>
             </a:extLst>
           </p:cNvPr>
@@ -2066,7 +2063,7 @@
           <p:cNvPr id="2" name="날짜 개체 틀 1">
             <a:extLst>
               <a:ext uri="{FF2B5EF4-FFF2-40B4-BE49-F238E27FC236}">
-                <a16:creationId xmlns="" xmlns:a16="http://schemas.microsoft.com/office/drawing/2014/main" id="{D76E1BA2-3103-4DB2-AAEB-ED1BAE4527B3}"/>
+                <a16:creationId xmlns:a16="http://schemas.microsoft.com/office/drawing/2014/main" xmlns="" id="{D76E1BA2-3103-4DB2-AAEB-ED1BAE4527B3}"/>
               </a:ext>
             </a:extLst>
           </p:cNvPr>
@@ -2084,7 +2081,7 @@
           <a:p>
             <a:fld id="{246E467A-4026-4A8D-97BF-715EF7FA6491}" type="datetimeFigureOut">
               <a:rPr lang="ko-KR" altLang="en-US" smtClean="0"/>
-              <a:t>2023-08-10</a:t>
+              <a:t>2023-08-17</a:t>
             </a:fld>
             <a:endParaRPr lang="ko-KR" altLang="en-US"/>
           </a:p>
@@ -2095,7 +2092,7 @@
           <p:cNvPr id="3" name="바닥글 개체 틀 2">
             <a:extLst>
               <a:ext uri="{FF2B5EF4-FFF2-40B4-BE49-F238E27FC236}">
-                <a16:creationId xmlns="" xmlns:a16="http://schemas.microsoft.com/office/drawing/2014/main" id="{505D5A54-85CA-45E5-9801-A3F15EEFCC94}"/>
+                <a16:creationId xmlns:a16="http://schemas.microsoft.com/office/drawing/2014/main" xmlns="" id="{505D5A54-85CA-45E5-9801-A3F15EEFCC94}"/>
               </a:ext>
             </a:extLst>
           </p:cNvPr>
@@ -2120,7 +2117,7 @@
           <p:cNvPr id="4" name="슬라이드 번호 개체 틀 3">
             <a:extLst>
               <a:ext uri="{FF2B5EF4-FFF2-40B4-BE49-F238E27FC236}">
-                <a16:creationId xmlns="" xmlns:a16="http://schemas.microsoft.com/office/drawing/2014/main" id="{A812AF2F-D0EC-4C7E-8979-4C17E3F4B44D}"/>
+                <a16:creationId xmlns:a16="http://schemas.microsoft.com/office/drawing/2014/main" xmlns="" id="{A812AF2F-D0EC-4C7E-8979-4C17E3F4B44D}"/>
               </a:ext>
             </a:extLst>
           </p:cNvPr>
@@ -2179,7 +2176,7 @@
           <p:cNvPr id="2" name="제목 1">
             <a:extLst>
               <a:ext uri="{FF2B5EF4-FFF2-40B4-BE49-F238E27FC236}">
-                <a16:creationId xmlns="" xmlns:a16="http://schemas.microsoft.com/office/drawing/2014/main" id="{8C03A167-5C7C-4CD2-A3E4-B6F94583214B}"/>
+                <a16:creationId xmlns:a16="http://schemas.microsoft.com/office/drawing/2014/main" xmlns="" id="{8C03A167-5C7C-4CD2-A3E4-B6F94583214B}"/>
               </a:ext>
             </a:extLst>
           </p:cNvPr>
@@ -2216,7 +2213,7 @@
           <p:cNvPr id="3" name="내용 개체 틀 2">
             <a:extLst>
               <a:ext uri="{FF2B5EF4-FFF2-40B4-BE49-F238E27FC236}">
-                <a16:creationId xmlns="" xmlns:a16="http://schemas.microsoft.com/office/drawing/2014/main" id="{5421CEB6-C525-4AEB-BB3E-B13156901366}"/>
+                <a16:creationId xmlns:a16="http://schemas.microsoft.com/office/drawing/2014/main" xmlns="" id="{5421CEB6-C525-4AEB-BB3E-B13156901366}"/>
               </a:ext>
             </a:extLst>
           </p:cNvPr>
@@ -2306,7 +2303,7 @@
           <p:cNvPr id="4" name="텍스트 개체 틀 3">
             <a:extLst>
               <a:ext uri="{FF2B5EF4-FFF2-40B4-BE49-F238E27FC236}">
-                <a16:creationId xmlns="" xmlns:a16="http://schemas.microsoft.com/office/drawing/2014/main" id="{69296C9A-4472-4D30-BFAE-60CB397B5014}"/>
+                <a16:creationId xmlns:a16="http://schemas.microsoft.com/office/drawing/2014/main" xmlns="" id="{69296C9A-4472-4D30-BFAE-60CB397B5014}"/>
               </a:ext>
             </a:extLst>
           </p:cNvPr>
@@ -2377,7 +2374,7 @@
           <p:cNvPr id="5" name="날짜 개체 틀 4">
             <a:extLst>
               <a:ext uri="{FF2B5EF4-FFF2-40B4-BE49-F238E27FC236}">
-                <a16:creationId xmlns="" xmlns:a16="http://schemas.microsoft.com/office/drawing/2014/main" id="{F44E3F16-D603-4838-BA1C-0C9EEDE4AC92}"/>
+                <a16:creationId xmlns:a16="http://schemas.microsoft.com/office/drawing/2014/main" xmlns="" id="{F44E3F16-D603-4838-BA1C-0C9EEDE4AC92}"/>
               </a:ext>
             </a:extLst>
           </p:cNvPr>
@@ -2395,7 +2392,7 @@
           <a:p>
             <a:fld id="{246E467A-4026-4A8D-97BF-715EF7FA6491}" type="datetimeFigureOut">
               <a:rPr lang="ko-KR" altLang="en-US" smtClean="0"/>
-              <a:t>2023-08-10</a:t>
+              <a:t>2023-08-17</a:t>
             </a:fld>
             <a:endParaRPr lang="ko-KR" altLang="en-US"/>
           </a:p>
@@ -2406,7 +2403,7 @@
           <p:cNvPr id="6" name="바닥글 개체 틀 5">
             <a:extLst>
               <a:ext uri="{FF2B5EF4-FFF2-40B4-BE49-F238E27FC236}">
-                <a16:creationId xmlns="" xmlns:a16="http://schemas.microsoft.com/office/drawing/2014/main" id="{F48873C6-9D3A-4C62-9D46-88E6BAABCBA4}"/>
+                <a16:creationId xmlns:a16="http://schemas.microsoft.com/office/drawing/2014/main" xmlns="" id="{F48873C6-9D3A-4C62-9D46-88E6BAABCBA4}"/>
               </a:ext>
             </a:extLst>
           </p:cNvPr>
@@ -2431,7 +2428,7 @@
           <p:cNvPr id="7" name="슬라이드 번호 개체 틀 6">
             <a:extLst>
               <a:ext uri="{FF2B5EF4-FFF2-40B4-BE49-F238E27FC236}">
-                <a16:creationId xmlns="" xmlns:a16="http://schemas.microsoft.com/office/drawing/2014/main" id="{79A9C646-865F-49F4-8BDD-FB9A4DECA8F3}"/>
+                <a16:creationId xmlns:a16="http://schemas.microsoft.com/office/drawing/2014/main" xmlns="" id="{79A9C646-865F-49F4-8BDD-FB9A4DECA8F3}"/>
               </a:ext>
             </a:extLst>
           </p:cNvPr>
@@ -2490,7 +2487,7 @@
           <p:cNvPr id="2" name="제목 1">
             <a:extLst>
               <a:ext uri="{FF2B5EF4-FFF2-40B4-BE49-F238E27FC236}">
-                <a16:creationId xmlns="" xmlns:a16="http://schemas.microsoft.com/office/drawing/2014/main" id="{E5F258A6-5AAD-4F1F-976F-EDB5FF7254F0}"/>
+                <a16:creationId xmlns:a16="http://schemas.microsoft.com/office/drawing/2014/main" xmlns="" id="{E5F258A6-5AAD-4F1F-976F-EDB5FF7254F0}"/>
               </a:ext>
             </a:extLst>
           </p:cNvPr>
@@ -2527,7 +2524,7 @@
           <p:cNvPr id="3" name="그림 개체 틀 2">
             <a:extLst>
               <a:ext uri="{FF2B5EF4-FFF2-40B4-BE49-F238E27FC236}">
-                <a16:creationId xmlns="" xmlns:a16="http://schemas.microsoft.com/office/drawing/2014/main" id="{D2F4441E-0165-42AA-88F8-E53C4BAAC1DE}"/>
+                <a16:creationId xmlns:a16="http://schemas.microsoft.com/office/drawing/2014/main" xmlns="" id="{D2F4441E-0165-42AA-88F8-E53C4BAAC1DE}"/>
               </a:ext>
             </a:extLst>
           </p:cNvPr>
@@ -2594,7 +2591,7 @@
           <p:cNvPr id="4" name="텍스트 개체 틀 3">
             <a:extLst>
               <a:ext uri="{FF2B5EF4-FFF2-40B4-BE49-F238E27FC236}">
-                <a16:creationId xmlns="" xmlns:a16="http://schemas.microsoft.com/office/drawing/2014/main" id="{5AFCA1E8-0D3C-4590-82E2-D018D6E61D0F}"/>
+                <a16:creationId xmlns:a16="http://schemas.microsoft.com/office/drawing/2014/main" xmlns="" id="{5AFCA1E8-0D3C-4590-82E2-D018D6E61D0F}"/>
               </a:ext>
             </a:extLst>
           </p:cNvPr>
@@ -2665,7 +2662,7 @@
           <p:cNvPr id="5" name="날짜 개체 틀 4">
             <a:extLst>
               <a:ext uri="{FF2B5EF4-FFF2-40B4-BE49-F238E27FC236}">
-                <a16:creationId xmlns="" xmlns:a16="http://schemas.microsoft.com/office/drawing/2014/main" id="{0A674557-7FD9-416C-A8B5-FA6C4B5558AE}"/>
+                <a16:creationId xmlns:a16="http://schemas.microsoft.com/office/drawing/2014/main" xmlns="" id="{0A674557-7FD9-416C-A8B5-FA6C4B5558AE}"/>
               </a:ext>
             </a:extLst>
           </p:cNvPr>
@@ -2683,7 +2680,7 @@
           <a:p>
             <a:fld id="{246E467A-4026-4A8D-97BF-715EF7FA6491}" type="datetimeFigureOut">
               <a:rPr lang="ko-KR" altLang="en-US" smtClean="0"/>
-              <a:t>2023-08-10</a:t>
+              <a:t>2023-08-17</a:t>
             </a:fld>
             <a:endParaRPr lang="ko-KR" altLang="en-US"/>
           </a:p>
@@ -2694,7 +2691,7 @@
           <p:cNvPr id="6" name="바닥글 개체 틀 5">
             <a:extLst>
               <a:ext uri="{FF2B5EF4-FFF2-40B4-BE49-F238E27FC236}">
-                <a16:creationId xmlns="" xmlns:a16="http://schemas.microsoft.com/office/drawing/2014/main" id="{9C4A215C-B55F-4988-B45B-7667E8C7CAF6}"/>
+                <a16:creationId xmlns:a16="http://schemas.microsoft.com/office/drawing/2014/main" xmlns="" id="{9C4A215C-B55F-4988-B45B-7667E8C7CAF6}"/>
               </a:ext>
             </a:extLst>
           </p:cNvPr>
@@ -2719,7 +2716,7 @@
           <p:cNvPr id="7" name="슬라이드 번호 개체 틀 6">
             <a:extLst>
               <a:ext uri="{FF2B5EF4-FFF2-40B4-BE49-F238E27FC236}">
-                <a16:creationId xmlns="" xmlns:a16="http://schemas.microsoft.com/office/drawing/2014/main" id="{82FF3B86-5A48-411F-8090-830140A677FA}"/>
+                <a16:creationId xmlns:a16="http://schemas.microsoft.com/office/drawing/2014/main" xmlns="" id="{82FF3B86-5A48-411F-8090-830140A677FA}"/>
               </a:ext>
             </a:extLst>
           </p:cNvPr>
@@ -2783,7 +2780,7 @@
           <p:cNvPr id="2" name="제목 개체 틀 1">
             <a:extLst>
               <a:ext uri="{FF2B5EF4-FFF2-40B4-BE49-F238E27FC236}">
-                <a16:creationId xmlns="" xmlns:a16="http://schemas.microsoft.com/office/drawing/2014/main" id="{B9DF84FF-C412-430B-963A-695AABF70E5D}"/>
+                <a16:creationId xmlns:a16="http://schemas.microsoft.com/office/drawing/2014/main" xmlns="" id="{B9DF84FF-C412-430B-963A-695AABF70E5D}"/>
               </a:ext>
             </a:extLst>
           </p:cNvPr>
@@ -2821,7 +2818,7 @@
           <p:cNvPr id="3" name="텍스트 개체 틀 2">
             <a:extLst>
               <a:ext uri="{FF2B5EF4-FFF2-40B4-BE49-F238E27FC236}">
-                <a16:creationId xmlns="" xmlns:a16="http://schemas.microsoft.com/office/drawing/2014/main" id="{45EE7982-A999-4B0A-85F1-A0D5C55038DC}"/>
+                <a16:creationId xmlns:a16="http://schemas.microsoft.com/office/drawing/2014/main" xmlns="" id="{45EE7982-A999-4B0A-85F1-A0D5C55038DC}"/>
               </a:ext>
             </a:extLst>
           </p:cNvPr>
@@ -2888,7 +2885,7 @@
           <p:cNvPr id="4" name="날짜 개체 틀 3">
             <a:extLst>
               <a:ext uri="{FF2B5EF4-FFF2-40B4-BE49-F238E27FC236}">
-                <a16:creationId xmlns="" xmlns:a16="http://schemas.microsoft.com/office/drawing/2014/main" id="{3F48EB6A-F091-464F-A783-1AE546A56948}"/>
+                <a16:creationId xmlns:a16="http://schemas.microsoft.com/office/drawing/2014/main" xmlns="" id="{3F48EB6A-F091-464F-A783-1AE546A56948}"/>
               </a:ext>
             </a:extLst>
           </p:cNvPr>
@@ -2924,7 +2921,7 @@
           <a:p>
             <a:fld id="{246E467A-4026-4A8D-97BF-715EF7FA6491}" type="datetimeFigureOut">
               <a:rPr lang="ko-KR" altLang="en-US" smtClean="0"/>
-              <a:t>2023-08-10</a:t>
+              <a:t>2023-08-17</a:t>
             </a:fld>
             <a:endParaRPr lang="ko-KR" altLang="en-US"/>
           </a:p>
@@ -2935,7 +2932,7 @@
           <p:cNvPr id="5" name="바닥글 개체 틀 4">
             <a:extLst>
               <a:ext uri="{FF2B5EF4-FFF2-40B4-BE49-F238E27FC236}">
-                <a16:creationId xmlns="" xmlns:a16="http://schemas.microsoft.com/office/drawing/2014/main" id="{9531D2C7-63D5-4319-952D-A6F8404F460B}"/>
+                <a16:creationId xmlns:a16="http://schemas.microsoft.com/office/drawing/2014/main" xmlns="" id="{9531D2C7-63D5-4319-952D-A6F8404F460B}"/>
               </a:ext>
             </a:extLst>
           </p:cNvPr>
@@ -2978,7 +2975,7 @@
           <p:cNvPr id="6" name="슬라이드 번호 개체 틀 5">
             <a:extLst>
               <a:ext uri="{FF2B5EF4-FFF2-40B4-BE49-F238E27FC236}">
-                <a16:creationId xmlns="" xmlns:a16="http://schemas.microsoft.com/office/drawing/2014/main" id="{7739517A-02D4-4037-9427-974339FE7C30}"/>
+                <a16:creationId xmlns:a16="http://schemas.microsoft.com/office/drawing/2014/main" xmlns="" id="{7739517A-02D4-4037-9427-974339FE7C30}"/>
               </a:ext>
             </a:extLst>
           </p:cNvPr>
@@ -3354,7 +3351,7 @@
           <p:cNvPr id="2" name="TextBox 1">
             <a:extLst>
               <a:ext uri="{FF2B5EF4-FFF2-40B4-BE49-F238E27FC236}">
-                <a16:creationId xmlns="" xmlns:a16="http://schemas.microsoft.com/office/drawing/2014/main" id="{C70C938C-F8B1-4FFF-8F74-6ED0A876B136}"/>
+                <a16:creationId xmlns:a16="http://schemas.microsoft.com/office/drawing/2014/main" xmlns="" id="{C70C938C-F8B1-4FFF-8F74-6ED0A876B136}"/>
               </a:ext>
             </a:extLst>
           </p:cNvPr>
@@ -3395,7 +3392,7 @@
           <p:cNvPr id="3" name="TextBox 2">
             <a:extLst>
               <a:ext uri="{FF2B5EF4-FFF2-40B4-BE49-F238E27FC236}">
-                <a16:creationId xmlns="" xmlns:a16="http://schemas.microsoft.com/office/drawing/2014/main" id="{CC61FC92-B1C1-4C46-ABEF-2B6B78AA5915}"/>
+                <a16:creationId xmlns:a16="http://schemas.microsoft.com/office/drawing/2014/main" xmlns="" id="{CC61FC92-B1C1-4C46-ABEF-2B6B78AA5915}"/>
               </a:ext>
             </a:extLst>
           </p:cNvPr>
@@ -3436,7 +3433,7 @@
           <p:cNvPr id="8" name="그림 7" descr="사람, 서있는, 남자, 착용이(가) 표시된 사진&#10;&#10;자동 생성된 설명">
             <a:extLst>
               <a:ext uri="{FF2B5EF4-FFF2-40B4-BE49-F238E27FC236}">
-                <a16:creationId xmlns="" xmlns:a16="http://schemas.microsoft.com/office/drawing/2014/main" id="{398D98B8-2DFA-8476-B48A-2240354A960C}"/>
+                <a16:creationId xmlns:a16="http://schemas.microsoft.com/office/drawing/2014/main" xmlns="" id="{398D98B8-2DFA-8476-B48A-2240354A960C}"/>
               </a:ext>
             </a:extLst>
           </p:cNvPr>
@@ -3472,7 +3469,7 @@
           <p:cNvPr id="10" name="그림 9" descr="사람이(가) 표시된 사진&#10;&#10;자동 생성된 설명">
             <a:extLst>
               <a:ext uri="{FF2B5EF4-FFF2-40B4-BE49-F238E27FC236}">
-                <a16:creationId xmlns="" xmlns:a16="http://schemas.microsoft.com/office/drawing/2014/main" id="{0BE051E3-CAB7-BCFC-0441-E2FD03007A8D}"/>
+                <a16:creationId xmlns:a16="http://schemas.microsoft.com/office/drawing/2014/main" xmlns="" id="{0BE051E3-CAB7-BCFC-0441-E2FD03007A8D}"/>
               </a:ext>
             </a:extLst>
           </p:cNvPr>
@@ -3508,7 +3505,7 @@
           <p:cNvPr id="12" name="그림 11" descr="사람, 남자, 착용, 서있는이(가) 표시된 사진&#10;&#10;자동 생성된 설명">
             <a:extLst>
               <a:ext uri="{FF2B5EF4-FFF2-40B4-BE49-F238E27FC236}">
-                <a16:creationId xmlns="" xmlns:a16="http://schemas.microsoft.com/office/drawing/2014/main" id="{E9B0AD0F-14A6-F8C1-AEF5-1B01B5CEF846}"/>
+                <a16:creationId xmlns:a16="http://schemas.microsoft.com/office/drawing/2014/main" xmlns="" id="{E9B0AD0F-14A6-F8C1-AEF5-1B01B5CEF846}"/>
               </a:ext>
             </a:extLst>
           </p:cNvPr>
@@ -3586,7 +3583,7 @@
           <p:cNvPr id="3" name="직선 연결선 2">
             <a:extLst>
               <a:ext uri="{FF2B5EF4-FFF2-40B4-BE49-F238E27FC236}">
-                <a16:creationId xmlns="" xmlns:a16="http://schemas.microsoft.com/office/drawing/2014/main" id="{30B7886A-E2C2-47A8-A271-1FD08F52EED0}"/>
+                <a16:creationId xmlns:a16="http://schemas.microsoft.com/office/drawing/2014/main" xmlns="" id="{30B7886A-E2C2-47A8-A271-1FD08F52EED0}"/>
               </a:ext>
             </a:extLst>
           </p:cNvPr>
@@ -3629,7 +3626,7 @@
           <p:cNvPr id="18" name="직선 연결선 17">
             <a:extLst>
               <a:ext uri="{FF2B5EF4-FFF2-40B4-BE49-F238E27FC236}">
-                <a16:creationId xmlns="" xmlns:a16="http://schemas.microsoft.com/office/drawing/2014/main" id="{7911BDFD-7E29-44F7-9ED7-E8F36B51436C}"/>
+                <a16:creationId xmlns:a16="http://schemas.microsoft.com/office/drawing/2014/main" xmlns="" id="{7911BDFD-7E29-44F7-9ED7-E8F36B51436C}"/>
               </a:ext>
             </a:extLst>
           </p:cNvPr>
@@ -3718,7 +3715,7 @@
         </p:nvSpPr>
         <p:spPr>
           <a:xfrm>
-            <a:off x="734056" y="5517592"/>
+            <a:off x="734056" y="5527617"/>
             <a:ext cx="10855569" cy="707886"/>
           </a:xfrm>
           <a:prstGeom prst="rect">
@@ -3733,27 +3730,51 @@
           <a:lstStyle/>
           <a:p>
             <a:r>
+              <a:rPr lang="ko-KR" altLang="en-US" sz="2000" dirty="0" smtClean="0"/>
+              <a:t> 로컬 </a:t>
+            </a:r>
+            <a:r>
               <a:rPr lang="ko-KR" altLang="en-US" sz="2000" dirty="0" err="1" smtClean="0"/>
-              <a:t>웹상의</a:t>
+              <a:t>파이썬</a:t>
             </a:r>
             <a:r>
               <a:rPr lang="ko-KR" altLang="en-US" sz="2000" dirty="0" smtClean="0"/>
-              <a:t> 의류 이미지를 통해서 의류 이미지에서 마스크 이미지를 생성</a:t>
+              <a:t> </a:t>
+            </a:r>
+            <a:r>
+              <a:rPr lang="en-US" altLang="ko-KR" sz="2000" dirty="0" err="1" smtClean="0"/>
+              <a:t>api</a:t>
+            </a:r>
+            <a:r>
+              <a:rPr lang="ko-KR" altLang="en-US" sz="2000" dirty="0" err="1" smtClean="0"/>
+              <a:t>를</a:t>
+            </a:r>
+            <a:r>
+              <a:rPr lang="ko-KR" altLang="en-US" sz="2000" dirty="0" smtClean="0"/>
+              <a:t> 웹과 연동</a:t>
             </a:r>
             <a:endParaRPr lang="en-US" altLang="ko-KR" sz="2000" dirty="0" smtClean="0"/>
           </a:p>
           <a:p>
             <a:r>
+              <a:rPr lang="ko-KR" altLang="en-US" sz="2000" dirty="0"/>
+              <a:t>인풋 이미지를 웹으로 </a:t>
+            </a:r>
+            <a:r>
               <a:rPr lang="ko-KR" altLang="en-US" sz="2000" dirty="0" smtClean="0"/>
-              <a:t>모델에 합성하여 결과</a:t>
-            </a:r>
-            <a:endParaRPr lang="en-US" altLang="ko-KR" sz="2000" dirty="0" smtClean="0"/>
+              <a:t>받아 결과 아웃풋 이미지를 생성</a:t>
+            </a:r>
+            <a:r>
+              <a:rPr lang="en-US" altLang="ko-KR" sz="2000" smtClean="0"/>
+              <a:t>.</a:t>
+            </a:r>
+            <a:endParaRPr lang="en-US" altLang="ko-KR" sz="2000" dirty="0"/>
           </a:p>
         </p:txBody>
       </p:sp>
       <p:pic>
         <p:nvPicPr>
-          <p:cNvPr id="4" name="Picture 2" descr="C:\Users\user\Desktop\742.jpg"/>
+          <p:cNvPr id="1026" name="Picture 2" descr="C:\Users\user\Desktop\KakaoTalk_20230817_011320060.png"/>
           <p:cNvPicPr>
             <a:picLocks noChangeAspect="1" noChangeArrowheads="1"/>
           </p:cNvPicPr>
@@ -3774,8 +3795,8 @@
         </p:blipFill>
         <p:spPr bwMode="auto">
           <a:xfrm>
-            <a:off x="1003347" y="1155701"/>
-            <a:ext cx="1191189" cy="1588252"/>
+            <a:off x="985453" y="965080"/>
+            <a:ext cx="6483751" cy="4174809"/>
           </a:xfrm>
           <a:prstGeom prst="rect">
             <a:avLst/>
@@ -3794,7 +3815,7 @@
       </p:pic>
       <p:pic>
         <p:nvPicPr>
-          <p:cNvPr id="6" name="Picture 3" descr="C:\Users\user\Desktop\KakaoTalk_20230810_012958228.jpg"/>
+          <p:cNvPr id="1027" name="Picture 3" descr="C:\Users\user\Desktop\KakaoTalk_20230816_220501982_01.jpg"/>
           <p:cNvPicPr>
             <a:picLocks noChangeAspect="1" noChangeArrowheads="1"/>
           </p:cNvPicPr>
@@ -3815,8 +3836,8 @@
         </p:blipFill>
         <p:spPr bwMode="auto">
           <a:xfrm>
-            <a:off x="1003349" y="3280233"/>
-            <a:ext cx="1191189" cy="1588252"/>
+            <a:off x="8687118" y="965080"/>
+            <a:ext cx="3131107" cy="4174811"/>
           </a:xfrm>
           <a:prstGeom prst="rect">
             <a:avLst/>
@@ -3833,390 +3854,16 @@
           </a:extLst>
         </p:spPr>
       </p:pic>
-      <p:pic>
-        <p:nvPicPr>
-          <p:cNvPr id="7" name="Picture 4" descr="C:\Users\user\Desktop\KakaoTalk_20230810_013002187.jpg"/>
-          <p:cNvPicPr>
-            <a:picLocks noChangeAspect="1" noChangeArrowheads="1"/>
-          </p:cNvPicPr>
-          <p:nvPr/>
-        </p:nvPicPr>
-        <p:blipFill>
-          <a:blip r:embed="rId4" cstate="screen">
-            <a:extLst>
-              <a:ext uri="{28A0092B-C50C-407E-A947-70E740481C1C}">
-                <a14:useLocalDpi xmlns:a14="http://schemas.microsoft.com/office/drawing/2010/main" val="0"/>
-              </a:ext>
-            </a:extLst>
-          </a:blip>
-          <a:srcRect/>
-          <a:stretch>
-            <a:fillRect/>
-          </a:stretch>
-        </p:blipFill>
-        <p:spPr bwMode="auto">
-          <a:xfrm>
-            <a:off x="3795422" y="3280232"/>
-            <a:ext cx="1191189" cy="1588253"/>
-          </a:xfrm>
-          <a:prstGeom prst="rect">
-            <a:avLst/>
-          </a:prstGeom>
-          <a:noFill/>
-          <a:extLst>
-            <a:ext uri="{909E8E84-426E-40DD-AFC4-6F175D3DCCD1}">
-              <a14:hiddenFill xmlns:a14="http://schemas.microsoft.com/office/drawing/2010/main">
-                <a:solidFill>
-                  <a:srgbClr val="FFFFFF"/>
-                </a:solidFill>
-              </a14:hiddenFill>
-            </a:ext>
-          </a:extLst>
-        </p:spPr>
-      </p:pic>
-      <p:pic>
-        <p:nvPicPr>
-          <p:cNvPr id="9" name="Picture 5" descr="C:\Users\user\Desktop\KakaoTalk_20230810_013002187_01.png"/>
-          <p:cNvPicPr>
-            <a:picLocks noChangeAspect="1" noChangeArrowheads="1"/>
-          </p:cNvPicPr>
-          <p:nvPr/>
-        </p:nvPicPr>
-        <p:blipFill>
-          <a:blip r:embed="rId5" cstate="screen">
-            <a:extLst>
-              <a:ext uri="{28A0092B-C50C-407E-A947-70E740481C1C}">
-                <a14:useLocalDpi xmlns:a14="http://schemas.microsoft.com/office/drawing/2010/main" val="0"/>
-              </a:ext>
-            </a:extLst>
-          </a:blip>
-          <a:srcRect/>
-          <a:stretch>
-            <a:fillRect/>
-          </a:stretch>
-        </p:blipFill>
-        <p:spPr bwMode="auto">
-          <a:xfrm>
-            <a:off x="3795421" y="1155701"/>
-            <a:ext cx="1191189" cy="1588252"/>
-          </a:xfrm>
-          <a:prstGeom prst="rect">
-            <a:avLst/>
-          </a:prstGeom>
-          <a:noFill/>
-          <a:extLst>
-            <a:ext uri="{909E8E84-426E-40DD-AFC4-6F175D3DCCD1}">
-              <a14:hiddenFill xmlns:a14="http://schemas.microsoft.com/office/drawing/2010/main">
-                <a:solidFill>
-                  <a:srgbClr val="FFFFFF"/>
-                </a:solidFill>
-              </a14:hiddenFill>
-            </a:ext>
-          </a:extLst>
-        </p:spPr>
-      </p:pic>
-      <p:sp>
-        <p:nvSpPr>
-          <p:cNvPr id="37" name="직사각형 36"/>
+      <p:sp>
+        <p:nvSpPr>
+          <p:cNvPr id="2" name="오른쪽 화살표 1"/>
           <p:cNvSpPr/>
           <p:nvPr/>
         </p:nvSpPr>
         <p:spPr>
           <a:xfrm>
-            <a:off x="548018" y="2795515"/>
-            <a:ext cx="2101850" cy="374650"/>
-          </a:xfrm>
-          <a:prstGeom prst="rect">
-            <a:avLst/>
-          </a:prstGeom>
-          <a:solidFill>
-            <a:schemeClr val="accent4"/>
-          </a:solidFill>
-          <a:ln>
-            <a:noFill/>
-          </a:ln>
-        </p:spPr>
-        <p:style>
-          <a:lnRef idx="2">
-            <a:schemeClr val="accent1">
-              <a:shade val="50000"/>
-            </a:schemeClr>
-          </a:lnRef>
-          <a:fillRef idx="1">
-            <a:schemeClr val="accent1"/>
-          </a:fillRef>
-          <a:effectRef idx="0">
-            <a:schemeClr val="accent1"/>
-          </a:effectRef>
-          <a:fontRef idx="minor">
-            <a:schemeClr val="lt1"/>
-          </a:fontRef>
-        </p:style>
-        <p:txBody>
-          <a:bodyPr rtlCol="0" anchor="ctr"/>
-          <a:lstStyle/>
-          <a:p>
-            <a:pPr algn="ctr"/>
-            <a:r>
-              <a:rPr lang="ko-KR" altLang="en-US" dirty="0" smtClean="0"/>
-              <a:t>원본 이미지</a:t>
-            </a:r>
-            <a:endParaRPr lang="ko-KR" altLang="en-US" dirty="0"/>
-          </a:p>
-        </p:txBody>
-      </p:sp>
-      <p:sp>
-        <p:nvSpPr>
-          <p:cNvPr id="39" name="직사각형 38"/>
-          <p:cNvSpPr/>
-          <p:nvPr/>
-        </p:nvSpPr>
-        <p:spPr>
-          <a:xfrm>
-            <a:off x="3340091" y="2795515"/>
-            <a:ext cx="2101850" cy="374650"/>
-          </a:xfrm>
-          <a:prstGeom prst="rect">
-            <a:avLst/>
-          </a:prstGeom>
-          <a:solidFill>
-            <a:schemeClr val="accent4"/>
-          </a:solidFill>
-          <a:ln>
-            <a:noFill/>
-          </a:ln>
-        </p:spPr>
-        <p:style>
-          <a:lnRef idx="2">
-            <a:schemeClr val="accent1">
-              <a:shade val="50000"/>
-            </a:schemeClr>
-          </a:lnRef>
-          <a:fillRef idx="1">
-            <a:schemeClr val="accent1"/>
-          </a:fillRef>
-          <a:effectRef idx="0">
-            <a:schemeClr val="accent1"/>
-          </a:effectRef>
-          <a:fontRef idx="minor">
-            <a:schemeClr val="lt1"/>
-          </a:fontRef>
-        </p:style>
-        <p:txBody>
-          <a:bodyPr rtlCol="0" anchor="ctr"/>
-          <a:lstStyle/>
-          <a:p>
-            <a:pPr algn="ctr"/>
-            <a:r>
-              <a:rPr lang="ko-KR" altLang="en-US" dirty="0" smtClean="0"/>
-              <a:t>마스크 이미지</a:t>
-            </a:r>
-            <a:endParaRPr lang="ko-KR" altLang="en-US" dirty="0"/>
-          </a:p>
-        </p:txBody>
-      </p:sp>
-      <p:sp>
-        <p:nvSpPr>
-          <p:cNvPr id="41" name="직사각형 40"/>
-          <p:cNvSpPr/>
-          <p:nvPr/>
-        </p:nvSpPr>
-        <p:spPr>
-          <a:xfrm>
-            <a:off x="548017" y="4950282"/>
-            <a:ext cx="2101850" cy="374650"/>
-          </a:xfrm>
-          <a:prstGeom prst="rect">
-            <a:avLst/>
-          </a:prstGeom>
-          <a:solidFill>
-            <a:schemeClr val="accent4"/>
-          </a:solidFill>
-          <a:ln>
-            <a:noFill/>
-          </a:ln>
-        </p:spPr>
-        <p:style>
-          <a:lnRef idx="2">
-            <a:schemeClr val="accent1">
-              <a:shade val="50000"/>
-            </a:schemeClr>
-          </a:lnRef>
-          <a:fillRef idx="1">
-            <a:schemeClr val="accent1"/>
-          </a:fillRef>
-          <a:effectRef idx="0">
-            <a:schemeClr val="accent1"/>
-          </a:effectRef>
-          <a:fontRef idx="minor">
-            <a:schemeClr val="lt1"/>
-          </a:fontRef>
-        </p:style>
-        <p:txBody>
-          <a:bodyPr rtlCol="0" anchor="ctr"/>
-          <a:lstStyle/>
-          <a:p>
-            <a:pPr algn="ctr"/>
-            <a:r>
-              <a:rPr lang="ko-KR" altLang="en-US" dirty="0" smtClean="0"/>
-              <a:t>원본 이미지</a:t>
-            </a:r>
-            <a:endParaRPr lang="ko-KR" altLang="en-US" dirty="0"/>
-          </a:p>
-        </p:txBody>
-      </p:sp>
-      <p:sp>
-        <p:nvSpPr>
-          <p:cNvPr id="42" name="직사각형 41"/>
-          <p:cNvSpPr/>
-          <p:nvPr/>
-        </p:nvSpPr>
-        <p:spPr>
-          <a:xfrm>
-            <a:off x="3340090" y="4950282"/>
-            <a:ext cx="2101850" cy="374650"/>
-          </a:xfrm>
-          <a:prstGeom prst="rect">
-            <a:avLst/>
-          </a:prstGeom>
-          <a:solidFill>
-            <a:schemeClr val="accent4"/>
-          </a:solidFill>
-          <a:ln>
-            <a:noFill/>
-          </a:ln>
-        </p:spPr>
-        <p:style>
-          <a:lnRef idx="2">
-            <a:schemeClr val="accent1">
-              <a:shade val="50000"/>
-            </a:schemeClr>
-          </a:lnRef>
-          <a:fillRef idx="1">
-            <a:schemeClr val="accent1"/>
-          </a:fillRef>
-          <a:effectRef idx="0">
-            <a:schemeClr val="accent1"/>
-          </a:effectRef>
-          <a:fontRef idx="minor">
-            <a:schemeClr val="lt1"/>
-          </a:fontRef>
-        </p:style>
-        <p:txBody>
-          <a:bodyPr rtlCol="0" anchor="ctr"/>
-          <a:lstStyle/>
-          <a:p>
-            <a:pPr algn="ctr"/>
-            <a:r>
-              <a:rPr lang="ko-KR" altLang="en-US" dirty="0" smtClean="0"/>
-              <a:t>마스크 이미지</a:t>
-            </a:r>
-            <a:endParaRPr lang="ko-KR" altLang="en-US" dirty="0"/>
-          </a:p>
-        </p:txBody>
-      </p:sp>
-      <p:sp>
-        <p:nvSpPr>
-          <p:cNvPr id="11" name="덧셈 기호 10"/>
-          <p:cNvSpPr/>
-          <p:nvPr/>
-        </p:nvSpPr>
-        <p:spPr>
-          <a:xfrm>
-            <a:off x="2482850" y="1384677"/>
-            <a:ext cx="1130300" cy="1130300"/>
-          </a:xfrm>
-          <a:prstGeom prst="mathPlus">
-            <a:avLst/>
-          </a:prstGeom>
-          <a:solidFill>
-            <a:schemeClr val="accent4"/>
-          </a:solidFill>
-          <a:ln>
-            <a:noFill/>
-          </a:ln>
-        </p:spPr>
-        <p:style>
-          <a:lnRef idx="2">
-            <a:schemeClr val="accent1">
-              <a:shade val="50000"/>
-            </a:schemeClr>
-          </a:lnRef>
-          <a:fillRef idx="1">
-            <a:schemeClr val="accent1"/>
-          </a:fillRef>
-          <a:effectRef idx="0">
-            <a:schemeClr val="accent1"/>
-          </a:effectRef>
-          <a:fontRef idx="minor">
-            <a:schemeClr val="lt1"/>
-          </a:fontRef>
-        </p:style>
-        <p:txBody>
-          <a:bodyPr rtlCol="0" anchor="ctr"/>
-          <a:lstStyle/>
-          <a:p>
-            <a:pPr algn="ctr"/>
-            <a:endParaRPr lang="ko-KR" altLang="en-US"/>
-          </a:p>
-        </p:txBody>
-      </p:sp>
-      <p:sp>
-        <p:nvSpPr>
-          <p:cNvPr id="43" name="덧셈 기호 42"/>
-          <p:cNvSpPr/>
-          <p:nvPr/>
-        </p:nvSpPr>
-        <p:spPr>
-          <a:xfrm>
-            <a:off x="2482850" y="3509208"/>
-            <a:ext cx="1130300" cy="1130300"/>
-          </a:xfrm>
-          <a:prstGeom prst="mathPlus">
-            <a:avLst/>
-          </a:prstGeom>
-          <a:solidFill>
-            <a:schemeClr val="accent4"/>
-          </a:solidFill>
-          <a:ln>
-            <a:noFill/>
-          </a:ln>
-        </p:spPr>
-        <p:style>
-          <a:lnRef idx="2">
-            <a:schemeClr val="accent1">
-              <a:shade val="50000"/>
-            </a:schemeClr>
-          </a:lnRef>
-          <a:fillRef idx="1">
-            <a:schemeClr val="accent1"/>
-          </a:fillRef>
-          <a:effectRef idx="0">
-            <a:schemeClr val="accent1"/>
-          </a:effectRef>
-          <a:fontRef idx="minor">
-            <a:schemeClr val="lt1"/>
-          </a:fontRef>
-        </p:style>
-        <p:txBody>
-          <a:bodyPr rtlCol="0" anchor="ctr"/>
-          <a:lstStyle/>
-          <a:p>
-            <a:pPr algn="ctr"/>
-            <a:endParaRPr lang="ko-KR" altLang="en-US"/>
-          </a:p>
-        </p:txBody>
-      </p:sp>
-      <p:sp>
-        <p:nvSpPr>
-          <p:cNvPr id="45" name="오른쪽 화살표 44"/>
-          <p:cNvSpPr/>
-          <p:nvPr/>
-        </p:nvSpPr>
-        <p:spPr>
-          <a:xfrm>
-            <a:off x="5746750" y="2743952"/>
-            <a:ext cx="1612900" cy="590173"/>
+            <a:off x="7683500" y="2491567"/>
+            <a:ext cx="804334" cy="1121833"/>
           </a:xfrm>
           <a:prstGeom prst="rightArrow">
             <a:avLst/>
@@ -4253,2103 +3900,10 @@
           </a:p>
         </p:txBody>
       </p:sp>
-      <p:sp>
-        <p:nvSpPr>
-          <p:cNvPr id="47" name="직사각형 46"/>
-          <p:cNvSpPr/>
-          <p:nvPr/>
-        </p:nvSpPr>
-        <p:spPr>
-          <a:xfrm>
-            <a:off x="5454650" y="2002462"/>
-            <a:ext cx="2101850" cy="374650"/>
-          </a:xfrm>
-          <a:prstGeom prst="rect">
-            <a:avLst/>
-          </a:prstGeom>
-          <a:solidFill>
-            <a:schemeClr val="bg1"/>
-          </a:solidFill>
-          <a:ln>
-            <a:noFill/>
-          </a:ln>
-        </p:spPr>
-        <p:style>
-          <a:lnRef idx="2">
-            <a:schemeClr val="accent1">
-              <a:shade val="50000"/>
-            </a:schemeClr>
-          </a:lnRef>
-          <a:fillRef idx="1">
-            <a:schemeClr val="accent1"/>
-          </a:fillRef>
-          <a:effectRef idx="0">
-            <a:schemeClr val="accent1"/>
-          </a:effectRef>
-          <a:fontRef idx="minor">
-            <a:schemeClr val="lt1"/>
-          </a:fontRef>
-        </p:style>
-        <p:txBody>
-          <a:bodyPr rtlCol="0" anchor="ctr"/>
-          <a:lstStyle/>
-          <a:p>
-            <a:pPr algn="ctr"/>
-            <a:r>
-              <a:rPr lang="ko-KR" altLang="en-US" sz="2000" b="1" dirty="0" smtClean="0">
-                <a:solidFill>
-                  <a:schemeClr val="tx1"/>
-                </a:solidFill>
-              </a:rPr>
-              <a:t>모델과 합성</a:t>
-            </a:r>
-            <a:endParaRPr lang="ko-KR" altLang="en-US" sz="2000" b="1" dirty="0">
-              <a:solidFill>
-                <a:schemeClr val="tx1"/>
-              </a:solidFill>
-            </a:endParaRPr>
-          </a:p>
-        </p:txBody>
-      </p:sp>
-      <p:pic>
-        <p:nvPicPr>
-          <p:cNvPr id="12" name="Picture 6" descr="C:\Users\user\Desktop\KakaoTalk_20230810_013010491_02.jpg"/>
-          <p:cNvPicPr>
-            <a:picLocks noChangeAspect="1" noChangeArrowheads="1"/>
-          </p:cNvPicPr>
-          <p:nvPr/>
-        </p:nvPicPr>
-        <p:blipFill>
-          <a:blip r:embed="rId6" cstate="screen">
-            <a:extLst>
-              <a:ext uri="{28A0092B-C50C-407E-A947-70E740481C1C}">
-                <a14:useLocalDpi xmlns:a14="http://schemas.microsoft.com/office/drawing/2010/main" val="0"/>
-              </a:ext>
-            </a:extLst>
-          </a:blip>
-          <a:srcRect/>
-          <a:stretch>
-            <a:fillRect/>
-          </a:stretch>
-        </p:blipFill>
-        <p:spPr bwMode="auto">
-          <a:xfrm>
-            <a:off x="9549725" y="1758696"/>
-            <a:ext cx="2204249" cy="2938999"/>
-          </a:xfrm>
-          <a:prstGeom prst="rect">
-            <a:avLst/>
-          </a:prstGeom>
-          <a:noFill/>
-          <a:extLst>
-            <a:ext uri="{909E8E84-426E-40DD-AFC4-6F175D3DCCD1}">
-              <a14:hiddenFill xmlns:a14="http://schemas.microsoft.com/office/drawing/2010/main">
-                <a:solidFill>
-                  <a:srgbClr val="FFFFFF"/>
-                </a:solidFill>
-              </a14:hiddenFill>
-            </a:ext>
-          </a:extLst>
-        </p:spPr>
-      </p:pic>
-      <p:pic>
-        <p:nvPicPr>
-          <p:cNvPr id="1031" name="Picture 7" descr="C:\Users\user\Desktop\KakaoTalk_20230810_013010491_01.jpg"/>
-          <p:cNvPicPr>
-            <a:picLocks noChangeAspect="1" noChangeArrowheads="1"/>
-          </p:cNvPicPr>
-          <p:nvPr/>
-        </p:nvPicPr>
-        <p:blipFill>
-          <a:blip r:embed="rId7" cstate="screen">
-            <a:extLst>
-              <a:ext uri="{28A0092B-C50C-407E-A947-70E740481C1C}">
-                <a14:useLocalDpi xmlns:a14="http://schemas.microsoft.com/office/drawing/2010/main" val="0"/>
-              </a:ext>
-            </a:extLst>
-          </a:blip>
-          <a:srcRect/>
-          <a:stretch>
-            <a:fillRect/>
-          </a:stretch>
-        </p:blipFill>
-        <p:spPr bwMode="auto">
-          <a:xfrm>
-            <a:off x="7731650" y="1754687"/>
-            <a:ext cx="2210264" cy="2947019"/>
-          </a:xfrm>
-          <a:prstGeom prst="rect">
-            <a:avLst/>
-          </a:prstGeom>
-          <a:noFill/>
-          <a:extLst>
-            <a:ext uri="{909E8E84-426E-40DD-AFC4-6F175D3DCCD1}">
-              <a14:hiddenFill xmlns:a14="http://schemas.microsoft.com/office/drawing/2010/main">
-                <a:solidFill>
-                  <a:srgbClr val="FFFFFF"/>
-                </a:solidFill>
-              </a14:hiddenFill>
-            </a:ext>
-          </a:extLst>
-        </p:spPr>
-      </p:pic>
     </p:spTree>
     <p:extLst>
       <p:ext uri="{BB962C8B-B14F-4D97-AF65-F5344CB8AC3E}">
         <p14:creationId xmlns:p14="http://schemas.microsoft.com/office/powerpoint/2010/main" val="2416042653"/>
-      </p:ext>
-    </p:extLst>
-  </p:cSld>
-  <p:clrMapOvr>
-    <a:masterClrMapping/>
-  </p:clrMapOvr>
-  <mc:AlternateContent xmlns:mc="http://schemas.openxmlformats.org/markup-compatibility/2006" xmlns:p14="http://schemas.microsoft.com/office/powerpoint/2010/main">
-    <mc:Choice Requires="p14">
-      <p:transition spd="med" p14:dur="700">
-        <p:fade/>
-      </p:transition>
-    </mc:Choice>
-    <mc:Fallback xmlns="">
-      <p:transition spd="med">
-        <p:fade/>
-      </p:transition>
-    </mc:Fallback>
-  </mc:AlternateContent>
-</p:sld>
-</file>
-
-<file path=ppt/slides/slide3.xml><?xml version="1.0" encoding="utf-8"?>
-<p:sld xmlns:a="http://schemas.openxmlformats.org/drawingml/2006/main" xmlns:r="http://schemas.openxmlformats.org/officeDocument/2006/relationships" xmlns:p="http://schemas.openxmlformats.org/presentationml/2006/main">
-  <p:cSld>
-    <p:spTree>
-      <p:nvGrpSpPr>
-        <p:cNvPr id="1" name=""/>
-        <p:cNvGrpSpPr/>
-        <p:nvPr/>
-      </p:nvGrpSpPr>
-      <p:grpSpPr>
-        <a:xfrm>
-          <a:off x="0" y="0"/>
-          <a:ext cx="0" cy="0"/>
-          <a:chOff x="0" y="0"/>
-          <a:chExt cx="0" cy="0"/>
-        </a:xfrm>
-      </p:grpSpPr>
-      <p:cxnSp>
-        <p:nvCxnSpPr>
-          <p:cNvPr id="3" name="직선 연결선 2">
-            <a:extLst>
-              <a:ext uri="{FF2B5EF4-FFF2-40B4-BE49-F238E27FC236}">
-                <a16:creationId xmlns="" xmlns:a16="http://schemas.microsoft.com/office/drawing/2014/main" id="{30B7886A-E2C2-47A8-A271-1FD08F52EED0}"/>
-              </a:ext>
-            </a:extLst>
-          </p:cNvPr>
-          <p:cNvCxnSpPr>
-            <a:cxnSpLocks/>
-          </p:cNvCxnSpPr>
-          <p:nvPr/>
-        </p:nvCxnSpPr>
-        <p:spPr>
-          <a:xfrm>
-            <a:off x="152400" y="190500"/>
-            <a:ext cx="1435100" cy="0"/>
-          </a:xfrm>
-          <a:prstGeom prst="line">
-            <a:avLst/>
-          </a:prstGeom>
-          <a:ln w="76200">
-            <a:solidFill>
-              <a:schemeClr val="accent4"/>
-            </a:solidFill>
-          </a:ln>
-        </p:spPr>
-        <p:style>
-          <a:lnRef idx="1">
-            <a:schemeClr val="accent1"/>
-          </a:lnRef>
-          <a:fillRef idx="0">
-            <a:schemeClr val="accent1"/>
-          </a:fillRef>
-          <a:effectRef idx="0">
-            <a:schemeClr val="accent1"/>
-          </a:effectRef>
-          <a:fontRef idx="minor">
-            <a:schemeClr val="tx1"/>
-          </a:fontRef>
-        </p:style>
-      </p:cxnSp>
-      <p:cxnSp>
-        <p:nvCxnSpPr>
-          <p:cNvPr id="18" name="직선 연결선 17">
-            <a:extLst>
-              <a:ext uri="{FF2B5EF4-FFF2-40B4-BE49-F238E27FC236}">
-                <a16:creationId xmlns="" xmlns:a16="http://schemas.microsoft.com/office/drawing/2014/main" id="{7911BDFD-7E29-44F7-9ED7-E8F36B51436C}"/>
-              </a:ext>
-            </a:extLst>
-          </p:cNvPr>
-          <p:cNvCxnSpPr/>
-          <p:nvPr/>
-        </p:nvCxnSpPr>
-        <p:spPr>
-          <a:xfrm>
-            <a:off x="1587500" y="190500"/>
-            <a:ext cx="10604500" cy="0"/>
-          </a:xfrm>
-          <a:prstGeom prst="line">
-            <a:avLst/>
-          </a:prstGeom>
-        </p:spPr>
-        <p:style>
-          <a:lnRef idx="1">
-            <a:schemeClr val="accent1"/>
-          </a:lnRef>
-          <a:fillRef idx="0">
-            <a:schemeClr val="accent1"/>
-          </a:fillRef>
-          <a:effectRef idx="0">
-            <a:schemeClr val="accent1"/>
-          </a:effectRef>
-          <a:fontRef idx="minor">
-            <a:schemeClr val="tx1"/>
-          </a:fontRef>
-        </p:style>
-      </p:cxnSp>
-      <p:sp>
-        <p:nvSpPr>
-          <p:cNvPr id="5" name="직사각형 4"/>
-          <p:cNvSpPr/>
-          <p:nvPr/>
-        </p:nvSpPr>
-        <p:spPr>
-          <a:xfrm>
-            <a:off x="444500" y="317500"/>
-            <a:ext cx="2101850" cy="374650"/>
-          </a:xfrm>
-          <a:prstGeom prst="rect">
-            <a:avLst/>
-          </a:prstGeom>
-          <a:solidFill>
-            <a:schemeClr val="accent4"/>
-          </a:solidFill>
-          <a:ln>
-            <a:noFill/>
-          </a:ln>
-        </p:spPr>
-        <p:style>
-          <a:lnRef idx="2">
-            <a:schemeClr val="accent1">
-              <a:shade val="50000"/>
-            </a:schemeClr>
-          </a:lnRef>
-          <a:fillRef idx="1">
-            <a:schemeClr val="accent1"/>
-          </a:fillRef>
-          <a:effectRef idx="0">
-            <a:schemeClr val="accent1"/>
-          </a:effectRef>
-          <a:fontRef idx="minor">
-            <a:schemeClr val="lt1"/>
-          </a:fontRef>
-        </p:style>
-        <p:txBody>
-          <a:bodyPr rtlCol="0" anchor="ctr"/>
-          <a:lstStyle/>
-          <a:p>
-            <a:pPr algn="ctr"/>
-            <a:r>
-              <a:rPr lang="ko-KR" altLang="en-US" dirty="0" smtClean="0"/>
-              <a:t>인공지능</a:t>
-            </a:r>
-            <a:endParaRPr lang="ko-KR" altLang="en-US" dirty="0"/>
-          </a:p>
-        </p:txBody>
-      </p:sp>
-      <p:sp>
-        <p:nvSpPr>
-          <p:cNvPr id="68" name="TextBox 67"/>
-          <p:cNvSpPr txBox="1"/>
-          <p:nvPr/>
-        </p:nvSpPr>
-        <p:spPr>
-          <a:xfrm>
-            <a:off x="759465" y="5676342"/>
-            <a:ext cx="10855569" cy="369332"/>
-          </a:xfrm>
-          <a:prstGeom prst="rect">
-            <a:avLst/>
-          </a:prstGeom>
-          <a:noFill/>
-        </p:spPr>
-        <p:txBody>
-          <a:bodyPr wrap="square" rtlCol="0">
-            <a:spAutoFit/>
-          </a:bodyPr>
-          <a:lstStyle/>
-          <a:p>
-            <a:r>
-              <a:rPr lang="ko-KR" altLang="en-US" dirty="0" smtClean="0"/>
-              <a:t>테스트 결과 어느 정도 </a:t>
-            </a:r>
-            <a:r>
-              <a:rPr lang="ko-KR" altLang="en-US" dirty="0" err="1" smtClean="0"/>
-              <a:t>퀄리티가</a:t>
-            </a:r>
-            <a:r>
-              <a:rPr lang="ko-KR" altLang="en-US" dirty="0" smtClean="0"/>
-              <a:t> 유지되는 모습</a:t>
-            </a:r>
-            <a:endParaRPr lang="en-US" altLang="ko-KR" dirty="0" smtClean="0"/>
-          </a:p>
-        </p:txBody>
-      </p:sp>
-      <p:pic>
-        <p:nvPicPr>
-          <p:cNvPr id="2057" name="Picture 9" descr="C:\Users\user\Desktop\KakaoTalk_20230810_013010491_02.jpg"/>
-          <p:cNvPicPr>
-            <a:picLocks noChangeAspect="1" noChangeArrowheads="1"/>
-          </p:cNvPicPr>
-          <p:nvPr/>
-        </p:nvPicPr>
-        <p:blipFill>
-          <a:blip r:embed="rId2" cstate="screen">
-            <a:extLst>
-              <a:ext uri="{28A0092B-C50C-407E-A947-70E740481C1C}">
-                <a14:useLocalDpi xmlns:a14="http://schemas.microsoft.com/office/drawing/2010/main" val="0"/>
-              </a:ext>
-            </a:extLst>
-          </a:blip>
-          <a:srcRect/>
-          <a:stretch>
-            <a:fillRect/>
-          </a:stretch>
-        </p:blipFill>
-        <p:spPr bwMode="auto">
-          <a:xfrm>
-            <a:off x="8862957" y="959152"/>
-            <a:ext cx="3138296" cy="4184395"/>
-          </a:xfrm>
-          <a:prstGeom prst="rect">
-            <a:avLst/>
-          </a:prstGeom>
-          <a:noFill/>
-          <a:extLst>
-            <a:ext uri="{909E8E84-426E-40DD-AFC4-6F175D3DCCD1}">
-              <a14:hiddenFill xmlns:a14="http://schemas.microsoft.com/office/drawing/2010/main">
-                <a:solidFill>
-                  <a:srgbClr val="FFFFFF"/>
-                </a:solidFill>
-              </a14:hiddenFill>
-            </a:ext>
-          </a:extLst>
-        </p:spPr>
-      </p:pic>
-      <p:pic>
-        <p:nvPicPr>
-          <p:cNvPr id="2060" name="Picture 12" descr="C:\Users\user\Desktop\456.jpg"/>
-          <p:cNvPicPr>
-            <a:picLocks noChangeAspect="1" noChangeArrowheads="1"/>
-          </p:cNvPicPr>
-          <p:nvPr/>
-        </p:nvPicPr>
-        <p:blipFill>
-          <a:blip r:embed="rId3" cstate="screen">
-            <a:extLst>
-              <a:ext uri="{28A0092B-C50C-407E-A947-70E740481C1C}">
-                <a14:useLocalDpi xmlns:a14="http://schemas.microsoft.com/office/drawing/2010/main" val="0"/>
-              </a:ext>
-            </a:extLst>
-          </a:blip>
-          <a:srcRect/>
-          <a:stretch>
-            <a:fillRect/>
-          </a:stretch>
-        </p:blipFill>
-        <p:spPr bwMode="auto">
-          <a:xfrm>
-            <a:off x="6302348" y="959157"/>
-            <a:ext cx="3138296" cy="4184395"/>
-          </a:xfrm>
-          <a:prstGeom prst="rect">
-            <a:avLst/>
-          </a:prstGeom>
-          <a:noFill/>
-          <a:extLst>
-            <a:ext uri="{909E8E84-426E-40DD-AFC4-6F175D3DCCD1}">
-              <a14:hiddenFill xmlns:a14="http://schemas.microsoft.com/office/drawing/2010/main">
-                <a:solidFill>
-                  <a:srgbClr val="FFFFFF"/>
-                </a:solidFill>
-              </a14:hiddenFill>
-            </a:ext>
-          </a:extLst>
-        </p:spPr>
-      </p:pic>
-      <p:pic>
-        <p:nvPicPr>
-          <p:cNvPr id="2058" name="Picture 10" descr="C:\Users\user\Desktop\KakaoTalk_20230810_013010491_01.jpg"/>
-          <p:cNvPicPr>
-            <a:picLocks noChangeAspect="1" noChangeArrowheads="1"/>
-          </p:cNvPicPr>
-          <p:nvPr/>
-        </p:nvPicPr>
-        <p:blipFill>
-          <a:blip r:embed="rId4" cstate="screen">
-            <a:extLst>
-              <a:ext uri="{28A0092B-C50C-407E-A947-70E740481C1C}">
-                <a14:useLocalDpi xmlns:a14="http://schemas.microsoft.com/office/drawing/2010/main" val="0"/>
-              </a:ext>
-            </a:extLst>
-          </a:blip>
-          <a:srcRect/>
-          <a:stretch>
-            <a:fillRect/>
-          </a:stretch>
-        </p:blipFill>
-        <p:spPr bwMode="auto">
-          <a:xfrm>
-            <a:off x="3393187" y="959157"/>
-            <a:ext cx="3138296" cy="4184395"/>
-          </a:xfrm>
-          <a:prstGeom prst="rect">
-            <a:avLst/>
-          </a:prstGeom>
-          <a:noFill/>
-          <a:extLst>
-            <a:ext uri="{909E8E84-426E-40DD-AFC4-6F175D3DCCD1}">
-              <a14:hiddenFill xmlns:a14="http://schemas.microsoft.com/office/drawing/2010/main">
-                <a:solidFill>
-                  <a:srgbClr val="FFFFFF"/>
-                </a:solidFill>
-              </a14:hiddenFill>
-            </a:ext>
-          </a:extLst>
-        </p:spPr>
-      </p:pic>
-      <p:pic>
-        <p:nvPicPr>
-          <p:cNvPr id="2059" name="Picture 11" descr="C:\Users\user\Desktop\123.jpg"/>
-          <p:cNvPicPr>
-            <a:picLocks noChangeAspect="1" noChangeArrowheads="1"/>
-          </p:cNvPicPr>
-          <p:nvPr/>
-        </p:nvPicPr>
-        <p:blipFill>
-          <a:blip r:embed="rId5" cstate="screen">
-            <a:extLst>
-              <a:ext uri="{28A0092B-C50C-407E-A947-70E740481C1C}">
-                <a14:useLocalDpi xmlns:a14="http://schemas.microsoft.com/office/drawing/2010/main" val="0"/>
-              </a:ext>
-            </a:extLst>
-          </a:blip>
-          <a:srcRect/>
-          <a:stretch>
-            <a:fillRect/>
-          </a:stretch>
-        </p:blipFill>
-        <p:spPr bwMode="auto">
-          <a:xfrm>
-            <a:off x="567960" y="959157"/>
-            <a:ext cx="3138296" cy="4184395"/>
-          </a:xfrm>
-          <a:prstGeom prst="rect">
-            <a:avLst/>
-          </a:prstGeom>
-          <a:noFill/>
-          <a:extLst>
-            <a:ext uri="{909E8E84-426E-40DD-AFC4-6F175D3DCCD1}">
-              <a14:hiddenFill xmlns:a14="http://schemas.microsoft.com/office/drawing/2010/main">
-                <a:solidFill>
-                  <a:srgbClr val="FFFFFF"/>
-                </a:solidFill>
-              </a14:hiddenFill>
-            </a:ext>
-          </a:extLst>
-        </p:spPr>
-      </p:pic>
-      <p:pic>
-        <p:nvPicPr>
-          <p:cNvPr id="2061" name="Picture 13" descr="C:\Users\user\Desktop\1234.jpg"/>
-          <p:cNvPicPr>
-            <a:picLocks noChangeAspect="1" noChangeArrowheads="1"/>
-          </p:cNvPicPr>
-          <p:nvPr/>
-        </p:nvPicPr>
-        <p:blipFill>
-          <a:blip r:embed="rId6" cstate="screen">
-            <a:extLst>
-              <a:ext uri="{28A0092B-C50C-407E-A947-70E740481C1C}">
-                <a14:useLocalDpi xmlns:a14="http://schemas.microsoft.com/office/drawing/2010/main" val="0"/>
-              </a:ext>
-            </a:extLst>
-          </a:blip>
-          <a:srcRect/>
-          <a:stretch>
-            <a:fillRect/>
-          </a:stretch>
-        </p:blipFill>
-        <p:spPr bwMode="auto">
-          <a:xfrm>
-            <a:off x="2717800" y="3660868"/>
-            <a:ext cx="988456" cy="1482684"/>
-          </a:xfrm>
-          <a:prstGeom prst="rect">
-            <a:avLst/>
-          </a:prstGeom>
-          <a:noFill/>
-          <a:extLst>
-            <a:ext uri="{909E8E84-426E-40DD-AFC4-6F175D3DCCD1}">
-              <a14:hiddenFill xmlns:a14="http://schemas.microsoft.com/office/drawing/2010/main">
-                <a:solidFill>
-                  <a:srgbClr val="FFFFFF"/>
-                </a:solidFill>
-              </a14:hiddenFill>
-            </a:ext>
-          </a:extLst>
-        </p:spPr>
-      </p:pic>
-      <p:pic>
-        <p:nvPicPr>
-          <p:cNvPr id="2062" name="Picture 14" descr="C:\Users\user\Desktop\742.jpg"/>
-          <p:cNvPicPr>
-            <a:picLocks noChangeAspect="1" noChangeArrowheads="1"/>
-          </p:cNvPicPr>
-          <p:nvPr/>
-        </p:nvPicPr>
-        <p:blipFill>
-          <a:blip r:embed="rId7" cstate="screen">
-            <a:extLst>
-              <a:ext uri="{28A0092B-C50C-407E-A947-70E740481C1C}">
-                <a14:useLocalDpi xmlns:a14="http://schemas.microsoft.com/office/drawing/2010/main" val="0"/>
-              </a:ext>
-            </a:extLst>
-          </a:blip>
-          <a:srcRect/>
-          <a:stretch>
-            <a:fillRect/>
-          </a:stretch>
-        </p:blipFill>
-        <p:spPr bwMode="auto">
-          <a:xfrm>
-            <a:off x="5353049" y="3572303"/>
-            <a:ext cx="1178433" cy="1571243"/>
-          </a:xfrm>
-          <a:prstGeom prst="rect">
-            <a:avLst/>
-          </a:prstGeom>
-          <a:noFill/>
-          <a:extLst>
-            <a:ext uri="{909E8E84-426E-40DD-AFC4-6F175D3DCCD1}">
-              <a14:hiddenFill xmlns:a14="http://schemas.microsoft.com/office/drawing/2010/main">
-                <a:solidFill>
-                  <a:srgbClr val="FFFFFF"/>
-                </a:solidFill>
-              </a14:hiddenFill>
-            </a:ext>
-          </a:extLst>
-        </p:spPr>
-      </p:pic>
-      <p:pic>
-        <p:nvPicPr>
-          <p:cNvPr id="2063" name="Picture 15" descr="C:\Users\user\Desktop\KakaoTalk_20230810_020719557_01.jpg"/>
-          <p:cNvPicPr>
-            <a:picLocks noChangeAspect="1" noChangeArrowheads="1"/>
-          </p:cNvPicPr>
-          <p:nvPr/>
-        </p:nvPicPr>
-        <p:blipFill>
-          <a:blip r:embed="rId8" cstate="screen">
-            <a:extLst>
-              <a:ext uri="{28A0092B-C50C-407E-A947-70E740481C1C}">
-                <a14:useLocalDpi xmlns:a14="http://schemas.microsoft.com/office/drawing/2010/main" val="0"/>
-              </a:ext>
-            </a:extLst>
-          </a:blip>
-          <a:srcRect/>
-          <a:stretch>
-            <a:fillRect/>
-          </a:stretch>
-        </p:blipFill>
-        <p:spPr bwMode="auto">
-          <a:xfrm>
-            <a:off x="8298710" y="3638893"/>
-            <a:ext cx="1128494" cy="1504659"/>
-          </a:xfrm>
-          <a:prstGeom prst="rect">
-            <a:avLst/>
-          </a:prstGeom>
-          <a:noFill/>
-          <a:extLst>
-            <a:ext uri="{909E8E84-426E-40DD-AFC4-6F175D3DCCD1}">
-              <a14:hiddenFill xmlns:a14="http://schemas.microsoft.com/office/drawing/2010/main">
-                <a:solidFill>
-                  <a:srgbClr val="FFFFFF"/>
-                </a:solidFill>
-              </a14:hiddenFill>
-            </a:ext>
-          </a:extLst>
-        </p:spPr>
-      </p:pic>
-      <p:pic>
-        <p:nvPicPr>
-          <p:cNvPr id="2064" name="Picture 16" descr="C:\Users\user\Desktop\KakaoTalk_20230810_012958228.jpg"/>
-          <p:cNvPicPr>
-            <a:picLocks noChangeAspect="1" noChangeArrowheads="1"/>
-          </p:cNvPicPr>
-          <p:nvPr/>
-        </p:nvPicPr>
-        <p:blipFill>
-          <a:blip r:embed="rId9" cstate="screen">
-            <a:extLst>
-              <a:ext uri="{28A0092B-C50C-407E-A947-70E740481C1C}">
-                <a14:useLocalDpi xmlns:a14="http://schemas.microsoft.com/office/drawing/2010/main" val="0"/>
-              </a:ext>
-            </a:extLst>
-          </a:blip>
-          <a:srcRect/>
-          <a:stretch>
-            <a:fillRect/>
-          </a:stretch>
-        </p:blipFill>
-        <p:spPr bwMode="auto">
-          <a:xfrm>
-            <a:off x="10972800" y="3791206"/>
-            <a:ext cx="1015628" cy="1354170"/>
-          </a:xfrm>
-          <a:prstGeom prst="rect">
-            <a:avLst/>
-          </a:prstGeom>
-          <a:noFill/>
-          <a:extLst>
-            <a:ext uri="{909E8E84-426E-40DD-AFC4-6F175D3DCCD1}">
-              <a14:hiddenFill xmlns:a14="http://schemas.microsoft.com/office/drawing/2010/main">
-                <a:solidFill>
-                  <a:srgbClr val="FFFFFF"/>
-                </a:solidFill>
-              </a14:hiddenFill>
-            </a:ext>
-          </a:extLst>
-        </p:spPr>
-      </p:pic>
-    </p:spTree>
-    <p:extLst>
-      <p:ext uri="{BB962C8B-B14F-4D97-AF65-F5344CB8AC3E}">
-        <p14:creationId xmlns:p14="http://schemas.microsoft.com/office/powerpoint/2010/main" val="2187918791"/>
-      </p:ext>
-    </p:extLst>
-  </p:cSld>
-  <p:clrMapOvr>
-    <a:masterClrMapping/>
-  </p:clrMapOvr>
-  <mc:AlternateContent xmlns:mc="http://schemas.openxmlformats.org/markup-compatibility/2006" xmlns:p14="http://schemas.microsoft.com/office/powerpoint/2010/main">
-    <mc:Choice Requires="p14">
-      <p:transition spd="med" p14:dur="700">
-        <p:fade/>
-      </p:transition>
-    </mc:Choice>
-    <mc:Fallback xmlns="">
-      <p:transition spd="med">
-        <p:fade/>
-      </p:transition>
-    </mc:Fallback>
-  </mc:AlternateContent>
-</p:sld>
-</file>
-
-<file path=ppt/slides/slide4.xml><?xml version="1.0" encoding="utf-8"?>
-<p:sld xmlns:a="http://schemas.openxmlformats.org/drawingml/2006/main" xmlns:r="http://schemas.openxmlformats.org/officeDocument/2006/relationships" xmlns:p="http://schemas.openxmlformats.org/presentationml/2006/main">
-  <p:cSld>
-    <p:spTree>
-      <p:nvGrpSpPr>
-        <p:cNvPr id="1" name=""/>
-        <p:cNvGrpSpPr/>
-        <p:nvPr/>
-      </p:nvGrpSpPr>
-      <p:grpSpPr>
-        <a:xfrm>
-          <a:off x="0" y="0"/>
-          <a:ext cx="0" cy="0"/>
-          <a:chOff x="0" y="0"/>
-          <a:chExt cx="0" cy="0"/>
-        </a:xfrm>
-      </p:grpSpPr>
-      <p:cxnSp>
-        <p:nvCxnSpPr>
-          <p:cNvPr id="3" name="직선 연결선 2">
-            <a:extLst>
-              <a:ext uri="{FF2B5EF4-FFF2-40B4-BE49-F238E27FC236}">
-                <a16:creationId xmlns="" xmlns:a16="http://schemas.microsoft.com/office/drawing/2014/main" id="{30B7886A-E2C2-47A8-A271-1FD08F52EED0}"/>
-              </a:ext>
-            </a:extLst>
-          </p:cNvPr>
-          <p:cNvCxnSpPr>
-            <a:cxnSpLocks/>
-          </p:cNvCxnSpPr>
-          <p:nvPr/>
-        </p:nvCxnSpPr>
-        <p:spPr>
-          <a:xfrm>
-            <a:off x="152400" y="190500"/>
-            <a:ext cx="1435100" cy="0"/>
-          </a:xfrm>
-          <a:prstGeom prst="line">
-            <a:avLst/>
-          </a:prstGeom>
-          <a:ln w="76200">
-            <a:solidFill>
-              <a:schemeClr val="accent4"/>
-            </a:solidFill>
-          </a:ln>
-        </p:spPr>
-        <p:style>
-          <a:lnRef idx="1">
-            <a:schemeClr val="accent1"/>
-          </a:lnRef>
-          <a:fillRef idx="0">
-            <a:schemeClr val="accent1"/>
-          </a:fillRef>
-          <a:effectRef idx="0">
-            <a:schemeClr val="accent1"/>
-          </a:effectRef>
-          <a:fontRef idx="minor">
-            <a:schemeClr val="tx1"/>
-          </a:fontRef>
-        </p:style>
-      </p:cxnSp>
-      <p:cxnSp>
-        <p:nvCxnSpPr>
-          <p:cNvPr id="18" name="직선 연결선 17">
-            <a:extLst>
-              <a:ext uri="{FF2B5EF4-FFF2-40B4-BE49-F238E27FC236}">
-                <a16:creationId xmlns="" xmlns:a16="http://schemas.microsoft.com/office/drawing/2014/main" id="{7911BDFD-7E29-44F7-9ED7-E8F36B51436C}"/>
-              </a:ext>
-            </a:extLst>
-          </p:cNvPr>
-          <p:cNvCxnSpPr/>
-          <p:nvPr/>
-        </p:nvCxnSpPr>
-        <p:spPr>
-          <a:xfrm>
-            <a:off x="1587500" y="190500"/>
-            <a:ext cx="10604500" cy="0"/>
-          </a:xfrm>
-          <a:prstGeom prst="line">
-            <a:avLst/>
-          </a:prstGeom>
-        </p:spPr>
-        <p:style>
-          <a:lnRef idx="1">
-            <a:schemeClr val="accent1"/>
-          </a:lnRef>
-          <a:fillRef idx="0">
-            <a:schemeClr val="accent1"/>
-          </a:fillRef>
-          <a:effectRef idx="0">
-            <a:schemeClr val="accent1"/>
-          </a:effectRef>
-          <a:fontRef idx="minor">
-            <a:schemeClr val="tx1"/>
-          </a:fontRef>
-        </p:style>
-      </p:cxnSp>
-      <p:sp>
-        <p:nvSpPr>
-          <p:cNvPr id="5" name="직사각형 4"/>
-          <p:cNvSpPr/>
-          <p:nvPr/>
-        </p:nvSpPr>
-        <p:spPr>
-          <a:xfrm>
-            <a:off x="444500" y="317500"/>
-            <a:ext cx="2101850" cy="374650"/>
-          </a:xfrm>
-          <a:prstGeom prst="rect">
-            <a:avLst/>
-          </a:prstGeom>
-          <a:solidFill>
-            <a:schemeClr val="accent4"/>
-          </a:solidFill>
-          <a:ln>
-            <a:noFill/>
-          </a:ln>
-        </p:spPr>
-        <p:style>
-          <a:lnRef idx="2">
-            <a:schemeClr val="accent1">
-              <a:shade val="50000"/>
-            </a:schemeClr>
-          </a:lnRef>
-          <a:fillRef idx="1">
-            <a:schemeClr val="accent1"/>
-          </a:fillRef>
-          <a:effectRef idx="0">
-            <a:schemeClr val="accent1"/>
-          </a:effectRef>
-          <a:fontRef idx="minor">
-            <a:schemeClr val="lt1"/>
-          </a:fontRef>
-        </p:style>
-        <p:txBody>
-          <a:bodyPr rtlCol="0" anchor="ctr"/>
-          <a:lstStyle/>
-          <a:p>
-            <a:pPr algn="ctr"/>
-            <a:r>
-              <a:rPr lang="ko-KR" altLang="en-US" dirty="0" smtClean="0"/>
-              <a:t>인공지능</a:t>
-            </a:r>
-            <a:endParaRPr lang="ko-KR" altLang="en-US" dirty="0"/>
-          </a:p>
-        </p:txBody>
-      </p:sp>
-      <p:sp>
-        <p:nvSpPr>
-          <p:cNvPr id="68" name="TextBox 67"/>
-          <p:cNvSpPr txBox="1"/>
-          <p:nvPr/>
-        </p:nvSpPr>
-        <p:spPr>
-          <a:xfrm>
-            <a:off x="759465" y="5676342"/>
-            <a:ext cx="10855569" cy="646331"/>
-          </a:xfrm>
-          <a:prstGeom prst="rect">
-            <a:avLst/>
-          </a:prstGeom>
-          <a:noFill/>
-        </p:spPr>
-        <p:txBody>
-          <a:bodyPr wrap="square" rtlCol="0">
-            <a:spAutoFit/>
-          </a:bodyPr>
-          <a:lstStyle/>
-          <a:p>
-            <a:r>
-              <a:rPr lang="ko-KR" altLang="en-US" dirty="0" smtClean="0"/>
-              <a:t>낮은 </a:t>
-            </a:r>
-            <a:r>
-              <a:rPr lang="ko-KR" altLang="en-US" dirty="0" err="1" smtClean="0"/>
-              <a:t>퀄리티의</a:t>
-            </a:r>
-            <a:r>
-              <a:rPr lang="ko-KR" altLang="en-US" dirty="0" smtClean="0"/>
-              <a:t> 결과물이 존재</a:t>
-            </a:r>
-            <a:r>
-              <a:rPr lang="en-US" altLang="ko-KR" dirty="0" smtClean="0"/>
-              <a:t>,</a:t>
-            </a:r>
-            <a:r>
-              <a:rPr lang="ko-KR" altLang="en-US" dirty="0" smtClean="0"/>
-              <a:t> 비슷한 옷의 결과물과 비교하여</a:t>
-            </a:r>
-            <a:r>
-              <a:rPr lang="en-US" altLang="ko-KR" dirty="0" smtClean="0"/>
-              <a:t>,</a:t>
-            </a:r>
-          </a:p>
-          <a:p>
-            <a:r>
-              <a:rPr lang="ko-KR" altLang="en-US" dirty="0" smtClean="0"/>
-              <a:t>낮은 </a:t>
-            </a:r>
-            <a:r>
-              <a:rPr lang="ko-KR" altLang="en-US" dirty="0" err="1" smtClean="0"/>
-              <a:t>퀄리티의</a:t>
-            </a:r>
-            <a:r>
-              <a:rPr lang="ko-KR" altLang="en-US" dirty="0" smtClean="0"/>
-              <a:t> 옷 이미지의 입력이 원인으로 유추</a:t>
-            </a:r>
-            <a:r>
-              <a:rPr lang="en-US" altLang="ko-KR" dirty="0" smtClean="0"/>
-              <a:t>, </a:t>
-            </a:r>
-            <a:r>
-              <a:rPr lang="ko-KR" altLang="en-US" dirty="0" smtClean="0"/>
-              <a:t>높은 </a:t>
-            </a:r>
-            <a:r>
-              <a:rPr lang="ko-KR" altLang="en-US" dirty="0" err="1" smtClean="0"/>
-              <a:t>퀄리티의</a:t>
-            </a:r>
-            <a:r>
-              <a:rPr lang="ko-KR" altLang="en-US" dirty="0" smtClean="0"/>
-              <a:t> 의상 이미지를 입력 받는 방향</a:t>
-            </a:r>
-            <a:endParaRPr lang="en-US" altLang="ko-KR" dirty="0" smtClean="0"/>
-          </a:p>
-        </p:txBody>
-      </p:sp>
-      <p:pic>
-        <p:nvPicPr>
-          <p:cNvPr id="3074" name="Picture 2" descr="C:\Users\user\Desktop\KakaoTalk_20230810_020719557.jpg"/>
-          <p:cNvPicPr>
-            <a:picLocks noChangeAspect="1" noChangeArrowheads="1"/>
-          </p:cNvPicPr>
-          <p:nvPr/>
-        </p:nvPicPr>
-        <p:blipFill>
-          <a:blip r:embed="rId2" cstate="screen">
-            <a:extLst>
-              <a:ext uri="{28A0092B-C50C-407E-A947-70E740481C1C}">
-                <a14:useLocalDpi xmlns:a14="http://schemas.microsoft.com/office/drawing/2010/main" val="0"/>
-              </a:ext>
-            </a:extLst>
-          </a:blip>
-          <a:srcRect/>
-          <a:stretch>
-            <a:fillRect/>
-          </a:stretch>
-        </p:blipFill>
-        <p:spPr bwMode="auto">
-          <a:xfrm>
-            <a:off x="3474934" y="1208542"/>
-            <a:ext cx="2923009" cy="3897345"/>
-          </a:xfrm>
-          <a:prstGeom prst="rect">
-            <a:avLst/>
-          </a:prstGeom>
-          <a:noFill/>
-          <a:extLst>
-            <a:ext uri="{909E8E84-426E-40DD-AFC4-6F175D3DCCD1}">
-              <a14:hiddenFill xmlns:a14="http://schemas.microsoft.com/office/drawing/2010/main">
-                <a:solidFill>
-                  <a:srgbClr val="FFFFFF"/>
-                </a:solidFill>
-              </a14:hiddenFill>
-            </a:ext>
-          </a:extLst>
-        </p:spPr>
-      </p:pic>
-      <p:pic>
-        <p:nvPicPr>
-          <p:cNvPr id="3075" name="Picture 3" descr="C:\Users\user\Desktop\KakaoTalk_20230810_020747878.jpg"/>
-          <p:cNvPicPr>
-            <a:picLocks noChangeAspect="1" noChangeArrowheads="1"/>
-          </p:cNvPicPr>
-          <p:nvPr/>
-        </p:nvPicPr>
-        <p:blipFill>
-          <a:blip r:embed="rId3" cstate="screen">
-            <a:extLst>
-              <a:ext uri="{28A0092B-C50C-407E-A947-70E740481C1C}">
-                <a14:useLocalDpi xmlns:a14="http://schemas.microsoft.com/office/drawing/2010/main" val="0"/>
-              </a:ext>
-            </a:extLst>
-          </a:blip>
-          <a:srcRect/>
-          <a:stretch>
-            <a:fillRect/>
-          </a:stretch>
-        </p:blipFill>
-        <p:spPr bwMode="auto">
-          <a:xfrm>
-            <a:off x="750535" y="1208542"/>
-            <a:ext cx="2923009" cy="3897345"/>
-          </a:xfrm>
-          <a:prstGeom prst="rect">
-            <a:avLst/>
-          </a:prstGeom>
-          <a:noFill/>
-          <a:extLst>
-            <a:ext uri="{909E8E84-426E-40DD-AFC4-6F175D3DCCD1}">
-              <a14:hiddenFill xmlns:a14="http://schemas.microsoft.com/office/drawing/2010/main">
-                <a:solidFill>
-                  <a:srgbClr val="FFFFFF"/>
-                </a:solidFill>
-              </a14:hiddenFill>
-            </a:ext>
-          </a:extLst>
-        </p:spPr>
-      </p:pic>
-      <p:pic>
-        <p:nvPicPr>
-          <p:cNvPr id="3076" name="Picture 4" descr="C:\Users\user\Desktop\KakaoTalk_20230810_020719557_01.jpg"/>
-          <p:cNvPicPr>
-            <a:picLocks noChangeAspect="1" noChangeArrowheads="1"/>
-          </p:cNvPicPr>
-          <p:nvPr/>
-        </p:nvPicPr>
-        <p:blipFill>
-          <a:blip r:embed="rId4" cstate="screen">
-            <a:extLst>
-              <a:ext uri="{28A0092B-C50C-407E-A947-70E740481C1C}">
-                <a14:useLocalDpi xmlns:a14="http://schemas.microsoft.com/office/drawing/2010/main" val="0"/>
-              </a:ext>
-            </a:extLst>
-          </a:blip>
-          <a:srcRect/>
-          <a:stretch>
-            <a:fillRect/>
-          </a:stretch>
-        </p:blipFill>
-        <p:spPr bwMode="auto">
-          <a:xfrm>
-            <a:off x="9270909" y="1208540"/>
-            <a:ext cx="2923009" cy="3897345"/>
-          </a:xfrm>
-          <a:prstGeom prst="rect">
-            <a:avLst/>
-          </a:prstGeom>
-          <a:noFill/>
-          <a:extLst>
-            <a:ext uri="{909E8E84-426E-40DD-AFC4-6F175D3DCCD1}">
-              <a14:hiddenFill xmlns:a14="http://schemas.microsoft.com/office/drawing/2010/main">
-                <a:solidFill>
-                  <a:srgbClr val="FFFFFF"/>
-                </a:solidFill>
-              </a14:hiddenFill>
-            </a:ext>
-          </a:extLst>
-        </p:spPr>
-      </p:pic>
-      <p:pic>
-        <p:nvPicPr>
-          <p:cNvPr id="3077" name="Picture 5" descr="C:\Users\user\Desktop\456.jpg"/>
-          <p:cNvPicPr>
-            <a:picLocks noChangeAspect="1" noChangeArrowheads="1"/>
-          </p:cNvPicPr>
-          <p:nvPr/>
-        </p:nvPicPr>
-        <p:blipFill>
-          <a:blip r:embed="rId5" cstate="screen">
-            <a:extLst>
-              <a:ext uri="{28A0092B-C50C-407E-A947-70E740481C1C}">
-                <a14:useLocalDpi xmlns:a14="http://schemas.microsoft.com/office/drawing/2010/main" val="0"/>
-              </a:ext>
-            </a:extLst>
-          </a:blip>
-          <a:srcRect/>
-          <a:stretch>
-            <a:fillRect/>
-          </a:stretch>
-        </p:blipFill>
-        <p:spPr bwMode="auto">
-          <a:xfrm>
-            <a:off x="6496715" y="1208542"/>
-            <a:ext cx="2923008" cy="3897343"/>
-          </a:xfrm>
-          <a:prstGeom prst="rect">
-            <a:avLst/>
-          </a:prstGeom>
-          <a:noFill/>
-          <a:extLst>
-            <a:ext uri="{909E8E84-426E-40DD-AFC4-6F175D3DCCD1}">
-              <a14:hiddenFill xmlns:a14="http://schemas.microsoft.com/office/drawing/2010/main">
-                <a:solidFill>
-                  <a:srgbClr val="FFFFFF"/>
-                </a:solidFill>
-              </a14:hiddenFill>
-            </a:ext>
-          </a:extLst>
-        </p:spPr>
-      </p:pic>
-      <p:sp>
-        <p:nvSpPr>
-          <p:cNvPr id="2" name="직사각형 1"/>
-          <p:cNvSpPr/>
-          <p:nvPr/>
-        </p:nvSpPr>
-        <p:spPr>
-          <a:xfrm>
-            <a:off x="2410649" y="5198651"/>
-            <a:ext cx="2525790" cy="364481"/>
-          </a:xfrm>
-          <a:prstGeom prst="rect">
-            <a:avLst/>
-          </a:prstGeom>
-          <a:solidFill>
-            <a:schemeClr val="accent4"/>
-          </a:solidFill>
-          <a:ln>
-            <a:noFill/>
-          </a:ln>
-        </p:spPr>
-        <p:style>
-          <a:lnRef idx="2">
-            <a:schemeClr val="accent1">
-              <a:shade val="50000"/>
-            </a:schemeClr>
-          </a:lnRef>
-          <a:fillRef idx="1">
-            <a:schemeClr val="accent1"/>
-          </a:fillRef>
-          <a:effectRef idx="0">
-            <a:schemeClr val="accent1"/>
-          </a:effectRef>
-          <a:fontRef idx="minor">
-            <a:schemeClr val="lt1"/>
-          </a:fontRef>
-        </p:style>
-        <p:txBody>
-          <a:bodyPr rtlCol="0" anchor="ctr"/>
-          <a:lstStyle/>
-          <a:p>
-            <a:pPr algn="ctr"/>
-            <a:r>
-              <a:rPr lang="ko-KR" altLang="en-US" dirty="0" smtClean="0"/>
-              <a:t>문제 발생 시</a:t>
-            </a:r>
-            <a:endParaRPr lang="ko-KR" altLang="en-US" dirty="0"/>
-          </a:p>
-        </p:txBody>
-      </p:sp>
-      <p:sp>
-        <p:nvSpPr>
-          <p:cNvPr id="14" name="직사각형 13"/>
-          <p:cNvSpPr/>
-          <p:nvPr/>
-        </p:nvSpPr>
-        <p:spPr>
-          <a:xfrm>
-            <a:off x="8156828" y="5198650"/>
-            <a:ext cx="2525790" cy="364481"/>
-          </a:xfrm>
-          <a:prstGeom prst="rect">
-            <a:avLst/>
-          </a:prstGeom>
-          <a:solidFill>
-            <a:schemeClr val="accent4"/>
-          </a:solidFill>
-          <a:ln>
-            <a:noFill/>
-          </a:ln>
-        </p:spPr>
-        <p:style>
-          <a:lnRef idx="2">
-            <a:schemeClr val="accent1">
-              <a:shade val="50000"/>
-            </a:schemeClr>
-          </a:lnRef>
-          <a:fillRef idx="1">
-            <a:schemeClr val="accent1"/>
-          </a:fillRef>
-          <a:effectRef idx="0">
-            <a:schemeClr val="accent1"/>
-          </a:effectRef>
-          <a:fontRef idx="minor">
-            <a:schemeClr val="lt1"/>
-          </a:fontRef>
-        </p:style>
-        <p:txBody>
-          <a:bodyPr rtlCol="0" anchor="ctr"/>
-          <a:lstStyle/>
-          <a:p>
-            <a:pPr algn="ctr"/>
-            <a:r>
-              <a:rPr lang="ko-KR" altLang="en-US" dirty="0" smtClean="0"/>
-              <a:t>비슷한 입력 이미지</a:t>
-            </a:r>
-            <a:endParaRPr lang="ko-KR" altLang="en-US" dirty="0"/>
-          </a:p>
-        </p:txBody>
-      </p:sp>
-    </p:spTree>
-    <p:extLst>
-      <p:ext uri="{BB962C8B-B14F-4D97-AF65-F5344CB8AC3E}">
-        <p14:creationId xmlns:p14="http://schemas.microsoft.com/office/powerpoint/2010/main" val="4076223642"/>
-      </p:ext>
-    </p:extLst>
-  </p:cSld>
-  <p:clrMapOvr>
-    <a:masterClrMapping/>
-  </p:clrMapOvr>
-  <mc:AlternateContent xmlns:mc="http://schemas.openxmlformats.org/markup-compatibility/2006" xmlns:p14="http://schemas.microsoft.com/office/powerpoint/2010/main">
-    <mc:Choice Requires="p14">
-      <p:transition spd="med" p14:dur="700">
-        <p:fade/>
-      </p:transition>
-    </mc:Choice>
-    <mc:Fallback xmlns="">
-      <p:transition spd="med">
-        <p:fade/>
-      </p:transition>
-    </mc:Fallback>
-  </mc:AlternateContent>
-</p:sld>
-</file>
-
-<file path=ppt/slides/slide5.xml><?xml version="1.0" encoding="utf-8"?>
-<p:sld xmlns:a="http://schemas.openxmlformats.org/drawingml/2006/main" xmlns:r="http://schemas.openxmlformats.org/officeDocument/2006/relationships" xmlns:p="http://schemas.openxmlformats.org/presentationml/2006/main">
-  <p:cSld>
-    <p:spTree>
-      <p:nvGrpSpPr>
-        <p:cNvPr id="1" name=""/>
-        <p:cNvGrpSpPr/>
-        <p:nvPr/>
-      </p:nvGrpSpPr>
-      <p:grpSpPr>
-        <a:xfrm>
-          <a:off x="0" y="0"/>
-          <a:ext cx="0" cy="0"/>
-          <a:chOff x="0" y="0"/>
-          <a:chExt cx="0" cy="0"/>
-        </a:xfrm>
-      </p:grpSpPr>
-      <p:cxnSp>
-        <p:nvCxnSpPr>
-          <p:cNvPr id="3" name="직선 연결선 2">
-            <a:extLst>
-              <a:ext uri="{FF2B5EF4-FFF2-40B4-BE49-F238E27FC236}">
-                <a16:creationId xmlns="" xmlns:a16="http://schemas.microsoft.com/office/drawing/2014/main" id="{30B7886A-E2C2-47A8-A271-1FD08F52EED0}"/>
-              </a:ext>
-            </a:extLst>
-          </p:cNvPr>
-          <p:cNvCxnSpPr>
-            <a:cxnSpLocks/>
-          </p:cNvCxnSpPr>
-          <p:nvPr/>
-        </p:nvCxnSpPr>
-        <p:spPr>
-          <a:xfrm>
-            <a:off x="152400" y="190500"/>
-            <a:ext cx="1435100" cy="0"/>
-          </a:xfrm>
-          <a:prstGeom prst="line">
-            <a:avLst/>
-          </a:prstGeom>
-          <a:ln w="76200">
-            <a:solidFill>
-              <a:schemeClr val="accent4"/>
-            </a:solidFill>
-          </a:ln>
-        </p:spPr>
-        <p:style>
-          <a:lnRef idx="1">
-            <a:schemeClr val="accent1"/>
-          </a:lnRef>
-          <a:fillRef idx="0">
-            <a:schemeClr val="accent1"/>
-          </a:fillRef>
-          <a:effectRef idx="0">
-            <a:schemeClr val="accent1"/>
-          </a:effectRef>
-          <a:fontRef idx="minor">
-            <a:schemeClr val="tx1"/>
-          </a:fontRef>
-        </p:style>
-      </p:cxnSp>
-      <p:cxnSp>
-        <p:nvCxnSpPr>
-          <p:cNvPr id="18" name="직선 연결선 17">
-            <a:extLst>
-              <a:ext uri="{FF2B5EF4-FFF2-40B4-BE49-F238E27FC236}">
-                <a16:creationId xmlns="" xmlns:a16="http://schemas.microsoft.com/office/drawing/2014/main" id="{7911BDFD-7E29-44F7-9ED7-E8F36B51436C}"/>
-              </a:ext>
-            </a:extLst>
-          </p:cNvPr>
-          <p:cNvCxnSpPr/>
-          <p:nvPr/>
-        </p:nvCxnSpPr>
-        <p:spPr>
-          <a:xfrm>
-            <a:off x="1587500" y="190500"/>
-            <a:ext cx="10604500" cy="0"/>
-          </a:xfrm>
-          <a:prstGeom prst="line">
-            <a:avLst/>
-          </a:prstGeom>
-        </p:spPr>
-        <p:style>
-          <a:lnRef idx="1">
-            <a:schemeClr val="accent1"/>
-          </a:lnRef>
-          <a:fillRef idx="0">
-            <a:schemeClr val="accent1"/>
-          </a:fillRef>
-          <a:effectRef idx="0">
-            <a:schemeClr val="accent1"/>
-          </a:effectRef>
-          <a:fontRef idx="minor">
-            <a:schemeClr val="tx1"/>
-          </a:fontRef>
-        </p:style>
-      </p:cxnSp>
-      <p:pic>
-        <p:nvPicPr>
-          <p:cNvPr id="1026" name="Picture 2" descr="C:\Users\user\Desktop\KakaoTalk_20230803_003046021.jpg"/>
-          <p:cNvPicPr>
-            <a:picLocks noChangeAspect="1" noChangeArrowheads="1"/>
-          </p:cNvPicPr>
-          <p:nvPr/>
-        </p:nvPicPr>
-        <p:blipFill>
-          <a:blip r:embed="rId2" cstate="screen">
-            <a:extLst>
-              <a:ext uri="{28A0092B-C50C-407E-A947-70E740481C1C}">
-                <a14:useLocalDpi xmlns:a14="http://schemas.microsoft.com/office/drawing/2010/main" val="0"/>
-              </a:ext>
-            </a:extLst>
-          </a:blip>
-          <a:srcRect/>
-          <a:stretch>
-            <a:fillRect/>
-          </a:stretch>
-        </p:blipFill>
-        <p:spPr bwMode="auto">
-          <a:xfrm>
-            <a:off x="574107" y="1607946"/>
-            <a:ext cx="2249821" cy="2816121"/>
-          </a:xfrm>
-          <a:prstGeom prst="rect">
-            <a:avLst/>
-          </a:prstGeom>
-          <a:noFill/>
-          <a:extLst>
-            <a:ext uri="{909E8E84-426E-40DD-AFC4-6F175D3DCCD1}">
-              <a14:hiddenFill xmlns:a14="http://schemas.microsoft.com/office/drawing/2010/main">
-                <a:solidFill>
-                  <a:srgbClr val="FFFFFF"/>
-                </a:solidFill>
-              </a14:hiddenFill>
-            </a:ext>
-          </a:extLst>
-        </p:spPr>
-      </p:pic>
-      <p:sp>
-        <p:nvSpPr>
-          <p:cNvPr id="2" name="직사각형 1"/>
-          <p:cNvSpPr/>
-          <p:nvPr/>
-        </p:nvSpPr>
-        <p:spPr>
-          <a:xfrm>
-            <a:off x="1602049" y="940982"/>
-            <a:ext cx="2732016" cy="425450"/>
-          </a:xfrm>
-          <a:prstGeom prst="rect">
-            <a:avLst/>
-          </a:prstGeom>
-          <a:solidFill>
-            <a:schemeClr val="accent4"/>
-          </a:solidFill>
-          <a:ln>
-            <a:noFill/>
-          </a:ln>
-        </p:spPr>
-        <p:style>
-          <a:lnRef idx="2">
-            <a:schemeClr val="accent1">
-              <a:shade val="50000"/>
-            </a:schemeClr>
-          </a:lnRef>
-          <a:fillRef idx="1">
-            <a:schemeClr val="accent1"/>
-          </a:fillRef>
-          <a:effectRef idx="0">
-            <a:schemeClr val="accent1"/>
-          </a:effectRef>
-          <a:fontRef idx="minor">
-            <a:schemeClr val="lt1"/>
-          </a:fontRef>
-        </p:style>
-        <p:txBody>
-          <a:bodyPr rtlCol="0" anchor="ctr"/>
-          <a:lstStyle/>
-          <a:p>
-            <a:pPr algn="ctr"/>
-            <a:r>
-              <a:rPr lang="ko-KR" altLang="en-US" dirty="0" smtClean="0"/>
-              <a:t>서버</a:t>
-            </a:r>
-            <a:endParaRPr lang="ko-KR" altLang="en-US" dirty="0"/>
-          </a:p>
-        </p:txBody>
-      </p:sp>
-      <p:sp>
-        <p:nvSpPr>
-          <p:cNvPr id="5" name="직사각형 4"/>
-          <p:cNvSpPr/>
-          <p:nvPr/>
-        </p:nvSpPr>
-        <p:spPr>
-          <a:xfrm>
-            <a:off x="444500" y="317500"/>
-            <a:ext cx="2101850" cy="374650"/>
-          </a:xfrm>
-          <a:prstGeom prst="rect">
-            <a:avLst/>
-          </a:prstGeom>
-          <a:solidFill>
-            <a:schemeClr val="accent4"/>
-          </a:solidFill>
-          <a:ln>
-            <a:noFill/>
-          </a:ln>
-        </p:spPr>
-        <p:style>
-          <a:lnRef idx="2">
-            <a:schemeClr val="accent1">
-              <a:shade val="50000"/>
-            </a:schemeClr>
-          </a:lnRef>
-          <a:fillRef idx="1">
-            <a:schemeClr val="accent1"/>
-          </a:fillRef>
-          <a:effectRef idx="0">
-            <a:schemeClr val="accent1"/>
-          </a:effectRef>
-          <a:fontRef idx="minor">
-            <a:schemeClr val="lt1"/>
-          </a:fontRef>
-        </p:style>
-        <p:txBody>
-          <a:bodyPr rtlCol="0" anchor="ctr"/>
-          <a:lstStyle/>
-          <a:p>
-            <a:pPr algn="ctr"/>
-            <a:r>
-              <a:rPr lang="ko-KR" altLang="en-US" dirty="0" smtClean="0"/>
-              <a:t>인공지능</a:t>
-            </a:r>
-            <a:endParaRPr lang="ko-KR" altLang="en-US" dirty="0"/>
-          </a:p>
-        </p:txBody>
-      </p:sp>
-      <p:sp>
-        <p:nvSpPr>
-          <p:cNvPr id="44" name="직사각형 43"/>
-          <p:cNvSpPr/>
-          <p:nvPr/>
-        </p:nvSpPr>
-        <p:spPr>
-          <a:xfrm>
-            <a:off x="9011956" y="892020"/>
-            <a:ext cx="2001226" cy="425450"/>
-          </a:xfrm>
-          <a:prstGeom prst="rect">
-            <a:avLst/>
-          </a:prstGeom>
-          <a:solidFill>
-            <a:schemeClr val="accent4"/>
-          </a:solidFill>
-          <a:ln>
-            <a:noFill/>
-          </a:ln>
-        </p:spPr>
-        <p:style>
-          <a:lnRef idx="2">
-            <a:schemeClr val="accent1">
-              <a:shade val="50000"/>
-            </a:schemeClr>
-          </a:lnRef>
-          <a:fillRef idx="1">
-            <a:schemeClr val="accent1"/>
-          </a:fillRef>
-          <a:effectRef idx="0">
-            <a:schemeClr val="accent1"/>
-          </a:effectRef>
-          <a:fontRef idx="minor">
-            <a:schemeClr val="lt1"/>
-          </a:fontRef>
-        </p:style>
-        <p:txBody>
-          <a:bodyPr rtlCol="0" anchor="ctr"/>
-          <a:lstStyle/>
-          <a:p>
-            <a:pPr algn="ctr"/>
-            <a:r>
-              <a:rPr lang="en-US" altLang="ko-KR" dirty="0" smtClean="0"/>
-              <a:t>VITON – HD </a:t>
-            </a:r>
-            <a:r>
-              <a:rPr lang="en-US" altLang="ko-KR" dirty="0" err="1" smtClean="0"/>
-              <a:t>api</a:t>
-            </a:r>
-            <a:endParaRPr lang="ko-KR" altLang="en-US" dirty="0"/>
-          </a:p>
-        </p:txBody>
-      </p:sp>
-      <p:sp>
-        <p:nvSpPr>
-          <p:cNvPr id="68" name="TextBox 67"/>
-          <p:cNvSpPr txBox="1"/>
-          <p:nvPr/>
-        </p:nvSpPr>
-        <p:spPr>
-          <a:xfrm>
-            <a:off x="854924" y="5595823"/>
-            <a:ext cx="10855569" cy="646331"/>
-          </a:xfrm>
-          <a:prstGeom prst="rect">
-            <a:avLst/>
-          </a:prstGeom>
-          <a:noFill/>
-        </p:spPr>
-        <p:txBody>
-          <a:bodyPr wrap="square" rtlCol="0">
-            <a:spAutoFit/>
-          </a:bodyPr>
-          <a:lstStyle/>
-          <a:p>
-            <a:r>
-              <a:rPr lang="ko-KR" altLang="en-US" dirty="0" smtClean="0"/>
-              <a:t>결과 인터넷 상에 임의의 옷과 임의의 모델로 작업이 가능함을</a:t>
-            </a:r>
-            <a:r>
-              <a:rPr lang="ko-KR" altLang="en-US" dirty="0" smtClean="0"/>
-              <a:t> 확인</a:t>
-            </a:r>
-            <a:endParaRPr lang="en-US" altLang="ko-KR" dirty="0" smtClean="0"/>
-          </a:p>
-          <a:p>
-            <a:r>
-              <a:rPr lang="ko-KR" altLang="en-US" dirty="0" smtClean="0"/>
-              <a:t>통합 작업 진행 중</a:t>
-            </a:r>
-            <a:endParaRPr lang="en-US" altLang="ko-KR" dirty="0" smtClean="0"/>
-          </a:p>
-        </p:txBody>
-      </p:sp>
-      <p:sp>
-        <p:nvSpPr>
-          <p:cNvPr id="69" name="직사각형 68"/>
-          <p:cNvSpPr/>
-          <p:nvPr/>
-        </p:nvSpPr>
-        <p:spPr>
-          <a:xfrm>
-            <a:off x="8993876" y="4769934"/>
-            <a:ext cx="1975701" cy="425450"/>
-          </a:xfrm>
-          <a:prstGeom prst="rect">
-            <a:avLst/>
-          </a:prstGeom>
-          <a:solidFill>
-            <a:schemeClr val="accent4"/>
-          </a:solidFill>
-          <a:ln>
-            <a:noFill/>
-          </a:ln>
-        </p:spPr>
-        <p:style>
-          <a:lnRef idx="2">
-            <a:schemeClr val="accent1">
-              <a:shade val="50000"/>
-            </a:schemeClr>
-          </a:lnRef>
-          <a:fillRef idx="1">
-            <a:schemeClr val="accent1"/>
-          </a:fillRef>
-          <a:effectRef idx="0">
-            <a:schemeClr val="accent1"/>
-          </a:effectRef>
-          <a:fontRef idx="minor">
-            <a:schemeClr val="lt1"/>
-          </a:fontRef>
-        </p:style>
-        <p:txBody>
-          <a:bodyPr rtlCol="0" anchor="ctr"/>
-          <a:lstStyle/>
-          <a:p>
-            <a:pPr algn="ctr"/>
-            <a:r>
-              <a:rPr lang="en-US" altLang="ko-KR" dirty="0" smtClean="0"/>
-              <a:t>Output Image</a:t>
-            </a:r>
-            <a:endParaRPr lang="ko-KR" altLang="en-US" dirty="0"/>
-          </a:p>
-        </p:txBody>
-      </p:sp>
-      <p:cxnSp>
-        <p:nvCxnSpPr>
-          <p:cNvPr id="34" name="직선 화살표 연결선 33"/>
-          <p:cNvCxnSpPr/>
-          <p:nvPr/>
-        </p:nvCxnSpPr>
-        <p:spPr>
-          <a:xfrm>
-            <a:off x="5883077" y="2777328"/>
-            <a:ext cx="2747540" cy="7679"/>
-          </a:xfrm>
-          <a:prstGeom prst="straightConnector1">
-            <a:avLst/>
-          </a:prstGeom>
-          <a:ln w="38100">
-            <a:tailEnd type="arrow"/>
-          </a:ln>
-        </p:spPr>
-        <p:style>
-          <a:lnRef idx="1">
-            <a:schemeClr val="accent1"/>
-          </a:lnRef>
-          <a:fillRef idx="0">
-            <a:schemeClr val="accent1"/>
-          </a:fillRef>
-          <a:effectRef idx="0">
-            <a:schemeClr val="accent1"/>
-          </a:effectRef>
-          <a:fontRef idx="minor">
-            <a:schemeClr val="tx1"/>
-          </a:fontRef>
-        </p:style>
-      </p:cxnSp>
-      <p:sp>
-        <p:nvSpPr>
-          <p:cNvPr id="50" name="직사각형 49"/>
-          <p:cNvSpPr/>
-          <p:nvPr/>
-        </p:nvSpPr>
-        <p:spPr>
-          <a:xfrm>
-            <a:off x="680738" y="4769934"/>
-            <a:ext cx="2036558" cy="425450"/>
-          </a:xfrm>
-          <a:prstGeom prst="rect">
-            <a:avLst/>
-          </a:prstGeom>
-          <a:solidFill>
-            <a:schemeClr val="accent4"/>
-          </a:solidFill>
-          <a:ln>
-            <a:noFill/>
-          </a:ln>
-        </p:spPr>
-        <p:style>
-          <a:lnRef idx="2">
-            <a:schemeClr val="accent1">
-              <a:shade val="50000"/>
-            </a:schemeClr>
-          </a:lnRef>
-          <a:fillRef idx="1">
-            <a:schemeClr val="accent1"/>
-          </a:fillRef>
-          <a:effectRef idx="0">
-            <a:schemeClr val="accent1"/>
-          </a:effectRef>
-          <a:fontRef idx="minor">
-            <a:schemeClr val="lt1"/>
-          </a:fontRef>
-        </p:style>
-        <p:txBody>
-          <a:bodyPr rtlCol="0" anchor="ctr"/>
-          <a:lstStyle/>
-          <a:p>
-            <a:pPr algn="ctr"/>
-            <a:r>
-              <a:rPr lang="ko-KR" altLang="en-US" dirty="0" smtClean="0"/>
-              <a:t>임의의 모델</a:t>
-            </a:r>
-            <a:endParaRPr lang="ko-KR" altLang="en-US" dirty="0"/>
-          </a:p>
-        </p:txBody>
-      </p:sp>
-      <p:sp>
-        <p:nvSpPr>
-          <p:cNvPr id="54" name="직사각형 53"/>
-          <p:cNvSpPr/>
-          <p:nvPr/>
-        </p:nvSpPr>
-        <p:spPr>
-          <a:xfrm>
-            <a:off x="3444626" y="4769934"/>
-            <a:ext cx="2157762" cy="425450"/>
-          </a:xfrm>
-          <a:prstGeom prst="rect">
-            <a:avLst/>
-          </a:prstGeom>
-          <a:solidFill>
-            <a:schemeClr val="accent4"/>
-          </a:solidFill>
-          <a:ln>
-            <a:noFill/>
-          </a:ln>
-        </p:spPr>
-        <p:style>
-          <a:lnRef idx="2">
-            <a:schemeClr val="accent1">
-              <a:shade val="50000"/>
-            </a:schemeClr>
-          </a:lnRef>
-          <a:fillRef idx="1">
-            <a:schemeClr val="accent1"/>
-          </a:fillRef>
-          <a:effectRef idx="0">
-            <a:schemeClr val="accent1"/>
-          </a:effectRef>
-          <a:fontRef idx="minor">
-            <a:schemeClr val="lt1"/>
-          </a:fontRef>
-        </p:style>
-        <p:txBody>
-          <a:bodyPr rtlCol="0" anchor="ctr"/>
-          <a:lstStyle/>
-          <a:p>
-            <a:pPr algn="ctr"/>
-            <a:r>
-              <a:rPr lang="ko-KR" altLang="en-US" dirty="0" smtClean="0"/>
-              <a:t>임의의 옷 이미지</a:t>
-            </a:r>
-            <a:endParaRPr lang="ko-KR" altLang="en-US" dirty="0"/>
-          </a:p>
-        </p:txBody>
-      </p:sp>
-      <p:cxnSp>
-        <p:nvCxnSpPr>
-          <p:cNvPr id="55" name="직선 화살표 연결선 54"/>
-          <p:cNvCxnSpPr/>
-          <p:nvPr/>
-        </p:nvCxnSpPr>
-        <p:spPr>
-          <a:xfrm flipH="1">
-            <a:off x="5870377" y="3291678"/>
-            <a:ext cx="2745952" cy="8196"/>
-          </a:xfrm>
-          <a:prstGeom prst="straightConnector1">
-            <a:avLst/>
-          </a:prstGeom>
-          <a:ln w="38100">
-            <a:tailEnd type="arrow"/>
-          </a:ln>
-        </p:spPr>
-        <p:style>
-          <a:lnRef idx="1">
-            <a:schemeClr val="accent1"/>
-          </a:lnRef>
-          <a:fillRef idx="0">
-            <a:schemeClr val="accent1"/>
-          </a:fillRef>
-          <a:effectRef idx="0">
-            <a:schemeClr val="accent1"/>
-          </a:effectRef>
-          <a:fontRef idx="minor">
-            <a:schemeClr val="tx1"/>
-          </a:fontRef>
-        </p:style>
-      </p:cxnSp>
-      <p:pic>
-        <p:nvPicPr>
-          <p:cNvPr id="22" name="Picture 9" descr="C:\Users\user\Desktop\KakaoTalk_20230810_013010491_02.jpg"/>
-          <p:cNvPicPr>
-            <a:picLocks noChangeAspect="1" noChangeArrowheads="1"/>
-          </p:cNvPicPr>
-          <p:nvPr/>
-        </p:nvPicPr>
-        <p:blipFill>
-          <a:blip r:embed="rId3" cstate="screen">
-            <a:extLst>
-              <a:ext uri="{28A0092B-C50C-407E-A947-70E740481C1C}">
-                <a14:useLocalDpi xmlns:a14="http://schemas.microsoft.com/office/drawing/2010/main" val="0"/>
-              </a:ext>
-            </a:extLst>
-          </a:blip>
-          <a:srcRect/>
-          <a:stretch>
-            <a:fillRect/>
-          </a:stretch>
-        </p:blipFill>
-        <p:spPr bwMode="auto">
-          <a:xfrm>
-            <a:off x="9981727" y="1464188"/>
-            <a:ext cx="1152564" cy="1536752"/>
-          </a:xfrm>
-          <a:prstGeom prst="rect">
-            <a:avLst/>
-          </a:prstGeom>
-          <a:noFill/>
-          <a:extLst>
-            <a:ext uri="{909E8E84-426E-40DD-AFC4-6F175D3DCCD1}">
-              <a14:hiddenFill xmlns:a14="http://schemas.microsoft.com/office/drawing/2010/main">
-                <a:solidFill>
-                  <a:srgbClr val="FFFFFF"/>
-                </a:solidFill>
-              </a14:hiddenFill>
-            </a:ext>
-          </a:extLst>
-        </p:spPr>
-      </p:pic>
-      <p:pic>
-        <p:nvPicPr>
-          <p:cNvPr id="23" name="Picture 12" descr="C:\Users\user\Desktop\456.jpg"/>
-          <p:cNvPicPr>
-            <a:picLocks noChangeAspect="1" noChangeArrowheads="1"/>
-          </p:cNvPicPr>
-          <p:nvPr/>
-        </p:nvPicPr>
-        <p:blipFill>
-          <a:blip r:embed="rId4" cstate="screen">
-            <a:extLst>
-              <a:ext uri="{28A0092B-C50C-407E-A947-70E740481C1C}">
-                <a14:useLocalDpi xmlns:a14="http://schemas.microsoft.com/office/drawing/2010/main" val="0"/>
-              </a:ext>
-            </a:extLst>
-          </a:blip>
-          <a:srcRect/>
-          <a:stretch>
-            <a:fillRect/>
-          </a:stretch>
-        </p:blipFill>
-        <p:spPr bwMode="auto">
-          <a:xfrm>
-            <a:off x="8829163" y="3000940"/>
-            <a:ext cx="1152564" cy="1536752"/>
-          </a:xfrm>
-          <a:prstGeom prst="rect">
-            <a:avLst/>
-          </a:prstGeom>
-          <a:noFill/>
-          <a:extLst>
-            <a:ext uri="{909E8E84-426E-40DD-AFC4-6F175D3DCCD1}">
-              <a14:hiddenFill xmlns:a14="http://schemas.microsoft.com/office/drawing/2010/main">
-                <a:solidFill>
-                  <a:srgbClr val="FFFFFF"/>
-                </a:solidFill>
-              </a14:hiddenFill>
-            </a:ext>
-          </a:extLst>
-        </p:spPr>
-      </p:pic>
-      <p:pic>
-        <p:nvPicPr>
-          <p:cNvPr id="24" name="Picture 10" descr="C:\Users\user\Desktop\KakaoTalk_20230810_013010491_01.jpg"/>
-          <p:cNvPicPr>
-            <a:picLocks noChangeAspect="1" noChangeArrowheads="1"/>
-          </p:cNvPicPr>
-          <p:nvPr/>
-        </p:nvPicPr>
-        <p:blipFill>
-          <a:blip r:embed="rId5" cstate="screen">
-            <a:extLst>
-              <a:ext uri="{28A0092B-C50C-407E-A947-70E740481C1C}">
-                <a14:useLocalDpi xmlns:a14="http://schemas.microsoft.com/office/drawing/2010/main" val="0"/>
-              </a:ext>
-            </a:extLst>
-          </a:blip>
-          <a:srcRect/>
-          <a:stretch>
-            <a:fillRect/>
-          </a:stretch>
-        </p:blipFill>
-        <p:spPr bwMode="auto">
-          <a:xfrm>
-            <a:off x="9981727" y="3000940"/>
-            <a:ext cx="1152564" cy="1536752"/>
-          </a:xfrm>
-          <a:prstGeom prst="rect">
-            <a:avLst/>
-          </a:prstGeom>
-          <a:noFill/>
-          <a:extLst>
-            <a:ext uri="{909E8E84-426E-40DD-AFC4-6F175D3DCCD1}">
-              <a14:hiddenFill xmlns:a14="http://schemas.microsoft.com/office/drawing/2010/main">
-                <a:solidFill>
-                  <a:srgbClr val="FFFFFF"/>
-                </a:solidFill>
-              </a14:hiddenFill>
-            </a:ext>
-          </a:extLst>
-        </p:spPr>
-      </p:pic>
-      <p:pic>
-        <p:nvPicPr>
-          <p:cNvPr id="25" name="Picture 11" descr="C:\Users\user\Desktop\123.jpg"/>
-          <p:cNvPicPr>
-            <a:picLocks noChangeAspect="1" noChangeArrowheads="1"/>
-          </p:cNvPicPr>
-          <p:nvPr/>
-        </p:nvPicPr>
-        <p:blipFill>
-          <a:blip r:embed="rId6" cstate="screen">
-            <a:extLst>
-              <a:ext uri="{28A0092B-C50C-407E-A947-70E740481C1C}">
-                <a14:useLocalDpi xmlns:a14="http://schemas.microsoft.com/office/drawing/2010/main" val="0"/>
-              </a:ext>
-            </a:extLst>
-          </a:blip>
-          <a:srcRect/>
-          <a:stretch>
-            <a:fillRect/>
-          </a:stretch>
-        </p:blipFill>
-        <p:spPr bwMode="auto">
-          <a:xfrm>
-            <a:off x="8829163" y="1464188"/>
-            <a:ext cx="1152564" cy="1536752"/>
-          </a:xfrm>
-          <a:prstGeom prst="rect">
-            <a:avLst/>
-          </a:prstGeom>
-          <a:noFill/>
-          <a:extLst>
-            <a:ext uri="{909E8E84-426E-40DD-AFC4-6F175D3DCCD1}">
-              <a14:hiddenFill xmlns:a14="http://schemas.microsoft.com/office/drawing/2010/main">
-                <a:solidFill>
-                  <a:srgbClr val="FFFFFF"/>
-                </a:solidFill>
-              </a14:hiddenFill>
-            </a:ext>
-          </a:extLst>
-        </p:spPr>
-      </p:pic>
-      <p:pic>
-        <p:nvPicPr>
-          <p:cNvPr id="26" name="Picture 13" descr="C:\Users\user\Desktop\1234.jpg"/>
-          <p:cNvPicPr>
-            <a:picLocks noChangeAspect="1" noChangeArrowheads="1"/>
-          </p:cNvPicPr>
-          <p:nvPr/>
-        </p:nvPicPr>
-        <p:blipFill>
-          <a:blip r:embed="rId7" cstate="screen">
-            <a:extLst>
-              <a:ext uri="{28A0092B-C50C-407E-A947-70E740481C1C}">
-                <a14:useLocalDpi xmlns:a14="http://schemas.microsoft.com/office/drawing/2010/main" val="0"/>
-              </a:ext>
-            </a:extLst>
-          </a:blip>
-          <a:srcRect/>
-          <a:stretch>
-            <a:fillRect/>
-          </a:stretch>
-        </p:blipFill>
-        <p:spPr bwMode="auto">
-          <a:xfrm>
-            <a:off x="3326891" y="1621950"/>
-            <a:ext cx="1208152" cy="1423127"/>
-          </a:xfrm>
-          <a:prstGeom prst="rect">
-            <a:avLst/>
-          </a:prstGeom>
-          <a:noFill/>
-          <a:extLst>
-            <a:ext uri="{909E8E84-426E-40DD-AFC4-6F175D3DCCD1}">
-              <a14:hiddenFill xmlns:a14="http://schemas.microsoft.com/office/drawing/2010/main">
-                <a:solidFill>
-                  <a:srgbClr val="FFFFFF"/>
-                </a:solidFill>
-              </a14:hiddenFill>
-            </a:ext>
-          </a:extLst>
-        </p:spPr>
-      </p:pic>
-      <p:pic>
-        <p:nvPicPr>
-          <p:cNvPr id="27" name="Picture 14" descr="C:\Users\user\Desktop\742.jpg"/>
-          <p:cNvPicPr>
-            <a:picLocks noChangeAspect="1" noChangeArrowheads="1"/>
-          </p:cNvPicPr>
-          <p:nvPr/>
-        </p:nvPicPr>
-        <p:blipFill>
-          <a:blip r:embed="rId8" cstate="screen">
-            <a:extLst>
-              <a:ext uri="{28A0092B-C50C-407E-A947-70E740481C1C}">
-                <a14:useLocalDpi xmlns:a14="http://schemas.microsoft.com/office/drawing/2010/main" val="0"/>
-              </a:ext>
-            </a:extLst>
-          </a:blip>
-          <a:srcRect/>
-          <a:stretch>
-            <a:fillRect/>
-          </a:stretch>
-        </p:blipFill>
-        <p:spPr bwMode="auto">
-          <a:xfrm>
-            <a:off x="4521834" y="3000940"/>
-            <a:ext cx="1165296" cy="1423126"/>
-          </a:xfrm>
-          <a:prstGeom prst="rect">
-            <a:avLst/>
-          </a:prstGeom>
-          <a:noFill/>
-          <a:extLst>
-            <a:ext uri="{909E8E84-426E-40DD-AFC4-6F175D3DCCD1}">
-              <a14:hiddenFill xmlns:a14="http://schemas.microsoft.com/office/drawing/2010/main">
-                <a:solidFill>
-                  <a:srgbClr val="FFFFFF"/>
-                </a:solidFill>
-              </a14:hiddenFill>
-            </a:ext>
-          </a:extLst>
-        </p:spPr>
-      </p:pic>
-      <p:pic>
-        <p:nvPicPr>
-          <p:cNvPr id="28" name="Picture 15" descr="C:\Users\user\Desktop\KakaoTalk_20230810_020719557_01.jpg"/>
-          <p:cNvPicPr>
-            <a:picLocks noChangeAspect="1" noChangeArrowheads="1"/>
-          </p:cNvPicPr>
-          <p:nvPr/>
-        </p:nvPicPr>
-        <p:blipFill>
-          <a:blip r:embed="rId9" cstate="screen">
-            <a:extLst>
-              <a:ext uri="{28A0092B-C50C-407E-A947-70E740481C1C}">
-                <a14:useLocalDpi xmlns:a14="http://schemas.microsoft.com/office/drawing/2010/main" val="0"/>
-              </a:ext>
-            </a:extLst>
-          </a:blip>
-          <a:srcRect/>
-          <a:stretch>
-            <a:fillRect/>
-          </a:stretch>
-        </p:blipFill>
-        <p:spPr bwMode="auto">
-          <a:xfrm>
-            <a:off x="3326891" y="3000940"/>
-            <a:ext cx="1208152" cy="1423126"/>
-          </a:xfrm>
-          <a:prstGeom prst="rect">
-            <a:avLst/>
-          </a:prstGeom>
-          <a:noFill/>
-          <a:extLst>
-            <a:ext uri="{909E8E84-426E-40DD-AFC4-6F175D3DCCD1}">
-              <a14:hiddenFill xmlns:a14="http://schemas.microsoft.com/office/drawing/2010/main">
-                <a:solidFill>
-                  <a:srgbClr val="FFFFFF"/>
-                </a:solidFill>
-              </a14:hiddenFill>
-            </a:ext>
-          </a:extLst>
-        </p:spPr>
-      </p:pic>
-      <p:pic>
-        <p:nvPicPr>
-          <p:cNvPr id="29" name="Picture 16" descr="C:\Users\user\Desktop\KakaoTalk_20230810_012958228.jpg"/>
-          <p:cNvPicPr>
-            <a:picLocks noChangeAspect="1" noChangeArrowheads="1"/>
-          </p:cNvPicPr>
-          <p:nvPr/>
-        </p:nvPicPr>
-        <p:blipFill>
-          <a:blip r:embed="rId10" cstate="screen">
-            <a:extLst>
-              <a:ext uri="{28A0092B-C50C-407E-A947-70E740481C1C}">
-                <a14:useLocalDpi xmlns:a14="http://schemas.microsoft.com/office/drawing/2010/main" val="0"/>
-              </a:ext>
-            </a:extLst>
-          </a:blip>
-          <a:srcRect/>
-          <a:stretch>
-            <a:fillRect/>
-          </a:stretch>
-        </p:blipFill>
-        <p:spPr bwMode="auto">
-          <a:xfrm>
-            <a:off x="4521834" y="1621951"/>
-            <a:ext cx="1165296" cy="1378989"/>
-          </a:xfrm>
-          <a:prstGeom prst="rect">
-            <a:avLst/>
-          </a:prstGeom>
-          <a:noFill/>
-          <a:extLst>
-            <a:ext uri="{909E8E84-426E-40DD-AFC4-6F175D3DCCD1}">
-              <a14:hiddenFill xmlns:a14="http://schemas.microsoft.com/office/drawing/2010/main">
-                <a:solidFill>
-                  <a:srgbClr val="FFFFFF"/>
-                </a:solidFill>
-              </a14:hiddenFill>
-            </a:ext>
-          </a:extLst>
-        </p:spPr>
-      </p:pic>
-    </p:spTree>
-    <p:extLst>
-      <p:ext uri="{BB962C8B-B14F-4D97-AF65-F5344CB8AC3E}">
-        <p14:creationId xmlns:p14="http://schemas.microsoft.com/office/powerpoint/2010/main" val="1302590047"/>
       </p:ext>
     </p:extLst>
   </p:cSld>
@@ -6599,7 +4153,7 @@
   <a:extraClrSchemeLst/>
   <a:extLst>
     <a:ext uri="{05A4C25C-085E-4340-85A3-A5531E510DB2}">
-      <thm15:themeFamily xmlns="" xmlns:thm15="http://schemas.microsoft.com/office/thememl/2012/main" name="Office Theme" id="{62F939B6-93AF-4DB8-9C6B-D6C7DFDC589F}" vid="{4A3C46E8-61CC-4603-A589-7422A47A8E4A}"/>
+      <thm15:themeFamily xmlns:thm15="http://schemas.microsoft.com/office/thememl/2012/main" xmlns="" name="Office Theme" id="{62F939B6-93AF-4DB8-9C6B-D6C7DFDC589F}" vid="{4A3C46E8-61CC-4603-A589-7422A47A8E4A}"/>
     </a:ext>
   </a:extLst>
 </a:theme>

--- a/발표자료/업데이트/LJHPPT.pptx
+++ b/발표자료/업데이트/LJHPPT.pptx
@@ -6,7 +6,11 @@
   </p:sldMasterIdLst>
   <p:sldIdLst>
     <p:sldId id="256" r:id="rId2"/>
-    <p:sldId id="275" r:id="rId3"/>
+    <p:sldId id="276" r:id="rId3"/>
+    <p:sldId id="279" r:id="rId4"/>
+    <p:sldId id="277" r:id="rId5"/>
+    <p:sldId id="281" r:id="rId6"/>
+    <p:sldId id="282" r:id="rId7"/>
   </p:sldIdLst>
   <p:sldSz cx="12192000" cy="6858000"/>
   <p:notesSz cx="6858000" cy="9144000"/>
@@ -271,7 +275,7 @@
           <a:p>
             <a:fld id="{246E467A-4026-4A8D-97BF-715EF7FA6491}" type="datetimeFigureOut">
               <a:rPr lang="ko-KR" altLang="en-US" smtClean="0"/>
-              <a:t>2023-08-17</a:t>
+              <a:t>2023-08-31</a:t>
             </a:fld>
             <a:endParaRPr lang="ko-KR" altLang="en-US"/>
           </a:p>
@@ -469,7 +473,7 @@
           <a:p>
             <a:fld id="{246E467A-4026-4A8D-97BF-715EF7FA6491}" type="datetimeFigureOut">
               <a:rPr lang="ko-KR" altLang="en-US" smtClean="0"/>
-              <a:t>2023-08-17</a:t>
+              <a:t>2023-08-31</a:t>
             </a:fld>
             <a:endParaRPr lang="ko-KR" altLang="en-US"/>
           </a:p>
@@ -677,7 +681,7 @@
           <a:p>
             <a:fld id="{246E467A-4026-4A8D-97BF-715EF7FA6491}" type="datetimeFigureOut">
               <a:rPr lang="ko-KR" altLang="en-US" smtClean="0"/>
-              <a:t>2023-08-17</a:t>
+              <a:t>2023-08-31</a:t>
             </a:fld>
             <a:endParaRPr lang="ko-KR" altLang="en-US"/>
           </a:p>
@@ -875,7 +879,7 @@
           <a:p>
             <a:fld id="{246E467A-4026-4A8D-97BF-715EF7FA6491}" type="datetimeFigureOut">
               <a:rPr lang="ko-KR" altLang="en-US" smtClean="0"/>
-              <a:t>2023-08-17</a:t>
+              <a:t>2023-08-31</a:t>
             </a:fld>
             <a:endParaRPr lang="ko-KR" altLang="en-US"/>
           </a:p>
@@ -1150,7 +1154,7 @@
           <a:p>
             <a:fld id="{246E467A-4026-4A8D-97BF-715EF7FA6491}" type="datetimeFigureOut">
               <a:rPr lang="ko-KR" altLang="en-US" smtClean="0"/>
-              <a:t>2023-08-17</a:t>
+              <a:t>2023-08-31</a:t>
             </a:fld>
             <a:endParaRPr lang="ko-KR" altLang="en-US"/>
           </a:p>
@@ -1415,7 +1419,7 @@
           <a:p>
             <a:fld id="{246E467A-4026-4A8D-97BF-715EF7FA6491}" type="datetimeFigureOut">
               <a:rPr lang="ko-KR" altLang="en-US" smtClean="0"/>
-              <a:t>2023-08-17</a:t>
+              <a:t>2023-08-31</a:t>
             </a:fld>
             <a:endParaRPr lang="ko-KR" altLang="en-US"/>
           </a:p>
@@ -1827,7 +1831,7 @@
           <a:p>
             <a:fld id="{246E467A-4026-4A8D-97BF-715EF7FA6491}" type="datetimeFigureOut">
               <a:rPr lang="ko-KR" altLang="en-US" smtClean="0"/>
-              <a:t>2023-08-17</a:t>
+              <a:t>2023-08-31</a:t>
             </a:fld>
             <a:endParaRPr lang="ko-KR" altLang="en-US"/>
           </a:p>
@@ -1968,7 +1972,7 @@
           <a:p>
             <a:fld id="{246E467A-4026-4A8D-97BF-715EF7FA6491}" type="datetimeFigureOut">
               <a:rPr lang="ko-KR" altLang="en-US" smtClean="0"/>
-              <a:t>2023-08-17</a:t>
+              <a:t>2023-08-31</a:t>
             </a:fld>
             <a:endParaRPr lang="ko-KR" altLang="en-US"/>
           </a:p>
@@ -2081,7 +2085,7 @@
           <a:p>
             <a:fld id="{246E467A-4026-4A8D-97BF-715EF7FA6491}" type="datetimeFigureOut">
               <a:rPr lang="ko-KR" altLang="en-US" smtClean="0"/>
-              <a:t>2023-08-17</a:t>
+              <a:t>2023-08-31</a:t>
             </a:fld>
             <a:endParaRPr lang="ko-KR" altLang="en-US"/>
           </a:p>
@@ -2392,7 +2396,7 @@
           <a:p>
             <a:fld id="{246E467A-4026-4A8D-97BF-715EF7FA6491}" type="datetimeFigureOut">
               <a:rPr lang="ko-KR" altLang="en-US" smtClean="0"/>
-              <a:t>2023-08-17</a:t>
+              <a:t>2023-08-31</a:t>
             </a:fld>
             <a:endParaRPr lang="ko-KR" altLang="en-US"/>
           </a:p>
@@ -2680,7 +2684,7 @@
           <a:p>
             <a:fld id="{246E467A-4026-4A8D-97BF-715EF7FA6491}" type="datetimeFigureOut">
               <a:rPr lang="ko-KR" altLang="en-US" smtClean="0"/>
-              <a:t>2023-08-17</a:t>
+              <a:t>2023-08-31</a:t>
             </a:fld>
             <a:endParaRPr lang="ko-KR" altLang="en-US"/>
           </a:p>
@@ -2921,7 +2925,7 @@
           <a:p>
             <a:fld id="{246E467A-4026-4A8D-97BF-715EF7FA6491}" type="datetimeFigureOut">
               <a:rPr lang="ko-KR" altLang="en-US" smtClean="0"/>
-              <a:t>2023-08-17</a:t>
+              <a:t>2023-08-31</a:t>
             </a:fld>
             <a:endParaRPr lang="ko-KR" altLang="en-US"/>
           </a:p>
@@ -3659,64 +3663,14 @@
       </p:cxnSp>
       <p:sp>
         <p:nvSpPr>
-          <p:cNvPr id="5" name="직사각형 4"/>
-          <p:cNvSpPr/>
-          <p:nvPr/>
-        </p:nvSpPr>
-        <p:spPr>
-          <a:xfrm>
-            <a:off x="444500" y="317500"/>
-            <a:ext cx="2101850" cy="374650"/>
-          </a:xfrm>
-          <a:prstGeom prst="rect">
-            <a:avLst/>
-          </a:prstGeom>
-          <a:solidFill>
-            <a:schemeClr val="accent4"/>
-          </a:solidFill>
-          <a:ln>
-            <a:noFill/>
-          </a:ln>
-        </p:spPr>
-        <p:style>
-          <a:lnRef idx="2">
-            <a:schemeClr val="accent1">
-              <a:shade val="50000"/>
-            </a:schemeClr>
-          </a:lnRef>
-          <a:fillRef idx="1">
-            <a:schemeClr val="accent1"/>
-          </a:fillRef>
-          <a:effectRef idx="0">
-            <a:schemeClr val="accent1"/>
-          </a:effectRef>
-          <a:fontRef idx="minor">
-            <a:schemeClr val="lt1"/>
-          </a:fontRef>
-        </p:style>
-        <p:txBody>
-          <a:bodyPr rtlCol="0" anchor="ctr"/>
-          <a:lstStyle/>
-          <a:p>
-            <a:pPr algn="ctr"/>
-            <a:r>
-              <a:rPr lang="ko-KR" altLang="en-US" dirty="0" smtClean="0"/>
-              <a:t>인공지능</a:t>
-            </a:r>
-            <a:endParaRPr lang="ko-KR" altLang="en-US" dirty="0"/>
-          </a:p>
-        </p:txBody>
-      </p:sp>
-      <p:sp>
-        <p:nvSpPr>
-          <p:cNvPr id="68" name="TextBox 67"/>
+          <p:cNvPr id="2" name="TextBox 1"/>
           <p:cNvSpPr txBox="1"/>
           <p:nvPr/>
         </p:nvSpPr>
         <p:spPr>
           <a:xfrm>
-            <a:off x="734056" y="5527617"/>
-            <a:ext cx="10855569" cy="707886"/>
+            <a:off x="839136" y="5740798"/>
+            <a:ext cx="10679430" cy="369332"/>
           </a:xfrm>
           <a:prstGeom prst="rect">
             <a:avLst/>
@@ -3729,59 +3683,33 @@
           </a:bodyPr>
           <a:lstStyle/>
           <a:p>
-            <a:r>
-              <a:rPr lang="ko-KR" altLang="en-US" sz="2000" dirty="0" smtClean="0"/>
-              <a:t> 로컬 </a:t>
-            </a:r>
-            <a:r>
-              <a:rPr lang="ko-KR" altLang="en-US" sz="2000" dirty="0" err="1" smtClean="0"/>
-              <a:t>파이썬</a:t>
-            </a:r>
-            <a:r>
-              <a:rPr lang="ko-KR" altLang="en-US" sz="2000" dirty="0" smtClean="0"/>
-              <a:t> </a:t>
-            </a:r>
-            <a:r>
-              <a:rPr lang="en-US" altLang="ko-KR" sz="2000" dirty="0" err="1" smtClean="0"/>
-              <a:t>api</a:t>
-            </a:r>
-            <a:r>
-              <a:rPr lang="ko-KR" altLang="en-US" sz="2000" dirty="0" err="1" smtClean="0"/>
-              <a:t>를</a:t>
-            </a:r>
-            <a:r>
-              <a:rPr lang="ko-KR" altLang="en-US" sz="2000" dirty="0" smtClean="0"/>
-              <a:t> 웹과 연동</a:t>
-            </a:r>
-            <a:endParaRPr lang="en-US" altLang="ko-KR" sz="2000" dirty="0" smtClean="0"/>
-          </a:p>
-          <a:p>
-            <a:r>
-              <a:rPr lang="ko-KR" altLang="en-US" sz="2000" dirty="0"/>
-              <a:t>인풋 이미지를 웹으로 </a:t>
-            </a:r>
-            <a:r>
-              <a:rPr lang="ko-KR" altLang="en-US" sz="2000" dirty="0" smtClean="0"/>
-              <a:t>받아 결과 아웃풋 이미지를 생성</a:t>
-            </a:r>
-            <a:r>
-              <a:rPr lang="en-US" altLang="ko-KR" sz="2000" smtClean="0"/>
-              <a:t>.</a:t>
-            </a:r>
-            <a:endParaRPr lang="en-US" altLang="ko-KR" sz="2000" dirty="0"/>
+            <a:pPr algn="ctr"/>
+            <a:r>
+              <a:rPr lang="ko-KR" altLang="en-US" dirty="0" smtClean="0"/>
+              <a:t>인공지능 </a:t>
+            </a:r>
+            <a:r>
+              <a:rPr lang="en-US" altLang="ko-KR" dirty="0" smtClean="0"/>
+              <a:t>Output </a:t>
+            </a:r>
+            <a:r>
+              <a:rPr lang="ko-KR" altLang="en-US" dirty="0" smtClean="0"/>
+              <a:t>웹 연동</a:t>
+            </a:r>
+            <a:endParaRPr lang="en-US" altLang="ko-KR" dirty="0" smtClean="0"/>
           </a:p>
         </p:txBody>
       </p:sp>
       <p:pic>
         <p:nvPicPr>
-          <p:cNvPr id="1026" name="Picture 2" descr="C:\Users\user\Desktop\KakaoTalk_20230817_011320060.png"/>
+          <p:cNvPr id="2055" name="Picture 7" descr="C:\Users\user\Desktop\KakaoTalk_20230831_015108804.png"/>
           <p:cNvPicPr>
             <a:picLocks noChangeAspect="1" noChangeArrowheads="1"/>
           </p:cNvPicPr>
           <p:nvPr/>
         </p:nvPicPr>
         <p:blipFill>
-          <a:blip r:embed="rId2" cstate="screen">
+          <a:blip r:embed="rId2">
             <a:extLst>
               <a:ext uri="{28A0092B-C50C-407E-A947-70E740481C1C}">
                 <a14:useLocalDpi xmlns:a14="http://schemas.microsoft.com/office/drawing/2010/main" val="0"/>
@@ -3795,8 +3723,8 @@
         </p:blipFill>
         <p:spPr bwMode="auto">
           <a:xfrm>
-            <a:off x="985453" y="965080"/>
-            <a:ext cx="6483751" cy="4174809"/>
+            <a:off x="738715" y="680163"/>
+            <a:ext cx="10678583" cy="4755435"/>
           </a:xfrm>
           <a:prstGeom prst="rect">
             <a:avLst/>
@@ -3813,31 +3741,150 @@
           </a:extLst>
         </p:spPr>
       </p:pic>
+    </p:spTree>
+    <p:extLst>
+      <p:ext uri="{BB962C8B-B14F-4D97-AF65-F5344CB8AC3E}">
+        <p14:creationId xmlns:p14="http://schemas.microsoft.com/office/powerpoint/2010/main" val="1555402118"/>
+      </p:ext>
+    </p:extLst>
+  </p:cSld>
+  <p:clrMapOvr>
+    <a:masterClrMapping/>
+  </p:clrMapOvr>
+  <mc:AlternateContent xmlns:mc="http://schemas.openxmlformats.org/markup-compatibility/2006" xmlns:p14="http://schemas.microsoft.com/office/powerpoint/2010/main">
+    <mc:Choice Requires="p14">
+      <p:transition spd="med" p14:dur="700">
+        <p:fade/>
+      </p:transition>
+    </mc:Choice>
+    <mc:Fallback xmlns="">
+      <p:transition spd="med">
+        <p:fade/>
+      </p:transition>
+    </mc:Fallback>
+  </mc:AlternateContent>
+</p:sld>
+</file>
+
+<file path=ppt/slides/slide3.xml><?xml version="1.0" encoding="utf-8"?>
+<p:sld xmlns:a="http://schemas.openxmlformats.org/drawingml/2006/main" xmlns:r="http://schemas.openxmlformats.org/officeDocument/2006/relationships" xmlns:p="http://schemas.openxmlformats.org/presentationml/2006/main">
+  <p:cSld>
+    <p:spTree>
+      <p:nvGrpSpPr>
+        <p:cNvPr id="1" name=""/>
+        <p:cNvGrpSpPr/>
+        <p:nvPr/>
+      </p:nvGrpSpPr>
+      <p:grpSpPr>
+        <a:xfrm>
+          <a:off x="0" y="0"/>
+          <a:ext cx="0" cy="0"/>
+          <a:chOff x="0" y="0"/>
+          <a:chExt cx="0" cy="0"/>
+        </a:xfrm>
+      </p:grpSpPr>
+      <p:cxnSp>
+        <p:nvCxnSpPr>
+          <p:cNvPr id="3" name="직선 연결선 2">
+            <a:extLst>
+              <a:ext uri="{FF2B5EF4-FFF2-40B4-BE49-F238E27FC236}">
+                <a16:creationId xmlns:a16="http://schemas.microsoft.com/office/drawing/2014/main" xmlns="" id="{30B7886A-E2C2-47A8-A271-1FD08F52EED0}"/>
+              </a:ext>
+            </a:extLst>
+          </p:cNvPr>
+          <p:cNvCxnSpPr>
+            <a:cxnSpLocks/>
+          </p:cNvCxnSpPr>
+          <p:nvPr/>
+        </p:nvCxnSpPr>
+        <p:spPr>
+          <a:xfrm>
+            <a:off x="152400" y="190500"/>
+            <a:ext cx="1435100" cy="0"/>
+          </a:xfrm>
+          <a:prstGeom prst="line">
+            <a:avLst/>
+          </a:prstGeom>
+          <a:ln w="76200">
+            <a:solidFill>
+              <a:schemeClr val="accent4"/>
+            </a:solidFill>
+          </a:ln>
+        </p:spPr>
+        <p:style>
+          <a:lnRef idx="1">
+            <a:schemeClr val="accent1"/>
+          </a:lnRef>
+          <a:fillRef idx="0">
+            <a:schemeClr val="accent1"/>
+          </a:fillRef>
+          <a:effectRef idx="0">
+            <a:schemeClr val="accent1"/>
+          </a:effectRef>
+          <a:fontRef idx="minor">
+            <a:schemeClr val="tx1"/>
+          </a:fontRef>
+        </p:style>
+      </p:cxnSp>
+      <p:cxnSp>
+        <p:nvCxnSpPr>
+          <p:cNvPr id="18" name="직선 연결선 17">
+            <a:extLst>
+              <a:ext uri="{FF2B5EF4-FFF2-40B4-BE49-F238E27FC236}">
+                <a16:creationId xmlns:a16="http://schemas.microsoft.com/office/drawing/2014/main" xmlns="" id="{7911BDFD-7E29-44F7-9ED7-E8F36B51436C}"/>
+              </a:ext>
+            </a:extLst>
+          </p:cNvPr>
+          <p:cNvCxnSpPr/>
+          <p:nvPr/>
+        </p:nvCxnSpPr>
+        <p:spPr>
+          <a:xfrm>
+            <a:off x="1587500" y="190500"/>
+            <a:ext cx="10604500" cy="0"/>
+          </a:xfrm>
+          <a:prstGeom prst="line">
+            <a:avLst/>
+          </a:prstGeom>
+        </p:spPr>
+        <p:style>
+          <a:lnRef idx="1">
+            <a:schemeClr val="accent1"/>
+          </a:lnRef>
+          <a:fillRef idx="0">
+            <a:schemeClr val="accent1"/>
+          </a:fillRef>
+          <a:effectRef idx="0">
+            <a:schemeClr val="accent1"/>
+          </a:effectRef>
+          <a:fontRef idx="minor">
+            <a:schemeClr val="tx1"/>
+          </a:fontRef>
+        </p:style>
+      </p:cxnSp>
       <p:pic>
         <p:nvPicPr>
-          <p:cNvPr id="1027" name="Picture 3" descr="C:\Users\user\Desktop\KakaoTalk_20230816_220501982_01.jpg"/>
+          <p:cNvPr id="6" name="Picture 3" descr="C:\Users\user\Desktop\KakaoTalk_20230831_001450242.png"/>
           <p:cNvPicPr>
             <a:picLocks noChangeAspect="1" noChangeArrowheads="1"/>
           </p:cNvPicPr>
           <p:nvPr/>
         </p:nvPicPr>
-        <p:blipFill>
-          <a:blip r:embed="rId3" cstate="screen">
+        <p:blipFill rotWithShape="1">
+          <a:blip r:embed="rId2" cstate="screen">
             <a:extLst>
               <a:ext uri="{28A0092B-C50C-407E-A947-70E740481C1C}">
                 <a14:useLocalDpi xmlns:a14="http://schemas.microsoft.com/office/drawing/2010/main" val="0"/>
               </a:ext>
             </a:extLst>
           </a:blip>
-          <a:srcRect/>
-          <a:stretch>
-            <a:fillRect/>
-          </a:stretch>
+          <a:srcRect b="-1520"/>
+          <a:stretch/>
         </p:blipFill>
         <p:spPr bwMode="auto">
           <a:xfrm>
-            <a:off x="8687118" y="965080"/>
-            <a:ext cx="3131107" cy="4174811"/>
+            <a:off x="884051" y="774700"/>
+            <a:ext cx="2224777" cy="2698750"/>
           </a:xfrm>
           <a:prstGeom prst="rect">
             <a:avLst/>
@@ -3856,54 +3903,1557 @@
       </p:pic>
       <p:sp>
         <p:nvSpPr>
-          <p:cNvPr id="2" name="오른쪽 화살표 1"/>
-          <p:cNvSpPr/>
+          <p:cNvPr id="13" name="TextBox 12"/>
+          <p:cNvSpPr txBox="1"/>
           <p:nvPr/>
         </p:nvSpPr>
         <p:spPr>
           <a:xfrm>
-            <a:off x="7683500" y="2491567"/>
-            <a:ext cx="804334" cy="1121833"/>
-          </a:xfrm>
-          <a:prstGeom prst="rightArrow">
+            <a:off x="776037" y="5751290"/>
+            <a:ext cx="10679430" cy="461665"/>
+          </a:xfrm>
+          <a:prstGeom prst="rect">
             <a:avLst/>
           </a:prstGeom>
-          <a:solidFill>
-            <a:schemeClr val="accent4"/>
-          </a:solidFill>
-          <a:ln>
-            <a:noFill/>
+          <a:noFill/>
+        </p:spPr>
+        <p:txBody>
+          <a:bodyPr wrap="square" rtlCol="0">
+            <a:spAutoFit/>
+          </a:bodyPr>
+          <a:lstStyle/>
+          <a:p>
+            <a:r>
+              <a:rPr lang="ko-KR" altLang="en-US" sz="2400" dirty="0" smtClean="0"/>
+              <a:t>여러 이미지를 통한 인공지능 테스트</a:t>
+            </a:r>
+            <a:endParaRPr lang="en-US" altLang="ko-KR" sz="2400" dirty="0" smtClean="0"/>
+          </a:p>
+        </p:txBody>
+      </p:sp>
+      <p:pic>
+        <p:nvPicPr>
+          <p:cNvPr id="5122" name="Picture 2" descr="C:\Users\user\Desktop\결과물\KakaoTalk_20230831_010235571_12.jpg"/>
+          <p:cNvPicPr>
+            <a:picLocks noChangeAspect="1" noChangeArrowheads="1"/>
+          </p:cNvPicPr>
+          <p:nvPr/>
+        </p:nvPicPr>
+        <p:blipFill>
+          <a:blip r:embed="rId3" cstate="screen">
+            <a:extLst>
+              <a:ext uri="{28A0092B-C50C-407E-A947-70E740481C1C}">
+                <a14:useLocalDpi xmlns:a14="http://schemas.microsoft.com/office/drawing/2010/main" val="0"/>
+              </a:ext>
+            </a:extLst>
+          </a:blip>
+          <a:srcRect/>
+          <a:stretch>
+            <a:fillRect/>
+          </a:stretch>
+        </p:blipFill>
+        <p:spPr bwMode="auto">
+          <a:xfrm>
+            <a:off x="2801698" y="958849"/>
+            <a:ext cx="1645841" cy="2173817"/>
+          </a:xfrm>
+          <a:prstGeom prst="rect">
+            <a:avLst/>
+          </a:prstGeom>
+          <a:noFill/>
+          <a:extLst>
+            <a:ext uri="{909E8E84-426E-40DD-AFC4-6F175D3DCCD1}">
+              <a14:hiddenFill xmlns:a14="http://schemas.microsoft.com/office/drawing/2010/main">
+                <a:solidFill>
+                  <a:srgbClr val="FFFFFF"/>
+                </a:solidFill>
+              </a14:hiddenFill>
+            </a:ext>
+          </a:extLst>
+        </p:spPr>
+      </p:pic>
+      <p:pic>
+        <p:nvPicPr>
+          <p:cNvPr id="5124" name="Picture 4" descr="C:\Users\user\Desktop\결과물\KakaoTalk_20230831_010235571_19.jpg"/>
+          <p:cNvPicPr>
+            <a:picLocks noChangeAspect="1" noChangeArrowheads="1"/>
+          </p:cNvPicPr>
+          <p:nvPr/>
+        </p:nvPicPr>
+        <p:blipFill>
+          <a:blip r:embed="rId4" cstate="screen">
+            <a:extLst>
+              <a:ext uri="{28A0092B-C50C-407E-A947-70E740481C1C}">
+                <a14:useLocalDpi xmlns:a14="http://schemas.microsoft.com/office/drawing/2010/main" val="0"/>
+              </a:ext>
+            </a:extLst>
+          </a:blip>
+          <a:srcRect/>
+          <a:stretch>
+            <a:fillRect/>
+          </a:stretch>
+        </p:blipFill>
+        <p:spPr bwMode="auto">
+          <a:xfrm>
+            <a:off x="6071870" y="958848"/>
+            <a:ext cx="1635760" cy="2181013"/>
+          </a:xfrm>
+          <a:prstGeom prst="rect">
+            <a:avLst/>
+          </a:prstGeom>
+          <a:noFill/>
+          <a:extLst>
+            <a:ext uri="{909E8E84-426E-40DD-AFC4-6F175D3DCCD1}">
+              <a14:hiddenFill xmlns:a14="http://schemas.microsoft.com/office/drawing/2010/main">
+                <a:solidFill>
+                  <a:srgbClr val="FFFFFF"/>
+                </a:solidFill>
+              </a14:hiddenFill>
+            </a:ext>
+          </a:extLst>
+        </p:spPr>
+      </p:pic>
+      <p:pic>
+        <p:nvPicPr>
+          <p:cNvPr id="5125" name="Picture 5" descr="C:\Users\user\Desktop\결과물\KakaoTalk_20230831_010235571_02.jpg"/>
+          <p:cNvPicPr>
+            <a:picLocks noChangeAspect="1" noChangeArrowheads="1"/>
+          </p:cNvPicPr>
+          <p:nvPr/>
+        </p:nvPicPr>
+        <p:blipFill>
+          <a:blip r:embed="rId5" cstate="screen">
+            <a:extLst>
+              <a:ext uri="{28A0092B-C50C-407E-A947-70E740481C1C}">
+                <a14:useLocalDpi xmlns:a14="http://schemas.microsoft.com/office/drawing/2010/main" val="0"/>
+              </a:ext>
+            </a:extLst>
+          </a:blip>
+          <a:srcRect/>
+          <a:stretch>
+            <a:fillRect/>
+          </a:stretch>
+        </p:blipFill>
+        <p:spPr bwMode="auto">
+          <a:xfrm>
+            <a:off x="7707630" y="958849"/>
+            <a:ext cx="1654810" cy="2206413"/>
+          </a:xfrm>
+          <a:prstGeom prst="rect">
+            <a:avLst/>
+          </a:prstGeom>
+          <a:noFill/>
+          <a:extLst>
+            <a:ext uri="{909E8E84-426E-40DD-AFC4-6F175D3DCCD1}">
+              <a14:hiddenFill xmlns:a14="http://schemas.microsoft.com/office/drawing/2010/main">
+                <a:solidFill>
+                  <a:srgbClr val="FFFFFF"/>
+                </a:solidFill>
+              </a14:hiddenFill>
+            </a:ext>
+          </a:extLst>
+        </p:spPr>
+      </p:pic>
+      <p:pic>
+        <p:nvPicPr>
+          <p:cNvPr id="5126" name="Picture 6" descr="C:\Users\user\Desktop\결과물\KakaoTalk_20230831_010235571_04.jpg"/>
+          <p:cNvPicPr>
+            <a:picLocks noChangeAspect="1" noChangeArrowheads="1"/>
+          </p:cNvPicPr>
+          <p:nvPr/>
+        </p:nvPicPr>
+        <p:blipFill>
+          <a:blip r:embed="rId6" cstate="screen">
+            <a:extLst>
+              <a:ext uri="{28A0092B-C50C-407E-A947-70E740481C1C}">
+                <a14:useLocalDpi xmlns:a14="http://schemas.microsoft.com/office/drawing/2010/main" val="0"/>
+              </a:ext>
+            </a:extLst>
+          </a:blip>
+          <a:srcRect/>
+          <a:stretch>
+            <a:fillRect/>
+          </a:stretch>
+        </p:blipFill>
+        <p:spPr bwMode="auto">
+          <a:xfrm>
+            <a:off x="9362440" y="958848"/>
+            <a:ext cx="1624332" cy="2165775"/>
+          </a:xfrm>
+          <a:prstGeom prst="rect">
+            <a:avLst/>
+          </a:prstGeom>
+          <a:noFill/>
+          <a:extLst>
+            <a:ext uri="{909E8E84-426E-40DD-AFC4-6F175D3DCCD1}">
+              <a14:hiddenFill xmlns:a14="http://schemas.microsoft.com/office/drawing/2010/main">
+                <a:solidFill>
+                  <a:srgbClr val="FFFFFF"/>
+                </a:solidFill>
+              </a14:hiddenFill>
+            </a:ext>
+          </a:extLst>
+        </p:spPr>
+      </p:pic>
+      <p:pic>
+        <p:nvPicPr>
+          <p:cNvPr id="5127" name="Picture 7" descr="C:\Users\user\Desktop\결과물\KakaoTalk_20230831_010235571_27.jpg"/>
+          <p:cNvPicPr>
+            <a:picLocks noChangeAspect="1" noChangeArrowheads="1"/>
+          </p:cNvPicPr>
+          <p:nvPr/>
+        </p:nvPicPr>
+        <p:blipFill>
+          <a:blip r:embed="rId7" cstate="screen">
+            <a:extLst>
+              <a:ext uri="{28A0092B-C50C-407E-A947-70E740481C1C}">
+                <a14:useLocalDpi xmlns:a14="http://schemas.microsoft.com/office/drawing/2010/main" val="0"/>
+              </a:ext>
+            </a:extLst>
+          </a:blip>
+          <a:srcRect/>
+          <a:stretch>
+            <a:fillRect/>
+          </a:stretch>
+        </p:blipFill>
+        <p:spPr bwMode="auto">
+          <a:xfrm>
+            <a:off x="4460993" y="3139861"/>
+            <a:ext cx="1597422" cy="2129895"/>
+          </a:xfrm>
+          <a:prstGeom prst="rect">
+            <a:avLst/>
+          </a:prstGeom>
+          <a:noFill/>
+          <a:extLst>
+            <a:ext uri="{909E8E84-426E-40DD-AFC4-6F175D3DCCD1}">
+              <a14:hiddenFill xmlns:a14="http://schemas.microsoft.com/office/drawing/2010/main">
+                <a:solidFill>
+                  <a:srgbClr val="FFFFFF"/>
+                </a:solidFill>
+              </a14:hiddenFill>
+            </a:ext>
+          </a:extLst>
+        </p:spPr>
+      </p:pic>
+      <p:pic>
+        <p:nvPicPr>
+          <p:cNvPr id="5128" name="Picture 8" descr="C:\Users\user\Desktop\결과물\KakaoTalk_20230831_010235571_23.jpg"/>
+          <p:cNvPicPr>
+            <a:picLocks noChangeAspect="1" noChangeArrowheads="1"/>
+          </p:cNvPicPr>
+          <p:nvPr/>
+        </p:nvPicPr>
+        <p:blipFill>
+          <a:blip r:embed="rId8" cstate="screen">
+            <a:extLst>
+              <a:ext uri="{28A0092B-C50C-407E-A947-70E740481C1C}">
+                <a14:useLocalDpi xmlns:a14="http://schemas.microsoft.com/office/drawing/2010/main" val="0"/>
+              </a:ext>
+            </a:extLst>
+          </a:blip>
+          <a:srcRect/>
+          <a:stretch>
+            <a:fillRect/>
+          </a:stretch>
+        </p:blipFill>
+        <p:spPr bwMode="auto">
+          <a:xfrm>
+            <a:off x="2801698" y="3124623"/>
+            <a:ext cx="1645841" cy="2145133"/>
+          </a:xfrm>
+          <a:prstGeom prst="rect">
+            <a:avLst/>
+          </a:prstGeom>
+          <a:noFill/>
+          <a:extLst>
+            <a:ext uri="{909E8E84-426E-40DD-AFC4-6F175D3DCCD1}">
+              <a14:hiddenFill xmlns:a14="http://schemas.microsoft.com/office/drawing/2010/main">
+                <a:solidFill>
+                  <a:srgbClr val="FFFFFF"/>
+                </a:solidFill>
+              </a14:hiddenFill>
+            </a:ext>
+          </a:extLst>
+        </p:spPr>
+      </p:pic>
+      <p:pic>
+        <p:nvPicPr>
+          <p:cNvPr id="5130" name="Picture 10" descr="C:\Users\user\Desktop\결과물\KakaoTalk_20230831_010235571_15.jpg"/>
+          <p:cNvPicPr>
+            <a:picLocks noChangeAspect="1" noChangeArrowheads="1"/>
+          </p:cNvPicPr>
+          <p:nvPr/>
+        </p:nvPicPr>
+        <p:blipFill>
+          <a:blip r:embed="rId9" cstate="screen">
+            <a:extLst>
+              <a:ext uri="{28A0092B-C50C-407E-A947-70E740481C1C}">
+                <a14:useLocalDpi xmlns:a14="http://schemas.microsoft.com/office/drawing/2010/main" val="0"/>
+              </a:ext>
+            </a:extLst>
+          </a:blip>
+          <a:srcRect/>
+          <a:stretch>
+            <a:fillRect/>
+          </a:stretch>
+        </p:blipFill>
+        <p:spPr bwMode="auto">
+          <a:xfrm>
+            <a:off x="1184273" y="3139861"/>
+            <a:ext cx="1624331" cy="2145133"/>
+          </a:xfrm>
+          <a:prstGeom prst="rect">
+            <a:avLst/>
+          </a:prstGeom>
+          <a:noFill/>
+          <a:extLst>
+            <a:ext uri="{909E8E84-426E-40DD-AFC4-6F175D3DCCD1}">
+              <a14:hiddenFill xmlns:a14="http://schemas.microsoft.com/office/drawing/2010/main">
+                <a:solidFill>
+                  <a:srgbClr val="FFFFFF"/>
+                </a:solidFill>
+              </a14:hiddenFill>
+            </a:ext>
+          </a:extLst>
+        </p:spPr>
+      </p:pic>
+      <p:pic>
+        <p:nvPicPr>
+          <p:cNvPr id="5131" name="Picture 11" descr="C:\Users\user\Desktop\결과물\KakaoTalk_20230831_010235571.jpg"/>
+          <p:cNvPicPr>
+            <a:picLocks noChangeAspect="1" noChangeArrowheads="1"/>
+          </p:cNvPicPr>
+          <p:nvPr/>
+        </p:nvPicPr>
+        <p:blipFill>
+          <a:blip r:embed="rId10" cstate="screen">
+            <a:extLst>
+              <a:ext uri="{28A0092B-C50C-407E-A947-70E740481C1C}">
+                <a14:useLocalDpi xmlns:a14="http://schemas.microsoft.com/office/drawing/2010/main" val="0"/>
+              </a:ext>
+            </a:extLst>
+          </a:blip>
+          <a:srcRect/>
+          <a:stretch>
+            <a:fillRect/>
+          </a:stretch>
+        </p:blipFill>
+        <p:spPr bwMode="auto">
+          <a:xfrm>
+            <a:off x="6071870" y="3123879"/>
+            <a:ext cx="1651241" cy="2145877"/>
+          </a:xfrm>
+          <a:prstGeom prst="rect">
+            <a:avLst/>
+          </a:prstGeom>
+          <a:noFill/>
+          <a:extLst>
+            <a:ext uri="{909E8E84-426E-40DD-AFC4-6F175D3DCCD1}">
+              <a14:hiddenFill xmlns:a14="http://schemas.microsoft.com/office/drawing/2010/main">
+                <a:solidFill>
+                  <a:srgbClr val="FFFFFF"/>
+                </a:solidFill>
+              </a14:hiddenFill>
+            </a:ext>
+          </a:extLst>
+        </p:spPr>
+      </p:pic>
+      <p:pic>
+        <p:nvPicPr>
+          <p:cNvPr id="5133" name="Picture 13" descr="C:\Users\user\Desktop\결과물\KakaoTalk_20230831_010235571_26.jpg"/>
+          <p:cNvPicPr>
+            <a:picLocks noChangeAspect="1" noChangeArrowheads="1"/>
+          </p:cNvPicPr>
+          <p:nvPr/>
+        </p:nvPicPr>
+        <p:blipFill>
+          <a:blip r:embed="rId11" cstate="screen">
+            <a:extLst>
+              <a:ext uri="{28A0092B-C50C-407E-A947-70E740481C1C}">
+                <a14:useLocalDpi xmlns:a14="http://schemas.microsoft.com/office/drawing/2010/main" val="0"/>
+              </a:ext>
+            </a:extLst>
+          </a:blip>
+          <a:srcRect/>
+          <a:stretch>
+            <a:fillRect/>
+          </a:stretch>
+        </p:blipFill>
+        <p:spPr bwMode="auto">
+          <a:xfrm>
+            <a:off x="7723111" y="3123879"/>
+            <a:ext cx="1639329" cy="2146621"/>
+          </a:xfrm>
+          <a:prstGeom prst="rect">
+            <a:avLst/>
+          </a:prstGeom>
+          <a:noFill/>
+          <a:extLst>
+            <a:ext uri="{909E8E84-426E-40DD-AFC4-6F175D3DCCD1}">
+              <a14:hiddenFill xmlns:a14="http://schemas.microsoft.com/office/drawing/2010/main">
+                <a:solidFill>
+                  <a:srgbClr val="FFFFFF"/>
+                </a:solidFill>
+              </a14:hiddenFill>
+            </a:ext>
+          </a:extLst>
+        </p:spPr>
+      </p:pic>
+      <p:pic>
+        <p:nvPicPr>
+          <p:cNvPr id="5134" name="Picture 14" descr="C:\Users\user\Desktop\결과물\KakaoTalk_20230831_010235571_22.jpg"/>
+          <p:cNvPicPr>
+            <a:picLocks noChangeAspect="1" noChangeArrowheads="1"/>
+          </p:cNvPicPr>
+          <p:nvPr/>
+        </p:nvPicPr>
+        <p:blipFill>
+          <a:blip r:embed="rId12" cstate="screen">
+            <a:extLst>
+              <a:ext uri="{28A0092B-C50C-407E-A947-70E740481C1C}">
+                <a14:useLocalDpi xmlns:a14="http://schemas.microsoft.com/office/drawing/2010/main" val="0"/>
+              </a:ext>
+            </a:extLst>
+          </a:blip>
+          <a:srcRect/>
+          <a:stretch>
+            <a:fillRect/>
+          </a:stretch>
+        </p:blipFill>
+        <p:spPr bwMode="auto">
+          <a:xfrm>
+            <a:off x="9362441" y="3103980"/>
+            <a:ext cx="1624332" cy="2165776"/>
+          </a:xfrm>
+          <a:prstGeom prst="rect">
+            <a:avLst/>
+          </a:prstGeom>
+          <a:noFill/>
+          <a:extLst>
+            <a:ext uri="{909E8E84-426E-40DD-AFC4-6F175D3DCCD1}">
+              <a14:hiddenFill xmlns:a14="http://schemas.microsoft.com/office/drawing/2010/main">
+                <a:solidFill>
+                  <a:srgbClr val="FFFFFF"/>
+                </a:solidFill>
+              </a14:hiddenFill>
+            </a:ext>
+          </a:extLst>
+        </p:spPr>
+      </p:pic>
+      <p:pic>
+        <p:nvPicPr>
+          <p:cNvPr id="5136" name="Picture 16" descr="C:\Users\user\Desktop\12222.jpg"/>
+          <p:cNvPicPr>
+            <a:picLocks noChangeAspect="1" noChangeArrowheads="1"/>
+          </p:cNvPicPr>
+          <p:nvPr/>
+        </p:nvPicPr>
+        <p:blipFill>
+          <a:blip r:embed="rId13" cstate="screen">
+            <a:extLst>
+              <a:ext uri="{28A0092B-C50C-407E-A947-70E740481C1C}">
+                <a14:useLocalDpi xmlns:a14="http://schemas.microsoft.com/office/drawing/2010/main" val="0"/>
+              </a:ext>
+            </a:extLst>
+          </a:blip>
+          <a:srcRect/>
+          <a:stretch>
+            <a:fillRect/>
+          </a:stretch>
+        </p:blipFill>
+        <p:spPr bwMode="auto">
+          <a:xfrm>
+            <a:off x="4447540" y="960422"/>
+            <a:ext cx="1622594" cy="2163457"/>
+          </a:xfrm>
+          <a:prstGeom prst="rect">
+            <a:avLst/>
+          </a:prstGeom>
+          <a:noFill/>
+          <a:extLst>
+            <a:ext uri="{909E8E84-426E-40DD-AFC4-6F175D3DCCD1}">
+              <a14:hiddenFill xmlns:a14="http://schemas.microsoft.com/office/drawing/2010/main">
+                <a:solidFill>
+                  <a:srgbClr val="FFFFFF"/>
+                </a:solidFill>
+              </a14:hiddenFill>
+            </a:ext>
+          </a:extLst>
+        </p:spPr>
+      </p:pic>
+    </p:spTree>
+    <p:extLst>
+      <p:ext uri="{BB962C8B-B14F-4D97-AF65-F5344CB8AC3E}">
+        <p14:creationId xmlns:p14="http://schemas.microsoft.com/office/powerpoint/2010/main" val="3857308429"/>
+      </p:ext>
+    </p:extLst>
+  </p:cSld>
+  <p:clrMapOvr>
+    <a:masterClrMapping/>
+  </p:clrMapOvr>
+  <mc:AlternateContent xmlns:mc="http://schemas.openxmlformats.org/markup-compatibility/2006" xmlns:p14="http://schemas.microsoft.com/office/powerpoint/2010/main">
+    <mc:Choice Requires="p14">
+      <p:transition spd="med" p14:dur="700">
+        <p:fade/>
+      </p:transition>
+    </mc:Choice>
+    <mc:Fallback xmlns="">
+      <p:transition spd="med">
+        <p:fade/>
+      </p:transition>
+    </mc:Fallback>
+  </mc:AlternateContent>
+</p:sld>
+</file>
+
+<file path=ppt/slides/slide4.xml><?xml version="1.0" encoding="utf-8"?>
+<p:sld xmlns:a="http://schemas.openxmlformats.org/drawingml/2006/main" xmlns:r="http://schemas.openxmlformats.org/officeDocument/2006/relationships" xmlns:p="http://schemas.openxmlformats.org/presentationml/2006/main">
+  <p:cSld>
+    <p:spTree>
+      <p:nvGrpSpPr>
+        <p:cNvPr id="1" name=""/>
+        <p:cNvGrpSpPr/>
+        <p:nvPr/>
+      </p:nvGrpSpPr>
+      <p:grpSpPr>
+        <a:xfrm>
+          <a:off x="0" y="0"/>
+          <a:ext cx="0" cy="0"/>
+          <a:chOff x="0" y="0"/>
+          <a:chExt cx="0" cy="0"/>
+        </a:xfrm>
+      </p:grpSpPr>
+      <p:cxnSp>
+        <p:nvCxnSpPr>
+          <p:cNvPr id="3" name="직선 연결선 2">
+            <a:extLst>
+              <a:ext uri="{FF2B5EF4-FFF2-40B4-BE49-F238E27FC236}">
+                <a16:creationId xmlns:a16="http://schemas.microsoft.com/office/drawing/2014/main" xmlns="" id="{30B7886A-E2C2-47A8-A271-1FD08F52EED0}"/>
+              </a:ext>
+            </a:extLst>
+          </p:cNvPr>
+          <p:cNvCxnSpPr>
+            <a:cxnSpLocks/>
+          </p:cNvCxnSpPr>
+          <p:nvPr/>
+        </p:nvCxnSpPr>
+        <p:spPr>
+          <a:xfrm>
+            <a:off x="152400" y="190500"/>
+            <a:ext cx="1435100" cy="0"/>
+          </a:xfrm>
+          <a:prstGeom prst="line">
+            <a:avLst/>
+          </a:prstGeom>
+          <a:ln w="76200">
+            <a:solidFill>
+              <a:schemeClr val="accent4"/>
+            </a:solidFill>
           </a:ln>
         </p:spPr>
         <p:style>
-          <a:lnRef idx="2">
-            <a:schemeClr val="accent1">
-              <a:shade val="50000"/>
-            </a:schemeClr>
+          <a:lnRef idx="1">
+            <a:schemeClr val="accent1"/>
           </a:lnRef>
-          <a:fillRef idx="1">
+          <a:fillRef idx="0">
             <a:schemeClr val="accent1"/>
           </a:fillRef>
           <a:effectRef idx="0">
             <a:schemeClr val="accent1"/>
           </a:effectRef>
           <a:fontRef idx="minor">
-            <a:schemeClr val="lt1"/>
+            <a:schemeClr val="tx1"/>
           </a:fontRef>
         </p:style>
-        <p:txBody>
-          <a:bodyPr rtlCol="0" anchor="ctr"/>
+      </p:cxnSp>
+      <p:cxnSp>
+        <p:nvCxnSpPr>
+          <p:cNvPr id="18" name="직선 연결선 17">
+            <a:extLst>
+              <a:ext uri="{FF2B5EF4-FFF2-40B4-BE49-F238E27FC236}">
+                <a16:creationId xmlns:a16="http://schemas.microsoft.com/office/drawing/2014/main" xmlns="" id="{7911BDFD-7E29-44F7-9ED7-E8F36B51436C}"/>
+              </a:ext>
+            </a:extLst>
+          </p:cNvPr>
+          <p:cNvCxnSpPr/>
+          <p:nvPr/>
+        </p:nvCxnSpPr>
+        <p:spPr>
+          <a:xfrm>
+            <a:off x="1587500" y="190500"/>
+            <a:ext cx="10604500" cy="0"/>
+          </a:xfrm>
+          <a:prstGeom prst="line">
+            <a:avLst/>
+          </a:prstGeom>
+        </p:spPr>
+        <p:style>
+          <a:lnRef idx="1">
+            <a:schemeClr val="accent1"/>
+          </a:lnRef>
+          <a:fillRef idx="0">
+            <a:schemeClr val="accent1"/>
+          </a:fillRef>
+          <a:effectRef idx="0">
+            <a:schemeClr val="accent1"/>
+          </a:effectRef>
+          <a:fontRef idx="minor">
+            <a:schemeClr val="tx1"/>
+          </a:fontRef>
+        </p:style>
+      </p:cxnSp>
+      <p:sp>
+        <p:nvSpPr>
+          <p:cNvPr id="5" name="TextBox 4"/>
+          <p:cNvSpPr txBox="1"/>
+          <p:nvPr/>
+        </p:nvSpPr>
+        <p:spPr>
+          <a:xfrm>
+            <a:off x="663517" y="4678845"/>
+            <a:ext cx="10679430" cy="923330"/>
+          </a:xfrm>
+          <a:prstGeom prst="rect">
+            <a:avLst/>
+          </a:prstGeom>
+          <a:noFill/>
+        </p:spPr>
+        <p:txBody>
+          <a:bodyPr wrap="square" rtlCol="0">
+            <a:spAutoFit/>
+          </a:bodyPr>
           <a:lstStyle/>
           <a:p>
-            <a:pPr algn="ctr"/>
-            <a:endParaRPr lang="ko-KR" altLang="en-US"/>
-          </a:p>
-        </p:txBody>
-      </p:sp>
+            <a:r>
+              <a:rPr lang="ko-KR" altLang="en-US" dirty="0" smtClean="0"/>
+              <a:t> 시연상의 적합한 이미지 확인</a:t>
+            </a:r>
+            <a:endParaRPr lang="en-US" altLang="ko-KR" dirty="0" smtClean="0"/>
+          </a:p>
+          <a:p>
+            <a:r>
+              <a:rPr lang="ko-KR" altLang="en-US" dirty="0" smtClean="0"/>
+              <a:t>적정 모델 이미지 </a:t>
+            </a:r>
+            <a:r>
+              <a:rPr lang="en-US" altLang="ko-KR" dirty="0" smtClean="0"/>
+              <a:t>: </a:t>
+            </a:r>
+            <a:r>
+              <a:rPr lang="ko-KR" altLang="en-US" dirty="0" smtClean="0"/>
+              <a:t>정면</a:t>
+            </a:r>
+            <a:r>
+              <a:rPr lang="en-US" altLang="ko-KR" dirty="0" smtClean="0"/>
+              <a:t>, </a:t>
+            </a:r>
+            <a:r>
+              <a:rPr lang="ko-KR" altLang="en-US" dirty="0" smtClean="0"/>
+              <a:t>화면 신체 비율</a:t>
+            </a:r>
+            <a:r>
+              <a:rPr lang="en-US" altLang="ko-KR" dirty="0" smtClean="0"/>
+              <a:t>(</a:t>
+            </a:r>
+            <a:r>
+              <a:rPr lang="ko-KR" altLang="en-US" dirty="0" smtClean="0"/>
+              <a:t>상체 </a:t>
+            </a:r>
+            <a:r>
+              <a:rPr lang="en-US" altLang="ko-KR" dirty="0" smtClean="0"/>
+              <a:t>35% ~ 60%), </a:t>
+            </a:r>
+            <a:r>
+              <a:rPr lang="ko-KR" altLang="en-US" dirty="0" smtClean="0"/>
+              <a:t>배경 회백색 계열</a:t>
+            </a:r>
+            <a:r>
+              <a:rPr lang="en-US" altLang="ko-KR" dirty="0" smtClean="0"/>
+              <a:t>, </a:t>
+            </a:r>
+            <a:r>
+              <a:rPr lang="ko-KR" altLang="en-US" dirty="0" smtClean="0"/>
+              <a:t>얼굴의 유무</a:t>
+            </a:r>
+            <a:r>
+              <a:rPr lang="en-US" altLang="ko-KR" dirty="0" smtClean="0"/>
+              <a:t>, </a:t>
+            </a:r>
+            <a:r>
+              <a:rPr lang="ko-KR" altLang="en-US" dirty="0" smtClean="0"/>
+              <a:t>손위치</a:t>
+            </a:r>
+            <a:endParaRPr lang="en-US" altLang="ko-KR" dirty="0" smtClean="0"/>
+          </a:p>
+          <a:p>
+            <a:r>
+              <a:rPr lang="ko-KR" altLang="en-US" dirty="0" smtClean="0"/>
+              <a:t>의상 이미지 </a:t>
+            </a:r>
+            <a:r>
+              <a:rPr lang="en-US" altLang="ko-KR" dirty="0" smtClean="0"/>
+              <a:t>: </a:t>
+            </a:r>
+            <a:r>
+              <a:rPr lang="ko-KR" altLang="en-US" dirty="0" smtClean="0"/>
+              <a:t>적절한</a:t>
+            </a:r>
+            <a:r>
+              <a:rPr lang="en-US" altLang="ko-KR" dirty="0" smtClean="0"/>
+              <a:t> </a:t>
+            </a:r>
+            <a:r>
+              <a:rPr lang="ko-KR" altLang="en-US" dirty="0" smtClean="0"/>
+              <a:t>상하 여백</a:t>
+            </a:r>
+            <a:endParaRPr lang="en-US" altLang="ko-KR" dirty="0" smtClean="0"/>
+          </a:p>
+        </p:txBody>
+      </p:sp>
+      <p:pic>
+        <p:nvPicPr>
+          <p:cNvPr id="3077" name="Picture 5" descr="C:\Users\user\Desktop\KakaoTalk_20230831_013855470.jpg"/>
+          <p:cNvPicPr>
+            <a:picLocks noChangeAspect="1" noChangeArrowheads="1"/>
+          </p:cNvPicPr>
+          <p:nvPr/>
+        </p:nvPicPr>
+        <p:blipFill>
+          <a:blip r:embed="rId2" cstate="screen">
+            <a:extLst>
+              <a:ext uri="{28A0092B-C50C-407E-A947-70E740481C1C}">
+                <a14:useLocalDpi xmlns:a14="http://schemas.microsoft.com/office/drawing/2010/main" val="0"/>
+              </a:ext>
+            </a:extLst>
+          </a:blip>
+          <a:srcRect/>
+          <a:stretch>
+            <a:fillRect/>
+          </a:stretch>
+        </p:blipFill>
+        <p:spPr bwMode="auto">
+          <a:xfrm>
+            <a:off x="351364" y="765174"/>
+            <a:ext cx="2623840" cy="3440764"/>
+          </a:xfrm>
+          <a:prstGeom prst="rect">
+            <a:avLst/>
+          </a:prstGeom>
+          <a:noFill/>
+          <a:extLst>
+            <a:ext uri="{909E8E84-426E-40DD-AFC4-6F175D3DCCD1}">
+              <a14:hiddenFill xmlns:a14="http://schemas.microsoft.com/office/drawing/2010/main">
+                <a:solidFill>
+                  <a:srgbClr val="FFFFFF"/>
+                </a:solidFill>
+              </a14:hiddenFill>
+            </a:ext>
+          </a:extLst>
+        </p:spPr>
+      </p:pic>
+      <p:pic>
+        <p:nvPicPr>
+          <p:cNvPr id="3078" name="Picture 6" descr="C:\Users\user\Desktop\KakaoTalk_20230831_013953685.jpg"/>
+          <p:cNvPicPr>
+            <a:picLocks noChangeAspect="1" noChangeArrowheads="1"/>
+          </p:cNvPicPr>
+          <p:nvPr/>
+        </p:nvPicPr>
+        <p:blipFill>
+          <a:blip r:embed="rId3" cstate="screen">
+            <a:extLst>
+              <a:ext uri="{28A0092B-C50C-407E-A947-70E740481C1C}">
+                <a14:useLocalDpi xmlns:a14="http://schemas.microsoft.com/office/drawing/2010/main" val="0"/>
+              </a:ext>
+            </a:extLst>
+          </a:blip>
+          <a:srcRect/>
+          <a:stretch>
+            <a:fillRect/>
+          </a:stretch>
+        </p:blipFill>
+        <p:spPr bwMode="auto">
+          <a:xfrm>
+            <a:off x="2768598" y="765175"/>
+            <a:ext cx="2947815" cy="3436098"/>
+          </a:xfrm>
+          <a:prstGeom prst="rect">
+            <a:avLst/>
+          </a:prstGeom>
+          <a:noFill/>
+          <a:extLst>
+            <a:ext uri="{909E8E84-426E-40DD-AFC4-6F175D3DCCD1}">
+              <a14:hiddenFill xmlns:a14="http://schemas.microsoft.com/office/drawing/2010/main">
+                <a:solidFill>
+                  <a:srgbClr val="FFFFFF"/>
+                </a:solidFill>
+              </a14:hiddenFill>
+            </a:ext>
+          </a:extLst>
+        </p:spPr>
+      </p:pic>
+      <p:pic>
+        <p:nvPicPr>
+          <p:cNvPr id="3079" name="Picture 7" descr="C:\Users\user\Desktop\KakaoTalk_20230831_014159062.jpg"/>
+          <p:cNvPicPr>
+            <a:picLocks noChangeAspect="1" noChangeArrowheads="1"/>
+          </p:cNvPicPr>
+          <p:nvPr/>
+        </p:nvPicPr>
+        <p:blipFill>
+          <a:blip r:embed="rId4" cstate="screen">
+            <a:extLst>
+              <a:ext uri="{28A0092B-C50C-407E-A947-70E740481C1C}">
+                <a14:useLocalDpi xmlns:a14="http://schemas.microsoft.com/office/drawing/2010/main" val="0"/>
+              </a:ext>
+            </a:extLst>
+          </a:blip>
+          <a:srcRect/>
+          <a:stretch>
+            <a:fillRect/>
+          </a:stretch>
+        </p:blipFill>
+        <p:spPr bwMode="auto">
+          <a:xfrm>
+            <a:off x="5490536" y="768351"/>
+            <a:ext cx="3826817" cy="3443432"/>
+          </a:xfrm>
+          <a:prstGeom prst="rect">
+            <a:avLst/>
+          </a:prstGeom>
+          <a:noFill/>
+          <a:extLst>
+            <a:ext uri="{909E8E84-426E-40DD-AFC4-6F175D3DCCD1}">
+              <a14:hiddenFill xmlns:a14="http://schemas.microsoft.com/office/drawing/2010/main">
+                <a:solidFill>
+                  <a:srgbClr val="FFFFFF"/>
+                </a:solidFill>
+              </a14:hiddenFill>
+            </a:ext>
+          </a:extLst>
+        </p:spPr>
+      </p:pic>
+      <p:pic>
+        <p:nvPicPr>
+          <p:cNvPr id="3080" name="Picture 8" descr="C:\Users\user\Desktop\KakaoTalk_20230831_014023904.jpg"/>
+          <p:cNvPicPr>
+            <a:picLocks noChangeAspect="1" noChangeArrowheads="1"/>
+          </p:cNvPicPr>
+          <p:nvPr/>
+        </p:nvPicPr>
+        <p:blipFill>
+          <a:blip r:embed="rId5" cstate="screen">
+            <a:extLst>
+              <a:ext uri="{28A0092B-C50C-407E-A947-70E740481C1C}">
+                <a14:useLocalDpi xmlns:a14="http://schemas.microsoft.com/office/drawing/2010/main" val="0"/>
+              </a:ext>
+            </a:extLst>
+          </a:blip>
+          <a:srcRect/>
+          <a:stretch>
+            <a:fillRect/>
+          </a:stretch>
+        </p:blipFill>
+        <p:spPr bwMode="auto">
+          <a:xfrm>
+            <a:off x="8726803" y="765175"/>
+            <a:ext cx="2931796" cy="3440764"/>
+          </a:xfrm>
+          <a:prstGeom prst="rect">
+            <a:avLst/>
+          </a:prstGeom>
+          <a:noFill/>
+          <a:extLst>
+            <a:ext uri="{909E8E84-426E-40DD-AFC4-6F175D3DCCD1}">
+              <a14:hiddenFill xmlns:a14="http://schemas.microsoft.com/office/drawing/2010/main">
+                <a:solidFill>
+                  <a:srgbClr val="FFFFFF"/>
+                </a:solidFill>
+              </a14:hiddenFill>
+            </a:ext>
+          </a:extLst>
+        </p:spPr>
+      </p:pic>
     </p:spTree>
     <p:extLst>
       <p:ext uri="{BB962C8B-B14F-4D97-AF65-F5344CB8AC3E}">
-        <p14:creationId xmlns:p14="http://schemas.microsoft.com/office/powerpoint/2010/main" val="2416042653"/>
+        <p14:creationId xmlns:p14="http://schemas.microsoft.com/office/powerpoint/2010/main" val="3212498315"/>
+      </p:ext>
+    </p:extLst>
+  </p:cSld>
+  <p:clrMapOvr>
+    <a:masterClrMapping/>
+  </p:clrMapOvr>
+  <mc:AlternateContent xmlns:mc="http://schemas.openxmlformats.org/markup-compatibility/2006" xmlns:p14="http://schemas.microsoft.com/office/powerpoint/2010/main">
+    <mc:Choice Requires="p14">
+      <p:transition spd="med" p14:dur="700">
+        <p:fade/>
+      </p:transition>
+    </mc:Choice>
+    <mc:Fallback xmlns="">
+      <p:transition spd="med">
+        <p:fade/>
+      </p:transition>
+    </mc:Fallback>
+  </mc:AlternateContent>
+</p:sld>
+</file>
+
+<file path=ppt/slides/slide5.xml><?xml version="1.0" encoding="utf-8"?>
+<p:sld xmlns:a="http://schemas.openxmlformats.org/drawingml/2006/main" xmlns:r="http://schemas.openxmlformats.org/officeDocument/2006/relationships" xmlns:p="http://schemas.openxmlformats.org/presentationml/2006/main">
+  <p:cSld>
+    <p:spTree>
+      <p:nvGrpSpPr>
+        <p:cNvPr id="1" name=""/>
+        <p:cNvGrpSpPr/>
+        <p:nvPr/>
+      </p:nvGrpSpPr>
+      <p:grpSpPr>
+        <a:xfrm>
+          <a:off x="0" y="0"/>
+          <a:ext cx="0" cy="0"/>
+          <a:chOff x="0" y="0"/>
+          <a:chExt cx="0" cy="0"/>
+        </a:xfrm>
+      </p:grpSpPr>
+      <p:cxnSp>
+        <p:nvCxnSpPr>
+          <p:cNvPr id="3" name="직선 연결선 2">
+            <a:extLst>
+              <a:ext uri="{FF2B5EF4-FFF2-40B4-BE49-F238E27FC236}">
+                <a16:creationId xmlns:a16="http://schemas.microsoft.com/office/drawing/2014/main" xmlns="" id="{30B7886A-E2C2-47A8-A271-1FD08F52EED0}"/>
+              </a:ext>
+            </a:extLst>
+          </p:cNvPr>
+          <p:cNvCxnSpPr>
+            <a:cxnSpLocks/>
+          </p:cNvCxnSpPr>
+          <p:nvPr/>
+        </p:nvCxnSpPr>
+        <p:spPr>
+          <a:xfrm>
+            <a:off x="152400" y="190500"/>
+            <a:ext cx="1435100" cy="0"/>
+          </a:xfrm>
+          <a:prstGeom prst="line">
+            <a:avLst/>
+          </a:prstGeom>
+          <a:ln w="76200">
+            <a:solidFill>
+              <a:schemeClr val="accent4"/>
+            </a:solidFill>
+          </a:ln>
+        </p:spPr>
+        <p:style>
+          <a:lnRef idx="1">
+            <a:schemeClr val="accent1"/>
+          </a:lnRef>
+          <a:fillRef idx="0">
+            <a:schemeClr val="accent1"/>
+          </a:fillRef>
+          <a:effectRef idx="0">
+            <a:schemeClr val="accent1"/>
+          </a:effectRef>
+          <a:fontRef idx="minor">
+            <a:schemeClr val="tx1"/>
+          </a:fontRef>
+        </p:style>
+      </p:cxnSp>
+      <p:cxnSp>
+        <p:nvCxnSpPr>
+          <p:cNvPr id="18" name="직선 연결선 17">
+            <a:extLst>
+              <a:ext uri="{FF2B5EF4-FFF2-40B4-BE49-F238E27FC236}">
+                <a16:creationId xmlns:a16="http://schemas.microsoft.com/office/drawing/2014/main" xmlns="" id="{7911BDFD-7E29-44F7-9ED7-E8F36B51436C}"/>
+              </a:ext>
+            </a:extLst>
+          </p:cNvPr>
+          <p:cNvCxnSpPr/>
+          <p:nvPr/>
+        </p:nvCxnSpPr>
+        <p:spPr>
+          <a:xfrm>
+            <a:off x="1587500" y="190500"/>
+            <a:ext cx="10604500" cy="0"/>
+          </a:xfrm>
+          <a:prstGeom prst="line">
+            <a:avLst/>
+          </a:prstGeom>
+        </p:spPr>
+        <p:style>
+          <a:lnRef idx="1">
+            <a:schemeClr val="accent1"/>
+          </a:lnRef>
+          <a:fillRef idx="0">
+            <a:schemeClr val="accent1"/>
+          </a:fillRef>
+          <a:effectRef idx="0">
+            <a:schemeClr val="accent1"/>
+          </a:effectRef>
+          <a:fontRef idx="minor">
+            <a:schemeClr val="tx1"/>
+          </a:fontRef>
+        </p:style>
+      </p:cxnSp>
+      <p:sp>
+        <p:nvSpPr>
+          <p:cNvPr id="5" name="TextBox 4"/>
+          <p:cNvSpPr txBox="1"/>
+          <p:nvPr/>
+        </p:nvSpPr>
+        <p:spPr>
+          <a:xfrm>
+            <a:off x="681989" y="5505419"/>
+            <a:ext cx="10679430" cy="369332"/>
+          </a:xfrm>
+          <a:prstGeom prst="rect">
+            <a:avLst/>
+          </a:prstGeom>
+          <a:noFill/>
+        </p:spPr>
+        <p:txBody>
+          <a:bodyPr wrap="square" rtlCol="0">
+            <a:spAutoFit/>
+          </a:bodyPr>
+          <a:lstStyle/>
+          <a:p>
+            <a:r>
+              <a:rPr lang="ko-KR" altLang="en-US" dirty="0" smtClean="0"/>
+              <a:t> 모델 이미지 양식을 카메라 </a:t>
+            </a:r>
+            <a:r>
+              <a:rPr lang="ko-KR" altLang="en-US" dirty="0" err="1" smtClean="0"/>
+              <a:t>세팅과</a:t>
+            </a:r>
+            <a:r>
+              <a:rPr lang="ko-KR" altLang="en-US" dirty="0" smtClean="0"/>
+              <a:t> 유사한 결과의 이미지로 수집 및 테스트</a:t>
+            </a:r>
+            <a:endParaRPr lang="en-US" altLang="ko-KR" dirty="0" smtClean="0"/>
+          </a:p>
+        </p:txBody>
+      </p:sp>
+      <p:pic>
+        <p:nvPicPr>
+          <p:cNvPr id="7170" name="Picture 2" descr="C:\Users\user\Documents\카카오톡 받은 파일\222.jpg"/>
+          <p:cNvPicPr>
+            <a:picLocks noChangeAspect="1" noChangeArrowheads="1"/>
+          </p:cNvPicPr>
+          <p:nvPr/>
+        </p:nvPicPr>
+        <p:blipFill>
+          <a:blip r:embed="rId2" cstate="screen">
+            <a:extLst>
+              <a:ext uri="{28A0092B-C50C-407E-A947-70E740481C1C}">
+                <a14:useLocalDpi xmlns:a14="http://schemas.microsoft.com/office/drawing/2010/main" val="0"/>
+              </a:ext>
+            </a:extLst>
+          </a:blip>
+          <a:srcRect/>
+          <a:stretch>
+            <a:fillRect/>
+          </a:stretch>
+        </p:blipFill>
+        <p:spPr bwMode="auto">
+          <a:xfrm>
+            <a:off x="606580" y="723977"/>
+            <a:ext cx="2985255" cy="4328619"/>
+          </a:xfrm>
+          <a:prstGeom prst="rect">
+            <a:avLst/>
+          </a:prstGeom>
+          <a:noFill/>
+          <a:extLst>
+            <a:ext uri="{909E8E84-426E-40DD-AFC4-6F175D3DCCD1}">
+              <a14:hiddenFill xmlns:a14="http://schemas.microsoft.com/office/drawing/2010/main">
+                <a:solidFill>
+                  <a:srgbClr val="FFFFFF"/>
+                </a:solidFill>
+              </a14:hiddenFill>
+            </a:ext>
+          </a:extLst>
+        </p:spPr>
+      </p:pic>
+      <p:pic>
+        <p:nvPicPr>
+          <p:cNvPr id="7171" name="Picture 3" descr="C:\Users\user\Documents\카카오톡 받은 파일\333.jpg"/>
+          <p:cNvPicPr>
+            <a:picLocks noChangeAspect="1" noChangeArrowheads="1"/>
+          </p:cNvPicPr>
+          <p:nvPr/>
+        </p:nvPicPr>
+        <p:blipFill>
+          <a:blip r:embed="rId3" cstate="screen">
+            <a:extLst>
+              <a:ext uri="{28A0092B-C50C-407E-A947-70E740481C1C}">
+                <a14:useLocalDpi xmlns:a14="http://schemas.microsoft.com/office/drawing/2010/main" val="0"/>
+              </a:ext>
+            </a:extLst>
+          </a:blip>
+          <a:srcRect/>
+          <a:stretch>
+            <a:fillRect/>
+          </a:stretch>
+        </p:blipFill>
+        <p:spPr bwMode="auto">
+          <a:xfrm>
+            <a:off x="2922511" y="714814"/>
+            <a:ext cx="3099193" cy="4337778"/>
+          </a:xfrm>
+          <a:prstGeom prst="rect">
+            <a:avLst/>
+          </a:prstGeom>
+          <a:noFill/>
+          <a:extLst>
+            <a:ext uri="{909E8E84-426E-40DD-AFC4-6F175D3DCCD1}">
+              <a14:hiddenFill xmlns:a14="http://schemas.microsoft.com/office/drawing/2010/main">
+                <a:solidFill>
+                  <a:srgbClr val="FFFFFF"/>
+                </a:solidFill>
+              </a14:hiddenFill>
+            </a:ext>
+          </a:extLst>
+        </p:spPr>
+      </p:pic>
+      <p:pic>
+        <p:nvPicPr>
+          <p:cNvPr id="7172" name="Picture 4" descr="C:\Users\user\Documents\카카오톡 받은 파일\666.jpg"/>
+          <p:cNvPicPr>
+            <a:picLocks noChangeAspect="1" noChangeArrowheads="1"/>
+          </p:cNvPicPr>
+          <p:nvPr/>
+        </p:nvPicPr>
+        <p:blipFill>
+          <a:blip r:embed="rId4" cstate="screen">
+            <a:extLst>
+              <a:ext uri="{28A0092B-C50C-407E-A947-70E740481C1C}">
+                <a14:useLocalDpi xmlns:a14="http://schemas.microsoft.com/office/drawing/2010/main" val="0"/>
+              </a:ext>
+            </a:extLst>
+          </a:blip>
+          <a:srcRect/>
+          <a:stretch>
+            <a:fillRect/>
+          </a:stretch>
+        </p:blipFill>
+        <p:spPr bwMode="auto">
+          <a:xfrm>
+            <a:off x="5648861" y="723976"/>
+            <a:ext cx="3462895" cy="4328619"/>
+          </a:xfrm>
+          <a:prstGeom prst="rect">
+            <a:avLst/>
+          </a:prstGeom>
+          <a:noFill/>
+          <a:extLst>
+            <a:ext uri="{909E8E84-426E-40DD-AFC4-6F175D3DCCD1}">
+              <a14:hiddenFill xmlns:a14="http://schemas.microsoft.com/office/drawing/2010/main">
+                <a:solidFill>
+                  <a:srgbClr val="FFFFFF"/>
+                </a:solidFill>
+              </a14:hiddenFill>
+            </a:ext>
+          </a:extLst>
+        </p:spPr>
+      </p:pic>
+      <p:pic>
+        <p:nvPicPr>
+          <p:cNvPr id="7173" name="Picture 5" descr="C:\Users\user\Documents\카카오톡 받은 파일\555.jpg"/>
+          <p:cNvPicPr>
+            <a:picLocks noChangeAspect="1" noChangeArrowheads="1"/>
+          </p:cNvPicPr>
+          <p:nvPr/>
+        </p:nvPicPr>
+        <p:blipFill>
+          <a:blip r:embed="rId5" cstate="screen">
+            <a:extLst>
+              <a:ext uri="{28A0092B-C50C-407E-A947-70E740481C1C}">
+                <a14:useLocalDpi xmlns:a14="http://schemas.microsoft.com/office/drawing/2010/main" val="0"/>
+              </a:ext>
+            </a:extLst>
+          </a:blip>
+          <a:srcRect/>
+          <a:stretch>
+            <a:fillRect/>
+          </a:stretch>
+        </p:blipFill>
+        <p:spPr bwMode="auto">
+          <a:xfrm>
+            <a:off x="8364337" y="723973"/>
+            <a:ext cx="3246465" cy="4328619"/>
+          </a:xfrm>
+          <a:prstGeom prst="rect">
+            <a:avLst/>
+          </a:prstGeom>
+          <a:noFill/>
+          <a:extLst>
+            <a:ext uri="{909E8E84-426E-40DD-AFC4-6F175D3DCCD1}">
+              <a14:hiddenFill xmlns:a14="http://schemas.microsoft.com/office/drawing/2010/main">
+                <a:solidFill>
+                  <a:srgbClr val="FFFFFF"/>
+                </a:solidFill>
+              </a14:hiddenFill>
+            </a:ext>
+          </a:extLst>
+        </p:spPr>
+      </p:pic>
+    </p:spTree>
+    <p:extLst>
+      <p:ext uri="{BB962C8B-B14F-4D97-AF65-F5344CB8AC3E}">
+        <p14:creationId xmlns:p14="http://schemas.microsoft.com/office/powerpoint/2010/main" val="443281124"/>
+      </p:ext>
+    </p:extLst>
+  </p:cSld>
+  <p:clrMapOvr>
+    <a:masterClrMapping/>
+  </p:clrMapOvr>
+  <mc:AlternateContent xmlns:mc="http://schemas.openxmlformats.org/markup-compatibility/2006" xmlns:p14="http://schemas.microsoft.com/office/powerpoint/2010/main">
+    <mc:Choice Requires="p14">
+      <p:transition spd="med" p14:dur="700">
+        <p:fade/>
+      </p:transition>
+    </mc:Choice>
+    <mc:Fallback xmlns="">
+      <p:transition spd="med">
+        <p:fade/>
+      </p:transition>
+    </mc:Fallback>
+  </mc:AlternateContent>
+</p:sld>
+</file>
+
+<file path=ppt/slides/slide6.xml><?xml version="1.0" encoding="utf-8"?>
+<p:sld xmlns:a="http://schemas.openxmlformats.org/drawingml/2006/main" xmlns:r="http://schemas.openxmlformats.org/officeDocument/2006/relationships" xmlns:p="http://schemas.openxmlformats.org/presentationml/2006/main">
+  <p:cSld>
+    <p:spTree>
+      <p:nvGrpSpPr>
+        <p:cNvPr id="1" name=""/>
+        <p:cNvGrpSpPr/>
+        <p:nvPr/>
+      </p:nvGrpSpPr>
+      <p:grpSpPr>
+        <a:xfrm>
+          <a:off x="0" y="0"/>
+          <a:ext cx="0" cy="0"/>
+          <a:chOff x="0" y="0"/>
+          <a:chExt cx="0" cy="0"/>
+        </a:xfrm>
+      </p:grpSpPr>
+      <p:cxnSp>
+        <p:nvCxnSpPr>
+          <p:cNvPr id="3" name="직선 연결선 2">
+            <a:extLst>
+              <a:ext uri="{FF2B5EF4-FFF2-40B4-BE49-F238E27FC236}">
+                <a16:creationId xmlns:a16="http://schemas.microsoft.com/office/drawing/2014/main" xmlns="" id="{30B7886A-E2C2-47A8-A271-1FD08F52EED0}"/>
+              </a:ext>
+            </a:extLst>
+          </p:cNvPr>
+          <p:cNvCxnSpPr>
+            <a:cxnSpLocks/>
+          </p:cNvCxnSpPr>
+          <p:nvPr/>
+        </p:nvCxnSpPr>
+        <p:spPr>
+          <a:xfrm>
+            <a:off x="152400" y="190500"/>
+            <a:ext cx="1435100" cy="0"/>
+          </a:xfrm>
+          <a:prstGeom prst="line">
+            <a:avLst/>
+          </a:prstGeom>
+          <a:ln w="76200">
+            <a:solidFill>
+              <a:schemeClr val="accent4"/>
+            </a:solidFill>
+          </a:ln>
+        </p:spPr>
+        <p:style>
+          <a:lnRef idx="1">
+            <a:schemeClr val="accent1"/>
+          </a:lnRef>
+          <a:fillRef idx="0">
+            <a:schemeClr val="accent1"/>
+          </a:fillRef>
+          <a:effectRef idx="0">
+            <a:schemeClr val="accent1"/>
+          </a:effectRef>
+          <a:fontRef idx="minor">
+            <a:schemeClr val="tx1"/>
+          </a:fontRef>
+        </p:style>
+      </p:cxnSp>
+      <p:cxnSp>
+        <p:nvCxnSpPr>
+          <p:cNvPr id="18" name="직선 연결선 17">
+            <a:extLst>
+              <a:ext uri="{FF2B5EF4-FFF2-40B4-BE49-F238E27FC236}">
+                <a16:creationId xmlns:a16="http://schemas.microsoft.com/office/drawing/2014/main" xmlns="" id="{7911BDFD-7E29-44F7-9ED7-E8F36B51436C}"/>
+              </a:ext>
+            </a:extLst>
+          </p:cNvPr>
+          <p:cNvCxnSpPr/>
+          <p:nvPr/>
+        </p:nvCxnSpPr>
+        <p:spPr>
+          <a:xfrm>
+            <a:off x="1587500" y="190500"/>
+            <a:ext cx="10604500" cy="0"/>
+          </a:xfrm>
+          <a:prstGeom prst="line">
+            <a:avLst/>
+          </a:prstGeom>
+        </p:spPr>
+        <p:style>
+          <a:lnRef idx="1">
+            <a:schemeClr val="accent1"/>
+          </a:lnRef>
+          <a:fillRef idx="0">
+            <a:schemeClr val="accent1"/>
+          </a:fillRef>
+          <a:effectRef idx="0">
+            <a:schemeClr val="accent1"/>
+          </a:effectRef>
+          <a:fontRef idx="minor">
+            <a:schemeClr val="tx1"/>
+          </a:fontRef>
+        </p:style>
+      </p:cxnSp>
+      <p:sp>
+        <p:nvSpPr>
+          <p:cNvPr id="5" name="TextBox 4"/>
+          <p:cNvSpPr txBox="1"/>
+          <p:nvPr/>
+        </p:nvSpPr>
+        <p:spPr>
+          <a:xfrm>
+            <a:off x="681990" y="5429735"/>
+            <a:ext cx="10679430" cy="646331"/>
+          </a:xfrm>
+          <a:prstGeom prst="rect">
+            <a:avLst/>
+          </a:prstGeom>
+          <a:noFill/>
+        </p:spPr>
+        <p:txBody>
+          <a:bodyPr wrap="square" rtlCol="0">
+            <a:spAutoFit/>
+          </a:bodyPr>
+          <a:lstStyle/>
+          <a:p>
+            <a:r>
+              <a:rPr lang="ko-KR" altLang="en-US" dirty="0" smtClean="0"/>
+              <a:t>양식에 맞을 경우</a:t>
+            </a:r>
+            <a:r>
+              <a:rPr lang="en-US" altLang="ko-KR" dirty="0"/>
+              <a:t>,</a:t>
+            </a:r>
+            <a:r>
+              <a:rPr lang="ko-KR" altLang="en-US" dirty="0" smtClean="0"/>
+              <a:t> </a:t>
+            </a:r>
+            <a:r>
+              <a:rPr lang="ko-KR" altLang="en-US" dirty="0" err="1" smtClean="0"/>
+              <a:t>실행시</a:t>
+            </a:r>
+            <a:r>
+              <a:rPr lang="ko-KR" altLang="en-US" dirty="0" smtClean="0"/>
+              <a:t> </a:t>
+            </a:r>
+            <a:r>
+              <a:rPr lang="ko-KR" altLang="en-US" dirty="0" smtClean="0"/>
+              <a:t>결과물이 적합하게 생성됨을 확인</a:t>
+            </a:r>
+            <a:r>
+              <a:rPr lang="en-US" altLang="ko-KR" dirty="0" smtClean="0"/>
+              <a:t>,</a:t>
+            </a:r>
+          </a:p>
+          <a:p>
+            <a:r>
+              <a:rPr lang="ko-KR" altLang="en-US" dirty="0" err="1" smtClean="0"/>
+              <a:t>시연시</a:t>
+            </a:r>
+            <a:r>
+              <a:rPr lang="ko-KR" altLang="en-US" dirty="0" smtClean="0"/>
+              <a:t> 적절한 결과를 얻을 수 있음을 확인</a:t>
+            </a:r>
+            <a:r>
+              <a:rPr lang="en-US" altLang="ko-KR" dirty="0" smtClean="0"/>
+              <a:t>.</a:t>
+            </a:r>
+          </a:p>
+        </p:txBody>
+      </p:sp>
+      <p:pic>
+        <p:nvPicPr>
+          <p:cNvPr id="8194" name="Picture 2" descr="C:\Users\user\Documents\카카오톡 받은 파일\66644.jpg"/>
+          <p:cNvPicPr>
+            <a:picLocks noChangeAspect="1" noChangeArrowheads="1"/>
+          </p:cNvPicPr>
+          <p:nvPr/>
+        </p:nvPicPr>
+        <p:blipFill>
+          <a:blip r:embed="rId2">
+            <a:extLst>
+              <a:ext uri="{28A0092B-C50C-407E-A947-70E740481C1C}">
+                <a14:useLocalDpi xmlns:a14="http://schemas.microsoft.com/office/drawing/2010/main" val="0"/>
+              </a:ext>
+            </a:extLst>
+          </a:blip>
+          <a:srcRect/>
+          <a:stretch>
+            <a:fillRect/>
+          </a:stretch>
+        </p:blipFill>
+        <p:spPr bwMode="auto">
+          <a:xfrm>
+            <a:off x="256886" y="685800"/>
+            <a:ext cx="3299114" cy="4303192"/>
+          </a:xfrm>
+          <a:prstGeom prst="rect">
+            <a:avLst/>
+          </a:prstGeom>
+          <a:noFill/>
+          <a:extLst>
+            <a:ext uri="{909E8E84-426E-40DD-AFC4-6F175D3DCCD1}">
+              <a14:hiddenFill xmlns:a14="http://schemas.microsoft.com/office/drawing/2010/main">
+                <a:solidFill>
+                  <a:srgbClr val="FFFFFF"/>
+                </a:solidFill>
+              </a14:hiddenFill>
+            </a:ext>
+          </a:extLst>
+        </p:spPr>
+      </p:pic>
+      <p:pic>
+        <p:nvPicPr>
+          <p:cNvPr id="8195" name="Picture 3" descr="C:\Users\user\Documents\카카오톡 받은 파일\777.jpg"/>
+          <p:cNvPicPr>
+            <a:picLocks noChangeAspect="1" noChangeArrowheads="1"/>
+          </p:cNvPicPr>
+          <p:nvPr/>
+        </p:nvPicPr>
+        <p:blipFill>
+          <a:blip r:embed="rId3" cstate="screen">
+            <a:extLst>
+              <a:ext uri="{28A0092B-C50C-407E-A947-70E740481C1C}">
+                <a14:useLocalDpi xmlns:a14="http://schemas.microsoft.com/office/drawing/2010/main" val="0"/>
+              </a:ext>
+            </a:extLst>
+          </a:blip>
+          <a:srcRect/>
+          <a:stretch>
+            <a:fillRect/>
+          </a:stretch>
+        </p:blipFill>
+        <p:spPr bwMode="auto">
+          <a:xfrm>
+            <a:off x="3131126" y="685798"/>
+            <a:ext cx="3227395" cy="4303193"/>
+          </a:xfrm>
+          <a:prstGeom prst="rect">
+            <a:avLst/>
+          </a:prstGeom>
+          <a:noFill/>
+          <a:extLst>
+            <a:ext uri="{909E8E84-426E-40DD-AFC4-6F175D3DCCD1}">
+              <a14:hiddenFill xmlns:a14="http://schemas.microsoft.com/office/drawing/2010/main">
+                <a:solidFill>
+                  <a:srgbClr val="FFFFFF"/>
+                </a:solidFill>
+              </a14:hiddenFill>
+            </a:ext>
+          </a:extLst>
+        </p:spPr>
+      </p:pic>
+      <p:pic>
+        <p:nvPicPr>
+          <p:cNvPr id="8196" name="Picture 4" descr="C:\Users\user\Desktop\KakaoTalk_20230831_042315650.jpg"/>
+          <p:cNvPicPr>
+            <a:picLocks noChangeAspect="1" noChangeArrowheads="1"/>
+          </p:cNvPicPr>
+          <p:nvPr/>
+        </p:nvPicPr>
+        <p:blipFill>
+          <a:blip r:embed="rId4">
+            <a:extLst>
+              <a:ext uri="{28A0092B-C50C-407E-A947-70E740481C1C}">
+                <a14:useLocalDpi xmlns:a14="http://schemas.microsoft.com/office/drawing/2010/main" val="0"/>
+              </a:ext>
+            </a:extLst>
+          </a:blip>
+          <a:srcRect/>
+          <a:stretch>
+            <a:fillRect/>
+          </a:stretch>
+        </p:blipFill>
+        <p:spPr bwMode="auto">
+          <a:xfrm>
+            <a:off x="5735204" y="685799"/>
+            <a:ext cx="3048000" cy="4303191"/>
+          </a:xfrm>
+          <a:prstGeom prst="rect">
+            <a:avLst/>
+          </a:prstGeom>
+          <a:noFill/>
+          <a:extLst>
+            <a:ext uri="{909E8E84-426E-40DD-AFC4-6F175D3DCCD1}">
+              <a14:hiddenFill xmlns:a14="http://schemas.microsoft.com/office/drawing/2010/main">
+                <a:solidFill>
+                  <a:srgbClr val="FFFFFF"/>
+                </a:solidFill>
+              </a14:hiddenFill>
+            </a:ext>
+          </a:extLst>
+        </p:spPr>
+      </p:pic>
+      <p:pic>
+        <p:nvPicPr>
+          <p:cNvPr id="8197" name="Picture 5" descr="C:\Users\user\Desktop\KakaoTalk_20230831_042441958.jpg"/>
+          <p:cNvPicPr>
+            <a:picLocks noChangeAspect="1" noChangeArrowheads="1"/>
+          </p:cNvPicPr>
+          <p:nvPr/>
+        </p:nvPicPr>
+        <p:blipFill>
+          <a:blip r:embed="rId5" cstate="screen">
+            <a:extLst>
+              <a:ext uri="{28A0092B-C50C-407E-A947-70E740481C1C}">
+                <a14:useLocalDpi xmlns:a14="http://schemas.microsoft.com/office/drawing/2010/main" val="0"/>
+              </a:ext>
+            </a:extLst>
+          </a:blip>
+          <a:srcRect/>
+          <a:stretch>
+            <a:fillRect/>
+          </a:stretch>
+        </p:blipFill>
+        <p:spPr bwMode="auto">
+          <a:xfrm>
+            <a:off x="8432800" y="685802"/>
+            <a:ext cx="3367716" cy="4303190"/>
+          </a:xfrm>
+          <a:prstGeom prst="rect">
+            <a:avLst/>
+          </a:prstGeom>
+          <a:noFill/>
+          <a:extLst>
+            <a:ext uri="{909E8E84-426E-40DD-AFC4-6F175D3DCCD1}">
+              <a14:hiddenFill xmlns:a14="http://schemas.microsoft.com/office/drawing/2010/main">
+                <a:solidFill>
+                  <a:srgbClr val="FFFFFF"/>
+                </a:solidFill>
+              </a14:hiddenFill>
+            </a:ext>
+          </a:extLst>
+        </p:spPr>
+      </p:pic>
+    </p:spTree>
+    <p:extLst>
+      <p:ext uri="{BB962C8B-B14F-4D97-AF65-F5344CB8AC3E}">
+        <p14:creationId xmlns:p14="http://schemas.microsoft.com/office/powerpoint/2010/main" val="3616810192"/>
       </p:ext>
     </p:extLst>
   </p:cSld>

--- a/발표자료/업데이트/LJHPPT.pptx
+++ b/발표자료/업데이트/LJHPPT.pptx
@@ -4,13 +4,14 @@
   <p:sldMasterIdLst>
     <p:sldMasterId id="2147483648" r:id="rId1"/>
   </p:sldMasterIdLst>
+  <p:notesMasterIdLst>
+    <p:notesMasterId r:id="rId6"/>
+  </p:notesMasterIdLst>
   <p:sldIdLst>
     <p:sldId id="256" r:id="rId2"/>
     <p:sldId id="276" r:id="rId3"/>
     <p:sldId id="279" r:id="rId4"/>
     <p:sldId id="277" r:id="rId5"/>
-    <p:sldId id="281" r:id="rId6"/>
-    <p:sldId id="282" r:id="rId7"/>
   </p:sldIdLst>
   <p:sldSz cx="12192000" cy="6858000"/>
   <p:notesSz cx="6858000" cy="9144000"/>
@@ -111,7 +112,7 @@
   </p:defaultTextStyle>
   <p:extLst>
     <p:ext uri="{EFAFB233-063F-42B5-8137-9DF3F51BA10A}">
-      <p15:sldGuideLst xmlns:p15="http://schemas.microsoft.com/office/powerpoint/2012/main" xmlns="">
+      <p15:sldGuideLst xmlns="" xmlns:p15="http://schemas.microsoft.com/office/powerpoint/2012/main">
         <p15:guide id="1" orient="horz" pos="2160" userDrawn="1">
           <p15:clr>
             <a:srgbClr val="A4A3A4"/>
@@ -126,6 +127,356 @@
     </p:ext>
   </p:extLst>
 </p:presentation>
+</file>
+
+<file path=ppt/notesMasters/notesMaster1.xml><?xml version="1.0" encoding="utf-8"?>
+<p:notesMaster xmlns:a="http://schemas.openxmlformats.org/drawingml/2006/main" xmlns:r="http://schemas.openxmlformats.org/officeDocument/2006/relationships" xmlns:p="http://schemas.openxmlformats.org/presentationml/2006/main">
+  <p:cSld>
+    <p:bg>
+      <p:bgRef idx="1001">
+        <a:schemeClr val="bg1"/>
+      </p:bgRef>
+    </p:bg>
+    <p:spTree>
+      <p:nvGrpSpPr>
+        <p:cNvPr id="1" name=""/>
+        <p:cNvGrpSpPr/>
+        <p:nvPr/>
+      </p:nvGrpSpPr>
+      <p:grpSpPr>
+        <a:xfrm>
+          <a:off x="0" y="0"/>
+          <a:ext cx="0" cy="0"/>
+          <a:chOff x="0" y="0"/>
+          <a:chExt cx="0" cy="0"/>
+        </a:xfrm>
+      </p:grpSpPr>
+      <p:sp>
+        <p:nvSpPr>
+          <p:cNvPr id="2" name="머리글 개체 틀 1"/>
+          <p:cNvSpPr>
+            <a:spLocks noGrp="1"/>
+          </p:cNvSpPr>
+          <p:nvPr>
+            <p:ph type="hdr" sz="quarter"/>
+          </p:nvPr>
+        </p:nvSpPr>
+        <p:spPr>
+          <a:xfrm>
+            <a:off x="0" y="0"/>
+            <a:ext cx="2971800" cy="457200"/>
+          </a:xfrm>
+          <a:prstGeom prst="rect">
+            <a:avLst/>
+          </a:prstGeom>
+        </p:spPr>
+        <p:txBody>
+          <a:bodyPr vert="horz" lIns="91440" tIns="45720" rIns="91440" bIns="45720" rtlCol="0"/>
+          <a:lstStyle>
+            <a:lvl1pPr algn="l">
+              <a:defRPr sz="1200"/>
+            </a:lvl1pPr>
+          </a:lstStyle>
+          <a:p>
+            <a:endParaRPr lang="ko-KR" altLang="en-US"/>
+          </a:p>
+        </p:txBody>
+      </p:sp>
+      <p:sp>
+        <p:nvSpPr>
+          <p:cNvPr id="3" name="날짜 개체 틀 2"/>
+          <p:cNvSpPr>
+            <a:spLocks noGrp="1"/>
+          </p:cNvSpPr>
+          <p:nvPr>
+            <p:ph type="dt" idx="1"/>
+          </p:nvPr>
+        </p:nvSpPr>
+        <p:spPr>
+          <a:xfrm>
+            <a:off x="3884613" y="0"/>
+            <a:ext cx="2971800" cy="457200"/>
+          </a:xfrm>
+          <a:prstGeom prst="rect">
+            <a:avLst/>
+          </a:prstGeom>
+        </p:spPr>
+        <p:txBody>
+          <a:bodyPr vert="horz" lIns="91440" tIns="45720" rIns="91440" bIns="45720" rtlCol="0"/>
+          <a:lstStyle>
+            <a:lvl1pPr algn="r">
+              <a:defRPr sz="1200"/>
+            </a:lvl1pPr>
+          </a:lstStyle>
+          <a:p>
+            <a:fld id="{AF68D7C3-2F55-4307-AE72-F4CDC213B882}" type="datetimeFigureOut">
+              <a:rPr lang="ko-KR" altLang="en-US" smtClean="0"/>
+              <a:t>2023-09-07</a:t>
+            </a:fld>
+            <a:endParaRPr lang="ko-KR" altLang="en-US"/>
+          </a:p>
+        </p:txBody>
+      </p:sp>
+      <p:sp>
+        <p:nvSpPr>
+          <p:cNvPr id="4" name="슬라이드 이미지 개체 틀 3"/>
+          <p:cNvSpPr>
+            <a:spLocks noGrp="1" noRot="1" noChangeAspect="1"/>
+          </p:cNvSpPr>
+          <p:nvPr>
+            <p:ph type="sldImg" idx="2"/>
+          </p:nvPr>
+        </p:nvSpPr>
+        <p:spPr>
+          <a:xfrm>
+            <a:off x="381000" y="685800"/>
+            <a:ext cx="6096000" cy="3429000"/>
+          </a:xfrm>
+          <a:prstGeom prst="rect">
+            <a:avLst/>
+          </a:prstGeom>
+          <a:noFill/>
+          <a:ln w="12700">
+            <a:solidFill>
+              <a:prstClr val="black"/>
+            </a:solidFill>
+          </a:ln>
+        </p:spPr>
+        <p:txBody>
+          <a:bodyPr vert="horz" lIns="91440" tIns="45720" rIns="91440" bIns="45720" rtlCol="0" anchor="ctr"/>
+          <a:lstStyle/>
+          <a:p>
+            <a:endParaRPr lang="ko-KR" altLang="en-US"/>
+          </a:p>
+        </p:txBody>
+      </p:sp>
+      <p:sp>
+        <p:nvSpPr>
+          <p:cNvPr id="5" name="슬라이드 노트 개체 틀 4"/>
+          <p:cNvSpPr>
+            <a:spLocks noGrp="1"/>
+          </p:cNvSpPr>
+          <p:nvPr>
+            <p:ph type="body" sz="quarter" idx="3"/>
+          </p:nvPr>
+        </p:nvSpPr>
+        <p:spPr>
+          <a:xfrm>
+            <a:off x="685800" y="4343400"/>
+            <a:ext cx="5486400" cy="4114800"/>
+          </a:xfrm>
+          <a:prstGeom prst="rect">
+            <a:avLst/>
+          </a:prstGeom>
+        </p:spPr>
+        <p:txBody>
+          <a:bodyPr vert="horz" lIns="91440" tIns="45720" rIns="91440" bIns="45720" rtlCol="0"/>
+          <a:lstStyle/>
+          <a:p>
+            <a:pPr lvl="0"/>
+            <a:r>
+              <a:rPr lang="ko-KR" altLang="en-US" smtClean="0"/>
+              <a:t>마스터 텍스트 스타일을 편집합니다</a:t>
+            </a:r>
+          </a:p>
+          <a:p>
+            <a:pPr lvl="1"/>
+            <a:r>
+              <a:rPr lang="ko-KR" altLang="en-US" smtClean="0"/>
+              <a:t>둘째 수준</a:t>
+            </a:r>
+          </a:p>
+          <a:p>
+            <a:pPr lvl="2"/>
+            <a:r>
+              <a:rPr lang="ko-KR" altLang="en-US" smtClean="0"/>
+              <a:t>셋째 수준</a:t>
+            </a:r>
+          </a:p>
+          <a:p>
+            <a:pPr lvl="3"/>
+            <a:r>
+              <a:rPr lang="ko-KR" altLang="en-US" smtClean="0"/>
+              <a:t>넷째 수준</a:t>
+            </a:r>
+          </a:p>
+          <a:p>
+            <a:pPr lvl="4"/>
+            <a:r>
+              <a:rPr lang="ko-KR" altLang="en-US" smtClean="0"/>
+              <a:t>다섯째 수준</a:t>
+            </a:r>
+            <a:endParaRPr lang="ko-KR" altLang="en-US"/>
+          </a:p>
+        </p:txBody>
+      </p:sp>
+      <p:sp>
+        <p:nvSpPr>
+          <p:cNvPr id="6" name="바닥글 개체 틀 5"/>
+          <p:cNvSpPr>
+            <a:spLocks noGrp="1"/>
+          </p:cNvSpPr>
+          <p:nvPr>
+            <p:ph type="ftr" sz="quarter" idx="4"/>
+          </p:nvPr>
+        </p:nvSpPr>
+        <p:spPr>
+          <a:xfrm>
+            <a:off x="0" y="8685213"/>
+            <a:ext cx="2971800" cy="457200"/>
+          </a:xfrm>
+          <a:prstGeom prst="rect">
+            <a:avLst/>
+          </a:prstGeom>
+        </p:spPr>
+        <p:txBody>
+          <a:bodyPr vert="horz" lIns="91440" tIns="45720" rIns="91440" bIns="45720" rtlCol="0" anchor="b"/>
+          <a:lstStyle>
+            <a:lvl1pPr algn="l">
+              <a:defRPr sz="1200"/>
+            </a:lvl1pPr>
+          </a:lstStyle>
+          <a:p>
+            <a:endParaRPr lang="ko-KR" altLang="en-US"/>
+          </a:p>
+        </p:txBody>
+      </p:sp>
+      <p:sp>
+        <p:nvSpPr>
+          <p:cNvPr id="7" name="슬라이드 번호 개체 틀 6"/>
+          <p:cNvSpPr>
+            <a:spLocks noGrp="1"/>
+          </p:cNvSpPr>
+          <p:nvPr>
+            <p:ph type="sldNum" sz="quarter" idx="5"/>
+          </p:nvPr>
+        </p:nvSpPr>
+        <p:spPr>
+          <a:xfrm>
+            <a:off x="3884613" y="8685213"/>
+            <a:ext cx="2971800" cy="457200"/>
+          </a:xfrm>
+          <a:prstGeom prst="rect">
+            <a:avLst/>
+          </a:prstGeom>
+        </p:spPr>
+        <p:txBody>
+          <a:bodyPr vert="horz" lIns="91440" tIns="45720" rIns="91440" bIns="45720" rtlCol="0" anchor="b"/>
+          <a:lstStyle>
+            <a:lvl1pPr algn="r">
+              <a:defRPr sz="1200"/>
+            </a:lvl1pPr>
+          </a:lstStyle>
+          <a:p>
+            <a:fld id="{04AAB7C6-86E4-424E-BC13-31AB26B4457A}" type="slidenum">
+              <a:rPr lang="ko-KR" altLang="en-US" smtClean="0"/>
+              <a:t>‹#›</a:t>
+            </a:fld>
+            <a:endParaRPr lang="ko-KR" altLang="en-US"/>
+          </a:p>
+        </p:txBody>
+      </p:sp>
+    </p:spTree>
+    <p:extLst>
+      <p:ext uri="{BB962C8B-B14F-4D97-AF65-F5344CB8AC3E}">
+        <p14:creationId xmlns:p14="http://schemas.microsoft.com/office/powerpoint/2010/main" val="1912640041"/>
+      </p:ext>
+    </p:extLst>
+  </p:cSld>
+  <p:clrMap bg1="lt1" tx1="dk1" bg2="lt2" tx2="dk2" accent1="accent1" accent2="accent2" accent3="accent3" accent4="accent4" accent5="accent5" accent6="accent6" hlink="hlink" folHlink="folHlink"/>
+  <p:notesStyle>
+    <a:lvl1pPr marL="0" algn="l" defTabSz="914400" rtl="0" eaLnBrk="1" latinLnBrk="1" hangingPunct="1">
+      <a:defRPr sz="1200" kern="1200">
+        <a:solidFill>
+          <a:schemeClr val="tx1"/>
+        </a:solidFill>
+        <a:latin typeface="+mn-lt"/>
+        <a:ea typeface="+mn-ea"/>
+        <a:cs typeface="+mn-cs"/>
+      </a:defRPr>
+    </a:lvl1pPr>
+    <a:lvl2pPr marL="457200" algn="l" defTabSz="914400" rtl="0" eaLnBrk="1" latinLnBrk="1" hangingPunct="1">
+      <a:defRPr sz="1200" kern="1200">
+        <a:solidFill>
+          <a:schemeClr val="tx1"/>
+        </a:solidFill>
+        <a:latin typeface="+mn-lt"/>
+        <a:ea typeface="+mn-ea"/>
+        <a:cs typeface="+mn-cs"/>
+      </a:defRPr>
+    </a:lvl2pPr>
+    <a:lvl3pPr marL="914400" algn="l" defTabSz="914400" rtl="0" eaLnBrk="1" latinLnBrk="1" hangingPunct="1">
+      <a:defRPr sz="1200" kern="1200">
+        <a:solidFill>
+          <a:schemeClr val="tx1"/>
+        </a:solidFill>
+        <a:latin typeface="+mn-lt"/>
+        <a:ea typeface="+mn-ea"/>
+        <a:cs typeface="+mn-cs"/>
+      </a:defRPr>
+    </a:lvl3pPr>
+    <a:lvl4pPr marL="1371600" algn="l" defTabSz="914400" rtl="0" eaLnBrk="1" latinLnBrk="1" hangingPunct="1">
+      <a:defRPr sz="1200" kern="1200">
+        <a:solidFill>
+          <a:schemeClr val="tx1"/>
+        </a:solidFill>
+        <a:latin typeface="+mn-lt"/>
+        <a:ea typeface="+mn-ea"/>
+        <a:cs typeface="+mn-cs"/>
+      </a:defRPr>
+    </a:lvl4pPr>
+    <a:lvl5pPr marL="1828800" algn="l" defTabSz="914400" rtl="0" eaLnBrk="1" latinLnBrk="1" hangingPunct="1">
+      <a:defRPr sz="1200" kern="1200">
+        <a:solidFill>
+          <a:schemeClr val="tx1"/>
+        </a:solidFill>
+        <a:latin typeface="+mn-lt"/>
+        <a:ea typeface="+mn-ea"/>
+        <a:cs typeface="+mn-cs"/>
+      </a:defRPr>
+    </a:lvl5pPr>
+    <a:lvl6pPr marL="2286000" algn="l" defTabSz="914400" rtl="0" eaLnBrk="1" latinLnBrk="1" hangingPunct="1">
+      <a:defRPr sz="1200" kern="1200">
+        <a:solidFill>
+          <a:schemeClr val="tx1"/>
+        </a:solidFill>
+        <a:latin typeface="+mn-lt"/>
+        <a:ea typeface="+mn-ea"/>
+        <a:cs typeface="+mn-cs"/>
+      </a:defRPr>
+    </a:lvl6pPr>
+    <a:lvl7pPr marL="2743200" algn="l" defTabSz="914400" rtl="0" eaLnBrk="1" latinLnBrk="1" hangingPunct="1">
+      <a:defRPr sz="1200" kern="1200">
+        <a:solidFill>
+          <a:schemeClr val="tx1"/>
+        </a:solidFill>
+        <a:latin typeface="+mn-lt"/>
+        <a:ea typeface="+mn-ea"/>
+        <a:cs typeface="+mn-cs"/>
+      </a:defRPr>
+    </a:lvl7pPr>
+    <a:lvl8pPr marL="3200400" algn="l" defTabSz="914400" rtl="0" eaLnBrk="1" latinLnBrk="1" hangingPunct="1">
+      <a:defRPr sz="1200" kern="1200">
+        <a:solidFill>
+          <a:schemeClr val="tx1"/>
+        </a:solidFill>
+        <a:latin typeface="+mn-lt"/>
+        <a:ea typeface="+mn-ea"/>
+        <a:cs typeface="+mn-cs"/>
+      </a:defRPr>
+    </a:lvl8pPr>
+    <a:lvl9pPr marL="3657600" algn="l" defTabSz="914400" rtl="0" eaLnBrk="1" latinLnBrk="1" hangingPunct="1">
+      <a:defRPr sz="1200" kern="1200">
+        <a:solidFill>
+          <a:schemeClr val="tx1"/>
+        </a:solidFill>
+        <a:latin typeface="+mn-lt"/>
+        <a:ea typeface="+mn-ea"/>
+        <a:cs typeface="+mn-cs"/>
+      </a:defRPr>
+    </a:lvl9pPr>
+  </p:notesStyle>
+</p:notesMaster>
 </file>
 
 <file path=ppt/slideLayouts/slideLayout1.xml><?xml version="1.0" encoding="utf-8"?>
@@ -150,7 +501,7 @@
           <p:cNvPr id="2" name="제목 1">
             <a:extLst>
               <a:ext uri="{FF2B5EF4-FFF2-40B4-BE49-F238E27FC236}">
-                <a16:creationId xmlns:a16="http://schemas.microsoft.com/office/drawing/2014/main" xmlns="" id="{544428E6-48F8-48FF-A4B7-7E67A9EE0B77}"/>
+                <a16:creationId xmlns="" xmlns:a16="http://schemas.microsoft.com/office/drawing/2014/main" id="{544428E6-48F8-48FF-A4B7-7E67A9EE0B77}"/>
               </a:ext>
             </a:extLst>
           </p:cNvPr>
@@ -187,7 +538,7 @@
           <p:cNvPr id="3" name="부제목 2">
             <a:extLst>
               <a:ext uri="{FF2B5EF4-FFF2-40B4-BE49-F238E27FC236}">
-                <a16:creationId xmlns:a16="http://schemas.microsoft.com/office/drawing/2014/main" xmlns="" id="{FBA2431C-BDF3-4534-AED0-115F103A462A}"/>
+                <a16:creationId xmlns="" xmlns:a16="http://schemas.microsoft.com/office/drawing/2014/main" id="{FBA2431C-BDF3-4534-AED0-115F103A462A}"/>
               </a:ext>
             </a:extLst>
           </p:cNvPr>
@@ -257,7 +608,7 @@
           <p:cNvPr id="4" name="날짜 개체 틀 3">
             <a:extLst>
               <a:ext uri="{FF2B5EF4-FFF2-40B4-BE49-F238E27FC236}">
-                <a16:creationId xmlns:a16="http://schemas.microsoft.com/office/drawing/2014/main" xmlns="" id="{420173CB-01B9-4295-A804-D7D5973D6277}"/>
+                <a16:creationId xmlns="" xmlns:a16="http://schemas.microsoft.com/office/drawing/2014/main" id="{420173CB-01B9-4295-A804-D7D5973D6277}"/>
               </a:ext>
             </a:extLst>
           </p:cNvPr>
@@ -275,7 +626,7 @@
           <a:p>
             <a:fld id="{246E467A-4026-4A8D-97BF-715EF7FA6491}" type="datetimeFigureOut">
               <a:rPr lang="ko-KR" altLang="en-US" smtClean="0"/>
-              <a:t>2023-08-31</a:t>
+              <a:t>2023-09-07</a:t>
             </a:fld>
             <a:endParaRPr lang="ko-KR" altLang="en-US"/>
           </a:p>
@@ -286,7 +637,7 @@
           <p:cNvPr id="5" name="바닥글 개체 틀 4">
             <a:extLst>
               <a:ext uri="{FF2B5EF4-FFF2-40B4-BE49-F238E27FC236}">
-                <a16:creationId xmlns:a16="http://schemas.microsoft.com/office/drawing/2014/main" xmlns="" id="{E1C5FE16-77A0-484E-AEFD-FF537292ECD0}"/>
+                <a16:creationId xmlns="" xmlns:a16="http://schemas.microsoft.com/office/drawing/2014/main" id="{E1C5FE16-77A0-484E-AEFD-FF537292ECD0}"/>
               </a:ext>
             </a:extLst>
           </p:cNvPr>
@@ -311,7 +662,7 @@
           <p:cNvPr id="6" name="슬라이드 번호 개체 틀 5">
             <a:extLst>
               <a:ext uri="{FF2B5EF4-FFF2-40B4-BE49-F238E27FC236}">
-                <a16:creationId xmlns:a16="http://schemas.microsoft.com/office/drawing/2014/main" xmlns="" id="{69F3DF25-2E65-49D3-8F6F-64AA11097B17}"/>
+                <a16:creationId xmlns="" xmlns:a16="http://schemas.microsoft.com/office/drawing/2014/main" id="{69F3DF25-2E65-49D3-8F6F-64AA11097B17}"/>
               </a:ext>
             </a:extLst>
           </p:cNvPr>
@@ -370,7 +721,7 @@
           <p:cNvPr id="2" name="제목 1">
             <a:extLst>
               <a:ext uri="{FF2B5EF4-FFF2-40B4-BE49-F238E27FC236}">
-                <a16:creationId xmlns:a16="http://schemas.microsoft.com/office/drawing/2014/main" xmlns="" id="{0E520652-E714-4A15-826F-1B53C7092B68}"/>
+                <a16:creationId xmlns="" xmlns:a16="http://schemas.microsoft.com/office/drawing/2014/main" id="{0E520652-E714-4A15-826F-1B53C7092B68}"/>
               </a:ext>
             </a:extLst>
           </p:cNvPr>
@@ -398,7 +749,7 @@
           <p:cNvPr id="3" name="세로 텍스트 개체 틀 2">
             <a:extLst>
               <a:ext uri="{FF2B5EF4-FFF2-40B4-BE49-F238E27FC236}">
-                <a16:creationId xmlns:a16="http://schemas.microsoft.com/office/drawing/2014/main" xmlns="" id="{1C14771D-DE0A-400C-8C59-8670E31F7094}"/>
+                <a16:creationId xmlns="" xmlns:a16="http://schemas.microsoft.com/office/drawing/2014/main" id="{1C14771D-DE0A-400C-8C59-8670E31F7094}"/>
               </a:ext>
             </a:extLst>
           </p:cNvPr>
@@ -455,7 +806,7 @@
           <p:cNvPr id="4" name="날짜 개체 틀 3">
             <a:extLst>
               <a:ext uri="{FF2B5EF4-FFF2-40B4-BE49-F238E27FC236}">
-                <a16:creationId xmlns:a16="http://schemas.microsoft.com/office/drawing/2014/main" xmlns="" id="{5CBEACB7-48C9-4FB8-8D34-7F4C63932697}"/>
+                <a16:creationId xmlns="" xmlns:a16="http://schemas.microsoft.com/office/drawing/2014/main" id="{5CBEACB7-48C9-4FB8-8D34-7F4C63932697}"/>
               </a:ext>
             </a:extLst>
           </p:cNvPr>
@@ -473,7 +824,7 @@
           <a:p>
             <a:fld id="{246E467A-4026-4A8D-97BF-715EF7FA6491}" type="datetimeFigureOut">
               <a:rPr lang="ko-KR" altLang="en-US" smtClean="0"/>
-              <a:t>2023-08-31</a:t>
+              <a:t>2023-09-07</a:t>
             </a:fld>
             <a:endParaRPr lang="ko-KR" altLang="en-US"/>
           </a:p>
@@ -484,7 +835,7 @@
           <p:cNvPr id="5" name="바닥글 개체 틀 4">
             <a:extLst>
               <a:ext uri="{FF2B5EF4-FFF2-40B4-BE49-F238E27FC236}">
-                <a16:creationId xmlns:a16="http://schemas.microsoft.com/office/drawing/2014/main" xmlns="" id="{5BD31818-B6CD-47B0-9353-395CC53986D6}"/>
+                <a16:creationId xmlns="" xmlns:a16="http://schemas.microsoft.com/office/drawing/2014/main" id="{5BD31818-B6CD-47B0-9353-395CC53986D6}"/>
               </a:ext>
             </a:extLst>
           </p:cNvPr>
@@ -509,7 +860,7 @@
           <p:cNvPr id="6" name="슬라이드 번호 개체 틀 5">
             <a:extLst>
               <a:ext uri="{FF2B5EF4-FFF2-40B4-BE49-F238E27FC236}">
-                <a16:creationId xmlns:a16="http://schemas.microsoft.com/office/drawing/2014/main" xmlns="" id="{BD008922-CAE3-4884-AE59-2BC74144C74C}"/>
+                <a16:creationId xmlns="" xmlns:a16="http://schemas.microsoft.com/office/drawing/2014/main" id="{BD008922-CAE3-4884-AE59-2BC74144C74C}"/>
               </a:ext>
             </a:extLst>
           </p:cNvPr>
@@ -568,7 +919,7 @@
           <p:cNvPr id="2" name="세로 제목 1">
             <a:extLst>
               <a:ext uri="{FF2B5EF4-FFF2-40B4-BE49-F238E27FC236}">
-                <a16:creationId xmlns:a16="http://schemas.microsoft.com/office/drawing/2014/main" xmlns="" id="{A3371B8A-69A6-43D4-8783-6456E33508F7}"/>
+                <a16:creationId xmlns="" xmlns:a16="http://schemas.microsoft.com/office/drawing/2014/main" id="{A3371B8A-69A6-43D4-8783-6456E33508F7}"/>
               </a:ext>
             </a:extLst>
           </p:cNvPr>
@@ -601,7 +952,7 @@
           <p:cNvPr id="3" name="세로 텍스트 개체 틀 2">
             <a:extLst>
               <a:ext uri="{FF2B5EF4-FFF2-40B4-BE49-F238E27FC236}">
-                <a16:creationId xmlns:a16="http://schemas.microsoft.com/office/drawing/2014/main" xmlns="" id="{049DA1AA-3028-44E4-B5B0-C19BF61DC48A}"/>
+                <a16:creationId xmlns="" xmlns:a16="http://schemas.microsoft.com/office/drawing/2014/main" id="{049DA1AA-3028-44E4-B5B0-C19BF61DC48A}"/>
               </a:ext>
             </a:extLst>
           </p:cNvPr>
@@ -663,7 +1014,7 @@
           <p:cNvPr id="4" name="날짜 개체 틀 3">
             <a:extLst>
               <a:ext uri="{FF2B5EF4-FFF2-40B4-BE49-F238E27FC236}">
-                <a16:creationId xmlns:a16="http://schemas.microsoft.com/office/drawing/2014/main" xmlns="" id="{ED2BCD8D-3E10-4F33-BC43-EACB05C0B415}"/>
+                <a16:creationId xmlns="" xmlns:a16="http://schemas.microsoft.com/office/drawing/2014/main" id="{ED2BCD8D-3E10-4F33-BC43-EACB05C0B415}"/>
               </a:ext>
             </a:extLst>
           </p:cNvPr>
@@ -681,7 +1032,7 @@
           <a:p>
             <a:fld id="{246E467A-4026-4A8D-97BF-715EF7FA6491}" type="datetimeFigureOut">
               <a:rPr lang="ko-KR" altLang="en-US" smtClean="0"/>
-              <a:t>2023-08-31</a:t>
+              <a:t>2023-09-07</a:t>
             </a:fld>
             <a:endParaRPr lang="ko-KR" altLang="en-US"/>
           </a:p>
@@ -692,7 +1043,7 @@
           <p:cNvPr id="5" name="바닥글 개체 틀 4">
             <a:extLst>
               <a:ext uri="{FF2B5EF4-FFF2-40B4-BE49-F238E27FC236}">
-                <a16:creationId xmlns:a16="http://schemas.microsoft.com/office/drawing/2014/main" xmlns="" id="{33E365BE-78DE-4079-B7F3-706874E92415}"/>
+                <a16:creationId xmlns="" xmlns:a16="http://schemas.microsoft.com/office/drawing/2014/main" id="{33E365BE-78DE-4079-B7F3-706874E92415}"/>
               </a:ext>
             </a:extLst>
           </p:cNvPr>
@@ -717,7 +1068,7 @@
           <p:cNvPr id="6" name="슬라이드 번호 개체 틀 5">
             <a:extLst>
               <a:ext uri="{FF2B5EF4-FFF2-40B4-BE49-F238E27FC236}">
-                <a16:creationId xmlns:a16="http://schemas.microsoft.com/office/drawing/2014/main" xmlns="" id="{6F0D9E52-1AFA-4482-A474-91FF4C5C683A}"/>
+                <a16:creationId xmlns="" xmlns:a16="http://schemas.microsoft.com/office/drawing/2014/main" id="{6F0D9E52-1AFA-4482-A474-91FF4C5C683A}"/>
               </a:ext>
             </a:extLst>
           </p:cNvPr>
@@ -776,7 +1127,7 @@
           <p:cNvPr id="2" name="제목 1">
             <a:extLst>
               <a:ext uri="{FF2B5EF4-FFF2-40B4-BE49-F238E27FC236}">
-                <a16:creationId xmlns:a16="http://schemas.microsoft.com/office/drawing/2014/main" xmlns="" id="{60DBF82B-6C4A-4F6E-A362-B2BF3BDC30D7}"/>
+                <a16:creationId xmlns="" xmlns:a16="http://schemas.microsoft.com/office/drawing/2014/main" id="{60DBF82B-6C4A-4F6E-A362-B2BF3BDC30D7}"/>
               </a:ext>
             </a:extLst>
           </p:cNvPr>
@@ -804,7 +1155,7 @@
           <p:cNvPr id="3" name="내용 개체 틀 2">
             <a:extLst>
               <a:ext uri="{FF2B5EF4-FFF2-40B4-BE49-F238E27FC236}">
-                <a16:creationId xmlns:a16="http://schemas.microsoft.com/office/drawing/2014/main" xmlns="" id="{BDE6E910-43A6-49D6-A1B5-99E3B0C27E2D}"/>
+                <a16:creationId xmlns="" xmlns:a16="http://schemas.microsoft.com/office/drawing/2014/main" id="{BDE6E910-43A6-49D6-A1B5-99E3B0C27E2D}"/>
               </a:ext>
             </a:extLst>
           </p:cNvPr>
@@ -861,7 +1212,7 @@
           <p:cNvPr id="4" name="날짜 개체 틀 3">
             <a:extLst>
               <a:ext uri="{FF2B5EF4-FFF2-40B4-BE49-F238E27FC236}">
-                <a16:creationId xmlns:a16="http://schemas.microsoft.com/office/drawing/2014/main" xmlns="" id="{2F0DB3AC-66C4-4244-9CE9-54D71AA59C90}"/>
+                <a16:creationId xmlns="" xmlns:a16="http://schemas.microsoft.com/office/drawing/2014/main" id="{2F0DB3AC-66C4-4244-9CE9-54D71AA59C90}"/>
               </a:ext>
             </a:extLst>
           </p:cNvPr>
@@ -879,7 +1230,7 @@
           <a:p>
             <a:fld id="{246E467A-4026-4A8D-97BF-715EF7FA6491}" type="datetimeFigureOut">
               <a:rPr lang="ko-KR" altLang="en-US" smtClean="0"/>
-              <a:t>2023-08-31</a:t>
+              <a:t>2023-09-07</a:t>
             </a:fld>
             <a:endParaRPr lang="ko-KR" altLang="en-US"/>
           </a:p>
@@ -890,7 +1241,7 @@
           <p:cNvPr id="5" name="바닥글 개체 틀 4">
             <a:extLst>
               <a:ext uri="{FF2B5EF4-FFF2-40B4-BE49-F238E27FC236}">
-                <a16:creationId xmlns:a16="http://schemas.microsoft.com/office/drawing/2014/main" xmlns="" id="{3992C886-882E-440B-806C-B06DE5089026}"/>
+                <a16:creationId xmlns="" xmlns:a16="http://schemas.microsoft.com/office/drawing/2014/main" id="{3992C886-882E-440B-806C-B06DE5089026}"/>
               </a:ext>
             </a:extLst>
           </p:cNvPr>
@@ -915,7 +1266,7 @@
           <p:cNvPr id="6" name="슬라이드 번호 개체 틀 5">
             <a:extLst>
               <a:ext uri="{FF2B5EF4-FFF2-40B4-BE49-F238E27FC236}">
-                <a16:creationId xmlns:a16="http://schemas.microsoft.com/office/drawing/2014/main" xmlns="" id="{9A9323D2-1426-48F9-A93B-729E72E2B2BB}"/>
+                <a16:creationId xmlns="" xmlns:a16="http://schemas.microsoft.com/office/drawing/2014/main" id="{9A9323D2-1426-48F9-A93B-729E72E2B2BB}"/>
               </a:ext>
             </a:extLst>
           </p:cNvPr>
@@ -974,7 +1325,7 @@
           <p:cNvPr id="2" name="제목 1">
             <a:extLst>
               <a:ext uri="{FF2B5EF4-FFF2-40B4-BE49-F238E27FC236}">
-                <a16:creationId xmlns:a16="http://schemas.microsoft.com/office/drawing/2014/main" xmlns="" id="{7153C500-C8D9-4EBC-AC73-9F7D65F03E32}"/>
+                <a16:creationId xmlns="" xmlns:a16="http://schemas.microsoft.com/office/drawing/2014/main" id="{7153C500-C8D9-4EBC-AC73-9F7D65F03E32}"/>
               </a:ext>
             </a:extLst>
           </p:cNvPr>
@@ -1011,7 +1362,7 @@
           <p:cNvPr id="3" name="텍스트 개체 틀 2">
             <a:extLst>
               <a:ext uri="{FF2B5EF4-FFF2-40B4-BE49-F238E27FC236}">
-                <a16:creationId xmlns:a16="http://schemas.microsoft.com/office/drawing/2014/main" xmlns="" id="{4E56CD17-259A-42E8-B64F-04C51B7C1C5F}"/>
+                <a16:creationId xmlns="" xmlns:a16="http://schemas.microsoft.com/office/drawing/2014/main" id="{4E56CD17-259A-42E8-B64F-04C51B7C1C5F}"/>
               </a:ext>
             </a:extLst>
           </p:cNvPr>
@@ -1136,7 +1487,7 @@
           <p:cNvPr id="4" name="날짜 개체 틀 3">
             <a:extLst>
               <a:ext uri="{FF2B5EF4-FFF2-40B4-BE49-F238E27FC236}">
-                <a16:creationId xmlns:a16="http://schemas.microsoft.com/office/drawing/2014/main" xmlns="" id="{CE976CE5-8C59-42A2-A597-465DEAC8E5A7}"/>
+                <a16:creationId xmlns="" xmlns:a16="http://schemas.microsoft.com/office/drawing/2014/main" id="{CE976CE5-8C59-42A2-A597-465DEAC8E5A7}"/>
               </a:ext>
             </a:extLst>
           </p:cNvPr>
@@ -1154,7 +1505,7 @@
           <a:p>
             <a:fld id="{246E467A-4026-4A8D-97BF-715EF7FA6491}" type="datetimeFigureOut">
               <a:rPr lang="ko-KR" altLang="en-US" smtClean="0"/>
-              <a:t>2023-08-31</a:t>
+              <a:t>2023-09-07</a:t>
             </a:fld>
             <a:endParaRPr lang="ko-KR" altLang="en-US"/>
           </a:p>
@@ -1165,7 +1516,7 @@
           <p:cNvPr id="5" name="바닥글 개체 틀 4">
             <a:extLst>
               <a:ext uri="{FF2B5EF4-FFF2-40B4-BE49-F238E27FC236}">
-                <a16:creationId xmlns:a16="http://schemas.microsoft.com/office/drawing/2014/main" xmlns="" id="{742312C6-1DCE-41BC-B5FA-FCFF5BE3B9E6}"/>
+                <a16:creationId xmlns="" xmlns:a16="http://schemas.microsoft.com/office/drawing/2014/main" id="{742312C6-1DCE-41BC-B5FA-FCFF5BE3B9E6}"/>
               </a:ext>
             </a:extLst>
           </p:cNvPr>
@@ -1190,7 +1541,7 @@
           <p:cNvPr id="6" name="슬라이드 번호 개체 틀 5">
             <a:extLst>
               <a:ext uri="{FF2B5EF4-FFF2-40B4-BE49-F238E27FC236}">
-                <a16:creationId xmlns:a16="http://schemas.microsoft.com/office/drawing/2014/main" xmlns="" id="{664339A5-69DC-4256-84CA-F160D48ED02B}"/>
+                <a16:creationId xmlns="" xmlns:a16="http://schemas.microsoft.com/office/drawing/2014/main" id="{664339A5-69DC-4256-84CA-F160D48ED02B}"/>
               </a:ext>
             </a:extLst>
           </p:cNvPr>
@@ -1249,7 +1600,7 @@
           <p:cNvPr id="2" name="제목 1">
             <a:extLst>
               <a:ext uri="{FF2B5EF4-FFF2-40B4-BE49-F238E27FC236}">
-                <a16:creationId xmlns:a16="http://schemas.microsoft.com/office/drawing/2014/main" xmlns="" id="{BCF37A4D-E01E-45A7-B166-73EE7826C0E7}"/>
+                <a16:creationId xmlns="" xmlns:a16="http://schemas.microsoft.com/office/drawing/2014/main" id="{BCF37A4D-E01E-45A7-B166-73EE7826C0E7}"/>
               </a:ext>
             </a:extLst>
           </p:cNvPr>
@@ -1277,7 +1628,7 @@
           <p:cNvPr id="3" name="내용 개체 틀 2">
             <a:extLst>
               <a:ext uri="{FF2B5EF4-FFF2-40B4-BE49-F238E27FC236}">
-                <a16:creationId xmlns:a16="http://schemas.microsoft.com/office/drawing/2014/main" xmlns="" id="{A70D6757-7DA6-452C-9903-7536978F1556}"/>
+                <a16:creationId xmlns="" xmlns:a16="http://schemas.microsoft.com/office/drawing/2014/main" id="{A70D6757-7DA6-452C-9903-7536978F1556}"/>
               </a:ext>
             </a:extLst>
           </p:cNvPr>
@@ -1339,7 +1690,7 @@
           <p:cNvPr id="4" name="내용 개체 틀 3">
             <a:extLst>
               <a:ext uri="{FF2B5EF4-FFF2-40B4-BE49-F238E27FC236}">
-                <a16:creationId xmlns:a16="http://schemas.microsoft.com/office/drawing/2014/main" xmlns="" id="{23DCC3C8-286B-4184-8752-32BC3B116B8E}"/>
+                <a16:creationId xmlns="" xmlns:a16="http://schemas.microsoft.com/office/drawing/2014/main" id="{23DCC3C8-286B-4184-8752-32BC3B116B8E}"/>
               </a:ext>
             </a:extLst>
           </p:cNvPr>
@@ -1401,7 +1752,7 @@
           <p:cNvPr id="5" name="날짜 개체 틀 4">
             <a:extLst>
               <a:ext uri="{FF2B5EF4-FFF2-40B4-BE49-F238E27FC236}">
-                <a16:creationId xmlns:a16="http://schemas.microsoft.com/office/drawing/2014/main" xmlns="" id="{7ECA751A-C45B-42C8-893F-826B22E76CF6}"/>
+                <a16:creationId xmlns="" xmlns:a16="http://schemas.microsoft.com/office/drawing/2014/main" id="{7ECA751A-C45B-42C8-893F-826B22E76CF6}"/>
               </a:ext>
             </a:extLst>
           </p:cNvPr>
@@ -1419,7 +1770,7 @@
           <a:p>
             <a:fld id="{246E467A-4026-4A8D-97BF-715EF7FA6491}" type="datetimeFigureOut">
               <a:rPr lang="ko-KR" altLang="en-US" smtClean="0"/>
-              <a:t>2023-08-31</a:t>
+              <a:t>2023-09-07</a:t>
             </a:fld>
             <a:endParaRPr lang="ko-KR" altLang="en-US"/>
           </a:p>
@@ -1430,7 +1781,7 @@
           <p:cNvPr id="6" name="바닥글 개체 틀 5">
             <a:extLst>
               <a:ext uri="{FF2B5EF4-FFF2-40B4-BE49-F238E27FC236}">
-                <a16:creationId xmlns:a16="http://schemas.microsoft.com/office/drawing/2014/main" xmlns="" id="{9F77210C-0EDE-42F3-A19F-12B3884B4393}"/>
+                <a16:creationId xmlns="" xmlns:a16="http://schemas.microsoft.com/office/drawing/2014/main" id="{9F77210C-0EDE-42F3-A19F-12B3884B4393}"/>
               </a:ext>
             </a:extLst>
           </p:cNvPr>
@@ -1455,7 +1806,7 @@
           <p:cNvPr id="7" name="슬라이드 번호 개체 틀 6">
             <a:extLst>
               <a:ext uri="{FF2B5EF4-FFF2-40B4-BE49-F238E27FC236}">
-                <a16:creationId xmlns:a16="http://schemas.microsoft.com/office/drawing/2014/main" xmlns="" id="{3215D590-E2D2-480C-AF73-67D855C553CB}"/>
+                <a16:creationId xmlns="" xmlns:a16="http://schemas.microsoft.com/office/drawing/2014/main" id="{3215D590-E2D2-480C-AF73-67D855C553CB}"/>
               </a:ext>
             </a:extLst>
           </p:cNvPr>
@@ -1514,7 +1865,7 @@
           <p:cNvPr id="2" name="제목 1">
             <a:extLst>
               <a:ext uri="{FF2B5EF4-FFF2-40B4-BE49-F238E27FC236}">
-                <a16:creationId xmlns:a16="http://schemas.microsoft.com/office/drawing/2014/main" xmlns="" id="{E1E3AF97-024B-4EF1-B5B6-2E362F07CDB3}"/>
+                <a16:creationId xmlns="" xmlns:a16="http://schemas.microsoft.com/office/drawing/2014/main" id="{E1E3AF97-024B-4EF1-B5B6-2E362F07CDB3}"/>
               </a:ext>
             </a:extLst>
           </p:cNvPr>
@@ -1547,7 +1898,7 @@
           <p:cNvPr id="3" name="텍스트 개체 틀 2">
             <a:extLst>
               <a:ext uri="{FF2B5EF4-FFF2-40B4-BE49-F238E27FC236}">
-                <a16:creationId xmlns:a16="http://schemas.microsoft.com/office/drawing/2014/main" xmlns="" id="{2B41334B-2AA0-4E32-9445-B691EAB2831F}"/>
+                <a16:creationId xmlns="" xmlns:a16="http://schemas.microsoft.com/office/drawing/2014/main" id="{2B41334B-2AA0-4E32-9445-B691EAB2831F}"/>
               </a:ext>
             </a:extLst>
           </p:cNvPr>
@@ -1618,7 +1969,7 @@
           <p:cNvPr id="4" name="내용 개체 틀 3">
             <a:extLst>
               <a:ext uri="{FF2B5EF4-FFF2-40B4-BE49-F238E27FC236}">
-                <a16:creationId xmlns:a16="http://schemas.microsoft.com/office/drawing/2014/main" xmlns="" id="{BDB62D6F-224F-4433-9752-11A255D323D4}"/>
+                <a16:creationId xmlns="" xmlns:a16="http://schemas.microsoft.com/office/drawing/2014/main" id="{BDB62D6F-224F-4433-9752-11A255D323D4}"/>
               </a:ext>
             </a:extLst>
           </p:cNvPr>
@@ -1680,7 +2031,7 @@
           <p:cNvPr id="5" name="텍스트 개체 틀 4">
             <a:extLst>
               <a:ext uri="{FF2B5EF4-FFF2-40B4-BE49-F238E27FC236}">
-                <a16:creationId xmlns:a16="http://schemas.microsoft.com/office/drawing/2014/main" xmlns="" id="{DD04EE0E-6C7E-4160-86AA-136E97F9FD62}"/>
+                <a16:creationId xmlns="" xmlns:a16="http://schemas.microsoft.com/office/drawing/2014/main" id="{DD04EE0E-6C7E-4160-86AA-136E97F9FD62}"/>
               </a:ext>
             </a:extLst>
           </p:cNvPr>
@@ -1751,7 +2102,7 @@
           <p:cNvPr id="6" name="내용 개체 틀 5">
             <a:extLst>
               <a:ext uri="{FF2B5EF4-FFF2-40B4-BE49-F238E27FC236}">
-                <a16:creationId xmlns:a16="http://schemas.microsoft.com/office/drawing/2014/main" xmlns="" id="{1B390FB9-7573-4784-A2A4-EDF1B3C59FF4}"/>
+                <a16:creationId xmlns="" xmlns:a16="http://schemas.microsoft.com/office/drawing/2014/main" id="{1B390FB9-7573-4784-A2A4-EDF1B3C59FF4}"/>
               </a:ext>
             </a:extLst>
           </p:cNvPr>
@@ -1813,7 +2164,7 @@
           <p:cNvPr id="7" name="날짜 개체 틀 6">
             <a:extLst>
               <a:ext uri="{FF2B5EF4-FFF2-40B4-BE49-F238E27FC236}">
-                <a16:creationId xmlns:a16="http://schemas.microsoft.com/office/drawing/2014/main" xmlns="" id="{F464B30B-9C6A-4C96-8DB5-BCE9A09F77BB}"/>
+                <a16:creationId xmlns="" xmlns:a16="http://schemas.microsoft.com/office/drawing/2014/main" id="{F464B30B-9C6A-4C96-8DB5-BCE9A09F77BB}"/>
               </a:ext>
             </a:extLst>
           </p:cNvPr>
@@ -1831,7 +2182,7 @@
           <a:p>
             <a:fld id="{246E467A-4026-4A8D-97BF-715EF7FA6491}" type="datetimeFigureOut">
               <a:rPr lang="ko-KR" altLang="en-US" smtClean="0"/>
-              <a:t>2023-08-31</a:t>
+              <a:t>2023-09-07</a:t>
             </a:fld>
             <a:endParaRPr lang="ko-KR" altLang="en-US"/>
           </a:p>
@@ -1842,7 +2193,7 @@
           <p:cNvPr id="8" name="바닥글 개체 틀 7">
             <a:extLst>
               <a:ext uri="{FF2B5EF4-FFF2-40B4-BE49-F238E27FC236}">
-                <a16:creationId xmlns:a16="http://schemas.microsoft.com/office/drawing/2014/main" xmlns="" id="{16A11AC4-2315-46FE-81A4-FE4B843497D9}"/>
+                <a16:creationId xmlns="" xmlns:a16="http://schemas.microsoft.com/office/drawing/2014/main" id="{16A11AC4-2315-46FE-81A4-FE4B843497D9}"/>
               </a:ext>
             </a:extLst>
           </p:cNvPr>
@@ -1867,7 +2218,7 @@
           <p:cNvPr id="9" name="슬라이드 번호 개체 틀 8">
             <a:extLst>
               <a:ext uri="{FF2B5EF4-FFF2-40B4-BE49-F238E27FC236}">
-                <a16:creationId xmlns:a16="http://schemas.microsoft.com/office/drawing/2014/main" xmlns="" id="{DC2D39CB-CB92-40B8-9B0C-3FBBBDF9DDF4}"/>
+                <a16:creationId xmlns="" xmlns:a16="http://schemas.microsoft.com/office/drawing/2014/main" id="{DC2D39CB-CB92-40B8-9B0C-3FBBBDF9DDF4}"/>
               </a:ext>
             </a:extLst>
           </p:cNvPr>
@@ -1926,7 +2277,7 @@
           <p:cNvPr id="2" name="제목 1">
             <a:extLst>
               <a:ext uri="{FF2B5EF4-FFF2-40B4-BE49-F238E27FC236}">
-                <a16:creationId xmlns:a16="http://schemas.microsoft.com/office/drawing/2014/main" xmlns="" id="{90E32E25-F5B3-41EE-BD3B-6965721B8BFA}"/>
+                <a16:creationId xmlns="" xmlns:a16="http://schemas.microsoft.com/office/drawing/2014/main" id="{90E32E25-F5B3-41EE-BD3B-6965721B8BFA}"/>
               </a:ext>
             </a:extLst>
           </p:cNvPr>
@@ -1954,7 +2305,7 @@
           <p:cNvPr id="3" name="날짜 개체 틀 2">
             <a:extLst>
               <a:ext uri="{FF2B5EF4-FFF2-40B4-BE49-F238E27FC236}">
-                <a16:creationId xmlns:a16="http://schemas.microsoft.com/office/drawing/2014/main" xmlns="" id="{0CFE1863-7C02-424B-AF80-CDB396716C6B}"/>
+                <a16:creationId xmlns="" xmlns:a16="http://schemas.microsoft.com/office/drawing/2014/main" id="{0CFE1863-7C02-424B-AF80-CDB396716C6B}"/>
               </a:ext>
             </a:extLst>
           </p:cNvPr>
@@ -1972,7 +2323,7 @@
           <a:p>
             <a:fld id="{246E467A-4026-4A8D-97BF-715EF7FA6491}" type="datetimeFigureOut">
               <a:rPr lang="ko-KR" altLang="en-US" smtClean="0"/>
-              <a:t>2023-08-31</a:t>
+              <a:t>2023-09-07</a:t>
             </a:fld>
             <a:endParaRPr lang="ko-KR" altLang="en-US"/>
           </a:p>
@@ -1983,7 +2334,7 @@
           <p:cNvPr id="4" name="바닥글 개체 틀 3">
             <a:extLst>
               <a:ext uri="{FF2B5EF4-FFF2-40B4-BE49-F238E27FC236}">
-                <a16:creationId xmlns:a16="http://schemas.microsoft.com/office/drawing/2014/main" xmlns="" id="{2F99FB34-90A4-44A0-9CF8-F0BC0FE4AB26}"/>
+                <a16:creationId xmlns="" xmlns:a16="http://schemas.microsoft.com/office/drawing/2014/main" id="{2F99FB34-90A4-44A0-9CF8-F0BC0FE4AB26}"/>
               </a:ext>
             </a:extLst>
           </p:cNvPr>
@@ -2008,7 +2359,7 @@
           <p:cNvPr id="5" name="슬라이드 번호 개체 틀 4">
             <a:extLst>
               <a:ext uri="{FF2B5EF4-FFF2-40B4-BE49-F238E27FC236}">
-                <a16:creationId xmlns:a16="http://schemas.microsoft.com/office/drawing/2014/main" xmlns="" id="{56375702-4955-406C-919C-D35A1B84B474}"/>
+                <a16:creationId xmlns="" xmlns:a16="http://schemas.microsoft.com/office/drawing/2014/main" id="{56375702-4955-406C-919C-D35A1B84B474}"/>
               </a:ext>
             </a:extLst>
           </p:cNvPr>
@@ -2067,7 +2418,7 @@
           <p:cNvPr id="2" name="날짜 개체 틀 1">
             <a:extLst>
               <a:ext uri="{FF2B5EF4-FFF2-40B4-BE49-F238E27FC236}">
-                <a16:creationId xmlns:a16="http://schemas.microsoft.com/office/drawing/2014/main" xmlns="" id="{D76E1BA2-3103-4DB2-AAEB-ED1BAE4527B3}"/>
+                <a16:creationId xmlns="" xmlns:a16="http://schemas.microsoft.com/office/drawing/2014/main" id="{D76E1BA2-3103-4DB2-AAEB-ED1BAE4527B3}"/>
               </a:ext>
             </a:extLst>
           </p:cNvPr>
@@ -2085,7 +2436,7 @@
           <a:p>
             <a:fld id="{246E467A-4026-4A8D-97BF-715EF7FA6491}" type="datetimeFigureOut">
               <a:rPr lang="ko-KR" altLang="en-US" smtClean="0"/>
-              <a:t>2023-08-31</a:t>
+              <a:t>2023-09-07</a:t>
             </a:fld>
             <a:endParaRPr lang="ko-KR" altLang="en-US"/>
           </a:p>
@@ -2096,7 +2447,7 @@
           <p:cNvPr id="3" name="바닥글 개체 틀 2">
             <a:extLst>
               <a:ext uri="{FF2B5EF4-FFF2-40B4-BE49-F238E27FC236}">
-                <a16:creationId xmlns:a16="http://schemas.microsoft.com/office/drawing/2014/main" xmlns="" id="{505D5A54-85CA-45E5-9801-A3F15EEFCC94}"/>
+                <a16:creationId xmlns="" xmlns:a16="http://schemas.microsoft.com/office/drawing/2014/main" id="{505D5A54-85CA-45E5-9801-A3F15EEFCC94}"/>
               </a:ext>
             </a:extLst>
           </p:cNvPr>
@@ -2121,7 +2472,7 @@
           <p:cNvPr id="4" name="슬라이드 번호 개체 틀 3">
             <a:extLst>
               <a:ext uri="{FF2B5EF4-FFF2-40B4-BE49-F238E27FC236}">
-                <a16:creationId xmlns:a16="http://schemas.microsoft.com/office/drawing/2014/main" xmlns="" id="{A812AF2F-D0EC-4C7E-8979-4C17E3F4B44D}"/>
+                <a16:creationId xmlns="" xmlns:a16="http://schemas.microsoft.com/office/drawing/2014/main" id="{A812AF2F-D0EC-4C7E-8979-4C17E3F4B44D}"/>
               </a:ext>
             </a:extLst>
           </p:cNvPr>
@@ -2180,7 +2531,7 @@
           <p:cNvPr id="2" name="제목 1">
             <a:extLst>
               <a:ext uri="{FF2B5EF4-FFF2-40B4-BE49-F238E27FC236}">
-                <a16:creationId xmlns:a16="http://schemas.microsoft.com/office/drawing/2014/main" xmlns="" id="{8C03A167-5C7C-4CD2-A3E4-B6F94583214B}"/>
+                <a16:creationId xmlns="" xmlns:a16="http://schemas.microsoft.com/office/drawing/2014/main" id="{8C03A167-5C7C-4CD2-A3E4-B6F94583214B}"/>
               </a:ext>
             </a:extLst>
           </p:cNvPr>
@@ -2217,7 +2568,7 @@
           <p:cNvPr id="3" name="내용 개체 틀 2">
             <a:extLst>
               <a:ext uri="{FF2B5EF4-FFF2-40B4-BE49-F238E27FC236}">
-                <a16:creationId xmlns:a16="http://schemas.microsoft.com/office/drawing/2014/main" xmlns="" id="{5421CEB6-C525-4AEB-BB3E-B13156901366}"/>
+                <a16:creationId xmlns="" xmlns:a16="http://schemas.microsoft.com/office/drawing/2014/main" id="{5421CEB6-C525-4AEB-BB3E-B13156901366}"/>
               </a:ext>
             </a:extLst>
           </p:cNvPr>
@@ -2307,7 +2658,7 @@
           <p:cNvPr id="4" name="텍스트 개체 틀 3">
             <a:extLst>
               <a:ext uri="{FF2B5EF4-FFF2-40B4-BE49-F238E27FC236}">
-                <a16:creationId xmlns:a16="http://schemas.microsoft.com/office/drawing/2014/main" xmlns="" id="{69296C9A-4472-4D30-BFAE-60CB397B5014}"/>
+                <a16:creationId xmlns="" xmlns:a16="http://schemas.microsoft.com/office/drawing/2014/main" id="{69296C9A-4472-4D30-BFAE-60CB397B5014}"/>
               </a:ext>
             </a:extLst>
           </p:cNvPr>
@@ -2378,7 +2729,7 @@
           <p:cNvPr id="5" name="날짜 개체 틀 4">
             <a:extLst>
               <a:ext uri="{FF2B5EF4-FFF2-40B4-BE49-F238E27FC236}">
-                <a16:creationId xmlns:a16="http://schemas.microsoft.com/office/drawing/2014/main" xmlns="" id="{F44E3F16-D603-4838-BA1C-0C9EEDE4AC92}"/>
+                <a16:creationId xmlns="" xmlns:a16="http://schemas.microsoft.com/office/drawing/2014/main" id="{F44E3F16-D603-4838-BA1C-0C9EEDE4AC92}"/>
               </a:ext>
             </a:extLst>
           </p:cNvPr>
@@ -2396,7 +2747,7 @@
           <a:p>
             <a:fld id="{246E467A-4026-4A8D-97BF-715EF7FA6491}" type="datetimeFigureOut">
               <a:rPr lang="ko-KR" altLang="en-US" smtClean="0"/>
-              <a:t>2023-08-31</a:t>
+              <a:t>2023-09-07</a:t>
             </a:fld>
             <a:endParaRPr lang="ko-KR" altLang="en-US"/>
           </a:p>
@@ -2407,7 +2758,7 @@
           <p:cNvPr id="6" name="바닥글 개체 틀 5">
             <a:extLst>
               <a:ext uri="{FF2B5EF4-FFF2-40B4-BE49-F238E27FC236}">
-                <a16:creationId xmlns:a16="http://schemas.microsoft.com/office/drawing/2014/main" xmlns="" id="{F48873C6-9D3A-4C62-9D46-88E6BAABCBA4}"/>
+                <a16:creationId xmlns="" xmlns:a16="http://schemas.microsoft.com/office/drawing/2014/main" id="{F48873C6-9D3A-4C62-9D46-88E6BAABCBA4}"/>
               </a:ext>
             </a:extLst>
           </p:cNvPr>
@@ -2432,7 +2783,7 @@
           <p:cNvPr id="7" name="슬라이드 번호 개체 틀 6">
             <a:extLst>
               <a:ext uri="{FF2B5EF4-FFF2-40B4-BE49-F238E27FC236}">
-                <a16:creationId xmlns:a16="http://schemas.microsoft.com/office/drawing/2014/main" xmlns="" id="{79A9C646-865F-49F4-8BDD-FB9A4DECA8F3}"/>
+                <a16:creationId xmlns="" xmlns:a16="http://schemas.microsoft.com/office/drawing/2014/main" id="{79A9C646-865F-49F4-8BDD-FB9A4DECA8F3}"/>
               </a:ext>
             </a:extLst>
           </p:cNvPr>
@@ -2491,7 +2842,7 @@
           <p:cNvPr id="2" name="제목 1">
             <a:extLst>
               <a:ext uri="{FF2B5EF4-FFF2-40B4-BE49-F238E27FC236}">
-                <a16:creationId xmlns:a16="http://schemas.microsoft.com/office/drawing/2014/main" xmlns="" id="{E5F258A6-5AAD-4F1F-976F-EDB5FF7254F0}"/>
+                <a16:creationId xmlns="" xmlns:a16="http://schemas.microsoft.com/office/drawing/2014/main" id="{E5F258A6-5AAD-4F1F-976F-EDB5FF7254F0}"/>
               </a:ext>
             </a:extLst>
           </p:cNvPr>
@@ -2528,7 +2879,7 @@
           <p:cNvPr id="3" name="그림 개체 틀 2">
             <a:extLst>
               <a:ext uri="{FF2B5EF4-FFF2-40B4-BE49-F238E27FC236}">
-                <a16:creationId xmlns:a16="http://schemas.microsoft.com/office/drawing/2014/main" xmlns="" id="{D2F4441E-0165-42AA-88F8-E53C4BAAC1DE}"/>
+                <a16:creationId xmlns="" xmlns:a16="http://schemas.microsoft.com/office/drawing/2014/main" id="{D2F4441E-0165-42AA-88F8-E53C4BAAC1DE}"/>
               </a:ext>
             </a:extLst>
           </p:cNvPr>
@@ -2595,7 +2946,7 @@
           <p:cNvPr id="4" name="텍스트 개체 틀 3">
             <a:extLst>
               <a:ext uri="{FF2B5EF4-FFF2-40B4-BE49-F238E27FC236}">
-                <a16:creationId xmlns:a16="http://schemas.microsoft.com/office/drawing/2014/main" xmlns="" id="{5AFCA1E8-0D3C-4590-82E2-D018D6E61D0F}"/>
+                <a16:creationId xmlns="" xmlns:a16="http://schemas.microsoft.com/office/drawing/2014/main" id="{5AFCA1E8-0D3C-4590-82E2-D018D6E61D0F}"/>
               </a:ext>
             </a:extLst>
           </p:cNvPr>
@@ -2666,7 +3017,7 @@
           <p:cNvPr id="5" name="날짜 개체 틀 4">
             <a:extLst>
               <a:ext uri="{FF2B5EF4-FFF2-40B4-BE49-F238E27FC236}">
-                <a16:creationId xmlns:a16="http://schemas.microsoft.com/office/drawing/2014/main" xmlns="" id="{0A674557-7FD9-416C-A8B5-FA6C4B5558AE}"/>
+                <a16:creationId xmlns="" xmlns:a16="http://schemas.microsoft.com/office/drawing/2014/main" id="{0A674557-7FD9-416C-A8B5-FA6C4B5558AE}"/>
               </a:ext>
             </a:extLst>
           </p:cNvPr>
@@ -2684,7 +3035,7 @@
           <a:p>
             <a:fld id="{246E467A-4026-4A8D-97BF-715EF7FA6491}" type="datetimeFigureOut">
               <a:rPr lang="ko-KR" altLang="en-US" smtClean="0"/>
-              <a:t>2023-08-31</a:t>
+              <a:t>2023-09-07</a:t>
             </a:fld>
             <a:endParaRPr lang="ko-KR" altLang="en-US"/>
           </a:p>
@@ -2695,7 +3046,7 @@
           <p:cNvPr id="6" name="바닥글 개체 틀 5">
             <a:extLst>
               <a:ext uri="{FF2B5EF4-FFF2-40B4-BE49-F238E27FC236}">
-                <a16:creationId xmlns:a16="http://schemas.microsoft.com/office/drawing/2014/main" xmlns="" id="{9C4A215C-B55F-4988-B45B-7667E8C7CAF6}"/>
+                <a16:creationId xmlns="" xmlns:a16="http://schemas.microsoft.com/office/drawing/2014/main" id="{9C4A215C-B55F-4988-B45B-7667E8C7CAF6}"/>
               </a:ext>
             </a:extLst>
           </p:cNvPr>
@@ -2720,7 +3071,7 @@
           <p:cNvPr id="7" name="슬라이드 번호 개체 틀 6">
             <a:extLst>
               <a:ext uri="{FF2B5EF4-FFF2-40B4-BE49-F238E27FC236}">
-                <a16:creationId xmlns:a16="http://schemas.microsoft.com/office/drawing/2014/main" xmlns="" id="{82FF3B86-5A48-411F-8090-830140A677FA}"/>
+                <a16:creationId xmlns="" xmlns:a16="http://schemas.microsoft.com/office/drawing/2014/main" id="{82FF3B86-5A48-411F-8090-830140A677FA}"/>
               </a:ext>
             </a:extLst>
           </p:cNvPr>
@@ -2784,7 +3135,7 @@
           <p:cNvPr id="2" name="제목 개체 틀 1">
             <a:extLst>
               <a:ext uri="{FF2B5EF4-FFF2-40B4-BE49-F238E27FC236}">
-                <a16:creationId xmlns:a16="http://schemas.microsoft.com/office/drawing/2014/main" xmlns="" id="{B9DF84FF-C412-430B-963A-695AABF70E5D}"/>
+                <a16:creationId xmlns="" xmlns:a16="http://schemas.microsoft.com/office/drawing/2014/main" id="{B9DF84FF-C412-430B-963A-695AABF70E5D}"/>
               </a:ext>
             </a:extLst>
           </p:cNvPr>
@@ -2822,7 +3173,7 @@
           <p:cNvPr id="3" name="텍스트 개체 틀 2">
             <a:extLst>
               <a:ext uri="{FF2B5EF4-FFF2-40B4-BE49-F238E27FC236}">
-                <a16:creationId xmlns:a16="http://schemas.microsoft.com/office/drawing/2014/main" xmlns="" id="{45EE7982-A999-4B0A-85F1-A0D5C55038DC}"/>
+                <a16:creationId xmlns="" xmlns:a16="http://schemas.microsoft.com/office/drawing/2014/main" id="{45EE7982-A999-4B0A-85F1-A0D5C55038DC}"/>
               </a:ext>
             </a:extLst>
           </p:cNvPr>
@@ -2889,7 +3240,7 @@
           <p:cNvPr id="4" name="날짜 개체 틀 3">
             <a:extLst>
               <a:ext uri="{FF2B5EF4-FFF2-40B4-BE49-F238E27FC236}">
-                <a16:creationId xmlns:a16="http://schemas.microsoft.com/office/drawing/2014/main" xmlns="" id="{3F48EB6A-F091-464F-A783-1AE546A56948}"/>
+                <a16:creationId xmlns="" xmlns:a16="http://schemas.microsoft.com/office/drawing/2014/main" id="{3F48EB6A-F091-464F-A783-1AE546A56948}"/>
               </a:ext>
             </a:extLst>
           </p:cNvPr>
@@ -2925,7 +3276,7 @@
           <a:p>
             <a:fld id="{246E467A-4026-4A8D-97BF-715EF7FA6491}" type="datetimeFigureOut">
               <a:rPr lang="ko-KR" altLang="en-US" smtClean="0"/>
-              <a:t>2023-08-31</a:t>
+              <a:t>2023-09-07</a:t>
             </a:fld>
             <a:endParaRPr lang="ko-KR" altLang="en-US"/>
           </a:p>
@@ -2936,7 +3287,7 @@
           <p:cNvPr id="5" name="바닥글 개체 틀 4">
             <a:extLst>
               <a:ext uri="{FF2B5EF4-FFF2-40B4-BE49-F238E27FC236}">
-                <a16:creationId xmlns:a16="http://schemas.microsoft.com/office/drawing/2014/main" xmlns="" id="{9531D2C7-63D5-4319-952D-A6F8404F460B}"/>
+                <a16:creationId xmlns="" xmlns:a16="http://schemas.microsoft.com/office/drawing/2014/main" id="{9531D2C7-63D5-4319-952D-A6F8404F460B}"/>
               </a:ext>
             </a:extLst>
           </p:cNvPr>
@@ -2979,7 +3330,7 @@
           <p:cNvPr id="6" name="슬라이드 번호 개체 틀 5">
             <a:extLst>
               <a:ext uri="{FF2B5EF4-FFF2-40B4-BE49-F238E27FC236}">
-                <a16:creationId xmlns:a16="http://schemas.microsoft.com/office/drawing/2014/main" xmlns="" id="{7739517A-02D4-4037-9427-974339FE7C30}"/>
+                <a16:creationId xmlns="" xmlns:a16="http://schemas.microsoft.com/office/drawing/2014/main" id="{7739517A-02D4-4037-9427-974339FE7C30}"/>
               </a:ext>
             </a:extLst>
           </p:cNvPr>
@@ -3355,7 +3706,7 @@
           <p:cNvPr id="2" name="TextBox 1">
             <a:extLst>
               <a:ext uri="{FF2B5EF4-FFF2-40B4-BE49-F238E27FC236}">
-                <a16:creationId xmlns:a16="http://schemas.microsoft.com/office/drawing/2014/main" xmlns="" id="{C70C938C-F8B1-4FFF-8F74-6ED0A876B136}"/>
+                <a16:creationId xmlns="" xmlns:a16="http://schemas.microsoft.com/office/drawing/2014/main" id="{C70C938C-F8B1-4FFF-8F74-6ED0A876B136}"/>
               </a:ext>
             </a:extLst>
           </p:cNvPr>
@@ -3396,7 +3747,7 @@
           <p:cNvPr id="3" name="TextBox 2">
             <a:extLst>
               <a:ext uri="{FF2B5EF4-FFF2-40B4-BE49-F238E27FC236}">
-                <a16:creationId xmlns:a16="http://schemas.microsoft.com/office/drawing/2014/main" xmlns="" id="{CC61FC92-B1C1-4C46-ABEF-2B6B78AA5915}"/>
+                <a16:creationId xmlns="" xmlns:a16="http://schemas.microsoft.com/office/drawing/2014/main" id="{CC61FC92-B1C1-4C46-ABEF-2B6B78AA5915}"/>
               </a:ext>
             </a:extLst>
           </p:cNvPr>
@@ -3437,7 +3788,7 @@
           <p:cNvPr id="8" name="그림 7" descr="사람, 서있는, 남자, 착용이(가) 표시된 사진&#10;&#10;자동 생성된 설명">
             <a:extLst>
               <a:ext uri="{FF2B5EF4-FFF2-40B4-BE49-F238E27FC236}">
-                <a16:creationId xmlns:a16="http://schemas.microsoft.com/office/drawing/2014/main" xmlns="" id="{398D98B8-2DFA-8476-B48A-2240354A960C}"/>
+                <a16:creationId xmlns="" xmlns:a16="http://schemas.microsoft.com/office/drawing/2014/main" id="{398D98B8-2DFA-8476-B48A-2240354A960C}"/>
               </a:ext>
             </a:extLst>
           </p:cNvPr>
@@ -3473,7 +3824,7 @@
           <p:cNvPr id="10" name="그림 9" descr="사람이(가) 표시된 사진&#10;&#10;자동 생성된 설명">
             <a:extLst>
               <a:ext uri="{FF2B5EF4-FFF2-40B4-BE49-F238E27FC236}">
-                <a16:creationId xmlns:a16="http://schemas.microsoft.com/office/drawing/2014/main" xmlns="" id="{0BE051E3-CAB7-BCFC-0441-E2FD03007A8D}"/>
+                <a16:creationId xmlns="" xmlns:a16="http://schemas.microsoft.com/office/drawing/2014/main" id="{0BE051E3-CAB7-BCFC-0441-E2FD03007A8D}"/>
               </a:ext>
             </a:extLst>
           </p:cNvPr>
@@ -3509,7 +3860,7 @@
           <p:cNvPr id="12" name="그림 11" descr="사람, 남자, 착용, 서있는이(가) 표시된 사진&#10;&#10;자동 생성된 설명">
             <a:extLst>
               <a:ext uri="{FF2B5EF4-FFF2-40B4-BE49-F238E27FC236}">
-                <a16:creationId xmlns:a16="http://schemas.microsoft.com/office/drawing/2014/main" xmlns="" id="{E9B0AD0F-14A6-F8C1-AEF5-1B01B5CEF846}"/>
+                <a16:creationId xmlns="" xmlns:a16="http://schemas.microsoft.com/office/drawing/2014/main" id="{E9B0AD0F-14A6-F8C1-AEF5-1B01B5CEF846}"/>
               </a:ext>
             </a:extLst>
           </p:cNvPr>
@@ -3562,6 +3913,13 @@
       </p:transition>
     </mc:Fallback>
   </mc:AlternateContent>
+  <p:timing>
+    <p:tnLst>
+      <p:par>
+        <p:cTn id="1" dur="indefinite" restart="never" nodeType="tmRoot"/>
+      </p:par>
+    </p:tnLst>
+  </p:timing>
 </p:sld>
 </file>
 
@@ -3587,7 +3945,7 @@
           <p:cNvPr id="3" name="직선 연결선 2">
             <a:extLst>
               <a:ext uri="{FF2B5EF4-FFF2-40B4-BE49-F238E27FC236}">
-                <a16:creationId xmlns:a16="http://schemas.microsoft.com/office/drawing/2014/main" xmlns="" id="{30B7886A-E2C2-47A8-A271-1FD08F52EED0}"/>
+                <a16:creationId xmlns="" xmlns:a16="http://schemas.microsoft.com/office/drawing/2014/main" id="{30B7886A-E2C2-47A8-A271-1FD08F52EED0}"/>
               </a:ext>
             </a:extLst>
           </p:cNvPr>
@@ -3630,7 +3988,7 @@
           <p:cNvPr id="18" name="직선 연결선 17">
             <a:extLst>
               <a:ext uri="{FF2B5EF4-FFF2-40B4-BE49-F238E27FC236}">
-                <a16:creationId xmlns:a16="http://schemas.microsoft.com/office/drawing/2014/main" xmlns="" id="{7911BDFD-7E29-44F7-9ED7-E8F36B51436C}"/>
+                <a16:creationId xmlns="" xmlns:a16="http://schemas.microsoft.com/office/drawing/2014/main" id="{7911BDFD-7E29-44F7-9ED7-E8F36B51436C}"/>
               </a:ext>
             </a:extLst>
           </p:cNvPr>
@@ -3661,48 +4019,9 @@
           </a:fontRef>
         </p:style>
       </p:cxnSp>
-      <p:sp>
-        <p:nvSpPr>
-          <p:cNvPr id="2" name="TextBox 1"/>
-          <p:cNvSpPr txBox="1"/>
-          <p:nvPr/>
-        </p:nvSpPr>
-        <p:spPr>
-          <a:xfrm>
-            <a:off x="839136" y="5740798"/>
-            <a:ext cx="10679430" cy="369332"/>
-          </a:xfrm>
-          <a:prstGeom prst="rect">
-            <a:avLst/>
-          </a:prstGeom>
-          <a:noFill/>
-        </p:spPr>
-        <p:txBody>
-          <a:bodyPr wrap="square" rtlCol="0">
-            <a:spAutoFit/>
-          </a:bodyPr>
-          <a:lstStyle/>
-          <a:p>
-            <a:pPr algn="ctr"/>
-            <a:r>
-              <a:rPr lang="ko-KR" altLang="en-US" dirty="0" smtClean="0"/>
-              <a:t>인공지능 </a:t>
-            </a:r>
-            <a:r>
-              <a:rPr lang="en-US" altLang="ko-KR" dirty="0" smtClean="0"/>
-              <a:t>Output </a:t>
-            </a:r>
-            <a:r>
-              <a:rPr lang="ko-KR" altLang="en-US" dirty="0" smtClean="0"/>
-              <a:t>웹 연동</a:t>
-            </a:r>
-            <a:endParaRPr lang="en-US" altLang="ko-KR" dirty="0" smtClean="0"/>
-          </a:p>
-        </p:txBody>
-      </p:sp>
       <p:pic>
         <p:nvPicPr>
-          <p:cNvPr id="2055" name="Picture 7" descr="C:\Users\user\Desktop\KakaoTalk_20230831_015108804.png"/>
+          <p:cNvPr id="1026" name="Picture 2" descr="C:\Users\user\Documents\카카오톡 받은 파일\KakaoTalk_20230907_012356874.png"/>
           <p:cNvPicPr>
             <a:picLocks noChangeAspect="1" noChangeArrowheads="1"/>
           </p:cNvPicPr>
@@ -3723,8 +4042,8 @@
         </p:blipFill>
         <p:spPr bwMode="auto">
           <a:xfrm>
-            <a:off x="738715" y="680163"/>
-            <a:ext cx="10678583" cy="4755435"/>
+            <a:off x="2296584" y="466725"/>
+            <a:ext cx="7589838" cy="5281613"/>
           </a:xfrm>
           <a:prstGeom prst="rect">
             <a:avLst/>
@@ -3741,6 +4060,63 @@
           </a:extLst>
         </p:spPr>
       </p:pic>
+      <p:sp>
+        <p:nvSpPr>
+          <p:cNvPr id="4" name="TextBox 3"/>
+          <p:cNvSpPr txBox="1"/>
+          <p:nvPr/>
+        </p:nvSpPr>
+        <p:spPr>
+          <a:xfrm>
+            <a:off x="914136" y="6045200"/>
+            <a:ext cx="10354734" cy="646331"/>
+          </a:xfrm>
+          <a:prstGeom prst="rect">
+            <a:avLst/>
+          </a:prstGeom>
+          <a:noFill/>
+        </p:spPr>
+        <p:txBody>
+          <a:bodyPr wrap="square" rtlCol="0">
+            <a:spAutoFit/>
+          </a:bodyPr>
+          <a:lstStyle/>
+          <a:p>
+            <a:r>
+              <a:rPr lang="ko-KR" altLang="en-US" dirty="0" err="1" smtClean="0"/>
+              <a:t>미리보기</a:t>
+            </a:r>
+            <a:r>
+              <a:rPr lang="ko-KR" altLang="en-US" dirty="0" smtClean="0"/>
+              <a:t> 이미지와 같은 </a:t>
+            </a:r>
+            <a:r>
+              <a:rPr lang="en-US" altLang="ko-KR" dirty="0" smtClean="0"/>
+              <a:t>UI</a:t>
+            </a:r>
+            <a:r>
+              <a:rPr lang="ko-KR" altLang="en-US" dirty="0" smtClean="0"/>
+              <a:t>적 요소 추가</a:t>
+            </a:r>
+            <a:endParaRPr lang="en-US" altLang="ko-KR" dirty="0" smtClean="0"/>
+          </a:p>
+          <a:p>
+            <a:r>
+              <a:rPr lang="ko-KR" altLang="en-US" dirty="0" smtClean="0"/>
+              <a:t>버튼과 같은</a:t>
+            </a:r>
+            <a:r>
+              <a:rPr lang="en-US" altLang="ko-KR" dirty="0" smtClean="0"/>
+              <a:t>,</a:t>
+            </a:r>
+            <a:r>
+              <a:rPr lang="ko-KR" altLang="en-US" dirty="0" smtClean="0"/>
+              <a:t> 디자인 양식 통일화 </a:t>
+            </a:r>
+            <a:endParaRPr lang="ko-KR" altLang="en-US" dirty="0"/>
+          </a:p>
+        </p:txBody>
+      </p:sp>
     </p:spTree>
     <p:extLst>
       <p:ext uri="{BB962C8B-B14F-4D97-AF65-F5344CB8AC3E}">
@@ -3763,6 +4139,13 @@
       </p:transition>
     </mc:Fallback>
   </mc:AlternateContent>
+  <p:timing>
+    <p:tnLst>
+      <p:par>
+        <p:cTn id="1" dur="indefinite" restart="never" nodeType="tmRoot"/>
+      </p:par>
+    </p:tnLst>
+  </p:timing>
 </p:sld>
 </file>
 
@@ -3788,7 +4171,7 @@
           <p:cNvPr id="3" name="직선 연결선 2">
             <a:extLst>
               <a:ext uri="{FF2B5EF4-FFF2-40B4-BE49-F238E27FC236}">
-                <a16:creationId xmlns:a16="http://schemas.microsoft.com/office/drawing/2014/main" xmlns="" id="{30B7886A-E2C2-47A8-A271-1FD08F52EED0}"/>
+                <a16:creationId xmlns="" xmlns:a16="http://schemas.microsoft.com/office/drawing/2014/main" id="{30B7886A-E2C2-47A8-A271-1FD08F52EED0}"/>
               </a:ext>
             </a:extLst>
           </p:cNvPr>
@@ -3831,7 +4214,7 @@
           <p:cNvPr id="18" name="직선 연결선 17">
             <a:extLst>
               <a:ext uri="{FF2B5EF4-FFF2-40B4-BE49-F238E27FC236}">
-                <a16:creationId xmlns:a16="http://schemas.microsoft.com/office/drawing/2014/main" xmlns="" id="{7911BDFD-7E29-44F7-9ED7-E8F36B51436C}"/>
+                <a16:creationId xmlns="" xmlns:a16="http://schemas.microsoft.com/office/drawing/2014/main" id="{7911BDFD-7E29-44F7-9ED7-E8F36B51436C}"/>
               </a:ext>
             </a:extLst>
           </p:cNvPr>
@@ -3862,55 +4245,16 @@
           </a:fontRef>
         </p:style>
       </p:cxnSp>
-      <p:pic>
-        <p:nvPicPr>
-          <p:cNvPr id="6" name="Picture 3" descr="C:\Users\user\Desktop\KakaoTalk_20230831_001450242.png"/>
-          <p:cNvPicPr>
-            <a:picLocks noChangeAspect="1" noChangeArrowheads="1"/>
-          </p:cNvPicPr>
-          <p:nvPr/>
-        </p:nvPicPr>
-        <p:blipFill rotWithShape="1">
-          <a:blip r:embed="rId2" cstate="screen">
-            <a:extLst>
-              <a:ext uri="{28A0092B-C50C-407E-A947-70E740481C1C}">
-                <a14:useLocalDpi xmlns:a14="http://schemas.microsoft.com/office/drawing/2010/main" val="0"/>
-              </a:ext>
-            </a:extLst>
-          </a:blip>
-          <a:srcRect b="-1520"/>
-          <a:stretch/>
-        </p:blipFill>
-        <p:spPr bwMode="auto">
-          <a:xfrm>
-            <a:off x="884051" y="774700"/>
-            <a:ext cx="2224777" cy="2698750"/>
-          </a:xfrm>
-          <a:prstGeom prst="rect">
-            <a:avLst/>
-          </a:prstGeom>
-          <a:noFill/>
-          <a:extLst>
-            <a:ext uri="{909E8E84-426E-40DD-AFC4-6F175D3DCCD1}">
-              <a14:hiddenFill xmlns:a14="http://schemas.microsoft.com/office/drawing/2010/main">
-                <a:solidFill>
-                  <a:srgbClr val="FFFFFF"/>
-                </a:solidFill>
-              </a14:hiddenFill>
-            </a:ext>
-          </a:extLst>
-        </p:spPr>
-      </p:pic>
-      <p:sp>
-        <p:nvSpPr>
-          <p:cNvPr id="13" name="TextBox 12"/>
+      <p:sp>
+        <p:nvSpPr>
+          <p:cNvPr id="4" name="TextBox 3"/>
           <p:cNvSpPr txBox="1"/>
           <p:nvPr/>
         </p:nvSpPr>
         <p:spPr>
           <a:xfrm>
-            <a:off x="776037" y="5751290"/>
-            <a:ext cx="10679430" cy="461665"/>
+            <a:off x="897202" y="5833534"/>
+            <a:ext cx="10354734" cy="369332"/>
           </a:xfrm>
           <a:prstGeom prst="rect">
             <a:avLst/>
@@ -3924,23 +4268,35 @@
           <a:lstStyle/>
           <a:p>
             <a:r>
-              <a:rPr lang="ko-KR" altLang="en-US" sz="2400" dirty="0" smtClean="0"/>
-              <a:t>여러 이미지를 통한 인공지능 테스트</a:t>
-            </a:r>
-            <a:endParaRPr lang="en-US" altLang="ko-KR" sz="2400" dirty="0" smtClean="0"/>
+              <a:rPr lang="ko-KR" altLang="en-US" dirty="0" smtClean="0"/>
+              <a:t>대기 상황과 같은 예외 상황 처리 </a:t>
+            </a:r>
+            <a:r>
+              <a:rPr lang="ko-KR" altLang="en-US" dirty="0" err="1" smtClean="0"/>
+              <a:t>로직</a:t>
+            </a:r>
+            <a:r>
+              <a:rPr lang="ko-KR" altLang="en-US" dirty="0" smtClean="0"/>
+              <a:t> </a:t>
+            </a:r>
+            <a:r>
+              <a:rPr lang="ko-KR" altLang="en-US" dirty="0" err="1" smtClean="0"/>
+              <a:t>구현중</a:t>
+            </a:r>
+            <a:endParaRPr lang="en-US" altLang="ko-KR" dirty="0" smtClean="0"/>
           </a:p>
         </p:txBody>
       </p:sp>
       <p:pic>
         <p:nvPicPr>
-          <p:cNvPr id="5122" name="Picture 2" descr="C:\Users\user\Desktop\결과물\KakaoTalk_20230831_010235571_12.jpg"/>
+          <p:cNvPr id="3074" name="Picture 2" descr="C:\Users\user\Documents\카카오톡 받은 파일\KakaoTalk_20230907_012045805.png"/>
           <p:cNvPicPr>
             <a:picLocks noChangeAspect="1" noChangeArrowheads="1"/>
           </p:cNvPicPr>
           <p:nvPr/>
         </p:nvPicPr>
         <p:blipFill>
-          <a:blip r:embed="rId3" cstate="screen">
+          <a:blip r:embed="rId2">
             <a:extLst>
               <a:ext uri="{28A0092B-C50C-407E-A947-70E740481C1C}">
                 <a14:useLocalDpi xmlns:a14="http://schemas.microsoft.com/office/drawing/2010/main" val="0"/>
@@ -3954,418 +4310,8 @@
         </p:blipFill>
         <p:spPr bwMode="auto">
           <a:xfrm>
-            <a:off x="2801698" y="958849"/>
-            <a:ext cx="1645841" cy="2173817"/>
-          </a:xfrm>
-          <a:prstGeom prst="rect">
-            <a:avLst/>
-          </a:prstGeom>
-          <a:noFill/>
-          <a:extLst>
-            <a:ext uri="{909E8E84-426E-40DD-AFC4-6F175D3DCCD1}">
-              <a14:hiddenFill xmlns:a14="http://schemas.microsoft.com/office/drawing/2010/main">
-                <a:solidFill>
-                  <a:srgbClr val="FFFFFF"/>
-                </a:solidFill>
-              </a14:hiddenFill>
-            </a:ext>
-          </a:extLst>
-        </p:spPr>
-      </p:pic>
-      <p:pic>
-        <p:nvPicPr>
-          <p:cNvPr id="5124" name="Picture 4" descr="C:\Users\user\Desktop\결과물\KakaoTalk_20230831_010235571_19.jpg"/>
-          <p:cNvPicPr>
-            <a:picLocks noChangeAspect="1" noChangeArrowheads="1"/>
-          </p:cNvPicPr>
-          <p:nvPr/>
-        </p:nvPicPr>
-        <p:blipFill>
-          <a:blip r:embed="rId4" cstate="screen">
-            <a:extLst>
-              <a:ext uri="{28A0092B-C50C-407E-A947-70E740481C1C}">
-                <a14:useLocalDpi xmlns:a14="http://schemas.microsoft.com/office/drawing/2010/main" val="0"/>
-              </a:ext>
-            </a:extLst>
-          </a:blip>
-          <a:srcRect/>
-          <a:stretch>
-            <a:fillRect/>
-          </a:stretch>
-        </p:blipFill>
-        <p:spPr bwMode="auto">
-          <a:xfrm>
-            <a:off x="6071870" y="958848"/>
-            <a:ext cx="1635760" cy="2181013"/>
-          </a:xfrm>
-          <a:prstGeom prst="rect">
-            <a:avLst/>
-          </a:prstGeom>
-          <a:noFill/>
-          <a:extLst>
-            <a:ext uri="{909E8E84-426E-40DD-AFC4-6F175D3DCCD1}">
-              <a14:hiddenFill xmlns:a14="http://schemas.microsoft.com/office/drawing/2010/main">
-                <a:solidFill>
-                  <a:srgbClr val="FFFFFF"/>
-                </a:solidFill>
-              </a14:hiddenFill>
-            </a:ext>
-          </a:extLst>
-        </p:spPr>
-      </p:pic>
-      <p:pic>
-        <p:nvPicPr>
-          <p:cNvPr id="5125" name="Picture 5" descr="C:\Users\user\Desktop\결과물\KakaoTalk_20230831_010235571_02.jpg"/>
-          <p:cNvPicPr>
-            <a:picLocks noChangeAspect="1" noChangeArrowheads="1"/>
-          </p:cNvPicPr>
-          <p:nvPr/>
-        </p:nvPicPr>
-        <p:blipFill>
-          <a:blip r:embed="rId5" cstate="screen">
-            <a:extLst>
-              <a:ext uri="{28A0092B-C50C-407E-A947-70E740481C1C}">
-                <a14:useLocalDpi xmlns:a14="http://schemas.microsoft.com/office/drawing/2010/main" val="0"/>
-              </a:ext>
-            </a:extLst>
-          </a:blip>
-          <a:srcRect/>
-          <a:stretch>
-            <a:fillRect/>
-          </a:stretch>
-        </p:blipFill>
-        <p:spPr bwMode="auto">
-          <a:xfrm>
-            <a:off x="7707630" y="958849"/>
-            <a:ext cx="1654810" cy="2206413"/>
-          </a:xfrm>
-          <a:prstGeom prst="rect">
-            <a:avLst/>
-          </a:prstGeom>
-          <a:noFill/>
-          <a:extLst>
-            <a:ext uri="{909E8E84-426E-40DD-AFC4-6F175D3DCCD1}">
-              <a14:hiddenFill xmlns:a14="http://schemas.microsoft.com/office/drawing/2010/main">
-                <a:solidFill>
-                  <a:srgbClr val="FFFFFF"/>
-                </a:solidFill>
-              </a14:hiddenFill>
-            </a:ext>
-          </a:extLst>
-        </p:spPr>
-      </p:pic>
-      <p:pic>
-        <p:nvPicPr>
-          <p:cNvPr id="5126" name="Picture 6" descr="C:\Users\user\Desktop\결과물\KakaoTalk_20230831_010235571_04.jpg"/>
-          <p:cNvPicPr>
-            <a:picLocks noChangeAspect="1" noChangeArrowheads="1"/>
-          </p:cNvPicPr>
-          <p:nvPr/>
-        </p:nvPicPr>
-        <p:blipFill>
-          <a:blip r:embed="rId6" cstate="screen">
-            <a:extLst>
-              <a:ext uri="{28A0092B-C50C-407E-A947-70E740481C1C}">
-                <a14:useLocalDpi xmlns:a14="http://schemas.microsoft.com/office/drawing/2010/main" val="0"/>
-              </a:ext>
-            </a:extLst>
-          </a:blip>
-          <a:srcRect/>
-          <a:stretch>
-            <a:fillRect/>
-          </a:stretch>
-        </p:blipFill>
-        <p:spPr bwMode="auto">
-          <a:xfrm>
-            <a:off x="9362440" y="958848"/>
-            <a:ext cx="1624332" cy="2165775"/>
-          </a:xfrm>
-          <a:prstGeom prst="rect">
-            <a:avLst/>
-          </a:prstGeom>
-          <a:noFill/>
-          <a:extLst>
-            <a:ext uri="{909E8E84-426E-40DD-AFC4-6F175D3DCCD1}">
-              <a14:hiddenFill xmlns:a14="http://schemas.microsoft.com/office/drawing/2010/main">
-                <a:solidFill>
-                  <a:srgbClr val="FFFFFF"/>
-                </a:solidFill>
-              </a14:hiddenFill>
-            </a:ext>
-          </a:extLst>
-        </p:spPr>
-      </p:pic>
-      <p:pic>
-        <p:nvPicPr>
-          <p:cNvPr id="5127" name="Picture 7" descr="C:\Users\user\Desktop\결과물\KakaoTalk_20230831_010235571_27.jpg"/>
-          <p:cNvPicPr>
-            <a:picLocks noChangeAspect="1" noChangeArrowheads="1"/>
-          </p:cNvPicPr>
-          <p:nvPr/>
-        </p:nvPicPr>
-        <p:blipFill>
-          <a:blip r:embed="rId7" cstate="screen">
-            <a:extLst>
-              <a:ext uri="{28A0092B-C50C-407E-A947-70E740481C1C}">
-                <a14:useLocalDpi xmlns:a14="http://schemas.microsoft.com/office/drawing/2010/main" val="0"/>
-              </a:ext>
-            </a:extLst>
-          </a:blip>
-          <a:srcRect/>
-          <a:stretch>
-            <a:fillRect/>
-          </a:stretch>
-        </p:blipFill>
-        <p:spPr bwMode="auto">
-          <a:xfrm>
-            <a:off x="4460993" y="3139861"/>
-            <a:ext cx="1597422" cy="2129895"/>
-          </a:xfrm>
-          <a:prstGeom prst="rect">
-            <a:avLst/>
-          </a:prstGeom>
-          <a:noFill/>
-          <a:extLst>
-            <a:ext uri="{909E8E84-426E-40DD-AFC4-6F175D3DCCD1}">
-              <a14:hiddenFill xmlns:a14="http://schemas.microsoft.com/office/drawing/2010/main">
-                <a:solidFill>
-                  <a:srgbClr val="FFFFFF"/>
-                </a:solidFill>
-              </a14:hiddenFill>
-            </a:ext>
-          </a:extLst>
-        </p:spPr>
-      </p:pic>
-      <p:pic>
-        <p:nvPicPr>
-          <p:cNvPr id="5128" name="Picture 8" descr="C:\Users\user\Desktop\결과물\KakaoTalk_20230831_010235571_23.jpg"/>
-          <p:cNvPicPr>
-            <a:picLocks noChangeAspect="1" noChangeArrowheads="1"/>
-          </p:cNvPicPr>
-          <p:nvPr/>
-        </p:nvPicPr>
-        <p:blipFill>
-          <a:blip r:embed="rId8" cstate="screen">
-            <a:extLst>
-              <a:ext uri="{28A0092B-C50C-407E-A947-70E740481C1C}">
-                <a14:useLocalDpi xmlns:a14="http://schemas.microsoft.com/office/drawing/2010/main" val="0"/>
-              </a:ext>
-            </a:extLst>
-          </a:blip>
-          <a:srcRect/>
-          <a:stretch>
-            <a:fillRect/>
-          </a:stretch>
-        </p:blipFill>
-        <p:spPr bwMode="auto">
-          <a:xfrm>
-            <a:off x="2801698" y="3124623"/>
-            <a:ext cx="1645841" cy="2145133"/>
-          </a:xfrm>
-          <a:prstGeom prst="rect">
-            <a:avLst/>
-          </a:prstGeom>
-          <a:noFill/>
-          <a:extLst>
-            <a:ext uri="{909E8E84-426E-40DD-AFC4-6F175D3DCCD1}">
-              <a14:hiddenFill xmlns:a14="http://schemas.microsoft.com/office/drawing/2010/main">
-                <a:solidFill>
-                  <a:srgbClr val="FFFFFF"/>
-                </a:solidFill>
-              </a14:hiddenFill>
-            </a:ext>
-          </a:extLst>
-        </p:spPr>
-      </p:pic>
-      <p:pic>
-        <p:nvPicPr>
-          <p:cNvPr id="5130" name="Picture 10" descr="C:\Users\user\Desktop\결과물\KakaoTalk_20230831_010235571_15.jpg"/>
-          <p:cNvPicPr>
-            <a:picLocks noChangeAspect="1" noChangeArrowheads="1"/>
-          </p:cNvPicPr>
-          <p:nvPr/>
-        </p:nvPicPr>
-        <p:blipFill>
-          <a:blip r:embed="rId9" cstate="screen">
-            <a:extLst>
-              <a:ext uri="{28A0092B-C50C-407E-A947-70E740481C1C}">
-                <a14:useLocalDpi xmlns:a14="http://schemas.microsoft.com/office/drawing/2010/main" val="0"/>
-              </a:ext>
-            </a:extLst>
-          </a:blip>
-          <a:srcRect/>
-          <a:stretch>
-            <a:fillRect/>
-          </a:stretch>
-        </p:blipFill>
-        <p:spPr bwMode="auto">
-          <a:xfrm>
-            <a:off x="1184273" y="3139861"/>
-            <a:ext cx="1624331" cy="2145133"/>
-          </a:xfrm>
-          <a:prstGeom prst="rect">
-            <a:avLst/>
-          </a:prstGeom>
-          <a:noFill/>
-          <a:extLst>
-            <a:ext uri="{909E8E84-426E-40DD-AFC4-6F175D3DCCD1}">
-              <a14:hiddenFill xmlns:a14="http://schemas.microsoft.com/office/drawing/2010/main">
-                <a:solidFill>
-                  <a:srgbClr val="FFFFFF"/>
-                </a:solidFill>
-              </a14:hiddenFill>
-            </a:ext>
-          </a:extLst>
-        </p:spPr>
-      </p:pic>
-      <p:pic>
-        <p:nvPicPr>
-          <p:cNvPr id="5131" name="Picture 11" descr="C:\Users\user\Desktop\결과물\KakaoTalk_20230831_010235571.jpg"/>
-          <p:cNvPicPr>
-            <a:picLocks noChangeAspect="1" noChangeArrowheads="1"/>
-          </p:cNvPicPr>
-          <p:nvPr/>
-        </p:nvPicPr>
-        <p:blipFill>
-          <a:blip r:embed="rId10" cstate="screen">
-            <a:extLst>
-              <a:ext uri="{28A0092B-C50C-407E-A947-70E740481C1C}">
-                <a14:useLocalDpi xmlns:a14="http://schemas.microsoft.com/office/drawing/2010/main" val="0"/>
-              </a:ext>
-            </a:extLst>
-          </a:blip>
-          <a:srcRect/>
-          <a:stretch>
-            <a:fillRect/>
-          </a:stretch>
-        </p:blipFill>
-        <p:spPr bwMode="auto">
-          <a:xfrm>
-            <a:off x="6071870" y="3123879"/>
-            <a:ext cx="1651241" cy="2145877"/>
-          </a:xfrm>
-          <a:prstGeom prst="rect">
-            <a:avLst/>
-          </a:prstGeom>
-          <a:noFill/>
-          <a:extLst>
-            <a:ext uri="{909E8E84-426E-40DD-AFC4-6F175D3DCCD1}">
-              <a14:hiddenFill xmlns:a14="http://schemas.microsoft.com/office/drawing/2010/main">
-                <a:solidFill>
-                  <a:srgbClr val="FFFFFF"/>
-                </a:solidFill>
-              </a14:hiddenFill>
-            </a:ext>
-          </a:extLst>
-        </p:spPr>
-      </p:pic>
-      <p:pic>
-        <p:nvPicPr>
-          <p:cNvPr id="5133" name="Picture 13" descr="C:\Users\user\Desktop\결과물\KakaoTalk_20230831_010235571_26.jpg"/>
-          <p:cNvPicPr>
-            <a:picLocks noChangeAspect="1" noChangeArrowheads="1"/>
-          </p:cNvPicPr>
-          <p:nvPr/>
-        </p:nvPicPr>
-        <p:blipFill>
-          <a:blip r:embed="rId11" cstate="screen">
-            <a:extLst>
-              <a:ext uri="{28A0092B-C50C-407E-A947-70E740481C1C}">
-                <a14:useLocalDpi xmlns:a14="http://schemas.microsoft.com/office/drawing/2010/main" val="0"/>
-              </a:ext>
-            </a:extLst>
-          </a:blip>
-          <a:srcRect/>
-          <a:stretch>
-            <a:fillRect/>
-          </a:stretch>
-        </p:blipFill>
-        <p:spPr bwMode="auto">
-          <a:xfrm>
-            <a:off x="7723111" y="3123879"/>
-            <a:ext cx="1639329" cy="2146621"/>
-          </a:xfrm>
-          <a:prstGeom prst="rect">
-            <a:avLst/>
-          </a:prstGeom>
-          <a:noFill/>
-          <a:extLst>
-            <a:ext uri="{909E8E84-426E-40DD-AFC4-6F175D3DCCD1}">
-              <a14:hiddenFill xmlns:a14="http://schemas.microsoft.com/office/drawing/2010/main">
-                <a:solidFill>
-                  <a:srgbClr val="FFFFFF"/>
-                </a:solidFill>
-              </a14:hiddenFill>
-            </a:ext>
-          </a:extLst>
-        </p:spPr>
-      </p:pic>
-      <p:pic>
-        <p:nvPicPr>
-          <p:cNvPr id="5134" name="Picture 14" descr="C:\Users\user\Desktop\결과물\KakaoTalk_20230831_010235571_22.jpg"/>
-          <p:cNvPicPr>
-            <a:picLocks noChangeAspect="1" noChangeArrowheads="1"/>
-          </p:cNvPicPr>
-          <p:nvPr/>
-        </p:nvPicPr>
-        <p:blipFill>
-          <a:blip r:embed="rId12" cstate="screen">
-            <a:extLst>
-              <a:ext uri="{28A0092B-C50C-407E-A947-70E740481C1C}">
-                <a14:useLocalDpi xmlns:a14="http://schemas.microsoft.com/office/drawing/2010/main" val="0"/>
-              </a:ext>
-            </a:extLst>
-          </a:blip>
-          <a:srcRect/>
-          <a:stretch>
-            <a:fillRect/>
-          </a:stretch>
-        </p:blipFill>
-        <p:spPr bwMode="auto">
-          <a:xfrm>
-            <a:off x="9362441" y="3103980"/>
-            <a:ext cx="1624332" cy="2165776"/>
-          </a:xfrm>
-          <a:prstGeom prst="rect">
-            <a:avLst/>
-          </a:prstGeom>
-          <a:noFill/>
-          <a:extLst>
-            <a:ext uri="{909E8E84-426E-40DD-AFC4-6F175D3DCCD1}">
-              <a14:hiddenFill xmlns:a14="http://schemas.microsoft.com/office/drawing/2010/main">
-                <a:solidFill>
-                  <a:srgbClr val="FFFFFF"/>
-                </a:solidFill>
-              </a14:hiddenFill>
-            </a:ext>
-          </a:extLst>
-        </p:spPr>
-      </p:pic>
-      <p:pic>
-        <p:nvPicPr>
-          <p:cNvPr id="5136" name="Picture 16" descr="C:\Users\user\Desktop\12222.jpg"/>
-          <p:cNvPicPr>
-            <a:picLocks noChangeAspect="1" noChangeArrowheads="1"/>
-          </p:cNvPicPr>
-          <p:nvPr/>
-        </p:nvPicPr>
-        <p:blipFill>
-          <a:blip r:embed="rId13" cstate="screen">
-            <a:extLst>
-              <a:ext uri="{28A0092B-C50C-407E-A947-70E740481C1C}">
-                <a14:useLocalDpi xmlns:a14="http://schemas.microsoft.com/office/drawing/2010/main" val="0"/>
-              </a:ext>
-            </a:extLst>
-          </a:blip>
-          <a:srcRect/>
-          <a:stretch>
-            <a:fillRect/>
-          </a:stretch>
-        </p:blipFill>
-        <p:spPr bwMode="auto">
-          <a:xfrm>
-            <a:off x="4447540" y="960422"/>
-            <a:ext cx="1622594" cy="2163457"/>
+            <a:off x="1165682" y="869950"/>
+            <a:ext cx="9851641" cy="4168775"/>
           </a:xfrm>
           <a:prstGeom prst="rect">
             <a:avLst/>
@@ -4385,7 +4331,7 @@
     </p:spTree>
     <p:extLst>
       <p:ext uri="{BB962C8B-B14F-4D97-AF65-F5344CB8AC3E}">
-        <p14:creationId xmlns:p14="http://schemas.microsoft.com/office/powerpoint/2010/main" val="3857308429"/>
+        <p14:creationId xmlns:p14="http://schemas.microsoft.com/office/powerpoint/2010/main" val="1924699665"/>
       </p:ext>
     </p:extLst>
   </p:cSld>
@@ -4404,6 +4350,13 @@
       </p:transition>
     </mc:Fallback>
   </mc:AlternateContent>
+  <p:timing>
+    <p:tnLst>
+      <p:par>
+        <p:cTn id="1" dur="indefinite" restart="never" nodeType="tmRoot"/>
+      </p:par>
+    </p:tnLst>
+  </p:timing>
 </p:sld>
 </file>
 
@@ -4429,7 +4382,7 @@
           <p:cNvPr id="3" name="직선 연결선 2">
             <a:extLst>
               <a:ext uri="{FF2B5EF4-FFF2-40B4-BE49-F238E27FC236}">
-                <a16:creationId xmlns:a16="http://schemas.microsoft.com/office/drawing/2014/main" xmlns="" id="{30B7886A-E2C2-47A8-A271-1FD08F52EED0}"/>
+                <a16:creationId xmlns="" xmlns:a16="http://schemas.microsoft.com/office/drawing/2014/main" id="{30B7886A-E2C2-47A8-A271-1FD08F52EED0}"/>
               </a:ext>
             </a:extLst>
           </p:cNvPr>
@@ -4472,7 +4425,7 @@
           <p:cNvPr id="18" name="직선 연결선 17">
             <a:extLst>
               <a:ext uri="{FF2B5EF4-FFF2-40B4-BE49-F238E27FC236}">
-                <a16:creationId xmlns:a16="http://schemas.microsoft.com/office/drawing/2014/main" xmlns="" id="{7911BDFD-7E29-44F7-9ED7-E8F36B51436C}"/>
+                <a16:creationId xmlns="" xmlns:a16="http://schemas.microsoft.com/office/drawing/2014/main" id="{7911BDFD-7E29-44F7-9ED7-E8F36B51436C}"/>
               </a:ext>
             </a:extLst>
           </p:cNvPr>
@@ -4505,14 +4458,14 @@
       </p:cxnSp>
       <p:sp>
         <p:nvSpPr>
-          <p:cNvPr id="5" name="TextBox 4"/>
+          <p:cNvPr id="4" name="TextBox 3"/>
           <p:cNvSpPr txBox="1"/>
           <p:nvPr/>
         </p:nvSpPr>
         <p:spPr>
           <a:xfrm>
-            <a:off x="663517" y="4678845"/>
-            <a:ext cx="10679430" cy="923330"/>
+            <a:off x="914136" y="6045200"/>
+            <a:ext cx="10354734" cy="369332"/>
           </a:xfrm>
           <a:prstGeom prst="rect">
             <a:avLst/>
@@ -4527,100 +4480,22 @@
           <a:p>
             <a:r>
               <a:rPr lang="ko-KR" altLang="en-US" dirty="0" smtClean="0"/>
-              <a:t> 시연상의 적합한 이미지 확인</a:t>
-            </a:r>
-            <a:endParaRPr lang="en-US" altLang="ko-KR" dirty="0" smtClean="0"/>
-          </a:p>
-          <a:p>
-            <a:r>
-              <a:rPr lang="ko-KR" altLang="en-US" dirty="0" smtClean="0"/>
-              <a:t>적정 모델 이미지 </a:t>
-            </a:r>
-            <a:r>
-              <a:rPr lang="en-US" altLang="ko-KR" dirty="0" smtClean="0"/>
-              <a:t>: </a:t>
-            </a:r>
-            <a:r>
-              <a:rPr lang="ko-KR" altLang="en-US" dirty="0" smtClean="0"/>
-              <a:t>정면</a:t>
-            </a:r>
-            <a:r>
-              <a:rPr lang="en-US" altLang="ko-KR" dirty="0" smtClean="0"/>
-              <a:t>, </a:t>
-            </a:r>
-            <a:r>
-              <a:rPr lang="ko-KR" altLang="en-US" dirty="0" smtClean="0"/>
-              <a:t>화면 신체 비율</a:t>
-            </a:r>
-            <a:r>
-              <a:rPr lang="en-US" altLang="ko-KR" dirty="0" smtClean="0"/>
-              <a:t>(</a:t>
-            </a:r>
-            <a:r>
-              <a:rPr lang="ko-KR" altLang="en-US" dirty="0" smtClean="0"/>
-              <a:t>상체 </a:t>
-            </a:r>
-            <a:r>
-              <a:rPr lang="en-US" altLang="ko-KR" dirty="0" smtClean="0"/>
-              <a:t>35% ~ 60%), </a:t>
-            </a:r>
-            <a:r>
-              <a:rPr lang="ko-KR" altLang="en-US" dirty="0" smtClean="0"/>
-              <a:t>배경 회백색 계열</a:t>
-            </a:r>
-            <a:r>
-              <a:rPr lang="en-US" altLang="ko-KR" dirty="0" smtClean="0"/>
-              <a:t>, </a:t>
-            </a:r>
-            <a:r>
-              <a:rPr lang="ko-KR" altLang="en-US" dirty="0" smtClean="0"/>
-              <a:t>얼굴의 유무</a:t>
-            </a:r>
-            <a:r>
-              <a:rPr lang="en-US" altLang="ko-KR" dirty="0" smtClean="0"/>
-              <a:t>, </a:t>
-            </a:r>
-            <a:r>
-              <a:rPr lang="ko-KR" altLang="en-US" dirty="0" smtClean="0"/>
-              <a:t>손위치</a:t>
-            </a:r>
-            <a:endParaRPr lang="en-US" altLang="ko-KR" dirty="0" smtClean="0"/>
-          </a:p>
-          <a:p>
-            <a:r>
-              <a:rPr lang="ko-KR" altLang="en-US" dirty="0" smtClean="0"/>
-              <a:t>의상 이미지 </a:t>
-            </a:r>
-            <a:r>
-              <a:rPr lang="en-US" altLang="ko-KR" dirty="0" smtClean="0"/>
-              <a:t>: </a:t>
-            </a:r>
-            <a:r>
-              <a:rPr lang="ko-KR" altLang="en-US" dirty="0" smtClean="0"/>
-              <a:t>적절한</a:t>
-            </a:r>
-            <a:r>
-              <a:rPr lang="en-US" altLang="ko-KR" dirty="0" smtClean="0"/>
-              <a:t> </a:t>
-            </a:r>
-            <a:r>
-              <a:rPr lang="ko-KR" altLang="en-US" dirty="0" smtClean="0"/>
-              <a:t>상하 여백</a:t>
-            </a:r>
-            <a:endParaRPr lang="en-US" altLang="ko-KR" dirty="0" smtClean="0"/>
+              <a:t> 카테고리 보기의 디자인과 같이 다양한 디자인 개선 </a:t>
+            </a:r>
+            <a:endParaRPr lang="ko-KR" altLang="en-US" dirty="0"/>
           </a:p>
         </p:txBody>
       </p:sp>
       <p:pic>
         <p:nvPicPr>
-          <p:cNvPr id="3077" name="Picture 5" descr="C:\Users\user\Desktop\KakaoTalk_20230831_013855470.jpg"/>
+          <p:cNvPr id="2050" name="Picture 2" descr="C:\Users\user\Documents\카카오톡 받은 파일\KakaoTalk_20230907_012355357.png"/>
           <p:cNvPicPr>
             <a:picLocks noChangeAspect="1" noChangeArrowheads="1"/>
           </p:cNvPicPr>
           <p:nvPr/>
         </p:nvPicPr>
         <p:blipFill>
-          <a:blip r:embed="rId2" cstate="screen">
+          <a:blip r:embed="rId2">
             <a:extLst>
               <a:ext uri="{28A0092B-C50C-407E-A947-70E740481C1C}">
                 <a14:useLocalDpi xmlns:a14="http://schemas.microsoft.com/office/drawing/2010/main" val="0"/>
@@ -4634,131 +4509,8 @@
         </p:blipFill>
         <p:spPr bwMode="auto">
           <a:xfrm>
-            <a:off x="351364" y="765174"/>
-            <a:ext cx="2623840" cy="3440764"/>
-          </a:xfrm>
-          <a:prstGeom prst="rect">
-            <a:avLst/>
-          </a:prstGeom>
-          <a:noFill/>
-          <a:extLst>
-            <a:ext uri="{909E8E84-426E-40DD-AFC4-6F175D3DCCD1}">
-              <a14:hiddenFill xmlns:a14="http://schemas.microsoft.com/office/drawing/2010/main">
-                <a:solidFill>
-                  <a:srgbClr val="FFFFFF"/>
-                </a:solidFill>
-              </a14:hiddenFill>
-            </a:ext>
-          </a:extLst>
-        </p:spPr>
-      </p:pic>
-      <p:pic>
-        <p:nvPicPr>
-          <p:cNvPr id="3078" name="Picture 6" descr="C:\Users\user\Desktop\KakaoTalk_20230831_013953685.jpg"/>
-          <p:cNvPicPr>
-            <a:picLocks noChangeAspect="1" noChangeArrowheads="1"/>
-          </p:cNvPicPr>
-          <p:nvPr/>
-        </p:nvPicPr>
-        <p:blipFill>
-          <a:blip r:embed="rId3" cstate="screen">
-            <a:extLst>
-              <a:ext uri="{28A0092B-C50C-407E-A947-70E740481C1C}">
-                <a14:useLocalDpi xmlns:a14="http://schemas.microsoft.com/office/drawing/2010/main" val="0"/>
-              </a:ext>
-            </a:extLst>
-          </a:blip>
-          <a:srcRect/>
-          <a:stretch>
-            <a:fillRect/>
-          </a:stretch>
-        </p:blipFill>
-        <p:spPr bwMode="auto">
-          <a:xfrm>
-            <a:off x="2768598" y="765175"/>
-            <a:ext cx="2947815" cy="3436098"/>
-          </a:xfrm>
-          <a:prstGeom prst="rect">
-            <a:avLst/>
-          </a:prstGeom>
-          <a:noFill/>
-          <a:extLst>
-            <a:ext uri="{909E8E84-426E-40DD-AFC4-6F175D3DCCD1}">
-              <a14:hiddenFill xmlns:a14="http://schemas.microsoft.com/office/drawing/2010/main">
-                <a:solidFill>
-                  <a:srgbClr val="FFFFFF"/>
-                </a:solidFill>
-              </a14:hiddenFill>
-            </a:ext>
-          </a:extLst>
-        </p:spPr>
-      </p:pic>
-      <p:pic>
-        <p:nvPicPr>
-          <p:cNvPr id="3079" name="Picture 7" descr="C:\Users\user\Desktop\KakaoTalk_20230831_014159062.jpg"/>
-          <p:cNvPicPr>
-            <a:picLocks noChangeAspect="1" noChangeArrowheads="1"/>
-          </p:cNvPicPr>
-          <p:nvPr/>
-        </p:nvPicPr>
-        <p:blipFill>
-          <a:blip r:embed="rId4" cstate="screen">
-            <a:extLst>
-              <a:ext uri="{28A0092B-C50C-407E-A947-70E740481C1C}">
-                <a14:useLocalDpi xmlns:a14="http://schemas.microsoft.com/office/drawing/2010/main" val="0"/>
-              </a:ext>
-            </a:extLst>
-          </a:blip>
-          <a:srcRect/>
-          <a:stretch>
-            <a:fillRect/>
-          </a:stretch>
-        </p:blipFill>
-        <p:spPr bwMode="auto">
-          <a:xfrm>
-            <a:off x="5490536" y="768351"/>
-            <a:ext cx="3826817" cy="3443432"/>
-          </a:xfrm>
-          <a:prstGeom prst="rect">
-            <a:avLst/>
-          </a:prstGeom>
-          <a:noFill/>
-          <a:extLst>
-            <a:ext uri="{909E8E84-426E-40DD-AFC4-6F175D3DCCD1}">
-              <a14:hiddenFill xmlns:a14="http://schemas.microsoft.com/office/drawing/2010/main">
-                <a:solidFill>
-                  <a:srgbClr val="FFFFFF"/>
-                </a:solidFill>
-              </a14:hiddenFill>
-            </a:ext>
-          </a:extLst>
-        </p:spPr>
-      </p:pic>
-      <p:pic>
-        <p:nvPicPr>
-          <p:cNvPr id="3080" name="Picture 8" descr="C:\Users\user\Desktop\KakaoTalk_20230831_014023904.jpg"/>
-          <p:cNvPicPr>
-            <a:picLocks noChangeAspect="1" noChangeArrowheads="1"/>
-          </p:cNvPicPr>
-          <p:nvPr/>
-        </p:nvPicPr>
-        <p:blipFill>
-          <a:blip r:embed="rId5" cstate="screen">
-            <a:extLst>
-              <a:ext uri="{28A0092B-C50C-407E-A947-70E740481C1C}">
-                <a14:useLocalDpi xmlns:a14="http://schemas.microsoft.com/office/drawing/2010/main" val="0"/>
-              </a:ext>
-            </a:extLst>
-          </a:blip>
-          <a:srcRect/>
-          <a:stretch>
-            <a:fillRect/>
-          </a:stretch>
-        </p:blipFill>
-        <p:spPr bwMode="auto">
-          <a:xfrm>
-            <a:off x="8726803" y="765175"/>
-            <a:ext cx="2931796" cy="3440764"/>
+            <a:off x="3463925" y="312209"/>
+            <a:ext cx="5738813" cy="5303838"/>
           </a:xfrm>
           <a:prstGeom prst="rect">
             <a:avLst/>
@@ -4778,7 +4530,7 @@
     </p:spTree>
     <p:extLst>
       <p:ext uri="{BB962C8B-B14F-4D97-AF65-F5344CB8AC3E}">
-        <p14:creationId xmlns:p14="http://schemas.microsoft.com/office/powerpoint/2010/main" val="3212498315"/>
+        <p14:creationId xmlns:p14="http://schemas.microsoft.com/office/powerpoint/2010/main" val="923120080"/>
       </p:ext>
     </p:extLst>
   </p:cSld>
@@ -4797,681 +4549,13 @@
       </p:transition>
     </mc:Fallback>
   </mc:AlternateContent>
-</p:sld>
-</file>
-
-<file path=ppt/slides/slide5.xml><?xml version="1.0" encoding="utf-8"?>
-<p:sld xmlns:a="http://schemas.openxmlformats.org/drawingml/2006/main" xmlns:r="http://schemas.openxmlformats.org/officeDocument/2006/relationships" xmlns:p="http://schemas.openxmlformats.org/presentationml/2006/main">
-  <p:cSld>
-    <p:spTree>
-      <p:nvGrpSpPr>
-        <p:cNvPr id="1" name=""/>
-        <p:cNvGrpSpPr/>
-        <p:nvPr/>
-      </p:nvGrpSpPr>
-      <p:grpSpPr>
-        <a:xfrm>
-          <a:off x="0" y="0"/>
-          <a:ext cx="0" cy="0"/>
-          <a:chOff x="0" y="0"/>
-          <a:chExt cx="0" cy="0"/>
-        </a:xfrm>
-      </p:grpSpPr>
-      <p:cxnSp>
-        <p:nvCxnSpPr>
-          <p:cNvPr id="3" name="직선 연결선 2">
-            <a:extLst>
-              <a:ext uri="{FF2B5EF4-FFF2-40B4-BE49-F238E27FC236}">
-                <a16:creationId xmlns:a16="http://schemas.microsoft.com/office/drawing/2014/main" xmlns="" id="{30B7886A-E2C2-47A8-A271-1FD08F52EED0}"/>
-              </a:ext>
-            </a:extLst>
-          </p:cNvPr>
-          <p:cNvCxnSpPr>
-            <a:cxnSpLocks/>
-          </p:cNvCxnSpPr>
-          <p:nvPr/>
-        </p:nvCxnSpPr>
-        <p:spPr>
-          <a:xfrm>
-            <a:off x="152400" y="190500"/>
-            <a:ext cx="1435100" cy="0"/>
-          </a:xfrm>
-          <a:prstGeom prst="line">
-            <a:avLst/>
-          </a:prstGeom>
-          <a:ln w="76200">
-            <a:solidFill>
-              <a:schemeClr val="accent4"/>
-            </a:solidFill>
-          </a:ln>
-        </p:spPr>
-        <p:style>
-          <a:lnRef idx="1">
-            <a:schemeClr val="accent1"/>
-          </a:lnRef>
-          <a:fillRef idx="0">
-            <a:schemeClr val="accent1"/>
-          </a:fillRef>
-          <a:effectRef idx="0">
-            <a:schemeClr val="accent1"/>
-          </a:effectRef>
-          <a:fontRef idx="minor">
-            <a:schemeClr val="tx1"/>
-          </a:fontRef>
-        </p:style>
-      </p:cxnSp>
-      <p:cxnSp>
-        <p:nvCxnSpPr>
-          <p:cNvPr id="18" name="직선 연결선 17">
-            <a:extLst>
-              <a:ext uri="{FF2B5EF4-FFF2-40B4-BE49-F238E27FC236}">
-                <a16:creationId xmlns:a16="http://schemas.microsoft.com/office/drawing/2014/main" xmlns="" id="{7911BDFD-7E29-44F7-9ED7-E8F36B51436C}"/>
-              </a:ext>
-            </a:extLst>
-          </p:cNvPr>
-          <p:cNvCxnSpPr/>
-          <p:nvPr/>
-        </p:nvCxnSpPr>
-        <p:spPr>
-          <a:xfrm>
-            <a:off x="1587500" y="190500"/>
-            <a:ext cx="10604500" cy="0"/>
-          </a:xfrm>
-          <a:prstGeom prst="line">
-            <a:avLst/>
-          </a:prstGeom>
-        </p:spPr>
-        <p:style>
-          <a:lnRef idx="1">
-            <a:schemeClr val="accent1"/>
-          </a:lnRef>
-          <a:fillRef idx="0">
-            <a:schemeClr val="accent1"/>
-          </a:fillRef>
-          <a:effectRef idx="0">
-            <a:schemeClr val="accent1"/>
-          </a:effectRef>
-          <a:fontRef idx="minor">
-            <a:schemeClr val="tx1"/>
-          </a:fontRef>
-        </p:style>
-      </p:cxnSp>
-      <p:sp>
-        <p:nvSpPr>
-          <p:cNvPr id="5" name="TextBox 4"/>
-          <p:cNvSpPr txBox="1"/>
-          <p:nvPr/>
-        </p:nvSpPr>
-        <p:spPr>
-          <a:xfrm>
-            <a:off x="681989" y="5505419"/>
-            <a:ext cx="10679430" cy="369332"/>
-          </a:xfrm>
-          <a:prstGeom prst="rect">
-            <a:avLst/>
-          </a:prstGeom>
-          <a:noFill/>
-        </p:spPr>
-        <p:txBody>
-          <a:bodyPr wrap="square" rtlCol="0">
-            <a:spAutoFit/>
-          </a:bodyPr>
-          <a:lstStyle/>
-          <a:p>
-            <a:r>
-              <a:rPr lang="ko-KR" altLang="en-US" dirty="0" smtClean="0"/>
-              <a:t> 모델 이미지 양식을 카메라 </a:t>
-            </a:r>
-            <a:r>
-              <a:rPr lang="ko-KR" altLang="en-US" dirty="0" err="1" smtClean="0"/>
-              <a:t>세팅과</a:t>
-            </a:r>
-            <a:r>
-              <a:rPr lang="ko-KR" altLang="en-US" dirty="0" smtClean="0"/>
-              <a:t> 유사한 결과의 이미지로 수집 및 테스트</a:t>
-            </a:r>
-            <a:endParaRPr lang="en-US" altLang="ko-KR" dirty="0" smtClean="0"/>
-          </a:p>
-        </p:txBody>
-      </p:sp>
-      <p:pic>
-        <p:nvPicPr>
-          <p:cNvPr id="7170" name="Picture 2" descr="C:\Users\user\Documents\카카오톡 받은 파일\222.jpg"/>
-          <p:cNvPicPr>
-            <a:picLocks noChangeAspect="1" noChangeArrowheads="1"/>
-          </p:cNvPicPr>
-          <p:nvPr/>
-        </p:nvPicPr>
-        <p:blipFill>
-          <a:blip r:embed="rId2" cstate="screen">
-            <a:extLst>
-              <a:ext uri="{28A0092B-C50C-407E-A947-70E740481C1C}">
-                <a14:useLocalDpi xmlns:a14="http://schemas.microsoft.com/office/drawing/2010/main" val="0"/>
-              </a:ext>
-            </a:extLst>
-          </a:blip>
-          <a:srcRect/>
-          <a:stretch>
-            <a:fillRect/>
-          </a:stretch>
-        </p:blipFill>
-        <p:spPr bwMode="auto">
-          <a:xfrm>
-            <a:off x="606580" y="723977"/>
-            <a:ext cx="2985255" cy="4328619"/>
-          </a:xfrm>
-          <a:prstGeom prst="rect">
-            <a:avLst/>
-          </a:prstGeom>
-          <a:noFill/>
-          <a:extLst>
-            <a:ext uri="{909E8E84-426E-40DD-AFC4-6F175D3DCCD1}">
-              <a14:hiddenFill xmlns:a14="http://schemas.microsoft.com/office/drawing/2010/main">
-                <a:solidFill>
-                  <a:srgbClr val="FFFFFF"/>
-                </a:solidFill>
-              </a14:hiddenFill>
-            </a:ext>
-          </a:extLst>
-        </p:spPr>
-      </p:pic>
-      <p:pic>
-        <p:nvPicPr>
-          <p:cNvPr id="7171" name="Picture 3" descr="C:\Users\user\Documents\카카오톡 받은 파일\333.jpg"/>
-          <p:cNvPicPr>
-            <a:picLocks noChangeAspect="1" noChangeArrowheads="1"/>
-          </p:cNvPicPr>
-          <p:nvPr/>
-        </p:nvPicPr>
-        <p:blipFill>
-          <a:blip r:embed="rId3" cstate="screen">
-            <a:extLst>
-              <a:ext uri="{28A0092B-C50C-407E-A947-70E740481C1C}">
-                <a14:useLocalDpi xmlns:a14="http://schemas.microsoft.com/office/drawing/2010/main" val="0"/>
-              </a:ext>
-            </a:extLst>
-          </a:blip>
-          <a:srcRect/>
-          <a:stretch>
-            <a:fillRect/>
-          </a:stretch>
-        </p:blipFill>
-        <p:spPr bwMode="auto">
-          <a:xfrm>
-            <a:off x="2922511" y="714814"/>
-            <a:ext cx="3099193" cy="4337778"/>
-          </a:xfrm>
-          <a:prstGeom prst="rect">
-            <a:avLst/>
-          </a:prstGeom>
-          <a:noFill/>
-          <a:extLst>
-            <a:ext uri="{909E8E84-426E-40DD-AFC4-6F175D3DCCD1}">
-              <a14:hiddenFill xmlns:a14="http://schemas.microsoft.com/office/drawing/2010/main">
-                <a:solidFill>
-                  <a:srgbClr val="FFFFFF"/>
-                </a:solidFill>
-              </a14:hiddenFill>
-            </a:ext>
-          </a:extLst>
-        </p:spPr>
-      </p:pic>
-      <p:pic>
-        <p:nvPicPr>
-          <p:cNvPr id="7172" name="Picture 4" descr="C:\Users\user\Documents\카카오톡 받은 파일\666.jpg"/>
-          <p:cNvPicPr>
-            <a:picLocks noChangeAspect="1" noChangeArrowheads="1"/>
-          </p:cNvPicPr>
-          <p:nvPr/>
-        </p:nvPicPr>
-        <p:blipFill>
-          <a:blip r:embed="rId4" cstate="screen">
-            <a:extLst>
-              <a:ext uri="{28A0092B-C50C-407E-A947-70E740481C1C}">
-                <a14:useLocalDpi xmlns:a14="http://schemas.microsoft.com/office/drawing/2010/main" val="0"/>
-              </a:ext>
-            </a:extLst>
-          </a:blip>
-          <a:srcRect/>
-          <a:stretch>
-            <a:fillRect/>
-          </a:stretch>
-        </p:blipFill>
-        <p:spPr bwMode="auto">
-          <a:xfrm>
-            <a:off x="5648861" y="723976"/>
-            <a:ext cx="3462895" cy="4328619"/>
-          </a:xfrm>
-          <a:prstGeom prst="rect">
-            <a:avLst/>
-          </a:prstGeom>
-          <a:noFill/>
-          <a:extLst>
-            <a:ext uri="{909E8E84-426E-40DD-AFC4-6F175D3DCCD1}">
-              <a14:hiddenFill xmlns:a14="http://schemas.microsoft.com/office/drawing/2010/main">
-                <a:solidFill>
-                  <a:srgbClr val="FFFFFF"/>
-                </a:solidFill>
-              </a14:hiddenFill>
-            </a:ext>
-          </a:extLst>
-        </p:spPr>
-      </p:pic>
-      <p:pic>
-        <p:nvPicPr>
-          <p:cNvPr id="7173" name="Picture 5" descr="C:\Users\user\Documents\카카오톡 받은 파일\555.jpg"/>
-          <p:cNvPicPr>
-            <a:picLocks noChangeAspect="1" noChangeArrowheads="1"/>
-          </p:cNvPicPr>
-          <p:nvPr/>
-        </p:nvPicPr>
-        <p:blipFill>
-          <a:blip r:embed="rId5" cstate="screen">
-            <a:extLst>
-              <a:ext uri="{28A0092B-C50C-407E-A947-70E740481C1C}">
-                <a14:useLocalDpi xmlns:a14="http://schemas.microsoft.com/office/drawing/2010/main" val="0"/>
-              </a:ext>
-            </a:extLst>
-          </a:blip>
-          <a:srcRect/>
-          <a:stretch>
-            <a:fillRect/>
-          </a:stretch>
-        </p:blipFill>
-        <p:spPr bwMode="auto">
-          <a:xfrm>
-            <a:off x="8364337" y="723973"/>
-            <a:ext cx="3246465" cy="4328619"/>
-          </a:xfrm>
-          <a:prstGeom prst="rect">
-            <a:avLst/>
-          </a:prstGeom>
-          <a:noFill/>
-          <a:extLst>
-            <a:ext uri="{909E8E84-426E-40DD-AFC4-6F175D3DCCD1}">
-              <a14:hiddenFill xmlns:a14="http://schemas.microsoft.com/office/drawing/2010/main">
-                <a:solidFill>
-                  <a:srgbClr val="FFFFFF"/>
-                </a:solidFill>
-              </a14:hiddenFill>
-            </a:ext>
-          </a:extLst>
-        </p:spPr>
-      </p:pic>
-    </p:spTree>
-    <p:extLst>
-      <p:ext uri="{BB962C8B-B14F-4D97-AF65-F5344CB8AC3E}">
-        <p14:creationId xmlns:p14="http://schemas.microsoft.com/office/powerpoint/2010/main" val="443281124"/>
-      </p:ext>
-    </p:extLst>
-  </p:cSld>
-  <p:clrMapOvr>
-    <a:masterClrMapping/>
-  </p:clrMapOvr>
-  <mc:AlternateContent xmlns:mc="http://schemas.openxmlformats.org/markup-compatibility/2006" xmlns:p14="http://schemas.microsoft.com/office/powerpoint/2010/main">
-    <mc:Choice Requires="p14">
-      <p:transition spd="med" p14:dur="700">
-        <p:fade/>
-      </p:transition>
-    </mc:Choice>
-    <mc:Fallback xmlns="">
-      <p:transition spd="med">
-        <p:fade/>
-      </p:transition>
-    </mc:Fallback>
-  </mc:AlternateContent>
-</p:sld>
-</file>
-
-<file path=ppt/slides/slide6.xml><?xml version="1.0" encoding="utf-8"?>
-<p:sld xmlns:a="http://schemas.openxmlformats.org/drawingml/2006/main" xmlns:r="http://schemas.openxmlformats.org/officeDocument/2006/relationships" xmlns:p="http://schemas.openxmlformats.org/presentationml/2006/main">
-  <p:cSld>
-    <p:spTree>
-      <p:nvGrpSpPr>
-        <p:cNvPr id="1" name=""/>
-        <p:cNvGrpSpPr/>
-        <p:nvPr/>
-      </p:nvGrpSpPr>
-      <p:grpSpPr>
-        <a:xfrm>
-          <a:off x="0" y="0"/>
-          <a:ext cx="0" cy="0"/>
-          <a:chOff x="0" y="0"/>
-          <a:chExt cx="0" cy="0"/>
-        </a:xfrm>
-      </p:grpSpPr>
-      <p:cxnSp>
-        <p:nvCxnSpPr>
-          <p:cNvPr id="3" name="직선 연결선 2">
-            <a:extLst>
-              <a:ext uri="{FF2B5EF4-FFF2-40B4-BE49-F238E27FC236}">
-                <a16:creationId xmlns:a16="http://schemas.microsoft.com/office/drawing/2014/main" xmlns="" id="{30B7886A-E2C2-47A8-A271-1FD08F52EED0}"/>
-              </a:ext>
-            </a:extLst>
-          </p:cNvPr>
-          <p:cNvCxnSpPr>
-            <a:cxnSpLocks/>
-          </p:cNvCxnSpPr>
-          <p:nvPr/>
-        </p:nvCxnSpPr>
-        <p:spPr>
-          <a:xfrm>
-            <a:off x="152400" y="190500"/>
-            <a:ext cx="1435100" cy="0"/>
-          </a:xfrm>
-          <a:prstGeom prst="line">
-            <a:avLst/>
-          </a:prstGeom>
-          <a:ln w="76200">
-            <a:solidFill>
-              <a:schemeClr val="accent4"/>
-            </a:solidFill>
-          </a:ln>
-        </p:spPr>
-        <p:style>
-          <a:lnRef idx="1">
-            <a:schemeClr val="accent1"/>
-          </a:lnRef>
-          <a:fillRef idx="0">
-            <a:schemeClr val="accent1"/>
-          </a:fillRef>
-          <a:effectRef idx="0">
-            <a:schemeClr val="accent1"/>
-          </a:effectRef>
-          <a:fontRef idx="minor">
-            <a:schemeClr val="tx1"/>
-          </a:fontRef>
-        </p:style>
-      </p:cxnSp>
-      <p:cxnSp>
-        <p:nvCxnSpPr>
-          <p:cNvPr id="18" name="직선 연결선 17">
-            <a:extLst>
-              <a:ext uri="{FF2B5EF4-FFF2-40B4-BE49-F238E27FC236}">
-                <a16:creationId xmlns:a16="http://schemas.microsoft.com/office/drawing/2014/main" xmlns="" id="{7911BDFD-7E29-44F7-9ED7-E8F36B51436C}"/>
-              </a:ext>
-            </a:extLst>
-          </p:cNvPr>
-          <p:cNvCxnSpPr/>
-          <p:nvPr/>
-        </p:nvCxnSpPr>
-        <p:spPr>
-          <a:xfrm>
-            <a:off x="1587500" y="190500"/>
-            <a:ext cx="10604500" cy="0"/>
-          </a:xfrm>
-          <a:prstGeom prst="line">
-            <a:avLst/>
-          </a:prstGeom>
-        </p:spPr>
-        <p:style>
-          <a:lnRef idx="1">
-            <a:schemeClr val="accent1"/>
-          </a:lnRef>
-          <a:fillRef idx="0">
-            <a:schemeClr val="accent1"/>
-          </a:fillRef>
-          <a:effectRef idx="0">
-            <a:schemeClr val="accent1"/>
-          </a:effectRef>
-          <a:fontRef idx="minor">
-            <a:schemeClr val="tx1"/>
-          </a:fontRef>
-        </p:style>
-      </p:cxnSp>
-      <p:sp>
-        <p:nvSpPr>
-          <p:cNvPr id="5" name="TextBox 4"/>
-          <p:cNvSpPr txBox="1"/>
-          <p:nvPr/>
-        </p:nvSpPr>
-        <p:spPr>
-          <a:xfrm>
-            <a:off x="681990" y="5429735"/>
-            <a:ext cx="10679430" cy="646331"/>
-          </a:xfrm>
-          <a:prstGeom prst="rect">
-            <a:avLst/>
-          </a:prstGeom>
-          <a:noFill/>
-        </p:spPr>
-        <p:txBody>
-          <a:bodyPr wrap="square" rtlCol="0">
-            <a:spAutoFit/>
-          </a:bodyPr>
-          <a:lstStyle/>
-          <a:p>
-            <a:r>
-              <a:rPr lang="ko-KR" altLang="en-US" dirty="0" smtClean="0"/>
-              <a:t>양식에 맞을 경우</a:t>
-            </a:r>
-            <a:r>
-              <a:rPr lang="en-US" altLang="ko-KR" dirty="0"/>
-              <a:t>,</a:t>
-            </a:r>
-            <a:r>
-              <a:rPr lang="ko-KR" altLang="en-US" dirty="0" smtClean="0"/>
-              <a:t> </a:t>
-            </a:r>
-            <a:r>
-              <a:rPr lang="ko-KR" altLang="en-US" dirty="0" err="1" smtClean="0"/>
-              <a:t>실행시</a:t>
-            </a:r>
-            <a:r>
-              <a:rPr lang="ko-KR" altLang="en-US" dirty="0" smtClean="0"/>
-              <a:t> </a:t>
-            </a:r>
-            <a:r>
-              <a:rPr lang="ko-KR" altLang="en-US" dirty="0" smtClean="0"/>
-              <a:t>결과물이 적합하게 생성됨을 확인</a:t>
-            </a:r>
-            <a:r>
-              <a:rPr lang="en-US" altLang="ko-KR" dirty="0" smtClean="0"/>
-              <a:t>,</a:t>
-            </a:r>
-          </a:p>
-          <a:p>
-            <a:r>
-              <a:rPr lang="ko-KR" altLang="en-US" dirty="0" err="1" smtClean="0"/>
-              <a:t>시연시</a:t>
-            </a:r>
-            <a:r>
-              <a:rPr lang="ko-KR" altLang="en-US" dirty="0" smtClean="0"/>
-              <a:t> 적절한 결과를 얻을 수 있음을 확인</a:t>
-            </a:r>
-            <a:r>
-              <a:rPr lang="en-US" altLang="ko-KR" dirty="0" smtClean="0"/>
-              <a:t>.</a:t>
-            </a:r>
-          </a:p>
-        </p:txBody>
-      </p:sp>
-      <p:pic>
-        <p:nvPicPr>
-          <p:cNvPr id="8194" name="Picture 2" descr="C:\Users\user\Documents\카카오톡 받은 파일\66644.jpg"/>
-          <p:cNvPicPr>
-            <a:picLocks noChangeAspect="1" noChangeArrowheads="1"/>
-          </p:cNvPicPr>
-          <p:nvPr/>
-        </p:nvPicPr>
-        <p:blipFill>
-          <a:blip r:embed="rId2">
-            <a:extLst>
-              <a:ext uri="{28A0092B-C50C-407E-A947-70E740481C1C}">
-                <a14:useLocalDpi xmlns:a14="http://schemas.microsoft.com/office/drawing/2010/main" val="0"/>
-              </a:ext>
-            </a:extLst>
-          </a:blip>
-          <a:srcRect/>
-          <a:stretch>
-            <a:fillRect/>
-          </a:stretch>
-        </p:blipFill>
-        <p:spPr bwMode="auto">
-          <a:xfrm>
-            <a:off x="256886" y="685800"/>
-            <a:ext cx="3299114" cy="4303192"/>
-          </a:xfrm>
-          <a:prstGeom prst="rect">
-            <a:avLst/>
-          </a:prstGeom>
-          <a:noFill/>
-          <a:extLst>
-            <a:ext uri="{909E8E84-426E-40DD-AFC4-6F175D3DCCD1}">
-              <a14:hiddenFill xmlns:a14="http://schemas.microsoft.com/office/drawing/2010/main">
-                <a:solidFill>
-                  <a:srgbClr val="FFFFFF"/>
-                </a:solidFill>
-              </a14:hiddenFill>
-            </a:ext>
-          </a:extLst>
-        </p:spPr>
-      </p:pic>
-      <p:pic>
-        <p:nvPicPr>
-          <p:cNvPr id="8195" name="Picture 3" descr="C:\Users\user\Documents\카카오톡 받은 파일\777.jpg"/>
-          <p:cNvPicPr>
-            <a:picLocks noChangeAspect="1" noChangeArrowheads="1"/>
-          </p:cNvPicPr>
-          <p:nvPr/>
-        </p:nvPicPr>
-        <p:blipFill>
-          <a:blip r:embed="rId3" cstate="screen">
-            <a:extLst>
-              <a:ext uri="{28A0092B-C50C-407E-A947-70E740481C1C}">
-                <a14:useLocalDpi xmlns:a14="http://schemas.microsoft.com/office/drawing/2010/main" val="0"/>
-              </a:ext>
-            </a:extLst>
-          </a:blip>
-          <a:srcRect/>
-          <a:stretch>
-            <a:fillRect/>
-          </a:stretch>
-        </p:blipFill>
-        <p:spPr bwMode="auto">
-          <a:xfrm>
-            <a:off x="3131126" y="685798"/>
-            <a:ext cx="3227395" cy="4303193"/>
-          </a:xfrm>
-          <a:prstGeom prst="rect">
-            <a:avLst/>
-          </a:prstGeom>
-          <a:noFill/>
-          <a:extLst>
-            <a:ext uri="{909E8E84-426E-40DD-AFC4-6F175D3DCCD1}">
-              <a14:hiddenFill xmlns:a14="http://schemas.microsoft.com/office/drawing/2010/main">
-                <a:solidFill>
-                  <a:srgbClr val="FFFFFF"/>
-                </a:solidFill>
-              </a14:hiddenFill>
-            </a:ext>
-          </a:extLst>
-        </p:spPr>
-      </p:pic>
-      <p:pic>
-        <p:nvPicPr>
-          <p:cNvPr id="8196" name="Picture 4" descr="C:\Users\user\Desktop\KakaoTalk_20230831_042315650.jpg"/>
-          <p:cNvPicPr>
-            <a:picLocks noChangeAspect="1" noChangeArrowheads="1"/>
-          </p:cNvPicPr>
-          <p:nvPr/>
-        </p:nvPicPr>
-        <p:blipFill>
-          <a:blip r:embed="rId4">
-            <a:extLst>
-              <a:ext uri="{28A0092B-C50C-407E-A947-70E740481C1C}">
-                <a14:useLocalDpi xmlns:a14="http://schemas.microsoft.com/office/drawing/2010/main" val="0"/>
-              </a:ext>
-            </a:extLst>
-          </a:blip>
-          <a:srcRect/>
-          <a:stretch>
-            <a:fillRect/>
-          </a:stretch>
-        </p:blipFill>
-        <p:spPr bwMode="auto">
-          <a:xfrm>
-            <a:off x="5735204" y="685799"/>
-            <a:ext cx="3048000" cy="4303191"/>
-          </a:xfrm>
-          <a:prstGeom prst="rect">
-            <a:avLst/>
-          </a:prstGeom>
-          <a:noFill/>
-          <a:extLst>
-            <a:ext uri="{909E8E84-426E-40DD-AFC4-6F175D3DCCD1}">
-              <a14:hiddenFill xmlns:a14="http://schemas.microsoft.com/office/drawing/2010/main">
-                <a:solidFill>
-                  <a:srgbClr val="FFFFFF"/>
-                </a:solidFill>
-              </a14:hiddenFill>
-            </a:ext>
-          </a:extLst>
-        </p:spPr>
-      </p:pic>
-      <p:pic>
-        <p:nvPicPr>
-          <p:cNvPr id="8197" name="Picture 5" descr="C:\Users\user\Desktop\KakaoTalk_20230831_042441958.jpg"/>
-          <p:cNvPicPr>
-            <a:picLocks noChangeAspect="1" noChangeArrowheads="1"/>
-          </p:cNvPicPr>
-          <p:nvPr/>
-        </p:nvPicPr>
-        <p:blipFill>
-          <a:blip r:embed="rId5" cstate="screen">
-            <a:extLst>
-              <a:ext uri="{28A0092B-C50C-407E-A947-70E740481C1C}">
-                <a14:useLocalDpi xmlns:a14="http://schemas.microsoft.com/office/drawing/2010/main" val="0"/>
-              </a:ext>
-            </a:extLst>
-          </a:blip>
-          <a:srcRect/>
-          <a:stretch>
-            <a:fillRect/>
-          </a:stretch>
-        </p:blipFill>
-        <p:spPr bwMode="auto">
-          <a:xfrm>
-            <a:off x="8432800" y="685802"/>
-            <a:ext cx="3367716" cy="4303190"/>
-          </a:xfrm>
-          <a:prstGeom prst="rect">
-            <a:avLst/>
-          </a:prstGeom>
-          <a:noFill/>
-          <a:extLst>
-            <a:ext uri="{909E8E84-426E-40DD-AFC4-6F175D3DCCD1}">
-              <a14:hiddenFill xmlns:a14="http://schemas.microsoft.com/office/drawing/2010/main">
-                <a:solidFill>
-                  <a:srgbClr val="FFFFFF"/>
-                </a:solidFill>
-              </a14:hiddenFill>
-            </a:ext>
-          </a:extLst>
-        </p:spPr>
-      </p:pic>
-    </p:spTree>
-    <p:extLst>
-      <p:ext uri="{BB962C8B-B14F-4D97-AF65-F5344CB8AC3E}">
-        <p14:creationId xmlns:p14="http://schemas.microsoft.com/office/powerpoint/2010/main" val="3616810192"/>
-      </p:ext>
-    </p:extLst>
-  </p:cSld>
-  <p:clrMapOvr>
-    <a:masterClrMapping/>
-  </p:clrMapOvr>
-  <mc:AlternateContent xmlns:mc="http://schemas.openxmlformats.org/markup-compatibility/2006" xmlns:p14="http://schemas.microsoft.com/office/powerpoint/2010/main">
-    <mc:Choice Requires="p14">
-      <p:transition spd="med" p14:dur="700">
-        <p:fade/>
-      </p:transition>
-    </mc:Choice>
-    <mc:Fallback xmlns="">
-      <p:transition spd="med">
-        <p:fade/>
-      </p:transition>
-    </mc:Fallback>
-  </mc:AlternateContent>
+  <p:timing>
+    <p:tnLst>
+      <p:par>
+        <p:cTn id="1" dur="indefinite" restart="never" nodeType="tmRoot"/>
+      </p:par>
+    </p:tnLst>
+  </p:timing>
 </p:sld>
 </file>
 
@@ -5703,8 +4787,293 @@
   <a:extraClrSchemeLst/>
   <a:extLst>
     <a:ext uri="{05A4C25C-085E-4340-85A3-A5531E510DB2}">
-      <thm15:themeFamily xmlns:thm15="http://schemas.microsoft.com/office/thememl/2012/main" xmlns="" name="Office Theme" id="{62F939B6-93AF-4DB8-9C6B-D6C7DFDC589F}" vid="{4A3C46E8-61CC-4603-A589-7422A47A8E4A}"/>
+      <thm15:themeFamily xmlns="" xmlns:thm15="http://schemas.microsoft.com/office/thememl/2012/main" name="Office Theme" id="{62F939B6-93AF-4DB8-9C6B-D6C7DFDC589F}" vid="{4A3C46E8-61CC-4603-A589-7422A47A8E4A}"/>
     </a:ext>
   </a:extLst>
 </a:theme>
+</file>
+
+<file path=ppt/theme/theme2.xml><?xml version="1.0" encoding="utf-8"?>
+<a:theme xmlns:a="http://schemas.openxmlformats.org/drawingml/2006/main" name="Office 테마">
+  <a:themeElements>
+    <a:clrScheme name="Office">
+      <a:dk1>
+        <a:sysClr val="windowText" lastClr="000000"/>
+      </a:dk1>
+      <a:lt1>
+        <a:sysClr val="window" lastClr="FFFFFF"/>
+      </a:lt1>
+      <a:dk2>
+        <a:srgbClr val="1F497D"/>
+      </a:dk2>
+      <a:lt2>
+        <a:srgbClr val="EEECE1"/>
+      </a:lt2>
+      <a:accent1>
+        <a:srgbClr val="4F81BD"/>
+      </a:accent1>
+      <a:accent2>
+        <a:srgbClr val="C0504D"/>
+      </a:accent2>
+      <a:accent3>
+        <a:srgbClr val="9BBB59"/>
+      </a:accent3>
+      <a:accent4>
+        <a:srgbClr val="8064A2"/>
+      </a:accent4>
+      <a:accent5>
+        <a:srgbClr val="4BACC6"/>
+      </a:accent5>
+      <a:accent6>
+        <a:srgbClr val="F79646"/>
+      </a:accent6>
+      <a:hlink>
+        <a:srgbClr val="0000FF"/>
+      </a:hlink>
+      <a:folHlink>
+        <a:srgbClr val="800080"/>
+      </a:folHlink>
+    </a:clrScheme>
+    <a:fontScheme name="Office">
+      <a:majorFont>
+        <a:latin typeface="맑은 고딕"/>
+        <a:ea typeface=""/>
+        <a:cs typeface=""/>
+        <a:font script="Jpan" typeface="ＭＳ Ｐゴシック"/>
+        <a:font script="Hang" typeface="맑은 고딕"/>
+        <a:font script="Hans" typeface="宋体"/>
+        <a:font script="Hant" typeface="新細明體"/>
+        <a:font script="Arab" typeface="Times New Roman"/>
+        <a:font script="Hebr" typeface="Times New Roman"/>
+        <a:font script="Thai" typeface="Angsana New"/>
+        <a:font script="Ethi" typeface="Nyala"/>
+        <a:font script="Beng" typeface="Vrinda"/>
+        <a:font script="Gujr" typeface="Shruti"/>
+        <a:font script="Khmr" typeface="MoolBoran"/>
+        <a:font script="Knda" typeface="Tunga"/>
+        <a:font script="Guru" typeface="Raavi"/>
+        <a:font script="Cans" typeface="Euphemia"/>
+        <a:font script="Cher" typeface="Plantagenet Cherokee"/>
+        <a:font script="Yiii" typeface="Microsoft Yi Baiti"/>
+        <a:font script="Tibt" typeface="Microsoft Himalaya"/>
+        <a:font script="Thaa" typeface="MV Boli"/>
+        <a:font script="Deva" typeface="Mangal"/>
+        <a:font script="Telu" typeface="Gautami"/>
+        <a:font script="Taml" typeface="Latha"/>
+        <a:font script="Syrc" typeface="Estrangelo Edessa"/>
+        <a:font script="Orya" typeface="Kalinga"/>
+        <a:font script="Mlym" typeface="Kartika"/>
+        <a:font script="Laoo" typeface="DokChampa"/>
+        <a:font script="Sinh" typeface="Iskoola Pota"/>
+        <a:font script="Mong" typeface="Mongolian Baiti"/>
+        <a:font script="Viet" typeface="Times New Roman"/>
+        <a:font script="Uigh" typeface="Microsoft Uighur"/>
+        <a:font script="Geor" typeface="Sylfaen"/>
+      </a:majorFont>
+      <a:minorFont>
+        <a:latin typeface="맑은 고딕"/>
+        <a:ea typeface=""/>
+        <a:cs typeface=""/>
+        <a:font script="Jpan" typeface="ＭＳ Ｐゴシック"/>
+        <a:font script="Hang" typeface="맑은 고딕"/>
+        <a:font script="Hans" typeface="宋体"/>
+        <a:font script="Hant" typeface="新細明體"/>
+        <a:font script="Arab" typeface="Arial"/>
+        <a:font script="Hebr" typeface="Arial"/>
+        <a:font script="Thai" typeface="Cordia New"/>
+        <a:font script="Ethi" typeface="Nyala"/>
+        <a:font script="Beng" typeface="Vrinda"/>
+        <a:font script="Gujr" typeface="Shruti"/>
+        <a:font script="Khmr" typeface="DaunPenh"/>
+        <a:font script="Knda" typeface="Tunga"/>
+        <a:font script="Guru" typeface="Raavi"/>
+        <a:font script="Cans" typeface="Euphemia"/>
+        <a:font script="Cher" typeface="Plantagenet Cherokee"/>
+        <a:font script="Yiii" typeface="Microsoft Yi Baiti"/>
+        <a:font script="Tibt" typeface="Microsoft Himalaya"/>
+        <a:font script="Thaa" typeface="MV Boli"/>
+        <a:font script="Deva" typeface="Mangal"/>
+        <a:font script="Telu" typeface="Gautami"/>
+        <a:font script="Taml" typeface="Latha"/>
+        <a:font script="Syrc" typeface="Estrangelo Edessa"/>
+        <a:font script="Orya" typeface="Kalinga"/>
+        <a:font script="Mlym" typeface="Kartika"/>
+        <a:font script="Laoo" typeface="DokChampa"/>
+        <a:font script="Sinh" typeface="Iskoola Pota"/>
+        <a:font script="Mong" typeface="Mongolian Baiti"/>
+        <a:font script="Viet" typeface="Arial"/>
+        <a:font script="Uigh" typeface="Microsoft Uighur"/>
+        <a:font script="Geor" typeface="Sylfaen"/>
+      </a:minorFont>
+    </a:fontScheme>
+    <a:fmtScheme name="Office">
+      <a:fillStyleLst>
+        <a:solidFill>
+          <a:schemeClr val="phClr"/>
+        </a:solidFill>
+        <a:gradFill rotWithShape="1">
+          <a:gsLst>
+            <a:gs pos="0">
+              <a:schemeClr val="phClr">
+                <a:tint val="50000"/>
+                <a:satMod val="300000"/>
+              </a:schemeClr>
+            </a:gs>
+            <a:gs pos="35000">
+              <a:schemeClr val="phClr">
+                <a:tint val="37000"/>
+                <a:satMod val="300000"/>
+              </a:schemeClr>
+            </a:gs>
+            <a:gs pos="100000">
+              <a:schemeClr val="phClr">
+                <a:tint val="15000"/>
+                <a:satMod val="350000"/>
+              </a:schemeClr>
+            </a:gs>
+          </a:gsLst>
+          <a:lin ang="16200000" scaled="1"/>
+        </a:gradFill>
+        <a:gradFill rotWithShape="1">
+          <a:gsLst>
+            <a:gs pos="0">
+              <a:schemeClr val="phClr">
+                <a:shade val="51000"/>
+                <a:satMod val="130000"/>
+              </a:schemeClr>
+            </a:gs>
+            <a:gs pos="80000">
+              <a:schemeClr val="phClr">
+                <a:shade val="93000"/>
+                <a:satMod val="130000"/>
+              </a:schemeClr>
+            </a:gs>
+            <a:gs pos="100000">
+              <a:schemeClr val="phClr">
+                <a:shade val="94000"/>
+                <a:satMod val="135000"/>
+              </a:schemeClr>
+            </a:gs>
+          </a:gsLst>
+          <a:lin ang="16200000" scaled="0"/>
+        </a:gradFill>
+      </a:fillStyleLst>
+      <a:lnStyleLst>
+        <a:ln w="9525" cap="flat" cmpd="sng" algn="ctr">
+          <a:solidFill>
+            <a:schemeClr val="phClr">
+              <a:shade val="95000"/>
+              <a:satMod val="105000"/>
+            </a:schemeClr>
+          </a:solidFill>
+          <a:prstDash val="solid"/>
+        </a:ln>
+        <a:ln w="25400" cap="flat" cmpd="sng" algn="ctr">
+          <a:solidFill>
+            <a:schemeClr val="phClr"/>
+          </a:solidFill>
+          <a:prstDash val="solid"/>
+        </a:ln>
+        <a:ln w="38100" cap="flat" cmpd="sng" algn="ctr">
+          <a:solidFill>
+            <a:schemeClr val="phClr"/>
+          </a:solidFill>
+          <a:prstDash val="solid"/>
+        </a:ln>
+      </a:lnStyleLst>
+      <a:effectStyleLst>
+        <a:effectStyle>
+          <a:effectLst>
+            <a:outerShdw blurRad="40000" dist="20000" dir="5400000" rotWithShape="0">
+              <a:srgbClr val="000000">
+                <a:alpha val="38000"/>
+              </a:srgbClr>
+            </a:outerShdw>
+          </a:effectLst>
+        </a:effectStyle>
+        <a:effectStyle>
+          <a:effectLst>
+            <a:outerShdw blurRad="40000" dist="23000" dir="5400000" rotWithShape="0">
+              <a:srgbClr val="000000">
+                <a:alpha val="35000"/>
+              </a:srgbClr>
+            </a:outerShdw>
+          </a:effectLst>
+        </a:effectStyle>
+        <a:effectStyle>
+          <a:effectLst>
+            <a:outerShdw blurRad="40000" dist="23000" dir="5400000" rotWithShape="0">
+              <a:srgbClr val="000000">
+                <a:alpha val="35000"/>
+              </a:srgbClr>
+            </a:outerShdw>
+          </a:effectLst>
+          <a:scene3d>
+            <a:camera prst="orthographicFront">
+              <a:rot lat="0" lon="0" rev="0"/>
+            </a:camera>
+            <a:lightRig rig="threePt" dir="t">
+              <a:rot lat="0" lon="0" rev="1200000"/>
+            </a:lightRig>
+          </a:scene3d>
+          <a:sp3d>
+            <a:bevelT w="63500" h="25400"/>
+          </a:sp3d>
+        </a:effectStyle>
+      </a:effectStyleLst>
+      <a:bgFillStyleLst>
+        <a:solidFill>
+          <a:schemeClr val="phClr"/>
+        </a:solidFill>
+        <a:gradFill rotWithShape="1">
+          <a:gsLst>
+            <a:gs pos="0">
+              <a:schemeClr val="phClr">
+                <a:tint val="40000"/>
+                <a:satMod val="350000"/>
+              </a:schemeClr>
+            </a:gs>
+            <a:gs pos="40000">
+              <a:schemeClr val="phClr">
+                <a:tint val="45000"/>
+                <a:shade val="99000"/>
+                <a:satMod val="350000"/>
+              </a:schemeClr>
+            </a:gs>
+            <a:gs pos="100000">
+              <a:schemeClr val="phClr">
+                <a:shade val="20000"/>
+                <a:satMod val="255000"/>
+              </a:schemeClr>
+            </a:gs>
+          </a:gsLst>
+          <a:path path="circle">
+            <a:fillToRect l="50000" t="-80000" r="50000" b="180000"/>
+          </a:path>
+        </a:gradFill>
+        <a:gradFill rotWithShape="1">
+          <a:gsLst>
+            <a:gs pos="0">
+              <a:schemeClr val="phClr">
+                <a:tint val="80000"/>
+                <a:satMod val="300000"/>
+              </a:schemeClr>
+            </a:gs>
+            <a:gs pos="100000">
+              <a:schemeClr val="phClr">
+                <a:shade val="30000"/>
+                <a:satMod val="200000"/>
+              </a:schemeClr>
+            </a:gs>
+          </a:gsLst>
+          <a:path path="circle">
+            <a:fillToRect l="50000" t="50000" r="50000" b="50000"/>
+          </a:path>
+        </a:gradFill>
+      </a:bgFillStyleLst>
+    </a:fmtScheme>
+  </a:themeElements>
+  <a:objectDefaults/>
+  <a:extraClrSchemeLst/>
+</a:theme>
 </file>
--- a/발표자료/업데이트/LJHPPT.pptx
+++ b/발표자료/업데이트/LJHPPT.pptx
@@ -9,8 +9,8 @@
   </p:notesMasterIdLst>
   <p:sldIdLst>
     <p:sldId id="256" r:id="rId2"/>
-    <p:sldId id="276" r:id="rId3"/>
-    <p:sldId id="279" r:id="rId4"/>
+    <p:sldId id="279" r:id="rId3"/>
+    <p:sldId id="276" r:id="rId4"/>
     <p:sldId id="277" r:id="rId5"/>
   </p:sldIdLst>
   <p:sldSz cx="12192000" cy="6858000"/>
@@ -112,7 +112,7 @@
   </p:defaultTextStyle>
   <p:extLst>
     <p:ext uri="{EFAFB233-063F-42B5-8137-9DF3F51BA10A}">
-      <p15:sldGuideLst xmlns="" xmlns:p15="http://schemas.microsoft.com/office/powerpoint/2012/main">
+      <p15:sldGuideLst xmlns:p15="http://schemas.microsoft.com/office/powerpoint/2012/main" xmlns="">
         <p15:guide id="1" orient="horz" pos="2160" userDrawn="1">
           <p15:clr>
             <a:srgbClr val="A4A3A4"/>
@@ -211,7 +211,7 @@
           <a:p>
             <a:fld id="{AF68D7C3-2F55-4307-AE72-F4CDC213B882}" type="datetimeFigureOut">
               <a:rPr lang="ko-KR" altLang="en-US" smtClean="0"/>
-              <a:t>2023-09-07</a:t>
+              <a:t>2023-09-13</a:t>
             </a:fld>
             <a:endParaRPr lang="ko-KR" altLang="en-US"/>
           </a:p>
@@ -501,7 +501,7 @@
           <p:cNvPr id="2" name="제목 1">
             <a:extLst>
               <a:ext uri="{FF2B5EF4-FFF2-40B4-BE49-F238E27FC236}">
-                <a16:creationId xmlns="" xmlns:a16="http://schemas.microsoft.com/office/drawing/2014/main" id="{544428E6-48F8-48FF-A4B7-7E67A9EE0B77}"/>
+                <a16:creationId xmlns:a16="http://schemas.microsoft.com/office/drawing/2014/main" xmlns="" id="{544428E6-48F8-48FF-A4B7-7E67A9EE0B77}"/>
               </a:ext>
             </a:extLst>
           </p:cNvPr>
@@ -538,7 +538,7 @@
           <p:cNvPr id="3" name="부제목 2">
             <a:extLst>
               <a:ext uri="{FF2B5EF4-FFF2-40B4-BE49-F238E27FC236}">
-                <a16:creationId xmlns="" xmlns:a16="http://schemas.microsoft.com/office/drawing/2014/main" id="{FBA2431C-BDF3-4534-AED0-115F103A462A}"/>
+                <a16:creationId xmlns:a16="http://schemas.microsoft.com/office/drawing/2014/main" xmlns="" id="{FBA2431C-BDF3-4534-AED0-115F103A462A}"/>
               </a:ext>
             </a:extLst>
           </p:cNvPr>
@@ -608,7 +608,7 @@
           <p:cNvPr id="4" name="날짜 개체 틀 3">
             <a:extLst>
               <a:ext uri="{FF2B5EF4-FFF2-40B4-BE49-F238E27FC236}">
-                <a16:creationId xmlns="" xmlns:a16="http://schemas.microsoft.com/office/drawing/2014/main" id="{420173CB-01B9-4295-A804-D7D5973D6277}"/>
+                <a16:creationId xmlns:a16="http://schemas.microsoft.com/office/drawing/2014/main" xmlns="" id="{420173CB-01B9-4295-A804-D7D5973D6277}"/>
               </a:ext>
             </a:extLst>
           </p:cNvPr>
@@ -626,7 +626,7 @@
           <a:p>
             <a:fld id="{246E467A-4026-4A8D-97BF-715EF7FA6491}" type="datetimeFigureOut">
               <a:rPr lang="ko-KR" altLang="en-US" smtClean="0"/>
-              <a:t>2023-09-07</a:t>
+              <a:t>2023-09-13</a:t>
             </a:fld>
             <a:endParaRPr lang="ko-KR" altLang="en-US"/>
           </a:p>
@@ -637,7 +637,7 @@
           <p:cNvPr id="5" name="바닥글 개체 틀 4">
             <a:extLst>
               <a:ext uri="{FF2B5EF4-FFF2-40B4-BE49-F238E27FC236}">
-                <a16:creationId xmlns="" xmlns:a16="http://schemas.microsoft.com/office/drawing/2014/main" id="{E1C5FE16-77A0-484E-AEFD-FF537292ECD0}"/>
+                <a16:creationId xmlns:a16="http://schemas.microsoft.com/office/drawing/2014/main" xmlns="" id="{E1C5FE16-77A0-484E-AEFD-FF537292ECD0}"/>
               </a:ext>
             </a:extLst>
           </p:cNvPr>
@@ -662,7 +662,7 @@
           <p:cNvPr id="6" name="슬라이드 번호 개체 틀 5">
             <a:extLst>
               <a:ext uri="{FF2B5EF4-FFF2-40B4-BE49-F238E27FC236}">
-                <a16:creationId xmlns="" xmlns:a16="http://schemas.microsoft.com/office/drawing/2014/main" id="{69F3DF25-2E65-49D3-8F6F-64AA11097B17}"/>
+                <a16:creationId xmlns:a16="http://schemas.microsoft.com/office/drawing/2014/main" xmlns="" id="{69F3DF25-2E65-49D3-8F6F-64AA11097B17}"/>
               </a:ext>
             </a:extLst>
           </p:cNvPr>
@@ -721,7 +721,7 @@
           <p:cNvPr id="2" name="제목 1">
             <a:extLst>
               <a:ext uri="{FF2B5EF4-FFF2-40B4-BE49-F238E27FC236}">
-                <a16:creationId xmlns="" xmlns:a16="http://schemas.microsoft.com/office/drawing/2014/main" id="{0E520652-E714-4A15-826F-1B53C7092B68}"/>
+                <a16:creationId xmlns:a16="http://schemas.microsoft.com/office/drawing/2014/main" xmlns="" id="{0E520652-E714-4A15-826F-1B53C7092B68}"/>
               </a:ext>
             </a:extLst>
           </p:cNvPr>
@@ -749,7 +749,7 @@
           <p:cNvPr id="3" name="세로 텍스트 개체 틀 2">
             <a:extLst>
               <a:ext uri="{FF2B5EF4-FFF2-40B4-BE49-F238E27FC236}">
-                <a16:creationId xmlns="" xmlns:a16="http://schemas.microsoft.com/office/drawing/2014/main" id="{1C14771D-DE0A-400C-8C59-8670E31F7094}"/>
+                <a16:creationId xmlns:a16="http://schemas.microsoft.com/office/drawing/2014/main" xmlns="" id="{1C14771D-DE0A-400C-8C59-8670E31F7094}"/>
               </a:ext>
             </a:extLst>
           </p:cNvPr>
@@ -806,7 +806,7 @@
           <p:cNvPr id="4" name="날짜 개체 틀 3">
             <a:extLst>
               <a:ext uri="{FF2B5EF4-FFF2-40B4-BE49-F238E27FC236}">
-                <a16:creationId xmlns="" xmlns:a16="http://schemas.microsoft.com/office/drawing/2014/main" id="{5CBEACB7-48C9-4FB8-8D34-7F4C63932697}"/>
+                <a16:creationId xmlns:a16="http://schemas.microsoft.com/office/drawing/2014/main" xmlns="" id="{5CBEACB7-48C9-4FB8-8D34-7F4C63932697}"/>
               </a:ext>
             </a:extLst>
           </p:cNvPr>
@@ -824,7 +824,7 @@
           <a:p>
             <a:fld id="{246E467A-4026-4A8D-97BF-715EF7FA6491}" type="datetimeFigureOut">
               <a:rPr lang="ko-KR" altLang="en-US" smtClean="0"/>
-              <a:t>2023-09-07</a:t>
+              <a:t>2023-09-13</a:t>
             </a:fld>
             <a:endParaRPr lang="ko-KR" altLang="en-US"/>
           </a:p>
@@ -835,7 +835,7 @@
           <p:cNvPr id="5" name="바닥글 개체 틀 4">
             <a:extLst>
               <a:ext uri="{FF2B5EF4-FFF2-40B4-BE49-F238E27FC236}">
-                <a16:creationId xmlns="" xmlns:a16="http://schemas.microsoft.com/office/drawing/2014/main" id="{5BD31818-B6CD-47B0-9353-395CC53986D6}"/>
+                <a16:creationId xmlns:a16="http://schemas.microsoft.com/office/drawing/2014/main" xmlns="" id="{5BD31818-B6CD-47B0-9353-395CC53986D6}"/>
               </a:ext>
             </a:extLst>
           </p:cNvPr>
@@ -860,7 +860,7 @@
           <p:cNvPr id="6" name="슬라이드 번호 개체 틀 5">
             <a:extLst>
               <a:ext uri="{FF2B5EF4-FFF2-40B4-BE49-F238E27FC236}">
-                <a16:creationId xmlns="" xmlns:a16="http://schemas.microsoft.com/office/drawing/2014/main" id="{BD008922-CAE3-4884-AE59-2BC74144C74C}"/>
+                <a16:creationId xmlns:a16="http://schemas.microsoft.com/office/drawing/2014/main" xmlns="" id="{BD008922-CAE3-4884-AE59-2BC74144C74C}"/>
               </a:ext>
             </a:extLst>
           </p:cNvPr>
@@ -919,7 +919,7 @@
           <p:cNvPr id="2" name="세로 제목 1">
             <a:extLst>
               <a:ext uri="{FF2B5EF4-FFF2-40B4-BE49-F238E27FC236}">
-                <a16:creationId xmlns="" xmlns:a16="http://schemas.microsoft.com/office/drawing/2014/main" id="{A3371B8A-69A6-43D4-8783-6456E33508F7}"/>
+                <a16:creationId xmlns:a16="http://schemas.microsoft.com/office/drawing/2014/main" xmlns="" id="{A3371B8A-69A6-43D4-8783-6456E33508F7}"/>
               </a:ext>
             </a:extLst>
           </p:cNvPr>
@@ -952,7 +952,7 @@
           <p:cNvPr id="3" name="세로 텍스트 개체 틀 2">
             <a:extLst>
               <a:ext uri="{FF2B5EF4-FFF2-40B4-BE49-F238E27FC236}">
-                <a16:creationId xmlns="" xmlns:a16="http://schemas.microsoft.com/office/drawing/2014/main" id="{049DA1AA-3028-44E4-B5B0-C19BF61DC48A}"/>
+                <a16:creationId xmlns:a16="http://schemas.microsoft.com/office/drawing/2014/main" xmlns="" id="{049DA1AA-3028-44E4-B5B0-C19BF61DC48A}"/>
               </a:ext>
             </a:extLst>
           </p:cNvPr>
@@ -1014,7 +1014,7 @@
           <p:cNvPr id="4" name="날짜 개체 틀 3">
             <a:extLst>
               <a:ext uri="{FF2B5EF4-FFF2-40B4-BE49-F238E27FC236}">
-                <a16:creationId xmlns="" xmlns:a16="http://schemas.microsoft.com/office/drawing/2014/main" id="{ED2BCD8D-3E10-4F33-BC43-EACB05C0B415}"/>
+                <a16:creationId xmlns:a16="http://schemas.microsoft.com/office/drawing/2014/main" xmlns="" id="{ED2BCD8D-3E10-4F33-BC43-EACB05C0B415}"/>
               </a:ext>
             </a:extLst>
           </p:cNvPr>
@@ -1032,7 +1032,7 @@
           <a:p>
             <a:fld id="{246E467A-4026-4A8D-97BF-715EF7FA6491}" type="datetimeFigureOut">
               <a:rPr lang="ko-KR" altLang="en-US" smtClean="0"/>
-              <a:t>2023-09-07</a:t>
+              <a:t>2023-09-13</a:t>
             </a:fld>
             <a:endParaRPr lang="ko-KR" altLang="en-US"/>
           </a:p>
@@ -1043,7 +1043,7 @@
           <p:cNvPr id="5" name="바닥글 개체 틀 4">
             <a:extLst>
               <a:ext uri="{FF2B5EF4-FFF2-40B4-BE49-F238E27FC236}">
-                <a16:creationId xmlns="" xmlns:a16="http://schemas.microsoft.com/office/drawing/2014/main" id="{33E365BE-78DE-4079-B7F3-706874E92415}"/>
+                <a16:creationId xmlns:a16="http://schemas.microsoft.com/office/drawing/2014/main" xmlns="" id="{33E365BE-78DE-4079-B7F3-706874E92415}"/>
               </a:ext>
             </a:extLst>
           </p:cNvPr>
@@ -1068,7 +1068,7 @@
           <p:cNvPr id="6" name="슬라이드 번호 개체 틀 5">
             <a:extLst>
               <a:ext uri="{FF2B5EF4-FFF2-40B4-BE49-F238E27FC236}">
-                <a16:creationId xmlns="" xmlns:a16="http://schemas.microsoft.com/office/drawing/2014/main" id="{6F0D9E52-1AFA-4482-A474-91FF4C5C683A}"/>
+                <a16:creationId xmlns:a16="http://schemas.microsoft.com/office/drawing/2014/main" xmlns="" id="{6F0D9E52-1AFA-4482-A474-91FF4C5C683A}"/>
               </a:ext>
             </a:extLst>
           </p:cNvPr>
@@ -1127,7 +1127,7 @@
           <p:cNvPr id="2" name="제목 1">
             <a:extLst>
               <a:ext uri="{FF2B5EF4-FFF2-40B4-BE49-F238E27FC236}">
-                <a16:creationId xmlns="" xmlns:a16="http://schemas.microsoft.com/office/drawing/2014/main" id="{60DBF82B-6C4A-4F6E-A362-B2BF3BDC30D7}"/>
+                <a16:creationId xmlns:a16="http://schemas.microsoft.com/office/drawing/2014/main" xmlns="" id="{60DBF82B-6C4A-4F6E-A362-B2BF3BDC30D7}"/>
               </a:ext>
             </a:extLst>
           </p:cNvPr>
@@ -1155,7 +1155,7 @@
           <p:cNvPr id="3" name="내용 개체 틀 2">
             <a:extLst>
               <a:ext uri="{FF2B5EF4-FFF2-40B4-BE49-F238E27FC236}">
-                <a16:creationId xmlns="" xmlns:a16="http://schemas.microsoft.com/office/drawing/2014/main" id="{BDE6E910-43A6-49D6-A1B5-99E3B0C27E2D}"/>
+                <a16:creationId xmlns:a16="http://schemas.microsoft.com/office/drawing/2014/main" xmlns="" id="{BDE6E910-43A6-49D6-A1B5-99E3B0C27E2D}"/>
               </a:ext>
             </a:extLst>
           </p:cNvPr>
@@ -1212,7 +1212,7 @@
           <p:cNvPr id="4" name="날짜 개체 틀 3">
             <a:extLst>
               <a:ext uri="{FF2B5EF4-FFF2-40B4-BE49-F238E27FC236}">
-                <a16:creationId xmlns="" xmlns:a16="http://schemas.microsoft.com/office/drawing/2014/main" id="{2F0DB3AC-66C4-4244-9CE9-54D71AA59C90}"/>
+                <a16:creationId xmlns:a16="http://schemas.microsoft.com/office/drawing/2014/main" xmlns="" id="{2F0DB3AC-66C4-4244-9CE9-54D71AA59C90}"/>
               </a:ext>
             </a:extLst>
           </p:cNvPr>
@@ -1230,7 +1230,7 @@
           <a:p>
             <a:fld id="{246E467A-4026-4A8D-97BF-715EF7FA6491}" type="datetimeFigureOut">
               <a:rPr lang="ko-KR" altLang="en-US" smtClean="0"/>
-              <a:t>2023-09-07</a:t>
+              <a:t>2023-09-13</a:t>
             </a:fld>
             <a:endParaRPr lang="ko-KR" altLang="en-US"/>
           </a:p>
@@ -1241,7 +1241,7 @@
           <p:cNvPr id="5" name="바닥글 개체 틀 4">
             <a:extLst>
               <a:ext uri="{FF2B5EF4-FFF2-40B4-BE49-F238E27FC236}">
-                <a16:creationId xmlns="" xmlns:a16="http://schemas.microsoft.com/office/drawing/2014/main" id="{3992C886-882E-440B-806C-B06DE5089026}"/>
+                <a16:creationId xmlns:a16="http://schemas.microsoft.com/office/drawing/2014/main" xmlns="" id="{3992C886-882E-440B-806C-B06DE5089026}"/>
               </a:ext>
             </a:extLst>
           </p:cNvPr>
@@ -1266,7 +1266,7 @@
           <p:cNvPr id="6" name="슬라이드 번호 개체 틀 5">
             <a:extLst>
               <a:ext uri="{FF2B5EF4-FFF2-40B4-BE49-F238E27FC236}">
-                <a16:creationId xmlns="" xmlns:a16="http://schemas.microsoft.com/office/drawing/2014/main" id="{9A9323D2-1426-48F9-A93B-729E72E2B2BB}"/>
+                <a16:creationId xmlns:a16="http://schemas.microsoft.com/office/drawing/2014/main" xmlns="" id="{9A9323D2-1426-48F9-A93B-729E72E2B2BB}"/>
               </a:ext>
             </a:extLst>
           </p:cNvPr>
@@ -1325,7 +1325,7 @@
           <p:cNvPr id="2" name="제목 1">
             <a:extLst>
               <a:ext uri="{FF2B5EF4-FFF2-40B4-BE49-F238E27FC236}">
-                <a16:creationId xmlns="" xmlns:a16="http://schemas.microsoft.com/office/drawing/2014/main" id="{7153C500-C8D9-4EBC-AC73-9F7D65F03E32}"/>
+                <a16:creationId xmlns:a16="http://schemas.microsoft.com/office/drawing/2014/main" xmlns="" id="{7153C500-C8D9-4EBC-AC73-9F7D65F03E32}"/>
               </a:ext>
             </a:extLst>
           </p:cNvPr>
@@ -1362,7 +1362,7 @@
           <p:cNvPr id="3" name="텍스트 개체 틀 2">
             <a:extLst>
               <a:ext uri="{FF2B5EF4-FFF2-40B4-BE49-F238E27FC236}">
-                <a16:creationId xmlns="" xmlns:a16="http://schemas.microsoft.com/office/drawing/2014/main" id="{4E56CD17-259A-42E8-B64F-04C51B7C1C5F}"/>
+                <a16:creationId xmlns:a16="http://schemas.microsoft.com/office/drawing/2014/main" xmlns="" id="{4E56CD17-259A-42E8-B64F-04C51B7C1C5F}"/>
               </a:ext>
             </a:extLst>
           </p:cNvPr>
@@ -1487,7 +1487,7 @@
           <p:cNvPr id="4" name="날짜 개체 틀 3">
             <a:extLst>
               <a:ext uri="{FF2B5EF4-FFF2-40B4-BE49-F238E27FC236}">
-                <a16:creationId xmlns="" xmlns:a16="http://schemas.microsoft.com/office/drawing/2014/main" id="{CE976CE5-8C59-42A2-A597-465DEAC8E5A7}"/>
+                <a16:creationId xmlns:a16="http://schemas.microsoft.com/office/drawing/2014/main" xmlns="" id="{CE976CE5-8C59-42A2-A597-465DEAC8E5A7}"/>
               </a:ext>
             </a:extLst>
           </p:cNvPr>
@@ -1505,7 +1505,7 @@
           <a:p>
             <a:fld id="{246E467A-4026-4A8D-97BF-715EF7FA6491}" type="datetimeFigureOut">
               <a:rPr lang="ko-KR" altLang="en-US" smtClean="0"/>
-              <a:t>2023-09-07</a:t>
+              <a:t>2023-09-13</a:t>
             </a:fld>
             <a:endParaRPr lang="ko-KR" altLang="en-US"/>
           </a:p>
@@ -1516,7 +1516,7 @@
           <p:cNvPr id="5" name="바닥글 개체 틀 4">
             <a:extLst>
               <a:ext uri="{FF2B5EF4-FFF2-40B4-BE49-F238E27FC236}">
-                <a16:creationId xmlns="" xmlns:a16="http://schemas.microsoft.com/office/drawing/2014/main" id="{742312C6-1DCE-41BC-B5FA-FCFF5BE3B9E6}"/>
+                <a16:creationId xmlns:a16="http://schemas.microsoft.com/office/drawing/2014/main" xmlns="" id="{742312C6-1DCE-41BC-B5FA-FCFF5BE3B9E6}"/>
               </a:ext>
             </a:extLst>
           </p:cNvPr>
@@ -1541,7 +1541,7 @@
           <p:cNvPr id="6" name="슬라이드 번호 개체 틀 5">
             <a:extLst>
               <a:ext uri="{FF2B5EF4-FFF2-40B4-BE49-F238E27FC236}">
-                <a16:creationId xmlns="" xmlns:a16="http://schemas.microsoft.com/office/drawing/2014/main" id="{664339A5-69DC-4256-84CA-F160D48ED02B}"/>
+                <a16:creationId xmlns:a16="http://schemas.microsoft.com/office/drawing/2014/main" xmlns="" id="{664339A5-69DC-4256-84CA-F160D48ED02B}"/>
               </a:ext>
             </a:extLst>
           </p:cNvPr>
@@ -1600,7 +1600,7 @@
           <p:cNvPr id="2" name="제목 1">
             <a:extLst>
               <a:ext uri="{FF2B5EF4-FFF2-40B4-BE49-F238E27FC236}">
-                <a16:creationId xmlns="" xmlns:a16="http://schemas.microsoft.com/office/drawing/2014/main" id="{BCF37A4D-E01E-45A7-B166-73EE7826C0E7}"/>
+                <a16:creationId xmlns:a16="http://schemas.microsoft.com/office/drawing/2014/main" xmlns="" id="{BCF37A4D-E01E-45A7-B166-73EE7826C0E7}"/>
               </a:ext>
             </a:extLst>
           </p:cNvPr>
@@ -1628,7 +1628,7 @@
           <p:cNvPr id="3" name="내용 개체 틀 2">
             <a:extLst>
               <a:ext uri="{FF2B5EF4-FFF2-40B4-BE49-F238E27FC236}">
-                <a16:creationId xmlns="" xmlns:a16="http://schemas.microsoft.com/office/drawing/2014/main" id="{A70D6757-7DA6-452C-9903-7536978F1556}"/>
+                <a16:creationId xmlns:a16="http://schemas.microsoft.com/office/drawing/2014/main" xmlns="" id="{A70D6757-7DA6-452C-9903-7536978F1556}"/>
               </a:ext>
             </a:extLst>
           </p:cNvPr>
@@ -1690,7 +1690,7 @@
           <p:cNvPr id="4" name="내용 개체 틀 3">
             <a:extLst>
               <a:ext uri="{FF2B5EF4-FFF2-40B4-BE49-F238E27FC236}">
-                <a16:creationId xmlns="" xmlns:a16="http://schemas.microsoft.com/office/drawing/2014/main" id="{23DCC3C8-286B-4184-8752-32BC3B116B8E}"/>
+                <a16:creationId xmlns:a16="http://schemas.microsoft.com/office/drawing/2014/main" xmlns="" id="{23DCC3C8-286B-4184-8752-32BC3B116B8E}"/>
               </a:ext>
             </a:extLst>
           </p:cNvPr>
@@ -1752,7 +1752,7 @@
           <p:cNvPr id="5" name="날짜 개체 틀 4">
             <a:extLst>
               <a:ext uri="{FF2B5EF4-FFF2-40B4-BE49-F238E27FC236}">
-                <a16:creationId xmlns="" xmlns:a16="http://schemas.microsoft.com/office/drawing/2014/main" id="{7ECA751A-C45B-42C8-893F-826B22E76CF6}"/>
+                <a16:creationId xmlns:a16="http://schemas.microsoft.com/office/drawing/2014/main" xmlns="" id="{7ECA751A-C45B-42C8-893F-826B22E76CF6}"/>
               </a:ext>
             </a:extLst>
           </p:cNvPr>
@@ -1770,7 +1770,7 @@
           <a:p>
             <a:fld id="{246E467A-4026-4A8D-97BF-715EF7FA6491}" type="datetimeFigureOut">
               <a:rPr lang="ko-KR" altLang="en-US" smtClean="0"/>
-              <a:t>2023-09-07</a:t>
+              <a:t>2023-09-13</a:t>
             </a:fld>
             <a:endParaRPr lang="ko-KR" altLang="en-US"/>
           </a:p>
@@ -1781,7 +1781,7 @@
           <p:cNvPr id="6" name="바닥글 개체 틀 5">
             <a:extLst>
               <a:ext uri="{FF2B5EF4-FFF2-40B4-BE49-F238E27FC236}">
-                <a16:creationId xmlns="" xmlns:a16="http://schemas.microsoft.com/office/drawing/2014/main" id="{9F77210C-0EDE-42F3-A19F-12B3884B4393}"/>
+                <a16:creationId xmlns:a16="http://schemas.microsoft.com/office/drawing/2014/main" xmlns="" id="{9F77210C-0EDE-42F3-A19F-12B3884B4393}"/>
               </a:ext>
             </a:extLst>
           </p:cNvPr>
@@ -1806,7 +1806,7 @@
           <p:cNvPr id="7" name="슬라이드 번호 개체 틀 6">
             <a:extLst>
               <a:ext uri="{FF2B5EF4-FFF2-40B4-BE49-F238E27FC236}">
-                <a16:creationId xmlns="" xmlns:a16="http://schemas.microsoft.com/office/drawing/2014/main" id="{3215D590-E2D2-480C-AF73-67D855C553CB}"/>
+                <a16:creationId xmlns:a16="http://schemas.microsoft.com/office/drawing/2014/main" xmlns="" id="{3215D590-E2D2-480C-AF73-67D855C553CB}"/>
               </a:ext>
             </a:extLst>
           </p:cNvPr>
@@ -1865,7 +1865,7 @@
           <p:cNvPr id="2" name="제목 1">
             <a:extLst>
               <a:ext uri="{FF2B5EF4-FFF2-40B4-BE49-F238E27FC236}">
-                <a16:creationId xmlns="" xmlns:a16="http://schemas.microsoft.com/office/drawing/2014/main" id="{E1E3AF97-024B-4EF1-B5B6-2E362F07CDB3}"/>
+                <a16:creationId xmlns:a16="http://schemas.microsoft.com/office/drawing/2014/main" xmlns="" id="{E1E3AF97-024B-4EF1-B5B6-2E362F07CDB3}"/>
               </a:ext>
             </a:extLst>
           </p:cNvPr>
@@ -1898,7 +1898,7 @@
           <p:cNvPr id="3" name="텍스트 개체 틀 2">
             <a:extLst>
               <a:ext uri="{FF2B5EF4-FFF2-40B4-BE49-F238E27FC236}">
-                <a16:creationId xmlns="" xmlns:a16="http://schemas.microsoft.com/office/drawing/2014/main" id="{2B41334B-2AA0-4E32-9445-B691EAB2831F}"/>
+                <a16:creationId xmlns:a16="http://schemas.microsoft.com/office/drawing/2014/main" xmlns="" id="{2B41334B-2AA0-4E32-9445-B691EAB2831F}"/>
               </a:ext>
             </a:extLst>
           </p:cNvPr>
@@ -1969,7 +1969,7 @@
           <p:cNvPr id="4" name="내용 개체 틀 3">
             <a:extLst>
               <a:ext uri="{FF2B5EF4-FFF2-40B4-BE49-F238E27FC236}">
-                <a16:creationId xmlns="" xmlns:a16="http://schemas.microsoft.com/office/drawing/2014/main" id="{BDB62D6F-224F-4433-9752-11A255D323D4}"/>
+                <a16:creationId xmlns:a16="http://schemas.microsoft.com/office/drawing/2014/main" xmlns="" id="{BDB62D6F-224F-4433-9752-11A255D323D4}"/>
               </a:ext>
             </a:extLst>
           </p:cNvPr>
@@ -2031,7 +2031,7 @@
           <p:cNvPr id="5" name="텍스트 개체 틀 4">
             <a:extLst>
               <a:ext uri="{FF2B5EF4-FFF2-40B4-BE49-F238E27FC236}">
-                <a16:creationId xmlns="" xmlns:a16="http://schemas.microsoft.com/office/drawing/2014/main" id="{DD04EE0E-6C7E-4160-86AA-136E97F9FD62}"/>
+                <a16:creationId xmlns:a16="http://schemas.microsoft.com/office/drawing/2014/main" xmlns="" id="{DD04EE0E-6C7E-4160-86AA-136E97F9FD62}"/>
               </a:ext>
             </a:extLst>
           </p:cNvPr>
@@ -2102,7 +2102,7 @@
           <p:cNvPr id="6" name="내용 개체 틀 5">
             <a:extLst>
               <a:ext uri="{FF2B5EF4-FFF2-40B4-BE49-F238E27FC236}">
-                <a16:creationId xmlns="" xmlns:a16="http://schemas.microsoft.com/office/drawing/2014/main" id="{1B390FB9-7573-4784-A2A4-EDF1B3C59FF4}"/>
+                <a16:creationId xmlns:a16="http://schemas.microsoft.com/office/drawing/2014/main" xmlns="" id="{1B390FB9-7573-4784-A2A4-EDF1B3C59FF4}"/>
               </a:ext>
             </a:extLst>
           </p:cNvPr>
@@ -2164,7 +2164,7 @@
           <p:cNvPr id="7" name="날짜 개체 틀 6">
             <a:extLst>
               <a:ext uri="{FF2B5EF4-FFF2-40B4-BE49-F238E27FC236}">
-                <a16:creationId xmlns="" xmlns:a16="http://schemas.microsoft.com/office/drawing/2014/main" id="{F464B30B-9C6A-4C96-8DB5-BCE9A09F77BB}"/>
+                <a16:creationId xmlns:a16="http://schemas.microsoft.com/office/drawing/2014/main" xmlns="" id="{F464B30B-9C6A-4C96-8DB5-BCE9A09F77BB}"/>
               </a:ext>
             </a:extLst>
           </p:cNvPr>
@@ -2182,7 +2182,7 @@
           <a:p>
             <a:fld id="{246E467A-4026-4A8D-97BF-715EF7FA6491}" type="datetimeFigureOut">
               <a:rPr lang="ko-KR" altLang="en-US" smtClean="0"/>
-              <a:t>2023-09-07</a:t>
+              <a:t>2023-09-13</a:t>
             </a:fld>
             <a:endParaRPr lang="ko-KR" altLang="en-US"/>
           </a:p>
@@ -2193,7 +2193,7 @@
           <p:cNvPr id="8" name="바닥글 개체 틀 7">
             <a:extLst>
               <a:ext uri="{FF2B5EF4-FFF2-40B4-BE49-F238E27FC236}">
-                <a16:creationId xmlns="" xmlns:a16="http://schemas.microsoft.com/office/drawing/2014/main" id="{16A11AC4-2315-46FE-81A4-FE4B843497D9}"/>
+                <a16:creationId xmlns:a16="http://schemas.microsoft.com/office/drawing/2014/main" xmlns="" id="{16A11AC4-2315-46FE-81A4-FE4B843497D9}"/>
               </a:ext>
             </a:extLst>
           </p:cNvPr>
@@ -2218,7 +2218,7 @@
           <p:cNvPr id="9" name="슬라이드 번호 개체 틀 8">
             <a:extLst>
               <a:ext uri="{FF2B5EF4-FFF2-40B4-BE49-F238E27FC236}">
-                <a16:creationId xmlns="" xmlns:a16="http://schemas.microsoft.com/office/drawing/2014/main" id="{DC2D39CB-CB92-40B8-9B0C-3FBBBDF9DDF4}"/>
+                <a16:creationId xmlns:a16="http://schemas.microsoft.com/office/drawing/2014/main" xmlns="" id="{DC2D39CB-CB92-40B8-9B0C-3FBBBDF9DDF4}"/>
               </a:ext>
             </a:extLst>
           </p:cNvPr>
@@ -2277,7 +2277,7 @@
           <p:cNvPr id="2" name="제목 1">
             <a:extLst>
               <a:ext uri="{FF2B5EF4-FFF2-40B4-BE49-F238E27FC236}">
-                <a16:creationId xmlns="" xmlns:a16="http://schemas.microsoft.com/office/drawing/2014/main" id="{90E32E25-F5B3-41EE-BD3B-6965721B8BFA}"/>
+                <a16:creationId xmlns:a16="http://schemas.microsoft.com/office/drawing/2014/main" xmlns="" id="{90E32E25-F5B3-41EE-BD3B-6965721B8BFA}"/>
               </a:ext>
             </a:extLst>
           </p:cNvPr>
@@ -2305,7 +2305,7 @@
           <p:cNvPr id="3" name="날짜 개체 틀 2">
             <a:extLst>
               <a:ext uri="{FF2B5EF4-FFF2-40B4-BE49-F238E27FC236}">
-                <a16:creationId xmlns="" xmlns:a16="http://schemas.microsoft.com/office/drawing/2014/main" id="{0CFE1863-7C02-424B-AF80-CDB396716C6B}"/>
+                <a16:creationId xmlns:a16="http://schemas.microsoft.com/office/drawing/2014/main" xmlns="" id="{0CFE1863-7C02-424B-AF80-CDB396716C6B}"/>
               </a:ext>
             </a:extLst>
           </p:cNvPr>
@@ -2323,7 +2323,7 @@
           <a:p>
             <a:fld id="{246E467A-4026-4A8D-97BF-715EF7FA6491}" type="datetimeFigureOut">
               <a:rPr lang="ko-KR" altLang="en-US" smtClean="0"/>
-              <a:t>2023-09-07</a:t>
+              <a:t>2023-09-13</a:t>
             </a:fld>
             <a:endParaRPr lang="ko-KR" altLang="en-US"/>
           </a:p>
@@ -2334,7 +2334,7 @@
           <p:cNvPr id="4" name="바닥글 개체 틀 3">
             <a:extLst>
               <a:ext uri="{FF2B5EF4-FFF2-40B4-BE49-F238E27FC236}">
-                <a16:creationId xmlns="" xmlns:a16="http://schemas.microsoft.com/office/drawing/2014/main" id="{2F99FB34-90A4-44A0-9CF8-F0BC0FE4AB26}"/>
+                <a16:creationId xmlns:a16="http://schemas.microsoft.com/office/drawing/2014/main" xmlns="" id="{2F99FB34-90A4-44A0-9CF8-F0BC0FE4AB26}"/>
               </a:ext>
             </a:extLst>
           </p:cNvPr>
@@ -2359,7 +2359,7 @@
           <p:cNvPr id="5" name="슬라이드 번호 개체 틀 4">
             <a:extLst>
               <a:ext uri="{FF2B5EF4-FFF2-40B4-BE49-F238E27FC236}">
-                <a16:creationId xmlns="" xmlns:a16="http://schemas.microsoft.com/office/drawing/2014/main" id="{56375702-4955-406C-919C-D35A1B84B474}"/>
+                <a16:creationId xmlns:a16="http://schemas.microsoft.com/office/drawing/2014/main" xmlns="" id="{56375702-4955-406C-919C-D35A1B84B474}"/>
               </a:ext>
             </a:extLst>
           </p:cNvPr>
@@ -2418,7 +2418,7 @@
           <p:cNvPr id="2" name="날짜 개체 틀 1">
             <a:extLst>
               <a:ext uri="{FF2B5EF4-FFF2-40B4-BE49-F238E27FC236}">
-                <a16:creationId xmlns="" xmlns:a16="http://schemas.microsoft.com/office/drawing/2014/main" id="{D76E1BA2-3103-4DB2-AAEB-ED1BAE4527B3}"/>
+                <a16:creationId xmlns:a16="http://schemas.microsoft.com/office/drawing/2014/main" xmlns="" id="{D76E1BA2-3103-4DB2-AAEB-ED1BAE4527B3}"/>
               </a:ext>
             </a:extLst>
           </p:cNvPr>
@@ -2436,7 +2436,7 @@
           <a:p>
             <a:fld id="{246E467A-4026-4A8D-97BF-715EF7FA6491}" type="datetimeFigureOut">
               <a:rPr lang="ko-KR" altLang="en-US" smtClean="0"/>
-              <a:t>2023-09-07</a:t>
+              <a:t>2023-09-13</a:t>
             </a:fld>
             <a:endParaRPr lang="ko-KR" altLang="en-US"/>
           </a:p>
@@ -2447,7 +2447,7 @@
           <p:cNvPr id="3" name="바닥글 개체 틀 2">
             <a:extLst>
               <a:ext uri="{FF2B5EF4-FFF2-40B4-BE49-F238E27FC236}">
-                <a16:creationId xmlns="" xmlns:a16="http://schemas.microsoft.com/office/drawing/2014/main" id="{505D5A54-85CA-45E5-9801-A3F15EEFCC94}"/>
+                <a16:creationId xmlns:a16="http://schemas.microsoft.com/office/drawing/2014/main" xmlns="" id="{505D5A54-85CA-45E5-9801-A3F15EEFCC94}"/>
               </a:ext>
             </a:extLst>
           </p:cNvPr>
@@ -2472,7 +2472,7 @@
           <p:cNvPr id="4" name="슬라이드 번호 개체 틀 3">
             <a:extLst>
               <a:ext uri="{FF2B5EF4-FFF2-40B4-BE49-F238E27FC236}">
-                <a16:creationId xmlns="" xmlns:a16="http://schemas.microsoft.com/office/drawing/2014/main" id="{A812AF2F-D0EC-4C7E-8979-4C17E3F4B44D}"/>
+                <a16:creationId xmlns:a16="http://schemas.microsoft.com/office/drawing/2014/main" xmlns="" id="{A812AF2F-D0EC-4C7E-8979-4C17E3F4B44D}"/>
               </a:ext>
             </a:extLst>
           </p:cNvPr>
@@ -2531,7 +2531,7 @@
           <p:cNvPr id="2" name="제목 1">
             <a:extLst>
               <a:ext uri="{FF2B5EF4-FFF2-40B4-BE49-F238E27FC236}">
-                <a16:creationId xmlns="" xmlns:a16="http://schemas.microsoft.com/office/drawing/2014/main" id="{8C03A167-5C7C-4CD2-A3E4-B6F94583214B}"/>
+                <a16:creationId xmlns:a16="http://schemas.microsoft.com/office/drawing/2014/main" xmlns="" id="{8C03A167-5C7C-4CD2-A3E4-B6F94583214B}"/>
               </a:ext>
             </a:extLst>
           </p:cNvPr>
@@ -2568,7 +2568,7 @@
           <p:cNvPr id="3" name="내용 개체 틀 2">
             <a:extLst>
               <a:ext uri="{FF2B5EF4-FFF2-40B4-BE49-F238E27FC236}">
-                <a16:creationId xmlns="" xmlns:a16="http://schemas.microsoft.com/office/drawing/2014/main" id="{5421CEB6-C525-4AEB-BB3E-B13156901366}"/>
+                <a16:creationId xmlns:a16="http://schemas.microsoft.com/office/drawing/2014/main" xmlns="" id="{5421CEB6-C525-4AEB-BB3E-B13156901366}"/>
               </a:ext>
             </a:extLst>
           </p:cNvPr>
@@ -2658,7 +2658,7 @@
           <p:cNvPr id="4" name="텍스트 개체 틀 3">
             <a:extLst>
               <a:ext uri="{FF2B5EF4-FFF2-40B4-BE49-F238E27FC236}">
-                <a16:creationId xmlns="" xmlns:a16="http://schemas.microsoft.com/office/drawing/2014/main" id="{69296C9A-4472-4D30-BFAE-60CB397B5014}"/>
+                <a16:creationId xmlns:a16="http://schemas.microsoft.com/office/drawing/2014/main" xmlns="" id="{69296C9A-4472-4D30-BFAE-60CB397B5014}"/>
               </a:ext>
             </a:extLst>
           </p:cNvPr>
@@ -2729,7 +2729,7 @@
           <p:cNvPr id="5" name="날짜 개체 틀 4">
             <a:extLst>
               <a:ext uri="{FF2B5EF4-FFF2-40B4-BE49-F238E27FC236}">
-                <a16:creationId xmlns="" xmlns:a16="http://schemas.microsoft.com/office/drawing/2014/main" id="{F44E3F16-D603-4838-BA1C-0C9EEDE4AC92}"/>
+                <a16:creationId xmlns:a16="http://schemas.microsoft.com/office/drawing/2014/main" xmlns="" id="{F44E3F16-D603-4838-BA1C-0C9EEDE4AC92}"/>
               </a:ext>
             </a:extLst>
           </p:cNvPr>
@@ -2747,7 +2747,7 @@
           <a:p>
             <a:fld id="{246E467A-4026-4A8D-97BF-715EF7FA6491}" type="datetimeFigureOut">
               <a:rPr lang="ko-KR" altLang="en-US" smtClean="0"/>
-              <a:t>2023-09-07</a:t>
+              <a:t>2023-09-13</a:t>
             </a:fld>
             <a:endParaRPr lang="ko-KR" altLang="en-US"/>
           </a:p>
@@ -2758,7 +2758,7 @@
           <p:cNvPr id="6" name="바닥글 개체 틀 5">
             <a:extLst>
               <a:ext uri="{FF2B5EF4-FFF2-40B4-BE49-F238E27FC236}">
-                <a16:creationId xmlns="" xmlns:a16="http://schemas.microsoft.com/office/drawing/2014/main" id="{F48873C6-9D3A-4C62-9D46-88E6BAABCBA4}"/>
+                <a16:creationId xmlns:a16="http://schemas.microsoft.com/office/drawing/2014/main" xmlns="" id="{F48873C6-9D3A-4C62-9D46-88E6BAABCBA4}"/>
               </a:ext>
             </a:extLst>
           </p:cNvPr>
@@ -2783,7 +2783,7 @@
           <p:cNvPr id="7" name="슬라이드 번호 개체 틀 6">
             <a:extLst>
               <a:ext uri="{FF2B5EF4-FFF2-40B4-BE49-F238E27FC236}">
-                <a16:creationId xmlns="" xmlns:a16="http://schemas.microsoft.com/office/drawing/2014/main" id="{79A9C646-865F-49F4-8BDD-FB9A4DECA8F3}"/>
+                <a16:creationId xmlns:a16="http://schemas.microsoft.com/office/drawing/2014/main" xmlns="" id="{79A9C646-865F-49F4-8BDD-FB9A4DECA8F3}"/>
               </a:ext>
             </a:extLst>
           </p:cNvPr>
@@ -2842,7 +2842,7 @@
           <p:cNvPr id="2" name="제목 1">
             <a:extLst>
               <a:ext uri="{FF2B5EF4-FFF2-40B4-BE49-F238E27FC236}">
-                <a16:creationId xmlns="" xmlns:a16="http://schemas.microsoft.com/office/drawing/2014/main" id="{E5F258A6-5AAD-4F1F-976F-EDB5FF7254F0}"/>
+                <a16:creationId xmlns:a16="http://schemas.microsoft.com/office/drawing/2014/main" xmlns="" id="{E5F258A6-5AAD-4F1F-976F-EDB5FF7254F0}"/>
               </a:ext>
             </a:extLst>
           </p:cNvPr>
@@ -2879,7 +2879,7 @@
           <p:cNvPr id="3" name="그림 개체 틀 2">
             <a:extLst>
               <a:ext uri="{FF2B5EF4-FFF2-40B4-BE49-F238E27FC236}">
-                <a16:creationId xmlns="" xmlns:a16="http://schemas.microsoft.com/office/drawing/2014/main" id="{D2F4441E-0165-42AA-88F8-E53C4BAAC1DE}"/>
+                <a16:creationId xmlns:a16="http://schemas.microsoft.com/office/drawing/2014/main" xmlns="" id="{D2F4441E-0165-42AA-88F8-E53C4BAAC1DE}"/>
               </a:ext>
             </a:extLst>
           </p:cNvPr>
@@ -2946,7 +2946,7 @@
           <p:cNvPr id="4" name="텍스트 개체 틀 3">
             <a:extLst>
               <a:ext uri="{FF2B5EF4-FFF2-40B4-BE49-F238E27FC236}">
-                <a16:creationId xmlns="" xmlns:a16="http://schemas.microsoft.com/office/drawing/2014/main" id="{5AFCA1E8-0D3C-4590-82E2-D018D6E61D0F}"/>
+                <a16:creationId xmlns:a16="http://schemas.microsoft.com/office/drawing/2014/main" xmlns="" id="{5AFCA1E8-0D3C-4590-82E2-D018D6E61D0F}"/>
               </a:ext>
             </a:extLst>
           </p:cNvPr>
@@ -3017,7 +3017,7 @@
           <p:cNvPr id="5" name="날짜 개체 틀 4">
             <a:extLst>
               <a:ext uri="{FF2B5EF4-FFF2-40B4-BE49-F238E27FC236}">
-                <a16:creationId xmlns="" xmlns:a16="http://schemas.microsoft.com/office/drawing/2014/main" id="{0A674557-7FD9-416C-A8B5-FA6C4B5558AE}"/>
+                <a16:creationId xmlns:a16="http://schemas.microsoft.com/office/drawing/2014/main" xmlns="" id="{0A674557-7FD9-416C-A8B5-FA6C4B5558AE}"/>
               </a:ext>
             </a:extLst>
           </p:cNvPr>
@@ -3035,7 +3035,7 @@
           <a:p>
             <a:fld id="{246E467A-4026-4A8D-97BF-715EF7FA6491}" type="datetimeFigureOut">
               <a:rPr lang="ko-KR" altLang="en-US" smtClean="0"/>
-              <a:t>2023-09-07</a:t>
+              <a:t>2023-09-13</a:t>
             </a:fld>
             <a:endParaRPr lang="ko-KR" altLang="en-US"/>
           </a:p>
@@ -3046,7 +3046,7 @@
           <p:cNvPr id="6" name="바닥글 개체 틀 5">
             <a:extLst>
               <a:ext uri="{FF2B5EF4-FFF2-40B4-BE49-F238E27FC236}">
-                <a16:creationId xmlns="" xmlns:a16="http://schemas.microsoft.com/office/drawing/2014/main" id="{9C4A215C-B55F-4988-B45B-7667E8C7CAF6}"/>
+                <a16:creationId xmlns:a16="http://schemas.microsoft.com/office/drawing/2014/main" xmlns="" id="{9C4A215C-B55F-4988-B45B-7667E8C7CAF6}"/>
               </a:ext>
             </a:extLst>
           </p:cNvPr>
@@ -3071,7 +3071,7 @@
           <p:cNvPr id="7" name="슬라이드 번호 개체 틀 6">
             <a:extLst>
               <a:ext uri="{FF2B5EF4-FFF2-40B4-BE49-F238E27FC236}">
-                <a16:creationId xmlns="" xmlns:a16="http://schemas.microsoft.com/office/drawing/2014/main" id="{82FF3B86-5A48-411F-8090-830140A677FA}"/>
+                <a16:creationId xmlns:a16="http://schemas.microsoft.com/office/drawing/2014/main" xmlns="" id="{82FF3B86-5A48-411F-8090-830140A677FA}"/>
               </a:ext>
             </a:extLst>
           </p:cNvPr>
@@ -3135,7 +3135,7 @@
           <p:cNvPr id="2" name="제목 개체 틀 1">
             <a:extLst>
               <a:ext uri="{FF2B5EF4-FFF2-40B4-BE49-F238E27FC236}">
-                <a16:creationId xmlns="" xmlns:a16="http://schemas.microsoft.com/office/drawing/2014/main" id="{B9DF84FF-C412-430B-963A-695AABF70E5D}"/>
+                <a16:creationId xmlns:a16="http://schemas.microsoft.com/office/drawing/2014/main" xmlns="" id="{B9DF84FF-C412-430B-963A-695AABF70E5D}"/>
               </a:ext>
             </a:extLst>
           </p:cNvPr>
@@ -3173,7 +3173,7 @@
           <p:cNvPr id="3" name="텍스트 개체 틀 2">
             <a:extLst>
               <a:ext uri="{FF2B5EF4-FFF2-40B4-BE49-F238E27FC236}">
-                <a16:creationId xmlns="" xmlns:a16="http://schemas.microsoft.com/office/drawing/2014/main" id="{45EE7982-A999-4B0A-85F1-A0D5C55038DC}"/>
+                <a16:creationId xmlns:a16="http://schemas.microsoft.com/office/drawing/2014/main" xmlns="" id="{45EE7982-A999-4B0A-85F1-A0D5C55038DC}"/>
               </a:ext>
             </a:extLst>
           </p:cNvPr>
@@ -3240,7 +3240,7 @@
           <p:cNvPr id="4" name="날짜 개체 틀 3">
             <a:extLst>
               <a:ext uri="{FF2B5EF4-FFF2-40B4-BE49-F238E27FC236}">
-                <a16:creationId xmlns="" xmlns:a16="http://schemas.microsoft.com/office/drawing/2014/main" id="{3F48EB6A-F091-464F-A783-1AE546A56948}"/>
+                <a16:creationId xmlns:a16="http://schemas.microsoft.com/office/drawing/2014/main" xmlns="" id="{3F48EB6A-F091-464F-A783-1AE546A56948}"/>
               </a:ext>
             </a:extLst>
           </p:cNvPr>
@@ -3276,7 +3276,7 @@
           <a:p>
             <a:fld id="{246E467A-4026-4A8D-97BF-715EF7FA6491}" type="datetimeFigureOut">
               <a:rPr lang="ko-KR" altLang="en-US" smtClean="0"/>
-              <a:t>2023-09-07</a:t>
+              <a:t>2023-09-13</a:t>
             </a:fld>
             <a:endParaRPr lang="ko-KR" altLang="en-US"/>
           </a:p>
@@ -3287,7 +3287,7 @@
           <p:cNvPr id="5" name="바닥글 개체 틀 4">
             <a:extLst>
               <a:ext uri="{FF2B5EF4-FFF2-40B4-BE49-F238E27FC236}">
-                <a16:creationId xmlns="" xmlns:a16="http://schemas.microsoft.com/office/drawing/2014/main" id="{9531D2C7-63D5-4319-952D-A6F8404F460B}"/>
+                <a16:creationId xmlns:a16="http://schemas.microsoft.com/office/drawing/2014/main" xmlns="" id="{9531D2C7-63D5-4319-952D-A6F8404F460B}"/>
               </a:ext>
             </a:extLst>
           </p:cNvPr>
@@ -3330,7 +3330,7 @@
           <p:cNvPr id="6" name="슬라이드 번호 개체 틀 5">
             <a:extLst>
               <a:ext uri="{FF2B5EF4-FFF2-40B4-BE49-F238E27FC236}">
-                <a16:creationId xmlns="" xmlns:a16="http://schemas.microsoft.com/office/drawing/2014/main" id="{7739517A-02D4-4037-9427-974339FE7C30}"/>
+                <a16:creationId xmlns:a16="http://schemas.microsoft.com/office/drawing/2014/main" xmlns="" id="{7739517A-02D4-4037-9427-974339FE7C30}"/>
               </a:ext>
             </a:extLst>
           </p:cNvPr>
@@ -3706,7 +3706,7 @@
           <p:cNvPr id="2" name="TextBox 1">
             <a:extLst>
               <a:ext uri="{FF2B5EF4-FFF2-40B4-BE49-F238E27FC236}">
-                <a16:creationId xmlns="" xmlns:a16="http://schemas.microsoft.com/office/drawing/2014/main" id="{C70C938C-F8B1-4FFF-8F74-6ED0A876B136}"/>
+                <a16:creationId xmlns:a16="http://schemas.microsoft.com/office/drawing/2014/main" xmlns="" id="{C70C938C-F8B1-4FFF-8F74-6ED0A876B136}"/>
               </a:ext>
             </a:extLst>
           </p:cNvPr>
@@ -3747,7 +3747,7 @@
           <p:cNvPr id="3" name="TextBox 2">
             <a:extLst>
               <a:ext uri="{FF2B5EF4-FFF2-40B4-BE49-F238E27FC236}">
-                <a16:creationId xmlns="" xmlns:a16="http://schemas.microsoft.com/office/drawing/2014/main" id="{CC61FC92-B1C1-4C46-ABEF-2B6B78AA5915}"/>
+                <a16:creationId xmlns:a16="http://schemas.microsoft.com/office/drawing/2014/main" xmlns="" id="{CC61FC92-B1C1-4C46-ABEF-2B6B78AA5915}"/>
               </a:ext>
             </a:extLst>
           </p:cNvPr>
@@ -3788,7 +3788,7 @@
           <p:cNvPr id="8" name="그림 7" descr="사람, 서있는, 남자, 착용이(가) 표시된 사진&#10;&#10;자동 생성된 설명">
             <a:extLst>
               <a:ext uri="{FF2B5EF4-FFF2-40B4-BE49-F238E27FC236}">
-                <a16:creationId xmlns="" xmlns:a16="http://schemas.microsoft.com/office/drawing/2014/main" id="{398D98B8-2DFA-8476-B48A-2240354A960C}"/>
+                <a16:creationId xmlns:a16="http://schemas.microsoft.com/office/drawing/2014/main" xmlns="" id="{398D98B8-2DFA-8476-B48A-2240354A960C}"/>
               </a:ext>
             </a:extLst>
           </p:cNvPr>
@@ -3824,7 +3824,7 @@
           <p:cNvPr id="10" name="그림 9" descr="사람이(가) 표시된 사진&#10;&#10;자동 생성된 설명">
             <a:extLst>
               <a:ext uri="{FF2B5EF4-FFF2-40B4-BE49-F238E27FC236}">
-                <a16:creationId xmlns="" xmlns:a16="http://schemas.microsoft.com/office/drawing/2014/main" id="{0BE051E3-CAB7-BCFC-0441-E2FD03007A8D}"/>
+                <a16:creationId xmlns:a16="http://schemas.microsoft.com/office/drawing/2014/main" xmlns="" id="{0BE051E3-CAB7-BCFC-0441-E2FD03007A8D}"/>
               </a:ext>
             </a:extLst>
           </p:cNvPr>
@@ -3860,7 +3860,7 @@
           <p:cNvPr id="12" name="그림 11" descr="사람, 남자, 착용, 서있는이(가) 표시된 사진&#10;&#10;자동 생성된 설명">
             <a:extLst>
               <a:ext uri="{FF2B5EF4-FFF2-40B4-BE49-F238E27FC236}">
-                <a16:creationId xmlns="" xmlns:a16="http://schemas.microsoft.com/office/drawing/2014/main" id="{E9B0AD0F-14A6-F8C1-AEF5-1B01B5CEF846}"/>
+                <a16:creationId xmlns:a16="http://schemas.microsoft.com/office/drawing/2014/main" xmlns="" id="{E9B0AD0F-14A6-F8C1-AEF5-1B01B5CEF846}"/>
               </a:ext>
             </a:extLst>
           </p:cNvPr>
@@ -3945,7 +3945,7 @@
           <p:cNvPr id="3" name="직선 연결선 2">
             <a:extLst>
               <a:ext uri="{FF2B5EF4-FFF2-40B4-BE49-F238E27FC236}">
-                <a16:creationId xmlns="" xmlns:a16="http://schemas.microsoft.com/office/drawing/2014/main" id="{30B7886A-E2C2-47A8-A271-1FD08F52EED0}"/>
+                <a16:creationId xmlns:a16="http://schemas.microsoft.com/office/drawing/2014/main" xmlns="" id="{30B7886A-E2C2-47A8-A271-1FD08F52EED0}"/>
               </a:ext>
             </a:extLst>
           </p:cNvPr>
@@ -3988,7 +3988,7 @@
           <p:cNvPr id="18" name="직선 연결선 17">
             <a:extLst>
               <a:ext uri="{FF2B5EF4-FFF2-40B4-BE49-F238E27FC236}">
-                <a16:creationId xmlns="" xmlns:a16="http://schemas.microsoft.com/office/drawing/2014/main" id="{7911BDFD-7E29-44F7-9ED7-E8F36B51436C}"/>
+                <a16:creationId xmlns:a16="http://schemas.microsoft.com/office/drawing/2014/main" xmlns="" id="{7911BDFD-7E29-44F7-9ED7-E8F36B51436C}"/>
               </a:ext>
             </a:extLst>
           </p:cNvPr>
@@ -4019,16 +4019,62 @@
           </a:fontRef>
         </p:style>
       </p:cxnSp>
+      <p:sp>
+        <p:nvSpPr>
+          <p:cNvPr id="9" name="TextBox 8"/>
+          <p:cNvSpPr txBox="1"/>
+          <p:nvPr/>
+        </p:nvSpPr>
+        <p:spPr>
+          <a:xfrm>
+            <a:off x="869950" y="5837536"/>
+            <a:ext cx="10354734" cy="369332"/>
+          </a:xfrm>
+          <a:prstGeom prst="rect">
+            <a:avLst/>
+          </a:prstGeom>
+          <a:noFill/>
+        </p:spPr>
+        <p:txBody>
+          <a:bodyPr wrap="square" rtlCol="0">
+            <a:spAutoFit/>
+          </a:bodyPr>
+          <a:lstStyle/>
+          <a:p>
+            <a:r>
+              <a:rPr lang="ko-KR" altLang="en-US" dirty="0" smtClean="0"/>
+              <a:t> </a:t>
+            </a:r>
+            <a:r>
+              <a:rPr lang="ko-KR" altLang="en-US" dirty="0" err="1" smtClean="0"/>
+              <a:t>반응형으로</a:t>
+            </a:r>
+            <a:r>
+              <a:rPr lang="ko-KR" altLang="en-US" dirty="0" smtClean="0"/>
+              <a:t> 디자인 작업 진행 및 아이콘과 </a:t>
+            </a:r>
+            <a:r>
+              <a:rPr lang="ko-KR" altLang="en-US" dirty="0"/>
+              <a:t>같은 디자인 요소 </a:t>
+            </a:r>
+            <a:r>
+              <a:rPr lang="ko-KR" altLang="en-US" dirty="0" smtClean="0"/>
+              <a:t>제작  </a:t>
+            </a:r>
+            <a:endParaRPr lang="en-US" altLang="ko-KR" dirty="0" smtClean="0"/>
+          </a:p>
+        </p:txBody>
+      </p:sp>
       <p:pic>
         <p:nvPicPr>
-          <p:cNvPr id="1026" name="Picture 2" descr="C:\Users\user\Documents\카카오톡 받은 파일\KakaoTalk_20230907_012356874.png"/>
+          <p:cNvPr id="1028" name="Picture 4" descr="C:\Users\user\Desktop\22233.JPG"/>
           <p:cNvPicPr>
             <a:picLocks noChangeAspect="1" noChangeArrowheads="1"/>
           </p:cNvPicPr>
           <p:nvPr/>
         </p:nvPicPr>
         <p:blipFill>
-          <a:blip r:embed="rId2">
+          <a:blip r:embed="rId2" cstate="screen">
             <a:extLst>
               <a:ext uri="{28A0092B-C50C-407E-A947-70E740481C1C}">
                 <a14:useLocalDpi xmlns:a14="http://schemas.microsoft.com/office/drawing/2010/main" val="0"/>
@@ -4042,8 +4088,8 @@
         </p:blipFill>
         <p:spPr bwMode="auto">
           <a:xfrm>
-            <a:off x="2296584" y="466725"/>
-            <a:ext cx="7589838" cy="5281613"/>
+            <a:off x="6995832" y="278640"/>
+            <a:ext cx="4545265" cy="5361763"/>
           </a:xfrm>
           <a:prstGeom prst="rect">
             <a:avLst/>
@@ -4060,67 +4106,51 @@
           </a:extLst>
         </p:spPr>
       </p:pic>
-      <p:sp>
-        <p:nvSpPr>
-          <p:cNvPr id="4" name="TextBox 3"/>
-          <p:cNvSpPr txBox="1"/>
+      <p:pic>
+        <p:nvPicPr>
+          <p:cNvPr id="1029" name="Picture 5" descr="C:\Users\user\Desktop\1112.JPG"/>
+          <p:cNvPicPr>
+            <a:picLocks noChangeAspect="1" noChangeArrowheads="1"/>
+          </p:cNvPicPr>
           <p:nvPr/>
-        </p:nvSpPr>
-        <p:spPr>
+        </p:nvPicPr>
+        <p:blipFill>
+          <a:blip r:embed="rId3" cstate="screen">
+            <a:extLst>
+              <a:ext uri="{28A0092B-C50C-407E-A947-70E740481C1C}">
+                <a14:useLocalDpi xmlns:a14="http://schemas.microsoft.com/office/drawing/2010/main" val="0"/>
+              </a:ext>
+            </a:extLst>
+          </a:blip>
+          <a:srcRect/>
+          <a:stretch>
+            <a:fillRect/>
+          </a:stretch>
+        </p:blipFill>
+        <p:spPr bwMode="auto">
           <a:xfrm>
-            <a:off x="914136" y="6045200"/>
-            <a:ext cx="10354734" cy="646331"/>
+            <a:off x="397152" y="635267"/>
+            <a:ext cx="6469738" cy="4446873"/>
           </a:xfrm>
           <a:prstGeom prst="rect">
             <a:avLst/>
           </a:prstGeom>
           <a:noFill/>
+          <a:extLst>
+            <a:ext uri="{909E8E84-426E-40DD-AFC4-6F175D3DCCD1}">
+              <a14:hiddenFill xmlns:a14="http://schemas.microsoft.com/office/drawing/2010/main">
+                <a:solidFill>
+                  <a:srgbClr val="FFFFFF"/>
+                </a:solidFill>
+              </a14:hiddenFill>
+            </a:ext>
+          </a:extLst>
         </p:spPr>
-        <p:txBody>
-          <a:bodyPr wrap="square" rtlCol="0">
-            <a:spAutoFit/>
-          </a:bodyPr>
-          <a:lstStyle/>
-          <a:p>
-            <a:r>
-              <a:rPr lang="ko-KR" altLang="en-US" dirty="0" err="1" smtClean="0"/>
-              <a:t>미리보기</a:t>
-            </a:r>
-            <a:r>
-              <a:rPr lang="ko-KR" altLang="en-US" dirty="0" smtClean="0"/>
-              <a:t> 이미지와 같은 </a:t>
-            </a:r>
-            <a:r>
-              <a:rPr lang="en-US" altLang="ko-KR" dirty="0" smtClean="0"/>
-              <a:t>UI</a:t>
-            </a:r>
-            <a:r>
-              <a:rPr lang="ko-KR" altLang="en-US" dirty="0" smtClean="0"/>
-              <a:t>적 요소 추가</a:t>
-            </a:r>
-            <a:endParaRPr lang="en-US" altLang="ko-KR" dirty="0" smtClean="0"/>
-          </a:p>
-          <a:p>
-            <a:r>
-              <a:rPr lang="ko-KR" altLang="en-US" dirty="0" smtClean="0"/>
-              <a:t>버튼과 같은</a:t>
-            </a:r>
-            <a:r>
-              <a:rPr lang="en-US" altLang="ko-KR" dirty="0" smtClean="0"/>
-              <a:t>,</a:t>
-            </a:r>
-            <a:r>
-              <a:rPr lang="ko-KR" altLang="en-US" dirty="0" smtClean="0"/>
-              <a:t> 디자인 양식 통일화 </a:t>
-            </a:r>
-            <a:endParaRPr lang="ko-KR" altLang="en-US" dirty="0"/>
-          </a:p>
-        </p:txBody>
-      </p:sp>
+      </p:pic>
     </p:spTree>
     <p:extLst>
       <p:ext uri="{BB962C8B-B14F-4D97-AF65-F5344CB8AC3E}">
-        <p14:creationId xmlns:p14="http://schemas.microsoft.com/office/powerpoint/2010/main" val="1555402118"/>
+        <p14:creationId xmlns:p14="http://schemas.microsoft.com/office/powerpoint/2010/main" val="1924699665"/>
       </p:ext>
     </p:extLst>
   </p:cSld>
@@ -4171,7 +4201,7 @@
           <p:cNvPr id="3" name="직선 연결선 2">
             <a:extLst>
               <a:ext uri="{FF2B5EF4-FFF2-40B4-BE49-F238E27FC236}">
-                <a16:creationId xmlns="" xmlns:a16="http://schemas.microsoft.com/office/drawing/2014/main" id="{30B7886A-E2C2-47A8-A271-1FD08F52EED0}"/>
+                <a16:creationId xmlns:a16="http://schemas.microsoft.com/office/drawing/2014/main" xmlns="" id="{30B7886A-E2C2-47A8-A271-1FD08F52EED0}"/>
               </a:ext>
             </a:extLst>
           </p:cNvPr>
@@ -4214,7 +4244,7 @@
           <p:cNvPr id="18" name="직선 연결선 17">
             <a:extLst>
               <a:ext uri="{FF2B5EF4-FFF2-40B4-BE49-F238E27FC236}">
-                <a16:creationId xmlns="" xmlns:a16="http://schemas.microsoft.com/office/drawing/2014/main" id="{7911BDFD-7E29-44F7-9ED7-E8F36B51436C}"/>
+                <a16:creationId xmlns:a16="http://schemas.microsoft.com/office/drawing/2014/main" xmlns="" id="{7911BDFD-7E29-44F7-9ED7-E8F36B51436C}"/>
               </a:ext>
             </a:extLst>
           </p:cNvPr>
@@ -4253,8 +4283,8 @@
         </p:nvSpPr>
         <p:spPr>
           <a:xfrm>
-            <a:off x="897202" y="5833534"/>
-            <a:ext cx="10354734" cy="369332"/>
+            <a:off x="869950" y="5722033"/>
+            <a:ext cx="10354734" cy="646331"/>
           </a:xfrm>
           <a:prstGeom prst="rect">
             <a:avLst/>
@@ -4268,28 +4298,113 @@
           <a:lstStyle/>
           <a:p>
             <a:r>
+              <a:rPr lang="en-US" altLang="ko-KR" dirty="0" smtClean="0"/>
+              <a:t>AI </a:t>
+            </a:r>
+            <a:r>
               <a:rPr lang="ko-KR" altLang="en-US" dirty="0" smtClean="0"/>
-              <a:t>대기 상황과 같은 예외 상황 처리 </a:t>
-            </a:r>
-            <a:r>
-              <a:rPr lang="ko-KR" altLang="en-US" dirty="0" err="1" smtClean="0"/>
-              <a:t>로직</a:t>
+              <a:t>서버를 돌릴 경우</a:t>
+            </a:r>
+            <a:r>
+              <a:rPr lang="en-US" altLang="ko-KR" dirty="0"/>
+              <a:t>,</a:t>
             </a:r>
             <a:r>
               <a:rPr lang="ko-KR" altLang="en-US" dirty="0" smtClean="0"/>
               <a:t> </a:t>
             </a:r>
             <a:r>
+              <a:rPr lang="en-US" altLang="ko-KR" dirty="0" smtClean="0"/>
+              <a:t>GPU</a:t>
+            </a:r>
+            <a:r>
+              <a:rPr lang="ko-KR" altLang="en-US" dirty="0" smtClean="0"/>
+              <a:t>를 사용한 </a:t>
+            </a:r>
+            <a:r>
               <a:rPr lang="ko-KR" altLang="en-US" dirty="0" err="1" smtClean="0"/>
-              <a:t>구현중</a:t>
-            </a:r>
-            <a:endParaRPr lang="en-US" altLang="ko-KR" dirty="0" smtClean="0"/>
+              <a:t>호스팅</a:t>
+            </a:r>
+            <a:r>
+              <a:rPr lang="ko-KR" altLang="en-US" dirty="0" err="1" smtClean="0"/>
+              <a:t>이</a:t>
+            </a:r>
+            <a:r>
+              <a:rPr lang="ko-KR" altLang="en-US" dirty="0" smtClean="0"/>
+              <a:t> 유료이고</a:t>
+            </a:r>
+            <a:r>
+              <a:rPr lang="en-US" altLang="ko-KR" dirty="0" smtClean="0"/>
+              <a:t>, </a:t>
+            </a:r>
+            <a:r>
+              <a:rPr lang="ko-KR" altLang="en-US" dirty="0" smtClean="0"/>
+              <a:t>한달 약</a:t>
+            </a:r>
+            <a:r>
+              <a:rPr lang="en-US" altLang="ko-KR" dirty="0" smtClean="0"/>
+              <a:t>(100</a:t>
+            </a:r>
+            <a:r>
+              <a:rPr lang="ko-KR" altLang="en-US" dirty="0" smtClean="0"/>
+              <a:t>만원 내외</a:t>
+            </a:r>
+            <a:r>
+              <a:rPr lang="en-US" altLang="ko-KR" dirty="0" smtClean="0"/>
+              <a:t>) </a:t>
+            </a:r>
+          </a:p>
+          <a:p>
+            <a:r>
+              <a:rPr lang="ko-KR" altLang="en-US" dirty="0" smtClean="0"/>
+              <a:t>직접 도매인 구매하여</a:t>
+            </a:r>
+            <a:r>
+              <a:rPr lang="en-US" altLang="ko-KR" dirty="0" smtClean="0"/>
+              <a:t>, </a:t>
+            </a:r>
+            <a:r>
+              <a:rPr lang="ko-KR" altLang="en-US" dirty="0" err="1" smtClean="0"/>
+              <a:t>호스팅</a:t>
+            </a:r>
+            <a:r>
+              <a:rPr lang="ko-KR" altLang="en-US" dirty="0" smtClean="0"/>
+              <a:t> 하는 방법을 고려</a:t>
+            </a:r>
+            <a:r>
+              <a:rPr lang="en-US" altLang="ko-KR" dirty="0" smtClean="0"/>
+              <a:t>(AI </a:t>
+            </a:r>
+            <a:r>
+              <a:rPr lang="ko-KR" altLang="en-US" dirty="0" smtClean="0"/>
+              <a:t>서버만</a:t>
+            </a:r>
+            <a:r>
+              <a:rPr lang="en-US" altLang="ko-KR" dirty="0"/>
+              <a:t> </a:t>
+            </a:r>
+            <a:r>
+              <a:rPr lang="ko-KR" altLang="en-US" dirty="0" smtClean="0"/>
+              <a:t>돌리거나</a:t>
+            </a:r>
+            <a:r>
+              <a:rPr lang="en-US" altLang="ko-KR" dirty="0" smtClean="0"/>
+              <a:t>, AI </a:t>
+            </a:r>
+            <a:r>
+              <a:rPr lang="ko-KR" altLang="en-US" dirty="0" smtClean="0"/>
+              <a:t>및 전체를 돌리는 방법</a:t>
+            </a:r>
+            <a:r>
+              <a:rPr lang="en-US" altLang="ko-KR" dirty="0" smtClean="0"/>
+              <a:t>)</a:t>
+            </a:r>
           </a:p>
         </p:txBody>
       </p:sp>
       <p:pic>
         <p:nvPicPr>
-          <p:cNvPr id="3074" name="Picture 2" descr="C:\Users\user\Documents\카카오톡 받은 파일\KakaoTalk_20230907_012045805.png"/>
+          <p:cNvPr id="2050" name="Picture 2" descr="C:\Users\user\Desktop\다운로드.png"/>
           <p:cNvPicPr>
             <a:picLocks noChangeAspect="1" noChangeArrowheads="1"/>
           </p:cNvPicPr>
@@ -4310,8 +4425,8 @@
         </p:blipFill>
         <p:spPr bwMode="auto">
           <a:xfrm>
-            <a:off x="1165682" y="869950"/>
-            <a:ext cx="9851641" cy="4168775"/>
+            <a:off x="4615392" y="748243"/>
+            <a:ext cx="2674408" cy="4121735"/>
           </a:xfrm>
           <a:prstGeom prst="rect">
             <a:avLst/>
@@ -4331,7 +4446,7 @@
     </p:spTree>
     <p:extLst>
       <p:ext uri="{BB962C8B-B14F-4D97-AF65-F5344CB8AC3E}">
-        <p14:creationId xmlns:p14="http://schemas.microsoft.com/office/powerpoint/2010/main" val="1924699665"/>
+        <p14:creationId xmlns:p14="http://schemas.microsoft.com/office/powerpoint/2010/main" val="1555402118"/>
       </p:ext>
     </p:extLst>
   </p:cSld>
@@ -4382,7 +4497,7 @@
           <p:cNvPr id="3" name="직선 연결선 2">
             <a:extLst>
               <a:ext uri="{FF2B5EF4-FFF2-40B4-BE49-F238E27FC236}">
-                <a16:creationId xmlns="" xmlns:a16="http://schemas.microsoft.com/office/drawing/2014/main" id="{30B7886A-E2C2-47A8-A271-1FD08F52EED0}"/>
+                <a16:creationId xmlns:a16="http://schemas.microsoft.com/office/drawing/2014/main" xmlns="" id="{30B7886A-E2C2-47A8-A271-1FD08F52EED0}"/>
               </a:ext>
             </a:extLst>
           </p:cNvPr>
@@ -4425,7 +4540,7 @@
           <p:cNvPr id="18" name="직선 연결선 17">
             <a:extLst>
               <a:ext uri="{FF2B5EF4-FFF2-40B4-BE49-F238E27FC236}">
-                <a16:creationId xmlns="" xmlns:a16="http://schemas.microsoft.com/office/drawing/2014/main" id="{7911BDFD-7E29-44F7-9ED7-E8F36B51436C}"/>
+                <a16:creationId xmlns:a16="http://schemas.microsoft.com/office/drawing/2014/main" xmlns="" id="{7911BDFD-7E29-44F7-9ED7-E8F36B51436C}"/>
               </a:ext>
             </a:extLst>
           </p:cNvPr>
@@ -4464,7 +4579,7 @@
         </p:nvSpPr>
         <p:spPr>
           <a:xfrm>
-            <a:off x="914136" y="6045200"/>
+            <a:off x="914136" y="5679533"/>
             <a:ext cx="10354734" cy="369332"/>
           </a:xfrm>
           <a:prstGeom prst="rect">
@@ -4480,7 +4595,27 @@
           <a:p>
             <a:r>
               <a:rPr lang="ko-KR" altLang="en-US" dirty="0" smtClean="0"/>
-              <a:t> 카테고리 보기의 디자인과 같이 다양한 디자인 개선 </a:t>
+              <a:t> </a:t>
+            </a:r>
+            <a:r>
+              <a:rPr lang="ko-KR" altLang="en-US" dirty="0" smtClean="0"/>
+              <a:t>서버에 작동 시킬 수 있도록 </a:t>
+            </a:r>
+            <a:r>
+              <a:rPr lang="en-US" altLang="ko-KR" dirty="0" smtClean="0"/>
+              <a:t>AI </a:t>
+            </a:r>
+            <a:r>
+              <a:rPr lang="ko-KR" altLang="en-US" dirty="0" smtClean="0"/>
+              <a:t>서버 측 코드 </a:t>
+            </a:r>
+            <a:r>
+              <a:rPr lang="ko-KR" altLang="en-US" dirty="0" smtClean="0"/>
+              <a:t>연</a:t>
+            </a:r>
+            <a:r>
+              <a:rPr lang="ko-KR" altLang="en-US" dirty="0"/>
+              <a:t>동</a:t>
             </a:r>
             <a:endParaRPr lang="ko-KR" altLang="en-US" dirty="0"/>
           </a:p>
@@ -4488,7 +4623,7 @@
       </p:sp>
       <p:pic>
         <p:nvPicPr>
-          <p:cNvPr id="2050" name="Picture 2" descr="C:\Users\user\Documents\카카오톡 받은 파일\KakaoTalk_20230907_012355357.png"/>
+          <p:cNvPr id="3074" name="Picture 2" descr="C:\Users\user\Desktop\asss.png"/>
           <p:cNvPicPr>
             <a:picLocks noChangeAspect="1" noChangeArrowheads="1"/>
           </p:cNvPicPr>
@@ -4509,8 +4644,8 @@
         </p:blipFill>
         <p:spPr bwMode="auto">
           <a:xfrm>
-            <a:off x="3463925" y="312209"/>
-            <a:ext cx="5738813" cy="5303838"/>
+            <a:off x="4030664" y="516997"/>
+            <a:ext cx="4876800" cy="4876800"/>
           </a:xfrm>
           <a:prstGeom prst="rect">
             <a:avLst/>
@@ -4787,7 +4922,7 @@
   <a:extraClrSchemeLst/>
   <a:extLst>
     <a:ext uri="{05A4C25C-085E-4340-85A3-A5531E510DB2}">
-      <thm15:themeFamily xmlns="" xmlns:thm15="http://schemas.microsoft.com/office/thememl/2012/main" name="Office Theme" id="{62F939B6-93AF-4DB8-9C6B-D6C7DFDC589F}" vid="{4A3C46E8-61CC-4603-A589-7422A47A8E4A}"/>
+      <thm15:themeFamily xmlns:thm15="http://schemas.microsoft.com/office/thememl/2012/main" xmlns="" name="Office Theme" id="{62F939B6-93AF-4DB8-9C6B-D6C7DFDC589F}" vid="{4A3C46E8-61CC-4603-A589-7422A47A8E4A}"/>
     </a:ext>
   </a:extLst>
 </a:theme>

--- a/발표자료/업데이트/LJHPPT.pptx
+++ b/발표자료/업데이트/LJHPPT.pptx
@@ -5,13 +5,11 @@
     <p:sldMasterId id="2147483648" r:id="rId1"/>
   </p:sldMasterIdLst>
   <p:notesMasterIdLst>
-    <p:notesMasterId r:id="rId6"/>
+    <p:notesMasterId r:id="rId4"/>
   </p:notesMasterIdLst>
   <p:sldIdLst>
     <p:sldId id="256" r:id="rId2"/>
     <p:sldId id="279" r:id="rId3"/>
-    <p:sldId id="276" r:id="rId4"/>
-    <p:sldId id="277" r:id="rId5"/>
   </p:sldIdLst>
   <p:sldSz cx="12192000" cy="6858000"/>
   <p:notesSz cx="6858000" cy="9144000"/>
@@ -112,7 +110,7 @@
   </p:defaultTextStyle>
   <p:extLst>
     <p:ext uri="{EFAFB233-063F-42B5-8137-9DF3F51BA10A}">
-      <p15:sldGuideLst xmlns:p15="http://schemas.microsoft.com/office/powerpoint/2012/main" xmlns="">
+      <p15:sldGuideLst xmlns="" xmlns:p15="http://schemas.microsoft.com/office/powerpoint/2012/main">
         <p15:guide id="1" orient="horz" pos="2160" userDrawn="1">
           <p15:clr>
             <a:srgbClr val="A4A3A4"/>
@@ -211,7 +209,7 @@
           <a:p>
             <a:fld id="{AF68D7C3-2F55-4307-AE72-F4CDC213B882}" type="datetimeFigureOut">
               <a:rPr lang="ko-KR" altLang="en-US" smtClean="0"/>
-              <a:t>2023-09-13</a:t>
+              <a:t>2023-09-21</a:t>
             </a:fld>
             <a:endParaRPr lang="ko-KR" altLang="en-US"/>
           </a:p>
@@ -501,7 +499,7 @@
           <p:cNvPr id="2" name="제목 1">
             <a:extLst>
               <a:ext uri="{FF2B5EF4-FFF2-40B4-BE49-F238E27FC236}">
-                <a16:creationId xmlns:a16="http://schemas.microsoft.com/office/drawing/2014/main" xmlns="" id="{544428E6-48F8-48FF-A4B7-7E67A9EE0B77}"/>
+                <a16:creationId xmlns="" xmlns:a16="http://schemas.microsoft.com/office/drawing/2014/main" id="{544428E6-48F8-48FF-A4B7-7E67A9EE0B77}"/>
               </a:ext>
             </a:extLst>
           </p:cNvPr>
@@ -538,7 +536,7 @@
           <p:cNvPr id="3" name="부제목 2">
             <a:extLst>
               <a:ext uri="{FF2B5EF4-FFF2-40B4-BE49-F238E27FC236}">
-                <a16:creationId xmlns:a16="http://schemas.microsoft.com/office/drawing/2014/main" xmlns="" id="{FBA2431C-BDF3-4534-AED0-115F103A462A}"/>
+                <a16:creationId xmlns="" xmlns:a16="http://schemas.microsoft.com/office/drawing/2014/main" id="{FBA2431C-BDF3-4534-AED0-115F103A462A}"/>
               </a:ext>
             </a:extLst>
           </p:cNvPr>
@@ -608,7 +606,7 @@
           <p:cNvPr id="4" name="날짜 개체 틀 3">
             <a:extLst>
               <a:ext uri="{FF2B5EF4-FFF2-40B4-BE49-F238E27FC236}">
-                <a16:creationId xmlns:a16="http://schemas.microsoft.com/office/drawing/2014/main" xmlns="" id="{420173CB-01B9-4295-A804-D7D5973D6277}"/>
+                <a16:creationId xmlns="" xmlns:a16="http://schemas.microsoft.com/office/drawing/2014/main" id="{420173CB-01B9-4295-A804-D7D5973D6277}"/>
               </a:ext>
             </a:extLst>
           </p:cNvPr>
@@ -626,7 +624,7 @@
           <a:p>
             <a:fld id="{246E467A-4026-4A8D-97BF-715EF7FA6491}" type="datetimeFigureOut">
               <a:rPr lang="ko-KR" altLang="en-US" smtClean="0"/>
-              <a:t>2023-09-13</a:t>
+              <a:t>2023-09-21</a:t>
             </a:fld>
             <a:endParaRPr lang="ko-KR" altLang="en-US"/>
           </a:p>
@@ -637,7 +635,7 @@
           <p:cNvPr id="5" name="바닥글 개체 틀 4">
             <a:extLst>
               <a:ext uri="{FF2B5EF4-FFF2-40B4-BE49-F238E27FC236}">
-                <a16:creationId xmlns:a16="http://schemas.microsoft.com/office/drawing/2014/main" xmlns="" id="{E1C5FE16-77A0-484E-AEFD-FF537292ECD0}"/>
+                <a16:creationId xmlns="" xmlns:a16="http://schemas.microsoft.com/office/drawing/2014/main" id="{E1C5FE16-77A0-484E-AEFD-FF537292ECD0}"/>
               </a:ext>
             </a:extLst>
           </p:cNvPr>
@@ -662,7 +660,7 @@
           <p:cNvPr id="6" name="슬라이드 번호 개체 틀 5">
             <a:extLst>
               <a:ext uri="{FF2B5EF4-FFF2-40B4-BE49-F238E27FC236}">
-                <a16:creationId xmlns:a16="http://schemas.microsoft.com/office/drawing/2014/main" xmlns="" id="{69F3DF25-2E65-49D3-8F6F-64AA11097B17}"/>
+                <a16:creationId xmlns="" xmlns:a16="http://schemas.microsoft.com/office/drawing/2014/main" id="{69F3DF25-2E65-49D3-8F6F-64AA11097B17}"/>
               </a:ext>
             </a:extLst>
           </p:cNvPr>
@@ -721,7 +719,7 @@
           <p:cNvPr id="2" name="제목 1">
             <a:extLst>
               <a:ext uri="{FF2B5EF4-FFF2-40B4-BE49-F238E27FC236}">
-                <a16:creationId xmlns:a16="http://schemas.microsoft.com/office/drawing/2014/main" xmlns="" id="{0E520652-E714-4A15-826F-1B53C7092B68}"/>
+                <a16:creationId xmlns="" xmlns:a16="http://schemas.microsoft.com/office/drawing/2014/main" id="{0E520652-E714-4A15-826F-1B53C7092B68}"/>
               </a:ext>
             </a:extLst>
           </p:cNvPr>
@@ -749,7 +747,7 @@
           <p:cNvPr id="3" name="세로 텍스트 개체 틀 2">
             <a:extLst>
               <a:ext uri="{FF2B5EF4-FFF2-40B4-BE49-F238E27FC236}">
-                <a16:creationId xmlns:a16="http://schemas.microsoft.com/office/drawing/2014/main" xmlns="" id="{1C14771D-DE0A-400C-8C59-8670E31F7094}"/>
+                <a16:creationId xmlns="" xmlns:a16="http://schemas.microsoft.com/office/drawing/2014/main" id="{1C14771D-DE0A-400C-8C59-8670E31F7094}"/>
               </a:ext>
             </a:extLst>
           </p:cNvPr>
@@ -806,7 +804,7 @@
           <p:cNvPr id="4" name="날짜 개체 틀 3">
             <a:extLst>
               <a:ext uri="{FF2B5EF4-FFF2-40B4-BE49-F238E27FC236}">
-                <a16:creationId xmlns:a16="http://schemas.microsoft.com/office/drawing/2014/main" xmlns="" id="{5CBEACB7-48C9-4FB8-8D34-7F4C63932697}"/>
+                <a16:creationId xmlns="" xmlns:a16="http://schemas.microsoft.com/office/drawing/2014/main" id="{5CBEACB7-48C9-4FB8-8D34-7F4C63932697}"/>
               </a:ext>
             </a:extLst>
           </p:cNvPr>
@@ -824,7 +822,7 @@
           <a:p>
             <a:fld id="{246E467A-4026-4A8D-97BF-715EF7FA6491}" type="datetimeFigureOut">
               <a:rPr lang="ko-KR" altLang="en-US" smtClean="0"/>
-              <a:t>2023-09-13</a:t>
+              <a:t>2023-09-21</a:t>
             </a:fld>
             <a:endParaRPr lang="ko-KR" altLang="en-US"/>
           </a:p>
@@ -835,7 +833,7 @@
           <p:cNvPr id="5" name="바닥글 개체 틀 4">
             <a:extLst>
               <a:ext uri="{FF2B5EF4-FFF2-40B4-BE49-F238E27FC236}">
-                <a16:creationId xmlns:a16="http://schemas.microsoft.com/office/drawing/2014/main" xmlns="" id="{5BD31818-B6CD-47B0-9353-395CC53986D6}"/>
+                <a16:creationId xmlns="" xmlns:a16="http://schemas.microsoft.com/office/drawing/2014/main" id="{5BD31818-B6CD-47B0-9353-395CC53986D6}"/>
               </a:ext>
             </a:extLst>
           </p:cNvPr>
@@ -860,7 +858,7 @@
           <p:cNvPr id="6" name="슬라이드 번호 개체 틀 5">
             <a:extLst>
               <a:ext uri="{FF2B5EF4-FFF2-40B4-BE49-F238E27FC236}">
-                <a16:creationId xmlns:a16="http://schemas.microsoft.com/office/drawing/2014/main" xmlns="" id="{BD008922-CAE3-4884-AE59-2BC74144C74C}"/>
+                <a16:creationId xmlns="" xmlns:a16="http://schemas.microsoft.com/office/drawing/2014/main" id="{BD008922-CAE3-4884-AE59-2BC74144C74C}"/>
               </a:ext>
             </a:extLst>
           </p:cNvPr>
@@ -919,7 +917,7 @@
           <p:cNvPr id="2" name="세로 제목 1">
             <a:extLst>
               <a:ext uri="{FF2B5EF4-FFF2-40B4-BE49-F238E27FC236}">
-                <a16:creationId xmlns:a16="http://schemas.microsoft.com/office/drawing/2014/main" xmlns="" id="{A3371B8A-69A6-43D4-8783-6456E33508F7}"/>
+                <a16:creationId xmlns="" xmlns:a16="http://schemas.microsoft.com/office/drawing/2014/main" id="{A3371B8A-69A6-43D4-8783-6456E33508F7}"/>
               </a:ext>
             </a:extLst>
           </p:cNvPr>
@@ -952,7 +950,7 @@
           <p:cNvPr id="3" name="세로 텍스트 개체 틀 2">
             <a:extLst>
               <a:ext uri="{FF2B5EF4-FFF2-40B4-BE49-F238E27FC236}">
-                <a16:creationId xmlns:a16="http://schemas.microsoft.com/office/drawing/2014/main" xmlns="" id="{049DA1AA-3028-44E4-B5B0-C19BF61DC48A}"/>
+                <a16:creationId xmlns="" xmlns:a16="http://schemas.microsoft.com/office/drawing/2014/main" id="{049DA1AA-3028-44E4-B5B0-C19BF61DC48A}"/>
               </a:ext>
             </a:extLst>
           </p:cNvPr>
@@ -1014,7 +1012,7 @@
           <p:cNvPr id="4" name="날짜 개체 틀 3">
             <a:extLst>
               <a:ext uri="{FF2B5EF4-FFF2-40B4-BE49-F238E27FC236}">
-                <a16:creationId xmlns:a16="http://schemas.microsoft.com/office/drawing/2014/main" xmlns="" id="{ED2BCD8D-3E10-4F33-BC43-EACB05C0B415}"/>
+                <a16:creationId xmlns="" xmlns:a16="http://schemas.microsoft.com/office/drawing/2014/main" id="{ED2BCD8D-3E10-4F33-BC43-EACB05C0B415}"/>
               </a:ext>
             </a:extLst>
           </p:cNvPr>
@@ -1032,7 +1030,7 @@
           <a:p>
             <a:fld id="{246E467A-4026-4A8D-97BF-715EF7FA6491}" type="datetimeFigureOut">
               <a:rPr lang="ko-KR" altLang="en-US" smtClean="0"/>
-              <a:t>2023-09-13</a:t>
+              <a:t>2023-09-21</a:t>
             </a:fld>
             <a:endParaRPr lang="ko-KR" altLang="en-US"/>
           </a:p>
@@ -1043,7 +1041,7 @@
           <p:cNvPr id="5" name="바닥글 개체 틀 4">
             <a:extLst>
               <a:ext uri="{FF2B5EF4-FFF2-40B4-BE49-F238E27FC236}">
-                <a16:creationId xmlns:a16="http://schemas.microsoft.com/office/drawing/2014/main" xmlns="" id="{33E365BE-78DE-4079-B7F3-706874E92415}"/>
+                <a16:creationId xmlns="" xmlns:a16="http://schemas.microsoft.com/office/drawing/2014/main" id="{33E365BE-78DE-4079-B7F3-706874E92415}"/>
               </a:ext>
             </a:extLst>
           </p:cNvPr>
@@ -1068,7 +1066,7 @@
           <p:cNvPr id="6" name="슬라이드 번호 개체 틀 5">
             <a:extLst>
               <a:ext uri="{FF2B5EF4-FFF2-40B4-BE49-F238E27FC236}">
-                <a16:creationId xmlns:a16="http://schemas.microsoft.com/office/drawing/2014/main" xmlns="" id="{6F0D9E52-1AFA-4482-A474-91FF4C5C683A}"/>
+                <a16:creationId xmlns="" xmlns:a16="http://schemas.microsoft.com/office/drawing/2014/main" id="{6F0D9E52-1AFA-4482-A474-91FF4C5C683A}"/>
               </a:ext>
             </a:extLst>
           </p:cNvPr>
@@ -1127,7 +1125,7 @@
           <p:cNvPr id="2" name="제목 1">
             <a:extLst>
               <a:ext uri="{FF2B5EF4-FFF2-40B4-BE49-F238E27FC236}">
-                <a16:creationId xmlns:a16="http://schemas.microsoft.com/office/drawing/2014/main" xmlns="" id="{60DBF82B-6C4A-4F6E-A362-B2BF3BDC30D7}"/>
+                <a16:creationId xmlns="" xmlns:a16="http://schemas.microsoft.com/office/drawing/2014/main" id="{60DBF82B-6C4A-4F6E-A362-B2BF3BDC30D7}"/>
               </a:ext>
             </a:extLst>
           </p:cNvPr>
@@ -1155,7 +1153,7 @@
           <p:cNvPr id="3" name="내용 개체 틀 2">
             <a:extLst>
               <a:ext uri="{FF2B5EF4-FFF2-40B4-BE49-F238E27FC236}">
-                <a16:creationId xmlns:a16="http://schemas.microsoft.com/office/drawing/2014/main" xmlns="" id="{BDE6E910-43A6-49D6-A1B5-99E3B0C27E2D}"/>
+                <a16:creationId xmlns="" xmlns:a16="http://schemas.microsoft.com/office/drawing/2014/main" id="{BDE6E910-43A6-49D6-A1B5-99E3B0C27E2D}"/>
               </a:ext>
             </a:extLst>
           </p:cNvPr>
@@ -1212,7 +1210,7 @@
           <p:cNvPr id="4" name="날짜 개체 틀 3">
             <a:extLst>
               <a:ext uri="{FF2B5EF4-FFF2-40B4-BE49-F238E27FC236}">
-                <a16:creationId xmlns:a16="http://schemas.microsoft.com/office/drawing/2014/main" xmlns="" id="{2F0DB3AC-66C4-4244-9CE9-54D71AA59C90}"/>
+                <a16:creationId xmlns="" xmlns:a16="http://schemas.microsoft.com/office/drawing/2014/main" id="{2F0DB3AC-66C4-4244-9CE9-54D71AA59C90}"/>
               </a:ext>
             </a:extLst>
           </p:cNvPr>
@@ -1230,7 +1228,7 @@
           <a:p>
             <a:fld id="{246E467A-4026-4A8D-97BF-715EF7FA6491}" type="datetimeFigureOut">
               <a:rPr lang="ko-KR" altLang="en-US" smtClean="0"/>
-              <a:t>2023-09-13</a:t>
+              <a:t>2023-09-21</a:t>
             </a:fld>
             <a:endParaRPr lang="ko-KR" altLang="en-US"/>
           </a:p>
@@ -1241,7 +1239,7 @@
           <p:cNvPr id="5" name="바닥글 개체 틀 4">
             <a:extLst>
               <a:ext uri="{FF2B5EF4-FFF2-40B4-BE49-F238E27FC236}">
-                <a16:creationId xmlns:a16="http://schemas.microsoft.com/office/drawing/2014/main" xmlns="" id="{3992C886-882E-440B-806C-B06DE5089026}"/>
+                <a16:creationId xmlns="" xmlns:a16="http://schemas.microsoft.com/office/drawing/2014/main" id="{3992C886-882E-440B-806C-B06DE5089026}"/>
               </a:ext>
             </a:extLst>
           </p:cNvPr>
@@ -1266,7 +1264,7 @@
           <p:cNvPr id="6" name="슬라이드 번호 개체 틀 5">
             <a:extLst>
               <a:ext uri="{FF2B5EF4-FFF2-40B4-BE49-F238E27FC236}">
-                <a16:creationId xmlns:a16="http://schemas.microsoft.com/office/drawing/2014/main" xmlns="" id="{9A9323D2-1426-48F9-A93B-729E72E2B2BB}"/>
+                <a16:creationId xmlns="" xmlns:a16="http://schemas.microsoft.com/office/drawing/2014/main" id="{9A9323D2-1426-48F9-A93B-729E72E2B2BB}"/>
               </a:ext>
             </a:extLst>
           </p:cNvPr>
@@ -1325,7 +1323,7 @@
           <p:cNvPr id="2" name="제목 1">
             <a:extLst>
               <a:ext uri="{FF2B5EF4-FFF2-40B4-BE49-F238E27FC236}">
-                <a16:creationId xmlns:a16="http://schemas.microsoft.com/office/drawing/2014/main" xmlns="" id="{7153C500-C8D9-4EBC-AC73-9F7D65F03E32}"/>
+                <a16:creationId xmlns="" xmlns:a16="http://schemas.microsoft.com/office/drawing/2014/main" id="{7153C500-C8D9-4EBC-AC73-9F7D65F03E32}"/>
               </a:ext>
             </a:extLst>
           </p:cNvPr>
@@ -1362,7 +1360,7 @@
           <p:cNvPr id="3" name="텍스트 개체 틀 2">
             <a:extLst>
               <a:ext uri="{FF2B5EF4-FFF2-40B4-BE49-F238E27FC236}">
-                <a16:creationId xmlns:a16="http://schemas.microsoft.com/office/drawing/2014/main" xmlns="" id="{4E56CD17-259A-42E8-B64F-04C51B7C1C5F}"/>
+                <a16:creationId xmlns="" xmlns:a16="http://schemas.microsoft.com/office/drawing/2014/main" id="{4E56CD17-259A-42E8-B64F-04C51B7C1C5F}"/>
               </a:ext>
             </a:extLst>
           </p:cNvPr>
@@ -1487,7 +1485,7 @@
           <p:cNvPr id="4" name="날짜 개체 틀 3">
             <a:extLst>
               <a:ext uri="{FF2B5EF4-FFF2-40B4-BE49-F238E27FC236}">
-                <a16:creationId xmlns:a16="http://schemas.microsoft.com/office/drawing/2014/main" xmlns="" id="{CE976CE5-8C59-42A2-A597-465DEAC8E5A7}"/>
+                <a16:creationId xmlns="" xmlns:a16="http://schemas.microsoft.com/office/drawing/2014/main" id="{CE976CE5-8C59-42A2-A597-465DEAC8E5A7}"/>
               </a:ext>
             </a:extLst>
           </p:cNvPr>
@@ -1505,7 +1503,7 @@
           <a:p>
             <a:fld id="{246E467A-4026-4A8D-97BF-715EF7FA6491}" type="datetimeFigureOut">
               <a:rPr lang="ko-KR" altLang="en-US" smtClean="0"/>
-              <a:t>2023-09-13</a:t>
+              <a:t>2023-09-21</a:t>
             </a:fld>
             <a:endParaRPr lang="ko-KR" altLang="en-US"/>
           </a:p>
@@ -1516,7 +1514,7 @@
           <p:cNvPr id="5" name="바닥글 개체 틀 4">
             <a:extLst>
               <a:ext uri="{FF2B5EF4-FFF2-40B4-BE49-F238E27FC236}">
-                <a16:creationId xmlns:a16="http://schemas.microsoft.com/office/drawing/2014/main" xmlns="" id="{742312C6-1DCE-41BC-B5FA-FCFF5BE3B9E6}"/>
+                <a16:creationId xmlns="" xmlns:a16="http://schemas.microsoft.com/office/drawing/2014/main" id="{742312C6-1DCE-41BC-B5FA-FCFF5BE3B9E6}"/>
               </a:ext>
             </a:extLst>
           </p:cNvPr>
@@ -1541,7 +1539,7 @@
           <p:cNvPr id="6" name="슬라이드 번호 개체 틀 5">
             <a:extLst>
               <a:ext uri="{FF2B5EF4-FFF2-40B4-BE49-F238E27FC236}">
-                <a16:creationId xmlns:a16="http://schemas.microsoft.com/office/drawing/2014/main" xmlns="" id="{664339A5-69DC-4256-84CA-F160D48ED02B}"/>
+                <a16:creationId xmlns="" xmlns:a16="http://schemas.microsoft.com/office/drawing/2014/main" id="{664339A5-69DC-4256-84CA-F160D48ED02B}"/>
               </a:ext>
             </a:extLst>
           </p:cNvPr>
@@ -1600,7 +1598,7 @@
           <p:cNvPr id="2" name="제목 1">
             <a:extLst>
               <a:ext uri="{FF2B5EF4-FFF2-40B4-BE49-F238E27FC236}">
-                <a16:creationId xmlns:a16="http://schemas.microsoft.com/office/drawing/2014/main" xmlns="" id="{BCF37A4D-E01E-45A7-B166-73EE7826C0E7}"/>
+                <a16:creationId xmlns="" xmlns:a16="http://schemas.microsoft.com/office/drawing/2014/main" id="{BCF37A4D-E01E-45A7-B166-73EE7826C0E7}"/>
               </a:ext>
             </a:extLst>
           </p:cNvPr>
@@ -1628,7 +1626,7 @@
           <p:cNvPr id="3" name="내용 개체 틀 2">
             <a:extLst>
               <a:ext uri="{FF2B5EF4-FFF2-40B4-BE49-F238E27FC236}">
-                <a16:creationId xmlns:a16="http://schemas.microsoft.com/office/drawing/2014/main" xmlns="" id="{A70D6757-7DA6-452C-9903-7536978F1556}"/>
+                <a16:creationId xmlns="" xmlns:a16="http://schemas.microsoft.com/office/drawing/2014/main" id="{A70D6757-7DA6-452C-9903-7536978F1556}"/>
               </a:ext>
             </a:extLst>
           </p:cNvPr>
@@ -1690,7 +1688,7 @@
           <p:cNvPr id="4" name="내용 개체 틀 3">
             <a:extLst>
               <a:ext uri="{FF2B5EF4-FFF2-40B4-BE49-F238E27FC236}">
-                <a16:creationId xmlns:a16="http://schemas.microsoft.com/office/drawing/2014/main" xmlns="" id="{23DCC3C8-286B-4184-8752-32BC3B116B8E}"/>
+                <a16:creationId xmlns="" xmlns:a16="http://schemas.microsoft.com/office/drawing/2014/main" id="{23DCC3C8-286B-4184-8752-32BC3B116B8E}"/>
               </a:ext>
             </a:extLst>
           </p:cNvPr>
@@ -1752,7 +1750,7 @@
           <p:cNvPr id="5" name="날짜 개체 틀 4">
             <a:extLst>
               <a:ext uri="{FF2B5EF4-FFF2-40B4-BE49-F238E27FC236}">
-                <a16:creationId xmlns:a16="http://schemas.microsoft.com/office/drawing/2014/main" xmlns="" id="{7ECA751A-C45B-42C8-893F-826B22E76CF6}"/>
+                <a16:creationId xmlns="" xmlns:a16="http://schemas.microsoft.com/office/drawing/2014/main" id="{7ECA751A-C45B-42C8-893F-826B22E76CF6}"/>
               </a:ext>
             </a:extLst>
           </p:cNvPr>
@@ -1770,7 +1768,7 @@
           <a:p>
             <a:fld id="{246E467A-4026-4A8D-97BF-715EF7FA6491}" type="datetimeFigureOut">
               <a:rPr lang="ko-KR" altLang="en-US" smtClean="0"/>
-              <a:t>2023-09-13</a:t>
+              <a:t>2023-09-21</a:t>
             </a:fld>
             <a:endParaRPr lang="ko-KR" altLang="en-US"/>
           </a:p>
@@ -1781,7 +1779,7 @@
           <p:cNvPr id="6" name="바닥글 개체 틀 5">
             <a:extLst>
               <a:ext uri="{FF2B5EF4-FFF2-40B4-BE49-F238E27FC236}">
-                <a16:creationId xmlns:a16="http://schemas.microsoft.com/office/drawing/2014/main" xmlns="" id="{9F77210C-0EDE-42F3-A19F-12B3884B4393}"/>
+                <a16:creationId xmlns="" xmlns:a16="http://schemas.microsoft.com/office/drawing/2014/main" id="{9F77210C-0EDE-42F3-A19F-12B3884B4393}"/>
               </a:ext>
             </a:extLst>
           </p:cNvPr>
@@ -1806,7 +1804,7 @@
           <p:cNvPr id="7" name="슬라이드 번호 개체 틀 6">
             <a:extLst>
               <a:ext uri="{FF2B5EF4-FFF2-40B4-BE49-F238E27FC236}">
-                <a16:creationId xmlns:a16="http://schemas.microsoft.com/office/drawing/2014/main" xmlns="" id="{3215D590-E2D2-480C-AF73-67D855C553CB}"/>
+                <a16:creationId xmlns="" xmlns:a16="http://schemas.microsoft.com/office/drawing/2014/main" id="{3215D590-E2D2-480C-AF73-67D855C553CB}"/>
               </a:ext>
             </a:extLst>
           </p:cNvPr>
@@ -1865,7 +1863,7 @@
           <p:cNvPr id="2" name="제목 1">
             <a:extLst>
               <a:ext uri="{FF2B5EF4-FFF2-40B4-BE49-F238E27FC236}">
-                <a16:creationId xmlns:a16="http://schemas.microsoft.com/office/drawing/2014/main" xmlns="" id="{E1E3AF97-024B-4EF1-B5B6-2E362F07CDB3}"/>
+                <a16:creationId xmlns="" xmlns:a16="http://schemas.microsoft.com/office/drawing/2014/main" id="{E1E3AF97-024B-4EF1-B5B6-2E362F07CDB3}"/>
               </a:ext>
             </a:extLst>
           </p:cNvPr>
@@ -1898,7 +1896,7 @@
           <p:cNvPr id="3" name="텍스트 개체 틀 2">
             <a:extLst>
               <a:ext uri="{FF2B5EF4-FFF2-40B4-BE49-F238E27FC236}">
-                <a16:creationId xmlns:a16="http://schemas.microsoft.com/office/drawing/2014/main" xmlns="" id="{2B41334B-2AA0-4E32-9445-B691EAB2831F}"/>
+                <a16:creationId xmlns="" xmlns:a16="http://schemas.microsoft.com/office/drawing/2014/main" id="{2B41334B-2AA0-4E32-9445-B691EAB2831F}"/>
               </a:ext>
             </a:extLst>
           </p:cNvPr>
@@ -1969,7 +1967,7 @@
           <p:cNvPr id="4" name="내용 개체 틀 3">
             <a:extLst>
               <a:ext uri="{FF2B5EF4-FFF2-40B4-BE49-F238E27FC236}">
-                <a16:creationId xmlns:a16="http://schemas.microsoft.com/office/drawing/2014/main" xmlns="" id="{BDB62D6F-224F-4433-9752-11A255D323D4}"/>
+                <a16:creationId xmlns="" xmlns:a16="http://schemas.microsoft.com/office/drawing/2014/main" id="{BDB62D6F-224F-4433-9752-11A255D323D4}"/>
               </a:ext>
             </a:extLst>
           </p:cNvPr>
@@ -2031,7 +2029,7 @@
           <p:cNvPr id="5" name="텍스트 개체 틀 4">
             <a:extLst>
               <a:ext uri="{FF2B5EF4-FFF2-40B4-BE49-F238E27FC236}">
-                <a16:creationId xmlns:a16="http://schemas.microsoft.com/office/drawing/2014/main" xmlns="" id="{DD04EE0E-6C7E-4160-86AA-136E97F9FD62}"/>
+                <a16:creationId xmlns="" xmlns:a16="http://schemas.microsoft.com/office/drawing/2014/main" id="{DD04EE0E-6C7E-4160-86AA-136E97F9FD62}"/>
               </a:ext>
             </a:extLst>
           </p:cNvPr>
@@ -2102,7 +2100,7 @@
           <p:cNvPr id="6" name="내용 개체 틀 5">
             <a:extLst>
               <a:ext uri="{FF2B5EF4-FFF2-40B4-BE49-F238E27FC236}">
-                <a16:creationId xmlns:a16="http://schemas.microsoft.com/office/drawing/2014/main" xmlns="" id="{1B390FB9-7573-4784-A2A4-EDF1B3C59FF4}"/>
+                <a16:creationId xmlns="" xmlns:a16="http://schemas.microsoft.com/office/drawing/2014/main" id="{1B390FB9-7573-4784-A2A4-EDF1B3C59FF4}"/>
               </a:ext>
             </a:extLst>
           </p:cNvPr>
@@ -2164,7 +2162,7 @@
           <p:cNvPr id="7" name="날짜 개체 틀 6">
             <a:extLst>
               <a:ext uri="{FF2B5EF4-FFF2-40B4-BE49-F238E27FC236}">
-                <a16:creationId xmlns:a16="http://schemas.microsoft.com/office/drawing/2014/main" xmlns="" id="{F464B30B-9C6A-4C96-8DB5-BCE9A09F77BB}"/>
+                <a16:creationId xmlns="" xmlns:a16="http://schemas.microsoft.com/office/drawing/2014/main" id="{F464B30B-9C6A-4C96-8DB5-BCE9A09F77BB}"/>
               </a:ext>
             </a:extLst>
           </p:cNvPr>
@@ -2182,7 +2180,7 @@
           <a:p>
             <a:fld id="{246E467A-4026-4A8D-97BF-715EF7FA6491}" type="datetimeFigureOut">
               <a:rPr lang="ko-KR" altLang="en-US" smtClean="0"/>
-              <a:t>2023-09-13</a:t>
+              <a:t>2023-09-21</a:t>
             </a:fld>
             <a:endParaRPr lang="ko-KR" altLang="en-US"/>
           </a:p>
@@ -2193,7 +2191,7 @@
           <p:cNvPr id="8" name="바닥글 개체 틀 7">
             <a:extLst>
               <a:ext uri="{FF2B5EF4-FFF2-40B4-BE49-F238E27FC236}">
-                <a16:creationId xmlns:a16="http://schemas.microsoft.com/office/drawing/2014/main" xmlns="" id="{16A11AC4-2315-46FE-81A4-FE4B843497D9}"/>
+                <a16:creationId xmlns="" xmlns:a16="http://schemas.microsoft.com/office/drawing/2014/main" id="{16A11AC4-2315-46FE-81A4-FE4B843497D9}"/>
               </a:ext>
             </a:extLst>
           </p:cNvPr>
@@ -2218,7 +2216,7 @@
           <p:cNvPr id="9" name="슬라이드 번호 개체 틀 8">
             <a:extLst>
               <a:ext uri="{FF2B5EF4-FFF2-40B4-BE49-F238E27FC236}">
-                <a16:creationId xmlns:a16="http://schemas.microsoft.com/office/drawing/2014/main" xmlns="" id="{DC2D39CB-CB92-40B8-9B0C-3FBBBDF9DDF4}"/>
+                <a16:creationId xmlns="" xmlns:a16="http://schemas.microsoft.com/office/drawing/2014/main" id="{DC2D39CB-CB92-40B8-9B0C-3FBBBDF9DDF4}"/>
               </a:ext>
             </a:extLst>
           </p:cNvPr>
@@ -2277,7 +2275,7 @@
           <p:cNvPr id="2" name="제목 1">
             <a:extLst>
               <a:ext uri="{FF2B5EF4-FFF2-40B4-BE49-F238E27FC236}">
-                <a16:creationId xmlns:a16="http://schemas.microsoft.com/office/drawing/2014/main" xmlns="" id="{90E32E25-F5B3-41EE-BD3B-6965721B8BFA}"/>
+                <a16:creationId xmlns="" xmlns:a16="http://schemas.microsoft.com/office/drawing/2014/main" id="{90E32E25-F5B3-41EE-BD3B-6965721B8BFA}"/>
               </a:ext>
             </a:extLst>
           </p:cNvPr>
@@ -2305,7 +2303,7 @@
           <p:cNvPr id="3" name="날짜 개체 틀 2">
             <a:extLst>
               <a:ext uri="{FF2B5EF4-FFF2-40B4-BE49-F238E27FC236}">
-                <a16:creationId xmlns:a16="http://schemas.microsoft.com/office/drawing/2014/main" xmlns="" id="{0CFE1863-7C02-424B-AF80-CDB396716C6B}"/>
+                <a16:creationId xmlns="" xmlns:a16="http://schemas.microsoft.com/office/drawing/2014/main" id="{0CFE1863-7C02-424B-AF80-CDB396716C6B}"/>
               </a:ext>
             </a:extLst>
           </p:cNvPr>
@@ -2323,7 +2321,7 @@
           <a:p>
             <a:fld id="{246E467A-4026-4A8D-97BF-715EF7FA6491}" type="datetimeFigureOut">
               <a:rPr lang="ko-KR" altLang="en-US" smtClean="0"/>
-              <a:t>2023-09-13</a:t>
+              <a:t>2023-09-21</a:t>
             </a:fld>
             <a:endParaRPr lang="ko-KR" altLang="en-US"/>
           </a:p>
@@ -2334,7 +2332,7 @@
           <p:cNvPr id="4" name="바닥글 개체 틀 3">
             <a:extLst>
               <a:ext uri="{FF2B5EF4-FFF2-40B4-BE49-F238E27FC236}">
-                <a16:creationId xmlns:a16="http://schemas.microsoft.com/office/drawing/2014/main" xmlns="" id="{2F99FB34-90A4-44A0-9CF8-F0BC0FE4AB26}"/>
+                <a16:creationId xmlns="" xmlns:a16="http://schemas.microsoft.com/office/drawing/2014/main" id="{2F99FB34-90A4-44A0-9CF8-F0BC0FE4AB26}"/>
               </a:ext>
             </a:extLst>
           </p:cNvPr>
@@ -2359,7 +2357,7 @@
           <p:cNvPr id="5" name="슬라이드 번호 개체 틀 4">
             <a:extLst>
               <a:ext uri="{FF2B5EF4-FFF2-40B4-BE49-F238E27FC236}">
-                <a16:creationId xmlns:a16="http://schemas.microsoft.com/office/drawing/2014/main" xmlns="" id="{56375702-4955-406C-919C-D35A1B84B474}"/>
+                <a16:creationId xmlns="" xmlns:a16="http://schemas.microsoft.com/office/drawing/2014/main" id="{56375702-4955-406C-919C-D35A1B84B474}"/>
               </a:ext>
             </a:extLst>
           </p:cNvPr>
@@ -2418,7 +2416,7 @@
           <p:cNvPr id="2" name="날짜 개체 틀 1">
             <a:extLst>
               <a:ext uri="{FF2B5EF4-FFF2-40B4-BE49-F238E27FC236}">
-                <a16:creationId xmlns:a16="http://schemas.microsoft.com/office/drawing/2014/main" xmlns="" id="{D76E1BA2-3103-4DB2-AAEB-ED1BAE4527B3}"/>
+                <a16:creationId xmlns="" xmlns:a16="http://schemas.microsoft.com/office/drawing/2014/main" id="{D76E1BA2-3103-4DB2-AAEB-ED1BAE4527B3}"/>
               </a:ext>
             </a:extLst>
           </p:cNvPr>
@@ -2436,7 +2434,7 @@
           <a:p>
             <a:fld id="{246E467A-4026-4A8D-97BF-715EF7FA6491}" type="datetimeFigureOut">
               <a:rPr lang="ko-KR" altLang="en-US" smtClean="0"/>
-              <a:t>2023-09-13</a:t>
+              <a:t>2023-09-21</a:t>
             </a:fld>
             <a:endParaRPr lang="ko-KR" altLang="en-US"/>
           </a:p>
@@ -2447,7 +2445,7 @@
           <p:cNvPr id="3" name="바닥글 개체 틀 2">
             <a:extLst>
               <a:ext uri="{FF2B5EF4-FFF2-40B4-BE49-F238E27FC236}">
-                <a16:creationId xmlns:a16="http://schemas.microsoft.com/office/drawing/2014/main" xmlns="" id="{505D5A54-85CA-45E5-9801-A3F15EEFCC94}"/>
+                <a16:creationId xmlns="" xmlns:a16="http://schemas.microsoft.com/office/drawing/2014/main" id="{505D5A54-85CA-45E5-9801-A3F15EEFCC94}"/>
               </a:ext>
             </a:extLst>
           </p:cNvPr>
@@ -2472,7 +2470,7 @@
           <p:cNvPr id="4" name="슬라이드 번호 개체 틀 3">
             <a:extLst>
               <a:ext uri="{FF2B5EF4-FFF2-40B4-BE49-F238E27FC236}">
-                <a16:creationId xmlns:a16="http://schemas.microsoft.com/office/drawing/2014/main" xmlns="" id="{A812AF2F-D0EC-4C7E-8979-4C17E3F4B44D}"/>
+                <a16:creationId xmlns="" xmlns:a16="http://schemas.microsoft.com/office/drawing/2014/main" id="{A812AF2F-D0EC-4C7E-8979-4C17E3F4B44D}"/>
               </a:ext>
             </a:extLst>
           </p:cNvPr>
@@ -2531,7 +2529,7 @@
           <p:cNvPr id="2" name="제목 1">
             <a:extLst>
               <a:ext uri="{FF2B5EF4-FFF2-40B4-BE49-F238E27FC236}">
-                <a16:creationId xmlns:a16="http://schemas.microsoft.com/office/drawing/2014/main" xmlns="" id="{8C03A167-5C7C-4CD2-A3E4-B6F94583214B}"/>
+                <a16:creationId xmlns="" xmlns:a16="http://schemas.microsoft.com/office/drawing/2014/main" id="{8C03A167-5C7C-4CD2-A3E4-B6F94583214B}"/>
               </a:ext>
             </a:extLst>
           </p:cNvPr>
@@ -2568,7 +2566,7 @@
           <p:cNvPr id="3" name="내용 개체 틀 2">
             <a:extLst>
               <a:ext uri="{FF2B5EF4-FFF2-40B4-BE49-F238E27FC236}">
-                <a16:creationId xmlns:a16="http://schemas.microsoft.com/office/drawing/2014/main" xmlns="" id="{5421CEB6-C525-4AEB-BB3E-B13156901366}"/>
+                <a16:creationId xmlns="" xmlns:a16="http://schemas.microsoft.com/office/drawing/2014/main" id="{5421CEB6-C525-4AEB-BB3E-B13156901366}"/>
               </a:ext>
             </a:extLst>
           </p:cNvPr>
@@ -2658,7 +2656,7 @@
           <p:cNvPr id="4" name="텍스트 개체 틀 3">
             <a:extLst>
               <a:ext uri="{FF2B5EF4-FFF2-40B4-BE49-F238E27FC236}">
-                <a16:creationId xmlns:a16="http://schemas.microsoft.com/office/drawing/2014/main" xmlns="" id="{69296C9A-4472-4D30-BFAE-60CB397B5014}"/>
+                <a16:creationId xmlns="" xmlns:a16="http://schemas.microsoft.com/office/drawing/2014/main" id="{69296C9A-4472-4D30-BFAE-60CB397B5014}"/>
               </a:ext>
             </a:extLst>
           </p:cNvPr>
@@ -2729,7 +2727,7 @@
           <p:cNvPr id="5" name="날짜 개체 틀 4">
             <a:extLst>
               <a:ext uri="{FF2B5EF4-FFF2-40B4-BE49-F238E27FC236}">
-                <a16:creationId xmlns:a16="http://schemas.microsoft.com/office/drawing/2014/main" xmlns="" id="{F44E3F16-D603-4838-BA1C-0C9EEDE4AC92}"/>
+                <a16:creationId xmlns="" xmlns:a16="http://schemas.microsoft.com/office/drawing/2014/main" id="{F44E3F16-D603-4838-BA1C-0C9EEDE4AC92}"/>
               </a:ext>
             </a:extLst>
           </p:cNvPr>
@@ -2747,7 +2745,7 @@
           <a:p>
             <a:fld id="{246E467A-4026-4A8D-97BF-715EF7FA6491}" type="datetimeFigureOut">
               <a:rPr lang="ko-KR" altLang="en-US" smtClean="0"/>
-              <a:t>2023-09-13</a:t>
+              <a:t>2023-09-21</a:t>
             </a:fld>
             <a:endParaRPr lang="ko-KR" altLang="en-US"/>
           </a:p>
@@ -2758,7 +2756,7 @@
           <p:cNvPr id="6" name="바닥글 개체 틀 5">
             <a:extLst>
               <a:ext uri="{FF2B5EF4-FFF2-40B4-BE49-F238E27FC236}">
-                <a16:creationId xmlns:a16="http://schemas.microsoft.com/office/drawing/2014/main" xmlns="" id="{F48873C6-9D3A-4C62-9D46-88E6BAABCBA4}"/>
+                <a16:creationId xmlns="" xmlns:a16="http://schemas.microsoft.com/office/drawing/2014/main" id="{F48873C6-9D3A-4C62-9D46-88E6BAABCBA4}"/>
               </a:ext>
             </a:extLst>
           </p:cNvPr>
@@ -2783,7 +2781,7 @@
           <p:cNvPr id="7" name="슬라이드 번호 개체 틀 6">
             <a:extLst>
               <a:ext uri="{FF2B5EF4-FFF2-40B4-BE49-F238E27FC236}">
-                <a16:creationId xmlns:a16="http://schemas.microsoft.com/office/drawing/2014/main" xmlns="" id="{79A9C646-865F-49F4-8BDD-FB9A4DECA8F3}"/>
+                <a16:creationId xmlns="" xmlns:a16="http://schemas.microsoft.com/office/drawing/2014/main" id="{79A9C646-865F-49F4-8BDD-FB9A4DECA8F3}"/>
               </a:ext>
             </a:extLst>
           </p:cNvPr>
@@ -2842,7 +2840,7 @@
           <p:cNvPr id="2" name="제목 1">
             <a:extLst>
               <a:ext uri="{FF2B5EF4-FFF2-40B4-BE49-F238E27FC236}">
-                <a16:creationId xmlns:a16="http://schemas.microsoft.com/office/drawing/2014/main" xmlns="" id="{E5F258A6-5AAD-4F1F-976F-EDB5FF7254F0}"/>
+                <a16:creationId xmlns="" xmlns:a16="http://schemas.microsoft.com/office/drawing/2014/main" id="{E5F258A6-5AAD-4F1F-976F-EDB5FF7254F0}"/>
               </a:ext>
             </a:extLst>
           </p:cNvPr>
@@ -2879,7 +2877,7 @@
           <p:cNvPr id="3" name="그림 개체 틀 2">
             <a:extLst>
               <a:ext uri="{FF2B5EF4-FFF2-40B4-BE49-F238E27FC236}">
-                <a16:creationId xmlns:a16="http://schemas.microsoft.com/office/drawing/2014/main" xmlns="" id="{D2F4441E-0165-42AA-88F8-E53C4BAAC1DE}"/>
+                <a16:creationId xmlns="" xmlns:a16="http://schemas.microsoft.com/office/drawing/2014/main" id="{D2F4441E-0165-42AA-88F8-E53C4BAAC1DE}"/>
               </a:ext>
             </a:extLst>
           </p:cNvPr>
@@ -2946,7 +2944,7 @@
           <p:cNvPr id="4" name="텍스트 개체 틀 3">
             <a:extLst>
               <a:ext uri="{FF2B5EF4-FFF2-40B4-BE49-F238E27FC236}">
-                <a16:creationId xmlns:a16="http://schemas.microsoft.com/office/drawing/2014/main" xmlns="" id="{5AFCA1E8-0D3C-4590-82E2-D018D6E61D0F}"/>
+                <a16:creationId xmlns="" xmlns:a16="http://schemas.microsoft.com/office/drawing/2014/main" id="{5AFCA1E8-0D3C-4590-82E2-D018D6E61D0F}"/>
               </a:ext>
             </a:extLst>
           </p:cNvPr>
@@ -3017,7 +3015,7 @@
           <p:cNvPr id="5" name="날짜 개체 틀 4">
             <a:extLst>
               <a:ext uri="{FF2B5EF4-FFF2-40B4-BE49-F238E27FC236}">
-                <a16:creationId xmlns:a16="http://schemas.microsoft.com/office/drawing/2014/main" xmlns="" id="{0A674557-7FD9-416C-A8B5-FA6C4B5558AE}"/>
+                <a16:creationId xmlns="" xmlns:a16="http://schemas.microsoft.com/office/drawing/2014/main" id="{0A674557-7FD9-416C-A8B5-FA6C4B5558AE}"/>
               </a:ext>
             </a:extLst>
           </p:cNvPr>
@@ -3035,7 +3033,7 @@
           <a:p>
             <a:fld id="{246E467A-4026-4A8D-97BF-715EF7FA6491}" type="datetimeFigureOut">
               <a:rPr lang="ko-KR" altLang="en-US" smtClean="0"/>
-              <a:t>2023-09-13</a:t>
+              <a:t>2023-09-21</a:t>
             </a:fld>
             <a:endParaRPr lang="ko-KR" altLang="en-US"/>
           </a:p>
@@ -3046,7 +3044,7 @@
           <p:cNvPr id="6" name="바닥글 개체 틀 5">
             <a:extLst>
               <a:ext uri="{FF2B5EF4-FFF2-40B4-BE49-F238E27FC236}">
-                <a16:creationId xmlns:a16="http://schemas.microsoft.com/office/drawing/2014/main" xmlns="" id="{9C4A215C-B55F-4988-B45B-7667E8C7CAF6}"/>
+                <a16:creationId xmlns="" xmlns:a16="http://schemas.microsoft.com/office/drawing/2014/main" id="{9C4A215C-B55F-4988-B45B-7667E8C7CAF6}"/>
               </a:ext>
             </a:extLst>
           </p:cNvPr>
@@ -3071,7 +3069,7 @@
           <p:cNvPr id="7" name="슬라이드 번호 개체 틀 6">
             <a:extLst>
               <a:ext uri="{FF2B5EF4-FFF2-40B4-BE49-F238E27FC236}">
-                <a16:creationId xmlns:a16="http://schemas.microsoft.com/office/drawing/2014/main" xmlns="" id="{82FF3B86-5A48-411F-8090-830140A677FA}"/>
+                <a16:creationId xmlns="" xmlns:a16="http://schemas.microsoft.com/office/drawing/2014/main" id="{82FF3B86-5A48-411F-8090-830140A677FA}"/>
               </a:ext>
             </a:extLst>
           </p:cNvPr>
@@ -3135,7 +3133,7 @@
           <p:cNvPr id="2" name="제목 개체 틀 1">
             <a:extLst>
               <a:ext uri="{FF2B5EF4-FFF2-40B4-BE49-F238E27FC236}">
-                <a16:creationId xmlns:a16="http://schemas.microsoft.com/office/drawing/2014/main" xmlns="" id="{B9DF84FF-C412-430B-963A-695AABF70E5D}"/>
+                <a16:creationId xmlns="" xmlns:a16="http://schemas.microsoft.com/office/drawing/2014/main" id="{B9DF84FF-C412-430B-963A-695AABF70E5D}"/>
               </a:ext>
             </a:extLst>
           </p:cNvPr>
@@ -3173,7 +3171,7 @@
           <p:cNvPr id="3" name="텍스트 개체 틀 2">
             <a:extLst>
               <a:ext uri="{FF2B5EF4-FFF2-40B4-BE49-F238E27FC236}">
-                <a16:creationId xmlns:a16="http://schemas.microsoft.com/office/drawing/2014/main" xmlns="" id="{45EE7982-A999-4B0A-85F1-A0D5C55038DC}"/>
+                <a16:creationId xmlns="" xmlns:a16="http://schemas.microsoft.com/office/drawing/2014/main" id="{45EE7982-A999-4B0A-85F1-A0D5C55038DC}"/>
               </a:ext>
             </a:extLst>
           </p:cNvPr>
@@ -3240,7 +3238,7 @@
           <p:cNvPr id="4" name="날짜 개체 틀 3">
             <a:extLst>
               <a:ext uri="{FF2B5EF4-FFF2-40B4-BE49-F238E27FC236}">
-                <a16:creationId xmlns:a16="http://schemas.microsoft.com/office/drawing/2014/main" xmlns="" id="{3F48EB6A-F091-464F-A783-1AE546A56948}"/>
+                <a16:creationId xmlns="" xmlns:a16="http://schemas.microsoft.com/office/drawing/2014/main" id="{3F48EB6A-F091-464F-A783-1AE546A56948}"/>
               </a:ext>
             </a:extLst>
           </p:cNvPr>
@@ -3276,7 +3274,7 @@
           <a:p>
             <a:fld id="{246E467A-4026-4A8D-97BF-715EF7FA6491}" type="datetimeFigureOut">
               <a:rPr lang="ko-KR" altLang="en-US" smtClean="0"/>
-              <a:t>2023-09-13</a:t>
+              <a:t>2023-09-21</a:t>
             </a:fld>
             <a:endParaRPr lang="ko-KR" altLang="en-US"/>
           </a:p>
@@ -3287,7 +3285,7 @@
           <p:cNvPr id="5" name="바닥글 개체 틀 4">
             <a:extLst>
               <a:ext uri="{FF2B5EF4-FFF2-40B4-BE49-F238E27FC236}">
-                <a16:creationId xmlns:a16="http://schemas.microsoft.com/office/drawing/2014/main" xmlns="" id="{9531D2C7-63D5-4319-952D-A6F8404F460B}"/>
+                <a16:creationId xmlns="" xmlns:a16="http://schemas.microsoft.com/office/drawing/2014/main" id="{9531D2C7-63D5-4319-952D-A6F8404F460B}"/>
               </a:ext>
             </a:extLst>
           </p:cNvPr>
@@ -3330,7 +3328,7 @@
           <p:cNvPr id="6" name="슬라이드 번호 개체 틀 5">
             <a:extLst>
               <a:ext uri="{FF2B5EF4-FFF2-40B4-BE49-F238E27FC236}">
-                <a16:creationId xmlns:a16="http://schemas.microsoft.com/office/drawing/2014/main" xmlns="" id="{7739517A-02D4-4037-9427-974339FE7C30}"/>
+                <a16:creationId xmlns="" xmlns:a16="http://schemas.microsoft.com/office/drawing/2014/main" id="{7739517A-02D4-4037-9427-974339FE7C30}"/>
               </a:ext>
             </a:extLst>
           </p:cNvPr>
@@ -3706,7 +3704,7 @@
           <p:cNvPr id="2" name="TextBox 1">
             <a:extLst>
               <a:ext uri="{FF2B5EF4-FFF2-40B4-BE49-F238E27FC236}">
-                <a16:creationId xmlns:a16="http://schemas.microsoft.com/office/drawing/2014/main" xmlns="" id="{C70C938C-F8B1-4FFF-8F74-6ED0A876B136}"/>
+                <a16:creationId xmlns="" xmlns:a16="http://schemas.microsoft.com/office/drawing/2014/main" id="{C70C938C-F8B1-4FFF-8F74-6ED0A876B136}"/>
               </a:ext>
             </a:extLst>
           </p:cNvPr>
@@ -3747,7 +3745,7 @@
           <p:cNvPr id="3" name="TextBox 2">
             <a:extLst>
               <a:ext uri="{FF2B5EF4-FFF2-40B4-BE49-F238E27FC236}">
-                <a16:creationId xmlns:a16="http://schemas.microsoft.com/office/drawing/2014/main" xmlns="" id="{CC61FC92-B1C1-4C46-ABEF-2B6B78AA5915}"/>
+                <a16:creationId xmlns="" xmlns:a16="http://schemas.microsoft.com/office/drawing/2014/main" id="{CC61FC92-B1C1-4C46-ABEF-2B6B78AA5915}"/>
               </a:ext>
             </a:extLst>
           </p:cNvPr>
@@ -3788,7 +3786,7 @@
           <p:cNvPr id="8" name="그림 7" descr="사람, 서있는, 남자, 착용이(가) 표시된 사진&#10;&#10;자동 생성된 설명">
             <a:extLst>
               <a:ext uri="{FF2B5EF4-FFF2-40B4-BE49-F238E27FC236}">
-                <a16:creationId xmlns:a16="http://schemas.microsoft.com/office/drawing/2014/main" xmlns="" id="{398D98B8-2DFA-8476-B48A-2240354A960C}"/>
+                <a16:creationId xmlns="" xmlns:a16="http://schemas.microsoft.com/office/drawing/2014/main" id="{398D98B8-2DFA-8476-B48A-2240354A960C}"/>
               </a:ext>
             </a:extLst>
           </p:cNvPr>
@@ -3824,7 +3822,7 @@
           <p:cNvPr id="10" name="그림 9" descr="사람이(가) 표시된 사진&#10;&#10;자동 생성된 설명">
             <a:extLst>
               <a:ext uri="{FF2B5EF4-FFF2-40B4-BE49-F238E27FC236}">
-                <a16:creationId xmlns:a16="http://schemas.microsoft.com/office/drawing/2014/main" xmlns="" id="{0BE051E3-CAB7-BCFC-0441-E2FD03007A8D}"/>
+                <a16:creationId xmlns="" xmlns:a16="http://schemas.microsoft.com/office/drawing/2014/main" id="{0BE051E3-CAB7-BCFC-0441-E2FD03007A8D}"/>
               </a:ext>
             </a:extLst>
           </p:cNvPr>
@@ -3860,7 +3858,7 @@
           <p:cNvPr id="12" name="그림 11" descr="사람, 남자, 착용, 서있는이(가) 표시된 사진&#10;&#10;자동 생성된 설명">
             <a:extLst>
               <a:ext uri="{FF2B5EF4-FFF2-40B4-BE49-F238E27FC236}">
-                <a16:creationId xmlns:a16="http://schemas.microsoft.com/office/drawing/2014/main" xmlns="" id="{E9B0AD0F-14A6-F8C1-AEF5-1B01B5CEF846}"/>
+                <a16:creationId xmlns="" xmlns:a16="http://schemas.microsoft.com/office/drawing/2014/main" id="{E9B0AD0F-14A6-F8C1-AEF5-1B01B5CEF846}"/>
               </a:ext>
             </a:extLst>
           </p:cNvPr>
@@ -3945,7 +3943,7 @@
           <p:cNvPr id="3" name="직선 연결선 2">
             <a:extLst>
               <a:ext uri="{FF2B5EF4-FFF2-40B4-BE49-F238E27FC236}">
-                <a16:creationId xmlns:a16="http://schemas.microsoft.com/office/drawing/2014/main" xmlns="" id="{30B7886A-E2C2-47A8-A271-1FD08F52EED0}"/>
+                <a16:creationId xmlns="" xmlns:a16="http://schemas.microsoft.com/office/drawing/2014/main" id="{30B7886A-E2C2-47A8-A271-1FD08F52EED0}"/>
               </a:ext>
             </a:extLst>
           </p:cNvPr>
@@ -3988,7 +3986,7 @@
           <p:cNvPr id="18" name="직선 연결선 17">
             <a:extLst>
               <a:ext uri="{FF2B5EF4-FFF2-40B4-BE49-F238E27FC236}">
-                <a16:creationId xmlns:a16="http://schemas.microsoft.com/office/drawing/2014/main" xmlns="" id="{7911BDFD-7E29-44F7-9ED7-E8F36B51436C}"/>
+                <a16:creationId xmlns="" xmlns:a16="http://schemas.microsoft.com/office/drawing/2014/main" id="{7911BDFD-7E29-44F7-9ED7-E8F36B51436C}"/>
               </a:ext>
             </a:extLst>
           </p:cNvPr>
@@ -4027,7 +4025,7 @@
         </p:nvSpPr>
         <p:spPr>
           <a:xfrm>
-            <a:off x="869950" y="5837536"/>
+            <a:off x="869950" y="6119338"/>
             <a:ext cx="10354734" cy="369332"/>
           </a:xfrm>
           <a:prstGeom prst="rect">
@@ -4041,25 +4039,30 @@
           </a:bodyPr>
           <a:lstStyle/>
           <a:p>
+            <a:pPr algn="ctr"/>
+            <a:r>
+              <a:rPr lang="en-US" altLang="ko-KR" dirty="0" smtClean="0"/>
+              <a:t>Docker</a:t>
+            </a:r>
             <a:r>
               <a:rPr lang="ko-KR" altLang="en-US" dirty="0" smtClean="0"/>
+              <a:t>를 통해 </a:t>
+            </a:r>
+            <a:r>
+              <a:rPr lang="en-US" altLang="ko-KR" dirty="0" err="1" smtClean="0"/>
+              <a:t>ai</a:t>
+            </a:r>
+            <a:r>
+              <a:rPr lang="en-US" altLang="ko-KR" dirty="0" smtClean="0"/>
               <a:t> </a:t>
             </a:r>
             <a:r>
-              <a:rPr lang="ko-KR" altLang="en-US" dirty="0" err="1" smtClean="0"/>
-              <a:t>반응형으로</a:t>
-            </a:r>
-            <a:r>
               <a:rPr lang="ko-KR" altLang="en-US" dirty="0" smtClean="0"/>
-              <a:t> 디자인 작업 진행 및 아이콘과 </a:t>
-            </a:r>
-            <a:r>
-              <a:rPr lang="ko-KR" altLang="en-US" dirty="0"/>
-              <a:t>같은 디자인 요소 </a:t>
-            </a:r>
-            <a:r>
-              <a:rPr lang="ko-KR" altLang="en-US" dirty="0" smtClean="0"/>
-              <a:t>제작  </a:t>
+              <a:t>서버를 컨테이너화 하였다</a:t>
+            </a:r>
+            <a:r>
+              <a:rPr lang="en-US" altLang="ko-KR" dirty="0" smtClean="0"/>
+              <a:t>.</a:t>
             </a:r>
             <a:endParaRPr lang="en-US" altLang="ko-KR" dirty="0" smtClean="0"/>
           </a:p>
@@ -4067,14 +4070,14 @@
       </p:sp>
       <p:pic>
         <p:nvPicPr>
-          <p:cNvPr id="1028" name="Picture 4" descr="C:\Users\user\Desktop\22233.JPG"/>
+          <p:cNvPr id="1026" name="Picture 2" descr="C:\Users\user\Desktop\KakaoTalk_20230921_005410284.png"/>
           <p:cNvPicPr>
             <a:picLocks noChangeAspect="1" noChangeArrowheads="1"/>
           </p:cNvPicPr>
           <p:nvPr/>
         </p:nvPicPr>
         <p:blipFill>
-          <a:blip r:embed="rId2" cstate="screen">
+          <a:blip r:embed="rId2">
             <a:extLst>
               <a:ext uri="{28A0092B-C50C-407E-A947-70E740481C1C}">
                 <a14:useLocalDpi xmlns:a14="http://schemas.microsoft.com/office/drawing/2010/main" val="0"/>
@@ -4088,8 +4091,8 @@
         </p:blipFill>
         <p:spPr bwMode="auto">
           <a:xfrm>
-            <a:off x="6995832" y="278640"/>
-            <a:ext cx="4545265" cy="5361763"/>
+            <a:off x="1109398" y="677863"/>
+            <a:ext cx="9875838" cy="5181600"/>
           </a:xfrm>
           <a:prstGeom prst="rect">
             <a:avLst/>
@@ -4106,566 +4109,56 @@
           </a:extLst>
         </p:spPr>
       </p:pic>
-      <p:pic>
-        <p:nvPicPr>
-          <p:cNvPr id="1029" name="Picture 5" descr="C:\Users\user\Desktop\1112.JPG"/>
-          <p:cNvPicPr>
-            <a:picLocks noChangeAspect="1" noChangeArrowheads="1"/>
-          </p:cNvPicPr>
+      <p:sp>
+        <p:nvSpPr>
+          <p:cNvPr id="2" name="오른쪽 화살표 1"/>
+          <p:cNvSpPr/>
           <p:nvPr/>
-        </p:nvPicPr>
-        <p:blipFill>
-          <a:blip r:embed="rId3" cstate="screen">
-            <a:extLst>
-              <a:ext uri="{28A0092B-C50C-407E-A947-70E740481C1C}">
-                <a14:useLocalDpi xmlns:a14="http://schemas.microsoft.com/office/drawing/2010/main" val="0"/>
-              </a:ext>
-            </a:extLst>
-          </a:blip>
-          <a:srcRect/>
-          <a:stretch>
-            <a:fillRect/>
-          </a:stretch>
-        </p:blipFill>
-        <p:spPr bwMode="auto">
+        </p:nvSpPr>
+        <p:spPr>
           <a:xfrm>
-            <a:off x="397152" y="635267"/>
-            <a:ext cx="6469738" cy="4446873"/>
+            <a:off x="5441950" y="2620667"/>
+            <a:ext cx="1447800" cy="1404937"/>
           </a:xfrm>
-          <a:prstGeom prst="rect">
+          <a:prstGeom prst="rightArrow">
             <a:avLst/>
           </a:prstGeom>
-          <a:noFill/>
-          <a:extLst>
-            <a:ext uri="{909E8E84-426E-40DD-AFC4-6F175D3DCCD1}">
-              <a14:hiddenFill xmlns:a14="http://schemas.microsoft.com/office/drawing/2010/main">
-                <a:solidFill>
-                  <a:srgbClr val="FFFFFF"/>
-                </a:solidFill>
-              </a14:hiddenFill>
-            </a:ext>
-          </a:extLst>
-        </p:spPr>
-      </p:pic>
-    </p:spTree>
-    <p:extLst>
-      <p:ext uri="{BB962C8B-B14F-4D97-AF65-F5344CB8AC3E}">
-        <p14:creationId xmlns:p14="http://schemas.microsoft.com/office/powerpoint/2010/main" val="1924699665"/>
-      </p:ext>
-    </p:extLst>
-  </p:cSld>
-  <p:clrMapOvr>
-    <a:masterClrMapping/>
-  </p:clrMapOvr>
-  <mc:AlternateContent xmlns:mc="http://schemas.openxmlformats.org/markup-compatibility/2006" xmlns:p14="http://schemas.microsoft.com/office/powerpoint/2010/main">
-    <mc:Choice Requires="p14">
-      <p:transition spd="med" p14:dur="700">
-        <p:fade/>
-      </p:transition>
-    </mc:Choice>
-    <mc:Fallback xmlns="">
-      <p:transition spd="med">
-        <p:fade/>
-      </p:transition>
-    </mc:Fallback>
-  </mc:AlternateContent>
-  <p:timing>
-    <p:tnLst>
-      <p:par>
-        <p:cTn id="1" dur="indefinite" restart="never" nodeType="tmRoot"/>
-      </p:par>
-    </p:tnLst>
-  </p:timing>
-</p:sld>
-</file>
-
-<file path=ppt/slides/slide3.xml><?xml version="1.0" encoding="utf-8"?>
-<p:sld xmlns:a="http://schemas.openxmlformats.org/drawingml/2006/main" xmlns:r="http://schemas.openxmlformats.org/officeDocument/2006/relationships" xmlns:p="http://schemas.openxmlformats.org/presentationml/2006/main">
-  <p:cSld>
-    <p:spTree>
-      <p:nvGrpSpPr>
-        <p:cNvPr id="1" name=""/>
-        <p:cNvGrpSpPr/>
-        <p:nvPr/>
-      </p:nvGrpSpPr>
-      <p:grpSpPr>
-        <a:xfrm>
-          <a:off x="0" y="0"/>
-          <a:ext cx="0" cy="0"/>
-          <a:chOff x="0" y="0"/>
-          <a:chExt cx="0" cy="0"/>
-        </a:xfrm>
-      </p:grpSpPr>
-      <p:cxnSp>
-        <p:nvCxnSpPr>
-          <p:cNvPr id="3" name="직선 연결선 2">
-            <a:extLst>
-              <a:ext uri="{FF2B5EF4-FFF2-40B4-BE49-F238E27FC236}">
-                <a16:creationId xmlns:a16="http://schemas.microsoft.com/office/drawing/2014/main" xmlns="" id="{30B7886A-E2C2-47A8-A271-1FD08F52EED0}"/>
-              </a:ext>
-            </a:extLst>
-          </p:cNvPr>
-          <p:cNvCxnSpPr>
-            <a:cxnSpLocks/>
-          </p:cNvCxnSpPr>
-          <p:nvPr/>
-        </p:nvCxnSpPr>
-        <p:spPr>
-          <a:xfrm>
-            <a:off x="152400" y="190500"/>
-            <a:ext cx="1435100" cy="0"/>
-          </a:xfrm>
-          <a:prstGeom prst="line">
-            <a:avLst/>
-          </a:prstGeom>
-          <a:ln w="76200">
-            <a:solidFill>
-              <a:schemeClr val="accent4"/>
-            </a:solidFill>
+          <a:solidFill>
+            <a:schemeClr val="accent4"/>
+          </a:solidFill>
+          <a:ln>
+            <a:noFill/>
           </a:ln>
         </p:spPr>
         <p:style>
-          <a:lnRef idx="1">
-            <a:schemeClr val="accent1"/>
+          <a:lnRef idx="2">
+            <a:schemeClr val="accent1">
+              <a:shade val="50000"/>
+            </a:schemeClr>
           </a:lnRef>
-          <a:fillRef idx="0">
+          <a:fillRef idx="1">
             <a:schemeClr val="accent1"/>
           </a:fillRef>
           <a:effectRef idx="0">
             <a:schemeClr val="accent1"/>
           </a:effectRef>
           <a:fontRef idx="minor">
-            <a:schemeClr val="tx1"/>
+            <a:schemeClr val="lt1"/>
           </a:fontRef>
         </p:style>
-      </p:cxnSp>
-      <p:cxnSp>
-        <p:nvCxnSpPr>
-          <p:cNvPr id="18" name="직선 연결선 17">
-            <a:extLst>
-              <a:ext uri="{FF2B5EF4-FFF2-40B4-BE49-F238E27FC236}">
-                <a16:creationId xmlns:a16="http://schemas.microsoft.com/office/drawing/2014/main" xmlns="" id="{7911BDFD-7E29-44F7-9ED7-E8F36B51436C}"/>
-              </a:ext>
-            </a:extLst>
-          </p:cNvPr>
-          <p:cNvCxnSpPr/>
-          <p:nvPr/>
-        </p:nvCxnSpPr>
-        <p:spPr>
-          <a:xfrm>
-            <a:off x="1587500" y="190500"/>
-            <a:ext cx="10604500" cy="0"/>
-          </a:xfrm>
-          <a:prstGeom prst="line">
-            <a:avLst/>
-          </a:prstGeom>
-        </p:spPr>
-        <p:style>
-          <a:lnRef idx="1">
-            <a:schemeClr val="accent1"/>
-          </a:lnRef>
-          <a:fillRef idx="0">
-            <a:schemeClr val="accent1"/>
-          </a:fillRef>
-          <a:effectRef idx="0">
-            <a:schemeClr val="accent1"/>
-          </a:effectRef>
-          <a:fontRef idx="minor">
-            <a:schemeClr val="tx1"/>
-          </a:fontRef>
-        </p:style>
-      </p:cxnSp>
-      <p:sp>
-        <p:nvSpPr>
-          <p:cNvPr id="4" name="TextBox 3"/>
-          <p:cNvSpPr txBox="1"/>
-          <p:nvPr/>
-        </p:nvSpPr>
-        <p:spPr>
-          <a:xfrm>
-            <a:off x="869950" y="5722033"/>
-            <a:ext cx="10354734" cy="646331"/>
-          </a:xfrm>
-          <a:prstGeom prst="rect">
-            <a:avLst/>
-          </a:prstGeom>
-          <a:noFill/>
-        </p:spPr>
-        <p:txBody>
-          <a:bodyPr wrap="square" rtlCol="0">
-            <a:spAutoFit/>
-          </a:bodyPr>
-          <a:lstStyle/>
-          <a:p>
-            <a:r>
-              <a:rPr lang="en-US" altLang="ko-KR" dirty="0" smtClean="0"/>
-              <a:t>AI </a:t>
-            </a:r>
-            <a:r>
-              <a:rPr lang="ko-KR" altLang="en-US" dirty="0" smtClean="0"/>
-              <a:t>서버를 돌릴 경우</a:t>
-            </a:r>
-            <a:r>
-              <a:rPr lang="en-US" altLang="ko-KR" dirty="0"/>
-              <a:t>,</a:t>
-            </a:r>
-            <a:r>
-              <a:rPr lang="ko-KR" altLang="en-US" dirty="0" smtClean="0"/>
-              <a:t> </a:t>
-            </a:r>
-            <a:r>
-              <a:rPr lang="en-US" altLang="ko-KR" dirty="0" smtClean="0"/>
-              <a:t>GPU</a:t>
-            </a:r>
-            <a:r>
-              <a:rPr lang="ko-KR" altLang="en-US" dirty="0" smtClean="0"/>
-              <a:t>를 사용한 </a:t>
-            </a:r>
-            <a:r>
-              <a:rPr lang="ko-KR" altLang="en-US" dirty="0" err="1" smtClean="0"/>
-              <a:t>호스팅</a:t>
-            </a:r>
-            <a:r>
-              <a:rPr lang="ko-KR" altLang="en-US" dirty="0" err="1" smtClean="0"/>
-              <a:t>이</a:t>
-            </a:r>
-            <a:r>
-              <a:rPr lang="ko-KR" altLang="en-US" dirty="0" smtClean="0"/>
-              <a:t> 유료이고</a:t>
-            </a:r>
-            <a:r>
-              <a:rPr lang="en-US" altLang="ko-KR" dirty="0" smtClean="0"/>
-              <a:t>, </a:t>
-            </a:r>
-            <a:r>
-              <a:rPr lang="ko-KR" altLang="en-US" dirty="0" smtClean="0"/>
-              <a:t>한달 약</a:t>
-            </a:r>
-            <a:r>
-              <a:rPr lang="en-US" altLang="ko-KR" dirty="0" smtClean="0"/>
-              <a:t>(100</a:t>
-            </a:r>
-            <a:r>
-              <a:rPr lang="ko-KR" altLang="en-US" dirty="0" smtClean="0"/>
-              <a:t>만원 내외</a:t>
-            </a:r>
-            <a:r>
-              <a:rPr lang="en-US" altLang="ko-KR" dirty="0" smtClean="0"/>
-              <a:t>) </a:t>
-            </a:r>
-          </a:p>
-          <a:p>
-            <a:r>
-              <a:rPr lang="ko-KR" altLang="en-US" dirty="0" smtClean="0"/>
-              <a:t>직접 도매인 구매하여</a:t>
-            </a:r>
-            <a:r>
-              <a:rPr lang="en-US" altLang="ko-KR" dirty="0" smtClean="0"/>
-              <a:t>, </a:t>
-            </a:r>
-            <a:r>
-              <a:rPr lang="ko-KR" altLang="en-US" dirty="0" err="1" smtClean="0"/>
-              <a:t>호스팅</a:t>
-            </a:r>
-            <a:r>
-              <a:rPr lang="ko-KR" altLang="en-US" dirty="0" smtClean="0"/>
-              <a:t> 하는 방법을 고려</a:t>
-            </a:r>
-            <a:r>
-              <a:rPr lang="en-US" altLang="ko-KR" dirty="0" smtClean="0"/>
-              <a:t>(AI </a:t>
-            </a:r>
-            <a:r>
-              <a:rPr lang="ko-KR" altLang="en-US" dirty="0" smtClean="0"/>
-              <a:t>서버만</a:t>
-            </a:r>
-            <a:r>
-              <a:rPr lang="en-US" altLang="ko-KR" dirty="0"/>
-              <a:t> </a:t>
-            </a:r>
-            <a:r>
-              <a:rPr lang="ko-KR" altLang="en-US" dirty="0" smtClean="0"/>
-              <a:t>돌리거나</a:t>
-            </a:r>
-            <a:r>
-              <a:rPr lang="en-US" altLang="ko-KR" dirty="0" smtClean="0"/>
-              <a:t>, AI </a:t>
-            </a:r>
-            <a:r>
-              <a:rPr lang="ko-KR" altLang="en-US" dirty="0" smtClean="0"/>
-              <a:t>및 전체를 돌리는 방법</a:t>
-            </a:r>
-            <a:r>
-              <a:rPr lang="en-US" altLang="ko-KR" dirty="0" smtClean="0"/>
-              <a:t>)</a:t>
-            </a:r>
-          </a:p>
-        </p:txBody>
-      </p:sp>
-      <p:pic>
-        <p:nvPicPr>
-          <p:cNvPr id="2050" name="Picture 2" descr="C:\Users\user\Desktop\다운로드.png"/>
-          <p:cNvPicPr>
-            <a:picLocks noChangeAspect="1" noChangeArrowheads="1"/>
-          </p:cNvPicPr>
-          <p:nvPr/>
-        </p:nvPicPr>
-        <p:blipFill>
-          <a:blip r:embed="rId2">
-            <a:extLst>
-              <a:ext uri="{28A0092B-C50C-407E-A947-70E740481C1C}">
-                <a14:useLocalDpi xmlns:a14="http://schemas.microsoft.com/office/drawing/2010/main" val="0"/>
-              </a:ext>
-            </a:extLst>
-          </a:blip>
-          <a:srcRect/>
-          <a:stretch>
-            <a:fillRect/>
-          </a:stretch>
-        </p:blipFill>
-        <p:spPr bwMode="auto">
-          <a:xfrm>
-            <a:off x="4615392" y="748243"/>
-            <a:ext cx="2674408" cy="4121735"/>
-          </a:xfrm>
-          <a:prstGeom prst="rect">
-            <a:avLst/>
-          </a:prstGeom>
-          <a:noFill/>
-          <a:extLst>
-            <a:ext uri="{909E8E84-426E-40DD-AFC4-6F175D3DCCD1}">
-              <a14:hiddenFill xmlns:a14="http://schemas.microsoft.com/office/drawing/2010/main">
-                <a:solidFill>
-                  <a:srgbClr val="FFFFFF"/>
-                </a:solidFill>
-              </a14:hiddenFill>
-            </a:ext>
-          </a:extLst>
-        </p:spPr>
-      </p:pic>
+        <p:txBody>
+          <a:bodyPr rtlCol="0" anchor="ctr"/>
+          <a:lstStyle/>
+          <a:p>
+            <a:pPr algn="ctr"/>
+            <a:endParaRPr lang="ko-KR" altLang="en-US"/>
+          </a:p>
+        </p:txBody>
+      </p:sp>
     </p:spTree>
     <p:extLst>
       <p:ext uri="{BB962C8B-B14F-4D97-AF65-F5344CB8AC3E}">
-        <p14:creationId xmlns:p14="http://schemas.microsoft.com/office/powerpoint/2010/main" val="1555402118"/>
-      </p:ext>
-    </p:extLst>
-  </p:cSld>
-  <p:clrMapOvr>
-    <a:masterClrMapping/>
-  </p:clrMapOvr>
-  <mc:AlternateContent xmlns:mc="http://schemas.openxmlformats.org/markup-compatibility/2006" xmlns:p14="http://schemas.microsoft.com/office/powerpoint/2010/main">
-    <mc:Choice Requires="p14">
-      <p:transition spd="med" p14:dur="700">
-        <p:fade/>
-      </p:transition>
-    </mc:Choice>
-    <mc:Fallback xmlns="">
-      <p:transition spd="med">
-        <p:fade/>
-      </p:transition>
-    </mc:Fallback>
-  </mc:AlternateContent>
-  <p:timing>
-    <p:tnLst>
-      <p:par>
-        <p:cTn id="1" dur="indefinite" restart="never" nodeType="tmRoot"/>
-      </p:par>
-    </p:tnLst>
-  </p:timing>
-</p:sld>
-</file>
-
-<file path=ppt/slides/slide4.xml><?xml version="1.0" encoding="utf-8"?>
-<p:sld xmlns:a="http://schemas.openxmlformats.org/drawingml/2006/main" xmlns:r="http://schemas.openxmlformats.org/officeDocument/2006/relationships" xmlns:p="http://schemas.openxmlformats.org/presentationml/2006/main">
-  <p:cSld>
-    <p:spTree>
-      <p:nvGrpSpPr>
-        <p:cNvPr id="1" name=""/>
-        <p:cNvGrpSpPr/>
-        <p:nvPr/>
-      </p:nvGrpSpPr>
-      <p:grpSpPr>
-        <a:xfrm>
-          <a:off x="0" y="0"/>
-          <a:ext cx="0" cy="0"/>
-          <a:chOff x="0" y="0"/>
-          <a:chExt cx="0" cy="0"/>
-        </a:xfrm>
-      </p:grpSpPr>
-      <p:cxnSp>
-        <p:nvCxnSpPr>
-          <p:cNvPr id="3" name="직선 연결선 2">
-            <a:extLst>
-              <a:ext uri="{FF2B5EF4-FFF2-40B4-BE49-F238E27FC236}">
-                <a16:creationId xmlns:a16="http://schemas.microsoft.com/office/drawing/2014/main" xmlns="" id="{30B7886A-E2C2-47A8-A271-1FD08F52EED0}"/>
-              </a:ext>
-            </a:extLst>
-          </p:cNvPr>
-          <p:cNvCxnSpPr>
-            <a:cxnSpLocks/>
-          </p:cNvCxnSpPr>
-          <p:nvPr/>
-        </p:nvCxnSpPr>
-        <p:spPr>
-          <a:xfrm>
-            <a:off x="152400" y="190500"/>
-            <a:ext cx="1435100" cy="0"/>
-          </a:xfrm>
-          <a:prstGeom prst="line">
-            <a:avLst/>
-          </a:prstGeom>
-          <a:ln w="76200">
-            <a:solidFill>
-              <a:schemeClr val="accent4"/>
-            </a:solidFill>
-          </a:ln>
-        </p:spPr>
-        <p:style>
-          <a:lnRef idx="1">
-            <a:schemeClr val="accent1"/>
-          </a:lnRef>
-          <a:fillRef idx="0">
-            <a:schemeClr val="accent1"/>
-          </a:fillRef>
-          <a:effectRef idx="0">
-            <a:schemeClr val="accent1"/>
-          </a:effectRef>
-          <a:fontRef idx="minor">
-            <a:schemeClr val="tx1"/>
-          </a:fontRef>
-        </p:style>
-      </p:cxnSp>
-      <p:cxnSp>
-        <p:nvCxnSpPr>
-          <p:cNvPr id="18" name="직선 연결선 17">
-            <a:extLst>
-              <a:ext uri="{FF2B5EF4-FFF2-40B4-BE49-F238E27FC236}">
-                <a16:creationId xmlns:a16="http://schemas.microsoft.com/office/drawing/2014/main" xmlns="" id="{7911BDFD-7E29-44F7-9ED7-E8F36B51436C}"/>
-              </a:ext>
-            </a:extLst>
-          </p:cNvPr>
-          <p:cNvCxnSpPr/>
-          <p:nvPr/>
-        </p:nvCxnSpPr>
-        <p:spPr>
-          <a:xfrm>
-            <a:off x="1587500" y="190500"/>
-            <a:ext cx="10604500" cy="0"/>
-          </a:xfrm>
-          <a:prstGeom prst="line">
-            <a:avLst/>
-          </a:prstGeom>
-        </p:spPr>
-        <p:style>
-          <a:lnRef idx="1">
-            <a:schemeClr val="accent1"/>
-          </a:lnRef>
-          <a:fillRef idx="0">
-            <a:schemeClr val="accent1"/>
-          </a:fillRef>
-          <a:effectRef idx="0">
-            <a:schemeClr val="accent1"/>
-          </a:effectRef>
-          <a:fontRef idx="minor">
-            <a:schemeClr val="tx1"/>
-          </a:fontRef>
-        </p:style>
-      </p:cxnSp>
-      <p:sp>
-        <p:nvSpPr>
-          <p:cNvPr id="4" name="TextBox 3"/>
-          <p:cNvSpPr txBox="1"/>
-          <p:nvPr/>
-        </p:nvSpPr>
-        <p:spPr>
-          <a:xfrm>
-            <a:off x="914136" y="5679533"/>
-            <a:ext cx="10354734" cy="369332"/>
-          </a:xfrm>
-          <a:prstGeom prst="rect">
-            <a:avLst/>
-          </a:prstGeom>
-          <a:noFill/>
-        </p:spPr>
-        <p:txBody>
-          <a:bodyPr wrap="square" rtlCol="0">
-            <a:spAutoFit/>
-          </a:bodyPr>
-          <a:lstStyle/>
-          <a:p>
-            <a:r>
-              <a:rPr lang="ko-KR" altLang="en-US" dirty="0" smtClean="0"/>
-              <a:t> </a:t>
-            </a:r>
-            <a:r>
-              <a:rPr lang="ko-KR" altLang="en-US" dirty="0" smtClean="0"/>
-              <a:t>서버에 작동 시킬 수 있도록 </a:t>
-            </a:r>
-            <a:r>
-              <a:rPr lang="en-US" altLang="ko-KR" dirty="0" smtClean="0"/>
-              <a:t>AI </a:t>
-            </a:r>
-            <a:r>
-              <a:rPr lang="ko-KR" altLang="en-US" dirty="0" smtClean="0"/>
-              <a:t>서버 측 코드 </a:t>
-            </a:r>
-            <a:r>
-              <a:rPr lang="ko-KR" altLang="en-US" dirty="0" smtClean="0"/>
-              <a:t>연</a:t>
-            </a:r>
-            <a:r>
-              <a:rPr lang="ko-KR" altLang="en-US" dirty="0"/>
-              <a:t>동</a:t>
-            </a:r>
-            <a:endParaRPr lang="ko-KR" altLang="en-US" dirty="0"/>
-          </a:p>
-        </p:txBody>
-      </p:sp>
-      <p:pic>
-        <p:nvPicPr>
-          <p:cNvPr id="3074" name="Picture 2" descr="C:\Users\user\Desktop\asss.png"/>
-          <p:cNvPicPr>
-            <a:picLocks noChangeAspect="1" noChangeArrowheads="1"/>
-          </p:cNvPicPr>
-          <p:nvPr/>
-        </p:nvPicPr>
-        <p:blipFill>
-          <a:blip r:embed="rId2">
-            <a:extLst>
-              <a:ext uri="{28A0092B-C50C-407E-A947-70E740481C1C}">
-                <a14:useLocalDpi xmlns:a14="http://schemas.microsoft.com/office/drawing/2010/main" val="0"/>
-              </a:ext>
-            </a:extLst>
-          </a:blip>
-          <a:srcRect/>
-          <a:stretch>
-            <a:fillRect/>
-          </a:stretch>
-        </p:blipFill>
-        <p:spPr bwMode="auto">
-          <a:xfrm>
-            <a:off x="4030664" y="516997"/>
-            <a:ext cx="4876800" cy="4876800"/>
-          </a:xfrm>
-          <a:prstGeom prst="rect">
-            <a:avLst/>
-          </a:prstGeom>
-          <a:noFill/>
-          <a:extLst>
-            <a:ext uri="{909E8E84-426E-40DD-AFC4-6F175D3DCCD1}">
-              <a14:hiddenFill xmlns:a14="http://schemas.microsoft.com/office/drawing/2010/main">
-                <a:solidFill>
-                  <a:srgbClr val="FFFFFF"/>
-                </a:solidFill>
-              </a14:hiddenFill>
-            </a:ext>
-          </a:extLst>
-        </p:spPr>
-      </p:pic>
-    </p:spTree>
-    <p:extLst>
-      <p:ext uri="{BB962C8B-B14F-4D97-AF65-F5344CB8AC3E}">
-        <p14:creationId xmlns:p14="http://schemas.microsoft.com/office/powerpoint/2010/main" val="923120080"/>
+        <p14:creationId xmlns:p14="http://schemas.microsoft.com/office/powerpoint/2010/main" val="1924699665"/>
       </p:ext>
     </p:extLst>
   </p:cSld>
@@ -4922,7 +4415,7 @@
   <a:extraClrSchemeLst/>
   <a:extLst>
     <a:ext uri="{05A4C25C-085E-4340-85A3-A5531E510DB2}">
-      <thm15:themeFamily xmlns:thm15="http://schemas.microsoft.com/office/thememl/2012/main" xmlns="" name="Office Theme" id="{62F939B6-93AF-4DB8-9C6B-D6C7DFDC589F}" vid="{4A3C46E8-61CC-4603-A589-7422A47A8E4A}"/>
+      <thm15:themeFamily xmlns="" xmlns:thm15="http://schemas.microsoft.com/office/thememl/2012/main" name="Office Theme" id="{62F939B6-93AF-4DB8-9C6B-D6C7DFDC589F}" vid="{4A3C46E8-61CC-4603-A589-7422A47A8E4A}"/>
     </a:ext>
   </a:extLst>
 </a:theme>
